--- a/resources/WFPS.pptx
+++ b/resources/WFPS.pptx
@@ -5,16 +5,17 @@
     <p:sldMasterId id="2147483648" r:id="rId1"/>
   </p:sldMasterIdLst>
   <p:notesMasterIdLst>
-    <p:notesMasterId r:id="rId6"/>
+    <p:notesMasterId r:id="rId7"/>
   </p:notesMasterIdLst>
   <p:handoutMasterIdLst>
-    <p:handoutMasterId r:id="rId7"/>
+    <p:handoutMasterId r:id="rId8"/>
   </p:handoutMasterIdLst>
   <p:sldIdLst>
     <p:sldId id="281" r:id="rId2"/>
     <p:sldId id="283" r:id="rId3"/>
     <p:sldId id="285" r:id="rId4"/>
     <p:sldId id="286" r:id="rId5"/>
+    <p:sldId id="287" r:id="rId6"/>
   </p:sldIdLst>
   <p:sldSz cx="9144000" cy="6858000" type="screen4x3"/>
   <p:notesSz cx="6858000" cy="9144000"/>
@@ -115,7 +116,7 @@
   </p:defaultTextStyle>
   <p:extLst>
     <p:ext uri="{EFAFB233-063F-42B5-8137-9DF3F51BA10A}">
-      <p15:sldGuideLst xmlns:p15="http://schemas.microsoft.com/office/powerpoint/2012/main" xmlns="">
+      <p15:sldGuideLst xmlns="" xmlns:p15="http://schemas.microsoft.com/office/powerpoint/2012/main">
         <p15:guide id="1" orient="horz" pos="2160">
           <p15:clr>
             <a:srgbClr val="A4A3A4"/>
@@ -129,7 +130,7 @@
       </p15:sldGuideLst>
     </p:ext>
     <p:ext uri="{2D200454-40CA-4A62-9FC3-DE9A4176ACB9}">
-      <p15:notesGuideLst xmlns:p15="http://schemas.microsoft.com/office/powerpoint/2012/main" xmlns="">
+      <p15:notesGuideLst xmlns="" xmlns:p15="http://schemas.microsoft.com/office/powerpoint/2012/main">
         <p15:guide id="1" orient="horz" pos="2880">
           <p15:clr>
             <a:srgbClr val="A4A3A4"/>
@@ -229,7 +230,7 @@
             <a:fld id="{D83FDC75-7F73-4A4A-A77C-09AADF00E0EA}" type="datetimeFigureOut">
               <a:rPr lang="en-US" smtClean="0"/>
               <a:pPr/>
-              <a:t>3/11/2021</a:t>
+              <a:t>5/2/2021</a:t>
             </a:fld>
             <a:endParaRPr lang="en-US" dirty="0"/>
           </a:p>
@@ -396,7 +397,7 @@
             <a:fld id="{48AEF76B-3757-4A0B-AF93-28494465C1DD}" type="datetimeFigureOut">
               <a:rPr lang="en-US" smtClean="0"/>
               <a:pPr/>
-              <a:t>3/11/2021</a:t>
+              <a:t>5/2/2021</a:t>
             </a:fld>
             <a:endParaRPr lang="en-US" dirty="0"/>
           </a:p>
@@ -1463,7 +1464,7 @@
             <a:fld id="{757B281C-5159-4971-8228-52B9A72E9ED2}" type="datetimeFigureOut">
               <a:rPr lang="en-US" smtClean="0"/>
               <a:pPr/>
-              <a:t>3/11/2021</a:t>
+              <a:t>5/2/2021</a:t>
             </a:fld>
             <a:endParaRPr lang="en-US" dirty="0"/>
           </a:p>
@@ -1558,7 +1559,7 @@
             <a:fld id="{757B281C-5159-4971-8228-52B9A72E9ED2}" type="datetimeFigureOut">
               <a:rPr lang="en-US" smtClean="0"/>
               <a:pPr/>
-              <a:t>3/11/2021</a:t>
+              <a:t>5/2/2021</a:t>
             </a:fld>
             <a:endParaRPr lang="en-US" dirty="0"/>
           </a:p>
@@ -1687,7 +1688,7 @@
             <a:fld id="{757B281C-5159-4971-8228-52B9A72E9ED2}" type="datetimeFigureOut">
               <a:rPr lang="en-US" smtClean="0"/>
               <a:pPr/>
-              <a:t>3/11/2021</a:t>
+              <a:t>5/2/2021</a:t>
             </a:fld>
             <a:endParaRPr lang="en-US" dirty="0"/>
           </a:p>
@@ -1754,6 +1755,248 @@
   <p:transition spd="slow">
     <p:wipe dir="d"/>
   </p:transition>
+</p:sldLayout>
+</file>
+
+<file path=ppt/slideLayouts/slideLayout13.xml><?xml version="1.0" encoding="utf-8"?>
+<p:sldLayout xmlns:a="http://schemas.openxmlformats.org/drawingml/2006/main" xmlns:r="http://schemas.openxmlformats.org/officeDocument/2006/relationships" xmlns:p="http://schemas.openxmlformats.org/presentationml/2006/main" type="title">
+  <p:cSld name="1_Title Slide">
+    <p:spTree>
+      <p:nvGrpSpPr>
+        <p:cNvPr id="1" name=""/>
+        <p:cNvGrpSpPr/>
+        <p:nvPr/>
+      </p:nvGrpSpPr>
+      <p:grpSpPr>
+        <a:xfrm>
+          <a:off x="0" y="0"/>
+          <a:ext cx="0" cy="0"/>
+          <a:chOff x="0" y="0"/>
+          <a:chExt cx="0" cy="0"/>
+        </a:xfrm>
+      </p:grpSpPr>
+      <p:sp>
+        <p:nvSpPr>
+          <p:cNvPr id="2" name="Title 1"/>
+          <p:cNvSpPr>
+            <a:spLocks noGrp="1"/>
+          </p:cNvSpPr>
+          <p:nvPr>
+            <p:ph type="ctrTitle"/>
+          </p:nvPr>
+        </p:nvSpPr>
+        <p:spPr>
+          <a:xfrm>
+            <a:off x="685800" y="2130425"/>
+            <a:ext cx="7772400" cy="1470025"/>
+          </a:xfrm>
+        </p:spPr>
+        <p:txBody>
+          <a:bodyPr/>
+          <a:lstStyle/>
+          <a:p>
+            <a:r>
+              <a:rPr lang="en-US" smtClean="0"/>
+              <a:t>Click to edit Master title style</a:t>
+            </a:r>
+            <a:endParaRPr lang="en-US"/>
+          </a:p>
+        </p:txBody>
+      </p:sp>
+      <p:sp>
+        <p:nvSpPr>
+          <p:cNvPr id="3" name="Subtitle 2"/>
+          <p:cNvSpPr>
+            <a:spLocks noGrp="1"/>
+          </p:cNvSpPr>
+          <p:nvPr>
+            <p:ph type="subTitle" idx="1"/>
+          </p:nvPr>
+        </p:nvSpPr>
+        <p:spPr>
+          <a:xfrm>
+            <a:off x="1371600" y="3886200"/>
+            <a:ext cx="6400800" cy="1752600"/>
+          </a:xfrm>
+        </p:spPr>
+        <p:txBody>
+          <a:bodyPr/>
+          <a:lstStyle>
+            <a:lvl1pPr marL="0" indent="0" algn="ctr">
+              <a:buNone/>
+              <a:defRPr>
+                <a:solidFill>
+                  <a:schemeClr val="tx1">
+                    <a:tint val="75000"/>
+                  </a:schemeClr>
+                </a:solidFill>
+              </a:defRPr>
+            </a:lvl1pPr>
+            <a:lvl2pPr marL="457200" indent="0" algn="ctr">
+              <a:buNone/>
+              <a:defRPr>
+                <a:solidFill>
+                  <a:schemeClr val="tx1">
+                    <a:tint val="75000"/>
+                  </a:schemeClr>
+                </a:solidFill>
+              </a:defRPr>
+            </a:lvl2pPr>
+            <a:lvl3pPr marL="914400" indent="0" algn="ctr">
+              <a:buNone/>
+              <a:defRPr>
+                <a:solidFill>
+                  <a:schemeClr val="tx1">
+                    <a:tint val="75000"/>
+                  </a:schemeClr>
+                </a:solidFill>
+              </a:defRPr>
+            </a:lvl3pPr>
+            <a:lvl4pPr marL="1371600" indent="0" algn="ctr">
+              <a:buNone/>
+              <a:defRPr>
+                <a:solidFill>
+                  <a:schemeClr val="tx1">
+                    <a:tint val="75000"/>
+                  </a:schemeClr>
+                </a:solidFill>
+              </a:defRPr>
+            </a:lvl4pPr>
+            <a:lvl5pPr marL="1828800" indent="0" algn="ctr">
+              <a:buNone/>
+              <a:defRPr>
+                <a:solidFill>
+                  <a:schemeClr val="tx1">
+                    <a:tint val="75000"/>
+                  </a:schemeClr>
+                </a:solidFill>
+              </a:defRPr>
+            </a:lvl5pPr>
+            <a:lvl6pPr marL="2286000" indent="0" algn="ctr">
+              <a:buNone/>
+              <a:defRPr>
+                <a:solidFill>
+                  <a:schemeClr val="tx1">
+                    <a:tint val="75000"/>
+                  </a:schemeClr>
+                </a:solidFill>
+              </a:defRPr>
+            </a:lvl6pPr>
+            <a:lvl7pPr marL="2743200" indent="0" algn="ctr">
+              <a:buNone/>
+              <a:defRPr>
+                <a:solidFill>
+                  <a:schemeClr val="tx1">
+                    <a:tint val="75000"/>
+                  </a:schemeClr>
+                </a:solidFill>
+              </a:defRPr>
+            </a:lvl7pPr>
+            <a:lvl8pPr marL="3200400" indent="0" algn="ctr">
+              <a:buNone/>
+              <a:defRPr>
+                <a:solidFill>
+                  <a:schemeClr val="tx1">
+                    <a:tint val="75000"/>
+                  </a:schemeClr>
+                </a:solidFill>
+              </a:defRPr>
+            </a:lvl8pPr>
+            <a:lvl9pPr marL="3657600" indent="0" algn="ctr">
+              <a:buNone/>
+              <a:defRPr>
+                <a:solidFill>
+                  <a:schemeClr val="tx1">
+                    <a:tint val="75000"/>
+                  </a:schemeClr>
+                </a:solidFill>
+              </a:defRPr>
+            </a:lvl9pPr>
+          </a:lstStyle>
+          <a:p>
+            <a:r>
+              <a:rPr lang="en-US" smtClean="0"/>
+              <a:t>Click to edit Master subtitle style</a:t>
+            </a:r>
+            <a:endParaRPr lang="en-US"/>
+          </a:p>
+        </p:txBody>
+      </p:sp>
+      <p:sp>
+        <p:nvSpPr>
+          <p:cNvPr id="4" name="Date Placeholder 3"/>
+          <p:cNvSpPr>
+            <a:spLocks noGrp="1"/>
+          </p:cNvSpPr>
+          <p:nvPr>
+            <p:ph type="dt" sz="half" idx="10"/>
+          </p:nvPr>
+        </p:nvSpPr>
+        <p:spPr/>
+        <p:txBody>
+          <a:bodyPr/>
+          <a:lstStyle/>
+          <a:p>
+            <a:fld id="{A66B6A46-6EC4-4AF5-AD2F-F27F5AD039E0}" type="datetimeFigureOut">
+              <a:rPr lang="en-US" smtClean="0"/>
+              <a:t>5/2/2021</a:t>
+            </a:fld>
+            <a:endParaRPr lang="en-US"/>
+          </a:p>
+        </p:txBody>
+      </p:sp>
+      <p:sp>
+        <p:nvSpPr>
+          <p:cNvPr id="5" name="Footer Placeholder 4"/>
+          <p:cNvSpPr>
+            <a:spLocks noGrp="1"/>
+          </p:cNvSpPr>
+          <p:nvPr>
+            <p:ph type="ftr" sz="quarter" idx="11"/>
+          </p:nvPr>
+        </p:nvSpPr>
+        <p:spPr/>
+        <p:txBody>
+          <a:bodyPr/>
+          <a:lstStyle/>
+          <a:p>
+            <a:endParaRPr lang="en-US"/>
+          </a:p>
+        </p:txBody>
+      </p:sp>
+      <p:sp>
+        <p:nvSpPr>
+          <p:cNvPr id="6" name="Slide Number Placeholder 5"/>
+          <p:cNvSpPr>
+            <a:spLocks noGrp="1"/>
+          </p:cNvSpPr>
+          <p:nvPr>
+            <p:ph type="sldNum" sz="quarter" idx="12"/>
+          </p:nvPr>
+        </p:nvSpPr>
+        <p:spPr/>
+        <p:txBody>
+          <a:bodyPr/>
+          <a:lstStyle/>
+          <a:p>
+            <a:fld id="{329A4BE6-EC48-4CF4-A7A1-82D73E7FB1B5}" type="slidenum">
+              <a:rPr lang="en-US" smtClean="0"/>
+              <a:t>‹#›</a:t>
+            </a:fld>
+            <a:endParaRPr lang="en-US"/>
+          </a:p>
+        </p:txBody>
+      </p:sp>
+    </p:spTree>
+    <p:extLst>
+      <p:ext uri="{BB962C8B-B14F-4D97-AF65-F5344CB8AC3E}">
+        <p14:creationId xmlns:p14="http://schemas.microsoft.com/office/powerpoint/2010/main" val="3711670532"/>
+      </p:ext>
+    </p:extLst>
+  </p:cSld>
+  <p:clrMapOvr>
+    <a:masterClrMapping/>
+  </p:clrMapOvr>
 </p:sldLayout>
 </file>
 
@@ -1885,7 +2128,7 @@
             <a:fld id="{757B281C-5159-4971-8228-52B9A72E9ED2}" type="datetimeFigureOut">
               <a:rPr lang="en-US" smtClean="0"/>
               <a:pPr/>
-              <a:t>3/11/2021</a:t>
+              <a:t>5/2/2021</a:t>
             </a:fld>
             <a:endParaRPr lang="en-US" dirty="0"/>
           </a:p>
@@ -2263,7 +2506,7 @@
             <a:fld id="{757B281C-5159-4971-8228-52B9A72E9ED2}" type="datetimeFigureOut">
               <a:rPr lang="en-US" smtClean="0"/>
               <a:pPr/>
-              <a:t>3/11/2021</a:t>
+              <a:t>5/2/2021</a:t>
             </a:fld>
             <a:endParaRPr lang="en-US" dirty="0"/>
           </a:p>
@@ -2553,7 +2796,7 @@
             <a:fld id="{757B281C-5159-4971-8228-52B9A72E9ED2}" type="datetimeFigureOut">
               <a:rPr lang="en-US" smtClean="0"/>
               <a:pPr/>
-              <a:t>3/11/2021</a:t>
+              <a:t>5/2/2021</a:t>
             </a:fld>
             <a:endParaRPr lang="en-US" dirty="0"/>
           </a:p>
@@ -2972,7 +3215,7 @@
             <a:fld id="{757B281C-5159-4971-8228-52B9A72E9ED2}" type="datetimeFigureOut">
               <a:rPr lang="en-US" smtClean="0"/>
               <a:pPr/>
-              <a:t>3/11/2021</a:t>
+              <a:t>5/2/2021</a:t>
             </a:fld>
             <a:endParaRPr lang="en-US" dirty="0"/>
           </a:p>
@@ -3247,7 +3490,7 @@
             <a:fld id="{757B281C-5159-4971-8228-52B9A72E9ED2}" type="datetimeFigureOut">
               <a:rPr lang="en-US" smtClean="0"/>
               <a:pPr/>
-              <a:t>3/11/2021</a:t>
+              <a:t>5/2/2021</a:t>
             </a:fld>
             <a:endParaRPr lang="en-US" dirty="0"/>
           </a:p>
@@ -3503,7 +3746,7 @@
             <a:fld id="{757B281C-5159-4971-8228-52B9A72E9ED2}" type="datetimeFigureOut">
               <a:rPr lang="en-US" smtClean="0"/>
               <a:pPr/>
-              <a:t>3/11/2021</a:t>
+              <a:t>5/2/2021</a:t>
             </a:fld>
             <a:endParaRPr lang="en-US" dirty="0"/>
           </a:p>
@@ -3671,7 +3914,7 @@
             <a:fld id="{757B281C-5159-4971-8228-52B9A72E9ED2}" type="datetimeFigureOut">
               <a:rPr lang="en-US" smtClean="0"/>
               <a:pPr/>
-              <a:t>3/11/2021</a:t>
+              <a:t>5/2/2021</a:t>
             </a:fld>
             <a:endParaRPr lang="en-US" dirty="0"/>
           </a:p>
@@ -3849,7 +4092,7 @@
             <a:fld id="{757B281C-5159-4971-8228-52B9A72E9ED2}" type="datetimeFigureOut">
               <a:rPr lang="en-US" smtClean="0"/>
               <a:pPr/>
-              <a:t>3/11/2021</a:t>
+              <a:t>5/2/2021</a:t>
             </a:fld>
             <a:endParaRPr lang="en-US" dirty="0"/>
           </a:p>
@@ -3940,7 +4183,7 @@
           <p:nvPr/>
         </p:nvPicPr>
         <p:blipFill rotWithShape="1">
-          <a:blip r:embed="rId14" cstate="email">
+          <a:blip r:embed="rId15" cstate="email">
             <a:extLst>
               <a:ext uri="{28A0092B-C50C-407E-A947-70E740481C1C}">
                 <a14:useLocalDpi xmlns:a14="http://schemas.microsoft.com/office/drawing/2010/main"/>
@@ -4091,7 +4334,7 @@
             <a:fld id="{757B281C-5159-4971-8228-52B9A72E9ED2}" type="datetimeFigureOut">
               <a:rPr lang="en-US" smtClean="0"/>
               <a:pPr/>
-              <a:t>3/11/2021</a:t>
+              <a:t>5/2/2021</a:t>
             </a:fld>
             <a:endParaRPr lang="en-US" dirty="0"/>
           </a:p>
@@ -4185,7 +4428,7 @@
           <p:nvPr/>
         </p:nvPicPr>
         <p:blipFill rotWithShape="1">
-          <a:blip r:embed="rId15" cstate="email">
+          <a:blip r:embed="rId16" cstate="email">
             <a:extLst>
               <a:ext uri="{28A0092B-C50C-407E-A947-70E740481C1C}">
                 <a14:useLocalDpi xmlns:a14="http://schemas.microsoft.com/office/drawing/2010/main"/>
@@ -4221,6 +4464,7 @@
     <p:sldLayoutId id="2147483654" r:id="rId10"/>
     <p:sldLayoutId id="2147483655" r:id="rId11"/>
     <p:sldLayoutId id="2147483663" r:id="rId12"/>
+    <p:sldLayoutId id="2147483664" r:id="rId13"/>
   </p:sldLayoutIdLst>
   <p:transition spd="slow">
     <p:wipe dir="d"/>
@@ -4500,7 +4744,7 @@
           <p:cNvPr id="91" name="Picture 90" descr="Free Icon | Wifi">
             <a:extLst>
               <a:ext uri="{FF2B5EF4-FFF2-40B4-BE49-F238E27FC236}">
-                <a16:creationId xmlns:a16="http://schemas.microsoft.com/office/drawing/2014/main" xmlns="" id="{8C0D1CC1-0F99-45F8-B30B-F5786D94F875}"/>
+                <a16:creationId xmlns="" xmlns:a16="http://schemas.microsoft.com/office/drawing/2014/main" id="{8C0D1CC1-0F99-45F8-B30B-F5786D94F875}"/>
               </a:ext>
             </a:extLst>
           </p:cNvPr>
@@ -4539,7 +4783,7 @@
           <p:cNvPr id="80" name="Picture 79" descr="Free Icon | Wifi">
             <a:extLst>
               <a:ext uri="{FF2B5EF4-FFF2-40B4-BE49-F238E27FC236}">
-                <a16:creationId xmlns:a16="http://schemas.microsoft.com/office/drawing/2014/main" xmlns="" id="{35E36CD3-6B5D-4E30-B897-685D3D72453D}"/>
+                <a16:creationId xmlns="" xmlns:a16="http://schemas.microsoft.com/office/drawing/2014/main" id="{35E36CD3-6B5D-4E30-B897-685D3D72453D}"/>
               </a:ext>
             </a:extLst>
           </p:cNvPr>
@@ -5081,7 +5325,7 @@
           <p:cNvPr id="93" name="Picture 92">
             <a:extLst>
               <a:ext uri="{FF2B5EF4-FFF2-40B4-BE49-F238E27FC236}">
-                <a16:creationId xmlns:a16="http://schemas.microsoft.com/office/drawing/2014/main" xmlns="" id="{D7ED08F4-31B4-432D-A1A0-BE825490F18D}"/>
+                <a16:creationId xmlns="" xmlns:a16="http://schemas.microsoft.com/office/drawing/2014/main" id="{D7ED08F4-31B4-432D-A1A0-BE825490F18D}"/>
               </a:ext>
             </a:extLst>
           </p:cNvPr>
@@ -5109,7 +5353,7 @@
           <p:cNvPr id="96" name="Picture 95" descr="Free Icon | Wifi">
             <a:extLst>
               <a:ext uri="{FF2B5EF4-FFF2-40B4-BE49-F238E27FC236}">
-                <a16:creationId xmlns:a16="http://schemas.microsoft.com/office/drawing/2014/main" xmlns="" id="{331FC1AA-CB08-45A4-9369-2997329D73F4}"/>
+                <a16:creationId xmlns="" xmlns:a16="http://schemas.microsoft.com/office/drawing/2014/main" id="{331FC1AA-CB08-45A4-9369-2997329D73F4}"/>
               </a:ext>
             </a:extLst>
           </p:cNvPr>
@@ -5148,7 +5392,7 @@
           <p:cNvPr id="97" name="Picture 96">
             <a:extLst>
               <a:ext uri="{FF2B5EF4-FFF2-40B4-BE49-F238E27FC236}">
-                <a16:creationId xmlns:a16="http://schemas.microsoft.com/office/drawing/2014/main" xmlns="" id="{D4CA772F-A72C-4314-A82A-E884D10E777D}"/>
+                <a16:creationId xmlns="" xmlns:a16="http://schemas.microsoft.com/office/drawing/2014/main" id="{D4CA772F-A72C-4314-A82A-E884D10E777D}"/>
               </a:ext>
             </a:extLst>
           </p:cNvPr>
@@ -5176,7 +5420,7 @@
           <p:cNvPr id="98" name="Picture 97">
             <a:extLst>
               <a:ext uri="{FF2B5EF4-FFF2-40B4-BE49-F238E27FC236}">
-                <a16:creationId xmlns:a16="http://schemas.microsoft.com/office/drawing/2014/main" xmlns="" id="{9E085E1D-93F9-4E72-B98F-FB8F7028960D}"/>
+                <a16:creationId xmlns="" xmlns:a16="http://schemas.microsoft.com/office/drawing/2014/main" id="{9E085E1D-93F9-4E72-B98F-FB8F7028960D}"/>
               </a:ext>
             </a:extLst>
           </p:cNvPr>
@@ -5204,7 +5448,7 @@
           <p:cNvPr id="99" name="TextBox 98">
             <a:extLst>
               <a:ext uri="{FF2B5EF4-FFF2-40B4-BE49-F238E27FC236}">
-                <a16:creationId xmlns:a16="http://schemas.microsoft.com/office/drawing/2014/main" xmlns="" id="{642A6712-05AC-4A63-87F7-14430CE8A993}"/>
+                <a16:creationId xmlns="" xmlns:a16="http://schemas.microsoft.com/office/drawing/2014/main" id="{642A6712-05AC-4A63-87F7-14430CE8A993}"/>
               </a:ext>
             </a:extLst>
           </p:cNvPr>
@@ -5256,7 +5500,7 @@
           <p:cNvPr id="101" name="TextBox 100">
             <a:extLst>
               <a:ext uri="{FF2B5EF4-FFF2-40B4-BE49-F238E27FC236}">
-                <a16:creationId xmlns:a16="http://schemas.microsoft.com/office/drawing/2014/main" xmlns="" id="{7FF2AF45-1BBB-4306-ABAF-8689BC85C815}"/>
+                <a16:creationId xmlns="" xmlns:a16="http://schemas.microsoft.com/office/drawing/2014/main" id="{7FF2AF45-1BBB-4306-ABAF-8689BC85C815}"/>
               </a:ext>
             </a:extLst>
           </p:cNvPr>
@@ -5295,7 +5539,7 @@
           <p:cNvPr id="103" name="Straight Connector 102">
             <a:extLst>
               <a:ext uri="{FF2B5EF4-FFF2-40B4-BE49-F238E27FC236}">
-                <a16:creationId xmlns:a16="http://schemas.microsoft.com/office/drawing/2014/main" xmlns="" id="{E865F506-39E6-412E-A252-A31428B8E040}"/>
+                <a16:creationId xmlns="" xmlns:a16="http://schemas.microsoft.com/office/drawing/2014/main" id="{E865F506-39E6-412E-A252-A31428B8E040}"/>
               </a:ext>
             </a:extLst>
           </p:cNvPr>
@@ -5338,7 +5582,7 @@
           <p:cNvPr id="110" name="Straight Arrow Connector 109">
             <a:extLst>
               <a:ext uri="{FF2B5EF4-FFF2-40B4-BE49-F238E27FC236}">
-                <a16:creationId xmlns:a16="http://schemas.microsoft.com/office/drawing/2014/main" xmlns="" id="{E8B958EE-5EE0-4808-BB5D-8AF84300BFB3}"/>
+                <a16:creationId xmlns="" xmlns:a16="http://schemas.microsoft.com/office/drawing/2014/main" id="{E8B958EE-5EE0-4808-BB5D-8AF84300BFB3}"/>
               </a:ext>
             </a:extLst>
           </p:cNvPr>
@@ -5382,7 +5626,7 @@
           <p:cNvPr id="111" name="Straight Arrow Connector 110">
             <a:extLst>
               <a:ext uri="{FF2B5EF4-FFF2-40B4-BE49-F238E27FC236}">
-                <a16:creationId xmlns:a16="http://schemas.microsoft.com/office/drawing/2014/main" xmlns="" id="{701FA5EF-0179-41F2-B22D-FCC175001A48}"/>
+                <a16:creationId xmlns="" xmlns:a16="http://schemas.microsoft.com/office/drawing/2014/main" id="{701FA5EF-0179-41F2-B22D-FCC175001A48}"/>
               </a:ext>
             </a:extLst>
           </p:cNvPr>
@@ -5426,7 +5670,7 @@
           <p:cNvPr id="112" name="Straight Arrow Connector 111">
             <a:extLst>
               <a:ext uri="{FF2B5EF4-FFF2-40B4-BE49-F238E27FC236}">
-                <a16:creationId xmlns:a16="http://schemas.microsoft.com/office/drawing/2014/main" xmlns="" id="{AF569078-F334-430B-8950-9BEB338AB6EA}"/>
+                <a16:creationId xmlns="" xmlns:a16="http://schemas.microsoft.com/office/drawing/2014/main" id="{AF569078-F334-430B-8950-9BEB338AB6EA}"/>
               </a:ext>
             </a:extLst>
           </p:cNvPr>
@@ -5470,7 +5714,7 @@
           <p:cNvPr id="113" name="Straight Arrow Connector 112">
             <a:extLst>
               <a:ext uri="{FF2B5EF4-FFF2-40B4-BE49-F238E27FC236}">
-                <a16:creationId xmlns:a16="http://schemas.microsoft.com/office/drawing/2014/main" xmlns="" id="{9894B322-EF50-40E0-8415-FD1EB8F34947}"/>
+                <a16:creationId xmlns="" xmlns:a16="http://schemas.microsoft.com/office/drawing/2014/main" id="{9894B322-EF50-40E0-8415-FD1EB8F34947}"/>
               </a:ext>
             </a:extLst>
           </p:cNvPr>
@@ -5514,7 +5758,7 @@
           <p:cNvPr id="114" name="TextBox 113">
             <a:extLst>
               <a:ext uri="{FF2B5EF4-FFF2-40B4-BE49-F238E27FC236}">
-                <a16:creationId xmlns:a16="http://schemas.microsoft.com/office/drawing/2014/main" xmlns="" id="{E9064D73-DA84-45E4-878F-355289241361}"/>
+                <a16:creationId xmlns="" xmlns:a16="http://schemas.microsoft.com/office/drawing/2014/main" id="{E9064D73-DA84-45E4-878F-355289241361}"/>
               </a:ext>
             </a:extLst>
           </p:cNvPr>
@@ -5553,7 +5797,7 @@
           <p:cNvPr id="115" name="Arrow: Down 114">
             <a:extLst>
               <a:ext uri="{FF2B5EF4-FFF2-40B4-BE49-F238E27FC236}">
-                <a16:creationId xmlns:a16="http://schemas.microsoft.com/office/drawing/2014/main" xmlns="" id="{8CFCE75F-7AA7-4BF3-B044-4770D3A70008}"/>
+                <a16:creationId xmlns="" xmlns:a16="http://schemas.microsoft.com/office/drawing/2014/main" id="{8CFCE75F-7AA7-4BF3-B044-4770D3A70008}"/>
               </a:ext>
             </a:extLst>
           </p:cNvPr>
@@ -5605,7 +5849,7 @@
           <p:cNvPr id="116" name="Straight Arrow Connector 115">
             <a:extLst>
               <a:ext uri="{FF2B5EF4-FFF2-40B4-BE49-F238E27FC236}">
-                <a16:creationId xmlns:a16="http://schemas.microsoft.com/office/drawing/2014/main" xmlns="" id="{8E0EBC89-8ED8-4F07-B552-FDDF03B2E41D}"/>
+                <a16:creationId xmlns="" xmlns:a16="http://schemas.microsoft.com/office/drawing/2014/main" id="{8E0EBC89-8ED8-4F07-B552-FDDF03B2E41D}"/>
               </a:ext>
             </a:extLst>
           </p:cNvPr>
@@ -5651,7 +5895,7 @@
           <p:cNvPr id="117" name="TextBox 116">
             <a:extLst>
               <a:ext uri="{FF2B5EF4-FFF2-40B4-BE49-F238E27FC236}">
-                <a16:creationId xmlns:a16="http://schemas.microsoft.com/office/drawing/2014/main" xmlns="" id="{DC4F584F-869A-4EC5-BD3F-B43D6F04B109}"/>
+                <a16:creationId xmlns="" xmlns:a16="http://schemas.microsoft.com/office/drawing/2014/main" id="{DC4F584F-869A-4EC5-BD3F-B43D6F04B109}"/>
               </a:ext>
             </a:extLst>
           </p:cNvPr>
@@ -5701,7 +5945,7 @@
           <p:cNvPr id="118" name="Picture 2">
             <a:extLst>
               <a:ext uri="{FF2B5EF4-FFF2-40B4-BE49-F238E27FC236}">
-                <a16:creationId xmlns:a16="http://schemas.microsoft.com/office/drawing/2014/main" xmlns="" id="{7EAFE767-B908-419E-B4E7-05DAB402B5BB}"/>
+                <a16:creationId xmlns="" xmlns:a16="http://schemas.microsoft.com/office/drawing/2014/main" id="{7EAFE767-B908-419E-B4E7-05DAB402B5BB}"/>
               </a:ext>
             </a:extLst>
           </p:cNvPr>
@@ -5771,7 +6015,7 @@
           <p:cNvPr id="13" name="Group 12">
             <a:extLst>
               <a:ext uri="{FF2B5EF4-FFF2-40B4-BE49-F238E27FC236}">
-                <a16:creationId xmlns:a16="http://schemas.microsoft.com/office/drawing/2014/main" xmlns="" id="{DD9AE47D-D12F-4154-BB04-4D3D34BE33AE}"/>
+                <a16:creationId xmlns="" xmlns:a16="http://schemas.microsoft.com/office/drawing/2014/main" id="{DD9AE47D-D12F-4154-BB04-4D3D34BE33AE}"/>
               </a:ext>
             </a:extLst>
           </p:cNvPr>
@@ -5791,7 +6035,7 @@
             <p:cNvPr id="119" name="Picture 118">
               <a:extLst>
                 <a:ext uri="{FF2B5EF4-FFF2-40B4-BE49-F238E27FC236}">
-                  <a16:creationId xmlns:a16="http://schemas.microsoft.com/office/drawing/2014/main" xmlns="" id="{8569128C-0619-4279-963D-AE7C028B50F8}"/>
+                  <a16:creationId xmlns="" xmlns:a16="http://schemas.microsoft.com/office/drawing/2014/main" id="{8569128C-0619-4279-963D-AE7C028B50F8}"/>
                 </a:ext>
               </a:extLst>
             </p:cNvPr>
@@ -5819,7 +6063,7 @@
             <p:cNvPr id="120" name="Picture 119">
               <a:extLst>
                 <a:ext uri="{FF2B5EF4-FFF2-40B4-BE49-F238E27FC236}">
-                  <a16:creationId xmlns:a16="http://schemas.microsoft.com/office/drawing/2014/main" xmlns="" id="{8B747FC8-E2F4-4A4F-A22C-CE38FE1C73EE}"/>
+                  <a16:creationId xmlns="" xmlns:a16="http://schemas.microsoft.com/office/drawing/2014/main" id="{8B747FC8-E2F4-4A4F-A22C-CE38FE1C73EE}"/>
                 </a:ext>
               </a:extLst>
             </p:cNvPr>
@@ -5847,7 +6091,7 @@
             <p:cNvPr id="121" name="Picture 120">
               <a:extLst>
                 <a:ext uri="{FF2B5EF4-FFF2-40B4-BE49-F238E27FC236}">
-                  <a16:creationId xmlns:a16="http://schemas.microsoft.com/office/drawing/2014/main" xmlns="" id="{C5D34CA6-4297-482B-89D7-F88D49D89624}"/>
+                  <a16:creationId xmlns="" xmlns:a16="http://schemas.microsoft.com/office/drawing/2014/main" id="{C5D34CA6-4297-482B-89D7-F88D49D89624}"/>
                 </a:ext>
               </a:extLst>
             </p:cNvPr>
@@ -5876,7 +6120,7 @@
           <p:cNvPr id="122" name="Picture 121">
             <a:extLst>
               <a:ext uri="{FF2B5EF4-FFF2-40B4-BE49-F238E27FC236}">
-                <a16:creationId xmlns:a16="http://schemas.microsoft.com/office/drawing/2014/main" xmlns="" id="{B162C919-E530-41D0-B8DE-285A262718DC}"/>
+                <a16:creationId xmlns="" xmlns:a16="http://schemas.microsoft.com/office/drawing/2014/main" id="{B162C919-E530-41D0-B8DE-285A262718DC}"/>
               </a:ext>
             </a:extLst>
           </p:cNvPr>
@@ -5904,7 +6148,7 @@
           <p:cNvPr id="124" name="Picture 123" descr="Free Icon | Wifi">
             <a:extLst>
               <a:ext uri="{FF2B5EF4-FFF2-40B4-BE49-F238E27FC236}">
-                <a16:creationId xmlns:a16="http://schemas.microsoft.com/office/drawing/2014/main" xmlns="" id="{53DEC4AC-7083-4137-853A-196172679253}"/>
+                <a16:creationId xmlns="" xmlns:a16="http://schemas.microsoft.com/office/drawing/2014/main" id="{53DEC4AC-7083-4137-853A-196172679253}"/>
               </a:ext>
             </a:extLst>
           </p:cNvPr>
@@ -5943,7 +6187,7 @@
           <p:cNvPr id="125" name="Picture 124">
             <a:extLst>
               <a:ext uri="{FF2B5EF4-FFF2-40B4-BE49-F238E27FC236}">
-                <a16:creationId xmlns:a16="http://schemas.microsoft.com/office/drawing/2014/main" xmlns="" id="{4A694F61-56DD-44EC-9C94-5B51CD55A6AD}"/>
+                <a16:creationId xmlns="" xmlns:a16="http://schemas.microsoft.com/office/drawing/2014/main" id="{4A694F61-56DD-44EC-9C94-5B51CD55A6AD}"/>
               </a:ext>
             </a:extLst>
           </p:cNvPr>
@@ -5971,7 +6215,7 @@
           <p:cNvPr id="126" name="Picture 125">
             <a:extLst>
               <a:ext uri="{FF2B5EF4-FFF2-40B4-BE49-F238E27FC236}">
-                <a16:creationId xmlns:a16="http://schemas.microsoft.com/office/drawing/2014/main" xmlns="" id="{1070B515-8811-4DB0-B73F-A655CDA1F65D}"/>
+                <a16:creationId xmlns="" xmlns:a16="http://schemas.microsoft.com/office/drawing/2014/main" id="{1070B515-8811-4DB0-B73F-A655CDA1F65D}"/>
               </a:ext>
             </a:extLst>
           </p:cNvPr>
@@ -5999,7 +6243,7 @@
           <p:cNvPr id="127" name="TextBox 126">
             <a:extLst>
               <a:ext uri="{FF2B5EF4-FFF2-40B4-BE49-F238E27FC236}">
-                <a16:creationId xmlns:a16="http://schemas.microsoft.com/office/drawing/2014/main" xmlns="" id="{A95CCAB4-6FC7-49A6-8666-4575A0CA9B0B}"/>
+                <a16:creationId xmlns="" xmlns:a16="http://schemas.microsoft.com/office/drawing/2014/main" id="{A95CCAB4-6FC7-49A6-8666-4575A0CA9B0B}"/>
               </a:ext>
             </a:extLst>
           </p:cNvPr>
@@ -6051,7 +6295,7 @@
           <p:cNvPr id="129" name="TextBox 128">
             <a:extLst>
               <a:ext uri="{FF2B5EF4-FFF2-40B4-BE49-F238E27FC236}">
-                <a16:creationId xmlns:a16="http://schemas.microsoft.com/office/drawing/2014/main" xmlns="" id="{E39A3AB8-C796-4956-8252-D950C226E4A3}"/>
+                <a16:creationId xmlns="" xmlns:a16="http://schemas.microsoft.com/office/drawing/2014/main" id="{E39A3AB8-C796-4956-8252-D950C226E4A3}"/>
               </a:ext>
             </a:extLst>
           </p:cNvPr>
@@ -6090,7 +6334,7 @@
           <p:cNvPr id="130" name="Straight Connector 129">
             <a:extLst>
               <a:ext uri="{FF2B5EF4-FFF2-40B4-BE49-F238E27FC236}">
-                <a16:creationId xmlns:a16="http://schemas.microsoft.com/office/drawing/2014/main" xmlns="" id="{9DF291A7-41F4-4DE6-AE15-E1C86F573651}"/>
+                <a16:creationId xmlns="" xmlns:a16="http://schemas.microsoft.com/office/drawing/2014/main" id="{9DF291A7-41F4-4DE6-AE15-E1C86F573651}"/>
               </a:ext>
             </a:extLst>
           </p:cNvPr>
@@ -6133,7 +6377,7 @@
           <p:cNvPr id="131" name="Straight Arrow Connector 130">
             <a:extLst>
               <a:ext uri="{FF2B5EF4-FFF2-40B4-BE49-F238E27FC236}">
-                <a16:creationId xmlns:a16="http://schemas.microsoft.com/office/drawing/2014/main" xmlns="" id="{C1FCFB29-B377-49B7-AE4A-C6D22253A121}"/>
+                <a16:creationId xmlns="" xmlns:a16="http://schemas.microsoft.com/office/drawing/2014/main" id="{C1FCFB29-B377-49B7-AE4A-C6D22253A121}"/>
               </a:ext>
             </a:extLst>
           </p:cNvPr>
@@ -6177,7 +6421,7 @@
           <p:cNvPr id="132" name="Straight Arrow Connector 131">
             <a:extLst>
               <a:ext uri="{FF2B5EF4-FFF2-40B4-BE49-F238E27FC236}">
-                <a16:creationId xmlns:a16="http://schemas.microsoft.com/office/drawing/2014/main" xmlns="" id="{437E4990-C17A-4FBD-B288-E7FEE10A8B47}"/>
+                <a16:creationId xmlns="" xmlns:a16="http://schemas.microsoft.com/office/drawing/2014/main" id="{437E4990-C17A-4FBD-B288-E7FEE10A8B47}"/>
               </a:ext>
             </a:extLst>
           </p:cNvPr>
@@ -6221,7 +6465,7 @@
           <p:cNvPr id="133" name="Straight Arrow Connector 132">
             <a:extLst>
               <a:ext uri="{FF2B5EF4-FFF2-40B4-BE49-F238E27FC236}">
-                <a16:creationId xmlns:a16="http://schemas.microsoft.com/office/drawing/2014/main" xmlns="" id="{3C070CA1-7CB4-4E4C-8996-587C0DF6380E}"/>
+                <a16:creationId xmlns="" xmlns:a16="http://schemas.microsoft.com/office/drawing/2014/main" id="{3C070CA1-7CB4-4E4C-8996-587C0DF6380E}"/>
               </a:ext>
             </a:extLst>
           </p:cNvPr>
@@ -6265,7 +6509,7 @@
           <p:cNvPr id="134" name="Straight Arrow Connector 133">
             <a:extLst>
               <a:ext uri="{FF2B5EF4-FFF2-40B4-BE49-F238E27FC236}">
-                <a16:creationId xmlns:a16="http://schemas.microsoft.com/office/drawing/2014/main" xmlns="" id="{FC701DDD-2159-4659-A0CA-3419EE1C595C}"/>
+                <a16:creationId xmlns="" xmlns:a16="http://schemas.microsoft.com/office/drawing/2014/main" id="{FC701DDD-2159-4659-A0CA-3419EE1C595C}"/>
               </a:ext>
             </a:extLst>
           </p:cNvPr>
@@ -6309,7 +6553,7 @@
           <p:cNvPr id="135" name="TextBox 134">
             <a:extLst>
               <a:ext uri="{FF2B5EF4-FFF2-40B4-BE49-F238E27FC236}">
-                <a16:creationId xmlns:a16="http://schemas.microsoft.com/office/drawing/2014/main" xmlns="" id="{CCB08C6A-B88F-466B-9016-90EEB67A179B}"/>
+                <a16:creationId xmlns="" xmlns:a16="http://schemas.microsoft.com/office/drawing/2014/main" id="{CCB08C6A-B88F-466B-9016-90EEB67A179B}"/>
               </a:ext>
             </a:extLst>
           </p:cNvPr>
@@ -6348,7 +6592,7 @@
           <p:cNvPr id="136" name="Arrow: Down 135">
             <a:extLst>
               <a:ext uri="{FF2B5EF4-FFF2-40B4-BE49-F238E27FC236}">
-                <a16:creationId xmlns:a16="http://schemas.microsoft.com/office/drawing/2014/main" xmlns="" id="{DFF46CD1-F7A1-44D1-A40D-EB507AC19AB7}"/>
+                <a16:creationId xmlns="" xmlns:a16="http://schemas.microsoft.com/office/drawing/2014/main" id="{DFF46CD1-F7A1-44D1-A40D-EB507AC19AB7}"/>
               </a:ext>
             </a:extLst>
           </p:cNvPr>
@@ -6400,7 +6644,7 @@
           <p:cNvPr id="137" name="Straight Arrow Connector 136">
             <a:extLst>
               <a:ext uri="{FF2B5EF4-FFF2-40B4-BE49-F238E27FC236}">
-                <a16:creationId xmlns:a16="http://schemas.microsoft.com/office/drawing/2014/main" xmlns="" id="{8F992FA7-D08C-438C-A43F-47DBDCC12409}"/>
+                <a16:creationId xmlns="" xmlns:a16="http://schemas.microsoft.com/office/drawing/2014/main" id="{8F992FA7-D08C-438C-A43F-47DBDCC12409}"/>
               </a:ext>
             </a:extLst>
           </p:cNvPr>
@@ -6446,7 +6690,7 @@
           <p:cNvPr id="138" name="TextBox 137">
             <a:extLst>
               <a:ext uri="{FF2B5EF4-FFF2-40B4-BE49-F238E27FC236}">
-                <a16:creationId xmlns:a16="http://schemas.microsoft.com/office/drawing/2014/main" xmlns="" id="{759D9C9A-697F-41AF-B4E7-ED889C2499F2}"/>
+                <a16:creationId xmlns="" xmlns:a16="http://schemas.microsoft.com/office/drawing/2014/main" id="{759D9C9A-697F-41AF-B4E7-ED889C2499F2}"/>
               </a:ext>
             </a:extLst>
           </p:cNvPr>
@@ -6496,7 +6740,7 @@
           <p:cNvPr id="139" name="Picture 2">
             <a:extLst>
               <a:ext uri="{FF2B5EF4-FFF2-40B4-BE49-F238E27FC236}">
-                <a16:creationId xmlns:a16="http://schemas.microsoft.com/office/drawing/2014/main" xmlns="" id="{44B1DE2B-5459-4559-8528-F531AB2F47CC}"/>
+                <a16:creationId xmlns="" xmlns:a16="http://schemas.microsoft.com/office/drawing/2014/main" id="{44B1DE2B-5459-4559-8528-F531AB2F47CC}"/>
               </a:ext>
             </a:extLst>
           </p:cNvPr>
@@ -6566,7 +6810,7 @@
           <p:cNvPr id="140" name="Group 139">
             <a:extLst>
               <a:ext uri="{FF2B5EF4-FFF2-40B4-BE49-F238E27FC236}">
-                <a16:creationId xmlns:a16="http://schemas.microsoft.com/office/drawing/2014/main" xmlns="" id="{4AC26AC4-8582-4AF1-9662-4C653C054F44}"/>
+                <a16:creationId xmlns="" xmlns:a16="http://schemas.microsoft.com/office/drawing/2014/main" id="{4AC26AC4-8582-4AF1-9662-4C653C054F44}"/>
               </a:ext>
             </a:extLst>
           </p:cNvPr>
@@ -6586,7 +6830,7 @@
             <p:cNvPr id="142" name="Picture 141">
               <a:extLst>
                 <a:ext uri="{FF2B5EF4-FFF2-40B4-BE49-F238E27FC236}">
-                  <a16:creationId xmlns:a16="http://schemas.microsoft.com/office/drawing/2014/main" xmlns="" id="{F766DA8B-BC49-49A9-BF21-6C3D92420AE5}"/>
+                  <a16:creationId xmlns="" xmlns:a16="http://schemas.microsoft.com/office/drawing/2014/main" id="{F766DA8B-BC49-49A9-BF21-6C3D92420AE5}"/>
                 </a:ext>
               </a:extLst>
             </p:cNvPr>
@@ -6614,7 +6858,7 @@
             <p:cNvPr id="143" name="Picture 142">
               <a:extLst>
                 <a:ext uri="{FF2B5EF4-FFF2-40B4-BE49-F238E27FC236}">
-                  <a16:creationId xmlns:a16="http://schemas.microsoft.com/office/drawing/2014/main" xmlns="" id="{60A87426-69E1-4E00-A79F-BE673237C80D}"/>
+                  <a16:creationId xmlns="" xmlns:a16="http://schemas.microsoft.com/office/drawing/2014/main" id="{60A87426-69E1-4E00-A79F-BE673237C80D}"/>
                 </a:ext>
               </a:extLst>
             </p:cNvPr>
@@ -6642,7 +6886,7 @@
             <p:cNvPr id="144" name="Picture 143">
               <a:extLst>
                 <a:ext uri="{FF2B5EF4-FFF2-40B4-BE49-F238E27FC236}">
-                  <a16:creationId xmlns:a16="http://schemas.microsoft.com/office/drawing/2014/main" xmlns="" id="{BA800670-4E89-4822-9FE3-B81C5A84579E}"/>
+                  <a16:creationId xmlns="" xmlns:a16="http://schemas.microsoft.com/office/drawing/2014/main" id="{BA800670-4E89-4822-9FE3-B81C5A84579E}"/>
                 </a:ext>
               </a:extLst>
             </p:cNvPr>
@@ -6671,7 +6915,7 @@
           <p:cNvPr id="141" name="Picture 140">
             <a:extLst>
               <a:ext uri="{FF2B5EF4-FFF2-40B4-BE49-F238E27FC236}">
-                <a16:creationId xmlns:a16="http://schemas.microsoft.com/office/drawing/2014/main" xmlns="" id="{E8497B39-C585-4FA1-A77E-6295925A3A10}"/>
+                <a16:creationId xmlns="" xmlns:a16="http://schemas.microsoft.com/office/drawing/2014/main" id="{E8497B39-C585-4FA1-A77E-6295925A3A10}"/>
               </a:ext>
             </a:extLst>
           </p:cNvPr>
@@ -6699,7 +6943,7 @@
           <p:cNvPr id="146" name="Picture 145" descr="Free Icon | Wifi">
             <a:extLst>
               <a:ext uri="{FF2B5EF4-FFF2-40B4-BE49-F238E27FC236}">
-                <a16:creationId xmlns:a16="http://schemas.microsoft.com/office/drawing/2014/main" xmlns="" id="{400471C8-AF8F-4F03-9F7F-E4AF9D009651}"/>
+                <a16:creationId xmlns="" xmlns:a16="http://schemas.microsoft.com/office/drawing/2014/main" id="{400471C8-AF8F-4F03-9F7F-E4AF9D009651}"/>
               </a:ext>
             </a:extLst>
           </p:cNvPr>
@@ -6738,7 +6982,7 @@
           <p:cNvPr id="147" name="Picture 146">
             <a:extLst>
               <a:ext uri="{FF2B5EF4-FFF2-40B4-BE49-F238E27FC236}">
-                <a16:creationId xmlns:a16="http://schemas.microsoft.com/office/drawing/2014/main" xmlns="" id="{A87A795B-6EF4-4302-BE56-81D3EB784528}"/>
+                <a16:creationId xmlns="" xmlns:a16="http://schemas.microsoft.com/office/drawing/2014/main" id="{A87A795B-6EF4-4302-BE56-81D3EB784528}"/>
               </a:ext>
             </a:extLst>
           </p:cNvPr>
@@ -6766,7 +7010,7 @@
           <p:cNvPr id="148" name="Picture 147">
             <a:extLst>
               <a:ext uri="{FF2B5EF4-FFF2-40B4-BE49-F238E27FC236}">
-                <a16:creationId xmlns:a16="http://schemas.microsoft.com/office/drawing/2014/main" xmlns="" id="{B9BA4EBB-7917-478F-9609-5EB5FFA55FC3}"/>
+                <a16:creationId xmlns="" xmlns:a16="http://schemas.microsoft.com/office/drawing/2014/main" id="{B9BA4EBB-7917-478F-9609-5EB5FFA55FC3}"/>
               </a:ext>
             </a:extLst>
           </p:cNvPr>
@@ -6794,7 +7038,7 @@
           <p:cNvPr id="149" name="TextBox 148">
             <a:extLst>
               <a:ext uri="{FF2B5EF4-FFF2-40B4-BE49-F238E27FC236}">
-                <a16:creationId xmlns:a16="http://schemas.microsoft.com/office/drawing/2014/main" xmlns="" id="{F30C4C3C-680C-41D5-9C69-0BE265B22526}"/>
+                <a16:creationId xmlns="" xmlns:a16="http://schemas.microsoft.com/office/drawing/2014/main" id="{F30C4C3C-680C-41D5-9C69-0BE265B22526}"/>
               </a:ext>
             </a:extLst>
           </p:cNvPr>
@@ -6846,7 +7090,7 @@
           <p:cNvPr id="151" name="TextBox 150">
             <a:extLst>
               <a:ext uri="{FF2B5EF4-FFF2-40B4-BE49-F238E27FC236}">
-                <a16:creationId xmlns:a16="http://schemas.microsoft.com/office/drawing/2014/main" xmlns="" id="{59608F00-0360-4995-AE2C-04C7DA329F16}"/>
+                <a16:creationId xmlns="" xmlns:a16="http://schemas.microsoft.com/office/drawing/2014/main" id="{59608F00-0360-4995-AE2C-04C7DA329F16}"/>
               </a:ext>
             </a:extLst>
           </p:cNvPr>
@@ -6885,7 +7129,7 @@
           <p:cNvPr id="152" name="Straight Connector 151">
             <a:extLst>
               <a:ext uri="{FF2B5EF4-FFF2-40B4-BE49-F238E27FC236}">
-                <a16:creationId xmlns:a16="http://schemas.microsoft.com/office/drawing/2014/main" xmlns="" id="{A1D3B135-9E1F-4715-BBDB-B743EB32E933}"/>
+                <a16:creationId xmlns="" xmlns:a16="http://schemas.microsoft.com/office/drawing/2014/main" id="{A1D3B135-9E1F-4715-BBDB-B743EB32E933}"/>
               </a:ext>
             </a:extLst>
           </p:cNvPr>
@@ -6928,7 +7172,7 @@
           <p:cNvPr id="153" name="Straight Arrow Connector 152">
             <a:extLst>
               <a:ext uri="{FF2B5EF4-FFF2-40B4-BE49-F238E27FC236}">
-                <a16:creationId xmlns:a16="http://schemas.microsoft.com/office/drawing/2014/main" xmlns="" id="{D1770F5E-EA21-4850-8494-C4C2D80A1B20}"/>
+                <a16:creationId xmlns="" xmlns:a16="http://schemas.microsoft.com/office/drawing/2014/main" id="{D1770F5E-EA21-4850-8494-C4C2D80A1B20}"/>
               </a:ext>
             </a:extLst>
           </p:cNvPr>
@@ -6972,7 +7216,7 @@
           <p:cNvPr id="154" name="Straight Arrow Connector 153">
             <a:extLst>
               <a:ext uri="{FF2B5EF4-FFF2-40B4-BE49-F238E27FC236}">
-                <a16:creationId xmlns:a16="http://schemas.microsoft.com/office/drawing/2014/main" xmlns="" id="{C8E3FE0E-5E92-477B-BACE-E898B0C12B07}"/>
+                <a16:creationId xmlns="" xmlns:a16="http://schemas.microsoft.com/office/drawing/2014/main" id="{C8E3FE0E-5E92-477B-BACE-E898B0C12B07}"/>
               </a:ext>
             </a:extLst>
           </p:cNvPr>
@@ -7016,7 +7260,7 @@
           <p:cNvPr id="155" name="Straight Arrow Connector 154">
             <a:extLst>
               <a:ext uri="{FF2B5EF4-FFF2-40B4-BE49-F238E27FC236}">
-                <a16:creationId xmlns:a16="http://schemas.microsoft.com/office/drawing/2014/main" xmlns="" id="{DBF37D8A-2F61-4869-A6C6-524233FA9B12}"/>
+                <a16:creationId xmlns="" xmlns:a16="http://schemas.microsoft.com/office/drawing/2014/main" id="{DBF37D8A-2F61-4869-A6C6-524233FA9B12}"/>
               </a:ext>
             </a:extLst>
           </p:cNvPr>
@@ -7060,7 +7304,7 @@
           <p:cNvPr id="156" name="Straight Arrow Connector 155">
             <a:extLst>
               <a:ext uri="{FF2B5EF4-FFF2-40B4-BE49-F238E27FC236}">
-                <a16:creationId xmlns:a16="http://schemas.microsoft.com/office/drawing/2014/main" xmlns="" id="{A625D55F-5F09-486D-9A2E-2D267A148440}"/>
+                <a16:creationId xmlns="" xmlns:a16="http://schemas.microsoft.com/office/drawing/2014/main" id="{A625D55F-5F09-486D-9A2E-2D267A148440}"/>
               </a:ext>
             </a:extLst>
           </p:cNvPr>
@@ -7104,7 +7348,7 @@
           <p:cNvPr id="157" name="TextBox 156">
             <a:extLst>
               <a:ext uri="{FF2B5EF4-FFF2-40B4-BE49-F238E27FC236}">
-                <a16:creationId xmlns:a16="http://schemas.microsoft.com/office/drawing/2014/main" xmlns="" id="{3B1C1B6A-2C75-43CC-A447-4B561C1C2B06}"/>
+                <a16:creationId xmlns="" xmlns:a16="http://schemas.microsoft.com/office/drawing/2014/main" id="{3B1C1B6A-2C75-43CC-A447-4B561C1C2B06}"/>
               </a:ext>
             </a:extLst>
           </p:cNvPr>
@@ -7143,7 +7387,7 @@
           <p:cNvPr id="158" name="Arrow: Down 157">
             <a:extLst>
               <a:ext uri="{FF2B5EF4-FFF2-40B4-BE49-F238E27FC236}">
-                <a16:creationId xmlns:a16="http://schemas.microsoft.com/office/drawing/2014/main" xmlns="" id="{E3FB393C-BE89-42B7-8E61-C434739C9007}"/>
+                <a16:creationId xmlns="" xmlns:a16="http://schemas.microsoft.com/office/drawing/2014/main" id="{E3FB393C-BE89-42B7-8E61-C434739C9007}"/>
               </a:ext>
             </a:extLst>
           </p:cNvPr>
@@ -7195,7 +7439,7 @@
           <p:cNvPr id="159" name="Straight Arrow Connector 158">
             <a:extLst>
               <a:ext uri="{FF2B5EF4-FFF2-40B4-BE49-F238E27FC236}">
-                <a16:creationId xmlns:a16="http://schemas.microsoft.com/office/drawing/2014/main" xmlns="" id="{4736D311-FC35-4A01-A271-0230817C9E28}"/>
+                <a16:creationId xmlns="" xmlns:a16="http://schemas.microsoft.com/office/drawing/2014/main" id="{4736D311-FC35-4A01-A271-0230817C9E28}"/>
               </a:ext>
             </a:extLst>
           </p:cNvPr>
@@ -7241,7 +7485,7 @@
           <p:cNvPr id="160" name="TextBox 159">
             <a:extLst>
               <a:ext uri="{FF2B5EF4-FFF2-40B4-BE49-F238E27FC236}">
-                <a16:creationId xmlns:a16="http://schemas.microsoft.com/office/drawing/2014/main" xmlns="" id="{E9234FC1-B780-485A-BC1D-27D488028FF2}"/>
+                <a16:creationId xmlns="" xmlns:a16="http://schemas.microsoft.com/office/drawing/2014/main" id="{E9234FC1-B780-485A-BC1D-27D488028FF2}"/>
               </a:ext>
             </a:extLst>
           </p:cNvPr>
@@ -7291,7 +7535,7 @@
           <p:cNvPr id="161" name="Picture 2">
             <a:extLst>
               <a:ext uri="{FF2B5EF4-FFF2-40B4-BE49-F238E27FC236}">
-                <a16:creationId xmlns:a16="http://schemas.microsoft.com/office/drawing/2014/main" xmlns="" id="{6FA8644C-4157-4C29-A9AB-7895426E89EE}"/>
+                <a16:creationId xmlns="" xmlns:a16="http://schemas.microsoft.com/office/drawing/2014/main" id="{6FA8644C-4157-4C29-A9AB-7895426E89EE}"/>
               </a:ext>
             </a:extLst>
           </p:cNvPr>
@@ -7361,7 +7605,7 @@
           <p:cNvPr id="162" name="Group 161">
             <a:extLst>
               <a:ext uri="{FF2B5EF4-FFF2-40B4-BE49-F238E27FC236}">
-                <a16:creationId xmlns:a16="http://schemas.microsoft.com/office/drawing/2014/main" xmlns="" id="{8AA417C8-2A5F-4DB9-A327-478DEFA0F1FE}"/>
+                <a16:creationId xmlns="" xmlns:a16="http://schemas.microsoft.com/office/drawing/2014/main" id="{8AA417C8-2A5F-4DB9-A327-478DEFA0F1FE}"/>
               </a:ext>
             </a:extLst>
           </p:cNvPr>
@@ -7381,7 +7625,7 @@
             <p:cNvPr id="164" name="Picture 163">
               <a:extLst>
                 <a:ext uri="{FF2B5EF4-FFF2-40B4-BE49-F238E27FC236}">
-                  <a16:creationId xmlns:a16="http://schemas.microsoft.com/office/drawing/2014/main" xmlns="" id="{7AB6C7DC-8C4D-480E-8465-19855F19BB49}"/>
+                  <a16:creationId xmlns="" xmlns:a16="http://schemas.microsoft.com/office/drawing/2014/main" id="{7AB6C7DC-8C4D-480E-8465-19855F19BB49}"/>
                 </a:ext>
               </a:extLst>
             </p:cNvPr>
@@ -7409,7 +7653,7 @@
             <p:cNvPr id="165" name="Picture 164">
               <a:extLst>
                 <a:ext uri="{FF2B5EF4-FFF2-40B4-BE49-F238E27FC236}">
-                  <a16:creationId xmlns:a16="http://schemas.microsoft.com/office/drawing/2014/main" xmlns="" id="{8D424CF8-98CA-4442-9CBB-1C6B6677CA03}"/>
+                  <a16:creationId xmlns="" xmlns:a16="http://schemas.microsoft.com/office/drawing/2014/main" id="{8D424CF8-98CA-4442-9CBB-1C6B6677CA03}"/>
                 </a:ext>
               </a:extLst>
             </p:cNvPr>
@@ -7437,7 +7681,7 @@
             <p:cNvPr id="166" name="Picture 165">
               <a:extLst>
                 <a:ext uri="{FF2B5EF4-FFF2-40B4-BE49-F238E27FC236}">
-                  <a16:creationId xmlns:a16="http://schemas.microsoft.com/office/drawing/2014/main" xmlns="" id="{A0F38DD2-225D-4228-9076-B8596901A09B}"/>
+                  <a16:creationId xmlns="" xmlns:a16="http://schemas.microsoft.com/office/drawing/2014/main" id="{A0F38DD2-225D-4228-9076-B8596901A09B}"/>
                 </a:ext>
               </a:extLst>
             </p:cNvPr>
@@ -7466,7 +7710,7 @@
           <p:cNvPr id="163" name="Picture 162">
             <a:extLst>
               <a:ext uri="{FF2B5EF4-FFF2-40B4-BE49-F238E27FC236}">
-                <a16:creationId xmlns:a16="http://schemas.microsoft.com/office/drawing/2014/main" xmlns="" id="{548E5F0E-DC66-41FE-810E-8A55BE941A57}"/>
+                <a16:creationId xmlns="" xmlns:a16="http://schemas.microsoft.com/office/drawing/2014/main" id="{548E5F0E-DC66-41FE-810E-8A55BE941A57}"/>
               </a:ext>
             </a:extLst>
           </p:cNvPr>
@@ -7494,7 +7738,7 @@
           <p:cNvPr id="167" name="TextBox 166">
             <a:extLst>
               <a:ext uri="{FF2B5EF4-FFF2-40B4-BE49-F238E27FC236}">
-                <a16:creationId xmlns:a16="http://schemas.microsoft.com/office/drawing/2014/main" xmlns="" id="{844FFFA2-95FD-44EC-81E9-4E773A5EFF75}"/>
+                <a16:creationId xmlns="" xmlns:a16="http://schemas.microsoft.com/office/drawing/2014/main" id="{844FFFA2-95FD-44EC-81E9-4E773A5EFF75}"/>
               </a:ext>
             </a:extLst>
           </p:cNvPr>
@@ -7538,7 +7782,7 @@
           <p:cNvPr id="168" name="TextBox 167">
             <a:extLst>
               <a:ext uri="{FF2B5EF4-FFF2-40B4-BE49-F238E27FC236}">
-                <a16:creationId xmlns:a16="http://schemas.microsoft.com/office/drawing/2014/main" xmlns="" id="{0C242035-3919-48F6-B3E7-DF24DD4E2B78}"/>
+                <a16:creationId xmlns="" xmlns:a16="http://schemas.microsoft.com/office/drawing/2014/main" id="{0C242035-3919-48F6-B3E7-DF24DD4E2B78}"/>
               </a:ext>
             </a:extLst>
           </p:cNvPr>
@@ -7582,7 +7826,7 @@
           <p:cNvPr id="171" name="TextBox 170">
             <a:extLst>
               <a:ext uri="{FF2B5EF4-FFF2-40B4-BE49-F238E27FC236}">
-                <a16:creationId xmlns:a16="http://schemas.microsoft.com/office/drawing/2014/main" xmlns="" id="{D3D2C1E7-A24B-4E4F-9338-4E3CC945B96E}"/>
+                <a16:creationId xmlns="" xmlns:a16="http://schemas.microsoft.com/office/drawing/2014/main" id="{D3D2C1E7-A24B-4E4F-9338-4E3CC945B96E}"/>
               </a:ext>
             </a:extLst>
           </p:cNvPr>
@@ -7862,7 +8106,7 @@
           <p:cNvPr id="10" name="Picture 9" descr="Free Icon | Wifi">
             <a:extLst>
               <a:ext uri="{FF2B5EF4-FFF2-40B4-BE49-F238E27FC236}">
-                <a16:creationId xmlns:a16="http://schemas.microsoft.com/office/drawing/2014/main" xmlns="" id="{35E36CD3-6B5D-4E30-B897-685D3D72453D}"/>
+                <a16:creationId xmlns="" xmlns:a16="http://schemas.microsoft.com/office/drawing/2014/main" id="{35E36CD3-6B5D-4E30-B897-685D3D72453D}"/>
               </a:ext>
             </a:extLst>
           </p:cNvPr>
@@ -8203,7 +8447,7 @@
           <p:cNvPr id="20" name="Picture 19">
             <a:extLst>
               <a:ext uri="{FF2B5EF4-FFF2-40B4-BE49-F238E27FC236}">
-                <a16:creationId xmlns:a16="http://schemas.microsoft.com/office/drawing/2014/main" xmlns="" id="{A18A2DB5-C272-4EEC-BEDE-9D55A675C21C}"/>
+                <a16:creationId xmlns="" xmlns:a16="http://schemas.microsoft.com/office/drawing/2014/main" id="{A18A2DB5-C272-4EEC-BEDE-9D55A675C21C}"/>
               </a:ext>
             </a:extLst>
           </p:cNvPr>
@@ -8231,7 +8475,7 @@
           <p:cNvPr id="21" name="TextBox 20">
             <a:extLst>
               <a:ext uri="{FF2B5EF4-FFF2-40B4-BE49-F238E27FC236}">
-                <a16:creationId xmlns:a16="http://schemas.microsoft.com/office/drawing/2014/main" xmlns="" id="{C7B62148-C36A-4EC0-B756-BE9DE8CD3AB3}"/>
+                <a16:creationId xmlns="" xmlns:a16="http://schemas.microsoft.com/office/drawing/2014/main" id="{C7B62148-C36A-4EC0-B756-BE9DE8CD3AB3}"/>
               </a:ext>
             </a:extLst>
           </p:cNvPr>
@@ -8295,7 +8539,7 @@
           <p:cNvPr id="23" name="TextBox 22">
             <a:extLst>
               <a:ext uri="{FF2B5EF4-FFF2-40B4-BE49-F238E27FC236}">
-                <a16:creationId xmlns:a16="http://schemas.microsoft.com/office/drawing/2014/main" xmlns="" id="{E93A7901-2628-4F53-9A7E-1B2F218C5805}"/>
+                <a16:creationId xmlns="" xmlns:a16="http://schemas.microsoft.com/office/drawing/2014/main" id="{E93A7901-2628-4F53-9A7E-1B2F218C5805}"/>
               </a:ext>
             </a:extLst>
           </p:cNvPr>
@@ -8469,7 +8713,7 @@
           <p:cNvPr id="96" name="Picture 95" descr="Free Icon | Wifi">
             <a:extLst>
               <a:ext uri="{FF2B5EF4-FFF2-40B4-BE49-F238E27FC236}">
-                <a16:creationId xmlns:a16="http://schemas.microsoft.com/office/drawing/2014/main" xmlns="" id="{331FC1AA-CB08-45A4-9369-2997329D73F4}"/>
+                <a16:creationId xmlns="" xmlns:a16="http://schemas.microsoft.com/office/drawing/2014/main" id="{331FC1AA-CB08-45A4-9369-2997329D73F4}"/>
               </a:ext>
             </a:extLst>
           </p:cNvPr>
@@ -8508,7 +8752,7 @@
           <p:cNvPr id="97" name="Picture 96">
             <a:extLst>
               <a:ext uri="{FF2B5EF4-FFF2-40B4-BE49-F238E27FC236}">
-                <a16:creationId xmlns:a16="http://schemas.microsoft.com/office/drawing/2014/main" xmlns="" id="{D4CA772F-A72C-4314-A82A-E884D10E777D}"/>
+                <a16:creationId xmlns="" xmlns:a16="http://schemas.microsoft.com/office/drawing/2014/main" id="{D4CA772F-A72C-4314-A82A-E884D10E777D}"/>
               </a:ext>
             </a:extLst>
           </p:cNvPr>
@@ -8536,7 +8780,7 @@
           <p:cNvPr id="98" name="Picture 97">
             <a:extLst>
               <a:ext uri="{FF2B5EF4-FFF2-40B4-BE49-F238E27FC236}">
-                <a16:creationId xmlns:a16="http://schemas.microsoft.com/office/drawing/2014/main" xmlns="" id="{9E085E1D-93F9-4E72-B98F-FB8F7028960D}"/>
+                <a16:creationId xmlns="" xmlns:a16="http://schemas.microsoft.com/office/drawing/2014/main" id="{9E085E1D-93F9-4E72-B98F-FB8F7028960D}"/>
               </a:ext>
             </a:extLst>
           </p:cNvPr>
@@ -8564,7 +8808,7 @@
           <p:cNvPr id="101" name="TextBox 100">
             <a:extLst>
               <a:ext uri="{FF2B5EF4-FFF2-40B4-BE49-F238E27FC236}">
-                <a16:creationId xmlns:a16="http://schemas.microsoft.com/office/drawing/2014/main" xmlns="" id="{7FF2AF45-1BBB-4306-ABAF-8689BC85C815}"/>
+                <a16:creationId xmlns="" xmlns:a16="http://schemas.microsoft.com/office/drawing/2014/main" id="{7FF2AF45-1BBB-4306-ABAF-8689BC85C815}"/>
               </a:ext>
             </a:extLst>
           </p:cNvPr>
@@ -8603,7 +8847,7 @@
           <p:cNvPr id="103" name="Straight Connector 102">
             <a:extLst>
               <a:ext uri="{FF2B5EF4-FFF2-40B4-BE49-F238E27FC236}">
-                <a16:creationId xmlns:a16="http://schemas.microsoft.com/office/drawing/2014/main" xmlns="" id="{E865F506-39E6-412E-A252-A31428B8E040}"/>
+                <a16:creationId xmlns="" xmlns:a16="http://schemas.microsoft.com/office/drawing/2014/main" id="{E865F506-39E6-412E-A252-A31428B8E040}"/>
               </a:ext>
             </a:extLst>
           </p:cNvPr>
@@ -8646,7 +8890,7 @@
           <p:cNvPr id="110" name="Straight Arrow Connector 109">
             <a:extLst>
               <a:ext uri="{FF2B5EF4-FFF2-40B4-BE49-F238E27FC236}">
-                <a16:creationId xmlns:a16="http://schemas.microsoft.com/office/drawing/2014/main" xmlns="" id="{E8B958EE-5EE0-4808-BB5D-8AF84300BFB3}"/>
+                <a16:creationId xmlns="" xmlns:a16="http://schemas.microsoft.com/office/drawing/2014/main" id="{E8B958EE-5EE0-4808-BB5D-8AF84300BFB3}"/>
               </a:ext>
             </a:extLst>
           </p:cNvPr>
@@ -8690,7 +8934,7 @@
           <p:cNvPr id="111" name="Straight Arrow Connector 110">
             <a:extLst>
               <a:ext uri="{FF2B5EF4-FFF2-40B4-BE49-F238E27FC236}">
-                <a16:creationId xmlns:a16="http://schemas.microsoft.com/office/drawing/2014/main" xmlns="" id="{701FA5EF-0179-41F2-B22D-FCC175001A48}"/>
+                <a16:creationId xmlns="" xmlns:a16="http://schemas.microsoft.com/office/drawing/2014/main" id="{701FA5EF-0179-41F2-B22D-FCC175001A48}"/>
               </a:ext>
             </a:extLst>
           </p:cNvPr>
@@ -8734,7 +8978,7 @@
           <p:cNvPr id="112" name="Straight Arrow Connector 111">
             <a:extLst>
               <a:ext uri="{FF2B5EF4-FFF2-40B4-BE49-F238E27FC236}">
-                <a16:creationId xmlns:a16="http://schemas.microsoft.com/office/drawing/2014/main" xmlns="" id="{AF569078-F334-430B-8950-9BEB338AB6EA}"/>
+                <a16:creationId xmlns="" xmlns:a16="http://schemas.microsoft.com/office/drawing/2014/main" id="{AF569078-F334-430B-8950-9BEB338AB6EA}"/>
               </a:ext>
             </a:extLst>
           </p:cNvPr>
@@ -8778,7 +9022,7 @@
           <p:cNvPr id="113" name="Straight Arrow Connector 112">
             <a:extLst>
               <a:ext uri="{FF2B5EF4-FFF2-40B4-BE49-F238E27FC236}">
-                <a16:creationId xmlns:a16="http://schemas.microsoft.com/office/drawing/2014/main" xmlns="" id="{9894B322-EF50-40E0-8415-FD1EB8F34947}"/>
+                <a16:creationId xmlns="" xmlns:a16="http://schemas.microsoft.com/office/drawing/2014/main" id="{9894B322-EF50-40E0-8415-FD1EB8F34947}"/>
               </a:ext>
             </a:extLst>
           </p:cNvPr>
@@ -8822,7 +9066,7 @@
           <p:cNvPr id="114" name="TextBox 113">
             <a:extLst>
               <a:ext uri="{FF2B5EF4-FFF2-40B4-BE49-F238E27FC236}">
-                <a16:creationId xmlns:a16="http://schemas.microsoft.com/office/drawing/2014/main" xmlns="" id="{E9064D73-DA84-45E4-878F-355289241361}"/>
+                <a16:creationId xmlns="" xmlns:a16="http://schemas.microsoft.com/office/drawing/2014/main" id="{E9064D73-DA84-45E4-878F-355289241361}"/>
               </a:ext>
             </a:extLst>
           </p:cNvPr>
@@ -8861,7 +9105,7 @@
           <p:cNvPr id="115" name="Arrow: Down 114">
             <a:extLst>
               <a:ext uri="{FF2B5EF4-FFF2-40B4-BE49-F238E27FC236}">
-                <a16:creationId xmlns:a16="http://schemas.microsoft.com/office/drawing/2014/main" xmlns="" id="{8CFCE75F-7AA7-4BF3-B044-4770D3A70008}"/>
+                <a16:creationId xmlns="" xmlns:a16="http://schemas.microsoft.com/office/drawing/2014/main" id="{8CFCE75F-7AA7-4BF3-B044-4770D3A70008}"/>
               </a:ext>
             </a:extLst>
           </p:cNvPr>
@@ -8913,7 +9157,7 @@
           <p:cNvPr id="116" name="Straight Arrow Connector 115">
             <a:extLst>
               <a:ext uri="{FF2B5EF4-FFF2-40B4-BE49-F238E27FC236}">
-                <a16:creationId xmlns:a16="http://schemas.microsoft.com/office/drawing/2014/main" xmlns="" id="{8E0EBC89-8ED8-4F07-B552-FDDF03B2E41D}"/>
+                <a16:creationId xmlns="" xmlns:a16="http://schemas.microsoft.com/office/drawing/2014/main" id="{8E0EBC89-8ED8-4F07-B552-FDDF03B2E41D}"/>
               </a:ext>
             </a:extLst>
           </p:cNvPr>
@@ -8959,7 +9203,7 @@
           <p:cNvPr id="117" name="TextBox 116">
             <a:extLst>
               <a:ext uri="{FF2B5EF4-FFF2-40B4-BE49-F238E27FC236}">
-                <a16:creationId xmlns:a16="http://schemas.microsoft.com/office/drawing/2014/main" xmlns="" id="{DC4F584F-869A-4EC5-BD3F-B43D6F04B109}"/>
+                <a16:creationId xmlns="" xmlns:a16="http://schemas.microsoft.com/office/drawing/2014/main" id="{DC4F584F-869A-4EC5-BD3F-B43D6F04B109}"/>
               </a:ext>
             </a:extLst>
           </p:cNvPr>
@@ -9009,7 +9253,7 @@
           <p:cNvPr id="118" name="Picture 2">
             <a:extLst>
               <a:ext uri="{FF2B5EF4-FFF2-40B4-BE49-F238E27FC236}">
-                <a16:creationId xmlns:a16="http://schemas.microsoft.com/office/drawing/2014/main" xmlns="" id="{7EAFE767-B908-419E-B4E7-05DAB402B5BB}"/>
+                <a16:creationId xmlns="" xmlns:a16="http://schemas.microsoft.com/office/drawing/2014/main" id="{7EAFE767-B908-419E-B4E7-05DAB402B5BB}"/>
               </a:ext>
             </a:extLst>
           </p:cNvPr>
@@ -9079,7 +9323,7 @@
           <p:cNvPr id="13" name="Group 12">
             <a:extLst>
               <a:ext uri="{FF2B5EF4-FFF2-40B4-BE49-F238E27FC236}">
-                <a16:creationId xmlns:a16="http://schemas.microsoft.com/office/drawing/2014/main" xmlns="" id="{DD9AE47D-D12F-4154-BB04-4D3D34BE33AE}"/>
+                <a16:creationId xmlns="" xmlns:a16="http://schemas.microsoft.com/office/drawing/2014/main" id="{DD9AE47D-D12F-4154-BB04-4D3D34BE33AE}"/>
               </a:ext>
             </a:extLst>
           </p:cNvPr>
@@ -9099,7 +9343,7 @@
             <p:cNvPr id="119" name="Picture 118">
               <a:extLst>
                 <a:ext uri="{FF2B5EF4-FFF2-40B4-BE49-F238E27FC236}">
-                  <a16:creationId xmlns:a16="http://schemas.microsoft.com/office/drawing/2014/main" xmlns="" id="{8569128C-0619-4279-963D-AE7C028B50F8}"/>
+                  <a16:creationId xmlns="" xmlns:a16="http://schemas.microsoft.com/office/drawing/2014/main" id="{8569128C-0619-4279-963D-AE7C028B50F8}"/>
                 </a:ext>
               </a:extLst>
             </p:cNvPr>
@@ -9127,7 +9371,7 @@
             <p:cNvPr id="120" name="Picture 119">
               <a:extLst>
                 <a:ext uri="{FF2B5EF4-FFF2-40B4-BE49-F238E27FC236}">
-                  <a16:creationId xmlns:a16="http://schemas.microsoft.com/office/drawing/2014/main" xmlns="" id="{8B747FC8-E2F4-4A4F-A22C-CE38FE1C73EE}"/>
+                  <a16:creationId xmlns="" xmlns:a16="http://schemas.microsoft.com/office/drawing/2014/main" id="{8B747FC8-E2F4-4A4F-A22C-CE38FE1C73EE}"/>
                 </a:ext>
               </a:extLst>
             </p:cNvPr>
@@ -9155,7 +9399,7 @@
             <p:cNvPr id="121" name="Picture 120">
               <a:extLst>
                 <a:ext uri="{FF2B5EF4-FFF2-40B4-BE49-F238E27FC236}">
-                  <a16:creationId xmlns:a16="http://schemas.microsoft.com/office/drawing/2014/main" xmlns="" id="{C5D34CA6-4297-482B-89D7-F88D49D89624}"/>
+                  <a16:creationId xmlns="" xmlns:a16="http://schemas.microsoft.com/office/drawing/2014/main" id="{C5D34CA6-4297-482B-89D7-F88D49D89624}"/>
                 </a:ext>
               </a:extLst>
             </p:cNvPr>
@@ -9184,7 +9428,7 @@
           <p:cNvPr id="122" name="Picture 121">
             <a:extLst>
               <a:ext uri="{FF2B5EF4-FFF2-40B4-BE49-F238E27FC236}">
-                <a16:creationId xmlns:a16="http://schemas.microsoft.com/office/drawing/2014/main" xmlns="" id="{B162C919-E530-41D0-B8DE-285A262718DC}"/>
+                <a16:creationId xmlns="" xmlns:a16="http://schemas.microsoft.com/office/drawing/2014/main" id="{B162C919-E530-41D0-B8DE-285A262718DC}"/>
               </a:ext>
             </a:extLst>
           </p:cNvPr>
@@ -9212,7 +9456,7 @@
           <p:cNvPr id="171" name="TextBox 170">
             <a:extLst>
               <a:ext uri="{FF2B5EF4-FFF2-40B4-BE49-F238E27FC236}">
-                <a16:creationId xmlns:a16="http://schemas.microsoft.com/office/drawing/2014/main" xmlns="" id="{D3D2C1E7-A24B-4E4F-9338-4E3CC945B96E}"/>
+                <a16:creationId xmlns="" xmlns:a16="http://schemas.microsoft.com/office/drawing/2014/main" id="{D3D2C1E7-A24B-4E4F-9338-4E3CC945B96E}"/>
               </a:ext>
             </a:extLst>
           </p:cNvPr>
@@ -9259,7 +9503,7 @@
           <p:cNvPr id="89" name="TextBox 88">
             <a:extLst>
               <a:ext uri="{FF2B5EF4-FFF2-40B4-BE49-F238E27FC236}">
-                <a16:creationId xmlns:a16="http://schemas.microsoft.com/office/drawing/2014/main" xmlns="" id="{FD499B9D-6F6A-48F3-A26C-7095543087F4}"/>
+                <a16:creationId xmlns="" xmlns:a16="http://schemas.microsoft.com/office/drawing/2014/main" id="{FD499B9D-6F6A-48F3-A26C-7095543087F4}"/>
               </a:ext>
             </a:extLst>
           </p:cNvPr>
@@ -9342,7 +9586,7 @@
           <p:cNvPr id="27" name="TextBox 26">
             <a:extLst>
               <a:ext uri="{FF2B5EF4-FFF2-40B4-BE49-F238E27FC236}">
-                <a16:creationId xmlns:a16="http://schemas.microsoft.com/office/drawing/2014/main" xmlns="" id="{B250D357-4F1F-4D5E-88FD-1C5A02A91117}"/>
+                <a16:creationId xmlns="" xmlns:a16="http://schemas.microsoft.com/office/drawing/2014/main" id="{B250D357-4F1F-4D5E-88FD-1C5A02A91117}"/>
               </a:ext>
             </a:extLst>
           </p:cNvPr>
@@ -9608,7 +9852,7 @@
           <p:cNvPr id="96" name="Picture 95" descr="Free Icon | Wifi">
             <a:extLst>
               <a:ext uri="{FF2B5EF4-FFF2-40B4-BE49-F238E27FC236}">
-                <a16:creationId xmlns:a16="http://schemas.microsoft.com/office/drawing/2014/main" xmlns="" id="{331FC1AA-CB08-45A4-9369-2997329D73F4}"/>
+                <a16:creationId xmlns="" xmlns:a16="http://schemas.microsoft.com/office/drawing/2014/main" id="{331FC1AA-CB08-45A4-9369-2997329D73F4}"/>
               </a:ext>
             </a:extLst>
           </p:cNvPr>
@@ -9647,7 +9891,7 @@
           <p:cNvPr id="97" name="Picture 96">
             <a:extLst>
               <a:ext uri="{FF2B5EF4-FFF2-40B4-BE49-F238E27FC236}">
-                <a16:creationId xmlns:a16="http://schemas.microsoft.com/office/drawing/2014/main" xmlns="" id="{D4CA772F-A72C-4314-A82A-E884D10E777D}"/>
+                <a16:creationId xmlns="" xmlns:a16="http://schemas.microsoft.com/office/drawing/2014/main" id="{D4CA772F-A72C-4314-A82A-E884D10E777D}"/>
               </a:ext>
             </a:extLst>
           </p:cNvPr>
@@ -9675,7 +9919,7 @@
           <p:cNvPr id="98" name="Picture 97">
             <a:extLst>
               <a:ext uri="{FF2B5EF4-FFF2-40B4-BE49-F238E27FC236}">
-                <a16:creationId xmlns:a16="http://schemas.microsoft.com/office/drawing/2014/main" xmlns="" id="{9E085E1D-93F9-4E72-B98F-FB8F7028960D}"/>
+                <a16:creationId xmlns="" xmlns:a16="http://schemas.microsoft.com/office/drawing/2014/main" id="{9E085E1D-93F9-4E72-B98F-FB8F7028960D}"/>
               </a:ext>
             </a:extLst>
           </p:cNvPr>
@@ -9703,7 +9947,7 @@
           <p:cNvPr id="101" name="TextBox 100">
             <a:extLst>
               <a:ext uri="{FF2B5EF4-FFF2-40B4-BE49-F238E27FC236}">
-                <a16:creationId xmlns:a16="http://schemas.microsoft.com/office/drawing/2014/main" xmlns="" id="{7FF2AF45-1BBB-4306-ABAF-8689BC85C815}"/>
+                <a16:creationId xmlns="" xmlns:a16="http://schemas.microsoft.com/office/drawing/2014/main" id="{7FF2AF45-1BBB-4306-ABAF-8689BC85C815}"/>
               </a:ext>
             </a:extLst>
           </p:cNvPr>
@@ -9742,7 +9986,7 @@
           <p:cNvPr id="103" name="Straight Connector 102">
             <a:extLst>
               <a:ext uri="{FF2B5EF4-FFF2-40B4-BE49-F238E27FC236}">
-                <a16:creationId xmlns:a16="http://schemas.microsoft.com/office/drawing/2014/main" xmlns="" id="{E865F506-39E6-412E-A252-A31428B8E040}"/>
+                <a16:creationId xmlns="" xmlns:a16="http://schemas.microsoft.com/office/drawing/2014/main" id="{E865F506-39E6-412E-A252-A31428B8E040}"/>
               </a:ext>
             </a:extLst>
           </p:cNvPr>
@@ -9785,7 +10029,7 @@
           <p:cNvPr id="110" name="Straight Arrow Connector 109">
             <a:extLst>
               <a:ext uri="{FF2B5EF4-FFF2-40B4-BE49-F238E27FC236}">
-                <a16:creationId xmlns:a16="http://schemas.microsoft.com/office/drawing/2014/main" xmlns="" id="{E8B958EE-5EE0-4808-BB5D-8AF84300BFB3}"/>
+                <a16:creationId xmlns="" xmlns:a16="http://schemas.microsoft.com/office/drawing/2014/main" id="{E8B958EE-5EE0-4808-BB5D-8AF84300BFB3}"/>
               </a:ext>
             </a:extLst>
           </p:cNvPr>
@@ -9829,7 +10073,7 @@
           <p:cNvPr id="111" name="Straight Arrow Connector 110">
             <a:extLst>
               <a:ext uri="{FF2B5EF4-FFF2-40B4-BE49-F238E27FC236}">
-                <a16:creationId xmlns:a16="http://schemas.microsoft.com/office/drawing/2014/main" xmlns="" id="{701FA5EF-0179-41F2-B22D-FCC175001A48}"/>
+                <a16:creationId xmlns="" xmlns:a16="http://schemas.microsoft.com/office/drawing/2014/main" id="{701FA5EF-0179-41F2-B22D-FCC175001A48}"/>
               </a:ext>
             </a:extLst>
           </p:cNvPr>
@@ -9873,7 +10117,7 @@
           <p:cNvPr id="112" name="Straight Arrow Connector 111">
             <a:extLst>
               <a:ext uri="{FF2B5EF4-FFF2-40B4-BE49-F238E27FC236}">
-                <a16:creationId xmlns:a16="http://schemas.microsoft.com/office/drawing/2014/main" xmlns="" id="{AF569078-F334-430B-8950-9BEB338AB6EA}"/>
+                <a16:creationId xmlns="" xmlns:a16="http://schemas.microsoft.com/office/drawing/2014/main" id="{AF569078-F334-430B-8950-9BEB338AB6EA}"/>
               </a:ext>
             </a:extLst>
           </p:cNvPr>
@@ -9917,7 +10161,7 @@
           <p:cNvPr id="113" name="Straight Arrow Connector 112">
             <a:extLst>
               <a:ext uri="{FF2B5EF4-FFF2-40B4-BE49-F238E27FC236}">
-                <a16:creationId xmlns:a16="http://schemas.microsoft.com/office/drawing/2014/main" xmlns="" id="{9894B322-EF50-40E0-8415-FD1EB8F34947}"/>
+                <a16:creationId xmlns="" xmlns:a16="http://schemas.microsoft.com/office/drawing/2014/main" id="{9894B322-EF50-40E0-8415-FD1EB8F34947}"/>
               </a:ext>
             </a:extLst>
           </p:cNvPr>
@@ -9961,7 +10205,7 @@
           <p:cNvPr id="114" name="TextBox 113">
             <a:extLst>
               <a:ext uri="{FF2B5EF4-FFF2-40B4-BE49-F238E27FC236}">
-                <a16:creationId xmlns:a16="http://schemas.microsoft.com/office/drawing/2014/main" xmlns="" id="{E9064D73-DA84-45E4-878F-355289241361}"/>
+                <a16:creationId xmlns="" xmlns:a16="http://schemas.microsoft.com/office/drawing/2014/main" id="{E9064D73-DA84-45E4-878F-355289241361}"/>
               </a:ext>
             </a:extLst>
           </p:cNvPr>
@@ -10000,7 +10244,7 @@
           <p:cNvPr id="115" name="Arrow: Down 114">
             <a:extLst>
               <a:ext uri="{FF2B5EF4-FFF2-40B4-BE49-F238E27FC236}">
-                <a16:creationId xmlns:a16="http://schemas.microsoft.com/office/drawing/2014/main" xmlns="" id="{8CFCE75F-7AA7-4BF3-B044-4770D3A70008}"/>
+                <a16:creationId xmlns="" xmlns:a16="http://schemas.microsoft.com/office/drawing/2014/main" id="{8CFCE75F-7AA7-4BF3-B044-4770D3A70008}"/>
               </a:ext>
             </a:extLst>
           </p:cNvPr>
@@ -10052,7 +10296,7 @@
           <p:cNvPr id="116" name="Straight Arrow Connector 115">
             <a:extLst>
               <a:ext uri="{FF2B5EF4-FFF2-40B4-BE49-F238E27FC236}">
-                <a16:creationId xmlns:a16="http://schemas.microsoft.com/office/drawing/2014/main" xmlns="" id="{8E0EBC89-8ED8-4F07-B552-FDDF03B2E41D}"/>
+                <a16:creationId xmlns="" xmlns:a16="http://schemas.microsoft.com/office/drawing/2014/main" id="{8E0EBC89-8ED8-4F07-B552-FDDF03B2E41D}"/>
               </a:ext>
             </a:extLst>
           </p:cNvPr>
@@ -10098,7 +10342,7 @@
           <p:cNvPr id="117" name="TextBox 116">
             <a:extLst>
               <a:ext uri="{FF2B5EF4-FFF2-40B4-BE49-F238E27FC236}">
-                <a16:creationId xmlns:a16="http://schemas.microsoft.com/office/drawing/2014/main" xmlns="" id="{DC4F584F-869A-4EC5-BD3F-B43D6F04B109}"/>
+                <a16:creationId xmlns="" xmlns:a16="http://schemas.microsoft.com/office/drawing/2014/main" id="{DC4F584F-869A-4EC5-BD3F-B43D6F04B109}"/>
               </a:ext>
             </a:extLst>
           </p:cNvPr>
@@ -10148,7 +10392,7 @@
           <p:cNvPr id="118" name="Picture 2">
             <a:extLst>
               <a:ext uri="{FF2B5EF4-FFF2-40B4-BE49-F238E27FC236}">
-                <a16:creationId xmlns:a16="http://schemas.microsoft.com/office/drawing/2014/main" xmlns="" id="{7EAFE767-B908-419E-B4E7-05DAB402B5BB}"/>
+                <a16:creationId xmlns="" xmlns:a16="http://schemas.microsoft.com/office/drawing/2014/main" id="{7EAFE767-B908-419E-B4E7-05DAB402B5BB}"/>
               </a:ext>
             </a:extLst>
           </p:cNvPr>
@@ -10218,7 +10462,7 @@
           <p:cNvPr id="13" name="Group 12">
             <a:extLst>
               <a:ext uri="{FF2B5EF4-FFF2-40B4-BE49-F238E27FC236}">
-                <a16:creationId xmlns:a16="http://schemas.microsoft.com/office/drawing/2014/main" xmlns="" id="{DD9AE47D-D12F-4154-BB04-4D3D34BE33AE}"/>
+                <a16:creationId xmlns="" xmlns:a16="http://schemas.microsoft.com/office/drawing/2014/main" id="{DD9AE47D-D12F-4154-BB04-4D3D34BE33AE}"/>
               </a:ext>
             </a:extLst>
           </p:cNvPr>
@@ -10238,7 +10482,7 @@
             <p:cNvPr id="119" name="Picture 118">
               <a:extLst>
                 <a:ext uri="{FF2B5EF4-FFF2-40B4-BE49-F238E27FC236}">
-                  <a16:creationId xmlns:a16="http://schemas.microsoft.com/office/drawing/2014/main" xmlns="" id="{8569128C-0619-4279-963D-AE7C028B50F8}"/>
+                  <a16:creationId xmlns="" xmlns:a16="http://schemas.microsoft.com/office/drawing/2014/main" id="{8569128C-0619-4279-963D-AE7C028B50F8}"/>
                 </a:ext>
               </a:extLst>
             </p:cNvPr>
@@ -10266,7 +10510,7 @@
             <p:cNvPr id="120" name="Picture 119">
               <a:extLst>
                 <a:ext uri="{FF2B5EF4-FFF2-40B4-BE49-F238E27FC236}">
-                  <a16:creationId xmlns:a16="http://schemas.microsoft.com/office/drawing/2014/main" xmlns="" id="{8B747FC8-E2F4-4A4F-A22C-CE38FE1C73EE}"/>
+                  <a16:creationId xmlns="" xmlns:a16="http://schemas.microsoft.com/office/drawing/2014/main" id="{8B747FC8-E2F4-4A4F-A22C-CE38FE1C73EE}"/>
                 </a:ext>
               </a:extLst>
             </p:cNvPr>
@@ -10294,7 +10538,7 @@
             <p:cNvPr id="121" name="Picture 120">
               <a:extLst>
                 <a:ext uri="{FF2B5EF4-FFF2-40B4-BE49-F238E27FC236}">
-                  <a16:creationId xmlns:a16="http://schemas.microsoft.com/office/drawing/2014/main" xmlns="" id="{C5D34CA6-4297-482B-89D7-F88D49D89624}"/>
+                  <a16:creationId xmlns="" xmlns:a16="http://schemas.microsoft.com/office/drawing/2014/main" id="{C5D34CA6-4297-482B-89D7-F88D49D89624}"/>
                 </a:ext>
               </a:extLst>
             </p:cNvPr>
@@ -10323,7 +10567,7 @@
           <p:cNvPr id="122" name="Picture 121">
             <a:extLst>
               <a:ext uri="{FF2B5EF4-FFF2-40B4-BE49-F238E27FC236}">
-                <a16:creationId xmlns:a16="http://schemas.microsoft.com/office/drawing/2014/main" xmlns="" id="{B162C919-E530-41D0-B8DE-285A262718DC}"/>
+                <a16:creationId xmlns="" xmlns:a16="http://schemas.microsoft.com/office/drawing/2014/main" id="{B162C919-E530-41D0-B8DE-285A262718DC}"/>
               </a:ext>
             </a:extLst>
           </p:cNvPr>
@@ -10351,7 +10595,7 @@
           <p:cNvPr id="171" name="TextBox 170">
             <a:extLst>
               <a:ext uri="{FF2B5EF4-FFF2-40B4-BE49-F238E27FC236}">
-                <a16:creationId xmlns:a16="http://schemas.microsoft.com/office/drawing/2014/main" xmlns="" id="{D3D2C1E7-A24B-4E4F-9338-4E3CC945B96E}"/>
+                <a16:creationId xmlns="" xmlns:a16="http://schemas.microsoft.com/office/drawing/2014/main" id="{D3D2C1E7-A24B-4E4F-9338-4E3CC945B96E}"/>
               </a:ext>
             </a:extLst>
           </p:cNvPr>
@@ -10422,7 +10666,7 @@
           <p:cNvPr id="89" name="TextBox 88">
             <a:extLst>
               <a:ext uri="{FF2B5EF4-FFF2-40B4-BE49-F238E27FC236}">
-                <a16:creationId xmlns:a16="http://schemas.microsoft.com/office/drawing/2014/main" xmlns="" id="{FD499B9D-6F6A-48F3-A26C-7095543087F4}"/>
+                <a16:creationId xmlns="" xmlns:a16="http://schemas.microsoft.com/office/drawing/2014/main" id="{FD499B9D-6F6A-48F3-A26C-7095543087F4}"/>
               </a:ext>
             </a:extLst>
           </p:cNvPr>
@@ -10505,7 +10749,7 @@
           <p:cNvPr id="27" name="TextBox 26">
             <a:extLst>
               <a:ext uri="{FF2B5EF4-FFF2-40B4-BE49-F238E27FC236}">
-                <a16:creationId xmlns:a16="http://schemas.microsoft.com/office/drawing/2014/main" xmlns="" id="{B250D357-4F1F-4D5E-88FD-1C5A02A91117}"/>
+                <a16:creationId xmlns="" xmlns:a16="http://schemas.microsoft.com/office/drawing/2014/main" id="{B250D357-4F1F-4D5E-88FD-1C5A02A91117}"/>
               </a:ext>
             </a:extLst>
           </p:cNvPr>
@@ -10657,6 +10901,376 @@
   <p:transition spd="slow">
     <p:fade/>
   </p:transition>
+</p:sld>
+</file>
+
+<file path=ppt/slides/slide5.xml><?xml version="1.0" encoding="utf-8"?>
+<p:sld xmlns:a="http://schemas.openxmlformats.org/drawingml/2006/main" xmlns:r="http://schemas.openxmlformats.org/officeDocument/2006/relationships" xmlns:p="http://schemas.openxmlformats.org/presentationml/2006/main">
+  <p:cSld>
+    <p:spTree>
+      <p:nvGrpSpPr>
+        <p:cNvPr id="1" name=""/>
+        <p:cNvGrpSpPr/>
+        <p:nvPr/>
+      </p:nvGrpSpPr>
+      <p:grpSpPr>
+        <a:xfrm>
+          <a:off x="0" y="0"/>
+          <a:ext cx="0" cy="0"/>
+          <a:chOff x="0" y="0"/>
+          <a:chExt cx="0" cy="0"/>
+        </a:xfrm>
+      </p:grpSpPr>
+      <p:sp>
+        <p:nvSpPr>
+          <p:cNvPr id="4" name="Flowchart: Process 3"/>
+          <p:cNvSpPr/>
+          <p:nvPr/>
+        </p:nvSpPr>
+        <p:spPr>
+          <a:xfrm>
+            <a:off x="2699792" y="1196752"/>
+            <a:ext cx="2160240" cy="864096"/>
+          </a:xfrm>
+          <a:prstGeom prst="flowChartProcess">
+            <a:avLst/>
+          </a:prstGeom>
+          <a:noFill/>
+        </p:spPr>
+        <p:style>
+          <a:lnRef idx="2">
+            <a:schemeClr val="accent1">
+              <a:shade val="50000"/>
+            </a:schemeClr>
+          </a:lnRef>
+          <a:fillRef idx="1">
+            <a:schemeClr val="accent1"/>
+          </a:fillRef>
+          <a:effectRef idx="0">
+            <a:schemeClr val="accent1"/>
+          </a:effectRef>
+          <a:fontRef idx="minor">
+            <a:schemeClr val="lt1"/>
+          </a:fontRef>
+        </p:style>
+        <p:txBody>
+          <a:bodyPr rtlCol="0" anchor="ctr"/>
+          <a:lstStyle/>
+          <a:p>
+            <a:pPr algn="ctr"/>
+            <a:r>
+              <a:rPr lang="en-ID" dirty="0" err="1" smtClean="0">
+                <a:solidFill>
+                  <a:schemeClr val="tx1"/>
+                </a:solidFill>
+              </a:rPr>
+              <a:t>getValue</a:t>
+            </a:r>
+            <a:r>
+              <a:rPr lang="en-ID" dirty="0" smtClean="0">
+                <a:solidFill>
+                  <a:schemeClr val="tx1"/>
+                </a:solidFill>
+              </a:rPr>
+              <a:t> from sensor</a:t>
+            </a:r>
+            <a:endParaRPr lang="en-US" dirty="0">
+              <a:solidFill>
+                <a:schemeClr val="tx1"/>
+              </a:solidFill>
+            </a:endParaRPr>
+          </a:p>
+        </p:txBody>
+      </p:sp>
+      <p:sp>
+        <p:nvSpPr>
+          <p:cNvPr id="5" name="Flowchart: Decision 4"/>
+          <p:cNvSpPr/>
+          <p:nvPr/>
+        </p:nvSpPr>
+        <p:spPr>
+          <a:xfrm>
+            <a:off x="2879812" y="2945904"/>
+            <a:ext cx="1800200" cy="1224136"/>
+          </a:xfrm>
+          <a:prstGeom prst="flowChartDecision">
+            <a:avLst/>
+          </a:prstGeom>
+          <a:noFill/>
+        </p:spPr>
+        <p:style>
+          <a:lnRef idx="2">
+            <a:schemeClr val="accent1">
+              <a:shade val="50000"/>
+            </a:schemeClr>
+          </a:lnRef>
+          <a:fillRef idx="1">
+            <a:schemeClr val="accent1"/>
+          </a:fillRef>
+          <a:effectRef idx="0">
+            <a:schemeClr val="accent1"/>
+          </a:effectRef>
+          <a:fontRef idx="minor">
+            <a:schemeClr val="lt1"/>
+          </a:fontRef>
+        </p:style>
+        <p:txBody>
+          <a:bodyPr rtlCol="0" anchor="ctr"/>
+          <a:lstStyle/>
+          <a:p>
+            <a:pPr algn="ctr"/>
+            <a:r>
+              <a:rPr lang="en-ID" dirty="0" smtClean="0">
+                <a:solidFill>
+                  <a:schemeClr val="tx1"/>
+                </a:solidFill>
+              </a:rPr>
+              <a:t>Val &gt; Setting</a:t>
+            </a:r>
+            <a:endParaRPr lang="en-US" dirty="0">
+              <a:solidFill>
+                <a:schemeClr val="tx1"/>
+              </a:solidFill>
+            </a:endParaRPr>
+          </a:p>
+        </p:txBody>
+      </p:sp>
+      <p:cxnSp>
+        <p:nvCxnSpPr>
+          <p:cNvPr id="7" name="Straight Arrow Connector 6"/>
+          <p:cNvCxnSpPr>
+            <a:stCxn id="4" idx="2"/>
+            <a:endCxn id="5" idx="0"/>
+          </p:cNvCxnSpPr>
+          <p:nvPr/>
+        </p:nvCxnSpPr>
+        <p:spPr>
+          <a:xfrm>
+            <a:off x="3779912" y="2060848"/>
+            <a:ext cx="0" cy="885056"/>
+          </a:xfrm>
+          <a:prstGeom prst="straightConnector1">
+            <a:avLst/>
+          </a:prstGeom>
+          <a:ln>
+            <a:tailEnd type="arrow"/>
+          </a:ln>
+        </p:spPr>
+        <p:style>
+          <a:lnRef idx="1">
+            <a:schemeClr val="accent1"/>
+          </a:lnRef>
+          <a:fillRef idx="0">
+            <a:schemeClr val="accent1"/>
+          </a:fillRef>
+          <a:effectRef idx="0">
+            <a:schemeClr val="accent1"/>
+          </a:effectRef>
+          <a:fontRef idx="minor">
+            <a:schemeClr val="tx1"/>
+          </a:fontRef>
+        </p:style>
+      </p:cxnSp>
+      <p:cxnSp>
+        <p:nvCxnSpPr>
+          <p:cNvPr id="9" name="Straight Arrow Connector 8"/>
+          <p:cNvCxnSpPr>
+            <a:stCxn id="5" idx="3"/>
+          </p:cNvCxnSpPr>
+          <p:nvPr/>
+        </p:nvCxnSpPr>
+        <p:spPr>
+          <a:xfrm>
+            <a:off x="4680012" y="3557972"/>
+            <a:ext cx="1332148" cy="0"/>
+          </a:xfrm>
+          <a:prstGeom prst="straightConnector1">
+            <a:avLst/>
+          </a:prstGeom>
+          <a:ln>
+            <a:tailEnd type="arrow"/>
+          </a:ln>
+        </p:spPr>
+        <p:style>
+          <a:lnRef idx="1">
+            <a:schemeClr val="accent1"/>
+          </a:lnRef>
+          <a:fillRef idx="0">
+            <a:schemeClr val="accent1"/>
+          </a:fillRef>
+          <a:effectRef idx="0">
+            <a:schemeClr val="accent1"/>
+          </a:effectRef>
+          <a:fontRef idx="minor">
+            <a:schemeClr val="tx1"/>
+          </a:fontRef>
+        </p:style>
+      </p:cxnSp>
+      <p:cxnSp>
+        <p:nvCxnSpPr>
+          <p:cNvPr id="11" name="Straight Arrow Connector 10"/>
+          <p:cNvCxnSpPr>
+            <a:stCxn id="5" idx="2"/>
+          </p:cNvCxnSpPr>
+          <p:nvPr/>
+        </p:nvCxnSpPr>
+        <p:spPr>
+          <a:xfrm>
+            <a:off x="3779912" y="4170040"/>
+            <a:ext cx="0" cy="1059160"/>
+          </a:xfrm>
+          <a:prstGeom prst="straightConnector1">
+            <a:avLst/>
+          </a:prstGeom>
+          <a:ln>
+            <a:tailEnd type="arrow"/>
+          </a:ln>
+        </p:spPr>
+        <p:style>
+          <a:lnRef idx="1">
+            <a:schemeClr val="accent1"/>
+          </a:lnRef>
+          <a:fillRef idx="0">
+            <a:schemeClr val="accent1"/>
+          </a:fillRef>
+          <a:effectRef idx="0">
+            <a:schemeClr val="accent1"/>
+          </a:effectRef>
+          <a:fontRef idx="minor">
+            <a:schemeClr val="tx1"/>
+          </a:fontRef>
+        </p:style>
+      </p:cxnSp>
+      <p:sp>
+        <p:nvSpPr>
+          <p:cNvPr id="12" name="TextBox 11"/>
+          <p:cNvSpPr txBox="1"/>
+          <p:nvPr/>
+        </p:nvSpPr>
+        <p:spPr>
+          <a:xfrm>
+            <a:off x="4890478" y="3153165"/>
+            <a:ext cx="485518" cy="369332"/>
+          </a:xfrm>
+          <a:prstGeom prst="rect">
+            <a:avLst/>
+          </a:prstGeom>
+          <a:noFill/>
+        </p:spPr>
+        <p:txBody>
+          <a:bodyPr wrap="none" rtlCol="0">
+            <a:spAutoFit/>
+          </a:bodyPr>
+          <a:lstStyle/>
+          <a:p>
+            <a:r>
+              <a:rPr lang="en-ID" dirty="0" smtClean="0"/>
+              <a:t>Yes</a:t>
+            </a:r>
+            <a:endParaRPr lang="en-US" dirty="0"/>
+          </a:p>
+        </p:txBody>
+      </p:sp>
+      <p:sp>
+        <p:nvSpPr>
+          <p:cNvPr id="13" name="TextBox 12"/>
+          <p:cNvSpPr txBox="1"/>
+          <p:nvPr/>
+        </p:nvSpPr>
+        <p:spPr>
+          <a:xfrm>
+            <a:off x="3851920" y="4343028"/>
+            <a:ext cx="455574" cy="369332"/>
+          </a:xfrm>
+          <a:prstGeom prst="rect">
+            <a:avLst/>
+          </a:prstGeom>
+          <a:noFill/>
+        </p:spPr>
+        <p:txBody>
+          <a:bodyPr wrap="none" rtlCol="0">
+            <a:spAutoFit/>
+          </a:bodyPr>
+          <a:lstStyle/>
+          <a:p>
+            <a:r>
+              <a:rPr lang="en-ID" dirty="0" smtClean="0"/>
+              <a:t>No</a:t>
+            </a:r>
+            <a:endParaRPr lang="en-US" dirty="0"/>
+          </a:p>
+        </p:txBody>
+      </p:sp>
+      <p:sp>
+        <p:nvSpPr>
+          <p:cNvPr id="14" name="TextBox 13"/>
+          <p:cNvSpPr txBox="1"/>
+          <p:nvPr/>
+        </p:nvSpPr>
+        <p:spPr>
+          <a:xfrm>
+            <a:off x="6012160" y="3373723"/>
+            <a:ext cx="1478290" cy="369332"/>
+          </a:xfrm>
+          <a:prstGeom prst="rect">
+            <a:avLst/>
+          </a:prstGeom>
+          <a:noFill/>
+        </p:spPr>
+        <p:txBody>
+          <a:bodyPr wrap="none" rtlCol="0">
+            <a:spAutoFit/>
+          </a:bodyPr>
+          <a:lstStyle/>
+          <a:p>
+            <a:r>
+              <a:rPr lang="en-ID" dirty="0" smtClean="0"/>
+              <a:t>HIGH_ALARM</a:t>
+            </a:r>
+            <a:endParaRPr lang="en-US" dirty="0"/>
+          </a:p>
+        </p:txBody>
+      </p:sp>
+      <p:sp>
+        <p:nvSpPr>
+          <p:cNvPr id="15" name="TextBox 14"/>
+          <p:cNvSpPr txBox="1"/>
+          <p:nvPr/>
+        </p:nvSpPr>
+        <p:spPr>
+          <a:xfrm>
+            <a:off x="3136146" y="5235236"/>
+            <a:ext cx="1287532" cy="369332"/>
+          </a:xfrm>
+          <a:prstGeom prst="rect">
+            <a:avLst/>
+          </a:prstGeom>
+          <a:noFill/>
+        </p:spPr>
+        <p:txBody>
+          <a:bodyPr wrap="none" rtlCol="0">
+            <a:spAutoFit/>
+          </a:bodyPr>
+          <a:lstStyle/>
+          <a:p>
+            <a:r>
+              <a:rPr lang="en-ID" dirty="0" smtClean="0"/>
+              <a:t>NO_ALARM</a:t>
+            </a:r>
+            <a:endParaRPr lang="en-US" dirty="0"/>
+          </a:p>
+        </p:txBody>
+      </p:sp>
+    </p:spTree>
+    <p:extLst>
+      <p:ext uri="{BB962C8B-B14F-4D97-AF65-F5344CB8AC3E}">
+        <p14:creationId xmlns:p14="http://schemas.microsoft.com/office/powerpoint/2010/main" val="1878435813"/>
+      </p:ext>
+    </p:extLst>
+  </p:cSld>
+  <p:clrMapOvr>
+    <a:masterClrMapping/>
+  </p:clrMapOvr>
 </p:sld>
 </file>
 

--- a/resources/WFPS.pptx
+++ b/resources/WFPS.pptx
@@ -116,7 +116,7 @@
   </p:defaultTextStyle>
   <p:extLst>
     <p:ext uri="{EFAFB233-063F-42B5-8137-9DF3F51BA10A}">
-      <p15:sldGuideLst xmlns="" xmlns:p15="http://schemas.microsoft.com/office/powerpoint/2012/main">
+      <p15:sldGuideLst xmlns:p15="http://schemas.microsoft.com/office/powerpoint/2012/main" xmlns="">
         <p15:guide id="1" orient="horz" pos="2160">
           <p15:clr>
             <a:srgbClr val="A4A3A4"/>
@@ -130,7 +130,7 @@
       </p15:sldGuideLst>
     </p:ext>
     <p:ext uri="{2D200454-40CA-4A62-9FC3-DE9A4176ACB9}">
-      <p15:notesGuideLst xmlns="" xmlns:p15="http://schemas.microsoft.com/office/powerpoint/2012/main">
+      <p15:notesGuideLst xmlns:p15="http://schemas.microsoft.com/office/powerpoint/2012/main" xmlns="">
         <p15:guide id="1" orient="horz" pos="2880">
           <p15:clr>
             <a:srgbClr val="A4A3A4"/>
@@ -4744,7 +4744,7 @@
           <p:cNvPr id="91" name="Picture 90" descr="Free Icon | Wifi">
             <a:extLst>
               <a:ext uri="{FF2B5EF4-FFF2-40B4-BE49-F238E27FC236}">
-                <a16:creationId xmlns="" xmlns:a16="http://schemas.microsoft.com/office/drawing/2014/main" id="{8C0D1CC1-0F99-45F8-B30B-F5786D94F875}"/>
+                <a16:creationId xmlns:a16="http://schemas.microsoft.com/office/drawing/2014/main" xmlns="" id="{8C0D1CC1-0F99-45F8-B30B-F5786D94F875}"/>
               </a:ext>
             </a:extLst>
           </p:cNvPr>
@@ -4783,7 +4783,7 @@
           <p:cNvPr id="80" name="Picture 79" descr="Free Icon | Wifi">
             <a:extLst>
               <a:ext uri="{FF2B5EF4-FFF2-40B4-BE49-F238E27FC236}">
-                <a16:creationId xmlns="" xmlns:a16="http://schemas.microsoft.com/office/drawing/2014/main" id="{35E36CD3-6B5D-4E30-B897-685D3D72453D}"/>
+                <a16:creationId xmlns:a16="http://schemas.microsoft.com/office/drawing/2014/main" xmlns="" id="{35E36CD3-6B5D-4E30-B897-685D3D72453D}"/>
               </a:ext>
             </a:extLst>
           </p:cNvPr>
@@ -5325,7 +5325,7 @@
           <p:cNvPr id="93" name="Picture 92">
             <a:extLst>
               <a:ext uri="{FF2B5EF4-FFF2-40B4-BE49-F238E27FC236}">
-                <a16:creationId xmlns="" xmlns:a16="http://schemas.microsoft.com/office/drawing/2014/main" id="{D7ED08F4-31B4-432D-A1A0-BE825490F18D}"/>
+                <a16:creationId xmlns:a16="http://schemas.microsoft.com/office/drawing/2014/main" xmlns="" id="{D7ED08F4-31B4-432D-A1A0-BE825490F18D}"/>
               </a:ext>
             </a:extLst>
           </p:cNvPr>
@@ -5353,7 +5353,7 @@
           <p:cNvPr id="96" name="Picture 95" descr="Free Icon | Wifi">
             <a:extLst>
               <a:ext uri="{FF2B5EF4-FFF2-40B4-BE49-F238E27FC236}">
-                <a16:creationId xmlns="" xmlns:a16="http://schemas.microsoft.com/office/drawing/2014/main" id="{331FC1AA-CB08-45A4-9369-2997329D73F4}"/>
+                <a16:creationId xmlns:a16="http://schemas.microsoft.com/office/drawing/2014/main" xmlns="" id="{331FC1AA-CB08-45A4-9369-2997329D73F4}"/>
               </a:ext>
             </a:extLst>
           </p:cNvPr>
@@ -5392,7 +5392,7 @@
           <p:cNvPr id="97" name="Picture 96">
             <a:extLst>
               <a:ext uri="{FF2B5EF4-FFF2-40B4-BE49-F238E27FC236}">
-                <a16:creationId xmlns="" xmlns:a16="http://schemas.microsoft.com/office/drawing/2014/main" id="{D4CA772F-A72C-4314-A82A-E884D10E777D}"/>
+                <a16:creationId xmlns:a16="http://schemas.microsoft.com/office/drawing/2014/main" xmlns="" id="{D4CA772F-A72C-4314-A82A-E884D10E777D}"/>
               </a:ext>
             </a:extLst>
           </p:cNvPr>
@@ -5420,7 +5420,7 @@
           <p:cNvPr id="98" name="Picture 97">
             <a:extLst>
               <a:ext uri="{FF2B5EF4-FFF2-40B4-BE49-F238E27FC236}">
-                <a16:creationId xmlns="" xmlns:a16="http://schemas.microsoft.com/office/drawing/2014/main" id="{9E085E1D-93F9-4E72-B98F-FB8F7028960D}"/>
+                <a16:creationId xmlns:a16="http://schemas.microsoft.com/office/drawing/2014/main" xmlns="" id="{9E085E1D-93F9-4E72-B98F-FB8F7028960D}"/>
               </a:ext>
             </a:extLst>
           </p:cNvPr>
@@ -5448,7 +5448,7 @@
           <p:cNvPr id="99" name="TextBox 98">
             <a:extLst>
               <a:ext uri="{FF2B5EF4-FFF2-40B4-BE49-F238E27FC236}">
-                <a16:creationId xmlns="" xmlns:a16="http://schemas.microsoft.com/office/drawing/2014/main" id="{642A6712-05AC-4A63-87F7-14430CE8A993}"/>
+                <a16:creationId xmlns:a16="http://schemas.microsoft.com/office/drawing/2014/main" xmlns="" id="{642A6712-05AC-4A63-87F7-14430CE8A993}"/>
               </a:ext>
             </a:extLst>
           </p:cNvPr>
@@ -5500,7 +5500,7 @@
           <p:cNvPr id="101" name="TextBox 100">
             <a:extLst>
               <a:ext uri="{FF2B5EF4-FFF2-40B4-BE49-F238E27FC236}">
-                <a16:creationId xmlns="" xmlns:a16="http://schemas.microsoft.com/office/drawing/2014/main" id="{7FF2AF45-1BBB-4306-ABAF-8689BC85C815}"/>
+                <a16:creationId xmlns:a16="http://schemas.microsoft.com/office/drawing/2014/main" xmlns="" id="{7FF2AF45-1BBB-4306-ABAF-8689BC85C815}"/>
               </a:ext>
             </a:extLst>
           </p:cNvPr>
@@ -5539,7 +5539,7 @@
           <p:cNvPr id="103" name="Straight Connector 102">
             <a:extLst>
               <a:ext uri="{FF2B5EF4-FFF2-40B4-BE49-F238E27FC236}">
-                <a16:creationId xmlns="" xmlns:a16="http://schemas.microsoft.com/office/drawing/2014/main" id="{E865F506-39E6-412E-A252-A31428B8E040}"/>
+                <a16:creationId xmlns:a16="http://schemas.microsoft.com/office/drawing/2014/main" xmlns="" id="{E865F506-39E6-412E-A252-A31428B8E040}"/>
               </a:ext>
             </a:extLst>
           </p:cNvPr>
@@ -5582,7 +5582,7 @@
           <p:cNvPr id="110" name="Straight Arrow Connector 109">
             <a:extLst>
               <a:ext uri="{FF2B5EF4-FFF2-40B4-BE49-F238E27FC236}">
-                <a16:creationId xmlns="" xmlns:a16="http://schemas.microsoft.com/office/drawing/2014/main" id="{E8B958EE-5EE0-4808-BB5D-8AF84300BFB3}"/>
+                <a16:creationId xmlns:a16="http://schemas.microsoft.com/office/drawing/2014/main" xmlns="" id="{E8B958EE-5EE0-4808-BB5D-8AF84300BFB3}"/>
               </a:ext>
             </a:extLst>
           </p:cNvPr>
@@ -5626,7 +5626,7 @@
           <p:cNvPr id="111" name="Straight Arrow Connector 110">
             <a:extLst>
               <a:ext uri="{FF2B5EF4-FFF2-40B4-BE49-F238E27FC236}">
-                <a16:creationId xmlns="" xmlns:a16="http://schemas.microsoft.com/office/drawing/2014/main" id="{701FA5EF-0179-41F2-B22D-FCC175001A48}"/>
+                <a16:creationId xmlns:a16="http://schemas.microsoft.com/office/drawing/2014/main" xmlns="" id="{701FA5EF-0179-41F2-B22D-FCC175001A48}"/>
               </a:ext>
             </a:extLst>
           </p:cNvPr>
@@ -5670,7 +5670,7 @@
           <p:cNvPr id="112" name="Straight Arrow Connector 111">
             <a:extLst>
               <a:ext uri="{FF2B5EF4-FFF2-40B4-BE49-F238E27FC236}">
-                <a16:creationId xmlns="" xmlns:a16="http://schemas.microsoft.com/office/drawing/2014/main" id="{AF569078-F334-430B-8950-9BEB338AB6EA}"/>
+                <a16:creationId xmlns:a16="http://schemas.microsoft.com/office/drawing/2014/main" xmlns="" id="{AF569078-F334-430B-8950-9BEB338AB6EA}"/>
               </a:ext>
             </a:extLst>
           </p:cNvPr>
@@ -5714,7 +5714,7 @@
           <p:cNvPr id="113" name="Straight Arrow Connector 112">
             <a:extLst>
               <a:ext uri="{FF2B5EF4-FFF2-40B4-BE49-F238E27FC236}">
-                <a16:creationId xmlns="" xmlns:a16="http://schemas.microsoft.com/office/drawing/2014/main" id="{9894B322-EF50-40E0-8415-FD1EB8F34947}"/>
+                <a16:creationId xmlns:a16="http://schemas.microsoft.com/office/drawing/2014/main" xmlns="" id="{9894B322-EF50-40E0-8415-FD1EB8F34947}"/>
               </a:ext>
             </a:extLst>
           </p:cNvPr>
@@ -5758,7 +5758,7 @@
           <p:cNvPr id="114" name="TextBox 113">
             <a:extLst>
               <a:ext uri="{FF2B5EF4-FFF2-40B4-BE49-F238E27FC236}">
-                <a16:creationId xmlns="" xmlns:a16="http://schemas.microsoft.com/office/drawing/2014/main" id="{E9064D73-DA84-45E4-878F-355289241361}"/>
+                <a16:creationId xmlns:a16="http://schemas.microsoft.com/office/drawing/2014/main" xmlns="" id="{E9064D73-DA84-45E4-878F-355289241361}"/>
               </a:ext>
             </a:extLst>
           </p:cNvPr>
@@ -5797,7 +5797,7 @@
           <p:cNvPr id="115" name="Arrow: Down 114">
             <a:extLst>
               <a:ext uri="{FF2B5EF4-FFF2-40B4-BE49-F238E27FC236}">
-                <a16:creationId xmlns="" xmlns:a16="http://schemas.microsoft.com/office/drawing/2014/main" id="{8CFCE75F-7AA7-4BF3-B044-4770D3A70008}"/>
+                <a16:creationId xmlns:a16="http://schemas.microsoft.com/office/drawing/2014/main" xmlns="" id="{8CFCE75F-7AA7-4BF3-B044-4770D3A70008}"/>
               </a:ext>
             </a:extLst>
           </p:cNvPr>
@@ -5849,7 +5849,7 @@
           <p:cNvPr id="116" name="Straight Arrow Connector 115">
             <a:extLst>
               <a:ext uri="{FF2B5EF4-FFF2-40B4-BE49-F238E27FC236}">
-                <a16:creationId xmlns="" xmlns:a16="http://schemas.microsoft.com/office/drawing/2014/main" id="{8E0EBC89-8ED8-4F07-B552-FDDF03B2E41D}"/>
+                <a16:creationId xmlns:a16="http://schemas.microsoft.com/office/drawing/2014/main" xmlns="" id="{8E0EBC89-8ED8-4F07-B552-FDDF03B2E41D}"/>
               </a:ext>
             </a:extLst>
           </p:cNvPr>
@@ -5895,7 +5895,7 @@
           <p:cNvPr id="117" name="TextBox 116">
             <a:extLst>
               <a:ext uri="{FF2B5EF4-FFF2-40B4-BE49-F238E27FC236}">
-                <a16:creationId xmlns="" xmlns:a16="http://schemas.microsoft.com/office/drawing/2014/main" id="{DC4F584F-869A-4EC5-BD3F-B43D6F04B109}"/>
+                <a16:creationId xmlns:a16="http://schemas.microsoft.com/office/drawing/2014/main" xmlns="" id="{DC4F584F-869A-4EC5-BD3F-B43D6F04B109}"/>
               </a:ext>
             </a:extLst>
           </p:cNvPr>
@@ -5945,7 +5945,7 @@
           <p:cNvPr id="118" name="Picture 2">
             <a:extLst>
               <a:ext uri="{FF2B5EF4-FFF2-40B4-BE49-F238E27FC236}">
-                <a16:creationId xmlns="" xmlns:a16="http://schemas.microsoft.com/office/drawing/2014/main" id="{7EAFE767-B908-419E-B4E7-05DAB402B5BB}"/>
+                <a16:creationId xmlns:a16="http://schemas.microsoft.com/office/drawing/2014/main" xmlns="" id="{7EAFE767-B908-419E-B4E7-05DAB402B5BB}"/>
               </a:ext>
             </a:extLst>
           </p:cNvPr>
@@ -6015,7 +6015,7 @@
           <p:cNvPr id="13" name="Group 12">
             <a:extLst>
               <a:ext uri="{FF2B5EF4-FFF2-40B4-BE49-F238E27FC236}">
-                <a16:creationId xmlns="" xmlns:a16="http://schemas.microsoft.com/office/drawing/2014/main" id="{DD9AE47D-D12F-4154-BB04-4D3D34BE33AE}"/>
+                <a16:creationId xmlns:a16="http://schemas.microsoft.com/office/drawing/2014/main" xmlns="" id="{DD9AE47D-D12F-4154-BB04-4D3D34BE33AE}"/>
               </a:ext>
             </a:extLst>
           </p:cNvPr>
@@ -6035,7 +6035,7 @@
             <p:cNvPr id="119" name="Picture 118">
               <a:extLst>
                 <a:ext uri="{FF2B5EF4-FFF2-40B4-BE49-F238E27FC236}">
-                  <a16:creationId xmlns="" xmlns:a16="http://schemas.microsoft.com/office/drawing/2014/main" id="{8569128C-0619-4279-963D-AE7C028B50F8}"/>
+                  <a16:creationId xmlns:a16="http://schemas.microsoft.com/office/drawing/2014/main" xmlns="" id="{8569128C-0619-4279-963D-AE7C028B50F8}"/>
                 </a:ext>
               </a:extLst>
             </p:cNvPr>
@@ -6063,7 +6063,7 @@
             <p:cNvPr id="120" name="Picture 119">
               <a:extLst>
                 <a:ext uri="{FF2B5EF4-FFF2-40B4-BE49-F238E27FC236}">
-                  <a16:creationId xmlns="" xmlns:a16="http://schemas.microsoft.com/office/drawing/2014/main" id="{8B747FC8-E2F4-4A4F-A22C-CE38FE1C73EE}"/>
+                  <a16:creationId xmlns:a16="http://schemas.microsoft.com/office/drawing/2014/main" xmlns="" id="{8B747FC8-E2F4-4A4F-A22C-CE38FE1C73EE}"/>
                 </a:ext>
               </a:extLst>
             </p:cNvPr>
@@ -6091,7 +6091,7 @@
             <p:cNvPr id="121" name="Picture 120">
               <a:extLst>
                 <a:ext uri="{FF2B5EF4-FFF2-40B4-BE49-F238E27FC236}">
-                  <a16:creationId xmlns="" xmlns:a16="http://schemas.microsoft.com/office/drawing/2014/main" id="{C5D34CA6-4297-482B-89D7-F88D49D89624}"/>
+                  <a16:creationId xmlns:a16="http://schemas.microsoft.com/office/drawing/2014/main" xmlns="" id="{C5D34CA6-4297-482B-89D7-F88D49D89624}"/>
                 </a:ext>
               </a:extLst>
             </p:cNvPr>
@@ -6120,7 +6120,7 @@
           <p:cNvPr id="122" name="Picture 121">
             <a:extLst>
               <a:ext uri="{FF2B5EF4-FFF2-40B4-BE49-F238E27FC236}">
-                <a16:creationId xmlns="" xmlns:a16="http://schemas.microsoft.com/office/drawing/2014/main" id="{B162C919-E530-41D0-B8DE-285A262718DC}"/>
+                <a16:creationId xmlns:a16="http://schemas.microsoft.com/office/drawing/2014/main" xmlns="" id="{B162C919-E530-41D0-B8DE-285A262718DC}"/>
               </a:ext>
             </a:extLst>
           </p:cNvPr>
@@ -6148,7 +6148,7 @@
           <p:cNvPr id="124" name="Picture 123" descr="Free Icon | Wifi">
             <a:extLst>
               <a:ext uri="{FF2B5EF4-FFF2-40B4-BE49-F238E27FC236}">
-                <a16:creationId xmlns="" xmlns:a16="http://schemas.microsoft.com/office/drawing/2014/main" id="{53DEC4AC-7083-4137-853A-196172679253}"/>
+                <a16:creationId xmlns:a16="http://schemas.microsoft.com/office/drawing/2014/main" xmlns="" id="{53DEC4AC-7083-4137-853A-196172679253}"/>
               </a:ext>
             </a:extLst>
           </p:cNvPr>
@@ -6187,7 +6187,7 @@
           <p:cNvPr id="125" name="Picture 124">
             <a:extLst>
               <a:ext uri="{FF2B5EF4-FFF2-40B4-BE49-F238E27FC236}">
-                <a16:creationId xmlns="" xmlns:a16="http://schemas.microsoft.com/office/drawing/2014/main" id="{4A694F61-56DD-44EC-9C94-5B51CD55A6AD}"/>
+                <a16:creationId xmlns:a16="http://schemas.microsoft.com/office/drawing/2014/main" xmlns="" id="{4A694F61-56DD-44EC-9C94-5B51CD55A6AD}"/>
               </a:ext>
             </a:extLst>
           </p:cNvPr>
@@ -6215,7 +6215,7 @@
           <p:cNvPr id="126" name="Picture 125">
             <a:extLst>
               <a:ext uri="{FF2B5EF4-FFF2-40B4-BE49-F238E27FC236}">
-                <a16:creationId xmlns="" xmlns:a16="http://schemas.microsoft.com/office/drawing/2014/main" id="{1070B515-8811-4DB0-B73F-A655CDA1F65D}"/>
+                <a16:creationId xmlns:a16="http://schemas.microsoft.com/office/drawing/2014/main" xmlns="" id="{1070B515-8811-4DB0-B73F-A655CDA1F65D}"/>
               </a:ext>
             </a:extLst>
           </p:cNvPr>
@@ -6243,7 +6243,7 @@
           <p:cNvPr id="127" name="TextBox 126">
             <a:extLst>
               <a:ext uri="{FF2B5EF4-FFF2-40B4-BE49-F238E27FC236}">
-                <a16:creationId xmlns="" xmlns:a16="http://schemas.microsoft.com/office/drawing/2014/main" id="{A95CCAB4-6FC7-49A6-8666-4575A0CA9B0B}"/>
+                <a16:creationId xmlns:a16="http://schemas.microsoft.com/office/drawing/2014/main" xmlns="" id="{A95CCAB4-6FC7-49A6-8666-4575A0CA9B0B}"/>
               </a:ext>
             </a:extLst>
           </p:cNvPr>
@@ -6295,7 +6295,7 @@
           <p:cNvPr id="129" name="TextBox 128">
             <a:extLst>
               <a:ext uri="{FF2B5EF4-FFF2-40B4-BE49-F238E27FC236}">
-                <a16:creationId xmlns="" xmlns:a16="http://schemas.microsoft.com/office/drawing/2014/main" id="{E39A3AB8-C796-4956-8252-D950C226E4A3}"/>
+                <a16:creationId xmlns:a16="http://schemas.microsoft.com/office/drawing/2014/main" xmlns="" id="{E39A3AB8-C796-4956-8252-D950C226E4A3}"/>
               </a:ext>
             </a:extLst>
           </p:cNvPr>
@@ -6334,7 +6334,7 @@
           <p:cNvPr id="130" name="Straight Connector 129">
             <a:extLst>
               <a:ext uri="{FF2B5EF4-FFF2-40B4-BE49-F238E27FC236}">
-                <a16:creationId xmlns="" xmlns:a16="http://schemas.microsoft.com/office/drawing/2014/main" id="{9DF291A7-41F4-4DE6-AE15-E1C86F573651}"/>
+                <a16:creationId xmlns:a16="http://schemas.microsoft.com/office/drawing/2014/main" xmlns="" id="{9DF291A7-41F4-4DE6-AE15-E1C86F573651}"/>
               </a:ext>
             </a:extLst>
           </p:cNvPr>
@@ -6377,7 +6377,7 @@
           <p:cNvPr id="131" name="Straight Arrow Connector 130">
             <a:extLst>
               <a:ext uri="{FF2B5EF4-FFF2-40B4-BE49-F238E27FC236}">
-                <a16:creationId xmlns="" xmlns:a16="http://schemas.microsoft.com/office/drawing/2014/main" id="{C1FCFB29-B377-49B7-AE4A-C6D22253A121}"/>
+                <a16:creationId xmlns:a16="http://schemas.microsoft.com/office/drawing/2014/main" xmlns="" id="{C1FCFB29-B377-49B7-AE4A-C6D22253A121}"/>
               </a:ext>
             </a:extLst>
           </p:cNvPr>
@@ -6421,7 +6421,7 @@
           <p:cNvPr id="132" name="Straight Arrow Connector 131">
             <a:extLst>
               <a:ext uri="{FF2B5EF4-FFF2-40B4-BE49-F238E27FC236}">
-                <a16:creationId xmlns="" xmlns:a16="http://schemas.microsoft.com/office/drawing/2014/main" id="{437E4990-C17A-4FBD-B288-E7FEE10A8B47}"/>
+                <a16:creationId xmlns:a16="http://schemas.microsoft.com/office/drawing/2014/main" xmlns="" id="{437E4990-C17A-4FBD-B288-E7FEE10A8B47}"/>
               </a:ext>
             </a:extLst>
           </p:cNvPr>
@@ -6465,7 +6465,7 @@
           <p:cNvPr id="133" name="Straight Arrow Connector 132">
             <a:extLst>
               <a:ext uri="{FF2B5EF4-FFF2-40B4-BE49-F238E27FC236}">
-                <a16:creationId xmlns="" xmlns:a16="http://schemas.microsoft.com/office/drawing/2014/main" id="{3C070CA1-7CB4-4E4C-8996-587C0DF6380E}"/>
+                <a16:creationId xmlns:a16="http://schemas.microsoft.com/office/drawing/2014/main" xmlns="" id="{3C070CA1-7CB4-4E4C-8996-587C0DF6380E}"/>
               </a:ext>
             </a:extLst>
           </p:cNvPr>
@@ -6509,7 +6509,7 @@
           <p:cNvPr id="134" name="Straight Arrow Connector 133">
             <a:extLst>
               <a:ext uri="{FF2B5EF4-FFF2-40B4-BE49-F238E27FC236}">
-                <a16:creationId xmlns="" xmlns:a16="http://schemas.microsoft.com/office/drawing/2014/main" id="{FC701DDD-2159-4659-A0CA-3419EE1C595C}"/>
+                <a16:creationId xmlns:a16="http://schemas.microsoft.com/office/drawing/2014/main" xmlns="" id="{FC701DDD-2159-4659-A0CA-3419EE1C595C}"/>
               </a:ext>
             </a:extLst>
           </p:cNvPr>
@@ -6553,7 +6553,7 @@
           <p:cNvPr id="135" name="TextBox 134">
             <a:extLst>
               <a:ext uri="{FF2B5EF4-FFF2-40B4-BE49-F238E27FC236}">
-                <a16:creationId xmlns="" xmlns:a16="http://schemas.microsoft.com/office/drawing/2014/main" id="{CCB08C6A-B88F-466B-9016-90EEB67A179B}"/>
+                <a16:creationId xmlns:a16="http://schemas.microsoft.com/office/drawing/2014/main" xmlns="" id="{CCB08C6A-B88F-466B-9016-90EEB67A179B}"/>
               </a:ext>
             </a:extLst>
           </p:cNvPr>
@@ -6592,7 +6592,7 @@
           <p:cNvPr id="136" name="Arrow: Down 135">
             <a:extLst>
               <a:ext uri="{FF2B5EF4-FFF2-40B4-BE49-F238E27FC236}">
-                <a16:creationId xmlns="" xmlns:a16="http://schemas.microsoft.com/office/drawing/2014/main" id="{DFF46CD1-F7A1-44D1-A40D-EB507AC19AB7}"/>
+                <a16:creationId xmlns:a16="http://schemas.microsoft.com/office/drawing/2014/main" xmlns="" id="{DFF46CD1-F7A1-44D1-A40D-EB507AC19AB7}"/>
               </a:ext>
             </a:extLst>
           </p:cNvPr>
@@ -6644,7 +6644,7 @@
           <p:cNvPr id="137" name="Straight Arrow Connector 136">
             <a:extLst>
               <a:ext uri="{FF2B5EF4-FFF2-40B4-BE49-F238E27FC236}">
-                <a16:creationId xmlns="" xmlns:a16="http://schemas.microsoft.com/office/drawing/2014/main" id="{8F992FA7-D08C-438C-A43F-47DBDCC12409}"/>
+                <a16:creationId xmlns:a16="http://schemas.microsoft.com/office/drawing/2014/main" xmlns="" id="{8F992FA7-D08C-438C-A43F-47DBDCC12409}"/>
               </a:ext>
             </a:extLst>
           </p:cNvPr>
@@ -6690,7 +6690,7 @@
           <p:cNvPr id="138" name="TextBox 137">
             <a:extLst>
               <a:ext uri="{FF2B5EF4-FFF2-40B4-BE49-F238E27FC236}">
-                <a16:creationId xmlns="" xmlns:a16="http://schemas.microsoft.com/office/drawing/2014/main" id="{759D9C9A-697F-41AF-B4E7-ED889C2499F2}"/>
+                <a16:creationId xmlns:a16="http://schemas.microsoft.com/office/drawing/2014/main" xmlns="" id="{759D9C9A-697F-41AF-B4E7-ED889C2499F2}"/>
               </a:ext>
             </a:extLst>
           </p:cNvPr>
@@ -6740,7 +6740,7 @@
           <p:cNvPr id="139" name="Picture 2">
             <a:extLst>
               <a:ext uri="{FF2B5EF4-FFF2-40B4-BE49-F238E27FC236}">
-                <a16:creationId xmlns="" xmlns:a16="http://schemas.microsoft.com/office/drawing/2014/main" id="{44B1DE2B-5459-4559-8528-F531AB2F47CC}"/>
+                <a16:creationId xmlns:a16="http://schemas.microsoft.com/office/drawing/2014/main" xmlns="" id="{44B1DE2B-5459-4559-8528-F531AB2F47CC}"/>
               </a:ext>
             </a:extLst>
           </p:cNvPr>
@@ -6810,7 +6810,7 @@
           <p:cNvPr id="140" name="Group 139">
             <a:extLst>
               <a:ext uri="{FF2B5EF4-FFF2-40B4-BE49-F238E27FC236}">
-                <a16:creationId xmlns="" xmlns:a16="http://schemas.microsoft.com/office/drawing/2014/main" id="{4AC26AC4-8582-4AF1-9662-4C653C054F44}"/>
+                <a16:creationId xmlns:a16="http://schemas.microsoft.com/office/drawing/2014/main" xmlns="" id="{4AC26AC4-8582-4AF1-9662-4C653C054F44}"/>
               </a:ext>
             </a:extLst>
           </p:cNvPr>
@@ -6830,7 +6830,7 @@
             <p:cNvPr id="142" name="Picture 141">
               <a:extLst>
                 <a:ext uri="{FF2B5EF4-FFF2-40B4-BE49-F238E27FC236}">
-                  <a16:creationId xmlns="" xmlns:a16="http://schemas.microsoft.com/office/drawing/2014/main" id="{F766DA8B-BC49-49A9-BF21-6C3D92420AE5}"/>
+                  <a16:creationId xmlns:a16="http://schemas.microsoft.com/office/drawing/2014/main" xmlns="" id="{F766DA8B-BC49-49A9-BF21-6C3D92420AE5}"/>
                 </a:ext>
               </a:extLst>
             </p:cNvPr>
@@ -6858,7 +6858,7 @@
             <p:cNvPr id="143" name="Picture 142">
               <a:extLst>
                 <a:ext uri="{FF2B5EF4-FFF2-40B4-BE49-F238E27FC236}">
-                  <a16:creationId xmlns="" xmlns:a16="http://schemas.microsoft.com/office/drawing/2014/main" id="{60A87426-69E1-4E00-A79F-BE673237C80D}"/>
+                  <a16:creationId xmlns:a16="http://schemas.microsoft.com/office/drawing/2014/main" xmlns="" id="{60A87426-69E1-4E00-A79F-BE673237C80D}"/>
                 </a:ext>
               </a:extLst>
             </p:cNvPr>
@@ -6886,7 +6886,7 @@
             <p:cNvPr id="144" name="Picture 143">
               <a:extLst>
                 <a:ext uri="{FF2B5EF4-FFF2-40B4-BE49-F238E27FC236}">
-                  <a16:creationId xmlns="" xmlns:a16="http://schemas.microsoft.com/office/drawing/2014/main" id="{BA800670-4E89-4822-9FE3-B81C5A84579E}"/>
+                  <a16:creationId xmlns:a16="http://schemas.microsoft.com/office/drawing/2014/main" xmlns="" id="{BA800670-4E89-4822-9FE3-B81C5A84579E}"/>
                 </a:ext>
               </a:extLst>
             </p:cNvPr>
@@ -6915,7 +6915,7 @@
           <p:cNvPr id="141" name="Picture 140">
             <a:extLst>
               <a:ext uri="{FF2B5EF4-FFF2-40B4-BE49-F238E27FC236}">
-                <a16:creationId xmlns="" xmlns:a16="http://schemas.microsoft.com/office/drawing/2014/main" id="{E8497B39-C585-4FA1-A77E-6295925A3A10}"/>
+                <a16:creationId xmlns:a16="http://schemas.microsoft.com/office/drawing/2014/main" xmlns="" id="{E8497B39-C585-4FA1-A77E-6295925A3A10}"/>
               </a:ext>
             </a:extLst>
           </p:cNvPr>
@@ -6943,7 +6943,7 @@
           <p:cNvPr id="146" name="Picture 145" descr="Free Icon | Wifi">
             <a:extLst>
               <a:ext uri="{FF2B5EF4-FFF2-40B4-BE49-F238E27FC236}">
-                <a16:creationId xmlns="" xmlns:a16="http://schemas.microsoft.com/office/drawing/2014/main" id="{400471C8-AF8F-4F03-9F7F-E4AF9D009651}"/>
+                <a16:creationId xmlns:a16="http://schemas.microsoft.com/office/drawing/2014/main" xmlns="" id="{400471C8-AF8F-4F03-9F7F-E4AF9D009651}"/>
               </a:ext>
             </a:extLst>
           </p:cNvPr>
@@ -6982,7 +6982,7 @@
           <p:cNvPr id="147" name="Picture 146">
             <a:extLst>
               <a:ext uri="{FF2B5EF4-FFF2-40B4-BE49-F238E27FC236}">
-                <a16:creationId xmlns="" xmlns:a16="http://schemas.microsoft.com/office/drawing/2014/main" id="{A87A795B-6EF4-4302-BE56-81D3EB784528}"/>
+                <a16:creationId xmlns:a16="http://schemas.microsoft.com/office/drawing/2014/main" xmlns="" id="{A87A795B-6EF4-4302-BE56-81D3EB784528}"/>
               </a:ext>
             </a:extLst>
           </p:cNvPr>
@@ -7010,7 +7010,7 @@
           <p:cNvPr id="148" name="Picture 147">
             <a:extLst>
               <a:ext uri="{FF2B5EF4-FFF2-40B4-BE49-F238E27FC236}">
-                <a16:creationId xmlns="" xmlns:a16="http://schemas.microsoft.com/office/drawing/2014/main" id="{B9BA4EBB-7917-478F-9609-5EB5FFA55FC3}"/>
+                <a16:creationId xmlns:a16="http://schemas.microsoft.com/office/drawing/2014/main" xmlns="" id="{B9BA4EBB-7917-478F-9609-5EB5FFA55FC3}"/>
               </a:ext>
             </a:extLst>
           </p:cNvPr>
@@ -7038,7 +7038,7 @@
           <p:cNvPr id="149" name="TextBox 148">
             <a:extLst>
               <a:ext uri="{FF2B5EF4-FFF2-40B4-BE49-F238E27FC236}">
-                <a16:creationId xmlns="" xmlns:a16="http://schemas.microsoft.com/office/drawing/2014/main" id="{F30C4C3C-680C-41D5-9C69-0BE265B22526}"/>
+                <a16:creationId xmlns:a16="http://schemas.microsoft.com/office/drawing/2014/main" xmlns="" id="{F30C4C3C-680C-41D5-9C69-0BE265B22526}"/>
               </a:ext>
             </a:extLst>
           </p:cNvPr>
@@ -7090,7 +7090,7 @@
           <p:cNvPr id="151" name="TextBox 150">
             <a:extLst>
               <a:ext uri="{FF2B5EF4-FFF2-40B4-BE49-F238E27FC236}">
-                <a16:creationId xmlns="" xmlns:a16="http://schemas.microsoft.com/office/drawing/2014/main" id="{59608F00-0360-4995-AE2C-04C7DA329F16}"/>
+                <a16:creationId xmlns:a16="http://schemas.microsoft.com/office/drawing/2014/main" xmlns="" id="{59608F00-0360-4995-AE2C-04C7DA329F16}"/>
               </a:ext>
             </a:extLst>
           </p:cNvPr>
@@ -7129,7 +7129,7 @@
           <p:cNvPr id="152" name="Straight Connector 151">
             <a:extLst>
               <a:ext uri="{FF2B5EF4-FFF2-40B4-BE49-F238E27FC236}">
-                <a16:creationId xmlns="" xmlns:a16="http://schemas.microsoft.com/office/drawing/2014/main" id="{A1D3B135-9E1F-4715-BBDB-B743EB32E933}"/>
+                <a16:creationId xmlns:a16="http://schemas.microsoft.com/office/drawing/2014/main" xmlns="" id="{A1D3B135-9E1F-4715-BBDB-B743EB32E933}"/>
               </a:ext>
             </a:extLst>
           </p:cNvPr>
@@ -7172,7 +7172,7 @@
           <p:cNvPr id="153" name="Straight Arrow Connector 152">
             <a:extLst>
               <a:ext uri="{FF2B5EF4-FFF2-40B4-BE49-F238E27FC236}">
-                <a16:creationId xmlns="" xmlns:a16="http://schemas.microsoft.com/office/drawing/2014/main" id="{D1770F5E-EA21-4850-8494-C4C2D80A1B20}"/>
+                <a16:creationId xmlns:a16="http://schemas.microsoft.com/office/drawing/2014/main" xmlns="" id="{D1770F5E-EA21-4850-8494-C4C2D80A1B20}"/>
               </a:ext>
             </a:extLst>
           </p:cNvPr>
@@ -7216,7 +7216,7 @@
           <p:cNvPr id="154" name="Straight Arrow Connector 153">
             <a:extLst>
               <a:ext uri="{FF2B5EF4-FFF2-40B4-BE49-F238E27FC236}">
-                <a16:creationId xmlns="" xmlns:a16="http://schemas.microsoft.com/office/drawing/2014/main" id="{C8E3FE0E-5E92-477B-BACE-E898B0C12B07}"/>
+                <a16:creationId xmlns:a16="http://schemas.microsoft.com/office/drawing/2014/main" xmlns="" id="{C8E3FE0E-5E92-477B-BACE-E898B0C12B07}"/>
               </a:ext>
             </a:extLst>
           </p:cNvPr>
@@ -7260,7 +7260,7 @@
           <p:cNvPr id="155" name="Straight Arrow Connector 154">
             <a:extLst>
               <a:ext uri="{FF2B5EF4-FFF2-40B4-BE49-F238E27FC236}">
-                <a16:creationId xmlns="" xmlns:a16="http://schemas.microsoft.com/office/drawing/2014/main" id="{DBF37D8A-2F61-4869-A6C6-524233FA9B12}"/>
+                <a16:creationId xmlns:a16="http://schemas.microsoft.com/office/drawing/2014/main" xmlns="" id="{DBF37D8A-2F61-4869-A6C6-524233FA9B12}"/>
               </a:ext>
             </a:extLst>
           </p:cNvPr>
@@ -7304,7 +7304,7 @@
           <p:cNvPr id="156" name="Straight Arrow Connector 155">
             <a:extLst>
               <a:ext uri="{FF2B5EF4-FFF2-40B4-BE49-F238E27FC236}">
-                <a16:creationId xmlns="" xmlns:a16="http://schemas.microsoft.com/office/drawing/2014/main" id="{A625D55F-5F09-486D-9A2E-2D267A148440}"/>
+                <a16:creationId xmlns:a16="http://schemas.microsoft.com/office/drawing/2014/main" xmlns="" id="{A625D55F-5F09-486D-9A2E-2D267A148440}"/>
               </a:ext>
             </a:extLst>
           </p:cNvPr>
@@ -7348,7 +7348,7 @@
           <p:cNvPr id="157" name="TextBox 156">
             <a:extLst>
               <a:ext uri="{FF2B5EF4-FFF2-40B4-BE49-F238E27FC236}">
-                <a16:creationId xmlns="" xmlns:a16="http://schemas.microsoft.com/office/drawing/2014/main" id="{3B1C1B6A-2C75-43CC-A447-4B561C1C2B06}"/>
+                <a16:creationId xmlns:a16="http://schemas.microsoft.com/office/drawing/2014/main" xmlns="" id="{3B1C1B6A-2C75-43CC-A447-4B561C1C2B06}"/>
               </a:ext>
             </a:extLst>
           </p:cNvPr>
@@ -7387,7 +7387,7 @@
           <p:cNvPr id="158" name="Arrow: Down 157">
             <a:extLst>
               <a:ext uri="{FF2B5EF4-FFF2-40B4-BE49-F238E27FC236}">
-                <a16:creationId xmlns="" xmlns:a16="http://schemas.microsoft.com/office/drawing/2014/main" id="{E3FB393C-BE89-42B7-8E61-C434739C9007}"/>
+                <a16:creationId xmlns:a16="http://schemas.microsoft.com/office/drawing/2014/main" xmlns="" id="{E3FB393C-BE89-42B7-8E61-C434739C9007}"/>
               </a:ext>
             </a:extLst>
           </p:cNvPr>
@@ -7439,7 +7439,7 @@
           <p:cNvPr id="159" name="Straight Arrow Connector 158">
             <a:extLst>
               <a:ext uri="{FF2B5EF4-FFF2-40B4-BE49-F238E27FC236}">
-                <a16:creationId xmlns="" xmlns:a16="http://schemas.microsoft.com/office/drawing/2014/main" id="{4736D311-FC35-4A01-A271-0230817C9E28}"/>
+                <a16:creationId xmlns:a16="http://schemas.microsoft.com/office/drawing/2014/main" xmlns="" id="{4736D311-FC35-4A01-A271-0230817C9E28}"/>
               </a:ext>
             </a:extLst>
           </p:cNvPr>
@@ -7485,7 +7485,7 @@
           <p:cNvPr id="160" name="TextBox 159">
             <a:extLst>
               <a:ext uri="{FF2B5EF4-FFF2-40B4-BE49-F238E27FC236}">
-                <a16:creationId xmlns="" xmlns:a16="http://schemas.microsoft.com/office/drawing/2014/main" id="{E9234FC1-B780-485A-BC1D-27D488028FF2}"/>
+                <a16:creationId xmlns:a16="http://schemas.microsoft.com/office/drawing/2014/main" xmlns="" id="{E9234FC1-B780-485A-BC1D-27D488028FF2}"/>
               </a:ext>
             </a:extLst>
           </p:cNvPr>
@@ -7535,7 +7535,7 @@
           <p:cNvPr id="161" name="Picture 2">
             <a:extLst>
               <a:ext uri="{FF2B5EF4-FFF2-40B4-BE49-F238E27FC236}">
-                <a16:creationId xmlns="" xmlns:a16="http://schemas.microsoft.com/office/drawing/2014/main" id="{6FA8644C-4157-4C29-A9AB-7895426E89EE}"/>
+                <a16:creationId xmlns:a16="http://schemas.microsoft.com/office/drawing/2014/main" xmlns="" id="{6FA8644C-4157-4C29-A9AB-7895426E89EE}"/>
               </a:ext>
             </a:extLst>
           </p:cNvPr>
@@ -7605,7 +7605,7 @@
           <p:cNvPr id="162" name="Group 161">
             <a:extLst>
               <a:ext uri="{FF2B5EF4-FFF2-40B4-BE49-F238E27FC236}">
-                <a16:creationId xmlns="" xmlns:a16="http://schemas.microsoft.com/office/drawing/2014/main" id="{8AA417C8-2A5F-4DB9-A327-478DEFA0F1FE}"/>
+                <a16:creationId xmlns:a16="http://schemas.microsoft.com/office/drawing/2014/main" xmlns="" id="{8AA417C8-2A5F-4DB9-A327-478DEFA0F1FE}"/>
               </a:ext>
             </a:extLst>
           </p:cNvPr>
@@ -7625,7 +7625,7 @@
             <p:cNvPr id="164" name="Picture 163">
               <a:extLst>
                 <a:ext uri="{FF2B5EF4-FFF2-40B4-BE49-F238E27FC236}">
-                  <a16:creationId xmlns="" xmlns:a16="http://schemas.microsoft.com/office/drawing/2014/main" id="{7AB6C7DC-8C4D-480E-8465-19855F19BB49}"/>
+                  <a16:creationId xmlns:a16="http://schemas.microsoft.com/office/drawing/2014/main" xmlns="" id="{7AB6C7DC-8C4D-480E-8465-19855F19BB49}"/>
                 </a:ext>
               </a:extLst>
             </p:cNvPr>
@@ -7653,7 +7653,7 @@
             <p:cNvPr id="165" name="Picture 164">
               <a:extLst>
                 <a:ext uri="{FF2B5EF4-FFF2-40B4-BE49-F238E27FC236}">
-                  <a16:creationId xmlns="" xmlns:a16="http://schemas.microsoft.com/office/drawing/2014/main" id="{8D424CF8-98CA-4442-9CBB-1C6B6677CA03}"/>
+                  <a16:creationId xmlns:a16="http://schemas.microsoft.com/office/drawing/2014/main" xmlns="" id="{8D424CF8-98CA-4442-9CBB-1C6B6677CA03}"/>
                 </a:ext>
               </a:extLst>
             </p:cNvPr>
@@ -7681,7 +7681,7 @@
             <p:cNvPr id="166" name="Picture 165">
               <a:extLst>
                 <a:ext uri="{FF2B5EF4-FFF2-40B4-BE49-F238E27FC236}">
-                  <a16:creationId xmlns="" xmlns:a16="http://schemas.microsoft.com/office/drawing/2014/main" id="{A0F38DD2-225D-4228-9076-B8596901A09B}"/>
+                  <a16:creationId xmlns:a16="http://schemas.microsoft.com/office/drawing/2014/main" xmlns="" id="{A0F38DD2-225D-4228-9076-B8596901A09B}"/>
                 </a:ext>
               </a:extLst>
             </p:cNvPr>
@@ -7710,7 +7710,7 @@
           <p:cNvPr id="163" name="Picture 162">
             <a:extLst>
               <a:ext uri="{FF2B5EF4-FFF2-40B4-BE49-F238E27FC236}">
-                <a16:creationId xmlns="" xmlns:a16="http://schemas.microsoft.com/office/drawing/2014/main" id="{548E5F0E-DC66-41FE-810E-8A55BE941A57}"/>
+                <a16:creationId xmlns:a16="http://schemas.microsoft.com/office/drawing/2014/main" xmlns="" id="{548E5F0E-DC66-41FE-810E-8A55BE941A57}"/>
               </a:ext>
             </a:extLst>
           </p:cNvPr>
@@ -7738,7 +7738,7 @@
           <p:cNvPr id="167" name="TextBox 166">
             <a:extLst>
               <a:ext uri="{FF2B5EF4-FFF2-40B4-BE49-F238E27FC236}">
-                <a16:creationId xmlns="" xmlns:a16="http://schemas.microsoft.com/office/drawing/2014/main" id="{844FFFA2-95FD-44EC-81E9-4E773A5EFF75}"/>
+                <a16:creationId xmlns:a16="http://schemas.microsoft.com/office/drawing/2014/main" xmlns="" id="{844FFFA2-95FD-44EC-81E9-4E773A5EFF75}"/>
               </a:ext>
             </a:extLst>
           </p:cNvPr>
@@ -7782,7 +7782,7 @@
           <p:cNvPr id="168" name="TextBox 167">
             <a:extLst>
               <a:ext uri="{FF2B5EF4-FFF2-40B4-BE49-F238E27FC236}">
-                <a16:creationId xmlns="" xmlns:a16="http://schemas.microsoft.com/office/drawing/2014/main" id="{0C242035-3919-48F6-B3E7-DF24DD4E2B78}"/>
+                <a16:creationId xmlns:a16="http://schemas.microsoft.com/office/drawing/2014/main" xmlns="" id="{0C242035-3919-48F6-B3E7-DF24DD4E2B78}"/>
               </a:ext>
             </a:extLst>
           </p:cNvPr>
@@ -7826,7 +7826,7 @@
           <p:cNvPr id="171" name="TextBox 170">
             <a:extLst>
               <a:ext uri="{FF2B5EF4-FFF2-40B4-BE49-F238E27FC236}">
-                <a16:creationId xmlns="" xmlns:a16="http://schemas.microsoft.com/office/drawing/2014/main" id="{D3D2C1E7-A24B-4E4F-9338-4E3CC945B96E}"/>
+                <a16:creationId xmlns:a16="http://schemas.microsoft.com/office/drawing/2014/main" xmlns="" id="{D3D2C1E7-A24B-4E4F-9338-4E3CC945B96E}"/>
               </a:ext>
             </a:extLst>
           </p:cNvPr>
@@ -8106,7 +8106,7 @@
           <p:cNvPr id="10" name="Picture 9" descr="Free Icon | Wifi">
             <a:extLst>
               <a:ext uri="{FF2B5EF4-FFF2-40B4-BE49-F238E27FC236}">
-                <a16:creationId xmlns="" xmlns:a16="http://schemas.microsoft.com/office/drawing/2014/main" id="{35E36CD3-6B5D-4E30-B897-685D3D72453D}"/>
+                <a16:creationId xmlns:a16="http://schemas.microsoft.com/office/drawing/2014/main" xmlns="" id="{35E36CD3-6B5D-4E30-B897-685D3D72453D}"/>
               </a:ext>
             </a:extLst>
           </p:cNvPr>
@@ -8447,7 +8447,7 @@
           <p:cNvPr id="20" name="Picture 19">
             <a:extLst>
               <a:ext uri="{FF2B5EF4-FFF2-40B4-BE49-F238E27FC236}">
-                <a16:creationId xmlns="" xmlns:a16="http://schemas.microsoft.com/office/drawing/2014/main" id="{A18A2DB5-C272-4EEC-BEDE-9D55A675C21C}"/>
+                <a16:creationId xmlns:a16="http://schemas.microsoft.com/office/drawing/2014/main" xmlns="" id="{A18A2DB5-C272-4EEC-BEDE-9D55A675C21C}"/>
               </a:ext>
             </a:extLst>
           </p:cNvPr>
@@ -8475,7 +8475,7 @@
           <p:cNvPr id="21" name="TextBox 20">
             <a:extLst>
               <a:ext uri="{FF2B5EF4-FFF2-40B4-BE49-F238E27FC236}">
-                <a16:creationId xmlns="" xmlns:a16="http://schemas.microsoft.com/office/drawing/2014/main" id="{C7B62148-C36A-4EC0-B756-BE9DE8CD3AB3}"/>
+                <a16:creationId xmlns:a16="http://schemas.microsoft.com/office/drawing/2014/main" xmlns="" id="{C7B62148-C36A-4EC0-B756-BE9DE8CD3AB3}"/>
               </a:ext>
             </a:extLst>
           </p:cNvPr>
@@ -8539,7 +8539,7 @@
           <p:cNvPr id="23" name="TextBox 22">
             <a:extLst>
               <a:ext uri="{FF2B5EF4-FFF2-40B4-BE49-F238E27FC236}">
-                <a16:creationId xmlns="" xmlns:a16="http://schemas.microsoft.com/office/drawing/2014/main" id="{E93A7901-2628-4F53-9A7E-1B2F218C5805}"/>
+                <a16:creationId xmlns:a16="http://schemas.microsoft.com/office/drawing/2014/main" xmlns="" id="{E93A7901-2628-4F53-9A7E-1B2F218C5805}"/>
               </a:ext>
             </a:extLst>
           </p:cNvPr>
@@ -8713,7 +8713,7 @@
           <p:cNvPr id="96" name="Picture 95" descr="Free Icon | Wifi">
             <a:extLst>
               <a:ext uri="{FF2B5EF4-FFF2-40B4-BE49-F238E27FC236}">
-                <a16:creationId xmlns="" xmlns:a16="http://schemas.microsoft.com/office/drawing/2014/main" id="{331FC1AA-CB08-45A4-9369-2997329D73F4}"/>
+                <a16:creationId xmlns:a16="http://schemas.microsoft.com/office/drawing/2014/main" xmlns="" id="{331FC1AA-CB08-45A4-9369-2997329D73F4}"/>
               </a:ext>
             </a:extLst>
           </p:cNvPr>
@@ -8752,7 +8752,7 @@
           <p:cNvPr id="97" name="Picture 96">
             <a:extLst>
               <a:ext uri="{FF2B5EF4-FFF2-40B4-BE49-F238E27FC236}">
-                <a16:creationId xmlns="" xmlns:a16="http://schemas.microsoft.com/office/drawing/2014/main" id="{D4CA772F-A72C-4314-A82A-E884D10E777D}"/>
+                <a16:creationId xmlns:a16="http://schemas.microsoft.com/office/drawing/2014/main" xmlns="" id="{D4CA772F-A72C-4314-A82A-E884D10E777D}"/>
               </a:ext>
             </a:extLst>
           </p:cNvPr>
@@ -8780,7 +8780,7 @@
           <p:cNvPr id="98" name="Picture 97">
             <a:extLst>
               <a:ext uri="{FF2B5EF4-FFF2-40B4-BE49-F238E27FC236}">
-                <a16:creationId xmlns="" xmlns:a16="http://schemas.microsoft.com/office/drawing/2014/main" id="{9E085E1D-93F9-4E72-B98F-FB8F7028960D}"/>
+                <a16:creationId xmlns:a16="http://schemas.microsoft.com/office/drawing/2014/main" xmlns="" id="{9E085E1D-93F9-4E72-B98F-FB8F7028960D}"/>
               </a:ext>
             </a:extLst>
           </p:cNvPr>
@@ -8808,7 +8808,7 @@
           <p:cNvPr id="101" name="TextBox 100">
             <a:extLst>
               <a:ext uri="{FF2B5EF4-FFF2-40B4-BE49-F238E27FC236}">
-                <a16:creationId xmlns="" xmlns:a16="http://schemas.microsoft.com/office/drawing/2014/main" id="{7FF2AF45-1BBB-4306-ABAF-8689BC85C815}"/>
+                <a16:creationId xmlns:a16="http://schemas.microsoft.com/office/drawing/2014/main" xmlns="" id="{7FF2AF45-1BBB-4306-ABAF-8689BC85C815}"/>
               </a:ext>
             </a:extLst>
           </p:cNvPr>
@@ -8847,7 +8847,7 @@
           <p:cNvPr id="103" name="Straight Connector 102">
             <a:extLst>
               <a:ext uri="{FF2B5EF4-FFF2-40B4-BE49-F238E27FC236}">
-                <a16:creationId xmlns="" xmlns:a16="http://schemas.microsoft.com/office/drawing/2014/main" id="{E865F506-39E6-412E-A252-A31428B8E040}"/>
+                <a16:creationId xmlns:a16="http://schemas.microsoft.com/office/drawing/2014/main" xmlns="" id="{E865F506-39E6-412E-A252-A31428B8E040}"/>
               </a:ext>
             </a:extLst>
           </p:cNvPr>
@@ -8890,7 +8890,7 @@
           <p:cNvPr id="110" name="Straight Arrow Connector 109">
             <a:extLst>
               <a:ext uri="{FF2B5EF4-FFF2-40B4-BE49-F238E27FC236}">
-                <a16:creationId xmlns="" xmlns:a16="http://schemas.microsoft.com/office/drawing/2014/main" id="{E8B958EE-5EE0-4808-BB5D-8AF84300BFB3}"/>
+                <a16:creationId xmlns:a16="http://schemas.microsoft.com/office/drawing/2014/main" xmlns="" id="{E8B958EE-5EE0-4808-BB5D-8AF84300BFB3}"/>
               </a:ext>
             </a:extLst>
           </p:cNvPr>
@@ -8934,7 +8934,7 @@
           <p:cNvPr id="111" name="Straight Arrow Connector 110">
             <a:extLst>
               <a:ext uri="{FF2B5EF4-FFF2-40B4-BE49-F238E27FC236}">
-                <a16:creationId xmlns="" xmlns:a16="http://schemas.microsoft.com/office/drawing/2014/main" id="{701FA5EF-0179-41F2-B22D-FCC175001A48}"/>
+                <a16:creationId xmlns:a16="http://schemas.microsoft.com/office/drawing/2014/main" xmlns="" id="{701FA5EF-0179-41F2-B22D-FCC175001A48}"/>
               </a:ext>
             </a:extLst>
           </p:cNvPr>
@@ -8978,7 +8978,7 @@
           <p:cNvPr id="112" name="Straight Arrow Connector 111">
             <a:extLst>
               <a:ext uri="{FF2B5EF4-FFF2-40B4-BE49-F238E27FC236}">
-                <a16:creationId xmlns="" xmlns:a16="http://schemas.microsoft.com/office/drawing/2014/main" id="{AF569078-F334-430B-8950-9BEB338AB6EA}"/>
+                <a16:creationId xmlns:a16="http://schemas.microsoft.com/office/drawing/2014/main" xmlns="" id="{AF569078-F334-430B-8950-9BEB338AB6EA}"/>
               </a:ext>
             </a:extLst>
           </p:cNvPr>
@@ -9022,7 +9022,7 @@
           <p:cNvPr id="113" name="Straight Arrow Connector 112">
             <a:extLst>
               <a:ext uri="{FF2B5EF4-FFF2-40B4-BE49-F238E27FC236}">
-                <a16:creationId xmlns="" xmlns:a16="http://schemas.microsoft.com/office/drawing/2014/main" id="{9894B322-EF50-40E0-8415-FD1EB8F34947}"/>
+                <a16:creationId xmlns:a16="http://schemas.microsoft.com/office/drawing/2014/main" xmlns="" id="{9894B322-EF50-40E0-8415-FD1EB8F34947}"/>
               </a:ext>
             </a:extLst>
           </p:cNvPr>
@@ -9066,7 +9066,7 @@
           <p:cNvPr id="114" name="TextBox 113">
             <a:extLst>
               <a:ext uri="{FF2B5EF4-FFF2-40B4-BE49-F238E27FC236}">
-                <a16:creationId xmlns="" xmlns:a16="http://schemas.microsoft.com/office/drawing/2014/main" id="{E9064D73-DA84-45E4-878F-355289241361}"/>
+                <a16:creationId xmlns:a16="http://schemas.microsoft.com/office/drawing/2014/main" xmlns="" id="{E9064D73-DA84-45E4-878F-355289241361}"/>
               </a:ext>
             </a:extLst>
           </p:cNvPr>
@@ -9105,7 +9105,7 @@
           <p:cNvPr id="115" name="Arrow: Down 114">
             <a:extLst>
               <a:ext uri="{FF2B5EF4-FFF2-40B4-BE49-F238E27FC236}">
-                <a16:creationId xmlns="" xmlns:a16="http://schemas.microsoft.com/office/drawing/2014/main" id="{8CFCE75F-7AA7-4BF3-B044-4770D3A70008}"/>
+                <a16:creationId xmlns:a16="http://schemas.microsoft.com/office/drawing/2014/main" xmlns="" id="{8CFCE75F-7AA7-4BF3-B044-4770D3A70008}"/>
               </a:ext>
             </a:extLst>
           </p:cNvPr>
@@ -9157,7 +9157,7 @@
           <p:cNvPr id="116" name="Straight Arrow Connector 115">
             <a:extLst>
               <a:ext uri="{FF2B5EF4-FFF2-40B4-BE49-F238E27FC236}">
-                <a16:creationId xmlns="" xmlns:a16="http://schemas.microsoft.com/office/drawing/2014/main" id="{8E0EBC89-8ED8-4F07-B552-FDDF03B2E41D}"/>
+                <a16:creationId xmlns:a16="http://schemas.microsoft.com/office/drawing/2014/main" xmlns="" id="{8E0EBC89-8ED8-4F07-B552-FDDF03B2E41D}"/>
               </a:ext>
             </a:extLst>
           </p:cNvPr>
@@ -9203,7 +9203,7 @@
           <p:cNvPr id="117" name="TextBox 116">
             <a:extLst>
               <a:ext uri="{FF2B5EF4-FFF2-40B4-BE49-F238E27FC236}">
-                <a16:creationId xmlns="" xmlns:a16="http://schemas.microsoft.com/office/drawing/2014/main" id="{DC4F584F-869A-4EC5-BD3F-B43D6F04B109}"/>
+                <a16:creationId xmlns:a16="http://schemas.microsoft.com/office/drawing/2014/main" xmlns="" id="{DC4F584F-869A-4EC5-BD3F-B43D6F04B109}"/>
               </a:ext>
             </a:extLst>
           </p:cNvPr>
@@ -9253,7 +9253,7 @@
           <p:cNvPr id="118" name="Picture 2">
             <a:extLst>
               <a:ext uri="{FF2B5EF4-FFF2-40B4-BE49-F238E27FC236}">
-                <a16:creationId xmlns="" xmlns:a16="http://schemas.microsoft.com/office/drawing/2014/main" id="{7EAFE767-B908-419E-B4E7-05DAB402B5BB}"/>
+                <a16:creationId xmlns:a16="http://schemas.microsoft.com/office/drawing/2014/main" xmlns="" id="{7EAFE767-B908-419E-B4E7-05DAB402B5BB}"/>
               </a:ext>
             </a:extLst>
           </p:cNvPr>
@@ -9323,7 +9323,7 @@
           <p:cNvPr id="13" name="Group 12">
             <a:extLst>
               <a:ext uri="{FF2B5EF4-FFF2-40B4-BE49-F238E27FC236}">
-                <a16:creationId xmlns="" xmlns:a16="http://schemas.microsoft.com/office/drawing/2014/main" id="{DD9AE47D-D12F-4154-BB04-4D3D34BE33AE}"/>
+                <a16:creationId xmlns:a16="http://schemas.microsoft.com/office/drawing/2014/main" xmlns="" id="{DD9AE47D-D12F-4154-BB04-4D3D34BE33AE}"/>
               </a:ext>
             </a:extLst>
           </p:cNvPr>
@@ -9343,7 +9343,7 @@
             <p:cNvPr id="119" name="Picture 118">
               <a:extLst>
                 <a:ext uri="{FF2B5EF4-FFF2-40B4-BE49-F238E27FC236}">
-                  <a16:creationId xmlns="" xmlns:a16="http://schemas.microsoft.com/office/drawing/2014/main" id="{8569128C-0619-4279-963D-AE7C028B50F8}"/>
+                  <a16:creationId xmlns:a16="http://schemas.microsoft.com/office/drawing/2014/main" xmlns="" id="{8569128C-0619-4279-963D-AE7C028B50F8}"/>
                 </a:ext>
               </a:extLst>
             </p:cNvPr>
@@ -9371,7 +9371,7 @@
             <p:cNvPr id="120" name="Picture 119">
               <a:extLst>
                 <a:ext uri="{FF2B5EF4-FFF2-40B4-BE49-F238E27FC236}">
-                  <a16:creationId xmlns="" xmlns:a16="http://schemas.microsoft.com/office/drawing/2014/main" id="{8B747FC8-E2F4-4A4F-A22C-CE38FE1C73EE}"/>
+                  <a16:creationId xmlns:a16="http://schemas.microsoft.com/office/drawing/2014/main" xmlns="" id="{8B747FC8-E2F4-4A4F-A22C-CE38FE1C73EE}"/>
                 </a:ext>
               </a:extLst>
             </p:cNvPr>
@@ -9399,7 +9399,7 @@
             <p:cNvPr id="121" name="Picture 120">
               <a:extLst>
                 <a:ext uri="{FF2B5EF4-FFF2-40B4-BE49-F238E27FC236}">
-                  <a16:creationId xmlns="" xmlns:a16="http://schemas.microsoft.com/office/drawing/2014/main" id="{C5D34CA6-4297-482B-89D7-F88D49D89624}"/>
+                  <a16:creationId xmlns:a16="http://schemas.microsoft.com/office/drawing/2014/main" xmlns="" id="{C5D34CA6-4297-482B-89D7-F88D49D89624}"/>
                 </a:ext>
               </a:extLst>
             </p:cNvPr>
@@ -9428,7 +9428,7 @@
           <p:cNvPr id="122" name="Picture 121">
             <a:extLst>
               <a:ext uri="{FF2B5EF4-FFF2-40B4-BE49-F238E27FC236}">
-                <a16:creationId xmlns="" xmlns:a16="http://schemas.microsoft.com/office/drawing/2014/main" id="{B162C919-E530-41D0-B8DE-285A262718DC}"/>
+                <a16:creationId xmlns:a16="http://schemas.microsoft.com/office/drawing/2014/main" xmlns="" id="{B162C919-E530-41D0-B8DE-285A262718DC}"/>
               </a:ext>
             </a:extLst>
           </p:cNvPr>
@@ -9456,7 +9456,7 @@
           <p:cNvPr id="171" name="TextBox 170">
             <a:extLst>
               <a:ext uri="{FF2B5EF4-FFF2-40B4-BE49-F238E27FC236}">
-                <a16:creationId xmlns="" xmlns:a16="http://schemas.microsoft.com/office/drawing/2014/main" id="{D3D2C1E7-A24B-4E4F-9338-4E3CC945B96E}"/>
+                <a16:creationId xmlns:a16="http://schemas.microsoft.com/office/drawing/2014/main" xmlns="" id="{D3D2C1E7-A24B-4E4F-9338-4E3CC945B96E}"/>
               </a:ext>
             </a:extLst>
           </p:cNvPr>
@@ -9503,7 +9503,7 @@
           <p:cNvPr id="89" name="TextBox 88">
             <a:extLst>
               <a:ext uri="{FF2B5EF4-FFF2-40B4-BE49-F238E27FC236}">
-                <a16:creationId xmlns="" xmlns:a16="http://schemas.microsoft.com/office/drawing/2014/main" id="{FD499B9D-6F6A-48F3-A26C-7095543087F4}"/>
+                <a16:creationId xmlns:a16="http://schemas.microsoft.com/office/drawing/2014/main" xmlns="" id="{FD499B9D-6F6A-48F3-A26C-7095543087F4}"/>
               </a:ext>
             </a:extLst>
           </p:cNvPr>
@@ -9586,7 +9586,7 @@
           <p:cNvPr id="27" name="TextBox 26">
             <a:extLst>
               <a:ext uri="{FF2B5EF4-FFF2-40B4-BE49-F238E27FC236}">
-                <a16:creationId xmlns="" xmlns:a16="http://schemas.microsoft.com/office/drawing/2014/main" id="{B250D357-4F1F-4D5E-88FD-1C5A02A91117}"/>
+                <a16:creationId xmlns:a16="http://schemas.microsoft.com/office/drawing/2014/main" xmlns="" id="{B250D357-4F1F-4D5E-88FD-1C5A02A91117}"/>
               </a:ext>
             </a:extLst>
           </p:cNvPr>
@@ -9852,7 +9852,7 @@
           <p:cNvPr id="96" name="Picture 95" descr="Free Icon | Wifi">
             <a:extLst>
               <a:ext uri="{FF2B5EF4-FFF2-40B4-BE49-F238E27FC236}">
-                <a16:creationId xmlns="" xmlns:a16="http://schemas.microsoft.com/office/drawing/2014/main" id="{331FC1AA-CB08-45A4-9369-2997329D73F4}"/>
+                <a16:creationId xmlns:a16="http://schemas.microsoft.com/office/drawing/2014/main" xmlns="" id="{331FC1AA-CB08-45A4-9369-2997329D73F4}"/>
               </a:ext>
             </a:extLst>
           </p:cNvPr>
@@ -9891,7 +9891,7 @@
           <p:cNvPr id="97" name="Picture 96">
             <a:extLst>
               <a:ext uri="{FF2B5EF4-FFF2-40B4-BE49-F238E27FC236}">
-                <a16:creationId xmlns="" xmlns:a16="http://schemas.microsoft.com/office/drawing/2014/main" id="{D4CA772F-A72C-4314-A82A-E884D10E777D}"/>
+                <a16:creationId xmlns:a16="http://schemas.microsoft.com/office/drawing/2014/main" xmlns="" id="{D4CA772F-A72C-4314-A82A-E884D10E777D}"/>
               </a:ext>
             </a:extLst>
           </p:cNvPr>
@@ -9919,7 +9919,7 @@
           <p:cNvPr id="98" name="Picture 97">
             <a:extLst>
               <a:ext uri="{FF2B5EF4-FFF2-40B4-BE49-F238E27FC236}">
-                <a16:creationId xmlns="" xmlns:a16="http://schemas.microsoft.com/office/drawing/2014/main" id="{9E085E1D-93F9-4E72-B98F-FB8F7028960D}"/>
+                <a16:creationId xmlns:a16="http://schemas.microsoft.com/office/drawing/2014/main" xmlns="" id="{9E085E1D-93F9-4E72-B98F-FB8F7028960D}"/>
               </a:ext>
             </a:extLst>
           </p:cNvPr>
@@ -9947,7 +9947,7 @@
           <p:cNvPr id="101" name="TextBox 100">
             <a:extLst>
               <a:ext uri="{FF2B5EF4-FFF2-40B4-BE49-F238E27FC236}">
-                <a16:creationId xmlns="" xmlns:a16="http://schemas.microsoft.com/office/drawing/2014/main" id="{7FF2AF45-1BBB-4306-ABAF-8689BC85C815}"/>
+                <a16:creationId xmlns:a16="http://schemas.microsoft.com/office/drawing/2014/main" xmlns="" id="{7FF2AF45-1BBB-4306-ABAF-8689BC85C815}"/>
               </a:ext>
             </a:extLst>
           </p:cNvPr>
@@ -9986,7 +9986,7 @@
           <p:cNvPr id="103" name="Straight Connector 102">
             <a:extLst>
               <a:ext uri="{FF2B5EF4-FFF2-40B4-BE49-F238E27FC236}">
-                <a16:creationId xmlns="" xmlns:a16="http://schemas.microsoft.com/office/drawing/2014/main" id="{E865F506-39E6-412E-A252-A31428B8E040}"/>
+                <a16:creationId xmlns:a16="http://schemas.microsoft.com/office/drawing/2014/main" xmlns="" id="{E865F506-39E6-412E-A252-A31428B8E040}"/>
               </a:ext>
             </a:extLst>
           </p:cNvPr>
@@ -10029,7 +10029,7 @@
           <p:cNvPr id="110" name="Straight Arrow Connector 109">
             <a:extLst>
               <a:ext uri="{FF2B5EF4-FFF2-40B4-BE49-F238E27FC236}">
-                <a16:creationId xmlns="" xmlns:a16="http://schemas.microsoft.com/office/drawing/2014/main" id="{E8B958EE-5EE0-4808-BB5D-8AF84300BFB3}"/>
+                <a16:creationId xmlns:a16="http://schemas.microsoft.com/office/drawing/2014/main" xmlns="" id="{E8B958EE-5EE0-4808-BB5D-8AF84300BFB3}"/>
               </a:ext>
             </a:extLst>
           </p:cNvPr>
@@ -10073,7 +10073,7 @@
           <p:cNvPr id="111" name="Straight Arrow Connector 110">
             <a:extLst>
               <a:ext uri="{FF2B5EF4-FFF2-40B4-BE49-F238E27FC236}">
-                <a16:creationId xmlns="" xmlns:a16="http://schemas.microsoft.com/office/drawing/2014/main" id="{701FA5EF-0179-41F2-B22D-FCC175001A48}"/>
+                <a16:creationId xmlns:a16="http://schemas.microsoft.com/office/drawing/2014/main" xmlns="" id="{701FA5EF-0179-41F2-B22D-FCC175001A48}"/>
               </a:ext>
             </a:extLst>
           </p:cNvPr>
@@ -10117,7 +10117,7 @@
           <p:cNvPr id="112" name="Straight Arrow Connector 111">
             <a:extLst>
               <a:ext uri="{FF2B5EF4-FFF2-40B4-BE49-F238E27FC236}">
-                <a16:creationId xmlns="" xmlns:a16="http://schemas.microsoft.com/office/drawing/2014/main" id="{AF569078-F334-430B-8950-9BEB338AB6EA}"/>
+                <a16:creationId xmlns:a16="http://schemas.microsoft.com/office/drawing/2014/main" xmlns="" id="{AF569078-F334-430B-8950-9BEB338AB6EA}"/>
               </a:ext>
             </a:extLst>
           </p:cNvPr>
@@ -10161,7 +10161,7 @@
           <p:cNvPr id="113" name="Straight Arrow Connector 112">
             <a:extLst>
               <a:ext uri="{FF2B5EF4-FFF2-40B4-BE49-F238E27FC236}">
-                <a16:creationId xmlns="" xmlns:a16="http://schemas.microsoft.com/office/drawing/2014/main" id="{9894B322-EF50-40E0-8415-FD1EB8F34947}"/>
+                <a16:creationId xmlns:a16="http://schemas.microsoft.com/office/drawing/2014/main" xmlns="" id="{9894B322-EF50-40E0-8415-FD1EB8F34947}"/>
               </a:ext>
             </a:extLst>
           </p:cNvPr>
@@ -10205,7 +10205,7 @@
           <p:cNvPr id="114" name="TextBox 113">
             <a:extLst>
               <a:ext uri="{FF2B5EF4-FFF2-40B4-BE49-F238E27FC236}">
-                <a16:creationId xmlns="" xmlns:a16="http://schemas.microsoft.com/office/drawing/2014/main" id="{E9064D73-DA84-45E4-878F-355289241361}"/>
+                <a16:creationId xmlns:a16="http://schemas.microsoft.com/office/drawing/2014/main" xmlns="" id="{E9064D73-DA84-45E4-878F-355289241361}"/>
               </a:ext>
             </a:extLst>
           </p:cNvPr>
@@ -10244,7 +10244,7 @@
           <p:cNvPr id="115" name="Arrow: Down 114">
             <a:extLst>
               <a:ext uri="{FF2B5EF4-FFF2-40B4-BE49-F238E27FC236}">
-                <a16:creationId xmlns="" xmlns:a16="http://schemas.microsoft.com/office/drawing/2014/main" id="{8CFCE75F-7AA7-4BF3-B044-4770D3A70008}"/>
+                <a16:creationId xmlns:a16="http://schemas.microsoft.com/office/drawing/2014/main" xmlns="" id="{8CFCE75F-7AA7-4BF3-B044-4770D3A70008}"/>
               </a:ext>
             </a:extLst>
           </p:cNvPr>
@@ -10296,7 +10296,7 @@
           <p:cNvPr id="116" name="Straight Arrow Connector 115">
             <a:extLst>
               <a:ext uri="{FF2B5EF4-FFF2-40B4-BE49-F238E27FC236}">
-                <a16:creationId xmlns="" xmlns:a16="http://schemas.microsoft.com/office/drawing/2014/main" id="{8E0EBC89-8ED8-4F07-B552-FDDF03B2E41D}"/>
+                <a16:creationId xmlns:a16="http://schemas.microsoft.com/office/drawing/2014/main" xmlns="" id="{8E0EBC89-8ED8-4F07-B552-FDDF03B2E41D}"/>
               </a:ext>
             </a:extLst>
           </p:cNvPr>
@@ -10342,7 +10342,7 @@
           <p:cNvPr id="117" name="TextBox 116">
             <a:extLst>
               <a:ext uri="{FF2B5EF4-FFF2-40B4-BE49-F238E27FC236}">
-                <a16:creationId xmlns="" xmlns:a16="http://schemas.microsoft.com/office/drawing/2014/main" id="{DC4F584F-869A-4EC5-BD3F-B43D6F04B109}"/>
+                <a16:creationId xmlns:a16="http://schemas.microsoft.com/office/drawing/2014/main" xmlns="" id="{DC4F584F-869A-4EC5-BD3F-B43D6F04B109}"/>
               </a:ext>
             </a:extLst>
           </p:cNvPr>
@@ -10392,7 +10392,7 @@
           <p:cNvPr id="118" name="Picture 2">
             <a:extLst>
               <a:ext uri="{FF2B5EF4-FFF2-40B4-BE49-F238E27FC236}">
-                <a16:creationId xmlns="" xmlns:a16="http://schemas.microsoft.com/office/drawing/2014/main" id="{7EAFE767-B908-419E-B4E7-05DAB402B5BB}"/>
+                <a16:creationId xmlns:a16="http://schemas.microsoft.com/office/drawing/2014/main" xmlns="" id="{7EAFE767-B908-419E-B4E7-05DAB402B5BB}"/>
               </a:ext>
             </a:extLst>
           </p:cNvPr>
@@ -10462,7 +10462,7 @@
           <p:cNvPr id="13" name="Group 12">
             <a:extLst>
               <a:ext uri="{FF2B5EF4-FFF2-40B4-BE49-F238E27FC236}">
-                <a16:creationId xmlns="" xmlns:a16="http://schemas.microsoft.com/office/drawing/2014/main" id="{DD9AE47D-D12F-4154-BB04-4D3D34BE33AE}"/>
+                <a16:creationId xmlns:a16="http://schemas.microsoft.com/office/drawing/2014/main" xmlns="" id="{DD9AE47D-D12F-4154-BB04-4D3D34BE33AE}"/>
               </a:ext>
             </a:extLst>
           </p:cNvPr>
@@ -10482,7 +10482,7 @@
             <p:cNvPr id="119" name="Picture 118">
               <a:extLst>
                 <a:ext uri="{FF2B5EF4-FFF2-40B4-BE49-F238E27FC236}">
-                  <a16:creationId xmlns="" xmlns:a16="http://schemas.microsoft.com/office/drawing/2014/main" id="{8569128C-0619-4279-963D-AE7C028B50F8}"/>
+                  <a16:creationId xmlns:a16="http://schemas.microsoft.com/office/drawing/2014/main" xmlns="" id="{8569128C-0619-4279-963D-AE7C028B50F8}"/>
                 </a:ext>
               </a:extLst>
             </p:cNvPr>
@@ -10510,7 +10510,7 @@
             <p:cNvPr id="120" name="Picture 119">
               <a:extLst>
                 <a:ext uri="{FF2B5EF4-FFF2-40B4-BE49-F238E27FC236}">
-                  <a16:creationId xmlns="" xmlns:a16="http://schemas.microsoft.com/office/drawing/2014/main" id="{8B747FC8-E2F4-4A4F-A22C-CE38FE1C73EE}"/>
+                  <a16:creationId xmlns:a16="http://schemas.microsoft.com/office/drawing/2014/main" xmlns="" id="{8B747FC8-E2F4-4A4F-A22C-CE38FE1C73EE}"/>
                 </a:ext>
               </a:extLst>
             </p:cNvPr>
@@ -10538,7 +10538,7 @@
             <p:cNvPr id="121" name="Picture 120">
               <a:extLst>
                 <a:ext uri="{FF2B5EF4-FFF2-40B4-BE49-F238E27FC236}">
-                  <a16:creationId xmlns="" xmlns:a16="http://schemas.microsoft.com/office/drawing/2014/main" id="{C5D34CA6-4297-482B-89D7-F88D49D89624}"/>
+                  <a16:creationId xmlns:a16="http://schemas.microsoft.com/office/drawing/2014/main" xmlns="" id="{C5D34CA6-4297-482B-89D7-F88D49D89624}"/>
                 </a:ext>
               </a:extLst>
             </p:cNvPr>
@@ -10567,7 +10567,7 @@
           <p:cNvPr id="122" name="Picture 121">
             <a:extLst>
               <a:ext uri="{FF2B5EF4-FFF2-40B4-BE49-F238E27FC236}">
-                <a16:creationId xmlns="" xmlns:a16="http://schemas.microsoft.com/office/drawing/2014/main" id="{B162C919-E530-41D0-B8DE-285A262718DC}"/>
+                <a16:creationId xmlns:a16="http://schemas.microsoft.com/office/drawing/2014/main" xmlns="" id="{B162C919-E530-41D0-B8DE-285A262718DC}"/>
               </a:ext>
             </a:extLst>
           </p:cNvPr>
@@ -10595,7 +10595,7 @@
           <p:cNvPr id="171" name="TextBox 170">
             <a:extLst>
               <a:ext uri="{FF2B5EF4-FFF2-40B4-BE49-F238E27FC236}">
-                <a16:creationId xmlns="" xmlns:a16="http://schemas.microsoft.com/office/drawing/2014/main" id="{D3D2C1E7-A24B-4E4F-9338-4E3CC945B96E}"/>
+                <a16:creationId xmlns:a16="http://schemas.microsoft.com/office/drawing/2014/main" xmlns="" id="{D3D2C1E7-A24B-4E4F-9338-4E3CC945B96E}"/>
               </a:ext>
             </a:extLst>
           </p:cNvPr>
@@ -10666,7 +10666,7 @@
           <p:cNvPr id="89" name="TextBox 88">
             <a:extLst>
               <a:ext uri="{FF2B5EF4-FFF2-40B4-BE49-F238E27FC236}">
-                <a16:creationId xmlns="" xmlns:a16="http://schemas.microsoft.com/office/drawing/2014/main" id="{FD499B9D-6F6A-48F3-A26C-7095543087F4}"/>
+                <a16:creationId xmlns:a16="http://schemas.microsoft.com/office/drawing/2014/main" xmlns="" id="{FD499B9D-6F6A-48F3-A26C-7095543087F4}"/>
               </a:ext>
             </a:extLst>
           </p:cNvPr>
@@ -10749,7 +10749,7 @@
           <p:cNvPr id="27" name="TextBox 26">
             <a:extLst>
               <a:ext uri="{FF2B5EF4-FFF2-40B4-BE49-F238E27FC236}">
-                <a16:creationId xmlns="" xmlns:a16="http://schemas.microsoft.com/office/drawing/2014/main" id="{B250D357-4F1F-4D5E-88FD-1C5A02A91117}"/>
+                <a16:creationId xmlns:a16="http://schemas.microsoft.com/office/drawing/2014/main" xmlns="" id="{B250D357-4F1F-4D5E-88FD-1C5A02A91117}"/>
               </a:ext>
             </a:extLst>
           </p:cNvPr>
@@ -10923,19 +10923,24 @@
       </p:grpSpPr>
       <p:sp>
         <p:nvSpPr>
-          <p:cNvPr id="4" name="Flowchart: Process 3"/>
+          <p:cNvPr id="5" name="Flowchart: Decision 4"/>
           <p:cNvSpPr/>
           <p:nvPr/>
         </p:nvSpPr>
         <p:spPr>
           <a:xfrm>
-            <a:off x="2699792" y="1196752"/>
-            <a:ext cx="2160240" cy="864096"/>
-          </a:xfrm>
-          <a:prstGeom prst="flowChartProcess">
+            <a:off x="2879812" y="2551485"/>
+            <a:ext cx="1800200" cy="1224136"/>
+          </a:xfrm>
+          <a:prstGeom prst="flowChartDecision">
             <a:avLst/>
           </a:prstGeom>
           <a:noFill/>
+          <a:ln>
+            <a:solidFill>
+              <a:schemeClr val="tx1"/>
+            </a:solidFill>
+          </a:ln>
         </p:spPr>
         <p:style>
           <a:lnRef idx="2">
@@ -10959,67 +10964,6 @@
           <a:p>
             <a:pPr algn="ctr"/>
             <a:r>
-              <a:rPr lang="en-ID" dirty="0" err="1" smtClean="0">
-                <a:solidFill>
-                  <a:schemeClr val="tx1"/>
-                </a:solidFill>
-              </a:rPr>
-              <a:t>getValue</a:t>
-            </a:r>
-            <a:r>
-              <a:rPr lang="en-ID" dirty="0" smtClean="0">
-                <a:solidFill>
-                  <a:schemeClr val="tx1"/>
-                </a:solidFill>
-              </a:rPr>
-              <a:t> from sensor</a:t>
-            </a:r>
-            <a:endParaRPr lang="en-US" dirty="0">
-              <a:solidFill>
-                <a:schemeClr val="tx1"/>
-              </a:solidFill>
-            </a:endParaRPr>
-          </a:p>
-        </p:txBody>
-      </p:sp>
-      <p:sp>
-        <p:nvSpPr>
-          <p:cNvPr id="5" name="Flowchart: Decision 4"/>
-          <p:cNvSpPr/>
-          <p:nvPr/>
-        </p:nvSpPr>
-        <p:spPr>
-          <a:xfrm>
-            <a:off x="2879812" y="2945904"/>
-            <a:ext cx="1800200" cy="1224136"/>
-          </a:xfrm>
-          <a:prstGeom prst="flowChartDecision">
-            <a:avLst/>
-          </a:prstGeom>
-          <a:noFill/>
-        </p:spPr>
-        <p:style>
-          <a:lnRef idx="2">
-            <a:schemeClr val="accent1">
-              <a:shade val="50000"/>
-            </a:schemeClr>
-          </a:lnRef>
-          <a:fillRef idx="1">
-            <a:schemeClr val="accent1"/>
-          </a:fillRef>
-          <a:effectRef idx="0">
-            <a:schemeClr val="accent1"/>
-          </a:effectRef>
-          <a:fontRef idx="minor">
-            <a:schemeClr val="lt1"/>
-          </a:fontRef>
-        </p:style>
-        <p:txBody>
-          <a:bodyPr rtlCol="0" anchor="ctr"/>
-          <a:lstStyle/>
-          <a:p>
-            <a:pPr algn="ctr"/>
-            <a:r>
               <a:rPr lang="en-ID" dirty="0" smtClean="0">
                 <a:solidFill>
                   <a:schemeClr val="tx1"/>
@@ -11039,20 +10983,23 @@
         <p:nvCxnSpPr>
           <p:cNvPr id="7" name="Straight Arrow Connector 6"/>
           <p:cNvCxnSpPr>
-            <a:stCxn id="4" idx="2"/>
+            <a:stCxn id="2" idx="2"/>
             <a:endCxn id="5" idx="0"/>
           </p:cNvCxnSpPr>
           <p:nvPr/>
         </p:nvCxnSpPr>
         <p:spPr>
           <a:xfrm>
-            <a:off x="3779912" y="2060848"/>
-            <a:ext cx="0" cy="885056"/>
+            <a:off x="3779912" y="1844824"/>
+            <a:ext cx="0" cy="706661"/>
           </a:xfrm>
           <a:prstGeom prst="straightConnector1">
             <a:avLst/>
           </a:prstGeom>
-          <a:ln>
+          <a:ln w="19050">
+            <a:solidFill>
+              <a:schemeClr val="tx1"/>
+            </a:solidFill>
             <a:tailEnd type="arrow"/>
           </a:ln>
         </p:spPr>
@@ -11076,18 +11023,22 @@
           <p:cNvPr id="9" name="Straight Arrow Connector 8"/>
           <p:cNvCxnSpPr>
             <a:stCxn id="5" idx="3"/>
+            <a:endCxn id="14" idx="1"/>
           </p:cNvCxnSpPr>
           <p:nvPr/>
         </p:nvCxnSpPr>
         <p:spPr>
           <a:xfrm>
-            <a:off x="4680012" y="3557972"/>
-            <a:ext cx="1332148" cy="0"/>
+            <a:off x="4680012" y="3163553"/>
+            <a:ext cx="828092" cy="0"/>
           </a:xfrm>
           <a:prstGeom prst="straightConnector1">
             <a:avLst/>
           </a:prstGeom>
-          <a:ln>
+          <a:ln w="19050">
+            <a:solidFill>
+              <a:schemeClr val="tx1"/>
+            </a:solidFill>
             <a:tailEnd type="arrow"/>
           </a:ln>
         </p:spPr>
@@ -11111,18 +11062,22 @@
           <p:cNvPr id="11" name="Straight Arrow Connector 10"/>
           <p:cNvCxnSpPr>
             <a:stCxn id="5" idx="2"/>
+            <a:endCxn id="25" idx="0"/>
           </p:cNvCxnSpPr>
           <p:nvPr/>
         </p:nvCxnSpPr>
         <p:spPr>
           <a:xfrm>
-            <a:off x="3779912" y="4170040"/>
-            <a:ext cx="0" cy="1059160"/>
+            <a:off x="3779912" y="3775621"/>
+            <a:ext cx="0" cy="620045"/>
           </a:xfrm>
           <a:prstGeom prst="straightConnector1">
             <a:avLst/>
           </a:prstGeom>
-          <a:ln>
+          <a:ln w="19050">
+            <a:solidFill>
+              <a:schemeClr val="tx1"/>
+            </a:solidFill>
             <a:tailEnd type="arrow"/>
           </a:ln>
         </p:spPr>
@@ -11149,7 +11104,7 @@
         </p:nvSpPr>
         <p:spPr>
           <a:xfrm>
-            <a:off x="4890478" y="3153165"/>
+            <a:off x="4890478" y="2758746"/>
             <a:ext cx="485518" cy="369332"/>
           </a:xfrm>
           <a:prstGeom prst="rect">
@@ -11179,7 +11134,7 @@
         </p:nvSpPr>
         <p:spPr>
           <a:xfrm>
-            <a:off x="3851920" y="4343028"/>
+            <a:off x="3851920" y="3851756"/>
             <a:ext cx="455574" cy="369332"/>
           </a:xfrm>
           <a:prstGeom prst="rect">
@@ -11209,8 +11164,52 @@
         </p:nvSpPr>
         <p:spPr>
           <a:xfrm>
-            <a:off x="6012160" y="3373723"/>
-            <a:ext cx="1478290" cy="369332"/>
+            <a:off x="5508104" y="2840387"/>
+            <a:ext cx="1656184" cy="646331"/>
+          </a:xfrm>
+          <a:prstGeom prst="rect">
+            <a:avLst/>
+          </a:prstGeom>
+          <a:noFill/>
+          <a:ln>
+            <a:solidFill>
+              <a:schemeClr val="tx1"/>
+            </a:solidFill>
+          </a:ln>
+        </p:spPr>
+        <p:txBody>
+          <a:bodyPr wrap="square" rtlCol="0">
+            <a:spAutoFit/>
+          </a:bodyPr>
+          <a:lstStyle/>
+          <a:p>
+            <a:pPr algn="ctr"/>
+            <a:r>
+              <a:rPr lang="en-ID" dirty="0"/>
+              <a:t>statusAi </a:t>
+            </a:r>
+            <a:r>
+              <a:rPr lang="en-ID" dirty="0" smtClean="0"/>
+              <a:t> = </a:t>
+            </a:r>
+            <a:r>
+              <a:rPr lang="en-ID" dirty="0" smtClean="0"/>
+              <a:t>HIGH_ALARM</a:t>
+            </a:r>
+            <a:endParaRPr lang="en-US" dirty="0"/>
+          </a:p>
+        </p:txBody>
+      </p:sp>
+      <p:sp>
+        <p:nvSpPr>
+          <p:cNvPr id="16" name="TextBox 15"/>
+          <p:cNvSpPr txBox="1"/>
+          <p:nvPr/>
+        </p:nvSpPr>
+        <p:spPr>
+          <a:xfrm>
+            <a:off x="2457033" y="332656"/>
+            <a:ext cx="3495701" cy="369332"/>
           </a:xfrm>
           <a:prstGeom prst="rect">
             <a:avLst/>
@@ -11224,23 +11223,249 @@
           <a:lstStyle/>
           <a:p>
             <a:r>
+              <a:rPr lang="en-ID" b="1" dirty="0" smtClean="0"/>
+              <a:t>Flowchart _fireSensor-&gt;getStatus()</a:t>
+            </a:r>
+            <a:endParaRPr lang="en-US" b="1" dirty="0"/>
+          </a:p>
+        </p:txBody>
+      </p:sp>
+      <p:sp>
+        <p:nvSpPr>
+          <p:cNvPr id="2" name="Flowchart: Predefined Process 1"/>
+          <p:cNvSpPr/>
+          <p:nvPr/>
+        </p:nvSpPr>
+        <p:spPr>
+          <a:xfrm>
+            <a:off x="1619672" y="836712"/>
+            <a:ext cx="4320480" cy="1008112"/>
+          </a:xfrm>
+          <a:prstGeom prst="flowChartPredefinedProcess">
+            <a:avLst/>
+          </a:prstGeom>
+          <a:noFill/>
+          <a:ln>
+            <a:solidFill>
+              <a:schemeClr val="tx1"/>
+            </a:solidFill>
+          </a:ln>
+        </p:spPr>
+        <p:style>
+          <a:lnRef idx="2">
+            <a:schemeClr val="accent1">
+              <a:shade val="50000"/>
+            </a:schemeClr>
+          </a:lnRef>
+          <a:fillRef idx="1">
+            <a:schemeClr val="accent1"/>
+          </a:fillRef>
+          <a:effectRef idx="0">
+            <a:schemeClr val="accent1"/>
+          </a:effectRef>
+          <a:fontRef idx="minor">
+            <a:schemeClr val="lt1"/>
+          </a:fontRef>
+        </p:style>
+        <p:txBody>
+          <a:bodyPr rtlCol="0" anchor="ctr"/>
+          <a:lstStyle/>
+          <a:p>
+            <a:pPr algn="ctr"/>
+            <a:endParaRPr lang="en-ID" dirty="0" smtClean="0">
+              <a:solidFill>
+                <a:schemeClr val="tx1"/>
+              </a:solidFill>
+            </a:endParaRPr>
+          </a:p>
+          <a:p>
+            <a:pPr algn="ctr"/>
+            <a:r>
+              <a:rPr lang="en-ID" dirty="0" smtClean="0">
+                <a:solidFill>
+                  <a:schemeClr val="tx1"/>
+                </a:solidFill>
+              </a:rPr>
+              <a:t>getValue </a:t>
+            </a:r>
+            <a:r>
+              <a:rPr lang="en-ID" dirty="0">
+                <a:solidFill>
+                  <a:schemeClr val="tx1"/>
+                </a:solidFill>
+              </a:rPr>
+              <a:t>from </a:t>
+            </a:r>
+            <a:r>
+              <a:rPr lang="en-ID" dirty="0" smtClean="0">
+                <a:solidFill>
+                  <a:schemeClr val="tx1"/>
+                </a:solidFill>
+              </a:rPr>
+              <a:t>sensor</a:t>
+            </a:r>
+          </a:p>
+          <a:p>
+            <a:pPr algn="ctr"/>
+            <a:r>
+              <a:rPr lang="en-ID" dirty="0" smtClean="0">
+                <a:solidFill>
+                  <a:schemeClr val="tx1"/>
+                </a:solidFill>
+              </a:rPr>
+              <a:t>(with AlfaEMA filter)</a:t>
+            </a:r>
+          </a:p>
+          <a:p>
+            <a:pPr algn="ctr"/>
+            <a:r>
+              <a:rPr lang="en-ID" dirty="0" smtClean="0">
+                <a:solidFill>
+                  <a:schemeClr val="tx1"/>
+                </a:solidFill>
+              </a:rPr>
+              <a:t>statusAi = NO_ALARM</a:t>
+            </a:r>
+            <a:endParaRPr lang="en-US" dirty="0" smtClean="0">
+              <a:solidFill>
+                <a:schemeClr val="tx1"/>
+              </a:solidFill>
+            </a:endParaRPr>
+          </a:p>
+          <a:p>
+            <a:pPr algn="ctr"/>
+            <a:endParaRPr lang="en-US" dirty="0"/>
+          </a:p>
+        </p:txBody>
+      </p:sp>
+      <p:sp>
+        <p:nvSpPr>
+          <p:cNvPr id="18" name="TextBox 17"/>
+          <p:cNvSpPr txBox="1"/>
+          <p:nvPr/>
+        </p:nvSpPr>
+        <p:spPr>
+          <a:xfrm>
+            <a:off x="2945291" y="5517232"/>
+            <a:ext cx="1656184" cy="646331"/>
+          </a:xfrm>
+          <a:prstGeom prst="rect">
+            <a:avLst/>
+          </a:prstGeom>
+          <a:noFill/>
+          <a:ln>
+            <a:solidFill>
+              <a:schemeClr val="tx1"/>
+            </a:solidFill>
+          </a:ln>
+        </p:spPr>
+        <p:txBody>
+          <a:bodyPr wrap="square" rtlCol="0">
+            <a:spAutoFit/>
+          </a:bodyPr>
+          <a:lstStyle/>
+          <a:p>
+            <a:pPr algn="ctr"/>
+            <a:r>
+              <a:rPr lang="en-ID" dirty="0"/>
+              <a:t>r</a:t>
+            </a:r>
+            <a:r>
               <a:rPr lang="en-ID" dirty="0" smtClean="0"/>
-              <a:t>HIGH_ALARM</a:t>
+              <a:t>eturn (statusAi)</a:t>
             </a:r>
             <a:endParaRPr lang="en-US" dirty="0"/>
           </a:p>
         </p:txBody>
       </p:sp>
-      <p:sp>
-        <p:nvSpPr>
-          <p:cNvPr id="15" name="TextBox 14"/>
+      <p:cxnSp>
+        <p:nvCxnSpPr>
+          <p:cNvPr id="19" name="Straight Arrow Connector 18"/>
+          <p:cNvCxnSpPr>
+            <a:stCxn id="25" idx="4"/>
+            <a:endCxn id="18" idx="0"/>
+          </p:cNvCxnSpPr>
+          <p:nvPr/>
+        </p:nvCxnSpPr>
+        <p:spPr>
+          <a:xfrm flipH="1">
+            <a:off x="3773383" y="4852866"/>
+            <a:ext cx="6529" cy="664366"/>
+          </a:xfrm>
+          <a:prstGeom prst="straightConnector1">
+            <a:avLst/>
+          </a:prstGeom>
+          <a:ln w="19050">
+            <a:solidFill>
+              <a:schemeClr val="tx1"/>
+            </a:solidFill>
+            <a:tailEnd type="arrow"/>
+          </a:ln>
+        </p:spPr>
+        <p:style>
+          <a:lnRef idx="1">
+            <a:schemeClr val="accent1"/>
+          </a:lnRef>
+          <a:fillRef idx="0">
+            <a:schemeClr val="accent1"/>
+          </a:fillRef>
+          <a:effectRef idx="0">
+            <a:schemeClr val="accent1"/>
+          </a:effectRef>
+          <a:fontRef idx="minor">
+            <a:schemeClr val="tx1"/>
+          </a:fontRef>
+        </p:style>
+      </p:cxnSp>
+      <p:cxnSp>
+        <p:nvCxnSpPr>
+          <p:cNvPr id="21" name="Elbow Connector 20"/>
+          <p:cNvCxnSpPr>
+            <a:stCxn id="14" idx="2"/>
+            <a:endCxn id="25" idx="6"/>
+          </p:cNvCxnSpPr>
+          <p:nvPr/>
+        </p:nvCxnSpPr>
+        <p:spPr>
+          <a:xfrm rot="5400000">
+            <a:off x="4603580" y="2891650"/>
+            <a:ext cx="1137548" cy="2327684"/>
+          </a:xfrm>
+          <a:prstGeom prst="bentConnector2">
+            <a:avLst/>
+          </a:prstGeom>
+          <a:ln w="19050">
+            <a:solidFill>
+              <a:schemeClr val="tx1"/>
+            </a:solidFill>
+            <a:tailEnd type="arrow"/>
+          </a:ln>
+        </p:spPr>
+        <p:style>
+          <a:lnRef idx="1">
+            <a:schemeClr val="accent1"/>
+          </a:lnRef>
+          <a:fillRef idx="0">
+            <a:schemeClr val="accent1"/>
+          </a:fillRef>
+          <a:effectRef idx="0">
+            <a:schemeClr val="accent1"/>
+          </a:effectRef>
+          <a:fontRef idx="minor">
+            <a:schemeClr val="tx1"/>
+          </a:fontRef>
+        </p:style>
+      </p:cxnSp>
+      <p:sp>
+        <p:nvSpPr>
+          <p:cNvPr id="24" name="TextBox 23"/>
           <p:cNvSpPr txBox="1"/>
           <p:nvPr/>
         </p:nvSpPr>
         <p:spPr>
           <a:xfrm>
-            <a:off x="3136146" y="5235236"/>
-            <a:ext cx="1287532" cy="369332"/>
+            <a:off x="5422877" y="6163563"/>
+            <a:ext cx="3541611" cy="369332"/>
           </a:xfrm>
           <a:prstGeom prst="rect">
             <a:avLst/>
@@ -11255,9 +11480,55 @@
           <a:p>
             <a:r>
               <a:rPr lang="en-ID" dirty="0" smtClean="0"/>
-              <a:t>NO_ALARM</a:t>
+              <a:t>File : src\ioDevices\analogInput.cpp</a:t>
             </a:r>
             <a:endParaRPr lang="en-US" dirty="0"/>
+          </a:p>
+        </p:txBody>
+      </p:sp>
+      <p:sp>
+        <p:nvSpPr>
+          <p:cNvPr id="25" name="Flowchart: Connector 24"/>
+          <p:cNvSpPr/>
+          <p:nvPr/>
+        </p:nvSpPr>
+        <p:spPr>
+          <a:xfrm>
+            <a:off x="3551312" y="4395666"/>
+            <a:ext cx="457200" cy="457200"/>
+          </a:xfrm>
+          <a:prstGeom prst="flowChartConnector">
+            <a:avLst/>
+          </a:prstGeom>
+          <a:noFill/>
+          <a:ln>
+            <a:solidFill>
+              <a:schemeClr val="tx1"/>
+            </a:solidFill>
+          </a:ln>
+        </p:spPr>
+        <p:style>
+          <a:lnRef idx="2">
+            <a:schemeClr val="accent1">
+              <a:shade val="50000"/>
+            </a:schemeClr>
+          </a:lnRef>
+          <a:fillRef idx="1">
+            <a:schemeClr val="accent1"/>
+          </a:fillRef>
+          <a:effectRef idx="0">
+            <a:schemeClr val="accent1"/>
+          </a:effectRef>
+          <a:fontRef idx="minor">
+            <a:schemeClr val="lt1"/>
+          </a:fontRef>
+        </p:style>
+        <p:txBody>
+          <a:bodyPr rtlCol="0" anchor="ctr"/>
+          <a:lstStyle/>
+          <a:p>
+            <a:pPr algn="ctr"/>
+            <a:endParaRPr lang="en-US"/>
           </a:p>
         </p:txBody>
       </p:sp>

--- a/resources/WFPS.pptx
+++ b/resources/WFPS.pptx
@@ -5,10 +5,10 @@
     <p:sldMasterId id="2147483648" r:id="rId1"/>
   </p:sldMasterIdLst>
   <p:notesMasterIdLst>
-    <p:notesMasterId r:id="rId7"/>
+    <p:notesMasterId r:id="rId9"/>
   </p:notesMasterIdLst>
   <p:handoutMasterIdLst>
-    <p:handoutMasterId r:id="rId8"/>
+    <p:handoutMasterId r:id="rId10"/>
   </p:handoutMasterIdLst>
   <p:sldIdLst>
     <p:sldId id="281" r:id="rId2"/>
@@ -16,6 +16,8 @@
     <p:sldId id="285" r:id="rId4"/>
     <p:sldId id="286" r:id="rId5"/>
     <p:sldId id="287" r:id="rId6"/>
+    <p:sldId id="288" r:id="rId7"/>
+    <p:sldId id="289" r:id="rId8"/>
   </p:sldIdLst>
   <p:sldSz cx="9144000" cy="6858000" type="screen4x3"/>
   <p:notesSz cx="6858000" cy="9144000"/>
@@ -116,7 +118,7 @@
   </p:defaultTextStyle>
   <p:extLst>
     <p:ext uri="{EFAFB233-063F-42B5-8137-9DF3F51BA10A}">
-      <p15:sldGuideLst xmlns:p15="http://schemas.microsoft.com/office/powerpoint/2012/main" xmlns="">
+      <p15:sldGuideLst xmlns="" xmlns:p15="http://schemas.microsoft.com/office/powerpoint/2012/main">
         <p15:guide id="1" orient="horz" pos="2160">
           <p15:clr>
             <a:srgbClr val="A4A3A4"/>
@@ -130,7 +132,7 @@
       </p15:sldGuideLst>
     </p:ext>
     <p:ext uri="{2D200454-40CA-4A62-9FC3-DE9A4176ACB9}">
-      <p15:notesGuideLst xmlns:p15="http://schemas.microsoft.com/office/powerpoint/2012/main" xmlns="">
+      <p15:notesGuideLst xmlns="" xmlns:p15="http://schemas.microsoft.com/office/powerpoint/2012/main">
         <p15:guide id="1" orient="horz" pos="2880">
           <p15:clr>
             <a:srgbClr val="A4A3A4"/>
@@ -990,6 +992,91 @@
     <p:extLst>
       <p:ext uri="{BB962C8B-B14F-4D97-AF65-F5344CB8AC3E}">
         <p14:creationId xmlns:p14="http://schemas.microsoft.com/office/powerpoint/2010/main" val="2028031022"/>
+      </p:ext>
+    </p:extLst>
+  </p:cSld>
+  <p:clrMapOvr>
+    <a:masterClrMapping/>
+  </p:clrMapOvr>
+</p:notes>
+</file>
+
+<file path=ppt/notesSlides/notesSlide4.xml><?xml version="1.0" encoding="utf-8"?>
+<p:notes xmlns:a="http://schemas.openxmlformats.org/drawingml/2006/main" xmlns:r="http://schemas.openxmlformats.org/officeDocument/2006/relationships" xmlns:p="http://schemas.openxmlformats.org/presentationml/2006/main">
+  <p:cSld>
+    <p:spTree>
+      <p:nvGrpSpPr>
+        <p:cNvPr id="1" name=""/>
+        <p:cNvGrpSpPr/>
+        <p:nvPr/>
+      </p:nvGrpSpPr>
+      <p:grpSpPr>
+        <a:xfrm>
+          <a:off x="0" y="0"/>
+          <a:ext cx="0" cy="0"/>
+          <a:chOff x="0" y="0"/>
+          <a:chExt cx="0" cy="0"/>
+        </a:xfrm>
+      </p:grpSpPr>
+      <p:sp>
+        <p:nvSpPr>
+          <p:cNvPr id="2" name="Slide Image Placeholder 1"/>
+          <p:cNvSpPr>
+            <a:spLocks noGrp="1" noRot="1" noChangeAspect="1"/>
+          </p:cNvSpPr>
+          <p:nvPr>
+            <p:ph type="sldImg"/>
+          </p:nvPr>
+        </p:nvSpPr>
+        <p:spPr/>
+      </p:sp>
+      <p:sp>
+        <p:nvSpPr>
+          <p:cNvPr id="3" name="Notes Placeholder 2"/>
+          <p:cNvSpPr>
+            <a:spLocks noGrp="1"/>
+          </p:cNvSpPr>
+          <p:nvPr>
+            <p:ph type="body" idx="1"/>
+          </p:nvPr>
+        </p:nvSpPr>
+        <p:spPr/>
+        <p:txBody>
+          <a:bodyPr/>
+          <a:lstStyle/>
+          <a:p>
+            <a:endParaRPr lang="en-US" dirty="0"/>
+          </a:p>
+        </p:txBody>
+      </p:sp>
+      <p:sp>
+        <p:nvSpPr>
+          <p:cNvPr id="4" name="Slide Number Placeholder 3"/>
+          <p:cNvSpPr>
+            <a:spLocks noGrp="1"/>
+          </p:cNvSpPr>
+          <p:nvPr>
+            <p:ph type="sldNum" sz="quarter" idx="10"/>
+          </p:nvPr>
+        </p:nvSpPr>
+        <p:spPr/>
+        <p:txBody>
+          <a:bodyPr/>
+          <a:lstStyle/>
+          <a:p>
+            <a:fld id="{75693FD4-8F83-4EF7-AC3F-0DC0388986B0}" type="slidenum">
+              <a:rPr lang="en-US" smtClean="0"/>
+              <a:pPr/>
+              <a:t>6</a:t>
+            </a:fld>
+            <a:endParaRPr lang="en-US" dirty="0"/>
+          </a:p>
+        </p:txBody>
+      </p:sp>
+    </p:spTree>
+    <p:extLst>
+      <p:ext uri="{BB962C8B-B14F-4D97-AF65-F5344CB8AC3E}">
+        <p14:creationId xmlns:p14="http://schemas.microsoft.com/office/powerpoint/2010/main" val="2808649506"/>
       </p:ext>
     </p:extLst>
   </p:cSld>
@@ -4744,7 +4831,7 @@
           <p:cNvPr id="91" name="Picture 90" descr="Free Icon | Wifi">
             <a:extLst>
               <a:ext uri="{FF2B5EF4-FFF2-40B4-BE49-F238E27FC236}">
-                <a16:creationId xmlns:a16="http://schemas.microsoft.com/office/drawing/2014/main" xmlns="" id="{8C0D1CC1-0F99-45F8-B30B-F5786D94F875}"/>
+                <a16:creationId xmlns="" xmlns:a16="http://schemas.microsoft.com/office/drawing/2014/main" id="{8C0D1CC1-0F99-45F8-B30B-F5786D94F875}"/>
               </a:ext>
             </a:extLst>
           </p:cNvPr>
@@ -4783,7 +4870,7 @@
           <p:cNvPr id="80" name="Picture 79" descr="Free Icon | Wifi">
             <a:extLst>
               <a:ext uri="{FF2B5EF4-FFF2-40B4-BE49-F238E27FC236}">
-                <a16:creationId xmlns:a16="http://schemas.microsoft.com/office/drawing/2014/main" xmlns="" id="{35E36CD3-6B5D-4E30-B897-685D3D72453D}"/>
+                <a16:creationId xmlns="" xmlns:a16="http://schemas.microsoft.com/office/drawing/2014/main" id="{35E36CD3-6B5D-4E30-B897-685D3D72453D}"/>
               </a:ext>
             </a:extLst>
           </p:cNvPr>
@@ -5325,7 +5412,7 @@
           <p:cNvPr id="93" name="Picture 92">
             <a:extLst>
               <a:ext uri="{FF2B5EF4-FFF2-40B4-BE49-F238E27FC236}">
-                <a16:creationId xmlns:a16="http://schemas.microsoft.com/office/drawing/2014/main" xmlns="" id="{D7ED08F4-31B4-432D-A1A0-BE825490F18D}"/>
+                <a16:creationId xmlns="" xmlns:a16="http://schemas.microsoft.com/office/drawing/2014/main" id="{D7ED08F4-31B4-432D-A1A0-BE825490F18D}"/>
               </a:ext>
             </a:extLst>
           </p:cNvPr>
@@ -5353,7 +5440,7 @@
           <p:cNvPr id="96" name="Picture 95" descr="Free Icon | Wifi">
             <a:extLst>
               <a:ext uri="{FF2B5EF4-FFF2-40B4-BE49-F238E27FC236}">
-                <a16:creationId xmlns:a16="http://schemas.microsoft.com/office/drawing/2014/main" xmlns="" id="{331FC1AA-CB08-45A4-9369-2997329D73F4}"/>
+                <a16:creationId xmlns="" xmlns:a16="http://schemas.microsoft.com/office/drawing/2014/main" id="{331FC1AA-CB08-45A4-9369-2997329D73F4}"/>
               </a:ext>
             </a:extLst>
           </p:cNvPr>
@@ -5392,7 +5479,7 @@
           <p:cNvPr id="97" name="Picture 96">
             <a:extLst>
               <a:ext uri="{FF2B5EF4-FFF2-40B4-BE49-F238E27FC236}">
-                <a16:creationId xmlns:a16="http://schemas.microsoft.com/office/drawing/2014/main" xmlns="" id="{D4CA772F-A72C-4314-A82A-E884D10E777D}"/>
+                <a16:creationId xmlns="" xmlns:a16="http://schemas.microsoft.com/office/drawing/2014/main" id="{D4CA772F-A72C-4314-A82A-E884D10E777D}"/>
               </a:ext>
             </a:extLst>
           </p:cNvPr>
@@ -5420,7 +5507,7 @@
           <p:cNvPr id="98" name="Picture 97">
             <a:extLst>
               <a:ext uri="{FF2B5EF4-FFF2-40B4-BE49-F238E27FC236}">
-                <a16:creationId xmlns:a16="http://schemas.microsoft.com/office/drawing/2014/main" xmlns="" id="{9E085E1D-93F9-4E72-B98F-FB8F7028960D}"/>
+                <a16:creationId xmlns="" xmlns:a16="http://schemas.microsoft.com/office/drawing/2014/main" id="{9E085E1D-93F9-4E72-B98F-FB8F7028960D}"/>
               </a:ext>
             </a:extLst>
           </p:cNvPr>
@@ -5448,7 +5535,7 @@
           <p:cNvPr id="99" name="TextBox 98">
             <a:extLst>
               <a:ext uri="{FF2B5EF4-FFF2-40B4-BE49-F238E27FC236}">
-                <a16:creationId xmlns:a16="http://schemas.microsoft.com/office/drawing/2014/main" xmlns="" id="{642A6712-05AC-4A63-87F7-14430CE8A993}"/>
+                <a16:creationId xmlns="" xmlns:a16="http://schemas.microsoft.com/office/drawing/2014/main" id="{642A6712-05AC-4A63-87F7-14430CE8A993}"/>
               </a:ext>
             </a:extLst>
           </p:cNvPr>
@@ -5500,7 +5587,7 @@
           <p:cNvPr id="101" name="TextBox 100">
             <a:extLst>
               <a:ext uri="{FF2B5EF4-FFF2-40B4-BE49-F238E27FC236}">
-                <a16:creationId xmlns:a16="http://schemas.microsoft.com/office/drawing/2014/main" xmlns="" id="{7FF2AF45-1BBB-4306-ABAF-8689BC85C815}"/>
+                <a16:creationId xmlns="" xmlns:a16="http://schemas.microsoft.com/office/drawing/2014/main" id="{7FF2AF45-1BBB-4306-ABAF-8689BC85C815}"/>
               </a:ext>
             </a:extLst>
           </p:cNvPr>
@@ -5539,7 +5626,7 @@
           <p:cNvPr id="103" name="Straight Connector 102">
             <a:extLst>
               <a:ext uri="{FF2B5EF4-FFF2-40B4-BE49-F238E27FC236}">
-                <a16:creationId xmlns:a16="http://schemas.microsoft.com/office/drawing/2014/main" xmlns="" id="{E865F506-39E6-412E-A252-A31428B8E040}"/>
+                <a16:creationId xmlns="" xmlns:a16="http://schemas.microsoft.com/office/drawing/2014/main" id="{E865F506-39E6-412E-A252-A31428B8E040}"/>
               </a:ext>
             </a:extLst>
           </p:cNvPr>
@@ -5582,7 +5669,7 @@
           <p:cNvPr id="110" name="Straight Arrow Connector 109">
             <a:extLst>
               <a:ext uri="{FF2B5EF4-FFF2-40B4-BE49-F238E27FC236}">
-                <a16:creationId xmlns:a16="http://schemas.microsoft.com/office/drawing/2014/main" xmlns="" id="{E8B958EE-5EE0-4808-BB5D-8AF84300BFB3}"/>
+                <a16:creationId xmlns="" xmlns:a16="http://schemas.microsoft.com/office/drawing/2014/main" id="{E8B958EE-5EE0-4808-BB5D-8AF84300BFB3}"/>
               </a:ext>
             </a:extLst>
           </p:cNvPr>
@@ -5626,7 +5713,7 @@
           <p:cNvPr id="111" name="Straight Arrow Connector 110">
             <a:extLst>
               <a:ext uri="{FF2B5EF4-FFF2-40B4-BE49-F238E27FC236}">
-                <a16:creationId xmlns:a16="http://schemas.microsoft.com/office/drawing/2014/main" xmlns="" id="{701FA5EF-0179-41F2-B22D-FCC175001A48}"/>
+                <a16:creationId xmlns="" xmlns:a16="http://schemas.microsoft.com/office/drawing/2014/main" id="{701FA5EF-0179-41F2-B22D-FCC175001A48}"/>
               </a:ext>
             </a:extLst>
           </p:cNvPr>
@@ -5670,7 +5757,7 @@
           <p:cNvPr id="112" name="Straight Arrow Connector 111">
             <a:extLst>
               <a:ext uri="{FF2B5EF4-FFF2-40B4-BE49-F238E27FC236}">
-                <a16:creationId xmlns:a16="http://schemas.microsoft.com/office/drawing/2014/main" xmlns="" id="{AF569078-F334-430B-8950-9BEB338AB6EA}"/>
+                <a16:creationId xmlns="" xmlns:a16="http://schemas.microsoft.com/office/drawing/2014/main" id="{AF569078-F334-430B-8950-9BEB338AB6EA}"/>
               </a:ext>
             </a:extLst>
           </p:cNvPr>
@@ -5714,7 +5801,7 @@
           <p:cNvPr id="113" name="Straight Arrow Connector 112">
             <a:extLst>
               <a:ext uri="{FF2B5EF4-FFF2-40B4-BE49-F238E27FC236}">
-                <a16:creationId xmlns:a16="http://schemas.microsoft.com/office/drawing/2014/main" xmlns="" id="{9894B322-EF50-40E0-8415-FD1EB8F34947}"/>
+                <a16:creationId xmlns="" xmlns:a16="http://schemas.microsoft.com/office/drawing/2014/main" id="{9894B322-EF50-40E0-8415-FD1EB8F34947}"/>
               </a:ext>
             </a:extLst>
           </p:cNvPr>
@@ -5758,7 +5845,7 @@
           <p:cNvPr id="114" name="TextBox 113">
             <a:extLst>
               <a:ext uri="{FF2B5EF4-FFF2-40B4-BE49-F238E27FC236}">
-                <a16:creationId xmlns:a16="http://schemas.microsoft.com/office/drawing/2014/main" xmlns="" id="{E9064D73-DA84-45E4-878F-355289241361}"/>
+                <a16:creationId xmlns="" xmlns:a16="http://schemas.microsoft.com/office/drawing/2014/main" id="{E9064D73-DA84-45E4-878F-355289241361}"/>
               </a:ext>
             </a:extLst>
           </p:cNvPr>
@@ -5797,7 +5884,7 @@
           <p:cNvPr id="115" name="Arrow: Down 114">
             <a:extLst>
               <a:ext uri="{FF2B5EF4-FFF2-40B4-BE49-F238E27FC236}">
-                <a16:creationId xmlns:a16="http://schemas.microsoft.com/office/drawing/2014/main" xmlns="" id="{8CFCE75F-7AA7-4BF3-B044-4770D3A70008}"/>
+                <a16:creationId xmlns="" xmlns:a16="http://schemas.microsoft.com/office/drawing/2014/main" id="{8CFCE75F-7AA7-4BF3-B044-4770D3A70008}"/>
               </a:ext>
             </a:extLst>
           </p:cNvPr>
@@ -5849,7 +5936,7 @@
           <p:cNvPr id="116" name="Straight Arrow Connector 115">
             <a:extLst>
               <a:ext uri="{FF2B5EF4-FFF2-40B4-BE49-F238E27FC236}">
-                <a16:creationId xmlns:a16="http://schemas.microsoft.com/office/drawing/2014/main" xmlns="" id="{8E0EBC89-8ED8-4F07-B552-FDDF03B2E41D}"/>
+                <a16:creationId xmlns="" xmlns:a16="http://schemas.microsoft.com/office/drawing/2014/main" id="{8E0EBC89-8ED8-4F07-B552-FDDF03B2E41D}"/>
               </a:ext>
             </a:extLst>
           </p:cNvPr>
@@ -5895,7 +5982,7 @@
           <p:cNvPr id="117" name="TextBox 116">
             <a:extLst>
               <a:ext uri="{FF2B5EF4-FFF2-40B4-BE49-F238E27FC236}">
-                <a16:creationId xmlns:a16="http://schemas.microsoft.com/office/drawing/2014/main" xmlns="" id="{DC4F584F-869A-4EC5-BD3F-B43D6F04B109}"/>
+                <a16:creationId xmlns="" xmlns:a16="http://schemas.microsoft.com/office/drawing/2014/main" id="{DC4F584F-869A-4EC5-BD3F-B43D6F04B109}"/>
               </a:ext>
             </a:extLst>
           </p:cNvPr>
@@ -5945,7 +6032,7 @@
           <p:cNvPr id="118" name="Picture 2">
             <a:extLst>
               <a:ext uri="{FF2B5EF4-FFF2-40B4-BE49-F238E27FC236}">
-                <a16:creationId xmlns:a16="http://schemas.microsoft.com/office/drawing/2014/main" xmlns="" id="{7EAFE767-B908-419E-B4E7-05DAB402B5BB}"/>
+                <a16:creationId xmlns="" xmlns:a16="http://schemas.microsoft.com/office/drawing/2014/main" id="{7EAFE767-B908-419E-B4E7-05DAB402B5BB}"/>
               </a:ext>
             </a:extLst>
           </p:cNvPr>
@@ -6015,7 +6102,7 @@
           <p:cNvPr id="13" name="Group 12">
             <a:extLst>
               <a:ext uri="{FF2B5EF4-FFF2-40B4-BE49-F238E27FC236}">
-                <a16:creationId xmlns:a16="http://schemas.microsoft.com/office/drawing/2014/main" xmlns="" id="{DD9AE47D-D12F-4154-BB04-4D3D34BE33AE}"/>
+                <a16:creationId xmlns="" xmlns:a16="http://schemas.microsoft.com/office/drawing/2014/main" id="{DD9AE47D-D12F-4154-BB04-4D3D34BE33AE}"/>
               </a:ext>
             </a:extLst>
           </p:cNvPr>
@@ -6035,7 +6122,7 @@
             <p:cNvPr id="119" name="Picture 118">
               <a:extLst>
                 <a:ext uri="{FF2B5EF4-FFF2-40B4-BE49-F238E27FC236}">
-                  <a16:creationId xmlns:a16="http://schemas.microsoft.com/office/drawing/2014/main" xmlns="" id="{8569128C-0619-4279-963D-AE7C028B50F8}"/>
+                  <a16:creationId xmlns="" xmlns:a16="http://schemas.microsoft.com/office/drawing/2014/main" id="{8569128C-0619-4279-963D-AE7C028B50F8}"/>
                 </a:ext>
               </a:extLst>
             </p:cNvPr>
@@ -6063,7 +6150,7 @@
             <p:cNvPr id="120" name="Picture 119">
               <a:extLst>
                 <a:ext uri="{FF2B5EF4-FFF2-40B4-BE49-F238E27FC236}">
-                  <a16:creationId xmlns:a16="http://schemas.microsoft.com/office/drawing/2014/main" xmlns="" id="{8B747FC8-E2F4-4A4F-A22C-CE38FE1C73EE}"/>
+                  <a16:creationId xmlns="" xmlns:a16="http://schemas.microsoft.com/office/drawing/2014/main" id="{8B747FC8-E2F4-4A4F-A22C-CE38FE1C73EE}"/>
                 </a:ext>
               </a:extLst>
             </p:cNvPr>
@@ -6091,7 +6178,7 @@
             <p:cNvPr id="121" name="Picture 120">
               <a:extLst>
                 <a:ext uri="{FF2B5EF4-FFF2-40B4-BE49-F238E27FC236}">
-                  <a16:creationId xmlns:a16="http://schemas.microsoft.com/office/drawing/2014/main" xmlns="" id="{C5D34CA6-4297-482B-89D7-F88D49D89624}"/>
+                  <a16:creationId xmlns="" xmlns:a16="http://schemas.microsoft.com/office/drawing/2014/main" id="{C5D34CA6-4297-482B-89D7-F88D49D89624}"/>
                 </a:ext>
               </a:extLst>
             </p:cNvPr>
@@ -6120,7 +6207,7 @@
           <p:cNvPr id="122" name="Picture 121">
             <a:extLst>
               <a:ext uri="{FF2B5EF4-FFF2-40B4-BE49-F238E27FC236}">
-                <a16:creationId xmlns:a16="http://schemas.microsoft.com/office/drawing/2014/main" xmlns="" id="{B162C919-E530-41D0-B8DE-285A262718DC}"/>
+                <a16:creationId xmlns="" xmlns:a16="http://schemas.microsoft.com/office/drawing/2014/main" id="{B162C919-E530-41D0-B8DE-285A262718DC}"/>
               </a:ext>
             </a:extLst>
           </p:cNvPr>
@@ -6148,7 +6235,7 @@
           <p:cNvPr id="124" name="Picture 123" descr="Free Icon | Wifi">
             <a:extLst>
               <a:ext uri="{FF2B5EF4-FFF2-40B4-BE49-F238E27FC236}">
-                <a16:creationId xmlns:a16="http://schemas.microsoft.com/office/drawing/2014/main" xmlns="" id="{53DEC4AC-7083-4137-853A-196172679253}"/>
+                <a16:creationId xmlns="" xmlns:a16="http://schemas.microsoft.com/office/drawing/2014/main" id="{53DEC4AC-7083-4137-853A-196172679253}"/>
               </a:ext>
             </a:extLst>
           </p:cNvPr>
@@ -6187,7 +6274,7 @@
           <p:cNvPr id="125" name="Picture 124">
             <a:extLst>
               <a:ext uri="{FF2B5EF4-FFF2-40B4-BE49-F238E27FC236}">
-                <a16:creationId xmlns:a16="http://schemas.microsoft.com/office/drawing/2014/main" xmlns="" id="{4A694F61-56DD-44EC-9C94-5B51CD55A6AD}"/>
+                <a16:creationId xmlns="" xmlns:a16="http://schemas.microsoft.com/office/drawing/2014/main" id="{4A694F61-56DD-44EC-9C94-5B51CD55A6AD}"/>
               </a:ext>
             </a:extLst>
           </p:cNvPr>
@@ -6215,7 +6302,7 @@
           <p:cNvPr id="126" name="Picture 125">
             <a:extLst>
               <a:ext uri="{FF2B5EF4-FFF2-40B4-BE49-F238E27FC236}">
-                <a16:creationId xmlns:a16="http://schemas.microsoft.com/office/drawing/2014/main" xmlns="" id="{1070B515-8811-4DB0-B73F-A655CDA1F65D}"/>
+                <a16:creationId xmlns="" xmlns:a16="http://schemas.microsoft.com/office/drawing/2014/main" id="{1070B515-8811-4DB0-B73F-A655CDA1F65D}"/>
               </a:ext>
             </a:extLst>
           </p:cNvPr>
@@ -6243,7 +6330,7 @@
           <p:cNvPr id="127" name="TextBox 126">
             <a:extLst>
               <a:ext uri="{FF2B5EF4-FFF2-40B4-BE49-F238E27FC236}">
-                <a16:creationId xmlns:a16="http://schemas.microsoft.com/office/drawing/2014/main" xmlns="" id="{A95CCAB4-6FC7-49A6-8666-4575A0CA9B0B}"/>
+                <a16:creationId xmlns="" xmlns:a16="http://schemas.microsoft.com/office/drawing/2014/main" id="{A95CCAB4-6FC7-49A6-8666-4575A0CA9B0B}"/>
               </a:ext>
             </a:extLst>
           </p:cNvPr>
@@ -6295,7 +6382,7 @@
           <p:cNvPr id="129" name="TextBox 128">
             <a:extLst>
               <a:ext uri="{FF2B5EF4-FFF2-40B4-BE49-F238E27FC236}">
-                <a16:creationId xmlns:a16="http://schemas.microsoft.com/office/drawing/2014/main" xmlns="" id="{E39A3AB8-C796-4956-8252-D950C226E4A3}"/>
+                <a16:creationId xmlns="" xmlns:a16="http://schemas.microsoft.com/office/drawing/2014/main" id="{E39A3AB8-C796-4956-8252-D950C226E4A3}"/>
               </a:ext>
             </a:extLst>
           </p:cNvPr>
@@ -6334,7 +6421,7 @@
           <p:cNvPr id="130" name="Straight Connector 129">
             <a:extLst>
               <a:ext uri="{FF2B5EF4-FFF2-40B4-BE49-F238E27FC236}">
-                <a16:creationId xmlns:a16="http://schemas.microsoft.com/office/drawing/2014/main" xmlns="" id="{9DF291A7-41F4-4DE6-AE15-E1C86F573651}"/>
+                <a16:creationId xmlns="" xmlns:a16="http://schemas.microsoft.com/office/drawing/2014/main" id="{9DF291A7-41F4-4DE6-AE15-E1C86F573651}"/>
               </a:ext>
             </a:extLst>
           </p:cNvPr>
@@ -6377,7 +6464,7 @@
           <p:cNvPr id="131" name="Straight Arrow Connector 130">
             <a:extLst>
               <a:ext uri="{FF2B5EF4-FFF2-40B4-BE49-F238E27FC236}">
-                <a16:creationId xmlns:a16="http://schemas.microsoft.com/office/drawing/2014/main" xmlns="" id="{C1FCFB29-B377-49B7-AE4A-C6D22253A121}"/>
+                <a16:creationId xmlns="" xmlns:a16="http://schemas.microsoft.com/office/drawing/2014/main" id="{C1FCFB29-B377-49B7-AE4A-C6D22253A121}"/>
               </a:ext>
             </a:extLst>
           </p:cNvPr>
@@ -6421,7 +6508,7 @@
           <p:cNvPr id="132" name="Straight Arrow Connector 131">
             <a:extLst>
               <a:ext uri="{FF2B5EF4-FFF2-40B4-BE49-F238E27FC236}">
-                <a16:creationId xmlns:a16="http://schemas.microsoft.com/office/drawing/2014/main" xmlns="" id="{437E4990-C17A-4FBD-B288-E7FEE10A8B47}"/>
+                <a16:creationId xmlns="" xmlns:a16="http://schemas.microsoft.com/office/drawing/2014/main" id="{437E4990-C17A-4FBD-B288-E7FEE10A8B47}"/>
               </a:ext>
             </a:extLst>
           </p:cNvPr>
@@ -6465,7 +6552,7 @@
           <p:cNvPr id="133" name="Straight Arrow Connector 132">
             <a:extLst>
               <a:ext uri="{FF2B5EF4-FFF2-40B4-BE49-F238E27FC236}">
-                <a16:creationId xmlns:a16="http://schemas.microsoft.com/office/drawing/2014/main" xmlns="" id="{3C070CA1-7CB4-4E4C-8996-587C0DF6380E}"/>
+                <a16:creationId xmlns="" xmlns:a16="http://schemas.microsoft.com/office/drawing/2014/main" id="{3C070CA1-7CB4-4E4C-8996-587C0DF6380E}"/>
               </a:ext>
             </a:extLst>
           </p:cNvPr>
@@ -6509,7 +6596,7 @@
           <p:cNvPr id="134" name="Straight Arrow Connector 133">
             <a:extLst>
               <a:ext uri="{FF2B5EF4-FFF2-40B4-BE49-F238E27FC236}">
-                <a16:creationId xmlns:a16="http://schemas.microsoft.com/office/drawing/2014/main" xmlns="" id="{FC701DDD-2159-4659-A0CA-3419EE1C595C}"/>
+                <a16:creationId xmlns="" xmlns:a16="http://schemas.microsoft.com/office/drawing/2014/main" id="{FC701DDD-2159-4659-A0CA-3419EE1C595C}"/>
               </a:ext>
             </a:extLst>
           </p:cNvPr>
@@ -6553,7 +6640,7 @@
           <p:cNvPr id="135" name="TextBox 134">
             <a:extLst>
               <a:ext uri="{FF2B5EF4-FFF2-40B4-BE49-F238E27FC236}">
-                <a16:creationId xmlns:a16="http://schemas.microsoft.com/office/drawing/2014/main" xmlns="" id="{CCB08C6A-B88F-466B-9016-90EEB67A179B}"/>
+                <a16:creationId xmlns="" xmlns:a16="http://schemas.microsoft.com/office/drawing/2014/main" id="{CCB08C6A-B88F-466B-9016-90EEB67A179B}"/>
               </a:ext>
             </a:extLst>
           </p:cNvPr>
@@ -6592,7 +6679,7 @@
           <p:cNvPr id="136" name="Arrow: Down 135">
             <a:extLst>
               <a:ext uri="{FF2B5EF4-FFF2-40B4-BE49-F238E27FC236}">
-                <a16:creationId xmlns:a16="http://schemas.microsoft.com/office/drawing/2014/main" xmlns="" id="{DFF46CD1-F7A1-44D1-A40D-EB507AC19AB7}"/>
+                <a16:creationId xmlns="" xmlns:a16="http://schemas.microsoft.com/office/drawing/2014/main" id="{DFF46CD1-F7A1-44D1-A40D-EB507AC19AB7}"/>
               </a:ext>
             </a:extLst>
           </p:cNvPr>
@@ -6644,7 +6731,7 @@
           <p:cNvPr id="137" name="Straight Arrow Connector 136">
             <a:extLst>
               <a:ext uri="{FF2B5EF4-FFF2-40B4-BE49-F238E27FC236}">
-                <a16:creationId xmlns:a16="http://schemas.microsoft.com/office/drawing/2014/main" xmlns="" id="{8F992FA7-D08C-438C-A43F-47DBDCC12409}"/>
+                <a16:creationId xmlns="" xmlns:a16="http://schemas.microsoft.com/office/drawing/2014/main" id="{8F992FA7-D08C-438C-A43F-47DBDCC12409}"/>
               </a:ext>
             </a:extLst>
           </p:cNvPr>
@@ -6690,7 +6777,7 @@
           <p:cNvPr id="138" name="TextBox 137">
             <a:extLst>
               <a:ext uri="{FF2B5EF4-FFF2-40B4-BE49-F238E27FC236}">
-                <a16:creationId xmlns:a16="http://schemas.microsoft.com/office/drawing/2014/main" xmlns="" id="{759D9C9A-697F-41AF-B4E7-ED889C2499F2}"/>
+                <a16:creationId xmlns="" xmlns:a16="http://schemas.microsoft.com/office/drawing/2014/main" id="{759D9C9A-697F-41AF-B4E7-ED889C2499F2}"/>
               </a:ext>
             </a:extLst>
           </p:cNvPr>
@@ -6740,7 +6827,7 @@
           <p:cNvPr id="139" name="Picture 2">
             <a:extLst>
               <a:ext uri="{FF2B5EF4-FFF2-40B4-BE49-F238E27FC236}">
-                <a16:creationId xmlns:a16="http://schemas.microsoft.com/office/drawing/2014/main" xmlns="" id="{44B1DE2B-5459-4559-8528-F531AB2F47CC}"/>
+                <a16:creationId xmlns="" xmlns:a16="http://schemas.microsoft.com/office/drawing/2014/main" id="{44B1DE2B-5459-4559-8528-F531AB2F47CC}"/>
               </a:ext>
             </a:extLst>
           </p:cNvPr>
@@ -6810,7 +6897,7 @@
           <p:cNvPr id="140" name="Group 139">
             <a:extLst>
               <a:ext uri="{FF2B5EF4-FFF2-40B4-BE49-F238E27FC236}">
-                <a16:creationId xmlns:a16="http://schemas.microsoft.com/office/drawing/2014/main" xmlns="" id="{4AC26AC4-8582-4AF1-9662-4C653C054F44}"/>
+                <a16:creationId xmlns="" xmlns:a16="http://schemas.microsoft.com/office/drawing/2014/main" id="{4AC26AC4-8582-4AF1-9662-4C653C054F44}"/>
               </a:ext>
             </a:extLst>
           </p:cNvPr>
@@ -6830,7 +6917,7 @@
             <p:cNvPr id="142" name="Picture 141">
               <a:extLst>
                 <a:ext uri="{FF2B5EF4-FFF2-40B4-BE49-F238E27FC236}">
-                  <a16:creationId xmlns:a16="http://schemas.microsoft.com/office/drawing/2014/main" xmlns="" id="{F766DA8B-BC49-49A9-BF21-6C3D92420AE5}"/>
+                  <a16:creationId xmlns="" xmlns:a16="http://schemas.microsoft.com/office/drawing/2014/main" id="{F766DA8B-BC49-49A9-BF21-6C3D92420AE5}"/>
                 </a:ext>
               </a:extLst>
             </p:cNvPr>
@@ -6858,7 +6945,7 @@
             <p:cNvPr id="143" name="Picture 142">
               <a:extLst>
                 <a:ext uri="{FF2B5EF4-FFF2-40B4-BE49-F238E27FC236}">
-                  <a16:creationId xmlns:a16="http://schemas.microsoft.com/office/drawing/2014/main" xmlns="" id="{60A87426-69E1-4E00-A79F-BE673237C80D}"/>
+                  <a16:creationId xmlns="" xmlns:a16="http://schemas.microsoft.com/office/drawing/2014/main" id="{60A87426-69E1-4E00-A79F-BE673237C80D}"/>
                 </a:ext>
               </a:extLst>
             </p:cNvPr>
@@ -6886,7 +6973,7 @@
             <p:cNvPr id="144" name="Picture 143">
               <a:extLst>
                 <a:ext uri="{FF2B5EF4-FFF2-40B4-BE49-F238E27FC236}">
-                  <a16:creationId xmlns:a16="http://schemas.microsoft.com/office/drawing/2014/main" xmlns="" id="{BA800670-4E89-4822-9FE3-B81C5A84579E}"/>
+                  <a16:creationId xmlns="" xmlns:a16="http://schemas.microsoft.com/office/drawing/2014/main" id="{BA800670-4E89-4822-9FE3-B81C5A84579E}"/>
                 </a:ext>
               </a:extLst>
             </p:cNvPr>
@@ -6915,7 +7002,7 @@
           <p:cNvPr id="141" name="Picture 140">
             <a:extLst>
               <a:ext uri="{FF2B5EF4-FFF2-40B4-BE49-F238E27FC236}">
-                <a16:creationId xmlns:a16="http://schemas.microsoft.com/office/drawing/2014/main" xmlns="" id="{E8497B39-C585-4FA1-A77E-6295925A3A10}"/>
+                <a16:creationId xmlns="" xmlns:a16="http://schemas.microsoft.com/office/drawing/2014/main" id="{E8497B39-C585-4FA1-A77E-6295925A3A10}"/>
               </a:ext>
             </a:extLst>
           </p:cNvPr>
@@ -6943,7 +7030,7 @@
           <p:cNvPr id="146" name="Picture 145" descr="Free Icon | Wifi">
             <a:extLst>
               <a:ext uri="{FF2B5EF4-FFF2-40B4-BE49-F238E27FC236}">
-                <a16:creationId xmlns:a16="http://schemas.microsoft.com/office/drawing/2014/main" xmlns="" id="{400471C8-AF8F-4F03-9F7F-E4AF9D009651}"/>
+                <a16:creationId xmlns="" xmlns:a16="http://schemas.microsoft.com/office/drawing/2014/main" id="{400471C8-AF8F-4F03-9F7F-E4AF9D009651}"/>
               </a:ext>
             </a:extLst>
           </p:cNvPr>
@@ -6982,7 +7069,7 @@
           <p:cNvPr id="147" name="Picture 146">
             <a:extLst>
               <a:ext uri="{FF2B5EF4-FFF2-40B4-BE49-F238E27FC236}">
-                <a16:creationId xmlns:a16="http://schemas.microsoft.com/office/drawing/2014/main" xmlns="" id="{A87A795B-6EF4-4302-BE56-81D3EB784528}"/>
+                <a16:creationId xmlns="" xmlns:a16="http://schemas.microsoft.com/office/drawing/2014/main" id="{A87A795B-6EF4-4302-BE56-81D3EB784528}"/>
               </a:ext>
             </a:extLst>
           </p:cNvPr>
@@ -7010,7 +7097,7 @@
           <p:cNvPr id="148" name="Picture 147">
             <a:extLst>
               <a:ext uri="{FF2B5EF4-FFF2-40B4-BE49-F238E27FC236}">
-                <a16:creationId xmlns:a16="http://schemas.microsoft.com/office/drawing/2014/main" xmlns="" id="{B9BA4EBB-7917-478F-9609-5EB5FFA55FC3}"/>
+                <a16:creationId xmlns="" xmlns:a16="http://schemas.microsoft.com/office/drawing/2014/main" id="{B9BA4EBB-7917-478F-9609-5EB5FFA55FC3}"/>
               </a:ext>
             </a:extLst>
           </p:cNvPr>
@@ -7038,7 +7125,7 @@
           <p:cNvPr id="149" name="TextBox 148">
             <a:extLst>
               <a:ext uri="{FF2B5EF4-FFF2-40B4-BE49-F238E27FC236}">
-                <a16:creationId xmlns:a16="http://schemas.microsoft.com/office/drawing/2014/main" xmlns="" id="{F30C4C3C-680C-41D5-9C69-0BE265B22526}"/>
+                <a16:creationId xmlns="" xmlns:a16="http://schemas.microsoft.com/office/drawing/2014/main" id="{F30C4C3C-680C-41D5-9C69-0BE265B22526}"/>
               </a:ext>
             </a:extLst>
           </p:cNvPr>
@@ -7090,7 +7177,7 @@
           <p:cNvPr id="151" name="TextBox 150">
             <a:extLst>
               <a:ext uri="{FF2B5EF4-FFF2-40B4-BE49-F238E27FC236}">
-                <a16:creationId xmlns:a16="http://schemas.microsoft.com/office/drawing/2014/main" xmlns="" id="{59608F00-0360-4995-AE2C-04C7DA329F16}"/>
+                <a16:creationId xmlns="" xmlns:a16="http://schemas.microsoft.com/office/drawing/2014/main" id="{59608F00-0360-4995-AE2C-04C7DA329F16}"/>
               </a:ext>
             </a:extLst>
           </p:cNvPr>
@@ -7129,7 +7216,7 @@
           <p:cNvPr id="152" name="Straight Connector 151">
             <a:extLst>
               <a:ext uri="{FF2B5EF4-FFF2-40B4-BE49-F238E27FC236}">
-                <a16:creationId xmlns:a16="http://schemas.microsoft.com/office/drawing/2014/main" xmlns="" id="{A1D3B135-9E1F-4715-BBDB-B743EB32E933}"/>
+                <a16:creationId xmlns="" xmlns:a16="http://schemas.microsoft.com/office/drawing/2014/main" id="{A1D3B135-9E1F-4715-BBDB-B743EB32E933}"/>
               </a:ext>
             </a:extLst>
           </p:cNvPr>
@@ -7172,7 +7259,7 @@
           <p:cNvPr id="153" name="Straight Arrow Connector 152">
             <a:extLst>
               <a:ext uri="{FF2B5EF4-FFF2-40B4-BE49-F238E27FC236}">
-                <a16:creationId xmlns:a16="http://schemas.microsoft.com/office/drawing/2014/main" xmlns="" id="{D1770F5E-EA21-4850-8494-C4C2D80A1B20}"/>
+                <a16:creationId xmlns="" xmlns:a16="http://schemas.microsoft.com/office/drawing/2014/main" id="{D1770F5E-EA21-4850-8494-C4C2D80A1B20}"/>
               </a:ext>
             </a:extLst>
           </p:cNvPr>
@@ -7216,7 +7303,7 @@
           <p:cNvPr id="154" name="Straight Arrow Connector 153">
             <a:extLst>
               <a:ext uri="{FF2B5EF4-FFF2-40B4-BE49-F238E27FC236}">
-                <a16:creationId xmlns:a16="http://schemas.microsoft.com/office/drawing/2014/main" xmlns="" id="{C8E3FE0E-5E92-477B-BACE-E898B0C12B07}"/>
+                <a16:creationId xmlns="" xmlns:a16="http://schemas.microsoft.com/office/drawing/2014/main" id="{C8E3FE0E-5E92-477B-BACE-E898B0C12B07}"/>
               </a:ext>
             </a:extLst>
           </p:cNvPr>
@@ -7260,7 +7347,7 @@
           <p:cNvPr id="155" name="Straight Arrow Connector 154">
             <a:extLst>
               <a:ext uri="{FF2B5EF4-FFF2-40B4-BE49-F238E27FC236}">
-                <a16:creationId xmlns:a16="http://schemas.microsoft.com/office/drawing/2014/main" xmlns="" id="{DBF37D8A-2F61-4869-A6C6-524233FA9B12}"/>
+                <a16:creationId xmlns="" xmlns:a16="http://schemas.microsoft.com/office/drawing/2014/main" id="{DBF37D8A-2F61-4869-A6C6-524233FA9B12}"/>
               </a:ext>
             </a:extLst>
           </p:cNvPr>
@@ -7304,7 +7391,7 @@
           <p:cNvPr id="156" name="Straight Arrow Connector 155">
             <a:extLst>
               <a:ext uri="{FF2B5EF4-FFF2-40B4-BE49-F238E27FC236}">
-                <a16:creationId xmlns:a16="http://schemas.microsoft.com/office/drawing/2014/main" xmlns="" id="{A625D55F-5F09-486D-9A2E-2D267A148440}"/>
+                <a16:creationId xmlns="" xmlns:a16="http://schemas.microsoft.com/office/drawing/2014/main" id="{A625D55F-5F09-486D-9A2E-2D267A148440}"/>
               </a:ext>
             </a:extLst>
           </p:cNvPr>
@@ -7348,7 +7435,7 @@
           <p:cNvPr id="157" name="TextBox 156">
             <a:extLst>
               <a:ext uri="{FF2B5EF4-FFF2-40B4-BE49-F238E27FC236}">
-                <a16:creationId xmlns:a16="http://schemas.microsoft.com/office/drawing/2014/main" xmlns="" id="{3B1C1B6A-2C75-43CC-A447-4B561C1C2B06}"/>
+                <a16:creationId xmlns="" xmlns:a16="http://schemas.microsoft.com/office/drawing/2014/main" id="{3B1C1B6A-2C75-43CC-A447-4B561C1C2B06}"/>
               </a:ext>
             </a:extLst>
           </p:cNvPr>
@@ -7387,7 +7474,7 @@
           <p:cNvPr id="158" name="Arrow: Down 157">
             <a:extLst>
               <a:ext uri="{FF2B5EF4-FFF2-40B4-BE49-F238E27FC236}">
-                <a16:creationId xmlns:a16="http://schemas.microsoft.com/office/drawing/2014/main" xmlns="" id="{E3FB393C-BE89-42B7-8E61-C434739C9007}"/>
+                <a16:creationId xmlns="" xmlns:a16="http://schemas.microsoft.com/office/drawing/2014/main" id="{E3FB393C-BE89-42B7-8E61-C434739C9007}"/>
               </a:ext>
             </a:extLst>
           </p:cNvPr>
@@ -7439,7 +7526,7 @@
           <p:cNvPr id="159" name="Straight Arrow Connector 158">
             <a:extLst>
               <a:ext uri="{FF2B5EF4-FFF2-40B4-BE49-F238E27FC236}">
-                <a16:creationId xmlns:a16="http://schemas.microsoft.com/office/drawing/2014/main" xmlns="" id="{4736D311-FC35-4A01-A271-0230817C9E28}"/>
+                <a16:creationId xmlns="" xmlns:a16="http://schemas.microsoft.com/office/drawing/2014/main" id="{4736D311-FC35-4A01-A271-0230817C9E28}"/>
               </a:ext>
             </a:extLst>
           </p:cNvPr>
@@ -7485,7 +7572,7 @@
           <p:cNvPr id="160" name="TextBox 159">
             <a:extLst>
               <a:ext uri="{FF2B5EF4-FFF2-40B4-BE49-F238E27FC236}">
-                <a16:creationId xmlns:a16="http://schemas.microsoft.com/office/drawing/2014/main" xmlns="" id="{E9234FC1-B780-485A-BC1D-27D488028FF2}"/>
+                <a16:creationId xmlns="" xmlns:a16="http://schemas.microsoft.com/office/drawing/2014/main" id="{E9234FC1-B780-485A-BC1D-27D488028FF2}"/>
               </a:ext>
             </a:extLst>
           </p:cNvPr>
@@ -7535,7 +7622,7 @@
           <p:cNvPr id="161" name="Picture 2">
             <a:extLst>
               <a:ext uri="{FF2B5EF4-FFF2-40B4-BE49-F238E27FC236}">
-                <a16:creationId xmlns:a16="http://schemas.microsoft.com/office/drawing/2014/main" xmlns="" id="{6FA8644C-4157-4C29-A9AB-7895426E89EE}"/>
+                <a16:creationId xmlns="" xmlns:a16="http://schemas.microsoft.com/office/drawing/2014/main" id="{6FA8644C-4157-4C29-A9AB-7895426E89EE}"/>
               </a:ext>
             </a:extLst>
           </p:cNvPr>
@@ -7605,7 +7692,7 @@
           <p:cNvPr id="162" name="Group 161">
             <a:extLst>
               <a:ext uri="{FF2B5EF4-FFF2-40B4-BE49-F238E27FC236}">
-                <a16:creationId xmlns:a16="http://schemas.microsoft.com/office/drawing/2014/main" xmlns="" id="{8AA417C8-2A5F-4DB9-A327-478DEFA0F1FE}"/>
+                <a16:creationId xmlns="" xmlns:a16="http://schemas.microsoft.com/office/drawing/2014/main" id="{8AA417C8-2A5F-4DB9-A327-478DEFA0F1FE}"/>
               </a:ext>
             </a:extLst>
           </p:cNvPr>
@@ -7625,7 +7712,7 @@
             <p:cNvPr id="164" name="Picture 163">
               <a:extLst>
                 <a:ext uri="{FF2B5EF4-FFF2-40B4-BE49-F238E27FC236}">
-                  <a16:creationId xmlns:a16="http://schemas.microsoft.com/office/drawing/2014/main" xmlns="" id="{7AB6C7DC-8C4D-480E-8465-19855F19BB49}"/>
+                  <a16:creationId xmlns="" xmlns:a16="http://schemas.microsoft.com/office/drawing/2014/main" id="{7AB6C7DC-8C4D-480E-8465-19855F19BB49}"/>
                 </a:ext>
               </a:extLst>
             </p:cNvPr>
@@ -7653,7 +7740,7 @@
             <p:cNvPr id="165" name="Picture 164">
               <a:extLst>
                 <a:ext uri="{FF2B5EF4-FFF2-40B4-BE49-F238E27FC236}">
-                  <a16:creationId xmlns:a16="http://schemas.microsoft.com/office/drawing/2014/main" xmlns="" id="{8D424CF8-98CA-4442-9CBB-1C6B6677CA03}"/>
+                  <a16:creationId xmlns="" xmlns:a16="http://schemas.microsoft.com/office/drawing/2014/main" id="{8D424CF8-98CA-4442-9CBB-1C6B6677CA03}"/>
                 </a:ext>
               </a:extLst>
             </p:cNvPr>
@@ -7681,7 +7768,7 @@
             <p:cNvPr id="166" name="Picture 165">
               <a:extLst>
                 <a:ext uri="{FF2B5EF4-FFF2-40B4-BE49-F238E27FC236}">
-                  <a16:creationId xmlns:a16="http://schemas.microsoft.com/office/drawing/2014/main" xmlns="" id="{A0F38DD2-225D-4228-9076-B8596901A09B}"/>
+                  <a16:creationId xmlns="" xmlns:a16="http://schemas.microsoft.com/office/drawing/2014/main" id="{A0F38DD2-225D-4228-9076-B8596901A09B}"/>
                 </a:ext>
               </a:extLst>
             </p:cNvPr>
@@ -7710,7 +7797,7 @@
           <p:cNvPr id="163" name="Picture 162">
             <a:extLst>
               <a:ext uri="{FF2B5EF4-FFF2-40B4-BE49-F238E27FC236}">
-                <a16:creationId xmlns:a16="http://schemas.microsoft.com/office/drawing/2014/main" xmlns="" id="{548E5F0E-DC66-41FE-810E-8A55BE941A57}"/>
+                <a16:creationId xmlns="" xmlns:a16="http://schemas.microsoft.com/office/drawing/2014/main" id="{548E5F0E-DC66-41FE-810E-8A55BE941A57}"/>
               </a:ext>
             </a:extLst>
           </p:cNvPr>
@@ -7738,7 +7825,7 @@
           <p:cNvPr id="167" name="TextBox 166">
             <a:extLst>
               <a:ext uri="{FF2B5EF4-FFF2-40B4-BE49-F238E27FC236}">
-                <a16:creationId xmlns:a16="http://schemas.microsoft.com/office/drawing/2014/main" xmlns="" id="{844FFFA2-95FD-44EC-81E9-4E773A5EFF75}"/>
+                <a16:creationId xmlns="" xmlns:a16="http://schemas.microsoft.com/office/drawing/2014/main" id="{844FFFA2-95FD-44EC-81E9-4E773A5EFF75}"/>
               </a:ext>
             </a:extLst>
           </p:cNvPr>
@@ -7782,7 +7869,7 @@
           <p:cNvPr id="168" name="TextBox 167">
             <a:extLst>
               <a:ext uri="{FF2B5EF4-FFF2-40B4-BE49-F238E27FC236}">
-                <a16:creationId xmlns:a16="http://schemas.microsoft.com/office/drawing/2014/main" xmlns="" id="{0C242035-3919-48F6-B3E7-DF24DD4E2B78}"/>
+                <a16:creationId xmlns="" xmlns:a16="http://schemas.microsoft.com/office/drawing/2014/main" id="{0C242035-3919-48F6-B3E7-DF24DD4E2B78}"/>
               </a:ext>
             </a:extLst>
           </p:cNvPr>
@@ -7826,7 +7913,7 @@
           <p:cNvPr id="171" name="TextBox 170">
             <a:extLst>
               <a:ext uri="{FF2B5EF4-FFF2-40B4-BE49-F238E27FC236}">
-                <a16:creationId xmlns:a16="http://schemas.microsoft.com/office/drawing/2014/main" xmlns="" id="{D3D2C1E7-A24B-4E4F-9338-4E3CC945B96E}"/>
+                <a16:creationId xmlns="" xmlns:a16="http://schemas.microsoft.com/office/drawing/2014/main" id="{D3D2C1E7-A24B-4E4F-9338-4E3CC945B96E}"/>
               </a:ext>
             </a:extLst>
           </p:cNvPr>
@@ -8106,7 +8193,7 @@
           <p:cNvPr id="10" name="Picture 9" descr="Free Icon | Wifi">
             <a:extLst>
               <a:ext uri="{FF2B5EF4-FFF2-40B4-BE49-F238E27FC236}">
-                <a16:creationId xmlns:a16="http://schemas.microsoft.com/office/drawing/2014/main" xmlns="" id="{35E36CD3-6B5D-4E30-B897-685D3D72453D}"/>
+                <a16:creationId xmlns="" xmlns:a16="http://schemas.microsoft.com/office/drawing/2014/main" id="{35E36CD3-6B5D-4E30-B897-685D3D72453D}"/>
               </a:ext>
             </a:extLst>
           </p:cNvPr>
@@ -8447,7 +8534,7 @@
           <p:cNvPr id="20" name="Picture 19">
             <a:extLst>
               <a:ext uri="{FF2B5EF4-FFF2-40B4-BE49-F238E27FC236}">
-                <a16:creationId xmlns:a16="http://schemas.microsoft.com/office/drawing/2014/main" xmlns="" id="{A18A2DB5-C272-4EEC-BEDE-9D55A675C21C}"/>
+                <a16:creationId xmlns="" xmlns:a16="http://schemas.microsoft.com/office/drawing/2014/main" id="{A18A2DB5-C272-4EEC-BEDE-9D55A675C21C}"/>
               </a:ext>
             </a:extLst>
           </p:cNvPr>
@@ -8475,7 +8562,7 @@
           <p:cNvPr id="21" name="TextBox 20">
             <a:extLst>
               <a:ext uri="{FF2B5EF4-FFF2-40B4-BE49-F238E27FC236}">
-                <a16:creationId xmlns:a16="http://schemas.microsoft.com/office/drawing/2014/main" xmlns="" id="{C7B62148-C36A-4EC0-B756-BE9DE8CD3AB3}"/>
+                <a16:creationId xmlns="" xmlns:a16="http://schemas.microsoft.com/office/drawing/2014/main" id="{C7B62148-C36A-4EC0-B756-BE9DE8CD3AB3}"/>
               </a:ext>
             </a:extLst>
           </p:cNvPr>
@@ -8539,7 +8626,7 @@
           <p:cNvPr id="23" name="TextBox 22">
             <a:extLst>
               <a:ext uri="{FF2B5EF4-FFF2-40B4-BE49-F238E27FC236}">
-                <a16:creationId xmlns:a16="http://schemas.microsoft.com/office/drawing/2014/main" xmlns="" id="{E93A7901-2628-4F53-9A7E-1B2F218C5805}"/>
+                <a16:creationId xmlns="" xmlns:a16="http://schemas.microsoft.com/office/drawing/2014/main" id="{E93A7901-2628-4F53-9A7E-1B2F218C5805}"/>
               </a:ext>
             </a:extLst>
           </p:cNvPr>
@@ -8713,7 +8800,7 @@
           <p:cNvPr id="96" name="Picture 95" descr="Free Icon | Wifi">
             <a:extLst>
               <a:ext uri="{FF2B5EF4-FFF2-40B4-BE49-F238E27FC236}">
-                <a16:creationId xmlns:a16="http://schemas.microsoft.com/office/drawing/2014/main" xmlns="" id="{331FC1AA-CB08-45A4-9369-2997329D73F4}"/>
+                <a16:creationId xmlns="" xmlns:a16="http://schemas.microsoft.com/office/drawing/2014/main" id="{331FC1AA-CB08-45A4-9369-2997329D73F4}"/>
               </a:ext>
             </a:extLst>
           </p:cNvPr>
@@ -8752,7 +8839,7 @@
           <p:cNvPr id="97" name="Picture 96">
             <a:extLst>
               <a:ext uri="{FF2B5EF4-FFF2-40B4-BE49-F238E27FC236}">
-                <a16:creationId xmlns:a16="http://schemas.microsoft.com/office/drawing/2014/main" xmlns="" id="{D4CA772F-A72C-4314-A82A-E884D10E777D}"/>
+                <a16:creationId xmlns="" xmlns:a16="http://schemas.microsoft.com/office/drawing/2014/main" id="{D4CA772F-A72C-4314-A82A-E884D10E777D}"/>
               </a:ext>
             </a:extLst>
           </p:cNvPr>
@@ -8780,7 +8867,7 @@
           <p:cNvPr id="98" name="Picture 97">
             <a:extLst>
               <a:ext uri="{FF2B5EF4-FFF2-40B4-BE49-F238E27FC236}">
-                <a16:creationId xmlns:a16="http://schemas.microsoft.com/office/drawing/2014/main" xmlns="" id="{9E085E1D-93F9-4E72-B98F-FB8F7028960D}"/>
+                <a16:creationId xmlns="" xmlns:a16="http://schemas.microsoft.com/office/drawing/2014/main" id="{9E085E1D-93F9-4E72-B98F-FB8F7028960D}"/>
               </a:ext>
             </a:extLst>
           </p:cNvPr>
@@ -8808,7 +8895,7 @@
           <p:cNvPr id="101" name="TextBox 100">
             <a:extLst>
               <a:ext uri="{FF2B5EF4-FFF2-40B4-BE49-F238E27FC236}">
-                <a16:creationId xmlns:a16="http://schemas.microsoft.com/office/drawing/2014/main" xmlns="" id="{7FF2AF45-1BBB-4306-ABAF-8689BC85C815}"/>
+                <a16:creationId xmlns="" xmlns:a16="http://schemas.microsoft.com/office/drawing/2014/main" id="{7FF2AF45-1BBB-4306-ABAF-8689BC85C815}"/>
               </a:ext>
             </a:extLst>
           </p:cNvPr>
@@ -8847,7 +8934,7 @@
           <p:cNvPr id="103" name="Straight Connector 102">
             <a:extLst>
               <a:ext uri="{FF2B5EF4-FFF2-40B4-BE49-F238E27FC236}">
-                <a16:creationId xmlns:a16="http://schemas.microsoft.com/office/drawing/2014/main" xmlns="" id="{E865F506-39E6-412E-A252-A31428B8E040}"/>
+                <a16:creationId xmlns="" xmlns:a16="http://schemas.microsoft.com/office/drawing/2014/main" id="{E865F506-39E6-412E-A252-A31428B8E040}"/>
               </a:ext>
             </a:extLst>
           </p:cNvPr>
@@ -8890,7 +8977,7 @@
           <p:cNvPr id="110" name="Straight Arrow Connector 109">
             <a:extLst>
               <a:ext uri="{FF2B5EF4-FFF2-40B4-BE49-F238E27FC236}">
-                <a16:creationId xmlns:a16="http://schemas.microsoft.com/office/drawing/2014/main" xmlns="" id="{E8B958EE-5EE0-4808-BB5D-8AF84300BFB3}"/>
+                <a16:creationId xmlns="" xmlns:a16="http://schemas.microsoft.com/office/drawing/2014/main" id="{E8B958EE-5EE0-4808-BB5D-8AF84300BFB3}"/>
               </a:ext>
             </a:extLst>
           </p:cNvPr>
@@ -8934,7 +9021,7 @@
           <p:cNvPr id="111" name="Straight Arrow Connector 110">
             <a:extLst>
               <a:ext uri="{FF2B5EF4-FFF2-40B4-BE49-F238E27FC236}">
-                <a16:creationId xmlns:a16="http://schemas.microsoft.com/office/drawing/2014/main" xmlns="" id="{701FA5EF-0179-41F2-B22D-FCC175001A48}"/>
+                <a16:creationId xmlns="" xmlns:a16="http://schemas.microsoft.com/office/drawing/2014/main" id="{701FA5EF-0179-41F2-B22D-FCC175001A48}"/>
               </a:ext>
             </a:extLst>
           </p:cNvPr>
@@ -8978,7 +9065,7 @@
           <p:cNvPr id="112" name="Straight Arrow Connector 111">
             <a:extLst>
               <a:ext uri="{FF2B5EF4-FFF2-40B4-BE49-F238E27FC236}">
-                <a16:creationId xmlns:a16="http://schemas.microsoft.com/office/drawing/2014/main" xmlns="" id="{AF569078-F334-430B-8950-9BEB338AB6EA}"/>
+                <a16:creationId xmlns="" xmlns:a16="http://schemas.microsoft.com/office/drawing/2014/main" id="{AF569078-F334-430B-8950-9BEB338AB6EA}"/>
               </a:ext>
             </a:extLst>
           </p:cNvPr>
@@ -9022,7 +9109,7 @@
           <p:cNvPr id="113" name="Straight Arrow Connector 112">
             <a:extLst>
               <a:ext uri="{FF2B5EF4-FFF2-40B4-BE49-F238E27FC236}">
-                <a16:creationId xmlns:a16="http://schemas.microsoft.com/office/drawing/2014/main" xmlns="" id="{9894B322-EF50-40E0-8415-FD1EB8F34947}"/>
+                <a16:creationId xmlns="" xmlns:a16="http://schemas.microsoft.com/office/drawing/2014/main" id="{9894B322-EF50-40E0-8415-FD1EB8F34947}"/>
               </a:ext>
             </a:extLst>
           </p:cNvPr>
@@ -9066,7 +9153,7 @@
           <p:cNvPr id="114" name="TextBox 113">
             <a:extLst>
               <a:ext uri="{FF2B5EF4-FFF2-40B4-BE49-F238E27FC236}">
-                <a16:creationId xmlns:a16="http://schemas.microsoft.com/office/drawing/2014/main" xmlns="" id="{E9064D73-DA84-45E4-878F-355289241361}"/>
+                <a16:creationId xmlns="" xmlns:a16="http://schemas.microsoft.com/office/drawing/2014/main" id="{E9064D73-DA84-45E4-878F-355289241361}"/>
               </a:ext>
             </a:extLst>
           </p:cNvPr>
@@ -9105,7 +9192,7 @@
           <p:cNvPr id="115" name="Arrow: Down 114">
             <a:extLst>
               <a:ext uri="{FF2B5EF4-FFF2-40B4-BE49-F238E27FC236}">
-                <a16:creationId xmlns:a16="http://schemas.microsoft.com/office/drawing/2014/main" xmlns="" id="{8CFCE75F-7AA7-4BF3-B044-4770D3A70008}"/>
+                <a16:creationId xmlns="" xmlns:a16="http://schemas.microsoft.com/office/drawing/2014/main" id="{8CFCE75F-7AA7-4BF3-B044-4770D3A70008}"/>
               </a:ext>
             </a:extLst>
           </p:cNvPr>
@@ -9157,7 +9244,7 @@
           <p:cNvPr id="116" name="Straight Arrow Connector 115">
             <a:extLst>
               <a:ext uri="{FF2B5EF4-FFF2-40B4-BE49-F238E27FC236}">
-                <a16:creationId xmlns:a16="http://schemas.microsoft.com/office/drawing/2014/main" xmlns="" id="{8E0EBC89-8ED8-4F07-B552-FDDF03B2E41D}"/>
+                <a16:creationId xmlns="" xmlns:a16="http://schemas.microsoft.com/office/drawing/2014/main" id="{8E0EBC89-8ED8-4F07-B552-FDDF03B2E41D}"/>
               </a:ext>
             </a:extLst>
           </p:cNvPr>
@@ -9203,7 +9290,7 @@
           <p:cNvPr id="117" name="TextBox 116">
             <a:extLst>
               <a:ext uri="{FF2B5EF4-FFF2-40B4-BE49-F238E27FC236}">
-                <a16:creationId xmlns:a16="http://schemas.microsoft.com/office/drawing/2014/main" xmlns="" id="{DC4F584F-869A-4EC5-BD3F-B43D6F04B109}"/>
+                <a16:creationId xmlns="" xmlns:a16="http://schemas.microsoft.com/office/drawing/2014/main" id="{DC4F584F-869A-4EC5-BD3F-B43D6F04B109}"/>
               </a:ext>
             </a:extLst>
           </p:cNvPr>
@@ -9253,7 +9340,7 @@
           <p:cNvPr id="118" name="Picture 2">
             <a:extLst>
               <a:ext uri="{FF2B5EF4-FFF2-40B4-BE49-F238E27FC236}">
-                <a16:creationId xmlns:a16="http://schemas.microsoft.com/office/drawing/2014/main" xmlns="" id="{7EAFE767-B908-419E-B4E7-05DAB402B5BB}"/>
+                <a16:creationId xmlns="" xmlns:a16="http://schemas.microsoft.com/office/drawing/2014/main" id="{7EAFE767-B908-419E-B4E7-05DAB402B5BB}"/>
               </a:ext>
             </a:extLst>
           </p:cNvPr>
@@ -9323,7 +9410,7 @@
           <p:cNvPr id="13" name="Group 12">
             <a:extLst>
               <a:ext uri="{FF2B5EF4-FFF2-40B4-BE49-F238E27FC236}">
-                <a16:creationId xmlns:a16="http://schemas.microsoft.com/office/drawing/2014/main" xmlns="" id="{DD9AE47D-D12F-4154-BB04-4D3D34BE33AE}"/>
+                <a16:creationId xmlns="" xmlns:a16="http://schemas.microsoft.com/office/drawing/2014/main" id="{DD9AE47D-D12F-4154-BB04-4D3D34BE33AE}"/>
               </a:ext>
             </a:extLst>
           </p:cNvPr>
@@ -9343,7 +9430,7 @@
             <p:cNvPr id="119" name="Picture 118">
               <a:extLst>
                 <a:ext uri="{FF2B5EF4-FFF2-40B4-BE49-F238E27FC236}">
-                  <a16:creationId xmlns:a16="http://schemas.microsoft.com/office/drawing/2014/main" xmlns="" id="{8569128C-0619-4279-963D-AE7C028B50F8}"/>
+                  <a16:creationId xmlns="" xmlns:a16="http://schemas.microsoft.com/office/drawing/2014/main" id="{8569128C-0619-4279-963D-AE7C028B50F8}"/>
                 </a:ext>
               </a:extLst>
             </p:cNvPr>
@@ -9371,7 +9458,7 @@
             <p:cNvPr id="120" name="Picture 119">
               <a:extLst>
                 <a:ext uri="{FF2B5EF4-FFF2-40B4-BE49-F238E27FC236}">
-                  <a16:creationId xmlns:a16="http://schemas.microsoft.com/office/drawing/2014/main" xmlns="" id="{8B747FC8-E2F4-4A4F-A22C-CE38FE1C73EE}"/>
+                  <a16:creationId xmlns="" xmlns:a16="http://schemas.microsoft.com/office/drawing/2014/main" id="{8B747FC8-E2F4-4A4F-A22C-CE38FE1C73EE}"/>
                 </a:ext>
               </a:extLst>
             </p:cNvPr>
@@ -9399,7 +9486,7 @@
             <p:cNvPr id="121" name="Picture 120">
               <a:extLst>
                 <a:ext uri="{FF2B5EF4-FFF2-40B4-BE49-F238E27FC236}">
-                  <a16:creationId xmlns:a16="http://schemas.microsoft.com/office/drawing/2014/main" xmlns="" id="{C5D34CA6-4297-482B-89D7-F88D49D89624}"/>
+                  <a16:creationId xmlns="" xmlns:a16="http://schemas.microsoft.com/office/drawing/2014/main" id="{C5D34CA6-4297-482B-89D7-F88D49D89624}"/>
                 </a:ext>
               </a:extLst>
             </p:cNvPr>
@@ -9428,7 +9515,7 @@
           <p:cNvPr id="122" name="Picture 121">
             <a:extLst>
               <a:ext uri="{FF2B5EF4-FFF2-40B4-BE49-F238E27FC236}">
-                <a16:creationId xmlns:a16="http://schemas.microsoft.com/office/drawing/2014/main" xmlns="" id="{B162C919-E530-41D0-B8DE-285A262718DC}"/>
+                <a16:creationId xmlns="" xmlns:a16="http://schemas.microsoft.com/office/drawing/2014/main" id="{B162C919-E530-41D0-B8DE-285A262718DC}"/>
               </a:ext>
             </a:extLst>
           </p:cNvPr>
@@ -9456,7 +9543,7 @@
           <p:cNvPr id="171" name="TextBox 170">
             <a:extLst>
               <a:ext uri="{FF2B5EF4-FFF2-40B4-BE49-F238E27FC236}">
-                <a16:creationId xmlns:a16="http://schemas.microsoft.com/office/drawing/2014/main" xmlns="" id="{D3D2C1E7-A24B-4E4F-9338-4E3CC945B96E}"/>
+                <a16:creationId xmlns="" xmlns:a16="http://schemas.microsoft.com/office/drawing/2014/main" id="{D3D2C1E7-A24B-4E4F-9338-4E3CC945B96E}"/>
               </a:ext>
             </a:extLst>
           </p:cNvPr>
@@ -9503,7 +9590,7 @@
           <p:cNvPr id="89" name="TextBox 88">
             <a:extLst>
               <a:ext uri="{FF2B5EF4-FFF2-40B4-BE49-F238E27FC236}">
-                <a16:creationId xmlns:a16="http://schemas.microsoft.com/office/drawing/2014/main" xmlns="" id="{FD499B9D-6F6A-48F3-A26C-7095543087F4}"/>
+                <a16:creationId xmlns="" xmlns:a16="http://schemas.microsoft.com/office/drawing/2014/main" id="{FD499B9D-6F6A-48F3-A26C-7095543087F4}"/>
               </a:ext>
             </a:extLst>
           </p:cNvPr>
@@ -9586,7 +9673,7 @@
           <p:cNvPr id="27" name="TextBox 26">
             <a:extLst>
               <a:ext uri="{FF2B5EF4-FFF2-40B4-BE49-F238E27FC236}">
-                <a16:creationId xmlns:a16="http://schemas.microsoft.com/office/drawing/2014/main" xmlns="" id="{B250D357-4F1F-4D5E-88FD-1C5A02A91117}"/>
+                <a16:creationId xmlns="" xmlns:a16="http://schemas.microsoft.com/office/drawing/2014/main" id="{B250D357-4F1F-4D5E-88FD-1C5A02A91117}"/>
               </a:ext>
             </a:extLst>
           </p:cNvPr>
@@ -9852,7 +9939,7 @@
           <p:cNvPr id="96" name="Picture 95" descr="Free Icon | Wifi">
             <a:extLst>
               <a:ext uri="{FF2B5EF4-FFF2-40B4-BE49-F238E27FC236}">
-                <a16:creationId xmlns:a16="http://schemas.microsoft.com/office/drawing/2014/main" xmlns="" id="{331FC1AA-CB08-45A4-9369-2997329D73F4}"/>
+                <a16:creationId xmlns="" xmlns:a16="http://schemas.microsoft.com/office/drawing/2014/main" id="{331FC1AA-CB08-45A4-9369-2997329D73F4}"/>
               </a:ext>
             </a:extLst>
           </p:cNvPr>
@@ -9891,7 +9978,7 @@
           <p:cNvPr id="97" name="Picture 96">
             <a:extLst>
               <a:ext uri="{FF2B5EF4-FFF2-40B4-BE49-F238E27FC236}">
-                <a16:creationId xmlns:a16="http://schemas.microsoft.com/office/drawing/2014/main" xmlns="" id="{D4CA772F-A72C-4314-A82A-E884D10E777D}"/>
+                <a16:creationId xmlns="" xmlns:a16="http://schemas.microsoft.com/office/drawing/2014/main" id="{D4CA772F-A72C-4314-A82A-E884D10E777D}"/>
               </a:ext>
             </a:extLst>
           </p:cNvPr>
@@ -9919,7 +10006,7 @@
           <p:cNvPr id="98" name="Picture 97">
             <a:extLst>
               <a:ext uri="{FF2B5EF4-FFF2-40B4-BE49-F238E27FC236}">
-                <a16:creationId xmlns:a16="http://schemas.microsoft.com/office/drawing/2014/main" xmlns="" id="{9E085E1D-93F9-4E72-B98F-FB8F7028960D}"/>
+                <a16:creationId xmlns="" xmlns:a16="http://schemas.microsoft.com/office/drawing/2014/main" id="{9E085E1D-93F9-4E72-B98F-FB8F7028960D}"/>
               </a:ext>
             </a:extLst>
           </p:cNvPr>
@@ -9947,7 +10034,7 @@
           <p:cNvPr id="101" name="TextBox 100">
             <a:extLst>
               <a:ext uri="{FF2B5EF4-FFF2-40B4-BE49-F238E27FC236}">
-                <a16:creationId xmlns:a16="http://schemas.microsoft.com/office/drawing/2014/main" xmlns="" id="{7FF2AF45-1BBB-4306-ABAF-8689BC85C815}"/>
+                <a16:creationId xmlns="" xmlns:a16="http://schemas.microsoft.com/office/drawing/2014/main" id="{7FF2AF45-1BBB-4306-ABAF-8689BC85C815}"/>
               </a:ext>
             </a:extLst>
           </p:cNvPr>
@@ -9986,7 +10073,7 @@
           <p:cNvPr id="103" name="Straight Connector 102">
             <a:extLst>
               <a:ext uri="{FF2B5EF4-FFF2-40B4-BE49-F238E27FC236}">
-                <a16:creationId xmlns:a16="http://schemas.microsoft.com/office/drawing/2014/main" xmlns="" id="{E865F506-39E6-412E-A252-A31428B8E040}"/>
+                <a16:creationId xmlns="" xmlns:a16="http://schemas.microsoft.com/office/drawing/2014/main" id="{E865F506-39E6-412E-A252-A31428B8E040}"/>
               </a:ext>
             </a:extLst>
           </p:cNvPr>
@@ -10029,7 +10116,7 @@
           <p:cNvPr id="110" name="Straight Arrow Connector 109">
             <a:extLst>
               <a:ext uri="{FF2B5EF4-FFF2-40B4-BE49-F238E27FC236}">
-                <a16:creationId xmlns:a16="http://schemas.microsoft.com/office/drawing/2014/main" xmlns="" id="{E8B958EE-5EE0-4808-BB5D-8AF84300BFB3}"/>
+                <a16:creationId xmlns="" xmlns:a16="http://schemas.microsoft.com/office/drawing/2014/main" id="{E8B958EE-5EE0-4808-BB5D-8AF84300BFB3}"/>
               </a:ext>
             </a:extLst>
           </p:cNvPr>
@@ -10073,7 +10160,7 @@
           <p:cNvPr id="111" name="Straight Arrow Connector 110">
             <a:extLst>
               <a:ext uri="{FF2B5EF4-FFF2-40B4-BE49-F238E27FC236}">
-                <a16:creationId xmlns:a16="http://schemas.microsoft.com/office/drawing/2014/main" xmlns="" id="{701FA5EF-0179-41F2-B22D-FCC175001A48}"/>
+                <a16:creationId xmlns="" xmlns:a16="http://schemas.microsoft.com/office/drawing/2014/main" id="{701FA5EF-0179-41F2-B22D-FCC175001A48}"/>
               </a:ext>
             </a:extLst>
           </p:cNvPr>
@@ -10117,7 +10204,7 @@
           <p:cNvPr id="112" name="Straight Arrow Connector 111">
             <a:extLst>
               <a:ext uri="{FF2B5EF4-FFF2-40B4-BE49-F238E27FC236}">
-                <a16:creationId xmlns:a16="http://schemas.microsoft.com/office/drawing/2014/main" xmlns="" id="{AF569078-F334-430B-8950-9BEB338AB6EA}"/>
+                <a16:creationId xmlns="" xmlns:a16="http://schemas.microsoft.com/office/drawing/2014/main" id="{AF569078-F334-430B-8950-9BEB338AB6EA}"/>
               </a:ext>
             </a:extLst>
           </p:cNvPr>
@@ -10161,7 +10248,7 @@
           <p:cNvPr id="113" name="Straight Arrow Connector 112">
             <a:extLst>
               <a:ext uri="{FF2B5EF4-FFF2-40B4-BE49-F238E27FC236}">
-                <a16:creationId xmlns:a16="http://schemas.microsoft.com/office/drawing/2014/main" xmlns="" id="{9894B322-EF50-40E0-8415-FD1EB8F34947}"/>
+                <a16:creationId xmlns="" xmlns:a16="http://schemas.microsoft.com/office/drawing/2014/main" id="{9894B322-EF50-40E0-8415-FD1EB8F34947}"/>
               </a:ext>
             </a:extLst>
           </p:cNvPr>
@@ -10205,7 +10292,7 @@
           <p:cNvPr id="114" name="TextBox 113">
             <a:extLst>
               <a:ext uri="{FF2B5EF4-FFF2-40B4-BE49-F238E27FC236}">
-                <a16:creationId xmlns:a16="http://schemas.microsoft.com/office/drawing/2014/main" xmlns="" id="{E9064D73-DA84-45E4-878F-355289241361}"/>
+                <a16:creationId xmlns="" xmlns:a16="http://schemas.microsoft.com/office/drawing/2014/main" id="{E9064D73-DA84-45E4-878F-355289241361}"/>
               </a:ext>
             </a:extLst>
           </p:cNvPr>
@@ -10244,7 +10331,7 @@
           <p:cNvPr id="115" name="Arrow: Down 114">
             <a:extLst>
               <a:ext uri="{FF2B5EF4-FFF2-40B4-BE49-F238E27FC236}">
-                <a16:creationId xmlns:a16="http://schemas.microsoft.com/office/drawing/2014/main" xmlns="" id="{8CFCE75F-7AA7-4BF3-B044-4770D3A70008}"/>
+                <a16:creationId xmlns="" xmlns:a16="http://schemas.microsoft.com/office/drawing/2014/main" id="{8CFCE75F-7AA7-4BF3-B044-4770D3A70008}"/>
               </a:ext>
             </a:extLst>
           </p:cNvPr>
@@ -10296,7 +10383,7 @@
           <p:cNvPr id="116" name="Straight Arrow Connector 115">
             <a:extLst>
               <a:ext uri="{FF2B5EF4-FFF2-40B4-BE49-F238E27FC236}">
-                <a16:creationId xmlns:a16="http://schemas.microsoft.com/office/drawing/2014/main" xmlns="" id="{8E0EBC89-8ED8-4F07-B552-FDDF03B2E41D}"/>
+                <a16:creationId xmlns="" xmlns:a16="http://schemas.microsoft.com/office/drawing/2014/main" id="{8E0EBC89-8ED8-4F07-B552-FDDF03B2E41D}"/>
               </a:ext>
             </a:extLst>
           </p:cNvPr>
@@ -10342,7 +10429,7 @@
           <p:cNvPr id="117" name="TextBox 116">
             <a:extLst>
               <a:ext uri="{FF2B5EF4-FFF2-40B4-BE49-F238E27FC236}">
-                <a16:creationId xmlns:a16="http://schemas.microsoft.com/office/drawing/2014/main" xmlns="" id="{DC4F584F-869A-4EC5-BD3F-B43D6F04B109}"/>
+                <a16:creationId xmlns="" xmlns:a16="http://schemas.microsoft.com/office/drawing/2014/main" id="{DC4F584F-869A-4EC5-BD3F-B43D6F04B109}"/>
               </a:ext>
             </a:extLst>
           </p:cNvPr>
@@ -10392,7 +10479,7 @@
           <p:cNvPr id="118" name="Picture 2">
             <a:extLst>
               <a:ext uri="{FF2B5EF4-FFF2-40B4-BE49-F238E27FC236}">
-                <a16:creationId xmlns:a16="http://schemas.microsoft.com/office/drawing/2014/main" xmlns="" id="{7EAFE767-B908-419E-B4E7-05DAB402B5BB}"/>
+                <a16:creationId xmlns="" xmlns:a16="http://schemas.microsoft.com/office/drawing/2014/main" id="{7EAFE767-B908-419E-B4E7-05DAB402B5BB}"/>
               </a:ext>
             </a:extLst>
           </p:cNvPr>
@@ -10462,7 +10549,7 @@
           <p:cNvPr id="13" name="Group 12">
             <a:extLst>
               <a:ext uri="{FF2B5EF4-FFF2-40B4-BE49-F238E27FC236}">
-                <a16:creationId xmlns:a16="http://schemas.microsoft.com/office/drawing/2014/main" xmlns="" id="{DD9AE47D-D12F-4154-BB04-4D3D34BE33AE}"/>
+                <a16:creationId xmlns="" xmlns:a16="http://schemas.microsoft.com/office/drawing/2014/main" id="{DD9AE47D-D12F-4154-BB04-4D3D34BE33AE}"/>
               </a:ext>
             </a:extLst>
           </p:cNvPr>
@@ -10482,7 +10569,7 @@
             <p:cNvPr id="119" name="Picture 118">
               <a:extLst>
                 <a:ext uri="{FF2B5EF4-FFF2-40B4-BE49-F238E27FC236}">
-                  <a16:creationId xmlns:a16="http://schemas.microsoft.com/office/drawing/2014/main" xmlns="" id="{8569128C-0619-4279-963D-AE7C028B50F8}"/>
+                  <a16:creationId xmlns="" xmlns:a16="http://schemas.microsoft.com/office/drawing/2014/main" id="{8569128C-0619-4279-963D-AE7C028B50F8}"/>
                 </a:ext>
               </a:extLst>
             </p:cNvPr>
@@ -10510,7 +10597,7 @@
             <p:cNvPr id="120" name="Picture 119">
               <a:extLst>
                 <a:ext uri="{FF2B5EF4-FFF2-40B4-BE49-F238E27FC236}">
-                  <a16:creationId xmlns:a16="http://schemas.microsoft.com/office/drawing/2014/main" xmlns="" id="{8B747FC8-E2F4-4A4F-A22C-CE38FE1C73EE}"/>
+                  <a16:creationId xmlns="" xmlns:a16="http://schemas.microsoft.com/office/drawing/2014/main" id="{8B747FC8-E2F4-4A4F-A22C-CE38FE1C73EE}"/>
                 </a:ext>
               </a:extLst>
             </p:cNvPr>
@@ -10538,7 +10625,7 @@
             <p:cNvPr id="121" name="Picture 120">
               <a:extLst>
                 <a:ext uri="{FF2B5EF4-FFF2-40B4-BE49-F238E27FC236}">
-                  <a16:creationId xmlns:a16="http://schemas.microsoft.com/office/drawing/2014/main" xmlns="" id="{C5D34CA6-4297-482B-89D7-F88D49D89624}"/>
+                  <a16:creationId xmlns="" xmlns:a16="http://schemas.microsoft.com/office/drawing/2014/main" id="{C5D34CA6-4297-482B-89D7-F88D49D89624}"/>
                 </a:ext>
               </a:extLst>
             </p:cNvPr>
@@ -10567,7 +10654,7 @@
           <p:cNvPr id="122" name="Picture 121">
             <a:extLst>
               <a:ext uri="{FF2B5EF4-FFF2-40B4-BE49-F238E27FC236}">
-                <a16:creationId xmlns:a16="http://schemas.microsoft.com/office/drawing/2014/main" xmlns="" id="{B162C919-E530-41D0-B8DE-285A262718DC}"/>
+                <a16:creationId xmlns="" xmlns:a16="http://schemas.microsoft.com/office/drawing/2014/main" id="{B162C919-E530-41D0-B8DE-285A262718DC}"/>
               </a:ext>
             </a:extLst>
           </p:cNvPr>
@@ -10595,7 +10682,7 @@
           <p:cNvPr id="171" name="TextBox 170">
             <a:extLst>
               <a:ext uri="{FF2B5EF4-FFF2-40B4-BE49-F238E27FC236}">
-                <a16:creationId xmlns:a16="http://schemas.microsoft.com/office/drawing/2014/main" xmlns="" id="{D3D2C1E7-A24B-4E4F-9338-4E3CC945B96E}"/>
+                <a16:creationId xmlns="" xmlns:a16="http://schemas.microsoft.com/office/drawing/2014/main" id="{D3D2C1E7-A24B-4E4F-9338-4E3CC945B96E}"/>
               </a:ext>
             </a:extLst>
           </p:cNvPr>
@@ -10666,7 +10753,7 @@
           <p:cNvPr id="89" name="TextBox 88">
             <a:extLst>
               <a:ext uri="{FF2B5EF4-FFF2-40B4-BE49-F238E27FC236}">
-                <a16:creationId xmlns:a16="http://schemas.microsoft.com/office/drawing/2014/main" xmlns="" id="{FD499B9D-6F6A-48F3-A26C-7095543087F4}"/>
+                <a16:creationId xmlns="" xmlns:a16="http://schemas.microsoft.com/office/drawing/2014/main" id="{FD499B9D-6F6A-48F3-A26C-7095543087F4}"/>
               </a:ext>
             </a:extLst>
           </p:cNvPr>
@@ -10749,7 +10836,7 @@
           <p:cNvPr id="27" name="TextBox 26">
             <a:extLst>
               <a:ext uri="{FF2B5EF4-FFF2-40B4-BE49-F238E27FC236}">
-                <a16:creationId xmlns:a16="http://schemas.microsoft.com/office/drawing/2014/main" xmlns="" id="{B250D357-4F1F-4D5E-88FD-1C5A02A91117}"/>
+                <a16:creationId xmlns="" xmlns:a16="http://schemas.microsoft.com/office/drawing/2014/main" id="{B250D357-4F1F-4D5E-88FD-1C5A02A91117}"/>
               </a:ext>
             </a:extLst>
           </p:cNvPr>
@@ -11190,11 +11277,7 @@
             </a:r>
             <a:r>
               <a:rPr lang="en-ID" dirty="0" smtClean="0"/>
-              <a:t> = </a:t>
-            </a:r>
-            <a:r>
-              <a:rPr lang="en-ID" dirty="0" smtClean="0"/>
-              <a:t>HIGH_ALARM</a:t>
+              <a:t> = HIGH_ALARM</a:t>
             </a:r>
             <a:endParaRPr lang="en-US" dirty="0"/>
           </a:p>
@@ -11542,6 +11625,2739 @@
   <p:clrMapOvr>
     <a:masterClrMapping/>
   </p:clrMapOvr>
+  <p:timing>
+    <p:tnLst>
+      <p:par>
+        <p:cTn id="1" dur="indefinite" restart="never" nodeType="tmRoot"/>
+      </p:par>
+    </p:tnLst>
+  </p:timing>
+</p:sld>
+</file>
+
+<file path=ppt/slides/slide6.xml><?xml version="1.0" encoding="utf-8"?>
+<p:sld xmlns:a="http://schemas.openxmlformats.org/drawingml/2006/main" xmlns:r="http://schemas.openxmlformats.org/officeDocument/2006/relationships" xmlns:p="http://schemas.openxmlformats.org/presentationml/2006/main">
+  <p:cSld>
+    <p:spTree>
+      <p:nvGrpSpPr>
+        <p:cNvPr id="1" name=""/>
+        <p:cNvGrpSpPr/>
+        <p:nvPr/>
+      </p:nvGrpSpPr>
+      <p:grpSpPr>
+        <a:xfrm>
+          <a:off x="0" y="0"/>
+          <a:ext cx="0" cy="0"/>
+          <a:chOff x="0" y="0"/>
+          <a:chExt cx="0" cy="0"/>
+        </a:xfrm>
+      </p:grpSpPr>
+      <p:sp>
+        <p:nvSpPr>
+          <p:cNvPr id="4" name="Rectangle 3"/>
+          <p:cNvSpPr/>
+          <p:nvPr/>
+        </p:nvSpPr>
+        <p:spPr>
+          <a:xfrm>
+            <a:off x="3479223" y="188639"/>
+            <a:ext cx="5065874" cy="584775"/>
+          </a:xfrm>
+          <a:prstGeom prst="rect">
+            <a:avLst/>
+          </a:prstGeom>
+        </p:spPr>
+        <p:txBody>
+          <a:bodyPr wrap="none">
+            <a:spAutoFit/>
+          </a:bodyPr>
+          <a:lstStyle/>
+          <a:p>
+            <a:r>
+              <a:rPr lang="en-ID" b="1" dirty="0"/>
+              <a:t>Flowchart </a:t>
+            </a:r>
+            <a:r>
+              <a:rPr lang="en-US" dirty="0"/>
+              <a:t>_pbAMRT-&gt;getCmd(DEBOUNCING_TIME</a:t>
+            </a:r>
+            <a:r>
+              <a:rPr lang="en-US" dirty="0" smtClean="0"/>
+              <a:t>)</a:t>
+            </a:r>
+          </a:p>
+          <a:p>
+            <a:pPr algn="ctr"/>
+            <a:r>
+              <a:rPr lang="en-ID" sz="1400" dirty="0"/>
+              <a:t>File : src\compDevices\pbAMRT.cpp</a:t>
+            </a:r>
+            <a:endParaRPr lang="en-US" sz="1400" dirty="0"/>
+          </a:p>
+        </p:txBody>
+      </p:sp>
+      <p:sp>
+        <p:nvSpPr>
+          <p:cNvPr id="7" name="Flowchart: Decision 6"/>
+          <p:cNvSpPr/>
+          <p:nvPr/>
+        </p:nvSpPr>
+        <p:spPr>
+          <a:xfrm>
+            <a:off x="1099338" y="1808240"/>
+            <a:ext cx="1667036" cy="864096"/>
+          </a:xfrm>
+          <a:prstGeom prst="flowChartDecision">
+            <a:avLst/>
+          </a:prstGeom>
+          <a:noFill/>
+          <a:ln w="19050">
+            <a:solidFill>
+              <a:schemeClr val="tx1"/>
+            </a:solidFill>
+          </a:ln>
+        </p:spPr>
+        <p:style>
+          <a:lnRef idx="2">
+            <a:schemeClr val="accent1">
+              <a:shade val="50000"/>
+            </a:schemeClr>
+          </a:lnRef>
+          <a:fillRef idx="1">
+            <a:schemeClr val="accent1"/>
+          </a:fillRef>
+          <a:effectRef idx="0">
+            <a:schemeClr val="accent1"/>
+          </a:effectRef>
+          <a:fontRef idx="minor">
+            <a:schemeClr val="lt1"/>
+          </a:fontRef>
+        </p:style>
+        <p:txBody>
+          <a:bodyPr rtlCol="0" anchor="ctr"/>
+          <a:lstStyle/>
+          <a:p>
+            <a:pPr algn="ctr"/>
+            <a:r>
+              <a:rPr lang="en-ID" sz="1400" dirty="0" smtClean="0">
+                <a:solidFill>
+                  <a:schemeClr val="tx1"/>
+                </a:solidFill>
+              </a:rPr>
+              <a:t>_pbTest = active</a:t>
+            </a:r>
+            <a:endParaRPr lang="en-US" sz="1400" dirty="0">
+              <a:solidFill>
+                <a:schemeClr val="tx1"/>
+              </a:solidFill>
+            </a:endParaRPr>
+          </a:p>
+        </p:txBody>
+      </p:sp>
+      <p:cxnSp>
+        <p:nvCxnSpPr>
+          <p:cNvPr id="9" name="Straight Arrow Connector 8"/>
+          <p:cNvCxnSpPr>
+            <a:stCxn id="112" idx="2"/>
+            <a:endCxn id="7" idx="0"/>
+          </p:cNvCxnSpPr>
+          <p:nvPr/>
+        </p:nvCxnSpPr>
+        <p:spPr>
+          <a:xfrm flipH="1">
+            <a:off x="1932856" y="1484784"/>
+            <a:ext cx="13063" cy="323456"/>
+          </a:xfrm>
+          <a:prstGeom prst="straightConnector1">
+            <a:avLst/>
+          </a:prstGeom>
+          <a:ln w="19050">
+            <a:solidFill>
+              <a:schemeClr val="tx1"/>
+            </a:solidFill>
+            <a:tailEnd type="arrow"/>
+          </a:ln>
+        </p:spPr>
+        <p:style>
+          <a:lnRef idx="1">
+            <a:schemeClr val="accent1"/>
+          </a:lnRef>
+          <a:fillRef idx="0">
+            <a:schemeClr val="accent1"/>
+          </a:fillRef>
+          <a:effectRef idx="0">
+            <a:schemeClr val="accent1"/>
+          </a:effectRef>
+          <a:fontRef idx="minor">
+            <a:schemeClr val="tx1"/>
+          </a:fontRef>
+        </p:style>
+      </p:cxnSp>
+      <p:sp>
+        <p:nvSpPr>
+          <p:cNvPr id="14" name="TextBox 13"/>
+          <p:cNvSpPr txBox="1"/>
+          <p:nvPr/>
+        </p:nvSpPr>
+        <p:spPr>
+          <a:xfrm>
+            <a:off x="3226258" y="1917122"/>
+            <a:ext cx="1656184" cy="646331"/>
+          </a:xfrm>
+          <a:prstGeom prst="rect">
+            <a:avLst/>
+          </a:prstGeom>
+          <a:noFill/>
+          <a:ln w="19050">
+            <a:solidFill>
+              <a:schemeClr val="tx1"/>
+            </a:solidFill>
+          </a:ln>
+        </p:spPr>
+        <p:txBody>
+          <a:bodyPr wrap="square" rtlCol="0">
+            <a:spAutoFit/>
+          </a:bodyPr>
+          <a:lstStyle/>
+          <a:p>
+            <a:pPr algn="ctr"/>
+            <a:r>
+              <a:rPr lang="en-ID" dirty="0" smtClean="0"/>
+              <a:t>cmd</a:t>
+            </a:r>
+            <a:r>
+              <a:rPr lang="en-ID" dirty="0" smtClean="0"/>
+              <a:t>  </a:t>
+            </a:r>
+            <a:r>
+              <a:rPr lang="en-ID" dirty="0" smtClean="0"/>
+              <a:t>= </a:t>
+            </a:r>
+            <a:r>
+              <a:rPr lang="en-US" dirty="0" smtClean="0"/>
+              <a:t>MODE_TEST</a:t>
+            </a:r>
+            <a:endParaRPr lang="en-US" dirty="0"/>
+          </a:p>
+        </p:txBody>
+      </p:sp>
+      <p:cxnSp>
+        <p:nvCxnSpPr>
+          <p:cNvPr id="16" name="Straight Arrow Connector 15"/>
+          <p:cNvCxnSpPr>
+            <a:stCxn id="7" idx="3"/>
+            <a:endCxn id="14" idx="1"/>
+          </p:cNvCxnSpPr>
+          <p:nvPr/>
+        </p:nvCxnSpPr>
+        <p:spPr>
+          <a:xfrm>
+            <a:off x="2766374" y="2240288"/>
+            <a:ext cx="459884" cy="0"/>
+          </a:xfrm>
+          <a:prstGeom prst="straightConnector1">
+            <a:avLst/>
+          </a:prstGeom>
+          <a:ln w="19050">
+            <a:solidFill>
+              <a:schemeClr val="tx1"/>
+            </a:solidFill>
+            <a:tailEnd type="arrow"/>
+          </a:ln>
+        </p:spPr>
+        <p:style>
+          <a:lnRef idx="1">
+            <a:schemeClr val="accent1"/>
+          </a:lnRef>
+          <a:fillRef idx="0">
+            <a:schemeClr val="accent1"/>
+          </a:fillRef>
+          <a:effectRef idx="0">
+            <a:schemeClr val="accent1"/>
+          </a:effectRef>
+          <a:fontRef idx="minor">
+            <a:schemeClr val="tx1"/>
+          </a:fontRef>
+        </p:style>
+      </p:cxnSp>
+      <p:sp>
+        <p:nvSpPr>
+          <p:cNvPr id="20" name="TextBox 19"/>
+          <p:cNvSpPr txBox="1"/>
+          <p:nvPr/>
+        </p:nvSpPr>
+        <p:spPr>
+          <a:xfrm>
+            <a:off x="2753557" y="1886502"/>
+            <a:ext cx="485518" cy="369332"/>
+          </a:xfrm>
+          <a:prstGeom prst="rect">
+            <a:avLst/>
+          </a:prstGeom>
+          <a:noFill/>
+          <a:ln w="19050">
+            <a:noFill/>
+          </a:ln>
+        </p:spPr>
+        <p:txBody>
+          <a:bodyPr wrap="none" rtlCol="0">
+            <a:spAutoFit/>
+          </a:bodyPr>
+          <a:lstStyle/>
+          <a:p>
+            <a:r>
+              <a:rPr lang="en-ID" dirty="0" smtClean="0"/>
+              <a:t>Yes</a:t>
+            </a:r>
+            <a:endParaRPr lang="en-US" dirty="0"/>
+          </a:p>
+        </p:txBody>
+      </p:sp>
+      <p:sp>
+        <p:nvSpPr>
+          <p:cNvPr id="21" name="TextBox 20"/>
+          <p:cNvSpPr txBox="1"/>
+          <p:nvPr/>
+        </p:nvSpPr>
+        <p:spPr>
+          <a:xfrm>
+            <a:off x="1965068" y="2687882"/>
+            <a:ext cx="455574" cy="369332"/>
+          </a:xfrm>
+          <a:prstGeom prst="rect">
+            <a:avLst/>
+          </a:prstGeom>
+          <a:noFill/>
+          <a:ln w="19050">
+            <a:noFill/>
+          </a:ln>
+        </p:spPr>
+        <p:txBody>
+          <a:bodyPr wrap="none" rtlCol="0">
+            <a:spAutoFit/>
+          </a:bodyPr>
+          <a:lstStyle/>
+          <a:p>
+            <a:r>
+              <a:rPr lang="en-ID" dirty="0" smtClean="0"/>
+              <a:t>No</a:t>
+            </a:r>
+            <a:endParaRPr lang="en-US" dirty="0"/>
+          </a:p>
+        </p:txBody>
+      </p:sp>
+      <p:sp>
+        <p:nvSpPr>
+          <p:cNvPr id="22" name="Flowchart: Decision 21"/>
+          <p:cNvSpPr/>
+          <p:nvPr/>
+        </p:nvSpPr>
+        <p:spPr>
+          <a:xfrm>
+            <a:off x="971600" y="3176392"/>
+            <a:ext cx="1944216" cy="864096"/>
+          </a:xfrm>
+          <a:prstGeom prst="flowChartDecision">
+            <a:avLst/>
+          </a:prstGeom>
+          <a:noFill/>
+          <a:ln w="19050">
+            <a:solidFill>
+              <a:schemeClr val="tx1"/>
+            </a:solidFill>
+          </a:ln>
+        </p:spPr>
+        <p:style>
+          <a:lnRef idx="2">
+            <a:schemeClr val="accent1">
+              <a:shade val="50000"/>
+            </a:schemeClr>
+          </a:lnRef>
+          <a:fillRef idx="1">
+            <a:schemeClr val="accent1"/>
+          </a:fillRef>
+          <a:effectRef idx="0">
+            <a:schemeClr val="accent1"/>
+          </a:effectRef>
+          <a:fontRef idx="minor">
+            <a:schemeClr val="lt1"/>
+          </a:fontRef>
+        </p:style>
+        <p:txBody>
+          <a:bodyPr rtlCol="0" anchor="ctr"/>
+          <a:lstStyle/>
+          <a:p>
+            <a:pPr algn="ctr"/>
+            <a:r>
+              <a:rPr lang="en-ID" sz="1400" dirty="0" smtClean="0">
+                <a:solidFill>
+                  <a:schemeClr val="tx1"/>
+                </a:solidFill>
+              </a:rPr>
+              <a:t>_pbReset = active</a:t>
+            </a:r>
+            <a:endParaRPr lang="en-US" sz="1400" dirty="0">
+              <a:solidFill>
+                <a:schemeClr val="tx1"/>
+              </a:solidFill>
+            </a:endParaRPr>
+          </a:p>
+        </p:txBody>
+      </p:sp>
+      <p:cxnSp>
+        <p:nvCxnSpPr>
+          <p:cNvPr id="24" name="Straight Arrow Connector 23"/>
+          <p:cNvCxnSpPr>
+            <a:stCxn id="7" idx="2"/>
+            <a:endCxn id="22" idx="0"/>
+          </p:cNvCxnSpPr>
+          <p:nvPr/>
+        </p:nvCxnSpPr>
+        <p:spPr>
+          <a:xfrm>
+            <a:off x="1932856" y="2672336"/>
+            <a:ext cx="10852" cy="504056"/>
+          </a:xfrm>
+          <a:prstGeom prst="straightConnector1">
+            <a:avLst/>
+          </a:prstGeom>
+          <a:ln w="19050">
+            <a:solidFill>
+              <a:schemeClr val="tx1"/>
+            </a:solidFill>
+            <a:tailEnd type="arrow"/>
+          </a:ln>
+        </p:spPr>
+        <p:style>
+          <a:lnRef idx="1">
+            <a:schemeClr val="accent1"/>
+          </a:lnRef>
+          <a:fillRef idx="0">
+            <a:schemeClr val="accent1"/>
+          </a:fillRef>
+          <a:effectRef idx="0">
+            <a:schemeClr val="accent1"/>
+          </a:effectRef>
+          <a:fontRef idx="minor">
+            <a:schemeClr val="tx1"/>
+          </a:fontRef>
+        </p:style>
+      </p:cxnSp>
+      <p:sp>
+        <p:nvSpPr>
+          <p:cNvPr id="27" name="Flowchart: Decision 26"/>
+          <p:cNvSpPr/>
+          <p:nvPr/>
+        </p:nvSpPr>
+        <p:spPr>
+          <a:xfrm>
+            <a:off x="4067944" y="3176392"/>
+            <a:ext cx="2232248" cy="864096"/>
+          </a:xfrm>
+          <a:prstGeom prst="flowChartDecision">
+            <a:avLst/>
+          </a:prstGeom>
+          <a:noFill/>
+          <a:ln w="19050">
+            <a:solidFill>
+              <a:schemeClr val="tx1"/>
+            </a:solidFill>
+          </a:ln>
+        </p:spPr>
+        <p:style>
+          <a:lnRef idx="2">
+            <a:schemeClr val="accent1">
+              <a:shade val="50000"/>
+            </a:schemeClr>
+          </a:lnRef>
+          <a:fillRef idx="1">
+            <a:schemeClr val="accent1"/>
+          </a:fillRef>
+          <a:effectRef idx="0">
+            <a:schemeClr val="accent1"/>
+          </a:effectRef>
+          <a:fontRef idx="minor">
+            <a:schemeClr val="lt1"/>
+          </a:fontRef>
+        </p:style>
+        <p:txBody>
+          <a:bodyPr rtlCol="0" anchor="ctr"/>
+          <a:lstStyle/>
+          <a:p>
+            <a:pPr algn="ctr"/>
+            <a:r>
+              <a:rPr lang="en-ID" sz="1400" dirty="0" smtClean="0">
+                <a:solidFill>
+                  <a:schemeClr val="tx1"/>
+                </a:solidFill>
+              </a:rPr>
+              <a:t>_prevCmd = </a:t>
+            </a:r>
+            <a:r>
+              <a:rPr lang="en-US" sz="1400" dirty="0" smtClean="0">
+                <a:solidFill>
+                  <a:schemeClr val="tx1"/>
+                </a:solidFill>
+              </a:rPr>
+              <a:t>MODE_RESET</a:t>
+            </a:r>
+            <a:endParaRPr lang="en-US" sz="1400" dirty="0">
+              <a:solidFill>
+                <a:schemeClr val="tx1"/>
+              </a:solidFill>
+            </a:endParaRPr>
+          </a:p>
+        </p:txBody>
+      </p:sp>
+      <p:cxnSp>
+        <p:nvCxnSpPr>
+          <p:cNvPr id="29" name="Straight Arrow Connector 28"/>
+          <p:cNvCxnSpPr>
+            <a:stCxn id="22" idx="3"/>
+            <a:endCxn id="27" idx="1"/>
+          </p:cNvCxnSpPr>
+          <p:nvPr/>
+        </p:nvCxnSpPr>
+        <p:spPr>
+          <a:xfrm>
+            <a:off x="2915816" y="3608440"/>
+            <a:ext cx="1152128" cy="0"/>
+          </a:xfrm>
+          <a:prstGeom prst="straightConnector1">
+            <a:avLst/>
+          </a:prstGeom>
+          <a:ln w="19050">
+            <a:solidFill>
+              <a:schemeClr val="tx1"/>
+            </a:solidFill>
+            <a:tailEnd type="arrow"/>
+          </a:ln>
+        </p:spPr>
+        <p:style>
+          <a:lnRef idx="1">
+            <a:schemeClr val="accent1"/>
+          </a:lnRef>
+          <a:fillRef idx="0">
+            <a:schemeClr val="accent1"/>
+          </a:fillRef>
+          <a:effectRef idx="0">
+            <a:schemeClr val="accent1"/>
+          </a:effectRef>
+          <a:fontRef idx="minor">
+            <a:schemeClr val="tx1"/>
+          </a:fontRef>
+        </p:style>
+      </p:cxnSp>
+      <p:sp>
+        <p:nvSpPr>
+          <p:cNvPr id="30" name="TextBox 29"/>
+          <p:cNvSpPr txBox="1"/>
+          <p:nvPr/>
+        </p:nvSpPr>
+        <p:spPr>
+          <a:xfrm>
+            <a:off x="2915816" y="3239108"/>
+            <a:ext cx="485518" cy="369332"/>
+          </a:xfrm>
+          <a:prstGeom prst="rect">
+            <a:avLst/>
+          </a:prstGeom>
+          <a:noFill/>
+          <a:ln w="19050">
+            <a:noFill/>
+          </a:ln>
+        </p:spPr>
+        <p:txBody>
+          <a:bodyPr wrap="none" rtlCol="0">
+            <a:spAutoFit/>
+          </a:bodyPr>
+          <a:lstStyle/>
+          <a:p>
+            <a:r>
+              <a:rPr lang="en-ID" dirty="0" smtClean="0"/>
+              <a:t>Yes</a:t>
+            </a:r>
+            <a:endParaRPr lang="en-US" dirty="0"/>
+          </a:p>
+        </p:txBody>
+      </p:sp>
+      <p:sp>
+        <p:nvSpPr>
+          <p:cNvPr id="36" name="TextBox 35"/>
+          <p:cNvSpPr txBox="1"/>
+          <p:nvPr/>
+        </p:nvSpPr>
+        <p:spPr>
+          <a:xfrm>
+            <a:off x="6590890" y="3331598"/>
+            <a:ext cx="1656184" cy="584775"/>
+          </a:xfrm>
+          <a:prstGeom prst="rect">
+            <a:avLst/>
+          </a:prstGeom>
+          <a:noFill/>
+          <a:ln w="19050">
+            <a:solidFill>
+              <a:schemeClr val="tx1"/>
+            </a:solidFill>
+          </a:ln>
+        </p:spPr>
+        <p:txBody>
+          <a:bodyPr wrap="square" rtlCol="0">
+            <a:spAutoFit/>
+          </a:bodyPr>
+          <a:lstStyle/>
+          <a:p>
+            <a:pPr algn="ctr"/>
+            <a:r>
+              <a:rPr lang="en-ID" dirty="0" smtClean="0"/>
+              <a:t>cmd</a:t>
+            </a:r>
+            <a:r>
+              <a:rPr lang="en-ID" dirty="0" smtClean="0"/>
+              <a:t>  </a:t>
+            </a:r>
+            <a:r>
+              <a:rPr lang="en-ID" dirty="0" smtClean="0"/>
+              <a:t>= </a:t>
+            </a:r>
+            <a:r>
+              <a:rPr lang="en-US" sz="1400" dirty="0" smtClean="0"/>
+              <a:t>MODE_READY</a:t>
+            </a:r>
+            <a:endParaRPr lang="en-US" sz="1400" dirty="0"/>
+          </a:p>
+        </p:txBody>
+      </p:sp>
+      <p:cxnSp>
+        <p:nvCxnSpPr>
+          <p:cNvPr id="37" name="Straight Arrow Connector 36"/>
+          <p:cNvCxnSpPr>
+            <a:stCxn id="27" idx="3"/>
+            <a:endCxn id="36" idx="1"/>
+          </p:cNvCxnSpPr>
+          <p:nvPr/>
+        </p:nvCxnSpPr>
+        <p:spPr>
+          <a:xfrm>
+            <a:off x="6300192" y="3608440"/>
+            <a:ext cx="290698" cy="15546"/>
+          </a:xfrm>
+          <a:prstGeom prst="straightConnector1">
+            <a:avLst/>
+          </a:prstGeom>
+          <a:ln w="19050">
+            <a:solidFill>
+              <a:schemeClr val="tx1"/>
+            </a:solidFill>
+            <a:tailEnd type="arrow"/>
+          </a:ln>
+        </p:spPr>
+        <p:style>
+          <a:lnRef idx="1">
+            <a:schemeClr val="accent1"/>
+          </a:lnRef>
+          <a:fillRef idx="0">
+            <a:schemeClr val="accent1"/>
+          </a:fillRef>
+          <a:effectRef idx="0">
+            <a:schemeClr val="accent1"/>
+          </a:effectRef>
+          <a:fontRef idx="minor">
+            <a:schemeClr val="tx1"/>
+          </a:fontRef>
+        </p:style>
+      </p:cxnSp>
+      <p:sp>
+        <p:nvSpPr>
+          <p:cNvPr id="38" name="TextBox 37"/>
+          <p:cNvSpPr txBox="1"/>
+          <p:nvPr/>
+        </p:nvSpPr>
+        <p:spPr>
+          <a:xfrm>
+            <a:off x="6105372" y="3270200"/>
+            <a:ext cx="485518" cy="369332"/>
+          </a:xfrm>
+          <a:prstGeom prst="rect">
+            <a:avLst/>
+          </a:prstGeom>
+          <a:noFill/>
+          <a:ln w="19050">
+            <a:noFill/>
+          </a:ln>
+        </p:spPr>
+        <p:txBody>
+          <a:bodyPr wrap="none" rtlCol="0">
+            <a:spAutoFit/>
+          </a:bodyPr>
+          <a:lstStyle/>
+          <a:p>
+            <a:r>
+              <a:rPr lang="en-ID" dirty="0" smtClean="0"/>
+              <a:t>Yes</a:t>
+            </a:r>
+            <a:endParaRPr lang="en-US" dirty="0"/>
+          </a:p>
+        </p:txBody>
+      </p:sp>
+      <p:sp>
+        <p:nvSpPr>
+          <p:cNvPr id="42" name="Flowchart: Decision 41"/>
+          <p:cNvSpPr/>
+          <p:nvPr/>
+        </p:nvSpPr>
+        <p:spPr>
+          <a:xfrm>
+            <a:off x="4067944" y="4400528"/>
+            <a:ext cx="2232248" cy="864096"/>
+          </a:xfrm>
+          <a:prstGeom prst="flowChartDecision">
+            <a:avLst/>
+          </a:prstGeom>
+          <a:noFill/>
+          <a:ln w="19050">
+            <a:solidFill>
+              <a:schemeClr val="tx1"/>
+            </a:solidFill>
+          </a:ln>
+        </p:spPr>
+        <p:style>
+          <a:lnRef idx="2">
+            <a:schemeClr val="accent1">
+              <a:shade val="50000"/>
+            </a:schemeClr>
+          </a:lnRef>
+          <a:fillRef idx="1">
+            <a:schemeClr val="accent1"/>
+          </a:fillRef>
+          <a:effectRef idx="0">
+            <a:schemeClr val="accent1"/>
+          </a:effectRef>
+          <a:fontRef idx="minor">
+            <a:schemeClr val="lt1"/>
+          </a:fontRef>
+        </p:style>
+        <p:txBody>
+          <a:bodyPr rtlCol="0" anchor="ctr"/>
+          <a:lstStyle/>
+          <a:p>
+            <a:pPr algn="ctr"/>
+            <a:r>
+              <a:rPr lang="en-ID" sz="1400" dirty="0" smtClean="0">
+                <a:solidFill>
+                  <a:schemeClr val="tx1"/>
+                </a:solidFill>
+              </a:rPr>
+              <a:t>_prevCmd = </a:t>
+            </a:r>
+            <a:r>
+              <a:rPr lang="en-US" sz="1400" dirty="0" smtClean="0">
+                <a:solidFill>
+                  <a:schemeClr val="tx1"/>
+                </a:solidFill>
+              </a:rPr>
+              <a:t>MODE_READY</a:t>
+            </a:r>
+            <a:endParaRPr lang="en-US" sz="1400" dirty="0">
+              <a:solidFill>
+                <a:schemeClr val="tx1"/>
+              </a:solidFill>
+            </a:endParaRPr>
+          </a:p>
+        </p:txBody>
+      </p:sp>
+      <p:cxnSp>
+        <p:nvCxnSpPr>
+          <p:cNvPr id="46" name="Straight Arrow Connector 45"/>
+          <p:cNvCxnSpPr>
+            <a:stCxn id="27" idx="2"/>
+            <a:endCxn id="42" idx="0"/>
+          </p:cNvCxnSpPr>
+          <p:nvPr/>
+        </p:nvCxnSpPr>
+        <p:spPr>
+          <a:xfrm>
+            <a:off x="5184068" y="4040488"/>
+            <a:ext cx="0" cy="360040"/>
+          </a:xfrm>
+          <a:prstGeom prst="straightConnector1">
+            <a:avLst/>
+          </a:prstGeom>
+          <a:ln w="19050">
+            <a:solidFill>
+              <a:schemeClr val="tx1"/>
+            </a:solidFill>
+            <a:tailEnd type="arrow"/>
+          </a:ln>
+        </p:spPr>
+        <p:style>
+          <a:lnRef idx="1">
+            <a:schemeClr val="accent1"/>
+          </a:lnRef>
+          <a:fillRef idx="0">
+            <a:schemeClr val="accent1"/>
+          </a:fillRef>
+          <a:effectRef idx="0">
+            <a:schemeClr val="accent1"/>
+          </a:effectRef>
+          <a:fontRef idx="minor">
+            <a:schemeClr val="tx1"/>
+          </a:fontRef>
+        </p:style>
+      </p:cxnSp>
+      <p:sp>
+        <p:nvSpPr>
+          <p:cNvPr id="47" name="TextBox 46"/>
+          <p:cNvSpPr txBox="1"/>
+          <p:nvPr/>
+        </p:nvSpPr>
+        <p:spPr>
+          <a:xfrm>
+            <a:off x="6510682" y="4540188"/>
+            <a:ext cx="1656184" cy="584775"/>
+          </a:xfrm>
+          <a:prstGeom prst="rect">
+            <a:avLst/>
+          </a:prstGeom>
+          <a:noFill/>
+          <a:ln w="19050">
+            <a:solidFill>
+              <a:schemeClr val="tx1"/>
+            </a:solidFill>
+          </a:ln>
+        </p:spPr>
+        <p:txBody>
+          <a:bodyPr wrap="square" rtlCol="0">
+            <a:spAutoFit/>
+          </a:bodyPr>
+          <a:lstStyle/>
+          <a:p>
+            <a:pPr algn="ctr"/>
+            <a:r>
+              <a:rPr lang="en-ID" dirty="0" smtClean="0"/>
+              <a:t>cmd</a:t>
+            </a:r>
+            <a:r>
+              <a:rPr lang="en-ID" dirty="0" smtClean="0"/>
+              <a:t>  </a:t>
+            </a:r>
+            <a:r>
+              <a:rPr lang="en-ID" dirty="0" smtClean="0"/>
+              <a:t>= </a:t>
+            </a:r>
+            <a:r>
+              <a:rPr lang="en-US" sz="1400" dirty="0" smtClean="0"/>
+              <a:t>MODE_READY</a:t>
+            </a:r>
+            <a:endParaRPr lang="en-US" sz="1400" dirty="0"/>
+          </a:p>
+        </p:txBody>
+      </p:sp>
+      <p:cxnSp>
+        <p:nvCxnSpPr>
+          <p:cNvPr id="48" name="Straight Arrow Connector 47"/>
+          <p:cNvCxnSpPr>
+            <a:stCxn id="42" idx="3"/>
+            <a:endCxn id="47" idx="1"/>
+          </p:cNvCxnSpPr>
+          <p:nvPr/>
+        </p:nvCxnSpPr>
+        <p:spPr>
+          <a:xfrm>
+            <a:off x="6300192" y="4832576"/>
+            <a:ext cx="210490" cy="0"/>
+          </a:xfrm>
+          <a:prstGeom prst="straightConnector1">
+            <a:avLst/>
+          </a:prstGeom>
+          <a:ln w="19050">
+            <a:solidFill>
+              <a:schemeClr val="tx1"/>
+            </a:solidFill>
+            <a:tailEnd type="arrow"/>
+          </a:ln>
+        </p:spPr>
+        <p:style>
+          <a:lnRef idx="1">
+            <a:schemeClr val="accent1"/>
+          </a:lnRef>
+          <a:fillRef idx="0">
+            <a:schemeClr val="accent1"/>
+          </a:fillRef>
+          <a:effectRef idx="0">
+            <a:schemeClr val="accent1"/>
+          </a:effectRef>
+          <a:fontRef idx="minor">
+            <a:schemeClr val="tx1"/>
+          </a:fontRef>
+        </p:style>
+      </p:cxnSp>
+      <p:sp>
+        <p:nvSpPr>
+          <p:cNvPr id="49" name="TextBox 48"/>
+          <p:cNvSpPr txBox="1"/>
+          <p:nvPr/>
+        </p:nvSpPr>
+        <p:spPr>
+          <a:xfrm>
+            <a:off x="6057433" y="4453390"/>
+            <a:ext cx="485518" cy="369332"/>
+          </a:xfrm>
+          <a:prstGeom prst="rect">
+            <a:avLst/>
+          </a:prstGeom>
+          <a:noFill/>
+          <a:ln w="19050">
+            <a:noFill/>
+          </a:ln>
+        </p:spPr>
+        <p:txBody>
+          <a:bodyPr wrap="none" rtlCol="0">
+            <a:spAutoFit/>
+          </a:bodyPr>
+          <a:lstStyle/>
+          <a:p>
+            <a:r>
+              <a:rPr lang="en-ID" dirty="0" smtClean="0"/>
+              <a:t>Yes</a:t>
+            </a:r>
+            <a:endParaRPr lang="en-US" dirty="0"/>
+          </a:p>
+        </p:txBody>
+      </p:sp>
+      <p:sp>
+        <p:nvSpPr>
+          <p:cNvPr id="50" name="TextBox 49"/>
+          <p:cNvSpPr txBox="1"/>
+          <p:nvPr/>
+        </p:nvSpPr>
+        <p:spPr>
+          <a:xfrm>
+            <a:off x="4355976" y="5624664"/>
+            <a:ext cx="1656184" cy="646331"/>
+          </a:xfrm>
+          <a:prstGeom prst="rect">
+            <a:avLst/>
+          </a:prstGeom>
+          <a:noFill/>
+          <a:ln w="19050">
+            <a:solidFill>
+              <a:schemeClr val="tx1"/>
+            </a:solidFill>
+          </a:ln>
+        </p:spPr>
+        <p:txBody>
+          <a:bodyPr wrap="square" rtlCol="0">
+            <a:spAutoFit/>
+          </a:bodyPr>
+          <a:lstStyle/>
+          <a:p>
+            <a:pPr algn="ctr"/>
+            <a:r>
+              <a:rPr lang="en-ID" dirty="0" smtClean="0"/>
+              <a:t>cmd</a:t>
+            </a:r>
+            <a:r>
+              <a:rPr lang="en-ID" dirty="0" smtClean="0"/>
+              <a:t>  </a:t>
+            </a:r>
+            <a:r>
+              <a:rPr lang="en-ID" dirty="0" smtClean="0"/>
+              <a:t>= </a:t>
+            </a:r>
+            <a:r>
+              <a:rPr lang="en-US" dirty="0" smtClean="0"/>
+              <a:t>MODE_RESET</a:t>
+            </a:r>
+            <a:endParaRPr lang="en-US" dirty="0"/>
+          </a:p>
+        </p:txBody>
+      </p:sp>
+      <p:cxnSp>
+        <p:nvCxnSpPr>
+          <p:cNvPr id="52" name="Straight Arrow Connector 51"/>
+          <p:cNvCxnSpPr>
+            <a:stCxn id="42" idx="2"/>
+            <a:endCxn id="50" idx="0"/>
+          </p:cNvCxnSpPr>
+          <p:nvPr/>
+        </p:nvCxnSpPr>
+        <p:spPr>
+          <a:xfrm>
+            <a:off x="5184068" y="5264624"/>
+            <a:ext cx="0" cy="360040"/>
+          </a:xfrm>
+          <a:prstGeom prst="straightConnector1">
+            <a:avLst/>
+          </a:prstGeom>
+          <a:ln w="19050">
+            <a:solidFill>
+              <a:schemeClr val="tx1"/>
+            </a:solidFill>
+            <a:tailEnd type="arrow"/>
+          </a:ln>
+        </p:spPr>
+        <p:style>
+          <a:lnRef idx="1">
+            <a:schemeClr val="accent1"/>
+          </a:lnRef>
+          <a:fillRef idx="0">
+            <a:schemeClr val="accent1"/>
+          </a:fillRef>
+          <a:effectRef idx="0">
+            <a:schemeClr val="accent1"/>
+          </a:effectRef>
+          <a:fontRef idx="minor">
+            <a:schemeClr val="tx1"/>
+          </a:fontRef>
+        </p:style>
+      </p:cxnSp>
+      <p:cxnSp>
+        <p:nvCxnSpPr>
+          <p:cNvPr id="55" name="Elbow Connector 54"/>
+          <p:cNvCxnSpPr>
+            <a:stCxn id="14" idx="3"/>
+            <a:endCxn id="106" idx="0"/>
+          </p:cNvCxnSpPr>
+          <p:nvPr/>
+        </p:nvCxnSpPr>
+        <p:spPr>
+          <a:xfrm>
+            <a:off x="4882442" y="2240288"/>
+            <a:ext cx="3670956" cy="3888432"/>
+          </a:xfrm>
+          <a:prstGeom prst="bentConnector2">
+            <a:avLst/>
+          </a:prstGeom>
+          <a:ln w="19050">
+            <a:solidFill>
+              <a:schemeClr val="tx1"/>
+            </a:solidFill>
+            <a:tailEnd type="arrow"/>
+          </a:ln>
+        </p:spPr>
+        <p:style>
+          <a:lnRef idx="1">
+            <a:schemeClr val="accent1"/>
+          </a:lnRef>
+          <a:fillRef idx="0">
+            <a:schemeClr val="accent1"/>
+          </a:fillRef>
+          <a:effectRef idx="0">
+            <a:schemeClr val="accent1"/>
+          </a:effectRef>
+          <a:fontRef idx="minor">
+            <a:schemeClr val="tx1"/>
+          </a:fontRef>
+        </p:style>
+      </p:cxnSp>
+      <p:cxnSp>
+        <p:nvCxnSpPr>
+          <p:cNvPr id="57" name="Straight Arrow Connector 56"/>
+          <p:cNvCxnSpPr>
+            <a:stCxn id="36" idx="3"/>
+          </p:cNvCxnSpPr>
+          <p:nvPr/>
+        </p:nvCxnSpPr>
+        <p:spPr>
+          <a:xfrm>
+            <a:off x="8247074" y="3623986"/>
+            <a:ext cx="306324" cy="0"/>
+          </a:xfrm>
+          <a:prstGeom prst="straightConnector1">
+            <a:avLst/>
+          </a:prstGeom>
+          <a:ln w="19050">
+            <a:solidFill>
+              <a:schemeClr val="tx1"/>
+            </a:solidFill>
+            <a:tailEnd type="arrow"/>
+          </a:ln>
+        </p:spPr>
+        <p:style>
+          <a:lnRef idx="1">
+            <a:schemeClr val="accent1"/>
+          </a:lnRef>
+          <a:fillRef idx="0">
+            <a:schemeClr val="accent1"/>
+          </a:fillRef>
+          <a:effectRef idx="0">
+            <a:schemeClr val="accent1"/>
+          </a:effectRef>
+          <a:fontRef idx="minor">
+            <a:schemeClr val="tx1"/>
+          </a:fontRef>
+        </p:style>
+      </p:cxnSp>
+      <p:cxnSp>
+        <p:nvCxnSpPr>
+          <p:cNvPr id="59" name="Straight Arrow Connector 58"/>
+          <p:cNvCxnSpPr>
+            <a:stCxn id="47" idx="3"/>
+          </p:cNvCxnSpPr>
+          <p:nvPr/>
+        </p:nvCxnSpPr>
+        <p:spPr>
+          <a:xfrm>
+            <a:off x="8166866" y="4832576"/>
+            <a:ext cx="386532" cy="0"/>
+          </a:xfrm>
+          <a:prstGeom prst="straightConnector1">
+            <a:avLst/>
+          </a:prstGeom>
+          <a:ln w="19050">
+            <a:solidFill>
+              <a:schemeClr val="tx1"/>
+            </a:solidFill>
+            <a:tailEnd type="arrow"/>
+          </a:ln>
+        </p:spPr>
+        <p:style>
+          <a:lnRef idx="1">
+            <a:schemeClr val="accent1"/>
+          </a:lnRef>
+          <a:fillRef idx="0">
+            <a:schemeClr val="accent1"/>
+          </a:fillRef>
+          <a:effectRef idx="0">
+            <a:schemeClr val="accent1"/>
+          </a:effectRef>
+          <a:fontRef idx="minor">
+            <a:schemeClr val="tx1"/>
+          </a:fontRef>
+        </p:style>
+      </p:cxnSp>
+      <p:cxnSp>
+        <p:nvCxnSpPr>
+          <p:cNvPr id="61" name="Straight Arrow Connector 60"/>
+          <p:cNvCxnSpPr>
+            <a:stCxn id="50" idx="3"/>
+          </p:cNvCxnSpPr>
+          <p:nvPr/>
+        </p:nvCxnSpPr>
+        <p:spPr>
+          <a:xfrm>
+            <a:off x="6012160" y="5947830"/>
+            <a:ext cx="2538572" cy="0"/>
+          </a:xfrm>
+          <a:prstGeom prst="straightConnector1">
+            <a:avLst/>
+          </a:prstGeom>
+          <a:ln w="19050">
+            <a:solidFill>
+              <a:schemeClr val="tx1"/>
+            </a:solidFill>
+            <a:tailEnd type="arrow"/>
+          </a:ln>
+        </p:spPr>
+        <p:style>
+          <a:lnRef idx="1">
+            <a:schemeClr val="accent1"/>
+          </a:lnRef>
+          <a:fillRef idx="0">
+            <a:schemeClr val="accent1"/>
+          </a:fillRef>
+          <a:effectRef idx="0">
+            <a:schemeClr val="accent1"/>
+          </a:effectRef>
+          <a:fontRef idx="minor">
+            <a:schemeClr val="tx1"/>
+          </a:fontRef>
+        </p:style>
+      </p:cxnSp>
+      <p:sp>
+        <p:nvSpPr>
+          <p:cNvPr id="66" name="Flowchart: Decision 65"/>
+          <p:cNvSpPr/>
+          <p:nvPr/>
+        </p:nvSpPr>
+        <p:spPr>
+          <a:xfrm>
+            <a:off x="517126" y="4317746"/>
+            <a:ext cx="1944216" cy="864096"/>
+          </a:xfrm>
+          <a:prstGeom prst="flowChartDecision">
+            <a:avLst/>
+          </a:prstGeom>
+          <a:noFill/>
+          <a:ln w="19050">
+            <a:solidFill>
+              <a:schemeClr val="tx1"/>
+            </a:solidFill>
+          </a:ln>
+        </p:spPr>
+        <p:style>
+          <a:lnRef idx="2">
+            <a:schemeClr val="accent1">
+              <a:shade val="50000"/>
+            </a:schemeClr>
+          </a:lnRef>
+          <a:fillRef idx="1">
+            <a:schemeClr val="accent1"/>
+          </a:fillRef>
+          <a:effectRef idx="0">
+            <a:schemeClr val="accent1"/>
+          </a:effectRef>
+          <a:fontRef idx="minor">
+            <a:schemeClr val="lt1"/>
+          </a:fontRef>
+        </p:style>
+        <p:txBody>
+          <a:bodyPr rtlCol="0" anchor="ctr"/>
+          <a:lstStyle/>
+          <a:p>
+            <a:pPr algn="ctr"/>
+            <a:r>
+              <a:rPr lang="en-ID" sz="1400" dirty="0" smtClean="0">
+                <a:solidFill>
+                  <a:schemeClr val="tx1"/>
+                </a:solidFill>
+              </a:rPr>
+              <a:t>_pbAuto = active</a:t>
+            </a:r>
+            <a:endParaRPr lang="en-US" sz="1400" dirty="0">
+              <a:solidFill>
+                <a:schemeClr val="tx1"/>
+              </a:solidFill>
+            </a:endParaRPr>
+          </a:p>
+        </p:txBody>
+      </p:sp>
+      <p:cxnSp>
+        <p:nvCxnSpPr>
+          <p:cNvPr id="68" name="Elbow Connector 67"/>
+          <p:cNvCxnSpPr>
+            <a:stCxn id="22" idx="2"/>
+            <a:endCxn id="66" idx="0"/>
+          </p:cNvCxnSpPr>
+          <p:nvPr/>
+        </p:nvCxnSpPr>
+        <p:spPr>
+          <a:xfrm rot="5400000">
+            <a:off x="1577842" y="3951880"/>
+            <a:ext cx="277258" cy="454474"/>
+          </a:xfrm>
+          <a:prstGeom prst="bentConnector3">
+            <a:avLst/>
+          </a:prstGeom>
+          <a:ln w="19050">
+            <a:solidFill>
+              <a:schemeClr val="tx1"/>
+            </a:solidFill>
+            <a:tailEnd type="arrow"/>
+          </a:ln>
+        </p:spPr>
+        <p:style>
+          <a:lnRef idx="1">
+            <a:schemeClr val="accent1"/>
+          </a:lnRef>
+          <a:fillRef idx="0">
+            <a:schemeClr val="accent1"/>
+          </a:fillRef>
+          <a:effectRef idx="0">
+            <a:schemeClr val="accent1"/>
+          </a:effectRef>
+          <a:fontRef idx="minor">
+            <a:schemeClr val="tx1"/>
+          </a:fontRef>
+        </p:style>
+      </p:cxnSp>
+      <p:sp>
+        <p:nvSpPr>
+          <p:cNvPr id="69" name="TextBox 68"/>
+          <p:cNvSpPr txBox="1"/>
+          <p:nvPr/>
+        </p:nvSpPr>
+        <p:spPr>
+          <a:xfrm>
+            <a:off x="2615986" y="4442017"/>
+            <a:ext cx="1350366" cy="584775"/>
+          </a:xfrm>
+          <a:prstGeom prst="rect">
+            <a:avLst/>
+          </a:prstGeom>
+          <a:noFill/>
+          <a:ln w="19050">
+            <a:solidFill>
+              <a:schemeClr val="tx1"/>
+            </a:solidFill>
+          </a:ln>
+        </p:spPr>
+        <p:txBody>
+          <a:bodyPr wrap="square" rtlCol="0">
+            <a:spAutoFit/>
+          </a:bodyPr>
+          <a:lstStyle/>
+          <a:p>
+            <a:pPr algn="ctr"/>
+            <a:r>
+              <a:rPr lang="en-ID" dirty="0" smtClean="0"/>
+              <a:t>cmd</a:t>
+            </a:r>
+            <a:r>
+              <a:rPr lang="en-ID" dirty="0" smtClean="0"/>
+              <a:t>  </a:t>
+            </a:r>
+            <a:r>
+              <a:rPr lang="en-ID" dirty="0" smtClean="0"/>
+              <a:t>= </a:t>
+            </a:r>
+            <a:r>
+              <a:rPr lang="en-US" sz="1400" dirty="0" smtClean="0"/>
+              <a:t>MODE_AUTO</a:t>
+            </a:r>
+            <a:endParaRPr lang="en-US" sz="1400" dirty="0"/>
+          </a:p>
+        </p:txBody>
+      </p:sp>
+      <p:sp>
+        <p:nvSpPr>
+          <p:cNvPr id="70" name="TextBox 69"/>
+          <p:cNvSpPr txBox="1"/>
+          <p:nvPr/>
+        </p:nvSpPr>
+        <p:spPr>
+          <a:xfrm>
+            <a:off x="2407338" y="4397370"/>
+            <a:ext cx="296876" cy="369332"/>
+          </a:xfrm>
+          <a:prstGeom prst="rect">
+            <a:avLst/>
+          </a:prstGeom>
+          <a:noFill/>
+          <a:ln w="19050">
+            <a:noFill/>
+          </a:ln>
+        </p:spPr>
+        <p:txBody>
+          <a:bodyPr wrap="none" rtlCol="0">
+            <a:spAutoFit/>
+          </a:bodyPr>
+          <a:lstStyle/>
+          <a:p>
+            <a:r>
+              <a:rPr lang="en-ID" dirty="0" smtClean="0"/>
+              <a:t>Y</a:t>
+            </a:r>
+            <a:endParaRPr lang="en-US" dirty="0"/>
+          </a:p>
+        </p:txBody>
+      </p:sp>
+      <p:cxnSp>
+        <p:nvCxnSpPr>
+          <p:cNvPr id="78" name="Straight Arrow Connector 77"/>
+          <p:cNvCxnSpPr>
+            <a:stCxn id="66" idx="3"/>
+            <a:endCxn id="69" idx="1"/>
+          </p:cNvCxnSpPr>
+          <p:nvPr/>
+        </p:nvCxnSpPr>
+        <p:spPr>
+          <a:xfrm flipV="1">
+            <a:off x="2461342" y="4734405"/>
+            <a:ext cx="154644" cy="15389"/>
+          </a:xfrm>
+          <a:prstGeom prst="straightConnector1">
+            <a:avLst/>
+          </a:prstGeom>
+          <a:ln w="19050">
+            <a:solidFill>
+              <a:schemeClr val="tx1"/>
+            </a:solidFill>
+            <a:tailEnd type="arrow"/>
+          </a:ln>
+        </p:spPr>
+        <p:style>
+          <a:lnRef idx="1">
+            <a:schemeClr val="accent1"/>
+          </a:lnRef>
+          <a:fillRef idx="0">
+            <a:schemeClr val="accent1"/>
+          </a:fillRef>
+          <a:effectRef idx="0">
+            <a:schemeClr val="accent1"/>
+          </a:effectRef>
+          <a:fontRef idx="minor">
+            <a:schemeClr val="tx1"/>
+          </a:fontRef>
+        </p:style>
+      </p:cxnSp>
+      <p:cxnSp>
+        <p:nvCxnSpPr>
+          <p:cNvPr id="89" name="Straight Arrow Connector 88"/>
+          <p:cNvCxnSpPr>
+            <a:stCxn id="66" idx="2"/>
+            <a:endCxn id="110" idx="0"/>
+          </p:cNvCxnSpPr>
+          <p:nvPr/>
+        </p:nvCxnSpPr>
+        <p:spPr>
+          <a:xfrm>
+            <a:off x="1489234" y="5181842"/>
+            <a:ext cx="0" cy="874870"/>
+          </a:xfrm>
+          <a:prstGeom prst="straightConnector1">
+            <a:avLst/>
+          </a:prstGeom>
+          <a:ln w="19050">
+            <a:solidFill>
+              <a:schemeClr val="tx1"/>
+            </a:solidFill>
+            <a:tailEnd type="arrow"/>
+          </a:ln>
+        </p:spPr>
+        <p:style>
+          <a:lnRef idx="1">
+            <a:schemeClr val="accent1"/>
+          </a:lnRef>
+          <a:fillRef idx="0">
+            <a:schemeClr val="accent1"/>
+          </a:fillRef>
+          <a:effectRef idx="0">
+            <a:schemeClr val="accent1"/>
+          </a:effectRef>
+          <a:fontRef idx="minor">
+            <a:schemeClr val="tx1"/>
+          </a:fontRef>
+        </p:style>
+      </p:cxnSp>
+      <p:cxnSp>
+        <p:nvCxnSpPr>
+          <p:cNvPr id="103" name="Elbow Connector 102"/>
+          <p:cNvCxnSpPr>
+            <a:stCxn id="69" idx="2"/>
+            <a:endCxn id="106" idx="1"/>
+          </p:cNvCxnSpPr>
+          <p:nvPr/>
+        </p:nvCxnSpPr>
+        <p:spPr>
+          <a:xfrm rot="16200000" flipH="1">
+            <a:off x="5064995" y="3252965"/>
+            <a:ext cx="1408252" cy="4955905"/>
+          </a:xfrm>
+          <a:prstGeom prst="bentConnector2">
+            <a:avLst/>
+          </a:prstGeom>
+          <a:ln w="19050">
+            <a:solidFill>
+              <a:schemeClr val="tx1"/>
+            </a:solidFill>
+            <a:tailEnd type="arrow"/>
+          </a:ln>
+        </p:spPr>
+        <p:style>
+          <a:lnRef idx="1">
+            <a:schemeClr val="accent1"/>
+          </a:lnRef>
+          <a:fillRef idx="0">
+            <a:schemeClr val="accent1"/>
+          </a:fillRef>
+          <a:effectRef idx="0">
+            <a:schemeClr val="accent1"/>
+          </a:effectRef>
+          <a:fontRef idx="minor">
+            <a:schemeClr val="tx1"/>
+          </a:fontRef>
+        </p:style>
+      </p:cxnSp>
+      <p:sp>
+        <p:nvSpPr>
+          <p:cNvPr id="106" name="Flowchart: Off-page Connector 105"/>
+          <p:cNvSpPr/>
+          <p:nvPr/>
+        </p:nvSpPr>
+        <p:spPr>
+          <a:xfrm>
+            <a:off x="8247074" y="6128720"/>
+            <a:ext cx="612648" cy="612648"/>
+          </a:xfrm>
+          <a:prstGeom prst="flowChartOffpageConnector">
+            <a:avLst/>
+          </a:prstGeom>
+          <a:noFill/>
+          <a:ln>
+            <a:solidFill>
+              <a:schemeClr val="tx1"/>
+            </a:solidFill>
+          </a:ln>
+        </p:spPr>
+        <p:style>
+          <a:lnRef idx="2">
+            <a:schemeClr val="accent1">
+              <a:shade val="50000"/>
+            </a:schemeClr>
+          </a:lnRef>
+          <a:fillRef idx="1">
+            <a:schemeClr val="accent1"/>
+          </a:fillRef>
+          <a:effectRef idx="0">
+            <a:schemeClr val="accent1"/>
+          </a:effectRef>
+          <a:fontRef idx="minor">
+            <a:schemeClr val="lt1"/>
+          </a:fontRef>
+        </p:style>
+        <p:txBody>
+          <a:bodyPr rtlCol="0" anchor="ctr"/>
+          <a:lstStyle/>
+          <a:p>
+            <a:pPr algn="ctr"/>
+            <a:r>
+              <a:rPr lang="en-ID" b="1" dirty="0" smtClean="0">
+                <a:solidFill>
+                  <a:schemeClr val="tx1"/>
+                </a:solidFill>
+              </a:rPr>
+              <a:t>2</a:t>
+            </a:r>
+            <a:endParaRPr lang="en-US" b="1" dirty="0">
+              <a:solidFill>
+                <a:schemeClr val="tx1"/>
+              </a:solidFill>
+            </a:endParaRPr>
+          </a:p>
+        </p:txBody>
+      </p:sp>
+      <p:sp>
+        <p:nvSpPr>
+          <p:cNvPr id="110" name="Flowchart: Off-page Connector 109"/>
+          <p:cNvSpPr/>
+          <p:nvPr/>
+        </p:nvSpPr>
+        <p:spPr>
+          <a:xfrm>
+            <a:off x="1182910" y="6056712"/>
+            <a:ext cx="612648" cy="612648"/>
+          </a:xfrm>
+          <a:prstGeom prst="flowChartOffpageConnector">
+            <a:avLst/>
+          </a:prstGeom>
+          <a:noFill/>
+          <a:ln>
+            <a:solidFill>
+              <a:schemeClr val="tx1"/>
+            </a:solidFill>
+          </a:ln>
+        </p:spPr>
+        <p:style>
+          <a:lnRef idx="2">
+            <a:schemeClr val="accent1">
+              <a:shade val="50000"/>
+            </a:schemeClr>
+          </a:lnRef>
+          <a:fillRef idx="1">
+            <a:schemeClr val="accent1"/>
+          </a:fillRef>
+          <a:effectRef idx="0">
+            <a:schemeClr val="accent1"/>
+          </a:effectRef>
+          <a:fontRef idx="minor">
+            <a:schemeClr val="lt1"/>
+          </a:fontRef>
+        </p:style>
+        <p:txBody>
+          <a:bodyPr rtlCol="0" anchor="ctr"/>
+          <a:lstStyle/>
+          <a:p>
+            <a:pPr algn="ctr"/>
+            <a:r>
+              <a:rPr lang="en-ID" b="1" dirty="0" smtClean="0">
+                <a:solidFill>
+                  <a:schemeClr val="tx1"/>
+                </a:solidFill>
+              </a:rPr>
+              <a:t>1</a:t>
+            </a:r>
+            <a:endParaRPr lang="en-US" b="1" dirty="0">
+              <a:solidFill>
+                <a:schemeClr val="tx1"/>
+              </a:solidFill>
+            </a:endParaRPr>
+          </a:p>
+        </p:txBody>
+      </p:sp>
+      <p:sp>
+        <p:nvSpPr>
+          <p:cNvPr id="112" name="Flowchart: Predefined Process 111"/>
+          <p:cNvSpPr/>
+          <p:nvPr/>
+        </p:nvSpPr>
+        <p:spPr>
+          <a:xfrm>
+            <a:off x="179512" y="654503"/>
+            <a:ext cx="3532814" cy="830281"/>
+          </a:xfrm>
+          <a:prstGeom prst="flowChartPredefinedProcess">
+            <a:avLst/>
+          </a:prstGeom>
+          <a:noFill/>
+          <a:ln>
+            <a:solidFill>
+              <a:schemeClr val="tx1"/>
+            </a:solidFill>
+          </a:ln>
+        </p:spPr>
+        <p:style>
+          <a:lnRef idx="2">
+            <a:schemeClr val="accent1">
+              <a:shade val="50000"/>
+            </a:schemeClr>
+          </a:lnRef>
+          <a:fillRef idx="1">
+            <a:schemeClr val="accent1"/>
+          </a:fillRef>
+          <a:effectRef idx="0">
+            <a:schemeClr val="accent1"/>
+          </a:effectRef>
+          <a:fontRef idx="minor">
+            <a:schemeClr val="lt1"/>
+          </a:fontRef>
+        </p:style>
+        <p:txBody>
+          <a:bodyPr rtlCol="0" anchor="ctr"/>
+          <a:lstStyle/>
+          <a:p>
+            <a:pPr algn="ctr"/>
+            <a:r>
+              <a:rPr lang="en-ID" dirty="0" smtClean="0">
+                <a:solidFill>
+                  <a:schemeClr val="tx1"/>
+                </a:solidFill>
+              </a:rPr>
+              <a:t>getData digital with debouncing mechanism</a:t>
+            </a:r>
+            <a:endParaRPr lang="en-US" dirty="0"/>
+          </a:p>
+        </p:txBody>
+      </p:sp>
+    </p:spTree>
+    <p:extLst>
+      <p:ext uri="{BB962C8B-B14F-4D97-AF65-F5344CB8AC3E}">
+        <p14:creationId xmlns:p14="http://schemas.microsoft.com/office/powerpoint/2010/main" val="56327785"/>
+      </p:ext>
+    </p:extLst>
+  </p:cSld>
+  <p:clrMapOvr>
+    <a:masterClrMapping/>
+  </p:clrMapOvr>
+  <p:timing>
+    <p:tnLst>
+      <p:par>
+        <p:cTn id="1" dur="indefinite" restart="never" nodeType="tmRoot"/>
+      </p:par>
+    </p:tnLst>
+  </p:timing>
+</p:sld>
+</file>
+
+<file path=ppt/slides/slide7.xml><?xml version="1.0" encoding="utf-8"?>
+<p:sld xmlns:a="http://schemas.openxmlformats.org/drawingml/2006/main" xmlns:r="http://schemas.openxmlformats.org/officeDocument/2006/relationships" xmlns:p="http://schemas.openxmlformats.org/presentationml/2006/main">
+  <p:cSld>
+    <p:spTree>
+      <p:nvGrpSpPr>
+        <p:cNvPr id="1" name=""/>
+        <p:cNvGrpSpPr/>
+        <p:nvPr/>
+      </p:nvGrpSpPr>
+      <p:grpSpPr>
+        <a:xfrm>
+          <a:off x="0" y="0"/>
+          <a:ext cx="0" cy="0"/>
+          <a:chOff x="0" y="0"/>
+          <a:chExt cx="0" cy="0"/>
+        </a:xfrm>
+      </p:grpSpPr>
+      <p:sp>
+        <p:nvSpPr>
+          <p:cNvPr id="4" name="Rectangle 3"/>
+          <p:cNvSpPr/>
+          <p:nvPr/>
+        </p:nvSpPr>
+        <p:spPr>
+          <a:xfrm>
+            <a:off x="2555776" y="188640"/>
+            <a:ext cx="5065874" cy="584775"/>
+          </a:xfrm>
+          <a:prstGeom prst="rect">
+            <a:avLst/>
+          </a:prstGeom>
+        </p:spPr>
+        <p:txBody>
+          <a:bodyPr wrap="none">
+            <a:spAutoFit/>
+          </a:bodyPr>
+          <a:lstStyle/>
+          <a:p>
+            <a:r>
+              <a:rPr lang="en-ID" b="1" dirty="0"/>
+              <a:t>Flowchart </a:t>
+            </a:r>
+            <a:r>
+              <a:rPr lang="en-US" dirty="0"/>
+              <a:t>_pbAMRT-&gt;getCmd(DEBOUNCING_TIME</a:t>
+            </a:r>
+            <a:r>
+              <a:rPr lang="en-US" dirty="0" smtClean="0"/>
+              <a:t>)</a:t>
+            </a:r>
+          </a:p>
+          <a:p>
+            <a:pPr algn="ctr"/>
+            <a:r>
+              <a:rPr lang="en-ID" sz="1400" dirty="0" smtClean="0"/>
+              <a:t>File : src\compDevices\pbAMRT.cpp</a:t>
+            </a:r>
+            <a:endParaRPr lang="en-US" sz="1400" dirty="0"/>
+          </a:p>
+        </p:txBody>
+      </p:sp>
+      <p:sp>
+        <p:nvSpPr>
+          <p:cNvPr id="5" name="Flowchart: Decision 4"/>
+          <p:cNvSpPr/>
+          <p:nvPr/>
+        </p:nvSpPr>
+        <p:spPr>
+          <a:xfrm>
+            <a:off x="786608" y="2000301"/>
+            <a:ext cx="1944216" cy="864096"/>
+          </a:xfrm>
+          <a:prstGeom prst="flowChartDecision">
+            <a:avLst/>
+          </a:prstGeom>
+          <a:noFill/>
+          <a:ln w="19050">
+            <a:solidFill>
+              <a:schemeClr val="tx1"/>
+            </a:solidFill>
+          </a:ln>
+        </p:spPr>
+        <p:style>
+          <a:lnRef idx="2">
+            <a:schemeClr val="accent1">
+              <a:shade val="50000"/>
+            </a:schemeClr>
+          </a:lnRef>
+          <a:fillRef idx="1">
+            <a:schemeClr val="accent1"/>
+          </a:fillRef>
+          <a:effectRef idx="0">
+            <a:schemeClr val="accent1"/>
+          </a:effectRef>
+          <a:fontRef idx="minor">
+            <a:schemeClr val="lt1"/>
+          </a:fontRef>
+        </p:style>
+        <p:txBody>
+          <a:bodyPr rtlCol="0" anchor="ctr"/>
+          <a:lstStyle/>
+          <a:p>
+            <a:pPr algn="ctr"/>
+            <a:r>
+              <a:rPr lang="en-ID" sz="1400" dirty="0" smtClean="0">
+                <a:solidFill>
+                  <a:schemeClr val="tx1"/>
+                </a:solidFill>
+              </a:rPr>
+              <a:t>_pbManual = active</a:t>
+            </a:r>
+            <a:endParaRPr lang="en-US" sz="1400" dirty="0">
+              <a:solidFill>
+                <a:schemeClr val="tx1"/>
+              </a:solidFill>
+            </a:endParaRPr>
+          </a:p>
+        </p:txBody>
+      </p:sp>
+      <p:sp>
+        <p:nvSpPr>
+          <p:cNvPr id="6" name="TextBox 5"/>
+          <p:cNvSpPr txBox="1"/>
+          <p:nvPr/>
+        </p:nvSpPr>
+        <p:spPr>
+          <a:xfrm>
+            <a:off x="5724128" y="2139961"/>
+            <a:ext cx="1897522" cy="584775"/>
+          </a:xfrm>
+          <a:prstGeom prst="rect">
+            <a:avLst/>
+          </a:prstGeom>
+          <a:noFill/>
+          <a:ln w="19050">
+            <a:solidFill>
+              <a:schemeClr val="tx1"/>
+            </a:solidFill>
+          </a:ln>
+        </p:spPr>
+        <p:txBody>
+          <a:bodyPr wrap="square" rtlCol="0">
+            <a:spAutoFit/>
+          </a:bodyPr>
+          <a:lstStyle/>
+          <a:p>
+            <a:pPr algn="ctr"/>
+            <a:r>
+              <a:rPr lang="en-ID" dirty="0" smtClean="0"/>
+              <a:t>cmd</a:t>
+            </a:r>
+            <a:r>
+              <a:rPr lang="en-ID" dirty="0" smtClean="0"/>
+              <a:t>  </a:t>
+            </a:r>
+            <a:r>
+              <a:rPr lang="en-ID" dirty="0" smtClean="0"/>
+              <a:t>= </a:t>
+            </a:r>
+            <a:r>
+              <a:rPr lang="en-US" sz="1400" dirty="0" smtClean="0"/>
+              <a:t>MODE_MANUAL_ON</a:t>
+            </a:r>
+            <a:endParaRPr lang="en-US" sz="1400" dirty="0"/>
+          </a:p>
+        </p:txBody>
+      </p:sp>
+      <p:sp>
+        <p:nvSpPr>
+          <p:cNvPr id="7" name="TextBox 6"/>
+          <p:cNvSpPr txBox="1"/>
+          <p:nvPr/>
+        </p:nvSpPr>
+        <p:spPr>
+          <a:xfrm>
+            <a:off x="2676820" y="2079925"/>
+            <a:ext cx="296876" cy="369332"/>
+          </a:xfrm>
+          <a:prstGeom prst="rect">
+            <a:avLst/>
+          </a:prstGeom>
+          <a:noFill/>
+          <a:ln w="19050">
+            <a:noFill/>
+          </a:ln>
+        </p:spPr>
+        <p:txBody>
+          <a:bodyPr wrap="none" rtlCol="0">
+            <a:spAutoFit/>
+          </a:bodyPr>
+          <a:lstStyle/>
+          <a:p>
+            <a:r>
+              <a:rPr lang="en-ID" dirty="0" smtClean="0"/>
+              <a:t>Y</a:t>
+            </a:r>
+            <a:endParaRPr lang="en-US" dirty="0"/>
+          </a:p>
+        </p:txBody>
+      </p:sp>
+      <p:sp>
+        <p:nvSpPr>
+          <p:cNvPr id="9" name="TextBox 8"/>
+          <p:cNvSpPr txBox="1"/>
+          <p:nvPr/>
+        </p:nvSpPr>
+        <p:spPr>
+          <a:xfrm>
+            <a:off x="3456774" y="4797152"/>
+            <a:ext cx="1438364" cy="584775"/>
+          </a:xfrm>
+          <a:prstGeom prst="rect">
+            <a:avLst/>
+          </a:prstGeom>
+          <a:noFill/>
+          <a:ln w="19050">
+            <a:solidFill>
+              <a:schemeClr val="tx1"/>
+            </a:solidFill>
+          </a:ln>
+        </p:spPr>
+        <p:txBody>
+          <a:bodyPr wrap="square" rtlCol="0">
+            <a:spAutoFit/>
+          </a:bodyPr>
+          <a:lstStyle/>
+          <a:p>
+            <a:pPr algn="ctr"/>
+            <a:r>
+              <a:rPr lang="en-ID" dirty="0" smtClean="0"/>
+              <a:t>cmd</a:t>
+            </a:r>
+            <a:r>
+              <a:rPr lang="en-ID" dirty="0" smtClean="0"/>
+              <a:t>  </a:t>
+            </a:r>
+            <a:r>
+              <a:rPr lang="en-ID" dirty="0" smtClean="0"/>
+              <a:t>= </a:t>
+            </a:r>
+            <a:r>
+              <a:rPr lang="en-US" sz="1400" dirty="0" smtClean="0"/>
+              <a:t>MODE_MANUAL</a:t>
+            </a:r>
+            <a:endParaRPr lang="en-US" sz="1400" dirty="0"/>
+          </a:p>
+        </p:txBody>
+      </p:sp>
+      <p:cxnSp>
+        <p:nvCxnSpPr>
+          <p:cNvPr id="10" name="Straight Arrow Connector 9"/>
+          <p:cNvCxnSpPr>
+            <a:stCxn id="39" idx="2"/>
+            <a:endCxn id="9" idx="0"/>
+          </p:cNvCxnSpPr>
+          <p:nvPr/>
+        </p:nvCxnSpPr>
+        <p:spPr>
+          <a:xfrm>
+            <a:off x="4175956" y="4180713"/>
+            <a:ext cx="0" cy="616439"/>
+          </a:xfrm>
+          <a:prstGeom prst="straightConnector1">
+            <a:avLst/>
+          </a:prstGeom>
+          <a:ln w="19050">
+            <a:solidFill>
+              <a:schemeClr val="tx1"/>
+            </a:solidFill>
+            <a:tailEnd type="arrow"/>
+          </a:ln>
+        </p:spPr>
+        <p:style>
+          <a:lnRef idx="1">
+            <a:schemeClr val="accent1"/>
+          </a:lnRef>
+          <a:fillRef idx="0">
+            <a:schemeClr val="accent1"/>
+          </a:fillRef>
+          <a:effectRef idx="0">
+            <a:schemeClr val="accent1"/>
+          </a:effectRef>
+          <a:fontRef idx="minor">
+            <a:schemeClr val="tx1"/>
+          </a:fontRef>
+        </p:style>
+      </p:cxnSp>
+      <p:sp>
+        <p:nvSpPr>
+          <p:cNvPr id="12" name="TextBox 11"/>
+          <p:cNvSpPr txBox="1"/>
+          <p:nvPr/>
+        </p:nvSpPr>
+        <p:spPr>
+          <a:xfrm>
+            <a:off x="7020272" y="5977665"/>
+            <a:ext cx="1981090" cy="584775"/>
+          </a:xfrm>
+          <a:prstGeom prst="rect">
+            <a:avLst/>
+          </a:prstGeom>
+          <a:noFill/>
+          <a:ln w="19050">
+            <a:solidFill>
+              <a:schemeClr val="tx1"/>
+            </a:solidFill>
+          </a:ln>
+        </p:spPr>
+        <p:txBody>
+          <a:bodyPr wrap="square" rtlCol="0">
+            <a:spAutoFit/>
+          </a:bodyPr>
+          <a:lstStyle/>
+          <a:p>
+            <a:pPr algn="ctr"/>
+            <a:r>
+              <a:rPr lang="en-ID" dirty="0" smtClean="0"/>
+              <a:t>_prevCmd  </a:t>
+            </a:r>
+            <a:r>
+              <a:rPr lang="en-ID" dirty="0" smtClean="0"/>
+              <a:t>= </a:t>
+            </a:r>
+            <a:r>
+              <a:rPr lang="en-ID" dirty="0" smtClean="0"/>
+              <a:t>cmd</a:t>
+            </a:r>
+          </a:p>
+          <a:p>
+            <a:pPr algn="ctr"/>
+            <a:r>
+              <a:rPr lang="en-ID" sz="1400" dirty="0"/>
+              <a:t>r</a:t>
+            </a:r>
+            <a:r>
+              <a:rPr lang="en-ID" sz="1400" dirty="0" smtClean="0"/>
+              <a:t>eturn (cmd)</a:t>
+            </a:r>
+            <a:endParaRPr lang="en-US" sz="1400" dirty="0"/>
+          </a:p>
+        </p:txBody>
+      </p:sp>
+      <p:sp>
+        <p:nvSpPr>
+          <p:cNvPr id="13" name="Flowchart: Off-page Connector 12"/>
+          <p:cNvSpPr/>
+          <p:nvPr/>
+        </p:nvSpPr>
+        <p:spPr>
+          <a:xfrm>
+            <a:off x="1460670" y="1104847"/>
+            <a:ext cx="612648" cy="612648"/>
+          </a:xfrm>
+          <a:prstGeom prst="flowChartOffpageConnector">
+            <a:avLst/>
+          </a:prstGeom>
+          <a:noFill/>
+          <a:ln>
+            <a:solidFill>
+              <a:schemeClr val="tx1"/>
+            </a:solidFill>
+          </a:ln>
+        </p:spPr>
+        <p:style>
+          <a:lnRef idx="2">
+            <a:schemeClr val="accent1">
+              <a:shade val="50000"/>
+            </a:schemeClr>
+          </a:lnRef>
+          <a:fillRef idx="1">
+            <a:schemeClr val="accent1"/>
+          </a:fillRef>
+          <a:effectRef idx="0">
+            <a:schemeClr val="accent1"/>
+          </a:effectRef>
+          <a:fontRef idx="minor">
+            <a:schemeClr val="lt1"/>
+          </a:fontRef>
+        </p:style>
+        <p:txBody>
+          <a:bodyPr rtlCol="0" anchor="ctr"/>
+          <a:lstStyle/>
+          <a:p>
+            <a:pPr algn="ctr"/>
+            <a:r>
+              <a:rPr lang="en-ID" b="1" dirty="0">
+                <a:solidFill>
+                  <a:schemeClr val="tx1"/>
+                </a:solidFill>
+              </a:rPr>
+              <a:t>1</a:t>
+            </a:r>
+            <a:endParaRPr lang="en-US" b="1" dirty="0">
+              <a:solidFill>
+                <a:schemeClr val="tx1"/>
+              </a:solidFill>
+            </a:endParaRPr>
+          </a:p>
+        </p:txBody>
+      </p:sp>
+      <p:cxnSp>
+        <p:nvCxnSpPr>
+          <p:cNvPr id="14" name="Straight Arrow Connector 13"/>
+          <p:cNvCxnSpPr>
+            <a:stCxn id="13" idx="2"/>
+            <a:endCxn id="5" idx="0"/>
+          </p:cNvCxnSpPr>
+          <p:nvPr/>
+        </p:nvCxnSpPr>
+        <p:spPr>
+          <a:xfrm flipH="1">
+            <a:off x="1758716" y="1717495"/>
+            <a:ext cx="8278" cy="282806"/>
+          </a:xfrm>
+          <a:prstGeom prst="straightConnector1">
+            <a:avLst/>
+          </a:prstGeom>
+          <a:ln w="19050">
+            <a:solidFill>
+              <a:schemeClr val="tx1"/>
+            </a:solidFill>
+            <a:tailEnd type="arrow"/>
+          </a:ln>
+        </p:spPr>
+        <p:style>
+          <a:lnRef idx="1">
+            <a:schemeClr val="accent1"/>
+          </a:lnRef>
+          <a:fillRef idx="0">
+            <a:schemeClr val="accent1"/>
+          </a:fillRef>
+          <a:effectRef idx="0">
+            <a:schemeClr val="accent1"/>
+          </a:effectRef>
+          <a:fontRef idx="minor">
+            <a:schemeClr val="tx1"/>
+          </a:fontRef>
+        </p:style>
+      </p:cxnSp>
+      <p:sp>
+        <p:nvSpPr>
+          <p:cNvPr id="20" name="Flowchart: Decision 19"/>
+          <p:cNvSpPr/>
+          <p:nvPr/>
+        </p:nvSpPr>
+        <p:spPr>
+          <a:xfrm>
+            <a:off x="3059832" y="2000301"/>
+            <a:ext cx="2232248" cy="864096"/>
+          </a:xfrm>
+          <a:prstGeom prst="flowChartDecision">
+            <a:avLst/>
+          </a:prstGeom>
+          <a:noFill/>
+          <a:ln w="19050">
+            <a:solidFill>
+              <a:schemeClr val="tx1"/>
+            </a:solidFill>
+          </a:ln>
+        </p:spPr>
+        <p:style>
+          <a:lnRef idx="2">
+            <a:schemeClr val="accent1">
+              <a:shade val="50000"/>
+            </a:schemeClr>
+          </a:lnRef>
+          <a:fillRef idx="1">
+            <a:schemeClr val="accent1"/>
+          </a:fillRef>
+          <a:effectRef idx="0">
+            <a:schemeClr val="accent1"/>
+          </a:effectRef>
+          <a:fontRef idx="minor">
+            <a:schemeClr val="lt1"/>
+          </a:fontRef>
+        </p:style>
+        <p:txBody>
+          <a:bodyPr rtlCol="0" anchor="ctr"/>
+          <a:lstStyle/>
+          <a:p>
+            <a:pPr algn="ctr"/>
+            <a:r>
+              <a:rPr lang="en-ID" sz="1400" dirty="0" smtClean="0">
+                <a:solidFill>
+                  <a:schemeClr val="tx1"/>
+                </a:solidFill>
+              </a:rPr>
+              <a:t>_prevCmd = </a:t>
+            </a:r>
+            <a:r>
+              <a:rPr lang="en-US" sz="1400" dirty="0" smtClean="0">
+                <a:solidFill>
+                  <a:schemeClr val="tx1"/>
+                </a:solidFill>
+              </a:rPr>
+              <a:t>MODE_MANUAL</a:t>
+            </a:r>
+            <a:endParaRPr lang="en-US" sz="1400" dirty="0">
+              <a:solidFill>
+                <a:schemeClr val="tx1"/>
+              </a:solidFill>
+            </a:endParaRPr>
+          </a:p>
+        </p:txBody>
+      </p:sp>
+      <p:cxnSp>
+        <p:nvCxnSpPr>
+          <p:cNvPr id="22" name="Straight Arrow Connector 21"/>
+          <p:cNvCxnSpPr>
+            <a:stCxn id="5" idx="3"/>
+            <a:endCxn id="20" idx="1"/>
+          </p:cNvCxnSpPr>
+          <p:nvPr/>
+        </p:nvCxnSpPr>
+        <p:spPr>
+          <a:xfrm>
+            <a:off x="2730824" y="2432349"/>
+            <a:ext cx="329008" cy="0"/>
+          </a:xfrm>
+          <a:prstGeom prst="straightConnector1">
+            <a:avLst/>
+          </a:prstGeom>
+          <a:ln w="19050">
+            <a:solidFill>
+              <a:schemeClr val="tx1"/>
+            </a:solidFill>
+            <a:tailEnd type="arrow"/>
+          </a:ln>
+        </p:spPr>
+        <p:style>
+          <a:lnRef idx="1">
+            <a:schemeClr val="accent1"/>
+          </a:lnRef>
+          <a:fillRef idx="0">
+            <a:schemeClr val="accent1"/>
+          </a:fillRef>
+          <a:effectRef idx="0">
+            <a:schemeClr val="accent1"/>
+          </a:effectRef>
+          <a:fontRef idx="minor">
+            <a:schemeClr val="tx1"/>
+          </a:fontRef>
+        </p:style>
+      </p:cxnSp>
+      <p:cxnSp>
+        <p:nvCxnSpPr>
+          <p:cNvPr id="24" name="Straight Arrow Connector 23"/>
+          <p:cNvCxnSpPr>
+            <a:stCxn id="20" idx="3"/>
+            <a:endCxn id="6" idx="1"/>
+          </p:cNvCxnSpPr>
+          <p:nvPr/>
+        </p:nvCxnSpPr>
+        <p:spPr>
+          <a:xfrm>
+            <a:off x="5292080" y="2432349"/>
+            <a:ext cx="432048" cy="0"/>
+          </a:xfrm>
+          <a:prstGeom prst="straightConnector1">
+            <a:avLst/>
+          </a:prstGeom>
+          <a:ln w="19050">
+            <a:solidFill>
+              <a:srgbClr val="003300"/>
+            </a:solidFill>
+            <a:tailEnd type="arrow"/>
+          </a:ln>
+        </p:spPr>
+        <p:style>
+          <a:lnRef idx="1">
+            <a:schemeClr val="accent1"/>
+          </a:lnRef>
+          <a:fillRef idx="0">
+            <a:schemeClr val="accent1"/>
+          </a:fillRef>
+          <a:effectRef idx="0">
+            <a:schemeClr val="accent1"/>
+          </a:effectRef>
+          <a:fontRef idx="minor">
+            <a:schemeClr val="tx1"/>
+          </a:fontRef>
+        </p:style>
+      </p:cxnSp>
+      <p:sp>
+        <p:nvSpPr>
+          <p:cNvPr id="30" name="TextBox 29"/>
+          <p:cNvSpPr txBox="1"/>
+          <p:nvPr/>
+        </p:nvSpPr>
+        <p:spPr>
+          <a:xfrm>
+            <a:off x="5298746" y="2087282"/>
+            <a:ext cx="296876" cy="369332"/>
+          </a:xfrm>
+          <a:prstGeom prst="rect">
+            <a:avLst/>
+          </a:prstGeom>
+          <a:noFill/>
+          <a:ln w="19050">
+            <a:noFill/>
+          </a:ln>
+        </p:spPr>
+        <p:txBody>
+          <a:bodyPr wrap="none" rtlCol="0">
+            <a:spAutoFit/>
+          </a:bodyPr>
+          <a:lstStyle/>
+          <a:p>
+            <a:r>
+              <a:rPr lang="en-ID" dirty="0" smtClean="0"/>
+              <a:t>Y</a:t>
+            </a:r>
+            <a:endParaRPr lang="en-US" dirty="0"/>
+          </a:p>
+        </p:txBody>
+      </p:sp>
+      <p:sp>
+        <p:nvSpPr>
+          <p:cNvPr id="31" name="Flowchart: Off-page Connector 30"/>
+          <p:cNvSpPr/>
+          <p:nvPr/>
+        </p:nvSpPr>
+        <p:spPr>
+          <a:xfrm>
+            <a:off x="8007362" y="1104847"/>
+            <a:ext cx="612648" cy="612648"/>
+          </a:xfrm>
+          <a:prstGeom prst="flowChartOffpageConnector">
+            <a:avLst/>
+          </a:prstGeom>
+          <a:noFill/>
+          <a:ln>
+            <a:solidFill>
+              <a:schemeClr val="tx1"/>
+            </a:solidFill>
+          </a:ln>
+        </p:spPr>
+        <p:style>
+          <a:lnRef idx="2">
+            <a:schemeClr val="accent1">
+              <a:shade val="50000"/>
+            </a:schemeClr>
+          </a:lnRef>
+          <a:fillRef idx="1">
+            <a:schemeClr val="accent1"/>
+          </a:fillRef>
+          <a:effectRef idx="0">
+            <a:schemeClr val="accent1"/>
+          </a:effectRef>
+          <a:fontRef idx="minor">
+            <a:schemeClr val="lt1"/>
+          </a:fontRef>
+        </p:style>
+        <p:txBody>
+          <a:bodyPr rtlCol="0" anchor="ctr"/>
+          <a:lstStyle/>
+          <a:p>
+            <a:pPr algn="ctr"/>
+            <a:r>
+              <a:rPr lang="en-ID" b="1" dirty="0" smtClean="0">
+                <a:solidFill>
+                  <a:schemeClr val="tx1"/>
+                </a:solidFill>
+              </a:rPr>
+              <a:t>2</a:t>
+            </a:r>
+            <a:endParaRPr lang="en-US" b="1" dirty="0">
+              <a:solidFill>
+                <a:schemeClr val="tx1"/>
+              </a:solidFill>
+            </a:endParaRPr>
+          </a:p>
+        </p:txBody>
+      </p:sp>
+      <p:cxnSp>
+        <p:nvCxnSpPr>
+          <p:cNvPr id="34" name="Elbow Connector 33"/>
+          <p:cNvCxnSpPr>
+            <a:stCxn id="31" idx="2"/>
+          </p:cNvCxnSpPr>
+          <p:nvPr/>
+        </p:nvCxnSpPr>
+        <p:spPr>
+          <a:xfrm rot="5400000">
+            <a:off x="6030439" y="3694418"/>
+            <a:ext cx="4260170" cy="306324"/>
+          </a:xfrm>
+          <a:prstGeom prst="bentConnector3">
+            <a:avLst/>
+          </a:prstGeom>
+          <a:ln w="19050">
+            <a:solidFill>
+              <a:schemeClr val="tx1"/>
+            </a:solidFill>
+            <a:tailEnd type="arrow"/>
+          </a:ln>
+        </p:spPr>
+        <p:style>
+          <a:lnRef idx="1">
+            <a:schemeClr val="accent1"/>
+          </a:lnRef>
+          <a:fillRef idx="0">
+            <a:schemeClr val="accent1"/>
+          </a:fillRef>
+          <a:effectRef idx="0">
+            <a:schemeClr val="accent1"/>
+          </a:effectRef>
+          <a:fontRef idx="minor">
+            <a:schemeClr val="tx1"/>
+          </a:fontRef>
+        </p:style>
+      </p:cxnSp>
+      <p:cxnSp>
+        <p:nvCxnSpPr>
+          <p:cNvPr id="35" name="Straight Arrow Connector 34"/>
+          <p:cNvCxnSpPr>
+            <a:stCxn id="6" idx="3"/>
+          </p:cNvCxnSpPr>
+          <p:nvPr/>
+        </p:nvCxnSpPr>
+        <p:spPr>
+          <a:xfrm flipV="1">
+            <a:off x="7621650" y="2432348"/>
+            <a:ext cx="692036" cy="1"/>
+          </a:xfrm>
+          <a:prstGeom prst="straightConnector1">
+            <a:avLst/>
+          </a:prstGeom>
+          <a:ln w="19050">
+            <a:solidFill>
+              <a:srgbClr val="003300"/>
+            </a:solidFill>
+            <a:tailEnd type="arrow"/>
+          </a:ln>
+        </p:spPr>
+        <p:style>
+          <a:lnRef idx="1">
+            <a:schemeClr val="accent1"/>
+          </a:lnRef>
+          <a:fillRef idx="0">
+            <a:schemeClr val="accent1"/>
+          </a:fillRef>
+          <a:effectRef idx="0">
+            <a:schemeClr val="accent1"/>
+          </a:effectRef>
+          <a:fontRef idx="minor">
+            <a:schemeClr val="tx1"/>
+          </a:fontRef>
+        </p:style>
+      </p:cxnSp>
+      <p:sp>
+        <p:nvSpPr>
+          <p:cNvPr id="38" name="TextBox 37"/>
+          <p:cNvSpPr txBox="1"/>
+          <p:nvPr/>
+        </p:nvSpPr>
+        <p:spPr>
+          <a:xfrm>
+            <a:off x="5724128" y="3456277"/>
+            <a:ext cx="1897522" cy="584775"/>
+          </a:xfrm>
+          <a:prstGeom prst="rect">
+            <a:avLst/>
+          </a:prstGeom>
+          <a:noFill/>
+          <a:ln w="19050">
+            <a:solidFill>
+              <a:schemeClr val="tx1"/>
+            </a:solidFill>
+          </a:ln>
+        </p:spPr>
+        <p:txBody>
+          <a:bodyPr wrap="square" rtlCol="0">
+            <a:spAutoFit/>
+          </a:bodyPr>
+          <a:lstStyle/>
+          <a:p>
+            <a:pPr algn="ctr"/>
+            <a:r>
+              <a:rPr lang="en-ID" dirty="0" smtClean="0"/>
+              <a:t>cmd</a:t>
+            </a:r>
+            <a:r>
+              <a:rPr lang="en-ID" dirty="0" smtClean="0"/>
+              <a:t>  </a:t>
+            </a:r>
+            <a:r>
+              <a:rPr lang="en-ID" dirty="0" smtClean="0"/>
+              <a:t>= </a:t>
+            </a:r>
+            <a:r>
+              <a:rPr lang="en-US" sz="1400" dirty="0" smtClean="0"/>
+              <a:t>MODE_MANUAL_ON</a:t>
+            </a:r>
+            <a:endParaRPr lang="en-US" sz="1400" dirty="0"/>
+          </a:p>
+        </p:txBody>
+      </p:sp>
+      <p:sp>
+        <p:nvSpPr>
+          <p:cNvPr id="39" name="Flowchart: Decision 38"/>
+          <p:cNvSpPr/>
+          <p:nvPr/>
+        </p:nvSpPr>
+        <p:spPr>
+          <a:xfrm>
+            <a:off x="3059832" y="3316617"/>
+            <a:ext cx="2232248" cy="864096"/>
+          </a:xfrm>
+          <a:prstGeom prst="flowChartDecision">
+            <a:avLst/>
+          </a:prstGeom>
+          <a:noFill/>
+          <a:ln w="19050">
+            <a:solidFill>
+              <a:schemeClr val="tx1"/>
+            </a:solidFill>
+          </a:ln>
+        </p:spPr>
+        <p:style>
+          <a:lnRef idx="2">
+            <a:schemeClr val="accent1">
+              <a:shade val="50000"/>
+            </a:schemeClr>
+          </a:lnRef>
+          <a:fillRef idx="1">
+            <a:schemeClr val="accent1"/>
+          </a:fillRef>
+          <a:effectRef idx="0">
+            <a:schemeClr val="accent1"/>
+          </a:effectRef>
+          <a:fontRef idx="minor">
+            <a:schemeClr val="lt1"/>
+          </a:fontRef>
+        </p:style>
+        <p:txBody>
+          <a:bodyPr rtlCol="0" anchor="ctr"/>
+          <a:lstStyle/>
+          <a:p>
+            <a:pPr algn="ctr"/>
+            <a:r>
+              <a:rPr lang="en-ID" sz="1400" dirty="0" smtClean="0">
+                <a:solidFill>
+                  <a:schemeClr val="tx1"/>
+                </a:solidFill>
+              </a:rPr>
+              <a:t>_prevCmd = </a:t>
+            </a:r>
+            <a:r>
+              <a:rPr lang="en-US" sz="1400" dirty="0" smtClean="0">
+                <a:solidFill>
+                  <a:schemeClr val="tx1"/>
+                </a:solidFill>
+              </a:rPr>
+              <a:t>MODE_MANUAL_ON</a:t>
+            </a:r>
+            <a:endParaRPr lang="en-US" sz="1400" dirty="0">
+              <a:solidFill>
+                <a:schemeClr val="tx1"/>
+              </a:solidFill>
+            </a:endParaRPr>
+          </a:p>
+        </p:txBody>
+      </p:sp>
+      <p:cxnSp>
+        <p:nvCxnSpPr>
+          <p:cNvPr id="40" name="Straight Arrow Connector 39"/>
+          <p:cNvCxnSpPr>
+            <a:stCxn id="39" idx="3"/>
+            <a:endCxn id="38" idx="1"/>
+          </p:cNvCxnSpPr>
+          <p:nvPr/>
+        </p:nvCxnSpPr>
+        <p:spPr>
+          <a:xfrm>
+            <a:off x="5292080" y="3748665"/>
+            <a:ext cx="432048" cy="0"/>
+          </a:xfrm>
+          <a:prstGeom prst="straightConnector1">
+            <a:avLst/>
+          </a:prstGeom>
+          <a:ln w="19050">
+            <a:solidFill>
+              <a:srgbClr val="003300"/>
+            </a:solidFill>
+            <a:tailEnd type="arrow"/>
+          </a:ln>
+        </p:spPr>
+        <p:style>
+          <a:lnRef idx="1">
+            <a:schemeClr val="accent1"/>
+          </a:lnRef>
+          <a:fillRef idx="0">
+            <a:schemeClr val="accent1"/>
+          </a:fillRef>
+          <a:effectRef idx="0">
+            <a:schemeClr val="accent1"/>
+          </a:effectRef>
+          <a:fontRef idx="minor">
+            <a:schemeClr val="tx1"/>
+          </a:fontRef>
+        </p:style>
+      </p:cxnSp>
+      <p:sp>
+        <p:nvSpPr>
+          <p:cNvPr id="41" name="TextBox 40"/>
+          <p:cNvSpPr txBox="1"/>
+          <p:nvPr/>
+        </p:nvSpPr>
+        <p:spPr>
+          <a:xfrm>
+            <a:off x="5298746" y="3403598"/>
+            <a:ext cx="296876" cy="369332"/>
+          </a:xfrm>
+          <a:prstGeom prst="rect">
+            <a:avLst/>
+          </a:prstGeom>
+          <a:noFill/>
+          <a:ln w="19050">
+            <a:noFill/>
+          </a:ln>
+        </p:spPr>
+        <p:txBody>
+          <a:bodyPr wrap="none" rtlCol="0">
+            <a:spAutoFit/>
+          </a:bodyPr>
+          <a:lstStyle/>
+          <a:p>
+            <a:r>
+              <a:rPr lang="en-ID" dirty="0" smtClean="0"/>
+              <a:t>Y</a:t>
+            </a:r>
+            <a:endParaRPr lang="en-US" dirty="0"/>
+          </a:p>
+        </p:txBody>
+      </p:sp>
+      <p:cxnSp>
+        <p:nvCxnSpPr>
+          <p:cNvPr id="42" name="Straight Arrow Connector 41"/>
+          <p:cNvCxnSpPr>
+            <a:stCxn id="38" idx="3"/>
+          </p:cNvCxnSpPr>
+          <p:nvPr/>
+        </p:nvCxnSpPr>
+        <p:spPr>
+          <a:xfrm flipV="1">
+            <a:off x="7621650" y="3748664"/>
+            <a:ext cx="692036" cy="1"/>
+          </a:xfrm>
+          <a:prstGeom prst="straightConnector1">
+            <a:avLst/>
+          </a:prstGeom>
+          <a:ln w="19050">
+            <a:solidFill>
+              <a:srgbClr val="003300"/>
+            </a:solidFill>
+            <a:tailEnd type="arrow"/>
+          </a:ln>
+        </p:spPr>
+        <p:style>
+          <a:lnRef idx="1">
+            <a:schemeClr val="accent1"/>
+          </a:lnRef>
+          <a:fillRef idx="0">
+            <a:schemeClr val="accent1"/>
+          </a:fillRef>
+          <a:effectRef idx="0">
+            <a:schemeClr val="accent1"/>
+          </a:effectRef>
+          <a:fontRef idx="minor">
+            <a:schemeClr val="tx1"/>
+          </a:fontRef>
+        </p:style>
+      </p:cxnSp>
+      <p:cxnSp>
+        <p:nvCxnSpPr>
+          <p:cNvPr id="44" name="Straight Arrow Connector 43"/>
+          <p:cNvCxnSpPr>
+            <a:stCxn id="20" idx="2"/>
+            <a:endCxn id="39" idx="0"/>
+          </p:cNvCxnSpPr>
+          <p:nvPr/>
+        </p:nvCxnSpPr>
+        <p:spPr>
+          <a:xfrm>
+            <a:off x="4175956" y="2864397"/>
+            <a:ext cx="0" cy="452220"/>
+          </a:xfrm>
+          <a:prstGeom prst="straightConnector1">
+            <a:avLst/>
+          </a:prstGeom>
+          <a:ln w="19050">
+            <a:solidFill>
+              <a:schemeClr val="tx1"/>
+            </a:solidFill>
+            <a:tailEnd type="arrow"/>
+          </a:ln>
+        </p:spPr>
+        <p:style>
+          <a:lnRef idx="1">
+            <a:schemeClr val="accent1"/>
+          </a:lnRef>
+          <a:fillRef idx="0">
+            <a:schemeClr val="accent1"/>
+          </a:fillRef>
+          <a:effectRef idx="0">
+            <a:schemeClr val="accent1"/>
+          </a:effectRef>
+          <a:fontRef idx="minor">
+            <a:schemeClr val="tx1"/>
+          </a:fontRef>
+        </p:style>
+      </p:cxnSp>
+      <p:cxnSp>
+        <p:nvCxnSpPr>
+          <p:cNvPr id="48" name="Elbow Connector 47"/>
+          <p:cNvCxnSpPr>
+            <a:stCxn id="5" idx="2"/>
+            <a:endCxn id="12" idx="1"/>
+          </p:cNvCxnSpPr>
+          <p:nvPr/>
+        </p:nvCxnSpPr>
+        <p:spPr>
+          <a:xfrm rot="16200000" flipH="1">
+            <a:off x="2686666" y="1936447"/>
+            <a:ext cx="3405656" cy="5261556"/>
+          </a:xfrm>
+          <a:prstGeom prst="bentConnector2">
+            <a:avLst/>
+          </a:prstGeom>
+          <a:ln w="19050">
+            <a:solidFill>
+              <a:schemeClr val="tx1"/>
+            </a:solidFill>
+            <a:tailEnd type="arrow"/>
+          </a:ln>
+        </p:spPr>
+        <p:style>
+          <a:lnRef idx="1">
+            <a:schemeClr val="accent1"/>
+          </a:lnRef>
+          <a:fillRef idx="0">
+            <a:schemeClr val="accent1"/>
+          </a:fillRef>
+          <a:effectRef idx="0">
+            <a:schemeClr val="accent1"/>
+          </a:effectRef>
+          <a:fontRef idx="minor">
+            <a:schemeClr val="tx1"/>
+          </a:fontRef>
+        </p:style>
+      </p:cxnSp>
+      <p:cxnSp>
+        <p:nvCxnSpPr>
+          <p:cNvPr id="49" name="Straight Arrow Connector 48"/>
+          <p:cNvCxnSpPr>
+            <a:stCxn id="9" idx="2"/>
+          </p:cNvCxnSpPr>
+          <p:nvPr/>
+        </p:nvCxnSpPr>
+        <p:spPr>
+          <a:xfrm>
+            <a:off x="4175956" y="5381927"/>
+            <a:ext cx="0" cy="888125"/>
+          </a:xfrm>
+          <a:prstGeom prst="straightConnector1">
+            <a:avLst/>
+          </a:prstGeom>
+          <a:ln w="19050">
+            <a:solidFill>
+              <a:schemeClr val="tx1"/>
+            </a:solidFill>
+            <a:tailEnd type="arrow"/>
+          </a:ln>
+        </p:spPr>
+        <p:style>
+          <a:lnRef idx="1">
+            <a:schemeClr val="accent1"/>
+          </a:lnRef>
+          <a:fillRef idx="0">
+            <a:schemeClr val="accent1"/>
+          </a:fillRef>
+          <a:effectRef idx="0">
+            <a:schemeClr val="accent1"/>
+          </a:effectRef>
+          <a:fontRef idx="minor">
+            <a:schemeClr val="tx1"/>
+          </a:fontRef>
+        </p:style>
+      </p:cxnSp>
+    </p:spTree>
+    <p:extLst>
+      <p:ext uri="{BB962C8B-B14F-4D97-AF65-F5344CB8AC3E}">
+        <p14:creationId xmlns:p14="http://schemas.microsoft.com/office/powerpoint/2010/main" val="3903903621"/>
+      </p:ext>
+    </p:extLst>
+  </p:cSld>
+  <p:clrMapOvr>
+    <a:masterClrMapping/>
+  </p:clrMapOvr>
+  <p:timing>
+    <p:tnLst>
+      <p:par>
+        <p:cTn id="1" dur="indefinite" restart="never" nodeType="tmRoot"/>
+      </p:par>
+    </p:tnLst>
+  </p:timing>
 </p:sld>
 </file>
 

--- a/resources/WFPS.pptx
+++ b/resources/WFPS.pptx
@@ -5,10 +5,10 @@
     <p:sldMasterId id="2147483648" r:id="rId1"/>
   </p:sldMasterIdLst>
   <p:notesMasterIdLst>
-    <p:notesMasterId r:id="rId9"/>
+    <p:notesMasterId r:id="rId10"/>
   </p:notesMasterIdLst>
   <p:handoutMasterIdLst>
-    <p:handoutMasterId r:id="rId10"/>
+    <p:handoutMasterId r:id="rId11"/>
   </p:handoutMasterIdLst>
   <p:sldIdLst>
     <p:sldId id="281" r:id="rId2"/>
@@ -16,8 +16,9 @@
     <p:sldId id="285" r:id="rId4"/>
     <p:sldId id="286" r:id="rId5"/>
     <p:sldId id="287" r:id="rId6"/>
-    <p:sldId id="288" r:id="rId7"/>
-    <p:sldId id="289" r:id="rId8"/>
+    <p:sldId id="291" r:id="rId7"/>
+    <p:sldId id="288" r:id="rId8"/>
+    <p:sldId id="289" r:id="rId9"/>
   </p:sldIdLst>
   <p:sldSz cx="9144000" cy="6858000" type="screen4x3"/>
   <p:notesSz cx="6858000" cy="9144000"/>
@@ -118,7 +119,7 @@
   </p:defaultTextStyle>
   <p:extLst>
     <p:ext uri="{EFAFB233-063F-42B5-8137-9DF3F51BA10A}">
-      <p15:sldGuideLst xmlns="" xmlns:p15="http://schemas.microsoft.com/office/powerpoint/2012/main">
+      <p15:sldGuideLst xmlns:p15="http://schemas.microsoft.com/office/powerpoint/2012/main">
         <p15:guide id="1" orient="horz" pos="2160">
           <p15:clr>
             <a:srgbClr val="A4A3A4"/>
@@ -132,7 +133,7 @@
       </p15:sldGuideLst>
     </p:ext>
     <p:ext uri="{2D200454-40CA-4A62-9FC3-DE9A4176ACB9}">
-      <p15:notesGuideLst xmlns="" xmlns:p15="http://schemas.microsoft.com/office/powerpoint/2012/main">
+      <p15:notesGuideLst xmlns:p15="http://schemas.microsoft.com/office/powerpoint/2012/main">
         <p15:guide id="1" orient="horz" pos="2880">
           <p15:clr>
             <a:srgbClr val="A4A3A4"/>
@@ -232,7 +233,7 @@
             <a:fld id="{D83FDC75-7F73-4A4A-A77C-09AADF00E0EA}" type="datetimeFigureOut">
               <a:rPr lang="en-US" smtClean="0"/>
               <a:pPr/>
-              <a:t>5/2/2021</a:t>
+              <a:t>5/3/2021</a:t>
             </a:fld>
             <a:endParaRPr lang="en-US" dirty="0"/>
           </a:p>
@@ -399,7 +400,7 @@
             <a:fld id="{48AEF76B-3757-4A0B-AF93-28494465C1DD}" type="datetimeFigureOut">
               <a:rPr lang="en-US" smtClean="0"/>
               <a:pPr/>
-              <a:t>5/2/2021</a:t>
+              <a:t>5/3/2021</a:t>
             </a:fld>
             <a:endParaRPr lang="en-US" dirty="0"/>
           </a:p>
@@ -1067,7 +1068,7 @@
             <a:fld id="{75693FD4-8F83-4EF7-AC3F-0DC0388986B0}" type="slidenum">
               <a:rPr lang="en-US" smtClean="0"/>
               <a:pPr/>
-              <a:t>6</a:t>
+              <a:t>7</a:t>
             </a:fld>
             <a:endParaRPr lang="en-US" dirty="0"/>
           </a:p>
@@ -1551,7 +1552,7 @@
             <a:fld id="{757B281C-5159-4971-8228-52B9A72E9ED2}" type="datetimeFigureOut">
               <a:rPr lang="en-US" smtClean="0"/>
               <a:pPr/>
-              <a:t>5/2/2021</a:t>
+              <a:t>5/3/2021</a:t>
             </a:fld>
             <a:endParaRPr lang="en-US" dirty="0"/>
           </a:p>
@@ -1646,7 +1647,7 @@
             <a:fld id="{757B281C-5159-4971-8228-52B9A72E9ED2}" type="datetimeFigureOut">
               <a:rPr lang="en-US" smtClean="0"/>
               <a:pPr/>
-              <a:t>5/2/2021</a:t>
+              <a:t>5/3/2021</a:t>
             </a:fld>
             <a:endParaRPr lang="en-US" dirty="0"/>
           </a:p>
@@ -1775,7 +1776,7 @@
             <a:fld id="{757B281C-5159-4971-8228-52B9A72E9ED2}" type="datetimeFigureOut">
               <a:rPr lang="en-US" smtClean="0"/>
               <a:pPr/>
-              <a:t>5/2/2021</a:t>
+              <a:t>5/3/2021</a:t>
             </a:fld>
             <a:endParaRPr lang="en-US" dirty="0"/>
           </a:p>
@@ -1883,10 +1884,9 @@
           <a:lstStyle/>
           <a:p>
             <a:r>
-              <a:rPr lang="en-US" smtClean="0"/>
+              <a:rPr lang="en-US"/>
               <a:t>Click to edit Master title style</a:t>
             </a:r>
-            <a:endParaRPr lang="en-US"/>
           </a:p>
         </p:txBody>
       </p:sp>
@@ -2002,10 +2002,9 @@
           </a:lstStyle>
           <a:p>
             <a:r>
-              <a:rPr lang="en-US" smtClean="0"/>
+              <a:rPr lang="en-US"/>
               <a:t>Click to edit Master subtitle style</a:t>
             </a:r>
-            <a:endParaRPr lang="en-US"/>
           </a:p>
         </p:txBody>
       </p:sp>
@@ -2026,7 +2025,7 @@
           <a:p>
             <a:fld id="{A66B6A46-6EC4-4AF5-AD2F-F27F5AD039E0}" type="datetimeFigureOut">
               <a:rPr lang="en-US" smtClean="0"/>
-              <a:t>5/2/2021</a:t>
+              <a:t>5/3/2021</a:t>
             </a:fld>
             <a:endParaRPr lang="en-US"/>
           </a:p>
@@ -2215,7 +2214,7 @@
             <a:fld id="{757B281C-5159-4971-8228-52B9A72E9ED2}" type="datetimeFigureOut">
               <a:rPr lang="en-US" smtClean="0"/>
               <a:pPr/>
-              <a:t>5/2/2021</a:t>
+              <a:t>5/3/2021</a:t>
             </a:fld>
             <a:endParaRPr lang="en-US" dirty="0"/>
           </a:p>
@@ -2593,7 +2592,7 @@
             <a:fld id="{757B281C-5159-4971-8228-52B9A72E9ED2}" type="datetimeFigureOut">
               <a:rPr lang="en-US" smtClean="0"/>
               <a:pPr/>
-              <a:t>5/2/2021</a:t>
+              <a:t>5/3/2021</a:t>
             </a:fld>
             <a:endParaRPr lang="en-US" dirty="0"/>
           </a:p>
@@ -2883,7 +2882,7 @@
             <a:fld id="{757B281C-5159-4971-8228-52B9A72E9ED2}" type="datetimeFigureOut">
               <a:rPr lang="en-US" smtClean="0"/>
               <a:pPr/>
-              <a:t>5/2/2021</a:t>
+              <a:t>5/3/2021</a:t>
             </a:fld>
             <a:endParaRPr lang="en-US" dirty="0"/>
           </a:p>
@@ -3302,7 +3301,7 @@
             <a:fld id="{757B281C-5159-4971-8228-52B9A72E9ED2}" type="datetimeFigureOut">
               <a:rPr lang="en-US" smtClean="0"/>
               <a:pPr/>
-              <a:t>5/2/2021</a:t>
+              <a:t>5/3/2021</a:t>
             </a:fld>
             <a:endParaRPr lang="en-US" dirty="0"/>
           </a:p>
@@ -3577,7 +3576,7 @@
             <a:fld id="{757B281C-5159-4971-8228-52B9A72E9ED2}" type="datetimeFigureOut">
               <a:rPr lang="en-US" smtClean="0"/>
               <a:pPr/>
-              <a:t>5/2/2021</a:t>
+              <a:t>5/3/2021</a:t>
             </a:fld>
             <a:endParaRPr lang="en-US" dirty="0"/>
           </a:p>
@@ -3833,7 +3832,7 @@
             <a:fld id="{757B281C-5159-4971-8228-52B9A72E9ED2}" type="datetimeFigureOut">
               <a:rPr lang="en-US" smtClean="0"/>
               <a:pPr/>
-              <a:t>5/2/2021</a:t>
+              <a:t>5/3/2021</a:t>
             </a:fld>
             <a:endParaRPr lang="en-US" dirty="0"/>
           </a:p>
@@ -4001,7 +4000,7 @@
             <a:fld id="{757B281C-5159-4971-8228-52B9A72E9ED2}" type="datetimeFigureOut">
               <a:rPr lang="en-US" smtClean="0"/>
               <a:pPr/>
-              <a:t>5/2/2021</a:t>
+              <a:t>5/3/2021</a:t>
             </a:fld>
             <a:endParaRPr lang="en-US" dirty="0"/>
           </a:p>
@@ -4179,7 +4178,7 @@
             <a:fld id="{757B281C-5159-4971-8228-52B9A72E9ED2}" type="datetimeFigureOut">
               <a:rPr lang="en-US" smtClean="0"/>
               <a:pPr/>
-              <a:t>5/2/2021</a:t>
+              <a:t>5/3/2021</a:t>
             </a:fld>
             <a:endParaRPr lang="en-US" dirty="0"/>
           </a:p>
@@ -4421,7 +4420,7 @@
             <a:fld id="{757B281C-5159-4971-8228-52B9A72E9ED2}" type="datetimeFigureOut">
               <a:rPr lang="en-US" smtClean="0"/>
               <a:pPr/>
-              <a:t>5/2/2021</a:t>
+              <a:t>5/3/2021</a:t>
             </a:fld>
             <a:endParaRPr lang="en-US" dirty="0"/>
           </a:p>
@@ -4831,7 +4830,7 @@
           <p:cNvPr id="91" name="Picture 90" descr="Free Icon | Wifi">
             <a:extLst>
               <a:ext uri="{FF2B5EF4-FFF2-40B4-BE49-F238E27FC236}">
-                <a16:creationId xmlns="" xmlns:a16="http://schemas.microsoft.com/office/drawing/2014/main" id="{8C0D1CC1-0F99-45F8-B30B-F5786D94F875}"/>
+                <a16:creationId xmlns:a16="http://schemas.microsoft.com/office/drawing/2014/main" id="{8C0D1CC1-0F99-45F8-B30B-F5786D94F875}"/>
               </a:ext>
             </a:extLst>
           </p:cNvPr>
@@ -4870,7 +4869,7 @@
           <p:cNvPr id="80" name="Picture 79" descr="Free Icon | Wifi">
             <a:extLst>
               <a:ext uri="{FF2B5EF4-FFF2-40B4-BE49-F238E27FC236}">
-                <a16:creationId xmlns="" xmlns:a16="http://schemas.microsoft.com/office/drawing/2014/main" id="{35E36CD3-6B5D-4E30-B897-685D3D72453D}"/>
+                <a16:creationId xmlns:a16="http://schemas.microsoft.com/office/drawing/2014/main" id="{35E36CD3-6B5D-4E30-B897-685D3D72453D}"/>
               </a:ext>
             </a:extLst>
           </p:cNvPr>
@@ -5412,7 +5411,7 @@
           <p:cNvPr id="93" name="Picture 92">
             <a:extLst>
               <a:ext uri="{FF2B5EF4-FFF2-40B4-BE49-F238E27FC236}">
-                <a16:creationId xmlns="" xmlns:a16="http://schemas.microsoft.com/office/drawing/2014/main" id="{D7ED08F4-31B4-432D-A1A0-BE825490F18D}"/>
+                <a16:creationId xmlns:a16="http://schemas.microsoft.com/office/drawing/2014/main" id="{D7ED08F4-31B4-432D-A1A0-BE825490F18D}"/>
               </a:ext>
             </a:extLst>
           </p:cNvPr>
@@ -5440,7 +5439,7 @@
           <p:cNvPr id="96" name="Picture 95" descr="Free Icon | Wifi">
             <a:extLst>
               <a:ext uri="{FF2B5EF4-FFF2-40B4-BE49-F238E27FC236}">
-                <a16:creationId xmlns="" xmlns:a16="http://schemas.microsoft.com/office/drawing/2014/main" id="{331FC1AA-CB08-45A4-9369-2997329D73F4}"/>
+                <a16:creationId xmlns:a16="http://schemas.microsoft.com/office/drawing/2014/main" id="{331FC1AA-CB08-45A4-9369-2997329D73F4}"/>
               </a:ext>
             </a:extLst>
           </p:cNvPr>
@@ -5479,7 +5478,7 @@
           <p:cNvPr id="97" name="Picture 96">
             <a:extLst>
               <a:ext uri="{FF2B5EF4-FFF2-40B4-BE49-F238E27FC236}">
-                <a16:creationId xmlns="" xmlns:a16="http://schemas.microsoft.com/office/drawing/2014/main" id="{D4CA772F-A72C-4314-A82A-E884D10E777D}"/>
+                <a16:creationId xmlns:a16="http://schemas.microsoft.com/office/drawing/2014/main" id="{D4CA772F-A72C-4314-A82A-E884D10E777D}"/>
               </a:ext>
             </a:extLst>
           </p:cNvPr>
@@ -5507,7 +5506,7 @@
           <p:cNvPr id="98" name="Picture 97">
             <a:extLst>
               <a:ext uri="{FF2B5EF4-FFF2-40B4-BE49-F238E27FC236}">
-                <a16:creationId xmlns="" xmlns:a16="http://schemas.microsoft.com/office/drawing/2014/main" id="{9E085E1D-93F9-4E72-B98F-FB8F7028960D}"/>
+                <a16:creationId xmlns:a16="http://schemas.microsoft.com/office/drawing/2014/main" id="{9E085E1D-93F9-4E72-B98F-FB8F7028960D}"/>
               </a:ext>
             </a:extLst>
           </p:cNvPr>
@@ -5535,7 +5534,7 @@
           <p:cNvPr id="99" name="TextBox 98">
             <a:extLst>
               <a:ext uri="{FF2B5EF4-FFF2-40B4-BE49-F238E27FC236}">
-                <a16:creationId xmlns="" xmlns:a16="http://schemas.microsoft.com/office/drawing/2014/main" id="{642A6712-05AC-4A63-87F7-14430CE8A993}"/>
+                <a16:creationId xmlns:a16="http://schemas.microsoft.com/office/drawing/2014/main" id="{642A6712-05AC-4A63-87F7-14430CE8A993}"/>
               </a:ext>
             </a:extLst>
           </p:cNvPr>
@@ -5587,7 +5586,7 @@
           <p:cNvPr id="101" name="TextBox 100">
             <a:extLst>
               <a:ext uri="{FF2B5EF4-FFF2-40B4-BE49-F238E27FC236}">
-                <a16:creationId xmlns="" xmlns:a16="http://schemas.microsoft.com/office/drawing/2014/main" id="{7FF2AF45-1BBB-4306-ABAF-8689BC85C815}"/>
+                <a16:creationId xmlns:a16="http://schemas.microsoft.com/office/drawing/2014/main" id="{7FF2AF45-1BBB-4306-ABAF-8689BC85C815}"/>
               </a:ext>
             </a:extLst>
           </p:cNvPr>
@@ -5626,7 +5625,7 @@
           <p:cNvPr id="103" name="Straight Connector 102">
             <a:extLst>
               <a:ext uri="{FF2B5EF4-FFF2-40B4-BE49-F238E27FC236}">
-                <a16:creationId xmlns="" xmlns:a16="http://schemas.microsoft.com/office/drawing/2014/main" id="{E865F506-39E6-412E-A252-A31428B8E040}"/>
+                <a16:creationId xmlns:a16="http://schemas.microsoft.com/office/drawing/2014/main" id="{E865F506-39E6-412E-A252-A31428B8E040}"/>
               </a:ext>
             </a:extLst>
           </p:cNvPr>
@@ -5669,7 +5668,7 @@
           <p:cNvPr id="110" name="Straight Arrow Connector 109">
             <a:extLst>
               <a:ext uri="{FF2B5EF4-FFF2-40B4-BE49-F238E27FC236}">
-                <a16:creationId xmlns="" xmlns:a16="http://schemas.microsoft.com/office/drawing/2014/main" id="{E8B958EE-5EE0-4808-BB5D-8AF84300BFB3}"/>
+                <a16:creationId xmlns:a16="http://schemas.microsoft.com/office/drawing/2014/main" id="{E8B958EE-5EE0-4808-BB5D-8AF84300BFB3}"/>
               </a:ext>
             </a:extLst>
           </p:cNvPr>
@@ -5713,7 +5712,7 @@
           <p:cNvPr id="111" name="Straight Arrow Connector 110">
             <a:extLst>
               <a:ext uri="{FF2B5EF4-FFF2-40B4-BE49-F238E27FC236}">
-                <a16:creationId xmlns="" xmlns:a16="http://schemas.microsoft.com/office/drawing/2014/main" id="{701FA5EF-0179-41F2-B22D-FCC175001A48}"/>
+                <a16:creationId xmlns:a16="http://schemas.microsoft.com/office/drawing/2014/main" id="{701FA5EF-0179-41F2-B22D-FCC175001A48}"/>
               </a:ext>
             </a:extLst>
           </p:cNvPr>
@@ -5757,7 +5756,7 @@
           <p:cNvPr id="112" name="Straight Arrow Connector 111">
             <a:extLst>
               <a:ext uri="{FF2B5EF4-FFF2-40B4-BE49-F238E27FC236}">
-                <a16:creationId xmlns="" xmlns:a16="http://schemas.microsoft.com/office/drawing/2014/main" id="{AF569078-F334-430B-8950-9BEB338AB6EA}"/>
+                <a16:creationId xmlns:a16="http://schemas.microsoft.com/office/drawing/2014/main" id="{AF569078-F334-430B-8950-9BEB338AB6EA}"/>
               </a:ext>
             </a:extLst>
           </p:cNvPr>
@@ -5801,7 +5800,7 @@
           <p:cNvPr id="113" name="Straight Arrow Connector 112">
             <a:extLst>
               <a:ext uri="{FF2B5EF4-FFF2-40B4-BE49-F238E27FC236}">
-                <a16:creationId xmlns="" xmlns:a16="http://schemas.microsoft.com/office/drawing/2014/main" id="{9894B322-EF50-40E0-8415-FD1EB8F34947}"/>
+                <a16:creationId xmlns:a16="http://schemas.microsoft.com/office/drawing/2014/main" id="{9894B322-EF50-40E0-8415-FD1EB8F34947}"/>
               </a:ext>
             </a:extLst>
           </p:cNvPr>
@@ -5845,7 +5844,7 @@
           <p:cNvPr id="114" name="TextBox 113">
             <a:extLst>
               <a:ext uri="{FF2B5EF4-FFF2-40B4-BE49-F238E27FC236}">
-                <a16:creationId xmlns="" xmlns:a16="http://schemas.microsoft.com/office/drawing/2014/main" id="{E9064D73-DA84-45E4-878F-355289241361}"/>
+                <a16:creationId xmlns:a16="http://schemas.microsoft.com/office/drawing/2014/main" id="{E9064D73-DA84-45E4-878F-355289241361}"/>
               </a:ext>
             </a:extLst>
           </p:cNvPr>
@@ -5884,7 +5883,7 @@
           <p:cNvPr id="115" name="Arrow: Down 114">
             <a:extLst>
               <a:ext uri="{FF2B5EF4-FFF2-40B4-BE49-F238E27FC236}">
-                <a16:creationId xmlns="" xmlns:a16="http://schemas.microsoft.com/office/drawing/2014/main" id="{8CFCE75F-7AA7-4BF3-B044-4770D3A70008}"/>
+                <a16:creationId xmlns:a16="http://schemas.microsoft.com/office/drawing/2014/main" id="{8CFCE75F-7AA7-4BF3-B044-4770D3A70008}"/>
               </a:ext>
             </a:extLst>
           </p:cNvPr>
@@ -5936,7 +5935,7 @@
           <p:cNvPr id="116" name="Straight Arrow Connector 115">
             <a:extLst>
               <a:ext uri="{FF2B5EF4-FFF2-40B4-BE49-F238E27FC236}">
-                <a16:creationId xmlns="" xmlns:a16="http://schemas.microsoft.com/office/drawing/2014/main" id="{8E0EBC89-8ED8-4F07-B552-FDDF03B2E41D}"/>
+                <a16:creationId xmlns:a16="http://schemas.microsoft.com/office/drawing/2014/main" id="{8E0EBC89-8ED8-4F07-B552-FDDF03B2E41D}"/>
               </a:ext>
             </a:extLst>
           </p:cNvPr>
@@ -5982,7 +5981,7 @@
           <p:cNvPr id="117" name="TextBox 116">
             <a:extLst>
               <a:ext uri="{FF2B5EF4-FFF2-40B4-BE49-F238E27FC236}">
-                <a16:creationId xmlns="" xmlns:a16="http://schemas.microsoft.com/office/drawing/2014/main" id="{DC4F584F-869A-4EC5-BD3F-B43D6F04B109}"/>
+                <a16:creationId xmlns:a16="http://schemas.microsoft.com/office/drawing/2014/main" id="{DC4F584F-869A-4EC5-BD3F-B43D6F04B109}"/>
               </a:ext>
             </a:extLst>
           </p:cNvPr>
@@ -6032,7 +6031,7 @@
           <p:cNvPr id="118" name="Picture 2">
             <a:extLst>
               <a:ext uri="{FF2B5EF4-FFF2-40B4-BE49-F238E27FC236}">
-                <a16:creationId xmlns="" xmlns:a16="http://schemas.microsoft.com/office/drawing/2014/main" id="{7EAFE767-B908-419E-B4E7-05DAB402B5BB}"/>
+                <a16:creationId xmlns:a16="http://schemas.microsoft.com/office/drawing/2014/main" id="{7EAFE767-B908-419E-B4E7-05DAB402B5BB}"/>
               </a:ext>
             </a:extLst>
           </p:cNvPr>
@@ -6102,7 +6101,7 @@
           <p:cNvPr id="13" name="Group 12">
             <a:extLst>
               <a:ext uri="{FF2B5EF4-FFF2-40B4-BE49-F238E27FC236}">
-                <a16:creationId xmlns="" xmlns:a16="http://schemas.microsoft.com/office/drawing/2014/main" id="{DD9AE47D-D12F-4154-BB04-4D3D34BE33AE}"/>
+                <a16:creationId xmlns:a16="http://schemas.microsoft.com/office/drawing/2014/main" id="{DD9AE47D-D12F-4154-BB04-4D3D34BE33AE}"/>
               </a:ext>
             </a:extLst>
           </p:cNvPr>
@@ -6122,7 +6121,7 @@
             <p:cNvPr id="119" name="Picture 118">
               <a:extLst>
                 <a:ext uri="{FF2B5EF4-FFF2-40B4-BE49-F238E27FC236}">
-                  <a16:creationId xmlns="" xmlns:a16="http://schemas.microsoft.com/office/drawing/2014/main" id="{8569128C-0619-4279-963D-AE7C028B50F8}"/>
+                  <a16:creationId xmlns:a16="http://schemas.microsoft.com/office/drawing/2014/main" id="{8569128C-0619-4279-963D-AE7C028B50F8}"/>
                 </a:ext>
               </a:extLst>
             </p:cNvPr>
@@ -6150,7 +6149,7 @@
             <p:cNvPr id="120" name="Picture 119">
               <a:extLst>
                 <a:ext uri="{FF2B5EF4-FFF2-40B4-BE49-F238E27FC236}">
-                  <a16:creationId xmlns="" xmlns:a16="http://schemas.microsoft.com/office/drawing/2014/main" id="{8B747FC8-E2F4-4A4F-A22C-CE38FE1C73EE}"/>
+                  <a16:creationId xmlns:a16="http://schemas.microsoft.com/office/drawing/2014/main" id="{8B747FC8-E2F4-4A4F-A22C-CE38FE1C73EE}"/>
                 </a:ext>
               </a:extLst>
             </p:cNvPr>
@@ -6178,7 +6177,7 @@
             <p:cNvPr id="121" name="Picture 120">
               <a:extLst>
                 <a:ext uri="{FF2B5EF4-FFF2-40B4-BE49-F238E27FC236}">
-                  <a16:creationId xmlns="" xmlns:a16="http://schemas.microsoft.com/office/drawing/2014/main" id="{C5D34CA6-4297-482B-89D7-F88D49D89624}"/>
+                  <a16:creationId xmlns:a16="http://schemas.microsoft.com/office/drawing/2014/main" id="{C5D34CA6-4297-482B-89D7-F88D49D89624}"/>
                 </a:ext>
               </a:extLst>
             </p:cNvPr>
@@ -6207,7 +6206,7 @@
           <p:cNvPr id="122" name="Picture 121">
             <a:extLst>
               <a:ext uri="{FF2B5EF4-FFF2-40B4-BE49-F238E27FC236}">
-                <a16:creationId xmlns="" xmlns:a16="http://schemas.microsoft.com/office/drawing/2014/main" id="{B162C919-E530-41D0-B8DE-285A262718DC}"/>
+                <a16:creationId xmlns:a16="http://schemas.microsoft.com/office/drawing/2014/main" id="{B162C919-E530-41D0-B8DE-285A262718DC}"/>
               </a:ext>
             </a:extLst>
           </p:cNvPr>
@@ -6235,7 +6234,7 @@
           <p:cNvPr id="124" name="Picture 123" descr="Free Icon | Wifi">
             <a:extLst>
               <a:ext uri="{FF2B5EF4-FFF2-40B4-BE49-F238E27FC236}">
-                <a16:creationId xmlns="" xmlns:a16="http://schemas.microsoft.com/office/drawing/2014/main" id="{53DEC4AC-7083-4137-853A-196172679253}"/>
+                <a16:creationId xmlns:a16="http://schemas.microsoft.com/office/drawing/2014/main" id="{53DEC4AC-7083-4137-853A-196172679253}"/>
               </a:ext>
             </a:extLst>
           </p:cNvPr>
@@ -6274,7 +6273,7 @@
           <p:cNvPr id="125" name="Picture 124">
             <a:extLst>
               <a:ext uri="{FF2B5EF4-FFF2-40B4-BE49-F238E27FC236}">
-                <a16:creationId xmlns="" xmlns:a16="http://schemas.microsoft.com/office/drawing/2014/main" id="{4A694F61-56DD-44EC-9C94-5B51CD55A6AD}"/>
+                <a16:creationId xmlns:a16="http://schemas.microsoft.com/office/drawing/2014/main" id="{4A694F61-56DD-44EC-9C94-5B51CD55A6AD}"/>
               </a:ext>
             </a:extLst>
           </p:cNvPr>
@@ -6302,7 +6301,7 @@
           <p:cNvPr id="126" name="Picture 125">
             <a:extLst>
               <a:ext uri="{FF2B5EF4-FFF2-40B4-BE49-F238E27FC236}">
-                <a16:creationId xmlns="" xmlns:a16="http://schemas.microsoft.com/office/drawing/2014/main" id="{1070B515-8811-4DB0-B73F-A655CDA1F65D}"/>
+                <a16:creationId xmlns:a16="http://schemas.microsoft.com/office/drawing/2014/main" id="{1070B515-8811-4DB0-B73F-A655CDA1F65D}"/>
               </a:ext>
             </a:extLst>
           </p:cNvPr>
@@ -6330,7 +6329,7 @@
           <p:cNvPr id="127" name="TextBox 126">
             <a:extLst>
               <a:ext uri="{FF2B5EF4-FFF2-40B4-BE49-F238E27FC236}">
-                <a16:creationId xmlns="" xmlns:a16="http://schemas.microsoft.com/office/drawing/2014/main" id="{A95CCAB4-6FC7-49A6-8666-4575A0CA9B0B}"/>
+                <a16:creationId xmlns:a16="http://schemas.microsoft.com/office/drawing/2014/main" id="{A95CCAB4-6FC7-49A6-8666-4575A0CA9B0B}"/>
               </a:ext>
             </a:extLst>
           </p:cNvPr>
@@ -6382,7 +6381,7 @@
           <p:cNvPr id="129" name="TextBox 128">
             <a:extLst>
               <a:ext uri="{FF2B5EF4-FFF2-40B4-BE49-F238E27FC236}">
-                <a16:creationId xmlns="" xmlns:a16="http://schemas.microsoft.com/office/drawing/2014/main" id="{E39A3AB8-C796-4956-8252-D950C226E4A3}"/>
+                <a16:creationId xmlns:a16="http://schemas.microsoft.com/office/drawing/2014/main" id="{E39A3AB8-C796-4956-8252-D950C226E4A3}"/>
               </a:ext>
             </a:extLst>
           </p:cNvPr>
@@ -6421,7 +6420,7 @@
           <p:cNvPr id="130" name="Straight Connector 129">
             <a:extLst>
               <a:ext uri="{FF2B5EF4-FFF2-40B4-BE49-F238E27FC236}">
-                <a16:creationId xmlns="" xmlns:a16="http://schemas.microsoft.com/office/drawing/2014/main" id="{9DF291A7-41F4-4DE6-AE15-E1C86F573651}"/>
+                <a16:creationId xmlns:a16="http://schemas.microsoft.com/office/drawing/2014/main" id="{9DF291A7-41F4-4DE6-AE15-E1C86F573651}"/>
               </a:ext>
             </a:extLst>
           </p:cNvPr>
@@ -6464,7 +6463,7 @@
           <p:cNvPr id="131" name="Straight Arrow Connector 130">
             <a:extLst>
               <a:ext uri="{FF2B5EF4-FFF2-40B4-BE49-F238E27FC236}">
-                <a16:creationId xmlns="" xmlns:a16="http://schemas.microsoft.com/office/drawing/2014/main" id="{C1FCFB29-B377-49B7-AE4A-C6D22253A121}"/>
+                <a16:creationId xmlns:a16="http://schemas.microsoft.com/office/drawing/2014/main" id="{C1FCFB29-B377-49B7-AE4A-C6D22253A121}"/>
               </a:ext>
             </a:extLst>
           </p:cNvPr>
@@ -6508,7 +6507,7 @@
           <p:cNvPr id="132" name="Straight Arrow Connector 131">
             <a:extLst>
               <a:ext uri="{FF2B5EF4-FFF2-40B4-BE49-F238E27FC236}">
-                <a16:creationId xmlns="" xmlns:a16="http://schemas.microsoft.com/office/drawing/2014/main" id="{437E4990-C17A-4FBD-B288-E7FEE10A8B47}"/>
+                <a16:creationId xmlns:a16="http://schemas.microsoft.com/office/drawing/2014/main" id="{437E4990-C17A-4FBD-B288-E7FEE10A8B47}"/>
               </a:ext>
             </a:extLst>
           </p:cNvPr>
@@ -6552,7 +6551,7 @@
           <p:cNvPr id="133" name="Straight Arrow Connector 132">
             <a:extLst>
               <a:ext uri="{FF2B5EF4-FFF2-40B4-BE49-F238E27FC236}">
-                <a16:creationId xmlns="" xmlns:a16="http://schemas.microsoft.com/office/drawing/2014/main" id="{3C070CA1-7CB4-4E4C-8996-587C0DF6380E}"/>
+                <a16:creationId xmlns:a16="http://schemas.microsoft.com/office/drawing/2014/main" id="{3C070CA1-7CB4-4E4C-8996-587C0DF6380E}"/>
               </a:ext>
             </a:extLst>
           </p:cNvPr>
@@ -6596,7 +6595,7 @@
           <p:cNvPr id="134" name="Straight Arrow Connector 133">
             <a:extLst>
               <a:ext uri="{FF2B5EF4-FFF2-40B4-BE49-F238E27FC236}">
-                <a16:creationId xmlns="" xmlns:a16="http://schemas.microsoft.com/office/drawing/2014/main" id="{FC701DDD-2159-4659-A0CA-3419EE1C595C}"/>
+                <a16:creationId xmlns:a16="http://schemas.microsoft.com/office/drawing/2014/main" id="{FC701DDD-2159-4659-A0CA-3419EE1C595C}"/>
               </a:ext>
             </a:extLst>
           </p:cNvPr>
@@ -6640,7 +6639,7 @@
           <p:cNvPr id="135" name="TextBox 134">
             <a:extLst>
               <a:ext uri="{FF2B5EF4-FFF2-40B4-BE49-F238E27FC236}">
-                <a16:creationId xmlns="" xmlns:a16="http://schemas.microsoft.com/office/drawing/2014/main" id="{CCB08C6A-B88F-466B-9016-90EEB67A179B}"/>
+                <a16:creationId xmlns:a16="http://schemas.microsoft.com/office/drawing/2014/main" id="{CCB08C6A-B88F-466B-9016-90EEB67A179B}"/>
               </a:ext>
             </a:extLst>
           </p:cNvPr>
@@ -6679,7 +6678,7 @@
           <p:cNvPr id="136" name="Arrow: Down 135">
             <a:extLst>
               <a:ext uri="{FF2B5EF4-FFF2-40B4-BE49-F238E27FC236}">
-                <a16:creationId xmlns="" xmlns:a16="http://schemas.microsoft.com/office/drawing/2014/main" id="{DFF46CD1-F7A1-44D1-A40D-EB507AC19AB7}"/>
+                <a16:creationId xmlns:a16="http://schemas.microsoft.com/office/drawing/2014/main" id="{DFF46CD1-F7A1-44D1-A40D-EB507AC19AB7}"/>
               </a:ext>
             </a:extLst>
           </p:cNvPr>
@@ -6731,7 +6730,7 @@
           <p:cNvPr id="137" name="Straight Arrow Connector 136">
             <a:extLst>
               <a:ext uri="{FF2B5EF4-FFF2-40B4-BE49-F238E27FC236}">
-                <a16:creationId xmlns="" xmlns:a16="http://schemas.microsoft.com/office/drawing/2014/main" id="{8F992FA7-D08C-438C-A43F-47DBDCC12409}"/>
+                <a16:creationId xmlns:a16="http://schemas.microsoft.com/office/drawing/2014/main" id="{8F992FA7-D08C-438C-A43F-47DBDCC12409}"/>
               </a:ext>
             </a:extLst>
           </p:cNvPr>
@@ -6777,7 +6776,7 @@
           <p:cNvPr id="138" name="TextBox 137">
             <a:extLst>
               <a:ext uri="{FF2B5EF4-FFF2-40B4-BE49-F238E27FC236}">
-                <a16:creationId xmlns="" xmlns:a16="http://schemas.microsoft.com/office/drawing/2014/main" id="{759D9C9A-697F-41AF-B4E7-ED889C2499F2}"/>
+                <a16:creationId xmlns:a16="http://schemas.microsoft.com/office/drawing/2014/main" id="{759D9C9A-697F-41AF-B4E7-ED889C2499F2}"/>
               </a:ext>
             </a:extLst>
           </p:cNvPr>
@@ -6827,7 +6826,7 @@
           <p:cNvPr id="139" name="Picture 2">
             <a:extLst>
               <a:ext uri="{FF2B5EF4-FFF2-40B4-BE49-F238E27FC236}">
-                <a16:creationId xmlns="" xmlns:a16="http://schemas.microsoft.com/office/drawing/2014/main" id="{44B1DE2B-5459-4559-8528-F531AB2F47CC}"/>
+                <a16:creationId xmlns:a16="http://schemas.microsoft.com/office/drawing/2014/main" id="{44B1DE2B-5459-4559-8528-F531AB2F47CC}"/>
               </a:ext>
             </a:extLst>
           </p:cNvPr>
@@ -6897,7 +6896,7 @@
           <p:cNvPr id="140" name="Group 139">
             <a:extLst>
               <a:ext uri="{FF2B5EF4-FFF2-40B4-BE49-F238E27FC236}">
-                <a16:creationId xmlns="" xmlns:a16="http://schemas.microsoft.com/office/drawing/2014/main" id="{4AC26AC4-8582-4AF1-9662-4C653C054F44}"/>
+                <a16:creationId xmlns:a16="http://schemas.microsoft.com/office/drawing/2014/main" id="{4AC26AC4-8582-4AF1-9662-4C653C054F44}"/>
               </a:ext>
             </a:extLst>
           </p:cNvPr>
@@ -6917,7 +6916,7 @@
             <p:cNvPr id="142" name="Picture 141">
               <a:extLst>
                 <a:ext uri="{FF2B5EF4-FFF2-40B4-BE49-F238E27FC236}">
-                  <a16:creationId xmlns="" xmlns:a16="http://schemas.microsoft.com/office/drawing/2014/main" id="{F766DA8B-BC49-49A9-BF21-6C3D92420AE5}"/>
+                  <a16:creationId xmlns:a16="http://schemas.microsoft.com/office/drawing/2014/main" id="{F766DA8B-BC49-49A9-BF21-6C3D92420AE5}"/>
                 </a:ext>
               </a:extLst>
             </p:cNvPr>
@@ -6945,7 +6944,7 @@
             <p:cNvPr id="143" name="Picture 142">
               <a:extLst>
                 <a:ext uri="{FF2B5EF4-FFF2-40B4-BE49-F238E27FC236}">
-                  <a16:creationId xmlns="" xmlns:a16="http://schemas.microsoft.com/office/drawing/2014/main" id="{60A87426-69E1-4E00-A79F-BE673237C80D}"/>
+                  <a16:creationId xmlns:a16="http://schemas.microsoft.com/office/drawing/2014/main" id="{60A87426-69E1-4E00-A79F-BE673237C80D}"/>
                 </a:ext>
               </a:extLst>
             </p:cNvPr>
@@ -6973,7 +6972,7 @@
             <p:cNvPr id="144" name="Picture 143">
               <a:extLst>
                 <a:ext uri="{FF2B5EF4-FFF2-40B4-BE49-F238E27FC236}">
-                  <a16:creationId xmlns="" xmlns:a16="http://schemas.microsoft.com/office/drawing/2014/main" id="{BA800670-4E89-4822-9FE3-B81C5A84579E}"/>
+                  <a16:creationId xmlns:a16="http://schemas.microsoft.com/office/drawing/2014/main" id="{BA800670-4E89-4822-9FE3-B81C5A84579E}"/>
                 </a:ext>
               </a:extLst>
             </p:cNvPr>
@@ -7002,7 +7001,7 @@
           <p:cNvPr id="141" name="Picture 140">
             <a:extLst>
               <a:ext uri="{FF2B5EF4-FFF2-40B4-BE49-F238E27FC236}">
-                <a16:creationId xmlns="" xmlns:a16="http://schemas.microsoft.com/office/drawing/2014/main" id="{E8497B39-C585-4FA1-A77E-6295925A3A10}"/>
+                <a16:creationId xmlns:a16="http://schemas.microsoft.com/office/drawing/2014/main" id="{E8497B39-C585-4FA1-A77E-6295925A3A10}"/>
               </a:ext>
             </a:extLst>
           </p:cNvPr>
@@ -7030,7 +7029,7 @@
           <p:cNvPr id="146" name="Picture 145" descr="Free Icon | Wifi">
             <a:extLst>
               <a:ext uri="{FF2B5EF4-FFF2-40B4-BE49-F238E27FC236}">
-                <a16:creationId xmlns="" xmlns:a16="http://schemas.microsoft.com/office/drawing/2014/main" id="{400471C8-AF8F-4F03-9F7F-E4AF9D009651}"/>
+                <a16:creationId xmlns:a16="http://schemas.microsoft.com/office/drawing/2014/main" id="{400471C8-AF8F-4F03-9F7F-E4AF9D009651}"/>
               </a:ext>
             </a:extLst>
           </p:cNvPr>
@@ -7069,7 +7068,7 @@
           <p:cNvPr id="147" name="Picture 146">
             <a:extLst>
               <a:ext uri="{FF2B5EF4-FFF2-40B4-BE49-F238E27FC236}">
-                <a16:creationId xmlns="" xmlns:a16="http://schemas.microsoft.com/office/drawing/2014/main" id="{A87A795B-6EF4-4302-BE56-81D3EB784528}"/>
+                <a16:creationId xmlns:a16="http://schemas.microsoft.com/office/drawing/2014/main" id="{A87A795B-6EF4-4302-BE56-81D3EB784528}"/>
               </a:ext>
             </a:extLst>
           </p:cNvPr>
@@ -7097,7 +7096,7 @@
           <p:cNvPr id="148" name="Picture 147">
             <a:extLst>
               <a:ext uri="{FF2B5EF4-FFF2-40B4-BE49-F238E27FC236}">
-                <a16:creationId xmlns="" xmlns:a16="http://schemas.microsoft.com/office/drawing/2014/main" id="{B9BA4EBB-7917-478F-9609-5EB5FFA55FC3}"/>
+                <a16:creationId xmlns:a16="http://schemas.microsoft.com/office/drawing/2014/main" id="{B9BA4EBB-7917-478F-9609-5EB5FFA55FC3}"/>
               </a:ext>
             </a:extLst>
           </p:cNvPr>
@@ -7125,7 +7124,7 @@
           <p:cNvPr id="149" name="TextBox 148">
             <a:extLst>
               <a:ext uri="{FF2B5EF4-FFF2-40B4-BE49-F238E27FC236}">
-                <a16:creationId xmlns="" xmlns:a16="http://schemas.microsoft.com/office/drawing/2014/main" id="{F30C4C3C-680C-41D5-9C69-0BE265B22526}"/>
+                <a16:creationId xmlns:a16="http://schemas.microsoft.com/office/drawing/2014/main" id="{F30C4C3C-680C-41D5-9C69-0BE265B22526}"/>
               </a:ext>
             </a:extLst>
           </p:cNvPr>
@@ -7177,7 +7176,7 @@
           <p:cNvPr id="151" name="TextBox 150">
             <a:extLst>
               <a:ext uri="{FF2B5EF4-FFF2-40B4-BE49-F238E27FC236}">
-                <a16:creationId xmlns="" xmlns:a16="http://schemas.microsoft.com/office/drawing/2014/main" id="{59608F00-0360-4995-AE2C-04C7DA329F16}"/>
+                <a16:creationId xmlns:a16="http://schemas.microsoft.com/office/drawing/2014/main" id="{59608F00-0360-4995-AE2C-04C7DA329F16}"/>
               </a:ext>
             </a:extLst>
           </p:cNvPr>
@@ -7216,7 +7215,7 @@
           <p:cNvPr id="152" name="Straight Connector 151">
             <a:extLst>
               <a:ext uri="{FF2B5EF4-FFF2-40B4-BE49-F238E27FC236}">
-                <a16:creationId xmlns="" xmlns:a16="http://schemas.microsoft.com/office/drawing/2014/main" id="{A1D3B135-9E1F-4715-BBDB-B743EB32E933}"/>
+                <a16:creationId xmlns:a16="http://schemas.microsoft.com/office/drawing/2014/main" id="{A1D3B135-9E1F-4715-BBDB-B743EB32E933}"/>
               </a:ext>
             </a:extLst>
           </p:cNvPr>
@@ -7259,7 +7258,7 @@
           <p:cNvPr id="153" name="Straight Arrow Connector 152">
             <a:extLst>
               <a:ext uri="{FF2B5EF4-FFF2-40B4-BE49-F238E27FC236}">
-                <a16:creationId xmlns="" xmlns:a16="http://schemas.microsoft.com/office/drawing/2014/main" id="{D1770F5E-EA21-4850-8494-C4C2D80A1B20}"/>
+                <a16:creationId xmlns:a16="http://schemas.microsoft.com/office/drawing/2014/main" id="{D1770F5E-EA21-4850-8494-C4C2D80A1B20}"/>
               </a:ext>
             </a:extLst>
           </p:cNvPr>
@@ -7303,7 +7302,7 @@
           <p:cNvPr id="154" name="Straight Arrow Connector 153">
             <a:extLst>
               <a:ext uri="{FF2B5EF4-FFF2-40B4-BE49-F238E27FC236}">
-                <a16:creationId xmlns="" xmlns:a16="http://schemas.microsoft.com/office/drawing/2014/main" id="{C8E3FE0E-5E92-477B-BACE-E898B0C12B07}"/>
+                <a16:creationId xmlns:a16="http://schemas.microsoft.com/office/drawing/2014/main" id="{C8E3FE0E-5E92-477B-BACE-E898B0C12B07}"/>
               </a:ext>
             </a:extLst>
           </p:cNvPr>
@@ -7347,7 +7346,7 @@
           <p:cNvPr id="155" name="Straight Arrow Connector 154">
             <a:extLst>
               <a:ext uri="{FF2B5EF4-FFF2-40B4-BE49-F238E27FC236}">
-                <a16:creationId xmlns="" xmlns:a16="http://schemas.microsoft.com/office/drawing/2014/main" id="{DBF37D8A-2F61-4869-A6C6-524233FA9B12}"/>
+                <a16:creationId xmlns:a16="http://schemas.microsoft.com/office/drawing/2014/main" id="{DBF37D8A-2F61-4869-A6C6-524233FA9B12}"/>
               </a:ext>
             </a:extLst>
           </p:cNvPr>
@@ -7391,7 +7390,7 @@
           <p:cNvPr id="156" name="Straight Arrow Connector 155">
             <a:extLst>
               <a:ext uri="{FF2B5EF4-FFF2-40B4-BE49-F238E27FC236}">
-                <a16:creationId xmlns="" xmlns:a16="http://schemas.microsoft.com/office/drawing/2014/main" id="{A625D55F-5F09-486D-9A2E-2D267A148440}"/>
+                <a16:creationId xmlns:a16="http://schemas.microsoft.com/office/drawing/2014/main" id="{A625D55F-5F09-486D-9A2E-2D267A148440}"/>
               </a:ext>
             </a:extLst>
           </p:cNvPr>
@@ -7435,7 +7434,7 @@
           <p:cNvPr id="157" name="TextBox 156">
             <a:extLst>
               <a:ext uri="{FF2B5EF4-FFF2-40B4-BE49-F238E27FC236}">
-                <a16:creationId xmlns="" xmlns:a16="http://schemas.microsoft.com/office/drawing/2014/main" id="{3B1C1B6A-2C75-43CC-A447-4B561C1C2B06}"/>
+                <a16:creationId xmlns:a16="http://schemas.microsoft.com/office/drawing/2014/main" id="{3B1C1B6A-2C75-43CC-A447-4B561C1C2B06}"/>
               </a:ext>
             </a:extLst>
           </p:cNvPr>
@@ -7474,7 +7473,7 @@
           <p:cNvPr id="158" name="Arrow: Down 157">
             <a:extLst>
               <a:ext uri="{FF2B5EF4-FFF2-40B4-BE49-F238E27FC236}">
-                <a16:creationId xmlns="" xmlns:a16="http://schemas.microsoft.com/office/drawing/2014/main" id="{E3FB393C-BE89-42B7-8E61-C434739C9007}"/>
+                <a16:creationId xmlns:a16="http://schemas.microsoft.com/office/drawing/2014/main" id="{E3FB393C-BE89-42B7-8E61-C434739C9007}"/>
               </a:ext>
             </a:extLst>
           </p:cNvPr>
@@ -7526,7 +7525,7 @@
           <p:cNvPr id="159" name="Straight Arrow Connector 158">
             <a:extLst>
               <a:ext uri="{FF2B5EF4-FFF2-40B4-BE49-F238E27FC236}">
-                <a16:creationId xmlns="" xmlns:a16="http://schemas.microsoft.com/office/drawing/2014/main" id="{4736D311-FC35-4A01-A271-0230817C9E28}"/>
+                <a16:creationId xmlns:a16="http://schemas.microsoft.com/office/drawing/2014/main" id="{4736D311-FC35-4A01-A271-0230817C9E28}"/>
               </a:ext>
             </a:extLst>
           </p:cNvPr>
@@ -7572,7 +7571,7 @@
           <p:cNvPr id="160" name="TextBox 159">
             <a:extLst>
               <a:ext uri="{FF2B5EF4-FFF2-40B4-BE49-F238E27FC236}">
-                <a16:creationId xmlns="" xmlns:a16="http://schemas.microsoft.com/office/drawing/2014/main" id="{E9234FC1-B780-485A-BC1D-27D488028FF2}"/>
+                <a16:creationId xmlns:a16="http://schemas.microsoft.com/office/drawing/2014/main" id="{E9234FC1-B780-485A-BC1D-27D488028FF2}"/>
               </a:ext>
             </a:extLst>
           </p:cNvPr>
@@ -7622,7 +7621,7 @@
           <p:cNvPr id="161" name="Picture 2">
             <a:extLst>
               <a:ext uri="{FF2B5EF4-FFF2-40B4-BE49-F238E27FC236}">
-                <a16:creationId xmlns="" xmlns:a16="http://schemas.microsoft.com/office/drawing/2014/main" id="{6FA8644C-4157-4C29-A9AB-7895426E89EE}"/>
+                <a16:creationId xmlns:a16="http://schemas.microsoft.com/office/drawing/2014/main" id="{6FA8644C-4157-4C29-A9AB-7895426E89EE}"/>
               </a:ext>
             </a:extLst>
           </p:cNvPr>
@@ -7692,7 +7691,7 @@
           <p:cNvPr id="162" name="Group 161">
             <a:extLst>
               <a:ext uri="{FF2B5EF4-FFF2-40B4-BE49-F238E27FC236}">
-                <a16:creationId xmlns="" xmlns:a16="http://schemas.microsoft.com/office/drawing/2014/main" id="{8AA417C8-2A5F-4DB9-A327-478DEFA0F1FE}"/>
+                <a16:creationId xmlns:a16="http://schemas.microsoft.com/office/drawing/2014/main" id="{8AA417C8-2A5F-4DB9-A327-478DEFA0F1FE}"/>
               </a:ext>
             </a:extLst>
           </p:cNvPr>
@@ -7712,7 +7711,7 @@
             <p:cNvPr id="164" name="Picture 163">
               <a:extLst>
                 <a:ext uri="{FF2B5EF4-FFF2-40B4-BE49-F238E27FC236}">
-                  <a16:creationId xmlns="" xmlns:a16="http://schemas.microsoft.com/office/drawing/2014/main" id="{7AB6C7DC-8C4D-480E-8465-19855F19BB49}"/>
+                  <a16:creationId xmlns:a16="http://schemas.microsoft.com/office/drawing/2014/main" id="{7AB6C7DC-8C4D-480E-8465-19855F19BB49}"/>
                 </a:ext>
               </a:extLst>
             </p:cNvPr>
@@ -7740,7 +7739,7 @@
             <p:cNvPr id="165" name="Picture 164">
               <a:extLst>
                 <a:ext uri="{FF2B5EF4-FFF2-40B4-BE49-F238E27FC236}">
-                  <a16:creationId xmlns="" xmlns:a16="http://schemas.microsoft.com/office/drawing/2014/main" id="{8D424CF8-98CA-4442-9CBB-1C6B6677CA03}"/>
+                  <a16:creationId xmlns:a16="http://schemas.microsoft.com/office/drawing/2014/main" id="{8D424CF8-98CA-4442-9CBB-1C6B6677CA03}"/>
                 </a:ext>
               </a:extLst>
             </p:cNvPr>
@@ -7768,7 +7767,7 @@
             <p:cNvPr id="166" name="Picture 165">
               <a:extLst>
                 <a:ext uri="{FF2B5EF4-FFF2-40B4-BE49-F238E27FC236}">
-                  <a16:creationId xmlns="" xmlns:a16="http://schemas.microsoft.com/office/drawing/2014/main" id="{A0F38DD2-225D-4228-9076-B8596901A09B}"/>
+                  <a16:creationId xmlns:a16="http://schemas.microsoft.com/office/drawing/2014/main" id="{A0F38DD2-225D-4228-9076-B8596901A09B}"/>
                 </a:ext>
               </a:extLst>
             </p:cNvPr>
@@ -7797,7 +7796,7 @@
           <p:cNvPr id="163" name="Picture 162">
             <a:extLst>
               <a:ext uri="{FF2B5EF4-FFF2-40B4-BE49-F238E27FC236}">
-                <a16:creationId xmlns="" xmlns:a16="http://schemas.microsoft.com/office/drawing/2014/main" id="{548E5F0E-DC66-41FE-810E-8A55BE941A57}"/>
+                <a16:creationId xmlns:a16="http://schemas.microsoft.com/office/drawing/2014/main" id="{548E5F0E-DC66-41FE-810E-8A55BE941A57}"/>
               </a:ext>
             </a:extLst>
           </p:cNvPr>
@@ -7825,7 +7824,7 @@
           <p:cNvPr id="167" name="TextBox 166">
             <a:extLst>
               <a:ext uri="{FF2B5EF4-FFF2-40B4-BE49-F238E27FC236}">
-                <a16:creationId xmlns="" xmlns:a16="http://schemas.microsoft.com/office/drawing/2014/main" id="{844FFFA2-95FD-44EC-81E9-4E773A5EFF75}"/>
+                <a16:creationId xmlns:a16="http://schemas.microsoft.com/office/drawing/2014/main" id="{844FFFA2-95FD-44EC-81E9-4E773A5EFF75}"/>
               </a:ext>
             </a:extLst>
           </p:cNvPr>
@@ -7869,7 +7868,7 @@
           <p:cNvPr id="168" name="TextBox 167">
             <a:extLst>
               <a:ext uri="{FF2B5EF4-FFF2-40B4-BE49-F238E27FC236}">
-                <a16:creationId xmlns="" xmlns:a16="http://schemas.microsoft.com/office/drawing/2014/main" id="{0C242035-3919-48F6-B3E7-DF24DD4E2B78}"/>
+                <a16:creationId xmlns:a16="http://schemas.microsoft.com/office/drawing/2014/main" id="{0C242035-3919-48F6-B3E7-DF24DD4E2B78}"/>
               </a:ext>
             </a:extLst>
           </p:cNvPr>
@@ -7913,7 +7912,7 @@
           <p:cNvPr id="171" name="TextBox 170">
             <a:extLst>
               <a:ext uri="{FF2B5EF4-FFF2-40B4-BE49-F238E27FC236}">
-                <a16:creationId xmlns="" xmlns:a16="http://schemas.microsoft.com/office/drawing/2014/main" id="{D3D2C1E7-A24B-4E4F-9338-4E3CC945B96E}"/>
+                <a16:creationId xmlns:a16="http://schemas.microsoft.com/office/drawing/2014/main" id="{D3D2C1E7-A24B-4E4F-9338-4E3CC945B96E}"/>
               </a:ext>
             </a:extLst>
           </p:cNvPr>
@@ -7937,7 +7936,7 @@
           <a:lstStyle/>
           <a:p>
             <a:r>
-              <a:rPr lang="en-US" b="1" dirty="0" smtClean="0">
+              <a:rPr lang="en-US" b="1" dirty="0">
                 <a:solidFill>
                   <a:srgbClr val="0000FF"/>
                 </a:solidFill>
@@ -7945,20 +7944,12 @@
               <a:t>W</a:t>
             </a:r>
             <a:r>
-              <a:rPr lang="en-ID" b="1" dirty="0" smtClean="0">
-                <a:solidFill>
-                  <a:srgbClr val="0000FF"/>
-                </a:solidFill>
-              </a:rPr>
-              <a:t>FPS </a:t>
-            </a:r>
-            <a:r>
               <a:rPr lang="en-ID" b="1" dirty="0">
                 <a:solidFill>
                   <a:srgbClr val="0000FF"/>
                 </a:solidFill>
               </a:rPr>
-              <a:t>– Wireless Fire Protection System</a:t>
+              <a:t>FPS – Wireless Fire Protection System</a:t>
             </a:r>
             <a:endParaRPr lang="en-US" b="1" dirty="0">
               <a:solidFill>
@@ -8193,7 +8184,7 @@
           <p:cNvPr id="10" name="Picture 9" descr="Free Icon | Wifi">
             <a:extLst>
               <a:ext uri="{FF2B5EF4-FFF2-40B4-BE49-F238E27FC236}">
-                <a16:creationId xmlns="" xmlns:a16="http://schemas.microsoft.com/office/drawing/2014/main" id="{35E36CD3-6B5D-4E30-B897-685D3D72453D}"/>
+                <a16:creationId xmlns:a16="http://schemas.microsoft.com/office/drawing/2014/main" id="{35E36CD3-6B5D-4E30-B897-685D3D72453D}"/>
               </a:ext>
             </a:extLst>
           </p:cNvPr>
@@ -8534,7 +8525,7 @@
           <p:cNvPr id="20" name="Picture 19">
             <a:extLst>
               <a:ext uri="{FF2B5EF4-FFF2-40B4-BE49-F238E27FC236}">
-                <a16:creationId xmlns="" xmlns:a16="http://schemas.microsoft.com/office/drawing/2014/main" id="{A18A2DB5-C272-4EEC-BEDE-9D55A675C21C}"/>
+                <a16:creationId xmlns:a16="http://schemas.microsoft.com/office/drawing/2014/main" id="{A18A2DB5-C272-4EEC-BEDE-9D55A675C21C}"/>
               </a:ext>
             </a:extLst>
           </p:cNvPr>
@@ -8562,7 +8553,7 @@
           <p:cNvPr id="21" name="TextBox 20">
             <a:extLst>
               <a:ext uri="{FF2B5EF4-FFF2-40B4-BE49-F238E27FC236}">
-                <a16:creationId xmlns="" xmlns:a16="http://schemas.microsoft.com/office/drawing/2014/main" id="{C7B62148-C36A-4EC0-B756-BE9DE8CD3AB3}"/>
+                <a16:creationId xmlns:a16="http://schemas.microsoft.com/office/drawing/2014/main" id="{C7B62148-C36A-4EC0-B756-BE9DE8CD3AB3}"/>
               </a:ext>
             </a:extLst>
           </p:cNvPr>
@@ -8626,7 +8617,7 @@
           <p:cNvPr id="23" name="TextBox 22">
             <a:extLst>
               <a:ext uri="{FF2B5EF4-FFF2-40B4-BE49-F238E27FC236}">
-                <a16:creationId xmlns="" xmlns:a16="http://schemas.microsoft.com/office/drawing/2014/main" id="{E93A7901-2628-4F53-9A7E-1B2F218C5805}"/>
+                <a16:creationId xmlns:a16="http://schemas.microsoft.com/office/drawing/2014/main" id="{E93A7901-2628-4F53-9A7E-1B2F218C5805}"/>
               </a:ext>
             </a:extLst>
           </p:cNvPr>
@@ -8800,7 +8791,7 @@
           <p:cNvPr id="96" name="Picture 95" descr="Free Icon | Wifi">
             <a:extLst>
               <a:ext uri="{FF2B5EF4-FFF2-40B4-BE49-F238E27FC236}">
-                <a16:creationId xmlns="" xmlns:a16="http://schemas.microsoft.com/office/drawing/2014/main" id="{331FC1AA-CB08-45A4-9369-2997329D73F4}"/>
+                <a16:creationId xmlns:a16="http://schemas.microsoft.com/office/drawing/2014/main" id="{331FC1AA-CB08-45A4-9369-2997329D73F4}"/>
               </a:ext>
             </a:extLst>
           </p:cNvPr>
@@ -8839,7 +8830,7 @@
           <p:cNvPr id="97" name="Picture 96">
             <a:extLst>
               <a:ext uri="{FF2B5EF4-FFF2-40B4-BE49-F238E27FC236}">
-                <a16:creationId xmlns="" xmlns:a16="http://schemas.microsoft.com/office/drawing/2014/main" id="{D4CA772F-A72C-4314-A82A-E884D10E777D}"/>
+                <a16:creationId xmlns:a16="http://schemas.microsoft.com/office/drawing/2014/main" id="{D4CA772F-A72C-4314-A82A-E884D10E777D}"/>
               </a:ext>
             </a:extLst>
           </p:cNvPr>
@@ -8867,7 +8858,7 @@
           <p:cNvPr id="98" name="Picture 97">
             <a:extLst>
               <a:ext uri="{FF2B5EF4-FFF2-40B4-BE49-F238E27FC236}">
-                <a16:creationId xmlns="" xmlns:a16="http://schemas.microsoft.com/office/drawing/2014/main" id="{9E085E1D-93F9-4E72-B98F-FB8F7028960D}"/>
+                <a16:creationId xmlns:a16="http://schemas.microsoft.com/office/drawing/2014/main" id="{9E085E1D-93F9-4E72-B98F-FB8F7028960D}"/>
               </a:ext>
             </a:extLst>
           </p:cNvPr>
@@ -8895,7 +8886,7 @@
           <p:cNvPr id="101" name="TextBox 100">
             <a:extLst>
               <a:ext uri="{FF2B5EF4-FFF2-40B4-BE49-F238E27FC236}">
-                <a16:creationId xmlns="" xmlns:a16="http://schemas.microsoft.com/office/drawing/2014/main" id="{7FF2AF45-1BBB-4306-ABAF-8689BC85C815}"/>
+                <a16:creationId xmlns:a16="http://schemas.microsoft.com/office/drawing/2014/main" id="{7FF2AF45-1BBB-4306-ABAF-8689BC85C815}"/>
               </a:ext>
             </a:extLst>
           </p:cNvPr>
@@ -8934,7 +8925,7 @@
           <p:cNvPr id="103" name="Straight Connector 102">
             <a:extLst>
               <a:ext uri="{FF2B5EF4-FFF2-40B4-BE49-F238E27FC236}">
-                <a16:creationId xmlns="" xmlns:a16="http://schemas.microsoft.com/office/drawing/2014/main" id="{E865F506-39E6-412E-A252-A31428B8E040}"/>
+                <a16:creationId xmlns:a16="http://schemas.microsoft.com/office/drawing/2014/main" id="{E865F506-39E6-412E-A252-A31428B8E040}"/>
               </a:ext>
             </a:extLst>
           </p:cNvPr>
@@ -8977,7 +8968,7 @@
           <p:cNvPr id="110" name="Straight Arrow Connector 109">
             <a:extLst>
               <a:ext uri="{FF2B5EF4-FFF2-40B4-BE49-F238E27FC236}">
-                <a16:creationId xmlns="" xmlns:a16="http://schemas.microsoft.com/office/drawing/2014/main" id="{E8B958EE-5EE0-4808-BB5D-8AF84300BFB3}"/>
+                <a16:creationId xmlns:a16="http://schemas.microsoft.com/office/drawing/2014/main" id="{E8B958EE-5EE0-4808-BB5D-8AF84300BFB3}"/>
               </a:ext>
             </a:extLst>
           </p:cNvPr>
@@ -9021,7 +9012,7 @@
           <p:cNvPr id="111" name="Straight Arrow Connector 110">
             <a:extLst>
               <a:ext uri="{FF2B5EF4-FFF2-40B4-BE49-F238E27FC236}">
-                <a16:creationId xmlns="" xmlns:a16="http://schemas.microsoft.com/office/drawing/2014/main" id="{701FA5EF-0179-41F2-B22D-FCC175001A48}"/>
+                <a16:creationId xmlns:a16="http://schemas.microsoft.com/office/drawing/2014/main" id="{701FA5EF-0179-41F2-B22D-FCC175001A48}"/>
               </a:ext>
             </a:extLst>
           </p:cNvPr>
@@ -9065,7 +9056,7 @@
           <p:cNvPr id="112" name="Straight Arrow Connector 111">
             <a:extLst>
               <a:ext uri="{FF2B5EF4-FFF2-40B4-BE49-F238E27FC236}">
-                <a16:creationId xmlns="" xmlns:a16="http://schemas.microsoft.com/office/drawing/2014/main" id="{AF569078-F334-430B-8950-9BEB338AB6EA}"/>
+                <a16:creationId xmlns:a16="http://schemas.microsoft.com/office/drawing/2014/main" id="{AF569078-F334-430B-8950-9BEB338AB6EA}"/>
               </a:ext>
             </a:extLst>
           </p:cNvPr>
@@ -9109,7 +9100,7 @@
           <p:cNvPr id="113" name="Straight Arrow Connector 112">
             <a:extLst>
               <a:ext uri="{FF2B5EF4-FFF2-40B4-BE49-F238E27FC236}">
-                <a16:creationId xmlns="" xmlns:a16="http://schemas.microsoft.com/office/drawing/2014/main" id="{9894B322-EF50-40E0-8415-FD1EB8F34947}"/>
+                <a16:creationId xmlns:a16="http://schemas.microsoft.com/office/drawing/2014/main" id="{9894B322-EF50-40E0-8415-FD1EB8F34947}"/>
               </a:ext>
             </a:extLst>
           </p:cNvPr>
@@ -9153,7 +9144,7 @@
           <p:cNvPr id="114" name="TextBox 113">
             <a:extLst>
               <a:ext uri="{FF2B5EF4-FFF2-40B4-BE49-F238E27FC236}">
-                <a16:creationId xmlns="" xmlns:a16="http://schemas.microsoft.com/office/drawing/2014/main" id="{E9064D73-DA84-45E4-878F-355289241361}"/>
+                <a16:creationId xmlns:a16="http://schemas.microsoft.com/office/drawing/2014/main" id="{E9064D73-DA84-45E4-878F-355289241361}"/>
               </a:ext>
             </a:extLst>
           </p:cNvPr>
@@ -9192,7 +9183,7 @@
           <p:cNvPr id="115" name="Arrow: Down 114">
             <a:extLst>
               <a:ext uri="{FF2B5EF4-FFF2-40B4-BE49-F238E27FC236}">
-                <a16:creationId xmlns="" xmlns:a16="http://schemas.microsoft.com/office/drawing/2014/main" id="{8CFCE75F-7AA7-4BF3-B044-4770D3A70008}"/>
+                <a16:creationId xmlns:a16="http://schemas.microsoft.com/office/drawing/2014/main" id="{8CFCE75F-7AA7-4BF3-B044-4770D3A70008}"/>
               </a:ext>
             </a:extLst>
           </p:cNvPr>
@@ -9244,7 +9235,7 @@
           <p:cNvPr id="116" name="Straight Arrow Connector 115">
             <a:extLst>
               <a:ext uri="{FF2B5EF4-FFF2-40B4-BE49-F238E27FC236}">
-                <a16:creationId xmlns="" xmlns:a16="http://schemas.microsoft.com/office/drawing/2014/main" id="{8E0EBC89-8ED8-4F07-B552-FDDF03B2E41D}"/>
+                <a16:creationId xmlns:a16="http://schemas.microsoft.com/office/drawing/2014/main" id="{8E0EBC89-8ED8-4F07-B552-FDDF03B2E41D}"/>
               </a:ext>
             </a:extLst>
           </p:cNvPr>
@@ -9290,7 +9281,7 @@
           <p:cNvPr id="117" name="TextBox 116">
             <a:extLst>
               <a:ext uri="{FF2B5EF4-FFF2-40B4-BE49-F238E27FC236}">
-                <a16:creationId xmlns="" xmlns:a16="http://schemas.microsoft.com/office/drawing/2014/main" id="{DC4F584F-869A-4EC5-BD3F-B43D6F04B109}"/>
+                <a16:creationId xmlns:a16="http://schemas.microsoft.com/office/drawing/2014/main" id="{DC4F584F-869A-4EC5-BD3F-B43D6F04B109}"/>
               </a:ext>
             </a:extLst>
           </p:cNvPr>
@@ -9340,7 +9331,7 @@
           <p:cNvPr id="118" name="Picture 2">
             <a:extLst>
               <a:ext uri="{FF2B5EF4-FFF2-40B4-BE49-F238E27FC236}">
-                <a16:creationId xmlns="" xmlns:a16="http://schemas.microsoft.com/office/drawing/2014/main" id="{7EAFE767-B908-419E-B4E7-05DAB402B5BB}"/>
+                <a16:creationId xmlns:a16="http://schemas.microsoft.com/office/drawing/2014/main" id="{7EAFE767-B908-419E-B4E7-05DAB402B5BB}"/>
               </a:ext>
             </a:extLst>
           </p:cNvPr>
@@ -9410,7 +9401,7 @@
           <p:cNvPr id="13" name="Group 12">
             <a:extLst>
               <a:ext uri="{FF2B5EF4-FFF2-40B4-BE49-F238E27FC236}">
-                <a16:creationId xmlns="" xmlns:a16="http://schemas.microsoft.com/office/drawing/2014/main" id="{DD9AE47D-D12F-4154-BB04-4D3D34BE33AE}"/>
+                <a16:creationId xmlns:a16="http://schemas.microsoft.com/office/drawing/2014/main" id="{DD9AE47D-D12F-4154-BB04-4D3D34BE33AE}"/>
               </a:ext>
             </a:extLst>
           </p:cNvPr>
@@ -9430,7 +9421,7 @@
             <p:cNvPr id="119" name="Picture 118">
               <a:extLst>
                 <a:ext uri="{FF2B5EF4-FFF2-40B4-BE49-F238E27FC236}">
-                  <a16:creationId xmlns="" xmlns:a16="http://schemas.microsoft.com/office/drawing/2014/main" id="{8569128C-0619-4279-963D-AE7C028B50F8}"/>
+                  <a16:creationId xmlns:a16="http://schemas.microsoft.com/office/drawing/2014/main" id="{8569128C-0619-4279-963D-AE7C028B50F8}"/>
                 </a:ext>
               </a:extLst>
             </p:cNvPr>
@@ -9458,7 +9449,7 @@
             <p:cNvPr id="120" name="Picture 119">
               <a:extLst>
                 <a:ext uri="{FF2B5EF4-FFF2-40B4-BE49-F238E27FC236}">
-                  <a16:creationId xmlns="" xmlns:a16="http://schemas.microsoft.com/office/drawing/2014/main" id="{8B747FC8-E2F4-4A4F-A22C-CE38FE1C73EE}"/>
+                  <a16:creationId xmlns:a16="http://schemas.microsoft.com/office/drawing/2014/main" id="{8B747FC8-E2F4-4A4F-A22C-CE38FE1C73EE}"/>
                 </a:ext>
               </a:extLst>
             </p:cNvPr>
@@ -9486,7 +9477,7 @@
             <p:cNvPr id="121" name="Picture 120">
               <a:extLst>
                 <a:ext uri="{FF2B5EF4-FFF2-40B4-BE49-F238E27FC236}">
-                  <a16:creationId xmlns="" xmlns:a16="http://schemas.microsoft.com/office/drawing/2014/main" id="{C5D34CA6-4297-482B-89D7-F88D49D89624}"/>
+                  <a16:creationId xmlns:a16="http://schemas.microsoft.com/office/drawing/2014/main" id="{C5D34CA6-4297-482B-89D7-F88D49D89624}"/>
                 </a:ext>
               </a:extLst>
             </p:cNvPr>
@@ -9515,7 +9506,7 @@
           <p:cNvPr id="122" name="Picture 121">
             <a:extLst>
               <a:ext uri="{FF2B5EF4-FFF2-40B4-BE49-F238E27FC236}">
-                <a16:creationId xmlns="" xmlns:a16="http://schemas.microsoft.com/office/drawing/2014/main" id="{B162C919-E530-41D0-B8DE-285A262718DC}"/>
+                <a16:creationId xmlns:a16="http://schemas.microsoft.com/office/drawing/2014/main" id="{B162C919-E530-41D0-B8DE-285A262718DC}"/>
               </a:ext>
             </a:extLst>
           </p:cNvPr>
@@ -9543,7 +9534,7 @@
           <p:cNvPr id="171" name="TextBox 170">
             <a:extLst>
               <a:ext uri="{FF2B5EF4-FFF2-40B4-BE49-F238E27FC236}">
-                <a16:creationId xmlns="" xmlns:a16="http://schemas.microsoft.com/office/drawing/2014/main" id="{D3D2C1E7-A24B-4E4F-9338-4E3CC945B96E}"/>
+                <a16:creationId xmlns:a16="http://schemas.microsoft.com/office/drawing/2014/main" id="{D3D2C1E7-A24B-4E4F-9338-4E3CC945B96E}"/>
               </a:ext>
             </a:extLst>
           </p:cNvPr>
@@ -9590,7 +9581,7 @@
           <p:cNvPr id="89" name="TextBox 88">
             <a:extLst>
               <a:ext uri="{FF2B5EF4-FFF2-40B4-BE49-F238E27FC236}">
-                <a16:creationId xmlns="" xmlns:a16="http://schemas.microsoft.com/office/drawing/2014/main" id="{FD499B9D-6F6A-48F3-A26C-7095543087F4}"/>
+                <a16:creationId xmlns:a16="http://schemas.microsoft.com/office/drawing/2014/main" id="{FD499B9D-6F6A-48F3-A26C-7095543087F4}"/>
               </a:ext>
             </a:extLst>
           </p:cNvPr>
@@ -9673,7 +9664,7 @@
           <p:cNvPr id="27" name="TextBox 26">
             <a:extLst>
               <a:ext uri="{FF2B5EF4-FFF2-40B4-BE49-F238E27FC236}">
-                <a16:creationId xmlns="" xmlns:a16="http://schemas.microsoft.com/office/drawing/2014/main" id="{B250D357-4F1F-4D5E-88FD-1C5A02A91117}"/>
+                <a16:creationId xmlns:a16="http://schemas.microsoft.com/office/drawing/2014/main" id="{B250D357-4F1F-4D5E-88FD-1C5A02A91117}"/>
               </a:ext>
             </a:extLst>
           </p:cNvPr>
@@ -9711,21 +9702,13 @@
                   <a:srgbClr val="0000FF"/>
                 </a:solidFill>
               </a:rPr>
-              <a:t> </a:t>
-            </a:r>
-            <a:r>
-              <a:rPr lang="en-US" sz="1200" b="1" dirty="0" smtClean="0">
-                <a:solidFill>
-                  <a:srgbClr val="0000FF"/>
-                </a:solidFill>
-              </a:rPr>
-              <a:t>Mega</a:t>
+              <a:t> Mega</a:t>
             </a:r>
           </a:p>
           <a:p>
             <a:pPr algn="ctr"/>
             <a:r>
-              <a:rPr lang="en-ID" sz="1200" b="1" dirty="0" err="1" smtClean="0">
+              <a:rPr lang="en-ID" sz="1200" b="1" dirty="0" err="1">
                 <a:solidFill>
                   <a:srgbClr val="0000FF"/>
                 </a:solidFill>
@@ -9733,7 +9716,7 @@
               <a:t>Lcd</a:t>
             </a:r>
             <a:r>
-              <a:rPr lang="en-ID" sz="1200" b="1" dirty="0" smtClean="0">
+              <a:rPr lang="en-ID" sz="1200" b="1" dirty="0">
                 <a:solidFill>
                   <a:srgbClr val="0000FF"/>
                 </a:solidFill>
@@ -9939,7 +9922,7 @@
           <p:cNvPr id="96" name="Picture 95" descr="Free Icon | Wifi">
             <a:extLst>
               <a:ext uri="{FF2B5EF4-FFF2-40B4-BE49-F238E27FC236}">
-                <a16:creationId xmlns="" xmlns:a16="http://schemas.microsoft.com/office/drawing/2014/main" id="{331FC1AA-CB08-45A4-9369-2997329D73F4}"/>
+                <a16:creationId xmlns:a16="http://schemas.microsoft.com/office/drawing/2014/main" id="{331FC1AA-CB08-45A4-9369-2997329D73F4}"/>
               </a:ext>
             </a:extLst>
           </p:cNvPr>
@@ -9978,7 +9961,7 @@
           <p:cNvPr id="97" name="Picture 96">
             <a:extLst>
               <a:ext uri="{FF2B5EF4-FFF2-40B4-BE49-F238E27FC236}">
-                <a16:creationId xmlns="" xmlns:a16="http://schemas.microsoft.com/office/drawing/2014/main" id="{D4CA772F-A72C-4314-A82A-E884D10E777D}"/>
+                <a16:creationId xmlns:a16="http://schemas.microsoft.com/office/drawing/2014/main" id="{D4CA772F-A72C-4314-A82A-E884D10E777D}"/>
               </a:ext>
             </a:extLst>
           </p:cNvPr>
@@ -10006,7 +9989,7 @@
           <p:cNvPr id="98" name="Picture 97">
             <a:extLst>
               <a:ext uri="{FF2B5EF4-FFF2-40B4-BE49-F238E27FC236}">
-                <a16:creationId xmlns="" xmlns:a16="http://schemas.microsoft.com/office/drawing/2014/main" id="{9E085E1D-93F9-4E72-B98F-FB8F7028960D}"/>
+                <a16:creationId xmlns:a16="http://schemas.microsoft.com/office/drawing/2014/main" id="{9E085E1D-93F9-4E72-B98F-FB8F7028960D}"/>
               </a:ext>
             </a:extLst>
           </p:cNvPr>
@@ -10034,7 +10017,7 @@
           <p:cNvPr id="101" name="TextBox 100">
             <a:extLst>
               <a:ext uri="{FF2B5EF4-FFF2-40B4-BE49-F238E27FC236}">
-                <a16:creationId xmlns="" xmlns:a16="http://schemas.microsoft.com/office/drawing/2014/main" id="{7FF2AF45-1BBB-4306-ABAF-8689BC85C815}"/>
+                <a16:creationId xmlns:a16="http://schemas.microsoft.com/office/drawing/2014/main" id="{7FF2AF45-1BBB-4306-ABAF-8689BC85C815}"/>
               </a:ext>
             </a:extLst>
           </p:cNvPr>
@@ -10073,7 +10056,7 @@
           <p:cNvPr id="103" name="Straight Connector 102">
             <a:extLst>
               <a:ext uri="{FF2B5EF4-FFF2-40B4-BE49-F238E27FC236}">
-                <a16:creationId xmlns="" xmlns:a16="http://schemas.microsoft.com/office/drawing/2014/main" id="{E865F506-39E6-412E-A252-A31428B8E040}"/>
+                <a16:creationId xmlns:a16="http://schemas.microsoft.com/office/drawing/2014/main" id="{E865F506-39E6-412E-A252-A31428B8E040}"/>
               </a:ext>
             </a:extLst>
           </p:cNvPr>
@@ -10116,7 +10099,7 @@
           <p:cNvPr id="110" name="Straight Arrow Connector 109">
             <a:extLst>
               <a:ext uri="{FF2B5EF4-FFF2-40B4-BE49-F238E27FC236}">
-                <a16:creationId xmlns="" xmlns:a16="http://schemas.microsoft.com/office/drawing/2014/main" id="{E8B958EE-5EE0-4808-BB5D-8AF84300BFB3}"/>
+                <a16:creationId xmlns:a16="http://schemas.microsoft.com/office/drawing/2014/main" id="{E8B958EE-5EE0-4808-BB5D-8AF84300BFB3}"/>
               </a:ext>
             </a:extLst>
           </p:cNvPr>
@@ -10160,7 +10143,7 @@
           <p:cNvPr id="111" name="Straight Arrow Connector 110">
             <a:extLst>
               <a:ext uri="{FF2B5EF4-FFF2-40B4-BE49-F238E27FC236}">
-                <a16:creationId xmlns="" xmlns:a16="http://schemas.microsoft.com/office/drawing/2014/main" id="{701FA5EF-0179-41F2-B22D-FCC175001A48}"/>
+                <a16:creationId xmlns:a16="http://schemas.microsoft.com/office/drawing/2014/main" id="{701FA5EF-0179-41F2-B22D-FCC175001A48}"/>
               </a:ext>
             </a:extLst>
           </p:cNvPr>
@@ -10204,7 +10187,7 @@
           <p:cNvPr id="112" name="Straight Arrow Connector 111">
             <a:extLst>
               <a:ext uri="{FF2B5EF4-FFF2-40B4-BE49-F238E27FC236}">
-                <a16:creationId xmlns="" xmlns:a16="http://schemas.microsoft.com/office/drawing/2014/main" id="{AF569078-F334-430B-8950-9BEB338AB6EA}"/>
+                <a16:creationId xmlns:a16="http://schemas.microsoft.com/office/drawing/2014/main" id="{AF569078-F334-430B-8950-9BEB338AB6EA}"/>
               </a:ext>
             </a:extLst>
           </p:cNvPr>
@@ -10248,7 +10231,7 @@
           <p:cNvPr id="113" name="Straight Arrow Connector 112">
             <a:extLst>
               <a:ext uri="{FF2B5EF4-FFF2-40B4-BE49-F238E27FC236}">
-                <a16:creationId xmlns="" xmlns:a16="http://schemas.microsoft.com/office/drawing/2014/main" id="{9894B322-EF50-40E0-8415-FD1EB8F34947}"/>
+                <a16:creationId xmlns:a16="http://schemas.microsoft.com/office/drawing/2014/main" id="{9894B322-EF50-40E0-8415-FD1EB8F34947}"/>
               </a:ext>
             </a:extLst>
           </p:cNvPr>
@@ -10292,7 +10275,7 @@
           <p:cNvPr id="114" name="TextBox 113">
             <a:extLst>
               <a:ext uri="{FF2B5EF4-FFF2-40B4-BE49-F238E27FC236}">
-                <a16:creationId xmlns="" xmlns:a16="http://schemas.microsoft.com/office/drawing/2014/main" id="{E9064D73-DA84-45E4-878F-355289241361}"/>
+                <a16:creationId xmlns:a16="http://schemas.microsoft.com/office/drawing/2014/main" id="{E9064D73-DA84-45E4-878F-355289241361}"/>
               </a:ext>
             </a:extLst>
           </p:cNvPr>
@@ -10331,7 +10314,7 @@
           <p:cNvPr id="115" name="Arrow: Down 114">
             <a:extLst>
               <a:ext uri="{FF2B5EF4-FFF2-40B4-BE49-F238E27FC236}">
-                <a16:creationId xmlns="" xmlns:a16="http://schemas.microsoft.com/office/drawing/2014/main" id="{8CFCE75F-7AA7-4BF3-B044-4770D3A70008}"/>
+                <a16:creationId xmlns:a16="http://schemas.microsoft.com/office/drawing/2014/main" id="{8CFCE75F-7AA7-4BF3-B044-4770D3A70008}"/>
               </a:ext>
             </a:extLst>
           </p:cNvPr>
@@ -10383,7 +10366,7 @@
           <p:cNvPr id="116" name="Straight Arrow Connector 115">
             <a:extLst>
               <a:ext uri="{FF2B5EF4-FFF2-40B4-BE49-F238E27FC236}">
-                <a16:creationId xmlns="" xmlns:a16="http://schemas.microsoft.com/office/drawing/2014/main" id="{8E0EBC89-8ED8-4F07-B552-FDDF03B2E41D}"/>
+                <a16:creationId xmlns:a16="http://schemas.microsoft.com/office/drawing/2014/main" id="{8E0EBC89-8ED8-4F07-B552-FDDF03B2E41D}"/>
               </a:ext>
             </a:extLst>
           </p:cNvPr>
@@ -10429,7 +10412,7 @@
           <p:cNvPr id="117" name="TextBox 116">
             <a:extLst>
               <a:ext uri="{FF2B5EF4-FFF2-40B4-BE49-F238E27FC236}">
-                <a16:creationId xmlns="" xmlns:a16="http://schemas.microsoft.com/office/drawing/2014/main" id="{DC4F584F-869A-4EC5-BD3F-B43D6F04B109}"/>
+                <a16:creationId xmlns:a16="http://schemas.microsoft.com/office/drawing/2014/main" id="{DC4F584F-869A-4EC5-BD3F-B43D6F04B109}"/>
               </a:ext>
             </a:extLst>
           </p:cNvPr>
@@ -10479,7 +10462,7 @@
           <p:cNvPr id="118" name="Picture 2">
             <a:extLst>
               <a:ext uri="{FF2B5EF4-FFF2-40B4-BE49-F238E27FC236}">
-                <a16:creationId xmlns="" xmlns:a16="http://schemas.microsoft.com/office/drawing/2014/main" id="{7EAFE767-B908-419E-B4E7-05DAB402B5BB}"/>
+                <a16:creationId xmlns:a16="http://schemas.microsoft.com/office/drawing/2014/main" id="{7EAFE767-B908-419E-B4E7-05DAB402B5BB}"/>
               </a:ext>
             </a:extLst>
           </p:cNvPr>
@@ -10549,7 +10532,7 @@
           <p:cNvPr id="13" name="Group 12">
             <a:extLst>
               <a:ext uri="{FF2B5EF4-FFF2-40B4-BE49-F238E27FC236}">
-                <a16:creationId xmlns="" xmlns:a16="http://schemas.microsoft.com/office/drawing/2014/main" id="{DD9AE47D-D12F-4154-BB04-4D3D34BE33AE}"/>
+                <a16:creationId xmlns:a16="http://schemas.microsoft.com/office/drawing/2014/main" id="{DD9AE47D-D12F-4154-BB04-4D3D34BE33AE}"/>
               </a:ext>
             </a:extLst>
           </p:cNvPr>
@@ -10569,7 +10552,7 @@
             <p:cNvPr id="119" name="Picture 118">
               <a:extLst>
                 <a:ext uri="{FF2B5EF4-FFF2-40B4-BE49-F238E27FC236}">
-                  <a16:creationId xmlns="" xmlns:a16="http://schemas.microsoft.com/office/drawing/2014/main" id="{8569128C-0619-4279-963D-AE7C028B50F8}"/>
+                  <a16:creationId xmlns:a16="http://schemas.microsoft.com/office/drawing/2014/main" id="{8569128C-0619-4279-963D-AE7C028B50F8}"/>
                 </a:ext>
               </a:extLst>
             </p:cNvPr>
@@ -10597,7 +10580,7 @@
             <p:cNvPr id="120" name="Picture 119">
               <a:extLst>
                 <a:ext uri="{FF2B5EF4-FFF2-40B4-BE49-F238E27FC236}">
-                  <a16:creationId xmlns="" xmlns:a16="http://schemas.microsoft.com/office/drawing/2014/main" id="{8B747FC8-E2F4-4A4F-A22C-CE38FE1C73EE}"/>
+                  <a16:creationId xmlns:a16="http://schemas.microsoft.com/office/drawing/2014/main" id="{8B747FC8-E2F4-4A4F-A22C-CE38FE1C73EE}"/>
                 </a:ext>
               </a:extLst>
             </p:cNvPr>
@@ -10625,7 +10608,7 @@
             <p:cNvPr id="121" name="Picture 120">
               <a:extLst>
                 <a:ext uri="{FF2B5EF4-FFF2-40B4-BE49-F238E27FC236}">
-                  <a16:creationId xmlns="" xmlns:a16="http://schemas.microsoft.com/office/drawing/2014/main" id="{C5D34CA6-4297-482B-89D7-F88D49D89624}"/>
+                  <a16:creationId xmlns:a16="http://schemas.microsoft.com/office/drawing/2014/main" id="{C5D34CA6-4297-482B-89D7-F88D49D89624}"/>
                 </a:ext>
               </a:extLst>
             </p:cNvPr>
@@ -10654,7 +10637,7 @@
           <p:cNvPr id="122" name="Picture 121">
             <a:extLst>
               <a:ext uri="{FF2B5EF4-FFF2-40B4-BE49-F238E27FC236}">
-                <a16:creationId xmlns="" xmlns:a16="http://schemas.microsoft.com/office/drawing/2014/main" id="{B162C919-E530-41D0-B8DE-285A262718DC}"/>
+                <a16:creationId xmlns:a16="http://schemas.microsoft.com/office/drawing/2014/main" id="{B162C919-E530-41D0-B8DE-285A262718DC}"/>
               </a:ext>
             </a:extLst>
           </p:cNvPr>
@@ -10682,7 +10665,7 @@
           <p:cNvPr id="171" name="TextBox 170">
             <a:extLst>
               <a:ext uri="{FF2B5EF4-FFF2-40B4-BE49-F238E27FC236}">
-                <a16:creationId xmlns="" xmlns:a16="http://schemas.microsoft.com/office/drawing/2014/main" id="{D3D2C1E7-A24B-4E4F-9338-4E3CC945B96E}"/>
+                <a16:creationId xmlns:a16="http://schemas.microsoft.com/office/drawing/2014/main" id="{D3D2C1E7-A24B-4E4F-9338-4E3CC945B96E}"/>
               </a:ext>
             </a:extLst>
           </p:cNvPr>
@@ -10719,21 +10702,13 @@
                   <a:srgbClr val="0000FF"/>
                 </a:solidFill>
               </a:rPr>
-              <a:t> – Edge of </a:t>
-            </a:r>
-            <a:r>
-              <a:rPr lang="en-US" sz="2400" b="1" dirty="0" smtClean="0">
-                <a:solidFill>
-                  <a:srgbClr val="0000FF"/>
-                </a:solidFill>
-              </a:rPr>
-              <a:t>Network</a:t>
+              <a:t> – Edge of Network</a:t>
             </a:r>
           </a:p>
           <a:p>
             <a:pPr algn="ctr"/>
             <a:r>
-              <a:rPr lang="en-ID" sz="2400" b="1" dirty="0" smtClean="0">
+              <a:rPr lang="en-ID" sz="2400" b="1" dirty="0">
                 <a:solidFill>
                   <a:srgbClr val="0000FF"/>
                 </a:solidFill>
@@ -10753,7 +10728,7 @@
           <p:cNvPr id="89" name="TextBox 88">
             <a:extLst>
               <a:ext uri="{FF2B5EF4-FFF2-40B4-BE49-F238E27FC236}">
-                <a16:creationId xmlns="" xmlns:a16="http://schemas.microsoft.com/office/drawing/2014/main" id="{FD499B9D-6F6A-48F3-A26C-7095543087F4}"/>
+                <a16:creationId xmlns:a16="http://schemas.microsoft.com/office/drawing/2014/main" id="{FD499B9D-6F6A-48F3-A26C-7095543087F4}"/>
               </a:ext>
             </a:extLst>
           </p:cNvPr>
@@ -10836,7 +10811,7 @@
           <p:cNvPr id="27" name="TextBox 26">
             <a:extLst>
               <a:ext uri="{FF2B5EF4-FFF2-40B4-BE49-F238E27FC236}">
-                <a16:creationId xmlns="" xmlns:a16="http://schemas.microsoft.com/office/drawing/2014/main" id="{B250D357-4F1F-4D5E-88FD-1C5A02A91117}"/>
+                <a16:creationId xmlns:a16="http://schemas.microsoft.com/office/drawing/2014/main" id="{B250D357-4F1F-4D5E-88FD-1C5A02A91117}"/>
               </a:ext>
             </a:extLst>
           </p:cNvPr>
@@ -10874,21 +10849,13 @@
                   <a:srgbClr val="0000FF"/>
                 </a:solidFill>
               </a:rPr>
-              <a:t> </a:t>
-            </a:r>
-            <a:r>
-              <a:rPr lang="en-US" sz="1200" b="1" dirty="0" smtClean="0">
-                <a:solidFill>
-                  <a:srgbClr val="0000FF"/>
-                </a:solidFill>
-              </a:rPr>
-              <a:t>Mega</a:t>
+              <a:t> Mega</a:t>
             </a:r>
           </a:p>
           <a:p>
             <a:pPr algn="ctr"/>
             <a:r>
-              <a:rPr lang="en-ID" sz="1200" b="1" dirty="0" err="1" smtClean="0">
+              <a:rPr lang="en-ID" sz="1200" b="1" dirty="0" err="1">
                 <a:solidFill>
                   <a:srgbClr val="0000FF"/>
                 </a:solidFill>
@@ -10896,7 +10863,7 @@
               <a:t>Lcd</a:t>
             </a:r>
             <a:r>
-              <a:rPr lang="en-ID" sz="1200" b="1" dirty="0" smtClean="0">
+              <a:rPr lang="en-ID" sz="1200" b="1" dirty="0">
                 <a:solidFill>
                   <a:srgbClr val="0000FF"/>
                 </a:solidFill>
@@ -11016,8 +10983,8 @@
         </p:nvSpPr>
         <p:spPr>
           <a:xfrm>
-            <a:off x="2879812" y="2551485"/>
-            <a:ext cx="1800200" cy="1224136"/>
+            <a:off x="1254572" y="2072754"/>
+            <a:ext cx="2789774" cy="1835384"/>
           </a:xfrm>
           <a:prstGeom prst="flowChartDecision">
             <a:avLst/>
@@ -11051,14 +11018,42 @@
           <a:p>
             <a:pPr algn="ctr"/>
             <a:r>
-              <a:rPr lang="en-ID" dirty="0" smtClean="0">
+              <a:rPr lang="en-US" sz="1200" b="0" dirty="0">
+                <a:solidFill>
+                  <a:schemeClr val="tx1"/>
+                </a:solidFill>
+                <a:effectLst/>
+                <a:latin typeface="Consolas" panose="020B0609020204030204" pitchFamily="49" charset="0"/>
+              </a:rPr>
+              <a:t>(operationMode</a:t>
+            </a:r>
+            <a:r>
+              <a:rPr lang="en-ID" sz="1200" dirty="0">
                 <a:solidFill>
                   <a:schemeClr val="tx1"/>
                 </a:solidFill>
               </a:rPr>
-              <a:t>Val &gt; Setting</a:t>
-            </a:r>
-            <a:endParaRPr lang="en-US" dirty="0">
+              <a:t> = MODE_AUTO ) &amp; (</a:t>
+            </a:r>
+            <a:r>
+              <a:rPr lang="en-ID" sz="1200" b="0" dirty="0">
+                <a:solidFill>
+                  <a:schemeClr val="tx1"/>
+                </a:solidFill>
+                <a:effectLst/>
+                <a:latin typeface="Consolas" panose="020B0609020204030204" pitchFamily="49" charset="0"/>
+              </a:rPr>
+              <a:t>sensorStatus != NO_ALARM</a:t>
+            </a:r>
+            <a:r>
+              <a:rPr lang="en-ID" sz="1200" dirty="0">
+                <a:solidFill>
+                  <a:schemeClr val="tx1"/>
+                </a:solidFill>
+              </a:rPr>
+              <a:t>)</a:t>
+            </a:r>
+            <a:endParaRPr lang="en-US" sz="1200" dirty="0">
               <a:solidFill>
                 <a:schemeClr val="tx1"/>
               </a:solidFill>
@@ -11068,17 +11063,18 @@
       </p:sp>
       <p:cxnSp>
         <p:nvCxnSpPr>
-          <p:cNvPr id="7" name="Straight Arrow Connector 6"/>
+          <p:cNvPr id="9" name="Straight Arrow Connector 8"/>
           <p:cNvCxnSpPr>
-            <a:stCxn id="2" idx="2"/>
-            <a:endCxn id="5" idx="0"/>
+            <a:cxnSpLocks/>
+            <a:stCxn id="5" idx="3"/>
+            <a:endCxn id="14" idx="1"/>
           </p:cNvCxnSpPr>
           <p:nvPr/>
         </p:nvCxnSpPr>
         <p:spPr>
           <a:xfrm>
-            <a:off x="3779912" y="1844824"/>
-            <a:ext cx="0" cy="706661"/>
+            <a:off x="4044346" y="2990446"/>
+            <a:ext cx="375934" cy="0"/>
           </a:xfrm>
           <a:prstGeom prst="straightConnector1">
             <a:avLst/>
@@ -11088,6 +11084,489 @@
               <a:schemeClr val="tx1"/>
             </a:solidFill>
             <a:tailEnd type="arrow"/>
+          </a:ln>
+        </p:spPr>
+        <p:style>
+          <a:lnRef idx="1">
+            <a:schemeClr val="accent1"/>
+          </a:lnRef>
+          <a:fillRef idx="0">
+            <a:schemeClr val="accent1"/>
+          </a:fillRef>
+          <a:effectRef idx="0">
+            <a:schemeClr val="accent1"/>
+          </a:effectRef>
+          <a:fontRef idx="minor">
+            <a:schemeClr val="tx1"/>
+          </a:fontRef>
+        </p:style>
+      </p:cxnSp>
+      <p:sp>
+        <p:nvSpPr>
+          <p:cNvPr id="12" name="TextBox 11"/>
+          <p:cNvSpPr txBox="1"/>
+          <p:nvPr/>
+        </p:nvSpPr>
+        <p:spPr>
+          <a:xfrm>
+            <a:off x="3933647" y="2676024"/>
+            <a:ext cx="386837" cy="276999"/>
+          </a:xfrm>
+          <a:prstGeom prst="rect">
+            <a:avLst/>
+          </a:prstGeom>
+          <a:noFill/>
+        </p:spPr>
+        <p:txBody>
+          <a:bodyPr wrap="none" rtlCol="0">
+            <a:spAutoFit/>
+          </a:bodyPr>
+          <a:lstStyle/>
+          <a:p>
+            <a:r>
+              <a:rPr lang="en-ID" sz="1200" dirty="0"/>
+              <a:t>Yes</a:t>
+            </a:r>
+            <a:endParaRPr lang="en-US" sz="1200" dirty="0"/>
+          </a:p>
+        </p:txBody>
+      </p:sp>
+      <p:sp>
+        <p:nvSpPr>
+          <p:cNvPr id="13" name="TextBox 12"/>
+          <p:cNvSpPr txBox="1"/>
+          <p:nvPr/>
+        </p:nvSpPr>
+        <p:spPr>
+          <a:xfrm>
+            <a:off x="2793474" y="3984273"/>
+            <a:ext cx="365806" cy="276999"/>
+          </a:xfrm>
+          <a:prstGeom prst="rect">
+            <a:avLst/>
+          </a:prstGeom>
+          <a:noFill/>
+        </p:spPr>
+        <p:txBody>
+          <a:bodyPr wrap="none" rtlCol="0">
+            <a:spAutoFit/>
+          </a:bodyPr>
+          <a:lstStyle/>
+          <a:p>
+            <a:r>
+              <a:rPr lang="en-ID" sz="1200" dirty="0"/>
+              <a:t>No</a:t>
+            </a:r>
+            <a:endParaRPr lang="en-US" sz="1200" dirty="0"/>
+          </a:p>
+        </p:txBody>
+      </p:sp>
+      <p:sp>
+        <p:nvSpPr>
+          <p:cNvPr id="14" name="TextBox 13"/>
+          <p:cNvSpPr txBox="1"/>
+          <p:nvPr/>
+        </p:nvSpPr>
+        <p:spPr>
+          <a:xfrm>
+            <a:off x="4420280" y="2759613"/>
+            <a:ext cx="2023927" cy="461665"/>
+          </a:xfrm>
+          <a:prstGeom prst="rect">
+            <a:avLst/>
+          </a:prstGeom>
+          <a:noFill/>
+          <a:ln>
+            <a:solidFill>
+              <a:schemeClr val="tx1"/>
+            </a:solidFill>
+          </a:ln>
+        </p:spPr>
+        <p:txBody>
+          <a:bodyPr wrap="square" rtlCol="0">
+            <a:spAutoFit/>
+          </a:bodyPr>
+          <a:lstStyle/>
+          <a:p>
+            <a:pPr algn="ctr"/>
+            <a:r>
+              <a:rPr lang="en-US" sz="1200" b="0" dirty="0">
+                <a:solidFill>
+                  <a:schemeClr val="tx1"/>
+                </a:solidFill>
+                <a:effectLst/>
+                <a:latin typeface="Consolas" panose="020B0609020204030204" pitchFamily="49" charset="0"/>
+              </a:rPr>
+              <a:t>operationMode</a:t>
+            </a:r>
+            <a:r>
+              <a:rPr lang="en-ID" sz="1200" dirty="0"/>
+              <a:t>  = MODE_AUTO_ON</a:t>
+            </a:r>
+            <a:endParaRPr lang="en-US" sz="1200" dirty="0"/>
+          </a:p>
+        </p:txBody>
+      </p:sp>
+      <p:sp>
+        <p:nvSpPr>
+          <p:cNvPr id="16" name="TextBox 15"/>
+          <p:cNvSpPr txBox="1"/>
+          <p:nvPr/>
+        </p:nvSpPr>
+        <p:spPr>
+          <a:xfrm>
+            <a:off x="2571259" y="216933"/>
+            <a:ext cx="2874505" cy="553998"/>
+          </a:xfrm>
+          <a:prstGeom prst="rect">
+            <a:avLst/>
+          </a:prstGeom>
+          <a:noFill/>
+        </p:spPr>
+        <p:txBody>
+          <a:bodyPr wrap="none" rtlCol="0">
+            <a:spAutoFit/>
+          </a:bodyPr>
+          <a:lstStyle/>
+          <a:p>
+            <a:r>
+              <a:rPr lang="en-ID" b="1" dirty="0"/>
+              <a:t>Flowchart _fpSys-&gt;execute()</a:t>
+            </a:r>
+          </a:p>
+          <a:p>
+            <a:pPr algn="ctr"/>
+            <a:r>
+              <a:rPr lang="en-ID" sz="1200" dirty="0"/>
+              <a:t>File : fpSys.cpp</a:t>
+            </a:r>
+            <a:endParaRPr lang="en-US" sz="1200" dirty="0"/>
+          </a:p>
+        </p:txBody>
+      </p:sp>
+      <p:sp>
+        <p:nvSpPr>
+          <p:cNvPr id="2" name="Flowchart: Predefined Process 1"/>
+          <p:cNvSpPr/>
+          <p:nvPr/>
+        </p:nvSpPr>
+        <p:spPr>
+          <a:xfrm>
+            <a:off x="1254572" y="1095108"/>
+            <a:ext cx="6192688" cy="646325"/>
+          </a:xfrm>
+          <a:prstGeom prst="flowChartPredefinedProcess">
+            <a:avLst/>
+          </a:prstGeom>
+          <a:noFill/>
+          <a:ln>
+            <a:solidFill>
+              <a:schemeClr val="tx1"/>
+            </a:solidFill>
+          </a:ln>
+        </p:spPr>
+        <p:style>
+          <a:lnRef idx="2">
+            <a:schemeClr val="accent1">
+              <a:shade val="50000"/>
+            </a:schemeClr>
+          </a:lnRef>
+          <a:fillRef idx="1">
+            <a:schemeClr val="accent1"/>
+          </a:fillRef>
+          <a:effectRef idx="0">
+            <a:schemeClr val="accent1"/>
+          </a:effectRef>
+          <a:fontRef idx="minor">
+            <a:schemeClr val="lt1"/>
+          </a:fontRef>
+        </p:style>
+        <p:txBody>
+          <a:bodyPr rtlCol="0" anchor="ctr"/>
+          <a:lstStyle/>
+          <a:p>
+            <a:pPr algn="ctr"/>
+            <a:r>
+              <a:rPr lang="en-ID" sz="1200" b="0" dirty="0">
+                <a:solidFill>
+                  <a:schemeClr val="tx1"/>
+                </a:solidFill>
+                <a:effectLst/>
+                <a:latin typeface="Consolas" panose="020B0609020204030204" pitchFamily="49" charset="0"/>
+              </a:rPr>
+              <a:t>sensorStatus = _fireSensor-&gt;getStatus()</a:t>
+            </a:r>
+          </a:p>
+          <a:p>
+            <a:pPr algn="ctr"/>
+            <a:r>
+              <a:rPr lang="en-US" sz="1200" b="0" dirty="0">
+                <a:solidFill>
+                  <a:schemeClr val="tx1"/>
+                </a:solidFill>
+                <a:effectLst/>
+                <a:latin typeface="Consolas" panose="020B0609020204030204" pitchFamily="49" charset="0"/>
+              </a:rPr>
+              <a:t>operationMode = _pbAMRT-&gt;getCmd(DEBOUNCING_TIME)</a:t>
+            </a:r>
+          </a:p>
+          <a:p>
+            <a:pPr algn="ctr"/>
+            <a:r>
+              <a:rPr lang="en-ID" sz="1200" b="0" dirty="0">
+                <a:solidFill>
+                  <a:schemeClr val="tx1"/>
+                </a:solidFill>
+                <a:effectLst/>
+                <a:latin typeface="Consolas" panose="020B0609020204030204" pitchFamily="49" charset="0"/>
+              </a:rPr>
+              <a:t>this-&gt;_logicOperation(operationMode, sensorStatus)</a:t>
+            </a:r>
+            <a:endParaRPr lang="en-ID" sz="1200" dirty="0">
+              <a:solidFill>
+                <a:schemeClr val="tx1"/>
+              </a:solidFill>
+            </a:endParaRPr>
+          </a:p>
+        </p:txBody>
+      </p:sp>
+      <p:cxnSp>
+        <p:nvCxnSpPr>
+          <p:cNvPr id="39" name="Connector: Elbow 38">
+            <a:extLst>
+              <a:ext uri="{FF2B5EF4-FFF2-40B4-BE49-F238E27FC236}">
+                <a16:creationId xmlns:a16="http://schemas.microsoft.com/office/drawing/2014/main" id="{AB0C52CB-BFBC-45E9-A4BD-DBEBBA48C947}"/>
+              </a:ext>
+            </a:extLst>
+          </p:cNvPr>
+          <p:cNvCxnSpPr>
+            <a:cxnSpLocks/>
+            <a:stCxn id="2" idx="2"/>
+            <a:endCxn id="5" idx="0"/>
+          </p:cNvCxnSpPr>
+          <p:nvPr/>
+        </p:nvCxnSpPr>
+        <p:spPr>
+          <a:xfrm rot="5400000">
+            <a:off x="3334528" y="1056365"/>
+            <a:ext cx="331321" cy="1701457"/>
+          </a:xfrm>
+          <a:prstGeom prst="bentConnector3">
+            <a:avLst/>
+          </a:prstGeom>
+          <a:ln w="19050">
+            <a:solidFill>
+              <a:schemeClr val="tx1"/>
+            </a:solidFill>
+            <a:tailEnd type="triangle"/>
+          </a:ln>
+        </p:spPr>
+        <p:style>
+          <a:lnRef idx="1">
+            <a:schemeClr val="accent1"/>
+          </a:lnRef>
+          <a:fillRef idx="0">
+            <a:schemeClr val="accent1"/>
+          </a:fillRef>
+          <a:effectRef idx="0">
+            <a:schemeClr val="accent1"/>
+          </a:effectRef>
+          <a:fontRef idx="minor">
+            <a:schemeClr val="tx1"/>
+          </a:fontRef>
+        </p:style>
+      </p:cxnSp>
+      <p:sp>
+        <p:nvSpPr>
+          <p:cNvPr id="46" name="Flowchart: Predefined Process 45">
+            <a:extLst>
+              <a:ext uri="{FF2B5EF4-FFF2-40B4-BE49-F238E27FC236}">
+                <a16:creationId xmlns:a16="http://schemas.microsoft.com/office/drawing/2014/main" id="{60B6889A-AFEC-4BFE-BA6C-A66524781ADE}"/>
+              </a:ext>
+            </a:extLst>
+          </p:cNvPr>
+          <p:cNvSpPr/>
+          <p:nvPr/>
+        </p:nvSpPr>
+        <p:spPr>
+          <a:xfrm>
+            <a:off x="1259632" y="5373216"/>
+            <a:ext cx="6192688" cy="646325"/>
+          </a:xfrm>
+          <a:prstGeom prst="flowChartPredefinedProcess">
+            <a:avLst/>
+          </a:prstGeom>
+          <a:noFill/>
+          <a:ln>
+            <a:solidFill>
+              <a:schemeClr val="tx1"/>
+            </a:solidFill>
+          </a:ln>
+        </p:spPr>
+        <p:style>
+          <a:lnRef idx="2">
+            <a:schemeClr val="accent1">
+              <a:shade val="50000"/>
+            </a:schemeClr>
+          </a:lnRef>
+          <a:fillRef idx="1">
+            <a:schemeClr val="accent1"/>
+          </a:fillRef>
+          <a:effectRef idx="0">
+            <a:schemeClr val="accent1"/>
+          </a:effectRef>
+          <a:fontRef idx="minor">
+            <a:schemeClr val="lt1"/>
+          </a:fontRef>
+        </p:style>
+        <p:txBody>
+          <a:bodyPr rtlCol="0" anchor="ctr"/>
+          <a:lstStyle/>
+          <a:p>
+            <a:pPr algn="ctr"/>
+            <a:r>
+              <a:rPr lang="en-ID" sz="1200" b="0" dirty="0">
+                <a:solidFill>
+                  <a:schemeClr val="tx1"/>
+                </a:solidFill>
+                <a:effectLst/>
+                <a:latin typeface="Consolas" panose="020B0609020204030204" pitchFamily="49" charset="0"/>
+              </a:rPr>
+              <a:t>_ledAMR-&gt;status(operationMode)</a:t>
+            </a:r>
+          </a:p>
+          <a:p>
+            <a:pPr algn="ctr"/>
+            <a:r>
+              <a:rPr lang="en-ID" sz="1200" b="0" dirty="0">
+                <a:solidFill>
+                  <a:schemeClr val="tx1"/>
+                </a:solidFill>
+                <a:effectLst/>
+                <a:latin typeface="Consolas" panose="020B0609020204030204" pitchFamily="49" charset="0"/>
+              </a:rPr>
+              <a:t>Update parameter(sensor value, alarm, </a:t>
+            </a:r>
+            <a:r>
+              <a:rPr lang="en-US" sz="1200" b="0" dirty="0">
+                <a:solidFill>
+                  <a:schemeClr val="tx1"/>
+                </a:solidFill>
+                <a:effectLst/>
+                <a:latin typeface="Consolas" panose="020B0609020204030204" pitchFamily="49" charset="0"/>
+              </a:rPr>
+              <a:t>operationMode)</a:t>
+            </a:r>
+            <a:endParaRPr lang="en-ID" sz="1200" b="0" dirty="0">
+              <a:solidFill>
+                <a:schemeClr val="tx1"/>
+              </a:solidFill>
+              <a:effectLst/>
+              <a:latin typeface="Consolas" panose="020B0609020204030204" pitchFamily="49" charset="0"/>
+            </a:endParaRPr>
+          </a:p>
+          <a:p>
+            <a:pPr algn="ctr"/>
+            <a:r>
+              <a:rPr lang="en-ID" sz="1200" dirty="0">
+                <a:solidFill>
+                  <a:schemeClr val="tx1"/>
+                </a:solidFill>
+                <a:latin typeface="Consolas" panose="020B0609020204030204" pitchFamily="49" charset="0"/>
+              </a:rPr>
+              <a:t>Update exception</a:t>
+            </a:r>
+            <a:endParaRPr lang="en-ID" sz="1200" b="0" dirty="0">
+              <a:solidFill>
+                <a:schemeClr val="tx1"/>
+              </a:solidFill>
+              <a:effectLst/>
+              <a:latin typeface="Consolas" panose="020B0609020204030204" pitchFamily="49" charset="0"/>
+            </a:endParaRPr>
+          </a:p>
+        </p:txBody>
+      </p:sp>
+      <p:sp>
+        <p:nvSpPr>
+          <p:cNvPr id="50" name="Flowchart: Connector 49">
+            <a:extLst>
+              <a:ext uri="{FF2B5EF4-FFF2-40B4-BE49-F238E27FC236}">
+                <a16:creationId xmlns:a16="http://schemas.microsoft.com/office/drawing/2014/main" id="{85A5DEDA-7D14-4FE6-AE24-3848449208B7}"/>
+              </a:ext>
+            </a:extLst>
+          </p:cNvPr>
+          <p:cNvSpPr/>
+          <p:nvPr/>
+        </p:nvSpPr>
+        <p:spPr>
+          <a:xfrm>
+            <a:off x="4122316" y="4476215"/>
+            <a:ext cx="457200" cy="457200"/>
+          </a:xfrm>
+          <a:prstGeom prst="flowChartConnector">
+            <a:avLst/>
+          </a:prstGeom>
+          <a:noFill/>
+          <a:ln>
+            <a:solidFill>
+              <a:schemeClr val="tx1"/>
+            </a:solidFill>
+          </a:ln>
+        </p:spPr>
+        <p:style>
+          <a:lnRef idx="2">
+            <a:schemeClr val="accent1">
+              <a:shade val="50000"/>
+            </a:schemeClr>
+          </a:lnRef>
+          <a:fillRef idx="1">
+            <a:schemeClr val="accent1"/>
+          </a:fillRef>
+          <a:effectRef idx="0">
+            <a:schemeClr val="accent1"/>
+          </a:effectRef>
+          <a:fontRef idx="minor">
+            <a:schemeClr val="lt1"/>
+          </a:fontRef>
+        </p:style>
+        <p:txBody>
+          <a:bodyPr rtlCol="0" anchor="ctr"/>
+          <a:lstStyle/>
+          <a:p>
+            <a:pPr algn="ctr"/>
+            <a:endParaRPr lang="en-US"/>
+          </a:p>
+        </p:txBody>
+      </p:sp>
+      <p:cxnSp>
+        <p:nvCxnSpPr>
+          <p:cNvPr id="52" name="Connector: Elbow 51">
+            <a:extLst>
+              <a:ext uri="{FF2B5EF4-FFF2-40B4-BE49-F238E27FC236}">
+                <a16:creationId xmlns:a16="http://schemas.microsoft.com/office/drawing/2014/main" id="{34D277E0-BF56-42D2-A7D2-54099E8C4A70}"/>
+              </a:ext>
+            </a:extLst>
+          </p:cNvPr>
+          <p:cNvCxnSpPr>
+            <a:cxnSpLocks/>
+            <a:stCxn id="14" idx="2"/>
+            <a:endCxn id="50" idx="6"/>
+          </p:cNvCxnSpPr>
+          <p:nvPr/>
+        </p:nvCxnSpPr>
+        <p:spPr>
+          <a:xfrm rot="5400000">
+            <a:off x="4264112" y="3536682"/>
+            <a:ext cx="1483537" cy="852728"/>
+          </a:xfrm>
+          <a:prstGeom prst="bentConnector2">
+            <a:avLst/>
+          </a:prstGeom>
+          <a:ln w="19050">
+            <a:solidFill>
+              <a:schemeClr val="tx1"/>
+            </a:solidFill>
+            <a:tailEnd type="triangle"/>
           </a:ln>
         </p:spPr>
         <p:style>
@@ -11107,37 +11586,41 @@
       </p:cxnSp>
       <p:cxnSp>
         <p:nvCxnSpPr>
-          <p:cNvPr id="9" name="Straight Arrow Connector 8"/>
+          <p:cNvPr id="54" name="Connector: Elbow 53">
+            <a:extLst>
+              <a:ext uri="{FF2B5EF4-FFF2-40B4-BE49-F238E27FC236}">
+                <a16:creationId xmlns:a16="http://schemas.microsoft.com/office/drawing/2014/main" id="{25DB5EC8-72C6-486F-B231-530ED590DF59}"/>
+              </a:ext>
+            </a:extLst>
+          </p:cNvPr>
           <p:cNvCxnSpPr>
-            <a:stCxn id="5" idx="3"/>
-            <a:endCxn id="14" idx="1"/>
+            <a:cxnSpLocks/>
+            <a:stCxn id="5" idx="2"/>
+            <a:endCxn id="50" idx="2"/>
           </p:cNvCxnSpPr>
           <p:nvPr/>
         </p:nvCxnSpPr>
         <p:spPr>
-          <a:xfrm>
-            <a:off x="4680012" y="3163553"/>
-            <a:ext cx="828092" cy="0"/>
-          </a:xfrm>
-          <a:prstGeom prst="straightConnector1">
+          <a:xfrm rot="16200000" flipH="1">
+            <a:off x="2987549" y="3570047"/>
+            <a:ext cx="796677" cy="1472857"/>
+          </a:xfrm>
+          <a:prstGeom prst="bentConnector2">
             <a:avLst/>
           </a:prstGeom>
           <a:ln w="19050">
-            <a:solidFill>
-              <a:schemeClr val="tx1"/>
-            </a:solidFill>
-            <a:tailEnd type="arrow"/>
+            <a:tailEnd type="triangle"/>
           </a:ln>
         </p:spPr>
         <p:style>
           <a:lnRef idx="1">
-            <a:schemeClr val="accent1"/>
+            <a:schemeClr val="dk1"/>
           </a:lnRef>
           <a:fillRef idx="0">
-            <a:schemeClr val="accent1"/>
+            <a:schemeClr val="dk1"/>
           </a:fillRef>
           <a:effectRef idx="0">
-            <a:schemeClr val="accent1"/>
+            <a:schemeClr val="dk1"/>
           </a:effectRef>
           <a:fontRef idx="minor">
             <a:schemeClr val="tx1"/>
@@ -11146,475 +11629,46 @@
       </p:cxnSp>
       <p:cxnSp>
         <p:nvCxnSpPr>
-          <p:cNvPr id="11" name="Straight Arrow Connector 10"/>
+          <p:cNvPr id="59" name="Straight Arrow Connector 58">
+            <a:extLst>
+              <a:ext uri="{FF2B5EF4-FFF2-40B4-BE49-F238E27FC236}">
+                <a16:creationId xmlns:a16="http://schemas.microsoft.com/office/drawing/2014/main" id="{446244A4-2DB1-4FBF-8535-D27CB03FB67A}"/>
+              </a:ext>
+            </a:extLst>
+          </p:cNvPr>
           <p:cNvCxnSpPr>
-            <a:stCxn id="5" idx="2"/>
-            <a:endCxn id="25" idx="0"/>
+            <a:stCxn id="50" idx="4"/>
+            <a:endCxn id="46" idx="0"/>
           </p:cNvCxnSpPr>
           <p:nvPr/>
         </p:nvCxnSpPr>
         <p:spPr>
           <a:xfrm>
-            <a:off x="3779912" y="3775621"/>
-            <a:ext cx="0" cy="620045"/>
+            <a:off x="4350916" y="4933415"/>
+            <a:ext cx="5060" cy="439801"/>
           </a:xfrm>
           <a:prstGeom prst="straightConnector1">
             <a:avLst/>
           </a:prstGeom>
           <a:ln w="19050">
-            <a:solidFill>
-              <a:schemeClr val="tx1"/>
-            </a:solidFill>
-            <a:tailEnd type="arrow"/>
+            <a:tailEnd type="triangle"/>
           </a:ln>
         </p:spPr>
         <p:style>
           <a:lnRef idx="1">
-            <a:schemeClr val="accent1"/>
+            <a:schemeClr val="dk1"/>
           </a:lnRef>
           <a:fillRef idx="0">
-            <a:schemeClr val="accent1"/>
+            <a:schemeClr val="dk1"/>
           </a:fillRef>
           <a:effectRef idx="0">
-            <a:schemeClr val="accent1"/>
+            <a:schemeClr val="dk1"/>
           </a:effectRef>
           <a:fontRef idx="minor">
             <a:schemeClr val="tx1"/>
           </a:fontRef>
         </p:style>
       </p:cxnSp>
-      <p:sp>
-        <p:nvSpPr>
-          <p:cNvPr id="12" name="TextBox 11"/>
-          <p:cNvSpPr txBox="1"/>
-          <p:nvPr/>
-        </p:nvSpPr>
-        <p:spPr>
-          <a:xfrm>
-            <a:off x="4890478" y="2758746"/>
-            <a:ext cx="485518" cy="369332"/>
-          </a:xfrm>
-          <a:prstGeom prst="rect">
-            <a:avLst/>
-          </a:prstGeom>
-          <a:noFill/>
-        </p:spPr>
-        <p:txBody>
-          <a:bodyPr wrap="none" rtlCol="0">
-            <a:spAutoFit/>
-          </a:bodyPr>
-          <a:lstStyle/>
-          <a:p>
-            <a:r>
-              <a:rPr lang="en-ID" dirty="0" smtClean="0"/>
-              <a:t>Yes</a:t>
-            </a:r>
-            <a:endParaRPr lang="en-US" dirty="0"/>
-          </a:p>
-        </p:txBody>
-      </p:sp>
-      <p:sp>
-        <p:nvSpPr>
-          <p:cNvPr id="13" name="TextBox 12"/>
-          <p:cNvSpPr txBox="1"/>
-          <p:nvPr/>
-        </p:nvSpPr>
-        <p:spPr>
-          <a:xfrm>
-            <a:off x="3851920" y="3851756"/>
-            <a:ext cx="455574" cy="369332"/>
-          </a:xfrm>
-          <a:prstGeom prst="rect">
-            <a:avLst/>
-          </a:prstGeom>
-          <a:noFill/>
-        </p:spPr>
-        <p:txBody>
-          <a:bodyPr wrap="none" rtlCol="0">
-            <a:spAutoFit/>
-          </a:bodyPr>
-          <a:lstStyle/>
-          <a:p>
-            <a:r>
-              <a:rPr lang="en-ID" dirty="0" smtClean="0"/>
-              <a:t>No</a:t>
-            </a:r>
-            <a:endParaRPr lang="en-US" dirty="0"/>
-          </a:p>
-        </p:txBody>
-      </p:sp>
-      <p:sp>
-        <p:nvSpPr>
-          <p:cNvPr id="14" name="TextBox 13"/>
-          <p:cNvSpPr txBox="1"/>
-          <p:nvPr/>
-        </p:nvSpPr>
-        <p:spPr>
-          <a:xfrm>
-            <a:off x="5508104" y="2840387"/>
-            <a:ext cx="1656184" cy="646331"/>
-          </a:xfrm>
-          <a:prstGeom prst="rect">
-            <a:avLst/>
-          </a:prstGeom>
-          <a:noFill/>
-          <a:ln>
-            <a:solidFill>
-              <a:schemeClr val="tx1"/>
-            </a:solidFill>
-          </a:ln>
-        </p:spPr>
-        <p:txBody>
-          <a:bodyPr wrap="square" rtlCol="0">
-            <a:spAutoFit/>
-          </a:bodyPr>
-          <a:lstStyle/>
-          <a:p>
-            <a:pPr algn="ctr"/>
-            <a:r>
-              <a:rPr lang="en-ID" dirty="0"/>
-              <a:t>statusAi </a:t>
-            </a:r>
-            <a:r>
-              <a:rPr lang="en-ID" dirty="0" smtClean="0"/>
-              <a:t> = HIGH_ALARM</a:t>
-            </a:r>
-            <a:endParaRPr lang="en-US" dirty="0"/>
-          </a:p>
-        </p:txBody>
-      </p:sp>
-      <p:sp>
-        <p:nvSpPr>
-          <p:cNvPr id="16" name="TextBox 15"/>
-          <p:cNvSpPr txBox="1"/>
-          <p:nvPr/>
-        </p:nvSpPr>
-        <p:spPr>
-          <a:xfrm>
-            <a:off x="2457033" y="332656"/>
-            <a:ext cx="3495701" cy="369332"/>
-          </a:xfrm>
-          <a:prstGeom prst="rect">
-            <a:avLst/>
-          </a:prstGeom>
-          <a:noFill/>
-        </p:spPr>
-        <p:txBody>
-          <a:bodyPr wrap="none" rtlCol="0">
-            <a:spAutoFit/>
-          </a:bodyPr>
-          <a:lstStyle/>
-          <a:p>
-            <a:r>
-              <a:rPr lang="en-ID" b="1" dirty="0" smtClean="0"/>
-              <a:t>Flowchart _fireSensor-&gt;getStatus()</a:t>
-            </a:r>
-            <a:endParaRPr lang="en-US" b="1" dirty="0"/>
-          </a:p>
-        </p:txBody>
-      </p:sp>
-      <p:sp>
-        <p:nvSpPr>
-          <p:cNvPr id="2" name="Flowchart: Predefined Process 1"/>
-          <p:cNvSpPr/>
-          <p:nvPr/>
-        </p:nvSpPr>
-        <p:spPr>
-          <a:xfrm>
-            <a:off x="1619672" y="836712"/>
-            <a:ext cx="4320480" cy="1008112"/>
-          </a:xfrm>
-          <a:prstGeom prst="flowChartPredefinedProcess">
-            <a:avLst/>
-          </a:prstGeom>
-          <a:noFill/>
-          <a:ln>
-            <a:solidFill>
-              <a:schemeClr val="tx1"/>
-            </a:solidFill>
-          </a:ln>
-        </p:spPr>
-        <p:style>
-          <a:lnRef idx="2">
-            <a:schemeClr val="accent1">
-              <a:shade val="50000"/>
-            </a:schemeClr>
-          </a:lnRef>
-          <a:fillRef idx="1">
-            <a:schemeClr val="accent1"/>
-          </a:fillRef>
-          <a:effectRef idx="0">
-            <a:schemeClr val="accent1"/>
-          </a:effectRef>
-          <a:fontRef idx="minor">
-            <a:schemeClr val="lt1"/>
-          </a:fontRef>
-        </p:style>
-        <p:txBody>
-          <a:bodyPr rtlCol="0" anchor="ctr"/>
-          <a:lstStyle/>
-          <a:p>
-            <a:pPr algn="ctr"/>
-            <a:endParaRPr lang="en-ID" dirty="0" smtClean="0">
-              <a:solidFill>
-                <a:schemeClr val="tx1"/>
-              </a:solidFill>
-            </a:endParaRPr>
-          </a:p>
-          <a:p>
-            <a:pPr algn="ctr"/>
-            <a:r>
-              <a:rPr lang="en-ID" dirty="0" smtClean="0">
-                <a:solidFill>
-                  <a:schemeClr val="tx1"/>
-                </a:solidFill>
-              </a:rPr>
-              <a:t>getValue </a:t>
-            </a:r>
-            <a:r>
-              <a:rPr lang="en-ID" dirty="0">
-                <a:solidFill>
-                  <a:schemeClr val="tx1"/>
-                </a:solidFill>
-              </a:rPr>
-              <a:t>from </a:t>
-            </a:r>
-            <a:r>
-              <a:rPr lang="en-ID" dirty="0" smtClean="0">
-                <a:solidFill>
-                  <a:schemeClr val="tx1"/>
-                </a:solidFill>
-              </a:rPr>
-              <a:t>sensor</a:t>
-            </a:r>
-          </a:p>
-          <a:p>
-            <a:pPr algn="ctr"/>
-            <a:r>
-              <a:rPr lang="en-ID" dirty="0" smtClean="0">
-                <a:solidFill>
-                  <a:schemeClr val="tx1"/>
-                </a:solidFill>
-              </a:rPr>
-              <a:t>(with AlfaEMA filter)</a:t>
-            </a:r>
-          </a:p>
-          <a:p>
-            <a:pPr algn="ctr"/>
-            <a:r>
-              <a:rPr lang="en-ID" dirty="0" smtClean="0">
-                <a:solidFill>
-                  <a:schemeClr val="tx1"/>
-                </a:solidFill>
-              </a:rPr>
-              <a:t>statusAi = NO_ALARM</a:t>
-            </a:r>
-            <a:endParaRPr lang="en-US" dirty="0" smtClean="0">
-              <a:solidFill>
-                <a:schemeClr val="tx1"/>
-              </a:solidFill>
-            </a:endParaRPr>
-          </a:p>
-          <a:p>
-            <a:pPr algn="ctr"/>
-            <a:endParaRPr lang="en-US" dirty="0"/>
-          </a:p>
-        </p:txBody>
-      </p:sp>
-      <p:sp>
-        <p:nvSpPr>
-          <p:cNvPr id="18" name="TextBox 17"/>
-          <p:cNvSpPr txBox="1"/>
-          <p:nvPr/>
-        </p:nvSpPr>
-        <p:spPr>
-          <a:xfrm>
-            <a:off x="2945291" y="5517232"/>
-            <a:ext cx="1656184" cy="646331"/>
-          </a:xfrm>
-          <a:prstGeom prst="rect">
-            <a:avLst/>
-          </a:prstGeom>
-          <a:noFill/>
-          <a:ln>
-            <a:solidFill>
-              <a:schemeClr val="tx1"/>
-            </a:solidFill>
-          </a:ln>
-        </p:spPr>
-        <p:txBody>
-          <a:bodyPr wrap="square" rtlCol="0">
-            <a:spAutoFit/>
-          </a:bodyPr>
-          <a:lstStyle/>
-          <a:p>
-            <a:pPr algn="ctr"/>
-            <a:r>
-              <a:rPr lang="en-ID" dirty="0"/>
-              <a:t>r</a:t>
-            </a:r>
-            <a:r>
-              <a:rPr lang="en-ID" dirty="0" smtClean="0"/>
-              <a:t>eturn (statusAi)</a:t>
-            </a:r>
-            <a:endParaRPr lang="en-US" dirty="0"/>
-          </a:p>
-        </p:txBody>
-      </p:sp>
-      <p:cxnSp>
-        <p:nvCxnSpPr>
-          <p:cNvPr id="19" name="Straight Arrow Connector 18"/>
-          <p:cNvCxnSpPr>
-            <a:stCxn id="25" idx="4"/>
-            <a:endCxn id="18" idx="0"/>
-          </p:cNvCxnSpPr>
-          <p:nvPr/>
-        </p:nvCxnSpPr>
-        <p:spPr>
-          <a:xfrm flipH="1">
-            <a:off x="3773383" y="4852866"/>
-            <a:ext cx="6529" cy="664366"/>
-          </a:xfrm>
-          <a:prstGeom prst="straightConnector1">
-            <a:avLst/>
-          </a:prstGeom>
-          <a:ln w="19050">
-            <a:solidFill>
-              <a:schemeClr val="tx1"/>
-            </a:solidFill>
-            <a:tailEnd type="arrow"/>
-          </a:ln>
-        </p:spPr>
-        <p:style>
-          <a:lnRef idx="1">
-            <a:schemeClr val="accent1"/>
-          </a:lnRef>
-          <a:fillRef idx="0">
-            <a:schemeClr val="accent1"/>
-          </a:fillRef>
-          <a:effectRef idx="0">
-            <a:schemeClr val="accent1"/>
-          </a:effectRef>
-          <a:fontRef idx="minor">
-            <a:schemeClr val="tx1"/>
-          </a:fontRef>
-        </p:style>
-      </p:cxnSp>
-      <p:cxnSp>
-        <p:nvCxnSpPr>
-          <p:cNvPr id="21" name="Elbow Connector 20"/>
-          <p:cNvCxnSpPr>
-            <a:stCxn id="14" idx="2"/>
-            <a:endCxn id="25" idx="6"/>
-          </p:cNvCxnSpPr>
-          <p:nvPr/>
-        </p:nvCxnSpPr>
-        <p:spPr>
-          <a:xfrm rot="5400000">
-            <a:off x="4603580" y="2891650"/>
-            <a:ext cx="1137548" cy="2327684"/>
-          </a:xfrm>
-          <a:prstGeom prst="bentConnector2">
-            <a:avLst/>
-          </a:prstGeom>
-          <a:ln w="19050">
-            <a:solidFill>
-              <a:schemeClr val="tx1"/>
-            </a:solidFill>
-            <a:tailEnd type="arrow"/>
-          </a:ln>
-        </p:spPr>
-        <p:style>
-          <a:lnRef idx="1">
-            <a:schemeClr val="accent1"/>
-          </a:lnRef>
-          <a:fillRef idx="0">
-            <a:schemeClr val="accent1"/>
-          </a:fillRef>
-          <a:effectRef idx="0">
-            <a:schemeClr val="accent1"/>
-          </a:effectRef>
-          <a:fontRef idx="minor">
-            <a:schemeClr val="tx1"/>
-          </a:fontRef>
-        </p:style>
-      </p:cxnSp>
-      <p:sp>
-        <p:nvSpPr>
-          <p:cNvPr id="24" name="TextBox 23"/>
-          <p:cNvSpPr txBox="1"/>
-          <p:nvPr/>
-        </p:nvSpPr>
-        <p:spPr>
-          <a:xfrm>
-            <a:off x="5422877" y="6163563"/>
-            <a:ext cx="3541611" cy="369332"/>
-          </a:xfrm>
-          <a:prstGeom prst="rect">
-            <a:avLst/>
-          </a:prstGeom>
-          <a:noFill/>
-        </p:spPr>
-        <p:txBody>
-          <a:bodyPr wrap="none" rtlCol="0">
-            <a:spAutoFit/>
-          </a:bodyPr>
-          <a:lstStyle/>
-          <a:p>
-            <a:r>
-              <a:rPr lang="en-ID" dirty="0" smtClean="0"/>
-              <a:t>File : src\ioDevices\analogInput.cpp</a:t>
-            </a:r>
-            <a:endParaRPr lang="en-US" dirty="0"/>
-          </a:p>
-        </p:txBody>
-      </p:sp>
-      <p:sp>
-        <p:nvSpPr>
-          <p:cNvPr id="25" name="Flowchart: Connector 24"/>
-          <p:cNvSpPr/>
-          <p:nvPr/>
-        </p:nvSpPr>
-        <p:spPr>
-          <a:xfrm>
-            <a:off x="3551312" y="4395666"/>
-            <a:ext cx="457200" cy="457200"/>
-          </a:xfrm>
-          <a:prstGeom prst="flowChartConnector">
-            <a:avLst/>
-          </a:prstGeom>
-          <a:noFill/>
-          <a:ln>
-            <a:solidFill>
-              <a:schemeClr val="tx1"/>
-            </a:solidFill>
-          </a:ln>
-        </p:spPr>
-        <p:style>
-          <a:lnRef idx="2">
-            <a:schemeClr val="accent1">
-              <a:shade val="50000"/>
-            </a:schemeClr>
-          </a:lnRef>
-          <a:fillRef idx="1">
-            <a:schemeClr val="accent1"/>
-          </a:fillRef>
-          <a:effectRef idx="0">
-            <a:schemeClr val="accent1"/>
-          </a:effectRef>
-          <a:fontRef idx="minor">
-            <a:schemeClr val="lt1"/>
-          </a:fontRef>
-        </p:style>
-        <p:txBody>
-          <a:bodyPr rtlCol="0" anchor="ctr"/>
-          <a:lstStyle/>
-          <a:p>
-            <a:pPr algn="ctr"/>
-            <a:endParaRPr lang="en-US"/>
-          </a:p>
-        </p:txBody>
-      </p:sp>
     </p:spTree>
     <p:extLst>
       <p:ext uri="{BB962C8B-B14F-4D97-AF65-F5344CB8AC3E}">
@@ -11625,13 +11679,6 @@
   <p:clrMapOvr>
     <a:masterClrMapping/>
   </p:clrMapOvr>
-  <p:timing>
-    <p:tnLst>
-      <p:par>
-        <p:cTn id="1" dur="indefinite" restart="never" nodeType="tmRoot"/>
-      </p:par>
-    </p:tnLst>
-  </p:timing>
 </p:sld>
 </file>
 
@@ -11654,64 +11701,20 @@
       </p:grpSpPr>
       <p:sp>
         <p:nvSpPr>
-          <p:cNvPr id="4" name="Rectangle 3"/>
+          <p:cNvPr id="5" name="Flowchart: Decision 4"/>
           <p:cNvSpPr/>
           <p:nvPr/>
         </p:nvSpPr>
         <p:spPr>
           <a:xfrm>
-            <a:off x="3479223" y="188639"/>
-            <a:ext cx="5065874" cy="584775"/>
-          </a:xfrm>
-          <a:prstGeom prst="rect">
-            <a:avLst/>
-          </a:prstGeom>
-        </p:spPr>
-        <p:txBody>
-          <a:bodyPr wrap="none">
-            <a:spAutoFit/>
-          </a:bodyPr>
-          <a:lstStyle/>
-          <a:p>
-            <a:r>
-              <a:rPr lang="en-ID" b="1" dirty="0"/>
-              <a:t>Flowchart </a:t>
-            </a:r>
-            <a:r>
-              <a:rPr lang="en-US" dirty="0"/>
-              <a:t>_pbAMRT-&gt;getCmd(DEBOUNCING_TIME</a:t>
-            </a:r>
-            <a:r>
-              <a:rPr lang="en-US" dirty="0" smtClean="0"/>
-              <a:t>)</a:t>
-            </a:r>
-          </a:p>
-          <a:p>
-            <a:pPr algn="ctr"/>
-            <a:r>
-              <a:rPr lang="en-ID" sz="1400" dirty="0"/>
-              <a:t>File : src\compDevices\pbAMRT.cpp</a:t>
-            </a:r>
-            <a:endParaRPr lang="en-US" sz="1400" dirty="0"/>
-          </a:p>
-        </p:txBody>
-      </p:sp>
-      <p:sp>
-        <p:nvSpPr>
-          <p:cNvPr id="7" name="Flowchart: Decision 6"/>
-          <p:cNvSpPr/>
-          <p:nvPr/>
-        </p:nvSpPr>
-        <p:spPr>
-          <a:xfrm>
-            <a:off x="1099338" y="1808240"/>
-            <a:ext cx="1667036" cy="864096"/>
+            <a:off x="2879812" y="2551485"/>
+            <a:ext cx="1800200" cy="1224136"/>
           </a:xfrm>
           <a:prstGeom prst="flowChartDecision">
             <a:avLst/>
           </a:prstGeom>
           <a:noFill/>
-          <a:ln w="19050">
+          <a:ln>
             <a:solidFill>
               <a:schemeClr val="tx1"/>
             </a:solidFill>
@@ -11739,14 +11742,14 @@
           <a:p>
             <a:pPr algn="ctr"/>
             <a:r>
-              <a:rPr lang="en-ID" sz="1400" dirty="0" smtClean="0">
+              <a:rPr lang="en-ID" dirty="0">
                 <a:solidFill>
                   <a:schemeClr val="tx1"/>
                 </a:solidFill>
               </a:rPr>
-              <a:t>_pbTest = active</a:t>
-            </a:r>
-            <a:endParaRPr lang="en-US" sz="1400" dirty="0">
+              <a:t>Val &gt; Setting</a:t>
+            </a:r>
+            <a:endParaRPr lang="en-US" dirty="0">
               <a:solidFill>
                 <a:schemeClr val="tx1"/>
               </a:solidFill>
@@ -11756,837 +11759,17 @@
       </p:sp>
       <p:cxnSp>
         <p:nvCxnSpPr>
-          <p:cNvPr id="9" name="Straight Arrow Connector 8"/>
+          <p:cNvPr id="7" name="Straight Arrow Connector 6"/>
           <p:cNvCxnSpPr>
-            <a:stCxn id="112" idx="2"/>
-            <a:endCxn id="7" idx="0"/>
+            <a:stCxn id="2" idx="2"/>
+            <a:endCxn id="5" idx="0"/>
           </p:cNvCxnSpPr>
           <p:nvPr/>
         </p:nvCxnSpPr>
         <p:spPr>
-          <a:xfrm flipH="1">
-            <a:off x="1932856" y="1484784"/>
-            <a:ext cx="13063" cy="323456"/>
-          </a:xfrm>
-          <a:prstGeom prst="straightConnector1">
-            <a:avLst/>
-          </a:prstGeom>
-          <a:ln w="19050">
-            <a:solidFill>
-              <a:schemeClr val="tx1"/>
-            </a:solidFill>
-            <a:tailEnd type="arrow"/>
-          </a:ln>
-        </p:spPr>
-        <p:style>
-          <a:lnRef idx="1">
-            <a:schemeClr val="accent1"/>
-          </a:lnRef>
-          <a:fillRef idx="0">
-            <a:schemeClr val="accent1"/>
-          </a:fillRef>
-          <a:effectRef idx="0">
-            <a:schemeClr val="accent1"/>
-          </a:effectRef>
-          <a:fontRef idx="minor">
-            <a:schemeClr val="tx1"/>
-          </a:fontRef>
-        </p:style>
-      </p:cxnSp>
-      <p:sp>
-        <p:nvSpPr>
-          <p:cNvPr id="14" name="TextBox 13"/>
-          <p:cNvSpPr txBox="1"/>
-          <p:nvPr/>
-        </p:nvSpPr>
-        <p:spPr>
-          <a:xfrm>
-            <a:off x="3226258" y="1917122"/>
-            <a:ext cx="1656184" cy="646331"/>
-          </a:xfrm>
-          <a:prstGeom prst="rect">
-            <a:avLst/>
-          </a:prstGeom>
-          <a:noFill/>
-          <a:ln w="19050">
-            <a:solidFill>
-              <a:schemeClr val="tx1"/>
-            </a:solidFill>
-          </a:ln>
-        </p:spPr>
-        <p:txBody>
-          <a:bodyPr wrap="square" rtlCol="0">
-            <a:spAutoFit/>
-          </a:bodyPr>
-          <a:lstStyle/>
-          <a:p>
-            <a:pPr algn="ctr"/>
-            <a:r>
-              <a:rPr lang="en-ID" dirty="0" smtClean="0"/>
-              <a:t>cmd</a:t>
-            </a:r>
-            <a:r>
-              <a:rPr lang="en-ID" dirty="0" smtClean="0"/>
-              <a:t>  </a:t>
-            </a:r>
-            <a:r>
-              <a:rPr lang="en-ID" dirty="0" smtClean="0"/>
-              <a:t>= </a:t>
-            </a:r>
-            <a:r>
-              <a:rPr lang="en-US" dirty="0" smtClean="0"/>
-              <a:t>MODE_TEST</a:t>
-            </a:r>
-            <a:endParaRPr lang="en-US" dirty="0"/>
-          </a:p>
-        </p:txBody>
-      </p:sp>
-      <p:cxnSp>
-        <p:nvCxnSpPr>
-          <p:cNvPr id="16" name="Straight Arrow Connector 15"/>
-          <p:cNvCxnSpPr>
-            <a:stCxn id="7" idx="3"/>
-            <a:endCxn id="14" idx="1"/>
-          </p:cNvCxnSpPr>
-          <p:nvPr/>
-        </p:nvCxnSpPr>
-        <p:spPr>
-          <a:xfrm>
-            <a:off x="2766374" y="2240288"/>
-            <a:ext cx="459884" cy="0"/>
-          </a:xfrm>
-          <a:prstGeom prst="straightConnector1">
-            <a:avLst/>
-          </a:prstGeom>
-          <a:ln w="19050">
-            <a:solidFill>
-              <a:schemeClr val="tx1"/>
-            </a:solidFill>
-            <a:tailEnd type="arrow"/>
-          </a:ln>
-        </p:spPr>
-        <p:style>
-          <a:lnRef idx="1">
-            <a:schemeClr val="accent1"/>
-          </a:lnRef>
-          <a:fillRef idx="0">
-            <a:schemeClr val="accent1"/>
-          </a:fillRef>
-          <a:effectRef idx="0">
-            <a:schemeClr val="accent1"/>
-          </a:effectRef>
-          <a:fontRef idx="minor">
-            <a:schemeClr val="tx1"/>
-          </a:fontRef>
-        </p:style>
-      </p:cxnSp>
-      <p:sp>
-        <p:nvSpPr>
-          <p:cNvPr id="20" name="TextBox 19"/>
-          <p:cNvSpPr txBox="1"/>
-          <p:nvPr/>
-        </p:nvSpPr>
-        <p:spPr>
-          <a:xfrm>
-            <a:off x="2753557" y="1886502"/>
-            <a:ext cx="485518" cy="369332"/>
-          </a:xfrm>
-          <a:prstGeom prst="rect">
-            <a:avLst/>
-          </a:prstGeom>
-          <a:noFill/>
-          <a:ln w="19050">
-            <a:noFill/>
-          </a:ln>
-        </p:spPr>
-        <p:txBody>
-          <a:bodyPr wrap="none" rtlCol="0">
-            <a:spAutoFit/>
-          </a:bodyPr>
-          <a:lstStyle/>
-          <a:p>
-            <a:r>
-              <a:rPr lang="en-ID" dirty="0" smtClean="0"/>
-              <a:t>Yes</a:t>
-            </a:r>
-            <a:endParaRPr lang="en-US" dirty="0"/>
-          </a:p>
-        </p:txBody>
-      </p:sp>
-      <p:sp>
-        <p:nvSpPr>
-          <p:cNvPr id="21" name="TextBox 20"/>
-          <p:cNvSpPr txBox="1"/>
-          <p:nvPr/>
-        </p:nvSpPr>
-        <p:spPr>
-          <a:xfrm>
-            <a:off x="1965068" y="2687882"/>
-            <a:ext cx="455574" cy="369332"/>
-          </a:xfrm>
-          <a:prstGeom prst="rect">
-            <a:avLst/>
-          </a:prstGeom>
-          <a:noFill/>
-          <a:ln w="19050">
-            <a:noFill/>
-          </a:ln>
-        </p:spPr>
-        <p:txBody>
-          <a:bodyPr wrap="none" rtlCol="0">
-            <a:spAutoFit/>
-          </a:bodyPr>
-          <a:lstStyle/>
-          <a:p>
-            <a:r>
-              <a:rPr lang="en-ID" dirty="0" smtClean="0"/>
-              <a:t>No</a:t>
-            </a:r>
-            <a:endParaRPr lang="en-US" dirty="0"/>
-          </a:p>
-        </p:txBody>
-      </p:sp>
-      <p:sp>
-        <p:nvSpPr>
-          <p:cNvPr id="22" name="Flowchart: Decision 21"/>
-          <p:cNvSpPr/>
-          <p:nvPr/>
-        </p:nvSpPr>
-        <p:spPr>
-          <a:xfrm>
-            <a:off x="971600" y="3176392"/>
-            <a:ext cx="1944216" cy="864096"/>
-          </a:xfrm>
-          <a:prstGeom prst="flowChartDecision">
-            <a:avLst/>
-          </a:prstGeom>
-          <a:noFill/>
-          <a:ln w="19050">
-            <a:solidFill>
-              <a:schemeClr val="tx1"/>
-            </a:solidFill>
-          </a:ln>
-        </p:spPr>
-        <p:style>
-          <a:lnRef idx="2">
-            <a:schemeClr val="accent1">
-              <a:shade val="50000"/>
-            </a:schemeClr>
-          </a:lnRef>
-          <a:fillRef idx="1">
-            <a:schemeClr val="accent1"/>
-          </a:fillRef>
-          <a:effectRef idx="0">
-            <a:schemeClr val="accent1"/>
-          </a:effectRef>
-          <a:fontRef idx="minor">
-            <a:schemeClr val="lt1"/>
-          </a:fontRef>
-        </p:style>
-        <p:txBody>
-          <a:bodyPr rtlCol="0" anchor="ctr"/>
-          <a:lstStyle/>
-          <a:p>
-            <a:pPr algn="ctr"/>
-            <a:r>
-              <a:rPr lang="en-ID" sz="1400" dirty="0" smtClean="0">
-                <a:solidFill>
-                  <a:schemeClr val="tx1"/>
-                </a:solidFill>
-              </a:rPr>
-              <a:t>_pbReset = active</a:t>
-            </a:r>
-            <a:endParaRPr lang="en-US" sz="1400" dirty="0">
-              <a:solidFill>
-                <a:schemeClr val="tx1"/>
-              </a:solidFill>
-            </a:endParaRPr>
-          </a:p>
-        </p:txBody>
-      </p:sp>
-      <p:cxnSp>
-        <p:nvCxnSpPr>
-          <p:cNvPr id="24" name="Straight Arrow Connector 23"/>
-          <p:cNvCxnSpPr>
-            <a:stCxn id="7" idx="2"/>
-            <a:endCxn id="22" idx="0"/>
-          </p:cNvCxnSpPr>
-          <p:nvPr/>
-        </p:nvCxnSpPr>
-        <p:spPr>
-          <a:xfrm>
-            <a:off x="1932856" y="2672336"/>
-            <a:ext cx="10852" cy="504056"/>
-          </a:xfrm>
-          <a:prstGeom prst="straightConnector1">
-            <a:avLst/>
-          </a:prstGeom>
-          <a:ln w="19050">
-            <a:solidFill>
-              <a:schemeClr val="tx1"/>
-            </a:solidFill>
-            <a:tailEnd type="arrow"/>
-          </a:ln>
-        </p:spPr>
-        <p:style>
-          <a:lnRef idx="1">
-            <a:schemeClr val="accent1"/>
-          </a:lnRef>
-          <a:fillRef idx="0">
-            <a:schemeClr val="accent1"/>
-          </a:fillRef>
-          <a:effectRef idx="0">
-            <a:schemeClr val="accent1"/>
-          </a:effectRef>
-          <a:fontRef idx="minor">
-            <a:schemeClr val="tx1"/>
-          </a:fontRef>
-        </p:style>
-      </p:cxnSp>
-      <p:sp>
-        <p:nvSpPr>
-          <p:cNvPr id="27" name="Flowchart: Decision 26"/>
-          <p:cNvSpPr/>
-          <p:nvPr/>
-        </p:nvSpPr>
-        <p:spPr>
-          <a:xfrm>
-            <a:off x="4067944" y="3176392"/>
-            <a:ext cx="2232248" cy="864096"/>
-          </a:xfrm>
-          <a:prstGeom prst="flowChartDecision">
-            <a:avLst/>
-          </a:prstGeom>
-          <a:noFill/>
-          <a:ln w="19050">
-            <a:solidFill>
-              <a:schemeClr val="tx1"/>
-            </a:solidFill>
-          </a:ln>
-        </p:spPr>
-        <p:style>
-          <a:lnRef idx="2">
-            <a:schemeClr val="accent1">
-              <a:shade val="50000"/>
-            </a:schemeClr>
-          </a:lnRef>
-          <a:fillRef idx="1">
-            <a:schemeClr val="accent1"/>
-          </a:fillRef>
-          <a:effectRef idx="0">
-            <a:schemeClr val="accent1"/>
-          </a:effectRef>
-          <a:fontRef idx="minor">
-            <a:schemeClr val="lt1"/>
-          </a:fontRef>
-        </p:style>
-        <p:txBody>
-          <a:bodyPr rtlCol="0" anchor="ctr"/>
-          <a:lstStyle/>
-          <a:p>
-            <a:pPr algn="ctr"/>
-            <a:r>
-              <a:rPr lang="en-ID" sz="1400" dirty="0" smtClean="0">
-                <a:solidFill>
-                  <a:schemeClr val="tx1"/>
-                </a:solidFill>
-              </a:rPr>
-              <a:t>_prevCmd = </a:t>
-            </a:r>
-            <a:r>
-              <a:rPr lang="en-US" sz="1400" dirty="0" smtClean="0">
-                <a:solidFill>
-                  <a:schemeClr val="tx1"/>
-                </a:solidFill>
-              </a:rPr>
-              <a:t>MODE_RESET</a:t>
-            </a:r>
-            <a:endParaRPr lang="en-US" sz="1400" dirty="0">
-              <a:solidFill>
-                <a:schemeClr val="tx1"/>
-              </a:solidFill>
-            </a:endParaRPr>
-          </a:p>
-        </p:txBody>
-      </p:sp>
-      <p:cxnSp>
-        <p:nvCxnSpPr>
-          <p:cNvPr id="29" name="Straight Arrow Connector 28"/>
-          <p:cNvCxnSpPr>
-            <a:stCxn id="22" idx="3"/>
-            <a:endCxn id="27" idx="1"/>
-          </p:cNvCxnSpPr>
-          <p:nvPr/>
-        </p:nvCxnSpPr>
-        <p:spPr>
-          <a:xfrm>
-            <a:off x="2915816" y="3608440"/>
-            <a:ext cx="1152128" cy="0"/>
-          </a:xfrm>
-          <a:prstGeom prst="straightConnector1">
-            <a:avLst/>
-          </a:prstGeom>
-          <a:ln w="19050">
-            <a:solidFill>
-              <a:schemeClr val="tx1"/>
-            </a:solidFill>
-            <a:tailEnd type="arrow"/>
-          </a:ln>
-        </p:spPr>
-        <p:style>
-          <a:lnRef idx="1">
-            <a:schemeClr val="accent1"/>
-          </a:lnRef>
-          <a:fillRef idx="0">
-            <a:schemeClr val="accent1"/>
-          </a:fillRef>
-          <a:effectRef idx="0">
-            <a:schemeClr val="accent1"/>
-          </a:effectRef>
-          <a:fontRef idx="minor">
-            <a:schemeClr val="tx1"/>
-          </a:fontRef>
-        </p:style>
-      </p:cxnSp>
-      <p:sp>
-        <p:nvSpPr>
-          <p:cNvPr id="30" name="TextBox 29"/>
-          <p:cNvSpPr txBox="1"/>
-          <p:nvPr/>
-        </p:nvSpPr>
-        <p:spPr>
-          <a:xfrm>
-            <a:off x="2915816" y="3239108"/>
-            <a:ext cx="485518" cy="369332"/>
-          </a:xfrm>
-          <a:prstGeom prst="rect">
-            <a:avLst/>
-          </a:prstGeom>
-          <a:noFill/>
-          <a:ln w="19050">
-            <a:noFill/>
-          </a:ln>
-        </p:spPr>
-        <p:txBody>
-          <a:bodyPr wrap="none" rtlCol="0">
-            <a:spAutoFit/>
-          </a:bodyPr>
-          <a:lstStyle/>
-          <a:p>
-            <a:r>
-              <a:rPr lang="en-ID" dirty="0" smtClean="0"/>
-              <a:t>Yes</a:t>
-            </a:r>
-            <a:endParaRPr lang="en-US" dirty="0"/>
-          </a:p>
-        </p:txBody>
-      </p:sp>
-      <p:sp>
-        <p:nvSpPr>
-          <p:cNvPr id="36" name="TextBox 35"/>
-          <p:cNvSpPr txBox="1"/>
-          <p:nvPr/>
-        </p:nvSpPr>
-        <p:spPr>
-          <a:xfrm>
-            <a:off x="6590890" y="3331598"/>
-            <a:ext cx="1656184" cy="584775"/>
-          </a:xfrm>
-          <a:prstGeom prst="rect">
-            <a:avLst/>
-          </a:prstGeom>
-          <a:noFill/>
-          <a:ln w="19050">
-            <a:solidFill>
-              <a:schemeClr val="tx1"/>
-            </a:solidFill>
-          </a:ln>
-        </p:spPr>
-        <p:txBody>
-          <a:bodyPr wrap="square" rtlCol="0">
-            <a:spAutoFit/>
-          </a:bodyPr>
-          <a:lstStyle/>
-          <a:p>
-            <a:pPr algn="ctr"/>
-            <a:r>
-              <a:rPr lang="en-ID" dirty="0" smtClean="0"/>
-              <a:t>cmd</a:t>
-            </a:r>
-            <a:r>
-              <a:rPr lang="en-ID" dirty="0" smtClean="0"/>
-              <a:t>  </a:t>
-            </a:r>
-            <a:r>
-              <a:rPr lang="en-ID" dirty="0" smtClean="0"/>
-              <a:t>= </a:t>
-            </a:r>
-            <a:r>
-              <a:rPr lang="en-US" sz="1400" dirty="0" smtClean="0"/>
-              <a:t>MODE_READY</a:t>
-            </a:r>
-            <a:endParaRPr lang="en-US" sz="1400" dirty="0"/>
-          </a:p>
-        </p:txBody>
-      </p:sp>
-      <p:cxnSp>
-        <p:nvCxnSpPr>
-          <p:cNvPr id="37" name="Straight Arrow Connector 36"/>
-          <p:cNvCxnSpPr>
-            <a:stCxn id="27" idx="3"/>
-            <a:endCxn id="36" idx="1"/>
-          </p:cNvCxnSpPr>
-          <p:nvPr/>
-        </p:nvCxnSpPr>
-        <p:spPr>
-          <a:xfrm>
-            <a:off x="6300192" y="3608440"/>
-            <a:ext cx="290698" cy="15546"/>
-          </a:xfrm>
-          <a:prstGeom prst="straightConnector1">
-            <a:avLst/>
-          </a:prstGeom>
-          <a:ln w="19050">
-            <a:solidFill>
-              <a:schemeClr val="tx1"/>
-            </a:solidFill>
-            <a:tailEnd type="arrow"/>
-          </a:ln>
-        </p:spPr>
-        <p:style>
-          <a:lnRef idx="1">
-            <a:schemeClr val="accent1"/>
-          </a:lnRef>
-          <a:fillRef idx="0">
-            <a:schemeClr val="accent1"/>
-          </a:fillRef>
-          <a:effectRef idx="0">
-            <a:schemeClr val="accent1"/>
-          </a:effectRef>
-          <a:fontRef idx="minor">
-            <a:schemeClr val="tx1"/>
-          </a:fontRef>
-        </p:style>
-      </p:cxnSp>
-      <p:sp>
-        <p:nvSpPr>
-          <p:cNvPr id="38" name="TextBox 37"/>
-          <p:cNvSpPr txBox="1"/>
-          <p:nvPr/>
-        </p:nvSpPr>
-        <p:spPr>
-          <a:xfrm>
-            <a:off x="6105372" y="3270200"/>
-            <a:ext cx="485518" cy="369332"/>
-          </a:xfrm>
-          <a:prstGeom prst="rect">
-            <a:avLst/>
-          </a:prstGeom>
-          <a:noFill/>
-          <a:ln w="19050">
-            <a:noFill/>
-          </a:ln>
-        </p:spPr>
-        <p:txBody>
-          <a:bodyPr wrap="none" rtlCol="0">
-            <a:spAutoFit/>
-          </a:bodyPr>
-          <a:lstStyle/>
-          <a:p>
-            <a:r>
-              <a:rPr lang="en-ID" dirty="0" smtClean="0"/>
-              <a:t>Yes</a:t>
-            </a:r>
-            <a:endParaRPr lang="en-US" dirty="0"/>
-          </a:p>
-        </p:txBody>
-      </p:sp>
-      <p:sp>
-        <p:nvSpPr>
-          <p:cNvPr id="42" name="Flowchart: Decision 41"/>
-          <p:cNvSpPr/>
-          <p:nvPr/>
-        </p:nvSpPr>
-        <p:spPr>
-          <a:xfrm>
-            <a:off x="4067944" y="4400528"/>
-            <a:ext cx="2232248" cy="864096"/>
-          </a:xfrm>
-          <a:prstGeom prst="flowChartDecision">
-            <a:avLst/>
-          </a:prstGeom>
-          <a:noFill/>
-          <a:ln w="19050">
-            <a:solidFill>
-              <a:schemeClr val="tx1"/>
-            </a:solidFill>
-          </a:ln>
-        </p:spPr>
-        <p:style>
-          <a:lnRef idx="2">
-            <a:schemeClr val="accent1">
-              <a:shade val="50000"/>
-            </a:schemeClr>
-          </a:lnRef>
-          <a:fillRef idx="1">
-            <a:schemeClr val="accent1"/>
-          </a:fillRef>
-          <a:effectRef idx="0">
-            <a:schemeClr val="accent1"/>
-          </a:effectRef>
-          <a:fontRef idx="minor">
-            <a:schemeClr val="lt1"/>
-          </a:fontRef>
-        </p:style>
-        <p:txBody>
-          <a:bodyPr rtlCol="0" anchor="ctr"/>
-          <a:lstStyle/>
-          <a:p>
-            <a:pPr algn="ctr"/>
-            <a:r>
-              <a:rPr lang="en-ID" sz="1400" dirty="0" smtClean="0">
-                <a:solidFill>
-                  <a:schemeClr val="tx1"/>
-                </a:solidFill>
-              </a:rPr>
-              <a:t>_prevCmd = </a:t>
-            </a:r>
-            <a:r>
-              <a:rPr lang="en-US" sz="1400" dirty="0" smtClean="0">
-                <a:solidFill>
-                  <a:schemeClr val="tx1"/>
-                </a:solidFill>
-              </a:rPr>
-              <a:t>MODE_READY</a:t>
-            </a:r>
-            <a:endParaRPr lang="en-US" sz="1400" dirty="0">
-              <a:solidFill>
-                <a:schemeClr val="tx1"/>
-              </a:solidFill>
-            </a:endParaRPr>
-          </a:p>
-        </p:txBody>
-      </p:sp>
-      <p:cxnSp>
-        <p:nvCxnSpPr>
-          <p:cNvPr id="46" name="Straight Arrow Connector 45"/>
-          <p:cNvCxnSpPr>
-            <a:stCxn id="27" idx="2"/>
-            <a:endCxn id="42" idx="0"/>
-          </p:cNvCxnSpPr>
-          <p:nvPr/>
-        </p:nvCxnSpPr>
-        <p:spPr>
-          <a:xfrm>
-            <a:off x="5184068" y="4040488"/>
-            <a:ext cx="0" cy="360040"/>
-          </a:xfrm>
-          <a:prstGeom prst="straightConnector1">
-            <a:avLst/>
-          </a:prstGeom>
-          <a:ln w="19050">
-            <a:solidFill>
-              <a:schemeClr val="tx1"/>
-            </a:solidFill>
-            <a:tailEnd type="arrow"/>
-          </a:ln>
-        </p:spPr>
-        <p:style>
-          <a:lnRef idx="1">
-            <a:schemeClr val="accent1"/>
-          </a:lnRef>
-          <a:fillRef idx="0">
-            <a:schemeClr val="accent1"/>
-          </a:fillRef>
-          <a:effectRef idx="0">
-            <a:schemeClr val="accent1"/>
-          </a:effectRef>
-          <a:fontRef idx="minor">
-            <a:schemeClr val="tx1"/>
-          </a:fontRef>
-        </p:style>
-      </p:cxnSp>
-      <p:sp>
-        <p:nvSpPr>
-          <p:cNvPr id="47" name="TextBox 46"/>
-          <p:cNvSpPr txBox="1"/>
-          <p:nvPr/>
-        </p:nvSpPr>
-        <p:spPr>
-          <a:xfrm>
-            <a:off x="6510682" y="4540188"/>
-            <a:ext cx="1656184" cy="584775"/>
-          </a:xfrm>
-          <a:prstGeom prst="rect">
-            <a:avLst/>
-          </a:prstGeom>
-          <a:noFill/>
-          <a:ln w="19050">
-            <a:solidFill>
-              <a:schemeClr val="tx1"/>
-            </a:solidFill>
-          </a:ln>
-        </p:spPr>
-        <p:txBody>
-          <a:bodyPr wrap="square" rtlCol="0">
-            <a:spAutoFit/>
-          </a:bodyPr>
-          <a:lstStyle/>
-          <a:p>
-            <a:pPr algn="ctr"/>
-            <a:r>
-              <a:rPr lang="en-ID" dirty="0" smtClean="0"/>
-              <a:t>cmd</a:t>
-            </a:r>
-            <a:r>
-              <a:rPr lang="en-ID" dirty="0" smtClean="0"/>
-              <a:t>  </a:t>
-            </a:r>
-            <a:r>
-              <a:rPr lang="en-ID" dirty="0" smtClean="0"/>
-              <a:t>= </a:t>
-            </a:r>
-            <a:r>
-              <a:rPr lang="en-US" sz="1400" dirty="0" smtClean="0"/>
-              <a:t>MODE_READY</a:t>
-            </a:r>
-            <a:endParaRPr lang="en-US" sz="1400" dirty="0"/>
-          </a:p>
-        </p:txBody>
-      </p:sp>
-      <p:cxnSp>
-        <p:nvCxnSpPr>
-          <p:cNvPr id="48" name="Straight Arrow Connector 47"/>
-          <p:cNvCxnSpPr>
-            <a:stCxn id="42" idx="3"/>
-            <a:endCxn id="47" idx="1"/>
-          </p:cNvCxnSpPr>
-          <p:nvPr/>
-        </p:nvCxnSpPr>
-        <p:spPr>
-          <a:xfrm>
-            <a:off x="6300192" y="4832576"/>
-            <a:ext cx="210490" cy="0"/>
-          </a:xfrm>
-          <a:prstGeom prst="straightConnector1">
-            <a:avLst/>
-          </a:prstGeom>
-          <a:ln w="19050">
-            <a:solidFill>
-              <a:schemeClr val="tx1"/>
-            </a:solidFill>
-            <a:tailEnd type="arrow"/>
-          </a:ln>
-        </p:spPr>
-        <p:style>
-          <a:lnRef idx="1">
-            <a:schemeClr val="accent1"/>
-          </a:lnRef>
-          <a:fillRef idx="0">
-            <a:schemeClr val="accent1"/>
-          </a:fillRef>
-          <a:effectRef idx="0">
-            <a:schemeClr val="accent1"/>
-          </a:effectRef>
-          <a:fontRef idx="minor">
-            <a:schemeClr val="tx1"/>
-          </a:fontRef>
-        </p:style>
-      </p:cxnSp>
-      <p:sp>
-        <p:nvSpPr>
-          <p:cNvPr id="49" name="TextBox 48"/>
-          <p:cNvSpPr txBox="1"/>
-          <p:nvPr/>
-        </p:nvSpPr>
-        <p:spPr>
-          <a:xfrm>
-            <a:off x="6057433" y="4453390"/>
-            <a:ext cx="485518" cy="369332"/>
-          </a:xfrm>
-          <a:prstGeom prst="rect">
-            <a:avLst/>
-          </a:prstGeom>
-          <a:noFill/>
-          <a:ln w="19050">
-            <a:noFill/>
-          </a:ln>
-        </p:spPr>
-        <p:txBody>
-          <a:bodyPr wrap="none" rtlCol="0">
-            <a:spAutoFit/>
-          </a:bodyPr>
-          <a:lstStyle/>
-          <a:p>
-            <a:r>
-              <a:rPr lang="en-ID" dirty="0" smtClean="0"/>
-              <a:t>Yes</a:t>
-            </a:r>
-            <a:endParaRPr lang="en-US" dirty="0"/>
-          </a:p>
-        </p:txBody>
-      </p:sp>
-      <p:sp>
-        <p:nvSpPr>
-          <p:cNvPr id="50" name="TextBox 49"/>
-          <p:cNvSpPr txBox="1"/>
-          <p:nvPr/>
-        </p:nvSpPr>
-        <p:spPr>
-          <a:xfrm>
-            <a:off x="4355976" y="5624664"/>
-            <a:ext cx="1656184" cy="646331"/>
-          </a:xfrm>
-          <a:prstGeom prst="rect">
-            <a:avLst/>
-          </a:prstGeom>
-          <a:noFill/>
-          <a:ln w="19050">
-            <a:solidFill>
-              <a:schemeClr val="tx1"/>
-            </a:solidFill>
-          </a:ln>
-        </p:spPr>
-        <p:txBody>
-          <a:bodyPr wrap="square" rtlCol="0">
-            <a:spAutoFit/>
-          </a:bodyPr>
-          <a:lstStyle/>
-          <a:p>
-            <a:pPr algn="ctr"/>
-            <a:r>
-              <a:rPr lang="en-ID" dirty="0" smtClean="0"/>
-              <a:t>cmd</a:t>
-            </a:r>
-            <a:r>
-              <a:rPr lang="en-ID" dirty="0" smtClean="0"/>
-              <a:t>  </a:t>
-            </a:r>
-            <a:r>
-              <a:rPr lang="en-ID" dirty="0" smtClean="0"/>
-              <a:t>= </a:t>
-            </a:r>
-            <a:r>
-              <a:rPr lang="en-US" dirty="0" smtClean="0"/>
-              <a:t>MODE_RESET</a:t>
-            </a:r>
-            <a:endParaRPr lang="en-US" dirty="0"/>
-          </a:p>
-        </p:txBody>
-      </p:sp>
-      <p:cxnSp>
-        <p:nvCxnSpPr>
-          <p:cNvPr id="52" name="Straight Arrow Connector 51"/>
-          <p:cNvCxnSpPr>
-            <a:stCxn id="42" idx="2"/>
-            <a:endCxn id="50" idx="0"/>
-          </p:cNvCxnSpPr>
-          <p:nvPr/>
-        </p:nvCxnSpPr>
-        <p:spPr>
-          <a:xfrm>
-            <a:off x="5184068" y="5264624"/>
-            <a:ext cx="0" cy="360040"/>
+          <a:xfrm>
+            <a:off x="3779912" y="1844824"/>
+            <a:ext cx="0" cy="706661"/>
           </a:xfrm>
           <a:prstGeom prst="straightConnector1">
             <a:avLst/>
@@ -12615,19 +11798,19 @@
       </p:cxnSp>
       <p:cxnSp>
         <p:nvCxnSpPr>
-          <p:cNvPr id="55" name="Elbow Connector 54"/>
+          <p:cNvPr id="9" name="Straight Arrow Connector 8"/>
           <p:cNvCxnSpPr>
-            <a:stCxn id="14" idx="3"/>
-            <a:endCxn id="106" idx="0"/>
+            <a:stCxn id="5" idx="3"/>
+            <a:endCxn id="14" idx="1"/>
           </p:cNvCxnSpPr>
           <p:nvPr/>
         </p:nvCxnSpPr>
         <p:spPr>
           <a:xfrm>
-            <a:off x="4882442" y="2240288"/>
-            <a:ext cx="3670956" cy="3888432"/>
-          </a:xfrm>
-          <a:prstGeom prst="bentConnector2">
+            <a:off x="4680012" y="3163553"/>
+            <a:ext cx="828092" cy="0"/>
+          </a:xfrm>
+          <a:prstGeom prst="straightConnector1">
             <a:avLst/>
           </a:prstGeom>
           <a:ln w="19050">
@@ -12654,16 +11837,310 @@
       </p:cxnSp>
       <p:cxnSp>
         <p:nvCxnSpPr>
-          <p:cNvPr id="57" name="Straight Arrow Connector 56"/>
+          <p:cNvPr id="11" name="Straight Arrow Connector 10"/>
           <p:cNvCxnSpPr>
-            <a:stCxn id="36" idx="3"/>
+            <a:stCxn id="5" idx="2"/>
+            <a:endCxn id="25" idx="0"/>
           </p:cNvCxnSpPr>
           <p:nvPr/>
         </p:nvCxnSpPr>
         <p:spPr>
           <a:xfrm>
-            <a:off x="8247074" y="3623986"/>
-            <a:ext cx="306324" cy="0"/>
+            <a:off x="3779912" y="3775621"/>
+            <a:ext cx="0" cy="620045"/>
+          </a:xfrm>
+          <a:prstGeom prst="straightConnector1">
+            <a:avLst/>
+          </a:prstGeom>
+          <a:ln w="19050">
+            <a:solidFill>
+              <a:schemeClr val="tx1"/>
+            </a:solidFill>
+            <a:tailEnd type="arrow"/>
+          </a:ln>
+        </p:spPr>
+        <p:style>
+          <a:lnRef idx="1">
+            <a:schemeClr val="accent1"/>
+          </a:lnRef>
+          <a:fillRef idx="0">
+            <a:schemeClr val="accent1"/>
+          </a:fillRef>
+          <a:effectRef idx="0">
+            <a:schemeClr val="accent1"/>
+          </a:effectRef>
+          <a:fontRef idx="minor">
+            <a:schemeClr val="tx1"/>
+          </a:fontRef>
+        </p:style>
+      </p:cxnSp>
+      <p:sp>
+        <p:nvSpPr>
+          <p:cNvPr id="12" name="TextBox 11"/>
+          <p:cNvSpPr txBox="1"/>
+          <p:nvPr/>
+        </p:nvSpPr>
+        <p:spPr>
+          <a:xfrm>
+            <a:off x="4890478" y="2758746"/>
+            <a:ext cx="485518" cy="369332"/>
+          </a:xfrm>
+          <a:prstGeom prst="rect">
+            <a:avLst/>
+          </a:prstGeom>
+          <a:noFill/>
+        </p:spPr>
+        <p:txBody>
+          <a:bodyPr wrap="none" rtlCol="0">
+            <a:spAutoFit/>
+          </a:bodyPr>
+          <a:lstStyle/>
+          <a:p>
+            <a:r>
+              <a:rPr lang="en-ID" dirty="0"/>
+              <a:t>Yes</a:t>
+            </a:r>
+            <a:endParaRPr lang="en-US" dirty="0"/>
+          </a:p>
+        </p:txBody>
+      </p:sp>
+      <p:sp>
+        <p:nvSpPr>
+          <p:cNvPr id="13" name="TextBox 12"/>
+          <p:cNvSpPr txBox="1"/>
+          <p:nvPr/>
+        </p:nvSpPr>
+        <p:spPr>
+          <a:xfrm>
+            <a:off x="3851920" y="3851756"/>
+            <a:ext cx="455574" cy="369332"/>
+          </a:xfrm>
+          <a:prstGeom prst="rect">
+            <a:avLst/>
+          </a:prstGeom>
+          <a:noFill/>
+        </p:spPr>
+        <p:txBody>
+          <a:bodyPr wrap="none" rtlCol="0">
+            <a:spAutoFit/>
+          </a:bodyPr>
+          <a:lstStyle/>
+          <a:p>
+            <a:r>
+              <a:rPr lang="en-ID" dirty="0"/>
+              <a:t>No</a:t>
+            </a:r>
+            <a:endParaRPr lang="en-US" dirty="0"/>
+          </a:p>
+        </p:txBody>
+      </p:sp>
+      <p:sp>
+        <p:nvSpPr>
+          <p:cNvPr id="14" name="TextBox 13"/>
+          <p:cNvSpPr txBox="1"/>
+          <p:nvPr/>
+        </p:nvSpPr>
+        <p:spPr>
+          <a:xfrm>
+            <a:off x="5508104" y="2840387"/>
+            <a:ext cx="1656184" cy="646331"/>
+          </a:xfrm>
+          <a:prstGeom prst="rect">
+            <a:avLst/>
+          </a:prstGeom>
+          <a:noFill/>
+          <a:ln>
+            <a:solidFill>
+              <a:schemeClr val="tx1"/>
+            </a:solidFill>
+          </a:ln>
+        </p:spPr>
+        <p:txBody>
+          <a:bodyPr wrap="square" rtlCol="0">
+            <a:spAutoFit/>
+          </a:bodyPr>
+          <a:lstStyle/>
+          <a:p>
+            <a:pPr algn="ctr"/>
+            <a:r>
+              <a:rPr lang="en-ID" dirty="0"/>
+              <a:t>statusAi  = HIGH_ALARM</a:t>
+            </a:r>
+            <a:endParaRPr lang="en-US" dirty="0"/>
+          </a:p>
+        </p:txBody>
+      </p:sp>
+      <p:sp>
+        <p:nvSpPr>
+          <p:cNvPr id="16" name="TextBox 15"/>
+          <p:cNvSpPr txBox="1"/>
+          <p:nvPr/>
+        </p:nvSpPr>
+        <p:spPr>
+          <a:xfrm>
+            <a:off x="2457033" y="332656"/>
+            <a:ext cx="3495701" cy="369332"/>
+          </a:xfrm>
+          <a:prstGeom prst="rect">
+            <a:avLst/>
+          </a:prstGeom>
+          <a:noFill/>
+        </p:spPr>
+        <p:txBody>
+          <a:bodyPr wrap="none" rtlCol="0">
+            <a:spAutoFit/>
+          </a:bodyPr>
+          <a:lstStyle/>
+          <a:p>
+            <a:r>
+              <a:rPr lang="en-ID" b="1" dirty="0"/>
+              <a:t>Flowchart _fireSensor-&gt;getStatus()</a:t>
+            </a:r>
+            <a:endParaRPr lang="en-US" b="1" dirty="0"/>
+          </a:p>
+        </p:txBody>
+      </p:sp>
+      <p:sp>
+        <p:nvSpPr>
+          <p:cNvPr id="2" name="Flowchart: Predefined Process 1"/>
+          <p:cNvSpPr/>
+          <p:nvPr/>
+        </p:nvSpPr>
+        <p:spPr>
+          <a:xfrm>
+            <a:off x="1619672" y="836712"/>
+            <a:ext cx="4320480" cy="1008112"/>
+          </a:xfrm>
+          <a:prstGeom prst="flowChartPredefinedProcess">
+            <a:avLst/>
+          </a:prstGeom>
+          <a:noFill/>
+          <a:ln>
+            <a:solidFill>
+              <a:schemeClr val="tx1"/>
+            </a:solidFill>
+          </a:ln>
+        </p:spPr>
+        <p:style>
+          <a:lnRef idx="2">
+            <a:schemeClr val="accent1">
+              <a:shade val="50000"/>
+            </a:schemeClr>
+          </a:lnRef>
+          <a:fillRef idx="1">
+            <a:schemeClr val="accent1"/>
+          </a:fillRef>
+          <a:effectRef idx="0">
+            <a:schemeClr val="accent1"/>
+          </a:effectRef>
+          <a:fontRef idx="minor">
+            <a:schemeClr val="lt1"/>
+          </a:fontRef>
+        </p:style>
+        <p:txBody>
+          <a:bodyPr rtlCol="0" anchor="ctr"/>
+          <a:lstStyle/>
+          <a:p>
+            <a:pPr algn="ctr"/>
+            <a:endParaRPr lang="en-ID" dirty="0">
+              <a:solidFill>
+                <a:schemeClr val="tx1"/>
+              </a:solidFill>
+            </a:endParaRPr>
+          </a:p>
+          <a:p>
+            <a:pPr algn="ctr"/>
+            <a:r>
+              <a:rPr lang="en-ID" dirty="0">
+                <a:solidFill>
+                  <a:schemeClr val="tx1"/>
+                </a:solidFill>
+              </a:rPr>
+              <a:t>getValue from sensor</a:t>
+            </a:r>
+          </a:p>
+          <a:p>
+            <a:pPr algn="ctr"/>
+            <a:r>
+              <a:rPr lang="en-ID" dirty="0">
+                <a:solidFill>
+                  <a:schemeClr val="tx1"/>
+                </a:solidFill>
+              </a:rPr>
+              <a:t>(with AlfaEMA filter)</a:t>
+            </a:r>
+          </a:p>
+          <a:p>
+            <a:pPr algn="ctr"/>
+            <a:r>
+              <a:rPr lang="en-ID" dirty="0">
+                <a:solidFill>
+                  <a:schemeClr val="tx1"/>
+                </a:solidFill>
+              </a:rPr>
+              <a:t>statusAi = NO_ALARM</a:t>
+            </a:r>
+            <a:endParaRPr lang="en-US" dirty="0">
+              <a:solidFill>
+                <a:schemeClr val="tx1"/>
+              </a:solidFill>
+            </a:endParaRPr>
+          </a:p>
+          <a:p>
+            <a:pPr algn="ctr"/>
+            <a:endParaRPr lang="en-US" dirty="0"/>
+          </a:p>
+        </p:txBody>
+      </p:sp>
+      <p:sp>
+        <p:nvSpPr>
+          <p:cNvPr id="18" name="TextBox 17"/>
+          <p:cNvSpPr txBox="1"/>
+          <p:nvPr/>
+        </p:nvSpPr>
+        <p:spPr>
+          <a:xfrm>
+            <a:off x="2945291" y="5517232"/>
+            <a:ext cx="1656184" cy="646331"/>
+          </a:xfrm>
+          <a:prstGeom prst="rect">
+            <a:avLst/>
+          </a:prstGeom>
+          <a:noFill/>
+          <a:ln>
+            <a:solidFill>
+              <a:schemeClr val="tx1"/>
+            </a:solidFill>
+          </a:ln>
+        </p:spPr>
+        <p:txBody>
+          <a:bodyPr wrap="square" rtlCol="0">
+            <a:spAutoFit/>
+          </a:bodyPr>
+          <a:lstStyle/>
+          <a:p>
+            <a:pPr algn="ctr"/>
+            <a:r>
+              <a:rPr lang="en-ID" dirty="0"/>
+              <a:t>return (statusAi)</a:t>
+            </a:r>
+            <a:endParaRPr lang="en-US" dirty="0"/>
+          </a:p>
+        </p:txBody>
+      </p:sp>
+      <p:cxnSp>
+        <p:nvCxnSpPr>
+          <p:cNvPr id="19" name="Straight Arrow Connector 18"/>
+          <p:cNvCxnSpPr>
+            <a:stCxn id="25" idx="4"/>
+            <a:endCxn id="18" idx="0"/>
+          </p:cNvCxnSpPr>
+          <p:nvPr/>
+        </p:nvCxnSpPr>
+        <p:spPr>
+          <a:xfrm flipH="1">
+            <a:off x="3773383" y="4852866"/>
+            <a:ext cx="6529" cy="664366"/>
           </a:xfrm>
           <a:prstGeom prst="straightConnector1">
             <a:avLst/>
@@ -12692,18 +12169,19 @@
       </p:cxnSp>
       <p:cxnSp>
         <p:nvCxnSpPr>
-          <p:cNvPr id="59" name="Straight Arrow Connector 58"/>
+          <p:cNvPr id="21" name="Elbow Connector 20"/>
           <p:cNvCxnSpPr>
-            <a:stCxn id="47" idx="3"/>
+            <a:stCxn id="14" idx="2"/>
+            <a:endCxn id="25" idx="6"/>
           </p:cNvCxnSpPr>
           <p:nvPr/>
         </p:nvCxnSpPr>
         <p:spPr>
-          <a:xfrm>
-            <a:off x="8166866" y="4832576"/>
-            <a:ext cx="386532" cy="0"/>
-          </a:xfrm>
-          <a:prstGeom prst="straightConnector1">
+          <a:xfrm rot="5400000">
+            <a:off x="4603580" y="2891650"/>
+            <a:ext cx="1137548" cy="2327684"/>
+          </a:xfrm>
+          <a:prstGeom prst="bentConnector2">
             <a:avLst/>
           </a:prstGeom>
           <a:ln w="19050">
@@ -12728,60 +12206,52 @@
           </a:fontRef>
         </p:style>
       </p:cxnSp>
-      <p:cxnSp>
-        <p:nvCxnSpPr>
-          <p:cNvPr id="61" name="Straight Arrow Connector 60"/>
-          <p:cNvCxnSpPr>
-            <a:stCxn id="50" idx="3"/>
-          </p:cNvCxnSpPr>
-          <p:nvPr/>
-        </p:nvCxnSpPr>
-        <p:spPr>
-          <a:xfrm>
-            <a:off x="6012160" y="5947830"/>
-            <a:ext cx="2538572" cy="0"/>
-          </a:xfrm>
-          <a:prstGeom prst="straightConnector1">
-            <a:avLst/>
-          </a:prstGeom>
-          <a:ln w="19050">
-            <a:solidFill>
-              <a:schemeClr val="tx1"/>
-            </a:solidFill>
-            <a:tailEnd type="arrow"/>
-          </a:ln>
-        </p:spPr>
-        <p:style>
-          <a:lnRef idx="1">
-            <a:schemeClr val="accent1"/>
-          </a:lnRef>
-          <a:fillRef idx="0">
-            <a:schemeClr val="accent1"/>
-          </a:fillRef>
-          <a:effectRef idx="0">
-            <a:schemeClr val="accent1"/>
-          </a:effectRef>
-          <a:fontRef idx="minor">
-            <a:schemeClr val="tx1"/>
-          </a:fontRef>
-        </p:style>
-      </p:cxnSp>
-      <p:sp>
-        <p:nvSpPr>
-          <p:cNvPr id="66" name="Flowchart: Decision 65"/>
+      <p:sp>
+        <p:nvSpPr>
+          <p:cNvPr id="24" name="TextBox 23"/>
+          <p:cNvSpPr txBox="1"/>
+          <p:nvPr/>
+        </p:nvSpPr>
+        <p:spPr>
+          <a:xfrm>
+            <a:off x="5422877" y="6163563"/>
+            <a:ext cx="3541611" cy="369332"/>
+          </a:xfrm>
+          <a:prstGeom prst="rect">
+            <a:avLst/>
+          </a:prstGeom>
+          <a:noFill/>
+        </p:spPr>
+        <p:txBody>
+          <a:bodyPr wrap="none" rtlCol="0">
+            <a:spAutoFit/>
+          </a:bodyPr>
+          <a:lstStyle/>
+          <a:p>
+            <a:r>
+              <a:rPr lang="en-ID" dirty="0"/>
+              <a:t>File : src\ioDevices\analogInput.cpp</a:t>
+            </a:r>
+            <a:endParaRPr lang="en-US" dirty="0"/>
+          </a:p>
+        </p:txBody>
+      </p:sp>
+      <p:sp>
+        <p:nvSpPr>
+          <p:cNvPr id="25" name="Flowchart: Connector 24"/>
           <p:cNvSpPr/>
           <p:nvPr/>
         </p:nvSpPr>
         <p:spPr>
           <a:xfrm>
-            <a:off x="517126" y="4317746"/>
-            <a:ext cx="1944216" cy="864096"/>
-          </a:xfrm>
-          <a:prstGeom prst="flowChartDecision">
+            <a:off x="3551312" y="4395666"/>
+            <a:ext cx="457200" cy="457200"/>
+          </a:xfrm>
+          <a:prstGeom prst="flowChartConnector">
             <a:avLst/>
           </a:prstGeom>
           <a:noFill/>
-          <a:ln w="19050">
+          <a:ln>
             <a:solidFill>
               <a:schemeClr val="tx1"/>
             </a:solidFill>
@@ -12808,446 +12278,20 @@
           <a:lstStyle/>
           <a:p>
             <a:pPr algn="ctr"/>
-            <a:r>
-              <a:rPr lang="en-ID" sz="1400" dirty="0" smtClean="0">
-                <a:solidFill>
-                  <a:schemeClr val="tx1"/>
-                </a:solidFill>
-              </a:rPr>
-              <a:t>_pbAuto = active</a:t>
-            </a:r>
-            <a:endParaRPr lang="en-US" sz="1400" dirty="0">
-              <a:solidFill>
-                <a:schemeClr val="tx1"/>
-              </a:solidFill>
-            </a:endParaRPr>
-          </a:p>
-        </p:txBody>
-      </p:sp>
-      <p:cxnSp>
-        <p:nvCxnSpPr>
-          <p:cNvPr id="68" name="Elbow Connector 67"/>
-          <p:cNvCxnSpPr>
-            <a:stCxn id="22" idx="2"/>
-            <a:endCxn id="66" idx="0"/>
-          </p:cNvCxnSpPr>
-          <p:nvPr/>
-        </p:nvCxnSpPr>
-        <p:spPr>
-          <a:xfrm rot="5400000">
-            <a:off x="1577842" y="3951880"/>
-            <a:ext cx="277258" cy="454474"/>
-          </a:xfrm>
-          <a:prstGeom prst="bentConnector3">
-            <a:avLst/>
-          </a:prstGeom>
-          <a:ln w="19050">
-            <a:solidFill>
-              <a:schemeClr val="tx1"/>
-            </a:solidFill>
-            <a:tailEnd type="arrow"/>
-          </a:ln>
-        </p:spPr>
-        <p:style>
-          <a:lnRef idx="1">
-            <a:schemeClr val="accent1"/>
-          </a:lnRef>
-          <a:fillRef idx="0">
-            <a:schemeClr val="accent1"/>
-          </a:fillRef>
-          <a:effectRef idx="0">
-            <a:schemeClr val="accent1"/>
-          </a:effectRef>
-          <a:fontRef idx="minor">
-            <a:schemeClr val="tx1"/>
-          </a:fontRef>
-        </p:style>
-      </p:cxnSp>
-      <p:sp>
-        <p:nvSpPr>
-          <p:cNvPr id="69" name="TextBox 68"/>
-          <p:cNvSpPr txBox="1"/>
-          <p:nvPr/>
-        </p:nvSpPr>
-        <p:spPr>
-          <a:xfrm>
-            <a:off x="2615986" y="4442017"/>
-            <a:ext cx="1350366" cy="584775"/>
-          </a:xfrm>
-          <a:prstGeom prst="rect">
-            <a:avLst/>
-          </a:prstGeom>
-          <a:noFill/>
-          <a:ln w="19050">
-            <a:solidFill>
-              <a:schemeClr val="tx1"/>
-            </a:solidFill>
-          </a:ln>
-        </p:spPr>
-        <p:txBody>
-          <a:bodyPr wrap="square" rtlCol="0">
-            <a:spAutoFit/>
-          </a:bodyPr>
-          <a:lstStyle/>
-          <a:p>
-            <a:pPr algn="ctr"/>
-            <a:r>
-              <a:rPr lang="en-ID" dirty="0" smtClean="0"/>
-              <a:t>cmd</a:t>
-            </a:r>
-            <a:r>
-              <a:rPr lang="en-ID" dirty="0" smtClean="0"/>
-              <a:t>  </a:t>
-            </a:r>
-            <a:r>
-              <a:rPr lang="en-ID" dirty="0" smtClean="0"/>
-              <a:t>= </a:t>
-            </a:r>
-            <a:r>
-              <a:rPr lang="en-US" sz="1400" dirty="0" smtClean="0"/>
-              <a:t>MODE_AUTO</a:t>
-            </a:r>
-            <a:endParaRPr lang="en-US" sz="1400" dirty="0"/>
-          </a:p>
-        </p:txBody>
-      </p:sp>
-      <p:sp>
-        <p:nvSpPr>
-          <p:cNvPr id="70" name="TextBox 69"/>
-          <p:cNvSpPr txBox="1"/>
-          <p:nvPr/>
-        </p:nvSpPr>
-        <p:spPr>
-          <a:xfrm>
-            <a:off x="2407338" y="4397370"/>
-            <a:ext cx="296876" cy="369332"/>
-          </a:xfrm>
-          <a:prstGeom prst="rect">
-            <a:avLst/>
-          </a:prstGeom>
-          <a:noFill/>
-          <a:ln w="19050">
-            <a:noFill/>
-          </a:ln>
-        </p:spPr>
-        <p:txBody>
-          <a:bodyPr wrap="none" rtlCol="0">
-            <a:spAutoFit/>
-          </a:bodyPr>
-          <a:lstStyle/>
-          <a:p>
-            <a:r>
-              <a:rPr lang="en-ID" dirty="0" smtClean="0"/>
-              <a:t>Y</a:t>
-            </a:r>
-            <a:endParaRPr lang="en-US" dirty="0"/>
-          </a:p>
-        </p:txBody>
-      </p:sp>
-      <p:cxnSp>
-        <p:nvCxnSpPr>
-          <p:cNvPr id="78" name="Straight Arrow Connector 77"/>
-          <p:cNvCxnSpPr>
-            <a:stCxn id="66" idx="3"/>
-            <a:endCxn id="69" idx="1"/>
-          </p:cNvCxnSpPr>
-          <p:nvPr/>
-        </p:nvCxnSpPr>
-        <p:spPr>
-          <a:xfrm flipV="1">
-            <a:off x="2461342" y="4734405"/>
-            <a:ext cx="154644" cy="15389"/>
-          </a:xfrm>
-          <a:prstGeom prst="straightConnector1">
-            <a:avLst/>
-          </a:prstGeom>
-          <a:ln w="19050">
-            <a:solidFill>
-              <a:schemeClr val="tx1"/>
-            </a:solidFill>
-            <a:tailEnd type="arrow"/>
-          </a:ln>
-        </p:spPr>
-        <p:style>
-          <a:lnRef idx="1">
-            <a:schemeClr val="accent1"/>
-          </a:lnRef>
-          <a:fillRef idx="0">
-            <a:schemeClr val="accent1"/>
-          </a:fillRef>
-          <a:effectRef idx="0">
-            <a:schemeClr val="accent1"/>
-          </a:effectRef>
-          <a:fontRef idx="minor">
-            <a:schemeClr val="tx1"/>
-          </a:fontRef>
-        </p:style>
-      </p:cxnSp>
-      <p:cxnSp>
-        <p:nvCxnSpPr>
-          <p:cNvPr id="89" name="Straight Arrow Connector 88"/>
-          <p:cNvCxnSpPr>
-            <a:stCxn id="66" idx="2"/>
-            <a:endCxn id="110" idx="0"/>
-          </p:cNvCxnSpPr>
-          <p:nvPr/>
-        </p:nvCxnSpPr>
-        <p:spPr>
-          <a:xfrm>
-            <a:off x="1489234" y="5181842"/>
-            <a:ext cx="0" cy="874870"/>
-          </a:xfrm>
-          <a:prstGeom prst="straightConnector1">
-            <a:avLst/>
-          </a:prstGeom>
-          <a:ln w="19050">
-            <a:solidFill>
-              <a:schemeClr val="tx1"/>
-            </a:solidFill>
-            <a:tailEnd type="arrow"/>
-          </a:ln>
-        </p:spPr>
-        <p:style>
-          <a:lnRef idx="1">
-            <a:schemeClr val="accent1"/>
-          </a:lnRef>
-          <a:fillRef idx="0">
-            <a:schemeClr val="accent1"/>
-          </a:fillRef>
-          <a:effectRef idx="0">
-            <a:schemeClr val="accent1"/>
-          </a:effectRef>
-          <a:fontRef idx="minor">
-            <a:schemeClr val="tx1"/>
-          </a:fontRef>
-        </p:style>
-      </p:cxnSp>
-      <p:cxnSp>
-        <p:nvCxnSpPr>
-          <p:cNvPr id="103" name="Elbow Connector 102"/>
-          <p:cNvCxnSpPr>
-            <a:stCxn id="69" idx="2"/>
-            <a:endCxn id="106" idx="1"/>
-          </p:cNvCxnSpPr>
-          <p:nvPr/>
-        </p:nvCxnSpPr>
-        <p:spPr>
-          <a:xfrm rot="16200000" flipH="1">
-            <a:off x="5064995" y="3252965"/>
-            <a:ext cx="1408252" cy="4955905"/>
-          </a:xfrm>
-          <a:prstGeom prst="bentConnector2">
-            <a:avLst/>
-          </a:prstGeom>
-          <a:ln w="19050">
-            <a:solidFill>
-              <a:schemeClr val="tx1"/>
-            </a:solidFill>
-            <a:tailEnd type="arrow"/>
-          </a:ln>
-        </p:spPr>
-        <p:style>
-          <a:lnRef idx="1">
-            <a:schemeClr val="accent1"/>
-          </a:lnRef>
-          <a:fillRef idx="0">
-            <a:schemeClr val="accent1"/>
-          </a:fillRef>
-          <a:effectRef idx="0">
-            <a:schemeClr val="accent1"/>
-          </a:effectRef>
-          <a:fontRef idx="minor">
-            <a:schemeClr val="tx1"/>
-          </a:fontRef>
-        </p:style>
-      </p:cxnSp>
-      <p:sp>
-        <p:nvSpPr>
-          <p:cNvPr id="106" name="Flowchart: Off-page Connector 105"/>
-          <p:cNvSpPr/>
-          <p:nvPr/>
-        </p:nvSpPr>
-        <p:spPr>
-          <a:xfrm>
-            <a:off x="8247074" y="6128720"/>
-            <a:ext cx="612648" cy="612648"/>
-          </a:xfrm>
-          <a:prstGeom prst="flowChartOffpageConnector">
-            <a:avLst/>
-          </a:prstGeom>
-          <a:noFill/>
-          <a:ln>
-            <a:solidFill>
-              <a:schemeClr val="tx1"/>
-            </a:solidFill>
-          </a:ln>
-        </p:spPr>
-        <p:style>
-          <a:lnRef idx="2">
-            <a:schemeClr val="accent1">
-              <a:shade val="50000"/>
-            </a:schemeClr>
-          </a:lnRef>
-          <a:fillRef idx="1">
-            <a:schemeClr val="accent1"/>
-          </a:fillRef>
-          <a:effectRef idx="0">
-            <a:schemeClr val="accent1"/>
-          </a:effectRef>
-          <a:fontRef idx="minor">
-            <a:schemeClr val="lt1"/>
-          </a:fontRef>
-        </p:style>
-        <p:txBody>
-          <a:bodyPr rtlCol="0" anchor="ctr"/>
-          <a:lstStyle/>
-          <a:p>
-            <a:pPr algn="ctr"/>
-            <a:r>
-              <a:rPr lang="en-ID" b="1" dirty="0" smtClean="0">
-                <a:solidFill>
-                  <a:schemeClr val="tx1"/>
-                </a:solidFill>
-              </a:rPr>
-              <a:t>2</a:t>
-            </a:r>
-            <a:endParaRPr lang="en-US" b="1" dirty="0">
-              <a:solidFill>
-                <a:schemeClr val="tx1"/>
-              </a:solidFill>
-            </a:endParaRPr>
-          </a:p>
-        </p:txBody>
-      </p:sp>
-      <p:sp>
-        <p:nvSpPr>
-          <p:cNvPr id="110" name="Flowchart: Off-page Connector 109"/>
-          <p:cNvSpPr/>
-          <p:nvPr/>
-        </p:nvSpPr>
-        <p:spPr>
-          <a:xfrm>
-            <a:off x="1182910" y="6056712"/>
-            <a:ext cx="612648" cy="612648"/>
-          </a:xfrm>
-          <a:prstGeom prst="flowChartOffpageConnector">
-            <a:avLst/>
-          </a:prstGeom>
-          <a:noFill/>
-          <a:ln>
-            <a:solidFill>
-              <a:schemeClr val="tx1"/>
-            </a:solidFill>
-          </a:ln>
-        </p:spPr>
-        <p:style>
-          <a:lnRef idx="2">
-            <a:schemeClr val="accent1">
-              <a:shade val="50000"/>
-            </a:schemeClr>
-          </a:lnRef>
-          <a:fillRef idx="1">
-            <a:schemeClr val="accent1"/>
-          </a:fillRef>
-          <a:effectRef idx="0">
-            <a:schemeClr val="accent1"/>
-          </a:effectRef>
-          <a:fontRef idx="minor">
-            <a:schemeClr val="lt1"/>
-          </a:fontRef>
-        </p:style>
-        <p:txBody>
-          <a:bodyPr rtlCol="0" anchor="ctr"/>
-          <a:lstStyle/>
-          <a:p>
-            <a:pPr algn="ctr"/>
-            <a:r>
-              <a:rPr lang="en-ID" b="1" dirty="0" smtClean="0">
-                <a:solidFill>
-                  <a:schemeClr val="tx1"/>
-                </a:solidFill>
-              </a:rPr>
-              <a:t>1</a:t>
-            </a:r>
-            <a:endParaRPr lang="en-US" b="1" dirty="0">
-              <a:solidFill>
-                <a:schemeClr val="tx1"/>
-              </a:solidFill>
-            </a:endParaRPr>
-          </a:p>
-        </p:txBody>
-      </p:sp>
-      <p:sp>
-        <p:nvSpPr>
-          <p:cNvPr id="112" name="Flowchart: Predefined Process 111"/>
-          <p:cNvSpPr/>
-          <p:nvPr/>
-        </p:nvSpPr>
-        <p:spPr>
-          <a:xfrm>
-            <a:off x="179512" y="654503"/>
-            <a:ext cx="3532814" cy="830281"/>
-          </a:xfrm>
-          <a:prstGeom prst="flowChartPredefinedProcess">
-            <a:avLst/>
-          </a:prstGeom>
-          <a:noFill/>
-          <a:ln>
-            <a:solidFill>
-              <a:schemeClr val="tx1"/>
-            </a:solidFill>
-          </a:ln>
-        </p:spPr>
-        <p:style>
-          <a:lnRef idx="2">
-            <a:schemeClr val="accent1">
-              <a:shade val="50000"/>
-            </a:schemeClr>
-          </a:lnRef>
-          <a:fillRef idx="1">
-            <a:schemeClr val="accent1"/>
-          </a:fillRef>
-          <a:effectRef idx="0">
-            <a:schemeClr val="accent1"/>
-          </a:effectRef>
-          <a:fontRef idx="minor">
-            <a:schemeClr val="lt1"/>
-          </a:fontRef>
-        </p:style>
-        <p:txBody>
-          <a:bodyPr rtlCol="0" anchor="ctr"/>
-          <a:lstStyle/>
-          <a:p>
-            <a:pPr algn="ctr"/>
-            <a:r>
-              <a:rPr lang="en-ID" dirty="0" smtClean="0">
-                <a:solidFill>
-                  <a:schemeClr val="tx1"/>
-                </a:solidFill>
-              </a:rPr>
-              <a:t>getData digital with debouncing mechanism</a:t>
-            </a:r>
-            <a:endParaRPr lang="en-US" dirty="0"/>
+            <a:endParaRPr lang="en-US"/>
           </a:p>
         </p:txBody>
       </p:sp>
     </p:spTree>
     <p:extLst>
       <p:ext uri="{BB962C8B-B14F-4D97-AF65-F5344CB8AC3E}">
-        <p14:creationId xmlns:p14="http://schemas.microsoft.com/office/powerpoint/2010/main" val="56327785"/>
+        <p14:creationId xmlns:p14="http://schemas.microsoft.com/office/powerpoint/2010/main" val="3718141921"/>
       </p:ext>
     </p:extLst>
   </p:cSld>
   <p:clrMapOvr>
     <a:masterClrMapping/>
   </p:clrMapOvr>
-  <p:timing>
-    <p:tnLst>
-      <p:par>
-        <p:cTn id="1" dur="indefinite" restart="never" nodeType="tmRoot"/>
-      </p:par>
-    </p:tnLst>
-  </p:timing>
 </p:sld>
 </file>
 
@@ -13276,7 +12320,7 @@
         </p:nvSpPr>
         <p:spPr>
           <a:xfrm>
-            <a:off x="2555776" y="188640"/>
+            <a:off x="3479223" y="188639"/>
             <a:ext cx="5065874" cy="584775"/>
           </a:xfrm>
           <a:prstGeom prst="rect">
@@ -13295,17 +12339,13 @@
             </a:r>
             <a:r>
               <a:rPr lang="en-US" dirty="0"/>
-              <a:t>_pbAMRT-&gt;getCmd(DEBOUNCING_TIME</a:t>
-            </a:r>
-            <a:r>
-              <a:rPr lang="en-US" dirty="0" smtClean="0"/>
-              <a:t>)</a:t>
+              <a:t>_pbAMRT-&gt;getCmd(DEBOUNCING_TIME)</a:t>
             </a:r>
           </a:p>
           <a:p>
             <a:pPr algn="ctr"/>
             <a:r>
-              <a:rPr lang="en-ID" sz="1400" dirty="0" smtClean="0"/>
+              <a:rPr lang="en-ID" sz="1400" dirty="0"/>
               <a:t>File : src\compDevices\pbAMRT.cpp</a:t>
             </a:r>
             <a:endParaRPr lang="en-US" sz="1400" dirty="0"/>
@@ -13314,14 +12354,14 @@
       </p:sp>
       <p:sp>
         <p:nvSpPr>
-          <p:cNvPr id="5" name="Flowchart: Decision 4"/>
+          <p:cNvPr id="7" name="Flowchart: Decision 6"/>
           <p:cNvSpPr/>
           <p:nvPr/>
         </p:nvSpPr>
         <p:spPr>
           <a:xfrm>
-            <a:off x="786608" y="2000301"/>
-            <a:ext cx="1944216" cy="864096"/>
+            <a:off x="1099338" y="1808240"/>
+            <a:ext cx="1667036" cy="864096"/>
           </a:xfrm>
           <a:prstGeom prst="flowChartDecision">
             <a:avLst/>
@@ -13355,12 +12395,12 @@
           <a:p>
             <a:pPr algn="ctr"/>
             <a:r>
-              <a:rPr lang="en-ID" sz="1400" dirty="0" smtClean="0">
+              <a:rPr lang="en-ID" sz="1400" dirty="0">
                 <a:solidFill>
                   <a:schemeClr val="tx1"/>
                 </a:solidFill>
               </a:rPr>
-              <a:t>_pbManual = active</a:t>
+              <a:t>_pbTest = active</a:t>
             </a:r>
             <a:endParaRPr lang="en-US" sz="1400" dirty="0">
               <a:solidFill>
@@ -13370,16 +12410,55 @@
           </a:p>
         </p:txBody>
       </p:sp>
-      <p:sp>
-        <p:nvSpPr>
-          <p:cNvPr id="6" name="TextBox 5"/>
+      <p:cxnSp>
+        <p:nvCxnSpPr>
+          <p:cNvPr id="9" name="Straight Arrow Connector 8"/>
+          <p:cNvCxnSpPr>
+            <a:stCxn id="112" idx="2"/>
+            <a:endCxn id="7" idx="0"/>
+          </p:cNvCxnSpPr>
+          <p:nvPr/>
+        </p:nvCxnSpPr>
+        <p:spPr>
+          <a:xfrm flipH="1">
+            <a:off x="1932856" y="1484784"/>
+            <a:ext cx="13063" cy="323456"/>
+          </a:xfrm>
+          <a:prstGeom prst="straightConnector1">
+            <a:avLst/>
+          </a:prstGeom>
+          <a:ln w="19050">
+            <a:solidFill>
+              <a:schemeClr val="tx1"/>
+            </a:solidFill>
+            <a:tailEnd type="arrow"/>
+          </a:ln>
+        </p:spPr>
+        <p:style>
+          <a:lnRef idx="1">
+            <a:schemeClr val="accent1"/>
+          </a:lnRef>
+          <a:fillRef idx="0">
+            <a:schemeClr val="accent1"/>
+          </a:fillRef>
+          <a:effectRef idx="0">
+            <a:schemeClr val="accent1"/>
+          </a:effectRef>
+          <a:fontRef idx="minor">
+            <a:schemeClr val="tx1"/>
+          </a:fontRef>
+        </p:style>
+      </p:cxnSp>
+      <p:sp>
+        <p:nvSpPr>
+          <p:cNvPr id="14" name="TextBox 13"/>
           <p:cNvSpPr txBox="1"/>
           <p:nvPr/>
         </p:nvSpPr>
         <p:spPr>
           <a:xfrm>
-            <a:off x="5724128" y="2139961"/>
-            <a:ext cx="1897522" cy="584775"/>
+            <a:off x="3226258" y="1917122"/>
+            <a:ext cx="1656184" cy="646331"/>
           </a:xfrm>
           <a:prstGeom prst="rect">
             <a:avLst/>
@@ -13399,35 +12478,65 @@
           <a:p>
             <a:pPr algn="ctr"/>
             <a:r>
-              <a:rPr lang="en-ID" dirty="0" smtClean="0"/>
-              <a:t>cmd</a:t>
-            </a:r>
-            <a:r>
-              <a:rPr lang="en-ID" dirty="0" smtClean="0"/>
-              <a:t>  </a:t>
-            </a:r>
-            <a:r>
-              <a:rPr lang="en-ID" dirty="0" smtClean="0"/>
-              <a:t>= </a:t>
-            </a:r>
-            <a:r>
-              <a:rPr lang="en-US" sz="1400" dirty="0" smtClean="0"/>
-              <a:t>MODE_MANUAL_ON</a:t>
-            </a:r>
-            <a:endParaRPr lang="en-US" sz="1400" dirty="0"/>
-          </a:p>
-        </p:txBody>
-      </p:sp>
-      <p:sp>
-        <p:nvSpPr>
-          <p:cNvPr id="7" name="TextBox 6"/>
+              <a:rPr lang="en-ID" dirty="0"/>
+              <a:t>cmd  = </a:t>
+            </a:r>
+            <a:r>
+              <a:rPr lang="en-US" dirty="0"/>
+              <a:t>MODE_TEST</a:t>
+            </a:r>
+          </a:p>
+        </p:txBody>
+      </p:sp>
+      <p:cxnSp>
+        <p:nvCxnSpPr>
+          <p:cNvPr id="16" name="Straight Arrow Connector 15"/>
+          <p:cNvCxnSpPr>
+            <a:stCxn id="7" idx="3"/>
+            <a:endCxn id="14" idx="1"/>
+          </p:cNvCxnSpPr>
+          <p:nvPr/>
+        </p:nvCxnSpPr>
+        <p:spPr>
+          <a:xfrm>
+            <a:off x="2766374" y="2240288"/>
+            <a:ext cx="459884" cy="0"/>
+          </a:xfrm>
+          <a:prstGeom prst="straightConnector1">
+            <a:avLst/>
+          </a:prstGeom>
+          <a:ln w="19050">
+            <a:solidFill>
+              <a:schemeClr val="tx1"/>
+            </a:solidFill>
+            <a:tailEnd type="arrow"/>
+          </a:ln>
+        </p:spPr>
+        <p:style>
+          <a:lnRef idx="1">
+            <a:schemeClr val="accent1"/>
+          </a:lnRef>
+          <a:fillRef idx="0">
+            <a:schemeClr val="accent1"/>
+          </a:fillRef>
+          <a:effectRef idx="0">
+            <a:schemeClr val="accent1"/>
+          </a:effectRef>
+          <a:fontRef idx="minor">
+            <a:schemeClr val="tx1"/>
+          </a:fontRef>
+        </p:style>
+      </p:cxnSp>
+      <p:sp>
+        <p:nvSpPr>
+          <p:cNvPr id="20" name="TextBox 19"/>
           <p:cNvSpPr txBox="1"/>
           <p:nvPr/>
         </p:nvSpPr>
         <p:spPr>
           <a:xfrm>
-            <a:off x="2676820" y="2079925"/>
-            <a:ext cx="296876" cy="369332"/>
+            <a:off x="2753557" y="1886502"/>
+            <a:ext cx="485518" cy="369332"/>
           </a:xfrm>
           <a:prstGeom prst="rect">
             <a:avLst/>
@@ -13444,8 +12553,8 @@
           <a:lstStyle/>
           <a:p>
             <a:r>
-              <a:rPr lang="en-ID" dirty="0" smtClean="0"/>
-              <a:t>Y</a:t>
+              <a:rPr lang="en-ID" dirty="0"/>
+              <a:t>Yes</a:t>
             </a:r>
             <a:endParaRPr lang="en-US" dirty="0"/>
           </a:p>
@@ -13453,16 +12562,49 @@
       </p:sp>
       <p:sp>
         <p:nvSpPr>
-          <p:cNvPr id="9" name="TextBox 8"/>
+          <p:cNvPr id="21" name="TextBox 20"/>
           <p:cNvSpPr txBox="1"/>
           <p:nvPr/>
         </p:nvSpPr>
         <p:spPr>
           <a:xfrm>
-            <a:off x="3456774" y="4797152"/>
-            <a:ext cx="1438364" cy="584775"/>
+            <a:off x="1965068" y="2687882"/>
+            <a:ext cx="455574" cy="369332"/>
           </a:xfrm>
           <a:prstGeom prst="rect">
+            <a:avLst/>
+          </a:prstGeom>
+          <a:noFill/>
+          <a:ln w="19050">
+            <a:noFill/>
+          </a:ln>
+        </p:spPr>
+        <p:txBody>
+          <a:bodyPr wrap="none" rtlCol="0">
+            <a:spAutoFit/>
+          </a:bodyPr>
+          <a:lstStyle/>
+          <a:p>
+            <a:r>
+              <a:rPr lang="en-ID" dirty="0"/>
+              <a:t>No</a:t>
+            </a:r>
+            <a:endParaRPr lang="en-US" dirty="0"/>
+          </a:p>
+        </p:txBody>
+      </p:sp>
+      <p:sp>
+        <p:nvSpPr>
+          <p:cNvPr id="22" name="Flowchart: Decision 21"/>
+          <p:cNvSpPr/>
+          <p:nvPr/>
+        </p:nvSpPr>
+        <p:spPr>
+          <a:xfrm>
+            <a:off x="971600" y="3176392"/>
+            <a:ext cx="1944216" cy="864096"/>
+          </a:xfrm>
+          <a:prstGeom prst="flowChartDecision">
             <a:avLst/>
           </a:prstGeom>
           <a:noFill/>
@@ -13472,6 +12614,236 @@
             </a:solidFill>
           </a:ln>
         </p:spPr>
+        <p:style>
+          <a:lnRef idx="2">
+            <a:schemeClr val="accent1">
+              <a:shade val="50000"/>
+            </a:schemeClr>
+          </a:lnRef>
+          <a:fillRef idx="1">
+            <a:schemeClr val="accent1"/>
+          </a:fillRef>
+          <a:effectRef idx="0">
+            <a:schemeClr val="accent1"/>
+          </a:effectRef>
+          <a:fontRef idx="minor">
+            <a:schemeClr val="lt1"/>
+          </a:fontRef>
+        </p:style>
+        <p:txBody>
+          <a:bodyPr rtlCol="0" anchor="ctr"/>
+          <a:lstStyle/>
+          <a:p>
+            <a:pPr algn="ctr"/>
+            <a:r>
+              <a:rPr lang="en-ID" sz="1400" dirty="0">
+                <a:solidFill>
+                  <a:schemeClr val="tx1"/>
+                </a:solidFill>
+              </a:rPr>
+              <a:t>_pbReset = active</a:t>
+            </a:r>
+            <a:endParaRPr lang="en-US" sz="1400" dirty="0">
+              <a:solidFill>
+                <a:schemeClr val="tx1"/>
+              </a:solidFill>
+            </a:endParaRPr>
+          </a:p>
+        </p:txBody>
+      </p:sp>
+      <p:cxnSp>
+        <p:nvCxnSpPr>
+          <p:cNvPr id="24" name="Straight Arrow Connector 23"/>
+          <p:cNvCxnSpPr>
+            <a:stCxn id="7" idx="2"/>
+            <a:endCxn id="22" idx="0"/>
+          </p:cNvCxnSpPr>
+          <p:nvPr/>
+        </p:nvCxnSpPr>
+        <p:spPr>
+          <a:xfrm>
+            <a:off x="1932856" y="2672336"/>
+            <a:ext cx="10852" cy="504056"/>
+          </a:xfrm>
+          <a:prstGeom prst="straightConnector1">
+            <a:avLst/>
+          </a:prstGeom>
+          <a:ln w="19050">
+            <a:solidFill>
+              <a:schemeClr val="tx1"/>
+            </a:solidFill>
+            <a:tailEnd type="arrow"/>
+          </a:ln>
+        </p:spPr>
+        <p:style>
+          <a:lnRef idx="1">
+            <a:schemeClr val="accent1"/>
+          </a:lnRef>
+          <a:fillRef idx="0">
+            <a:schemeClr val="accent1"/>
+          </a:fillRef>
+          <a:effectRef idx="0">
+            <a:schemeClr val="accent1"/>
+          </a:effectRef>
+          <a:fontRef idx="minor">
+            <a:schemeClr val="tx1"/>
+          </a:fontRef>
+        </p:style>
+      </p:cxnSp>
+      <p:sp>
+        <p:nvSpPr>
+          <p:cNvPr id="27" name="Flowchart: Decision 26"/>
+          <p:cNvSpPr/>
+          <p:nvPr/>
+        </p:nvSpPr>
+        <p:spPr>
+          <a:xfrm>
+            <a:off x="4067944" y="3176392"/>
+            <a:ext cx="2232248" cy="864096"/>
+          </a:xfrm>
+          <a:prstGeom prst="flowChartDecision">
+            <a:avLst/>
+          </a:prstGeom>
+          <a:noFill/>
+          <a:ln w="19050">
+            <a:solidFill>
+              <a:schemeClr val="tx1"/>
+            </a:solidFill>
+          </a:ln>
+        </p:spPr>
+        <p:style>
+          <a:lnRef idx="2">
+            <a:schemeClr val="accent1">
+              <a:shade val="50000"/>
+            </a:schemeClr>
+          </a:lnRef>
+          <a:fillRef idx="1">
+            <a:schemeClr val="accent1"/>
+          </a:fillRef>
+          <a:effectRef idx="0">
+            <a:schemeClr val="accent1"/>
+          </a:effectRef>
+          <a:fontRef idx="minor">
+            <a:schemeClr val="lt1"/>
+          </a:fontRef>
+        </p:style>
+        <p:txBody>
+          <a:bodyPr rtlCol="0" anchor="ctr"/>
+          <a:lstStyle/>
+          <a:p>
+            <a:pPr algn="ctr"/>
+            <a:r>
+              <a:rPr lang="en-ID" sz="1400" dirty="0">
+                <a:solidFill>
+                  <a:schemeClr val="tx1"/>
+                </a:solidFill>
+              </a:rPr>
+              <a:t>_prevCmd = </a:t>
+            </a:r>
+            <a:r>
+              <a:rPr lang="en-US" sz="1400" dirty="0">
+                <a:solidFill>
+                  <a:schemeClr val="tx1"/>
+                </a:solidFill>
+              </a:rPr>
+              <a:t>MODE_RESET</a:t>
+            </a:r>
+          </a:p>
+        </p:txBody>
+      </p:sp>
+      <p:cxnSp>
+        <p:nvCxnSpPr>
+          <p:cNvPr id="29" name="Straight Arrow Connector 28"/>
+          <p:cNvCxnSpPr>
+            <a:stCxn id="22" idx="3"/>
+            <a:endCxn id="27" idx="1"/>
+          </p:cNvCxnSpPr>
+          <p:nvPr/>
+        </p:nvCxnSpPr>
+        <p:spPr>
+          <a:xfrm>
+            <a:off x="2915816" y="3608440"/>
+            <a:ext cx="1152128" cy="0"/>
+          </a:xfrm>
+          <a:prstGeom prst="straightConnector1">
+            <a:avLst/>
+          </a:prstGeom>
+          <a:ln w="19050">
+            <a:solidFill>
+              <a:schemeClr val="tx1"/>
+            </a:solidFill>
+            <a:tailEnd type="arrow"/>
+          </a:ln>
+        </p:spPr>
+        <p:style>
+          <a:lnRef idx="1">
+            <a:schemeClr val="accent1"/>
+          </a:lnRef>
+          <a:fillRef idx="0">
+            <a:schemeClr val="accent1"/>
+          </a:fillRef>
+          <a:effectRef idx="0">
+            <a:schemeClr val="accent1"/>
+          </a:effectRef>
+          <a:fontRef idx="minor">
+            <a:schemeClr val="tx1"/>
+          </a:fontRef>
+        </p:style>
+      </p:cxnSp>
+      <p:sp>
+        <p:nvSpPr>
+          <p:cNvPr id="30" name="TextBox 29"/>
+          <p:cNvSpPr txBox="1"/>
+          <p:nvPr/>
+        </p:nvSpPr>
+        <p:spPr>
+          <a:xfrm>
+            <a:off x="2915816" y="3239108"/>
+            <a:ext cx="485518" cy="369332"/>
+          </a:xfrm>
+          <a:prstGeom prst="rect">
+            <a:avLst/>
+          </a:prstGeom>
+          <a:noFill/>
+          <a:ln w="19050">
+            <a:noFill/>
+          </a:ln>
+        </p:spPr>
+        <p:txBody>
+          <a:bodyPr wrap="none" rtlCol="0">
+            <a:spAutoFit/>
+          </a:bodyPr>
+          <a:lstStyle/>
+          <a:p>
+            <a:r>
+              <a:rPr lang="en-ID" dirty="0"/>
+              <a:t>Yes</a:t>
+            </a:r>
+            <a:endParaRPr lang="en-US" dirty="0"/>
+          </a:p>
+        </p:txBody>
+      </p:sp>
+      <p:sp>
+        <p:nvSpPr>
+          <p:cNvPr id="36" name="TextBox 35"/>
+          <p:cNvSpPr txBox="1"/>
+          <p:nvPr/>
+        </p:nvSpPr>
+        <p:spPr>
+          <a:xfrm>
+            <a:off x="6590890" y="3331598"/>
+            <a:ext cx="1656184" cy="584775"/>
+          </a:xfrm>
+          <a:prstGeom prst="rect">
+            <a:avLst/>
+          </a:prstGeom>
+          <a:noFill/>
+          <a:ln w="19050">
+            <a:solidFill>
+              <a:schemeClr val="tx1"/>
+            </a:solidFill>
+          </a:ln>
+        </p:spPr>
         <p:txBody>
           <a:bodyPr wrap="square" rtlCol="0">
             <a:spAutoFit/>
@@ -13480,22 +12852,1222 @@
           <a:p>
             <a:pPr algn="ctr"/>
             <a:r>
-              <a:rPr lang="en-ID" dirty="0" smtClean="0"/>
-              <a:t>cmd</a:t>
-            </a:r>
-            <a:r>
-              <a:rPr lang="en-ID" dirty="0" smtClean="0"/>
-              <a:t>  </a:t>
-            </a:r>
-            <a:r>
-              <a:rPr lang="en-ID" dirty="0" smtClean="0"/>
-              <a:t>= </a:t>
-            </a:r>
-            <a:r>
-              <a:rPr lang="en-US" sz="1400" dirty="0" smtClean="0"/>
+              <a:rPr lang="en-ID" dirty="0"/>
+              <a:t>cmd  = </a:t>
+            </a:r>
+            <a:r>
+              <a:rPr lang="en-US" sz="1400" dirty="0"/>
+              <a:t>MODE_READY</a:t>
+            </a:r>
+          </a:p>
+        </p:txBody>
+      </p:sp>
+      <p:cxnSp>
+        <p:nvCxnSpPr>
+          <p:cNvPr id="37" name="Straight Arrow Connector 36"/>
+          <p:cNvCxnSpPr>
+            <a:stCxn id="27" idx="3"/>
+            <a:endCxn id="36" idx="1"/>
+          </p:cNvCxnSpPr>
+          <p:nvPr/>
+        </p:nvCxnSpPr>
+        <p:spPr>
+          <a:xfrm>
+            <a:off x="6300192" y="3608440"/>
+            <a:ext cx="290698" cy="15546"/>
+          </a:xfrm>
+          <a:prstGeom prst="straightConnector1">
+            <a:avLst/>
+          </a:prstGeom>
+          <a:ln w="19050">
+            <a:solidFill>
+              <a:schemeClr val="tx1"/>
+            </a:solidFill>
+            <a:tailEnd type="arrow"/>
+          </a:ln>
+        </p:spPr>
+        <p:style>
+          <a:lnRef idx="1">
+            <a:schemeClr val="accent1"/>
+          </a:lnRef>
+          <a:fillRef idx="0">
+            <a:schemeClr val="accent1"/>
+          </a:fillRef>
+          <a:effectRef idx="0">
+            <a:schemeClr val="accent1"/>
+          </a:effectRef>
+          <a:fontRef idx="minor">
+            <a:schemeClr val="tx1"/>
+          </a:fontRef>
+        </p:style>
+      </p:cxnSp>
+      <p:sp>
+        <p:nvSpPr>
+          <p:cNvPr id="38" name="TextBox 37"/>
+          <p:cNvSpPr txBox="1"/>
+          <p:nvPr/>
+        </p:nvSpPr>
+        <p:spPr>
+          <a:xfrm>
+            <a:off x="6105372" y="3270200"/>
+            <a:ext cx="485518" cy="369332"/>
+          </a:xfrm>
+          <a:prstGeom prst="rect">
+            <a:avLst/>
+          </a:prstGeom>
+          <a:noFill/>
+          <a:ln w="19050">
+            <a:noFill/>
+          </a:ln>
+        </p:spPr>
+        <p:txBody>
+          <a:bodyPr wrap="none" rtlCol="0">
+            <a:spAutoFit/>
+          </a:bodyPr>
+          <a:lstStyle/>
+          <a:p>
+            <a:r>
+              <a:rPr lang="en-ID" dirty="0"/>
+              <a:t>Yes</a:t>
+            </a:r>
+            <a:endParaRPr lang="en-US" dirty="0"/>
+          </a:p>
+        </p:txBody>
+      </p:sp>
+      <p:sp>
+        <p:nvSpPr>
+          <p:cNvPr id="42" name="Flowchart: Decision 41"/>
+          <p:cNvSpPr/>
+          <p:nvPr/>
+        </p:nvSpPr>
+        <p:spPr>
+          <a:xfrm>
+            <a:off x="4067944" y="4400528"/>
+            <a:ext cx="2232248" cy="864096"/>
+          </a:xfrm>
+          <a:prstGeom prst="flowChartDecision">
+            <a:avLst/>
+          </a:prstGeom>
+          <a:noFill/>
+          <a:ln w="19050">
+            <a:solidFill>
+              <a:schemeClr val="tx1"/>
+            </a:solidFill>
+          </a:ln>
+        </p:spPr>
+        <p:style>
+          <a:lnRef idx="2">
+            <a:schemeClr val="accent1">
+              <a:shade val="50000"/>
+            </a:schemeClr>
+          </a:lnRef>
+          <a:fillRef idx="1">
+            <a:schemeClr val="accent1"/>
+          </a:fillRef>
+          <a:effectRef idx="0">
+            <a:schemeClr val="accent1"/>
+          </a:effectRef>
+          <a:fontRef idx="minor">
+            <a:schemeClr val="lt1"/>
+          </a:fontRef>
+        </p:style>
+        <p:txBody>
+          <a:bodyPr rtlCol="0" anchor="ctr"/>
+          <a:lstStyle/>
+          <a:p>
+            <a:pPr algn="ctr"/>
+            <a:r>
+              <a:rPr lang="en-ID" sz="1400" dirty="0">
+                <a:solidFill>
+                  <a:schemeClr val="tx1"/>
+                </a:solidFill>
+              </a:rPr>
+              <a:t>_prevCmd = </a:t>
+            </a:r>
+            <a:r>
+              <a:rPr lang="en-US" sz="1400" dirty="0">
+                <a:solidFill>
+                  <a:schemeClr val="tx1"/>
+                </a:solidFill>
+              </a:rPr>
+              <a:t>MODE_READY</a:t>
+            </a:r>
+          </a:p>
+        </p:txBody>
+      </p:sp>
+      <p:cxnSp>
+        <p:nvCxnSpPr>
+          <p:cNvPr id="46" name="Straight Arrow Connector 45"/>
+          <p:cNvCxnSpPr>
+            <a:stCxn id="27" idx="2"/>
+            <a:endCxn id="42" idx="0"/>
+          </p:cNvCxnSpPr>
+          <p:nvPr/>
+        </p:nvCxnSpPr>
+        <p:spPr>
+          <a:xfrm>
+            <a:off x="5184068" y="4040488"/>
+            <a:ext cx="0" cy="360040"/>
+          </a:xfrm>
+          <a:prstGeom prst="straightConnector1">
+            <a:avLst/>
+          </a:prstGeom>
+          <a:ln w="19050">
+            <a:solidFill>
+              <a:schemeClr val="tx1"/>
+            </a:solidFill>
+            <a:tailEnd type="arrow"/>
+          </a:ln>
+        </p:spPr>
+        <p:style>
+          <a:lnRef idx="1">
+            <a:schemeClr val="accent1"/>
+          </a:lnRef>
+          <a:fillRef idx="0">
+            <a:schemeClr val="accent1"/>
+          </a:fillRef>
+          <a:effectRef idx="0">
+            <a:schemeClr val="accent1"/>
+          </a:effectRef>
+          <a:fontRef idx="minor">
+            <a:schemeClr val="tx1"/>
+          </a:fontRef>
+        </p:style>
+      </p:cxnSp>
+      <p:sp>
+        <p:nvSpPr>
+          <p:cNvPr id="47" name="TextBox 46"/>
+          <p:cNvSpPr txBox="1"/>
+          <p:nvPr/>
+        </p:nvSpPr>
+        <p:spPr>
+          <a:xfrm>
+            <a:off x="6510682" y="4540188"/>
+            <a:ext cx="1656184" cy="584775"/>
+          </a:xfrm>
+          <a:prstGeom prst="rect">
+            <a:avLst/>
+          </a:prstGeom>
+          <a:noFill/>
+          <a:ln w="19050">
+            <a:solidFill>
+              <a:schemeClr val="tx1"/>
+            </a:solidFill>
+          </a:ln>
+        </p:spPr>
+        <p:txBody>
+          <a:bodyPr wrap="square" rtlCol="0">
+            <a:spAutoFit/>
+          </a:bodyPr>
+          <a:lstStyle/>
+          <a:p>
+            <a:pPr algn="ctr"/>
+            <a:r>
+              <a:rPr lang="en-ID" dirty="0"/>
+              <a:t>cmd  = </a:t>
+            </a:r>
+            <a:r>
+              <a:rPr lang="en-US" sz="1400" dirty="0"/>
+              <a:t>MODE_READY</a:t>
+            </a:r>
+          </a:p>
+        </p:txBody>
+      </p:sp>
+      <p:cxnSp>
+        <p:nvCxnSpPr>
+          <p:cNvPr id="48" name="Straight Arrow Connector 47"/>
+          <p:cNvCxnSpPr>
+            <a:stCxn id="42" idx="3"/>
+            <a:endCxn id="47" idx="1"/>
+          </p:cNvCxnSpPr>
+          <p:nvPr/>
+        </p:nvCxnSpPr>
+        <p:spPr>
+          <a:xfrm>
+            <a:off x="6300192" y="4832576"/>
+            <a:ext cx="210490" cy="0"/>
+          </a:xfrm>
+          <a:prstGeom prst="straightConnector1">
+            <a:avLst/>
+          </a:prstGeom>
+          <a:ln w="19050">
+            <a:solidFill>
+              <a:schemeClr val="tx1"/>
+            </a:solidFill>
+            <a:tailEnd type="arrow"/>
+          </a:ln>
+        </p:spPr>
+        <p:style>
+          <a:lnRef idx="1">
+            <a:schemeClr val="accent1"/>
+          </a:lnRef>
+          <a:fillRef idx="0">
+            <a:schemeClr val="accent1"/>
+          </a:fillRef>
+          <a:effectRef idx="0">
+            <a:schemeClr val="accent1"/>
+          </a:effectRef>
+          <a:fontRef idx="minor">
+            <a:schemeClr val="tx1"/>
+          </a:fontRef>
+        </p:style>
+      </p:cxnSp>
+      <p:sp>
+        <p:nvSpPr>
+          <p:cNvPr id="49" name="TextBox 48"/>
+          <p:cNvSpPr txBox="1"/>
+          <p:nvPr/>
+        </p:nvSpPr>
+        <p:spPr>
+          <a:xfrm>
+            <a:off x="6057433" y="4453390"/>
+            <a:ext cx="485518" cy="369332"/>
+          </a:xfrm>
+          <a:prstGeom prst="rect">
+            <a:avLst/>
+          </a:prstGeom>
+          <a:noFill/>
+          <a:ln w="19050">
+            <a:noFill/>
+          </a:ln>
+        </p:spPr>
+        <p:txBody>
+          <a:bodyPr wrap="none" rtlCol="0">
+            <a:spAutoFit/>
+          </a:bodyPr>
+          <a:lstStyle/>
+          <a:p>
+            <a:r>
+              <a:rPr lang="en-ID" dirty="0"/>
+              <a:t>Yes</a:t>
+            </a:r>
+            <a:endParaRPr lang="en-US" dirty="0"/>
+          </a:p>
+        </p:txBody>
+      </p:sp>
+      <p:sp>
+        <p:nvSpPr>
+          <p:cNvPr id="50" name="TextBox 49"/>
+          <p:cNvSpPr txBox="1"/>
+          <p:nvPr/>
+        </p:nvSpPr>
+        <p:spPr>
+          <a:xfrm>
+            <a:off x="4355976" y="5624664"/>
+            <a:ext cx="1656184" cy="646331"/>
+          </a:xfrm>
+          <a:prstGeom prst="rect">
+            <a:avLst/>
+          </a:prstGeom>
+          <a:noFill/>
+          <a:ln w="19050">
+            <a:solidFill>
+              <a:schemeClr val="tx1"/>
+            </a:solidFill>
+          </a:ln>
+        </p:spPr>
+        <p:txBody>
+          <a:bodyPr wrap="square" rtlCol="0">
+            <a:spAutoFit/>
+          </a:bodyPr>
+          <a:lstStyle/>
+          <a:p>
+            <a:pPr algn="ctr"/>
+            <a:r>
+              <a:rPr lang="en-ID" dirty="0"/>
+              <a:t>cmd  = </a:t>
+            </a:r>
+            <a:r>
+              <a:rPr lang="en-US" dirty="0"/>
+              <a:t>MODE_RESET</a:t>
+            </a:r>
+          </a:p>
+        </p:txBody>
+      </p:sp>
+      <p:cxnSp>
+        <p:nvCxnSpPr>
+          <p:cNvPr id="52" name="Straight Arrow Connector 51"/>
+          <p:cNvCxnSpPr>
+            <a:stCxn id="42" idx="2"/>
+            <a:endCxn id="50" idx="0"/>
+          </p:cNvCxnSpPr>
+          <p:nvPr/>
+        </p:nvCxnSpPr>
+        <p:spPr>
+          <a:xfrm>
+            <a:off x="5184068" y="5264624"/>
+            <a:ext cx="0" cy="360040"/>
+          </a:xfrm>
+          <a:prstGeom prst="straightConnector1">
+            <a:avLst/>
+          </a:prstGeom>
+          <a:ln w="19050">
+            <a:solidFill>
+              <a:schemeClr val="tx1"/>
+            </a:solidFill>
+            <a:tailEnd type="arrow"/>
+          </a:ln>
+        </p:spPr>
+        <p:style>
+          <a:lnRef idx="1">
+            <a:schemeClr val="accent1"/>
+          </a:lnRef>
+          <a:fillRef idx="0">
+            <a:schemeClr val="accent1"/>
+          </a:fillRef>
+          <a:effectRef idx="0">
+            <a:schemeClr val="accent1"/>
+          </a:effectRef>
+          <a:fontRef idx="minor">
+            <a:schemeClr val="tx1"/>
+          </a:fontRef>
+        </p:style>
+      </p:cxnSp>
+      <p:cxnSp>
+        <p:nvCxnSpPr>
+          <p:cNvPr id="55" name="Elbow Connector 54"/>
+          <p:cNvCxnSpPr>
+            <a:stCxn id="14" idx="3"/>
+            <a:endCxn id="106" idx="0"/>
+          </p:cNvCxnSpPr>
+          <p:nvPr/>
+        </p:nvCxnSpPr>
+        <p:spPr>
+          <a:xfrm>
+            <a:off x="4882442" y="2240288"/>
+            <a:ext cx="3670956" cy="3888432"/>
+          </a:xfrm>
+          <a:prstGeom prst="bentConnector2">
+            <a:avLst/>
+          </a:prstGeom>
+          <a:ln w="19050">
+            <a:solidFill>
+              <a:schemeClr val="tx1"/>
+            </a:solidFill>
+            <a:tailEnd type="arrow"/>
+          </a:ln>
+        </p:spPr>
+        <p:style>
+          <a:lnRef idx="1">
+            <a:schemeClr val="accent1"/>
+          </a:lnRef>
+          <a:fillRef idx="0">
+            <a:schemeClr val="accent1"/>
+          </a:fillRef>
+          <a:effectRef idx="0">
+            <a:schemeClr val="accent1"/>
+          </a:effectRef>
+          <a:fontRef idx="minor">
+            <a:schemeClr val="tx1"/>
+          </a:fontRef>
+        </p:style>
+      </p:cxnSp>
+      <p:cxnSp>
+        <p:nvCxnSpPr>
+          <p:cNvPr id="57" name="Straight Arrow Connector 56"/>
+          <p:cNvCxnSpPr>
+            <a:stCxn id="36" idx="3"/>
+          </p:cNvCxnSpPr>
+          <p:nvPr/>
+        </p:nvCxnSpPr>
+        <p:spPr>
+          <a:xfrm>
+            <a:off x="8247074" y="3623986"/>
+            <a:ext cx="306324" cy="0"/>
+          </a:xfrm>
+          <a:prstGeom prst="straightConnector1">
+            <a:avLst/>
+          </a:prstGeom>
+          <a:ln w="19050">
+            <a:solidFill>
+              <a:schemeClr val="tx1"/>
+            </a:solidFill>
+            <a:tailEnd type="arrow"/>
+          </a:ln>
+        </p:spPr>
+        <p:style>
+          <a:lnRef idx="1">
+            <a:schemeClr val="accent1"/>
+          </a:lnRef>
+          <a:fillRef idx="0">
+            <a:schemeClr val="accent1"/>
+          </a:fillRef>
+          <a:effectRef idx="0">
+            <a:schemeClr val="accent1"/>
+          </a:effectRef>
+          <a:fontRef idx="minor">
+            <a:schemeClr val="tx1"/>
+          </a:fontRef>
+        </p:style>
+      </p:cxnSp>
+      <p:cxnSp>
+        <p:nvCxnSpPr>
+          <p:cNvPr id="59" name="Straight Arrow Connector 58"/>
+          <p:cNvCxnSpPr>
+            <a:stCxn id="47" idx="3"/>
+          </p:cNvCxnSpPr>
+          <p:nvPr/>
+        </p:nvCxnSpPr>
+        <p:spPr>
+          <a:xfrm>
+            <a:off x="8166866" y="4832576"/>
+            <a:ext cx="386532" cy="0"/>
+          </a:xfrm>
+          <a:prstGeom prst="straightConnector1">
+            <a:avLst/>
+          </a:prstGeom>
+          <a:ln w="19050">
+            <a:solidFill>
+              <a:schemeClr val="tx1"/>
+            </a:solidFill>
+            <a:tailEnd type="arrow"/>
+          </a:ln>
+        </p:spPr>
+        <p:style>
+          <a:lnRef idx="1">
+            <a:schemeClr val="accent1"/>
+          </a:lnRef>
+          <a:fillRef idx="0">
+            <a:schemeClr val="accent1"/>
+          </a:fillRef>
+          <a:effectRef idx="0">
+            <a:schemeClr val="accent1"/>
+          </a:effectRef>
+          <a:fontRef idx="minor">
+            <a:schemeClr val="tx1"/>
+          </a:fontRef>
+        </p:style>
+      </p:cxnSp>
+      <p:cxnSp>
+        <p:nvCxnSpPr>
+          <p:cNvPr id="61" name="Straight Arrow Connector 60"/>
+          <p:cNvCxnSpPr>
+            <a:stCxn id="50" idx="3"/>
+          </p:cNvCxnSpPr>
+          <p:nvPr/>
+        </p:nvCxnSpPr>
+        <p:spPr>
+          <a:xfrm>
+            <a:off x="6012160" y="5947830"/>
+            <a:ext cx="2538572" cy="0"/>
+          </a:xfrm>
+          <a:prstGeom prst="straightConnector1">
+            <a:avLst/>
+          </a:prstGeom>
+          <a:ln w="19050">
+            <a:solidFill>
+              <a:schemeClr val="tx1"/>
+            </a:solidFill>
+            <a:tailEnd type="arrow"/>
+          </a:ln>
+        </p:spPr>
+        <p:style>
+          <a:lnRef idx="1">
+            <a:schemeClr val="accent1"/>
+          </a:lnRef>
+          <a:fillRef idx="0">
+            <a:schemeClr val="accent1"/>
+          </a:fillRef>
+          <a:effectRef idx="0">
+            <a:schemeClr val="accent1"/>
+          </a:effectRef>
+          <a:fontRef idx="minor">
+            <a:schemeClr val="tx1"/>
+          </a:fontRef>
+        </p:style>
+      </p:cxnSp>
+      <p:sp>
+        <p:nvSpPr>
+          <p:cNvPr id="66" name="Flowchart: Decision 65"/>
+          <p:cNvSpPr/>
+          <p:nvPr/>
+        </p:nvSpPr>
+        <p:spPr>
+          <a:xfrm>
+            <a:off x="517126" y="4317746"/>
+            <a:ext cx="1944216" cy="864096"/>
+          </a:xfrm>
+          <a:prstGeom prst="flowChartDecision">
+            <a:avLst/>
+          </a:prstGeom>
+          <a:noFill/>
+          <a:ln w="19050">
+            <a:solidFill>
+              <a:schemeClr val="tx1"/>
+            </a:solidFill>
+          </a:ln>
+        </p:spPr>
+        <p:style>
+          <a:lnRef idx="2">
+            <a:schemeClr val="accent1">
+              <a:shade val="50000"/>
+            </a:schemeClr>
+          </a:lnRef>
+          <a:fillRef idx="1">
+            <a:schemeClr val="accent1"/>
+          </a:fillRef>
+          <a:effectRef idx="0">
+            <a:schemeClr val="accent1"/>
+          </a:effectRef>
+          <a:fontRef idx="minor">
+            <a:schemeClr val="lt1"/>
+          </a:fontRef>
+        </p:style>
+        <p:txBody>
+          <a:bodyPr rtlCol="0" anchor="ctr"/>
+          <a:lstStyle/>
+          <a:p>
+            <a:pPr algn="ctr"/>
+            <a:r>
+              <a:rPr lang="en-ID" sz="1400" dirty="0">
+                <a:solidFill>
+                  <a:schemeClr val="tx1"/>
+                </a:solidFill>
+              </a:rPr>
+              <a:t>_pbAuto = active</a:t>
+            </a:r>
+            <a:endParaRPr lang="en-US" sz="1400" dirty="0">
+              <a:solidFill>
+                <a:schemeClr val="tx1"/>
+              </a:solidFill>
+            </a:endParaRPr>
+          </a:p>
+        </p:txBody>
+      </p:sp>
+      <p:cxnSp>
+        <p:nvCxnSpPr>
+          <p:cNvPr id="68" name="Elbow Connector 67"/>
+          <p:cNvCxnSpPr>
+            <a:stCxn id="22" idx="2"/>
+            <a:endCxn id="66" idx="0"/>
+          </p:cNvCxnSpPr>
+          <p:nvPr/>
+        </p:nvCxnSpPr>
+        <p:spPr>
+          <a:xfrm rot="5400000">
+            <a:off x="1577842" y="3951880"/>
+            <a:ext cx="277258" cy="454474"/>
+          </a:xfrm>
+          <a:prstGeom prst="bentConnector3">
+            <a:avLst/>
+          </a:prstGeom>
+          <a:ln w="19050">
+            <a:solidFill>
+              <a:schemeClr val="tx1"/>
+            </a:solidFill>
+            <a:tailEnd type="arrow"/>
+          </a:ln>
+        </p:spPr>
+        <p:style>
+          <a:lnRef idx="1">
+            <a:schemeClr val="accent1"/>
+          </a:lnRef>
+          <a:fillRef idx="0">
+            <a:schemeClr val="accent1"/>
+          </a:fillRef>
+          <a:effectRef idx="0">
+            <a:schemeClr val="accent1"/>
+          </a:effectRef>
+          <a:fontRef idx="minor">
+            <a:schemeClr val="tx1"/>
+          </a:fontRef>
+        </p:style>
+      </p:cxnSp>
+      <p:sp>
+        <p:nvSpPr>
+          <p:cNvPr id="69" name="TextBox 68"/>
+          <p:cNvSpPr txBox="1"/>
+          <p:nvPr/>
+        </p:nvSpPr>
+        <p:spPr>
+          <a:xfrm>
+            <a:off x="2615986" y="4442017"/>
+            <a:ext cx="1350366" cy="584775"/>
+          </a:xfrm>
+          <a:prstGeom prst="rect">
+            <a:avLst/>
+          </a:prstGeom>
+          <a:noFill/>
+          <a:ln w="19050">
+            <a:solidFill>
+              <a:schemeClr val="tx1"/>
+            </a:solidFill>
+          </a:ln>
+        </p:spPr>
+        <p:txBody>
+          <a:bodyPr wrap="square" rtlCol="0">
+            <a:spAutoFit/>
+          </a:bodyPr>
+          <a:lstStyle/>
+          <a:p>
+            <a:pPr algn="ctr"/>
+            <a:r>
+              <a:rPr lang="en-ID" dirty="0"/>
+              <a:t>cmd  = </a:t>
+            </a:r>
+            <a:r>
+              <a:rPr lang="en-US" sz="1400" dirty="0"/>
+              <a:t>MODE_AUTO</a:t>
+            </a:r>
+          </a:p>
+        </p:txBody>
+      </p:sp>
+      <p:sp>
+        <p:nvSpPr>
+          <p:cNvPr id="70" name="TextBox 69"/>
+          <p:cNvSpPr txBox="1"/>
+          <p:nvPr/>
+        </p:nvSpPr>
+        <p:spPr>
+          <a:xfrm>
+            <a:off x="2407338" y="4397370"/>
+            <a:ext cx="296876" cy="369332"/>
+          </a:xfrm>
+          <a:prstGeom prst="rect">
+            <a:avLst/>
+          </a:prstGeom>
+          <a:noFill/>
+          <a:ln w="19050">
+            <a:noFill/>
+          </a:ln>
+        </p:spPr>
+        <p:txBody>
+          <a:bodyPr wrap="none" rtlCol="0">
+            <a:spAutoFit/>
+          </a:bodyPr>
+          <a:lstStyle/>
+          <a:p>
+            <a:r>
+              <a:rPr lang="en-ID" dirty="0"/>
+              <a:t>Y</a:t>
+            </a:r>
+            <a:endParaRPr lang="en-US" dirty="0"/>
+          </a:p>
+        </p:txBody>
+      </p:sp>
+      <p:cxnSp>
+        <p:nvCxnSpPr>
+          <p:cNvPr id="78" name="Straight Arrow Connector 77"/>
+          <p:cNvCxnSpPr>
+            <a:stCxn id="66" idx="3"/>
+            <a:endCxn id="69" idx="1"/>
+          </p:cNvCxnSpPr>
+          <p:nvPr/>
+        </p:nvCxnSpPr>
+        <p:spPr>
+          <a:xfrm flipV="1">
+            <a:off x="2461342" y="4734405"/>
+            <a:ext cx="154644" cy="15389"/>
+          </a:xfrm>
+          <a:prstGeom prst="straightConnector1">
+            <a:avLst/>
+          </a:prstGeom>
+          <a:ln w="19050">
+            <a:solidFill>
+              <a:schemeClr val="tx1"/>
+            </a:solidFill>
+            <a:tailEnd type="arrow"/>
+          </a:ln>
+        </p:spPr>
+        <p:style>
+          <a:lnRef idx="1">
+            <a:schemeClr val="accent1"/>
+          </a:lnRef>
+          <a:fillRef idx="0">
+            <a:schemeClr val="accent1"/>
+          </a:fillRef>
+          <a:effectRef idx="0">
+            <a:schemeClr val="accent1"/>
+          </a:effectRef>
+          <a:fontRef idx="minor">
+            <a:schemeClr val="tx1"/>
+          </a:fontRef>
+        </p:style>
+      </p:cxnSp>
+      <p:cxnSp>
+        <p:nvCxnSpPr>
+          <p:cNvPr id="89" name="Straight Arrow Connector 88"/>
+          <p:cNvCxnSpPr>
+            <a:stCxn id="66" idx="2"/>
+            <a:endCxn id="110" idx="0"/>
+          </p:cNvCxnSpPr>
+          <p:nvPr/>
+        </p:nvCxnSpPr>
+        <p:spPr>
+          <a:xfrm>
+            <a:off x="1489234" y="5181842"/>
+            <a:ext cx="0" cy="874870"/>
+          </a:xfrm>
+          <a:prstGeom prst="straightConnector1">
+            <a:avLst/>
+          </a:prstGeom>
+          <a:ln w="19050">
+            <a:solidFill>
+              <a:schemeClr val="tx1"/>
+            </a:solidFill>
+            <a:tailEnd type="arrow"/>
+          </a:ln>
+        </p:spPr>
+        <p:style>
+          <a:lnRef idx="1">
+            <a:schemeClr val="accent1"/>
+          </a:lnRef>
+          <a:fillRef idx="0">
+            <a:schemeClr val="accent1"/>
+          </a:fillRef>
+          <a:effectRef idx="0">
+            <a:schemeClr val="accent1"/>
+          </a:effectRef>
+          <a:fontRef idx="minor">
+            <a:schemeClr val="tx1"/>
+          </a:fontRef>
+        </p:style>
+      </p:cxnSp>
+      <p:cxnSp>
+        <p:nvCxnSpPr>
+          <p:cNvPr id="103" name="Elbow Connector 102"/>
+          <p:cNvCxnSpPr>
+            <a:stCxn id="69" idx="2"/>
+            <a:endCxn id="106" idx="1"/>
+          </p:cNvCxnSpPr>
+          <p:nvPr/>
+        </p:nvCxnSpPr>
+        <p:spPr>
+          <a:xfrm rot="16200000" flipH="1">
+            <a:off x="5064995" y="3252965"/>
+            <a:ext cx="1408252" cy="4955905"/>
+          </a:xfrm>
+          <a:prstGeom prst="bentConnector2">
+            <a:avLst/>
+          </a:prstGeom>
+          <a:ln w="19050">
+            <a:solidFill>
+              <a:schemeClr val="tx1"/>
+            </a:solidFill>
+            <a:tailEnd type="arrow"/>
+          </a:ln>
+        </p:spPr>
+        <p:style>
+          <a:lnRef idx="1">
+            <a:schemeClr val="accent1"/>
+          </a:lnRef>
+          <a:fillRef idx="0">
+            <a:schemeClr val="accent1"/>
+          </a:fillRef>
+          <a:effectRef idx="0">
+            <a:schemeClr val="accent1"/>
+          </a:effectRef>
+          <a:fontRef idx="minor">
+            <a:schemeClr val="tx1"/>
+          </a:fontRef>
+        </p:style>
+      </p:cxnSp>
+      <p:sp>
+        <p:nvSpPr>
+          <p:cNvPr id="106" name="Flowchart: Off-page Connector 105"/>
+          <p:cNvSpPr/>
+          <p:nvPr/>
+        </p:nvSpPr>
+        <p:spPr>
+          <a:xfrm>
+            <a:off x="8247074" y="6128720"/>
+            <a:ext cx="612648" cy="612648"/>
+          </a:xfrm>
+          <a:prstGeom prst="flowChartOffpageConnector">
+            <a:avLst/>
+          </a:prstGeom>
+          <a:noFill/>
+          <a:ln>
+            <a:solidFill>
+              <a:schemeClr val="tx1"/>
+            </a:solidFill>
+          </a:ln>
+        </p:spPr>
+        <p:style>
+          <a:lnRef idx="2">
+            <a:schemeClr val="accent1">
+              <a:shade val="50000"/>
+            </a:schemeClr>
+          </a:lnRef>
+          <a:fillRef idx="1">
+            <a:schemeClr val="accent1"/>
+          </a:fillRef>
+          <a:effectRef idx="0">
+            <a:schemeClr val="accent1"/>
+          </a:effectRef>
+          <a:fontRef idx="minor">
+            <a:schemeClr val="lt1"/>
+          </a:fontRef>
+        </p:style>
+        <p:txBody>
+          <a:bodyPr rtlCol="0" anchor="ctr"/>
+          <a:lstStyle/>
+          <a:p>
+            <a:pPr algn="ctr"/>
+            <a:r>
+              <a:rPr lang="en-ID" b="1" dirty="0">
+                <a:solidFill>
+                  <a:schemeClr val="tx1"/>
+                </a:solidFill>
+              </a:rPr>
+              <a:t>2</a:t>
+            </a:r>
+            <a:endParaRPr lang="en-US" b="1" dirty="0">
+              <a:solidFill>
+                <a:schemeClr val="tx1"/>
+              </a:solidFill>
+            </a:endParaRPr>
+          </a:p>
+        </p:txBody>
+      </p:sp>
+      <p:sp>
+        <p:nvSpPr>
+          <p:cNvPr id="110" name="Flowchart: Off-page Connector 109"/>
+          <p:cNvSpPr/>
+          <p:nvPr/>
+        </p:nvSpPr>
+        <p:spPr>
+          <a:xfrm>
+            <a:off x="1182910" y="6056712"/>
+            <a:ext cx="612648" cy="612648"/>
+          </a:xfrm>
+          <a:prstGeom prst="flowChartOffpageConnector">
+            <a:avLst/>
+          </a:prstGeom>
+          <a:noFill/>
+          <a:ln>
+            <a:solidFill>
+              <a:schemeClr val="tx1"/>
+            </a:solidFill>
+          </a:ln>
+        </p:spPr>
+        <p:style>
+          <a:lnRef idx="2">
+            <a:schemeClr val="accent1">
+              <a:shade val="50000"/>
+            </a:schemeClr>
+          </a:lnRef>
+          <a:fillRef idx="1">
+            <a:schemeClr val="accent1"/>
+          </a:fillRef>
+          <a:effectRef idx="0">
+            <a:schemeClr val="accent1"/>
+          </a:effectRef>
+          <a:fontRef idx="minor">
+            <a:schemeClr val="lt1"/>
+          </a:fontRef>
+        </p:style>
+        <p:txBody>
+          <a:bodyPr rtlCol="0" anchor="ctr"/>
+          <a:lstStyle/>
+          <a:p>
+            <a:pPr algn="ctr"/>
+            <a:r>
+              <a:rPr lang="en-ID" b="1" dirty="0">
+                <a:solidFill>
+                  <a:schemeClr val="tx1"/>
+                </a:solidFill>
+              </a:rPr>
+              <a:t>1</a:t>
+            </a:r>
+            <a:endParaRPr lang="en-US" b="1" dirty="0">
+              <a:solidFill>
+                <a:schemeClr val="tx1"/>
+              </a:solidFill>
+            </a:endParaRPr>
+          </a:p>
+        </p:txBody>
+      </p:sp>
+      <p:sp>
+        <p:nvSpPr>
+          <p:cNvPr id="112" name="Flowchart: Predefined Process 111"/>
+          <p:cNvSpPr/>
+          <p:nvPr/>
+        </p:nvSpPr>
+        <p:spPr>
+          <a:xfrm>
+            <a:off x="179512" y="654503"/>
+            <a:ext cx="3532814" cy="830281"/>
+          </a:xfrm>
+          <a:prstGeom prst="flowChartPredefinedProcess">
+            <a:avLst/>
+          </a:prstGeom>
+          <a:noFill/>
+          <a:ln>
+            <a:solidFill>
+              <a:schemeClr val="tx1"/>
+            </a:solidFill>
+          </a:ln>
+        </p:spPr>
+        <p:style>
+          <a:lnRef idx="2">
+            <a:schemeClr val="accent1">
+              <a:shade val="50000"/>
+            </a:schemeClr>
+          </a:lnRef>
+          <a:fillRef idx="1">
+            <a:schemeClr val="accent1"/>
+          </a:fillRef>
+          <a:effectRef idx="0">
+            <a:schemeClr val="accent1"/>
+          </a:effectRef>
+          <a:fontRef idx="minor">
+            <a:schemeClr val="lt1"/>
+          </a:fontRef>
+        </p:style>
+        <p:txBody>
+          <a:bodyPr rtlCol="0" anchor="ctr"/>
+          <a:lstStyle/>
+          <a:p>
+            <a:pPr algn="ctr"/>
+            <a:r>
+              <a:rPr lang="en-ID" dirty="0">
+                <a:solidFill>
+                  <a:schemeClr val="tx1"/>
+                </a:solidFill>
+              </a:rPr>
+              <a:t>getData digital with debouncing mechanism</a:t>
+            </a:r>
+            <a:endParaRPr lang="en-US" dirty="0"/>
+          </a:p>
+        </p:txBody>
+      </p:sp>
+    </p:spTree>
+    <p:extLst>
+      <p:ext uri="{BB962C8B-B14F-4D97-AF65-F5344CB8AC3E}">
+        <p14:creationId xmlns:p14="http://schemas.microsoft.com/office/powerpoint/2010/main" val="56327785"/>
+      </p:ext>
+    </p:extLst>
+  </p:cSld>
+  <p:clrMapOvr>
+    <a:masterClrMapping/>
+  </p:clrMapOvr>
+</p:sld>
+</file>
+
+<file path=ppt/slides/slide8.xml><?xml version="1.0" encoding="utf-8"?>
+<p:sld xmlns:a="http://schemas.openxmlformats.org/drawingml/2006/main" xmlns:r="http://schemas.openxmlformats.org/officeDocument/2006/relationships" xmlns:p="http://schemas.openxmlformats.org/presentationml/2006/main">
+  <p:cSld>
+    <p:spTree>
+      <p:nvGrpSpPr>
+        <p:cNvPr id="1" name=""/>
+        <p:cNvGrpSpPr/>
+        <p:nvPr/>
+      </p:nvGrpSpPr>
+      <p:grpSpPr>
+        <a:xfrm>
+          <a:off x="0" y="0"/>
+          <a:ext cx="0" cy="0"/>
+          <a:chOff x="0" y="0"/>
+          <a:chExt cx="0" cy="0"/>
+        </a:xfrm>
+      </p:grpSpPr>
+      <p:sp>
+        <p:nvSpPr>
+          <p:cNvPr id="4" name="Rectangle 3"/>
+          <p:cNvSpPr/>
+          <p:nvPr/>
+        </p:nvSpPr>
+        <p:spPr>
+          <a:xfrm>
+            <a:off x="2555776" y="188640"/>
+            <a:ext cx="5065874" cy="584775"/>
+          </a:xfrm>
+          <a:prstGeom prst="rect">
+            <a:avLst/>
+          </a:prstGeom>
+        </p:spPr>
+        <p:txBody>
+          <a:bodyPr wrap="none">
+            <a:spAutoFit/>
+          </a:bodyPr>
+          <a:lstStyle/>
+          <a:p>
+            <a:r>
+              <a:rPr lang="en-ID" b="1" dirty="0"/>
+              <a:t>Flowchart </a:t>
+            </a:r>
+            <a:r>
+              <a:rPr lang="en-US" dirty="0"/>
+              <a:t>_pbAMRT-&gt;getCmd(DEBOUNCING_TIME)</a:t>
+            </a:r>
+          </a:p>
+          <a:p>
+            <a:pPr algn="ctr"/>
+            <a:r>
+              <a:rPr lang="en-ID" sz="1400" dirty="0"/>
+              <a:t>File : src\compDevices\pbAMRT.cpp</a:t>
+            </a:r>
+            <a:endParaRPr lang="en-US" sz="1400" dirty="0"/>
+          </a:p>
+        </p:txBody>
+      </p:sp>
+      <p:sp>
+        <p:nvSpPr>
+          <p:cNvPr id="5" name="Flowchart: Decision 4"/>
+          <p:cNvSpPr/>
+          <p:nvPr/>
+        </p:nvSpPr>
+        <p:spPr>
+          <a:xfrm>
+            <a:off x="786608" y="2000301"/>
+            <a:ext cx="1944216" cy="864096"/>
+          </a:xfrm>
+          <a:prstGeom prst="flowChartDecision">
+            <a:avLst/>
+          </a:prstGeom>
+          <a:noFill/>
+          <a:ln w="19050">
+            <a:solidFill>
+              <a:schemeClr val="tx1"/>
+            </a:solidFill>
+          </a:ln>
+        </p:spPr>
+        <p:style>
+          <a:lnRef idx="2">
+            <a:schemeClr val="accent1">
+              <a:shade val="50000"/>
+            </a:schemeClr>
+          </a:lnRef>
+          <a:fillRef idx="1">
+            <a:schemeClr val="accent1"/>
+          </a:fillRef>
+          <a:effectRef idx="0">
+            <a:schemeClr val="accent1"/>
+          </a:effectRef>
+          <a:fontRef idx="minor">
+            <a:schemeClr val="lt1"/>
+          </a:fontRef>
+        </p:style>
+        <p:txBody>
+          <a:bodyPr rtlCol="0" anchor="ctr"/>
+          <a:lstStyle/>
+          <a:p>
+            <a:pPr algn="ctr"/>
+            <a:r>
+              <a:rPr lang="en-ID" sz="1400" dirty="0">
+                <a:solidFill>
+                  <a:schemeClr val="tx1"/>
+                </a:solidFill>
+              </a:rPr>
+              <a:t>_pbManual = active</a:t>
+            </a:r>
+            <a:endParaRPr lang="en-US" sz="1400" dirty="0">
+              <a:solidFill>
+                <a:schemeClr val="tx1"/>
+              </a:solidFill>
+            </a:endParaRPr>
+          </a:p>
+        </p:txBody>
+      </p:sp>
+      <p:sp>
+        <p:nvSpPr>
+          <p:cNvPr id="6" name="TextBox 5"/>
+          <p:cNvSpPr txBox="1"/>
+          <p:nvPr/>
+        </p:nvSpPr>
+        <p:spPr>
+          <a:xfrm>
+            <a:off x="5724128" y="2139961"/>
+            <a:ext cx="1897522" cy="584775"/>
+          </a:xfrm>
+          <a:prstGeom prst="rect">
+            <a:avLst/>
+          </a:prstGeom>
+          <a:noFill/>
+          <a:ln w="19050">
+            <a:solidFill>
+              <a:schemeClr val="tx1"/>
+            </a:solidFill>
+          </a:ln>
+        </p:spPr>
+        <p:txBody>
+          <a:bodyPr wrap="square" rtlCol="0">
+            <a:spAutoFit/>
+          </a:bodyPr>
+          <a:lstStyle/>
+          <a:p>
+            <a:pPr algn="ctr"/>
+            <a:r>
+              <a:rPr lang="en-ID" dirty="0"/>
+              <a:t>cmd  = </a:t>
+            </a:r>
+            <a:r>
+              <a:rPr lang="en-US" sz="1400" dirty="0"/>
+              <a:t>MODE_MANUAL_ON</a:t>
+            </a:r>
+          </a:p>
+        </p:txBody>
+      </p:sp>
+      <p:sp>
+        <p:nvSpPr>
+          <p:cNvPr id="7" name="TextBox 6"/>
+          <p:cNvSpPr txBox="1"/>
+          <p:nvPr/>
+        </p:nvSpPr>
+        <p:spPr>
+          <a:xfrm>
+            <a:off x="2676820" y="2079925"/>
+            <a:ext cx="296876" cy="369332"/>
+          </a:xfrm>
+          <a:prstGeom prst="rect">
+            <a:avLst/>
+          </a:prstGeom>
+          <a:noFill/>
+          <a:ln w="19050">
+            <a:noFill/>
+          </a:ln>
+        </p:spPr>
+        <p:txBody>
+          <a:bodyPr wrap="none" rtlCol="0">
+            <a:spAutoFit/>
+          </a:bodyPr>
+          <a:lstStyle/>
+          <a:p>
+            <a:r>
+              <a:rPr lang="en-ID" dirty="0"/>
+              <a:t>Y</a:t>
+            </a:r>
+            <a:endParaRPr lang="en-US" dirty="0"/>
+          </a:p>
+        </p:txBody>
+      </p:sp>
+      <p:sp>
+        <p:nvSpPr>
+          <p:cNvPr id="9" name="TextBox 8"/>
+          <p:cNvSpPr txBox="1"/>
+          <p:nvPr/>
+        </p:nvSpPr>
+        <p:spPr>
+          <a:xfrm>
+            <a:off x="3456774" y="4797152"/>
+            <a:ext cx="1438364" cy="584775"/>
+          </a:xfrm>
+          <a:prstGeom prst="rect">
+            <a:avLst/>
+          </a:prstGeom>
+          <a:noFill/>
+          <a:ln w="19050">
+            <a:solidFill>
+              <a:schemeClr val="tx1"/>
+            </a:solidFill>
+          </a:ln>
+        </p:spPr>
+        <p:txBody>
+          <a:bodyPr wrap="square" rtlCol="0">
+            <a:spAutoFit/>
+          </a:bodyPr>
+          <a:lstStyle/>
+          <a:p>
+            <a:pPr algn="ctr"/>
+            <a:r>
+              <a:rPr lang="en-ID" dirty="0"/>
+              <a:t>cmd  = </a:t>
+            </a:r>
+            <a:r>
+              <a:rPr lang="en-US" sz="1400" dirty="0"/>
               <a:t>MODE_MANUAL</a:t>
             </a:r>
-            <a:endParaRPr lang="en-US" sz="1400" dirty="0"/>
           </a:p>
         </p:txBody>
       </p:sp>
@@ -13567,27 +14139,15 @@
           <a:p>
             <a:pPr algn="ctr"/>
             <a:r>
-              <a:rPr lang="en-ID" dirty="0" smtClean="0"/>
-              <a:t>_prevCmd  </a:t>
-            </a:r>
-            <a:r>
-              <a:rPr lang="en-ID" dirty="0" smtClean="0"/>
-              <a:t>= </a:t>
-            </a:r>
-            <a:r>
-              <a:rPr lang="en-ID" dirty="0" smtClean="0"/>
-              <a:t>cmd</a:t>
+              <a:rPr lang="en-ID" dirty="0"/>
+              <a:t>_prevCmd  = cmd</a:t>
             </a:r>
           </a:p>
           <a:p>
             <a:pPr algn="ctr"/>
             <a:r>
               <a:rPr lang="en-ID" sz="1400" dirty="0"/>
-              <a:t>r</a:t>
-            </a:r>
-            <a:r>
-              <a:rPr lang="en-ID" sz="1400" dirty="0" smtClean="0"/>
-              <a:t>eturn (cmd)</a:t>
+              <a:t>return (cmd)</a:t>
             </a:r>
             <a:endParaRPr lang="en-US" sz="1400" dirty="0"/>
           </a:p>
@@ -13733,7 +14293,7 @@
           <a:p>
             <a:pPr algn="ctr"/>
             <a:r>
-              <a:rPr lang="en-ID" sz="1400" dirty="0" smtClean="0">
+              <a:rPr lang="en-ID" sz="1400" dirty="0">
                 <a:solidFill>
                   <a:schemeClr val="tx1"/>
                 </a:solidFill>
@@ -13741,18 +14301,13 @@
               <a:t>_prevCmd = </a:t>
             </a:r>
             <a:r>
-              <a:rPr lang="en-US" sz="1400" dirty="0" smtClean="0">
+              <a:rPr lang="en-US" sz="1400" dirty="0">
                 <a:solidFill>
                   <a:schemeClr val="tx1"/>
                 </a:solidFill>
               </a:rPr>
               <a:t>MODE_MANUAL</a:t>
             </a:r>
-            <a:endParaRPr lang="en-US" sz="1400" dirty="0">
-              <a:solidFill>
-                <a:schemeClr val="tx1"/>
-              </a:solidFill>
-            </a:endParaRPr>
           </a:p>
         </p:txBody>
       </p:sp>
@@ -13860,7 +14415,7 @@
           <a:lstStyle/>
           <a:p>
             <a:r>
-              <a:rPr lang="en-ID" dirty="0" smtClean="0"/>
+              <a:rPr lang="en-ID" dirty="0"/>
               <a:t>Y</a:t>
             </a:r>
             <a:endParaRPr lang="en-US" dirty="0"/>
@@ -13910,7 +14465,7 @@
           <a:p>
             <a:pPr algn="ctr"/>
             <a:r>
-              <a:rPr lang="en-ID" b="1" dirty="0" smtClean="0">
+              <a:rPr lang="en-ID" b="1" dirty="0">
                 <a:solidFill>
                   <a:schemeClr val="tx1"/>
                 </a:solidFill>
@@ -14030,22 +14585,13 @@
           <a:p>
             <a:pPr algn="ctr"/>
             <a:r>
-              <a:rPr lang="en-ID" dirty="0" smtClean="0"/>
-              <a:t>cmd</a:t>
-            </a:r>
-            <a:r>
-              <a:rPr lang="en-ID" dirty="0" smtClean="0"/>
-              <a:t>  </a:t>
-            </a:r>
-            <a:r>
-              <a:rPr lang="en-ID" dirty="0" smtClean="0"/>
-              <a:t>= </a:t>
-            </a:r>
-            <a:r>
-              <a:rPr lang="en-US" sz="1400" dirty="0" smtClean="0"/>
+              <a:rPr lang="en-ID" dirty="0"/>
+              <a:t>cmd  = </a:t>
+            </a:r>
+            <a:r>
+              <a:rPr lang="en-US" sz="1400" dirty="0"/>
               <a:t>MODE_MANUAL_ON</a:t>
             </a:r>
-            <a:endParaRPr lang="en-US" sz="1400" dirty="0"/>
           </a:p>
         </p:txBody>
       </p:sp>
@@ -14092,7 +14638,7 @@
           <a:p>
             <a:pPr algn="ctr"/>
             <a:r>
-              <a:rPr lang="en-ID" sz="1400" dirty="0" smtClean="0">
+              <a:rPr lang="en-ID" sz="1400" dirty="0">
                 <a:solidFill>
                   <a:schemeClr val="tx1"/>
                 </a:solidFill>
@@ -14100,18 +14646,13 @@
               <a:t>_prevCmd = </a:t>
             </a:r>
             <a:r>
-              <a:rPr lang="en-US" sz="1400" dirty="0" smtClean="0">
+              <a:rPr lang="en-US" sz="1400" dirty="0">
                 <a:solidFill>
                   <a:schemeClr val="tx1"/>
                 </a:solidFill>
               </a:rPr>
               <a:t>MODE_MANUAL_ON</a:t>
             </a:r>
-            <a:endParaRPr lang="en-US" sz="1400" dirty="0">
-              <a:solidFill>
-                <a:schemeClr val="tx1"/>
-              </a:solidFill>
-            </a:endParaRPr>
           </a:p>
         </p:txBody>
       </p:sp>
@@ -14180,7 +14721,7 @@
           <a:lstStyle/>
           <a:p>
             <a:r>
-              <a:rPr lang="en-ID" dirty="0" smtClean="0"/>
+              <a:rPr lang="en-ID" dirty="0"/>
               <a:t>Y</a:t>
             </a:r>
             <a:endParaRPr lang="en-US" dirty="0"/>
@@ -14351,13 +14892,6 @@
   <p:clrMapOvr>
     <a:masterClrMapping/>
   </p:clrMapOvr>
-  <p:timing>
-    <p:tnLst>
-      <p:par>
-        <p:cTn id="1" dur="indefinite" restart="never" nodeType="tmRoot"/>
-      </p:par>
-    </p:tnLst>
-  </p:timing>
 </p:sld>
 </file>
 

--- a/resources/WFPS.pptx
+++ b/resources/WFPS.pptx
@@ -5,10 +5,10 @@
     <p:sldMasterId id="2147483648" r:id="rId1"/>
   </p:sldMasterIdLst>
   <p:notesMasterIdLst>
-    <p:notesMasterId r:id="rId10"/>
+    <p:notesMasterId r:id="rId11"/>
   </p:notesMasterIdLst>
   <p:handoutMasterIdLst>
-    <p:handoutMasterId r:id="rId11"/>
+    <p:handoutMasterId r:id="rId12"/>
   </p:handoutMasterIdLst>
   <p:sldIdLst>
     <p:sldId id="281" r:id="rId2"/>
@@ -16,9 +16,10 @@
     <p:sldId id="285" r:id="rId4"/>
     <p:sldId id="286" r:id="rId5"/>
     <p:sldId id="287" r:id="rId6"/>
-    <p:sldId id="291" r:id="rId7"/>
-    <p:sldId id="288" r:id="rId8"/>
-    <p:sldId id="289" r:id="rId9"/>
+    <p:sldId id="292" r:id="rId7"/>
+    <p:sldId id="291" r:id="rId8"/>
+    <p:sldId id="288" r:id="rId9"/>
+    <p:sldId id="289" r:id="rId10"/>
   </p:sldIdLst>
   <p:sldSz cx="9144000" cy="6858000" type="screen4x3"/>
   <p:notesSz cx="6858000" cy="9144000"/>
@@ -1068,7 +1069,7 @@
             <a:fld id="{75693FD4-8F83-4EF7-AC3F-0DC0388986B0}" type="slidenum">
               <a:rPr lang="en-US" smtClean="0"/>
               <a:pPr/>
-              <a:t>7</a:t>
+              <a:t>8</a:t>
             </a:fld>
             <a:endParaRPr lang="en-US" dirty="0"/>
           </a:p>
@@ -10977,16 +10978,53 @@
       </p:grpSpPr>
       <p:sp>
         <p:nvSpPr>
-          <p:cNvPr id="5" name="Flowchart: Decision 4"/>
+          <p:cNvPr id="16" name="TextBox 15"/>
+          <p:cNvSpPr txBox="1"/>
+          <p:nvPr/>
+        </p:nvSpPr>
+        <p:spPr>
+          <a:xfrm>
+            <a:off x="2943243" y="282601"/>
+            <a:ext cx="2200859" cy="553998"/>
+          </a:xfrm>
+          <a:prstGeom prst="rect">
+            <a:avLst/>
+          </a:prstGeom>
+          <a:noFill/>
+        </p:spPr>
+        <p:txBody>
+          <a:bodyPr wrap="none" rtlCol="0">
+            <a:spAutoFit/>
+          </a:bodyPr>
+          <a:lstStyle/>
+          <a:p>
+            <a:r>
+              <a:rPr lang="en-ID" b="1" dirty="0"/>
+              <a:t>Flowchart LocalPanel</a:t>
+            </a:r>
+          </a:p>
+          <a:p>
+            <a:pPr algn="ctr"/>
+            <a:r>
+              <a:rPr lang="en-ID" sz="1200" dirty="0"/>
+              <a:t>File : aLocalPanel.ino</a:t>
+            </a:r>
+            <a:endParaRPr lang="en-US" sz="1200" dirty="0"/>
+          </a:p>
+        </p:txBody>
+      </p:sp>
+      <p:sp>
+        <p:nvSpPr>
+          <p:cNvPr id="2" name="Flowchart: Predefined Process 1"/>
           <p:cNvSpPr/>
           <p:nvPr/>
         </p:nvSpPr>
         <p:spPr>
           <a:xfrm>
-            <a:off x="1254572" y="2072754"/>
-            <a:ext cx="2789774" cy="1835384"/>
-          </a:xfrm>
-          <a:prstGeom prst="flowChartDecision">
+            <a:off x="2207036" y="994512"/>
+            <a:ext cx="3673275" cy="997758"/>
+          </a:xfrm>
+          <a:prstGeom prst="flowChartPredefinedProcess">
             <a:avLst/>
           </a:prstGeom>
           <a:noFill/>
@@ -11018,6 +11056,187 @@
           <a:p>
             <a:pPr algn="ctr"/>
             <a:r>
+              <a:rPr lang="en-ID" sz="1200" b="0" dirty="0">
+                <a:solidFill>
+                  <a:schemeClr val="tx1"/>
+                </a:solidFill>
+                <a:effectLst/>
+                <a:latin typeface="Consolas" panose="020B0609020204030204" pitchFamily="49" charset="0"/>
+              </a:rPr>
+              <a:t>exp = NO_EXCEPTION</a:t>
+            </a:r>
+          </a:p>
+          <a:p>
+            <a:pPr algn="ctr"/>
+            <a:r>
+              <a:rPr lang="en-ID" sz="1200" b="0" dirty="0">
+                <a:solidFill>
+                  <a:schemeClr val="tx1"/>
+                </a:solidFill>
+                <a:effectLst/>
+                <a:latin typeface="Consolas" panose="020B0609020204030204" pitchFamily="49" charset="0"/>
+              </a:rPr>
+              <a:t>lifeLed.blink(BLINK_NORMAL)</a:t>
+            </a:r>
+          </a:p>
+          <a:p>
+            <a:pPr algn="ctr"/>
+            <a:r>
+              <a:rPr lang="en-ID" sz="1200" b="0" dirty="0">
+                <a:solidFill>
+                  <a:schemeClr val="tx1"/>
+                </a:solidFill>
+                <a:effectLst/>
+                <a:latin typeface="Consolas" panose="020B0609020204030204" pitchFamily="49" charset="0"/>
+              </a:rPr>
+              <a:t>  locPan.menu();</a:t>
+            </a:r>
+          </a:p>
+          <a:p>
+            <a:pPr algn="ctr"/>
+            <a:r>
+              <a:rPr lang="en-ID" sz="1200" b="0" dirty="0">
+                <a:solidFill>
+                  <a:schemeClr val="tx1"/>
+                </a:solidFill>
+                <a:effectLst/>
+                <a:latin typeface="Consolas" panose="020B0609020204030204" pitchFamily="49" charset="0"/>
+              </a:rPr>
+              <a:t>  fpSys.execute();</a:t>
+            </a:r>
+          </a:p>
+          <a:p>
+            <a:pPr algn="ctr"/>
+            <a:r>
+              <a:rPr lang="en-ID" sz="1200" b="0" dirty="0">
+                <a:solidFill>
+                  <a:schemeClr val="tx1"/>
+                </a:solidFill>
+                <a:effectLst/>
+                <a:latin typeface="Consolas" panose="020B0609020204030204" pitchFamily="49" charset="0"/>
+              </a:rPr>
+              <a:t>  commSer.execute();</a:t>
+            </a:r>
+            <a:endParaRPr lang="en-ID" sz="1200" b="0" dirty="0">
+              <a:solidFill>
+                <a:srgbClr val="D4D4D4"/>
+              </a:solidFill>
+              <a:effectLst/>
+              <a:latin typeface="Consolas" panose="020B0609020204030204" pitchFamily="49" charset="0"/>
+            </a:endParaRPr>
+          </a:p>
+        </p:txBody>
+      </p:sp>
+      <p:sp>
+        <p:nvSpPr>
+          <p:cNvPr id="24" name="Flowchart: Decision 23">
+            <a:extLst>
+              <a:ext uri="{FF2B5EF4-FFF2-40B4-BE49-F238E27FC236}">
+                <a16:creationId xmlns:a16="http://schemas.microsoft.com/office/drawing/2014/main" id="{438861FE-32EA-4ADA-89B2-7C2BD38A1870}"/>
+              </a:ext>
+            </a:extLst>
+          </p:cNvPr>
+          <p:cNvSpPr/>
+          <p:nvPr/>
+        </p:nvSpPr>
+        <p:spPr>
+          <a:xfrm>
+            <a:off x="1475656" y="2348880"/>
+            <a:ext cx="1728192" cy="1277732"/>
+          </a:xfrm>
+          <a:prstGeom prst="flowChartDecision">
+            <a:avLst/>
+          </a:prstGeom>
+          <a:noFill/>
+          <a:ln>
+            <a:solidFill>
+              <a:schemeClr val="tx1"/>
+            </a:solidFill>
+          </a:ln>
+        </p:spPr>
+        <p:style>
+          <a:lnRef idx="2">
+            <a:schemeClr val="accent1">
+              <a:shade val="50000"/>
+            </a:schemeClr>
+          </a:lnRef>
+          <a:fillRef idx="1">
+            <a:schemeClr val="accent1"/>
+          </a:fillRef>
+          <a:effectRef idx="0">
+            <a:schemeClr val="accent1"/>
+          </a:effectRef>
+          <a:fontRef idx="minor">
+            <a:schemeClr val="lt1"/>
+          </a:fontRef>
+        </p:style>
+        <p:txBody>
+          <a:bodyPr rtlCol="0" anchor="ctr"/>
+          <a:lstStyle/>
+          <a:p>
+            <a:pPr algn="ctr"/>
+            <a:r>
+              <a:rPr lang="en-ID" sz="1200" b="0" dirty="0">
+                <a:solidFill>
+                  <a:schemeClr val="tx1"/>
+                </a:solidFill>
+                <a:effectLst/>
+                <a:latin typeface="Consolas" panose="020B0609020204030204" pitchFamily="49" charset="0"/>
+              </a:rPr>
+              <a:t>LOCAL_OPERATION_EXCEPTION</a:t>
+            </a:r>
+          </a:p>
+        </p:txBody>
+      </p:sp>
+      <p:sp>
+        <p:nvSpPr>
+          <p:cNvPr id="25" name="Flowchart: Decision 24">
+            <a:extLst>
+              <a:ext uri="{FF2B5EF4-FFF2-40B4-BE49-F238E27FC236}">
+                <a16:creationId xmlns:a16="http://schemas.microsoft.com/office/drawing/2014/main" id="{C25A8701-D911-4120-9094-C8B654B9B8D7}"/>
+              </a:ext>
+            </a:extLst>
+          </p:cNvPr>
+          <p:cNvSpPr/>
+          <p:nvPr/>
+        </p:nvSpPr>
+        <p:spPr>
+          <a:xfrm>
+            <a:off x="3179576" y="3434663"/>
+            <a:ext cx="1728192" cy="1277732"/>
+          </a:xfrm>
+          <a:prstGeom prst="flowChartDecision">
+            <a:avLst/>
+          </a:prstGeom>
+          <a:noFill/>
+          <a:ln>
+            <a:solidFill>
+              <a:schemeClr val="tx1"/>
+            </a:solidFill>
+          </a:ln>
+        </p:spPr>
+        <p:style>
+          <a:lnRef idx="2">
+            <a:schemeClr val="accent1">
+              <a:shade val="50000"/>
+            </a:schemeClr>
+          </a:lnRef>
+          <a:fillRef idx="1">
+            <a:schemeClr val="accent1"/>
+          </a:fillRef>
+          <a:effectRef idx="0">
+            <a:schemeClr val="accent1"/>
+          </a:effectRef>
+          <a:fontRef idx="minor">
+            <a:schemeClr val="lt1"/>
+          </a:fontRef>
+        </p:style>
+        <p:txBody>
+          <a:bodyPr rtlCol="0" anchor="ctr"/>
+          <a:lstStyle/>
+          <a:p>
+            <a:pPr algn="ctr"/>
+            <a:r>
               <a:rPr lang="en-US" sz="1200" b="0" dirty="0">
                 <a:solidFill>
                   <a:schemeClr val="tx1"/>
@@ -11025,16 +11244,64 @@
                 <a:effectLst/>
                 <a:latin typeface="Consolas" panose="020B0609020204030204" pitchFamily="49" charset="0"/>
               </a:rPr>
-              <a:t>(operationMode</a:t>
-            </a:r>
-            <a:r>
-              <a:rPr lang="en-ID" sz="1200" dirty="0">
-                <a:solidFill>
-                  <a:schemeClr val="tx1"/>
-                </a:solidFill>
-              </a:rPr>
-              <a:t> = MODE_AUTO ) &amp; (</a:t>
-            </a:r>
+              <a:t>LOCAL_PARAMETER_EXEPCTION</a:t>
+            </a:r>
+            <a:endParaRPr lang="en-US" sz="1200" dirty="0">
+              <a:solidFill>
+                <a:schemeClr val="tx1"/>
+              </a:solidFill>
+            </a:endParaRPr>
+          </a:p>
+        </p:txBody>
+      </p:sp>
+      <p:sp>
+        <p:nvSpPr>
+          <p:cNvPr id="26" name="Flowchart: Decision 25">
+            <a:extLst>
+              <a:ext uri="{FF2B5EF4-FFF2-40B4-BE49-F238E27FC236}">
+                <a16:creationId xmlns:a16="http://schemas.microsoft.com/office/drawing/2014/main" id="{82CB2EB6-A5E6-4219-99DA-321DD71861C9}"/>
+              </a:ext>
+            </a:extLst>
+          </p:cNvPr>
+          <p:cNvSpPr/>
+          <p:nvPr/>
+        </p:nvSpPr>
+        <p:spPr>
+          <a:xfrm>
+            <a:off x="1342940" y="4509120"/>
+            <a:ext cx="1728192" cy="1277732"/>
+          </a:xfrm>
+          <a:prstGeom prst="flowChartDecision">
+            <a:avLst/>
+          </a:prstGeom>
+          <a:noFill/>
+          <a:ln>
+            <a:solidFill>
+              <a:schemeClr val="tx1"/>
+            </a:solidFill>
+          </a:ln>
+        </p:spPr>
+        <p:style>
+          <a:lnRef idx="2">
+            <a:schemeClr val="accent1">
+              <a:shade val="50000"/>
+            </a:schemeClr>
+          </a:lnRef>
+          <a:fillRef idx="1">
+            <a:schemeClr val="accent1"/>
+          </a:fillRef>
+          <a:effectRef idx="0">
+            <a:schemeClr val="accent1"/>
+          </a:effectRef>
+          <a:fontRef idx="minor">
+            <a:schemeClr val="lt1"/>
+          </a:fontRef>
+        </p:style>
+        <p:txBody>
+          <a:bodyPr rtlCol="0" anchor="ctr"/>
+          <a:lstStyle/>
+          <a:p>
+            <a:pPr algn="ctr"/>
             <a:r>
               <a:rPr lang="en-ID" sz="1200" b="0" dirty="0">
                 <a:solidFill>
@@ -11043,219 +11310,29 @@
                 <a:effectLst/>
                 <a:latin typeface="Consolas" panose="020B0609020204030204" pitchFamily="49" charset="0"/>
               </a:rPr>
-              <a:t>sensorStatus != NO_ALARM</a:t>
-            </a:r>
-            <a:r>
-              <a:rPr lang="en-ID" sz="1200" dirty="0">
-                <a:solidFill>
-                  <a:schemeClr val="tx1"/>
-                </a:solidFill>
-              </a:rPr>
-              <a:t>)</a:t>
-            </a:r>
-            <a:endParaRPr lang="en-US" sz="1200" dirty="0">
-              <a:solidFill>
-                <a:schemeClr val="tx1"/>
-              </a:solidFill>
-            </a:endParaRPr>
-          </a:p>
-        </p:txBody>
-      </p:sp>
-      <p:cxnSp>
-        <p:nvCxnSpPr>
-          <p:cNvPr id="9" name="Straight Arrow Connector 8"/>
-          <p:cNvCxnSpPr>
-            <a:cxnSpLocks/>
-            <a:stCxn id="5" idx="3"/>
-            <a:endCxn id="14" idx="1"/>
-          </p:cNvCxnSpPr>
-          <p:nvPr/>
-        </p:nvCxnSpPr>
-        <p:spPr>
-          <a:xfrm>
-            <a:off x="4044346" y="2990446"/>
-            <a:ext cx="375934" cy="0"/>
-          </a:xfrm>
-          <a:prstGeom prst="straightConnector1">
-            <a:avLst/>
-          </a:prstGeom>
-          <a:ln w="19050">
-            <a:solidFill>
-              <a:schemeClr val="tx1"/>
-            </a:solidFill>
-            <a:tailEnd type="arrow"/>
-          </a:ln>
-        </p:spPr>
-        <p:style>
-          <a:lnRef idx="1">
-            <a:schemeClr val="accent1"/>
-          </a:lnRef>
-          <a:fillRef idx="0">
-            <a:schemeClr val="accent1"/>
-          </a:fillRef>
-          <a:effectRef idx="0">
-            <a:schemeClr val="accent1"/>
-          </a:effectRef>
-          <a:fontRef idx="minor">
-            <a:schemeClr val="tx1"/>
-          </a:fontRef>
-        </p:style>
-      </p:cxnSp>
-      <p:sp>
-        <p:nvSpPr>
-          <p:cNvPr id="12" name="TextBox 11"/>
-          <p:cNvSpPr txBox="1"/>
-          <p:nvPr/>
-        </p:nvSpPr>
-        <p:spPr>
-          <a:xfrm>
-            <a:off x="3933647" y="2676024"/>
-            <a:ext cx="386837" cy="276999"/>
-          </a:xfrm>
-          <a:prstGeom prst="rect">
-            <a:avLst/>
-          </a:prstGeom>
-          <a:noFill/>
-        </p:spPr>
-        <p:txBody>
-          <a:bodyPr wrap="none" rtlCol="0">
-            <a:spAutoFit/>
-          </a:bodyPr>
-          <a:lstStyle/>
-          <a:p>
-            <a:r>
-              <a:rPr lang="en-ID" sz="1200" dirty="0"/>
-              <a:t>Yes</a:t>
-            </a:r>
-            <a:endParaRPr lang="en-US" sz="1200" dirty="0"/>
-          </a:p>
-        </p:txBody>
-      </p:sp>
-      <p:sp>
-        <p:nvSpPr>
-          <p:cNvPr id="13" name="TextBox 12"/>
-          <p:cNvSpPr txBox="1"/>
-          <p:nvPr/>
-        </p:nvSpPr>
-        <p:spPr>
-          <a:xfrm>
-            <a:off x="2793474" y="3984273"/>
-            <a:ext cx="365806" cy="276999"/>
-          </a:xfrm>
-          <a:prstGeom prst="rect">
-            <a:avLst/>
-          </a:prstGeom>
-          <a:noFill/>
-        </p:spPr>
-        <p:txBody>
-          <a:bodyPr wrap="none" rtlCol="0">
-            <a:spAutoFit/>
-          </a:bodyPr>
-          <a:lstStyle/>
-          <a:p>
-            <a:r>
-              <a:rPr lang="en-ID" sz="1200" dirty="0"/>
-              <a:t>No</a:t>
-            </a:r>
-            <a:endParaRPr lang="en-US" sz="1200" dirty="0"/>
-          </a:p>
-        </p:txBody>
-      </p:sp>
-      <p:sp>
-        <p:nvSpPr>
-          <p:cNvPr id="14" name="TextBox 13"/>
-          <p:cNvSpPr txBox="1"/>
-          <p:nvPr/>
-        </p:nvSpPr>
-        <p:spPr>
-          <a:xfrm>
-            <a:off x="4420280" y="2759613"/>
-            <a:ext cx="2023927" cy="461665"/>
-          </a:xfrm>
-          <a:prstGeom prst="rect">
-            <a:avLst/>
-          </a:prstGeom>
-          <a:noFill/>
-          <a:ln>
-            <a:solidFill>
-              <a:schemeClr val="tx1"/>
-            </a:solidFill>
-          </a:ln>
-        </p:spPr>
-        <p:txBody>
-          <a:bodyPr wrap="square" rtlCol="0">
-            <a:spAutoFit/>
-          </a:bodyPr>
-          <a:lstStyle/>
-          <a:p>
-            <a:pPr algn="ctr"/>
-            <a:r>
-              <a:rPr lang="en-US" sz="1200" b="0" dirty="0">
-                <a:solidFill>
-                  <a:schemeClr val="tx1"/>
-                </a:solidFill>
-                <a:effectLst/>
-                <a:latin typeface="Consolas" panose="020B0609020204030204" pitchFamily="49" charset="0"/>
-              </a:rPr>
-              <a:t>operationMode</a:t>
-            </a:r>
-            <a:r>
-              <a:rPr lang="en-ID" sz="1200" dirty="0"/>
-              <a:t>  = MODE_AUTO_ON</a:t>
-            </a:r>
-            <a:endParaRPr lang="en-US" sz="1200" dirty="0"/>
-          </a:p>
-        </p:txBody>
-      </p:sp>
-      <p:sp>
-        <p:nvSpPr>
-          <p:cNvPr id="16" name="TextBox 15"/>
-          <p:cNvSpPr txBox="1"/>
-          <p:nvPr/>
-        </p:nvSpPr>
-        <p:spPr>
-          <a:xfrm>
-            <a:off x="2571259" y="216933"/>
-            <a:ext cx="2874505" cy="553998"/>
-          </a:xfrm>
-          <a:prstGeom prst="rect">
-            <a:avLst/>
-          </a:prstGeom>
-          <a:noFill/>
-        </p:spPr>
-        <p:txBody>
-          <a:bodyPr wrap="none" rtlCol="0">
-            <a:spAutoFit/>
-          </a:bodyPr>
-          <a:lstStyle/>
-          <a:p>
-            <a:r>
-              <a:rPr lang="en-ID" b="1" dirty="0"/>
-              <a:t>Flowchart _fpSys-&gt;execute()</a:t>
-            </a:r>
-          </a:p>
-          <a:p>
-            <a:pPr algn="ctr"/>
-            <a:r>
-              <a:rPr lang="en-ID" sz="1200" dirty="0"/>
-              <a:t>File : fpSys.cpp</a:t>
-            </a:r>
-            <a:endParaRPr lang="en-US" sz="1200" dirty="0"/>
-          </a:p>
-        </p:txBody>
-      </p:sp>
-      <p:sp>
-        <p:nvSpPr>
-          <p:cNvPr id="2" name="Flowchart: Predefined Process 1"/>
+              <a:t>REMOTE_OPERATION_EXCEPTION</a:t>
+            </a:r>
+          </a:p>
+        </p:txBody>
+      </p:sp>
+      <p:sp>
+        <p:nvSpPr>
+          <p:cNvPr id="27" name="Flowchart: Decision 26">
+            <a:extLst>
+              <a:ext uri="{FF2B5EF4-FFF2-40B4-BE49-F238E27FC236}">
+                <a16:creationId xmlns:a16="http://schemas.microsoft.com/office/drawing/2014/main" id="{AB7989BC-CB48-4899-95E0-499E74545C71}"/>
+              </a:ext>
+            </a:extLst>
+          </p:cNvPr>
           <p:cNvSpPr/>
           <p:nvPr/>
         </p:nvSpPr>
         <p:spPr>
           <a:xfrm>
-            <a:off x="1254572" y="1095108"/>
-            <a:ext cx="6192688" cy="646325"/>
-          </a:xfrm>
-          <a:prstGeom prst="flowChartPredefinedProcess">
+            <a:off x="3203848" y="5445224"/>
+            <a:ext cx="1728192" cy="1277732"/>
+          </a:xfrm>
+          <a:prstGeom prst="flowChartDecision">
             <a:avLst/>
           </a:prstGeom>
           <a:noFill/>
@@ -11294,318 +11371,32 @@
                 <a:effectLst/>
                 <a:latin typeface="Consolas" panose="020B0609020204030204" pitchFamily="49" charset="0"/>
               </a:rPr>
-              <a:t>sensorStatus = _fireSensor-&gt;getStatus()</a:t>
-            </a:r>
-          </a:p>
-          <a:p>
-            <a:pPr algn="ctr"/>
-            <a:r>
-              <a:rPr lang="en-US" sz="1200" b="0" dirty="0">
-                <a:solidFill>
-                  <a:schemeClr val="tx1"/>
-                </a:solidFill>
-                <a:effectLst/>
-                <a:latin typeface="Consolas" panose="020B0609020204030204" pitchFamily="49" charset="0"/>
-              </a:rPr>
-              <a:t>operationMode = _pbAMRT-&gt;getCmd(DEBOUNCING_TIME)</a:t>
-            </a:r>
-          </a:p>
-          <a:p>
-            <a:pPr algn="ctr"/>
-            <a:r>
-              <a:rPr lang="en-ID" sz="1200" b="0" dirty="0">
-                <a:solidFill>
-                  <a:schemeClr val="tx1"/>
-                </a:solidFill>
-                <a:effectLst/>
-                <a:latin typeface="Consolas" panose="020B0609020204030204" pitchFamily="49" charset="0"/>
-              </a:rPr>
-              <a:t>this-&gt;_logicOperation(operationMode, sensorStatus)</a:t>
-            </a:r>
-            <a:endParaRPr lang="en-ID" sz="1200" dirty="0">
-              <a:solidFill>
-                <a:schemeClr val="tx1"/>
-              </a:solidFill>
-            </a:endParaRPr>
+              <a:t>REMOTE_PARAMETER_EXCEPTION</a:t>
+            </a:r>
           </a:p>
         </p:txBody>
       </p:sp>
       <p:cxnSp>
         <p:nvCxnSpPr>
-          <p:cNvPr id="39" name="Connector: Elbow 38">
+          <p:cNvPr id="19" name="Connector: Elbow 18">
             <a:extLst>
               <a:ext uri="{FF2B5EF4-FFF2-40B4-BE49-F238E27FC236}">
-                <a16:creationId xmlns:a16="http://schemas.microsoft.com/office/drawing/2014/main" id="{AB0C52CB-BFBC-45E9-A4BD-DBEBBA48C947}"/>
+                <a16:creationId xmlns:a16="http://schemas.microsoft.com/office/drawing/2014/main" id="{3A13BD7C-D8E9-405D-8EF8-5143BE7D072B}"/>
               </a:ext>
             </a:extLst>
           </p:cNvPr>
           <p:cNvCxnSpPr>
-            <a:cxnSpLocks/>
             <a:stCxn id="2" idx="2"/>
-            <a:endCxn id="5" idx="0"/>
+            <a:endCxn id="24" idx="0"/>
           </p:cNvCxnSpPr>
           <p:nvPr/>
         </p:nvCxnSpPr>
         <p:spPr>
           <a:xfrm rot="5400000">
-            <a:off x="3334528" y="1056365"/>
-            <a:ext cx="331321" cy="1701457"/>
+            <a:off x="3013408" y="1318614"/>
+            <a:ext cx="356610" cy="1703922"/>
           </a:xfrm>
           <a:prstGeom prst="bentConnector3">
-            <a:avLst/>
-          </a:prstGeom>
-          <a:ln w="19050">
-            <a:solidFill>
-              <a:schemeClr val="tx1"/>
-            </a:solidFill>
-            <a:tailEnd type="triangle"/>
-          </a:ln>
-        </p:spPr>
-        <p:style>
-          <a:lnRef idx="1">
-            <a:schemeClr val="accent1"/>
-          </a:lnRef>
-          <a:fillRef idx="0">
-            <a:schemeClr val="accent1"/>
-          </a:fillRef>
-          <a:effectRef idx="0">
-            <a:schemeClr val="accent1"/>
-          </a:effectRef>
-          <a:fontRef idx="minor">
-            <a:schemeClr val="tx1"/>
-          </a:fontRef>
-        </p:style>
-      </p:cxnSp>
-      <p:sp>
-        <p:nvSpPr>
-          <p:cNvPr id="46" name="Flowchart: Predefined Process 45">
-            <a:extLst>
-              <a:ext uri="{FF2B5EF4-FFF2-40B4-BE49-F238E27FC236}">
-                <a16:creationId xmlns:a16="http://schemas.microsoft.com/office/drawing/2014/main" id="{60B6889A-AFEC-4BFE-BA6C-A66524781ADE}"/>
-              </a:ext>
-            </a:extLst>
-          </p:cNvPr>
-          <p:cNvSpPr/>
-          <p:nvPr/>
-        </p:nvSpPr>
-        <p:spPr>
-          <a:xfrm>
-            <a:off x="1259632" y="5373216"/>
-            <a:ext cx="6192688" cy="646325"/>
-          </a:xfrm>
-          <a:prstGeom prst="flowChartPredefinedProcess">
-            <a:avLst/>
-          </a:prstGeom>
-          <a:noFill/>
-          <a:ln>
-            <a:solidFill>
-              <a:schemeClr val="tx1"/>
-            </a:solidFill>
-          </a:ln>
-        </p:spPr>
-        <p:style>
-          <a:lnRef idx="2">
-            <a:schemeClr val="accent1">
-              <a:shade val="50000"/>
-            </a:schemeClr>
-          </a:lnRef>
-          <a:fillRef idx="1">
-            <a:schemeClr val="accent1"/>
-          </a:fillRef>
-          <a:effectRef idx="0">
-            <a:schemeClr val="accent1"/>
-          </a:effectRef>
-          <a:fontRef idx="minor">
-            <a:schemeClr val="lt1"/>
-          </a:fontRef>
-        </p:style>
-        <p:txBody>
-          <a:bodyPr rtlCol="0" anchor="ctr"/>
-          <a:lstStyle/>
-          <a:p>
-            <a:pPr algn="ctr"/>
-            <a:r>
-              <a:rPr lang="en-ID" sz="1200" b="0" dirty="0">
-                <a:solidFill>
-                  <a:schemeClr val="tx1"/>
-                </a:solidFill>
-                <a:effectLst/>
-                <a:latin typeface="Consolas" panose="020B0609020204030204" pitchFamily="49" charset="0"/>
-              </a:rPr>
-              <a:t>_ledAMR-&gt;status(operationMode)</a:t>
-            </a:r>
-          </a:p>
-          <a:p>
-            <a:pPr algn="ctr"/>
-            <a:r>
-              <a:rPr lang="en-ID" sz="1200" b="0" dirty="0">
-                <a:solidFill>
-                  <a:schemeClr val="tx1"/>
-                </a:solidFill>
-                <a:effectLst/>
-                <a:latin typeface="Consolas" panose="020B0609020204030204" pitchFamily="49" charset="0"/>
-              </a:rPr>
-              <a:t>Update parameter(sensor value, alarm, </a:t>
-            </a:r>
-            <a:r>
-              <a:rPr lang="en-US" sz="1200" b="0" dirty="0">
-                <a:solidFill>
-                  <a:schemeClr val="tx1"/>
-                </a:solidFill>
-                <a:effectLst/>
-                <a:latin typeface="Consolas" panose="020B0609020204030204" pitchFamily="49" charset="0"/>
-              </a:rPr>
-              <a:t>operationMode)</a:t>
-            </a:r>
-            <a:endParaRPr lang="en-ID" sz="1200" b="0" dirty="0">
-              <a:solidFill>
-                <a:schemeClr val="tx1"/>
-              </a:solidFill>
-              <a:effectLst/>
-              <a:latin typeface="Consolas" panose="020B0609020204030204" pitchFamily="49" charset="0"/>
-            </a:endParaRPr>
-          </a:p>
-          <a:p>
-            <a:pPr algn="ctr"/>
-            <a:r>
-              <a:rPr lang="en-ID" sz="1200" dirty="0">
-                <a:solidFill>
-                  <a:schemeClr val="tx1"/>
-                </a:solidFill>
-                <a:latin typeface="Consolas" panose="020B0609020204030204" pitchFamily="49" charset="0"/>
-              </a:rPr>
-              <a:t>Update exception</a:t>
-            </a:r>
-            <a:endParaRPr lang="en-ID" sz="1200" b="0" dirty="0">
-              <a:solidFill>
-                <a:schemeClr val="tx1"/>
-              </a:solidFill>
-              <a:effectLst/>
-              <a:latin typeface="Consolas" panose="020B0609020204030204" pitchFamily="49" charset="0"/>
-            </a:endParaRPr>
-          </a:p>
-        </p:txBody>
-      </p:sp>
-      <p:sp>
-        <p:nvSpPr>
-          <p:cNvPr id="50" name="Flowchart: Connector 49">
-            <a:extLst>
-              <a:ext uri="{FF2B5EF4-FFF2-40B4-BE49-F238E27FC236}">
-                <a16:creationId xmlns:a16="http://schemas.microsoft.com/office/drawing/2014/main" id="{85A5DEDA-7D14-4FE6-AE24-3848449208B7}"/>
-              </a:ext>
-            </a:extLst>
-          </p:cNvPr>
-          <p:cNvSpPr/>
-          <p:nvPr/>
-        </p:nvSpPr>
-        <p:spPr>
-          <a:xfrm>
-            <a:off x="4122316" y="4476215"/>
-            <a:ext cx="457200" cy="457200"/>
-          </a:xfrm>
-          <a:prstGeom prst="flowChartConnector">
-            <a:avLst/>
-          </a:prstGeom>
-          <a:noFill/>
-          <a:ln>
-            <a:solidFill>
-              <a:schemeClr val="tx1"/>
-            </a:solidFill>
-          </a:ln>
-        </p:spPr>
-        <p:style>
-          <a:lnRef idx="2">
-            <a:schemeClr val="accent1">
-              <a:shade val="50000"/>
-            </a:schemeClr>
-          </a:lnRef>
-          <a:fillRef idx="1">
-            <a:schemeClr val="accent1"/>
-          </a:fillRef>
-          <a:effectRef idx="0">
-            <a:schemeClr val="accent1"/>
-          </a:effectRef>
-          <a:fontRef idx="minor">
-            <a:schemeClr val="lt1"/>
-          </a:fontRef>
-        </p:style>
-        <p:txBody>
-          <a:bodyPr rtlCol="0" anchor="ctr"/>
-          <a:lstStyle/>
-          <a:p>
-            <a:pPr algn="ctr"/>
-            <a:endParaRPr lang="en-US"/>
-          </a:p>
-        </p:txBody>
-      </p:sp>
-      <p:cxnSp>
-        <p:nvCxnSpPr>
-          <p:cNvPr id="52" name="Connector: Elbow 51">
-            <a:extLst>
-              <a:ext uri="{FF2B5EF4-FFF2-40B4-BE49-F238E27FC236}">
-                <a16:creationId xmlns:a16="http://schemas.microsoft.com/office/drawing/2014/main" id="{34D277E0-BF56-42D2-A7D2-54099E8C4A70}"/>
-              </a:ext>
-            </a:extLst>
-          </p:cNvPr>
-          <p:cNvCxnSpPr>
-            <a:cxnSpLocks/>
-            <a:stCxn id="14" idx="2"/>
-            <a:endCxn id="50" idx="6"/>
-          </p:cNvCxnSpPr>
-          <p:nvPr/>
-        </p:nvCxnSpPr>
-        <p:spPr>
-          <a:xfrm rot="5400000">
-            <a:off x="4264112" y="3536682"/>
-            <a:ext cx="1483537" cy="852728"/>
-          </a:xfrm>
-          <a:prstGeom prst="bentConnector2">
-            <a:avLst/>
-          </a:prstGeom>
-          <a:ln w="19050">
-            <a:solidFill>
-              <a:schemeClr val="tx1"/>
-            </a:solidFill>
-            <a:tailEnd type="triangle"/>
-          </a:ln>
-        </p:spPr>
-        <p:style>
-          <a:lnRef idx="1">
-            <a:schemeClr val="accent1"/>
-          </a:lnRef>
-          <a:fillRef idx="0">
-            <a:schemeClr val="accent1"/>
-          </a:fillRef>
-          <a:effectRef idx="0">
-            <a:schemeClr val="accent1"/>
-          </a:effectRef>
-          <a:fontRef idx="minor">
-            <a:schemeClr val="tx1"/>
-          </a:fontRef>
-        </p:style>
-      </p:cxnSp>
-      <p:cxnSp>
-        <p:nvCxnSpPr>
-          <p:cNvPr id="54" name="Connector: Elbow 53">
-            <a:extLst>
-              <a:ext uri="{FF2B5EF4-FFF2-40B4-BE49-F238E27FC236}">
-                <a16:creationId xmlns:a16="http://schemas.microsoft.com/office/drawing/2014/main" id="{25DB5EC8-72C6-486F-B231-530ED590DF59}"/>
-              </a:ext>
-            </a:extLst>
-          </p:cNvPr>
-          <p:cNvCxnSpPr>
-            <a:cxnSpLocks/>
-            <a:stCxn id="5" idx="2"/>
-            <a:endCxn id="50" idx="2"/>
-          </p:cNvCxnSpPr>
-          <p:nvPr/>
-        </p:nvCxnSpPr>
-        <p:spPr>
-          <a:xfrm rot="16200000" flipH="1">
-            <a:off x="2987549" y="3570047"/>
-            <a:ext cx="796677" cy="1472857"/>
-          </a:xfrm>
-          <a:prstGeom prst="bentConnector2">
             <a:avLst/>
           </a:prstGeom>
           <a:ln w="19050">
@@ -11629,26 +11420,29 @@
       </p:cxnSp>
       <p:cxnSp>
         <p:nvCxnSpPr>
-          <p:cNvPr id="59" name="Straight Arrow Connector 58">
+          <p:cNvPr id="21" name="Connector: Elbow 20">
             <a:extLst>
               <a:ext uri="{FF2B5EF4-FFF2-40B4-BE49-F238E27FC236}">
-                <a16:creationId xmlns:a16="http://schemas.microsoft.com/office/drawing/2014/main" id="{446244A4-2DB1-4FBF-8535-D27CB03FB67A}"/>
+                <a16:creationId xmlns:a16="http://schemas.microsoft.com/office/drawing/2014/main" id="{32B9837D-1ED6-49ED-AB93-2949C77F4F51}"/>
               </a:ext>
             </a:extLst>
           </p:cNvPr>
           <p:cNvCxnSpPr>
-            <a:stCxn id="50" idx="4"/>
-            <a:endCxn id="46" idx="0"/>
+            <a:cxnSpLocks/>
           </p:cNvCxnSpPr>
           <p:nvPr/>
         </p:nvCxnSpPr>
         <p:spPr>
-          <a:xfrm>
-            <a:off x="4350916" y="4933415"/>
-            <a:ext cx="5060" cy="439801"/>
-          </a:xfrm>
-          <a:prstGeom prst="straightConnector1">
-            <a:avLst/>
+          <a:xfrm rot="5400000" flipH="1" flipV="1">
+            <a:off x="3095738" y="2649457"/>
+            <a:ext cx="191949" cy="1703920"/>
+          </a:xfrm>
+          <a:prstGeom prst="bentConnector5">
+            <a:avLst>
+              <a:gd name="adj1" fmla="val -119094"/>
+              <a:gd name="adj2" fmla="val 46364"/>
+              <a:gd name="adj3" fmla="val 192628"/>
+            </a:avLst>
           </a:prstGeom>
           <a:ln w="19050">
             <a:tailEnd type="triangle"/>
@@ -11663,6 +11457,580 @@
           </a:fillRef>
           <a:effectRef idx="0">
             <a:schemeClr val="dk1"/>
+          </a:effectRef>
+          <a:fontRef idx="minor">
+            <a:schemeClr val="tx1"/>
+          </a:fontRef>
+        </p:style>
+      </p:cxnSp>
+      <p:cxnSp>
+        <p:nvCxnSpPr>
+          <p:cNvPr id="30" name="Connector: Elbow 29">
+            <a:extLst>
+              <a:ext uri="{FF2B5EF4-FFF2-40B4-BE49-F238E27FC236}">
+                <a16:creationId xmlns:a16="http://schemas.microsoft.com/office/drawing/2014/main" id="{C905C1D1-BEB4-496B-BB1A-E2406A599B34}"/>
+              </a:ext>
+            </a:extLst>
+          </p:cNvPr>
+          <p:cNvCxnSpPr>
+            <a:stCxn id="25" idx="2"/>
+            <a:endCxn id="26" idx="0"/>
+          </p:cNvCxnSpPr>
+          <p:nvPr/>
+        </p:nvCxnSpPr>
+        <p:spPr>
+          <a:xfrm rot="5400000" flipH="1">
+            <a:off x="3023716" y="3692440"/>
+            <a:ext cx="203275" cy="1836636"/>
+          </a:xfrm>
+          <a:prstGeom prst="bentConnector5">
+            <a:avLst>
+              <a:gd name="adj1" fmla="val -74973"/>
+              <a:gd name="adj2" fmla="val 50000"/>
+              <a:gd name="adj3" fmla="val 212458"/>
+            </a:avLst>
+          </a:prstGeom>
+          <a:ln w="19050">
+            <a:tailEnd type="triangle"/>
+          </a:ln>
+        </p:spPr>
+        <p:style>
+          <a:lnRef idx="1">
+            <a:schemeClr val="dk1"/>
+          </a:lnRef>
+          <a:fillRef idx="0">
+            <a:schemeClr val="dk1"/>
+          </a:fillRef>
+          <a:effectRef idx="0">
+            <a:schemeClr val="dk1"/>
+          </a:effectRef>
+          <a:fontRef idx="minor">
+            <a:schemeClr val="tx1"/>
+          </a:fontRef>
+        </p:style>
+      </p:cxnSp>
+      <p:cxnSp>
+        <p:nvCxnSpPr>
+          <p:cNvPr id="32" name="Connector: Elbow 31">
+            <a:extLst>
+              <a:ext uri="{FF2B5EF4-FFF2-40B4-BE49-F238E27FC236}">
+                <a16:creationId xmlns:a16="http://schemas.microsoft.com/office/drawing/2014/main" id="{93E53294-C028-48A3-BED2-65DA86F0BA71}"/>
+              </a:ext>
+            </a:extLst>
+          </p:cNvPr>
+          <p:cNvCxnSpPr>
+            <a:stCxn id="26" idx="2"/>
+            <a:endCxn id="27" idx="0"/>
+          </p:cNvCxnSpPr>
+          <p:nvPr/>
+        </p:nvCxnSpPr>
+        <p:spPr>
+          <a:xfrm rot="5400000" flipH="1" flipV="1">
+            <a:off x="2966676" y="4685584"/>
+            <a:ext cx="341628" cy="1860908"/>
+          </a:xfrm>
+          <a:prstGeom prst="bentConnector5">
+            <a:avLst>
+              <a:gd name="adj1" fmla="val -48327"/>
+              <a:gd name="adj2" fmla="val 50000"/>
+              <a:gd name="adj3" fmla="val 140892"/>
+            </a:avLst>
+          </a:prstGeom>
+          <a:ln w="19050">
+            <a:tailEnd type="triangle"/>
+          </a:ln>
+        </p:spPr>
+        <p:style>
+          <a:lnRef idx="1">
+            <a:schemeClr val="dk1"/>
+          </a:lnRef>
+          <a:fillRef idx="0">
+            <a:schemeClr val="dk1"/>
+          </a:fillRef>
+          <a:effectRef idx="0">
+            <a:schemeClr val="dk1"/>
+          </a:effectRef>
+          <a:fontRef idx="minor">
+            <a:schemeClr val="tx1"/>
+          </a:fontRef>
+        </p:style>
+      </p:cxnSp>
+      <p:sp>
+        <p:nvSpPr>
+          <p:cNvPr id="40" name="Flowchart: Predefined Process 39">
+            <a:extLst>
+              <a:ext uri="{FF2B5EF4-FFF2-40B4-BE49-F238E27FC236}">
+                <a16:creationId xmlns:a16="http://schemas.microsoft.com/office/drawing/2014/main" id="{7CF1C237-E4A8-4ED5-A58F-ECD1C5196D24}"/>
+              </a:ext>
+            </a:extLst>
+          </p:cNvPr>
+          <p:cNvSpPr/>
+          <p:nvPr/>
+        </p:nvSpPr>
+        <p:spPr>
+          <a:xfrm>
+            <a:off x="4644008" y="2174148"/>
+            <a:ext cx="2880320" cy="458331"/>
+          </a:xfrm>
+          <a:prstGeom prst="flowChartPredefinedProcess">
+            <a:avLst/>
+          </a:prstGeom>
+          <a:noFill/>
+          <a:ln>
+            <a:solidFill>
+              <a:schemeClr val="tx1"/>
+            </a:solidFill>
+          </a:ln>
+        </p:spPr>
+        <p:style>
+          <a:lnRef idx="2">
+            <a:schemeClr val="accent1">
+              <a:shade val="50000"/>
+            </a:schemeClr>
+          </a:lnRef>
+          <a:fillRef idx="1">
+            <a:schemeClr val="accent1"/>
+          </a:fillRef>
+          <a:effectRef idx="0">
+            <a:schemeClr val="accent1"/>
+          </a:effectRef>
+          <a:fontRef idx="minor">
+            <a:schemeClr val="lt1"/>
+          </a:fontRef>
+        </p:style>
+        <p:txBody>
+          <a:bodyPr rtlCol="0" anchor="ctr"/>
+          <a:lstStyle/>
+          <a:p>
+            <a:pPr algn="ctr"/>
+            <a:r>
+              <a:rPr lang="en-ID" sz="1200" b="0" dirty="0">
+                <a:solidFill>
+                  <a:schemeClr val="tx1"/>
+                </a:solidFill>
+                <a:effectLst/>
+                <a:latin typeface="Consolas" panose="020B0609020204030204" pitchFamily="49" charset="0"/>
+              </a:rPr>
+              <a:t>  commSer. sendValue();</a:t>
+            </a:r>
+          </a:p>
+        </p:txBody>
+      </p:sp>
+      <p:cxnSp>
+        <p:nvCxnSpPr>
+          <p:cNvPr id="34" name="Connector: Elbow 33">
+            <a:extLst>
+              <a:ext uri="{FF2B5EF4-FFF2-40B4-BE49-F238E27FC236}">
+                <a16:creationId xmlns:a16="http://schemas.microsoft.com/office/drawing/2014/main" id="{9FAF7F38-3CB0-47A7-A16D-C91231A9011C}"/>
+              </a:ext>
+            </a:extLst>
+          </p:cNvPr>
+          <p:cNvCxnSpPr>
+            <a:cxnSpLocks/>
+            <a:stCxn id="24" idx="3"/>
+            <a:endCxn id="40" idx="1"/>
+          </p:cNvCxnSpPr>
+          <p:nvPr/>
+        </p:nvCxnSpPr>
+        <p:spPr>
+          <a:xfrm flipV="1">
+            <a:off x="3203848" y="2403314"/>
+            <a:ext cx="1440160" cy="584432"/>
+          </a:xfrm>
+          <a:prstGeom prst="bentConnector3">
+            <a:avLst/>
+          </a:prstGeom>
+          <a:ln w="19050">
+            <a:solidFill>
+              <a:schemeClr val="tx1"/>
+            </a:solidFill>
+            <a:tailEnd type="triangle"/>
+          </a:ln>
+        </p:spPr>
+        <p:style>
+          <a:lnRef idx="1">
+            <a:schemeClr val="accent1"/>
+          </a:lnRef>
+          <a:fillRef idx="0">
+            <a:schemeClr val="accent1"/>
+          </a:fillRef>
+          <a:effectRef idx="0">
+            <a:schemeClr val="accent1"/>
+          </a:effectRef>
+          <a:fontRef idx="minor">
+            <a:schemeClr val="tx1"/>
+          </a:fontRef>
+        </p:style>
+      </p:cxnSp>
+      <p:sp>
+        <p:nvSpPr>
+          <p:cNvPr id="42" name="Flowchart: Predefined Process 41">
+            <a:extLst>
+              <a:ext uri="{FF2B5EF4-FFF2-40B4-BE49-F238E27FC236}">
+                <a16:creationId xmlns:a16="http://schemas.microsoft.com/office/drawing/2014/main" id="{5E416383-85DB-4670-A37C-18739958CDB1}"/>
+              </a:ext>
+            </a:extLst>
+          </p:cNvPr>
+          <p:cNvSpPr/>
+          <p:nvPr/>
+        </p:nvSpPr>
+        <p:spPr>
+          <a:xfrm>
+            <a:off x="5128450" y="3069716"/>
+            <a:ext cx="3316330" cy="671452"/>
+          </a:xfrm>
+          <a:prstGeom prst="flowChartPredefinedProcess">
+            <a:avLst/>
+          </a:prstGeom>
+          <a:noFill/>
+          <a:ln>
+            <a:solidFill>
+              <a:schemeClr val="tx1"/>
+            </a:solidFill>
+          </a:ln>
+        </p:spPr>
+        <p:style>
+          <a:lnRef idx="2">
+            <a:schemeClr val="accent1">
+              <a:shade val="50000"/>
+            </a:schemeClr>
+          </a:lnRef>
+          <a:fillRef idx="1">
+            <a:schemeClr val="accent1"/>
+          </a:fillRef>
+          <a:effectRef idx="0">
+            <a:schemeClr val="accent1"/>
+          </a:effectRef>
+          <a:fontRef idx="minor">
+            <a:schemeClr val="lt1"/>
+          </a:fontRef>
+        </p:style>
+        <p:txBody>
+          <a:bodyPr rtlCol="0" anchor="ctr"/>
+          <a:lstStyle/>
+          <a:p>
+            <a:pPr algn="ctr"/>
+            <a:r>
+              <a:rPr lang="en-ID" sz="1200" b="0" dirty="0">
+                <a:solidFill>
+                  <a:schemeClr val="tx1"/>
+                </a:solidFill>
+                <a:effectLst/>
+                <a:latin typeface="Consolas" panose="020B0609020204030204" pitchFamily="49" charset="0"/>
+              </a:rPr>
+              <a:t>fpSys.updateParameter();</a:t>
+            </a:r>
+          </a:p>
+          <a:p>
+            <a:pPr algn="ctr"/>
+            <a:r>
+              <a:rPr lang="en-ID" sz="1200" b="0" dirty="0">
+                <a:solidFill>
+                  <a:schemeClr val="tx1"/>
+                </a:solidFill>
+                <a:effectLst/>
+                <a:latin typeface="Consolas" panose="020B0609020204030204" pitchFamily="49" charset="0"/>
+              </a:rPr>
+              <a:t>locPan.updateParameter()</a:t>
+            </a:r>
+          </a:p>
+          <a:p>
+            <a:pPr algn="ctr"/>
+            <a:r>
+              <a:rPr lang="en-ID" sz="1200" b="0" dirty="0">
+                <a:solidFill>
+                  <a:schemeClr val="tx1"/>
+                </a:solidFill>
+                <a:effectLst/>
+                <a:latin typeface="Consolas" panose="020B0609020204030204" pitchFamily="49" charset="0"/>
+              </a:rPr>
+              <a:t>commSer.sendParameter();</a:t>
+            </a:r>
+          </a:p>
+        </p:txBody>
+      </p:sp>
+      <p:cxnSp>
+        <p:nvCxnSpPr>
+          <p:cNvPr id="43" name="Connector: Elbow 42">
+            <a:extLst>
+              <a:ext uri="{FF2B5EF4-FFF2-40B4-BE49-F238E27FC236}">
+                <a16:creationId xmlns:a16="http://schemas.microsoft.com/office/drawing/2014/main" id="{EE9CA3D1-5E5C-4AB6-806D-F584C1A64D1E}"/>
+              </a:ext>
+            </a:extLst>
+          </p:cNvPr>
+          <p:cNvCxnSpPr>
+            <a:cxnSpLocks/>
+            <a:stCxn id="25" idx="3"/>
+            <a:endCxn id="42" idx="1"/>
+          </p:cNvCxnSpPr>
+          <p:nvPr/>
+        </p:nvCxnSpPr>
+        <p:spPr>
+          <a:xfrm flipV="1">
+            <a:off x="4907768" y="3405442"/>
+            <a:ext cx="220682" cy="668087"/>
+          </a:xfrm>
+          <a:prstGeom prst="bentConnector3">
+            <a:avLst/>
+          </a:prstGeom>
+          <a:ln w="19050">
+            <a:solidFill>
+              <a:schemeClr val="tx1"/>
+            </a:solidFill>
+            <a:tailEnd type="triangle"/>
+          </a:ln>
+        </p:spPr>
+        <p:style>
+          <a:lnRef idx="1">
+            <a:schemeClr val="accent1"/>
+          </a:lnRef>
+          <a:fillRef idx="0">
+            <a:schemeClr val="accent1"/>
+          </a:fillRef>
+          <a:effectRef idx="0">
+            <a:schemeClr val="accent1"/>
+          </a:effectRef>
+          <a:fontRef idx="minor">
+            <a:schemeClr val="tx1"/>
+          </a:fontRef>
+        </p:style>
+      </p:cxnSp>
+      <p:sp>
+        <p:nvSpPr>
+          <p:cNvPr id="47" name="Flowchart: Predefined Process 46">
+            <a:extLst>
+              <a:ext uri="{FF2B5EF4-FFF2-40B4-BE49-F238E27FC236}">
+                <a16:creationId xmlns:a16="http://schemas.microsoft.com/office/drawing/2014/main" id="{88E91C1B-9915-49F4-B54F-272D16191B75}"/>
+              </a:ext>
+            </a:extLst>
+          </p:cNvPr>
+          <p:cNvSpPr/>
+          <p:nvPr/>
+        </p:nvSpPr>
+        <p:spPr>
+          <a:xfrm>
+            <a:off x="5144102" y="4601962"/>
+            <a:ext cx="2541730" cy="500222"/>
+          </a:xfrm>
+          <a:prstGeom prst="flowChartPredefinedProcess">
+            <a:avLst/>
+          </a:prstGeom>
+          <a:noFill/>
+          <a:ln>
+            <a:solidFill>
+              <a:schemeClr val="tx1"/>
+            </a:solidFill>
+          </a:ln>
+        </p:spPr>
+        <p:style>
+          <a:lnRef idx="2">
+            <a:schemeClr val="accent1">
+              <a:shade val="50000"/>
+            </a:schemeClr>
+          </a:lnRef>
+          <a:fillRef idx="1">
+            <a:schemeClr val="accent1"/>
+          </a:fillRef>
+          <a:effectRef idx="0">
+            <a:schemeClr val="accent1"/>
+          </a:effectRef>
+          <a:fontRef idx="minor">
+            <a:schemeClr val="lt1"/>
+          </a:fontRef>
+        </p:style>
+        <p:txBody>
+          <a:bodyPr rtlCol="0" anchor="ctr"/>
+          <a:lstStyle/>
+          <a:p>
+            <a:pPr algn="ctr"/>
+            <a:r>
+              <a:rPr lang="en-ID" sz="1200" b="0" dirty="0">
+                <a:solidFill>
+                  <a:schemeClr val="tx1"/>
+                </a:solidFill>
+                <a:effectLst/>
+                <a:latin typeface="Consolas" panose="020B0609020204030204" pitchFamily="49" charset="0"/>
+              </a:rPr>
+              <a:t>fpSys.execute();</a:t>
+            </a:r>
+          </a:p>
+        </p:txBody>
+      </p:sp>
+      <p:cxnSp>
+        <p:nvCxnSpPr>
+          <p:cNvPr id="48" name="Connector: Elbow 47">
+            <a:extLst>
+              <a:ext uri="{FF2B5EF4-FFF2-40B4-BE49-F238E27FC236}">
+                <a16:creationId xmlns:a16="http://schemas.microsoft.com/office/drawing/2014/main" id="{F70C21E4-AA56-416E-B606-92C921D20269}"/>
+              </a:ext>
+            </a:extLst>
+          </p:cNvPr>
+          <p:cNvCxnSpPr>
+            <a:cxnSpLocks/>
+            <a:stCxn id="26" idx="3"/>
+            <a:endCxn id="47" idx="1"/>
+          </p:cNvCxnSpPr>
+          <p:nvPr/>
+        </p:nvCxnSpPr>
+        <p:spPr>
+          <a:xfrm flipV="1">
+            <a:off x="3071132" y="4852073"/>
+            <a:ext cx="2072970" cy="295913"/>
+          </a:xfrm>
+          <a:prstGeom prst="bentConnector3">
+            <a:avLst>
+              <a:gd name="adj1" fmla="val 76956"/>
+            </a:avLst>
+          </a:prstGeom>
+          <a:ln w="19050">
+            <a:solidFill>
+              <a:schemeClr val="tx1"/>
+            </a:solidFill>
+            <a:tailEnd type="triangle"/>
+          </a:ln>
+        </p:spPr>
+        <p:style>
+          <a:lnRef idx="1">
+            <a:schemeClr val="accent1"/>
+          </a:lnRef>
+          <a:fillRef idx="0">
+            <a:schemeClr val="accent1"/>
+          </a:fillRef>
+          <a:effectRef idx="0">
+            <a:schemeClr val="accent1"/>
+          </a:effectRef>
+          <a:fontRef idx="minor">
+            <a:schemeClr val="tx1"/>
+          </a:fontRef>
+        </p:style>
+      </p:cxnSp>
+      <p:sp>
+        <p:nvSpPr>
+          <p:cNvPr id="51" name="Flowchart: Predefined Process 50">
+            <a:extLst>
+              <a:ext uri="{FF2B5EF4-FFF2-40B4-BE49-F238E27FC236}">
+                <a16:creationId xmlns:a16="http://schemas.microsoft.com/office/drawing/2014/main" id="{92FBE751-632B-4561-858E-55903FB43DD7}"/>
+              </a:ext>
+            </a:extLst>
+          </p:cNvPr>
+          <p:cNvSpPr/>
+          <p:nvPr/>
+        </p:nvSpPr>
+        <p:spPr>
+          <a:xfrm>
+            <a:off x="5292079" y="5631960"/>
+            <a:ext cx="3168353" cy="821376"/>
+          </a:xfrm>
+          <a:prstGeom prst="flowChartPredefinedProcess">
+            <a:avLst/>
+          </a:prstGeom>
+          <a:noFill/>
+          <a:ln>
+            <a:solidFill>
+              <a:schemeClr val="tx1"/>
+            </a:solidFill>
+          </a:ln>
+        </p:spPr>
+        <p:style>
+          <a:lnRef idx="2">
+            <a:schemeClr val="accent1">
+              <a:shade val="50000"/>
+            </a:schemeClr>
+          </a:lnRef>
+          <a:fillRef idx="1">
+            <a:schemeClr val="accent1"/>
+          </a:fillRef>
+          <a:effectRef idx="0">
+            <a:schemeClr val="accent1"/>
+          </a:effectRef>
+          <a:fontRef idx="minor">
+            <a:schemeClr val="lt1"/>
+          </a:fontRef>
+        </p:style>
+        <p:txBody>
+          <a:bodyPr rtlCol="0" anchor="ctr"/>
+          <a:lstStyle/>
+          <a:p>
+            <a:pPr algn="ctr"/>
+            <a:r>
+              <a:rPr lang="en-ID" sz="1200" b="0" dirty="0">
+                <a:solidFill>
+                  <a:schemeClr val="tx1"/>
+                </a:solidFill>
+                <a:effectLst/>
+                <a:latin typeface="Consolas" panose="020B0609020204030204" pitchFamily="49" charset="0"/>
+              </a:rPr>
+              <a:t>fpSys.updateParameter();</a:t>
+            </a:r>
+          </a:p>
+          <a:p>
+            <a:pPr algn="ctr"/>
+            <a:r>
+              <a:rPr lang="en-ID" sz="1200" b="0" dirty="0">
+                <a:solidFill>
+                  <a:schemeClr val="tx1"/>
+                </a:solidFill>
+                <a:effectLst/>
+                <a:latin typeface="Consolas" panose="020B0609020204030204" pitchFamily="49" charset="0"/>
+              </a:rPr>
+              <a:t>locPan.updateParameter();</a:t>
+            </a:r>
+          </a:p>
+          <a:p>
+            <a:pPr algn="ctr"/>
+            <a:r>
+              <a:rPr lang="en-ID" sz="1200" b="0" dirty="0">
+                <a:solidFill>
+                  <a:schemeClr val="tx1"/>
+                </a:solidFill>
+                <a:effectLst/>
+                <a:latin typeface="Consolas" panose="020B0609020204030204" pitchFamily="49" charset="0"/>
+              </a:rPr>
+              <a:t>fpSys.execute();</a:t>
+            </a:r>
+          </a:p>
+        </p:txBody>
+      </p:sp>
+      <p:cxnSp>
+        <p:nvCxnSpPr>
+          <p:cNvPr id="53" name="Connector: Elbow 52">
+            <a:extLst>
+              <a:ext uri="{FF2B5EF4-FFF2-40B4-BE49-F238E27FC236}">
+                <a16:creationId xmlns:a16="http://schemas.microsoft.com/office/drawing/2014/main" id="{0DCB30C1-1B7D-4286-95B3-80965F45DD72}"/>
+              </a:ext>
+            </a:extLst>
+          </p:cNvPr>
+          <p:cNvCxnSpPr>
+            <a:cxnSpLocks/>
+            <a:stCxn id="27" idx="3"/>
+            <a:endCxn id="51" idx="1"/>
+          </p:cNvCxnSpPr>
+          <p:nvPr/>
+        </p:nvCxnSpPr>
+        <p:spPr>
+          <a:xfrm flipV="1">
+            <a:off x="4932040" y="6042648"/>
+            <a:ext cx="360039" cy="41442"/>
+          </a:xfrm>
+          <a:prstGeom prst="bentConnector3">
+            <a:avLst/>
+          </a:prstGeom>
+          <a:ln w="19050">
+            <a:solidFill>
+              <a:schemeClr val="tx1"/>
+            </a:solidFill>
+            <a:tailEnd type="triangle"/>
+          </a:ln>
+        </p:spPr>
+        <p:style>
+          <a:lnRef idx="1">
+            <a:schemeClr val="accent1"/>
+          </a:lnRef>
+          <a:fillRef idx="0">
+            <a:schemeClr val="accent1"/>
+          </a:fillRef>
+          <a:effectRef idx="0">
+            <a:schemeClr val="accent1"/>
           </a:effectRef>
           <a:fontRef idx="minor">
             <a:schemeClr val="tx1"/>
@@ -11707,8 +12075,8 @@
         </p:nvSpPr>
         <p:spPr>
           <a:xfrm>
-            <a:off x="2879812" y="2551485"/>
-            <a:ext cx="1800200" cy="1224136"/>
+            <a:off x="1254572" y="2072754"/>
+            <a:ext cx="2789774" cy="1835384"/>
           </a:xfrm>
           <a:prstGeom prst="flowChartDecision">
             <a:avLst/>
@@ -11742,14 +12110,42 @@
           <a:p>
             <a:pPr algn="ctr"/>
             <a:r>
-              <a:rPr lang="en-ID" dirty="0">
+              <a:rPr lang="en-US" sz="1200" b="0" dirty="0">
+                <a:solidFill>
+                  <a:schemeClr val="tx1"/>
+                </a:solidFill>
+                <a:effectLst/>
+                <a:latin typeface="Consolas" panose="020B0609020204030204" pitchFamily="49" charset="0"/>
+              </a:rPr>
+              <a:t>(operationMode</a:t>
+            </a:r>
+            <a:r>
+              <a:rPr lang="en-ID" sz="1200" dirty="0">
                 <a:solidFill>
                   <a:schemeClr val="tx1"/>
                 </a:solidFill>
               </a:rPr>
-              <a:t>Val &gt; Setting</a:t>
-            </a:r>
-            <a:endParaRPr lang="en-US" dirty="0">
+              <a:t> = MODE_AUTO ) &amp; (</a:t>
+            </a:r>
+            <a:r>
+              <a:rPr lang="en-ID" sz="1200" b="0" dirty="0">
+                <a:solidFill>
+                  <a:schemeClr val="tx1"/>
+                </a:solidFill>
+                <a:effectLst/>
+                <a:latin typeface="Consolas" panose="020B0609020204030204" pitchFamily="49" charset="0"/>
+              </a:rPr>
+              <a:t>sensorStatus != NO_ALARM</a:t>
+            </a:r>
+            <a:r>
+              <a:rPr lang="en-ID" sz="1200" dirty="0">
+                <a:solidFill>
+                  <a:schemeClr val="tx1"/>
+                </a:solidFill>
+              </a:rPr>
+              <a:t>)</a:t>
+            </a:r>
+            <a:endParaRPr lang="en-US" sz="1200" dirty="0">
               <a:solidFill>
                 <a:schemeClr val="tx1"/>
               </a:solidFill>
@@ -11759,17 +12155,18 @@
       </p:sp>
       <p:cxnSp>
         <p:nvCxnSpPr>
-          <p:cNvPr id="7" name="Straight Arrow Connector 6"/>
+          <p:cNvPr id="9" name="Straight Arrow Connector 8"/>
           <p:cNvCxnSpPr>
-            <a:stCxn id="2" idx="2"/>
-            <a:endCxn id="5" idx="0"/>
+            <a:cxnSpLocks/>
+            <a:stCxn id="5" idx="3"/>
+            <a:endCxn id="14" idx="1"/>
           </p:cNvCxnSpPr>
           <p:nvPr/>
         </p:nvCxnSpPr>
         <p:spPr>
           <a:xfrm>
-            <a:off x="3779912" y="1844824"/>
-            <a:ext cx="0" cy="706661"/>
+            <a:off x="4044346" y="2990446"/>
+            <a:ext cx="375934" cy="0"/>
           </a:xfrm>
           <a:prstGeom prst="straightConnector1">
             <a:avLst/>
@@ -11779,6 +12176,489 @@
               <a:schemeClr val="tx1"/>
             </a:solidFill>
             <a:tailEnd type="arrow"/>
+          </a:ln>
+        </p:spPr>
+        <p:style>
+          <a:lnRef idx="1">
+            <a:schemeClr val="accent1"/>
+          </a:lnRef>
+          <a:fillRef idx="0">
+            <a:schemeClr val="accent1"/>
+          </a:fillRef>
+          <a:effectRef idx="0">
+            <a:schemeClr val="accent1"/>
+          </a:effectRef>
+          <a:fontRef idx="minor">
+            <a:schemeClr val="tx1"/>
+          </a:fontRef>
+        </p:style>
+      </p:cxnSp>
+      <p:sp>
+        <p:nvSpPr>
+          <p:cNvPr id="12" name="TextBox 11"/>
+          <p:cNvSpPr txBox="1"/>
+          <p:nvPr/>
+        </p:nvSpPr>
+        <p:spPr>
+          <a:xfrm>
+            <a:off x="3933647" y="2676024"/>
+            <a:ext cx="386837" cy="276999"/>
+          </a:xfrm>
+          <a:prstGeom prst="rect">
+            <a:avLst/>
+          </a:prstGeom>
+          <a:noFill/>
+        </p:spPr>
+        <p:txBody>
+          <a:bodyPr wrap="none" rtlCol="0">
+            <a:spAutoFit/>
+          </a:bodyPr>
+          <a:lstStyle/>
+          <a:p>
+            <a:r>
+              <a:rPr lang="en-ID" sz="1200" dirty="0"/>
+              <a:t>Yes</a:t>
+            </a:r>
+            <a:endParaRPr lang="en-US" sz="1200" dirty="0"/>
+          </a:p>
+        </p:txBody>
+      </p:sp>
+      <p:sp>
+        <p:nvSpPr>
+          <p:cNvPr id="13" name="TextBox 12"/>
+          <p:cNvSpPr txBox="1"/>
+          <p:nvPr/>
+        </p:nvSpPr>
+        <p:spPr>
+          <a:xfrm>
+            <a:off x="2793474" y="3984273"/>
+            <a:ext cx="365806" cy="276999"/>
+          </a:xfrm>
+          <a:prstGeom prst="rect">
+            <a:avLst/>
+          </a:prstGeom>
+          <a:noFill/>
+        </p:spPr>
+        <p:txBody>
+          <a:bodyPr wrap="none" rtlCol="0">
+            <a:spAutoFit/>
+          </a:bodyPr>
+          <a:lstStyle/>
+          <a:p>
+            <a:r>
+              <a:rPr lang="en-ID" sz="1200" dirty="0"/>
+              <a:t>No</a:t>
+            </a:r>
+            <a:endParaRPr lang="en-US" sz="1200" dirty="0"/>
+          </a:p>
+        </p:txBody>
+      </p:sp>
+      <p:sp>
+        <p:nvSpPr>
+          <p:cNvPr id="14" name="TextBox 13"/>
+          <p:cNvSpPr txBox="1"/>
+          <p:nvPr/>
+        </p:nvSpPr>
+        <p:spPr>
+          <a:xfrm>
+            <a:off x="4420280" y="2759613"/>
+            <a:ext cx="2023927" cy="461665"/>
+          </a:xfrm>
+          <a:prstGeom prst="rect">
+            <a:avLst/>
+          </a:prstGeom>
+          <a:noFill/>
+          <a:ln>
+            <a:solidFill>
+              <a:schemeClr val="tx1"/>
+            </a:solidFill>
+          </a:ln>
+        </p:spPr>
+        <p:txBody>
+          <a:bodyPr wrap="square" rtlCol="0">
+            <a:spAutoFit/>
+          </a:bodyPr>
+          <a:lstStyle/>
+          <a:p>
+            <a:pPr algn="ctr"/>
+            <a:r>
+              <a:rPr lang="en-US" sz="1200" b="0" dirty="0">
+                <a:solidFill>
+                  <a:schemeClr val="tx1"/>
+                </a:solidFill>
+                <a:effectLst/>
+                <a:latin typeface="Consolas" panose="020B0609020204030204" pitchFamily="49" charset="0"/>
+              </a:rPr>
+              <a:t>operationMode</a:t>
+            </a:r>
+            <a:r>
+              <a:rPr lang="en-ID" sz="1200" dirty="0"/>
+              <a:t>  = MODE_AUTO_ON</a:t>
+            </a:r>
+            <a:endParaRPr lang="en-US" sz="1200" dirty="0"/>
+          </a:p>
+        </p:txBody>
+      </p:sp>
+      <p:sp>
+        <p:nvSpPr>
+          <p:cNvPr id="16" name="TextBox 15"/>
+          <p:cNvSpPr txBox="1"/>
+          <p:nvPr/>
+        </p:nvSpPr>
+        <p:spPr>
+          <a:xfrm>
+            <a:off x="2571259" y="216933"/>
+            <a:ext cx="2874505" cy="553998"/>
+          </a:xfrm>
+          <a:prstGeom prst="rect">
+            <a:avLst/>
+          </a:prstGeom>
+          <a:noFill/>
+        </p:spPr>
+        <p:txBody>
+          <a:bodyPr wrap="none" rtlCol="0">
+            <a:spAutoFit/>
+          </a:bodyPr>
+          <a:lstStyle/>
+          <a:p>
+            <a:r>
+              <a:rPr lang="en-ID" b="1" dirty="0"/>
+              <a:t>Flowchart _fpSys-&gt;execute()</a:t>
+            </a:r>
+          </a:p>
+          <a:p>
+            <a:pPr algn="ctr"/>
+            <a:r>
+              <a:rPr lang="en-ID" sz="1200" dirty="0"/>
+              <a:t>File : fpSys.cpp</a:t>
+            </a:r>
+            <a:endParaRPr lang="en-US" sz="1200" dirty="0"/>
+          </a:p>
+        </p:txBody>
+      </p:sp>
+      <p:sp>
+        <p:nvSpPr>
+          <p:cNvPr id="2" name="Flowchart: Predefined Process 1"/>
+          <p:cNvSpPr/>
+          <p:nvPr/>
+        </p:nvSpPr>
+        <p:spPr>
+          <a:xfrm>
+            <a:off x="1254572" y="1095108"/>
+            <a:ext cx="6192688" cy="646325"/>
+          </a:xfrm>
+          <a:prstGeom prst="flowChartPredefinedProcess">
+            <a:avLst/>
+          </a:prstGeom>
+          <a:noFill/>
+          <a:ln>
+            <a:solidFill>
+              <a:schemeClr val="tx1"/>
+            </a:solidFill>
+          </a:ln>
+        </p:spPr>
+        <p:style>
+          <a:lnRef idx="2">
+            <a:schemeClr val="accent1">
+              <a:shade val="50000"/>
+            </a:schemeClr>
+          </a:lnRef>
+          <a:fillRef idx="1">
+            <a:schemeClr val="accent1"/>
+          </a:fillRef>
+          <a:effectRef idx="0">
+            <a:schemeClr val="accent1"/>
+          </a:effectRef>
+          <a:fontRef idx="minor">
+            <a:schemeClr val="lt1"/>
+          </a:fontRef>
+        </p:style>
+        <p:txBody>
+          <a:bodyPr rtlCol="0" anchor="ctr"/>
+          <a:lstStyle/>
+          <a:p>
+            <a:pPr algn="ctr"/>
+            <a:r>
+              <a:rPr lang="en-ID" sz="1200" b="0" dirty="0">
+                <a:solidFill>
+                  <a:schemeClr val="tx1"/>
+                </a:solidFill>
+                <a:effectLst/>
+                <a:latin typeface="Consolas" panose="020B0609020204030204" pitchFamily="49" charset="0"/>
+              </a:rPr>
+              <a:t>sensorStatus = _fireSensor-&gt;getStatus()</a:t>
+            </a:r>
+          </a:p>
+          <a:p>
+            <a:pPr algn="ctr"/>
+            <a:r>
+              <a:rPr lang="en-US" sz="1200" b="0" dirty="0">
+                <a:solidFill>
+                  <a:schemeClr val="tx1"/>
+                </a:solidFill>
+                <a:effectLst/>
+                <a:latin typeface="Consolas" panose="020B0609020204030204" pitchFamily="49" charset="0"/>
+              </a:rPr>
+              <a:t>operationMode = _pbAMRT-&gt;getCmd(DEBOUNCING_TIME)</a:t>
+            </a:r>
+          </a:p>
+          <a:p>
+            <a:pPr algn="ctr"/>
+            <a:r>
+              <a:rPr lang="en-ID" sz="1200" b="0" dirty="0">
+                <a:solidFill>
+                  <a:schemeClr val="tx1"/>
+                </a:solidFill>
+                <a:effectLst/>
+                <a:latin typeface="Consolas" panose="020B0609020204030204" pitchFamily="49" charset="0"/>
+              </a:rPr>
+              <a:t>this-&gt;_logicOperation(operationMode, sensorStatus)</a:t>
+            </a:r>
+            <a:endParaRPr lang="en-ID" sz="1200" dirty="0">
+              <a:solidFill>
+                <a:schemeClr val="tx1"/>
+              </a:solidFill>
+            </a:endParaRPr>
+          </a:p>
+        </p:txBody>
+      </p:sp>
+      <p:cxnSp>
+        <p:nvCxnSpPr>
+          <p:cNvPr id="39" name="Connector: Elbow 38">
+            <a:extLst>
+              <a:ext uri="{FF2B5EF4-FFF2-40B4-BE49-F238E27FC236}">
+                <a16:creationId xmlns:a16="http://schemas.microsoft.com/office/drawing/2014/main" id="{AB0C52CB-BFBC-45E9-A4BD-DBEBBA48C947}"/>
+              </a:ext>
+            </a:extLst>
+          </p:cNvPr>
+          <p:cNvCxnSpPr>
+            <a:cxnSpLocks/>
+            <a:stCxn id="2" idx="2"/>
+            <a:endCxn id="5" idx="0"/>
+          </p:cNvCxnSpPr>
+          <p:nvPr/>
+        </p:nvCxnSpPr>
+        <p:spPr>
+          <a:xfrm rot="5400000">
+            <a:off x="3334528" y="1056365"/>
+            <a:ext cx="331321" cy="1701457"/>
+          </a:xfrm>
+          <a:prstGeom prst="bentConnector3">
+            <a:avLst/>
+          </a:prstGeom>
+          <a:ln w="19050">
+            <a:solidFill>
+              <a:schemeClr val="tx1"/>
+            </a:solidFill>
+            <a:tailEnd type="triangle"/>
+          </a:ln>
+        </p:spPr>
+        <p:style>
+          <a:lnRef idx="1">
+            <a:schemeClr val="accent1"/>
+          </a:lnRef>
+          <a:fillRef idx="0">
+            <a:schemeClr val="accent1"/>
+          </a:fillRef>
+          <a:effectRef idx="0">
+            <a:schemeClr val="accent1"/>
+          </a:effectRef>
+          <a:fontRef idx="minor">
+            <a:schemeClr val="tx1"/>
+          </a:fontRef>
+        </p:style>
+      </p:cxnSp>
+      <p:sp>
+        <p:nvSpPr>
+          <p:cNvPr id="46" name="Flowchart: Predefined Process 45">
+            <a:extLst>
+              <a:ext uri="{FF2B5EF4-FFF2-40B4-BE49-F238E27FC236}">
+                <a16:creationId xmlns:a16="http://schemas.microsoft.com/office/drawing/2014/main" id="{60B6889A-AFEC-4BFE-BA6C-A66524781ADE}"/>
+              </a:ext>
+            </a:extLst>
+          </p:cNvPr>
+          <p:cNvSpPr/>
+          <p:nvPr/>
+        </p:nvSpPr>
+        <p:spPr>
+          <a:xfrm>
+            <a:off x="1259632" y="5373216"/>
+            <a:ext cx="6192688" cy="646325"/>
+          </a:xfrm>
+          <a:prstGeom prst="flowChartPredefinedProcess">
+            <a:avLst/>
+          </a:prstGeom>
+          <a:noFill/>
+          <a:ln>
+            <a:solidFill>
+              <a:schemeClr val="tx1"/>
+            </a:solidFill>
+          </a:ln>
+        </p:spPr>
+        <p:style>
+          <a:lnRef idx="2">
+            <a:schemeClr val="accent1">
+              <a:shade val="50000"/>
+            </a:schemeClr>
+          </a:lnRef>
+          <a:fillRef idx="1">
+            <a:schemeClr val="accent1"/>
+          </a:fillRef>
+          <a:effectRef idx="0">
+            <a:schemeClr val="accent1"/>
+          </a:effectRef>
+          <a:fontRef idx="minor">
+            <a:schemeClr val="lt1"/>
+          </a:fontRef>
+        </p:style>
+        <p:txBody>
+          <a:bodyPr rtlCol="0" anchor="ctr"/>
+          <a:lstStyle/>
+          <a:p>
+            <a:pPr algn="ctr"/>
+            <a:r>
+              <a:rPr lang="en-ID" sz="1200" b="0" dirty="0">
+                <a:solidFill>
+                  <a:schemeClr val="tx1"/>
+                </a:solidFill>
+                <a:effectLst/>
+                <a:latin typeface="Consolas" panose="020B0609020204030204" pitchFamily="49" charset="0"/>
+              </a:rPr>
+              <a:t>_ledAMR-&gt;status(operationMode)</a:t>
+            </a:r>
+          </a:p>
+          <a:p>
+            <a:pPr algn="ctr"/>
+            <a:r>
+              <a:rPr lang="en-ID" sz="1200" b="0" dirty="0">
+                <a:solidFill>
+                  <a:schemeClr val="tx1"/>
+                </a:solidFill>
+                <a:effectLst/>
+                <a:latin typeface="Consolas" panose="020B0609020204030204" pitchFamily="49" charset="0"/>
+              </a:rPr>
+              <a:t>Update parameter(sensor value, alarm, </a:t>
+            </a:r>
+            <a:r>
+              <a:rPr lang="en-US" sz="1200" b="0" dirty="0">
+                <a:solidFill>
+                  <a:schemeClr val="tx1"/>
+                </a:solidFill>
+                <a:effectLst/>
+                <a:latin typeface="Consolas" panose="020B0609020204030204" pitchFamily="49" charset="0"/>
+              </a:rPr>
+              <a:t>operationMode)</a:t>
+            </a:r>
+            <a:endParaRPr lang="en-ID" sz="1200" b="0" dirty="0">
+              <a:solidFill>
+                <a:schemeClr val="tx1"/>
+              </a:solidFill>
+              <a:effectLst/>
+              <a:latin typeface="Consolas" panose="020B0609020204030204" pitchFamily="49" charset="0"/>
+            </a:endParaRPr>
+          </a:p>
+          <a:p>
+            <a:pPr algn="ctr"/>
+            <a:r>
+              <a:rPr lang="en-ID" sz="1200" dirty="0">
+                <a:solidFill>
+                  <a:schemeClr val="tx1"/>
+                </a:solidFill>
+                <a:latin typeface="Consolas" panose="020B0609020204030204" pitchFamily="49" charset="0"/>
+              </a:rPr>
+              <a:t>Update exception</a:t>
+            </a:r>
+            <a:endParaRPr lang="en-ID" sz="1200" b="0" dirty="0">
+              <a:solidFill>
+                <a:schemeClr val="tx1"/>
+              </a:solidFill>
+              <a:effectLst/>
+              <a:latin typeface="Consolas" panose="020B0609020204030204" pitchFamily="49" charset="0"/>
+            </a:endParaRPr>
+          </a:p>
+        </p:txBody>
+      </p:sp>
+      <p:sp>
+        <p:nvSpPr>
+          <p:cNvPr id="50" name="Flowchart: Connector 49">
+            <a:extLst>
+              <a:ext uri="{FF2B5EF4-FFF2-40B4-BE49-F238E27FC236}">
+                <a16:creationId xmlns:a16="http://schemas.microsoft.com/office/drawing/2014/main" id="{85A5DEDA-7D14-4FE6-AE24-3848449208B7}"/>
+              </a:ext>
+            </a:extLst>
+          </p:cNvPr>
+          <p:cNvSpPr/>
+          <p:nvPr/>
+        </p:nvSpPr>
+        <p:spPr>
+          <a:xfrm>
+            <a:off x="4122316" y="4476215"/>
+            <a:ext cx="457200" cy="457200"/>
+          </a:xfrm>
+          <a:prstGeom prst="flowChartConnector">
+            <a:avLst/>
+          </a:prstGeom>
+          <a:noFill/>
+          <a:ln>
+            <a:solidFill>
+              <a:schemeClr val="tx1"/>
+            </a:solidFill>
+          </a:ln>
+        </p:spPr>
+        <p:style>
+          <a:lnRef idx="2">
+            <a:schemeClr val="accent1">
+              <a:shade val="50000"/>
+            </a:schemeClr>
+          </a:lnRef>
+          <a:fillRef idx="1">
+            <a:schemeClr val="accent1"/>
+          </a:fillRef>
+          <a:effectRef idx="0">
+            <a:schemeClr val="accent1"/>
+          </a:effectRef>
+          <a:fontRef idx="minor">
+            <a:schemeClr val="lt1"/>
+          </a:fontRef>
+        </p:style>
+        <p:txBody>
+          <a:bodyPr rtlCol="0" anchor="ctr"/>
+          <a:lstStyle/>
+          <a:p>
+            <a:pPr algn="ctr"/>
+            <a:endParaRPr lang="en-US"/>
+          </a:p>
+        </p:txBody>
+      </p:sp>
+      <p:cxnSp>
+        <p:nvCxnSpPr>
+          <p:cNvPr id="52" name="Connector: Elbow 51">
+            <a:extLst>
+              <a:ext uri="{FF2B5EF4-FFF2-40B4-BE49-F238E27FC236}">
+                <a16:creationId xmlns:a16="http://schemas.microsoft.com/office/drawing/2014/main" id="{34D277E0-BF56-42D2-A7D2-54099E8C4A70}"/>
+              </a:ext>
+            </a:extLst>
+          </p:cNvPr>
+          <p:cNvCxnSpPr>
+            <a:cxnSpLocks/>
+            <a:stCxn id="14" idx="2"/>
+            <a:endCxn id="50" idx="6"/>
+          </p:cNvCxnSpPr>
+          <p:nvPr/>
+        </p:nvCxnSpPr>
+        <p:spPr>
+          <a:xfrm rot="5400000">
+            <a:off x="4264112" y="3536682"/>
+            <a:ext cx="1483537" cy="852728"/>
+          </a:xfrm>
+          <a:prstGeom prst="bentConnector2">
+            <a:avLst/>
+          </a:prstGeom>
+          <a:ln w="19050">
+            <a:solidFill>
+              <a:schemeClr val="tx1"/>
+            </a:solidFill>
+            <a:tailEnd type="triangle"/>
           </a:ln>
         </p:spPr>
         <p:style>
@@ -11798,37 +12678,41 @@
       </p:cxnSp>
       <p:cxnSp>
         <p:nvCxnSpPr>
-          <p:cNvPr id="9" name="Straight Arrow Connector 8"/>
+          <p:cNvPr id="54" name="Connector: Elbow 53">
+            <a:extLst>
+              <a:ext uri="{FF2B5EF4-FFF2-40B4-BE49-F238E27FC236}">
+                <a16:creationId xmlns:a16="http://schemas.microsoft.com/office/drawing/2014/main" id="{25DB5EC8-72C6-486F-B231-530ED590DF59}"/>
+              </a:ext>
+            </a:extLst>
+          </p:cNvPr>
           <p:cNvCxnSpPr>
-            <a:stCxn id="5" idx="3"/>
-            <a:endCxn id="14" idx="1"/>
+            <a:cxnSpLocks/>
+            <a:stCxn id="5" idx="2"/>
+            <a:endCxn id="50" idx="2"/>
           </p:cNvCxnSpPr>
           <p:nvPr/>
         </p:nvCxnSpPr>
         <p:spPr>
-          <a:xfrm>
-            <a:off x="4680012" y="3163553"/>
-            <a:ext cx="828092" cy="0"/>
-          </a:xfrm>
-          <a:prstGeom prst="straightConnector1">
+          <a:xfrm rot="16200000" flipH="1">
+            <a:off x="2987549" y="3570047"/>
+            <a:ext cx="796677" cy="1472857"/>
+          </a:xfrm>
+          <a:prstGeom prst="bentConnector2">
             <a:avLst/>
           </a:prstGeom>
           <a:ln w="19050">
-            <a:solidFill>
-              <a:schemeClr val="tx1"/>
-            </a:solidFill>
-            <a:tailEnd type="arrow"/>
+            <a:tailEnd type="triangle"/>
           </a:ln>
         </p:spPr>
         <p:style>
           <a:lnRef idx="1">
-            <a:schemeClr val="accent1"/>
+            <a:schemeClr val="dk1"/>
           </a:lnRef>
           <a:fillRef idx="0">
-            <a:schemeClr val="accent1"/>
+            <a:schemeClr val="dk1"/>
           </a:fillRef>
           <a:effectRef idx="0">
-            <a:schemeClr val="accent1"/>
+            <a:schemeClr val="dk1"/>
           </a:effectRef>
           <a:fontRef idx="minor">
             <a:schemeClr val="tx1"/>
@@ -11837,455 +12721,50 @@
       </p:cxnSp>
       <p:cxnSp>
         <p:nvCxnSpPr>
-          <p:cNvPr id="11" name="Straight Arrow Connector 10"/>
+          <p:cNvPr id="59" name="Straight Arrow Connector 58">
+            <a:extLst>
+              <a:ext uri="{FF2B5EF4-FFF2-40B4-BE49-F238E27FC236}">
+                <a16:creationId xmlns:a16="http://schemas.microsoft.com/office/drawing/2014/main" id="{446244A4-2DB1-4FBF-8535-D27CB03FB67A}"/>
+              </a:ext>
+            </a:extLst>
+          </p:cNvPr>
           <p:cNvCxnSpPr>
-            <a:stCxn id="5" idx="2"/>
-            <a:endCxn id="25" idx="0"/>
+            <a:stCxn id="50" idx="4"/>
+            <a:endCxn id="46" idx="0"/>
           </p:cNvCxnSpPr>
           <p:nvPr/>
         </p:nvCxnSpPr>
         <p:spPr>
           <a:xfrm>
-            <a:off x="3779912" y="3775621"/>
-            <a:ext cx="0" cy="620045"/>
+            <a:off x="4350916" y="4933415"/>
+            <a:ext cx="5060" cy="439801"/>
           </a:xfrm>
           <a:prstGeom prst="straightConnector1">
             <a:avLst/>
           </a:prstGeom>
           <a:ln w="19050">
-            <a:solidFill>
-              <a:schemeClr val="tx1"/>
-            </a:solidFill>
-            <a:tailEnd type="arrow"/>
+            <a:tailEnd type="triangle"/>
           </a:ln>
         </p:spPr>
         <p:style>
           <a:lnRef idx="1">
-            <a:schemeClr val="accent1"/>
+            <a:schemeClr val="dk1"/>
           </a:lnRef>
           <a:fillRef idx="0">
-            <a:schemeClr val="accent1"/>
+            <a:schemeClr val="dk1"/>
           </a:fillRef>
           <a:effectRef idx="0">
-            <a:schemeClr val="accent1"/>
+            <a:schemeClr val="dk1"/>
           </a:effectRef>
           <a:fontRef idx="minor">
             <a:schemeClr val="tx1"/>
           </a:fontRef>
         </p:style>
       </p:cxnSp>
-      <p:sp>
-        <p:nvSpPr>
-          <p:cNvPr id="12" name="TextBox 11"/>
-          <p:cNvSpPr txBox="1"/>
-          <p:nvPr/>
-        </p:nvSpPr>
-        <p:spPr>
-          <a:xfrm>
-            <a:off x="4890478" y="2758746"/>
-            <a:ext cx="485518" cy="369332"/>
-          </a:xfrm>
-          <a:prstGeom prst="rect">
-            <a:avLst/>
-          </a:prstGeom>
-          <a:noFill/>
-        </p:spPr>
-        <p:txBody>
-          <a:bodyPr wrap="none" rtlCol="0">
-            <a:spAutoFit/>
-          </a:bodyPr>
-          <a:lstStyle/>
-          <a:p>
-            <a:r>
-              <a:rPr lang="en-ID" dirty="0"/>
-              <a:t>Yes</a:t>
-            </a:r>
-            <a:endParaRPr lang="en-US" dirty="0"/>
-          </a:p>
-        </p:txBody>
-      </p:sp>
-      <p:sp>
-        <p:nvSpPr>
-          <p:cNvPr id="13" name="TextBox 12"/>
-          <p:cNvSpPr txBox="1"/>
-          <p:nvPr/>
-        </p:nvSpPr>
-        <p:spPr>
-          <a:xfrm>
-            <a:off x="3851920" y="3851756"/>
-            <a:ext cx="455574" cy="369332"/>
-          </a:xfrm>
-          <a:prstGeom prst="rect">
-            <a:avLst/>
-          </a:prstGeom>
-          <a:noFill/>
-        </p:spPr>
-        <p:txBody>
-          <a:bodyPr wrap="none" rtlCol="0">
-            <a:spAutoFit/>
-          </a:bodyPr>
-          <a:lstStyle/>
-          <a:p>
-            <a:r>
-              <a:rPr lang="en-ID" dirty="0"/>
-              <a:t>No</a:t>
-            </a:r>
-            <a:endParaRPr lang="en-US" dirty="0"/>
-          </a:p>
-        </p:txBody>
-      </p:sp>
-      <p:sp>
-        <p:nvSpPr>
-          <p:cNvPr id="14" name="TextBox 13"/>
-          <p:cNvSpPr txBox="1"/>
-          <p:nvPr/>
-        </p:nvSpPr>
-        <p:spPr>
-          <a:xfrm>
-            <a:off x="5508104" y="2840387"/>
-            <a:ext cx="1656184" cy="646331"/>
-          </a:xfrm>
-          <a:prstGeom prst="rect">
-            <a:avLst/>
-          </a:prstGeom>
-          <a:noFill/>
-          <a:ln>
-            <a:solidFill>
-              <a:schemeClr val="tx1"/>
-            </a:solidFill>
-          </a:ln>
-        </p:spPr>
-        <p:txBody>
-          <a:bodyPr wrap="square" rtlCol="0">
-            <a:spAutoFit/>
-          </a:bodyPr>
-          <a:lstStyle/>
-          <a:p>
-            <a:pPr algn="ctr"/>
-            <a:r>
-              <a:rPr lang="en-ID" dirty="0"/>
-              <a:t>statusAi  = HIGH_ALARM</a:t>
-            </a:r>
-            <a:endParaRPr lang="en-US" dirty="0"/>
-          </a:p>
-        </p:txBody>
-      </p:sp>
-      <p:sp>
-        <p:nvSpPr>
-          <p:cNvPr id="16" name="TextBox 15"/>
-          <p:cNvSpPr txBox="1"/>
-          <p:nvPr/>
-        </p:nvSpPr>
-        <p:spPr>
-          <a:xfrm>
-            <a:off x="2457033" y="332656"/>
-            <a:ext cx="3495701" cy="369332"/>
-          </a:xfrm>
-          <a:prstGeom prst="rect">
-            <a:avLst/>
-          </a:prstGeom>
-          <a:noFill/>
-        </p:spPr>
-        <p:txBody>
-          <a:bodyPr wrap="none" rtlCol="0">
-            <a:spAutoFit/>
-          </a:bodyPr>
-          <a:lstStyle/>
-          <a:p>
-            <a:r>
-              <a:rPr lang="en-ID" b="1" dirty="0"/>
-              <a:t>Flowchart _fireSensor-&gt;getStatus()</a:t>
-            </a:r>
-            <a:endParaRPr lang="en-US" b="1" dirty="0"/>
-          </a:p>
-        </p:txBody>
-      </p:sp>
-      <p:sp>
-        <p:nvSpPr>
-          <p:cNvPr id="2" name="Flowchart: Predefined Process 1"/>
-          <p:cNvSpPr/>
-          <p:nvPr/>
-        </p:nvSpPr>
-        <p:spPr>
-          <a:xfrm>
-            <a:off x="1619672" y="836712"/>
-            <a:ext cx="4320480" cy="1008112"/>
-          </a:xfrm>
-          <a:prstGeom prst="flowChartPredefinedProcess">
-            <a:avLst/>
-          </a:prstGeom>
-          <a:noFill/>
-          <a:ln>
-            <a:solidFill>
-              <a:schemeClr val="tx1"/>
-            </a:solidFill>
-          </a:ln>
-        </p:spPr>
-        <p:style>
-          <a:lnRef idx="2">
-            <a:schemeClr val="accent1">
-              <a:shade val="50000"/>
-            </a:schemeClr>
-          </a:lnRef>
-          <a:fillRef idx="1">
-            <a:schemeClr val="accent1"/>
-          </a:fillRef>
-          <a:effectRef idx="0">
-            <a:schemeClr val="accent1"/>
-          </a:effectRef>
-          <a:fontRef idx="minor">
-            <a:schemeClr val="lt1"/>
-          </a:fontRef>
-        </p:style>
-        <p:txBody>
-          <a:bodyPr rtlCol="0" anchor="ctr"/>
-          <a:lstStyle/>
-          <a:p>
-            <a:pPr algn="ctr"/>
-            <a:endParaRPr lang="en-ID" dirty="0">
-              <a:solidFill>
-                <a:schemeClr val="tx1"/>
-              </a:solidFill>
-            </a:endParaRPr>
-          </a:p>
-          <a:p>
-            <a:pPr algn="ctr"/>
-            <a:r>
-              <a:rPr lang="en-ID" dirty="0">
-                <a:solidFill>
-                  <a:schemeClr val="tx1"/>
-                </a:solidFill>
-              </a:rPr>
-              <a:t>getValue from sensor</a:t>
-            </a:r>
-          </a:p>
-          <a:p>
-            <a:pPr algn="ctr"/>
-            <a:r>
-              <a:rPr lang="en-ID" dirty="0">
-                <a:solidFill>
-                  <a:schemeClr val="tx1"/>
-                </a:solidFill>
-              </a:rPr>
-              <a:t>(with AlfaEMA filter)</a:t>
-            </a:r>
-          </a:p>
-          <a:p>
-            <a:pPr algn="ctr"/>
-            <a:r>
-              <a:rPr lang="en-ID" dirty="0">
-                <a:solidFill>
-                  <a:schemeClr val="tx1"/>
-                </a:solidFill>
-              </a:rPr>
-              <a:t>statusAi = NO_ALARM</a:t>
-            </a:r>
-            <a:endParaRPr lang="en-US" dirty="0">
-              <a:solidFill>
-                <a:schemeClr val="tx1"/>
-              </a:solidFill>
-            </a:endParaRPr>
-          </a:p>
-          <a:p>
-            <a:pPr algn="ctr"/>
-            <a:endParaRPr lang="en-US" dirty="0"/>
-          </a:p>
-        </p:txBody>
-      </p:sp>
-      <p:sp>
-        <p:nvSpPr>
-          <p:cNvPr id="18" name="TextBox 17"/>
-          <p:cNvSpPr txBox="1"/>
-          <p:nvPr/>
-        </p:nvSpPr>
-        <p:spPr>
-          <a:xfrm>
-            <a:off x="2945291" y="5517232"/>
-            <a:ext cx="1656184" cy="646331"/>
-          </a:xfrm>
-          <a:prstGeom prst="rect">
-            <a:avLst/>
-          </a:prstGeom>
-          <a:noFill/>
-          <a:ln>
-            <a:solidFill>
-              <a:schemeClr val="tx1"/>
-            </a:solidFill>
-          </a:ln>
-        </p:spPr>
-        <p:txBody>
-          <a:bodyPr wrap="square" rtlCol="0">
-            <a:spAutoFit/>
-          </a:bodyPr>
-          <a:lstStyle/>
-          <a:p>
-            <a:pPr algn="ctr"/>
-            <a:r>
-              <a:rPr lang="en-ID" dirty="0"/>
-              <a:t>return (statusAi)</a:t>
-            </a:r>
-            <a:endParaRPr lang="en-US" dirty="0"/>
-          </a:p>
-        </p:txBody>
-      </p:sp>
-      <p:cxnSp>
-        <p:nvCxnSpPr>
-          <p:cNvPr id="19" name="Straight Arrow Connector 18"/>
-          <p:cNvCxnSpPr>
-            <a:stCxn id="25" idx="4"/>
-            <a:endCxn id="18" idx="0"/>
-          </p:cNvCxnSpPr>
-          <p:nvPr/>
-        </p:nvCxnSpPr>
-        <p:spPr>
-          <a:xfrm flipH="1">
-            <a:off x="3773383" y="4852866"/>
-            <a:ext cx="6529" cy="664366"/>
-          </a:xfrm>
-          <a:prstGeom prst="straightConnector1">
-            <a:avLst/>
-          </a:prstGeom>
-          <a:ln w="19050">
-            <a:solidFill>
-              <a:schemeClr val="tx1"/>
-            </a:solidFill>
-            <a:tailEnd type="arrow"/>
-          </a:ln>
-        </p:spPr>
-        <p:style>
-          <a:lnRef idx="1">
-            <a:schemeClr val="accent1"/>
-          </a:lnRef>
-          <a:fillRef idx="0">
-            <a:schemeClr val="accent1"/>
-          </a:fillRef>
-          <a:effectRef idx="0">
-            <a:schemeClr val="accent1"/>
-          </a:effectRef>
-          <a:fontRef idx="minor">
-            <a:schemeClr val="tx1"/>
-          </a:fontRef>
-        </p:style>
-      </p:cxnSp>
-      <p:cxnSp>
-        <p:nvCxnSpPr>
-          <p:cNvPr id="21" name="Elbow Connector 20"/>
-          <p:cNvCxnSpPr>
-            <a:stCxn id="14" idx="2"/>
-            <a:endCxn id="25" idx="6"/>
-          </p:cNvCxnSpPr>
-          <p:nvPr/>
-        </p:nvCxnSpPr>
-        <p:spPr>
-          <a:xfrm rot="5400000">
-            <a:off x="4603580" y="2891650"/>
-            <a:ext cx="1137548" cy="2327684"/>
-          </a:xfrm>
-          <a:prstGeom prst="bentConnector2">
-            <a:avLst/>
-          </a:prstGeom>
-          <a:ln w="19050">
-            <a:solidFill>
-              <a:schemeClr val="tx1"/>
-            </a:solidFill>
-            <a:tailEnd type="arrow"/>
-          </a:ln>
-        </p:spPr>
-        <p:style>
-          <a:lnRef idx="1">
-            <a:schemeClr val="accent1"/>
-          </a:lnRef>
-          <a:fillRef idx="0">
-            <a:schemeClr val="accent1"/>
-          </a:fillRef>
-          <a:effectRef idx="0">
-            <a:schemeClr val="accent1"/>
-          </a:effectRef>
-          <a:fontRef idx="minor">
-            <a:schemeClr val="tx1"/>
-          </a:fontRef>
-        </p:style>
-      </p:cxnSp>
-      <p:sp>
-        <p:nvSpPr>
-          <p:cNvPr id="24" name="TextBox 23"/>
-          <p:cNvSpPr txBox="1"/>
-          <p:nvPr/>
-        </p:nvSpPr>
-        <p:spPr>
-          <a:xfrm>
-            <a:off x="5422877" y="6163563"/>
-            <a:ext cx="3541611" cy="369332"/>
-          </a:xfrm>
-          <a:prstGeom prst="rect">
-            <a:avLst/>
-          </a:prstGeom>
-          <a:noFill/>
-        </p:spPr>
-        <p:txBody>
-          <a:bodyPr wrap="none" rtlCol="0">
-            <a:spAutoFit/>
-          </a:bodyPr>
-          <a:lstStyle/>
-          <a:p>
-            <a:r>
-              <a:rPr lang="en-ID" dirty="0"/>
-              <a:t>File : src\ioDevices\analogInput.cpp</a:t>
-            </a:r>
-            <a:endParaRPr lang="en-US" dirty="0"/>
-          </a:p>
-        </p:txBody>
-      </p:sp>
-      <p:sp>
-        <p:nvSpPr>
-          <p:cNvPr id="25" name="Flowchart: Connector 24"/>
-          <p:cNvSpPr/>
-          <p:nvPr/>
-        </p:nvSpPr>
-        <p:spPr>
-          <a:xfrm>
-            <a:off x="3551312" y="4395666"/>
-            <a:ext cx="457200" cy="457200"/>
-          </a:xfrm>
-          <a:prstGeom prst="flowChartConnector">
-            <a:avLst/>
-          </a:prstGeom>
-          <a:noFill/>
-          <a:ln>
-            <a:solidFill>
-              <a:schemeClr val="tx1"/>
-            </a:solidFill>
-          </a:ln>
-        </p:spPr>
-        <p:style>
-          <a:lnRef idx="2">
-            <a:schemeClr val="accent1">
-              <a:shade val="50000"/>
-            </a:schemeClr>
-          </a:lnRef>
-          <a:fillRef idx="1">
-            <a:schemeClr val="accent1"/>
-          </a:fillRef>
-          <a:effectRef idx="0">
-            <a:schemeClr val="accent1"/>
-          </a:effectRef>
-          <a:fontRef idx="minor">
-            <a:schemeClr val="lt1"/>
-          </a:fontRef>
-        </p:style>
-        <p:txBody>
-          <a:bodyPr rtlCol="0" anchor="ctr"/>
-          <a:lstStyle/>
-          <a:p>
-            <a:pPr algn="ctr"/>
-            <a:endParaRPr lang="en-US"/>
-          </a:p>
-        </p:txBody>
-      </p:sp>
     </p:spTree>
     <p:extLst>
       <p:ext uri="{BB962C8B-B14F-4D97-AF65-F5344CB8AC3E}">
-        <p14:creationId xmlns:p14="http://schemas.microsoft.com/office/powerpoint/2010/main" val="3718141921"/>
+        <p14:creationId xmlns:p14="http://schemas.microsoft.com/office/powerpoint/2010/main" val="640510350"/>
       </p:ext>
     </p:extLst>
   </p:cSld>
@@ -12314,6 +12793,619 @@
       </p:grpSpPr>
       <p:sp>
         <p:nvSpPr>
+          <p:cNvPr id="5" name="Flowchart: Decision 4"/>
+          <p:cNvSpPr/>
+          <p:nvPr/>
+        </p:nvSpPr>
+        <p:spPr>
+          <a:xfrm>
+            <a:off x="2879812" y="2551485"/>
+            <a:ext cx="1800200" cy="1224136"/>
+          </a:xfrm>
+          <a:prstGeom prst="flowChartDecision">
+            <a:avLst/>
+          </a:prstGeom>
+          <a:noFill/>
+          <a:ln>
+            <a:solidFill>
+              <a:schemeClr val="tx1"/>
+            </a:solidFill>
+          </a:ln>
+        </p:spPr>
+        <p:style>
+          <a:lnRef idx="2">
+            <a:schemeClr val="accent1">
+              <a:shade val="50000"/>
+            </a:schemeClr>
+          </a:lnRef>
+          <a:fillRef idx="1">
+            <a:schemeClr val="accent1"/>
+          </a:fillRef>
+          <a:effectRef idx="0">
+            <a:schemeClr val="accent1"/>
+          </a:effectRef>
+          <a:fontRef idx="minor">
+            <a:schemeClr val="lt1"/>
+          </a:fontRef>
+        </p:style>
+        <p:txBody>
+          <a:bodyPr rtlCol="0" anchor="ctr"/>
+          <a:lstStyle/>
+          <a:p>
+            <a:pPr algn="ctr"/>
+            <a:r>
+              <a:rPr lang="en-ID" dirty="0">
+                <a:solidFill>
+                  <a:schemeClr val="tx1"/>
+                </a:solidFill>
+              </a:rPr>
+              <a:t>Val &gt; Setting</a:t>
+            </a:r>
+            <a:endParaRPr lang="en-US" dirty="0">
+              <a:solidFill>
+                <a:schemeClr val="tx1"/>
+              </a:solidFill>
+            </a:endParaRPr>
+          </a:p>
+        </p:txBody>
+      </p:sp>
+      <p:cxnSp>
+        <p:nvCxnSpPr>
+          <p:cNvPr id="7" name="Straight Arrow Connector 6"/>
+          <p:cNvCxnSpPr>
+            <a:stCxn id="2" idx="2"/>
+            <a:endCxn id="5" idx="0"/>
+          </p:cNvCxnSpPr>
+          <p:nvPr/>
+        </p:nvCxnSpPr>
+        <p:spPr>
+          <a:xfrm>
+            <a:off x="3779912" y="1844824"/>
+            <a:ext cx="0" cy="706661"/>
+          </a:xfrm>
+          <a:prstGeom prst="straightConnector1">
+            <a:avLst/>
+          </a:prstGeom>
+          <a:ln w="19050">
+            <a:solidFill>
+              <a:schemeClr val="tx1"/>
+            </a:solidFill>
+            <a:tailEnd type="arrow"/>
+          </a:ln>
+        </p:spPr>
+        <p:style>
+          <a:lnRef idx="1">
+            <a:schemeClr val="accent1"/>
+          </a:lnRef>
+          <a:fillRef idx="0">
+            <a:schemeClr val="accent1"/>
+          </a:fillRef>
+          <a:effectRef idx="0">
+            <a:schemeClr val="accent1"/>
+          </a:effectRef>
+          <a:fontRef idx="minor">
+            <a:schemeClr val="tx1"/>
+          </a:fontRef>
+        </p:style>
+      </p:cxnSp>
+      <p:cxnSp>
+        <p:nvCxnSpPr>
+          <p:cNvPr id="9" name="Straight Arrow Connector 8"/>
+          <p:cNvCxnSpPr>
+            <a:stCxn id="5" idx="3"/>
+            <a:endCxn id="14" idx="1"/>
+          </p:cNvCxnSpPr>
+          <p:nvPr/>
+        </p:nvCxnSpPr>
+        <p:spPr>
+          <a:xfrm>
+            <a:off x="4680012" y="3163553"/>
+            <a:ext cx="828092" cy="0"/>
+          </a:xfrm>
+          <a:prstGeom prst="straightConnector1">
+            <a:avLst/>
+          </a:prstGeom>
+          <a:ln w="19050">
+            <a:solidFill>
+              <a:schemeClr val="tx1"/>
+            </a:solidFill>
+            <a:tailEnd type="arrow"/>
+          </a:ln>
+        </p:spPr>
+        <p:style>
+          <a:lnRef idx="1">
+            <a:schemeClr val="accent1"/>
+          </a:lnRef>
+          <a:fillRef idx="0">
+            <a:schemeClr val="accent1"/>
+          </a:fillRef>
+          <a:effectRef idx="0">
+            <a:schemeClr val="accent1"/>
+          </a:effectRef>
+          <a:fontRef idx="minor">
+            <a:schemeClr val="tx1"/>
+          </a:fontRef>
+        </p:style>
+      </p:cxnSp>
+      <p:cxnSp>
+        <p:nvCxnSpPr>
+          <p:cNvPr id="11" name="Straight Arrow Connector 10"/>
+          <p:cNvCxnSpPr>
+            <a:stCxn id="5" idx="2"/>
+            <a:endCxn id="25" idx="0"/>
+          </p:cNvCxnSpPr>
+          <p:nvPr/>
+        </p:nvCxnSpPr>
+        <p:spPr>
+          <a:xfrm>
+            <a:off x="3779912" y="3775621"/>
+            <a:ext cx="0" cy="620045"/>
+          </a:xfrm>
+          <a:prstGeom prst="straightConnector1">
+            <a:avLst/>
+          </a:prstGeom>
+          <a:ln w="19050">
+            <a:solidFill>
+              <a:schemeClr val="tx1"/>
+            </a:solidFill>
+            <a:tailEnd type="arrow"/>
+          </a:ln>
+        </p:spPr>
+        <p:style>
+          <a:lnRef idx="1">
+            <a:schemeClr val="accent1"/>
+          </a:lnRef>
+          <a:fillRef idx="0">
+            <a:schemeClr val="accent1"/>
+          </a:fillRef>
+          <a:effectRef idx="0">
+            <a:schemeClr val="accent1"/>
+          </a:effectRef>
+          <a:fontRef idx="minor">
+            <a:schemeClr val="tx1"/>
+          </a:fontRef>
+        </p:style>
+      </p:cxnSp>
+      <p:sp>
+        <p:nvSpPr>
+          <p:cNvPr id="12" name="TextBox 11"/>
+          <p:cNvSpPr txBox="1"/>
+          <p:nvPr/>
+        </p:nvSpPr>
+        <p:spPr>
+          <a:xfrm>
+            <a:off x="4890478" y="2758746"/>
+            <a:ext cx="485518" cy="369332"/>
+          </a:xfrm>
+          <a:prstGeom prst="rect">
+            <a:avLst/>
+          </a:prstGeom>
+          <a:noFill/>
+        </p:spPr>
+        <p:txBody>
+          <a:bodyPr wrap="none" rtlCol="0">
+            <a:spAutoFit/>
+          </a:bodyPr>
+          <a:lstStyle/>
+          <a:p>
+            <a:r>
+              <a:rPr lang="en-ID" dirty="0"/>
+              <a:t>Yes</a:t>
+            </a:r>
+            <a:endParaRPr lang="en-US" dirty="0"/>
+          </a:p>
+        </p:txBody>
+      </p:sp>
+      <p:sp>
+        <p:nvSpPr>
+          <p:cNvPr id="13" name="TextBox 12"/>
+          <p:cNvSpPr txBox="1"/>
+          <p:nvPr/>
+        </p:nvSpPr>
+        <p:spPr>
+          <a:xfrm>
+            <a:off x="3851920" y="3851756"/>
+            <a:ext cx="455574" cy="369332"/>
+          </a:xfrm>
+          <a:prstGeom prst="rect">
+            <a:avLst/>
+          </a:prstGeom>
+          <a:noFill/>
+        </p:spPr>
+        <p:txBody>
+          <a:bodyPr wrap="none" rtlCol="0">
+            <a:spAutoFit/>
+          </a:bodyPr>
+          <a:lstStyle/>
+          <a:p>
+            <a:r>
+              <a:rPr lang="en-ID" dirty="0"/>
+              <a:t>No</a:t>
+            </a:r>
+            <a:endParaRPr lang="en-US" dirty="0"/>
+          </a:p>
+        </p:txBody>
+      </p:sp>
+      <p:sp>
+        <p:nvSpPr>
+          <p:cNvPr id="14" name="TextBox 13"/>
+          <p:cNvSpPr txBox="1"/>
+          <p:nvPr/>
+        </p:nvSpPr>
+        <p:spPr>
+          <a:xfrm>
+            <a:off x="5508104" y="2840387"/>
+            <a:ext cx="1656184" cy="646331"/>
+          </a:xfrm>
+          <a:prstGeom prst="rect">
+            <a:avLst/>
+          </a:prstGeom>
+          <a:noFill/>
+          <a:ln>
+            <a:solidFill>
+              <a:schemeClr val="tx1"/>
+            </a:solidFill>
+          </a:ln>
+        </p:spPr>
+        <p:txBody>
+          <a:bodyPr wrap="square" rtlCol="0">
+            <a:spAutoFit/>
+          </a:bodyPr>
+          <a:lstStyle/>
+          <a:p>
+            <a:pPr algn="ctr"/>
+            <a:r>
+              <a:rPr lang="en-ID" dirty="0"/>
+              <a:t>statusAi  = HIGH_ALARM</a:t>
+            </a:r>
+            <a:endParaRPr lang="en-US" dirty="0"/>
+          </a:p>
+        </p:txBody>
+      </p:sp>
+      <p:sp>
+        <p:nvSpPr>
+          <p:cNvPr id="16" name="TextBox 15"/>
+          <p:cNvSpPr txBox="1"/>
+          <p:nvPr/>
+        </p:nvSpPr>
+        <p:spPr>
+          <a:xfrm>
+            <a:off x="2457033" y="332656"/>
+            <a:ext cx="3495701" cy="369332"/>
+          </a:xfrm>
+          <a:prstGeom prst="rect">
+            <a:avLst/>
+          </a:prstGeom>
+          <a:noFill/>
+        </p:spPr>
+        <p:txBody>
+          <a:bodyPr wrap="none" rtlCol="0">
+            <a:spAutoFit/>
+          </a:bodyPr>
+          <a:lstStyle/>
+          <a:p>
+            <a:r>
+              <a:rPr lang="en-ID" b="1" dirty="0"/>
+              <a:t>Flowchart _fireSensor-&gt;getStatus()</a:t>
+            </a:r>
+            <a:endParaRPr lang="en-US" b="1" dirty="0"/>
+          </a:p>
+        </p:txBody>
+      </p:sp>
+      <p:sp>
+        <p:nvSpPr>
+          <p:cNvPr id="2" name="Flowchart: Predefined Process 1"/>
+          <p:cNvSpPr/>
+          <p:nvPr/>
+        </p:nvSpPr>
+        <p:spPr>
+          <a:xfrm>
+            <a:off x="1619672" y="836712"/>
+            <a:ext cx="4320480" cy="1008112"/>
+          </a:xfrm>
+          <a:prstGeom prst="flowChartPredefinedProcess">
+            <a:avLst/>
+          </a:prstGeom>
+          <a:noFill/>
+          <a:ln>
+            <a:solidFill>
+              <a:schemeClr val="tx1"/>
+            </a:solidFill>
+          </a:ln>
+        </p:spPr>
+        <p:style>
+          <a:lnRef idx="2">
+            <a:schemeClr val="accent1">
+              <a:shade val="50000"/>
+            </a:schemeClr>
+          </a:lnRef>
+          <a:fillRef idx="1">
+            <a:schemeClr val="accent1"/>
+          </a:fillRef>
+          <a:effectRef idx="0">
+            <a:schemeClr val="accent1"/>
+          </a:effectRef>
+          <a:fontRef idx="minor">
+            <a:schemeClr val="lt1"/>
+          </a:fontRef>
+        </p:style>
+        <p:txBody>
+          <a:bodyPr rtlCol="0" anchor="ctr"/>
+          <a:lstStyle/>
+          <a:p>
+            <a:pPr algn="ctr"/>
+            <a:endParaRPr lang="en-ID" dirty="0">
+              <a:solidFill>
+                <a:schemeClr val="tx1"/>
+              </a:solidFill>
+            </a:endParaRPr>
+          </a:p>
+          <a:p>
+            <a:pPr algn="ctr"/>
+            <a:r>
+              <a:rPr lang="en-ID" dirty="0">
+                <a:solidFill>
+                  <a:schemeClr val="tx1"/>
+                </a:solidFill>
+              </a:rPr>
+              <a:t>getValue from sensor</a:t>
+            </a:r>
+          </a:p>
+          <a:p>
+            <a:pPr algn="ctr"/>
+            <a:r>
+              <a:rPr lang="en-ID" dirty="0">
+                <a:solidFill>
+                  <a:schemeClr val="tx1"/>
+                </a:solidFill>
+              </a:rPr>
+              <a:t>(with AlfaEMA filter)</a:t>
+            </a:r>
+          </a:p>
+          <a:p>
+            <a:pPr algn="ctr"/>
+            <a:r>
+              <a:rPr lang="en-ID" dirty="0">
+                <a:solidFill>
+                  <a:schemeClr val="tx1"/>
+                </a:solidFill>
+              </a:rPr>
+              <a:t>statusAi = NO_ALARM</a:t>
+            </a:r>
+            <a:endParaRPr lang="en-US" dirty="0">
+              <a:solidFill>
+                <a:schemeClr val="tx1"/>
+              </a:solidFill>
+            </a:endParaRPr>
+          </a:p>
+          <a:p>
+            <a:pPr algn="ctr"/>
+            <a:endParaRPr lang="en-US" dirty="0"/>
+          </a:p>
+        </p:txBody>
+      </p:sp>
+      <p:sp>
+        <p:nvSpPr>
+          <p:cNvPr id="18" name="TextBox 17"/>
+          <p:cNvSpPr txBox="1"/>
+          <p:nvPr/>
+        </p:nvSpPr>
+        <p:spPr>
+          <a:xfrm>
+            <a:off x="2945291" y="5517232"/>
+            <a:ext cx="1656184" cy="646331"/>
+          </a:xfrm>
+          <a:prstGeom prst="rect">
+            <a:avLst/>
+          </a:prstGeom>
+          <a:noFill/>
+          <a:ln>
+            <a:solidFill>
+              <a:schemeClr val="tx1"/>
+            </a:solidFill>
+          </a:ln>
+        </p:spPr>
+        <p:txBody>
+          <a:bodyPr wrap="square" rtlCol="0">
+            <a:spAutoFit/>
+          </a:bodyPr>
+          <a:lstStyle/>
+          <a:p>
+            <a:pPr algn="ctr"/>
+            <a:r>
+              <a:rPr lang="en-ID" dirty="0"/>
+              <a:t>return (statusAi)</a:t>
+            </a:r>
+            <a:endParaRPr lang="en-US" dirty="0"/>
+          </a:p>
+        </p:txBody>
+      </p:sp>
+      <p:cxnSp>
+        <p:nvCxnSpPr>
+          <p:cNvPr id="19" name="Straight Arrow Connector 18"/>
+          <p:cNvCxnSpPr>
+            <a:stCxn id="25" idx="4"/>
+            <a:endCxn id="18" idx="0"/>
+          </p:cNvCxnSpPr>
+          <p:nvPr/>
+        </p:nvCxnSpPr>
+        <p:spPr>
+          <a:xfrm flipH="1">
+            <a:off x="3773383" y="4852866"/>
+            <a:ext cx="6529" cy="664366"/>
+          </a:xfrm>
+          <a:prstGeom prst="straightConnector1">
+            <a:avLst/>
+          </a:prstGeom>
+          <a:ln w="19050">
+            <a:solidFill>
+              <a:schemeClr val="tx1"/>
+            </a:solidFill>
+            <a:tailEnd type="arrow"/>
+          </a:ln>
+        </p:spPr>
+        <p:style>
+          <a:lnRef idx="1">
+            <a:schemeClr val="accent1"/>
+          </a:lnRef>
+          <a:fillRef idx="0">
+            <a:schemeClr val="accent1"/>
+          </a:fillRef>
+          <a:effectRef idx="0">
+            <a:schemeClr val="accent1"/>
+          </a:effectRef>
+          <a:fontRef idx="minor">
+            <a:schemeClr val="tx1"/>
+          </a:fontRef>
+        </p:style>
+      </p:cxnSp>
+      <p:cxnSp>
+        <p:nvCxnSpPr>
+          <p:cNvPr id="21" name="Elbow Connector 20"/>
+          <p:cNvCxnSpPr>
+            <a:stCxn id="14" idx="2"/>
+            <a:endCxn id="25" idx="6"/>
+          </p:cNvCxnSpPr>
+          <p:nvPr/>
+        </p:nvCxnSpPr>
+        <p:spPr>
+          <a:xfrm rot="5400000">
+            <a:off x="4603580" y="2891650"/>
+            <a:ext cx="1137548" cy="2327684"/>
+          </a:xfrm>
+          <a:prstGeom prst="bentConnector2">
+            <a:avLst/>
+          </a:prstGeom>
+          <a:ln w="19050">
+            <a:solidFill>
+              <a:schemeClr val="tx1"/>
+            </a:solidFill>
+            <a:tailEnd type="arrow"/>
+          </a:ln>
+        </p:spPr>
+        <p:style>
+          <a:lnRef idx="1">
+            <a:schemeClr val="accent1"/>
+          </a:lnRef>
+          <a:fillRef idx="0">
+            <a:schemeClr val="accent1"/>
+          </a:fillRef>
+          <a:effectRef idx="0">
+            <a:schemeClr val="accent1"/>
+          </a:effectRef>
+          <a:fontRef idx="minor">
+            <a:schemeClr val="tx1"/>
+          </a:fontRef>
+        </p:style>
+      </p:cxnSp>
+      <p:sp>
+        <p:nvSpPr>
+          <p:cNvPr id="24" name="TextBox 23"/>
+          <p:cNvSpPr txBox="1"/>
+          <p:nvPr/>
+        </p:nvSpPr>
+        <p:spPr>
+          <a:xfrm>
+            <a:off x="5422877" y="6163563"/>
+            <a:ext cx="3541611" cy="369332"/>
+          </a:xfrm>
+          <a:prstGeom prst="rect">
+            <a:avLst/>
+          </a:prstGeom>
+          <a:noFill/>
+        </p:spPr>
+        <p:txBody>
+          <a:bodyPr wrap="none" rtlCol="0">
+            <a:spAutoFit/>
+          </a:bodyPr>
+          <a:lstStyle/>
+          <a:p>
+            <a:r>
+              <a:rPr lang="en-ID" dirty="0"/>
+              <a:t>File : src\ioDevices\analogInput.cpp</a:t>
+            </a:r>
+            <a:endParaRPr lang="en-US" dirty="0"/>
+          </a:p>
+        </p:txBody>
+      </p:sp>
+      <p:sp>
+        <p:nvSpPr>
+          <p:cNvPr id="25" name="Flowchart: Connector 24"/>
+          <p:cNvSpPr/>
+          <p:nvPr/>
+        </p:nvSpPr>
+        <p:spPr>
+          <a:xfrm>
+            <a:off x="3551312" y="4395666"/>
+            <a:ext cx="457200" cy="457200"/>
+          </a:xfrm>
+          <a:prstGeom prst="flowChartConnector">
+            <a:avLst/>
+          </a:prstGeom>
+          <a:noFill/>
+          <a:ln>
+            <a:solidFill>
+              <a:schemeClr val="tx1"/>
+            </a:solidFill>
+          </a:ln>
+        </p:spPr>
+        <p:style>
+          <a:lnRef idx="2">
+            <a:schemeClr val="accent1">
+              <a:shade val="50000"/>
+            </a:schemeClr>
+          </a:lnRef>
+          <a:fillRef idx="1">
+            <a:schemeClr val="accent1"/>
+          </a:fillRef>
+          <a:effectRef idx="0">
+            <a:schemeClr val="accent1"/>
+          </a:effectRef>
+          <a:fontRef idx="minor">
+            <a:schemeClr val="lt1"/>
+          </a:fontRef>
+        </p:style>
+        <p:txBody>
+          <a:bodyPr rtlCol="0" anchor="ctr"/>
+          <a:lstStyle/>
+          <a:p>
+            <a:pPr algn="ctr"/>
+            <a:endParaRPr lang="en-US"/>
+          </a:p>
+        </p:txBody>
+      </p:sp>
+    </p:spTree>
+    <p:extLst>
+      <p:ext uri="{BB962C8B-B14F-4D97-AF65-F5344CB8AC3E}">
+        <p14:creationId xmlns:p14="http://schemas.microsoft.com/office/powerpoint/2010/main" val="3718141921"/>
+      </p:ext>
+    </p:extLst>
+  </p:cSld>
+  <p:clrMapOvr>
+    <a:masterClrMapping/>
+  </p:clrMapOvr>
+</p:sld>
+</file>
+
+<file path=ppt/slides/slide8.xml><?xml version="1.0" encoding="utf-8"?>
+<p:sld xmlns:a="http://schemas.openxmlformats.org/drawingml/2006/main" xmlns:r="http://schemas.openxmlformats.org/officeDocument/2006/relationships" xmlns:p="http://schemas.openxmlformats.org/presentationml/2006/main">
+  <p:cSld>
+    <p:spTree>
+      <p:nvGrpSpPr>
+        <p:cNvPr id="1" name=""/>
+        <p:cNvGrpSpPr/>
+        <p:nvPr/>
+      </p:nvGrpSpPr>
+      <p:grpSpPr>
+        <a:xfrm>
+          <a:off x="0" y="0"/>
+          <a:ext cx="0" cy="0"/>
+          <a:chOff x="0" y="0"/>
+          <a:chExt cx="0" cy="0"/>
+        </a:xfrm>
+      </p:grpSpPr>
+      <p:sp>
+        <p:nvSpPr>
           <p:cNvPr id="4" name="Rectangle 3"/>
           <p:cNvSpPr/>
           <p:nvPr/>
@@ -13845,7 +14937,7 @@
 </p:sld>
 </file>
 
-<file path=ppt/slides/slide8.xml><?xml version="1.0" encoding="utf-8"?>
+<file path=ppt/slides/slide9.xml><?xml version="1.0" encoding="utf-8"?>
 <p:sld xmlns:a="http://schemas.openxmlformats.org/drawingml/2006/main" xmlns:r="http://schemas.openxmlformats.org/officeDocument/2006/relationships" xmlns:p="http://schemas.openxmlformats.org/presentationml/2006/main">
   <p:cSld>
     <p:spTree>

--- a/resources/WFPS.pptx
+++ b/resources/WFPS.pptx
@@ -5,10 +5,10 @@
     <p:sldMasterId id="2147483648" r:id="rId1"/>
   </p:sldMasterIdLst>
   <p:notesMasterIdLst>
-    <p:notesMasterId r:id="rId11"/>
+    <p:notesMasterId r:id="rId14"/>
   </p:notesMasterIdLst>
   <p:handoutMasterIdLst>
-    <p:handoutMasterId r:id="rId12"/>
+    <p:handoutMasterId r:id="rId15"/>
   </p:handoutMasterIdLst>
   <p:sldIdLst>
     <p:sldId id="281" r:id="rId2"/>
@@ -20,6 +20,9 @@
     <p:sldId id="291" r:id="rId8"/>
     <p:sldId id="288" r:id="rId9"/>
     <p:sldId id="289" r:id="rId10"/>
+    <p:sldId id="293" r:id="rId11"/>
+    <p:sldId id="295" r:id="rId12"/>
+    <p:sldId id="294" r:id="rId13"/>
   </p:sldIdLst>
   <p:sldSz cx="9144000" cy="6858000" type="screen4x3"/>
   <p:notesSz cx="6858000" cy="9144000"/>
@@ -8160,6 +8163,3787 @@
   <p:transition spd="slow">
     <p:fade/>
   </p:transition>
+</p:sld>
+</file>
+
+<file path=ppt/slides/slide10.xml><?xml version="1.0" encoding="utf-8"?>
+<p:sld xmlns:a="http://schemas.openxmlformats.org/drawingml/2006/main" xmlns:r="http://schemas.openxmlformats.org/officeDocument/2006/relationships" xmlns:p="http://schemas.openxmlformats.org/presentationml/2006/main">
+  <p:cSld>
+    <p:spTree>
+      <p:nvGrpSpPr>
+        <p:cNvPr id="1" name=""/>
+        <p:cNvGrpSpPr/>
+        <p:nvPr/>
+      </p:nvGrpSpPr>
+      <p:grpSpPr>
+        <a:xfrm>
+          <a:off x="0" y="0"/>
+          <a:ext cx="0" cy="0"/>
+          <a:chOff x="0" y="0"/>
+          <a:chExt cx="0" cy="0"/>
+        </a:xfrm>
+      </p:grpSpPr>
+      <p:sp>
+        <p:nvSpPr>
+          <p:cNvPr id="4" name="Rectangle 3"/>
+          <p:cNvSpPr/>
+          <p:nvPr/>
+        </p:nvSpPr>
+        <p:spPr>
+          <a:xfrm>
+            <a:off x="2555776" y="188640"/>
+            <a:ext cx="5065874" cy="584775"/>
+          </a:xfrm>
+          <a:prstGeom prst="rect">
+            <a:avLst/>
+          </a:prstGeom>
+        </p:spPr>
+        <p:txBody>
+          <a:bodyPr wrap="none">
+            <a:spAutoFit/>
+          </a:bodyPr>
+          <a:lstStyle/>
+          <a:p>
+            <a:pPr algn="ctr"/>
+            <a:r>
+              <a:rPr lang="en-ID" b="1" dirty="0"/>
+              <a:t>Flowchart </a:t>
+            </a:r>
+            <a:r>
+              <a:rPr lang="en-ID" sz="1800" b="0" dirty="0">
+                <a:solidFill>
+                  <a:schemeClr val="tx1"/>
+                </a:solidFill>
+                <a:effectLst/>
+                <a:latin typeface="Consolas" panose="020B0609020204030204" pitchFamily="49" charset="0"/>
+              </a:rPr>
+              <a:t>_ledAMR-&gt;status(operationMode)</a:t>
+            </a:r>
+          </a:p>
+          <a:p>
+            <a:pPr algn="ctr"/>
+            <a:r>
+              <a:rPr lang="en-ID" sz="1400" dirty="0"/>
+              <a:t>File : src\compDevices\ledAMR.cpp</a:t>
+            </a:r>
+            <a:endParaRPr lang="en-US" sz="1400" dirty="0"/>
+          </a:p>
+        </p:txBody>
+      </p:sp>
+      <p:sp>
+        <p:nvSpPr>
+          <p:cNvPr id="5" name="Flowchart: Decision 4"/>
+          <p:cNvSpPr/>
+          <p:nvPr/>
+        </p:nvSpPr>
+        <p:spPr>
+          <a:xfrm>
+            <a:off x="586067" y="1592518"/>
+            <a:ext cx="2232248" cy="839830"/>
+          </a:xfrm>
+          <a:prstGeom prst="flowChartDecision">
+            <a:avLst/>
+          </a:prstGeom>
+          <a:noFill/>
+          <a:ln w="19050">
+            <a:solidFill>
+              <a:schemeClr val="tx1"/>
+            </a:solidFill>
+          </a:ln>
+        </p:spPr>
+        <p:style>
+          <a:lnRef idx="2">
+            <a:schemeClr val="accent1">
+              <a:shade val="50000"/>
+            </a:schemeClr>
+          </a:lnRef>
+          <a:fillRef idx="1">
+            <a:schemeClr val="accent1"/>
+          </a:fillRef>
+          <a:effectRef idx="0">
+            <a:schemeClr val="accent1"/>
+          </a:effectRef>
+          <a:fontRef idx="minor">
+            <a:schemeClr val="lt1"/>
+          </a:fontRef>
+        </p:style>
+        <p:txBody>
+          <a:bodyPr rtlCol="0" anchor="ctr"/>
+          <a:lstStyle/>
+          <a:p>
+            <a:pPr algn="ctr"/>
+            <a:r>
+              <a:rPr lang="en-US" sz="1400" dirty="0">
+                <a:solidFill>
+                  <a:schemeClr val="tx1"/>
+                </a:solidFill>
+              </a:rPr>
+              <a:t>S</a:t>
+            </a:r>
+            <a:r>
+              <a:rPr lang="en-ID" sz="1400" dirty="0">
+                <a:solidFill>
+                  <a:schemeClr val="tx1"/>
+                </a:solidFill>
+              </a:rPr>
+              <a:t>tate = </a:t>
+            </a:r>
+            <a:r>
+              <a:rPr lang="en-ID" sz="1400" b="0" dirty="0">
+                <a:solidFill>
+                  <a:schemeClr val="tx1"/>
+                </a:solidFill>
+                <a:effectLst/>
+                <a:latin typeface="Consolas" panose="020B0609020204030204" pitchFamily="49" charset="0"/>
+              </a:rPr>
+              <a:t>MODE_TEST</a:t>
+            </a:r>
+          </a:p>
+        </p:txBody>
+      </p:sp>
+      <p:sp>
+        <p:nvSpPr>
+          <p:cNvPr id="6" name="TextBox 5"/>
+          <p:cNvSpPr txBox="1"/>
+          <p:nvPr/>
+        </p:nvSpPr>
+        <p:spPr>
+          <a:xfrm>
+            <a:off x="3131840" y="1643101"/>
+            <a:ext cx="1897522" cy="738664"/>
+          </a:xfrm>
+          <a:prstGeom prst="rect">
+            <a:avLst/>
+          </a:prstGeom>
+          <a:noFill/>
+          <a:ln w="19050">
+            <a:solidFill>
+              <a:schemeClr val="tx1"/>
+            </a:solidFill>
+          </a:ln>
+        </p:spPr>
+        <p:txBody>
+          <a:bodyPr wrap="square" rtlCol="0">
+            <a:spAutoFit/>
+          </a:bodyPr>
+          <a:lstStyle/>
+          <a:p>
+            <a:pPr algn="ctr"/>
+            <a:r>
+              <a:rPr lang="en-ID" sz="1400" b="0" dirty="0">
+                <a:effectLst/>
+                <a:latin typeface="Consolas" panose="020B0609020204030204" pitchFamily="49" charset="0"/>
+              </a:rPr>
+              <a:t>_ledAuto-&gt;on();</a:t>
+            </a:r>
+          </a:p>
+          <a:p>
+            <a:pPr algn="ctr"/>
+            <a:r>
+              <a:rPr lang="en-ID" sz="1400" b="0" dirty="0">
+                <a:effectLst/>
+                <a:latin typeface="Consolas" panose="020B0609020204030204" pitchFamily="49" charset="0"/>
+              </a:rPr>
+              <a:t>_ledManual-&gt;on();</a:t>
+            </a:r>
+          </a:p>
+          <a:p>
+            <a:pPr algn="ctr"/>
+            <a:r>
+              <a:rPr lang="en-ID" sz="1400" b="0" dirty="0">
+                <a:effectLst/>
+                <a:latin typeface="Consolas" panose="020B0609020204030204" pitchFamily="49" charset="0"/>
+              </a:rPr>
+              <a:t>_ledReset-&gt;on();</a:t>
+            </a:r>
+          </a:p>
+        </p:txBody>
+      </p:sp>
+      <p:sp>
+        <p:nvSpPr>
+          <p:cNvPr id="7" name="TextBox 6"/>
+          <p:cNvSpPr txBox="1"/>
+          <p:nvPr/>
+        </p:nvSpPr>
+        <p:spPr>
+          <a:xfrm>
+            <a:off x="2762956" y="1677855"/>
+            <a:ext cx="296876" cy="369332"/>
+          </a:xfrm>
+          <a:prstGeom prst="rect">
+            <a:avLst/>
+          </a:prstGeom>
+          <a:noFill/>
+          <a:ln w="19050">
+            <a:noFill/>
+          </a:ln>
+        </p:spPr>
+        <p:txBody>
+          <a:bodyPr wrap="none" rtlCol="0">
+            <a:spAutoFit/>
+          </a:bodyPr>
+          <a:lstStyle/>
+          <a:p>
+            <a:r>
+              <a:rPr lang="en-ID" dirty="0"/>
+              <a:t>Y</a:t>
+            </a:r>
+            <a:endParaRPr lang="en-US" dirty="0"/>
+          </a:p>
+        </p:txBody>
+      </p:sp>
+      <p:cxnSp>
+        <p:nvCxnSpPr>
+          <p:cNvPr id="42" name="Straight Arrow Connector 41"/>
+          <p:cNvCxnSpPr>
+            <a:cxnSpLocks/>
+            <a:stCxn id="5" idx="3"/>
+            <a:endCxn id="6" idx="1"/>
+          </p:cNvCxnSpPr>
+          <p:nvPr/>
+        </p:nvCxnSpPr>
+        <p:spPr>
+          <a:xfrm>
+            <a:off x="2818315" y="2012433"/>
+            <a:ext cx="313525" cy="0"/>
+          </a:xfrm>
+          <a:prstGeom prst="straightConnector1">
+            <a:avLst/>
+          </a:prstGeom>
+          <a:ln w="19050">
+            <a:solidFill>
+              <a:srgbClr val="003300"/>
+            </a:solidFill>
+            <a:tailEnd type="arrow"/>
+          </a:ln>
+        </p:spPr>
+        <p:style>
+          <a:lnRef idx="1">
+            <a:schemeClr val="accent1"/>
+          </a:lnRef>
+          <a:fillRef idx="0">
+            <a:schemeClr val="accent1"/>
+          </a:fillRef>
+          <a:effectRef idx="0">
+            <a:schemeClr val="accent1"/>
+          </a:effectRef>
+          <a:fontRef idx="minor">
+            <a:schemeClr val="tx1"/>
+          </a:fontRef>
+        </p:style>
+      </p:cxnSp>
+      <p:sp>
+        <p:nvSpPr>
+          <p:cNvPr id="26" name="Flowchart: Predefined Process 25">
+            <a:extLst>
+              <a:ext uri="{FF2B5EF4-FFF2-40B4-BE49-F238E27FC236}">
+                <a16:creationId xmlns:a16="http://schemas.microsoft.com/office/drawing/2014/main" id="{4261BD12-2217-4EDB-87C6-EE30E26F9B8D}"/>
+              </a:ext>
+            </a:extLst>
+          </p:cNvPr>
+          <p:cNvSpPr/>
+          <p:nvPr/>
+        </p:nvSpPr>
+        <p:spPr>
+          <a:xfrm>
+            <a:off x="827584" y="810495"/>
+            <a:ext cx="2629190" cy="415140"/>
+          </a:xfrm>
+          <a:prstGeom prst="flowChartPredefinedProcess">
+            <a:avLst/>
+          </a:prstGeom>
+          <a:noFill/>
+          <a:ln>
+            <a:solidFill>
+              <a:schemeClr val="tx1"/>
+            </a:solidFill>
+          </a:ln>
+        </p:spPr>
+        <p:style>
+          <a:lnRef idx="2">
+            <a:schemeClr val="accent1">
+              <a:shade val="50000"/>
+            </a:schemeClr>
+          </a:lnRef>
+          <a:fillRef idx="1">
+            <a:schemeClr val="accent1"/>
+          </a:fillRef>
+          <a:effectRef idx="0">
+            <a:schemeClr val="accent1"/>
+          </a:effectRef>
+          <a:fontRef idx="minor">
+            <a:schemeClr val="lt1"/>
+          </a:fontRef>
+        </p:style>
+        <p:txBody>
+          <a:bodyPr rtlCol="0" anchor="ctr"/>
+          <a:lstStyle/>
+          <a:p>
+            <a:pPr algn="ctr"/>
+            <a:r>
+              <a:rPr lang="en-ID" sz="1200" dirty="0">
+                <a:solidFill>
+                  <a:schemeClr val="tx1"/>
+                </a:solidFill>
+              </a:rPr>
+              <a:t>State = </a:t>
+            </a:r>
+            <a:r>
+              <a:rPr lang="en-ID" sz="1200" b="0" dirty="0">
+                <a:solidFill>
+                  <a:schemeClr val="tx1"/>
+                </a:solidFill>
+                <a:effectLst/>
+                <a:latin typeface="Consolas" panose="020B0609020204030204" pitchFamily="49" charset="0"/>
+              </a:rPr>
+              <a:t>operationMode</a:t>
+            </a:r>
+            <a:endParaRPr lang="en-US" sz="1200" dirty="0"/>
+          </a:p>
+        </p:txBody>
+      </p:sp>
+      <p:cxnSp>
+        <p:nvCxnSpPr>
+          <p:cNvPr id="3" name="Connector: Elbow 2">
+            <a:extLst>
+              <a:ext uri="{FF2B5EF4-FFF2-40B4-BE49-F238E27FC236}">
+                <a16:creationId xmlns:a16="http://schemas.microsoft.com/office/drawing/2014/main" id="{F2621A12-D6C6-45BE-B908-1C2D6AFE4391}"/>
+              </a:ext>
+            </a:extLst>
+          </p:cNvPr>
+          <p:cNvCxnSpPr>
+            <a:cxnSpLocks/>
+            <a:stCxn id="26" idx="2"/>
+            <a:endCxn id="5" idx="0"/>
+          </p:cNvCxnSpPr>
+          <p:nvPr/>
+        </p:nvCxnSpPr>
+        <p:spPr>
+          <a:xfrm rot="5400000">
+            <a:off x="1738744" y="1189082"/>
+            <a:ext cx="366883" cy="439988"/>
+          </a:xfrm>
+          <a:prstGeom prst="bentConnector3">
+            <a:avLst/>
+          </a:prstGeom>
+          <a:ln w="19050">
+            <a:solidFill>
+              <a:schemeClr val="tx1"/>
+            </a:solidFill>
+            <a:tailEnd type="triangle"/>
+          </a:ln>
+        </p:spPr>
+        <p:style>
+          <a:lnRef idx="1">
+            <a:schemeClr val="dk1"/>
+          </a:lnRef>
+          <a:fillRef idx="0">
+            <a:schemeClr val="dk1"/>
+          </a:fillRef>
+          <a:effectRef idx="0">
+            <a:schemeClr val="dk1"/>
+          </a:effectRef>
+          <a:fontRef idx="minor">
+            <a:schemeClr val="tx1"/>
+          </a:fontRef>
+        </p:style>
+      </p:cxnSp>
+      <p:sp>
+        <p:nvSpPr>
+          <p:cNvPr id="43" name="Flowchart: Decision 42">
+            <a:extLst>
+              <a:ext uri="{FF2B5EF4-FFF2-40B4-BE49-F238E27FC236}">
+                <a16:creationId xmlns:a16="http://schemas.microsoft.com/office/drawing/2014/main" id="{F10B347E-033C-4910-9071-CDA92304C379}"/>
+              </a:ext>
+            </a:extLst>
+          </p:cNvPr>
+          <p:cNvSpPr/>
+          <p:nvPr/>
+        </p:nvSpPr>
+        <p:spPr>
+          <a:xfrm>
+            <a:off x="586067" y="2564904"/>
+            <a:ext cx="2232248" cy="839830"/>
+          </a:xfrm>
+          <a:prstGeom prst="flowChartDecision">
+            <a:avLst/>
+          </a:prstGeom>
+          <a:noFill/>
+          <a:ln w="19050">
+            <a:solidFill>
+              <a:schemeClr val="tx1"/>
+            </a:solidFill>
+          </a:ln>
+        </p:spPr>
+        <p:style>
+          <a:lnRef idx="2">
+            <a:schemeClr val="accent1">
+              <a:shade val="50000"/>
+            </a:schemeClr>
+          </a:lnRef>
+          <a:fillRef idx="1">
+            <a:schemeClr val="accent1"/>
+          </a:fillRef>
+          <a:effectRef idx="0">
+            <a:schemeClr val="accent1"/>
+          </a:effectRef>
+          <a:fontRef idx="minor">
+            <a:schemeClr val="lt1"/>
+          </a:fontRef>
+        </p:style>
+        <p:txBody>
+          <a:bodyPr rtlCol="0" anchor="ctr"/>
+          <a:lstStyle/>
+          <a:p>
+            <a:pPr algn="ctr"/>
+            <a:r>
+              <a:rPr lang="en-US" sz="1400" dirty="0">
+                <a:solidFill>
+                  <a:schemeClr val="tx1"/>
+                </a:solidFill>
+              </a:rPr>
+              <a:t>S</a:t>
+            </a:r>
+            <a:r>
+              <a:rPr lang="en-ID" sz="1400" dirty="0">
+                <a:solidFill>
+                  <a:schemeClr val="tx1"/>
+                </a:solidFill>
+              </a:rPr>
+              <a:t>tate = </a:t>
+            </a:r>
+            <a:r>
+              <a:rPr lang="en-ID" sz="1400" b="0" dirty="0">
+                <a:solidFill>
+                  <a:schemeClr val="tx1"/>
+                </a:solidFill>
+                <a:effectLst/>
+                <a:latin typeface="Consolas" panose="020B0609020204030204" pitchFamily="49" charset="0"/>
+              </a:rPr>
+              <a:t>MODE_AUTO</a:t>
+            </a:r>
+          </a:p>
+        </p:txBody>
+      </p:sp>
+      <p:sp>
+        <p:nvSpPr>
+          <p:cNvPr id="45" name="Flowchart: Decision 44">
+            <a:extLst>
+              <a:ext uri="{FF2B5EF4-FFF2-40B4-BE49-F238E27FC236}">
+                <a16:creationId xmlns:a16="http://schemas.microsoft.com/office/drawing/2014/main" id="{F1633C9C-0024-4E63-8717-225A7A9FF001}"/>
+              </a:ext>
+            </a:extLst>
+          </p:cNvPr>
+          <p:cNvSpPr/>
+          <p:nvPr/>
+        </p:nvSpPr>
+        <p:spPr>
+          <a:xfrm>
+            <a:off x="613811" y="3573016"/>
+            <a:ext cx="2232248" cy="839830"/>
+          </a:xfrm>
+          <a:prstGeom prst="flowChartDecision">
+            <a:avLst/>
+          </a:prstGeom>
+          <a:noFill/>
+          <a:ln w="19050">
+            <a:solidFill>
+              <a:schemeClr val="tx1"/>
+            </a:solidFill>
+          </a:ln>
+        </p:spPr>
+        <p:style>
+          <a:lnRef idx="2">
+            <a:schemeClr val="accent1">
+              <a:shade val="50000"/>
+            </a:schemeClr>
+          </a:lnRef>
+          <a:fillRef idx="1">
+            <a:schemeClr val="accent1"/>
+          </a:fillRef>
+          <a:effectRef idx="0">
+            <a:schemeClr val="accent1"/>
+          </a:effectRef>
+          <a:fontRef idx="minor">
+            <a:schemeClr val="lt1"/>
+          </a:fontRef>
+        </p:style>
+        <p:txBody>
+          <a:bodyPr rtlCol="0" anchor="ctr"/>
+          <a:lstStyle/>
+          <a:p>
+            <a:pPr algn="ctr"/>
+            <a:r>
+              <a:rPr lang="en-US" sz="1400" dirty="0">
+                <a:solidFill>
+                  <a:schemeClr val="tx1"/>
+                </a:solidFill>
+              </a:rPr>
+              <a:t>S</a:t>
+            </a:r>
+            <a:r>
+              <a:rPr lang="en-ID" sz="1400" dirty="0">
+                <a:solidFill>
+                  <a:schemeClr val="tx1"/>
+                </a:solidFill>
+              </a:rPr>
+              <a:t>tate = </a:t>
+            </a:r>
+            <a:r>
+              <a:rPr lang="en-ID" sz="1400" b="0" dirty="0">
+                <a:solidFill>
+                  <a:schemeClr val="tx1"/>
+                </a:solidFill>
+                <a:effectLst/>
+                <a:latin typeface="Consolas" panose="020B0609020204030204" pitchFamily="49" charset="0"/>
+              </a:rPr>
+              <a:t>MODE_AUTO_ON</a:t>
+            </a:r>
+          </a:p>
+        </p:txBody>
+      </p:sp>
+      <p:sp>
+        <p:nvSpPr>
+          <p:cNvPr id="46" name="Flowchart: Decision 45">
+            <a:extLst>
+              <a:ext uri="{FF2B5EF4-FFF2-40B4-BE49-F238E27FC236}">
+                <a16:creationId xmlns:a16="http://schemas.microsoft.com/office/drawing/2014/main" id="{7A2C44B0-43D5-48C5-89A2-758F4F74B13C}"/>
+              </a:ext>
+            </a:extLst>
+          </p:cNvPr>
+          <p:cNvSpPr/>
+          <p:nvPr/>
+        </p:nvSpPr>
+        <p:spPr>
+          <a:xfrm>
+            <a:off x="613811" y="4560316"/>
+            <a:ext cx="2232248" cy="839830"/>
+          </a:xfrm>
+          <a:prstGeom prst="flowChartDecision">
+            <a:avLst/>
+          </a:prstGeom>
+          <a:noFill/>
+          <a:ln w="19050">
+            <a:solidFill>
+              <a:schemeClr val="tx1"/>
+            </a:solidFill>
+          </a:ln>
+        </p:spPr>
+        <p:style>
+          <a:lnRef idx="2">
+            <a:schemeClr val="accent1">
+              <a:shade val="50000"/>
+            </a:schemeClr>
+          </a:lnRef>
+          <a:fillRef idx="1">
+            <a:schemeClr val="accent1"/>
+          </a:fillRef>
+          <a:effectRef idx="0">
+            <a:schemeClr val="accent1"/>
+          </a:effectRef>
+          <a:fontRef idx="minor">
+            <a:schemeClr val="lt1"/>
+          </a:fontRef>
+        </p:style>
+        <p:txBody>
+          <a:bodyPr rtlCol="0" anchor="ctr"/>
+          <a:lstStyle/>
+          <a:p>
+            <a:pPr algn="ctr"/>
+            <a:r>
+              <a:rPr lang="en-US" sz="1400" dirty="0">
+                <a:solidFill>
+                  <a:schemeClr val="tx1"/>
+                </a:solidFill>
+              </a:rPr>
+              <a:t>S</a:t>
+            </a:r>
+            <a:r>
+              <a:rPr lang="en-ID" sz="1400" dirty="0">
+                <a:solidFill>
+                  <a:schemeClr val="tx1"/>
+                </a:solidFill>
+              </a:rPr>
+              <a:t>tate = </a:t>
+            </a:r>
+            <a:r>
+              <a:rPr lang="en-ID" sz="1400" b="0" dirty="0">
+                <a:solidFill>
+                  <a:schemeClr val="tx1"/>
+                </a:solidFill>
+                <a:effectLst/>
+                <a:latin typeface="Consolas" panose="020B0609020204030204" pitchFamily="49" charset="0"/>
+              </a:rPr>
+              <a:t>MODE_MANUAL</a:t>
+            </a:r>
+          </a:p>
+        </p:txBody>
+      </p:sp>
+      <p:sp>
+        <p:nvSpPr>
+          <p:cNvPr id="47" name="TextBox 46">
+            <a:extLst>
+              <a:ext uri="{FF2B5EF4-FFF2-40B4-BE49-F238E27FC236}">
+                <a16:creationId xmlns:a16="http://schemas.microsoft.com/office/drawing/2014/main" id="{7B22EE62-9AF5-4A4B-AC76-788C39C4244E}"/>
+              </a:ext>
+            </a:extLst>
+          </p:cNvPr>
+          <p:cNvSpPr txBox="1"/>
+          <p:nvPr/>
+        </p:nvSpPr>
+        <p:spPr>
+          <a:xfrm>
+            <a:off x="3140136" y="2619748"/>
+            <a:ext cx="2439976" cy="738664"/>
+          </a:xfrm>
+          <a:prstGeom prst="rect">
+            <a:avLst/>
+          </a:prstGeom>
+          <a:noFill/>
+          <a:ln w="19050">
+            <a:solidFill>
+              <a:schemeClr val="tx1"/>
+            </a:solidFill>
+          </a:ln>
+        </p:spPr>
+        <p:txBody>
+          <a:bodyPr wrap="square" rtlCol="0">
+            <a:spAutoFit/>
+          </a:bodyPr>
+          <a:lstStyle/>
+          <a:p>
+            <a:pPr algn="ctr"/>
+            <a:r>
+              <a:rPr lang="en-ID" sz="1400" b="0" dirty="0">
+                <a:effectLst/>
+                <a:latin typeface="Consolas" panose="020B0609020204030204" pitchFamily="49" charset="0"/>
+              </a:rPr>
+              <a:t>_ledAuto-&gt;on();</a:t>
+            </a:r>
+          </a:p>
+          <a:p>
+            <a:pPr algn="ctr"/>
+            <a:r>
+              <a:rPr lang="en-ID" sz="1400" b="0" dirty="0">
+                <a:effectLst/>
+                <a:latin typeface="Consolas" panose="020B0609020204030204" pitchFamily="49" charset="0"/>
+              </a:rPr>
+              <a:t>_ledManual-&gt;off();</a:t>
+            </a:r>
+          </a:p>
+          <a:p>
+            <a:pPr algn="ctr"/>
+            <a:r>
+              <a:rPr lang="en-ID" sz="1400" b="0" dirty="0">
+                <a:effectLst/>
+                <a:latin typeface="Consolas" panose="020B0609020204030204" pitchFamily="49" charset="0"/>
+              </a:rPr>
+              <a:t>_ledReset-&gt;off();</a:t>
+            </a:r>
+          </a:p>
+        </p:txBody>
+      </p:sp>
+      <p:cxnSp>
+        <p:nvCxnSpPr>
+          <p:cNvPr id="50" name="Straight Arrow Connector 49">
+            <a:extLst>
+              <a:ext uri="{FF2B5EF4-FFF2-40B4-BE49-F238E27FC236}">
+                <a16:creationId xmlns:a16="http://schemas.microsoft.com/office/drawing/2014/main" id="{4FF3FB3B-045C-494E-92F0-0E579FB56F01}"/>
+              </a:ext>
+            </a:extLst>
+          </p:cNvPr>
+          <p:cNvCxnSpPr>
+            <a:cxnSpLocks/>
+            <a:endCxn id="47" idx="1"/>
+          </p:cNvCxnSpPr>
+          <p:nvPr/>
+        </p:nvCxnSpPr>
+        <p:spPr>
+          <a:xfrm>
+            <a:off x="2826611" y="2989080"/>
+            <a:ext cx="313525" cy="0"/>
+          </a:xfrm>
+          <a:prstGeom prst="straightConnector1">
+            <a:avLst/>
+          </a:prstGeom>
+          <a:ln w="19050">
+            <a:solidFill>
+              <a:srgbClr val="003300"/>
+            </a:solidFill>
+            <a:tailEnd type="arrow"/>
+          </a:ln>
+        </p:spPr>
+        <p:style>
+          <a:lnRef idx="1">
+            <a:schemeClr val="accent1"/>
+          </a:lnRef>
+          <a:fillRef idx="0">
+            <a:schemeClr val="accent1"/>
+          </a:fillRef>
+          <a:effectRef idx="0">
+            <a:schemeClr val="accent1"/>
+          </a:effectRef>
+          <a:fontRef idx="minor">
+            <a:schemeClr val="tx1"/>
+          </a:fontRef>
+        </p:style>
+      </p:cxnSp>
+      <p:sp>
+        <p:nvSpPr>
+          <p:cNvPr id="51" name="TextBox 50">
+            <a:extLst>
+              <a:ext uri="{FF2B5EF4-FFF2-40B4-BE49-F238E27FC236}">
+                <a16:creationId xmlns:a16="http://schemas.microsoft.com/office/drawing/2014/main" id="{441EB55E-331E-4C37-B0D0-9C48200BD28B}"/>
+              </a:ext>
+            </a:extLst>
+          </p:cNvPr>
+          <p:cNvSpPr txBox="1"/>
+          <p:nvPr/>
+        </p:nvSpPr>
+        <p:spPr>
+          <a:xfrm>
+            <a:off x="3140135" y="3602009"/>
+            <a:ext cx="2439975" cy="738664"/>
+          </a:xfrm>
+          <a:prstGeom prst="rect">
+            <a:avLst/>
+          </a:prstGeom>
+          <a:noFill/>
+          <a:ln w="19050">
+            <a:solidFill>
+              <a:schemeClr val="tx1"/>
+            </a:solidFill>
+          </a:ln>
+        </p:spPr>
+        <p:txBody>
+          <a:bodyPr wrap="square" rtlCol="0">
+            <a:spAutoFit/>
+          </a:bodyPr>
+          <a:lstStyle/>
+          <a:p>
+            <a:pPr algn="ctr"/>
+            <a:r>
+              <a:rPr lang="en-ID" sz="1400" b="0" dirty="0">
+                <a:effectLst/>
+                <a:latin typeface="Consolas" panose="020B0609020204030204" pitchFamily="49" charset="0"/>
+              </a:rPr>
+              <a:t>_ledAuto-&gt;blink();</a:t>
+            </a:r>
+          </a:p>
+          <a:p>
+            <a:pPr algn="ctr"/>
+            <a:r>
+              <a:rPr lang="en-ID" sz="1400" b="0" dirty="0">
+                <a:effectLst/>
+                <a:latin typeface="Consolas" panose="020B0609020204030204" pitchFamily="49" charset="0"/>
+              </a:rPr>
+              <a:t>_ledManual-&gt;off();</a:t>
+            </a:r>
+          </a:p>
+          <a:p>
+            <a:pPr algn="ctr"/>
+            <a:r>
+              <a:rPr lang="en-ID" sz="1400" b="0" dirty="0">
+                <a:effectLst/>
+                <a:latin typeface="Consolas" panose="020B0609020204030204" pitchFamily="49" charset="0"/>
+              </a:rPr>
+              <a:t>_ledReset-&gt;off();</a:t>
+            </a:r>
+          </a:p>
+        </p:txBody>
+      </p:sp>
+      <p:cxnSp>
+        <p:nvCxnSpPr>
+          <p:cNvPr id="52" name="Straight Arrow Connector 51">
+            <a:extLst>
+              <a:ext uri="{FF2B5EF4-FFF2-40B4-BE49-F238E27FC236}">
+                <a16:creationId xmlns:a16="http://schemas.microsoft.com/office/drawing/2014/main" id="{152B8692-72F5-4741-8B38-C3103394F5D5}"/>
+              </a:ext>
+            </a:extLst>
+          </p:cNvPr>
+          <p:cNvCxnSpPr>
+            <a:cxnSpLocks/>
+            <a:endCxn id="51" idx="1"/>
+          </p:cNvCxnSpPr>
+          <p:nvPr/>
+        </p:nvCxnSpPr>
+        <p:spPr>
+          <a:xfrm>
+            <a:off x="2826611" y="3971341"/>
+            <a:ext cx="313524" cy="0"/>
+          </a:xfrm>
+          <a:prstGeom prst="straightConnector1">
+            <a:avLst/>
+          </a:prstGeom>
+          <a:ln w="19050">
+            <a:solidFill>
+              <a:srgbClr val="003300"/>
+            </a:solidFill>
+            <a:tailEnd type="arrow"/>
+          </a:ln>
+        </p:spPr>
+        <p:style>
+          <a:lnRef idx="1">
+            <a:schemeClr val="accent1"/>
+          </a:lnRef>
+          <a:fillRef idx="0">
+            <a:schemeClr val="accent1"/>
+          </a:fillRef>
+          <a:effectRef idx="0">
+            <a:schemeClr val="accent1"/>
+          </a:effectRef>
+          <a:fontRef idx="minor">
+            <a:schemeClr val="tx1"/>
+          </a:fontRef>
+        </p:style>
+      </p:cxnSp>
+      <p:sp>
+        <p:nvSpPr>
+          <p:cNvPr id="53" name="TextBox 52">
+            <a:extLst>
+              <a:ext uri="{FF2B5EF4-FFF2-40B4-BE49-F238E27FC236}">
+                <a16:creationId xmlns:a16="http://schemas.microsoft.com/office/drawing/2014/main" id="{92B6985B-E3A7-4FA0-92FF-33D24010ECA0}"/>
+              </a:ext>
+            </a:extLst>
+          </p:cNvPr>
+          <p:cNvSpPr txBox="1"/>
+          <p:nvPr/>
+        </p:nvSpPr>
+        <p:spPr>
+          <a:xfrm>
+            <a:off x="3144240" y="4611950"/>
+            <a:ext cx="1897522" cy="738664"/>
+          </a:xfrm>
+          <a:prstGeom prst="rect">
+            <a:avLst/>
+          </a:prstGeom>
+          <a:noFill/>
+          <a:ln w="19050">
+            <a:solidFill>
+              <a:schemeClr val="tx1"/>
+            </a:solidFill>
+          </a:ln>
+        </p:spPr>
+        <p:txBody>
+          <a:bodyPr wrap="square" rtlCol="0">
+            <a:spAutoFit/>
+          </a:bodyPr>
+          <a:lstStyle/>
+          <a:p>
+            <a:pPr algn="ctr"/>
+            <a:r>
+              <a:rPr lang="en-ID" sz="1400" b="0" dirty="0">
+                <a:effectLst/>
+                <a:latin typeface="Consolas" panose="020B0609020204030204" pitchFamily="49" charset="0"/>
+              </a:rPr>
+              <a:t>_ledAuto-&gt;off();</a:t>
+            </a:r>
+          </a:p>
+          <a:p>
+            <a:pPr algn="ctr"/>
+            <a:r>
+              <a:rPr lang="en-ID" sz="1400" b="0" dirty="0">
+                <a:effectLst/>
+                <a:latin typeface="Consolas" panose="020B0609020204030204" pitchFamily="49" charset="0"/>
+              </a:rPr>
+              <a:t>_ledManual-&gt;on();</a:t>
+            </a:r>
+          </a:p>
+          <a:p>
+            <a:pPr algn="ctr"/>
+            <a:r>
+              <a:rPr lang="en-ID" sz="1400" b="0" dirty="0">
+                <a:effectLst/>
+                <a:latin typeface="Consolas" panose="020B0609020204030204" pitchFamily="49" charset="0"/>
+              </a:rPr>
+              <a:t>_ledReset-&gt;off();</a:t>
+            </a:r>
+          </a:p>
+        </p:txBody>
+      </p:sp>
+      <p:cxnSp>
+        <p:nvCxnSpPr>
+          <p:cNvPr id="54" name="Straight Arrow Connector 53">
+            <a:extLst>
+              <a:ext uri="{FF2B5EF4-FFF2-40B4-BE49-F238E27FC236}">
+                <a16:creationId xmlns:a16="http://schemas.microsoft.com/office/drawing/2014/main" id="{DCB0E4FD-9044-428B-9B51-BB81F55A1C6C}"/>
+              </a:ext>
+            </a:extLst>
+          </p:cNvPr>
+          <p:cNvCxnSpPr>
+            <a:cxnSpLocks/>
+            <a:endCxn id="53" idx="1"/>
+          </p:cNvCxnSpPr>
+          <p:nvPr/>
+        </p:nvCxnSpPr>
+        <p:spPr>
+          <a:xfrm>
+            <a:off x="2830715" y="4981282"/>
+            <a:ext cx="313525" cy="0"/>
+          </a:xfrm>
+          <a:prstGeom prst="straightConnector1">
+            <a:avLst/>
+          </a:prstGeom>
+          <a:ln w="19050">
+            <a:solidFill>
+              <a:srgbClr val="003300"/>
+            </a:solidFill>
+            <a:tailEnd type="arrow"/>
+          </a:ln>
+        </p:spPr>
+        <p:style>
+          <a:lnRef idx="1">
+            <a:schemeClr val="accent1"/>
+          </a:lnRef>
+          <a:fillRef idx="0">
+            <a:schemeClr val="accent1"/>
+          </a:fillRef>
+          <a:effectRef idx="0">
+            <a:schemeClr val="accent1"/>
+          </a:effectRef>
+          <a:fontRef idx="minor">
+            <a:schemeClr val="tx1"/>
+          </a:fontRef>
+        </p:style>
+      </p:cxnSp>
+      <p:cxnSp>
+        <p:nvCxnSpPr>
+          <p:cNvPr id="37" name="Straight Arrow Connector 36">
+            <a:extLst>
+              <a:ext uri="{FF2B5EF4-FFF2-40B4-BE49-F238E27FC236}">
+                <a16:creationId xmlns:a16="http://schemas.microsoft.com/office/drawing/2014/main" id="{2F4DEB80-823C-41E1-9539-305C65D98C55}"/>
+              </a:ext>
+            </a:extLst>
+          </p:cNvPr>
+          <p:cNvCxnSpPr>
+            <a:stCxn id="5" idx="2"/>
+            <a:endCxn id="43" idx="0"/>
+          </p:cNvCxnSpPr>
+          <p:nvPr/>
+        </p:nvCxnSpPr>
+        <p:spPr>
+          <a:xfrm>
+            <a:off x="1702191" y="2432348"/>
+            <a:ext cx="0" cy="132556"/>
+          </a:xfrm>
+          <a:prstGeom prst="straightConnector1">
+            <a:avLst/>
+          </a:prstGeom>
+          <a:ln w="19050">
+            <a:tailEnd type="triangle"/>
+          </a:ln>
+        </p:spPr>
+        <p:style>
+          <a:lnRef idx="1">
+            <a:schemeClr val="dk1"/>
+          </a:lnRef>
+          <a:fillRef idx="0">
+            <a:schemeClr val="dk1"/>
+          </a:fillRef>
+          <a:effectRef idx="0">
+            <a:schemeClr val="dk1"/>
+          </a:effectRef>
+          <a:fontRef idx="minor">
+            <a:schemeClr val="tx1"/>
+          </a:fontRef>
+        </p:style>
+      </p:cxnSp>
+      <p:cxnSp>
+        <p:nvCxnSpPr>
+          <p:cNvPr id="55" name="Straight Arrow Connector 54">
+            <a:extLst>
+              <a:ext uri="{FF2B5EF4-FFF2-40B4-BE49-F238E27FC236}">
+                <a16:creationId xmlns:a16="http://schemas.microsoft.com/office/drawing/2014/main" id="{D631F2B4-4E23-4BBD-873B-4A400520213C}"/>
+              </a:ext>
+            </a:extLst>
+          </p:cNvPr>
+          <p:cNvCxnSpPr>
+            <a:cxnSpLocks/>
+            <a:stCxn id="43" idx="2"/>
+            <a:endCxn id="45" idx="0"/>
+          </p:cNvCxnSpPr>
+          <p:nvPr/>
+        </p:nvCxnSpPr>
+        <p:spPr>
+          <a:xfrm>
+            <a:off x="1702191" y="3404734"/>
+            <a:ext cx="27744" cy="168282"/>
+          </a:xfrm>
+          <a:prstGeom prst="straightConnector1">
+            <a:avLst/>
+          </a:prstGeom>
+          <a:ln w="19050">
+            <a:tailEnd type="triangle"/>
+          </a:ln>
+        </p:spPr>
+        <p:style>
+          <a:lnRef idx="1">
+            <a:schemeClr val="dk1"/>
+          </a:lnRef>
+          <a:fillRef idx="0">
+            <a:schemeClr val="dk1"/>
+          </a:fillRef>
+          <a:effectRef idx="0">
+            <a:schemeClr val="dk1"/>
+          </a:effectRef>
+          <a:fontRef idx="minor">
+            <a:schemeClr val="tx1"/>
+          </a:fontRef>
+        </p:style>
+      </p:cxnSp>
+      <p:cxnSp>
+        <p:nvCxnSpPr>
+          <p:cNvPr id="60" name="Straight Arrow Connector 59">
+            <a:extLst>
+              <a:ext uri="{FF2B5EF4-FFF2-40B4-BE49-F238E27FC236}">
+                <a16:creationId xmlns:a16="http://schemas.microsoft.com/office/drawing/2014/main" id="{4BA16A16-17D9-4D7F-A49B-BAD8B7BFD6DD}"/>
+              </a:ext>
+            </a:extLst>
+          </p:cNvPr>
+          <p:cNvCxnSpPr>
+            <a:cxnSpLocks/>
+            <a:stCxn id="45" idx="2"/>
+            <a:endCxn id="46" idx="0"/>
+          </p:cNvCxnSpPr>
+          <p:nvPr/>
+        </p:nvCxnSpPr>
+        <p:spPr>
+          <a:xfrm>
+            <a:off x="1729935" y="4412846"/>
+            <a:ext cx="0" cy="147470"/>
+          </a:xfrm>
+          <a:prstGeom prst="straightConnector1">
+            <a:avLst/>
+          </a:prstGeom>
+          <a:ln w="19050">
+            <a:tailEnd type="triangle"/>
+          </a:ln>
+        </p:spPr>
+        <p:style>
+          <a:lnRef idx="1">
+            <a:schemeClr val="dk1"/>
+          </a:lnRef>
+          <a:fillRef idx="0">
+            <a:schemeClr val="dk1"/>
+          </a:fillRef>
+          <a:effectRef idx="0">
+            <a:schemeClr val="dk1"/>
+          </a:effectRef>
+          <a:fontRef idx="minor">
+            <a:schemeClr val="tx1"/>
+          </a:fontRef>
+        </p:style>
+      </p:cxnSp>
+      <p:sp>
+        <p:nvSpPr>
+          <p:cNvPr id="63" name="Flowchart: Decision 62">
+            <a:extLst>
+              <a:ext uri="{FF2B5EF4-FFF2-40B4-BE49-F238E27FC236}">
+                <a16:creationId xmlns:a16="http://schemas.microsoft.com/office/drawing/2014/main" id="{ED21FFFD-9530-4386-B5C0-A8545322A12F}"/>
+              </a:ext>
+            </a:extLst>
+          </p:cNvPr>
+          <p:cNvSpPr/>
+          <p:nvPr/>
+        </p:nvSpPr>
+        <p:spPr>
+          <a:xfrm>
+            <a:off x="601411" y="5547616"/>
+            <a:ext cx="2232248" cy="839830"/>
+          </a:xfrm>
+          <a:prstGeom prst="flowChartDecision">
+            <a:avLst/>
+          </a:prstGeom>
+          <a:noFill/>
+          <a:ln w="19050">
+            <a:solidFill>
+              <a:schemeClr val="tx1"/>
+            </a:solidFill>
+          </a:ln>
+        </p:spPr>
+        <p:style>
+          <a:lnRef idx="2">
+            <a:schemeClr val="accent1">
+              <a:shade val="50000"/>
+            </a:schemeClr>
+          </a:lnRef>
+          <a:fillRef idx="1">
+            <a:schemeClr val="accent1"/>
+          </a:fillRef>
+          <a:effectRef idx="0">
+            <a:schemeClr val="accent1"/>
+          </a:effectRef>
+          <a:fontRef idx="minor">
+            <a:schemeClr val="lt1"/>
+          </a:fontRef>
+        </p:style>
+        <p:txBody>
+          <a:bodyPr rtlCol="0" anchor="ctr"/>
+          <a:lstStyle/>
+          <a:p>
+            <a:pPr algn="ctr"/>
+            <a:r>
+              <a:rPr lang="en-US" sz="1400" dirty="0">
+                <a:solidFill>
+                  <a:schemeClr val="tx1"/>
+                </a:solidFill>
+              </a:rPr>
+              <a:t>S</a:t>
+            </a:r>
+            <a:r>
+              <a:rPr lang="en-ID" sz="1400" dirty="0">
+                <a:solidFill>
+                  <a:schemeClr val="tx1"/>
+                </a:solidFill>
+              </a:rPr>
+              <a:t>tate = </a:t>
+            </a:r>
+            <a:r>
+              <a:rPr lang="en-ID" sz="1400" b="0" dirty="0">
+                <a:solidFill>
+                  <a:schemeClr val="tx1"/>
+                </a:solidFill>
+                <a:effectLst/>
+                <a:latin typeface="Consolas" panose="020B0609020204030204" pitchFamily="49" charset="0"/>
+              </a:rPr>
+              <a:t>MODE_MANUAL_ON</a:t>
+            </a:r>
+          </a:p>
+        </p:txBody>
+      </p:sp>
+      <p:sp>
+        <p:nvSpPr>
+          <p:cNvPr id="64" name="TextBox 63">
+            <a:extLst>
+              <a:ext uri="{FF2B5EF4-FFF2-40B4-BE49-F238E27FC236}">
+                <a16:creationId xmlns:a16="http://schemas.microsoft.com/office/drawing/2014/main" id="{F3734BFA-0D69-420C-8FA2-A549F2FFF82D}"/>
+              </a:ext>
+            </a:extLst>
+          </p:cNvPr>
+          <p:cNvSpPr txBox="1"/>
+          <p:nvPr/>
+        </p:nvSpPr>
+        <p:spPr>
+          <a:xfrm>
+            <a:off x="3131839" y="5599250"/>
+            <a:ext cx="2439975" cy="738664"/>
+          </a:xfrm>
+          <a:prstGeom prst="rect">
+            <a:avLst/>
+          </a:prstGeom>
+          <a:noFill/>
+          <a:ln w="19050">
+            <a:solidFill>
+              <a:schemeClr val="tx1"/>
+            </a:solidFill>
+          </a:ln>
+        </p:spPr>
+        <p:txBody>
+          <a:bodyPr wrap="square" rtlCol="0">
+            <a:spAutoFit/>
+          </a:bodyPr>
+          <a:lstStyle/>
+          <a:p>
+            <a:pPr algn="ctr"/>
+            <a:r>
+              <a:rPr lang="en-ID" sz="1400" b="0" dirty="0">
+                <a:effectLst/>
+                <a:latin typeface="Consolas" panose="020B0609020204030204" pitchFamily="49" charset="0"/>
+              </a:rPr>
+              <a:t>_ledAuto-&gt;off();</a:t>
+            </a:r>
+          </a:p>
+          <a:p>
+            <a:pPr algn="ctr"/>
+            <a:r>
+              <a:rPr lang="en-ID" sz="1400" b="0" dirty="0">
+                <a:effectLst/>
+                <a:latin typeface="Consolas" panose="020B0609020204030204" pitchFamily="49" charset="0"/>
+              </a:rPr>
+              <a:t>_ledManual-&gt;blink();</a:t>
+            </a:r>
+          </a:p>
+          <a:p>
+            <a:pPr algn="ctr"/>
+            <a:r>
+              <a:rPr lang="en-ID" sz="1400" b="0" dirty="0">
+                <a:effectLst/>
+                <a:latin typeface="Consolas" panose="020B0609020204030204" pitchFamily="49" charset="0"/>
+              </a:rPr>
+              <a:t>_ledReset-&gt;off();</a:t>
+            </a:r>
+          </a:p>
+        </p:txBody>
+      </p:sp>
+      <p:cxnSp>
+        <p:nvCxnSpPr>
+          <p:cNvPr id="65" name="Straight Arrow Connector 64">
+            <a:extLst>
+              <a:ext uri="{FF2B5EF4-FFF2-40B4-BE49-F238E27FC236}">
+                <a16:creationId xmlns:a16="http://schemas.microsoft.com/office/drawing/2014/main" id="{BAFFECD8-89A2-45A0-BB6C-43FD6D96482C}"/>
+              </a:ext>
+            </a:extLst>
+          </p:cNvPr>
+          <p:cNvCxnSpPr>
+            <a:cxnSpLocks/>
+            <a:endCxn id="64" idx="1"/>
+          </p:cNvCxnSpPr>
+          <p:nvPr/>
+        </p:nvCxnSpPr>
+        <p:spPr>
+          <a:xfrm>
+            <a:off x="2818315" y="5968582"/>
+            <a:ext cx="313524" cy="0"/>
+          </a:xfrm>
+          <a:prstGeom prst="straightConnector1">
+            <a:avLst/>
+          </a:prstGeom>
+          <a:ln w="19050">
+            <a:solidFill>
+              <a:srgbClr val="003300"/>
+            </a:solidFill>
+            <a:tailEnd type="arrow"/>
+          </a:ln>
+        </p:spPr>
+        <p:style>
+          <a:lnRef idx="1">
+            <a:schemeClr val="accent1"/>
+          </a:lnRef>
+          <a:fillRef idx="0">
+            <a:schemeClr val="accent1"/>
+          </a:fillRef>
+          <a:effectRef idx="0">
+            <a:schemeClr val="accent1"/>
+          </a:effectRef>
+          <a:fontRef idx="minor">
+            <a:schemeClr val="tx1"/>
+          </a:fontRef>
+        </p:style>
+      </p:cxnSp>
+      <p:sp>
+        <p:nvSpPr>
+          <p:cNvPr id="66" name="Flowchart: Decision 65">
+            <a:extLst>
+              <a:ext uri="{FF2B5EF4-FFF2-40B4-BE49-F238E27FC236}">
+                <a16:creationId xmlns:a16="http://schemas.microsoft.com/office/drawing/2014/main" id="{F65F2797-01CA-4040-A232-0D0BEC47111E}"/>
+              </a:ext>
+            </a:extLst>
+          </p:cNvPr>
+          <p:cNvSpPr/>
+          <p:nvPr/>
+        </p:nvSpPr>
+        <p:spPr>
+          <a:xfrm>
+            <a:off x="5724128" y="1541439"/>
+            <a:ext cx="2376264" cy="839830"/>
+          </a:xfrm>
+          <a:prstGeom prst="flowChartDecision">
+            <a:avLst/>
+          </a:prstGeom>
+          <a:noFill/>
+          <a:ln w="19050">
+            <a:solidFill>
+              <a:schemeClr val="tx1"/>
+            </a:solidFill>
+          </a:ln>
+        </p:spPr>
+        <p:style>
+          <a:lnRef idx="2">
+            <a:schemeClr val="accent1">
+              <a:shade val="50000"/>
+            </a:schemeClr>
+          </a:lnRef>
+          <a:fillRef idx="1">
+            <a:schemeClr val="accent1"/>
+          </a:fillRef>
+          <a:effectRef idx="0">
+            <a:schemeClr val="accent1"/>
+          </a:effectRef>
+          <a:fontRef idx="minor">
+            <a:schemeClr val="lt1"/>
+          </a:fontRef>
+        </p:style>
+        <p:txBody>
+          <a:bodyPr rtlCol="0" anchor="ctr"/>
+          <a:lstStyle/>
+          <a:p>
+            <a:pPr algn="ctr"/>
+            <a:r>
+              <a:rPr lang="en-US" sz="1400" dirty="0">
+                <a:solidFill>
+                  <a:schemeClr val="tx1"/>
+                </a:solidFill>
+              </a:rPr>
+              <a:t>S</a:t>
+            </a:r>
+            <a:r>
+              <a:rPr lang="en-ID" sz="1400" dirty="0">
+                <a:solidFill>
+                  <a:schemeClr val="tx1"/>
+                </a:solidFill>
+              </a:rPr>
+              <a:t>tate = </a:t>
+            </a:r>
+            <a:r>
+              <a:rPr lang="en-ID" sz="1400" b="0" dirty="0">
+                <a:solidFill>
+                  <a:schemeClr val="tx1"/>
+                </a:solidFill>
+                <a:effectLst/>
+                <a:latin typeface="Consolas" panose="020B0609020204030204" pitchFamily="49" charset="0"/>
+              </a:rPr>
+              <a:t>MODE_RESET</a:t>
+            </a:r>
+          </a:p>
+        </p:txBody>
+      </p:sp>
+      <p:sp>
+        <p:nvSpPr>
+          <p:cNvPr id="67" name="TextBox 66">
+            <a:extLst>
+              <a:ext uri="{FF2B5EF4-FFF2-40B4-BE49-F238E27FC236}">
+                <a16:creationId xmlns:a16="http://schemas.microsoft.com/office/drawing/2014/main" id="{6B0F4331-CCA6-4C62-9B25-496B1B86EF45}"/>
+              </a:ext>
+            </a:extLst>
+          </p:cNvPr>
+          <p:cNvSpPr txBox="1"/>
+          <p:nvPr/>
+        </p:nvSpPr>
+        <p:spPr>
+          <a:xfrm>
+            <a:off x="7020272" y="2492896"/>
+            <a:ext cx="2016224" cy="954107"/>
+          </a:xfrm>
+          <a:prstGeom prst="rect">
+            <a:avLst/>
+          </a:prstGeom>
+          <a:noFill/>
+          <a:ln w="19050">
+            <a:solidFill>
+              <a:schemeClr val="tx1"/>
+            </a:solidFill>
+          </a:ln>
+        </p:spPr>
+        <p:txBody>
+          <a:bodyPr wrap="square" rtlCol="0">
+            <a:spAutoFit/>
+          </a:bodyPr>
+          <a:lstStyle/>
+          <a:p>
+            <a:pPr algn="ctr"/>
+            <a:r>
+              <a:rPr lang="en-ID" sz="1400" b="0" dirty="0">
+                <a:effectLst/>
+                <a:latin typeface="Consolas" panose="020B0609020204030204" pitchFamily="49" charset="0"/>
+              </a:rPr>
+              <a:t>_ledAuto-&gt;off();</a:t>
+            </a:r>
+          </a:p>
+          <a:p>
+            <a:pPr algn="ctr"/>
+            <a:r>
+              <a:rPr lang="en-ID" sz="1400" b="0" dirty="0">
+                <a:effectLst/>
+                <a:latin typeface="Consolas" panose="020B0609020204030204" pitchFamily="49" charset="0"/>
+              </a:rPr>
+              <a:t>_ledManual-&gt;off();</a:t>
+            </a:r>
+          </a:p>
+          <a:p>
+            <a:pPr algn="ctr"/>
+            <a:r>
+              <a:rPr lang="en-ID" sz="1400" b="0" dirty="0">
+                <a:effectLst/>
+                <a:latin typeface="Consolas" panose="020B0609020204030204" pitchFamily="49" charset="0"/>
+              </a:rPr>
+              <a:t>_ledReset-&gt;blink();</a:t>
+            </a:r>
+          </a:p>
+        </p:txBody>
+      </p:sp>
+      <p:sp>
+        <p:nvSpPr>
+          <p:cNvPr id="69" name="Flowchart: Decision 68">
+            <a:extLst>
+              <a:ext uri="{FF2B5EF4-FFF2-40B4-BE49-F238E27FC236}">
+                <a16:creationId xmlns:a16="http://schemas.microsoft.com/office/drawing/2014/main" id="{D2F95C7F-0DC4-47C2-B711-F07F05F0EED2}"/>
+              </a:ext>
+            </a:extLst>
+          </p:cNvPr>
+          <p:cNvSpPr/>
+          <p:nvPr/>
+        </p:nvSpPr>
+        <p:spPr>
+          <a:xfrm>
+            <a:off x="5724128" y="3531672"/>
+            <a:ext cx="2376264" cy="839830"/>
+          </a:xfrm>
+          <a:prstGeom prst="flowChartDecision">
+            <a:avLst/>
+          </a:prstGeom>
+          <a:noFill/>
+          <a:ln w="19050">
+            <a:solidFill>
+              <a:schemeClr val="tx1"/>
+            </a:solidFill>
+          </a:ln>
+        </p:spPr>
+        <p:style>
+          <a:lnRef idx="2">
+            <a:schemeClr val="accent1">
+              <a:shade val="50000"/>
+            </a:schemeClr>
+          </a:lnRef>
+          <a:fillRef idx="1">
+            <a:schemeClr val="accent1"/>
+          </a:fillRef>
+          <a:effectRef idx="0">
+            <a:schemeClr val="accent1"/>
+          </a:effectRef>
+          <a:fontRef idx="minor">
+            <a:schemeClr val="lt1"/>
+          </a:fontRef>
+        </p:style>
+        <p:txBody>
+          <a:bodyPr rtlCol="0" anchor="ctr"/>
+          <a:lstStyle/>
+          <a:p>
+            <a:pPr algn="ctr"/>
+            <a:r>
+              <a:rPr lang="en-US" sz="1400" dirty="0">
+                <a:solidFill>
+                  <a:schemeClr val="tx1"/>
+                </a:solidFill>
+              </a:rPr>
+              <a:t>S</a:t>
+            </a:r>
+            <a:r>
+              <a:rPr lang="en-ID" sz="1400" dirty="0">
+                <a:solidFill>
+                  <a:schemeClr val="tx1"/>
+                </a:solidFill>
+              </a:rPr>
+              <a:t>tate = </a:t>
+            </a:r>
+            <a:r>
+              <a:rPr lang="en-ID" sz="1400" b="0" dirty="0">
+                <a:solidFill>
+                  <a:schemeClr val="tx1"/>
+                </a:solidFill>
+                <a:effectLst/>
+                <a:latin typeface="Consolas" panose="020B0609020204030204" pitchFamily="49" charset="0"/>
+              </a:rPr>
+              <a:t>MODE_READY</a:t>
+            </a:r>
+          </a:p>
+        </p:txBody>
+      </p:sp>
+      <p:sp>
+        <p:nvSpPr>
+          <p:cNvPr id="70" name="TextBox 69">
+            <a:extLst>
+              <a:ext uri="{FF2B5EF4-FFF2-40B4-BE49-F238E27FC236}">
+                <a16:creationId xmlns:a16="http://schemas.microsoft.com/office/drawing/2014/main" id="{5550BEDA-0699-43BE-8D94-CB951C3101B0}"/>
+              </a:ext>
+            </a:extLst>
+          </p:cNvPr>
+          <p:cNvSpPr txBox="1"/>
+          <p:nvPr/>
+        </p:nvSpPr>
+        <p:spPr>
+          <a:xfrm>
+            <a:off x="6744641" y="4555137"/>
+            <a:ext cx="2219847" cy="738664"/>
+          </a:xfrm>
+          <a:prstGeom prst="rect">
+            <a:avLst/>
+          </a:prstGeom>
+          <a:noFill/>
+          <a:ln w="19050">
+            <a:solidFill>
+              <a:schemeClr val="tx1"/>
+            </a:solidFill>
+          </a:ln>
+        </p:spPr>
+        <p:txBody>
+          <a:bodyPr wrap="square" rtlCol="0">
+            <a:spAutoFit/>
+          </a:bodyPr>
+          <a:lstStyle/>
+          <a:p>
+            <a:pPr algn="ctr"/>
+            <a:r>
+              <a:rPr lang="en-ID" sz="1400" b="0" dirty="0">
+                <a:effectLst/>
+                <a:latin typeface="Consolas" panose="020B0609020204030204" pitchFamily="49" charset="0"/>
+              </a:rPr>
+              <a:t>_ledAuto-&gt;blink();</a:t>
+            </a:r>
+          </a:p>
+          <a:p>
+            <a:pPr algn="ctr"/>
+            <a:r>
+              <a:rPr lang="en-ID" sz="1400" b="0" dirty="0">
+                <a:effectLst/>
+                <a:latin typeface="Consolas" panose="020B0609020204030204" pitchFamily="49" charset="0"/>
+              </a:rPr>
+              <a:t>_ledManual-&gt;blink();</a:t>
+            </a:r>
+          </a:p>
+          <a:p>
+            <a:pPr algn="ctr"/>
+            <a:r>
+              <a:rPr lang="en-ID" sz="1400" b="0" dirty="0">
+                <a:effectLst/>
+                <a:latin typeface="Consolas" panose="020B0609020204030204" pitchFamily="49" charset="0"/>
+              </a:rPr>
+              <a:t>_ledReset-&gt;off();</a:t>
+            </a:r>
+          </a:p>
+        </p:txBody>
+      </p:sp>
+      <p:cxnSp>
+        <p:nvCxnSpPr>
+          <p:cNvPr id="72" name="Connector: Elbow 71">
+            <a:extLst>
+              <a:ext uri="{FF2B5EF4-FFF2-40B4-BE49-F238E27FC236}">
+                <a16:creationId xmlns:a16="http://schemas.microsoft.com/office/drawing/2014/main" id="{3D78028B-2FD5-4A9A-AE4B-411BEE6808C8}"/>
+              </a:ext>
+            </a:extLst>
+          </p:cNvPr>
+          <p:cNvCxnSpPr>
+            <a:cxnSpLocks/>
+            <a:stCxn id="63" idx="2"/>
+            <a:endCxn id="66" idx="0"/>
+          </p:cNvCxnSpPr>
+          <p:nvPr/>
+        </p:nvCxnSpPr>
+        <p:spPr>
+          <a:xfrm rot="5400000" flipH="1" flipV="1">
+            <a:off x="1891893" y="1367080"/>
+            <a:ext cx="4846007" cy="5194725"/>
+          </a:xfrm>
+          <a:prstGeom prst="bentConnector5">
+            <a:avLst>
+              <a:gd name="adj1" fmla="val -4717"/>
+              <a:gd name="adj2" fmla="val 76444"/>
+              <a:gd name="adj3" fmla="val 104717"/>
+            </a:avLst>
+          </a:prstGeom>
+          <a:ln w="19050">
+            <a:tailEnd type="triangle"/>
+          </a:ln>
+        </p:spPr>
+        <p:style>
+          <a:lnRef idx="1">
+            <a:schemeClr val="dk1"/>
+          </a:lnRef>
+          <a:fillRef idx="0">
+            <a:schemeClr val="dk1"/>
+          </a:fillRef>
+          <a:effectRef idx="0">
+            <a:schemeClr val="dk1"/>
+          </a:effectRef>
+          <a:fontRef idx="minor">
+            <a:schemeClr val="tx1"/>
+          </a:fontRef>
+        </p:style>
+      </p:cxnSp>
+      <p:cxnSp>
+        <p:nvCxnSpPr>
+          <p:cNvPr id="75" name="Straight Arrow Connector 74">
+            <a:extLst>
+              <a:ext uri="{FF2B5EF4-FFF2-40B4-BE49-F238E27FC236}">
+                <a16:creationId xmlns:a16="http://schemas.microsoft.com/office/drawing/2014/main" id="{D0247221-F0B4-4BD4-B79F-229AA27F2727}"/>
+              </a:ext>
+            </a:extLst>
+          </p:cNvPr>
+          <p:cNvCxnSpPr>
+            <a:cxnSpLocks/>
+            <a:stCxn id="66" idx="2"/>
+            <a:endCxn id="69" idx="0"/>
+          </p:cNvCxnSpPr>
+          <p:nvPr/>
+        </p:nvCxnSpPr>
+        <p:spPr>
+          <a:xfrm>
+            <a:off x="6912260" y="2381269"/>
+            <a:ext cx="0" cy="1150403"/>
+          </a:xfrm>
+          <a:prstGeom prst="straightConnector1">
+            <a:avLst/>
+          </a:prstGeom>
+          <a:ln w="19050">
+            <a:tailEnd type="triangle"/>
+          </a:ln>
+        </p:spPr>
+        <p:style>
+          <a:lnRef idx="1">
+            <a:schemeClr val="dk1"/>
+          </a:lnRef>
+          <a:fillRef idx="0">
+            <a:schemeClr val="dk1"/>
+          </a:fillRef>
+          <a:effectRef idx="0">
+            <a:schemeClr val="dk1"/>
+          </a:effectRef>
+          <a:fontRef idx="minor">
+            <a:schemeClr val="tx1"/>
+          </a:fontRef>
+        </p:style>
+      </p:cxnSp>
+      <p:cxnSp>
+        <p:nvCxnSpPr>
+          <p:cNvPr id="79" name="Connector: Elbow 78">
+            <a:extLst>
+              <a:ext uri="{FF2B5EF4-FFF2-40B4-BE49-F238E27FC236}">
+                <a16:creationId xmlns:a16="http://schemas.microsoft.com/office/drawing/2014/main" id="{D3DEDF2B-9ADF-4666-8DDA-040C164A1C9F}"/>
+              </a:ext>
+            </a:extLst>
+          </p:cNvPr>
+          <p:cNvCxnSpPr>
+            <a:cxnSpLocks/>
+            <a:stCxn id="66" idx="3"/>
+            <a:endCxn id="67" idx="0"/>
+          </p:cNvCxnSpPr>
+          <p:nvPr/>
+        </p:nvCxnSpPr>
+        <p:spPr>
+          <a:xfrm flipH="1">
+            <a:off x="8028384" y="1961354"/>
+            <a:ext cx="72008" cy="531542"/>
+          </a:xfrm>
+          <a:prstGeom prst="bentConnector4">
+            <a:avLst>
+              <a:gd name="adj1" fmla="val -17637"/>
+              <a:gd name="adj2" fmla="val 53661"/>
+            </a:avLst>
+          </a:prstGeom>
+          <a:ln w="19050">
+            <a:tailEnd type="triangle"/>
+          </a:ln>
+        </p:spPr>
+        <p:style>
+          <a:lnRef idx="1">
+            <a:schemeClr val="dk1"/>
+          </a:lnRef>
+          <a:fillRef idx="0">
+            <a:schemeClr val="dk1"/>
+          </a:fillRef>
+          <a:effectRef idx="0">
+            <a:schemeClr val="dk1"/>
+          </a:effectRef>
+          <a:fontRef idx="minor">
+            <a:schemeClr val="tx1"/>
+          </a:fontRef>
+        </p:style>
+      </p:cxnSp>
+      <p:cxnSp>
+        <p:nvCxnSpPr>
+          <p:cNvPr id="81" name="Connector: Elbow 80">
+            <a:extLst>
+              <a:ext uri="{FF2B5EF4-FFF2-40B4-BE49-F238E27FC236}">
+                <a16:creationId xmlns:a16="http://schemas.microsoft.com/office/drawing/2014/main" id="{8A446044-0623-4A71-B014-B43A5CE83132}"/>
+              </a:ext>
+            </a:extLst>
+          </p:cNvPr>
+          <p:cNvCxnSpPr>
+            <a:cxnSpLocks/>
+            <a:stCxn id="69" idx="3"/>
+            <a:endCxn id="70" idx="0"/>
+          </p:cNvCxnSpPr>
+          <p:nvPr/>
+        </p:nvCxnSpPr>
+        <p:spPr>
+          <a:xfrm flipH="1">
+            <a:off x="7854565" y="3951587"/>
+            <a:ext cx="245827" cy="603550"/>
+          </a:xfrm>
+          <a:prstGeom prst="bentConnector4">
+            <a:avLst>
+              <a:gd name="adj1" fmla="val -10332"/>
+              <a:gd name="adj2" fmla="val 51120"/>
+            </a:avLst>
+          </a:prstGeom>
+          <a:ln w="19050">
+            <a:tailEnd type="triangle"/>
+          </a:ln>
+        </p:spPr>
+        <p:style>
+          <a:lnRef idx="1">
+            <a:schemeClr val="dk1"/>
+          </a:lnRef>
+          <a:fillRef idx="0">
+            <a:schemeClr val="dk1"/>
+          </a:fillRef>
+          <a:effectRef idx="0">
+            <a:schemeClr val="dk1"/>
+          </a:effectRef>
+          <a:fontRef idx="minor">
+            <a:schemeClr val="tx1"/>
+          </a:fontRef>
+        </p:style>
+      </p:cxnSp>
+      <p:cxnSp>
+        <p:nvCxnSpPr>
+          <p:cNvPr id="87" name="Straight Arrow Connector 86">
+            <a:extLst>
+              <a:ext uri="{FF2B5EF4-FFF2-40B4-BE49-F238E27FC236}">
+                <a16:creationId xmlns:a16="http://schemas.microsoft.com/office/drawing/2014/main" id="{28527620-6755-4E04-86F1-4ABFA39DFCEC}"/>
+              </a:ext>
+            </a:extLst>
+          </p:cNvPr>
+          <p:cNvCxnSpPr>
+            <a:cxnSpLocks/>
+            <a:stCxn id="46" idx="2"/>
+            <a:endCxn id="63" idx="0"/>
+          </p:cNvCxnSpPr>
+          <p:nvPr/>
+        </p:nvCxnSpPr>
+        <p:spPr>
+          <a:xfrm flipH="1">
+            <a:off x="1717535" y="5400146"/>
+            <a:ext cx="12400" cy="147470"/>
+          </a:xfrm>
+          <a:prstGeom prst="straightConnector1">
+            <a:avLst/>
+          </a:prstGeom>
+          <a:ln w="19050">
+            <a:tailEnd type="triangle"/>
+          </a:ln>
+        </p:spPr>
+        <p:style>
+          <a:lnRef idx="1">
+            <a:schemeClr val="dk1"/>
+          </a:lnRef>
+          <a:fillRef idx="0">
+            <a:schemeClr val="dk1"/>
+          </a:fillRef>
+          <a:effectRef idx="0">
+            <a:schemeClr val="dk1"/>
+          </a:effectRef>
+          <a:fontRef idx="minor">
+            <a:schemeClr val="tx1"/>
+          </a:fontRef>
+        </p:style>
+      </p:cxnSp>
+    </p:spTree>
+    <p:extLst>
+      <p:ext uri="{BB962C8B-B14F-4D97-AF65-F5344CB8AC3E}">
+        <p14:creationId xmlns:p14="http://schemas.microsoft.com/office/powerpoint/2010/main" val="284436478"/>
+      </p:ext>
+    </p:extLst>
+  </p:cSld>
+  <p:clrMapOvr>
+    <a:masterClrMapping/>
+  </p:clrMapOvr>
+</p:sld>
+</file>
+
+<file path=ppt/slides/slide11.xml><?xml version="1.0" encoding="utf-8"?>
+<p:sld xmlns:a="http://schemas.openxmlformats.org/drawingml/2006/main" xmlns:r="http://schemas.openxmlformats.org/officeDocument/2006/relationships" xmlns:p="http://schemas.openxmlformats.org/presentationml/2006/main">
+  <p:cSld>
+    <p:spTree>
+      <p:nvGrpSpPr>
+        <p:cNvPr id="1" name=""/>
+        <p:cNvGrpSpPr/>
+        <p:nvPr/>
+      </p:nvGrpSpPr>
+      <p:grpSpPr>
+        <a:xfrm>
+          <a:off x="0" y="0"/>
+          <a:ext cx="0" cy="0"/>
+          <a:chOff x="0" y="0"/>
+          <a:chExt cx="0" cy="0"/>
+        </a:xfrm>
+      </p:grpSpPr>
+      <p:sp>
+        <p:nvSpPr>
+          <p:cNvPr id="4" name="Rectangle 3"/>
+          <p:cNvSpPr/>
+          <p:nvPr/>
+        </p:nvSpPr>
+        <p:spPr>
+          <a:xfrm>
+            <a:off x="1115616" y="162866"/>
+            <a:ext cx="7519046" cy="584775"/>
+          </a:xfrm>
+          <a:prstGeom prst="rect">
+            <a:avLst/>
+          </a:prstGeom>
+        </p:spPr>
+        <p:txBody>
+          <a:bodyPr wrap="none">
+            <a:spAutoFit/>
+          </a:bodyPr>
+          <a:lstStyle/>
+          <a:p>
+            <a:r>
+              <a:rPr lang="en-ID" b="1" dirty="0"/>
+              <a:t>Flowchart </a:t>
+            </a:r>
+            <a:r>
+              <a:rPr lang="en-ID" b="0" dirty="0">
+                <a:effectLst/>
+                <a:latin typeface="Consolas" panose="020B0609020204030204" pitchFamily="49" charset="0"/>
+              </a:rPr>
+              <a:t>this-&gt;_logicOperation(operationMode, sensorStatus)</a:t>
+            </a:r>
+          </a:p>
+          <a:p>
+            <a:pPr algn="ctr"/>
+            <a:r>
+              <a:rPr lang="en-ID" sz="1400" dirty="0"/>
+              <a:t>File : aLocalPanel.ino</a:t>
+            </a:r>
+            <a:endParaRPr lang="en-US" sz="1400" dirty="0"/>
+          </a:p>
+        </p:txBody>
+      </p:sp>
+      <p:sp>
+        <p:nvSpPr>
+          <p:cNvPr id="5" name="Flowchart: Decision 4"/>
+          <p:cNvSpPr/>
+          <p:nvPr/>
+        </p:nvSpPr>
+        <p:spPr>
+          <a:xfrm>
+            <a:off x="746569" y="1906767"/>
+            <a:ext cx="2232248" cy="839830"/>
+          </a:xfrm>
+          <a:prstGeom prst="flowChartDecision">
+            <a:avLst/>
+          </a:prstGeom>
+          <a:noFill/>
+          <a:ln w="19050">
+            <a:solidFill>
+              <a:schemeClr val="tx1"/>
+            </a:solidFill>
+          </a:ln>
+        </p:spPr>
+        <p:style>
+          <a:lnRef idx="2">
+            <a:schemeClr val="accent1">
+              <a:shade val="50000"/>
+            </a:schemeClr>
+          </a:lnRef>
+          <a:fillRef idx="1">
+            <a:schemeClr val="accent1"/>
+          </a:fillRef>
+          <a:effectRef idx="0">
+            <a:schemeClr val="accent1"/>
+          </a:effectRef>
+          <a:fontRef idx="minor">
+            <a:schemeClr val="lt1"/>
+          </a:fontRef>
+        </p:style>
+        <p:txBody>
+          <a:bodyPr rtlCol="0" anchor="ctr"/>
+          <a:lstStyle/>
+          <a:p>
+            <a:pPr algn="ctr"/>
+            <a:r>
+              <a:rPr lang="en-US" sz="1400" dirty="0">
+                <a:solidFill>
+                  <a:schemeClr val="tx1"/>
+                </a:solidFill>
+              </a:rPr>
+              <a:t>S</a:t>
+            </a:r>
+            <a:r>
+              <a:rPr lang="en-ID" sz="1400" dirty="0">
+                <a:solidFill>
+                  <a:schemeClr val="tx1"/>
+                </a:solidFill>
+              </a:rPr>
+              <a:t>tate = </a:t>
+            </a:r>
+            <a:r>
+              <a:rPr lang="en-ID" sz="1400" b="0" dirty="0">
+                <a:solidFill>
+                  <a:schemeClr val="tx1"/>
+                </a:solidFill>
+                <a:effectLst/>
+                <a:latin typeface="Consolas" panose="020B0609020204030204" pitchFamily="49" charset="0"/>
+              </a:rPr>
+              <a:t>MODE_TEST</a:t>
+            </a:r>
+          </a:p>
+        </p:txBody>
+      </p:sp>
+      <p:sp>
+        <p:nvSpPr>
+          <p:cNvPr id="6" name="TextBox 5"/>
+          <p:cNvSpPr txBox="1"/>
+          <p:nvPr/>
+        </p:nvSpPr>
+        <p:spPr>
+          <a:xfrm>
+            <a:off x="3292342" y="2172793"/>
+            <a:ext cx="2016224" cy="307777"/>
+          </a:xfrm>
+          <a:prstGeom prst="rect">
+            <a:avLst/>
+          </a:prstGeom>
+          <a:noFill/>
+          <a:ln w="19050">
+            <a:solidFill>
+              <a:schemeClr val="tx1"/>
+            </a:solidFill>
+          </a:ln>
+        </p:spPr>
+        <p:txBody>
+          <a:bodyPr wrap="square" rtlCol="0">
+            <a:spAutoFit/>
+          </a:bodyPr>
+          <a:lstStyle/>
+          <a:p>
+            <a:pPr algn="ctr"/>
+            <a:r>
+              <a:rPr lang="en-ID" sz="1400" b="0" dirty="0">
+                <a:effectLst/>
+                <a:latin typeface="Consolas" panose="020B0609020204030204" pitchFamily="49" charset="0"/>
+              </a:rPr>
+              <a:t>_buzzer-&gt;on();</a:t>
+            </a:r>
+          </a:p>
+        </p:txBody>
+      </p:sp>
+      <p:sp>
+        <p:nvSpPr>
+          <p:cNvPr id="7" name="TextBox 6"/>
+          <p:cNvSpPr txBox="1"/>
+          <p:nvPr/>
+        </p:nvSpPr>
+        <p:spPr>
+          <a:xfrm>
+            <a:off x="2923458" y="1992104"/>
+            <a:ext cx="296876" cy="369332"/>
+          </a:xfrm>
+          <a:prstGeom prst="rect">
+            <a:avLst/>
+          </a:prstGeom>
+          <a:noFill/>
+          <a:ln w="19050">
+            <a:noFill/>
+          </a:ln>
+        </p:spPr>
+        <p:txBody>
+          <a:bodyPr wrap="none" rtlCol="0">
+            <a:spAutoFit/>
+          </a:bodyPr>
+          <a:lstStyle/>
+          <a:p>
+            <a:r>
+              <a:rPr lang="en-ID" dirty="0"/>
+              <a:t>Y</a:t>
+            </a:r>
+            <a:endParaRPr lang="en-US" dirty="0"/>
+          </a:p>
+        </p:txBody>
+      </p:sp>
+      <p:cxnSp>
+        <p:nvCxnSpPr>
+          <p:cNvPr id="42" name="Straight Arrow Connector 41"/>
+          <p:cNvCxnSpPr>
+            <a:cxnSpLocks/>
+            <a:stCxn id="5" idx="3"/>
+            <a:endCxn id="6" idx="1"/>
+          </p:cNvCxnSpPr>
+          <p:nvPr/>
+        </p:nvCxnSpPr>
+        <p:spPr>
+          <a:xfrm>
+            <a:off x="2978817" y="2326682"/>
+            <a:ext cx="313525" cy="0"/>
+          </a:xfrm>
+          <a:prstGeom prst="straightConnector1">
+            <a:avLst/>
+          </a:prstGeom>
+          <a:ln w="19050">
+            <a:solidFill>
+              <a:srgbClr val="003300"/>
+            </a:solidFill>
+            <a:tailEnd type="arrow"/>
+          </a:ln>
+        </p:spPr>
+        <p:style>
+          <a:lnRef idx="1">
+            <a:schemeClr val="accent1"/>
+          </a:lnRef>
+          <a:fillRef idx="0">
+            <a:schemeClr val="accent1"/>
+          </a:fillRef>
+          <a:effectRef idx="0">
+            <a:schemeClr val="accent1"/>
+          </a:effectRef>
+          <a:fontRef idx="minor">
+            <a:schemeClr val="tx1"/>
+          </a:fontRef>
+        </p:style>
+      </p:cxnSp>
+      <p:cxnSp>
+        <p:nvCxnSpPr>
+          <p:cNvPr id="3" name="Connector: Elbow 2">
+            <a:extLst>
+              <a:ext uri="{FF2B5EF4-FFF2-40B4-BE49-F238E27FC236}">
+                <a16:creationId xmlns:a16="http://schemas.microsoft.com/office/drawing/2014/main" id="{F2621A12-D6C6-45BE-B908-1C2D6AFE4391}"/>
+              </a:ext>
+            </a:extLst>
+          </p:cNvPr>
+          <p:cNvCxnSpPr>
+            <a:cxnSpLocks/>
+            <a:endCxn id="5" idx="0"/>
+          </p:cNvCxnSpPr>
+          <p:nvPr/>
+        </p:nvCxnSpPr>
+        <p:spPr>
+          <a:xfrm rot="5400000">
+            <a:off x="1899246" y="1503331"/>
+            <a:ext cx="366884" cy="439989"/>
+          </a:xfrm>
+          <a:prstGeom prst="bentConnector3">
+            <a:avLst/>
+          </a:prstGeom>
+          <a:ln w="19050">
+            <a:solidFill>
+              <a:schemeClr val="tx1"/>
+            </a:solidFill>
+            <a:tailEnd type="triangle"/>
+          </a:ln>
+        </p:spPr>
+        <p:style>
+          <a:lnRef idx="1">
+            <a:schemeClr val="dk1"/>
+          </a:lnRef>
+          <a:fillRef idx="0">
+            <a:schemeClr val="dk1"/>
+          </a:fillRef>
+          <a:effectRef idx="0">
+            <a:schemeClr val="dk1"/>
+          </a:effectRef>
+          <a:fontRef idx="minor">
+            <a:schemeClr val="tx1"/>
+          </a:fontRef>
+        </p:style>
+      </p:cxnSp>
+      <p:sp>
+        <p:nvSpPr>
+          <p:cNvPr id="43" name="Flowchart: Decision 42">
+            <a:extLst>
+              <a:ext uri="{FF2B5EF4-FFF2-40B4-BE49-F238E27FC236}">
+                <a16:creationId xmlns:a16="http://schemas.microsoft.com/office/drawing/2014/main" id="{F10B347E-033C-4910-9071-CDA92304C379}"/>
+              </a:ext>
+            </a:extLst>
+          </p:cNvPr>
+          <p:cNvSpPr/>
+          <p:nvPr/>
+        </p:nvSpPr>
+        <p:spPr>
+          <a:xfrm>
+            <a:off x="746569" y="2963259"/>
+            <a:ext cx="2232248" cy="839830"/>
+          </a:xfrm>
+          <a:prstGeom prst="flowChartDecision">
+            <a:avLst/>
+          </a:prstGeom>
+          <a:noFill/>
+          <a:ln w="19050">
+            <a:solidFill>
+              <a:schemeClr val="tx1"/>
+            </a:solidFill>
+          </a:ln>
+        </p:spPr>
+        <p:style>
+          <a:lnRef idx="2">
+            <a:schemeClr val="accent1">
+              <a:shade val="50000"/>
+            </a:schemeClr>
+          </a:lnRef>
+          <a:fillRef idx="1">
+            <a:schemeClr val="accent1"/>
+          </a:fillRef>
+          <a:effectRef idx="0">
+            <a:schemeClr val="accent1"/>
+          </a:effectRef>
+          <a:fontRef idx="minor">
+            <a:schemeClr val="lt1"/>
+          </a:fontRef>
+        </p:style>
+        <p:txBody>
+          <a:bodyPr rtlCol="0" anchor="ctr"/>
+          <a:lstStyle/>
+          <a:p>
+            <a:pPr algn="ctr"/>
+            <a:r>
+              <a:rPr lang="en-US" sz="1400" dirty="0">
+                <a:solidFill>
+                  <a:schemeClr val="tx1"/>
+                </a:solidFill>
+              </a:rPr>
+              <a:t>S</a:t>
+            </a:r>
+            <a:r>
+              <a:rPr lang="en-ID" sz="1400" dirty="0">
+                <a:solidFill>
+                  <a:schemeClr val="tx1"/>
+                </a:solidFill>
+              </a:rPr>
+              <a:t>tate = </a:t>
+            </a:r>
+            <a:r>
+              <a:rPr lang="en-ID" sz="1400" b="0" dirty="0">
+                <a:solidFill>
+                  <a:schemeClr val="tx1"/>
+                </a:solidFill>
+                <a:effectLst/>
+                <a:latin typeface="Consolas" panose="020B0609020204030204" pitchFamily="49" charset="0"/>
+              </a:rPr>
+              <a:t>MODE_AUTO</a:t>
+            </a:r>
+          </a:p>
+        </p:txBody>
+      </p:sp>
+      <p:sp>
+        <p:nvSpPr>
+          <p:cNvPr id="46" name="Flowchart: Decision 45">
+            <a:extLst>
+              <a:ext uri="{FF2B5EF4-FFF2-40B4-BE49-F238E27FC236}">
+                <a16:creationId xmlns:a16="http://schemas.microsoft.com/office/drawing/2014/main" id="{7A2C44B0-43D5-48C5-89A2-758F4F74B13C}"/>
+              </a:ext>
+            </a:extLst>
+          </p:cNvPr>
+          <p:cNvSpPr/>
+          <p:nvPr/>
+        </p:nvSpPr>
+        <p:spPr>
+          <a:xfrm>
+            <a:off x="754865" y="4463329"/>
+            <a:ext cx="2232248" cy="839830"/>
+          </a:xfrm>
+          <a:prstGeom prst="flowChartDecision">
+            <a:avLst/>
+          </a:prstGeom>
+          <a:noFill/>
+          <a:ln w="19050">
+            <a:solidFill>
+              <a:schemeClr val="tx1"/>
+            </a:solidFill>
+          </a:ln>
+        </p:spPr>
+        <p:style>
+          <a:lnRef idx="2">
+            <a:schemeClr val="accent1">
+              <a:shade val="50000"/>
+            </a:schemeClr>
+          </a:lnRef>
+          <a:fillRef idx="1">
+            <a:schemeClr val="accent1"/>
+          </a:fillRef>
+          <a:effectRef idx="0">
+            <a:schemeClr val="accent1"/>
+          </a:effectRef>
+          <a:fontRef idx="minor">
+            <a:schemeClr val="lt1"/>
+          </a:fontRef>
+        </p:style>
+        <p:txBody>
+          <a:bodyPr rtlCol="0" anchor="ctr"/>
+          <a:lstStyle/>
+          <a:p>
+            <a:pPr algn="ctr"/>
+            <a:r>
+              <a:rPr lang="en-US" sz="1400" dirty="0">
+                <a:solidFill>
+                  <a:schemeClr val="tx1"/>
+                </a:solidFill>
+              </a:rPr>
+              <a:t>S</a:t>
+            </a:r>
+            <a:r>
+              <a:rPr lang="en-ID" sz="1400" dirty="0">
+                <a:solidFill>
+                  <a:schemeClr val="tx1"/>
+                </a:solidFill>
+              </a:rPr>
+              <a:t>tate = </a:t>
+            </a:r>
+            <a:r>
+              <a:rPr lang="en-ID" sz="1400" b="0" dirty="0">
+                <a:solidFill>
+                  <a:schemeClr val="tx1"/>
+                </a:solidFill>
+                <a:effectLst/>
+                <a:latin typeface="Consolas" panose="020B0609020204030204" pitchFamily="49" charset="0"/>
+              </a:rPr>
+              <a:t>MODE_MANUAL</a:t>
+            </a:r>
+          </a:p>
+        </p:txBody>
+      </p:sp>
+      <p:cxnSp>
+        <p:nvCxnSpPr>
+          <p:cNvPr id="50" name="Straight Arrow Connector 49">
+            <a:extLst>
+              <a:ext uri="{FF2B5EF4-FFF2-40B4-BE49-F238E27FC236}">
+                <a16:creationId xmlns:a16="http://schemas.microsoft.com/office/drawing/2014/main" id="{4FF3FB3B-045C-494E-92F0-0E579FB56F01}"/>
+              </a:ext>
+            </a:extLst>
+          </p:cNvPr>
+          <p:cNvCxnSpPr>
+            <a:cxnSpLocks/>
+          </p:cNvCxnSpPr>
+          <p:nvPr/>
+        </p:nvCxnSpPr>
+        <p:spPr>
+          <a:xfrm>
+            <a:off x="2987113" y="3387435"/>
+            <a:ext cx="313525" cy="0"/>
+          </a:xfrm>
+          <a:prstGeom prst="straightConnector1">
+            <a:avLst/>
+          </a:prstGeom>
+          <a:ln w="19050">
+            <a:solidFill>
+              <a:srgbClr val="003300"/>
+            </a:solidFill>
+            <a:tailEnd type="arrow"/>
+          </a:ln>
+        </p:spPr>
+        <p:style>
+          <a:lnRef idx="1">
+            <a:schemeClr val="accent1"/>
+          </a:lnRef>
+          <a:fillRef idx="0">
+            <a:schemeClr val="accent1"/>
+          </a:fillRef>
+          <a:effectRef idx="0">
+            <a:schemeClr val="accent1"/>
+          </a:effectRef>
+          <a:fontRef idx="minor">
+            <a:schemeClr val="tx1"/>
+          </a:fontRef>
+        </p:style>
+      </p:cxnSp>
+      <p:sp>
+        <p:nvSpPr>
+          <p:cNvPr id="53" name="TextBox 52">
+            <a:extLst>
+              <a:ext uri="{FF2B5EF4-FFF2-40B4-BE49-F238E27FC236}">
+                <a16:creationId xmlns:a16="http://schemas.microsoft.com/office/drawing/2014/main" id="{92B6985B-E3A7-4FA0-92FF-33D24010ECA0}"/>
+              </a:ext>
+            </a:extLst>
+          </p:cNvPr>
+          <p:cNvSpPr txBox="1"/>
+          <p:nvPr/>
+        </p:nvSpPr>
+        <p:spPr>
+          <a:xfrm>
+            <a:off x="3292168" y="4730121"/>
+            <a:ext cx="2647445" cy="307777"/>
+          </a:xfrm>
+          <a:prstGeom prst="rect">
+            <a:avLst/>
+          </a:prstGeom>
+          <a:noFill/>
+          <a:ln w="19050">
+            <a:solidFill>
+              <a:schemeClr val="tx1"/>
+            </a:solidFill>
+          </a:ln>
+        </p:spPr>
+        <p:txBody>
+          <a:bodyPr wrap="square" rtlCol="0">
+            <a:spAutoFit/>
+          </a:bodyPr>
+          <a:lstStyle/>
+          <a:p>
+            <a:pPr algn="ctr"/>
+            <a:r>
+              <a:rPr lang="en-ID" sz="1400" b="0" dirty="0">
+                <a:effectLst/>
+                <a:latin typeface="Consolas" panose="020B0609020204030204" pitchFamily="49" charset="0"/>
+              </a:rPr>
+              <a:t>_solenoidValve-&gt;off();</a:t>
+            </a:r>
+          </a:p>
+        </p:txBody>
+      </p:sp>
+      <p:cxnSp>
+        <p:nvCxnSpPr>
+          <p:cNvPr id="54" name="Straight Arrow Connector 53">
+            <a:extLst>
+              <a:ext uri="{FF2B5EF4-FFF2-40B4-BE49-F238E27FC236}">
+                <a16:creationId xmlns:a16="http://schemas.microsoft.com/office/drawing/2014/main" id="{DCB0E4FD-9044-428B-9B51-BB81F55A1C6C}"/>
+              </a:ext>
+            </a:extLst>
+          </p:cNvPr>
+          <p:cNvCxnSpPr>
+            <a:cxnSpLocks/>
+            <a:stCxn id="46" idx="3"/>
+            <a:endCxn id="53" idx="1"/>
+          </p:cNvCxnSpPr>
+          <p:nvPr/>
+        </p:nvCxnSpPr>
+        <p:spPr>
+          <a:xfrm>
+            <a:off x="2987113" y="4883244"/>
+            <a:ext cx="305055" cy="766"/>
+          </a:xfrm>
+          <a:prstGeom prst="straightConnector1">
+            <a:avLst/>
+          </a:prstGeom>
+          <a:ln w="19050">
+            <a:solidFill>
+              <a:srgbClr val="003300"/>
+            </a:solidFill>
+            <a:tailEnd type="arrow"/>
+          </a:ln>
+        </p:spPr>
+        <p:style>
+          <a:lnRef idx="1">
+            <a:schemeClr val="accent1"/>
+          </a:lnRef>
+          <a:fillRef idx="0">
+            <a:schemeClr val="accent1"/>
+          </a:fillRef>
+          <a:effectRef idx="0">
+            <a:schemeClr val="accent1"/>
+          </a:effectRef>
+          <a:fontRef idx="minor">
+            <a:schemeClr val="tx1"/>
+          </a:fontRef>
+        </p:style>
+      </p:cxnSp>
+      <p:cxnSp>
+        <p:nvCxnSpPr>
+          <p:cNvPr id="37" name="Straight Arrow Connector 36">
+            <a:extLst>
+              <a:ext uri="{FF2B5EF4-FFF2-40B4-BE49-F238E27FC236}">
+                <a16:creationId xmlns:a16="http://schemas.microsoft.com/office/drawing/2014/main" id="{2F4DEB80-823C-41E1-9539-305C65D98C55}"/>
+              </a:ext>
+            </a:extLst>
+          </p:cNvPr>
+          <p:cNvCxnSpPr>
+            <a:stCxn id="5" idx="2"/>
+            <a:endCxn id="43" idx="0"/>
+          </p:cNvCxnSpPr>
+          <p:nvPr/>
+        </p:nvCxnSpPr>
+        <p:spPr>
+          <a:xfrm>
+            <a:off x="1862693" y="2746597"/>
+            <a:ext cx="0" cy="216662"/>
+          </a:xfrm>
+          <a:prstGeom prst="straightConnector1">
+            <a:avLst/>
+          </a:prstGeom>
+          <a:ln w="19050">
+            <a:tailEnd type="triangle"/>
+          </a:ln>
+        </p:spPr>
+        <p:style>
+          <a:lnRef idx="1">
+            <a:schemeClr val="dk1"/>
+          </a:lnRef>
+          <a:fillRef idx="0">
+            <a:schemeClr val="dk1"/>
+          </a:fillRef>
+          <a:effectRef idx="0">
+            <a:schemeClr val="dk1"/>
+          </a:effectRef>
+          <a:fontRef idx="minor">
+            <a:schemeClr val="tx1"/>
+          </a:fontRef>
+        </p:style>
+      </p:cxnSp>
+      <p:cxnSp>
+        <p:nvCxnSpPr>
+          <p:cNvPr id="55" name="Straight Arrow Connector 54">
+            <a:extLst>
+              <a:ext uri="{FF2B5EF4-FFF2-40B4-BE49-F238E27FC236}">
+                <a16:creationId xmlns:a16="http://schemas.microsoft.com/office/drawing/2014/main" id="{D631F2B4-4E23-4BBD-873B-4A400520213C}"/>
+              </a:ext>
+            </a:extLst>
+          </p:cNvPr>
+          <p:cNvCxnSpPr>
+            <a:cxnSpLocks/>
+            <a:stCxn id="43" idx="2"/>
+            <a:endCxn id="46" idx="0"/>
+          </p:cNvCxnSpPr>
+          <p:nvPr/>
+        </p:nvCxnSpPr>
+        <p:spPr>
+          <a:xfrm>
+            <a:off x="1862693" y="3803089"/>
+            <a:ext cx="8296" cy="660240"/>
+          </a:xfrm>
+          <a:prstGeom prst="straightConnector1">
+            <a:avLst/>
+          </a:prstGeom>
+          <a:ln w="19050">
+            <a:tailEnd type="triangle"/>
+          </a:ln>
+        </p:spPr>
+        <p:style>
+          <a:lnRef idx="1">
+            <a:schemeClr val="dk1"/>
+          </a:lnRef>
+          <a:fillRef idx="0">
+            <a:schemeClr val="dk1"/>
+          </a:fillRef>
+          <a:effectRef idx="0">
+            <a:schemeClr val="dk1"/>
+          </a:effectRef>
+          <a:fontRef idx="minor">
+            <a:schemeClr val="tx1"/>
+          </a:fontRef>
+        </p:style>
+      </p:cxnSp>
+      <p:cxnSp>
+        <p:nvCxnSpPr>
+          <p:cNvPr id="87" name="Straight Arrow Connector 86">
+            <a:extLst>
+              <a:ext uri="{FF2B5EF4-FFF2-40B4-BE49-F238E27FC236}">
+                <a16:creationId xmlns:a16="http://schemas.microsoft.com/office/drawing/2014/main" id="{28527620-6755-4E04-86F1-4ABFA39DFCEC}"/>
+              </a:ext>
+            </a:extLst>
+          </p:cNvPr>
+          <p:cNvCxnSpPr>
+            <a:cxnSpLocks/>
+            <a:stCxn id="46" idx="2"/>
+            <a:endCxn id="59" idx="0"/>
+          </p:cNvCxnSpPr>
+          <p:nvPr/>
+        </p:nvCxnSpPr>
+        <p:spPr>
+          <a:xfrm>
+            <a:off x="1870989" y="5303159"/>
+            <a:ext cx="0" cy="445947"/>
+          </a:xfrm>
+          <a:prstGeom prst="straightConnector1">
+            <a:avLst/>
+          </a:prstGeom>
+          <a:ln w="19050">
+            <a:tailEnd type="triangle"/>
+          </a:ln>
+        </p:spPr>
+        <p:style>
+          <a:lnRef idx="1">
+            <a:schemeClr val="dk1"/>
+          </a:lnRef>
+          <a:fillRef idx="0">
+            <a:schemeClr val="dk1"/>
+          </a:fillRef>
+          <a:effectRef idx="0">
+            <a:schemeClr val="dk1"/>
+          </a:effectRef>
+          <a:fontRef idx="minor">
+            <a:schemeClr val="tx1"/>
+          </a:fontRef>
+        </p:style>
+      </p:cxnSp>
+      <p:sp>
+        <p:nvSpPr>
+          <p:cNvPr id="38" name="Flowchart: Decision 37">
+            <a:extLst>
+              <a:ext uri="{FF2B5EF4-FFF2-40B4-BE49-F238E27FC236}">
+                <a16:creationId xmlns:a16="http://schemas.microsoft.com/office/drawing/2014/main" id="{10274031-E3A6-4439-870A-5F921CFE8430}"/>
+              </a:ext>
+            </a:extLst>
+          </p:cNvPr>
+          <p:cNvSpPr/>
+          <p:nvPr/>
+        </p:nvSpPr>
+        <p:spPr>
+          <a:xfrm>
+            <a:off x="3279596" y="2951161"/>
+            <a:ext cx="2376264" cy="839830"/>
+          </a:xfrm>
+          <a:prstGeom prst="flowChartDecision">
+            <a:avLst/>
+          </a:prstGeom>
+          <a:noFill/>
+          <a:ln w="19050">
+            <a:solidFill>
+              <a:schemeClr val="tx1"/>
+            </a:solidFill>
+          </a:ln>
+        </p:spPr>
+        <p:style>
+          <a:lnRef idx="2">
+            <a:schemeClr val="accent1">
+              <a:shade val="50000"/>
+            </a:schemeClr>
+          </a:lnRef>
+          <a:fillRef idx="1">
+            <a:schemeClr val="accent1"/>
+          </a:fillRef>
+          <a:effectRef idx="0">
+            <a:schemeClr val="accent1"/>
+          </a:effectRef>
+          <a:fontRef idx="minor">
+            <a:schemeClr val="lt1"/>
+          </a:fontRef>
+        </p:style>
+        <p:txBody>
+          <a:bodyPr rtlCol="0" anchor="ctr"/>
+          <a:lstStyle/>
+          <a:p>
+            <a:pPr algn="ctr"/>
+            <a:r>
+              <a:rPr lang="en-ID" sz="1400" b="0" dirty="0">
+                <a:solidFill>
+                  <a:schemeClr val="tx1"/>
+                </a:solidFill>
+                <a:effectLst/>
+                <a:latin typeface="Consolas" panose="020B0609020204030204" pitchFamily="49" charset="0"/>
+              </a:rPr>
+              <a:t>sensorStatus</a:t>
+            </a:r>
+            <a:r>
+              <a:rPr lang="en-ID" sz="1400" dirty="0">
+                <a:solidFill>
+                  <a:schemeClr val="tx1"/>
+                </a:solidFill>
+              </a:rPr>
+              <a:t> = </a:t>
+            </a:r>
+            <a:r>
+              <a:rPr lang="en-ID" sz="1400" dirty="0">
+                <a:solidFill>
+                  <a:schemeClr val="tx1"/>
+                </a:solidFill>
+                <a:latin typeface="Consolas" panose="020B0609020204030204" pitchFamily="49" charset="0"/>
+              </a:rPr>
+              <a:t>ALARM</a:t>
+            </a:r>
+            <a:endParaRPr lang="en-ID" sz="1400" b="0" dirty="0">
+              <a:solidFill>
+                <a:schemeClr val="tx1"/>
+              </a:solidFill>
+              <a:effectLst/>
+              <a:latin typeface="Consolas" panose="020B0609020204030204" pitchFamily="49" charset="0"/>
+            </a:endParaRPr>
+          </a:p>
+        </p:txBody>
+      </p:sp>
+      <p:sp>
+        <p:nvSpPr>
+          <p:cNvPr id="39" name="TextBox 38">
+            <a:extLst>
+              <a:ext uri="{FF2B5EF4-FFF2-40B4-BE49-F238E27FC236}">
+                <a16:creationId xmlns:a16="http://schemas.microsoft.com/office/drawing/2014/main" id="{A3DBBD2A-612E-4F10-B838-1E5362BF3CF9}"/>
+              </a:ext>
+            </a:extLst>
+          </p:cNvPr>
+          <p:cNvSpPr txBox="1"/>
+          <p:nvPr/>
+        </p:nvSpPr>
+        <p:spPr>
+          <a:xfrm>
+            <a:off x="5956639" y="3217187"/>
+            <a:ext cx="2672591" cy="307777"/>
+          </a:xfrm>
+          <a:prstGeom prst="rect">
+            <a:avLst/>
+          </a:prstGeom>
+          <a:noFill/>
+          <a:ln w="19050">
+            <a:solidFill>
+              <a:schemeClr val="tx1"/>
+            </a:solidFill>
+          </a:ln>
+        </p:spPr>
+        <p:txBody>
+          <a:bodyPr wrap="square" rtlCol="0">
+            <a:spAutoFit/>
+          </a:bodyPr>
+          <a:lstStyle/>
+          <a:p>
+            <a:pPr algn="ctr"/>
+            <a:r>
+              <a:rPr lang="en-ID" sz="1400" b="0" dirty="0">
+                <a:effectLst/>
+                <a:latin typeface="Consolas" panose="020B0609020204030204" pitchFamily="49" charset="0"/>
+              </a:rPr>
+              <a:t>_solenoidValve-&gt;on();</a:t>
+            </a:r>
+          </a:p>
+        </p:txBody>
+      </p:sp>
+      <p:cxnSp>
+        <p:nvCxnSpPr>
+          <p:cNvPr id="40" name="Straight Arrow Connector 39">
+            <a:extLst>
+              <a:ext uri="{FF2B5EF4-FFF2-40B4-BE49-F238E27FC236}">
+                <a16:creationId xmlns:a16="http://schemas.microsoft.com/office/drawing/2014/main" id="{FC99EFDC-CB75-4F6E-BD31-9E758BD280D0}"/>
+              </a:ext>
+            </a:extLst>
+          </p:cNvPr>
+          <p:cNvCxnSpPr>
+            <a:cxnSpLocks/>
+            <a:stCxn id="38" idx="3"/>
+            <a:endCxn id="39" idx="1"/>
+          </p:cNvCxnSpPr>
+          <p:nvPr/>
+        </p:nvCxnSpPr>
+        <p:spPr>
+          <a:xfrm>
+            <a:off x="5655860" y="3371076"/>
+            <a:ext cx="300779" cy="0"/>
+          </a:xfrm>
+          <a:prstGeom prst="straightConnector1">
+            <a:avLst/>
+          </a:prstGeom>
+          <a:ln w="19050">
+            <a:solidFill>
+              <a:srgbClr val="003300"/>
+            </a:solidFill>
+            <a:tailEnd type="arrow"/>
+          </a:ln>
+        </p:spPr>
+        <p:style>
+          <a:lnRef idx="1">
+            <a:schemeClr val="accent1"/>
+          </a:lnRef>
+          <a:fillRef idx="0">
+            <a:schemeClr val="accent1"/>
+          </a:fillRef>
+          <a:effectRef idx="0">
+            <a:schemeClr val="accent1"/>
+          </a:effectRef>
+          <a:fontRef idx="minor">
+            <a:schemeClr val="tx1"/>
+          </a:fontRef>
+        </p:style>
+      </p:cxnSp>
+      <p:sp>
+        <p:nvSpPr>
+          <p:cNvPr id="48" name="TextBox 47">
+            <a:extLst>
+              <a:ext uri="{FF2B5EF4-FFF2-40B4-BE49-F238E27FC236}">
+                <a16:creationId xmlns:a16="http://schemas.microsoft.com/office/drawing/2014/main" id="{93517E20-A695-495E-A440-0D6441063470}"/>
+              </a:ext>
+            </a:extLst>
+          </p:cNvPr>
+          <p:cNvSpPr txBox="1"/>
+          <p:nvPr/>
+        </p:nvSpPr>
+        <p:spPr>
+          <a:xfrm>
+            <a:off x="3279596" y="4050599"/>
+            <a:ext cx="2672591" cy="307777"/>
+          </a:xfrm>
+          <a:prstGeom prst="rect">
+            <a:avLst/>
+          </a:prstGeom>
+          <a:noFill/>
+          <a:ln w="19050">
+            <a:solidFill>
+              <a:schemeClr val="tx1"/>
+            </a:solidFill>
+          </a:ln>
+        </p:spPr>
+        <p:txBody>
+          <a:bodyPr wrap="square" rtlCol="0">
+            <a:spAutoFit/>
+          </a:bodyPr>
+          <a:lstStyle/>
+          <a:p>
+            <a:pPr algn="ctr"/>
+            <a:r>
+              <a:rPr lang="en-ID" sz="1400" b="0" dirty="0">
+                <a:effectLst/>
+                <a:latin typeface="Consolas" panose="020B0609020204030204" pitchFamily="49" charset="0"/>
+              </a:rPr>
+              <a:t>_solenoidValve-&gt;off();</a:t>
+            </a:r>
+          </a:p>
+        </p:txBody>
+      </p:sp>
+      <p:cxnSp>
+        <p:nvCxnSpPr>
+          <p:cNvPr id="18" name="Connector: Elbow 17">
+            <a:extLst>
+              <a:ext uri="{FF2B5EF4-FFF2-40B4-BE49-F238E27FC236}">
+                <a16:creationId xmlns:a16="http://schemas.microsoft.com/office/drawing/2014/main" id="{787D2855-E224-467F-A713-83EA72659A24}"/>
+              </a:ext>
+            </a:extLst>
+          </p:cNvPr>
+          <p:cNvCxnSpPr>
+            <a:stCxn id="38" idx="2"/>
+            <a:endCxn id="48" idx="0"/>
+          </p:cNvCxnSpPr>
+          <p:nvPr/>
+        </p:nvCxnSpPr>
+        <p:spPr>
+          <a:xfrm rot="16200000" flipH="1">
+            <a:off x="4412006" y="3846713"/>
+            <a:ext cx="259608" cy="148164"/>
+          </a:xfrm>
+          <a:prstGeom prst="bentConnector3">
+            <a:avLst/>
+          </a:prstGeom>
+          <a:ln w="19050">
+            <a:tailEnd type="triangle"/>
+          </a:ln>
+        </p:spPr>
+        <p:style>
+          <a:lnRef idx="1">
+            <a:schemeClr val="dk1"/>
+          </a:lnRef>
+          <a:fillRef idx="0">
+            <a:schemeClr val="dk1"/>
+          </a:fillRef>
+          <a:effectRef idx="0">
+            <a:schemeClr val="dk1"/>
+          </a:effectRef>
+          <a:fontRef idx="minor">
+            <a:schemeClr val="tx1"/>
+          </a:fontRef>
+        </p:style>
+      </p:cxnSp>
+      <p:sp>
+        <p:nvSpPr>
+          <p:cNvPr id="59" name="Flowchart: Off-page Connector 58">
+            <a:extLst>
+              <a:ext uri="{FF2B5EF4-FFF2-40B4-BE49-F238E27FC236}">
+                <a16:creationId xmlns:a16="http://schemas.microsoft.com/office/drawing/2014/main" id="{6B4925C3-C91F-4C13-9EE8-CA6BE8136D8A}"/>
+              </a:ext>
+            </a:extLst>
+          </p:cNvPr>
+          <p:cNvSpPr/>
+          <p:nvPr/>
+        </p:nvSpPr>
+        <p:spPr>
+          <a:xfrm>
+            <a:off x="1564665" y="5749106"/>
+            <a:ext cx="612648" cy="612648"/>
+          </a:xfrm>
+          <a:prstGeom prst="flowChartOffpageConnector">
+            <a:avLst/>
+          </a:prstGeom>
+          <a:noFill/>
+          <a:ln>
+            <a:solidFill>
+              <a:schemeClr val="tx1"/>
+            </a:solidFill>
+          </a:ln>
+        </p:spPr>
+        <p:style>
+          <a:lnRef idx="2">
+            <a:schemeClr val="accent1">
+              <a:shade val="50000"/>
+            </a:schemeClr>
+          </a:lnRef>
+          <a:fillRef idx="1">
+            <a:schemeClr val="accent1"/>
+          </a:fillRef>
+          <a:effectRef idx="0">
+            <a:schemeClr val="accent1"/>
+          </a:effectRef>
+          <a:fontRef idx="minor">
+            <a:schemeClr val="lt1"/>
+          </a:fontRef>
+        </p:style>
+        <p:txBody>
+          <a:bodyPr rtlCol="0" anchor="ctr"/>
+          <a:lstStyle/>
+          <a:p>
+            <a:pPr algn="ctr"/>
+            <a:r>
+              <a:rPr lang="en-US" b="1" dirty="0">
+                <a:solidFill>
+                  <a:schemeClr val="tx1"/>
+                </a:solidFill>
+              </a:rPr>
+              <a:t>3</a:t>
+            </a:r>
+          </a:p>
+        </p:txBody>
+      </p:sp>
+      <p:sp>
+        <p:nvSpPr>
+          <p:cNvPr id="31" name="Flowchart: Predefined Process 30">
+            <a:extLst>
+              <a:ext uri="{FF2B5EF4-FFF2-40B4-BE49-F238E27FC236}">
+                <a16:creationId xmlns:a16="http://schemas.microsoft.com/office/drawing/2014/main" id="{45A00864-4430-46FB-9A24-807D47C7B406}"/>
+              </a:ext>
+            </a:extLst>
+          </p:cNvPr>
+          <p:cNvSpPr/>
+          <p:nvPr/>
+        </p:nvSpPr>
+        <p:spPr>
+          <a:xfrm>
+            <a:off x="988086" y="1124744"/>
+            <a:ext cx="2629190" cy="415140"/>
+          </a:xfrm>
+          <a:prstGeom prst="flowChartPredefinedProcess">
+            <a:avLst/>
+          </a:prstGeom>
+          <a:noFill/>
+          <a:ln>
+            <a:solidFill>
+              <a:schemeClr val="tx1"/>
+            </a:solidFill>
+          </a:ln>
+        </p:spPr>
+        <p:style>
+          <a:lnRef idx="2">
+            <a:schemeClr val="accent1">
+              <a:shade val="50000"/>
+            </a:schemeClr>
+          </a:lnRef>
+          <a:fillRef idx="1">
+            <a:schemeClr val="accent1"/>
+          </a:fillRef>
+          <a:effectRef idx="0">
+            <a:schemeClr val="accent1"/>
+          </a:effectRef>
+          <a:fontRef idx="minor">
+            <a:schemeClr val="lt1"/>
+          </a:fontRef>
+        </p:style>
+        <p:txBody>
+          <a:bodyPr rtlCol="0" anchor="ctr"/>
+          <a:lstStyle/>
+          <a:p>
+            <a:pPr algn="ctr"/>
+            <a:r>
+              <a:rPr lang="en-ID" sz="1200" dirty="0">
+                <a:solidFill>
+                  <a:schemeClr val="tx1"/>
+                </a:solidFill>
+              </a:rPr>
+              <a:t>State = </a:t>
+            </a:r>
+            <a:r>
+              <a:rPr lang="en-ID" sz="1200" b="0" dirty="0">
+                <a:solidFill>
+                  <a:schemeClr val="tx1"/>
+                </a:solidFill>
+                <a:effectLst/>
+                <a:latin typeface="Consolas" panose="020B0609020204030204" pitchFamily="49" charset="0"/>
+              </a:rPr>
+              <a:t>operationMode</a:t>
+            </a:r>
+            <a:endParaRPr lang="en-US" sz="1200" dirty="0"/>
+          </a:p>
+        </p:txBody>
+      </p:sp>
+    </p:spTree>
+    <p:extLst>
+      <p:ext uri="{BB962C8B-B14F-4D97-AF65-F5344CB8AC3E}">
+        <p14:creationId xmlns:p14="http://schemas.microsoft.com/office/powerpoint/2010/main" val="305717872"/>
+      </p:ext>
+    </p:extLst>
+  </p:cSld>
+  <p:clrMapOvr>
+    <a:masterClrMapping/>
+  </p:clrMapOvr>
+</p:sld>
+</file>
+
+<file path=ppt/slides/slide12.xml><?xml version="1.0" encoding="utf-8"?>
+<p:sld xmlns:a="http://schemas.openxmlformats.org/drawingml/2006/main" xmlns:r="http://schemas.openxmlformats.org/officeDocument/2006/relationships" xmlns:p="http://schemas.openxmlformats.org/presentationml/2006/main">
+  <p:cSld>
+    <p:spTree>
+      <p:nvGrpSpPr>
+        <p:cNvPr id="1" name=""/>
+        <p:cNvGrpSpPr/>
+        <p:nvPr/>
+      </p:nvGrpSpPr>
+      <p:grpSpPr>
+        <a:xfrm>
+          <a:off x="0" y="0"/>
+          <a:ext cx="0" cy="0"/>
+          <a:chOff x="0" y="0"/>
+          <a:chExt cx="0" cy="0"/>
+        </a:xfrm>
+      </p:grpSpPr>
+      <p:sp>
+        <p:nvSpPr>
+          <p:cNvPr id="4" name="Rectangle 3"/>
+          <p:cNvSpPr/>
+          <p:nvPr/>
+        </p:nvSpPr>
+        <p:spPr>
+          <a:xfrm>
+            <a:off x="1115616" y="162866"/>
+            <a:ext cx="7519046" cy="584775"/>
+          </a:xfrm>
+          <a:prstGeom prst="rect">
+            <a:avLst/>
+          </a:prstGeom>
+        </p:spPr>
+        <p:txBody>
+          <a:bodyPr wrap="none">
+            <a:spAutoFit/>
+          </a:bodyPr>
+          <a:lstStyle/>
+          <a:p>
+            <a:r>
+              <a:rPr lang="en-ID" b="1" dirty="0"/>
+              <a:t>Flowchart </a:t>
+            </a:r>
+            <a:r>
+              <a:rPr lang="en-ID" b="0" dirty="0">
+                <a:effectLst/>
+                <a:latin typeface="Consolas" panose="020B0609020204030204" pitchFamily="49" charset="0"/>
+              </a:rPr>
+              <a:t>this-&gt;_logicOperation(operationMode, sensorStatus)</a:t>
+            </a:r>
+          </a:p>
+          <a:p>
+            <a:pPr algn="ctr"/>
+            <a:r>
+              <a:rPr lang="en-ID" sz="1400" dirty="0"/>
+              <a:t>File : aLocalPanel.ino</a:t>
+            </a:r>
+            <a:endParaRPr lang="en-US" sz="1400" dirty="0"/>
+          </a:p>
+        </p:txBody>
+      </p:sp>
+      <p:sp>
+        <p:nvSpPr>
+          <p:cNvPr id="5" name="Flowchart: Decision 4"/>
+          <p:cNvSpPr/>
+          <p:nvPr/>
+        </p:nvSpPr>
+        <p:spPr>
+          <a:xfrm>
+            <a:off x="2392544" y="3110521"/>
+            <a:ext cx="2232248" cy="839830"/>
+          </a:xfrm>
+          <a:prstGeom prst="flowChartDecision">
+            <a:avLst/>
+          </a:prstGeom>
+          <a:noFill/>
+          <a:ln w="19050">
+            <a:solidFill>
+              <a:schemeClr val="tx1"/>
+            </a:solidFill>
+          </a:ln>
+        </p:spPr>
+        <p:style>
+          <a:lnRef idx="2">
+            <a:schemeClr val="accent1">
+              <a:shade val="50000"/>
+            </a:schemeClr>
+          </a:lnRef>
+          <a:fillRef idx="1">
+            <a:schemeClr val="accent1"/>
+          </a:fillRef>
+          <a:effectRef idx="0">
+            <a:schemeClr val="accent1"/>
+          </a:effectRef>
+          <a:fontRef idx="minor">
+            <a:schemeClr val="lt1"/>
+          </a:fontRef>
+        </p:style>
+        <p:txBody>
+          <a:bodyPr rtlCol="0" anchor="ctr"/>
+          <a:lstStyle/>
+          <a:p>
+            <a:pPr algn="ctr"/>
+            <a:r>
+              <a:rPr lang="en-US" sz="1400" dirty="0">
+                <a:solidFill>
+                  <a:schemeClr val="tx1"/>
+                </a:solidFill>
+              </a:rPr>
+              <a:t>S</a:t>
+            </a:r>
+            <a:r>
+              <a:rPr lang="en-ID" sz="1400" dirty="0">
+                <a:solidFill>
+                  <a:schemeClr val="tx1"/>
+                </a:solidFill>
+              </a:rPr>
+              <a:t>tate = </a:t>
+            </a:r>
+            <a:r>
+              <a:rPr lang="en-ID" sz="1400" b="0" dirty="0">
+                <a:solidFill>
+                  <a:schemeClr val="tx1"/>
+                </a:solidFill>
+                <a:effectLst/>
+                <a:latin typeface="Consolas" panose="020B0609020204030204" pitchFamily="49" charset="0"/>
+              </a:rPr>
+              <a:t>MODE_</a:t>
+            </a:r>
+            <a:r>
+              <a:rPr lang="en-ID" sz="1400" dirty="0">
+                <a:solidFill>
+                  <a:schemeClr val="tx1"/>
+                </a:solidFill>
+                <a:latin typeface="Consolas" panose="020B0609020204030204" pitchFamily="49" charset="0"/>
+              </a:rPr>
+              <a:t>READY</a:t>
+            </a:r>
+            <a:endParaRPr lang="en-ID" sz="1400" b="0" dirty="0">
+              <a:solidFill>
+                <a:schemeClr val="tx1"/>
+              </a:solidFill>
+              <a:effectLst/>
+              <a:latin typeface="Consolas" panose="020B0609020204030204" pitchFamily="49" charset="0"/>
+            </a:endParaRPr>
+          </a:p>
+        </p:txBody>
+      </p:sp>
+      <p:sp>
+        <p:nvSpPr>
+          <p:cNvPr id="7" name="TextBox 6"/>
+          <p:cNvSpPr txBox="1"/>
+          <p:nvPr/>
+        </p:nvSpPr>
+        <p:spPr>
+          <a:xfrm>
+            <a:off x="4569433" y="3195858"/>
+            <a:ext cx="296876" cy="369332"/>
+          </a:xfrm>
+          <a:prstGeom prst="rect">
+            <a:avLst/>
+          </a:prstGeom>
+          <a:noFill/>
+          <a:ln w="19050">
+            <a:noFill/>
+          </a:ln>
+        </p:spPr>
+        <p:txBody>
+          <a:bodyPr wrap="none" rtlCol="0">
+            <a:spAutoFit/>
+          </a:bodyPr>
+          <a:lstStyle/>
+          <a:p>
+            <a:r>
+              <a:rPr lang="en-ID" dirty="0"/>
+              <a:t>Y</a:t>
+            </a:r>
+            <a:endParaRPr lang="en-US" dirty="0"/>
+          </a:p>
+        </p:txBody>
+      </p:sp>
+      <p:cxnSp>
+        <p:nvCxnSpPr>
+          <p:cNvPr id="42" name="Straight Arrow Connector 41"/>
+          <p:cNvCxnSpPr>
+            <a:cxnSpLocks/>
+            <a:stCxn id="5" idx="3"/>
+            <a:endCxn id="73" idx="1"/>
+          </p:cNvCxnSpPr>
+          <p:nvPr/>
+        </p:nvCxnSpPr>
+        <p:spPr>
+          <a:xfrm>
+            <a:off x="4624792" y="3530436"/>
+            <a:ext cx="465103" cy="0"/>
+          </a:xfrm>
+          <a:prstGeom prst="straightConnector1">
+            <a:avLst/>
+          </a:prstGeom>
+          <a:ln w="19050">
+            <a:solidFill>
+              <a:srgbClr val="003300"/>
+            </a:solidFill>
+            <a:tailEnd type="arrow"/>
+          </a:ln>
+        </p:spPr>
+        <p:style>
+          <a:lnRef idx="1">
+            <a:schemeClr val="accent1"/>
+          </a:lnRef>
+          <a:fillRef idx="0">
+            <a:schemeClr val="accent1"/>
+          </a:fillRef>
+          <a:effectRef idx="0">
+            <a:schemeClr val="accent1"/>
+          </a:effectRef>
+          <a:fontRef idx="minor">
+            <a:schemeClr val="tx1"/>
+          </a:fontRef>
+        </p:style>
+      </p:cxnSp>
+      <p:sp>
+        <p:nvSpPr>
+          <p:cNvPr id="43" name="Flowchart: Decision 42">
+            <a:extLst>
+              <a:ext uri="{FF2B5EF4-FFF2-40B4-BE49-F238E27FC236}">
+                <a16:creationId xmlns:a16="http://schemas.microsoft.com/office/drawing/2014/main" id="{F10B347E-033C-4910-9071-CDA92304C379}"/>
+              </a:ext>
+            </a:extLst>
+          </p:cNvPr>
+          <p:cNvSpPr/>
+          <p:nvPr/>
+        </p:nvSpPr>
+        <p:spPr>
+          <a:xfrm>
+            <a:off x="2388600" y="4257682"/>
+            <a:ext cx="2232248" cy="839830"/>
+          </a:xfrm>
+          <a:prstGeom prst="flowChartDecision">
+            <a:avLst/>
+          </a:prstGeom>
+          <a:noFill/>
+          <a:ln w="19050">
+            <a:solidFill>
+              <a:schemeClr val="tx1"/>
+            </a:solidFill>
+          </a:ln>
+        </p:spPr>
+        <p:style>
+          <a:lnRef idx="2">
+            <a:schemeClr val="accent1">
+              <a:shade val="50000"/>
+            </a:schemeClr>
+          </a:lnRef>
+          <a:fillRef idx="1">
+            <a:schemeClr val="accent1"/>
+          </a:fillRef>
+          <a:effectRef idx="0">
+            <a:schemeClr val="accent1"/>
+          </a:effectRef>
+          <a:fontRef idx="minor">
+            <a:schemeClr val="lt1"/>
+          </a:fontRef>
+        </p:style>
+        <p:txBody>
+          <a:bodyPr rtlCol="0" anchor="ctr"/>
+          <a:lstStyle/>
+          <a:p>
+            <a:pPr algn="ctr"/>
+            <a:r>
+              <a:rPr lang="en-US" sz="1400" dirty="0">
+                <a:solidFill>
+                  <a:schemeClr val="tx1"/>
+                </a:solidFill>
+              </a:rPr>
+              <a:t>S</a:t>
+            </a:r>
+            <a:r>
+              <a:rPr lang="en-ID" sz="1400" dirty="0">
+                <a:solidFill>
+                  <a:schemeClr val="tx1"/>
+                </a:solidFill>
+              </a:rPr>
+              <a:t>tate = </a:t>
+            </a:r>
+            <a:r>
+              <a:rPr lang="en-ID" sz="1400" b="0" dirty="0">
+                <a:solidFill>
+                  <a:schemeClr val="tx1"/>
+                </a:solidFill>
+                <a:effectLst/>
+                <a:latin typeface="Consolas" panose="020B0609020204030204" pitchFamily="49" charset="0"/>
+              </a:rPr>
+              <a:t>MODE_</a:t>
+            </a:r>
+            <a:r>
+              <a:rPr lang="en-ID" sz="1400" dirty="0">
+                <a:solidFill>
+                  <a:schemeClr val="tx1"/>
+                </a:solidFill>
+                <a:latin typeface="Consolas" panose="020B0609020204030204" pitchFamily="49" charset="0"/>
+              </a:rPr>
+              <a:t>RESET</a:t>
+            </a:r>
+            <a:endParaRPr lang="en-ID" sz="1400" b="0" dirty="0">
+              <a:solidFill>
+                <a:schemeClr val="tx1"/>
+              </a:solidFill>
+              <a:effectLst/>
+              <a:latin typeface="Consolas" panose="020B0609020204030204" pitchFamily="49" charset="0"/>
+            </a:endParaRPr>
+          </a:p>
+        </p:txBody>
+      </p:sp>
+      <p:cxnSp>
+        <p:nvCxnSpPr>
+          <p:cNvPr id="50" name="Straight Arrow Connector 49">
+            <a:extLst>
+              <a:ext uri="{FF2B5EF4-FFF2-40B4-BE49-F238E27FC236}">
+                <a16:creationId xmlns:a16="http://schemas.microsoft.com/office/drawing/2014/main" id="{4FF3FB3B-045C-494E-92F0-0E579FB56F01}"/>
+              </a:ext>
+            </a:extLst>
+          </p:cNvPr>
+          <p:cNvCxnSpPr>
+            <a:cxnSpLocks/>
+            <a:stCxn id="43" idx="3"/>
+            <a:endCxn id="39" idx="1"/>
+          </p:cNvCxnSpPr>
+          <p:nvPr/>
+        </p:nvCxnSpPr>
+        <p:spPr>
+          <a:xfrm>
+            <a:off x="4620848" y="4677597"/>
+            <a:ext cx="465103" cy="0"/>
+          </a:xfrm>
+          <a:prstGeom prst="straightConnector1">
+            <a:avLst/>
+          </a:prstGeom>
+          <a:ln w="19050">
+            <a:solidFill>
+              <a:srgbClr val="003300"/>
+            </a:solidFill>
+            <a:tailEnd type="arrow"/>
+          </a:ln>
+        </p:spPr>
+        <p:style>
+          <a:lnRef idx="1">
+            <a:schemeClr val="accent1"/>
+          </a:lnRef>
+          <a:fillRef idx="0">
+            <a:schemeClr val="accent1"/>
+          </a:fillRef>
+          <a:effectRef idx="0">
+            <a:schemeClr val="accent1"/>
+          </a:effectRef>
+          <a:fontRef idx="minor">
+            <a:schemeClr val="tx1"/>
+          </a:fontRef>
+        </p:style>
+      </p:cxnSp>
+      <p:cxnSp>
+        <p:nvCxnSpPr>
+          <p:cNvPr id="37" name="Straight Arrow Connector 36">
+            <a:extLst>
+              <a:ext uri="{FF2B5EF4-FFF2-40B4-BE49-F238E27FC236}">
+                <a16:creationId xmlns:a16="http://schemas.microsoft.com/office/drawing/2014/main" id="{2F4DEB80-823C-41E1-9539-305C65D98C55}"/>
+              </a:ext>
+            </a:extLst>
+          </p:cNvPr>
+          <p:cNvCxnSpPr>
+            <a:stCxn id="5" idx="2"/>
+            <a:endCxn id="43" idx="0"/>
+          </p:cNvCxnSpPr>
+          <p:nvPr/>
+        </p:nvCxnSpPr>
+        <p:spPr>
+          <a:xfrm flipH="1">
+            <a:off x="3504724" y="3950351"/>
+            <a:ext cx="3944" cy="307331"/>
+          </a:xfrm>
+          <a:prstGeom prst="straightConnector1">
+            <a:avLst/>
+          </a:prstGeom>
+          <a:ln w="19050">
+            <a:tailEnd type="triangle"/>
+          </a:ln>
+        </p:spPr>
+        <p:style>
+          <a:lnRef idx="1">
+            <a:schemeClr val="dk1"/>
+          </a:lnRef>
+          <a:fillRef idx="0">
+            <a:schemeClr val="dk1"/>
+          </a:fillRef>
+          <a:effectRef idx="0">
+            <a:schemeClr val="dk1"/>
+          </a:effectRef>
+          <a:fontRef idx="minor">
+            <a:schemeClr val="tx1"/>
+          </a:fontRef>
+        </p:style>
+      </p:cxnSp>
+      <p:cxnSp>
+        <p:nvCxnSpPr>
+          <p:cNvPr id="55" name="Straight Arrow Connector 54">
+            <a:extLst>
+              <a:ext uri="{FF2B5EF4-FFF2-40B4-BE49-F238E27FC236}">
+                <a16:creationId xmlns:a16="http://schemas.microsoft.com/office/drawing/2014/main" id="{D631F2B4-4E23-4BBD-873B-4A400520213C}"/>
+              </a:ext>
+            </a:extLst>
+          </p:cNvPr>
+          <p:cNvCxnSpPr>
+            <a:cxnSpLocks/>
+            <a:stCxn id="43" idx="2"/>
+            <a:endCxn id="74" idx="0"/>
+          </p:cNvCxnSpPr>
+          <p:nvPr/>
+        </p:nvCxnSpPr>
+        <p:spPr>
+          <a:xfrm>
+            <a:off x="3504724" y="5097512"/>
+            <a:ext cx="0" cy="354412"/>
+          </a:xfrm>
+          <a:prstGeom prst="straightConnector1">
+            <a:avLst/>
+          </a:prstGeom>
+          <a:ln w="19050">
+            <a:tailEnd type="triangle"/>
+          </a:ln>
+        </p:spPr>
+        <p:style>
+          <a:lnRef idx="1">
+            <a:schemeClr val="dk1"/>
+          </a:lnRef>
+          <a:fillRef idx="0">
+            <a:schemeClr val="dk1"/>
+          </a:fillRef>
+          <a:effectRef idx="0">
+            <a:schemeClr val="dk1"/>
+          </a:effectRef>
+          <a:fontRef idx="minor">
+            <a:schemeClr val="tx1"/>
+          </a:fontRef>
+        </p:style>
+      </p:cxnSp>
+      <p:sp>
+        <p:nvSpPr>
+          <p:cNvPr id="39" name="TextBox 38">
+            <a:extLst>
+              <a:ext uri="{FF2B5EF4-FFF2-40B4-BE49-F238E27FC236}">
+                <a16:creationId xmlns:a16="http://schemas.microsoft.com/office/drawing/2014/main" id="{A3DBBD2A-612E-4F10-B838-1E5362BF3CF9}"/>
+              </a:ext>
+            </a:extLst>
+          </p:cNvPr>
+          <p:cNvSpPr txBox="1"/>
+          <p:nvPr/>
+        </p:nvSpPr>
+        <p:spPr>
+          <a:xfrm>
+            <a:off x="5085951" y="4523708"/>
+            <a:ext cx="2634260" cy="307777"/>
+          </a:xfrm>
+          <a:prstGeom prst="rect">
+            <a:avLst/>
+          </a:prstGeom>
+          <a:noFill/>
+          <a:ln w="19050">
+            <a:solidFill>
+              <a:schemeClr val="tx1"/>
+            </a:solidFill>
+          </a:ln>
+        </p:spPr>
+        <p:txBody>
+          <a:bodyPr wrap="square" rtlCol="0">
+            <a:spAutoFit/>
+          </a:bodyPr>
+          <a:lstStyle/>
+          <a:p>
+            <a:pPr algn="ctr"/>
+            <a:r>
+              <a:rPr lang="en-ID" sz="1400" b="0" dirty="0">
+                <a:effectLst/>
+                <a:latin typeface="Consolas" panose="020B0609020204030204" pitchFamily="49" charset="0"/>
+              </a:rPr>
+              <a:t>_solenoidValve-&gt;off();</a:t>
+            </a:r>
+          </a:p>
+        </p:txBody>
+      </p:sp>
+      <p:sp>
+        <p:nvSpPr>
+          <p:cNvPr id="71" name="Flowchart: Off-page Connector 70">
+            <a:extLst>
+              <a:ext uri="{FF2B5EF4-FFF2-40B4-BE49-F238E27FC236}">
+                <a16:creationId xmlns:a16="http://schemas.microsoft.com/office/drawing/2014/main" id="{BB484122-89E0-4B7D-9818-D8FDEDD18489}"/>
+              </a:ext>
+            </a:extLst>
+          </p:cNvPr>
+          <p:cNvSpPr/>
+          <p:nvPr/>
+        </p:nvSpPr>
+        <p:spPr>
+          <a:xfrm>
+            <a:off x="3198400" y="1075408"/>
+            <a:ext cx="612648" cy="612648"/>
+          </a:xfrm>
+          <a:prstGeom prst="flowChartOffpageConnector">
+            <a:avLst/>
+          </a:prstGeom>
+          <a:noFill/>
+          <a:ln>
+            <a:solidFill>
+              <a:schemeClr val="tx1"/>
+            </a:solidFill>
+          </a:ln>
+        </p:spPr>
+        <p:style>
+          <a:lnRef idx="2">
+            <a:schemeClr val="accent1">
+              <a:shade val="50000"/>
+            </a:schemeClr>
+          </a:lnRef>
+          <a:fillRef idx="1">
+            <a:schemeClr val="accent1"/>
+          </a:fillRef>
+          <a:effectRef idx="0">
+            <a:schemeClr val="accent1"/>
+          </a:effectRef>
+          <a:fontRef idx="minor">
+            <a:schemeClr val="lt1"/>
+          </a:fontRef>
+        </p:style>
+        <p:txBody>
+          <a:bodyPr rtlCol="0" anchor="ctr"/>
+          <a:lstStyle/>
+          <a:p>
+            <a:pPr algn="ctr"/>
+            <a:r>
+              <a:rPr lang="en-US" b="1" dirty="0">
+                <a:solidFill>
+                  <a:schemeClr val="tx1"/>
+                </a:solidFill>
+              </a:rPr>
+              <a:t>3</a:t>
+            </a:r>
+          </a:p>
+        </p:txBody>
+      </p:sp>
+      <p:sp>
+        <p:nvSpPr>
+          <p:cNvPr id="73" name="TextBox 72">
+            <a:extLst>
+              <a:ext uri="{FF2B5EF4-FFF2-40B4-BE49-F238E27FC236}">
+                <a16:creationId xmlns:a16="http://schemas.microsoft.com/office/drawing/2014/main" id="{5F2B9C67-F65F-46FC-BFBA-5D4C5482F482}"/>
+              </a:ext>
+            </a:extLst>
+          </p:cNvPr>
+          <p:cNvSpPr txBox="1"/>
+          <p:nvPr/>
+        </p:nvSpPr>
+        <p:spPr>
+          <a:xfrm>
+            <a:off x="5089895" y="3376547"/>
+            <a:ext cx="2634260" cy="307777"/>
+          </a:xfrm>
+          <a:prstGeom prst="rect">
+            <a:avLst/>
+          </a:prstGeom>
+          <a:noFill/>
+          <a:ln w="19050">
+            <a:solidFill>
+              <a:schemeClr val="tx1"/>
+            </a:solidFill>
+          </a:ln>
+        </p:spPr>
+        <p:txBody>
+          <a:bodyPr wrap="square" rtlCol="0">
+            <a:spAutoFit/>
+          </a:bodyPr>
+          <a:lstStyle/>
+          <a:p>
+            <a:pPr algn="ctr"/>
+            <a:r>
+              <a:rPr lang="en-ID" sz="1400" b="0" dirty="0">
+                <a:effectLst/>
+                <a:latin typeface="Consolas" panose="020B0609020204030204" pitchFamily="49" charset="0"/>
+              </a:rPr>
+              <a:t>_solenoidValve-&gt;off();</a:t>
+            </a:r>
+          </a:p>
+        </p:txBody>
+      </p:sp>
+      <p:sp>
+        <p:nvSpPr>
+          <p:cNvPr id="74" name="TextBox 73">
+            <a:extLst>
+              <a:ext uri="{FF2B5EF4-FFF2-40B4-BE49-F238E27FC236}">
+                <a16:creationId xmlns:a16="http://schemas.microsoft.com/office/drawing/2014/main" id="{419D8471-85C8-493E-BD1B-D41ED5B87B47}"/>
+              </a:ext>
+            </a:extLst>
+          </p:cNvPr>
+          <p:cNvSpPr txBox="1"/>
+          <p:nvPr/>
+        </p:nvSpPr>
+        <p:spPr>
+          <a:xfrm>
+            <a:off x="2187594" y="5451924"/>
+            <a:ext cx="2634260" cy="307777"/>
+          </a:xfrm>
+          <a:prstGeom prst="rect">
+            <a:avLst/>
+          </a:prstGeom>
+          <a:noFill/>
+          <a:ln w="19050">
+            <a:solidFill>
+              <a:schemeClr val="tx1"/>
+            </a:solidFill>
+          </a:ln>
+        </p:spPr>
+        <p:txBody>
+          <a:bodyPr wrap="square" rtlCol="0">
+            <a:spAutoFit/>
+          </a:bodyPr>
+          <a:lstStyle/>
+          <a:p>
+            <a:pPr algn="ctr"/>
+            <a:r>
+              <a:rPr lang="en-ID" sz="1400" b="0" dirty="0">
+                <a:effectLst/>
+                <a:latin typeface="Consolas" panose="020B0609020204030204" pitchFamily="49" charset="0"/>
+              </a:rPr>
+              <a:t>_solenoidValve-&gt;off();</a:t>
+            </a:r>
+          </a:p>
+        </p:txBody>
+      </p:sp>
+      <p:sp>
+        <p:nvSpPr>
+          <p:cNvPr id="84" name="Flowchart: Decision 83">
+            <a:extLst>
+              <a:ext uri="{FF2B5EF4-FFF2-40B4-BE49-F238E27FC236}">
+                <a16:creationId xmlns:a16="http://schemas.microsoft.com/office/drawing/2014/main" id="{1E32E4E6-7CBB-4B16-A851-2C84F576DC19}"/>
+              </a:ext>
+            </a:extLst>
+          </p:cNvPr>
+          <p:cNvSpPr/>
+          <p:nvPr/>
+        </p:nvSpPr>
+        <p:spPr>
+          <a:xfrm>
+            <a:off x="2388600" y="2010846"/>
+            <a:ext cx="2232248" cy="839830"/>
+          </a:xfrm>
+          <a:prstGeom prst="flowChartDecision">
+            <a:avLst/>
+          </a:prstGeom>
+          <a:noFill/>
+          <a:ln w="19050">
+            <a:solidFill>
+              <a:schemeClr val="tx1"/>
+            </a:solidFill>
+          </a:ln>
+        </p:spPr>
+        <p:style>
+          <a:lnRef idx="2">
+            <a:schemeClr val="accent1">
+              <a:shade val="50000"/>
+            </a:schemeClr>
+          </a:lnRef>
+          <a:fillRef idx="1">
+            <a:schemeClr val="accent1"/>
+          </a:fillRef>
+          <a:effectRef idx="0">
+            <a:schemeClr val="accent1"/>
+          </a:effectRef>
+          <a:fontRef idx="minor">
+            <a:schemeClr val="lt1"/>
+          </a:fontRef>
+        </p:style>
+        <p:txBody>
+          <a:bodyPr rtlCol="0" anchor="ctr"/>
+          <a:lstStyle/>
+          <a:p>
+            <a:pPr algn="ctr"/>
+            <a:r>
+              <a:rPr lang="en-US" sz="1400" dirty="0">
+                <a:solidFill>
+                  <a:schemeClr val="tx1"/>
+                </a:solidFill>
+              </a:rPr>
+              <a:t>S</a:t>
+            </a:r>
+            <a:r>
+              <a:rPr lang="en-ID" sz="1400" dirty="0">
+                <a:solidFill>
+                  <a:schemeClr val="tx1"/>
+                </a:solidFill>
+              </a:rPr>
+              <a:t>tate = </a:t>
+            </a:r>
+            <a:r>
+              <a:rPr lang="en-ID" sz="1400" b="0" dirty="0">
+                <a:solidFill>
+                  <a:schemeClr val="tx1"/>
+                </a:solidFill>
+                <a:effectLst/>
+                <a:latin typeface="Consolas" panose="020B0609020204030204" pitchFamily="49" charset="0"/>
+              </a:rPr>
+              <a:t>MODE_MANUAL_ON</a:t>
+            </a:r>
+          </a:p>
+        </p:txBody>
+      </p:sp>
+      <p:cxnSp>
+        <p:nvCxnSpPr>
+          <p:cNvPr id="85" name="Straight Arrow Connector 84">
+            <a:extLst>
+              <a:ext uri="{FF2B5EF4-FFF2-40B4-BE49-F238E27FC236}">
+                <a16:creationId xmlns:a16="http://schemas.microsoft.com/office/drawing/2014/main" id="{9DA6D301-49E9-4BDA-9ADF-E67A1B9C374D}"/>
+              </a:ext>
+            </a:extLst>
+          </p:cNvPr>
+          <p:cNvCxnSpPr>
+            <a:cxnSpLocks/>
+            <a:stCxn id="84" idx="3"/>
+            <a:endCxn id="86" idx="1"/>
+          </p:cNvCxnSpPr>
+          <p:nvPr/>
+        </p:nvCxnSpPr>
+        <p:spPr>
+          <a:xfrm>
+            <a:off x="4620848" y="2430761"/>
+            <a:ext cx="311192" cy="0"/>
+          </a:xfrm>
+          <a:prstGeom prst="straightConnector1">
+            <a:avLst/>
+          </a:prstGeom>
+          <a:ln w="19050">
+            <a:solidFill>
+              <a:srgbClr val="003300"/>
+            </a:solidFill>
+            <a:tailEnd type="arrow"/>
+          </a:ln>
+        </p:spPr>
+        <p:style>
+          <a:lnRef idx="1">
+            <a:schemeClr val="accent1"/>
+          </a:lnRef>
+          <a:fillRef idx="0">
+            <a:schemeClr val="accent1"/>
+          </a:fillRef>
+          <a:effectRef idx="0">
+            <a:schemeClr val="accent1"/>
+          </a:effectRef>
+          <a:fontRef idx="minor">
+            <a:schemeClr val="tx1"/>
+          </a:fontRef>
+        </p:style>
+      </p:cxnSp>
+      <p:sp>
+        <p:nvSpPr>
+          <p:cNvPr id="86" name="TextBox 85">
+            <a:extLst>
+              <a:ext uri="{FF2B5EF4-FFF2-40B4-BE49-F238E27FC236}">
+                <a16:creationId xmlns:a16="http://schemas.microsoft.com/office/drawing/2014/main" id="{2E30AD1B-92C5-489D-B7AA-A0B8B6B0EC60}"/>
+              </a:ext>
+            </a:extLst>
+          </p:cNvPr>
+          <p:cNvSpPr txBox="1"/>
+          <p:nvPr/>
+        </p:nvSpPr>
+        <p:spPr>
+          <a:xfrm>
+            <a:off x="4932040" y="2276872"/>
+            <a:ext cx="2647445" cy="307777"/>
+          </a:xfrm>
+          <a:prstGeom prst="rect">
+            <a:avLst/>
+          </a:prstGeom>
+          <a:noFill/>
+          <a:ln w="19050">
+            <a:solidFill>
+              <a:schemeClr val="tx1"/>
+            </a:solidFill>
+          </a:ln>
+        </p:spPr>
+        <p:txBody>
+          <a:bodyPr wrap="square" rtlCol="0">
+            <a:spAutoFit/>
+          </a:bodyPr>
+          <a:lstStyle/>
+          <a:p>
+            <a:pPr algn="ctr"/>
+            <a:r>
+              <a:rPr lang="en-ID" sz="1400" b="0" dirty="0">
+                <a:effectLst/>
+                <a:latin typeface="Consolas" panose="020B0609020204030204" pitchFamily="49" charset="0"/>
+              </a:rPr>
+              <a:t>_solenoidValve-&gt;on();</a:t>
+            </a:r>
+          </a:p>
+        </p:txBody>
+      </p:sp>
+      <p:cxnSp>
+        <p:nvCxnSpPr>
+          <p:cNvPr id="88" name="Straight Arrow Connector 87">
+            <a:extLst>
+              <a:ext uri="{FF2B5EF4-FFF2-40B4-BE49-F238E27FC236}">
+                <a16:creationId xmlns:a16="http://schemas.microsoft.com/office/drawing/2014/main" id="{D2F7C0C9-2882-41D9-9027-CF70B88C603D}"/>
+              </a:ext>
+            </a:extLst>
+          </p:cNvPr>
+          <p:cNvCxnSpPr>
+            <a:cxnSpLocks/>
+            <a:stCxn id="84" idx="2"/>
+            <a:endCxn id="5" idx="0"/>
+          </p:cNvCxnSpPr>
+          <p:nvPr/>
+        </p:nvCxnSpPr>
+        <p:spPr>
+          <a:xfrm>
+            <a:off x="3504724" y="2850676"/>
+            <a:ext cx="3944" cy="259845"/>
+          </a:xfrm>
+          <a:prstGeom prst="straightConnector1">
+            <a:avLst/>
+          </a:prstGeom>
+          <a:ln w="19050">
+            <a:tailEnd type="triangle"/>
+          </a:ln>
+        </p:spPr>
+        <p:style>
+          <a:lnRef idx="1">
+            <a:schemeClr val="dk1"/>
+          </a:lnRef>
+          <a:fillRef idx="0">
+            <a:schemeClr val="dk1"/>
+          </a:fillRef>
+          <a:effectRef idx="0">
+            <a:schemeClr val="dk1"/>
+          </a:effectRef>
+          <a:fontRef idx="minor">
+            <a:schemeClr val="tx1"/>
+          </a:fontRef>
+        </p:style>
+      </p:cxnSp>
+      <p:cxnSp>
+        <p:nvCxnSpPr>
+          <p:cNvPr id="90" name="Straight Arrow Connector 89">
+            <a:extLst>
+              <a:ext uri="{FF2B5EF4-FFF2-40B4-BE49-F238E27FC236}">
+                <a16:creationId xmlns:a16="http://schemas.microsoft.com/office/drawing/2014/main" id="{24D7EEEB-9582-4E3E-AE7F-BF4A1493CD2C}"/>
+              </a:ext>
+            </a:extLst>
+          </p:cNvPr>
+          <p:cNvCxnSpPr>
+            <a:cxnSpLocks/>
+            <a:stCxn id="71" idx="2"/>
+            <a:endCxn id="84" idx="0"/>
+          </p:cNvCxnSpPr>
+          <p:nvPr/>
+        </p:nvCxnSpPr>
+        <p:spPr>
+          <a:xfrm>
+            <a:off x="3504724" y="1688056"/>
+            <a:ext cx="0" cy="322790"/>
+          </a:xfrm>
+          <a:prstGeom prst="straightConnector1">
+            <a:avLst/>
+          </a:prstGeom>
+          <a:ln w="19050">
+            <a:tailEnd type="triangle"/>
+          </a:ln>
+        </p:spPr>
+        <p:style>
+          <a:lnRef idx="1">
+            <a:schemeClr val="dk1"/>
+          </a:lnRef>
+          <a:fillRef idx="0">
+            <a:schemeClr val="dk1"/>
+          </a:fillRef>
+          <a:effectRef idx="0">
+            <a:schemeClr val="dk1"/>
+          </a:effectRef>
+          <a:fontRef idx="minor">
+            <a:schemeClr val="tx1"/>
+          </a:fontRef>
+        </p:style>
+      </p:cxnSp>
+    </p:spTree>
+    <p:extLst>
+      <p:ext uri="{BB962C8B-B14F-4D97-AF65-F5344CB8AC3E}">
+        <p14:creationId xmlns:p14="http://schemas.microsoft.com/office/powerpoint/2010/main" val="586396323"/>
+      </p:ext>
+    </p:extLst>
+  </p:cSld>
+  <p:clrMapOvr>
+    <a:masterClrMapping/>
+  </p:clrMapOvr>
 </p:sld>
 </file>
 

--- a/resources/WFPS.pptx
+++ b/resources/WFPS.pptx
@@ -5,10 +5,10 @@
     <p:sldMasterId id="2147483648" r:id="rId1"/>
   </p:sldMasterIdLst>
   <p:notesMasterIdLst>
-    <p:notesMasterId r:id="rId14"/>
+    <p:notesMasterId r:id="rId15"/>
   </p:notesMasterIdLst>
   <p:handoutMasterIdLst>
-    <p:handoutMasterId r:id="rId15"/>
+    <p:handoutMasterId r:id="rId16"/>
   </p:handoutMasterIdLst>
   <p:sldIdLst>
     <p:sldId id="281" r:id="rId2"/>
@@ -16,13 +16,14 @@
     <p:sldId id="285" r:id="rId4"/>
     <p:sldId id="286" r:id="rId5"/>
     <p:sldId id="287" r:id="rId6"/>
-    <p:sldId id="292" r:id="rId7"/>
-    <p:sldId id="291" r:id="rId8"/>
-    <p:sldId id="288" r:id="rId9"/>
-    <p:sldId id="289" r:id="rId10"/>
-    <p:sldId id="293" r:id="rId11"/>
-    <p:sldId id="295" r:id="rId12"/>
-    <p:sldId id="294" r:id="rId13"/>
+    <p:sldId id="296" r:id="rId7"/>
+    <p:sldId id="292" r:id="rId8"/>
+    <p:sldId id="291" r:id="rId9"/>
+    <p:sldId id="288" r:id="rId10"/>
+    <p:sldId id="289" r:id="rId11"/>
+    <p:sldId id="293" r:id="rId12"/>
+    <p:sldId id="295" r:id="rId13"/>
+    <p:sldId id="294" r:id="rId14"/>
   </p:sldIdLst>
   <p:sldSz cx="9144000" cy="6858000" type="screen4x3"/>
   <p:notesSz cx="6858000" cy="9144000"/>
@@ -123,7 +124,7 @@
   </p:defaultTextStyle>
   <p:extLst>
     <p:ext uri="{EFAFB233-063F-42B5-8137-9DF3F51BA10A}">
-      <p15:sldGuideLst xmlns:p15="http://schemas.microsoft.com/office/powerpoint/2012/main">
+      <p15:sldGuideLst xmlns:p15="http://schemas.microsoft.com/office/powerpoint/2012/main" xmlns="">
         <p15:guide id="1" orient="horz" pos="2160">
           <p15:clr>
             <a:srgbClr val="A4A3A4"/>
@@ -137,7 +138,7 @@
       </p15:sldGuideLst>
     </p:ext>
     <p:ext uri="{2D200454-40CA-4A62-9FC3-DE9A4176ACB9}">
-      <p15:notesGuideLst xmlns:p15="http://schemas.microsoft.com/office/powerpoint/2012/main">
+      <p15:notesGuideLst xmlns:p15="http://schemas.microsoft.com/office/powerpoint/2012/main" xmlns="">
         <p15:guide id="1" orient="horz" pos="2880">
           <p15:clr>
             <a:srgbClr val="A4A3A4"/>
@@ -237,7 +238,7 @@
             <a:fld id="{D83FDC75-7F73-4A4A-A77C-09AADF00E0EA}" type="datetimeFigureOut">
               <a:rPr lang="en-US" smtClean="0"/>
               <a:pPr/>
-              <a:t>5/3/2021</a:t>
+              <a:t>5/4/2021</a:t>
             </a:fld>
             <a:endParaRPr lang="en-US" dirty="0"/>
           </a:p>
@@ -404,7 +405,7 @@
             <a:fld id="{48AEF76B-3757-4A0B-AF93-28494465C1DD}" type="datetimeFigureOut">
               <a:rPr lang="en-US" smtClean="0"/>
               <a:pPr/>
-              <a:t>5/3/2021</a:t>
+              <a:t>5/4/2021</a:t>
             </a:fld>
             <a:endParaRPr lang="en-US" dirty="0"/>
           </a:p>
@@ -1072,7 +1073,7 @@
             <a:fld id="{75693FD4-8F83-4EF7-AC3F-0DC0388986B0}" type="slidenum">
               <a:rPr lang="en-US" smtClean="0"/>
               <a:pPr/>
-              <a:t>8</a:t>
+              <a:t>9</a:t>
             </a:fld>
             <a:endParaRPr lang="en-US" dirty="0"/>
           </a:p>
@@ -1556,7 +1557,7 @@
             <a:fld id="{757B281C-5159-4971-8228-52B9A72E9ED2}" type="datetimeFigureOut">
               <a:rPr lang="en-US" smtClean="0"/>
               <a:pPr/>
-              <a:t>5/3/2021</a:t>
+              <a:t>5/4/2021</a:t>
             </a:fld>
             <a:endParaRPr lang="en-US" dirty="0"/>
           </a:p>
@@ -1651,7 +1652,7 @@
             <a:fld id="{757B281C-5159-4971-8228-52B9A72E9ED2}" type="datetimeFigureOut">
               <a:rPr lang="en-US" smtClean="0"/>
               <a:pPr/>
-              <a:t>5/3/2021</a:t>
+              <a:t>5/4/2021</a:t>
             </a:fld>
             <a:endParaRPr lang="en-US" dirty="0"/>
           </a:p>
@@ -1780,7 +1781,7 @@
             <a:fld id="{757B281C-5159-4971-8228-52B9A72E9ED2}" type="datetimeFigureOut">
               <a:rPr lang="en-US" smtClean="0"/>
               <a:pPr/>
-              <a:t>5/3/2021</a:t>
+              <a:t>5/4/2021</a:t>
             </a:fld>
             <a:endParaRPr lang="en-US" dirty="0"/>
           </a:p>
@@ -2029,7 +2030,7 @@
           <a:p>
             <a:fld id="{A66B6A46-6EC4-4AF5-AD2F-F27F5AD039E0}" type="datetimeFigureOut">
               <a:rPr lang="en-US" smtClean="0"/>
-              <a:t>5/3/2021</a:t>
+              <a:t>5/4/2021</a:t>
             </a:fld>
             <a:endParaRPr lang="en-US"/>
           </a:p>
@@ -2218,7 +2219,7 @@
             <a:fld id="{757B281C-5159-4971-8228-52B9A72E9ED2}" type="datetimeFigureOut">
               <a:rPr lang="en-US" smtClean="0"/>
               <a:pPr/>
-              <a:t>5/3/2021</a:t>
+              <a:t>5/4/2021</a:t>
             </a:fld>
             <a:endParaRPr lang="en-US" dirty="0"/>
           </a:p>
@@ -2596,7 +2597,7 @@
             <a:fld id="{757B281C-5159-4971-8228-52B9A72E9ED2}" type="datetimeFigureOut">
               <a:rPr lang="en-US" smtClean="0"/>
               <a:pPr/>
-              <a:t>5/3/2021</a:t>
+              <a:t>5/4/2021</a:t>
             </a:fld>
             <a:endParaRPr lang="en-US" dirty="0"/>
           </a:p>
@@ -2886,7 +2887,7 @@
             <a:fld id="{757B281C-5159-4971-8228-52B9A72E9ED2}" type="datetimeFigureOut">
               <a:rPr lang="en-US" smtClean="0"/>
               <a:pPr/>
-              <a:t>5/3/2021</a:t>
+              <a:t>5/4/2021</a:t>
             </a:fld>
             <a:endParaRPr lang="en-US" dirty="0"/>
           </a:p>
@@ -3305,7 +3306,7 @@
             <a:fld id="{757B281C-5159-4971-8228-52B9A72E9ED2}" type="datetimeFigureOut">
               <a:rPr lang="en-US" smtClean="0"/>
               <a:pPr/>
-              <a:t>5/3/2021</a:t>
+              <a:t>5/4/2021</a:t>
             </a:fld>
             <a:endParaRPr lang="en-US" dirty="0"/>
           </a:p>
@@ -3580,7 +3581,7 @@
             <a:fld id="{757B281C-5159-4971-8228-52B9A72E9ED2}" type="datetimeFigureOut">
               <a:rPr lang="en-US" smtClean="0"/>
               <a:pPr/>
-              <a:t>5/3/2021</a:t>
+              <a:t>5/4/2021</a:t>
             </a:fld>
             <a:endParaRPr lang="en-US" dirty="0"/>
           </a:p>
@@ -3836,7 +3837,7 @@
             <a:fld id="{757B281C-5159-4971-8228-52B9A72E9ED2}" type="datetimeFigureOut">
               <a:rPr lang="en-US" smtClean="0"/>
               <a:pPr/>
-              <a:t>5/3/2021</a:t>
+              <a:t>5/4/2021</a:t>
             </a:fld>
             <a:endParaRPr lang="en-US" dirty="0"/>
           </a:p>
@@ -4004,7 +4005,7 @@
             <a:fld id="{757B281C-5159-4971-8228-52B9A72E9ED2}" type="datetimeFigureOut">
               <a:rPr lang="en-US" smtClean="0"/>
               <a:pPr/>
-              <a:t>5/3/2021</a:t>
+              <a:t>5/4/2021</a:t>
             </a:fld>
             <a:endParaRPr lang="en-US" dirty="0"/>
           </a:p>
@@ -4182,7 +4183,7 @@
             <a:fld id="{757B281C-5159-4971-8228-52B9A72E9ED2}" type="datetimeFigureOut">
               <a:rPr lang="en-US" smtClean="0"/>
               <a:pPr/>
-              <a:t>5/3/2021</a:t>
+              <a:t>5/4/2021</a:t>
             </a:fld>
             <a:endParaRPr lang="en-US" dirty="0"/>
           </a:p>
@@ -4424,7 +4425,7 @@
             <a:fld id="{757B281C-5159-4971-8228-52B9A72E9ED2}" type="datetimeFigureOut">
               <a:rPr lang="en-US" smtClean="0"/>
               <a:pPr/>
-              <a:t>5/3/2021</a:t>
+              <a:t>5/4/2021</a:t>
             </a:fld>
             <a:endParaRPr lang="en-US" dirty="0"/>
           </a:p>
@@ -4834,7 +4835,7 @@
           <p:cNvPr id="91" name="Picture 90" descr="Free Icon | Wifi">
             <a:extLst>
               <a:ext uri="{FF2B5EF4-FFF2-40B4-BE49-F238E27FC236}">
-                <a16:creationId xmlns:a16="http://schemas.microsoft.com/office/drawing/2014/main" id="{8C0D1CC1-0F99-45F8-B30B-F5786D94F875}"/>
+                <a16:creationId xmlns:a16="http://schemas.microsoft.com/office/drawing/2014/main" xmlns="" id="{8C0D1CC1-0F99-45F8-B30B-F5786D94F875}"/>
               </a:ext>
             </a:extLst>
           </p:cNvPr>
@@ -4873,7 +4874,7 @@
           <p:cNvPr id="80" name="Picture 79" descr="Free Icon | Wifi">
             <a:extLst>
               <a:ext uri="{FF2B5EF4-FFF2-40B4-BE49-F238E27FC236}">
-                <a16:creationId xmlns:a16="http://schemas.microsoft.com/office/drawing/2014/main" id="{35E36CD3-6B5D-4E30-B897-685D3D72453D}"/>
+                <a16:creationId xmlns:a16="http://schemas.microsoft.com/office/drawing/2014/main" xmlns="" id="{35E36CD3-6B5D-4E30-B897-685D3D72453D}"/>
               </a:ext>
             </a:extLst>
           </p:cNvPr>
@@ -5415,7 +5416,7 @@
           <p:cNvPr id="93" name="Picture 92">
             <a:extLst>
               <a:ext uri="{FF2B5EF4-FFF2-40B4-BE49-F238E27FC236}">
-                <a16:creationId xmlns:a16="http://schemas.microsoft.com/office/drawing/2014/main" id="{D7ED08F4-31B4-432D-A1A0-BE825490F18D}"/>
+                <a16:creationId xmlns:a16="http://schemas.microsoft.com/office/drawing/2014/main" xmlns="" id="{D7ED08F4-31B4-432D-A1A0-BE825490F18D}"/>
               </a:ext>
             </a:extLst>
           </p:cNvPr>
@@ -5443,7 +5444,7 @@
           <p:cNvPr id="96" name="Picture 95" descr="Free Icon | Wifi">
             <a:extLst>
               <a:ext uri="{FF2B5EF4-FFF2-40B4-BE49-F238E27FC236}">
-                <a16:creationId xmlns:a16="http://schemas.microsoft.com/office/drawing/2014/main" id="{331FC1AA-CB08-45A4-9369-2997329D73F4}"/>
+                <a16:creationId xmlns:a16="http://schemas.microsoft.com/office/drawing/2014/main" xmlns="" id="{331FC1AA-CB08-45A4-9369-2997329D73F4}"/>
               </a:ext>
             </a:extLst>
           </p:cNvPr>
@@ -5482,7 +5483,7 @@
           <p:cNvPr id="97" name="Picture 96">
             <a:extLst>
               <a:ext uri="{FF2B5EF4-FFF2-40B4-BE49-F238E27FC236}">
-                <a16:creationId xmlns:a16="http://schemas.microsoft.com/office/drawing/2014/main" id="{D4CA772F-A72C-4314-A82A-E884D10E777D}"/>
+                <a16:creationId xmlns:a16="http://schemas.microsoft.com/office/drawing/2014/main" xmlns="" id="{D4CA772F-A72C-4314-A82A-E884D10E777D}"/>
               </a:ext>
             </a:extLst>
           </p:cNvPr>
@@ -5510,7 +5511,7 @@
           <p:cNvPr id="98" name="Picture 97">
             <a:extLst>
               <a:ext uri="{FF2B5EF4-FFF2-40B4-BE49-F238E27FC236}">
-                <a16:creationId xmlns:a16="http://schemas.microsoft.com/office/drawing/2014/main" id="{9E085E1D-93F9-4E72-B98F-FB8F7028960D}"/>
+                <a16:creationId xmlns:a16="http://schemas.microsoft.com/office/drawing/2014/main" xmlns="" id="{9E085E1D-93F9-4E72-B98F-FB8F7028960D}"/>
               </a:ext>
             </a:extLst>
           </p:cNvPr>
@@ -5538,7 +5539,7 @@
           <p:cNvPr id="99" name="TextBox 98">
             <a:extLst>
               <a:ext uri="{FF2B5EF4-FFF2-40B4-BE49-F238E27FC236}">
-                <a16:creationId xmlns:a16="http://schemas.microsoft.com/office/drawing/2014/main" id="{642A6712-05AC-4A63-87F7-14430CE8A993}"/>
+                <a16:creationId xmlns:a16="http://schemas.microsoft.com/office/drawing/2014/main" xmlns="" id="{642A6712-05AC-4A63-87F7-14430CE8A993}"/>
               </a:ext>
             </a:extLst>
           </p:cNvPr>
@@ -5590,7 +5591,7 @@
           <p:cNvPr id="101" name="TextBox 100">
             <a:extLst>
               <a:ext uri="{FF2B5EF4-FFF2-40B4-BE49-F238E27FC236}">
-                <a16:creationId xmlns:a16="http://schemas.microsoft.com/office/drawing/2014/main" id="{7FF2AF45-1BBB-4306-ABAF-8689BC85C815}"/>
+                <a16:creationId xmlns:a16="http://schemas.microsoft.com/office/drawing/2014/main" xmlns="" id="{7FF2AF45-1BBB-4306-ABAF-8689BC85C815}"/>
               </a:ext>
             </a:extLst>
           </p:cNvPr>
@@ -5629,7 +5630,7 @@
           <p:cNvPr id="103" name="Straight Connector 102">
             <a:extLst>
               <a:ext uri="{FF2B5EF4-FFF2-40B4-BE49-F238E27FC236}">
-                <a16:creationId xmlns:a16="http://schemas.microsoft.com/office/drawing/2014/main" id="{E865F506-39E6-412E-A252-A31428B8E040}"/>
+                <a16:creationId xmlns:a16="http://schemas.microsoft.com/office/drawing/2014/main" xmlns="" id="{E865F506-39E6-412E-A252-A31428B8E040}"/>
               </a:ext>
             </a:extLst>
           </p:cNvPr>
@@ -5672,7 +5673,7 @@
           <p:cNvPr id="110" name="Straight Arrow Connector 109">
             <a:extLst>
               <a:ext uri="{FF2B5EF4-FFF2-40B4-BE49-F238E27FC236}">
-                <a16:creationId xmlns:a16="http://schemas.microsoft.com/office/drawing/2014/main" id="{E8B958EE-5EE0-4808-BB5D-8AF84300BFB3}"/>
+                <a16:creationId xmlns:a16="http://schemas.microsoft.com/office/drawing/2014/main" xmlns="" id="{E8B958EE-5EE0-4808-BB5D-8AF84300BFB3}"/>
               </a:ext>
             </a:extLst>
           </p:cNvPr>
@@ -5716,7 +5717,7 @@
           <p:cNvPr id="111" name="Straight Arrow Connector 110">
             <a:extLst>
               <a:ext uri="{FF2B5EF4-FFF2-40B4-BE49-F238E27FC236}">
-                <a16:creationId xmlns:a16="http://schemas.microsoft.com/office/drawing/2014/main" id="{701FA5EF-0179-41F2-B22D-FCC175001A48}"/>
+                <a16:creationId xmlns:a16="http://schemas.microsoft.com/office/drawing/2014/main" xmlns="" id="{701FA5EF-0179-41F2-B22D-FCC175001A48}"/>
               </a:ext>
             </a:extLst>
           </p:cNvPr>
@@ -5760,7 +5761,7 @@
           <p:cNvPr id="112" name="Straight Arrow Connector 111">
             <a:extLst>
               <a:ext uri="{FF2B5EF4-FFF2-40B4-BE49-F238E27FC236}">
-                <a16:creationId xmlns:a16="http://schemas.microsoft.com/office/drawing/2014/main" id="{AF569078-F334-430B-8950-9BEB338AB6EA}"/>
+                <a16:creationId xmlns:a16="http://schemas.microsoft.com/office/drawing/2014/main" xmlns="" id="{AF569078-F334-430B-8950-9BEB338AB6EA}"/>
               </a:ext>
             </a:extLst>
           </p:cNvPr>
@@ -5804,7 +5805,7 @@
           <p:cNvPr id="113" name="Straight Arrow Connector 112">
             <a:extLst>
               <a:ext uri="{FF2B5EF4-FFF2-40B4-BE49-F238E27FC236}">
-                <a16:creationId xmlns:a16="http://schemas.microsoft.com/office/drawing/2014/main" id="{9894B322-EF50-40E0-8415-FD1EB8F34947}"/>
+                <a16:creationId xmlns:a16="http://schemas.microsoft.com/office/drawing/2014/main" xmlns="" id="{9894B322-EF50-40E0-8415-FD1EB8F34947}"/>
               </a:ext>
             </a:extLst>
           </p:cNvPr>
@@ -5848,7 +5849,7 @@
           <p:cNvPr id="114" name="TextBox 113">
             <a:extLst>
               <a:ext uri="{FF2B5EF4-FFF2-40B4-BE49-F238E27FC236}">
-                <a16:creationId xmlns:a16="http://schemas.microsoft.com/office/drawing/2014/main" id="{E9064D73-DA84-45E4-878F-355289241361}"/>
+                <a16:creationId xmlns:a16="http://schemas.microsoft.com/office/drawing/2014/main" xmlns="" id="{E9064D73-DA84-45E4-878F-355289241361}"/>
               </a:ext>
             </a:extLst>
           </p:cNvPr>
@@ -5887,7 +5888,7 @@
           <p:cNvPr id="115" name="Arrow: Down 114">
             <a:extLst>
               <a:ext uri="{FF2B5EF4-FFF2-40B4-BE49-F238E27FC236}">
-                <a16:creationId xmlns:a16="http://schemas.microsoft.com/office/drawing/2014/main" id="{8CFCE75F-7AA7-4BF3-B044-4770D3A70008}"/>
+                <a16:creationId xmlns:a16="http://schemas.microsoft.com/office/drawing/2014/main" xmlns="" id="{8CFCE75F-7AA7-4BF3-B044-4770D3A70008}"/>
               </a:ext>
             </a:extLst>
           </p:cNvPr>
@@ -5939,7 +5940,7 @@
           <p:cNvPr id="116" name="Straight Arrow Connector 115">
             <a:extLst>
               <a:ext uri="{FF2B5EF4-FFF2-40B4-BE49-F238E27FC236}">
-                <a16:creationId xmlns:a16="http://schemas.microsoft.com/office/drawing/2014/main" id="{8E0EBC89-8ED8-4F07-B552-FDDF03B2E41D}"/>
+                <a16:creationId xmlns:a16="http://schemas.microsoft.com/office/drawing/2014/main" xmlns="" id="{8E0EBC89-8ED8-4F07-B552-FDDF03B2E41D}"/>
               </a:ext>
             </a:extLst>
           </p:cNvPr>
@@ -5985,7 +5986,7 @@
           <p:cNvPr id="117" name="TextBox 116">
             <a:extLst>
               <a:ext uri="{FF2B5EF4-FFF2-40B4-BE49-F238E27FC236}">
-                <a16:creationId xmlns:a16="http://schemas.microsoft.com/office/drawing/2014/main" id="{DC4F584F-869A-4EC5-BD3F-B43D6F04B109}"/>
+                <a16:creationId xmlns:a16="http://schemas.microsoft.com/office/drawing/2014/main" xmlns="" id="{DC4F584F-869A-4EC5-BD3F-B43D6F04B109}"/>
               </a:ext>
             </a:extLst>
           </p:cNvPr>
@@ -6035,7 +6036,7 @@
           <p:cNvPr id="118" name="Picture 2">
             <a:extLst>
               <a:ext uri="{FF2B5EF4-FFF2-40B4-BE49-F238E27FC236}">
-                <a16:creationId xmlns:a16="http://schemas.microsoft.com/office/drawing/2014/main" id="{7EAFE767-B908-419E-B4E7-05DAB402B5BB}"/>
+                <a16:creationId xmlns:a16="http://schemas.microsoft.com/office/drawing/2014/main" xmlns="" id="{7EAFE767-B908-419E-B4E7-05DAB402B5BB}"/>
               </a:ext>
             </a:extLst>
           </p:cNvPr>
@@ -6105,7 +6106,7 @@
           <p:cNvPr id="13" name="Group 12">
             <a:extLst>
               <a:ext uri="{FF2B5EF4-FFF2-40B4-BE49-F238E27FC236}">
-                <a16:creationId xmlns:a16="http://schemas.microsoft.com/office/drawing/2014/main" id="{DD9AE47D-D12F-4154-BB04-4D3D34BE33AE}"/>
+                <a16:creationId xmlns:a16="http://schemas.microsoft.com/office/drawing/2014/main" xmlns="" id="{DD9AE47D-D12F-4154-BB04-4D3D34BE33AE}"/>
               </a:ext>
             </a:extLst>
           </p:cNvPr>
@@ -6125,7 +6126,7 @@
             <p:cNvPr id="119" name="Picture 118">
               <a:extLst>
                 <a:ext uri="{FF2B5EF4-FFF2-40B4-BE49-F238E27FC236}">
-                  <a16:creationId xmlns:a16="http://schemas.microsoft.com/office/drawing/2014/main" id="{8569128C-0619-4279-963D-AE7C028B50F8}"/>
+                  <a16:creationId xmlns:a16="http://schemas.microsoft.com/office/drawing/2014/main" xmlns="" id="{8569128C-0619-4279-963D-AE7C028B50F8}"/>
                 </a:ext>
               </a:extLst>
             </p:cNvPr>
@@ -6153,7 +6154,7 @@
             <p:cNvPr id="120" name="Picture 119">
               <a:extLst>
                 <a:ext uri="{FF2B5EF4-FFF2-40B4-BE49-F238E27FC236}">
-                  <a16:creationId xmlns:a16="http://schemas.microsoft.com/office/drawing/2014/main" id="{8B747FC8-E2F4-4A4F-A22C-CE38FE1C73EE}"/>
+                  <a16:creationId xmlns:a16="http://schemas.microsoft.com/office/drawing/2014/main" xmlns="" id="{8B747FC8-E2F4-4A4F-A22C-CE38FE1C73EE}"/>
                 </a:ext>
               </a:extLst>
             </p:cNvPr>
@@ -6181,7 +6182,7 @@
             <p:cNvPr id="121" name="Picture 120">
               <a:extLst>
                 <a:ext uri="{FF2B5EF4-FFF2-40B4-BE49-F238E27FC236}">
-                  <a16:creationId xmlns:a16="http://schemas.microsoft.com/office/drawing/2014/main" id="{C5D34CA6-4297-482B-89D7-F88D49D89624}"/>
+                  <a16:creationId xmlns:a16="http://schemas.microsoft.com/office/drawing/2014/main" xmlns="" id="{C5D34CA6-4297-482B-89D7-F88D49D89624}"/>
                 </a:ext>
               </a:extLst>
             </p:cNvPr>
@@ -6210,7 +6211,7 @@
           <p:cNvPr id="122" name="Picture 121">
             <a:extLst>
               <a:ext uri="{FF2B5EF4-FFF2-40B4-BE49-F238E27FC236}">
-                <a16:creationId xmlns:a16="http://schemas.microsoft.com/office/drawing/2014/main" id="{B162C919-E530-41D0-B8DE-285A262718DC}"/>
+                <a16:creationId xmlns:a16="http://schemas.microsoft.com/office/drawing/2014/main" xmlns="" id="{B162C919-E530-41D0-B8DE-285A262718DC}"/>
               </a:ext>
             </a:extLst>
           </p:cNvPr>
@@ -6238,7 +6239,7 @@
           <p:cNvPr id="124" name="Picture 123" descr="Free Icon | Wifi">
             <a:extLst>
               <a:ext uri="{FF2B5EF4-FFF2-40B4-BE49-F238E27FC236}">
-                <a16:creationId xmlns:a16="http://schemas.microsoft.com/office/drawing/2014/main" id="{53DEC4AC-7083-4137-853A-196172679253}"/>
+                <a16:creationId xmlns:a16="http://schemas.microsoft.com/office/drawing/2014/main" xmlns="" id="{53DEC4AC-7083-4137-853A-196172679253}"/>
               </a:ext>
             </a:extLst>
           </p:cNvPr>
@@ -6277,7 +6278,7 @@
           <p:cNvPr id="125" name="Picture 124">
             <a:extLst>
               <a:ext uri="{FF2B5EF4-FFF2-40B4-BE49-F238E27FC236}">
-                <a16:creationId xmlns:a16="http://schemas.microsoft.com/office/drawing/2014/main" id="{4A694F61-56DD-44EC-9C94-5B51CD55A6AD}"/>
+                <a16:creationId xmlns:a16="http://schemas.microsoft.com/office/drawing/2014/main" xmlns="" id="{4A694F61-56DD-44EC-9C94-5B51CD55A6AD}"/>
               </a:ext>
             </a:extLst>
           </p:cNvPr>
@@ -6305,7 +6306,7 @@
           <p:cNvPr id="126" name="Picture 125">
             <a:extLst>
               <a:ext uri="{FF2B5EF4-FFF2-40B4-BE49-F238E27FC236}">
-                <a16:creationId xmlns:a16="http://schemas.microsoft.com/office/drawing/2014/main" id="{1070B515-8811-4DB0-B73F-A655CDA1F65D}"/>
+                <a16:creationId xmlns:a16="http://schemas.microsoft.com/office/drawing/2014/main" xmlns="" id="{1070B515-8811-4DB0-B73F-A655CDA1F65D}"/>
               </a:ext>
             </a:extLst>
           </p:cNvPr>
@@ -6333,7 +6334,7 @@
           <p:cNvPr id="127" name="TextBox 126">
             <a:extLst>
               <a:ext uri="{FF2B5EF4-FFF2-40B4-BE49-F238E27FC236}">
-                <a16:creationId xmlns:a16="http://schemas.microsoft.com/office/drawing/2014/main" id="{A95CCAB4-6FC7-49A6-8666-4575A0CA9B0B}"/>
+                <a16:creationId xmlns:a16="http://schemas.microsoft.com/office/drawing/2014/main" xmlns="" id="{A95CCAB4-6FC7-49A6-8666-4575A0CA9B0B}"/>
               </a:ext>
             </a:extLst>
           </p:cNvPr>
@@ -6385,7 +6386,7 @@
           <p:cNvPr id="129" name="TextBox 128">
             <a:extLst>
               <a:ext uri="{FF2B5EF4-FFF2-40B4-BE49-F238E27FC236}">
-                <a16:creationId xmlns:a16="http://schemas.microsoft.com/office/drawing/2014/main" id="{E39A3AB8-C796-4956-8252-D950C226E4A3}"/>
+                <a16:creationId xmlns:a16="http://schemas.microsoft.com/office/drawing/2014/main" xmlns="" id="{E39A3AB8-C796-4956-8252-D950C226E4A3}"/>
               </a:ext>
             </a:extLst>
           </p:cNvPr>
@@ -6424,7 +6425,7 @@
           <p:cNvPr id="130" name="Straight Connector 129">
             <a:extLst>
               <a:ext uri="{FF2B5EF4-FFF2-40B4-BE49-F238E27FC236}">
-                <a16:creationId xmlns:a16="http://schemas.microsoft.com/office/drawing/2014/main" id="{9DF291A7-41F4-4DE6-AE15-E1C86F573651}"/>
+                <a16:creationId xmlns:a16="http://schemas.microsoft.com/office/drawing/2014/main" xmlns="" id="{9DF291A7-41F4-4DE6-AE15-E1C86F573651}"/>
               </a:ext>
             </a:extLst>
           </p:cNvPr>
@@ -6467,7 +6468,7 @@
           <p:cNvPr id="131" name="Straight Arrow Connector 130">
             <a:extLst>
               <a:ext uri="{FF2B5EF4-FFF2-40B4-BE49-F238E27FC236}">
-                <a16:creationId xmlns:a16="http://schemas.microsoft.com/office/drawing/2014/main" id="{C1FCFB29-B377-49B7-AE4A-C6D22253A121}"/>
+                <a16:creationId xmlns:a16="http://schemas.microsoft.com/office/drawing/2014/main" xmlns="" id="{C1FCFB29-B377-49B7-AE4A-C6D22253A121}"/>
               </a:ext>
             </a:extLst>
           </p:cNvPr>
@@ -6511,7 +6512,7 @@
           <p:cNvPr id="132" name="Straight Arrow Connector 131">
             <a:extLst>
               <a:ext uri="{FF2B5EF4-FFF2-40B4-BE49-F238E27FC236}">
-                <a16:creationId xmlns:a16="http://schemas.microsoft.com/office/drawing/2014/main" id="{437E4990-C17A-4FBD-B288-E7FEE10A8B47}"/>
+                <a16:creationId xmlns:a16="http://schemas.microsoft.com/office/drawing/2014/main" xmlns="" id="{437E4990-C17A-4FBD-B288-E7FEE10A8B47}"/>
               </a:ext>
             </a:extLst>
           </p:cNvPr>
@@ -6555,7 +6556,7 @@
           <p:cNvPr id="133" name="Straight Arrow Connector 132">
             <a:extLst>
               <a:ext uri="{FF2B5EF4-FFF2-40B4-BE49-F238E27FC236}">
-                <a16:creationId xmlns:a16="http://schemas.microsoft.com/office/drawing/2014/main" id="{3C070CA1-7CB4-4E4C-8996-587C0DF6380E}"/>
+                <a16:creationId xmlns:a16="http://schemas.microsoft.com/office/drawing/2014/main" xmlns="" id="{3C070CA1-7CB4-4E4C-8996-587C0DF6380E}"/>
               </a:ext>
             </a:extLst>
           </p:cNvPr>
@@ -6599,7 +6600,7 @@
           <p:cNvPr id="134" name="Straight Arrow Connector 133">
             <a:extLst>
               <a:ext uri="{FF2B5EF4-FFF2-40B4-BE49-F238E27FC236}">
-                <a16:creationId xmlns:a16="http://schemas.microsoft.com/office/drawing/2014/main" id="{FC701DDD-2159-4659-A0CA-3419EE1C595C}"/>
+                <a16:creationId xmlns:a16="http://schemas.microsoft.com/office/drawing/2014/main" xmlns="" id="{FC701DDD-2159-4659-A0CA-3419EE1C595C}"/>
               </a:ext>
             </a:extLst>
           </p:cNvPr>
@@ -6643,7 +6644,7 @@
           <p:cNvPr id="135" name="TextBox 134">
             <a:extLst>
               <a:ext uri="{FF2B5EF4-FFF2-40B4-BE49-F238E27FC236}">
-                <a16:creationId xmlns:a16="http://schemas.microsoft.com/office/drawing/2014/main" id="{CCB08C6A-B88F-466B-9016-90EEB67A179B}"/>
+                <a16:creationId xmlns:a16="http://schemas.microsoft.com/office/drawing/2014/main" xmlns="" id="{CCB08C6A-B88F-466B-9016-90EEB67A179B}"/>
               </a:ext>
             </a:extLst>
           </p:cNvPr>
@@ -6682,7 +6683,7 @@
           <p:cNvPr id="136" name="Arrow: Down 135">
             <a:extLst>
               <a:ext uri="{FF2B5EF4-FFF2-40B4-BE49-F238E27FC236}">
-                <a16:creationId xmlns:a16="http://schemas.microsoft.com/office/drawing/2014/main" id="{DFF46CD1-F7A1-44D1-A40D-EB507AC19AB7}"/>
+                <a16:creationId xmlns:a16="http://schemas.microsoft.com/office/drawing/2014/main" xmlns="" id="{DFF46CD1-F7A1-44D1-A40D-EB507AC19AB7}"/>
               </a:ext>
             </a:extLst>
           </p:cNvPr>
@@ -6734,7 +6735,7 @@
           <p:cNvPr id="137" name="Straight Arrow Connector 136">
             <a:extLst>
               <a:ext uri="{FF2B5EF4-FFF2-40B4-BE49-F238E27FC236}">
-                <a16:creationId xmlns:a16="http://schemas.microsoft.com/office/drawing/2014/main" id="{8F992FA7-D08C-438C-A43F-47DBDCC12409}"/>
+                <a16:creationId xmlns:a16="http://schemas.microsoft.com/office/drawing/2014/main" xmlns="" id="{8F992FA7-D08C-438C-A43F-47DBDCC12409}"/>
               </a:ext>
             </a:extLst>
           </p:cNvPr>
@@ -6780,7 +6781,7 @@
           <p:cNvPr id="138" name="TextBox 137">
             <a:extLst>
               <a:ext uri="{FF2B5EF4-FFF2-40B4-BE49-F238E27FC236}">
-                <a16:creationId xmlns:a16="http://schemas.microsoft.com/office/drawing/2014/main" id="{759D9C9A-697F-41AF-B4E7-ED889C2499F2}"/>
+                <a16:creationId xmlns:a16="http://schemas.microsoft.com/office/drawing/2014/main" xmlns="" id="{759D9C9A-697F-41AF-B4E7-ED889C2499F2}"/>
               </a:ext>
             </a:extLst>
           </p:cNvPr>
@@ -6830,7 +6831,7 @@
           <p:cNvPr id="139" name="Picture 2">
             <a:extLst>
               <a:ext uri="{FF2B5EF4-FFF2-40B4-BE49-F238E27FC236}">
-                <a16:creationId xmlns:a16="http://schemas.microsoft.com/office/drawing/2014/main" id="{44B1DE2B-5459-4559-8528-F531AB2F47CC}"/>
+                <a16:creationId xmlns:a16="http://schemas.microsoft.com/office/drawing/2014/main" xmlns="" id="{44B1DE2B-5459-4559-8528-F531AB2F47CC}"/>
               </a:ext>
             </a:extLst>
           </p:cNvPr>
@@ -6900,7 +6901,7 @@
           <p:cNvPr id="140" name="Group 139">
             <a:extLst>
               <a:ext uri="{FF2B5EF4-FFF2-40B4-BE49-F238E27FC236}">
-                <a16:creationId xmlns:a16="http://schemas.microsoft.com/office/drawing/2014/main" id="{4AC26AC4-8582-4AF1-9662-4C653C054F44}"/>
+                <a16:creationId xmlns:a16="http://schemas.microsoft.com/office/drawing/2014/main" xmlns="" id="{4AC26AC4-8582-4AF1-9662-4C653C054F44}"/>
               </a:ext>
             </a:extLst>
           </p:cNvPr>
@@ -6920,7 +6921,7 @@
             <p:cNvPr id="142" name="Picture 141">
               <a:extLst>
                 <a:ext uri="{FF2B5EF4-FFF2-40B4-BE49-F238E27FC236}">
-                  <a16:creationId xmlns:a16="http://schemas.microsoft.com/office/drawing/2014/main" id="{F766DA8B-BC49-49A9-BF21-6C3D92420AE5}"/>
+                  <a16:creationId xmlns:a16="http://schemas.microsoft.com/office/drawing/2014/main" xmlns="" id="{F766DA8B-BC49-49A9-BF21-6C3D92420AE5}"/>
                 </a:ext>
               </a:extLst>
             </p:cNvPr>
@@ -6948,7 +6949,7 @@
             <p:cNvPr id="143" name="Picture 142">
               <a:extLst>
                 <a:ext uri="{FF2B5EF4-FFF2-40B4-BE49-F238E27FC236}">
-                  <a16:creationId xmlns:a16="http://schemas.microsoft.com/office/drawing/2014/main" id="{60A87426-69E1-4E00-A79F-BE673237C80D}"/>
+                  <a16:creationId xmlns:a16="http://schemas.microsoft.com/office/drawing/2014/main" xmlns="" id="{60A87426-69E1-4E00-A79F-BE673237C80D}"/>
                 </a:ext>
               </a:extLst>
             </p:cNvPr>
@@ -6976,7 +6977,7 @@
             <p:cNvPr id="144" name="Picture 143">
               <a:extLst>
                 <a:ext uri="{FF2B5EF4-FFF2-40B4-BE49-F238E27FC236}">
-                  <a16:creationId xmlns:a16="http://schemas.microsoft.com/office/drawing/2014/main" id="{BA800670-4E89-4822-9FE3-B81C5A84579E}"/>
+                  <a16:creationId xmlns:a16="http://schemas.microsoft.com/office/drawing/2014/main" xmlns="" id="{BA800670-4E89-4822-9FE3-B81C5A84579E}"/>
                 </a:ext>
               </a:extLst>
             </p:cNvPr>
@@ -7005,7 +7006,7 @@
           <p:cNvPr id="141" name="Picture 140">
             <a:extLst>
               <a:ext uri="{FF2B5EF4-FFF2-40B4-BE49-F238E27FC236}">
-                <a16:creationId xmlns:a16="http://schemas.microsoft.com/office/drawing/2014/main" id="{E8497B39-C585-4FA1-A77E-6295925A3A10}"/>
+                <a16:creationId xmlns:a16="http://schemas.microsoft.com/office/drawing/2014/main" xmlns="" id="{E8497B39-C585-4FA1-A77E-6295925A3A10}"/>
               </a:ext>
             </a:extLst>
           </p:cNvPr>
@@ -7033,7 +7034,7 @@
           <p:cNvPr id="146" name="Picture 145" descr="Free Icon | Wifi">
             <a:extLst>
               <a:ext uri="{FF2B5EF4-FFF2-40B4-BE49-F238E27FC236}">
-                <a16:creationId xmlns:a16="http://schemas.microsoft.com/office/drawing/2014/main" id="{400471C8-AF8F-4F03-9F7F-E4AF9D009651}"/>
+                <a16:creationId xmlns:a16="http://schemas.microsoft.com/office/drawing/2014/main" xmlns="" id="{400471C8-AF8F-4F03-9F7F-E4AF9D009651}"/>
               </a:ext>
             </a:extLst>
           </p:cNvPr>
@@ -7072,7 +7073,7 @@
           <p:cNvPr id="147" name="Picture 146">
             <a:extLst>
               <a:ext uri="{FF2B5EF4-FFF2-40B4-BE49-F238E27FC236}">
-                <a16:creationId xmlns:a16="http://schemas.microsoft.com/office/drawing/2014/main" id="{A87A795B-6EF4-4302-BE56-81D3EB784528}"/>
+                <a16:creationId xmlns:a16="http://schemas.microsoft.com/office/drawing/2014/main" xmlns="" id="{A87A795B-6EF4-4302-BE56-81D3EB784528}"/>
               </a:ext>
             </a:extLst>
           </p:cNvPr>
@@ -7100,7 +7101,7 @@
           <p:cNvPr id="148" name="Picture 147">
             <a:extLst>
               <a:ext uri="{FF2B5EF4-FFF2-40B4-BE49-F238E27FC236}">
-                <a16:creationId xmlns:a16="http://schemas.microsoft.com/office/drawing/2014/main" id="{B9BA4EBB-7917-478F-9609-5EB5FFA55FC3}"/>
+                <a16:creationId xmlns:a16="http://schemas.microsoft.com/office/drawing/2014/main" xmlns="" id="{B9BA4EBB-7917-478F-9609-5EB5FFA55FC3}"/>
               </a:ext>
             </a:extLst>
           </p:cNvPr>
@@ -7128,7 +7129,7 @@
           <p:cNvPr id="149" name="TextBox 148">
             <a:extLst>
               <a:ext uri="{FF2B5EF4-FFF2-40B4-BE49-F238E27FC236}">
-                <a16:creationId xmlns:a16="http://schemas.microsoft.com/office/drawing/2014/main" id="{F30C4C3C-680C-41D5-9C69-0BE265B22526}"/>
+                <a16:creationId xmlns:a16="http://schemas.microsoft.com/office/drawing/2014/main" xmlns="" id="{F30C4C3C-680C-41D5-9C69-0BE265B22526}"/>
               </a:ext>
             </a:extLst>
           </p:cNvPr>
@@ -7180,7 +7181,7 @@
           <p:cNvPr id="151" name="TextBox 150">
             <a:extLst>
               <a:ext uri="{FF2B5EF4-FFF2-40B4-BE49-F238E27FC236}">
-                <a16:creationId xmlns:a16="http://schemas.microsoft.com/office/drawing/2014/main" id="{59608F00-0360-4995-AE2C-04C7DA329F16}"/>
+                <a16:creationId xmlns:a16="http://schemas.microsoft.com/office/drawing/2014/main" xmlns="" id="{59608F00-0360-4995-AE2C-04C7DA329F16}"/>
               </a:ext>
             </a:extLst>
           </p:cNvPr>
@@ -7219,7 +7220,7 @@
           <p:cNvPr id="152" name="Straight Connector 151">
             <a:extLst>
               <a:ext uri="{FF2B5EF4-FFF2-40B4-BE49-F238E27FC236}">
-                <a16:creationId xmlns:a16="http://schemas.microsoft.com/office/drawing/2014/main" id="{A1D3B135-9E1F-4715-BBDB-B743EB32E933}"/>
+                <a16:creationId xmlns:a16="http://schemas.microsoft.com/office/drawing/2014/main" xmlns="" id="{A1D3B135-9E1F-4715-BBDB-B743EB32E933}"/>
               </a:ext>
             </a:extLst>
           </p:cNvPr>
@@ -7262,7 +7263,7 @@
           <p:cNvPr id="153" name="Straight Arrow Connector 152">
             <a:extLst>
               <a:ext uri="{FF2B5EF4-FFF2-40B4-BE49-F238E27FC236}">
-                <a16:creationId xmlns:a16="http://schemas.microsoft.com/office/drawing/2014/main" id="{D1770F5E-EA21-4850-8494-C4C2D80A1B20}"/>
+                <a16:creationId xmlns:a16="http://schemas.microsoft.com/office/drawing/2014/main" xmlns="" id="{D1770F5E-EA21-4850-8494-C4C2D80A1B20}"/>
               </a:ext>
             </a:extLst>
           </p:cNvPr>
@@ -7306,7 +7307,7 @@
           <p:cNvPr id="154" name="Straight Arrow Connector 153">
             <a:extLst>
               <a:ext uri="{FF2B5EF4-FFF2-40B4-BE49-F238E27FC236}">
-                <a16:creationId xmlns:a16="http://schemas.microsoft.com/office/drawing/2014/main" id="{C8E3FE0E-5E92-477B-BACE-E898B0C12B07}"/>
+                <a16:creationId xmlns:a16="http://schemas.microsoft.com/office/drawing/2014/main" xmlns="" id="{C8E3FE0E-5E92-477B-BACE-E898B0C12B07}"/>
               </a:ext>
             </a:extLst>
           </p:cNvPr>
@@ -7350,7 +7351,7 @@
           <p:cNvPr id="155" name="Straight Arrow Connector 154">
             <a:extLst>
               <a:ext uri="{FF2B5EF4-FFF2-40B4-BE49-F238E27FC236}">
-                <a16:creationId xmlns:a16="http://schemas.microsoft.com/office/drawing/2014/main" id="{DBF37D8A-2F61-4869-A6C6-524233FA9B12}"/>
+                <a16:creationId xmlns:a16="http://schemas.microsoft.com/office/drawing/2014/main" xmlns="" id="{DBF37D8A-2F61-4869-A6C6-524233FA9B12}"/>
               </a:ext>
             </a:extLst>
           </p:cNvPr>
@@ -7394,7 +7395,7 @@
           <p:cNvPr id="156" name="Straight Arrow Connector 155">
             <a:extLst>
               <a:ext uri="{FF2B5EF4-FFF2-40B4-BE49-F238E27FC236}">
-                <a16:creationId xmlns:a16="http://schemas.microsoft.com/office/drawing/2014/main" id="{A625D55F-5F09-486D-9A2E-2D267A148440}"/>
+                <a16:creationId xmlns:a16="http://schemas.microsoft.com/office/drawing/2014/main" xmlns="" id="{A625D55F-5F09-486D-9A2E-2D267A148440}"/>
               </a:ext>
             </a:extLst>
           </p:cNvPr>
@@ -7438,7 +7439,7 @@
           <p:cNvPr id="157" name="TextBox 156">
             <a:extLst>
               <a:ext uri="{FF2B5EF4-FFF2-40B4-BE49-F238E27FC236}">
-                <a16:creationId xmlns:a16="http://schemas.microsoft.com/office/drawing/2014/main" id="{3B1C1B6A-2C75-43CC-A447-4B561C1C2B06}"/>
+                <a16:creationId xmlns:a16="http://schemas.microsoft.com/office/drawing/2014/main" xmlns="" id="{3B1C1B6A-2C75-43CC-A447-4B561C1C2B06}"/>
               </a:ext>
             </a:extLst>
           </p:cNvPr>
@@ -7477,7 +7478,7 @@
           <p:cNvPr id="158" name="Arrow: Down 157">
             <a:extLst>
               <a:ext uri="{FF2B5EF4-FFF2-40B4-BE49-F238E27FC236}">
-                <a16:creationId xmlns:a16="http://schemas.microsoft.com/office/drawing/2014/main" id="{E3FB393C-BE89-42B7-8E61-C434739C9007}"/>
+                <a16:creationId xmlns:a16="http://schemas.microsoft.com/office/drawing/2014/main" xmlns="" id="{E3FB393C-BE89-42B7-8E61-C434739C9007}"/>
               </a:ext>
             </a:extLst>
           </p:cNvPr>
@@ -7529,7 +7530,7 @@
           <p:cNvPr id="159" name="Straight Arrow Connector 158">
             <a:extLst>
               <a:ext uri="{FF2B5EF4-FFF2-40B4-BE49-F238E27FC236}">
-                <a16:creationId xmlns:a16="http://schemas.microsoft.com/office/drawing/2014/main" id="{4736D311-FC35-4A01-A271-0230817C9E28}"/>
+                <a16:creationId xmlns:a16="http://schemas.microsoft.com/office/drawing/2014/main" xmlns="" id="{4736D311-FC35-4A01-A271-0230817C9E28}"/>
               </a:ext>
             </a:extLst>
           </p:cNvPr>
@@ -7575,7 +7576,7 @@
           <p:cNvPr id="160" name="TextBox 159">
             <a:extLst>
               <a:ext uri="{FF2B5EF4-FFF2-40B4-BE49-F238E27FC236}">
-                <a16:creationId xmlns:a16="http://schemas.microsoft.com/office/drawing/2014/main" id="{E9234FC1-B780-485A-BC1D-27D488028FF2}"/>
+                <a16:creationId xmlns:a16="http://schemas.microsoft.com/office/drawing/2014/main" xmlns="" id="{E9234FC1-B780-485A-BC1D-27D488028FF2}"/>
               </a:ext>
             </a:extLst>
           </p:cNvPr>
@@ -7625,7 +7626,7 @@
           <p:cNvPr id="161" name="Picture 2">
             <a:extLst>
               <a:ext uri="{FF2B5EF4-FFF2-40B4-BE49-F238E27FC236}">
-                <a16:creationId xmlns:a16="http://schemas.microsoft.com/office/drawing/2014/main" id="{6FA8644C-4157-4C29-A9AB-7895426E89EE}"/>
+                <a16:creationId xmlns:a16="http://schemas.microsoft.com/office/drawing/2014/main" xmlns="" id="{6FA8644C-4157-4C29-A9AB-7895426E89EE}"/>
               </a:ext>
             </a:extLst>
           </p:cNvPr>
@@ -7695,7 +7696,7 @@
           <p:cNvPr id="162" name="Group 161">
             <a:extLst>
               <a:ext uri="{FF2B5EF4-FFF2-40B4-BE49-F238E27FC236}">
-                <a16:creationId xmlns:a16="http://schemas.microsoft.com/office/drawing/2014/main" id="{8AA417C8-2A5F-4DB9-A327-478DEFA0F1FE}"/>
+                <a16:creationId xmlns:a16="http://schemas.microsoft.com/office/drawing/2014/main" xmlns="" id="{8AA417C8-2A5F-4DB9-A327-478DEFA0F1FE}"/>
               </a:ext>
             </a:extLst>
           </p:cNvPr>
@@ -7715,7 +7716,7 @@
             <p:cNvPr id="164" name="Picture 163">
               <a:extLst>
                 <a:ext uri="{FF2B5EF4-FFF2-40B4-BE49-F238E27FC236}">
-                  <a16:creationId xmlns:a16="http://schemas.microsoft.com/office/drawing/2014/main" id="{7AB6C7DC-8C4D-480E-8465-19855F19BB49}"/>
+                  <a16:creationId xmlns:a16="http://schemas.microsoft.com/office/drawing/2014/main" xmlns="" id="{7AB6C7DC-8C4D-480E-8465-19855F19BB49}"/>
                 </a:ext>
               </a:extLst>
             </p:cNvPr>
@@ -7743,7 +7744,7 @@
             <p:cNvPr id="165" name="Picture 164">
               <a:extLst>
                 <a:ext uri="{FF2B5EF4-FFF2-40B4-BE49-F238E27FC236}">
-                  <a16:creationId xmlns:a16="http://schemas.microsoft.com/office/drawing/2014/main" id="{8D424CF8-98CA-4442-9CBB-1C6B6677CA03}"/>
+                  <a16:creationId xmlns:a16="http://schemas.microsoft.com/office/drawing/2014/main" xmlns="" id="{8D424CF8-98CA-4442-9CBB-1C6B6677CA03}"/>
                 </a:ext>
               </a:extLst>
             </p:cNvPr>
@@ -7771,7 +7772,7 @@
             <p:cNvPr id="166" name="Picture 165">
               <a:extLst>
                 <a:ext uri="{FF2B5EF4-FFF2-40B4-BE49-F238E27FC236}">
-                  <a16:creationId xmlns:a16="http://schemas.microsoft.com/office/drawing/2014/main" id="{A0F38DD2-225D-4228-9076-B8596901A09B}"/>
+                  <a16:creationId xmlns:a16="http://schemas.microsoft.com/office/drawing/2014/main" xmlns="" id="{A0F38DD2-225D-4228-9076-B8596901A09B}"/>
                 </a:ext>
               </a:extLst>
             </p:cNvPr>
@@ -7800,7 +7801,7 @@
           <p:cNvPr id="163" name="Picture 162">
             <a:extLst>
               <a:ext uri="{FF2B5EF4-FFF2-40B4-BE49-F238E27FC236}">
-                <a16:creationId xmlns:a16="http://schemas.microsoft.com/office/drawing/2014/main" id="{548E5F0E-DC66-41FE-810E-8A55BE941A57}"/>
+                <a16:creationId xmlns:a16="http://schemas.microsoft.com/office/drawing/2014/main" xmlns="" id="{548E5F0E-DC66-41FE-810E-8A55BE941A57}"/>
               </a:ext>
             </a:extLst>
           </p:cNvPr>
@@ -7828,7 +7829,7 @@
           <p:cNvPr id="167" name="TextBox 166">
             <a:extLst>
               <a:ext uri="{FF2B5EF4-FFF2-40B4-BE49-F238E27FC236}">
-                <a16:creationId xmlns:a16="http://schemas.microsoft.com/office/drawing/2014/main" id="{844FFFA2-95FD-44EC-81E9-4E773A5EFF75}"/>
+                <a16:creationId xmlns:a16="http://schemas.microsoft.com/office/drawing/2014/main" xmlns="" id="{844FFFA2-95FD-44EC-81E9-4E773A5EFF75}"/>
               </a:ext>
             </a:extLst>
           </p:cNvPr>
@@ -7872,7 +7873,7 @@
           <p:cNvPr id="168" name="TextBox 167">
             <a:extLst>
               <a:ext uri="{FF2B5EF4-FFF2-40B4-BE49-F238E27FC236}">
-                <a16:creationId xmlns:a16="http://schemas.microsoft.com/office/drawing/2014/main" id="{0C242035-3919-48F6-B3E7-DF24DD4E2B78}"/>
+                <a16:creationId xmlns:a16="http://schemas.microsoft.com/office/drawing/2014/main" xmlns="" id="{0C242035-3919-48F6-B3E7-DF24DD4E2B78}"/>
               </a:ext>
             </a:extLst>
           </p:cNvPr>
@@ -7916,7 +7917,7 @@
           <p:cNvPr id="171" name="TextBox 170">
             <a:extLst>
               <a:ext uri="{FF2B5EF4-FFF2-40B4-BE49-F238E27FC236}">
-                <a16:creationId xmlns:a16="http://schemas.microsoft.com/office/drawing/2014/main" id="{D3D2C1E7-A24B-4E4F-9338-4E3CC945B96E}"/>
+                <a16:creationId xmlns:a16="http://schemas.microsoft.com/office/drawing/2014/main" xmlns="" id="{D3D2C1E7-A24B-4E4F-9338-4E3CC945B96E}"/>
               </a:ext>
             </a:extLst>
           </p:cNvPr>
@@ -8204,6 +8205,1056 @@
           </a:bodyPr>
           <a:lstStyle/>
           <a:p>
+            <a:r>
+              <a:rPr lang="en-ID" b="1" dirty="0"/>
+              <a:t>Flowchart </a:t>
+            </a:r>
+            <a:r>
+              <a:rPr lang="en-US" dirty="0"/>
+              <a:t>_pbAMRT-&gt;getCmd(DEBOUNCING_TIME)</a:t>
+            </a:r>
+          </a:p>
+          <a:p>
+            <a:pPr algn="ctr"/>
+            <a:r>
+              <a:rPr lang="en-ID" sz="1400" dirty="0"/>
+              <a:t>File : src\compDevices\pbAMRT.cpp</a:t>
+            </a:r>
+            <a:endParaRPr lang="en-US" sz="1400" dirty="0"/>
+          </a:p>
+        </p:txBody>
+      </p:sp>
+      <p:sp>
+        <p:nvSpPr>
+          <p:cNvPr id="5" name="Flowchart: Decision 4"/>
+          <p:cNvSpPr/>
+          <p:nvPr/>
+        </p:nvSpPr>
+        <p:spPr>
+          <a:xfrm>
+            <a:off x="786608" y="2000301"/>
+            <a:ext cx="1944216" cy="864096"/>
+          </a:xfrm>
+          <a:prstGeom prst="flowChartDecision">
+            <a:avLst/>
+          </a:prstGeom>
+          <a:noFill/>
+          <a:ln w="19050">
+            <a:solidFill>
+              <a:schemeClr val="tx1"/>
+            </a:solidFill>
+          </a:ln>
+        </p:spPr>
+        <p:style>
+          <a:lnRef idx="2">
+            <a:schemeClr val="accent1">
+              <a:shade val="50000"/>
+            </a:schemeClr>
+          </a:lnRef>
+          <a:fillRef idx="1">
+            <a:schemeClr val="accent1"/>
+          </a:fillRef>
+          <a:effectRef idx="0">
+            <a:schemeClr val="accent1"/>
+          </a:effectRef>
+          <a:fontRef idx="minor">
+            <a:schemeClr val="lt1"/>
+          </a:fontRef>
+        </p:style>
+        <p:txBody>
+          <a:bodyPr rtlCol="0" anchor="ctr"/>
+          <a:lstStyle/>
+          <a:p>
+            <a:pPr algn="ctr"/>
+            <a:r>
+              <a:rPr lang="en-ID" sz="1400" dirty="0">
+                <a:solidFill>
+                  <a:schemeClr val="tx1"/>
+                </a:solidFill>
+              </a:rPr>
+              <a:t>_pbManual = active</a:t>
+            </a:r>
+            <a:endParaRPr lang="en-US" sz="1400" dirty="0">
+              <a:solidFill>
+                <a:schemeClr val="tx1"/>
+              </a:solidFill>
+            </a:endParaRPr>
+          </a:p>
+        </p:txBody>
+      </p:sp>
+      <p:sp>
+        <p:nvSpPr>
+          <p:cNvPr id="6" name="TextBox 5"/>
+          <p:cNvSpPr txBox="1"/>
+          <p:nvPr/>
+        </p:nvSpPr>
+        <p:spPr>
+          <a:xfrm>
+            <a:off x="5724128" y="2139961"/>
+            <a:ext cx="1897522" cy="584775"/>
+          </a:xfrm>
+          <a:prstGeom prst="rect">
+            <a:avLst/>
+          </a:prstGeom>
+          <a:noFill/>
+          <a:ln w="19050">
+            <a:solidFill>
+              <a:schemeClr val="tx1"/>
+            </a:solidFill>
+          </a:ln>
+        </p:spPr>
+        <p:txBody>
+          <a:bodyPr wrap="square" rtlCol="0">
+            <a:spAutoFit/>
+          </a:bodyPr>
+          <a:lstStyle/>
+          <a:p>
+            <a:pPr algn="ctr"/>
+            <a:r>
+              <a:rPr lang="en-ID" dirty="0"/>
+              <a:t>cmd  = </a:t>
+            </a:r>
+            <a:r>
+              <a:rPr lang="en-US" sz="1400" dirty="0"/>
+              <a:t>MODE_MANUAL_ON</a:t>
+            </a:r>
+          </a:p>
+        </p:txBody>
+      </p:sp>
+      <p:sp>
+        <p:nvSpPr>
+          <p:cNvPr id="7" name="TextBox 6"/>
+          <p:cNvSpPr txBox="1"/>
+          <p:nvPr/>
+        </p:nvSpPr>
+        <p:spPr>
+          <a:xfrm>
+            <a:off x="2676820" y="2079925"/>
+            <a:ext cx="296876" cy="369332"/>
+          </a:xfrm>
+          <a:prstGeom prst="rect">
+            <a:avLst/>
+          </a:prstGeom>
+          <a:noFill/>
+          <a:ln w="19050">
+            <a:noFill/>
+          </a:ln>
+        </p:spPr>
+        <p:txBody>
+          <a:bodyPr wrap="none" rtlCol="0">
+            <a:spAutoFit/>
+          </a:bodyPr>
+          <a:lstStyle/>
+          <a:p>
+            <a:r>
+              <a:rPr lang="en-ID" dirty="0"/>
+              <a:t>Y</a:t>
+            </a:r>
+            <a:endParaRPr lang="en-US" dirty="0"/>
+          </a:p>
+        </p:txBody>
+      </p:sp>
+      <p:sp>
+        <p:nvSpPr>
+          <p:cNvPr id="9" name="TextBox 8"/>
+          <p:cNvSpPr txBox="1"/>
+          <p:nvPr/>
+        </p:nvSpPr>
+        <p:spPr>
+          <a:xfrm>
+            <a:off x="3456774" y="4797152"/>
+            <a:ext cx="1438364" cy="584775"/>
+          </a:xfrm>
+          <a:prstGeom prst="rect">
+            <a:avLst/>
+          </a:prstGeom>
+          <a:noFill/>
+          <a:ln w="19050">
+            <a:solidFill>
+              <a:schemeClr val="tx1"/>
+            </a:solidFill>
+          </a:ln>
+        </p:spPr>
+        <p:txBody>
+          <a:bodyPr wrap="square" rtlCol="0">
+            <a:spAutoFit/>
+          </a:bodyPr>
+          <a:lstStyle/>
+          <a:p>
+            <a:pPr algn="ctr"/>
+            <a:r>
+              <a:rPr lang="en-ID" dirty="0"/>
+              <a:t>cmd  = </a:t>
+            </a:r>
+            <a:r>
+              <a:rPr lang="en-US" sz="1400" dirty="0"/>
+              <a:t>MODE_MANUAL</a:t>
+            </a:r>
+          </a:p>
+        </p:txBody>
+      </p:sp>
+      <p:cxnSp>
+        <p:nvCxnSpPr>
+          <p:cNvPr id="10" name="Straight Arrow Connector 9"/>
+          <p:cNvCxnSpPr>
+            <a:stCxn id="39" idx="2"/>
+            <a:endCxn id="9" idx="0"/>
+          </p:cNvCxnSpPr>
+          <p:nvPr/>
+        </p:nvCxnSpPr>
+        <p:spPr>
+          <a:xfrm>
+            <a:off x="4175956" y="4180713"/>
+            <a:ext cx="0" cy="616439"/>
+          </a:xfrm>
+          <a:prstGeom prst="straightConnector1">
+            <a:avLst/>
+          </a:prstGeom>
+          <a:ln w="19050">
+            <a:solidFill>
+              <a:schemeClr val="tx1"/>
+            </a:solidFill>
+            <a:tailEnd type="arrow"/>
+          </a:ln>
+        </p:spPr>
+        <p:style>
+          <a:lnRef idx="1">
+            <a:schemeClr val="accent1"/>
+          </a:lnRef>
+          <a:fillRef idx="0">
+            <a:schemeClr val="accent1"/>
+          </a:fillRef>
+          <a:effectRef idx="0">
+            <a:schemeClr val="accent1"/>
+          </a:effectRef>
+          <a:fontRef idx="minor">
+            <a:schemeClr val="tx1"/>
+          </a:fontRef>
+        </p:style>
+      </p:cxnSp>
+      <p:sp>
+        <p:nvSpPr>
+          <p:cNvPr id="12" name="TextBox 11"/>
+          <p:cNvSpPr txBox="1"/>
+          <p:nvPr/>
+        </p:nvSpPr>
+        <p:spPr>
+          <a:xfrm>
+            <a:off x="7020272" y="5977665"/>
+            <a:ext cx="1981090" cy="584775"/>
+          </a:xfrm>
+          <a:prstGeom prst="rect">
+            <a:avLst/>
+          </a:prstGeom>
+          <a:noFill/>
+          <a:ln w="19050">
+            <a:solidFill>
+              <a:schemeClr val="tx1"/>
+            </a:solidFill>
+          </a:ln>
+        </p:spPr>
+        <p:txBody>
+          <a:bodyPr wrap="square" rtlCol="0">
+            <a:spAutoFit/>
+          </a:bodyPr>
+          <a:lstStyle/>
+          <a:p>
+            <a:pPr algn="ctr"/>
+            <a:r>
+              <a:rPr lang="en-ID" dirty="0"/>
+              <a:t>_prevCmd  = cmd</a:t>
+            </a:r>
+          </a:p>
+          <a:p>
+            <a:pPr algn="ctr"/>
+            <a:r>
+              <a:rPr lang="en-ID" sz="1400" dirty="0"/>
+              <a:t>return (cmd)</a:t>
+            </a:r>
+            <a:endParaRPr lang="en-US" sz="1400" dirty="0"/>
+          </a:p>
+        </p:txBody>
+      </p:sp>
+      <p:sp>
+        <p:nvSpPr>
+          <p:cNvPr id="13" name="Flowchart: Off-page Connector 12"/>
+          <p:cNvSpPr/>
+          <p:nvPr/>
+        </p:nvSpPr>
+        <p:spPr>
+          <a:xfrm>
+            <a:off x="1460670" y="1104847"/>
+            <a:ext cx="612648" cy="612648"/>
+          </a:xfrm>
+          <a:prstGeom prst="flowChartOffpageConnector">
+            <a:avLst/>
+          </a:prstGeom>
+          <a:noFill/>
+          <a:ln>
+            <a:solidFill>
+              <a:schemeClr val="tx1"/>
+            </a:solidFill>
+          </a:ln>
+        </p:spPr>
+        <p:style>
+          <a:lnRef idx="2">
+            <a:schemeClr val="accent1">
+              <a:shade val="50000"/>
+            </a:schemeClr>
+          </a:lnRef>
+          <a:fillRef idx="1">
+            <a:schemeClr val="accent1"/>
+          </a:fillRef>
+          <a:effectRef idx="0">
+            <a:schemeClr val="accent1"/>
+          </a:effectRef>
+          <a:fontRef idx="minor">
+            <a:schemeClr val="lt1"/>
+          </a:fontRef>
+        </p:style>
+        <p:txBody>
+          <a:bodyPr rtlCol="0" anchor="ctr"/>
+          <a:lstStyle/>
+          <a:p>
+            <a:pPr algn="ctr"/>
+            <a:r>
+              <a:rPr lang="en-ID" b="1" dirty="0">
+                <a:solidFill>
+                  <a:schemeClr val="tx1"/>
+                </a:solidFill>
+              </a:rPr>
+              <a:t>2</a:t>
+            </a:r>
+            <a:endParaRPr lang="en-US" b="1" dirty="0">
+              <a:solidFill>
+                <a:schemeClr val="tx1"/>
+              </a:solidFill>
+            </a:endParaRPr>
+          </a:p>
+        </p:txBody>
+      </p:sp>
+      <p:cxnSp>
+        <p:nvCxnSpPr>
+          <p:cNvPr id="14" name="Straight Arrow Connector 13"/>
+          <p:cNvCxnSpPr>
+            <a:stCxn id="13" idx="2"/>
+            <a:endCxn id="5" idx="0"/>
+          </p:cNvCxnSpPr>
+          <p:nvPr/>
+        </p:nvCxnSpPr>
+        <p:spPr>
+          <a:xfrm flipH="1">
+            <a:off x="1758716" y="1717495"/>
+            <a:ext cx="8278" cy="282806"/>
+          </a:xfrm>
+          <a:prstGeom prst="straightConnector1">
+            <a:avLst/>
+          </a:prstGeom>
+          <a:ln w="19050">
+            <a:solidFill>
+              <a:schemeClr val="tx1"/>
+            </a:solidFill>
+            <a:tailEnd type="arrow"/>
+          </a:ln>
+        </p:spPr>
+        <p:style>
+          <a:lnRef idx="1">
+            <a:schemeClr val="accent1"/>
+          </a:lnRef>
+          <a:fillRef idx="0">
+            <a:schemeClr val="accent1"/>
+          </a:fillRef>
+          <a:effectRef idx="0">
+            <a:schemeClr val="accent1"/>
+          </a:effectRef>
+          <a:fontRef idx="minor">
+            <a:schemeClr val="tx1"/>
+          </a:fontRef>
+        </p:style>
+      </p:cxnSp>
+      <p:sp>
+        <p:nvSpPr>
+          <p:cNvPr id="20" name="Flowchart: Decision 19"/>
+          <p:cNvSpPr/>
+          <p:nvPr/>
+        </p:nvSpPr>
+        <p:spPr>
+          <a:xfrm>
+            <a:off x="3059832" y="2000301"/>
+            <a:ext cx="2232248" cy="864096"/>
+          </a:xfrm>
+          <a:prstGeom prst="flowChartDecision">
+            <a:avLst/>
+          </a:prstGeom>
+          <a:noFill/>
+          <a:ln w="19050">
+            <a:solidFill>
+              <a:schemeClr val="tx1"/>
+            </a:solidFill>
+          </a:ln>
+        </p:spPr>
+        <p:style>
+          <a:lnRef idx="2">
+            <a:schemeClr val="accent1">
+              <a:shade val="50000"/>
+            </a:schemeClr>
+          </a:lnRef>
+          <a:fillRef idx="1">
+            <a:schemeClr val="accent1"/>
+          </a:fillRef>
+          <a:effectRef idx="0">
+            <a:schemeClr val="accent1"/>
+          </a:effectRef>
+          <a:fontRef idx="minor">
+            <a:schemeClr val="lt1"/>
+          </a:fontRef>
+        </p:style>
+        <p:txBody>
+          <a:bodyPr rtlCol="0" anchor="ctr"/>
+          <a:lstStyle/>
+          <a:p>
+            <a:pPr algn="ctr"/>
+            <a:r>
+              <a:rPr lang="en-ID" sz="1400" dirty="0">
+                <a:solidFill>
+                  <a:schemeClr val="tx1"/>
+                </a:solidFill>
+              </a:rPr>
+              <a:t>_prevCmd = </a:t>
+            </a:r>
+            <a:r>
+              <a:rPr lang="en-US" sz="1400" dirty="0">
+                <a:solidFill>
+                  <a:schemeClr val="tx1"/>
+                </a:solidFill>
+              </a:rPr>
+              <a:t>MODE_MANUAL</a:t>
+            </a:r>
+          </a:p>
+        </p:txBody>
+      </p:sp>
+      <p:cxnSp>
+        <p:nvCxnSpPr>
+          <p:cNvPr id="22" name="Straight Arrow Connector 21"/>
+          <p:cNvCxnSpPr>
+            <a:stCxn id="5" idx="3"/>
+            <a:endCxn id="20" idx="1"/>
+          </p:cNvCxnSpPr>
+          <p:nvPr/>
+        </p:nvCxnSpPr>
+        <p:spPr>
+          <a:xfrm>
+            <a:off x="2730824" y="2432349"/>
+            <a:ext cx="329008" cy="0"/>
+          </a:xfrm>
+          <a:prstGeom prst="straightConnector1">
+            <a:avLst/>
+          </a:prstGeom>
+          <a:ln w="19050">
+            <a:solidFill>
+              <a:schemeClr val="tx1"/>
+            </a:solidFill>
+            <a:tailEnd type="arrow"/>
+          </a:ln>
+        </p:spPr>
+        <p:style>
+          <a:lnRef idx="1">
+            <a:schemeClr val="accent1"/>
+          </a:lnRef>
+          <a:fillRef idx="0">
+            <a:schemeClr val="accent1"/>
+          </a:fillRef>
+          <a:effectRef idx="0">
+            <a:schemeClr val="accent1"/>
+          </a:effectRef>
+          <a:fontRef idx="minor">
+            <a:schemeClr val="tx1"/>
+          </a:fontRef>
+        </p:style>
+      </p:cxnSp>
+      <p:cxnSp>
+        <p:nvCxnSpPr>
+          <p:cNvPr id="24" name="Straight Arrow Connector 23"/>
+          <p:cNvCxnSpPr>
+            <a:stCxn id="20" idx="3"/>
+            <a:endCxn id="6" idx="1"/>
+          </p:cNvCxnSpPr>
+          <p:nvPr/>
+        </p:nvCxnSpPr>
+        <p:spPr>
+          <a:xfrm>
+            <a:off x="5292080" y="2432349"/>
+            <a:ext cx="432048" cy="0"/>
+          </a:xfrm>
+          <a:prstGeom prst="straightConnector1">
+            <a:avLst/>
+          </a:prstGeom>
+          <a:ln w="19050">
+            <a:solidFill>
+              <a:srgbClr val="003300"/>
+            </a:solidFill>
+            <a:tailEnd type="arrow"/>
+          </a:ln>
+        </p:spPr>
+        <p:style>
+          <a:lnRef idx="1">
+            <a:schemeClr val="accent1"/>
+          </a:lnRef>
+          <a:fillRef idx="0">
+            <a:schemeClr val="accent1"/>
+          </a:fillRef>
+          <a:effectRef idx="0">
+            <a:schemeClr val="accent1"/>
+          </a:effectRef>
+          <a:fontRef idx="minor">
+            <a:schemeClr val="tx1"/>
+          </a:fontRef>
+        </p:style>
+      </p:cxnSp>
+      <p:sp>
+        <p:nvSpPr>
+          <p:cNvPr id="30" name="TextBox 29"/>
+          <p:cNvSpPr txBox="1"/>
+          <p:nvPr/>
+        </p:nvSpPr>
+        <p:spPr>
+          <a:xfrm>
+            <a:off x="5298746" y="2087282"/>
+            <a:ext cx="296876" cy="369332"/>
+          </a:xfrm>
+          <a:prstGeom prst="rect">
+            <a:avLst/>
+          </a:prstGeom>
+          <a:noFill/>
+          <a:ln w="19050">
+            <a:noFill/>
+          </a:ln>
+        </p:spPr>
+        <p:txBody>
+          <a:bodyPr wrap="none" rtlCol="0">
+            <a:spAutoFit/>
+          </a:bodyPr>
+          <a:lstStyle/>
+          <a:p>
+            <a:r>
+              <a:rPr lang="en-ID" dirty="0"/>
+              <a:t>Y</a:t>
+            </a:r>
+            <a:endParaRPr lang="en-US" dirty="0"/>
+          </a:p>
+        </p:txBody>
+      </p:sp>
+      <p:sp>
+        <p:nvSpPr>
+          <p:cNvPr id="31" name="Flowchart: Off-page Connector 30"/>
+          <p:cNvSpPr/>
+          <p:nvPr/>
+        </p:nvSpPr>
+        <p:spPr>
+          <a:xfrm>
+            <a:off x="8007362" y="1104847"/>
+            <a:ext cx="612648" cy="612648"/>
+          </a:xfrm>
+          <a:prstGeom prst="flowChartOffpageConnector">
+            <a:avLst/>
+          </a:prstGeom>
+          <a:noFill/>
+          <a:ln>
+            <a:solidFill>
+              <a:schemeClr val="tx1"/>
+            </a:solidFill>
+          </a:ln>
+        </p:spPr>
+        <p:style>
+          <a:lnRef idx="2">
+            <a:schemeClr val="accent1">
+              <a:shade val="50000"/>
+            </a:schemeClr>
+          </a:lnRef>
+          <a:fillRef idx="1">
+            <a:schemeClr val="accent1"/>
+          </a:fillRef>
+          <a:effectRef idx="0">
+            <a:schemeClr val="accent1"/>
+          </a:effectRef>
+          <a:fontRef idx="minor">
+            <a:schemeClr val="lt1"/>
+          </a:fontRef>
+        </p:style>
+        <p:txBody>
+          <a:bodyPr rtlCol="0" anchor="ctr"/>
+          <a:lstStyle/>
+          <a:p>
+            <a:pPr algn="ctr"/>
+            <a:r>
+              <a:rPr lang="en-ID" b="1" dirty="0">
+                <a:solidFill>
+                  <a:schemeClr val="tx1"/>
+                </a:solidFill>
+              </a:rPr>
+              <a:t>3</a:t>
+            </a:r>
+            <a:endParaRPr lang="en-US" b="1" dirty="0">
+              <a:solidFill>
+                <a:schemeClr val="tx1"/>
+              </a:solidFill>
+            </a:endParaRPr>
+          </a:p>
+        </p:txBody>
+      </p:sp>
+      <p:cxnSp>
+        <p:nvCxnSpPr>
+          <p:cNvPr id="34" name="Elbow Connector 33"/>
+          <p:cNvCxnSpPr>
+            <a:stCxn id="31" idx="2"/>
+          </p:cNvCxnSpPr>
+          <p:nvPr/>
+        </p:nvCxnSpPr>
+        <p:spPr>
+          <a:xfrm rot="5400000">
+            <a:off x="6030439" y="3694418"/>
+            <a:ext cx="4260170" cy="306324"/>
+          </a:xfrm>
+          <a:prstGeom prst="bentConnector3">
+            <a:avLst/>
+          </a:prstGeom>
+          <a:ln w="19050">
+            <a:solidFill>
+              <a:schemeClr val="tx1"/>
+            </a:solidFill>
+            <a:tailEnd type="arrow"/>
+          </a:ln>
+        </p:spPr>
+        <p:style>
+          <a:lnRef idx="1">
+            <a:schemeClr val="accent1"/>
+          </a:lnRef>
+          <a:fillRef idx="0">
+            <a:schemeClr val="accent1"/>
+          </a:fillRef>
+          <a:effectRef idx="0">
+            <a:schemeClr val="accent1"/>
+          </a:effectRef>
+          <a:fontRef idx="minor">
+            <a:schemeClr val="tx1"/>
+          </a:fontRef>
+        </p:style>
+      </p:cxnSp>
+      <p:cxnSp>
+        <p:nvCxnSpPr>
+          <p:cNvPr id="35" name="Straight Arrow Connector 34"/>
+          <p:cNvCxnSpPr>
+            <a:stCxn id="6" idx="3"/>
+          </p:cNvCxnSpPr>
+          <p:nvPr/>
+        </p:nvCxnSpPr>
+        <p:spPr>
+          <a:xfrm flipV="1">
+            <a:off x="7621650" y="2432348"/>
+            <a:ext cx="692036" cy="1"/>
+          </a:xfrm>
+          <a:prstGeom prst="straightConnector1">
+            <a:avLst/>
+          </a:prstGeom>
+          <a:ln w="19050">
+            <a:solidFill>
+              <a:srgbClr val="003300"/>
+            </a:solidFill>
+            <a:tailEnd type="arrow"/>
+          </a:ln>
+        </p:spPr>
+        <p:style>
+          <a:lnRef idx="1">
+            <a:schemeClr val="accent1"/>
+          </a:lnRef>
+          <a:fillRef idx="0">
+            <a:schemeClr val="accent1"/>
+          </a:fillRef>
+          <a:effectRef idx="0">
+            <a:schemeClr val="accent1"/>
+          </a:effectRef>
+          <a:fontRef idx="minor">
+            <a:schemeClr val="tx1"/>
+          </a:fontRef>
+        </p:style>
+      </p:cxnSp>
+      <p:sp>
+        <p:nvSpPr>
+          <p:cNvPr id="38" name="TextBox 37"/>
+          <p:cNvSpPr txBox="1"/>
+          <p:nvPr/>
+        </p:nvSpPr>
+        <p:spPr>
+          <a:xfrm>
+            <a:off x="5724128" y="3456277"/>
+            <a:ext cx="1897522" cy="584775"/>
+          </a:xfrm>
+          <a:prstGeom prst="rect">
+            <a:avLst/>
+          </a:prstGeom>
+          <a:noFill/>
+          <a:ln w="19050">
+            <a:solidFill>
+              <a:schemeClr val="tx1"/>
+            </a:solidFill>
+          </a:ln>
+        </p:spPr>
+        <p:txBody>
+          <a:bodyPr wrap="square" rtlCol="0">
+            <a:spAutoFit/>
+          </a:bodyPr>
+          <a:lstStyle/>
+          <a:p>
+            <a:pPr algn="ctr"/>
+            <a:r>
+              <a:rPr lang="en-ID" dirty="0"/>
+              <a:t>cmd  = </a:t>
+            </a:r>
+            <a:r>
+              <a:rPr lang="en-US" sz="1400" dirty="0"/>
+              <a:t>MODE_MANUAL_ON</a:t>
+            </a:r>
+          </a:p>
+        </p:txBody>
+      </p:sp>
+      <p:sp>
+        <p:nvSpPr>
+          <p:cNvPr id="39" name="Flowchart: Decision 38"/>
+          <p:cNvSpPr/>
+          <p:nvPr/>
+        </p:nvSpPr>
+        <p:spPr>
+          <a:xfrm>
+            <a:off x="3059832" y="3316617"/>
+            <a:ext cx="2232248" cy="864096"/>
+          </a:xfrm>
+          <a:prstGeom prst="flowChartDecision">
+            <a:avLst/>
+          </a:prstGeom>
+          <a:noFill/>
+          <a:ln w="19050">
+            <a:solidFill>
+              <a:schemeClr val="tx1"/>
+            </a:solidFill>
+          </a:ln>
+        </p:spPr>
+        <p:style>
+          <a:lnRef idx="2">
+            <a:schemeClr val="accent1">
+              <a:shade val="50000"/>
+            </a:schemeClr>
+          </a:lnRef>
+          <a:fillRef idx="1">
+            <a:schemeClr val="accent1"/>
+          </a:fillRef>
+          <a:effectRef idx="0">
+            <a:schemeClr val="accent1"/>
+          </a:effectRef>
+          <a:fontRef idx="minor">
+            <a:schemeClr val="lt1"/>
+          </a:fontRef>
+        </p:style>
+        <p:txBody>
+          <a:bodyPr rtlCol="0" anchor="ctr"/>
+          <a:lstStyle/>
+          <a:p>
+            <a:pPr algn="ctr"/>
+            <a:r>
+              <a:rPr lang="en-ID" sz="1400" dirty="0">
+                <a:solidFill>
+                  <a:schemeClr val="tx1"/>
+                </a:solidFill>
+              </a:rPr>
+              <a:t>_prevCmd = </a:t>
+            </a:r>
+            <a:r>
+              <a:rPr lang="en-US" sz="1400" dirty="0">
+                <a:solidFill>
+                  <a:schemeClr val="tx1"/>
+                </a:solidFill>
+              </a:rPr>
+              <a:t>MODE_MANUAL_ON</a:t>
+            </a:r>
+          </a:p>
+        </p:txBody>
+      </p:sp>
+      <p:cxnSp>
+        <p:nvCxnSpPr>
+          <p:cNvPr id="40" name="Straight Arrow Connector 39"/>
+          <p:cNvCxnSpPr>
+            <a:stCxn id="39" idx="3"/>
+            <a:endCxn id="38" idx="1"/>
+          </p:cNvCxnSpPr>
+          <p:nvPr/>
+        </p:nvCxnSpPr>
+        <p:spPr>
+          <a:xfrm>
+            <a:off x="5292080" y="3748665"/>
+            <a:ext cx="432048" cy="0"/>
+          </a:xfrm>
+          <a:prstGeom prst="straightConnector1">
+            <a:avLst/>
+          </a:prstGeom>
+          <a:ln w="19050">
+            <a:solidFill>
+              <a:srgbClr val="003300"/>
+            </a:solidFill>
+            <a:tailEnd type="arrow"/>
+          </a:ln>
+        </p:spPr>
+        <p:style>
+          <a:lnRef idx="1">
+            <a:schemeClr val="accent1"/>
+          </a:lnRef>
+          <a:fillRef idx="0">
+            <a:schemeClr val="accent1"/>
+          </a:fillRef>
+          <a:effectRef idx="0">
+            <a:schemeClr val="accent1"/>
+          </a:effectRef>
+          <a:fontRef idx="minor">
+            <a:schemeClr val="tx1"/>
+          </a:fontRef>
+        </p:style>
+      </p:cxnSp>
+      <p:sp>
+        <p:nvSpPr>
+          <p:cNvPr id="41" name="TextBox 40"/>
+          <p:cNvSpPr txBox="1"/>
+          <p:nvPr/>
+        </p:nvSpPr>
+        <p:spPr>
+          <a:xfrm>
+            <a:off x="5298746" y="3403598"/>
+            <a:ext cx="296876" cy="369332"/>
+          </a:xfrm>
+          <a:prstGeom prst="rect">
+            <a:avLst/>
+          </a:prstGeom>
+          <a:noFill/>
+          <a:ln w="19050">
+            <a:noFill/>
+          </a:ln>
+        </p:spPr>
+        <p:txBody>
+          <a:bodyPr wrap="none" rtlCol="0">
+            <a:spAutoFit/>
+          </a:bodyPr>
+          <a:lstStyle/>
+          <a:p>
+            <a:r>
+              <a:rPr lang="en-ID" dirty="0"/>
+              <a:t>Y</a:t>
+            </a:r>
+            <a:endParaRPr lang="en-US" dirty="0"/>
+          </a:p>
+        </p:txBody>
+      </p:sp>
+      <p:cxnSp>
+        <p:nvCxnSpPr>
+          <p:cNvPr id="42" name="Straight Arrow Connector 41"/>
+          <p:cNvCxnSpPr>
+            <a:stCxn id="38" idx="3"/>
+          </p:cNvCxnSpPr>
+          <p:nvPr/>
+        </p:nvCxnSpPr>
+        <p:spPr>
+          <a:xfrm flipV="1">
+            <a:off x="7621650" y="3748664"/>
+            <a:ext cx="692036" cy="1"/>
+          </a:xfrm>
+          <a:prstGeom prst="straightConnector1">
+            <a:avLst/>
+          </a:prstGeom>
+          <a:ln w="19050">
+            <a:solidFill>
+              <a:srgbClr val="003300"/>
+            </a:solidFill>
+            <a:tailEnd type="arrow"/>
+          </a:ln>
+        </p:spPr>
+        <p:style>
+          <a:lnRef idx="1">
+            <a:schemeClr val="accent1"/>
+          </a:lnRef>
+          <a:fillRef idx="0">
+            <a:schemeClr val="accent1"/>
+          </a:fillRef>
+          <a:effectRef idx="0">
+            <a:schemeClr val="accent1"/>
+          </a:effectRef>
+          <a:fontRef idx="minor">
+            <a:schemeClr val="tx1"/>
+          </a:fontRef>
+        </p:style>
+      </p:cxnSp>
+      <p:cxnSp>
+        <p:nvCxnSpPr>
+          <p:cNvPr id="44" name="Straight Arrow Connector 43"/>
+          <p:cNvCxnSpPr>
+            <a:stCxn id="20" idx="2"/>
+            <a:endCxn id="39" idx="0"/>
+          </p:cNvCxnSpPr>
+          <p:nvPr/>
+        </p:nvCxnSpPr>
+        <p:spPr>
+          <a:xfrm>
+            <a:off x="4175956" y="2864397"/>
+            <a:ext cx="0" cy="452220"/>
+          </a:xfrm>
+          <a:prstGeom prst="straightConnector1">
+            <a:avLst/>
+          </a:prstGeom>
+          <a:ln w="19050">
+            <a:solidFill>
+              <a:schemeClr val="tx1"/>
+            </a:solidFill>
+            <a:tailEnd type="arrow"/>
+          </a:ln>
+        </p:spPr>
+        <p:style>
+          <a:lnRef idx="1">
+            <a:schemeClr val="accent1"/>
+          </a:lnRef>
+          <a:fillRef idx="0">
+            <a:schemeClr val="accent1"/>
+          </a:fillRef>
+          <a:effectRef idx="0">
+            <a:schemeClr val="accent1"/>
+          </a:effectRef>
+          <a:fontRef idx="minor">
+            <a:schemeClr val="tx1"/>
+          </a:fontRef>
+        </p:style>
+      </p:cxnSp>
+      <p:cxnSp>
+        <p:nvCxnSpPr>
+          <p:cNvPr id="48" name="Elbow Connector 47"/>
+          <p:cNvCxnSpPr>
+            <a:stCxn id="5" idx="2"/>
+            <a:endCxn id="12" idx="1"/>
+          </p:cNvCxnSpPr>
+          <p:nvPr/>
+        </p:nvCxnSpPr>
+        <p:spPr>
+          <a:xfrm rot="16200000" flipH="1">
+            <a:off x="2686666" y="1936447"/>
+            <a:ext cx="3405656" cy="5261556"/>
+          </a:xfrm>
+          <a:prstGeom prst="bentConnector2">
+            <a:avLst/>
+          </a:prstGeom>
+          <a:ln w="19050">
+            <a:solidFill>
+              <a:schemeClr val="tx1"/>
+            </a:solidFill>
+            <a:tailEnd type="arrow"/>
+          </a:ln>
+        </p:spPr>
+        <p:style>
+          <a:lnRef idx="1">
+            <a:schemeClr val="accent1"/>
+          </a:lnRef>
+          <a:fillRef idx="0">
+            <a:schemeClr val="accent1"/>
+          </a:fillRef>
+          <a:effectRef idx="0">
+            <a:schemeClr val="accent1"/>
+          </a:effectRef>
+          <a:fontRef idx="minor">
+            <a:schemeClr val="tx1"/>
+          </a:fontRef>
+        </p:style>
+      </p:cxnSp>
+      <p:cxnSp>
+        <p:nvCxnSpPr>
+          <p:cNvPr id="49" name="Straight Arrow Connector 48"/>
+          <p:cNvCxnSpPr>
+            <a:stCxn id="9" idx="2"/>
+          </p:cNvCxnSpPr>
+          <p:nvPr/>
+        </p:nvCxnSpPr>
+        <p:spPr>
+          <a:xfrm>
+            <a:off x="4175956" y="5381927"/>
+            <a:ext cx="0" cy="888125"/>
+          </a:xfrm>
+          <a:prstGeom prst="straightConnector1">
+            <a:avLst/>
+          </a:prstGeom>
+          <a:ln w="19050">
+            <a:solidFill>
+              <a:schemeClr val="tx1"/>
+            </a:solidFill>
+            <a:tailEnd type="arrow"/>
+          </a:ln>
+        </p:spPr>
+        <p:style>
+          <a:lnRef idx="1">
+            <a:schemeClr val="accent1"/>
+          </a:lnRef>
+          <a:fillRef idx="0">
+            <a:schemeClr val="accent1"/>
+          </a:fillRef>
+          <a:effectRef idx="0">
+            <a:schemeClr val="accent1"/>
+          </a:effectRef>
+          <a:fontRef idx="minor">
+            <a:schemeClr val="tx1"/>
+          </a:fontRef>
+        </p:style>
+      </p:cxnSp>
+    </p:spTree>
+    <p:extLst>
+      <p:ext uri="{BB962C8B-B14F-4D97-AF65-F5344CB8AC3E}">
+        <p14:creationId xmlns:p14="http://schemas.microsoft.com/office/powerpoint/2010/main" val="3903903621"/>
+      </p:ext>
+    </p:extLst>
+  </p:cSld>
+  <p:clrMapOvr>
+    <a:masterClrMapping/>
+  </p:clrMapOvr>
+</p:sld>
+</file>
+
+<file path=ppt/slides/slide11.xml><?xml version="1.0" encoding="utf-8"?>
+<p:sld xmlns:a="http://schemas.openxmlformats.org/drawingml/2006/main" xmlns:r="http://schemas.openxmlformats.org/officeDocument/2006/relationships" xmlns:p="http://schemas.openxmlformats.org/presentationml/2006/main">
+  <p:cSld>
+    <p:spTree>
+      <p:nvGrpSpPr>
+        <p:cNvPr id="1" name=""/>
+        <p:cNvGrpSpPr/>
+        <p:nvPr/>
+      </p:nvGrpSpPr>
+      <p:grpSpPr>
+        <a:xfrm>
+          <a:off x="0" y="0"/>
+          <a:ext cx="0" cy="0"/>
+          <a:chOff x="0" y="0"/>
+          <a:chExt cx="0" cy="0"/>
+        </a:xfrm>
+      </p:grpSpPr>
+      <p:sp>
+        <p:nvSpPr>
+          <p:cNvPr id="4" name="Rectangle 3"/>
+          <p:cNvSpPr/>
+          <p:nvPr/>
+        </p:nvSpPr>
+        <p:spPr>
+          <a:xfrm>
+            <a:off x="2555776" y="188640"/>
+            <a:ext cx="5065874" cy="584775"/>
+          </a:xfrm>
+          <a:prstGeom prst="rect">
+            <a:avLst/>
+          </a:prstGeom>
+        </p:spPr>
+        <p:txBody>
+          <a:bodyPr wrap="none">
+            <a:spAutoFit/>
+          </a:bodyPr>
+          <a:lstStyle/>
+          <a:p>
             <a:pPr algn="ctr"/>
             <a:r>
               <a:rPr lang="en-ID" b="1" dirty="0"/>
@@ -8437,7 +9488,7 @@
           <p:cNvPr id="26" name="Flowchart: Predefined Process 25">
             <a:extLst>
               <a:ext uri="{FF2B5EF4-FFF2-40B4-BE49-F238E27FC236}">
-                <a16:creationId xmlns:a16="http://schemas.microsoft.com/office/drawing/2014/main" id="{4261BD12-2217-4EDB-87C6-EE30E26F9B8D}"/>
+                <a16:creationId xmlns:a16="http://schemas.microsoft.com/office/drawing/2014/main" xmlns="" id="{4261BD12-2217-4EDB-87C6-EE30E26F9B8D}"/>
               </a:ext>
             </a:extLst>
           </p:cNvPr>
@@ -8507,7 +9558,7 @@
           <p:cNvPr id="3" name="Connector: Elbow 2">
             <a:extLst>
               <a:ext uri="{FF2B5EF4-FFF2-40B4-BE49-F238E27FC236}">
-                <a16:creationId xmlns:a16="http://schemas.microsoft.com/office/drawing/2014/main" id="{F2621A12-D6C6-45BE-B908-1C2D6AFE4391}"/>
+                <a16:creationId xmlns:a16="http://schemas.microsoft.com/office/drawing/2014/main" xmlns="" id="{F2621A12-D6C6-45BE-B908-1C2D6AFE4391}"/>
               </a:ext>
             </a:extLst>
           </p:cNvPr>
@@ -8553,7 +9604,7 @@
           <p:cNvPr id="43" name="Flowchart: Decision 42">
             <a:extLst>
               <a:ext uri="{FF2B5EF4-FFF2-40B4-BE49-F238E27FC236}">
-                <a16:creationId xmlns:a16="http://schemas.microsoft.com/office/drawing/2014/main" id="{F10B347E-033C-4910-9071-CDA92304C379}"/>
+                <a16:creationId xmlns:a16="http://schemas.microsoft.com/office/drawing/2014/main" xmlns="" id="{F10B347E-033C-4910-9071-CDA92304C379}"/>
               </a:ext>
             </a:extLst>
           </p:cNvPr>
@@ -8630,7 +9681,7 @@
           <p:cNvPr id="45" name="Flowchart: Decision 44">
             <a:extLst>
               <a:ext uri="{FF2B5EF4-FFF2-40B4-BE49-F238E27FC236}">
-                <a16:creationId xmlns:a16="http://schemas.microsoft.com/office/drawing/2014/main" id="{F1633C9C-0024-4E63-8717-225A7A9FF001}"/>
+                <a16:creationId xmlns:a16="http://schemas.microsoft.com/office/drawing/2014/main" xmlns="" id="{F1633C9C-0024-4E63-8717-225A7A9FF001}"/>
               </a:ext>
             </a:extLst>
           </p:cNvPr>
@@ -8707,7 +9758,7 @@
           <p:cNvPr id="46" name="Flowchart: Decision 45">
             <a:extLst>
               <a:ext uri="{FF2B5EF4-FFF2-40B4-BE49-F238E27FC236}">
-                <a16:creationId xmlns:a16="http://schemas.microsoft.com/office/drawing/2014/main" id="{7A2C44B0-43D5-48C5-89A2-758F4F74B13C}"/>
+                <a16:creationId xmlns:a16="http://schemas.microsoft.com/office/drawing/2014/main" xmlns="" id="{7A2C44B0-43D5-48C5-89A2-758F4F74B13C}"/>
               </a:ext>
             </a:extLst>
           </p:cNvPr>
@@ -8784,7 +9835,7 @@
           <p:cNvPr id="47" name="TextBox 46">
             <a:extLst>
               <a:ext uri="{FF2B5EF4-FFF2-40B4-BE49-F238E27FC236}">
-                <a16:creationId xmlns:a16="http://schemas.microsoft.com/office/drawing/2014/main" id="{7B22EE62-9AF5-4A4B-AC76-788C39C4244E}"/>
+                <a16:creationId xmlns:a16="http://schemas.microsoft.com/office/drawing/2014/main" xmlns="" id="{7B22EE62-9AF5-4A4B-AC76-788C39C4244E}"/>
               </a:ext>
             </a:extLst>
           </p:cNvPr>
@@ -8848,7 +9899,7 @@
           <p:cNvPr id="50" name="Straight Arrow Connector 49">
             <a:extLst>
               <a:ext uri="{FF2B5EF4-FFF2-40B4-BE49-F238E27FC236}">
-                <a16:creationId xmlns:a16="http://schemas.microsoft.com/office/drawing/2014/main" id="{4FF3FB3B-045C-494E-92F0-0E579FB56F01}"/>
+                <a16:creationId xmlns:a16="http://schemas.microsoft.com/office/drawing/2014/main" xmlns="" id="{4FF3FB3B-045C-494E-92F0-0E579FB56F01}"/>
               </a:ext>
             </a:extLst>
           </p:cNvPr>
@@ -8893,7 +9944,7 @@
           <p:cNvPr id="51" name="TextBox 50">
             <a:extLst>
               <a:ext uri="{FF2B5EF4-FFF2-40B4-BE49-F238E27FC236}">
-                <a16:creationId xmlns:a16="http://schemas.microsoft.com/office/drawing/2014/main" id="{441EB55E-331E-4C37-B0D0-9C48200BD28B}"/>
+                <a16:creationId xmlns:a16="http://schemas.microsoft.com/office/drawing/2014/main" xmlns="" id="{441EB55E-331E-4C37-B0D0-9C48200BD28B}"/>
               </a:ext>
             </a:extLst>
           </p:cNvPr>
@@ -8957,7 +10008,7 @@
           <p:cNvPr id="52" name="Straight Arrow Connector 51">
             <a:extLst>
               <a:ext uri="{FF2B5EF4-FFF2-40B4-BE49-F238E27FC236}">
-                <a16:creationId xmlns:a16="http://schemas.microsoft.com/office/drawing/2014/main" id="{152B8692-72F5-4741-8B38-C3103394F5D5}"/>
+                <a16:creationId xmlns:a16="http://schemas.microsoft.com/office/drawing/2014/main" xmlns="" id="{152B8692-72F5-4741-8B38-C3103394F5D5}"/>
               </a:ext>
             </a:extLst>
           </p:cNvPr>
@@ -9002,7 +10053,7 @@
           <p:cNvPr id="53" name="TextBox 52">
             <a:extLst>
               <a:ext uri="{FF2B5EF4-FFF2-40B4-BE49-F238E27FC236}">
-                <a16:creationId xmlns:a16="http://schemas.microsoft.com/office/drawing/2014/main" id="{92B6985B-E3A7-4FA0-92FF-33D24010ECA0}"/>
+                <a16:creationId xmlns:a16="http://schemas.microsoft.com/office/drawing/2014/main" xmlns="" id="{92B6985B-E3A7-4FA0-92FF-33D24010ECA0}"/>
               </a:ext>
             </a:extLst>
           </p:cNvPr>
@@ -9066,7 +10117,7 @@
           <p:cNvPr id="54" name="Straight Arrow Connector 53">
             <a:extLst>
               <a:ext uri="{FF2B5EF4-FFF2-40B4-BE49-F238E27FC236}">
-                <a16:creationId xmlns:a16="http://schemas.microsoft.com/office/drawing/2014/main" id="{DCB0E4FD-9044-428B-9B51-BB81F55A1C6C}"/>
+                <a16:creationId xmlns:a16="http://schemas.microsoft.com/office/drawing/2014/main" xmlns="" id="{DCB0E4FD-9044-428B-9B51-BB81F55A1C6C}"/>
               </a:ext>
             </a:extLst>
           </p:cNvPr>
@@ -9111,7 +10162,7 @@
           <p:cNvPr id="37" name="Straight Arrow Connector 36">
             <a:extLst>
               <a:ext uri="{FF2B5EF4-FFF2-40B4-BE49-F238E27FC236}">
-                <a16:creationId xmlns:a16="http://schemas.microsoft.com/office/drawing/2014/main" id="{2F4DEB80-823C-41E1-9539-305C65D98C55}"/>
+                <a16:creationId xmlns:a16="http://schemas.microsoft.com/office/drawing/2014/main" xmlns="" id="{2F4DEB80-823C-41E1-9539-305C65D98C55}"/>
               </a:ext>
             </a:extLst>
           </p:cNvPr>
@@ -9153,7 +10204,7 @@
           <p:cNvPr id="55" name="Straight Arrow Connector 54">
             <a:extLst>
               <a:ext uri="{FF2B5EF4-FFF2-40B4-BE49-F238E27FC236}">
-                <a16:creationId xmlns:a16="http://schemas.microsoft.com/office/drawing/2014/main" id="{D631F2B4-4E23-4BBD-873B-4A400520213C}"/>
+                <a16:creationId xmlns:a16="http://schemas.microsoft.com/office/drawing/2014/main" xmlns="" id="{D631F2B4-4E23-4BBD-873B-4A400520213C}"/>
               </a:ext>
             </a:extLst>
           </p:cNvPr>
@@ -9196,7 +10247,7 @@
           <p:cNvPr id="60" name="Straight Arrow Connector 59">
             <a:extLst>
               <a:ext uri="{FF2B5EF4-FFF2-40B4-BE49-F238E27FC236}">
-                <a16:creationId xmlns:a16="http://schemas.microsoft.com/office/drawing/2014/main" id="{4BA16A16-17D9-4D7F-A49B-BAD8B7BFD6DD}"/>
+                <a16:creationId xmlns:a16="http://schemas.microsoft.com/office/drawing/2014/main" xmlns="" id="{4BA16A16-17D9-4D7F-A49B-BAD8B7BFD6DD}"/>
               </a:ext>
             </a:extLst>
           </p:cNvPr>
@@ -9239,7 +10290,7 @@
           <p:cNvPr id="63" name="Flowchart: Decision 62">
             <a:extLst>
               <a:ext uri="{FF2B5EF4-FFF2-40B4-BE49-F238E27FC236}">
-                <a16:creationId xmlns:a16="http://schemas.microsoft.com/office/drawing/2014/main" id="{ED21FFFD-9530-4386-B5C0-A8545322A12F}"/>
+                <a16:creationId xmlns:a16="http://schemas.microsoft.com/office/drawing/2014/main" xmlns="" id="{ED21FFFD-9530-4386-B5C0-A8545322A12F}"/>
               </a:ext>
             </a:extLst>
           </p:cNvPr>
@@ -9316,7 +10367,7 @@
           <p:cNvPr id="64" name="TextBox 63">
             <a:extLst>
               <a:ext uri="{FF2B5EF4-FFF2-40B4-BE49-F238E27FC236}">
-                <a16:creationId xmlns:a16="http://schemas.microsoft.com/office/drawing/2014/main" id="{F3734BFA-0D69-420C-8FA2-A549F2FFF82D}"/>
+                <a16:creationId xmlns:a16="http://schemas.microsoft.com/office/drawing/2014/main" xmlns="" id="{F3734BFA-0D69-420C-8FA2-A549F2FFF82D}"/>
               </a:ext>
             </a:extLst>
           </p:cNvPr>
@@ -9380,7 +10431,7 @@
           <p:cNvPr id="65" name="Straight Arrow Connector 64">
             <a:extLst>
               <a:ext uri="{FF2B5EF4-FFF2-40B4-BE49-F238E27FC236}">
-                <a16:creationId xmlns:a16="http://schemas.microsoft.com/office/drawing/2014/main" id="{BAFFECD8-89A2-45A0-BB6C-43FD6D96482C}"/>
+                <a16:creationId xmlns:a16="http://schemas.microsoft.com/office/drawing/2014/main" xmlns="" id="{BAFFECD8-89A2-45A0-BB6C-43FD6D96482C}"/>
               </a:ext>
             </a:extLst>
           </p:cNvPr>
@@ -9425,7 +10476,7 @@
           <p:cNvPr id="66" name="Flowchart: Decision 65">
             <a:extLst>
               <a:ext uri="{FF2B5EF4-FFF2-40B4-BE49-F238E27FC236}">
-                <a16:creationId xmlns:a16="http://schemas.microsoft.com/office/drawing/2014/main" id="{F65F2797-01CA-4040-A232-0D0BEC47111E}"/>
+                <a16:creationId xmlns:a16="http://schemas.microsoft.com/office/drawing/2014/main" xmlns="" id="{F65F2797-01CA-4040-A232-0D0BEC47111E}"/>
               </a:ext>
             </a:extLst>
           </p:cNvPr>
@@ -9502,7 +10553,7 @@
           <p:cNvPr id="67" name="TextBox 66">
             <a:extLst>
               <a:ext uri="{FF2B5EF4-FFF2-40B4-BE49-F238E27FC236}">
-                <a16:creationId xmlns:a16="http://schemas.microsoft.com/office/drawing/2014/main" id="{6B0F4331-CCA6-4C62-9B25-496B1B86EF45}"/>
+                <a16:creationId xmlns:a16="http://schemas.microsoft.com/office/drawing/2014/main" xmlns="" id="{6B0F4331-CCA6-4C62-9B25-496B1B86EF45}"/>
               </a:ext>
             </a:extLst>
           </p:cNvPr>
@@ -9566,7 +10617,7 @@
           <p:cNvPr id="69" name="Flowchart: Decision 68">
             <a:extLst>
               <a:ext uri="{FF2B5EF4-FFF2-40B4-BE49-F238E27FC236}">
-                <a16:creationId xmlns:a16="http://schemas.microsoft.com/office/drawing/2014/main" id="{D2F95C7F-0DC4-47C2-B711-F07F05F0EED2}"/>
+                <a16:creationId xmlns:a16="http://schemas.microsoft.com/office/drawing/2014/main" xmlns="" id="{D2F95C7F-0DC4-47C2-B711-F07F05F0EED2}"/>
               </a:ext>
             </a:extLst>
           </p:cNvPr>
@@ -9643,7 +10694,7 @@
           <p:cNvPr id="70" name="TextBox 69">
             <a:extLst>
               <a:ext uri="{FF2B5EF4-FFF2-40B4-BE49-F238E27FC236}">
-                <a16:creationId xmlns:a16="http://schemas.microsoft.com/office/drawing/2014/main" id="{5550BEDA-0699-43BE-8D94-CB951C3101B0}"/>
+                <a16:creationId xmlns:a16="http://schemas.microsoft.com/office/drawing/2014/main" xmlns="" id="{5550BEDA-0699-43BE-8D94-CB951C3101B0}"/>
               </a:ext>
             </a:extLst>
           </p:cNvPr>
@@ -9707,7 +10758,7 @@
           <p:cNvPr id="72" name="Connector: Elbow 71">
             <a:extLst>
               <a:ext uri="{FF2B5EF4-FFF2-40B4-BE49-F238E27FC236}">
-                <a16:creationId xmlns:a16="http://schemas.microsoft.com/office/drawing/2014/main" id="{3D78028B-2FD5-4A9A-AE4B-411BEE6808C8}"/>
+                <a16:creationId xmlns:a16="http://schemas.microsoft.com/office/drawing/2014/main" xmlns="" id="{3D78028B-2FD5-4A9A-AE4B-411BEE6808C8}"/>
               </a:ext>
             </a:extLst>
           </p:cNvPr>
@@ -9754,7 +10805,7 @@
           <p:cNvPr id="75" name="Straight Arrow Connector 74">
             <a:extLst>
               <a:ext uri="{FF2B5EF4-FFF2-40B4-BE49-F238E27FC236}">
-                <a16:creationId xmlns:a16="http://schemas.microsoft.com/office/drawing/2014/main" id="{D0247221-F0B4-4BD4-B79F-229AA27F2727}"/>
+                <a16:creationId xmlns:a16="http://schemas.microsoft.com/office/drawing/2014/main" xmlns="" id="{D0247221-F0B4-4BD4-B79F-229AA27F2727}"/>
               </a:ext>
             </a:extLst>
           </p:cNvPr>
@@ -9797,7 +10848,7 @@
           <p:cNvPr id="79" name="Connector: Elbow 78">
             <a:extLst>
               <a:ext uri="{FF2B5EF4-FFF2-40B4-BE49-F238E27FC236}">
-                <a16:creationId xmlns:a16="http://schemas.microsoft.com/office/drawing/2014/main" id="{D3DEDF2B-9ADF-4666-8DDA-040C164A1C9F}"/>
+                <a16:creationId xmlns:a16="http://schemas.microsoft.com/office/drawing/2014/main" xmlns="" id="{D3DEDF2B-9ADF-4666-8DDA-040C164A1C9F}"/>
               </a:ext>
             </a:extLst>
           </p:cNvPr>
@@ -9843,7 +10894,7 @@
           <p:cNvPr id="81" name="Connector: Elbow 80">
             <a:extLst>
               <a:ext uri="{FF2B5EF4-FFF2-40B4-BE49-F238E27FC236}">
-                <a16:creationId xmlns:a16="http://schemas.microsoft.com/office/drawing/2014/main" id="{8A446044-0623-4A71-B014-B43A5CE83132}"/>
+                <a16:creationId xmlns:a16="http://schemas.microsoft.com/office/drawing/2014/main" xmlns="" id="{8A446044-0623-4A71-B014-B43A5CE83132}"/>
               </a:ext>
             </a:extLst>
           </p:cNvPr>
@@ -9889,7 +10940,7 @@
           <p:cNvPr id="87" name="Straight Arrow Connector 86">
             <a:extLst>
               <a:ext uri="{FF2B5EF4-FFF2-40B4-BE49-F238E27FC236}">
-                <a16:creationId xmlns:a16="http://schemas.microsoft.com/office/drawing/2014/main" id="{28527620-6755-4E04-86F1-4ABFA39DFCEC}"/>
+                <a16:creationId xmlns:a16="http://schemas.microsoft.com/office/drawing/2014/main" xmlns="" id="{28527620-6755-4E04-86F1-4ABFA39DFCEC}"/>
               </a:ext>
             </a:extLst>
           </p:cNvPr>
@@ -9940,7 +10991,7 @@
 </p:sld>
 </file>
 
-<file path=ppt/slides/slide11.xml><?xml version="1.0" encoding="utf-8"?>
+<file path=ppt/slides/slide12.xml><?xml version="1.0" encoding="utf-8"?>
 <p:sld xmlns:a="http://schemas.openxmlformats.org/drawingml/2006/main" xmlns:r="http://schemas.openxmlformats.org/officeDocument/2006/relationships" xmlns:p="http://schemas.openxmlformats.org/presentationml/2006/main">
   <p:cSld>
     <p:spTree>
@@ -10187,7 +11238,7 @@
           <p:cNvPr id="3" name="Connector: Elbow 2">
             <a:extLst>
               <a:ext uri="{FF2B5EF4-FFF2-40B4-BE49-F238E27FC236}">
-                <a16:creationId xmlns:a16="http://schemas.microsoft.com/office/drawing/2014/main" id="{F2621A12-D6C6-45BE-B908-1C2D6AFE4391}"/>
+                <a16:creationId xmlns:a16="http://schemas.microsoft.com/office/drawing/2014/main" xmlns="" id="{F2621A12-D6C6-45BE-B908-1C2D6AFE4391}"/>
               </a:ext>
             </a:extLst>
           </p:cNvPr>
@@ -10232,7 +11283,7 @@
           <p:cNvPr id="43" name="Flowchart: Decision 42">
             <a:extLst>
               <a:ext uri="{FF2B5EF4-FFF2-40B4-BE49-F238E27FC236}">
-                <a16:creationId xmlns:a16="http://schemas.microsoft.com/office/drawing/2014/main" id="{F10B347E-033C-4910-9071-CDA92304C379}"/>
+                <a16:creationId xmlns:a16="http://schemas.microsoft.com/office/drawing/2014/main" xmlns="" id="{F10B347E-033C-4910-9071-CDA92304C379}"/>
               </a:ext>
             </a:extLst>
           </p:cNvPr>
@@ -10309,7 +11360,7 @@
           <p:cNvPr id="46" name="Flowchart: Decision 45">
             <a:extLst>
               <a:ext uri="{FF2B5EF4-FFF2-40B4-BE49-F238E27FC236}">
-                <a16:creationId xmlns:a16="http://schemas.microsoft.com/office/drawing/2014/main" id="{7A2C44B0-43D5-48C5-89A2-758F4F74B13C}"/>
+                <a16:creationId xmlns:a16="http://schemas.microsoft.com/office/drawing/2014/main" xmlns="" id="{7A2C44B0-43D5-48C5-89A2-758F4F74B13C}"/>
               </a:ext>
             </a:extLst>
           </p:cNvPr>
@@ -10386,7 +11437,7 @@
           <p:cNvPr id="50" name="Straight Arrow Connector 49">
             <a:extLst>
               <a:ext uri="{FF2B5EF4-FFF2-40B4-BE49-F238E27FC236}">
-                <a16:creationId xmlns:a16="http://schemas.microsoft.com/office/drawing/2014/main" id="{4FF3FB3B-045C-494E-92F0-0E579FB56F01}"/>
+                <a16:creationId xmlns:a16="http://schemas.microsoft.com/office/drawing/2014/main" xmlns="" id="{4FF3FB3B-045C-494E-92F0-0E579FB56F01}"/>
               </a:ext>
             </a:extLst>
           </p:cNvPr>
@@ -10430,7 +11481,7 @@
           <p:cNvPr id="53" name="TextBox 52">
             <a:extLst>
               <a:ext uri="{FF2B5EF4-FFF2-40B4-BE49-F238E27FC236}">
-                <a16:creationId xmlns:a16="http://schemas.microsoft.com/office/drawing/2014/main" id="{92B6985B-E3A7-4FA0-92FF-33D24010ECA0}"/>
+                <a16:creationId xmlns:a16="http://schemas.microsoft.com/office/drawing/2014/main" xmlns="" id="{92B6985B-E3A7-4FA0-92FF-33D24010ECA0}"/>
               </a:ext>
             </a:extLst>
           </p:cNvPr>
@@ -10474,7 +11525,7 @@
           <p:cNvPr id="54" name="Straight Arrow Connector 53">
             <a:extLst>
               <a:ext uri="{FF2B5EF4-FFF2-40B4-BE49-F238E27FC236}">
-                <a16:creationId xmlns:a16="http://schemas.microsoft.com/office/drawing/2014/main" id="{DCB0E4FD-9044-428B-9B51-BB81F55A1C6C}"/>
+                <a16:creationId xmlns:a16="http://schemas.microsoft.com/office/drawing/2014/main" xmlns="" id="{DCB0E4FD-9044-428B-9B51-BB81F55A1C6C}"/>
               </a:ext>
             </a:extLst>
           </p:cNvPr>
@@ -10520,7 +11571,7 @@
           <p:cNvPr id="37" name="Straight Arrow Connector 36">
             <a:extLst>
               <a:ext uri="{FF2B5EF4-FFF2-40B4-BE49-F238E27FC236}">
-                <a16:creationId xmlns:a16="http://schemas.microsoft.com/office/drawing/2014/main" id="{2F4DEB80-823C-41E1-9539-305C65D98C55}"/>
+                <a16:creationId xmlns:a16="http://schemas.microsoft.com/office/drawing/2014/main" xmlns="" id="{2F4DEB80-823C-41E1-9539-305C65D98C55}"/>
               </a:ext>
             </a:extLst>
           </p:cNvPr>
@@ -10562,7 +11613,7 @@
           <p:cNvPr id="55" name="Straight Arrow Connector 54">
             <a:extLst>
               <a:ext uri="{FF2B5EF4-FFF2-40B4-BE49-F238E27FC236}">
-                <a16:creationId xmlns:a16="http://schemas.microsoft.com/office/drawing/2014/main" id="{D631F2B4-4E23-4BBD-873B-4A400520213C}"/>
+                <a16:creationId xmlns:a16="http://schemas.microsoft.com/office/drawing/2014/main" xmlns="" id="{D631F2B4-4E23-4BBD-873B-4A400520213C}"/>
               </a:ext>
             </a:extLst>
           </p:cNvPr>
@@ -10605,7 +11656,7 @@
           <p:cNvPr id="87" name="Straight Arrow Connector 86">
             <a:extLst>
               <a:ext uri="{FF2B5EF4-FFF2-40B4-BE49-F238E27FC236}">
-                <a16:creationId xmlns:a16="http://schemas.microsoft.com/office/drawing/2014/main" id="{28527620-6755-4E04-86F1-4ABFA39DFCEC}"/>
+                <a16:creationId xmlns:a16="http://schemas.microsoft.com/office/drawing/2014/main" xmlns="" id="{28527620-6755-4E04-86F1-4ABFA39DFCEC}"/>
               </a:ext>
             </a:extLst>
           </p:cNvPr>
@@ -10648,7 +11699,7 @@
           <p:cNvPr id="38" name="Flowchart: Decision 37">
             <a:extLst>
               <a:ext uri="{FF2B5EF4-FFF2-40B4-BE49-F238E27FC236}">
-                <a16:creationId xmlns:a16="http://schemas.microsoft.com/office/drawing/2014/main" id="{10274031-E3A6-4439-870A-5F921CFE8430}"/>
+                <a16:creationId xmlns:a16="http://schemas.microsoft.com/office/drawing/2014/main" xmlns="" id="{10274031-E3A6-4439-870A-5F921CFE8430}"/>
               </a:ext>
             </a:extLst>
           </p:cNvPr>
@@ -10733,7 +11784,7 @@
           <p:cNvPr id="39" name="TextBox 38">
             <a:extLst>
               <a:ext uri="{FF2B5EF4-FFF2-40B4-BE49-F238E27FC236}">
-                <a16:creationId xmlns:a16="http://schemas.microsoft.com/office/drawing/2014/main" id="{A3DBBD2A-612E-4F10-B838-1E5362BF3CF9}"/>
+                <a16:creationId xmlns:a16="http://schemas.microsoft.com/office/drawing/2014/main" xmlns="" id="{A3DBBD2A-612E-4F10-B838-1E5362BF3CF9}"/>
               </a:ext>
             </a:extLst>
           </p:cNvPr>
@@ -10777,7 +11828,7 @@
           <p:cNvPr id="40" name="Straight Arrow Connector 39">
             <a:extLst>
               <a:ext uri="{FF2B5EF4-FFF2-40B4-BE49-F238E27FC236}">
-                <a16:creationId xmlns:a16="http://schemas.microsoft.com/office/drawing/2014/main" id="{FC99EFDC-CB75-4F6E-BD31-9E758BD280D0}"/>
+                <a16:creationId xmlns:a16="http://schemas.microsoft.com/office/drawing/2014/main" xmlns="" id="{FC99EFDC-CB75-4F6E-BD31-9E758BD280D0}"/>
               </a:ext>
             </a:extLst>
           </p:cNvPr>
@@ -10823,7 +11874,7 @@
           <p:cNvPr id="48" name="TextBox 47">
             <a:extLst>
               <a:ext uri="{FF2B5EF4-FFF2-40B4-BE49-F238E27FC236}">
-                <a16:creationId xmlns:a16="http://schemas.microsoft.com/office/drawing/2014/main" id="{93517E20-A695-495E-A440-0D6441063470}"/>
+                <a16:creationId xmlns:a16="http://schemas.microsoft.com/office/drawing/2014/main" xmlns="" id="{93517E20-A695-495E-A440-0D6441063470}"/>
               </a:ext>
             </a:extLst>
           </p:cNvPr>
@@ -10867,7 +11918,7 @@
           <p:cNvPr id="18" name="Connector: Elbow 17">
             <a:extLst>
               <a:ext uri="{FF2B5EF4-FFF2-40B4-BE49-F238E27FC236}">
-                <a16:creationId xmlns:a16="http://schemas.microsoft.com/office/drawing/2014/main" id="{787D2855-E224-467F-A713-83EA72659A24}"/>
+                <a16:creationId xmlns:a16="http://schemas.microsoft.com/office/drawing/2014/main" xmlns="" id="{787D2855-E224-467F-A713-83EA72659A24}"/>
               </a:ext>
             </a:extLst>
           </p:cNvPr>
@@ -10909,7 +11960,7 @@
           <p:cNvPr id="59" name="Flowchart: Off-page Connector 58">
             <a:extLst>
               <a:ext uri="{FF2B5EF4-FFF2-40B4-BE49-F238E27FC236}">
-                <a16:creationId xmlns:a16="http://schemas.microsoft.com/office/drawing/2014/main" id="{6B4925C3-C91F-4C13-9EE8-CA6BE8136D8A}"/>
+                <a16:creationId xmlns:a16="http://schemas.microsoft.com/office/drawing/2014/main" xmlns="" id="{6B4925C3-C91F-4C13-9EE8-CA6BE8136D8A}"/>
               </a:ext>
             </a:extLst>
           </p:cNvPr>
@@ -10953,13 +12004,18 @@
           <a:p>
             <a:pPr algn="ctr"/>
             <a:r>
-              <a:rPr lang="en-US" b="1" dirty="0">
+              <a:rPr lang="en-ID" b="1" dirty="0">
                 <a:solidFill>
                   <a:schemeClr val="tx1"/>
                 </a:solidFill>
               </a:rPr>
-              <a:t>3</a:t>
-            </a:r>
+              <a:t>4</a:t>
+            </a:r>
+            <a:endParaRPr lang="en-US" b="1" dirty="0">
+              <a:solidFill>
+                <a:schemeClr val="tx1"/>
+              </a:solidFill>
+            </a:endParaRPr>
           </a:p>
         </p:txBody>
       </p:sp>
@@ -10968,7 +12024,7 @@
           <p:cNvPr id="31" name="Flowchart: Predefined Process 30">
             <a:extLst>
               <a:ext uri="{FF2B5EF4-FFF2-40B4-BE49-F238E27FC236}">
-                <a16:creationId xmlns:a16="http://schemas.microsoft.com/office/drawing/2014/main" id="{45A00864-4430-46FB-9A24-807D47C7B406}"/>
+                <a16:creationId xmlns:a16="http://schemas.microsoft.com/office/drawing/2014/main" xmlns="" id="{45A00864-4430-46FB-9A24-807D47C7B406}"/>
               </a:ext>
             </a:extLst>
           </p:cNvPr>
@@ -11046,7 +12102,7 @@
 </p:sld>
 </file>
 
-<file path=ppt/slides/slide12.xml><?xml version="1.0" encoding="utf-8"?>
+<file path=ppt/slides/slide13.xml><?xml version="1.0" encoding="utf-8"?>
 <p:sld xmlns:a="http://schemas.openxmlformats.org/drawingml/2006/main" xmlns:r="http://schemas.openxmlformats.org/officeDocument/2006/relationships" xmlns:p="http://schemas.openxmlformats.org/presentationml/2006/main">
   <p:cSld>
     <p:spTree>
@@ -11271,7 +12327,7 @@
           <p:cNvPr id="43" name="Flowchart: Decision 42">
             <a:extLst>
               <a:ext uri="{FF2B5EF4-FFF2-40B4-BE49-F238E27FC236}">
-                <a16:creationId xmlns:a16="http://schemas.microsoft.com/office/drawing/2014/main" id="{F10B347E-033C-4910-9071-CDA92304C379}"/>
+                <a16:creationId xmlns:a16="http://schemas.microsoft.com/office/drawing/2014/main" xmlns="" id="{F10B347E-033C-4910-9071-CDA92304C379}"/>
               </a:ext>
             </a:extLst>
           </p:cNvPr>
@@ -11364,7 +12420,7 @@
           <p:cNvPr id="50" name="Straight Arrow Connector 49">
             <a:extLst>
               <a:ext uri="{FF2B5EF4-FFF2-40B4-BE49-F238E27FC236}">
-                <a16:creationId xmlns:a16="http://schemas.microsoft.com/office/drawing/2014/main" id="{4FF3FB3B-045C-494E-92F0-0E579FB56F01}"/>
+                <a16:creationId xmlns:a16="http://schemas.microsoft.com/office/drawing/2014/main" xmlns="" id="{4FF3FB3B-045C-494E-92F0-0E579FB56F01}"/>
               </a:ext>
             </a:extLst>
           </p:cNvPr>
@@ -11410,7 +12466,7 @@
           <p:cNvPr id="37" name="Straight Arrow Connector 36">
             <a:extLst>
               <a:ext uri="{FF2B5EF4-FFF2-40B4-BE49-F238E27FC236}">
-                <a16:creationId xmlns:a16="http://schemas.microsoft.com/office/drawing/2014/main" id="{2F4DEB80-823C-41E1-9539-305C65D98C55}"/>
+                <a16:creationId xmlns:a16="http://schemas.microsoft.com/office/drawing/2014/main" xmlns="" id="{2F4DEB80-823C-41E1-9539-305C65D98C55}"/>
               </a:ext>
             </a:extLst>
           </p:cNvPr>
@@ -11452,7 +12508,7 @@
           <p:cNvPr id="55" name="Straight Arrow Connector 54">
             <a:extLst>
               <a:ext uri="{FF2B5EF4-FFF2-40B4-BE49-F238E27FC236}">
-                <a16:creationId xmlns:a16="http://schemas.microsoft.com/office/drawing/2014/main" id="{D631F2B4-4E23-4BBD-873B-4A400520213C}"/>
+                <a16:creationId xmlns:a16="http://schemas.microsoft.com/office/drawing/2014/main" xmlns="" id="{D631F2B4-4E23-4BBD-873B-4A400520213C}"/>
               </a:ext>
             </a:extLst>
           </p:cNvPr>
@@ -11495,7 +12551,7 @@
           <p:cNvPr id="39" name="TextBox 38">
             <a:extLst>
               <a:ext uri="{FF2B5EF4-FFF2-40B4-BE49-F238E27FC236}">
-                <a16:creationId xmlns:a16="http://schemas.microsoft.com/office/drawing/2014/main" id="{A3DBBD2A-612E-4F10-B838-1E5362BF3CF9}"/>
+                <a16:creationId xmlns:a16="http://schemas.microsoft.com/office/drawing/2014/main" xmlns="" id="{A3DBBD2A-612E-4F10-B838-1E5362BF3CF9}"/>
               </a:ext>
             </a:extLst>
           </p:cNvPr>
@@ -11539,7 +12595,7 @@
           <p:cNvPr id="71" name="Flowchart: Off-page Connector 70">
             <a:extLst>
               <a:ext uri="{FF2B5EF4-FFF2-40B4-BE49-F238E27FC236}">
-                <a16:creationId xmlns:a16="http://schemas.microsoft.com/office/drawing/2014/main" id="{BB484122-89E0-4B7D-9818-D8FDEDD18489}"/>
+                <a16:creationId xmlns:a16="http://schemas.microsoft.com/office/drawing/2014/main" xmlns="" id="{BB484122-89E0-4B7D-9818-D8FDEDD18489}"/>
               </a:ext>
             </a:extLst>
           </p:cNvPr>
@@ -11583,13 +12639,18 @@
           <a:p>
             <a:pPr algn="ctr"/>
             <a:r>
-              <a:rPr lang="en-US" b="1" dirty="0">
+              <a:rPr lang="en-ID" b="1" dirty="0">
                 <a:solidFill>
                   <a:schemeClr val="tx1"/>
                 </a:solidFill>
               </a:rPr>
-              <a:t>3</a:t>
-            </a:r>
+              <a:t>4</a:t>
+            </a:r>
+            <a:endParaRPr lang="en-US" b="1" dirty="0">
+              <a:solidFill>
+                <a:schemeClr val="tx1"/>
+              </a:solidFill>
+            </a:endParaRPr>
           </a:p>
         </p:txBody>
       </p:sp>
@@ -11598,7 +12659,7 @@
           <p:cNvPr id="73" name="TextBox 72">
             <a:extLst>
               <a:ext uri="{FF2B5EF4-FFF2-40B4-BE49-F238E27FC236}">
-                <a16:creationId xmlns:a16="http://schemas.microsoft.com/office/drawing/2014/main" id="{5F2B9C67-F65F-46FC-BFBA-5D4C5482F482}"/>
+                <a16:creationId xmlns:a16="http://schemas.microsoft.com/office/drawing/2014/main" xmlns="" id="{5F2B9C67-F65F-46FC-BFBA-5D4C5482F482}"/>
               </a:ext>
             </a:extLst>
           </p:cNvPr>
@@ -11642,7 +12703,7 @@
           <p:cNvPr id="74" name="TextBox 73">
             <a:extLst>
               <a:ext uri="{FF2B5EF4-FFF2-40B4-BE49-F238E27FC236}">
-                <a16:creationId xmlns:a16="http://schemas.microsoft.com/office/drawing/2014/main" id="{419D8471-85C8-493E-BD1B-D41ED5B87B47}"/>
+                <a16:creationId xmlns:a16="http://schemas.microsoft.com/office/drawing/2014/main" xmlns="" id="{419D8471-85C8-493E-BD1B-D41ED5B87B47}"/>
               </a:ext>
             </a:extLst>
           </p:cNvPr>
@@ -11686,7 +12747,7 @@
           <p:cNvPr id="84" name="Flowchart: Decision 83">
             <a:extLst>
               <a:ext uri="{FF2B5EF4-FFF2-40B4-BE49-F238E27FC236}">
-                <a16:creationId xmlns:a16="http://schemas.microsoft.com/office/drawing/2014/main" id="{1E32E4E6-7CBB-4B16-A851-2C84F576DC19}"/>
+                <a16:creationId xmlns:a16="http://schemas.microsoft.com/office/drawing/2014/main" xmlns="" id="{1E32E4E6-7CBB-4B16-A851-2C84F576DC19}"/>
               </a:ext>
             </a:extLst>
           </p:cNvPr>
@@ -11763,7 +12824,7 @@
           <p:cNvPr id="85" name="Straight Arrow Connector 84">
             <a:extLst>
               <a:ext uri="{FF2B5EF4-FFF2-40B4-BE49-F238E27FC236}">
-                <a16:creationId xmlns:a16="http://schemas.microsoft.com/office/drawing/2014/main" id="{9DA6D301-49E9-4BDA-9ADF-E67A1B9C374D}"/>
+                <a16:creationId xmlns:a16="http://schemas.microsoft.com/office/drawing/2014/main" xmlns="" id="{9DA6D301-49E9-4BDA-9ADF-E67A1B9C374D}"/>
               </a:ext>
             </a:extLst>
           </p:cNvPr>
@@ -11809,7 +12870,7 @@
           <p:cNvPr id="86" name="TextBox 85">
             <a:extLst>
               <a:ext uri="{FF2B5EF4-FFF2-40B4-BE49-F238E27FC236}">
-                <a16:creationId xmlns:a16="http://schemas.microsoft.com/office/drawing/2014/main" id="{2E30AD1B-92C5-489D-B7AA-A0B8B6B0EC60}"/>
+                <a16:creationId xmlns:a16="http://schemas.microsoft.com/office/drawing/2014/main" xmlns="" id="{2E30AD1B-92C5-489D-B7AA-A0B8B6B0EC60}"/>
               </a:ext>
             </a:extLst>
           </p:cNvPr>
@@ -11853,7 +12914,7 @@
           <p:cNvPr id="88" name="Straight Arrow Connector 87">
             <a:extLst>
               <a:ext uri="{FF2B5EF4-FFF2-40B4-BE49-F238E27FC236}">
-                <a16:creationId xmlns:a16="http://schemas.microsoft.com/office/drawing/2014/main" id="{D2F7C0C9-2882-41D9-9027-CF70B88C603D}"/>
+                <a16:creationId xmlns:a16="http://schemas.microsoft.com/office/drawing/2014/main" xmlns="" id="{D2F7C0C9-2882-41D9-9027-CF70B88C603D}"/>
               </a:ext>
             </a:extLst>
           </p:cNvPr>
@@ -11896,7 +12957,7 @@
           <p:cNvPr id="90" name="Straight Arrow Connector 89">
             <a:extLst>
               <a:ext uri="{FF2B5EF4-FFF2-40B4-BE49-F238E27FC236}">
-                <a16:creationId xmlns:a16="http://schemas.microsoft.com/office/drawing/2014/main" id="{24D7EEEB-9582-4E3E-AE7F-BF4A1493CD2C}"/>
+                <a16:creationId xmlns:a16="http://schemas.microsoft.com/office/drawing/2014/main" xmlns="" id="{24D7EEEB-9582-4E3E-AE7F-BF4A1493CD2C}"/>
               </a:ext>
             </a:extLst>
           </p:cNvPr>
@@ -11969,7 +13030,7 @@
           <p:cNvPr id="10" name="Picture 9" descr="Free Icon | Wifi">
             <a:extLst>
               <a:ext uri="{FF2B5EF4-FFF2-40B4-BE49-F238E27FC236}">
-                <a16:creationId xmlns:a16="http://schemas.microsoft.com/office/drawing/2014/main" id="{35E36CD3-6B5D-4E30-B897-685D3D72453D}"/>
+                <a16:creationId xmlns:a16="http://schemas.microsoft.com/office/drawing/2014/main" xmlns="" id="{35E36CD3-6B5D-4E30-B897-685D3D72453D}"/>
               </a:ext>
             </a:extLst>
           </p:cNvPr>
@@ -12310,7 +13371,7 @@
           <p:cNvPr id="20" name="Picture 19">
             <a:extLst>
               <a:ext uri="{FF2B5EF4-FFF2-40B4-BE49-F238E27FC236}">
-                <a16:creationId xmlns:a16="http://schemas.microsoft.com/office/drawing/2014/main" id="{A18A2DB5-C272-4EEC-BEDE-9D55A675C21C}"/>
+                <a16:creationId xmlns:a16="http://schemas.microsoft.com/office/drawing/2014/main" xmlns="" id="{A18A2DB5-C272-4EEC-BEDE-9D55A675C21C}"/>
               </a:ext>
             </a:extLst>
           </p:cNvPr>
@@ -12338,7 +13399,7 @@
           <p:cNvPr id="21" name="TextBox 20">
             <a:extLst>
               <a:ext uri="{FF2B5EF4-FFF2-40B4-BE49-F238E27FC236}">
-                <a16:creationId xmlns:a16="http://schemas.microsoft.com/office/drawing/2014/main" id="{C7B62148-C36A-4EC0-B756-BE9DE8CD3AB3}"/>
+                <a16:creationId xmlns:a16="http://schemas.microsoft.com/office/drawing/2014/main" xmlns="" id="{C7B62148-C36A-4EC0-B756-BE9DE8CD3AB3}"/>
               </a:ext>
             </a:extLst>
           </p:cNvPr>
@@ -12402,7 +13463,7 @@
           <p:cNvPr id="23" name="TextBox 22">
             <a:extLst>
               <a:ext uri="{FF2B5EF4-FFF2-40B4-BE49-F238E27FC236}">
-                <a16:creationId xmlns:a16="http://schemas.microsoft.com/office/drawing/2014/main" id="{E93A7901-2628-4F53-9A7E-1B2F218C5805}"/>
+                <a16:creationId xmlns:a16="http://schemas.microsoft.com/office/drawing/2014/main" xmlns="" id="{E93A7901-2628-4F53-9A7E-1B2F218C5805}"/>
               </a:ext>
             </a:extLst>
           </p:cNvPr>
@@ -12576,7 +13637,7 @@
           <p:cNvPr id="96" name="Picture 95" descr="Free Icon | Wifi">
             <a:extLst>
               <a:ext uri="{FF2B5EF4-FFF2-40B4-BE49-F238E27FC236}">
-                <a16:creationId xmlns:a16="http://schemas.microsoft.com/office/drawing/2014/main" id="{331FC1AA-CB08-45A4-9369-2997329D73F4}"/>
+                <a16:creationId xmlns:a16="http://schemas.microsoft.com/office/drawing/2014/main" xmlns="" id="{331FC1AA-CB08-45A4-9369-2997329D73F4}"/>
               </a:ext>
             </a:extLst>
           </p:cNvPr>
@@ -12615,7 +13676,7 @@
           <p:cNvPr id="97" name="Picture 96">
             <a:extLst>
               <a:ext uri="{FF2B5EF4-FFF2-40B4-BE49-F238E27FC236}">
-                <a16:creationId xmlns:a16="http://schemas.microsoft.com/office/drawing/2014/main" id="{D4CA772F-A72C-4314-A82A-E884D10E777D}"/>
+                <a16:creationId xmlns:a16="http://schemas.microsoft.com/office/drawing/2014/main" xmlns="" id="{D4CA772F-A72C-4314-A82A-E884D10E777D}"/>
               </a:ext>
             </a:extLst>
           </p:cNvPr>
@@ -12643,7 +13704,7 @@
           <p:cNvPr id="98" name="Picture 97">
             <a:extLst>
               <a:ext uri="{FF2B5EF4-FFF2-40B4-BE49-F238E27FC236}">
-                <a16:creationId xmlns:a16="http://schemas.microsoft.com/office/drawing/2014/main" id="{9E085E1D-93F9-4E72-B98F-FB8F7028960D}"/>
+                <a16:creationId xmlns:a16="http://schemas.microsoft.com/office/drawing/2014/main" xmlns="" id="{9E085E1D-93F9-4E72-B98F-FB8F7028960D}"/>
               </a:ext>
             </a:extLst>
           </p:cNvPr>
@@ -12671,7 +13732,7 @@
           <p:cNvPr id="101" name="TextBox 100">
             <a:extLst>
               <a:ext uri="{FF2B5EF4-FFF2-40B4-BE49-F238E27FC236}">
-                <a16:creationId xmlns:a16="http://schemas.microsoft.com/office/drawing/2014/main" id="{7FF2AF45-1BBB-4306-ABAF-8689BC85C815}"/>
+                <a16:creationId xmlns:a16="http://schemas.microsoft.com/office/drawing/2014/main" xmlns="" id="{7FF2AF45-1BBB-4306-ABAF-8689BC85C815}"/>
               </a:ext>
             </a:extLst>
           </p:cNvPr>
@@ -12710,7 +13771,7 @@
           <p:cNvPr id="103" name="Straight Connector 102">
             <a:extLst>
               <a:ext uri="{FF2B5EF4-FFF2-40B4-BE49-F238E27FC236}">
-                <a16:creationId xmlns:a16="http://schemas.microsoft.com/office/drawing/2014/main" id="{E865F506-39E6-412E-A252-A31428B8E040}"/>
+                <a16:creationId xmlns:a16="http://schemas.microsoft.com/office/drawing/2014/main" xmlns="" id="{E865F506-39E6-412E-A252-A31428B8E040}"/>
               </a:ext>
             </a:extLst>
           </p:cNvPr>
@@ -12753,7 +13814,7 @@
           <p:cNvPr id="110" name="Straight Arrow Connector 109">
             <a:extLst>
               <a:ext uri="{FF2B5EF4-FFF2-40B4-BE49-F238E27FC236}">
-                <a16:creationId xmlns:a16="http://schemas.microsoft.com/office/drawing/2014/main" id="{E8B958EE-5EE0-4808-BB5D-8AF84300BFB3}"/>
+                <a16:creationId xmlns:a16="http://schemas.microsoft.com/office/drawing/2014/main" xmlns="" id="{E8B958EE-5EE0-4808-BB5D-8AF84300BFB3}"/>
               </a:ext>
             </a:extLst>
           </p:cNvPr>
@@ -12797,7 +13858,7 @@
           <p:cNvPr id="111" name="Straight Arrow Connector 110">
             <a:extLst>
               <a:ext uri="{FF2B5EF4-FFF2-40B4-BE49-F238E27FC236}">
-                <a16:creationId xmlns:a16="http://schemas.microsoft.com/office/drawing/2014/main" id="{701FA5EF-0179-41F2-B22D-FCC175001A48}"/>
+                <a16:creationId xmlns:a16="http://schemas.microsoft.com/office/drawing/2014/main" xmlns="" id="{701FA5EF-0179-41F2-B22D-FCC175001A48}"/>
               </a:ext>
             </a:extLst>
           </p:cNvPr>
@@ -12841,7 +13902,7 @@
           <p:cNvPr id="112" name="Straight Arrow Connector 111">
             <a:extLst>
               <a:ext uri="{FF2B5EF4-FFF2-40B4-BE49-F238E27FC236}">
-                <a16:creationId xmlns:a16="http://schemas.microsoft.com/office/drawing/2014/main" id="{AF569078-F334-430B-8950-9BEB338AB6EA}"/>
+                <a16:creationId xmlns:a16="http://schemas.microsoft.com/office/drawing/2014/main" xmlns="" id="{AF569078-F334-430B-8950-9BEB338AB6EA}"/>
               </a:ext>
             </a:extLst>
           </p:cNvPr>
@@ -12885,7 +13946,7 @@
           <p:cNvPr id="113" name="Straight Arrow Connector 112">
             <a:extLst>
               <a:ext uri="{FF2B5EF4-FFF2-40B4-BE49-F238E27FC236}">
-                <a16:creationId xmlns:a16="http://schemas.microsoft.com/office/drawing/2014/main" id="{9894B322-EF50-40E0-8415-FD1EB8F34947}"/>
+                <a16:creationId xmlns:a16="http://schemas.microsoft.com/office/drawing/2014/main" xmlns="" id="{9894B322-EF50-40E0-8415-FD1EB8F34947}"/>
               </a:ext>
             </a:extLst>
           </p:cNvPr>
@@ -12929,7 +13990,7 @@
           <p:cNvPr id="114" name="TextBox 113">
             <a:extLst>
               <a:ext uri="{FF2B5EF4-FFF2-40B4-BE49-F238E27FC236}">
-                <a16:creationId xmlns:a16="http://schemas.microsoft.com/office/drawing/2014/main" id="{E9064D73-DA84-45E4-878F-355289241361}"/>
+                <a16:creationId xmlns:a16="http://schemas.microsoft.com/office/drawing/2014/main" xmlns="" id="{E9064D73-DA84-45E4-878F-355289241361}"/>
               </a:ext>
             </a:extLst>
           </p:cNvPr>
@@ -12968,7 +14029,7 @@
           <p:cNvPr id="115" name="Arrow: Down 114">
             <a:extLst>
               <a:ext uri="{FF2B5EF4-FFF2-40B4-BE49-F238E27FC236}">
-                <a16:creationId xmlns:a16="http://schemas.microsoft.com/office/drawing/2014/main" id="{8CFCE75F-7AA7-4BF3-B044-4770D3A70008}"/>
+                <a16:creationId xmlns:a16="http://schemas.microsoft.com/office/drawing/2014/main" xmlns="" id="{8CFCE75F-7AA7-4BF3-B044-4770D3A70008}"/>
               </a:ext>
             </a:extLst>
           </p:cNvPr>
@@ -13020,7 +14081,7 @@
           <p:cNvPr id="116" name="Straight Arrow Connector 115">
             <a:extLst>
               <a:ext uri="{FF2B5EF4-FFF2-40B4-BE49-F238E27FC236}">
-                <a16:creationId xmlns:a16="http://schemas.microsoft.com/office/drawing/2014/main" id="{8E0EBC89-8ED8-4F07-B552-FDDF03B2E41D}"/>
+                <a16:creationId xmlns:a16="http://schemas.microsoft.com/office/drawing/2014/main" xmlns="" id="{8E0EBC89-8ED8-4F07-B552-FDDF03B2E41D}"/>
               </a:ext>
             </a:extLst>
           </p:cNvPr>
@@ -13066,7 +14127,7 @@
           <p:cNvPr id="117" name="TextBox 116">
             <a:extLst>
               <a:ext uri="{FF2B5EF4-FFF2-40B4-BE49-F238E27FC236}">
-                <a16:creationId xmlns:a16="http://schemas.microsoft.com/office/drawing/2014/main" id="{DC4F584F-869A-4EC5-BD3F-B43D6F04B109}"/>
+                <a16:creationId xmlns:a16="http://schemas.microsoft.com/office/drawing/2014/main" xmlns="" id="{DC4F584F-869A-4EC5-BD3F-B43D6F04B109}"/>
               </a:ext>
             </a:extLst>
           </p:cNvPr>
@@ -13116,7 +14177,7 @@
           <p:cNvPr id="118" name="Picture 2">
             <a:extLst>
               <a:ext uri="{FF2B5EF4-FFF2-40B4-BE49-F238E27FC236}">
-                <a16:creationId xmlns:a16="http://schemas.microsoft.com/office/drawing/2014/main" id="{7EAFE767-B908-419E-B4E7-05DAB402B5BB}"/>
+                <a16:creationId xmlns:a16="http://schemas.microsoft.com/office/drawing/2014/main" xmlns="" id="{7EAFE767-B908-419E-B4E7-05DAB402B5BB}"/>
               </a:ext>
             </a:extLst>
           </p:cNvPr>
@@ -13186,7 +14247,7 @@
           <p:cNvPr id="13" name="Group 12">
             <a:extLst>
               <a:ext uri="{FF2B5EF4-FFF2-40B4-BE49-F238E27FC236}">
-                <a16:creationId xmlns:a16="http://schemas.microsoft.com/office/drawing/2014/main" id="{DD9AE47D-D12F-4154-BB04-4D3D34BE33AE}"/>
+                <a16:creationId xmlns:a16="http://schemas.microsoft.com/office/drawing/2014/main" xmlns="" id="{DD9AE47D-D12F-4154-BB04-4D3D34BE33AE}"/>
               </a:ext>
             </a:extLst>
           </p:cNvPr>
@@ -13206,7 +14267,7 @@
             <p:cNvPr id="119" name="Picture 118">
               <a:extLst>
                 <a:ext uri="{FF2B5EF4-FFF2-40B4-BE49-F238E27FC236}">
-                  <a16:creationId xmlns:a16="http://schemas.microsoft.com/office/drawing/2014/main" id="{8569128C-0619-4279-963D-AE7C028B50F8}"/>
+                  <a16:creationId xmlns:a16="http://schemas.microsoft.com/office/drawing/2014/main" xmlns="" id="{8569128C-0619-4279-963D-AE7C028B50F8}"/>
                 </a:ext>
               </a:extLst>
             </p:cNvPr>
@@ -13234,7 +14295,7 @@
             <p:cNvPr id="120" name="Picture 119">
               <a:extLst>
                 <a:ext uri="{FF2B5EF4-FFF2-40B4-BE49-F238E27FC236}">
-                  <a16:creationId xmlns:a16="http://schemas.microsoft.com/office/drawing/2014/main" id="{8B747FC8-E2F4-4A4F-A22C-CE38FE1C73EE}"/>
+                  <a16:creationId xmlns:a16="http://schemas.microsoft.com/office/drawing/2014/main" xmlns="" id="{8B747FC8-E2F4-4A4F-A22C-CE38FE1C73EE}"/>
                 </a:ext>
               </a:extLst>
             </p:cNvPr>
@@ -13262,7 +14323,7 @@
             <p:cNvPr id="121" name="Picture 120">
               <a:extLst>
                 <a:ext uri="{FF2B5EF4-FFF2-40B4-BE49-F238E27FC236}">
-                  <a16:creationId xmlns:a16="http://schemas.microsoft.com/office/drawing/2014/main" id="{C5D34CA6-4297-482B-89D7-F88D49D89624}"/>
+                  <a16:creationId xmlns:a16="http://schemas.microsoft.com/office/drawing/2014/main" xmlns="" id="{C5D34CA6-4297-482B-89D7-F88D49D89624}"/>
                 </a:ext>
               </a:extLst>
             </p:cNvPr>
@@ -13291,7 +14352,7 @@
           <p:cNvPr id="122" name="Picture 121">
             <a:extLst>
               <a:ext uri="{FF2B5EF4-FFF2-40B4-BE49-F238E27FC236}">
-                <a16:creationId xmlns:a16="http://schemas.microsoft.com/office/drawing/2014/main" id="{B162C919-E530-41D0-B8DE-285A262718DC}"/>
+                <a16:creationId xmlns:a16="http://schemas.microsoft.com/office/drawing/2014/main" xmlns="" id="{B162C919-E530-41D0-B8DE-285A262718DC}"/>
               </a:ext>
             </a:extLst>
           </p:cNvPr>
@@ -13319,7 +14380,7 @@
           <p:cNvPr id="171" name="TextBox 170">
             <a:extLst>
               <a:ext uri="{FF2B5EF4-FFF2-40B4-BE49-F238E27FC236}">
-                <a16:creationId xmlns:a16="http://schemas.microsoft.com/office/drawing/2014/main" id="{D3D2C1E7-A24B-4E4F-9338-4E3CC945B96E}"/>
+                <a16:creationId xmlns:a16="http://schemas.microsoft.com/office/drawing/2014/main" xmlns="" id="{D3D2C1E7-A24B-4E4F-9338-4E3CC945B96E}"/>
               </a:ext>
             </a:extLst>
           </p:cNvPr>
@@ -13366,7 +14427,7 @@
           <p:cNvPr id="89" name="TextBox 88">
             <a:extLst>
               <a:ext uri="{FF2B5EF4-FFF2-40B4-BE49-F238E27FC236}">
-                <a16:creationId xmlns:a16="http://schemas.microsoft.com/office/drawing/2014/main" id="{FD499B9D-6F6A-48F3-A26C-7095543087F4}"/>
+                <a16:creationId xmlns:a16="http://schemas.microsoft.com/office/drawing/2014/main" xmlns="" id="{FD499B9D-6F6A-48F3-A26C-7095543087F4}"/>
               </a:ext>
             </a:extLst>
           </p:cNvPr>
@@ -13449,7 +14510,7 @@
           <p:cNvPr id="27" name="TextBox 26">
             <a:extLst>
               <a:ext uri="{FF2B5EF4-FFF2-40B4-BE49-F238E27FC236}">
-                <a16:creationId xmlns:a16="http://schemas.microsoft.com/office/drawing/2014/main" id="{B250D357-4F1F-4D5E-88FD-1C5A02A91117}"/>
+                <a16:creationId xmlns:a16="http://schemas.microsoft.com/office/drawing/2014/main" xmlns="" id="{B250D357-4F1F-4D5E-88FD-1C5A02A91117}"/>
               </a:ext>
             </a:extLst>
           </p:cNvPr>
@@ -13707,7 +14768,7 @@
           <p:cNvPr id="96" name="Picture 95" descr="Free Icon | Wifi">
             <a:extLst>
               <a:ext uri="{FF2B5EF4-FFF2-40B4-BE49-F238E27FC236}">
-                <a16:creationId xmlns:a16="http://schemas.microsoft.com/office/drawing/2014/main" id="{331FC1AA-CB08-45A4-9369-2997329D73F4}"/>
+                <a16:creationId xmlns:a16="http://schemas.microsoft.com/office/drawing/2014/main" xmlns="" id="{331FC1AA-CB08-45A4-9369-2997329D73F4}"/>
               </a:ext>
             </a:extLst>
           </p:cNvPr>
@@ -13746,7 +14807,7 @@
           <p:cNvPr id="97" name="Picture 96">
             <a:extLst>
               <a:ext uri="{FF2B5EF4-FFF2-40B4-BE49-F238E27FC236}">
-                <a16:creationId xmlns:a16="http://schemas.microsoft.com/office/drawing/2014/main" id="{D4CA772F-A72C-4314-A82A-E884D10E777D}"/>
+                <a16:creationId xmlns:a16="http://schemas.microsoft.com/office/drawing/2014/main" xmlns="" id="{D4CA772F-A72C-4314-A82A-E884D10E777D}"/>
               </a:ext>
             </a:extLst>
           </p:cNvPr>
@@ -13774,7 +14835,7 @@
           <p:cNvPr id="98" name="Picture 97">
             <a:extLst>
               <a:ext uri="{FF2B5EF4-FFF2-40B4-BE49-F238E27FC236}">
-                <a16:creationId xmlns:a16="http://schemas.microsoft.com/office/drawing/2014/main" id="{9E085E1D-93F9-4E72-B98F-FB8F7028960D}"/>
+                <a16:creationId xmlns:a16="http://schemas.microsoft.com/office/drawing/2014/main" xmlns="" id="{9E085E1D-93F9-4E72-B98F-FB8F7028960D}"/>
               </a:ext>
             </a:extLst>
           </p:cNvPr>
@@ -13802,7 +14863,7 @@
           <p:cNvPr id="101" name="TextBox 100">
             <a:extLst>
               <a:ext uri="{FF2B5EF4-FFF2-40B4-BE49-F238E27FC236}">
-                <a16:creationId xmlns:a16="http://schemas.microsoft.com/office/drawing/2014/main" id="{7FF2AF45-1BBB-4306-ABAF-8689BC85C815}"/>
+                <a16:creationId xmlns:a16="http://schemas.microsoft.com/office/drawing/2014/main" xmlns="" id="{7FF2AF45-1BBB-4306-ABAF-8689BC85C815}"/>
               </a:ext>
             </a:extLst>
           </p:cNvPr>
@@ -13841,7 +14902,7 @@
           <p:cNvPr id="103" name="Straight Connector 102">
             <a:extLst>
               <a:ext uri="{FF2B5EF4-FFF2-40B4-BE49-F238E27FC236}">
-                <a16:creationId xmlns:a16="http://schemas.microsoft.com/office/drawing/2014/main" id="{E865F506-39E6-412E-A252-A31428B8E040}"/>
+                <a16:creationId xmlns:a16="http://schemas.microsoft.com/office/drawing/2014/main" xmlns="" id="{E865F506-39E6-412E-A252-A31428B8E040}"/>
               </a:ext>
             </a:extLst>
           </p:cNvPr>
@@ -13884,7 +14945,7 @@
           <p:cNvPr id="110" name="Straight Arrow Connector 109">
             <a:extLst>
               <a:ext uri="{FF2B5EF4-FFF2-40B4-BE49-F238E27FC236}">
-                <a16:creationId xmlns:a16="http://schemas.microsoft.com/office/drawing/2014/main" id="{E8B958EE-5EE0-4808-BB5D-8AF84300BFB3}"/>
+                <a16:creationId xmlns:a16="http://schemas.microsoft.com/office/drawing/2014/main" xmlns="" id="{E8B958EE-5EE0-4808-BB5D-8AF84300BFB3}"/>
               </a:ext>
             </a:extLst>
           </p:cNvPr>
@@ -13928,7 +14989,7 @@
           <p:cNvPr id="111" name="Straight Arrow Connector 110">
             <a:extLst>
               <a:ext uri="{FF2B5EF4-FFF2-40B4-BE49-F238E27FC236}">
-                <a16:creationId xmlns:a16="http://schemas.microsoft.com/office/drawing/2014/main" id="{701FA5EF-0179-41F2-B22D-FCC175001A48}"/>
+                <a16:creationId xmlns:a16="http://schemas.microsoft.com/office/drawing/2014/main" xmlns="" id="{701FA5EF-0179-41F2-B22D-FCC175001A48}"/>
               </a:ext>
             </a:extLst>
           </p:cNvPr>
@@ -13972,7 +15033,7 @@
           <p:cNvPr id="112" name="Straight Arrow Connector 111">
             <a:extLst>
               <a:ext uri="{FF2B5EF4-FFF2-40B4-BE49-F238E27FC236}">
-                <a16:creationId xmlns:a16="http://schemas.microsoft.com/office/drawing/2014/main" id="{AF569078-F334-430B-8950-9BEB338AB6EA}"/>
+                <a16:creationId xmlns:a16="http://schemas.microsoft.com/office/drawing/2014/main" xmlns="" id="{AF569078-F334-430B-8950-9BEB338AB6EA}"/>
               </a:ext>
             </a:extLst>
           </p:cNvPr>
@@ -14016,7 +15077,7 @@
           <p:cNvPr id="113" name="Straight Arrow Connector 112">
             <a:extLst>
               <a:ext uri="{FF2B5EF4-FFF2-40B4-BE49-F238E27FC236}">
-                <a16:creationId xmlns:a16="http://schemas.microsoft.com/office/drawing/2014/main" id="{9894B322-EF50-40E0-8415-FD1EB8F34947}"/>
+                <a16:creationId xmlns:a16="http://schemas.microsoft.com/office/drawing/2014/main" xmlns="" id="{9894B322-EF50-40E0-8415-FD1EB8F34947}"/>
               </a:ext>
             </a:extLst>
           </p:cNvPr>
@@ -14060,7 +15121,7 @@
           <p:cNvPr id="114" name="TextBox 113">
             <a:extLst>
               <a:ext uri="{FF2B5EF4-FFF2-40B4-BE49-F238E27FC236}">
-                <a16:creationId xmlns:a16="http://schemas.microsoft.com/office/drawing/2014/main" id="{E9064D73-DA84-45E4-878F-355289241361}"/>
+                <a16:creationId xmlns:a16="http://schemas.microsoft.com/office/drawing/2014/main" xmlns="" id="{E9064D73-DA84-45E4-878F-355289241361}"/>
               </a:ext>
             </a:extLst>
           </p:cNvPr>
@@ -14099,7 +15160,7 @@
           <p:cNvPr id="115" name="Arrow: Down 114">
             <a:extLst>
               <a:ext uri="{FF2B5EF4-FFF2-40B4-BE49-F238E27FC236}">
-                <a16:creationId xmlns:a16="http://schemas.microsoft.com/office/drawing/2014/main" id="{8CFCE75F-7AA7-4BF3-B044-4770D3A70008}"/>
+                <a16:creationId xmlns:a16="http://schemas.microsoft.com/office/drawing/2014/main" xmlns="" id="{8CFCE75F-7AA7-4BF3-B044-4770D3A70008}"/>
               </a:ext>
             </a:extLst>
           </p:cNvPr>
@@ -14151,7 +15212,7 @@
           <p:cNvPr id="116" name="Straight Arrow Connector 115">
             <a:extLst>
               <a:ext uri="{FF2B5EF4-FFF2-40B4-BE49-F238E27FC236}">
-                <a16:creationId xmlns:a16="http://schemas.microsoft.com/office/drawing/2014/main" id="{8E0EBC89-8ED8-4F07-B552-FDDF03B2E41D}"/>
+                <a16:creationId xmlns:a16="http://schemas.microsoft.com/office/drawing/2014/main" xmlns="" id="{8E0EBC89-8ED8-4F07-B552-FDDF03B2E41D}"/>
               </a:ext>
             </a:extLst>
           </p:cNvPr>
@@ -14197,7 +15258,7 @@
           <p:cNvPr id="117" name="TextBox 116">
             <a:extLst>
               <a:ext uri="{FF2B5EF4-FFF2-40B4-BE49-F238E27FC236}">
-                <a16:creationId xmlns:a16="http://schemas.microsoft.com/office/drawing/2014/main" id="{DC4F584F-869A-4EC5-BD3F-B43D6F04B109}"/>
+                <a16:creationId xmlns:a16="http://schemas.microsoft.com/office/drawing/2014/main" xmlns="" id="{DC4F584F-869A-4EC5-BD3F-B43D6F04B109}"/>
               </a:ext>
             </a:extLst>
           </p:cNvPr>
@@ -14247,7 +15308,7 @@
           <p:cNvPr id="118" name="Picture 2">
             <a:extLst>
               <a:ext uri="{FF2B5EF4-FFF2-40B4-BE49-F238E27FC236}">
-                <a16:creationId xmlns:a16="http://schemas.microsoft.com/office/drawing/2014/main" id="{7EAFE767-B908-419E-B4E7-05DAB402B5BB}"/>
+                <a16:creationId xmlns:a16="http://schemas.microsoft.com/office/drawing/2014/main" xmlns="" id="{7EAFE767-B908-419E-B4E7-05DAB402B5BB}"/>
               </a:ext>
             </a:extLst>
           </p:cNvPr>
@@ -14317,7 +15378,7 @@
           <p:cNvPr id="13" name="Group 12">
             <a:extLst>
               <a:ext uri="{FF2B5EF4-FFF2-40B4-BE49-F238E27FC236}">
-                <a16:creationId xmlns:a16="http://schemas.microsoft.com/office/drawing/2014/main" id="{DD9AE47D-D12F-4154-BB04-4D3D34BE33AE}"/>
+                <a16:creationId xmlns:a16="http://schemas.microsoft.com/office/drawing/2014/main" xmlns="" id="{DD9AE47D-D12F-4154-BB04-4D3D34BE33AE}"/>
               </a:ext>
             </a:extLst>
           </p:cNvPr>
@@ -14337,7 +15398,7 @@
             <p:cNvPr id="119" name="Picture 118">
               <a:extLst>
                 <a:ext uri="{FF2B5EF4-FFF2-40B4-BE49-F238E27FC236}">
-                  <a16:creationId xmlns:a16="http://schemas.microsoft.com/office/drawing/2014/main" id="{8569128C-0619-4279-963D-AE7C028B50F8}"/>
+                  <a16:creationId xmlns:a16="http://schemas.microsoft.com/office/drawing/2014/main" xmlns="" id="{8569128C-0619-4279-963D-AE7C028B50F8}"/>
                 </a:ext>
               </a:extLst>
             </p:cNvPr>
@@ -14365,7 +15426,7 @@
             <p:cNvPr id="120" name="Picture 119">
               <a:extLst>
                 <a:ext uri="{FF2B5EF4-FFF2-40B4-BE49-F238E27FC236}">
-                  <a16:creationId xmlns:a16="http://schemas.microsoft.com/office/drawing/2014/main" id="{8B747FC8-E2F4-4A4F-A22C-CE38FE1C73EE}"/>
+                  <a16:creationId xmlns:a16="http://schemas.microsoft.com/office/drawing/2014/main" xmlns="" id="{8B747FC8-E2F4-4A4F-A22C-CE38FE1C73EE}"/>
                 </a:ext>
               </a:extLst>
             </p:cNvPr>
@@ -14393,7 +15454,7 @@
             <p:cNvPr id="121" name="Picture 120">
               <a:extLst>
                 <a:ext uri="{FF2B5EF4-FFF2-40B4-BE49-F238E27FC236}">
-                  <a16:creationId xmlns:a16="http://schemas.microsoft.com/office/drawing/2014/main" id="{C5D34CA6-4297-482B-89D7-F88D49D89624}"/>
+                  <a16:creationId xmlns:a16="http://schemas.microsoft.com/office/drawing/2014/main" xmlns="" id="{C5D34CA6-4297-482B-89D7-F88D49D89624}"/>
                 </a:ext>
               </a:extLst>
             </p:cNvPr>
@@ -14422,7 +15483,7 @@
           <p:cNvPr id="122" name="Picture 121">
             <a:extLst>
               <a:ext uri="{FF2B5EF4-FFF2-40B4-BE49-F238E27FC236}">
-                <a16:creationId xmlns:a16="http://schemas.microsoft.com/office/drawing/2014/main" id="{B162C919-E530-41D0-B8DE-285A262718DC}"/>
+                <a16:creationId xmlns:a16="http://schemas.microsoft.com/office/drawing/2014/main" xmlns="" id="{B162C919-E530-41D0-B8DE-285A262718DC}"/>
               </a:ext>
             </a:extLst>
           </p:cNvPr>
@@ -14450,7 +15511,7 @@
           <p:cNvPr id="171" name="TextBox 170">
             <a:extLst>
               <a:ext uri="{FF2B5EF4-FFF2-40B4-BE49-F238E27FC236}">
-                <a16:creationId xmlns:a16="http://schemas.microsoft.com/office/drawing/2014/main" id="{D3D2C1E7-A24B-4E4F-9338-4E3CC945B96E}"/>
+                <a16:creationId xmlns:a16="http://schemas.microsoft.com/office/drawing/2014/main" xmlns="" id="{D3D2C1E7-A24B-4E4F-9338-4E3CC945B96E}"/>
               </a:ext>
             </a:extLst>
           </p:cNvPr>
@@ -14513,7 +15574,7 @@
           <p:cNvPr id="89" name="TextBox 88">
             <a:extLst>
               <a:ext uri="{FF2B5EF4-FFF2-40B4-BE49-F238E27FC236}">
-                <a16:creationId xmlns:a16="http://schemas.microsoft.com/office/drawing/2014/main" id="{FD499B9D-6F6A-48F3-A26C-7095543087F4}"/>
+                <a16:creationId xmlns:a16="http://schemas.microsoft.com/office/drawing/2014/main" xmlns="" id="{FD499B9D-6F6A-48F3-A26C-7095543087F4}"/>
               </a:ext>
             </a:extLst>
           </p:cNvPr>
@@ -14596,7 +15657,7 @@
           <p:cNvPr id="27" name="TextBox 26">
             <a:extLst>
               <a:ext uri="{FF2B5EF4-FFF2-40B4-BE49-F238E27FC236}">
-                <a16:creationId xmlns:a16="http://schemas.microsoft.com/office/drawing/2014/main" id="{B250D357-4F1F-4D5E-88FD-1C5A02A91117}"/>
+                <a16:creationId xmlns:a16="http://schemas.microsoft.com/office/drawing/2014/main" xmlns="" id="{B250D357-4F1F-4D5E-88FD-1C5A02A91117}"/>
               </a:ext>
             </a:extLst>
           </p:cNvPr>
@@ -14805,7 +15866,7 @@
         </p:nvSpPr>
         <p:spPr>
           <a:xfrm>
-            <a:off x="2207036" y="994512"/>
+            <a:off x="1503797" y="1849259"/>
             <a:ext cx="3673275" cy="997758"/>
           </a:xfrm>
           <a:prstGeom prst="flowChartPredefinedProcess">
@@ -14916,7 +15977,7 @@
           <p:cNvPr id="24" name="Flowchart: Decision 23">
             <a:extLst>
               <a:ext uri="{FF2B5EF4-FFF2-40B4-BE49-F238E27FC236}">
-                <a16:creationId xmlns:a16="http://schemas.microsoft.com/office/drawing/2014/main" id="{438861FE-32EA-4ADA-89B2-7C2BD38A1870}"/>
+                <a16:creationId xmlns:a16="http://schemas.microsoft.com/office/drawing/2014/main" xmlns="" id="{438861FE-32EA-4ADA-89B2-7C2BD38A1870}"/>
               </a:ext>
             </a:extLst>
           </p:cNvPr>
@@ -14925,7 +15986,7 @@
         </p:nvSpPr>
         <p:spPr>
           <a:xfrm>
-            <a:off x="1475656" y="2348880"/>
+            <a:off x="2183331" y="3207158"/>
             <a:ext cx="1728192" cy="1277732"/>
           </a:xfrm>
           <a:prstGeom prst="flowChartDecision">
@@ -14977,7 +16038,7 @@
           <p:cNvPr id="25" name="Flowchart: Decision 24">
             <a:extLst>
               <a:ext uri="{FF2B5EF4-FFF2-40B4-BE49-F238E27FC236}">
-                <a16:creationId xmlns:a16="http://schemas.microsoft.com/office/drawing/2014/main" id="{C25A8701-D911-4120-9094-C8B654B9B8D7}"/>
+                <a16:creationId xmlns:a16="http://schemas.microsoft.com/office/drawing/2014/main" xmlns="" id="{C25A8701-D911-4120-9094-C8B654B9B8D7}"/>
               </a:ext>
             </a:extLst>
           </p:cNvPr>
@@ -14986,7 +16047,7 @@
         </p:nvSpPr>
         <p:spPr>
           <a:xfrm>
-            <a:off x="3179576" y="3434663"/>
+            <a:off x="1503797" y="4720131"/>
             <a:ext cx="1728192" cy="1277732"/>
           </a:xfrm>
           <a:prstGeom prst="flowChartDecision">
@@ -15038,134 +16099,12 @@
           </a:p>
         </p:txBody>
       </p:sp>
-      <p:sp>
-        <p:nvSpPr>
-          <p:cNvPr id="26" name="Flowchart: Decision 25">
-            <a:extLst>
-              <a:ext uri="{FF2B5EF4-FFF2-40B4-BE49-F238E27FC236}">
-                <a16:creationId xmlns:a16="http://schemas.microsoft.com/office/drawing/2014/main" id="{82CB2EB6-A5E6-4219-99DA-321DD71861C9}"/>
-              </a:ext>
-            </a:extLst>
-          </p:cNvPr>
-          <p:cNvSpPr/>
-          <p:nvPr/>
-        </p:nvSpPr>
-        <p:spPr>
-          <a:xfrm>
-            <a:off x="1342940" y="4509120"/>
-            <a:ext cx="1728192" cy="1277732"/>
-          </a:xfrm>
-          <a:prstGeom prst="flowChartDecision">
-            <a:avLst/>
-          </a:prstGeom>
-          <a:noFill/>
-          <a:ln>
-            <a:solidFill>
-              <a:schemeClr val="tx1"/>
-            </a:solidFill>
-          </a:ln>
-        </p:spPr>
-        <p:style>
-          <a:lnRef idx="2">
-            <a:schemeClr val="accent1">
-              <a:shade val="50000"/>
-            </a:schemeClr>
-          </a:lnRef>
-          <a:fillRef idx="1">
-            <a:schemeClr val="accent1"/>
-          </a:fillRef>
-          <a:effectRef idx="0">
-            <a:schemeClr val="accent1"/>
-          </a:effectRef>
-          <a:fontRef idx="minor">
-            <a:schemeClr val="lt1"/>
-          </a:fontRef>
-        </p:style>
-        <p:txBody>
-          <a:bodyPr rtlCol="0" anchor="ctr"/>
-          <a:lstStyle/>
-          <a:p>
-            <a:pPr algn="ctr"/>
-            <a:r>
-              <a:rPr lang="en-ID" sz="1200" b="0" dirty="0">
-                <a:solidFill>
-                  <a:schemeClr val="tx1"/>
-                </a:solidFill>
-                <a:effectLst/>
-                <a:latin typeface="Consolas" panose="020B0609020204030204" pitchFamily="49" charset="0"/>
-              </a:rPr>
-              <a:t>REMOTE_OPERATION_EXCEPTION</a:t>
-            </a:r>
-          </a:p>
-        </p:txBody>
-      </p:sp>
-      <p:sp>
-        <p:nvSpPr>
-          <p:cNvPr id="27" name="Flowchart: Decision 26">
-            <a:extLst>
-              <a:ext uri="{FF2B5EF4-FFF2-40B4-BE49-F238E27FC236}">
-                <a16:creationId xmlns:a16="http://schemas.microsoft.com/office/drawing/2014/main" id="{AB7989BC-CB48-4899-95E0-499E74545C71}"/>
-              </a:ext>
-            </a:extLst>
-          </p:cNvPr>
-          <p:cNvSpPr/>
-          <p:nvPr/>
-        </p:nvSpPr>
-        <p:spPr>
-          <a:xfrm>
-            <a:off x="3203848" y="5445224"/>
-            <a:ext cx="1728192" cy="1277732"/>
-          </a:xfrm>
-          <a:prstGeom prst="flowChartDecision">
-            <a:avLst/>
-          </a:prstGeom>
-          <a:noFill/>
-          <a:ln>
-            <a:solidFill>
-              <a:schemeClr val="tx1"/>
-            </a:solidFill>
-          </a:ln>
-        </p:spPr>
-        <p:style>
-          <a:lnRef idx="2">
-            <a:schemeClr val="accent1">
-              <a:shade val="50000"/>
-            </a:schemeClr>
-          </a:lnRef>
-          <a:fillRef idx="1">
-            <a:schemeClr val="accent1"/>
-          </a:fillRef>
-          <a:effectRef idx="0">
-            <a:schemeClr val="accent1"/>
-          </a:effectRef>
-          <a:fontRef idx="minor">
-            <a:schemeClr val="lt1"/>
-          </a:fontRef>
-        </p:style>
-        <p:txBody>
-          <a:bodyPr rtlCol="0" anchor="ctr"/>
-          <a:lstStyle/>
-          <a:p>
-            <a:pPr algn="ctr"/>
-            <a:r>
-              <a:rPr lang="en-ID" sz="1200" b="0" dirty="0">
-                <a:solidFill>
-                  <a:schemeClr val="tx1"/>
-                </a:solidFill>
-                <a:effectLst/>
-                <a:latin typeface="Consolas" panose="020B0609020204030204" pitchFamily="49" charset="0"/>
-              </a:rPr>
-              <a:t>REMOTE_PARAMETER_EXCEPTION</a:t>
-            </a:r>
-          </a:p>
-        </p:txBody>
-      </p:sp>
       <p:cxnSp>
         <p:nvCxnSpPr>
           <p:cNvPr id="19" name="Connector: Elbow 18">
             <a:extLst>
               <a:ext uri="{FF2B5EF4-FFF2-40B4-BE49-F238E27FC236}">
-                <a16:creationId xmlns:a16="http://schemas.microsoft.com/office/drawing/2014/main" id="{3A13BD7C-D8E9-405D-8EF8-5143BE7D072B}"/>
+                <a16:creationId xmlns:a16="http://schemas.microsoft.com/office/drawing/2014/main" xmlns="" id="{3A13BD7C-D8E9-405D-8EF8-5143BE7D072B}"/>
               </a:ext>
             </a:extLst>
           </p:cNvPr>
@@ -15177,8 +16116,8 @@
         </p:nvCxnSpPr>
         <p:spPr>
           <a:xfrm rot="5400000">
-            <a:off x="3013408" y="1318614"/>
-            <a:ext cx="356610" cy="1703922"/>
+            <a:off x="3013861" y="2880583"/>
+            <a:ext cx="360141" cy="293008"/>
           </a:xfrm>
           <a:prstGeom prst="bentConnector3">
             <a:avLst/>
@@ -15207,25 +16146,25 @@
           <p:cNvPr id="21" name="Connector: Elbow 20">
             <a:extLst>
               <a:ext uri="{FF2B5EF4-FFF2-40B4-BE49-F238E27FC236}">
-                <a16:creationId xmlns:a16="http://schemas.microsoft.com/office/drawing/2014/main" id="{32B9837D-1ED6-49ED-AB93-2949C77F4F51}"/>
+                <a16:creationId xmlns:a16="http://schemas.microsoft.com/office/drawing/2014/main" xmlns="" id="{32B9837D-1ED6-49ED-AB93-2949C77F4F51}"/>
               </a:ext>
             </a:extLst>
           </p:cNvPr>
           <p:cNvCxnSpPr>
             <a:cxnSpLocks/>
+            <a:stCxn id="24" idx="2"/>
+            <a:endCxn id="25" idx="0"/>
           </p:cNvCxnSpPr>
           <p:nvPr/>
         </p:nvCxnSpPr>
         <p:spPr>
-          <a:xfrm rot="5400000" flipH="1" flipV="1">
-            <a:off x="3095738" y="2649457"/>
-            <a:ext cx="191949" cy="1703920"/>
-          </a:xfrm>
-          <a:prstGeom prst="bentConnector5">
+          <a:xfrm rot="5400000">
+            <a:off x="2590040" y="4262743"/>
+            <a:ext cx="235241" cy="679534"/>
+          </a:xfrm>
+          <a:prstGeom prst="bentConnector3">
             <a:avLst>
-              <a:gd name="adj1" fmla="val -119094"/>
-              <a:gd name="adj2" fmla="val 46364"/>
-              <a:gd name="adj3" fmla="val 192628"/>
+              <a:gd name="adj1" fmla="val 50000"/>
             </a:avLst>
           </a:prstGeom>
           <a:ln w="19050">
@@ -15247,104 +16186,12 @@
           </a:fontRef>
         </p:style>
       </p:cxnSp>
-      <p:cxnSp>
-        <p:nvCxnSpPr>
-          <p:cNvPr id="30" name="Connector: Elbow 29">
-            <a:extLst>
-              <a:ext uri="{FF2B5EF4-FFF2-40B4-BE49-F238E27FC236}">
-                <a16:creationId xmlns:a16="http://schemas.microsoft.com/office/drawing/2014/main" id="{C905C1D1-BEB4-496B-BB1A-E2406A599B34}"/>
-              </a:ext>
-            </a:extLst>
-          </p:cNvPr>
-          <p:cNvCxnSpPr>
-            <a:stCxn id="25" idx="2"/>
-            <a:endCxn id="26" idx="0"/>
-          </p:cNvCxnSpPr>
-          <p:nvPr/>
-        </p:nvCxnSpPr>
-        <p:spPr>
-          <a:xfrm rot="5400000" flipH="1">
-            <a:off x="3023716" y="3692440"/>
-            <a:ext cx="203275" cy="1836636"/>
-          </a:xfrm>
-          <a:prstGeom prst="bentConnector5">
-            <a:avLst>
-              <a:gd name="adj1" fmla="val -74973"/>
-              <a:gd name="adj2" fmla="val 50000"/>
-              <a:gd name="adj3" fmla="val 212458"/>
-            </a:avLst>
-          </a:prstGeom>
-          <a:ln w="19050">
-            <a:tailEnd type="triangle"/>
-          </a:ln>
-        </p:spPr>
-        <p:style>
-          <a:lnRef idx="1">
-            <a:schemeClr val="dk1"/>
-          </a:lnRef>
-          <a:fillRef idx="0">
-            <a:schemeClr val="dk1"/>
-          </a:fillRef>
-          <a:effectRef idx="0">
-            <a:schemeClr val="dk1"/>
-          </a:effectRef>
-          <a:fontRef idx="minor">
-            <a:schemeClr val="tx1"/>
-          </a:fontRef>
-        </p:style>
-      </p:cxnSp>
-      <p:cxnSp>
-        <p:nvCxnSpPr>
-          <p:cNvPr id="32" name="Connector: Elbow 31">
-            <a:extLst>
-              <a:ext uri="{FF2B5EF4-FFF2-40B4-BE49-F238E27FC236}">
-                <a16:creationId xmlns:a16="http://schemas.microsoft.com/office/drawing/2014/main" id="{93E53294-C028-48A3-BED2-65DA86F0BA71}"/>
-              </a:ext>
-            </a:extLst>
-          </p:cNvPr>
-          <p:cNvCxnSpPr>
-            <a:stCxn id="26" idx="2"/>
-            <a:endCxn id="27" idx="0"/>
-          </p:cNvCxnSpPr>
-          <p:nvPr/>
-        </p:nvCxnSpPr>
-        <p:spPr>
-          <a:xfrm rot="5400000" flipH="1" flipV="1">
-            <a:off x="2966676" y="4685584"/>
-            <a:ext cx="341628" cy="1860908"/>
-          </a:xfrm>
-          <a:prstGeom prst="bentConnector5">
-            <a:avLst>
-              <a:gd name="adj1" fmla="val -48327"/>
-              <a:gd name="adj2" fmla="val 50000"/>
-              <a:gd name="adj3" fmla="val 140892"/>
-            </a:avLst>
-          </a:prstGeom>
-          <a:ln w="19050">
-            <a:tailEnd type="triangle"/>
-          </a:ln>
-        </p:spPr>
-        <p:style>
-          <a:lnRef idx="1">
-            <a:schemeClr val="dk1"/>
-          </a:lnRef>
-          <a:fillRef idx="0">
-            <a:schemeClr val="dk1"/>
-          </a:fillRef>
-          <a:effectRef idx="0">
-            <a:schemeClr val="dk1"/>
-          </a:effectRef>
-          <a:fontRef idx="minor">
-            <a:schemeClr val="tx1"/>
-          </a:fontRef>
-        </p:style>
-      </p:cxnSp>
       <p:sp>
         <p:nvSpPr>
           <p:cNvPr id="40" name="Flowchart: Predefined Process 39">
             <a:extLst>
               <a:ext uri="{FF2B5EF4-FFF2-40B4-BE49-F238E27FC236}">
-                <a16:creationId xmlns:a16="http://schemas.microsoft.com/office/drawing/2014/main" id="{7CF1C237-E4A8-4ED5-A58F-ECD1C5196D24}"/>
+                <a16:creationId xmlns:a16="http://schemas.microsoft.com/office/drawing/2014/main" xmlns="" id="{7CF1C237-E4A8-4ED5-A58F-ECD1C5196D24}"/>
               </a:ext>
             </a:extLst>
           </p:cNvPr>
@@ -15353,7 +16200,7 @@
         </p:nvSpPr>
         <p:spPr>
           <a:xfrm>
-            <a:off x="4644008" y="2174148"/>
+            <a:off x="4867352" y="3207158"/>
             <a:ext cx="2880320" cy="458331"/>
           </a:xfrm>
           <a:prstGeom prst="flowChartPredefinedProcess">
@@ -15405,7 +16252,7 @@
           <p:cNvPr id="34" name="Connector: Elbow 33">
             <a:extLst>
               <a:ext uri="{FF2B5EF4-FFF2-40B4-BE49-F238E27FC236}">
-                <a16:creationId xmlns:a16="http://schemas.microsoft.com/office/drawing/2014/main" id="{9FAF7F38-3CB0-47A7-A16D-C91231A9011C}"/>
+                <a16:creationId xmlns:a16="http://schemas.microsoft.com/office/drawing/2014/main" xmlns="" id="{9FAF7F38-3CB0-47A7-A16D-C91231A9011C}"/>
               </a:ext>
             </a:extLst>
           </p:cNvPr>
@@ -15418,8 +16265,8 @@
         </p:nvCxnSpPr>
         <p:spPr>
           <a:xfrm flipV="1">
-            <a:off x="3203848" y="2403314"/>
-            <a:ext cx="1440160" cy="584432"/>
+            <a:off x="3911523" y="3436324"/>
+            <a:ext cx="955829" cy="409700"/>
           </a:xfrm>
           <a:prstGeom prst="bentConnector3">
             <a:avLst/>
@@ -15451,7 +16298,7 @@
           <p:cNvPr id="42" name="Flowchart: Predefined Process 41">
             <a:extLst>
               <a:ext uri="{FF2B5EF4-FFF2-40B4-BE49-F238E27FC236}">
-                <a16:creationId xmlns:a16="http://schemas.microsoft.com/office/drawing/2014/main" id="{5E416383-85DB-4670-A37C-18739958CDB1}"/>
+                <a16:creationId xmlns:a16="http://schemas.microsoft.com/office/drawing/2014/main" xmlns="" id="{5E416383-85DB-4670-A37C-18739958CDB1}"/>
               </a:ext>
             </a:extLst>
           </p:cNvPr>
@@ -15460,7 +16307,7 @@
         </p:nvSpPr>
         <p:spPr>
           <a:xfrm>
-            <a:off x="5128450" y="3069716"/>
+            <a:off x="4431342" y="4687545"/>
             <a:ext cx="3316330" cy="671452"/>
           </a:xfrm>
           <a:prstGeom prst="flowChartPredefinedProcess">
@@ -15538,7 +16385,7 @@
           <p:cNvPr id="43" name="Connector: Elbow 42">
             <a:extLst>
               <a:ext uri="{FF2B5EF4-FFF2-40B4-BE49-F238E27FC236}">
-                <a16:creationId xmlns:a16="http://schemas.microsoft.com/office/drawing/2014/main" id="{EE9CA3D1-5E5C-4AB6-806D-F584C1A64D1E}"/>
+                <a16:creationId xmlns:a16="http://schemas.microsoft.com/office/drawing/2014/main" xmlns="" id="{EE9CA3D1-5E5C-4AB6-806D-F584C1A64D1E}"/>
               </a:ext>
             </a:extLst>
           </p:cNvPr>
@@ -15551,8 +16398,8 @@
         </p:nvCxnSpPr>
         <p:spPr>
           <a:xfrm flipV="1">
-            <a:off x="4907768" y="3405442"/>
-            <a:ext cx="220682" cy="668087"/>
+            <a:off x="3231989" y="5023271"/>
+            <a:ext cx="1199353" cy="335726"/>
           </a:xfrm>
           <a:prstGeom prst="bentConnector3">
             <a:avLst/>
@@ -15581,22 +16428,16 @@
       </p:cxnSp>
       <p:sp>
         <p:nvSpPr>
-          <p:cNvPr id="47" name="Flowchart: Predefined Process 46">
-            <a:extLst>
-              <a:ext uri="{FF2B5EF4-FFF2-40B4-BE49-F238E27FC236}">
-                <a16:creationId xmlns:a16="http://schemas.microsoft.com/office/drawing/2014/main" id="{88E91C1B-9915-49F4-B54F-272D16191B75}"/>
-              </a:ext>
-            </a:extLst>
-          </p:cNvPr>
+          <p:cNvPr id="29" name="Flowchart: Off-page Connector 28"/>
           <p:cNvSpPr/>
           <p:nvPr/>
         </p:nvSpPr>
         <p:spPr>
           <a:xfrm>
-            <a:off x="5144102" y="4601962"/>
-            <a:ext cx="2541730" cy="500222"/>
-          </a:xfrm>
-          <a:prstGeom prst="flowChartPredefinedProcess">
+            <a:off x="2110527" y="6244291"/>
+            <a:ext cx="490893" cy="360040"/>
+          </a:xfrm>
+          <a:prstGeom prst="flowChartOffpageConnector">
             <a:avLst/>
           </a:prstGeom>
           <a:noFill/>
@@ -15628,49 +16469,43 @@
           <a:p>
             <a:pPr algn="ctr"/>
             <a:r>
-              <a:rPr lang="en-ID" sz="1200" b="0" dirty="0">
+              <a:rPr lang="en-ID" b="1" dirty="0">
                 <a:solidFill>
                   <a:schemeClr val="tx1"/>
                 </a:solidFill>
-                <a:effectLst/>
-                <a:latin typeface="Consolas" panose="020B0609020204030204" pitchFamily="49" charset="0"/>
               </a:rPr>
-              <a:t>fpSys.execute();</a:t>
-            </a:r>
+              <a:t>1</a:t>
+            </a:r>
+            <a:endParaRPr lang="en-US" b="1" dirty="0">
+              <a:solidFill>
+                <a:schemeClr val="tx1"/>
+              </a:solidFill>
+            </a:endParaRPr>
           </a:p>
         </p:txBody>
       </p:sp>
       <p:cxnSp>
         <p:nvCxnSpPr>
-          <p:cNvPr id="48" name="Connector: Elbow 47">
-            <a:extLst>
-              <a:ext uri="{FF2B5EF4-FFF2-40B4-BE49-F238E27FC236}">
-                <a16:creationId xmlns:a16="http://schemas.microsoft.com/office/drawing/2014/main" id="{F70C21E4-AA56-416E-B606-92C921D20269}"/>
-              </a:ext>
-            </a:extLst>
-          </p:cNvPr>
+          <p:cNvPr id="13" name="Straight Arrow Connector 12"/>
           <p:cNvCxnSpPr>
-            <a:cxnSpLocks/>
-            <a:stCxn id="26" idx="3"/>
-            <a:endCxn id="47" idx="1"/>
+            <a:stCxn id="25" idx="2"/>
+            <a:endCxn id="29" idx="0"/>
           </p:cNvCxnSpPr>
           <p:nvPr/>
         </p:nvCxnSpPr>
         <p:spPr>
-          <a:xfrm flipV="1">
-            <a:off x="3071132" y="4852073"/>
-            <a:ext cx="2072970" cy="295913"/>
-          </a:xfrm>
-          <a:prstGeom prst="bentConnector3">
-            <a:avLst>
-              <a:gd name="adj1" fmla="val 76956"/>
-            </a:avLst>
+          <a:xfrm flipH="1">
+            <a:off x="2355974" y="5997863"/>
+            <a:ext cx="11919" cy="246428"/>
+          </a:xfrm>
+          <a:prstGeom prst="straightConnector1">
+            <a:avLst/>
           </a:prstGeom>
           <a:ln w="19050">
             <a:solidFill>
-              <a:schemeClr val="tx1"/>
+              <a:srgbClr val="003300"/>
             </a:solidFill>
-            <a:tailEnd type="triangle"/>
+            <a:tailEnd type="arrow"/>
           </a:ln>
         </p:spPr>
         <p:style>
@@ -15690,28 +16525,22 @@
       </p:cxnSp>
       <p:sp>
         <p:nvSpPr>
-          <p:cNvPr id="51" name="Flowchart: Predefined Process 50">
-            <a:extLst>
-              <a:ext uri="{FF2B5EF4-FFF2-40B4-BE49-F238E27FC236}">
-                <a16:creationId xmlns:a16="http://schemas.microsoft.com/office/drawing/2014/main" id="{92FBE751-632B-4561-858E-55903FB43DD7}"/>
-              </a:ext>
-            </a:extLst>
-          </p:cNvPr>
+          <p:cNvPr id="31" name="Hexagon 30"/>
           <p:cNvSpPr/>
           <p:nvPr/>
         </p:nvSpPr>
         <p:spPr>
           <a:xfrm>
-            <a:off x="5292079" y="5631960"/>
-            <a:ext cx="3168353" cy="821376"/>
-          </a:xfrm>
-          <a:prstGeom prst="flowChartPredefinedProcess">
+            <a:off x="5459145" y="825903"/>
+            <a:ext cx="2448272" cy="1182674"/>
+          </a:xfrm>
+          <a:prstGeom prst="hexagon">
             <a:avLst/>
           </a:prstGeom>
           <a:noFill/>
           <a:ln>
             <a:solidFill>
-              <a:schemeClr val="tx1"/>
+              <a:srgbClr val="003300"/>
             </a:solidFill>
           </a:ln>
         </p:spPr>
@@ -15737,73 +16566,87 @@
           <a:p>
             <a:pPr algn="ctr"/>
             <a:r>
-              <a:rPr lang="en-ID" sz="1200" b="0" dirty="0">
+              <a:rPr lang="en-ID" sz="1400" dirty="0" smtClean="0">
                 <a:solidFill>
                   <a:schemeClr val="tx1"/>
                 </a:solidFill>
-                <a:effectLst/>
-                <a:latin typeface="Consolas" panose="020B0609020204030204" pitchFamily="49" charset="0"/>
               </a:rPr>
-              <a:t>fpSys.updateParameter();</a:t>
+              <a:t>Setup Serial, Serial1</a:t>
             </a:r>
           </a:p>
           <a:p>
             <a:pPr algn="ctr"/>
             <a:r>
-              <a:rPr lang="en-ID" sz="1200" b="0" dirty="0">
+              <a:rPr lang="en-ID" sz="1400" dirty="0" smtClean="0">
                 <a:solidFill>
                   <a:schemeClr val="tx1"/>
                 </a:solidFill>
-                <a:effectLst/>
-                <a:latin typeface="Consolas" panose="020B0609020204030204" pitchFamily="49" charset="0"/>
               </a:rPr>
-              <a:t>locPan.updateParameter();</a:t>
+              <a:t>Setup lifeLed</a:t>
             </a:r>
           </a:p>
           <a:p>
             <a:pPr algn="ctr"/>
             <a:r>
-              <a:rPr lang="en-ID" sz="1200" b="0" dirty="0">
+              <a:rPr lang="en-ID" sz="1400" dirty="0" smtClean="0">
                 <a:solidFill>
                   <a:schemeClr val="tx1"/>
                 </a:solidFill>
-                <a:effectLst/>
-                <a:latin typeface="Consolas" panose="020B0609020204030204" pitchFamily="49" charset="0"/>
               </a:rPr>
-              <a:t>fpSys.execute();</a:t>
-            </a:r>
+              <a:t>Setup locPan</a:t>
+            </a:r>
+          </a:p>
+          <a:p>
+            <a:pPr algn="ctr"/>
+            <a:r>
+              <a:rPr lang="en-ID" sz="1400" dirty="0" smtClean="0">
+                <a:solidFill>
+                  <a:schemeClr val="tx1"/>
+                </a:solidFill>
+              </a:rPr>
+              <a:t>Setup fpSys</a:t>
+            </a:r>
+          </a:p>
+          <a:p>
+            <a:pPr algn="ctr"/>
+            <a:r>
+              <a:rPr lang="en-ID" sz="1400" dirty="0" smtClean="0">
+                <a:solidFill>
+                  <a:schemeClr val="tx1"/>
+                </a:solidFill>
+              </a:rPr>
+              <a:t>Setup commSer</a:t>
+            </a:r>
+            <a:endParaRPr lang="en-US" sz="1400" dirty="0">
+              <a:solidFill>
+                <a:schemeClr val="tx1"/>
+              </a:solidFill>
+            </a:endParaRPr>
           </a:p>
         </p:txBody>
       </p:sp>
       <p:cxnSp>
         <p:nvCxnSpPr>
-          <p:cNvPr id="53" name="Connector: Elbow 52">
-            <a:extLst>
-              <a:ext uri="{FF2B5EF4-FFF2-40B4-BE49-F238E27FC236}">
-                <a16:creationId xmlns:a16="http://schemas.microsoft.com/office/drawing/2014/main" id="{0DCB30C1-1B7D-4286-95B3-80965F45DD72}"/>
-              </a:ext>
-            </a:extLst>
-          </p:cNvPr>
+          <p:cNvPr id="35" name="Elbow Connector 34"/>
           <p:cNvCxnSpPr>
-            <a:cxnSpLocks/>
-            <a:stCxn id="27" idx="3"/>
-            <a:endCxn id="51" idx="1"/>
+            <a:stCxn id="31" idx="3"/>
+            <a:endCxn id="2" idx="0"/>
           </p:cNvCxnSpPr>
           <p:nvPr/>
         </p:nvCxnSpPr>
         <p:spPr>
-          <a:xfrm flipV="1">
-            <a:off x="4932040" y="6042648"/>
-            <a:ext cx="360039" cy="41442"/>
-          </a:xfrm>
-          <a:prstGeom prst="bentConnector3">
+          <a:xfrm rot="10800000" flipV="1">
+            <a:off x="3340435" y="1417239"/>
+            <a:ext cx="2118710" cy="432019"/>
+          </a:xfrm>
+          <a:prstGeom prst="bentConnector2">
             <a:avLst/>
           </a:prstGeom>
           <a:ln w="19050">
             <a:solidFill>
               <a:schemeClr val="tx1"/>
             </a:solidFill>
-            <a:tailEnd type="triangle"/>
+            <a:tailEnd type="arrow"/>
           </a:ln>
         </p:spPr>
         <p:style>
@@ -15853,6 +16696,675 @@
       </p:grpSpPr>
       <p:sp>
         <p:nvSpPr>
+          <p:cNvPr id="16" name="TextBox 15"/>
+          <p:cNvSpPr txBox="1"/>
+          <p:nvPr/>
+        </p:nvSpPr>
+        <p:spPr>
+          <a:xfrm>
+            <a:off x="2943243" y="282601"/>
+            <a:ext cx="2200859" cy="553998"/>
+          </a:xfrm>
+          <a:prstGeom prst="rect">
+            <a:avLst/>
+          </a:prstGeom>
+          <a:noFill/>
+        </p:spPr>
+        <p:txBody>
+          <a:bodyPr wrap="none" rtlCol="0">
+            <a:spAutoFit/>
+          </a:bodyPr>
+          <a:lstStyle/>
+          <a:p>
+            <a:r>
+              <a:rPr lang="en-ID" b="1" dirty="0"/>
+              <a:t>Flowchart LocalPanel</a:t>
+            </a:r>
+          </a:p>
+          <a:p>
+            <a:pPr algn="ctr"/>
+            <a:r>
+              <a:rPr lang="en-ID" sz="1200" dirty="0"/>
+              <a:t>File : aLocalPanel.ino</a:t>
+            </a:r>
+            <a:endParaRPr lang="en-US" sz="1200" dirty="0"/>
+          </a:p>
+        </p:txBody>
+      </p:sp>
+      <p:sp>
+        <p:nvSpPr>
+          <p:cNvPr id="26" name="Flowchart: Decision 25">
+            <a:extLst>
+              <a:ext uri="{FF2B5EF4-FFF2-40B4-BE49-F238E27FC236}">
+                <a16:creationId xmlns:a16="http://schemas.microsoft.com/office/drawing/2014/main" xmlns="" id="{82CB2EB6-A5E6-4219-99DA-321DD71861C9}"/>
+              </a:ext>
+            </a:extLst>
+          </p:cNvPr>
+          <p:cNvSpPr/>
+          <p:nvPr/>
+        </p:nvSpPr>
+        <p:spPr>
+          <a:xfrm>
+            <a:off x="1907704" y="2154422"/>
+            <a:ext cx="1728192" cy="1277732"/>
+          </a:xfrm>
+          <a:prstGeom prst="flowChartDecision">
+            <a:avLst/>
+          </a:prstGeom>
+          <a:noFill/>
+          <a:ln>
+            <a:solidFill>
+              <a:schemeClr val="tx1"/>
+            </a:solidFill>
+          </a:ln>
+        </p:spPr>
+        <p:style>
+          <a:lnRef idx="2">
+            <a:schemeClr val="accent1">
+              <a:shade val="50000"/>
+            </a:schemeClr>
+          </a:lnRef>
+          <a:fillRef idx="1">
+            <a:schemeClr val="accent1"/>
+          </a:fillRef>
+          <a:effectRef idx="0">
+            <a:schemeClr val="accent1"/>
+          </a:effectRef>
+          <a:fontRef idx="minor">
+            <a:schemeClr val="lt1"/>
+          </a:fontRef>
+        </p:style>
+        <p:txBody>
+          <a:bodyPr rtlCol="0" anchor="ctr"/>
+          <a:lstStyle/>
+          <a:p>
+            <a:pPr algn="ctr"/>
+            <a:r>
+              <a:rPr lang="en-ID" sz="1200" b="0" dirty="0">
+                <a:solidFill>
+                  <a:schemeClr val="tx1"/>
+                </a:solidFill>
+                <a:effectLst/>
+                <a:latin typeface="Consolas" panose="020B0609020204030204" pitchFamily="49" charset="0"/>
+              </a:rPr>
+              <a:t>REMOTE_OPERATION_EXCEPTION</a:t>
+            </a:r>
+          </a:p>
+        </p:txBody>
+      </p:sp>
+      <p:sp>
+        <p:nvSpPr>
+          <p:cNvPr id="27" name="Flowchart: Decision 26">
+            <a:extLst>
+              <a:ext uri="{FF2B5EF4-FFF2-40B4-BE49-F238E27FC236}">
+                <a16:creationId xmlns:a16="http://schemas.microsoft.com/office/drawing/2014/main" xmlns="" id="{AB7989BC-CB48-4899-95E0-499E74545C71}"/>
+              </a:ext>
+            </a:extLst>
+          </p:cNvPr>
+          <p:cNvSpPr/>
+          <p:nvPr/>
+        </p:nvSpPr>
+        <p:spPr>
+          <a:xfrm>
+            <a:off x="1897631" y="3987748"/>
+            <a:ext cx="1728192" cy="1277732"/>
+          </a:xfrm>
+          <a:prstGeom prst="flowChartDecision">
+            <a:avLst/>
+          </a:prstGeom>
+          <a:noFill/>
+          <a:ln>
+            <a:solidFill>
+              <a:schemeClr val="tx1"/>
+            </a:solidFill>
+          </a:ln>
+        </p:spPr>
+        <p:style>
+          <a:lnRef idx="2">
+            <a:schemeClr val="accent1">
+              <a:shade val="50000"/>
+            </a:schemeClr>
+          </a:lnRef>
+          <a:fillRef idx="1">
+            <a:schemeClr val="accent1"/>
+          </a:fillRef>
+          <a:effectRef idx="0">
+            <a:schemeClr val="accent1"/>
+          </a:effectRef>
+          <a:fontRef idx="minor">
+            <a:schemeClr val="lt1"/>
+          </a:fontRef>
+        </p:style>
+        <p:txBody>
+          <a:bodyPr rtlCol="0" anchor="ctr"/>
+          <a:lstStyle/>
+          <a:p>
+            <a:pPr algn="ctr"/>
+            <a:r>
+              <a:rPr lang="en-ID" sz="1200" b="0" dirty="0">
+                <a:solidFill>
+                  <a:schemeClr val="tx1"/>
+                </a:solidFill>
+                <a:effectLst/>
+                <a:latin typeface="Consolas" panose="020B0609020204030204" pitchFamily="49" charset="0"/>
+              </a:rPr>
+              <a:t>REMOTE_PARAMETER_EXCEPTION</a:t>
+            </a:r>
+          </a:p>
+        </p:txBody>
+      </p:sp>
+      <p:cxnSp>
+        <p:nvCxnSpPr>
+          <p:cNvPr id="32" name="Connector: Elbow 31">
+            <a:extLst>
+              <a:ext uri="{FF2B5EF4-FFF2-40B4-BE49-F238E27FC236}">
+                <a16:creationId xmlns:a16="http://schemas.microsoft.com/office/drawing/2014/main" xmlns="" id="{93E53294-C028-48A3-BED2-65DA86F0BA71}"/>
+              </a:ext>
+            </a:extLst>
+          </p:cNvPr>
+          <p:cNvCxnSpPr>
+            <a:stCxn id="26" idx="2"/>
+            <a:endCxn id="27" idx="0"/>
+          </p:cNvCxnSpPr>
+          <p:nvPr/>
+        </p:nvCxnSpPr>
+        <p:spPr>
+          <a:xfrm rot="5400000">
+            <a:off x="2488967" y="3704915"/>
+            <a:ext cx="555594" cy="10073"/>
+          </a:xfrm>
+          <a:prstGeom prst="bentConnector3">
+            <a:avLst>
+              <a:gd name="adj1" fmla="val 50000"/>
+            </a:avLst>
+          </a:prstGeom>
+          <a:ln w="19050">
+            <a:tailEnd type="triangle"/>
+          </a:ln>
+        </p:spPr>
+        <p:style>
+          <a:lnRef idx="1">
+            <a:schemeClr val="dk1"/>
+          </a:lnRef>
+          <a:fillRef idx="0">
+            <a:schemeClr val="dk1"/>
+          </a:fillRef>
+          <a:effectRef idx="0">
+            <a:schemeClr val="dk1"/>
+          </a:effectRef>
+          <a:fontRef idx="minor">
+            <a:schemeClr val="tx1"/>
+          </a:fontRef>
+        </p:style>
+      </p:cxnSp>
+      <p:sp>
+        <p:nvSpPr>
+          <p:cNvPr id="47" name="Flowchart: Predefined Process 46">
+            <a:extLst>
+              <a:ext uri="{FF2B5EF4-FFF2-40B4-BE49-F238E27FC236}">
+                <a16:creationId xmlns:a16="http://schemas.microsoft.com/office/drawing/2014/main" xmlns="" id="{88E91C1B-9915-49F4-B54F-272D16191B75}"/>
+              </a:ext>
+            </a:extLst>
+          </p:cNvPr>
+          <p:cNvSpPr/>
+          <p:nvPr/>
+        </p:nvSpPr>
+        <p:spPr>
+          <a:xfrm>
+            <a:off x="4452256" y="2543177"/>
+            <a:ext cx="2541730" cy="500222"/>
+          </a:xfrm>
+          <a:prstGeom prst="flowChartPredefinedProcess">
+            <a:avLst/>
+          </a:prstGeom>
+          <a:noFill/>
+          <a:ln>
+            <a:solidFill>
+              <a:schemeClr val="tx1"/>
+            </a:solidFill>
+          </a:ln>
+        </p:spPr>
+        <p:style>
+          <a:lnRef idx="2">
+            <a:schemeClr val="accent1">
+              <a:shade val="50000"/>
+            </a:schemeClr>
+          </a:lnRef>
+          <a:fillRef idx="1">
+            <a:schemeClr val="accent1"/>
+          </a:fillRef>
+          <a:effectRef idx="0">
+            <a:schemeClr val="accent1"/>
+          </a:effectRef>
+          <a:fontRef idx="minor">
+            <a:schemeClr val="lt1"/>
+          </a:fontRef>
+        </p:style>
+        <p:txBody>
+          <a:bodyPr rtlCol="0" anchor="ctr"/>
+          <a:lstStyle/>
+          <a:p>
+            <a:pPr algn="ctr"/>
+            <a:r>
+              <a:rPr lang="en-ID" sz="1200" b="0" dirty="0">
+                <a:solidFill>
+                  <a:schemeClr val="tx1"/>
+                </a:solidFill>
+                <a:effectLst/>
+                <a:latin typeface="Consolas" panose="020B0609020204030204" pitchFamily="49" charset="0"/>
+              </a:rPr>
+              <a:t>fpSys.execute();</a:t>
+            </a:r>
+          </a:p>
+        </p:txBody>
+      </p:sp>
+      <p:cxnSp>
+        <p:nvCxnSpPr>
+          <p:cNvPr id="48" name="Connector: Elbow 47">
+            <a:extLst>
+              <a:ext uri="{FF2B5EF4-FFF2-40B4-BE49-F238E27FC236}">
+                <a16:creationId xmlns:a16="http://schemas.microsoft.com/office/drawing/2014/main" xmlns="" id="{F70C21E4-AA56-416E-B606-92C921D20269}"/>
+              </a:ext>
+            </a:extLst>
+          </p:cNvPr>
+          <p:cNvCxnSpPr>
+            <a:cxnSpLocks/>
+            <a:stCxn id="26" idx="3"/>
+            <a:endCxn id="47" idx="1"/>
+          </p:cNvCxnSpPr>
+          <p:nvPr/>
+        </p:nvCxnSpPr>
+        <p:spPr>
+          <a:xfrm>
+            <a:off x="3635896" y="2793288"/>
+            <a:ext cx="816360" cy="12700"/>
+          </a:xfrm>
+          <a:prstGeom prst="bentConnector3">
+            <a:avLst>
+              <a:gd name="adj1" fmla="val 50000"/>
+            </a:avLst>
+          </a:prstGeom>
+          <a:ln w="19050">
+            <a:solidFill>
+              <a:schemeClr val="tx1"/>
+            </a:solidFill>
+            <a:tailEnd type="triangle"/>
+          </a:ln>
+        </p:spPr>
+        <p:style>
+          <a:lnRef idx="1">
+            <a:schemeClr val="accent1"/>
+          </a:lnRef>
+          <a:fillRef idx="0">
+            <a:schemeClr val="accent1"/>
+          </a:fillRef>
+          <a:effectRef idx="0">
+            <a:schemeClr val="accent1"/>
+          </a:effectRef>
+          <a:fontRef idx="minor">
+            <a:schemeClr val="tx1"/>
+          </a:fontRef>
+        </p:style>
+      </p:cxnSp>
+      <p:sp>
+        <p:nvSpPr>
+          <p:cNvPr id="51" name="Flowchart: Predefined Process 50">
+            <a:extLst>
+              <a:ext uri="{FF2B5EF4-FFF2-40B4-BE49-F238E27FC236}">
+                <a16:creationId xmlns:a16="http://schemas.microsoft.com/office/drawing/2014/main" xmlns="" id="{92FBE751-632B-4561-858E-55903FB43DD7}"/>
+              </a:ext>
+            </a:extLst>
+          </p:cNvPr>
+          <p:cNvSpPr/>
+          <p:nvPr/>
+        </p:nvSpPr>
+        <p:spPr>
+          <a:xfrm>
+            <a:off x="3985862" y="4174484"/>
+            <a:ext cx="3168353" cy="821376"/>
+          </a:xfrm>
+          <a:prstGeom prst="flowChartPredefinedProcess">
+            <a:avLst/>
+          </a:prstGeom>
+          <a:noFill/>
+          <a:ln>
+            <a:solidFill>
+              <a:schemeClr val="tx1"/>
+            </a:solidFill>
+          </a:ln>
+        </p:spPr>
+        <p:style>
+          <a:lnRef idx="2">
+            <a:schemeClr val="accent1">
+              <a:shade val="50000"/>
+            </a:schemeClr>
+          </a:lnRef>
+          <a:fillRef idx="1">
+            <a:schemeClr val="accent1"/>
+          </a:fillRef>
+          <a:effectRef idx="0">
+            <a:schemeClr val="accent1"/>
+          </a:effectRef>
+          <a:fontRef idx="minor">
+            <a:schemeClr val="lt1"/>
+          </a:fontRef>
+        </p:style>
+        <p:txBody>
+          <a:bodyPr rtlCol="0" anchor="ctr"/>
+          <a:lstStyle/>
+          <a:p>
+            <a:pPr algn="ctr"/>
+            <a:r>
+              <a:rPr lang="en-ID" sz="1200" b="0" dirty="0">
+                <a:solidFill>
+                  <a:schemeClr val="tx1"/>
+                </a:solidFill>
+                <a:effectLst/>
+                <a:latin typeface="Consolas" panose="020B0609020204030204" pitchFamily="49" charset="0"/>
+              </a:rPr>
+              <a:t>fpSys.updateParameter();</a:t>
+            </a:r>
+          </a:p>
+          <a:p>
+            <a:pPr algn="ctr"/>
+            <a:r>
+              <a:rPr lang="en-ID" sz="1200" b="0" dirty="0">
+                <a:solidFill>
+                  <a:schemeClr val="tx1"/>
+                </a:solidFill>
+                <a:effectLst/>
+                <a:latin typeface="Consolas" panose="020B0609020204030204" pitchFamily="49" charset="0"/>
+              </a:rPr>
+              <a:t>locPan.updateParameter();</a:t>
+            </a:r>
+          </a:p>
+          <a:p>
+            <a:pPr algn="ctr"/>
+            <a:r>
+              <a:rPr lang="en-ID" sz="1200" b="0" dirty="0">
+                <a:solidFill>
+                  <a:schemeClr val="tx1"/>
+                </a:solidFill>
+                <a:effectLst/>
+                <a:latin typeface="Consolas" panose="020B0609020204030204" pitchFamily="49" charset="0"/>
+              </a:rPr>
+              <a:t>fpSys.execute();</a:t>
+            </a:r>
+          </a:p>
+        </p:txBody>
+      </p:sp>
+      <p:cxnSp>
+        <p:nvCxnSpPr>
+          <p:cNvPr id="53" name="Connector: Elbow 52">
+            <a:extLst>
+              <a:ext uri="{FF2B5EF4-FFF2-40B4-BE49-F238E27FC236}">
+                <a16:creationId xmlns:a16="http://schemas.microsoft.com/office/drawing/2014/main" xmlns="" id="{0DCB30C1-1B7D-4286-95B3-80965F45DD72}"/>
+              </a:ext>
+            </a:extLst>
+          </p:cNvPr>
+          <p:cNvCxnSpPr>
+            <a:cxnSpLocks/>
+            <a:stCxn id="27" idx="3"/>
+            <a:endCxn id="51" idx="1"/>
+          </p:cNvCxnSpPr>
+          <p:nvPr/>
+        </p:nvCxnSpPr>
+        <p:spPr>
+          <a:xfrm flipV="1">
+            <a:off x="3625823" y="4585172"/>
+            <a:ext cx="360039" cy="41442"/>
+          </a:xfrm>
+          <a:prstGeom prst="bentConnector3">
+            <a:avLst/>
+          </a:prstGeom>
+          <a:ln w="19050">
+            <a:solidFill>
+              <a:schemeClr val="tx1"/>
+            </a:solidFill>
+            <a:tailEnd type="triangle"/>
+          </a:ln>
+        </p:spPr>
+        <p:style>
+          <a:lnRef idx="1">
+            <a:schemeClr val="accent1"/>
+          </a:lnRef>
+          <a:fillRef idx="0">
+            <a:schemeClr val="accent1"/>
+          </a:fillRef>
+          <a:effectRef idx="0">
+            <a:schemeClr val="accent1"/>
+          </a:effectRef>
+          <a:fontRef idx="minor">
+            <a:schemeClr val="tx1"/>
+          </a:fontRef>
+        </p:style>
+      </p:cxnSp>
+      <p:sp>
+        <p:nvSpPr>
+          <p:cNvPr id="28" name="Flowchart: Off-page Connector 27"/>
+          <p:cNvSpPr/>
+          <p:nvPr/>
+        </p:nvSpPr>
+        <p:spPr>
+          <a:xfrm>
+            <a:off x="2526354" y="1387555"/>
+            <a:ext cx="490893" cy="360040"/>
+          </a:xfrm>
+          <a:prstGeom prst="flowChartOffpageConnector">
+            <a:avLst/>
+          </a:prstGeom>
+          <a:noFill/>
+          <a:ln>
+            <a:solidFill>
+              <a:schemeClr val="tx1"/>
+            </a:solidFill>
+          </a:ln>
+        </p:spPr>
+        <p:style>
+          <a:lnRef idx="2">
+            <a:schemeClr val="accent1">
+              <a:shade val="50000"/>
+            </a:schemeClr>
+          </a:lnRef>
+          <a:fillRef idx="1">
+            <a:schemeClr val="accent1"/>
+          </a:fillRef>
+          <a:effectRef idx="0">
+            <a:schemeClr val="accent1"/>
+          </a:effectRef>
+          <a:fontRef idx="minor">
+            <a:schemeClr val="lt1"/>
+          </a:fontRef>
+        </p:style>
+        <p:txBody>
+          <a:bodyPr rtlCol="0" anchor="ctr"/>
+          <a:lstStyle/>
+          <a:p>
+            <a:pPr algn="ctr"/>
+            <a:r>
+              <a:rPr lang="en-ID" b="1" dirty="0">
+                <a:solidFill>
+                  <a:schemeClr val="tx1"/>
+                </a:solidFill>
+              </a:rPr>
+              <a:t>1</a:t>
+            </a:r>
+            <a:endParaRPr lang="en-US" b="1" dirty="0">
+              <a:solidFill>
+                <a:schemeClr val="tx1"/>
+              </a:solidFill>
+            </a:endParaRPr>
+          </a:p>
+        </p:txBody>
+      </p:sp>
+      <p:cxnSp>
+        <p:nvCxnSpPr>
+          <p:cNvPr id="8" name="Straight Arrow Connector 7"/>
+          <p:cNvCxnSpPr>
+            <a:stCxn id="28" idx="2"/>
+            <a:endCxn id="26" idx="0"/>
+          </p:cNvCxnSpPr>
+          <p:nvPr/>
+        </p:nvCxnSpPr>
+        <p:spPr>
+          <a:xfrm flipH="1">
+            <a:off x="2771800" y="1747595"/>
+            <a:ext cx="1" cy="406827"/>
+          </a:xfrm>
+          <a:prstGeom prst="straightConnector1">
+            <a:avLst/>
+          </a:prstGeom>
+          <a:ln w="19050">
+            <a:solidFill>
+              <a:schemeClr val="tx1"/>
+            </a:solidFill>
+            <a:tailEnd type="arrow"/>
+          </a:ln>
+        </p:spPr>
+        <p:style>
+          <a:lnRef idx="1">
+            <a:schemeClr val="accent1"/>
+          </a:lnRef>
+          <a:fillRef idx="0">
+            <a:schemeClr val="accent1"/>
+          </a:fillRef>
+          <a:effectRef idx="0">
+            <a:schemeClr val="accent1"/>
+          </a:effectRef>
+          <a:fontRef idx="minor">
+            <a:schemeClr val="tx1"/>
+          </a:fontRef>
+        </p:style>
+      </p:cxnSp>
+      <p:sp>
+        <p:nvSpPr>
+          <p:cNvPr id="9" name="Flowchart: Terminator 8"/>
+          <p:cNvSpPr/>
+          <p:nvPr/>
+        </p:nvSpPr>
+        <p:spPr>
+          <a:xfrm>
+            <a:off x="2304527" y="5942420"/>
+            <a:ext cx="914400" cy="301752"/>
+          </a:xfrm>
+          <a:prstGeom prst="flowChartTerminator">
+            <a:avLst/>
+          </a:prstGeom>
+          <a:noFill/>
+          <a:ln>
+            <a:solidFill>
+              <a:schemeClr val="tx1"/>
+            </a:solidFill>
+          </a:ln>
+        </p:spPr>
+        <p:style>
+          <a:lnRef idx="2">
+            <a:schemeClr val="accent1">
+              <a:shade val="50000"/>
+            </a:schemeClr>
+          </a:lnRef>
+          <a:fillRef idx="1">
+            <a:schemeClr val="accent1"/>
+          </a:fillRef>
+          <a:effectRef idx="0">
+            <a:schemeClr val="accent1"/>
+          </a:effectRef>
+          <a:fontRef idx="minor">
+            <a:schemeClr val="lt1"/>
+          </a:fontRef>
+        </p:style>
+        <p:txBody>
+          <a:bodyPr rtlCol="0" anchor="ctr"/>
+          <a:lstStyle/>
+          <a:p>
+            <a:pPr algn="ctr"/>
+            <a:r>
+              <a:rPr lang="en-ID" dirty="0" smtClean="0">
+                <a:solidFill>
+                  <a:schemeClr val="tx1"/>
+                </a:solidFill>
+              </a:rPr>
+              <a:t>End</a:t>
+            </a:r>
+            <a:endParaRPr lang="en-US" dirty="0">
+              <a:solidFill>
+                <a:schemeClr val="tx1"/>
+              </a:solidFill>
+            </a:endParaRPr>
+          </a:p>
+        </p:txBody>
+      </p:sp>
+      <p:cxnSp>
+        <p:nvCxnSpPr>
+          <p:cNvPr id="11" name="Straight Arrow Connector 10"/>
+          <p:cNvCxnSpPr>
+            <a:stCxn id="27" idx="2"/>
+            <a:endCxn id="9" idx="0"/>
+          </p:cNvCxnSpPr>
+          <p:nvPr/>
+        </p:nvCxnSpPr>
+        <p:spPr>
+          <a:xfrm>
+            <a:off x="2761727" y="5265480"/>
+            <a:ext cx="0" cy="676940"/>
+          </a:xfrm>
+          <a:prstGeom prst="straightConnector1">
+            <a:avLst/>
+          </a:prstGeom>
+          <a:ln w="19050">
+            <a:solidFill>
+              <a:schemeClr val="tx1"/>
+            </a:solidFill>
+            <a:tailEnd type="arrow"/>
+          </a:ln>
+        </p:spPr>
+        <p:style>
+          <a:lnRef idx="1">
+            <a:schemeClr val="accent1"/>
+          </a:lnRef>
+          <a:fillRef idx="0">
+            <a:schemeClr val="accent1"/>
+          </a:fillRef>
+          <a:effectRef idx="0">
+            <a:schemeClr val="accent1"/>
+          </a:effectRef>
+          <a:fontRef idx="minor">
+            <a:schemeClr val="tx1"/>
+          </a:fontRef>
+        </p:style>
+      </p:cxnSp>
+    </p:spTree>
+    <p:extLst>
+      <p:ext uri="{BB962C8B-B14F-4D97-AF65-F5344CB8AC3E}">
+        <p14:creationId xmlns:p14="http://schemas.microsoft.com/office/powerpoint/2010/main" val="3647388694"/>
+      </p:ext>
+    </p:extLst>
+  </p:cSld>
+  <p:clrMapOvr>
+    <a:masterClrMapping/>
+  </p:clrMapOvr>
+</p:sld>
+</file>
+
+<file path=ppt/slides/slide7.xml><?xml version="1.0" encoding="utf-8"?>
+<p:sld xmlns:a="http://schemas.openxmlformats.org/drawingml/2006/main" xmlns:r="http://schemas.openxmlformats.org/officeDocument/2006/relationships" xmlns:p="http://schemas.openxmlformats.org/presentationml/2006/main">
+  <p:cSld>
+    <p:spTree>
+      <p:nvGrpSpPr>
+        <p:cNvPr id="1" name=""/>
+        <p:cNvGrpSpPr/>
+        <p:nvPr/>
+      </p:nvGrpSpPr>
+      <p:grpSpPr>
+        <a:xfrm>
+          <a:off x="0" y="0"/>
+          <a:ext cx="0" cy="0"/>
+          <a:chOff x="0" y="0"/>
+          <a:chExt cx="0" cy="0"/>
+        </a:xfrm>
+      </p:grpSpPr>
+      <p:sp>
+        <p:nvSpPr>
           <p:cNvPr id="5" name="Flowchart: Decision 4"/>
           <p:cNvSpPr/>
           <p:nvPr/>
@@ -16211,7 +17723,7 @@
           <p:cNvPr id="39" name="Connector: Elbow 38">
             <a:extLst>
               <a:ext uri="{FF2B5EF4-FFF2-40B4-BE49-F238E27FC236}">
-                <a16:creationId xmlns:a16="http://schemas.microsoft.com/office/drawing/2014/main" id="{AB0C52CB-BFBC-45E9-A4BD-DBEBBA48C947}"/>
+                <a16:creationId xmlns:a16="http://schemas.microsoft.com/office/drawing/2014/main" xmlns="" id="{AB0C52CB-BFBC-45E9-A4BD-DBEBBA48C947}"/>
               </a:ext>
             </a:extLst>
           </p:cNvPr>
@@ -16257,7 +17769,7 @@
           <p:cNvPr id="46" name="Flowchart: Predefined Process 45">
             <a:extLst>
               <a:ext uri="{FF2B5EF4-FFF2-40B4-BE49-F238E27FC236}">
-                <a16:creationId xmlns:a16="http://schemas.microsoft.com/office/drawing/2014/main" id="{60B6889A-AFEC-4BFE-BA6C-A66524781ADE}"/>
+                <a16:creationId xmlns:a16="http://schemas.microsoft.com/office/drawing/2014/main" xmlns="" id="{60B6889A-AFEC-4BFE-BA6C-A66524781ADE}"/>
               </a:ext>
             </a:extLst>
           </p:cNvPr>
@@ -16367,7 +17879,7 @@
           <p:cNvPr id="50" name="Flowchart: Connector 49">
             <a:extLst>
               <a:ext uri="{FF2B5EF4-FFF2-40B4-BE49-F238E27FC236}">
-                <a16:creationId xmlns:a16="http://schemas.microsoft.com/office/drawing/2014/main" id="{85A5DEDA-7D14-4FE6-AE24-3848449208B7}"/>
+                <a16:creationId xmlns:a16="http://schemas.microsoft.com/office/drawing/2014/main" xmlns="" id="{85A5DEDA-7D14-4FE6-AE24-3848449208B7}"/>
               </a:ext>
             </a:extLst>
           </p:cNvPr>
@@ -16419,7 +17931,7 @@
           <p:cNvPr id="52" name="Connector: Elbow 51">
             <a:extLst>
               <a:ext uri="{FF2B5EF4-FFF2-40B4-BE49-F238E27FC236}">
-                <a16:creationId xmlns:a16="http://schemas.microsoft.com/office/drawing/2014/main" id="{34D277E0-BF56-42D2-A7D2-54099E8C4A70}"/>
+                <a16:creationId xmlns:a16="http://schemas.microsoft.com/office/drawing/2014/main" xmlns="" id="{34D277E0-BF56-42D2-A7D2-54099E8C4A70}"/>
               </a:ext>
             </a:extLst>
           </p:cNvPr>
@@ -16465,7 +17977,7 @@
           <p:cNvPr id="54" name="Connector: Elbow 53">
             <a:extLst>
               <a:ext uri="{FF2B5EF4-FFF2-40B4-BE49-F238E27FC236}">
-                <a16:creationId xmlns:a16="http://schemas.microsoft.com/office/drawing/2014/main" id="{25DB5EC8-72C6-486F-B231-530ED590DF59}"/>
+                <a16:creationId xmlns:a16="http://schemas.microsoft.com/office/drawing/2014/main" xmlns="" id="{25DB5EC8-72C6-486F-B231-530ED590DF59}"/>
               </a:ext>
             </a:extLst>
           </p:cNvPr>
@@ -16508,7 +18020,7 @@
           <p:cNvPr id="59" name="Straight Arrow Connector 58">
             <a:extLst>
               <a:ext uri="{FF2B5EF4-FFF2-40B4-BE49-F238E27FC236}">
-                <a16:creationId xmlns:a16="http://schemas.microsoft.com/office/drawing/2014/main" id="{446244A4-2DB1-4FBF-8535-D27CB03FB67A}"/>
+                <a16:creationId xmlns:a16="http://schemas.microsoft.com/office/drawing/2014/main" xmlns="" id="{446244A4-2DB1-4FBF-8535-D27CB03FB67A}"/>
               </a:ext>
             </a:extLst>
           </p:cNvPr>
@@ -16558,619 +18070,6 @@
 </p:sld>
 </file>
 
-<file path=ppt/slides/slide7.xml><?xml version="1.0" encoding="utf-8"?>
-<p:sld xmlns:a="http://schemas.openxmlformats.org/drawingml/2006/main" xmlns:r="http://schemas.openxmlformats.org/officeDocument/2006/relationships" xmlns:p="http://schemas.openxmlformats.org/presentationml/2006/main">
-  <p:cSld>
-    <p:spTree>
-      <p:nvGrpSpPr>
-        <p:cNvPr id="1" name=""/>
-        <p:cNvGrpSpPr/>
-        <p:nvPr/>
-      </p:nvGrpSpPr>
-      <p:grpSpPr>
-        <a:xfrm>
-          <a:off x="0" y="0"/>
-          <a:ext cx="0" cy="0"/>
-          <a:chOff x="0" y="0"/>
-          <a:chExt cx="0" cy="0"/>
-        </a:xfrm>
-      </p:grpSpPr>
-      <p:sp>
-        <p:nvSpPr>
-          <p:cNvPr id="5" name="Flowchart: Decision 4"/>
-          <p:cNvSpPr/>
-          <p:nvPr/>
-        </p:nvSpPr>
-        <p:spPr>
-          <a:xfrm>
-            <a:off x="2879812" y="2551485"/>
-            <a:ext cx="1800200" cy="1224136"/>
-          </a:xfrm>
-          <a:prstGeom prst="flowChartDecision">
-            <a:avLst/>
-          </a:prstGeom>
-          <a:noFill/>
-          <a:ln>
-            <a:solidFill>
-              <a:schemeClr val="tx1"/>
-            </a:solidFill>
-          </a:ln>
-        </p:spPr>
-        <p:style>
-          <a:lnRef idx="2">
-            <a:schemeClr val="accent1">
-              <a:shade val="50000"/>
-            </a:schemeClr>
-          </a:lnRef>
-          <a:fillRef idx="1">
-            <a:schemeClr val="accent1"/>
-          </a:fillRef>
-          <a:effectRef idx="0">
-            <a:schemeClr val="accent1"/>
-          </a:effectRef>
-          <a:fontRef idx="minor">
-            <a:schemeClr val="lt1"/>
-          </a:fontRef>
-        </p:style>
-        <p:txBody>
-          <a:bodyPr rtlCol="0" anchor="ctr"/>
-          <a:lstStyle/>
-          <a:p>
-            <a:pPr algn="ctr"/>
-            <a:r>
-              <a:rPr lang="en-ID" dirty="0">
-                <a:solidFill>
-                  <a:schemeClr val="tx1"/>
-                </a:solidFill>
-              </a:rPr>
-              <a:t>Val &gt; Setting</a:t>
-            </a:r>
-            <a:endParaRPr lang="en-US" dirty="0">
-              <a:solidFill>
-                <a:schemeClr val="tx1"/>
-              </a:solidFill>
-            </a:endParaRPr>
-          </a:p>
-        </p:txBody>
-      </p:sp>
-      <p:cxnSp>
-        <p:nvCxnSpPr>
-          <p:cNvPr id="7" name="Straight Arrow Connector 6"/>
-          <p:cNvCxnSpPr>
-            <a:stCxn id="2" idx="2"/>
-            <a:endCxn id="5" idx="0"/>
-          </p:cNvCxnSpPr>
-          <p:nvPr/>
-        </p:nvCxnSpPr>
-        <p:spPr>
-          <a:xfrm>
-            <a:off x="3779912" y="1844824"/>
-            <a:ext cx="0" cy="706661"/>
-          </a:xfrm>
-          <a:prstGeom prst="straightConnector1">
-            <a:avLst/>
-          </a:prstGeom>
-          <a:ln w="19050">
-            <a:solidFill>
-              <a:schemeClr val="tx1"/>
-            </a:solidFill>
-            <a:tailEnd type="arrow"/>
-          </a:ln>
-        </p:spPr>
-        <p:style>
-          <a:lnRef idx="1">
-            <a:schemeClr val="accent1"/>
-          </a:lnRef>
-          <a:fillRef idx="0">
-            <a:schemeClr val="accent1"/>
-          </a:fillRef>
-          <a:effectRef idx="0">
-            <a:schemeClr val="accent1"/>
-          </a:effectRef>
-          <a:fontRef idx="minor">
-            <a:schemeClr val="tx1"/>
-          </a:fontRef>
-        </p:style>
-      </p:cxnSp>
-      <p:cxnSp>
-        <p:nvCxnSpPr>
-          <p:cNvPr id="9" name="Straight Arrow Connector 8"/>
-          <p:cNvCxnSpPr>
-            <a:stCxn id="5" idx="3"/>
-            <a:endCxn id="14" idx="1"/>
-          </p:cNvCxnSpPr>
-          <p:nvPr/>
-        </p:nvCxnSpPr>
-        <p:spPr>
-          <a:xfrm>
-            <a:off x="4680012" y="3163553"/>
-            <a:ext cx="828092" cy="0"/>
-          </a:xfrm>
-          <a:prstGeom prst="straightConnector1">
-            <a:avLst/>
-          </a:prstGeom>
-          <a:ln w="19050">
-            <a:solidFill>
-              <a:schemeClr val="tx1"/>
-            </a:solidFill>
-            <a:tailEnd type="arrow"/>
-          </a:ln>
-        </p:spPr>
-        <p:style>
-          <a:lnRef idx="1">
-            <a:schemeClr val="accent1"/>
-          </a:lnRef>
-          <a:fillRef idx="0">
-            <a:schemeClr val="accent1"/>
-          </a:fillRef>
-          <a:effectRef idx="0">
-            <a:schemeClr val="accent1"/>
-          </a:effectRef>
-          <a:fontRef idx="minor">
-            <a:schemeClr val="tx1"/>
-          </a:fontRef>
-        </p:style>
-      </p:cxnSp>
-      <p:cxnSp>
-        <p:nvCxnSpPr>
-          <p:cNvPr id="11" name="Straight Arrow Connector 10"/>
-          <p:cNvCxnSpPr>
-            <a:stCxn id="5" idx="2"/>
-            <a:endCxn id="25" idx="0"/>
-          </p:cNvCxnSpPr>
-          <p:nvPr/>
-        </p:nvCxnSpPr>
-        <p:spPr>
-          <a:xfrm>
-            <a:off x="3779912" y="3775621"/>
-            <a:ext cx="0" cy="620045"/>
-          </a:xfrm>
-          <a:prstGeom prst="straightConnector1">
-            <a:avLst/>
-          </a:prstGeom>
-          <a:ln w="19050">
-            <a:solidFill>
-              <a:schemeClr val="tx1"/>
-            </a:solidFill>
-            <a:tailEnd type="arrow"/>
-          </a:ln>
-        </p:spPr>
-        <p:style>
-          <a:lnRef idx="1">
-            <a:schemeClr val="accent1"/>
-          </a:lnRef>
-          <a:fillRef idx="0">
-            <a:schemeClr val="accent1"/>
-          </a:fillRef>
-          <a:effectRef idx="0">
-            <a:schemeClr val="accent1"/>
-          </a:effectRef>
-          <a:fontRef idx="minor">
-            <a:schemeClr val="tx1"/>
-          </a:fontRef>
-        </p:style>
-      </p:cxnSp>
-      <p:sp>
-        <p:nvSpPr>
-          <p:cNvPr id="12" name="TextBox 11"/>
-          <p:cNvSpPr txBox="1"/>
-          <p:nvPr/>
-        </p:nvSpPr>
-        <p:spPr>
-          <a:xfrm>
-            <a:off x="4890478" y="2758746"/>
-            <a:ext cx="485518" cy="369332"/>
-          </a:xfrm>
-          <a:prstGeom prst="rect">
-            <a:avLst/>
-          </a:prstGeom>
-          <a:noFill/>
-        </p:spPr>
-        <p:txBody>
-          <a:bodyPr wrap="none" rtlCol="0">
-            <a:spAutoFit/>
-          </a:bodyPr>
-          <a:lstStyle/>
-          <a:p>
-            <a:r>
-              <a:rPr lang="en-ID" dirty="0"/>
-              <a:t>Yes</a:t>
-            </a:r>
-            <a:endParaRPr lang="en-US" dirty="0"/>
-          </a:p>
-        </p:txBody>
-      </p:sp>
-      <p:sp>
-        <p:nvSpPr>
-          <p:cNvPr id="13" name="TextBox 12"/>
-          <p:cNvSpPr txBox="1"/>
-          <p:nvPr/>
-        </p:nvSpPr>
-        <p:spPr>
-          <a:xfrm>
-            <a:off x="3851920" y="3851756"/>
-            <a:ext cx="455574" cy="369332"/>
-          </a:xfrm>
-          <a:prstGeom prst="rect">
-            <a:avLst/>
-          </a:prstGeom>
-          <a:noFill/>
-        </p:spPr>
-        <p:txBody>
-          <a:bodyPr wrap="none" rtlCol="0">
-            <a:spAutoFit/>
-          </a:bodyPr>
-          <a:lstStyle/>
-          <a:p>
-            <a:r>
-              <a:rPr lang="en-ID" dirty="0"/>
-              <a:t>No</a:t>
-            </a:r>
-            <a:endParaRPr lang="en-US" dirty="0"/>
-          </a:p>
-        </p:txBody>
-      </p:sp>
-      <p:sp>
-        <p:nvSpPr>
-          <p:cNvPr id="14" name="TextBox 13"/>
-          <p:cNvSpPr txBox="1"/>
-          <p:nvPr/>
-        </p:nvSpPr>
-        <p:spPr>
-          <a:xfrm>
-            <a:off x="5508104" y="2840387"/>
-            <a:ext cx="1656184" cy="646331"/>
-          </a:xfrm>
-          <a:prstGeom prst="rect">
-            <a:avLst/>
-          </a:prstGeom>
-          <a:noFill/>
-          <a:ln>
-            <a:solidFill>
-              <a:schemeClr val="tx1"/>
-            </a:solidFill>
-          </a:ln>
-        </p:spPr>
-        <p:txBody>
-          <a:bodyPr wrap="square" rtlCol="0">
-            <a:spAutoFit/>
-          </a:bodyPr>
-          <a:lstStyle/>
-          <a:p>
-            <a:pPr algn="ctr"/>
-            <a:r>
-              <a:rPr lang="en-ID" dirty="0"/>
-              <a:t>statusAi  = HIGH_ALARM</a:t>
-            </a:r>
-            <a:endParaRPr lang="en-US" dirty="0"/>
-          </a:p>
-        </p:txBody>
-      </p:sp>
-      <p:sp>
-        <p:nvSpPr>
-          <p:cNvPr id="16" name="TextBox 15"/>
-          <p:cNvSpPr txBox="1"/>
-          <p:nvPr/>
-        </p:nvSpPr>
-        <p:spPr>
-          <a:xfrm>
-            <a:off x="2457033" y="332656"/>
-            <a:ext cx="3495701" cy="369332"/>
-          </a:xfrm>
-          <a:prstGeom prst="rect">
-            <a:avLst/>
-          </a:prstGeom>
-          <a:noFill/>
-        </p:spPr>
-        <p:txBody>
-          <a:bodyPr wrap="none" rtlCol="0">
-            <a:spAutoFit/>
-          </a:bodyPr>
-          <a:lstStyle/>
-          <a:p>
-            <a:r>
-              <a:rPr lang="en-ID" b="1" dirty="0"/>
-              <a:t>Flowchart _fireSensor-&gt;getStatus()</a:t>
-            </a:r>
-            <a:endParaRPr lang="en-US" b="1" dirty="0"/>
-          </a:p>
-        </p:txBody>
-      </p:sp>
-      <p:sp>
-        <p:nvSpPr>
-          <p:cNvPr id="2" name="Flowchart: Predefined Process 1"/>
-          <p:cNvSpPr/>
-          <p:nvPr/>
-        </p:nvSpPr>
-        <p:spPr>
-          <a:xfrm>
-            <a:off x="1619672" y="836712"/>
-            <a:ext cx="4320480" cy="1008112"/>
-          </a:xfrm>
-          <a:prstGeom prst="flowChartPredefinedProcess">
-            <a:avLst/>
-          </a:prstGeom>
-          <a:noFill/>
-          <a:ln>
-            <a:solidFill>
-              <a:schemeClr val="tx1"/>
-            </a:solidFill>
-          </a:ln>
-        </p:spPr>
-        <p:style>
-          <a:lnRef idx="2">
-            <a:schemeClr val="accent1">
-              <a:shade val="50000"/>
-            </a:schemeClr>
-          </a:lnRef>
-          <a:fillRef idx="1">
-            <a:schemeClr val="accent1"/>
-          </a:fillRef>
-          <a:effectRef idx="0">
-            <a:schemeClr val="accent1"/>
-          </a:effectRef>
-          <a:fontRef idx="minor">
-            <a:schemeClr val="lt1"/>
-          </a:fontRef>
-        </p:style>
-        <p:txBody>
-          <a:bodyPr rtlCol="0" anchor="ctr"/>
-          <a:lstStyle/>
-          <a:p>
-            <a:pPr algn="ctr"/>
-            <a:endParaRPr lang="en-ID" dirty="0">
-              <a:solidFill>
-                <a:schemeClr val="tx1"/>
-              </a:solidFill>
-            </a:endParaRPr>
-          </a:p>
-          <a:p>
-            <a:pPr algn="ctr"/>
-            <a:r>
-              <a:rPr lang="en-ID" dirty="0">
-                <a:solidFill>
-                  <a:schemeClr val="tx1"/>
-                </a:solidFill>
-              </a:rPr>
-              <a:t>getValue from sensor</a:t>
-            </a:r>
-          </a:p>
-          <a:p>
-            <a:pPr algn="ctr"/>
-            <a:r>
-              <a:rPr lang="en-ID" dirty="0">
-                <a:solidFill>
-                  <a:schemeClr val="tx1"/>
-                </a:solidFill>
-              </a:rPr>
-              <a:t>(with AlfaEMA filter)</a:t>
-            </a:r>
-          </a:p>
-          <a:p>
-            <a:pPr algn="ctr"/>
-            <a:r>
-              <a:rPr lang="en-ID" dirty="0">
-                <a:solidFill>
-                  <a:schemeClr val="tx1"/>
-                </a:solidFill>
-              </a:rPr>
-              <a:t>statusAi = NO_ALARM</a:t>
-            </a:r>
-            <a:endParaRPr lang="en-US" dirty="0">
-              <a:solidFill>
-                <a:schemeClr val="tx1"/>
-              </a:solidFill>
-            </a:endParaRPr>
-          </a:p>
-          <a:p>
-            <a:pPr algn="ctr"/>
-            <a:endParaRPr lang="en-US" dirty="0"/>
-          </a:p>
-        </p:txBody>
-      </p:sp>
-      <p:sp>
-        <p:nvSpPr>
-          <p:cNvPr id="18" name="TextBox 17"/>
-          <p:cNvSpPr txBox="1"/>
-          <p:nvPr/>
-        </p:nvSpPr>
-        <p:spPr>
-          <a:xfrm>
-            <a:off x="2945291" y="5517232"/>
-            <a:ext cx="1656184" cy="646331"/>
-          </a:xfrm>
-          <a:prstGeom prst="rect">
-            <a:avLst/>
-          </a:prstGeom>
-          <a:noFill/>
-          <a:ln>
-            <a:solidFill>
-              <a:schemeClr val="tx1"/>
-            </a:solidFill>
-          </a:ln>
-        </p:spPr>
-        <p:txBody>
-          <a:bodyPr wrap="square" rtlCol="0">
-            <a:spAutoFit/>
-          </a:bodyPr>
-          <a:lstStyle/>
-          <a:p>
-            <a:pPr algn="ctr"/>
-            <a:r>
-              <a:rPr lang="en-ID" dirty="0"/>
-              <a:t>return (statusAi)</a:t>
-            </a:r>
-            <a:endParaRPr lang="en-US" dirty="0"/>
-          </a:p>
-        </p:txBody>
-      </p:sp>
-      <p:cxnSp>
-        <p:nvCxnSpPr>
-          <p:cNvPr id="19" name="Straight Arrow Connector 18"/>
-          <p:cNvCxnSpPr>
-            <a:stCxn id="25" idx="4"/>
-            <a:endCxn id="18" idx="0"/>
-          </p:cNvCxnSpPr>
-          <p:nvPr/>
-        </p:nvCxnSpPr>
-        <p:spPr>
-          <a:xfrm flipH="1">
-            <a:off x="3773383" y="4852866"/>
-            <a:ext cx="6529" cy="664366"/>
-          </a:xfrm>
-          <a:prstGeom prst="straightConnector1">
-            <a:avLst/>
-          </a:prstGeom>
-          <a:ln w="19050">
-            <a:solidFill>
-              <a:schemeClr val="tx1"/>
-            </a:solidFill>
-            <a:tailEnd type="arrow"/>
-          </a:ln>
-        </p:spPr>
-        <p:style>
-          <a:lnRef idx="1">
-            <a:schemeClr val="accent1"/>
-          </a:lnRef>
-          <a:fillRef idx="0">
-            <a:schemeClr val="accent1"/>
-          </a:fillRef>
-          <a:effectRef idx="0">
-            <a:schemeClr val="accent1"/>
-          </a:effectRef>
-          <a:fontRef idx="minor">
-            <a:schemeClr val="tx1"/>
-          </a:fontRef>
-        </p:style>
-      </p:cxnSp>
-      <p:cxnSp>
-        <p:nvCxnSpPr>
-          <p:cNvPr id="21" name="Elbow Connector 20"/>
-          <p:cNvCxnSpPr>
-            <a:stCxn id="14" idx="2"/>
-            <a:endCxn id="25" idx="6"/>
-          </p:cNvCxnSpPr>
-          <p:nvPr/>
-        </p:nvCxnSpPr>
-        <p:spPr>
-          <a:xfrm rot="5400000">
-            <a:off x="4603580" y="2891650"/>
-            <a:ext cx="1137548" cy="2327684"/>
-          </a:xfrm>
-          <a:prstGeom prst="bentConnector2">
-            <a:avLst/>
-          </a:prstGeom>
-          <a:ln w="19050">
-            <a:solidFill>
-              <a:schemeClr val="tx1"/>
-            </a:solidFill>
-            <a:tailEnd type="arrow"/>
-          </a:ln>
-        </p:spPr>
-        <p:style>
-          <a:lnRef idx="1">
-            <a:schemeClr val="accent1"/>
-          </a:lnRef>
-          <a:fillRef idx="0">
-            <a:schemeClr val="accent1"/>
-          </a:fillRef>
-          <a:effectRef idx="0">
-            <a:schemeClr val="accent1"/>
-          </a:effectRef>
-          <a:fontRef idx="minor">
-            <a:schemeClr val="tx1"/>
-          </a:fontRef>
-        </p:style>
-      </p:cxnSp>
-      <p:sp>
-        <p:nvSpPr>
-          <p:cNvPr id="24" name="TextBox 23"/>
-          <p:cNvSpPr txBox="1"/>
-          <p:nvPr/>
-        </p:nvSpPr>
-        <p:spPr>
-          <a:xfrm>
-            <a:off x="5422877" y="6163563"/>
-            <a:ext cx="3541611" cy="369332"/>
-          </a:xfrm>
-          <a:prstGeom prst="rect">
-            <a:avLst/>
-          </a:prstGeom>
-          <a:noFill/>
-        </p:spPr>
-        <p:txBody>
-          <a:bodyPr wrap="none" rtlCol="0">
-            <a:spAutoFit/>
-          </a:bodyPr>
-          <a:lstStyle/>
-          <a:p>
-            <a:r>
-              <a:rPr lang="en-ID" dirty="0"/>
-              <a:t>File : src\ioDevices\analogInput.cpp</a:t>
-            </a:r>
-            <a:endParaRPr lang="en-US" dirty="0"/>
-          </a:p>
-        </p:txBody>
-      </p:sp>
-      <p:sp>
-        <p:nvSpPr>
-          <p:cNvPr id="25" name="Flowchart: Connector 24"/>
-          <p:cNvSpPr/>
-          <p:nvPr/>
-        </p:nvSpPr>
-        <p:spPr>
-          <a:xfrm>
-            <a:off x="3551312" y="4395666"/>
-            <a:ext cx="457200" cy="457200"/>
-          </a:xfrm>
-          <a:prstGeom prst="flowChartConnector">
-            <a:avLst/>
-          </a:prstGeom>
-          <a:noFill/>
-          <a:ln>
-            <a:solidFill>
-              <a:schemeClr val="tx1"/>
-            </a:solidFill>
-          </a:ln>
-        </p:spPr>
-        <p:style>
-          <a:lnRef idx="2">
-            <a:schemeClr val="accent1">
-              <a:shade val="50000"/>
-            </a:schemeClr>
-          </a:lnRef>
-          <a:fillRef idx="1">
-            <a:schemeClr val="accent1"/>
-          </a:fillRef>
-          <a:effectRef idx="0">
-            <a:schemeClr val="accent1"/>
-          </a:effectRef>
-          <a:fontRef idx="minor">
-            <a:schemeClr val="lt1"/>
-          </a:fontRef>
-        </p:style>
-        <p:txBody>
-          <a:bodyPr rtlCol="0" anchor="ctr"/>
-          <a:lstStyle/>
-          <a:p>
-            <a:pPr algn="ctr"/>
-            <a:endParaRPr lang="en-US"/>
-          </a:p>
-        </p:txBody>
-      </p:sp>
-    </p:spTree>
-    <p:extLst>
-      <p:ext uri="{BB962C8B-B14F-4D97-AF65-F5344CB8AC3E}">
-        <p14:creationId xmlns:p14="http://schemas.microsoft.com/office/powerpoint/2010/main" val="3718141921"/>
-      </p:ext>
-    </p:extLst>
-  </p:cSld>
-  <p:clrMapOvr>
-    <a:masterClrMapping/>
-  </p:clrMapOvr>
-</p:sld>
-</file>
-
 <file path=ppt/slides/slide8.xml><?xml version="1.0" encoding="utf-8"?>
 <p:sld xmlns:a="http://schemas.openxmlformats.org/drawingml/2006/main" xmlns:r="http://schemas.openxmlformats.org/officeDocument/2006/relationships" xmlns:p="http://schemas.openxmlformats.org/presentationml/2006/main">
   <p:cSld>
@@ -17190,60 +18089,20 @@
       </p:grpSpPr>
       <p:sp>
         <p:nvSpPr>
-          <p:cNvPr id="4" name="Rectangle 3"/>
+          <p:cNvPr id="5" name="Flowchart: Decision 4"/>
           <p:cNvSpPr/>
           <p:nvPr/>
         </p:nvSpPr>
         <p:spPr>
           <a:xfrm>
-            <a:off x="3479223" y="188639"/>
-            <a:ext cx="5065874" cy="584775"/>
-          </a:xfrm>
-          <a:prstGeom prst="rect">
-            <a:avLst/>
-          </a:prstGeom>
-        </p:spPr>
-        <p:txBody>
-          <a:bodyPr wrap="none">
-            <a:spAutoFit/>
-          </a:bodyPr>
-          <a:lstStyle/>
-          <a:p>
-            <a:r>
-              <a:rPr lang="en-ID" b="1" dirty="0"/>
-              <a:t>Flowchart </a:t>
-            </a:r>
-            <a:r>
-              <a:rPr lang="en-US" dirty="0"/>
-              <a:t>_pbAMRT-&gt;getCmd(DEBOUNCING_TIME)</a:t>
-            </a:r>
-          </a:p>
-          <a:p>
-            <a:pPr algn="ctr"/>
-            <a:r>
-              <a:rPr lang="en-ID" sz="1400" dirty="0"/>
-              <a:t>File : src\compDevices\pbAMRT.cpp</a:t>
-            </a:r>
-            <a:endParaRPr lang="en-US" sz="1400" dirty="0"/>
-          </a:p>
-        </p:txBody>
-      </p:sp>
-      <p:sp>
-        <p:nvSpPr>
-          <p:cNvPr id="7" name="Flowchart: Decision 6"/>
-          <p:cNvSpPr/>
-          <p:nvPr/>
-        </p:nvSpPr>
-        <p:spPr>
-          <a:xfrm>
-            <a:off x="1099338" y="1808240"/>
-            <a:ext cx="1667036" cy="864096"/>
+            <a:off x="2879812" y="2551485"/>
+            <a:ext cx="1800200" cy="1224136"/>
           </a:xfrm>
           <a:prstGeom prst="flowChartDecision">
             <a:avLst/>
           </a:prstGeom>
           <a:noFill/>
-          <a:ln w="19050">
+          <a:ln>
             <a:solidFill>
               <a:schemeClr val="tx1"/>
             </a:solidFill>
@@ -17271,14 +18130,14 @@
           <a:p>
             <a:pPr algn="ctr"/>
             <a:r>
-              <a:rPr lang="en-ID" sz="1400" dirty="0">
+              <a:rPr lang="en-ID" dirty="0">
                 <a:solidFill>
                   <a:schemeClr val="tx1"/>
                 </a:solidFill>
               </a:rPr>
-              <a:t>_pbTest = active</a:t>
-            </a:r>
-            <a:endParaRPr lang="en-US" sz="1400" dirty="0">
+              <a:t>Val &gt; Setting</a:t>
+            </a:r>
+            <a:endParaRPr lang="en-US" dirty="0">
               <a:solidFill>
                 <a:schemeClr val="tx1"/>
               </a:solidFill>
@@ -17288,791 +18147,17 @@
       </p:sp>
       <p:cxnSp>
         <p:nvCxnSpPr>
-          <p:cNvPr id="9" name="Straight Arrow Connector 8"/>
+          <p:cNvPr id="7" name="Straight Arrow Connector 6"/>
           <p:cNvCxnSpPr>
-            <a:stCxn id="112" idx="2"/>
-            <a:endCxn id="7" idx="0"/>
+            <a:stCxn id="2" idx="2"/>
+            <a:endCxn id="5" idx="0"/>
           </p:cNvCxnSpPr>
           <p:nvPr/>
         </p:nvCxnSpPr>
         <p:spPr>
-          <a:xfrm flipH="1">
-            <a:off x="1932856" y="1484784"/>
-            <a:ext cx="13063" cy="323456"/>
-          </a:xfrm>
-          <a:prstGeom prst="straightConnector1">
-            <a:avLst/>
-          </a:prstGeom>
-          <a:ln w="19050">
-            <a:solidFill>
-              <a:schemeClr val="tx1"/>
-            </a:solidFill>
-            <a:tailEnd type="arrow"/>
-          </a:ln>
-        </p:spPr>
-        <p:style>
-          <a:lnRef idx="1">
-            <a:schemeClr val="accent1"/>
-          </a:lnRef>
-          <a:fillRef idx="0">
-            <a:schemeClr val="accent1"/>
-          </a:fillRef>
-          <a:effectRef idx="0">
-            <a:schemeClr val="accent1"/>
-          </a:effectRef>
-          <a:fontRef idx="minor">
-            <a:schemeClr val="tx1"/>
-          </a:fontRef>
-        </p:style>
-      </p:cxnSp>
-      <p:sp>
-        <p:nvSpPr>
-          <p:cNvPr id="14" name="TextBox 13"/>
-          <p:cNvSpPr txBox="1"/>
-          <p:nvPr/>
-        </p:nvSpPr>
-        <p:spPr>
-          <a:xfrm>
-            <a:off x="3226258" y="1917122"/>
-            <a:ext cx="1656184" cy="646331"/>
-          </a:xfrm>
-          <a:prstGeom prst="rect">
-            <a:avLst/>
-          </a:prstGeom>
-          <a:noFill/>
-          <a:ln w="19050">
-            <a:solidFill>
-              <a:schemeClr val="tx1"/>
-            </a:solidFill>
-          </a:ln>
-        </p:spPr>
-        <p:txBody>
-          <a:bodyPr wrap="square" rtlCol="0">
-            <a:spAutoFit/>
-          </a:bodyPr>
-          <a:lstStyle/>
-          <a:p>
-            <a:pPr algn="ctr"/>
-            <a:r>
-              <a:rPr lang="en-ID" dirty="0"/>
-              <a:t>cmd  = </a:t>
-            </a:r>
-            <a:r>
-              <a:rPr lang="en-US" dirty="0"/>
-              <a:t>MODE_TEST</a:t>
-            </a:r>
-          </a:p>
-        </p:txBody>
-      </p:sp>
-      <p:cxnSp>
-        <p:nvCxnSpPr>
-          <p:cNvPr id="16" name="Straight Arrow Connector 15"/>
-          <p:cNvCxnSpPr>
-            <a:stCxn id="7" idx="3"/>
-            <a:endCxn id="14" idx="1"/>
-          </p:cNvCxnSpPr>
-          <p:nvPr/>
-        </p:nvCxnSpPr>
-        <p:spPr>
-          <a:xfrm>
-            <a:off x="2766374" y="2240288"/>
-            <a:ext cx="459884" cy="0"/>
-          </a:xfrm>
-          <a:prstGeom prst="straightConnector1">
-            <a:avLst/>
-          </a:prstGeom>
-          <a:ln w="19050">
-            <a:solidFill>
-              <a:schemeClr val="tx1"/>
-            </a:solidFill>
-            <a:tailEnd type="arrow"/>
-          </a:ln>
-        </p:spPr>
-        <p:style>
-          <a:lnRef idx="1">
-            <a:schemeClr val="accent1"/>
-          </a:lnRef>
-          <a:fillRef idx="0">
-            <a:schemeClr val="accent1"/>
-          </a:fillRef>
-          <a:effectRef idx="0">
-            <a:schemeClr val="accent1"/>
-          </a:effectRef>
-          <a:fontRef idx="minor">
-            <a:schemeClr val="tx1"/>
-          </a:fontRef>
-        </p:style>
-      </p:cxnSp>
-      <p:sp>
-        <p:nvSpPr>
-          <p:cNvPr id="20" name="TextBox 19"/>
-          <p:cNvSpPr txBox="1"/>
-          <p:nvPr/>
-        </p:nvSpPr>
-        <p:spPr>
-          <a:xfrm>
-            <a:off x="2753557" y="1886502"/>
-            <a:ext cx="485518" cy="369332"/>
-          </a:xfrm>
-          <a:prstGeom prst="rect">
-            <a:avLst/>
-          </a:prstGeom>
-          <a:noFill/>
-          <a:ln w="19050">
-            <a:noFill/>
-          </a:ln>
-        </p:spPr>
-        <p:txBody>
-          <a:bodyPr wrap="none" rtlCol="0">
-            <a:spAutoFit/>
-          </a:bodyPr>
-          <a:lstStyle/>
-          <a:p>
-            <a:r>
-              <a:rPr lang="en-ID" dirty="0"/>
-              <a:t>Yes</a:t>
-            </a:r>
-            <a:endParaRPr lang="en-US" dirty="0"/>
-          </a:p>
-        </p:txBody>
-      </p:sp>
-      <p:sp>
-        <p:nvSpPr>
-          <p:cNvPr id="21" name="TextBox 20"/>
-          <p:cNvSpPr txBox="1"/>
-          <p:nvPr/>
-        </p:nvSpPr>
-        <p:spPr>
-          <a:xfrm>
-            <a:off x="1965068" y="2687882"/>
-            <a:ext cx="455574" cy="369332"/>
-          </a:xfrm>
-          <a:prstGeom prst="rect">
-            <a:avLst/>
-          </a:prstGeom>
-          <a:noFill/>
-          <a:ln w="19050">
-            <a:noFill/>
-          </a:ln>
-        </p:spPr>
-        <p:txBody>
-          <a:bodyPr wrap="none" rtlCol="0">
-            <a:spAutoFit/>
-          </a:bodyPr>
-          <a:lstStyle/>
-          <a:p>
-            <a:r>
-              <a:rPr lang="en-ID" dirty="0"/>
-              <a:t>No</a:t>
-            </a:r>
-            <a:endParaRPr lang="en-US" dirty="0"/>
-          </a:p>
-        </p:txBody>
-      </p:sp>
-      <p:sp>
-        <p:nvSpPr>
-          <p:cNvPr id="22" name="Flowchart: Decision 21"/>
-          <p:cNvSpPr/>
-          <p:nvPr/>
-        </p:nvSpPr>
-        <p:spPr>
-          <a:xfrm>
-            <a:off x="971600" y="3176392"/>
-            <a:ext cx="1944216" cy="864096"/>
-          </a:xfrm>
-          <a:prstGeom prst="flowChartDecision">
-            <a:avLst/>
-          </a:prstGeom>
-          <a:noFill/>
-          <a:ln w="19050">
-            <a:solidFill>
-              <a:schemeClr val="tx1"/>
-            </a:solidFill>
-          </a:ln>
-        </p:spPr>
-        <p:style>
-          <a:lnRef idx="2">
-            <a:schemeClr val="accent1">
-              <a:shade val="50000"/>
-            </a:schemeClr>
-          </a:lnRef>
-          <a:fillRef idx="1">
-            <a:schemeClr val="accent1"/>
-          </a:fillRef>
-          <a:effectRef idx="0">
-            <a:schemeClr val="accent1"/>
-          </a:effectRef>
-          <a:fontRef idx="minor">
-            <a:schemeClr val="lt1"/>
-          </a:fontRef>
-        </p:style>
-        <p:txBody>
-          <a:bodyPr rtlCol="0" anchor="ctr"/>
-          <a:lstStyle/>
-          <a:p>
-            <a:pPr algn="ctr"/>
-            <a:r>
-              <a:rPr lang="en-ID" sz="1400" dirty="0">
-                <a:solidFill>
-                  <a:schemeClr val="tx1"/>
-                </a:solidFill>
-              </a:rPr>
-              <a:t>_pbReset = active</a:t>
-            </a:r>
-            <a:endParaRPr lang="en-US" sz="1400" dirty="0">
-              <a:solidFill>
-                <a:schemeClr val="tx1"/>
-              </a:solidFill>
-            </a:endParaRPr>
-          </a:p>
-        </p:txBody>
-      </p:sp>
-      <p:cxnSp>
-        <p:nvCxnSpPr>
-          <p:cNvPr id="24" name="Straight Arrow Connector 23"/>
-          <p:cNvCxnSpPr>
-            <a:stCxn id="7" idx="2"/>
-            <a:endCxn id="22" idx="0"/>
-          </p:cNvCxnSpPr>
-          <p:nvPr/>
-        </p:nvCxnSpPr>
-        <p:spPr>
-          <a:xfrm>
-            <a:off x="1932856" y="2672336"/>
-            <a:ext cx="10852" cy="504056"/>
-          </a:xfrm>
-          <a:prstGeom prst="straightConnector1">
-            <a:avLst/>
-          </a:prstGeom>
-          <a:ln w="19050">
-            <a:solidFill>
-              <a:schemeClr val="tx1"/>
-            </a:solidFill>
-            <a:tailEnd type="arrow"/>
-          </a:ln>
-        </p:spPr>
-        <p:style>
-          <a:lnRef idx="1">
-            <a:schemeClr val="accent1"/>
-          </a:lnRef>
-          <a:fillRef idx="0">
-            <a:schemeClr val="accent1"/>
-          </a:fillRef>
-          <a:effectRef idx="0">
-            <a:schemeClr val="accent1"/>
-          </a:effectRef>
-          <a:fontRef idx="minor">
-            <a:schemeClr val="tx1"/>
-          </a:fontRef>
-        </p:style>
-      </p:cxnSp>
-      <p:sp>
-        <p:nvSpPr>
-          <p:cNvPr id="27" name="Flowchart: Decision 26"/>
-          <p:cNvSpPr/>
-          <p:nvPr/>
-        </p:nvSpPr>
-        <p:spPr>
-          <a:xfrm>
-            <a:off x="4067944" y="3176392"/>
-            <a:ext cx="2232248" cy="864096"/>
-          </a:xfrm>
-          <a:prstGeom prst="flowChartDecision">
-            <a:avLst/>
-          </a:prstGeom>
-          <a:noFill/>
-          <a:ln w="19050">
-            <a:solidFill>
-              <a:schemeClr val="tx1"/>
-            </a:solidFill>
-          </a:ln>
-        </p:spPr>
-        <p:style>
-          <a:lnRef idx="2">
-            <a:schemeClr val="accent1">
-              <a:shade val="50000"/>
-            </a:schemeClr>
-          </a:lnRef>
-          <a:fillRef idx="1">
-            <a:schemeClr val="accent1"/>
-          </a:fillRef>
-          <a:effectRef idx="0">
-            <a:schemeClr val="accent1"/>
-          </a:effectRef>
-          <a:fontRef idx="minor">
-            <a:schemeClr val="lt1"/>
-          </a:fontRef>
-        </p:style>
-        <p:txBody>
-          <a:bodyPr rtlCol="0" anchor="ctr"/>
-          <a:lstStyle/>
-          <a:p>
-            <a:pPr algn="ctr"/>
-            <a:r>
-              <a:rPr lang="en-ID" sz="1400" dirty="0">
-                <a:solidFill>
-                  <a:schemeClr val="tx1"/>
-                </a:solidFill>
-              </a:rPr>
-              <a:t>_prevCmd = </a:t>
-            </a:r>
-            <a:r>
-              <a:rPr lang="en-US" sz="1400" dirty="0">
-                <a:solidFill>
-                  <a:schemeClr val="tx1"/>
-                </a:solidFill>
-              </a:rPr>
-              <a:t>MODE_RESET</a:t>
-            </a:r>
-          </a:p>
-        </p:txBody>
-      </p:sp>
-      <p:cxnSp>
-        <p:nvCxnSpPr>
-          <p:cNvPr id="29" name="Straight Arrow Connector 28"/>
-          <p:cNvCxnSpPr>
-            <a:stCxn id="22" idx="3"/>
-            <a:endCxn id="27" idx="1"/>
-          </p:cNvCxnSpPr>
-          <p:nvPr/>
-        </p:nvCxnSpPr>
-        <p:spPr>
-          <a:xfrm>
-            <a:off x="2915816" y="3608440"/>
-            <a:ext cx="1152128" cy="0"/>
-          </a:xfrm>
-          <a:prstGeom prst="straightConnector1">
-            <a:avLst/>
-          </a:prstGeom>
-          <a:ln w="19050">
-            <a:solidFill>
-              <a:schemeClr val="tx1"/>
-            </a:solidFill>
-            <a:tailEnd type="arrow"/>
-          </a:ln>
-        </p:spPr>
-        <p:style>
-          <a:lnRef idx="1">
-            <a:schemeClr val="accent1"/>
-          </a:lnRef>
-          <a:fillRef idx="0">
-            <a:schemeClr val="accent1"/>
-          </a:fillRef>
-          <a:effectRef idx="0">
-            <a:schemeClr val="accent1"/>
-          </a:effectRef>
-          <a:fontRef idx="minor">
-            <a:schemeClr val="tx1"/>
-          </a:fontRef>
-        </p:style>
-      </p:cxnSp>
-      <p:sp>
-        <p:nvSpPr>
-          <p:cNvPr id="30" name="TextBox 29"/>
-          <p:cNvSpPr txBox="1"/>
-          <p:nvPr/>
-        </p:nvSpPr>
-        <p:spPr>
-          <a:xfrm>
-            <a:off x="2915816" y="3239108"/>
-            <a:ext cx="485518" cy="369332"/>
-          </a:xfrm>
-          <a:prstGeom prst="rect">
-            <a:avLst/>
-          </a:prstGeom>
-          <a:noFill/>
-          <a:ln w="19050">
-            <a:noFill/>
-          </a:ln>
-        </p:spPr>
-        <p:txBody>
-          <a:bodyPr wrap="none" rtlCol="0">
-            <a:spAutoFit/>
-          </a:bodyPr>
-          <a:lstStyle/>
-          <a:p>
-            <a:r>
-              <a:rPr lang="en-ID" dirty="0"/>
-              <a:t>Yes</a:t>
-            </a:r>
-            <a:endParaRPr lang="en-US" dirty="0"/>
-          </a:p>
-        </p:txBody>
-      </p:sp>
-      <p:sp>
-        <p:nvSpPr>
-          <p:cNvPr id="36" name="TextBox 35"/>
-          <p:cNvSpPr txBox="1"/>
-          <p:nvPr/>
-        </p:nvSpPr>
-        <p:spPr>
-          <a:xfrm>
-            <a:off x="6590890" y="3331598"/>
-            <a:ext cx="1656184" cy="584775"/>
-          </a:xfrm>
-          <a:prstGeom prst="rect">
-            <a:avLst/>
-          </a:prstGeom>
-          <a:noFill/>
-          <a:ln w="19050">
-            <a:solidFill>
-              <a:schemeClr val="tx1"/>
-            </a:solidFill>
-          </a:ln>
-        </p:spPr>
-        <p:txBody>
-          <a:bodyPr wrap="square" rtlCol="0">
-            <a:spAutoFit/>
-          </a:bodyPr>
-          <a:lstStyle/>
-          <a:p>
-            <a:pPr algn="ctr"/>
-            <a:r>
-              <a:rPr lang="en-ID" dirty="0"/>
-              <a:t>cmd  = </a:t>
-            </a:r>
-            <a:r>
-              <a:rPr lang="en-US" sz="1400" dirty="0"/>
-              <a:t>MODE_READY</a:t>
-            </a:r>
-          </a:p>
-        </p:txBody>
-      </p:sp>
-      <p:cxnSp>
-        <p:nvCxnSpPr>
-          <p:cNvPr id="37" name="Straight Arrow Connector 36"/>
-          <p:cNvCxnSpPr>
-            <a:stCxn id="27" idx="3"/>
-            <a:endCxn id="36" idx="1"/>
-          </p:cNvCxnSpPr>
-          <p:nvPr/>
-        </p:nvCxnSpPr>
-        <p:spPr>
-          <a:xfrm>
-            <a:off x="6300192" y="3608440"/>
-            <a:ext cx="290698" cy="15546"/>
-          </a:xfrm>
-          <a:prstGeom prst="straightConnector1">
-            <a:avLst/>
-          </a:prstGeom>
-          <a:ln w="19050">
-            <a:solidFill>
-              <a:schemeClr val="tx1"/>
-            </a:solidFill>
-            <a:tailEnd type="arrow"/>
-          </a:ln>
-        </p:spPr>
-        <p:style>
-          <a:lnRef idx="1">
-            <a:schemeClr val="accent1"/>
-          </a:lnRef>
-          <a:fillRef idx="0">
-            <a:schemeClr val="accent1"/>
-          </a:fillRef>
-          <a:effectRef idx="0">
-            <a:schemeClr val="accent1"/>
-          </a:effectRef>
-          <a:fontRef idx="minor">
-            <a:schemeClr val="tx1"/>
-          </a:fontRef>
-        </p:style>
-      </p:cxnSp>
-      <p:sp>
-        <p:nvSpPr>
-          <p:cNvPr id="38" name="TextBox 37"/>
-          <p:cNvSpPr txBox="1"/>
-          <p:nvPr/>
-        </p:nvSpPr>
-        <p:spPr>
-          <a:xfrm>
-            <a:off x="6105372" y="3270200"/>
-            <a:ext cx="485518" cy="369332"/>
-          </a:xfrm>
-          <a:prstGeom prst="rect">
-            <a:avLst/>
-          </a:prstGeom>
-          <a:noFill/>
-          <a:ln w="19050">
-            <a:noFill/>
-          </a:ln>
-        </p:spPr>
-        <p:txBody>
-          <a:bodyPr wrap="none" rtlCol="0">
-            <a:spAutoFit/>
-          </a:bodyPr>
-          <a:lstStyle/>
-          <a:p>
-            <a:r>
-              <a:rPr lang="en-ID" dirty="0"/>
-              <a:t>Yes</a:t>
-            </a:r>
-            <a:endParaRPr lang="en-US" dirty="0"/>
-          </a:p>
-        </p:txBody>
-      </p:sp>
-      <p:sp>
-        <p:nvSpPr>
-          <p:cNvPr id="42" name="Flowchart: Decision 41"/>
-          <p:cNvSpPr/>
-          <p:nvPr/>
-        </p:nvSpPr>
-        <p:spPr>
-          <a:xfrm>
-            <a:off x="4067944" y="4400528"/>
-            <a:ext cx="2232248" cy="864096"/>
-          </a:xfrm>
-          <a:prstGeom prst="flowChartDecision">
-            <a:avLst/>
-          </a:prstGeom>
-          <a:noFill/>
-          <a:ln w="19050">
-            <a:solidFill>
-              <a:schemeClr val="tx1"/>
-            </a:solidFill>
-          </a:ln>
-        </p:spPr>
-        <p:style>
-          <a:lnRef idx="2">
-            <a:schemeClr val="accent1">
-              <a:shade val="50000"/>
-            </a:schemeClr>
-          </a:lnRef>
-          <a:fillRef idx="1">
-            <a:schemeClr val="accent1"/>
-          </a:fillRef>
-          <a:effectRef idx="0">
-            <a:schemeClr val="accent1"/>
-          </a:effectRef>
-          <a:fontRef idx="minor">
-            <a:schemeClr val="lt1"/>
-          </a:fontRef>
-        </p:style>
-        <p:txBody>
-          <a:bodyPr rtlCol="0" anchor="ctr"/>
-          <a:lstStyle/>
-          <a:p>
-            <a:pPr algn="ctr"/>
-            <a:r>
-              <a:rPr lang="en-ID" sz="1400" dirty="0">
-                <a:solidFill>
-                  <a:schemeClr val="tx1"/>
-                </a:solidFill>
-              </a:rPr>
-              <a:t>_prevCmd = </a:t>
-            </a:r>
-            <a:r>
-              <a:rPr lang="en-US" sz="1400" dirty="0">
-                <a:solidFill>
-                  <a:schemeClr val="tx1"/>
-                </a:solidFill>
-              </a:rPr>
-              <a:t>MODE_READY</a:t>
-            </a:r>
-          </a:p>
-        </p:txBody>
-      </p:sp>
-      <p:cxnSp>
-        <p:nvCxnSpPr>
-          <p:cNvPr id="46" name="Straight Arrow Connector 45"/>
-          <p:cNvCxnSpPr>
-            <a:stCxn id="27" idx="2"/>
-            <a:endCxn id="42" idx="0"/>
-          </p:cNvCxnSpPr>
-          <p:nvPr/>
-        </p:nvCxnSpPr>
-        <p:spPr>
-          <a:xfrm>
-            <a:off x="5184068" y="4040488"/>
-            <a:ext cx="0" cy="360040"/>
-          </a:xfrm>
-          <a:prstGeom prst="straightConnector1">
-            <a:avLst/>
-          </a:prstGeom>
-          <a:ln w="19050">
-            <a:solidFill>
-              <a:schemeClr val="tx1"/>
-            </a:solidFill>
-            <a:tailEnd type="arrow"/>
-          </a:ln>
-        </p:spPr>
-        <p:style>
-          <a:lnRef idx="1">
-            <a:schemeClr val="accent1"/>
-          </a:lnRef>
-          <a:fillRef idx="0">
-            <a:schemeClr val="accent1"/>
-          </a:fillRef>
-          <a:effectRef idx="0">
-            <a:schemeClr val="accent1"/>
-          </a:effectRef>
-          <a:fontRef idx="minor">
-            <a:schemeClr val="tx1"/>
-          </a:fontRef>
-        </p:style>
-      </p:cxnSp>
-      <p:sp>
-        <p:nvSpPr>
-          <p:cNvPr id="47" name="TextBox 46"/>
-          <p:cNvSpPr txBox="1"/>
-          <p:nvPr/>
-        </p:nvSpPr>
-        <p:spPr>
-          <a:xfrm>
-            <a:off x="6510682" y="4540188"/>
-            <a:ext cx="1656184" cy="584775"/>
-          </a:xfrm>
-          <a:prstGeom prst="rect">
-            <a:avLst/>
-          </a:prstGeom>
-          <a:noFill/>
-          <a:ln w="19050">
-            <a:solidFill>
-              <a:schemeClr val="tx1"/>
-            </a:solidFill>
-          </a:ln>
-        </p:spPr>
-        <p:txBody>
-          <a:bodyPr wrap="square" rtlCol="0">
-            <a:spAutoFit/>
-          </a:bodyPr>
-          <a:lstStyle/>
-          <a:p>
-            <a:pPr algn="ctr"/>
-            <a:r>
-              <a:rPr lang="en-ID" dirty="0"/>
-              <a:t>cmd  = </a:t>
-            </a:r>
-            <a:r>
-              <a:rPr lang="en-US" sz="1400" dirty="0"/>
-              <a:t>MODE_READY</a:t>
-            </a:r>
-          </a:p>
-        </p:txBody>
-      </p:sp>
-      <p:cxnSp>
-        <p:nvCxnSpPr>
-          <p:cNvPr id="48" name="Straight Arrow Connector 47"/>
-          <p:cNvCxnSpPr>
-            <a:stCxn id="42" idx="3"/>
-            <a:endCxn id="47" idx="1"/>
-          </p:cNvCxnSpPr>
-          <p:nvPr/>
-        </p:nvCxnSpPr>
-        <p:spPr>
-          <a:xfrm>
-            <a:off x="6300192" y="4832576"/>
-            <a:ext cx="210490" cy="0"/>
-          </a:xfrm>
-          <a:prstGeom prst="straightConnector1">
-            <a:avLst/>
-          </a:prstGeom>
-          <a:ln w="19050">
-            <a:solidFill>
-              <a:schemeClr val="tx1"/>
-            </a:solidFill>
-            <a:tailEnd type="arrow"/>
-          </a:ln>
-        </p:spPr>
-        <p:style>
-          <a:lnRef idx="1">
-            <a:schemeClr val="accent1"/>
-          </a:lnRef>
-          <a:fillRef idx="0">
-            <a:schemeClr val="accent1"/>
-          </a:fillRef>
-          <a:effectRef idx="0">
-            <a:schemeClr val="accent1"/>
-          </a:effectRef>
-          <a:fontRef idx="minor">
-            <a:schemeClr val="tx1"/>
-          </a:fontRef>
-        </p:style>
-      </p:cxnSp>
-      <p:sp>
-        <p:nvSpPr>
-          <p:cNvPr id="49" name="TextBox 48"/>
-          <p:cNvSpPr txBox="1"/>
-          <p:nvPr/>
-        </p:nvSpPr>
-        <p:spPr>
-          <a:xfrm>
-            <a:off x="6057433" y="4453390"/>
-            <a:ext cx="485518" cy="369332"/>
-          </a:xfrm>
-          <a:prstGeom prst="rect">
-            <a:avLst/>
-          </a:prstGeom>
-          <a:noFill/>
-          <a:ln w="19050">
-            <a:noFill/>
-          </a:ln>
-        </p:spPr>
-        <p:txBody>
-          <a:bodyPr wrap="none" rtlCol="0">
-            <a:spAutoFit/>
-          </a:bodyPr>
-          <a:lstStyle/>
-          <a:p>
-            <a:r>
-              <a:rPr lang="en-ID" dirty="0"/>
-              <a:t>Yes</a:t>
-            </a:r>
-            <a:endParaRPr lang="en-US" dirty="0"/>
-          </a:p>
-        </p:txBody>
-      </p:sp>
-      <p:sp>
-        <p:nvSpPr>
-          <p:cNvPr id="50" name="TextBox 49"/>
-          <p:cNvSpPr txBox="1"/>
-          <p:nvPr/>
-        </p:nvSpPr>
-        <p:spPr>
-          <a:xfrm>
-            <a:off x="4355976" y="5624664"/>
-            <a:ext cx="1656184" cy="646331"/>
-          </a:xfrm>
-          <a:prstGeom prst="rect">
-            <a:avLst/>
-          </a:prstGeom>
-          <a:noFill/>
-          <a:ln w="19050">
-            <a:solidFill>
-              <a:schemeClr val="tx1"/>
-            </a:solidFill>
-          </a:ln>
-        </p:spPr>
-        <p:txBody>
-          <a:bodyPr wrap="square" rtlCol="0">
-            <a:spAutoFit/>
-          </a:bodyPr>
-          <a:lstStyle/>
-          <a:p>
-            <a:pPr algn="ctr"/>
-            <a:r>
-              <a:rPr lang="en-ID" dirty="0"/>
-              <a:t>cmd  = </a:t>
-            </a:r>
-            <a:r>
-              <a:rPr lang="en-US" dirty="0"/>
-              <a:t>MODE_RESET</a:t>
-            </a:r>
-          </a:p>
-        </p:txBody>
-      </p:sp>
-      <p:cxnSp>
-        <p:nvCxnSpPr>
-          <p:cNvPr id="52" name="Straight Arrow Connector 51"/>
-          <p:cNvCxnSpPr>
-            <a:stCxn id="42" idx="2"/>
-            <a:endCxn id="50" idx="0"/>
-          </p:cNvCxnSpPr>
-          <p:nvPr/>
-        </p:nvCxnSpPr>
-        <p:spPr>
-          <a:xfrm>
-            <a:off x="5184068" y="5264624"/>
-            <a:ext cx="0" cy="360040"/>
+          <a:xfrm>
+            <a:off x="3779912" y="1844824"/>
+            <a:ext cx="0" cy="706661"/>
           </a:xfrm>
           <a:prstGeom prst="straightConnector1">
             <a:avLst/>
@@ -18101,19 +18186,19 @@
       </p:cxnSp>
       <p:cxnSp>
         <p:nvCxnSpPr>
-          <p:cNvPr id="55" name="Elbow Connector 54"/>
+          <p:cNvPr id="9" name="Straight Arrow Connector 8"/>
           <p:cNvCxnSpPr>
-            <a:stCxn id="14" idx="3"/>
-            <a:endCxn id="106" idx="0"/>
+            <a:stCxn id="5" idx="3"/>
+            <a:endCxn id="14" idx="1"/>
           </p:cNvCxnSpPr>
           <p:nvPr/>
         </p:nvCxnSpPr>
         <p:spPr>
           <a:xfrm>
-            <a:off x="4882442" y="2240288"/>
-            <a:ext cx="3670956" cy="3888432"/>
-          </a:xfrm>
-          <a:prstGeom prst="bentConnector2">
+            <a:off x="4680012" y="3163553"/>
+            <a:ext cx="828092" cy="0"/>
+          </a:xfrm>
+          <a:prstGeom prst="straightConnector1">
             <a:avLst/>
           </a:prstGeom>
           <a:ln w="19050">
@@ -18140,16 +18225,310 @@
       </p:cxnSp>
       <p:cxnSp>
         <p:nvCxnSpPr>
-          <p:cNvPr id="57" name="Straight Arrow Connector 56"/>
+          <p:cNvPr id="11" name="Straight Arrow Connector 10"/>
           <p:cNvCxnSpPr>
-            <a:stCxn id="36" idx="3"/>
+            <a:stCxn id="5" idx="2"/>
+            <a:endCxn id="25" idx="0"/>
           </p:cNvCxnSpPr>
           <p:nvPr/>
         </p:nvCxnSpPr>
         <p:spPr>
           <a:xfrm>
-            <a:off x="8247074" y="3623986"/>
-            <a:ext cx="306324" cy="0"/>
+            <a:off x="3779912" y="3775621"/>
+            <a:ext cx="0" cy="620045"/>
+          </a:xfrm>
+          <a:prstGeom prst="straightConnector1">
+            <a:avLst/>
+          </a:prstGeom>
+          <a:ln w="19050">
+            <a:solidFill>
+              <a:schemeClr val="tx1"/>
+            </a:solidFill>
+            <a:tailEnd type="arrow"/>
+          </a:ln>
+        </p:spPr>
+        <p:style>
+          <a:lnRef idx="1">
+            <a:schemeClr val="accent1"/>
+          </a:lnRef>
+          <a:fillRef idx="0">
+            <a:schemeClr val="accent1"/>
+          </a:fillRef>
+          <a:effectRef idx="0">
+            <a:schemeClr val="accent1"/>
+          </a:effectRef>
+          <a:fontRef idx="minor">
+            <a:schemeClr val="tx1"/>
+          </a:fontRef>
+        </p:style>
+      </p:cxnSp>
+      <p:sp>
+        <p:nvSpPr>
+          <p:cNvPr id="12" name="TextBox 11"/>
+          <p:cNvSpPr txBox="1"/>
+          <p:nvPr/>
+        </p:nvSpPr>
+        <p:spPr>
+          <a:xfrm>
+            <a:off x="4890478" y="2758746"/>
+            <a:ext cx="485518" cy="369332"/>
+          </a:xfrm>
+          <a:prstGeom prst="rect">
+            <a:avLst/>
+          </a:prstGeom>
+          <a:noFill/>
+        </p:spPr>
+        <p:txBody>
+          <a:bodyPr wrap="none" rtlCol="0">
+            <a:spAutoFit/>
+          </a:bodyPr>
+          <a:lstStyle/>
+          <a:p>
+            <a:r>
+              <a:rPr lang="en-ID" dirty="0"/>
+              <a:t>Yes</a:t>
+            </a:r>
+            <a:endParaRPr lang="en-US" dirty="0"/>
+          </a:p>
+        </p:txBody>
+      </p:sp>
+      <p:sp>
+        <p:nvSpPr>
+          <p:cNvPr id="13" name="TextBox 12"/>
+          <p:cNvSpPr txBox="1"/>
+          <p:nvPr/>
+        </p:nvSpPr>
+        <p:spPr>
+          <a:xfrm>
+            <a:off x="3851920" y="3851756"/>
+            <a:ext cx="455574" cy="369332"/>
+          </a:xfrm>
+          <a:prstGeom prst="rect">
+            <a:avLst/>
+          </a:prstGeom>
+          <a:noFill/>
+        </p:spPr>
+        <p:txBody>
+          <a:bodyPr wrap="none" rtlCol="0">
+            <a:spAutoFit/>
+          </a:bodyPr>
+          <a:lstStyle/>
+          <a:p>
+            <a:r>
+              <a:rPr lang="en-ID" dirty="0"/>
+              <a:t>No</a:t>
+            </a:r>
+            <a:endParaRPr lang="en-US" dirty="0"/>
+          </a:p>
+        </p:txBody>
+      </p:sp>
+      <p:sp>
+        <p:nvSpPr>
+          <p:cNvPr id="14" name="TextBox 13"/>
+          <p:cNvSpPr txBox="1"/>
+          <p:nvPr/>
+        </p:nvSpPr>
+        <p:spPr>
+          <a:xfrm>
+            <a:off x="5508104" y="2840387"/>
+            <a:ext cx="1656184" cy="646331"/>
+          </a:xfrm>
+          <a:prstGeom prst="rect">
+            <a:avLst/>
+          </a:prstGeom>
+          <a:noFill/>
+          <a:ln>
+            <a:solidFill>
+              <a:schemeClr val="tx1"/>
+            </a:solidFill>
+          </a:ln>
+        </p:spPr>
+        <p:txBody>
+          <a:bodyPr wrap="square" rtlCol="0">
+            <a:spAutoFit/>
+          </a:bodyPr>
+          <a:lstStyle/>
+          <a:p>
+            <a:pPr algn="ctr"/>
+            <a:r>
+              <a:rPr lang="en-ID" dirty="0"/>
+              <a:t>statusAi  = HIGH_ALARM</a:t>
+            </a:r>
+            <a:endParaRPr lang="en-US" dirty="0"/>
+          </a:p>
+        </p:txBody>
+      </p:sp>
+      <p:sp>
+        <p:nvSpPr>
+          <p:cNvPr id="16" name="TextBox 15"/>
+          <p:cNvSpPr txBox="1"/>
+          <p:nvPr/>
+        </p:nvSpPr>
+        <p:spPr>
+          <a:xfrm>
+            <a:off x="2457033" y="332656"/>
+            <a:ext cx="3495701" cy="369332"/>
+          </a:xfrm>
+          <a:prstGeom prst="rect">
+            <a:avLst/>
+          </a:prstGeom>
+          <a:noFill/>
+        </p:spPr>
+        <p:txBody>
+          <a:bodyPr wrap="none" rtlCol="0">
+            <a:spAutoFit/>
+          </a:bodyPr>
+          <a:lstStyle/>
+          <a:p>
+            <a:r>
+              <a:rPr lang="en-ID" b="1" dirty="0"/>
+              <a:t>Flowchart _fireSensor-&gt;getStatus()</a:t>
+            </a:r>
+            <a:endParaRPr lang="en-US" b="1" dirty="0"/>
+          </a:p>
+        </p:txBody>
+      </p:sp>
+      <p:sp>
+        <p:nvSpPr>
+          <p:cNvPr id="2" name="Flowchart: Predefined Process 1"/>
+          <p:cNvSpPr/>
+          <p:nvPr/>
+        </p:nvSpPr>
+        <p:spPr>
+          <a:xfrm>
+            <a:off x="1619672" y="836712"/>
+            <a:ext cx="4320480" cy="1008112"/>
+          </a:xfrm>
+          <a:prstGeom prst="flowChartPredefinedProcess">
+            <a:avLst/>
+          </a:prstGeom>
+          <a:noFill/>
+          <a:ln>
+            <a:solidFill>
+              <a:schemeClr val="tx1"/>
+            </a:solidFill>
+          </a:ln>
+        </p:spPr>
+        <p:style>
+          <a:lnRef idx="2">
+            <a:schemeClr val="accent1">
+              <a:shade val="50000"/>
+            </a:schemeClr>
+          </a:lnRef>
+          <a:fillRef idx="1">
+            <a:schemeClr val="accent1"/>
+          </a:fillRef>
+          <a:effectRef idx="0">
+            <a:schemeClr val="accent1"/>
+          </a:effectRef>
+          <a:fontRef idx="minor">
+            <a:schemeClr val="lt1"/>
+          </a:fontRef>
+        </p:style>
+        <p:txBody>
+          <a:bodyPr rtlCol="0" anchor="ctr"/>
+          <a:lstStyle/>
+          <a:p>
+            <a:pPr algn="ctr"/>
+            <a:endParaRPr lang="en-ID" dirty="0">
+              <a:solidFill>
+                <a:schemeClr val="tx1"/>
+              </a:solidFill>
+            </a:endParaRPr>
+          </a:p>
+          <a:p>
+            <a:pPr algn="ctr"/>
+            <a:r>
+              <a:rPr lang="en-ID" dirty="0">
+                <a:solidFill>
+                  <a:schemeClr val="tx1"/>
+                </a:solidFill>
+              </a:rPr>
+              <a:t>getValue from sensor</a:t>
+            </a:r>
+          </a:p>
+          <a:p>
+            <a:pPr algn="ctr"/>
+            <a:r>
+              <a:rPr lang="en-ID" dirty="0">
+                <a:solidFill>
+                  <a:schemeClr val="tx1"/>
+                </a:solidFill>
+              </a:rPr>
+              <a:t>(with AlfaEMA filter)</a:t>
+            </a:r>
+          </a:p>
+          <a:p>
+            <a:pPr algn="ctr"/>
+            <a:r>
+              <a:rPr lang="en-ID" dirty="0">
+                <a:solidFill>
+                  <a:schemeClr val="tx1"/>
+                </a:solidFill>
+              </a:rPr>
+              <a:t>statusAi = NO_ALARM</a:t>
+            </a:r>
+            <a:endParaRPr lang="en-US" dirty="0">
+              <a:solidFill>
+                <a:schemeClr val="tx1"/>
+              </a:solidFill>
+            </a:endParaRPr>
+          </a:p>
+          <a:p>
+            <a:pPr algn="ctr"/>
+            <a:endParaRPr lang="en-US" dirty="0"/>
+          </a:p>
+        </p:txBody>
+      </p:sp>
+      <p:sp>
+        <p:nvSpPr>
+          <p:cNvPr id="18" name="TextBox 17"/>
+          <p:cNvSpPr txBox="1"/>
+          <p:nvPr/>
+        </p:nvSpPr>
+        <p:spPr>
+          <a:xfrm>
+            <a:off x="2945291" y="5517232"/>
+            <a:ext cx="1656184" cy="646331"/>
+          </a:xfrm>
+          <a:prstGeom prst="rect">
+            <a:avLst/>
+          </a:prstGeom>
+          <a:noFill/>
+          <a:ln>
+            <a:solidFill>
+              <a:schemeClr val="tx1"/>
+            </a:solidFill>
+          </a:ln>
+        </p:spPr>
+        <p:txBody>
+          <a:bodyPr wrap="square" rtlCol="0">
+            <a:spAutoFit/>
+          </a:bodyPr>
+          <a:lstStyle/>
+          <a:p>
+            <a:pPr algn="ctr"/>
+            <a:r>
+              <a:rPr lang="en-ID" dirty="0"/>
+              <a:t>return (statusAi)</a:t>
+            </a:r>
+            <a:endParaRPr lang="en-US" dirty="0"/>
+          </a:p>
+        </p:txBody>
+      </p:sp>
+      <p:cxnSp>
+        <p:nvCxnSpPr>
+          <p:cNvPr id="19" name="Straight Arrow Connector 18"/>
+          <p:cNvCxnSpPr>
+            <a:stCxn id="25" idx="4"/>
+            <a:endCxn id="18" idx="0"/>
+          </p:cNvCxnSpPr>
+          <p:nvPr/>
+        </p:nvCxnSpPr>
+        <p:spPr>
+          <a:xfrm flipH="1">
+            <a:off x="3773383" y="4852866"/>
+            <a:ext cx="6529" cy="664366"/>
           </a:xfrm>
           <a:prstGeom prst="straightConnector1">
             <a:avLst/>
@@ -18178,18 +18557,19 @@
       </p:cxnSp>
       <p:cxnSp>
         <p:nvCxnSpPr>
-          <p:cNvPr id="59" name="Straight Arrow Connector 58"/>
+          <p:cNvPr id="21" name="Elbow Connector 20"/>
           <p:cNvCxnSpPr>
-            <a:stCxn id="47" idx="3"/>
+            <a:stCxn id="14" idx="2"/>
+            <a:endCxn id="25" idx="6"/>
           </p:cNvCxnSpPr>
           <p:nvPr/>
         </p:nvCxnSpPr>
         <p:spPr>
-          <a:xfrm>
-            <a:off x="8166866" y="4832576"/>
-            <a:ext cx="386532" cy="0"/>
-          </a:xfrm>
-          <a:prstGeom prst="straightConnector1">
+          <a:xfrm rot="5400000">
+            <a:off x="4603580" y="2891650"/>
+            <a:ext cx="1137548" cy="2327684"/>
+          </a:xfrm>
+          <a:prstGeom prst="bentConnector2">
             <a:avLst/>
           </a:prstGeom>
           <a:ln w="19050">
@@ -18214,60 +18594,52 @@
           </a:fontRef>
         </p:style>
       </p:cxnSp>
-      <p:cxnSp>
-        <p:nvCxnSpPr>
-          <p:cNvPr id="61" name="Straight Arrow Connector 60"/>
-          <p:cNvCxnSpPr>
-            <a:stCxn id="50" idx="3"/>
-          </p:cNvCxnSpPr>
-          <p:nvPr/>
-        </p:nvCxnSpPr>
-        <p:spPr>
-          <a:xfrm>
-            <a:off x="6012160" y="5947830"/>
-            <a:ext cx="2538572" cy="0"/>
-          </a:xfrm>
-          <a:prstGeom prst="straightConnector1">
-            <a:avLst/>
-          </a:prstGeom>
-          <a:ln w="19050">
-            <a:solidFill>
-              <a:schemeClr val="tx1"/>
-            </a:solidFill>
-            <a:tailEnd type="arrow"/>
-          </a:ln>
-        </p:spPr>
-        <p:style>
-          <a:lnRef idx="1">
-            <a:schemeClr val="accent1"/>
-          </a:lnRef>
-          <a:fillRef idx="0">
-            <a:schemeClr val="accent1"/>
-          </a:fillRef>
-          <a:effectRef idx="0">
-            <a:schemeClr val="accent1"/>
-          </a:effectRef>
-          <a:fontRef idx="minor">
-            <a:schemeClr val="tx1"/>
-          </a:fontRef>
-        </p:style>
-      </p:cxnSp>
-      <p:sp>
-        <p:nvSpPr>
-          <p:cNvPr id="66" name="Flowchart: Decision 65"/>
+      <p:sp>
+        <p:nvSpPr>
+          <p:cNvPr id="24" name="TextBox 23"/>
+          <p:cNvSpPr txBox="1"/>
+          <p:nvPr/>
+        </p:nvSpPr>
+        <p:spPr>
+          <a:xfrm>
+            <a:off x="5422877" y="6163563"/>
+            <a:ext cx="3541611" cy="369332"/>
+          </a:xfrm>
+          <a:prstGeom prst="rect">
+            <a:avLst/>
+          </a:prstGeom>
+          <a:noFill/>
+        </p:spPr>
+        <p:txBody>
+          <a:bodyPr wrap="none" rtlCol="0">
+            <a:spAutoFit/>
+          </a:bodyPr>
+          <a:lstStyle/>
+          <a:p>
+            <a:r>
+              <a:rPr lang="en-ID" dirty="0"/>
+              <a:t>File : src\ioDevices\analogInput.cpp</a:t>
+            </a:r>
+            <a:endParaRPr lang="en-US" dirty="0"/>
+          </a:p>
+        </p:txBody>
+      </p:sp>
+      <p:sp>
+        <p:nvSpPr>
+          <p:cNvPr id="25" name="Flowchart: Connector 24"/>
           <p:cNvSpPr/>
           <p:nvPr/>
         </p:nvSpPr>
         <p:spPr>
           <a:xfrm>
-            <a:off x="517126" y="4317746"/>
-            <a:ext cx="1944216" cy="864096"/>
-          </a:xfrm>
-          <a:prstGeom prst="flowChartDecision">
+            <a:off x="3551312" y="4395666"/>
+            <a:ext cx="457200" cy="457200"/>
+          </a:xfrm>
+          <a:prstGeom prst="flowChartConnector">
             <a:avLst/>
           </a:prstGeom>
           <a:noFill/>
-          <a:ln w="19050">
+          <a:ln>
             <a:solidFill>
               <a:schemeClr val="tx1"/>
             </a:solidFill>
@@ -18294,424 +18666,14 @@
           <a:lstStyle/>
           <a:p>
             <a:pPr algn="ctr"/>
-            <a:r>
-              <a:rPr lang="en-ID" sz="1400" dirty="0">
-                <a:solidFill>
-                  <a:schemeClr val="tx1"/>
-                </a:solidFill>
-              </a:rPr>
-              <a:t>_pbAuto = active</a:t>
-            </a:r>
-            <a:endParaRPr lang="en-US" sz="1400" dirty="0">
-              <a:solidFill>
-                <a:schemeClr val="tx1"/>
-              </a:solidFill>
-            </a:endParaRPr>
-          </a:p>
-        </p:txBody>
-      </p:sp>
-      <p:cxnSp>
-        <p:nvCxnSpPr>
-          <p:cNvPr id="68" name="Elbow Connector 67"/>
-          <p:cNvCxnSpPr>
-            <a:stCxn id="22" idx="2"/>
-            <a:endCxn id="66" idx="0"/>
-          </p:cNvCxnSpPr>
-          <p:nvPr/>
-        </p:nvCxnSpPr>
-        <p:spPr>
-          <a:xfrm rot="5400000">
-            <a:off x="1577842" y="3951880"/>
-            <a:ext cx="277258" cy="454474"/>
-          </a:xfrm>
-          <a:prstGeom prst="bentConnector3">
-            <a:avLst/>
-          </a:prstGeom>
-          <a:ln w="19050">
-            <a:solidFill>
-              <a:schemeClr val="tx1"/>
-            </a:solidFill>
-            <a:tailEnd type="arrow"/>
-          </a:ln>
-        </p:spPr>
-        <p:style>
-          <a:lnRef idx="1">
-            <a:schemeClr val="accent1"/>
-          </a:lnRef>
-          <a:fillRef idx="0">
-            <a:schemeClr val="accent1"/>
-          </a:fillRef>
-          <a:effectRef idx="0">
-            <a:schemeClr val="accent1"/>
-          </a:effectRef>
-          <a:fontRef idx="minor">
-            <a:schemeClr val="tx1"/>
-          </a:fontRef>
-        </p:style>
-      </p:cxnSp>
-      <p:sp>
-        <p:nvSpPr>
-          <p:cNvPr id="69" name="TextBox 68"/>
-          <p:cNvSpPr txBox="1"/>
-          <p:nvPr/>
-        </p:nvSpPr>
-        <p:spPr>
-          <a:xfrm>
-            <a:off x="2615986" y="4442017"/>
-            <a:ext cx="1350366" cy="584775"/>
-          </a:xfrm>
-          <a:prstGeom prst="rect">
-            <a:avLst/>
-          </a:prstGeom>
-          <a:noFill/>
-          <a:ln w="19050">
-            <a:solidFill>
-              <a:schemeClr val="tx1"/>
-            </a:solidFill>
-          </a:ln>
-        </p:spPr>
-        <p:txBody>
-          <a:bodyPr wrap="square" rtlCol="0">
-            <a:spAutoFit/>
-          </a:bodyPr>
-          <a:lstStyle/>
-          <a:p>
-            <a:pPr algn="ctr"/>
-            <a:r>
-              <a:rPr lang="en-ID" dirty="0"/>
-              <a:t>cmd  = </a:t>
-            </a:r>
-            <a:r>
-              <a:rPr lang="en-US" sz="1400" dirty="0"/>
-              <a:t>MODE_AUTO</a:t>
-            </a:r>
-          </a:p>
-        </p:txBody>
-      </p:sp>
-      <p:sp>
-        <p:nvSpPr>
-          <p:cNvPr id="70" name="TextBox 69"/>
-          <p:cNvSpPr txBox="1"/>
-          <p:nvPr/>
-        </p:nvSpPr>
-        <p:spPr>
-          <a:xfrm>
-            <a:off x="2407338" y="4397370"/>
-            <a:ext cx="296876" cy="369332"/>
-          </a:xfrm>
-          <a:prstGeom prst="rect">
-            <a:avLst/>
-          </a:prstGeom>
-          <a:noFill/>
-          <a:ln w="19050">
-            <a:noFill/>
-          </a:ln>
-        </p:spPr>
-        <p:txBody>
-          <a:bodyPr wrap="none" rtlCol="0">
-            <a:spAutoFit/>
-          </a:bodyPr>
-          <a:lstStyle/>
-          <a:p>
-            <a:r>
-              <a:rPr lang="en-ID" dirty="0"/>
-              <a:t>Y</a:t>
-            </a:r>
-            <a:endParaRPr lang="en-US" dirty="0"/>
-          </a:p>
-        </p:txBody>
-      </p:sp>
-      <p:cxnSp>
-        <p:nvCxnSpPr>
-          <p:cNvPr id="78" name="Straight Arrow Connector 77"/>
-          <p:cNvCxnSpPr>
-            <a:stCxn id="66" idx="3"/>
-            <a:endCxn id="69" idx="1"/>
-          </p:cNvCxnSpPr>
-          <p:nvPr/>
-        </p:nvCxnSpPr>
-        <p:spPr>
-          <a:xfrm flipV="1">
-            <a:off x="2461342" y="4734405"/>
-            <a:ext cx="154644" cy="15389"/>
-          </a:xfrm>
-          <a:prstGeom prst="straightConnector1">
-            <a:avLst/>
-          </a:prstGeom>
-          <a:ln w="19050">
-            <a:solidFill>
-              <a:schemeClr val="tx1"/>
-            </a:solidFill>
-            <a:tailEnd type="arrow"/>
-          </a:ln>
-        </p:spPr>
-        <p:style>
-          <a:lnRef idx="1">
-            <a:schemeClr val="accent1"/>
-          </a:lnRef>
-          <a:fillRef idx="0">
-            <a:schemeClr val="accent1"/>
-          </a:fillRef>
-          <a:effectRef idx="0">
-            <a:schemeClr val="accent1"/>
-          </a:effectRef>
-          <a:fontRef idx="minor">
-            <a:schemeClr val="tx1"/>
-          </a:fontRef>
-        </p:style>
-      </p:cxnSp>
-      <p:cxnSp>
-        <p:nvCxnSpPr>
-          <p:cNvPr id="89" name="Straight Arrow Connector 88"/>
-          <p:cNvCxnSpPr>
-            <a:stCxn id="66" idx="2"/>
-            <a:endCxn id="110" idx="0"/>
-          </p:cNvCxnSpPr>
-          <p:nvPr/>
-        </p:nvCxnSpPr>
-        <p:spPr>
-          <a:xfrm>
-            <a:off x="1489234" y="5181842"/>
-            <a:ext cx="0" cy="874870"/>
-          </a:xfrm>
-          <a:prstGeom prst="straightConnector1">
-            <a:avLst/>
-          </a:prstGeom>
-          <a:ln w="19050">
-            <a:solidFill>
-              <a:schemeClr val="tx1"/>
-            </a:solidFill>
-            <a:tailEnd type="arrow"/>
-          </a:ln>
-        </p:spPr>
-        <p:style>
-          <a:lnRef idx="1">
-            <a:schemeClr val="accent1"/>
-          </a:lnRef>
-          <a:fillRef idx="0">
-            <a:schemeClr val="accent1"/>
-          </a:fillRef>
-          <a:effectRef idx="0">
-            <a:schemeClr val="accent1"/>
-          </a:effectRef>
-          <a:fontRef idx="minor">
-            <a:schemeClr val="tx1"/>
-          </a:fontRef>
-        </p:style>
-      </p:cxnSp>
-      <p:cxnSp>
-        <p:nvCxnSpPr>
-          <p:cNvPr id="103" name="Elbow Connector 102"/>
-          <p:cNvCxnSpPr>
-            <a:stCxn id="69" idx="2"/>
-            <a:endCxn id="106" idx="1"/>
-          </p:cNvCxnSpPr>
-          <p:nvPr/>
-        </p:nvCxnSpPr>
-        <p:spPr>
-          <a:xfrm rot="16200000" flipH="1">
-            <a:off x="5064995" y="3252965"/>
-            <a:ext cx="1408252" cy="4955905"/>
-          </a:xfrm>
-          <a:prstGeom prst="bentConnector2">
-            <a:avLst/>
-          </a:prstGeom>
-          <a:ln w="19050">
-            <a:solidFill>
-              <a:schemeClr val="tx1"/>
-            </a:solidFill>
-            <a:tailEnd type="arrow"/>
-          </a:ln>
-        </p:spPr>
-        <p:style>
-          <a:lnRef idx="1">
-            <a:schemeClr val="accent1"/>
-          </a:lnRef>
-          <a:fillRef idx="0">
-            <a:schemeClr val="accent1"/>
-          </a:fillRef>
-          <a:effectRef idx="0">
-            <a:schemeClr val="accent1"/>
-          </a:effectRef>
-          <a:fontRef idx="minor">
-            <a:schemeClr val="tx1"/>
-          </a:fontRef>
-        </p:style>
-      </p:cxnSp>
-      <p:sp>
-        <p:nvSpPr>
-          <p:cNvPr id="106" name="Flowchart: Off-page Connector 105"/>
-          <p:cNvSpPr/>
-          <p:nvPr/>
-        </p:nvSpPr>
-        <p:spPr>
-          <a:xfrm>
-            <a:off x="8247074" y="6128720"/>
-            <a:ext cx="612648" cy="612648"/>
-          </a:xfrm>
-          <a:prstGeom prst="flowChartOffpageConnector">
-            <a:avLst/>
-          </a:prstGeom>
-          <a:noFill/>
-          <a:ln>
-            <a:solidFill>
-              <a:schemeClr val="tx1"/>
-            </a:solidFill>
-          </a:ln>
-        </p:spPr>
-        <p:style>
-          <a:lnRef idx="2">
-            <a:schemeClr val="accent1">
-              <a:shade val="50000"/>
-            </a:schemeClr>
-          </a:lnRef>
-          <a:fillRef idx="1">
-            <a:schemeClr val="accent1"/>
-          </a:fillRef>
-          <a:effectRef idx="0">
-            <a:schemeClr val="accent1"/>
-          </a:effectRef>
-          <a:fontRef idx="minor">
-            <a:schemeClr val="lt1"/>
-          </a:fontRef>
-        </p:style>
-        <p:txBody>
-          <a:bodyPr rtlCol="0" anchor="ctr"/>
-          <a:lstStyle/>
-          <a:p>
-            <a:pPr algn="ctr"/>
-            <a:r>
-              <a:rPr lang="en-ID" b="1" dirty="0">
-                <a:solidFill>
-                  <a:schemeClr val="tx1"/>
-                </a:solidFill>
-              </a:rPr>
-              <a:t>2</a:t>
-            </a:r>
-            <a:endParaRPr lang="en-US" b="1" dirty="0">
-              <a:solidFill>
-                <a:schemeClr val="tx1"/>
-              </a:solidFill>
-            </a:endParaRPr>
-          </a:p>
-        </p:txBody>
-      </p:sp>
-      <p:sp>
-        <p:nvSpPr>
-          <p:cNvPr id="110" name="Flowchart: Off-page Connector 109"/>
-          <p:cNvSpPr/>
-          <p:nvPr/>
-        </p:nvSpPr>
-        <p:spPr>
-          <a:xfrm>
-            <a:off x="1182910" y="6056712"/>
-            <a:ext cx="612648" cy="612648"/>
-          </a:xfrm>
-          <a:prstGeom prst="flowChartOffpageConnector">
-            <a:avLst/>
-          </a:prstGeom>
-          <a:noFill/>
-          <a:ln>
-            <a:solidFill>
-              <a:schemeClr val="tx1"/>
-            </a:solidFill>
-          </a:ln>
-        </p:spPr>
-        <p:style>
-          <a:lnRef idx="2">
-            <a:schemeClr val="accent1">
-              <a:shade val="50000"/>
-            </a:schemeClr>
-          </a:lnRef>
-          <a:fillRef idx="1">
-            <a:schemeClr val="accent1"/>
-          </a:fillRef>
-          <a:effectRef idx="0">
-            <a:schemeClr val="accent1"/>
-          </a:effectRef>
-          <a:fontRef idx="minor">
-            <a:schemeClr val="lt1"/>
-          </a:fontRef>
-        </p:style>
-        <p:txBody>
-          <a:bodyPr rtlCol="0" anchor="ctr"/>
-          <a:lstStyle/>
-          <a:p>
-            <a:pPr algn="ctr"/>
-            <a:r>
-              <a:rPr lang="en-ID" b="1" dirty="0">
-                <a:solidFill>
-                  <a:schemeClr val="tx1"/>
-                </a:solidFill>
-              </a:rPr>
-              <a:t>1</a:t>
-            </a:r>
-            <a:endParaRPr lang="en-US" b="1" dirty="0">
-              <a:solidFill>
-                <a:schemeClr val="tx1"/>
-              </a:solidFill>
-            </a:endParaRPr>
-          </a:p>
-        </p:txBody>
-      </p:sp>
-      <p:sp>
-        <p:nvSpPr>
-          <p:cNvPr id="112" name="Flowchart: Predefined Process 111"/>
-          <p:cNvSpPr/>
-          <p:nvPr/>
-        </p:nvSpPr>
-        <p:spPr>
-          <a:xfrm>
-            <a:off x="179512" y="654503"/>
-            <a:ext cx="3532814" cy="830281"/>
-          </a:xfrm>
-          <a:prstGeom prst="flowChartPredefinedProcess">
-            <a:avLst/>
-          </a:prstGeom>
-          <a:noFill/>
-          <a:ln>
-            <a:solidFill>
-              <a:schemeClr val="tx1"/>
-            </a:solidFill>
-          </a:ln>
-        </p:spPr>
-        <p:style>
-          <a:lnRef idx="2">
-            <a:schemeClr val="accent1">
-              <a:shade val="50000"/>
-            </a:schemeClr>
-          </a:lnRef>
-          <a:fillRef idx="1">
-            <a:schemeClr val="accent1"/>
-          </a:fillRef>
-          <a:effectRef idx="0">
-            <a:schemeClr val="accent1"/>
-          </a:effectRef>
-          <a:fontRef idx="minor">
-            <a:schemeClr val="lt1"/>
-          </a:fontRef>
-        </p:style>
-        <p:txBody>
-          <a:bodyPr rtlCol="0" anchor="ctr"/>
-          <a:lstStyle/>
-          <a:p>
-            <a:pPr algn="ctr"/>
-            <a:r>
-              <a:rPr lang="en-ID" dirty="0">
-                <a:solidFill>
-                  <a:schemeClr val="tx1"/>
-                </a:solidFill>
-              </a:rPr>
-              <a:t>getData digital with debouncing mechanism</a:t>
-            </a:r>
-            <a:endParaRPr lang="en-US" dirty="0"/>
+            <a:endParaRPr lang="en-US"/>
           </a:p>
         </p:txBody>
       </p:sp>
     </p:spTree>
     <p:extLst>
       <p:ext uri="{BB962C8B-B14F-4D97-AF65-F5344CB8AC3E}">
-        <p14:creationId xmlns:p14="http://schemas.microsoft.com/office/powerpoint/2010/main" val="56327785"/>
+        <p14:creationId xmlns:p14="http://schemas.microsoft.com/office/powerpoint/2010/main" val="3718141921"/>
       </p:ext>
     </p:extLst>
   </p:cSld>
@@ -18746,7 +18708,7 @@
         </p:nvSpPr>
         <p:spPr>
           <a:xfrm>
-            <a:off x="2555776" y="188640"/>
+            <a:off x="3479223" y="188639"/>
             <a:ext cx="5065874" cy="584775"/>
           </a:xfrm>
           <a:prstGeom prst="rect">
@@ -18780,14 +18742,14 @@
       </p:sp>
       <p:sp>
         <p:nvSpPr>
-          <p:cNvPr id="5" name="Flowchart: Decision 4"/>
+          <p:cNvPr id="7" name="Flowchart: Decision 6"/>
           <p:cNvSpPr/>
           <p:nvPr/>
         </p:nvSpPr>
         <p:spPr>
           <a:xfrm>
-            <a:off x="786608" y="2000301"/>
-            <a:ext cx="1944216" cy="864096"/>
+            <a:off x="1099338" y="1808240"/>
+            <a:ext cx="1667036" cy="864096"/>
           </a:xfrm>
           <a:prstGeom prst="flowChartDecision">
             <a:avLst/>
@@ -18826,7 +18788,7 @@
                   <a:schemeClr val="tx1"/>
                 </a:solidFill>
               </a:rPr>
-              <a:t>_pbManual = active</a:t>
+              <a:t>_pbTest = active</a:t>
             </a:r>
             <a:endParaRPr lang="en-US" sz="1400" dirty="0">
               <a:solidFill>
@@ -18836,130 +18798,19 @@
           </a:p>
         </p:txBody>
       </p:sp>
-      <p:sp>
-        <p:nvSpPr>
-          <p:cNvPr id="6" name="TextBox 5"/>
-          <p:cNvSpPr txBox="1"/>
-          <p:nvPr/>
-        </p:nvSpPr>
-        <p:spPr>
-          <a:xfrm>
-            <a:off x="5724128" y="2139961"/>
-            <a:ext cx="1897522" cy="584775"/>
-          </a:xfrm>
-          <a:prstGeom prst="rect">
-            <a:avLst/>
-          </a:prstGeom>
-          <a:noFill/>
-          <a:ln w="19050">
-            <a:solidFill>
-              <a:schemeClr val="tx1"/>
-            </a:solidFill>
-          </a:ln>
-        </p:spPr>
-        <p:txBody>
-          <a:bodyPr wrap="square" rtlCol="0">
-            <a:spAutoFit/>
-          </a:bodyPr>
-          <a:lstStyle/>
-          <a:p>
-            <a:pPr algn="ctr"/>
-            <a:r>
-              <a:rPr lang="en-ID" dirty="0"/>
-              <a:t>cmd  = </a:t>
-            </a:r>
-            <a:r>
-              <a:rPr lang="en-US" sz="1400" dirty="0"/>
-              <a:t>MODE_MANUAL_ON</a:t>
-            </a:r>
-          </a:p>
-        </p:txBody>
-      </p:sp>
-      <p:sp>
-        <p:nvSpPr>
-          <p:cNvPr id="7" name="TextBox 6"/>
-          <p:cNvSpPr txBox="1"/>
-          <p:nvPr/>
-        </p:nvSpPr>
-        <p:spPr>
-          <a:xfrm>
-            <a:off x="2676820" y="2079925"/>
-            <a:ext cx="296876" cy="369332"/>
-          </a:xfrm>
-          <a:prstGeom prst="rect">
-            <a:avLst/>
-          </a:prstGeom>
-          <a:noFill/>
-          <a:ln w="19050">
-            <a:noFill/>
-          </a:ln>
-        </p:spPr>
-        <p:txBody>
-          <a:bodyPr wrap="none" rtlCol="0">
-            <a:spAutoFit/>
-          </a:bodyPr>
-          <a:lstStyle/>
-          <a:p>
-            <a:r>
-              <a:rPr lang="en-ID" dirty="0"/>
-              <a:t>Y</a:t>
-            </a:r>
-            <a:endParaRPr lang="en-US" dirty="0"/>
-          </a:p>
-        </p:txBody>
-      </p:sp>
-      <p:sp>
-        <p:nvSpPr>
-          <p:cNvPr id="9" name="TextBox 8"/>
-          <p:cNvSpPr txBox="1"/>
-          <p:nvPr/>
-        </p:nvSpPr>
-        <p:spPr>
-          <a:xfrm>
-            <a:off x="3456774" y="4797152"/>
-            <a:ext cx="1438364" cy="584775"/>
-          </a:xfrm>
-          <a:prstGeom prst="rect">
-            <a:avLst/>
-          </a:prstGeom>
-          <a:noFill/>
-          <a:ln w="19050">
-            <a:solidFill>
-              <a:schemeClr val="tx1"/>
-            </a:solidFill>
-          </a:ln>
-        </p:spPr>
-        <p:txBody>
-          <a:bodyPr wrap="square" rtlCol="0">
-            <a:spAutoFit/>
-          </a:bodyPr>
-          <a:lstStyle/>
-          <a:p>
-            <a:pPr algn="ctr"/>
-            <a:r>
-              <a:rPr lang="en-ID" dirty="0"/>
-              <a:t>cmd  = </a:t>
-            </a:r>
-            <a:r>
-              <a:rPr lang="en-US" sz="1400" dirty="0"/>
-              <a:t>MODE_MANUAL</a:t>
-            </a:r>
-          </a:p>
-        </p:txBody>
-      </p:sp>
       <p:cxnSp>
         <p:nvCxnSpPr>
-          <p:cNvPr id="10" name="Straight Arrow Connector 9"/>
+          <p:cNvPr id="9" name="Straight Arrow Connector 8"/>
           <p:cNvCxnSpPr>
-            <a:stCxn id="39" idx="2"/>
-            <a:endCxn id="9" idx="0"/>
+            <a:stCxn id="112" idx="2"/>
+            <a:endCxn id="7" idx="0"/>
           </p:cNvCxnSpPr>
           <p:nvPr/>
         </p:nvCxnSpPr>
         <p:spPr>
-          <a:xfrm>
-            <a:off x="4175956" y="4180713"/>
-            <a:ext cx="0" cy="616439"/>
+          <a:xfrm flipH="1">
+            <a:off x="1932856" y="1484784"/>
+            <a:ext cx="13063" cy="323456"/>
           </a:xfrm>
           <a:prstGeom prst="straightConnector1">
             <a:avLst/>
@@ -18988,14 +18839,14 @@
       </p:cxnSp>
       <p:sp>
         <p:nvSpPr>
-          <p:cNvPr id="12" name="TextBox 11"/>
+          <p:cNvPr id="14" name="TextBox 13"/>
           <p:cNvSpPr txBox="1"/>
           <p:nvPr/>
         </p:nvSpPr>
         <p:spPr>
           <a:xfrm>
-            <a:off x="7020272" y="5977665"/>
-            <a:ext cx="1981090" cy="584775"/>
+            <a:off x="3226258" y="1917122"/>
+            <a:ext cx="1656184" cy="646331"/>
           </a:xfrm>
           <a:prstGeom prst="rect">
             <a:avLst/>
@@ -19016,35 +18867,136 @@
             <a:pPr algn="ctr"/>
             <a:r>
               <a:rPr lang="en-ID" dirty="0"/>
-              <a:t>_prevCmd  = cmd</a:t>
-            </a:r>
-          </a:p>
-          <a:p>
-            <a:pPr algn="ctr"/>
-            <a:r>
-              <a:rPr lang="en-ID" sz="1400" dirty="0"/>
-              <a:t>return (cmd)</a:t>
-            </a:r>
-            <a:endParaRPr lang="en-US" sz="1400" dirty="0"/>
-          </a:p>
-        </p:txBody>
-      </p:sp>
-      <p:sp>
-        <p:nvSpPr>
-          <p:cNvPr id="13" name="Flowchart: Off-page Connector 12"/>
+              <a:t>cmd  = </a:t>
+            </a:r>
+            <a:r>
+              <a:rPr lang="en-US" dirty="0"/>
+              <a:t>MODE_TEST</a:t>
+            </a:r>
+          </a:p>
+        </p:txBody>
+      </p:sp>
+      <p:cxnSp>
+        <p:nvCxnSpPr>
+          <p:cNvPr id="16" name="Straight Arrow Connector 15"/>
+          <p:cNvCxnSpPr>
+            <a:stCxn id="7" idx="3"/>
+            <a:endCxn id="14" idx="1"/>
+          </p:cNvCxnSpPr>
+          <p:nvPr/>
+        </p:nvCxnSpPr>
+        <p:spPr>
+          <a:xfrm>
+            <a:off x="2766374" y="2240288"/>
+            <a:ext cx="459884" cy="0"/>
+          </a:xfrm>
+          <a:prstGeom prst="straightConnector1">
+            <a:avLst/>
+          </a:prstGeom>
+          <a:ln w="19050">
+            <a:solidFill>
+              <a:schemeClr val="tx1"/>
+            </a:solidFill>
+            <a:tailEnd type="arrow"/>
+          </a:ln>
+        </p:spPr>
+        <p:style>
+          <a:lnRef idx="1">
+            <a:schemeClr val="accent1"/>
+          </a:lnRef>
+          <a:fillRef idx="0">
+            <a:schemeClr val="accent1"/>
+          </a:fillRef>
+          <a:effectRef idx="0">
+            <a:schemeClr val="accent1"/>
+          </a:effectRef>
+          <a:fontRef idx="minor">
+            <a:schemeClr val="tx1"/>
+          </a:fontRef>
+        </p:style>
+      </p:cxnSp>
+      <p:sp>
+        <p:nvSpPr>
+          <p:cNvPr id="20" name="TextBox 19"/>
+          <p:cNvSpPr txBox="1"/>
+          <p:nvPr/>
+        </p:nvSpPr>
+        <p:spPr>
+          <a:xfrm>
+            <a:off x="2753557" y="1886502"/>
+            <a:ext cx="485518" cy="369332"/>
+          </a:xfrm>
+          <a:prstGeom prst="rect">
+            <a:avLst/>
+          </a:prstGeom>
+          <a:noFill/>
+          <a:ln w="19050">
+            <a:noFill/>
+          </a:ln>
+        </p:spPr>
+        <p:txBody>
+          <a:bodyPr wrap="none" rtlCol="0">
+            <a:spAutoFit/>
+          </a:bodyPr>
+          <a:lstStyle/>
+          <a:p>
+            <a:r>
+              <a:rPr lang="en-ID" dirty="0"/>
+              <a:t>Yes</a:t>
+            </a:r>
+            <a:endParaRPr lang="en-US" dirty="0"/>
+          </a:p>
+        </p:txBody>
+      </p:sp>
+      <p:sp>
+        <p:nvSpPr>
+          <p:cNvPr id="21" name="TextBox 20"/>
+          <p:cNvSpPr txBox="1"/>
+          <p:nvPr/>
+        </p:nvSpPr>
+        <p:spPr>
+          <a:xfrm>
+            <a:off x="1965068" y="2687882"/>
+            <a:ext cx="455574" cy="369332"/>
+          </a:xfrm>
+          <a:prstGeom prst="rect">
+            <a:avLst/>
+          </a:prstGeom>
+          <a:noFill/>
+          <a:ln w="19050">
+            <a:noFill/>
+          </a:ln>
+        </p:spPr>
+        <p:txBody>
+          <a:bodyPr wrap="none" rtlCol="0">
+            <a:spAutoFit/>
+          </a:bodyPr>
+          <a:lstStyle/>
+          <a:p>
+            <a:r>
+              <a:rPr lang="en-ID" dirty="0"/>
+              <a:t>No</a:t>
+            </a:r>
+            <a:endParaRPr lang="en-US" dirty="0"/>
+          </a:p>
+        </p:txBody>
+      </p:sp>
+      <p:sp>
+        <p:nvSpPr>
+          <p:cNvPr id="22" name="Flowchart: Decision 21"/>
           <p:cNvSpPr/>
           <p:nvPr/>
         </p:nvSpPr>
         <p:spPr>
           <a:xfrm>
-            <a:off x="1460670" y="1104847"/>
-            <a:ext cx="612648" cy="612648"/>
-          </a:xfrm>
-          <a:prstGeom prst="flowChartOffpageConnector">
+            <a:off x="971600" y="3176392"/>
+            <a:ext cx="1944216" cy="864096"/>
+          </a:xfrm>
+          <a:prstGeom prst="flowChartDecision">
             <a:avLst/>
           </a:prstGeom>
           <a:noFill/>
-          <a:ln>
+          <a:ln w="19050">
             <a:solidFill>
               <a:schemeClr val="tx1"/>
             </a:solidFill>
@@ -19072,14 +19024,14 @@
           <a:p>
             <a:pPr algn="ctr"/>
             <a:r>
-              <a:rPr lang="en-ID" b="1" dirty="0">
+              <a:rPr lang="en-ID" sz="1400" dirty="0">
                 <a:solidFill>
                   <a:schemeClr val="tx1"/>
                 </a:solidFill>
               </a:rPr>
-              <a:t>1</a:t>
-            </a:r>
-            <a:endParaRPr lang="en-US" b="1" dirty="0">
+              <a:t>_pbReset = active</a:t>
+            </a:r>
+            <a:endParaRPr lang="en-US" sz="1400" dirty="0">
               <a:solidFill>
                 <a:schemeClr val="tx1"/>
               </a:solidFill>
@@ -19089,17 +19041,17 @@
       </p:sp>
       <p:cxnSp>
         <p:nvCxnSpPr>
-          <p:cNvPr id="14" name="Straight Arrow Connector 13"/>
+          <p:cNvPr id="24" name="Straight Arrow Connector 23"/>
           <p:cNvCxnSpPr>
-            <a:stCxn id="13" idx="2"/>
-            <a:endCxn id="5" idx="0"/>
+            <a:stCxn id="7" idx="2"/>
+            <a:endCxn id="22" idx="0"/>
           </p:cNvCxnSpPr>
           <p:nvPr/>
         </p:nvCxnSpPr>
         <p:spPr>
-          <a:xfrm flipH="1">
-            <a:off x="1758716" y="1717495"/>
-            <a:ext cx="8278" cy="282806"/>
+          <a:xfrm>
+            <a:off x="1932856" y="2672336"/>
+            <a:ext cx="10852" cy="504056"/>
           </a:xfrm>
           <a:prstGeom prst="straightConnector1">
             <a:avLst/>
@@ -19128,13 +19080,13 @@
       </p:cxnSp>
       <p:sp>
         <p:nvSpPr>
-          <p:cNvPr id="20" name="Flowchart: Decision 19"/>
+          <p:cNvPr id="27" name="Flowchart: Decision 26"/>
           <p:cNvSpPr/>
           <p:nvPr/>
         </p:nvSpPr>
         <p:spPr>
           <a:xfrm>
-            <a:off x="3059832" y="2000301"/>
+            <a:off x="4067944" y="3176392"/>
             <a:ext cx="2232248" cy="864096"/>
           </a:xfrm>
           <a:prstGeom prst="flowChartDecision">
@@ -19182,24 +19134,457 @@
                   <a:schemeClr val="tx1"/>
                 </a:solidFill>
               </a:rPr>
-              <a:t>MODE_MANUAL</a:t>
+              <a:t>MODE_RESET</a:t>
             </a:r>
           </a:p>
         </p:txBody>
       </p:sp>
       <p:cxnSp>
         <p:nvCxnSpPr>
-          <p:cNvPr id="22" name="Straight Arrow Connector 21"/>
+          <p:cNvPr id="29" name="Straight Arrow Connector 28"/>
           <p:cNvCxnSpPr>
-            <a:stCxn id="5" idx="3"/>
-            <a:endCxn id="20" idx="1"/>
+            <a:stCxn id="22" idx="3"/>
+            <a:endCxn id="27" idx="1"/>
           </p:cNvCxnSpPr>
           <p:nvPr/>
         </p:nvCxnSpPr>
         <p:spPr>
           <a:xfrm>
-            <a:off x="2730824" y="2432349"/>
-            <a:ext cx="329008" cy="0"/>
+            <a:off x="2915816" y="3608440"/>
+            <a:ext cx="1152128" cy="0"/>
+          </a:xfrm>
+          <a:prstGeom prst="straightConnector1">
+            <a:avLst/>
+          </a:prstGeom>
+          <a:ln w="19050">
+            <a:solidFill>
+              <a:schemeClr val="tx1"/>
+            </a:solidFill>
+            <a:tailEnd type="arrow"/>
+          </a:ln>
+        </p:spPr>
+        <p:style>
+          <a:lnRef idx="1">
+            <a:schemeClr val="accent1"/>
+          </a:lnRef>
+          <a:fillRef idx="0">
+            <a:schemeClr val="accent1"/>
+          </a:fillRef>
+          <a:effectRef idx="0">
+            <a:schemeClr val="accent1"/>
+          </a:effectRef>
+          <a:fontRef idx="minor">
+            <a:schemeClr val="tx1"/>
+          </a:fontRef>
+        </p:style>
+      </p:cxnSp>
+      <p:sp>
+        <p:nvSpPr>
+          <p:cNvPr id="30" name="TextBox 29"/>
+          <p:cNvSpPr txBox="1"/>
+          <p:nvPr/>
+        </p:nvSpPr>
+        <p:spPr>
+          <a:xfrm>
+            <a:off x="2915816" y="3239108"/>
+            <a:ext cx="485518" cy="369332"/>
+          </a:xfrm>
+          <a:prstGeom prst="rect">
+            <a:avLst/>
+          </a:prstGeom>
+          <a:noFill/>
+          <a:ln w="19050">
+            <a:noFill/>
+          </a:ln>
+        </p:spPr>
+        <p:txBody>
+          <a:bodyPr wrap="none" rtlCol="0">
+            <a:spAutoFit/>
+          </a:bodyPr>
+          <a:lstStyle/>
+          <a:p>
+            <a:r>
+              <a:rPr lang="en-ID" dirty="0"/>
+              <a:t>Yes</a:t>
+            </a:r>
+            <a:endParaRPr lang="en-US" dirty="0"/>
+          </a:p>
+        </p:txBody>
+      </p:sp>
+      <p:sp>
+        <p:nvSpPr>
+          <p:cNvPr id="36" name="TextBox 35"/>
+          <p:cNvSpPr txBox="1"/>
+          <p:nvPr/>
+        </p:nvSpPr>
+        <p:spPr>
+          <a:xfrm>
+            <a:off x="6590890" y="3331598"/>
+            <a:ext cx="1656184" cy="584775"/>
+          </a:xfrm>
+          <a:prstGeom prst="rect">
+            <a:avLst/>
+          </a:prstGeom>
+          <a:noFill/>
+          <a:ln w="19050">
+            <a:solidFill>
+              <a:schemeClr val="tx1"/>
+            </a:solidFill>
+          </a:ln>
+        </p:spPr>
+        <p:txBody>
+          <a:bodyPr wrap="square" rtlCol="0">
+            <a:spAutoFit/>
+          </a:bodyPr>
+          <a:lstStyle/>
+          <a:p>
+            <a:pPr algn="ctr"/>
+            <a:r>
+              <a:rPr lang="en-ID" dirty="0"/>
+              <a:t>cmd  = </a:t>
+            </a:r>
+            <a:r>
+              <a:rPr lang="en-US" sz="1400" dirty="0"/>
+              <a:t>MODE_READY</a:t>
+            </a:r>
+          </a:p>
+        </p:txBody>
+      </p:sp>
+      <p:cxnSp>
+        <p:nvCxnSpPr>
+          <p:cNvPr id="37" name="Straight Arrow Connector 36"/>
+          <p:cNvCxnSpPr>
+            <a:stCxn id="27" idx="3"/>
+            <a:endCxn id="36" idx="1"/>
+          </p:cNvCxnSpPr>
+          <p:nvPr/>
+        </p:nvCxnSpPr>
+        <p:spPr>
+          <a:xfrm>
+            <a:off x="6300192" y="3608440"/>
+            <a:ext cx="290698" cy="15546"/>
+          </a:xfrm>
+          <a:prstGeom prst="straightConnector1">
+            <a:avLst/>
+          </a:prstGeom>
+          <a:ln w="19050">
+            <a:solidFill>
+              <a:schemeClr val="tx1"/>
+            </a:solidFill>
+            <a:tailEnd type="arrow"/>
+          </a:ln>
+        </p:spPr>
+        <p:style>
+          <a:lnRef idx="1">
+            <a:schemeClr val="accent1"/>
+          </a:lnRef>
+          <a:fillRef idx="0">
+            <a:schemeClr val="accent1"/>
+          </a:fillRef>
+          <a:effectRef idx="0">
+            <a:schemeClr val="accent1"/>
+          </a:effectRef>
+          <a:fontRef idx="minor">
+            <a:schemeClr val="tx1"/>
+          </a:fontRef>
+        </p:style>
+      </p:cxnSp>
+      <p:sp>
+        <p:nvSpPr>
+          <p:cNvPr id="38" name="TextBox 37"/>
+          <p:cNvSpPr txBox="1"/>
+          <p:nvPr/>
+        </p:nvSpPr>
+        <p:spPr>
+          <a:xfrm>
+            <a:off x="6105372" y="3270200"/>
+            <a:ext cx="485518" cy="369332"/>
+          </a:xfrm>
+          <a:prstGeom prst="rect">
+            <a:avLst/>
+          </a:prstGeom>
+          <a:noFill/>
+          <a:ln w="19050">
+            <a:noFill/>
+          </a:ln>
+        </p:spPr>
+        <p:txBody>
+          <a:bodyPr wrap="none" rtlCol="0">
+            <a:spAutoFit/>
+          </a:bodyPr>
+          <a:lstStyle/>
+          <a:p>
+            <a:r>
+              <a:rPr lang="en-ID" dirty="0"/>
+              <a:t>Yes</a:t>
+            </a:r>
+            <a:endParaRPr lang="en-US" dirty="0"/>
+          </a:p>
+        </p:txBody>
+      </p:sp>
+      <p:sp>
+        <p:nvSpPr>
+          <p:cNvPr id="42" name="Flowchart: Decision 41"/>
+          <p:cNvSpPr/>
+          <p:nvPr/>
+        </p:nvSpPr>
+        <p:spPr>
+          <a:xfrm>
+            <a:off x="4067944" y="4400528"/>
+            <a:ext cx="2232248" cy="864096"/>
+          </a:xfrm>
+          <a:prstGeom prst="flowChartDecision">
+            <a:avLst/>
+          </a:prstGeom>
+          <a:noFill/>
+          <a:ln w="19050">
+            <a:solidFill>
+              <a:schemeClr val="tx1"/>
+            </a:solidFill>
+          </a:ln>
+        </p:spPr>
+        <p:style>
+          <a:lnRef idx="2">
+            <a:schemeClr val="accent1">
+              <a:shade val="50000"/>
+            </a:schemeClr>
+          </a:lnRef>
+          <a:fillRef idx="1">
+            <a:schemeClr val="accent1"/>
+          </a:fillRef>
+          <a:effectRef idx="0">
+            <a:schemeClr val="accent1"/>
+          </a:effectRef>
+          <a:fontRef idx="minor">
+            <a:schemeClr val="lt1"/>
+          </a:fontRef>
+        </p:style>
+        <p:txBody>
+          <a:bodyPr rtlCol="0" anchor="ctr"/>
+          <a:lstStyle/>
+          <a:p>
+            <a:pPr algn="ctr"/>
+            <a:r>
+              <a:rPr lang="en-ID" sz="1400" dirty="0">
+                <a:solidFill>
+                  <a:schemeClr val="tx1"/>
+                </a:solidFill>
+              </a:rPr>
+              <a:t>_prevCmd = </a:t>
+            </a:r>
+            <a:r>
+              <a:rPr lang="en-US" sz="1400" dirty="0">
+                <a:solidFill>
+                  <a:schemeClr val="tx1"/>
+                </a:solidFill>
+              </a:rPr>
+              <a:t>MODE_READY</a:t>
+            </a:r>
+          </a:p>
+        </p:txBody>
+      </p:sp>
+      <p:cxnSp>
+        <p:nvCxnSpPr>
+          <p:cNvPr id="46" name="Straight Arrow Connector 45"/>
+          <p:cNvCxnSpPr>
+            <a:stCxn id="27" idx="2"/>
+            <a:endCxn id="42" idx="0"/>
+          </p:cNvCxnSpPr>
+          <p:nvPr/>
+        </p:nvCxnSpPr>
+        <p:spPr>
+          <a:xfrm>
+            <a:off x="5184068" y="4040488"/>
+            <a:ext cx="0" cy="360040"/>
+          </a:xfrm>
+          <a:prstGeom prst="straightConnector1">
+            <a:avLst/>
+          </a:prstGeom>
+          <a:ln w="19050">
+            <a:solidFill>
+              <a:schemeClr val="tx1"/>
+            </a:solidFill>
+            <a:tailEnd type="arrow"/>
+          </a:ln>
+        </p:spPr>
+        <p:style>
+          <a:lnRef idx="1">
+            <a:schemeClr val="accent1"/>
+          </a:lnRef>
+          <a:fillRef idx="0">
+            <a:schemeClr val="accent1"/>
+          </a:fillRef>
+          <a:effectRef idx="0">
+            <a:schemeClr val="accent1"/>
+          </a:effectRef>
+          <a:fontRef idx="minor">
+            <a:schemeClr val="tx1"/>
+          </a:fontRef>
+        </p:style>
+      </p:cxnSp>
+      <p:sp>
+        <p:nvSpPr>
+          <p:cNvPr id="47" name="TextBox 46"/>
+          <p:cNvSpPr txBox="1"/>
+          <p:nvPr/>
+        </p:nvSpPr>
+        <p:spPr>
+          <a:xfrm>
+            <a:off x="6510682" y="4540188"/>
+            <a:ext cx="1656184" cy="584775"/>
+          </a:xfrm>
+          <a:prstGeom prst="rect">
+            <a:avLst/>
+          </a:prstGeom>
+          <a:noFill/>
+          <a:ln w="19050">
+            <a:solidFill>
+              <a:schemeClr val="tx1"/>
+            </a:solidFill>
+          </a:ln>
+        </p:spPr>
+        <p:txBody>
+          <a:bodyPr wrap="square" rtlCol="0">
+            <a:spAutoFit/>
+          </a:bodyPr>
+          <a:lstStyle/>
+          <a:p>
+            <a:pPr algn="ctr"/>
+            <a:r>
+              <a:rPr lang="en-ID" dirty="0"/>
+              <a:t>cmd  = </a:t>
+            </a:r>
+            <a:r>
+              <a:rPr lang="en-US" sz="1400" dirty="0"/>
+              <a:t>MODE_READY</a:t>
+            </a:r>
+          </a:p>
+        </p:txBody>
+      </p:sp>
+      <p:cxnSp>
+        <p:nvCxnSpPr>
+          <p:cNvPr id="48" name="Straight Arrow Connector 47"/>
+          <p:cNvCxnSpPr>
+            <a:stCxn id="42" idx="3"/>
+            <a:endCxn id="47" idx="1"/>
+          </p:cNvCxnSpPr>
+          <p:nvPr/>
+        </p:nvCxnSpPr>
+        <p:spPr>
+          <a:xfrm>
+            <a:off x="6300192" y="4832576"/>
+            <a:ext cx="210490" cy="0"/>
+          </a:xfrm>
+          <a:prstGeom prst="straightConnector1">
+            <a:avLst/>
+          </a:prstGeom>
+          <a:ln w="19050">
+            <a:solidFill>
+              <a:schemeClr val="tx1"/>
+            </a:solidFill>
+            <a:tailEnd type="arrow"/>
+          </a:ln>
+        </p:spPr>
+        <p:style>
+          <a:lnRef idx="1">
+            <a:schemeClr val="accent1"/>
+          </a:lnRef>
+          <a:fillRef idx="0">
+            <a:schemeClr val="accent1"/>
+          </a:fillRef>
+          <a:effectRef idx="0">
+            <a:schemeClr val="accent1"/>
+          </a:effectRef>
+          <a:fontRef idx="minor">
+            <a:schemeClr val="tx1"/>
+          </a:fontRef>
+        </p:style>
+      </p:cxnSp>
+      <p:sp>
+        <p:nvSpPr>
+          <p:cNvPr id="49" name="TextBox 48"/>
+          <p:cNvSpPr txBox="1"/>
+          <p:nvPr/>
+        </p:nvSpPr>
+        <p:spPr>
+          <a:xfrm>
+            <a:off x="6057433" y="4453390"/>
+            <a:ext cx="485518" cy="369332"/>
+          </a:xfrm>
+          <a:prstGeom prst="rect">
+            <a:avLst/>
+          </a:prstGeom>
+          <a:noFill/>
+          <a:ln w="19050">
+            <a:noFill/>
+          </a:ln>
+        </p:spPr>
+        <p:txBody>
+          <a:bodyPr wrap="none" rtlCol="0">
+            <a:spAutoFit/>
+          </a:bodyPr>
+          <a:lstStyle/>
+          <a:p>
+            <a:r>
+              <a:rPr lang="en-ID" dirty="0"/>
+              <a:t>Yes</a:t>
+            </a:r>
+            <a:endParaRPr lang="en-US" dirty="0"/>
+          </a:p>
+        </p:txBody>
+      </p:sp>
+      <p:sp>
+        <p:nvSpPr>
+          <p:cNvPr id="50" name="TextBox 49"/>
+          <p:cNvSpPr txBox="1"/>
+          <p:nvPr/>
+        </p:nvSpPr>
+        <p:spPr>
+          <a:xfrm>
+            <a:off x="4355976" y="5624664"/>
+            <a:ext cx="1656184" cy="646331"/>
+          </a:xfrm>
+          <a:prstGeom prst="rect">
+            <a:avLst/>
+          </a:prstGeom>
+          <a:noFill/>
+          <a:ln w="19050">
+            <a:solidFill>
+              <a:schemeClr val="tx1"/>
+            </a:solidFill>
+          </a:ln>
+        </p:spPr>
+        <p:txBody>
+          <a:bodyPr wrap="square" rtlCol="0">
+            <a:spAutoFit/>
+          </a:bodyPr>
+          <a:lstStyle/>
+          <a:p>
+            <a:pPr algn="ctr"/>
+            <a:r>
+              <a:rPr lang="en-ID" dirty="0"/>
+              <a:t>cmd  = </a:t>
+            </a:r>
+            <a:r>
+              <a:rPr lang="en-US" dirty="0"/>
+              <a:t>MODE_RESET</a:t>
+            </a:r>
+          </a:p>
+        </p:txBody>
+      </p:sp>
+      <p:cxnSp>
+        <p:nvCxnSpPr>
+          <p:cNvPr id="52" name="Straight Arrow Connector 51"/>
+          <p:cNvCxnSpPr>
+            <a:stCxn id="42" idx="2"/>
+            <a:endCxn id="50" idx="0"/>
+          </p:cNvCxnSpPr>
+          <p:nvPr/>
+        </p:nvCxnSpPr>
+        <p:spPr>
+          <a:xfrm>
+            <a:off x="5184068" y="5264624"/>
+            <a:ext cx="0" cy="360040"/>
           </a:xfrm>
           <a:prstGeom prst="straightConnector1">
             <a:avLst/>
@@ -19228,148 +19613,19 @@
       </p:cxnSp>
       <p:cxnSp>
         <p:nvCxnSpPr>
-          <p:cNvPr id="24" name="Straight Arrow Connector 23"/>
+          <p:cNvPr id="55" name="Elbow Connector 54"/>
           <p:cNvCxnSpPr>
-            <a:stCxn id="20" idx="3"/>
-            <a:endCxn id="6" idx="1"/>
+            <a:stCxn id="14" idx="3"/>
+            <a:endCxn id="106" idx="0"/>
           </p:cNvCxnSpPr>
           <p:nvPr/>
         </p:nvCxnSpPr>
         <p:spPr>
           <a:xfrm>
-            <a:off x="5292080" y="2432349"/>
-            <a:ext cx="432048" cy="0"/>
-          </a:xfrm>
-          <a:prstGeom prst="straightConnector1">
-            <a:avLst/>
-          </a:prstGeom>
-          <a:ln w="19050">
-            <a:solidFill>
-              <a:srgbClr val="003300"/>
-            </a:solidFill>
-            <a:tailEnd type="arrow"/>
-          </a:ln>
-        </p:spPr>
-        <p:style>
-          <a:lnRef idx="1">
-            <a:schemeClr val="accent1"/>
-          </a:lnRef>
-          <a:fillRef idx="0">
-            <a:schemeClr val="accent1"/>
-          </a:fillRef>
-          <a:effectRef idx="0">
-            <a:schemeClr val="accent1"/>
-          </a:effectRef>
-          <a:fontRef idx="minor">
-            <a:schemeClr val="tx1"/>
-          </a:fontRef>
-        </p:style>
-      </p:cxnSp>
-      <p:sp>
-        <p:nvSpPr>
-          <p:cNvPr id="30" name="TextBox 29"/>
-          <p:cNvSpPr txBox="1"/>
-          <p:nvPr/>
-        </p:nvSpPr>
-        <p:spPr>
-          <a:xfrm>
-            <a:off x="5298746" y="2087282"/>
-            <a:ext cx="296876" cy="369332"/>
-          </a:xfrm>
-          <a:prstGeom prst="rect">
-            <a:avLst/>
-          </a:prstGeom>
-          <a:noFill/>
-          <a:ln w="19050">
-            <a:noFill/>
-          </a:ln>
-        </p:spPr>
-        <p:txBody>
-          <a:bodyPr wrap="none" rtlCol="0">
-            <a:spAutoFit/>
-          </a:bodyPr>
-          <a:lstStyle/>
-          <a:p>
-            <a:r>
-              <a:rPr lang="en-ID" dirty="0"/>
-              <a:t>Y</a:t>
-            </a:r>
-            <a:endParaRPr lang="en-US" dirty="0"/>
-          </a:p>
-        </p:txBody>
-      </p:sp>
-      <p:sp>
-        <p:nvSpPr>
-          <p:cNvPr id="31" name="Flowchart: Off-page Connector 30"/>
-          <p:cNvSpPr/>
-          <p:nvPr/>
-        </p:nvSpPr>
-        <p:spPr>
-          <a:xfrm>
-            <a:off x="8007362" y="1104847"/>
-            <a:ext cx="612648" cy="612648"/>
-          </a:xfrm>
-          <a:prstGeom prst="flowChartOffpageConnector">
-            <a:avLst/>
-          </a:prstGeom>
-          <a:noFill/>
-          <a:ln>
-            <a:solidFill>
-              <a:schemeClr val="tx1"/>
-            </a:solidFill>
-          </a:ln>
-        </p:spPr>
-        <p:style>
-          <a:lnRef idx="2">
-            <a:schemeClr val="accent1">
-              <a:shade val="50000"/>
-            </a:schemeClr>
-          </a:lnRef>
-          <a:fillRef idx="1">
-            <a:schemeClr val="accent1"/>
-          </a:fillRef>
-          <a:effectRef idx="0">
-            <a:schemeClr val="accent1"/>
-          </a:effectRef>
-          <a:fontRef idx="minor">
-            <a:schemeClr val="lt1"/>
-          </a:fontRef>
-        </p:style>
-        <p:txBody>
-          <a:bodyPr rtlCol="0" anchor="ctr"/>
-          <a:lstStyle/>
-          <a:p>
-            <a:pPr algn="ctr"/>
-            <a:r>
-              <a:rPr lang="en-ID" b="1" dirty="0">
-                <a:solidFill>
-                  <a:schemeClr val="tx1"/>
-                </a:solidFill>
-              </a:rPr>
-              <a:t>2</a:t>
-            </a:r>
-            <a:endParaRPr lang="en-US" b="1" dirty="0">
-              <a:solidFill>
-                <a:schemeClr val="tx1"/>
-              </a:solidFill>
-            </a:endParaRPr>
-          </a:p>
-        </p:txBody>
-      </p:sp>
-      <p:cxnSp>
-        <p:nvCxnSpPr>
-          <p:cNvPr id="34" name="Elbow Connector 33"/>
-          <p:cNvCxnSpPr>
-            <a:stCxn id="31" idx="2"/>
-          </p:cNvCxnSpPr>
-          <p:nvPr/>
-        </p:nvCxnSpPr>
-        <p:spPr>
-          <a:xfrm rot="5400000">
-            <a:off x="6030439" y="3694418"/>
-            <a:ext cx="4260170" cy="306324"/>
-          </a:xfrm>
-          <a:prstGeom prst="bentConnector3">
+            <a:off x="4882442" y="2240288"/>
+            <a:ext cx="3670956" cy="3888432"/>
+          </a:xfrm>
+          <a:prstGeom prst="bentConnector2">
             <a:avLst/>
           </a:prstGeom>
           <a:ln w="19050">
@@ -19396,233 +19652,23 @@
       </p:cxnSp>
       <p:cxnSp>
         <p:nvCxnSpPr>
-          <p:cNvPr id="35" name="Straight Arrow Connector 34"/>
+          <p:cNvPr id="57" name="Straight Arrow Connector 56"/>
           <p:cNvCxnSpPr>
-            <a:stCxn id="6" idx="3"/>
+            <a:stCxn id="36" idx="3"/>
           </p:cNvCxnSpPr>
           <p:nvPr/>
         </p:nvCxnSpPr>
         <p:spPr>
-          <a:xfrm flipV="1">
-            <a:off x="7621650" y="2432348"/>
-            <a:ext cx="692036" cy="1"/>
+          <a:xfrm>
+            <a:off x="8247074" y="3623986"/>
+            <a:ext cx="306324" cy="0"/>
           </a:xfrm>
           <a:prstGeom prst="straightConnector1">
             <a:avLst/>
           </a:prstGeom>
-          <a:ln w="19050">
-            <a:solidFill>
-              <a:srgbClr val="003300"/>
-            </a:solidFill>
-            <a:tailEnd type="arrow"/>
-          </a:ln>
-        </p:spPr>
-        <p:style>
-          <a:lnRef idx="1">
-            <a:schemeClr val="accent1"/>
-          </a:lnRef>
-          <a:fillRef idx="0">
-            <a:schemeClr val="accent1"/>
-          </a:fillRef>
-          <a:effectRef idx="0">
-            <a:schemeClr val="accent1"/>
-          </a:effectRef>
-          <a:fontRef idx="minor">
-            <a:schemeClr val="tx1"/>
-          </a:fontRef>
-        </p:style>
-      </p:cxnSp>
-      <p:sp>
-        <p:nvSpPr>
-          <p:cNvPr id="38" name="TextBox 37"/>
-          <p:cNvSpPr txBox="1"/>
-          <p:nvPr/>
-        </p:nvSpPr>
-        <p:spPr>
-          <a:xfrm>
-            <a:off x="5724128" y="3456277"/>
-            <a:ext cx="1897522" cy="584775"/>
-          </a:xfrm>
-          <a:prstGeom prst="rect">
-            <a:avLst/>
-          </a:prstGeom>
-          <a:noFill/>
           <a:ln w="19050">
             <a:solidFill>
               <a:schemeClr val="tx1"/>
-            </a:solidFill>
-          </a:ln>
-        </p:spPr>
-        <p:txBody>
-          <a:bodyPr wrap="square" rtlCol="0">
-            <a:spAutoFit/>
-          </a:bodyPr>
-          <a:lstStyle/>
-          <a:p>
-            <a:pPr algn="ctr"/>
-            <a:r>
-              <a:rPr lang="en-ID" dirty="0"/>
-              <a:t>cmd  = </a:t>
-            </a:r>
-            <a:r>
-              <a:rPr lang="en-US" sz="1400" dirty="0"/>
-              <a:t>MODE_MANUAL_ON</a:t>
-            </a:r>
-          </a:p>
-        </p:txBody>
-      </p:sp>
-      <p:sp>
-        <p:nvSpPr>
-          <p:cNvPr id="39" name="Flowchart: Decision 38"/>
-          <p:cNvSpPr/>
-          <p:nvPr/>
-        </p:nvSpPr>
-        <p:spPr>
-          <a:xfrm>
-            <a:off x="3059832" y="3316617"/>
-            <a:ext cx="2232248" cy="864096"/>
-          </a:xfrm>
-          <a:prstGeom prst="flowChartDecision">
-            <a:avLst/>
-          </a:prstGeom>
-          <a:noFill/>
-          <a:ln w="19050">
-            <a:solidFill>
-              <a:schemeClr val="tx1"/>
-            </a:solidFill>
-          </a:ln>
-        </p:spPr>
-        <p:style>
-          <a:lnRef idx="2">
-            <a:schemeClr val="accent1">
-              <a:shade val="50000"/>
-            </a:schemeClr>
-          </a:lnRef>
-          <a:fillRef idx="1">
-            <a:schemeClr val="accent1"/>
-          </a:fillRef>
-          <a:effectRef idx="0">
-            <a:schemeClr val="accent1"/>
-          </a:effectRef>
-          <a:fontRef idx="minor">
-            <a:schemeClr val="lt1"/>
-          </a:fontRef>
-        </p:style>
-        <p:txBody>
-          <a:bodyPr rtlCol="0" anchor="ctr"/>
-          <a:lstStyle/>
-          <a:p>
-            <a:pPr algn="ctr"/>
-            <a:r>
-              <a:rPr lang="en-ID" sz="1400" dirty="0">
-                <a:solidFill>
-                  <a:schemeClr val="tx1"/>
-                </a:solidFill>
-              </a:rPr>
-              <a:t>_prevCmd = </a:t>
-            </a:r>
-            <a:r>
-              <a:rPr lang="en-US" sz="1400" dirty="0">
-                <a:solidFill>
-                  <a:schemeClr val="tx1"/>
-                </a:solidFill>
-              </a:rPr>
-              <a:t>MODE_MANUAL_ON</a:t>
-            </a:r>
-          </a:p>
-        </p:txBody>
-      </p:sp>
-      <p:cxnSp>
-        <p:nvCxnSpPr>
-          <p:cNvPr id="40" name="Straight Arrow Connector 39"/>
-          <p:cNvCxnSpPr>
-            <a:stCxn id="39" idx="3"/>
-            <a:endCxn id="38" idx="1"/>
-          </p:cNvCxnSpPr>
-          <p:nvPr/>
-        </p:nvCxnSpPr>
-        <p:spPr>
-          <a:xfrm>
-            <a:off x="5292080" y="3748665"/>
-            <a:ext cx="432048" cy="0"/>
-          </a:xfrm>
-          <a:prstGeom prst="straightConnector1">
-            <a:avLst/>
-          </a:prstGeom>
-          <a:ln w="19050">
-            <a:solidFill>
-              <a:srgbClr val="003300"/>
-            </a:solidFill>
-            <a:tailEnd type="arrow"/>
-          </a:ln>
-        </p:spPr>
-        <p:style>
-          <a:lnRef idx="1">
-            <a:schemeClr val="accent1"/>
-          </a:lnRef>
-          <a:fillRef idx="0">
-            <a:schemeClr val="accent1"/>
-          </a:fillRef>
-          <a:effectRef idx="0">
-            <a:schemeClr val="accent1"/>
-          </a:effectRef>
-          <a:fontRef idx="minor">
-            <a:schemeClr val="tx1"/>
-          </a:fontRef>
-        </p:style>
-      </p:cxnSp>
-      <p:sp>
-        <p:nvSpPr>
-          <p:cNvPr id="41" name="TextBox 40"/>
-          <p:cNvSpPr txBox="1"/>
-          <p:nvPr/>
-        </p:nvSpPr>
-        <p:spPr>
-          <a:xfrm>
-            <a:off x="5298746" y="3403598"/>
-            <a:ext cx="296876" cy="369332"/>
-          </a:xfrm>
-          <a:prstGeom prst="rect">
-            <a:avLst/>
-          </a:prstGeom>
-          <a:noFill/>
-          <a:ln w="19050">
-            <a:noFill/>
-          </a:ln>
-        </p:spPr>
-        <p:txBody>
-          <a:bodyPr wrap="none" rtlCol="0">
-            <a:spAutoFit/>
-          </a:bodyPr>
-          <a:lstStyle/>
-          <a:p>
-            <a:r>
-              <a:rPr lang="en-ID" dirty="0"/>
-              <a:t>Y</a:t>
-            </a:r>
-            <a:endParaRPr lang="en-US" dirty="0"/>
-          </a:p>
-        </p:txBody>
-      </p:sp>
-      <p:cxnSp>
-        <p:nvCxnSpPr>
-          <p:cNvPr id="42" name="Straight Arrow Connector 41"/>
-          <p:cNvCxnSpPr>
-            <a:stCxn id="38" idx="3"/>
-          </p:cNvCxnSpPr>
-          <p:nvPr/>
-        </p:nvCxnSpPr>
-        <p:spPr>
-          <a:xfrm flipV="1">
-            <a:off x="7621650" y="3748664"/>
-            <a:ext cx="692036" cy="1"/>
-          </a:xfrm>
-          <a:prstGeom prst="straightConnector1">
-            <a:avLst/>
-          </a:prstGeom>
-          <a:ln w="19050">
-            <a:solidFill>
-              <a:srgbClr val="003300"/>
             </a:solidFill>
             <a:tailEnd type="arrow"/>
           </a:ln>
@@ -19644,17 +19690,16 @@
       </p:cxnSp>
       <p:cxnSp>
         <p:nvCxnSpPr>
-          <p:cNvPr id="44" name="Straight Arrow Connector 43"/>
+          <p:cNvPr id="59" name="Straight Arrow Connector 58"/>
           <p:cNvCxnSpPr>
-            <a:stCxn id="20" idx="2"/>
-            <a:endCxn id="39" idx="0"/>
+            <a:stCxn id="47" idx="3"/>
           </p:cNvCxnSpPr>
           <p:nvPr/>
         </p:nvCxnSpPr>
         <p:spPr>
           <a:xfrm>
-            <a:off x="4175956" y="2864397"/>
-            <a:ext cx="0" cy="452220"/>
+            <a:off x="8166866" y="4832576"/>
+            <a:ext cx="386532" cy="0"/>
           </a:xfrm>
           <a:prstGeom prst="straightConnector1">
             <a:avLst/>
@@ -19683,19 +19728,226 @@
       </p:cxnSp>
       <p:cxnSp>
         <p:nvCxnSpPr>
-          <p:cNvPr id="48" name="Elbow Connector 47"/>
+          <p:cNvPr id="61" name="Straight Arrow Connector 60"/>
           <p:cNvCxnSpPr>
-            <a:stCxn id="5" idx="2"/>
-            <a:endCxn id="12" idx="1"/>
+            <a:stCxn id="50" idx="3"/>
           </p:cNvCxnSpPr>
           <p:nvPr/>
         </p:nvCxnSpPr>
         <p:spPr>
-          <a:xfrm rot="16200000" flipH="1">
-            <a:off x="2686666" y="1936447"/>
-            <a:ext cx="3405656" cy="5261556"/>
-          </a:xfrm>
-          <a:prstGeom prst="bentConnector2">
+          <a:xfrm>
+            <a:off x="6012160" y="5947830"/>
+            <a:ext cx="2538572" cy="0"/>
+          </a:xfrm>
+          <a:prstGeom prst="straightConnector1">
+            <a:avLst/>
+          </a:prstGeom>
+          <a:ln w="19050">
+            <a:solidFill>
+              <a:schemeClr val="tx1"/>
+            </a:solidFill>
+            <a:tailEnd type="arrow"/>
+          </a:ln>
+        </p:spPr>
+        <p:style>
+          <a:lnRef idx="1">
+            <a:schemeClr val="accent1"/>
+          </a:lnRef>
+          <a:fillRef idx="0">
+            <a:schemeClr val="accent1"/>
+          </a:fillRef>
+          <a:effectRef idx="0">
+            <a:schemeClr val="accent1"/>
+          </a:effectRef>
+          <a:fontRef idx="minor">
+            <a:schemeClr val="tx1"/>
+          </a:fontRef>
+        </p:style>
+      </p:cxnSp>
+      <p:sp>
+        <p:nvSpPr>
+          <p:cNvPr id="66" name="Flowchart: Decision 65"/>
+          <p:cNvSpPr/>
+          <p:nvPr/>
+        </p:nvSpPr>
+        <p:spPr>
+          <a:xfrm>
+            <a:off x="517126" y="4317746"/>
+            <a:ext cx="1944216" cy="864096"/>
+          </a:xfrm>
+          <a:prstGeom prst="flowChartDecision">
+            <a:avLst/>
+          </a:prstGeom>
+          <a:noFill/>
+          <a:ln w="19050">
+            <a:solidFill>
+              <a:schemeClr val="tx1"/>
+            </a:solidFill>
+          </a:ln>
+        </p:spPr>
+        <p:style>
+          <a:lnRef idx="2">
+            <a:schemeClr val="accent1">
+              <a:shade val="50000"/>
+            </a:schemeClr>
+          </a:lnRef>
+          <a:fillRef idx="1">
+            <a:schemeClr val="accent1"/>
+          </a:fillRef>
+          <a:effectRef idx="0">
+            <a:schemeClr val="accent1"/>
+          </a:effectRef>
+          <a:fontRef idx="minor">
+            <a:schemeClr val="lt1"/>
+          </a:fontRef>
+        </p:style>
+        <p:txBody>
+          <a:bodyPr rtlCol="0" anchor="ctr"/>
+          <a:lstStyle/>
+          <a:p>
+            <a:pPr algn="ctr"/>
+            <a:r>
+              <a:rPr lang="en-ID" sz="1400" dirty="0">
+                <a:solidFill>
+                  <a:schemeClr val="tx1"/>
+                </a:solidFill>
+              </a:rPr>
+              <a:t>_pbAuto = active</a:t>
+            </a:r>
+            <a:endParaRPr lang="en-US" sz="1400" dirty="0">
+              <a:solidFill>
+                <a:schemeClr val="tx1"/>
+              </a:solidFill>
+            </a:endParaRPr>
+          </a:p>
+        </p:txBody>
+      </p:sp>
+      <p:cxnSp>
+        <p:nvCxnSpPr>
+          <p:cNvPr id="68" name="Elbow Connector 67"/>
+          <p:cNvCxnSpPr>
+            <a:stCxn id="22" idx="2"/>
+            <a:endCxn id="66" idx="0"/>
+          </p:cNvCxnSpPr>
+          <p:nvPr/>
+        </p:nvCxnSpPr>
+        <p:spPr>
+          <a:xfrm rot="5400000">
+            <a:off x="1577842" y="3951880"/>
+            <a:ext cx="277258" cy="454474"/>
+          </a:xfrm>
+          <a:prstGeom prst="bentConnector3">
+            <a:avLst/>
+          </a:prstGeom>
+          <a:ln w="19050">
+            <a:solidFill>
+              <a:schemeClr val="tx1"/>
+            </a:solidFill>
+            <a:tailEnd type="arrow"/>
+          </a:ln>
+        </p:spPr>
+        <p:style>
+          <a:lnRef idx="1">
+            <a:schemeClr val="accent1"/>
+          </a:lnRef>
+          <a:fillRef idx="0">
+            <a:schemeClr val="accent1"/>
+          </a:fillRef>
+          <a:effectRef idx="0">
+            <a:schemeClr val="accent1"/>
+          </a:effectRef>
+          <a:fontRef idx="minor">
+            <a:schemeClr val="tx1"/>
+          </a:fontRef>
+        </p:style>
+      </p:cxnSp>
+      <p:sp>
+        <p:nvSpPr>
+          <p:cNvPr id="69" name="TextBox 68"/>
+          <p:cNvSpPr txBox="1"/>
+          <p:nvPr/>
+        </p:nvSpPr>
+        <p:spPr>
+          <a:xfrm>
+            <a:off x="2615986" y="4442017"/>
+            <a:ext cx="1350366" cy="584775"/>
+          </a:xfrm>
+          <a:prstGeom prst="rect">
+            <a:avLst/>
+          </a:prstGeom>
+          <a:noFill/>
+          <a:ln w="19050">
+            <a:solidFill>
+              <a:schemeClr val="tx1"/>
+            </a:solidFill>
+          </a:ln>
+        </p:spPr>
+        <p:txBody>
+          <a:bodyPr wrap="square" rtlCol="0">
+            <a:spAutoFit/>
+          </a:bodyPr>
+          <a:lstStyle/>
+          <a:p>
+            <a:pPr algn="ctr"/>
+            <a:r>
+              <a:rPr lang="en-ID" dirty="0"/>
+              <a:t>cmd  = </a:t>
+            </a:r>
+            <a:r>
+              <a:rPr lang="en-US" sz="1400" dirty="0"/>
+              <a:t>MODE_AUTO</a:t>
+            </a:r>
+          </a:p>
+        </p:txBody>
+      </p:sp>
+      <p:sp>
+        <p:nvSpPr>
+          <p:cNvPr id="70" name="TextBox 69"/>
+          <p:cNvSpPr txBox="1"/>
+          <p:nvPr/>
+        </p:nvSpPr>
+        <p:spPr>
+          <a:xfrm>
+            <a:off x="2407338" y="4397370"/>
+            <a:ext cx="296876" cy="369332"/>
+          </a:xfrm>
+          <a:prstGeom prst="rect">
+            <a:avLst/>
+          </a:prstGeom>
+          <a:noFill/>
+          <a:ln w="19050">
+            <a:noFill/>
+          </a:ln>
+        </p:spPr>
+        <p:txBody>
+          <a:bodyPr wrap="none" rtlCol="0">
+            <a:spAutoFit/>
+          </a:bodyPr>
+          <a:lstStyle/>
+          <a:p>
+            <a:r>
+              <a:rPr lang="en-ID" dirty="0"/>
+              <a:t>Y</a:t>
+            </a:r>
+            <a:endParaRPr lang="en-US" dirty="0"/>
+          </a:p>
+        </p:txBody>
+      </p:sp>
+      <p:cxnSp>
+        <p:nvCxnSpPr>
+          <p:cNvPr id="78" name="Straight Arrow Connector 77"/>
+          <p:cNvCxnSpPr>
+            <a:stCxn id="66" idx="3"/>
+            <a:endCxn id="69" idx="1"/>
+          </p:cNvCxnSpPr>
+          <p:nvPr/>
+        </p:nvCxnSpPr>
+        <p:spPr>
+          <a:xfrm flipV="1">
+            <a:off x="2461342" y="4734405"/>
+            <a:ext cx="154644" cy="15389"/>
+          </a:xfrm>
+          <a:prstGeom prst="straightConnector1">
             <a:avLst/>
           </a:prstGeom>
           <a:ln w="19050">
@@ -19722,16 +19974,17 @@
       </p:cxnSp>
       <p:cxnSp>
         <p:nvCxnSpPr>
-          <p:cNvPr id="49" name="Straight Arrow Connector 48"/>
+          <p:cNvPr id="89" name="Straight Arrow Connector 88"/>
           <p:cNvCxnSpPr>
-            <a:stCxn id="9" idx="2"/>
+            <a:stCxn id="66" idx="2"/>
+            <a:endCxn id="110" idx="0"/>
           </p:cNvCxnSpPr>
           <p:nvPr/>
         </p:nvCxnSpPr>
         <p:spPr>
           <a:xfrm>
-            <a:off x="4175956" y="5381927"/>
-            <a:ext cx="0" cy="888125"/>
+            <a:off x="1489234" y="5181842"/>
+            <a:ext cx="0" cy="874870"/>
           </a:xfrm>
           <a:prstGeom prst="straightConnector1">
             <a:avLst/>
@@ -19758,10 +20011,219 @@
           </a:fontRef>
         </p:style>
       </p:cxnSp>
+      <p:cxnSp>
+        <p:nvCxnSpPr>
+          <p:cNvPr id="103" name="Elbow Connector 102"/>
+          <p:cNvCxnSpPr>
+            <a:stCxn id="69" idx="2"/>
+            <a:endCxn id="106" idx="1"/>
+          </p:cNvCxnSpPr>
+          <p:nvPr/>
+        </p:nvCxnSpPr>
+        <p:spPr>
+          <a:xfrm rot="16200000" flipH="1">
+            <a:off x="5064995" y="3252965"/>
+            <a:ext cx="1408252" cy="4955905"/>
+          </a:xfrm>
+          <a:prstGeom prst="bentConnector2">
+            <a:avLst/>
+          </a:prstGeom>
+          <a:ln w="19050">
+            <a:solidFill>
+              <a:schemeClr val="tx1"/>
+            </a:solidFill>
+            <a:tailEnd type="arrow"/>
+          </a:ln>
+        </p:spPr>
+        <p:style>
+          <a:lnRef idx="1">
+            <a:schemeClr val="accent1"/>
+          </a:lnRef>
+          <a:fillRef idx="0">
+            <a:schemeClr val="accent1"/>
+          </a:fillRef>
+          <a:effectRef idx="0">
+            <a:schemeClr val="accent1"/>
+          </a:effectRef>
+          <a:fontRef idx="minor">
+            <a:schemeClr val="tx1"/>
+          </a:fontRef>
+        </p:style>
+      </p:cxnSp>
+      <p:sp>
+        <p:nvSpPr>
+          <p:cNvPr id="106" name="Flowchart: Off-page Connector 105"/>
+          <p:cNvSpPr/>
+          <p:nvPr/>
+        </p:nvSpPr>
+        <p:spPr>
+          <a:xfrm>
+            <a:off x="8247074" y="6128720"/>
+            <a:ext cx="612648" cy="612648"/>
+          </a:xfrm>
+          <a:prstGeom prst="flowChartOffpageConnector">
+            <a:avLst/>
+          </a:prstGeom>
+          <a:noFill/>
+          <a:ln>
+            <a:solidFill>
+              <a:schemeClr val="tx1"/>
+            </a:solidFill>
+          </a:ln>
+        </p:spPr>
+        <p:style>
+          <a:lnRef idx="2">
+            <a:schemeClr val="accent1">
+              <a:shade val="50000"/>
+            </a:schemeClr>
+          </a:lnRef>
+          <a:fillRef idx="1">
+            <a:schemeClr val="accent1"/>
+          </a:fillRef>
+          <a:effectRef idx="0">
+            <a:schemeClr val="accent1"/>
+          </a:effectRef>
+          <a:fontRef idx="minor">
+            <a:schemeClr val="lt1"/>
+          </a:fontRef>
+        </p:style>
+        <p:txBody>
+          <a:bodyPr rtlCol="0" anchor="ctr"/>
+          <a:lstStyle/>
+          <a:p>
+            <a:pPr algn="ctr"/>
+            <a:r>
+              <a:rPr lang="en-ID" b="1" dirty="0">
+                <a:solidFill>
+                  <a:schemeClr val="tx1"/>
+                </a:solidFill>
+              </a:rPr>
+              <a:t>3</a:t>
+            </a:r>
+            <a:endParaRPr lang="en-US" b="1" dirty="0">
+              <a:solidFill>
+                <a:schemeClr val="tx1"/>
+              </a:solidFill>
+            </a:endParaRPr>
+          </a:p>
+        </p:txBody>
+      </p:sp>
+      <p:sp>
+        <p:nvSpPr>
+          <p:cNvPr id="110" name="Flowchart: Off-page Connector 109"/>
+          <p:cNvSpPr/>
+          <p:nvPr/>
+        </p:nvSpPr>
+        <p:spPr>
+          <a:xfrm>
+            <a:off x="1182910" y="6056712"/>
+            <a:ext cx="612648" cy="612648"/>
+          </a:xfrm>
+          <a:prstGeom prst="flowChartOffpageConnector">
+            <a:avLst/>
+          </a:prstGeom>
+          <a:noFill/>
+          <a:ln>
+            <a:solidFill>
+              <a:schemeClr val="tx1"/>
+            </a:solidFill>
+          </a:ln>
+        </p:spPr>
+        <p:style>
+          <a:lnRef idx="2">
+            <a:schemeClr val="accent1">
+              <a:shade val="50000"/>
+            </a:schemeClr>
+          </a:lnRef>
+          <a:fillRef idx="1">
+            <a:schemeClr val="accent1"/>
+          </a:fillRef>
+          <a:effectRef idx="0">
+            <a:schemeClr val="accent1"/>
+          </a:effectRef>
+          <a:fontRef idx="minor">
+            <a:schemeClr val="lt1"/>
+          </a:fontRef>
+        </p:style>
+        <p:txBody>
+          <a:bodyPr rtlCol="0" anchor="ctr"/>
+          <a:lstStyle/>
+          <a:p>
+            <a:pPr algn="ctr"/>
+            <a:r>
+              <a:rPr lang="en-ID" b="1" dirty="0">
+                <a:solidFill>
+                  <a:schemeClr val="tx1"/>
+                </a:solidFill>
+              </a:rPr>
+              <a:t>2</a:t>
+            </a:r>
+            <a:endParaRPr lang="en-US" b="1" dirty="0">
+              <a:solidFill>
+                <a:schemeClr val="tx1"/>
+              </a:solidFill>
+            </a:endParaRPr>
+          </a:p>
+        </p:txBody>
+      </p:sp>
+      <p:sp>
+        <p:nvSpPr>
+          <p:cNvPr id="112" name="Flowchart: Predefined Process 111"/>
+          <p:cNvSpPr/>
+          <p:nvPr/>
+        </p:nvSpPr>
+        <p:spPr>
+          <a:xfrm>
+            <a:off x="179512" y="654503"/>
+            <a:ext cx="3532814" cy="830281"/>
+          </a:xfrm>
+          <a:prstGeom prst="flowChartPredefinedProcess">
+            <a:avLst/>
+          </a:prstGeom>
+          <a:noFill/>
+          <a:ln>
+            <a:solidFill>
+              <a:schemeClr val="tx1"/>
+            </a:solidFill>
+          </a:ln>
+        </p:spPr>
+        <p:style>
+          <a:lnRef idx="2">
+            <a:schemeClr val="accent1">
+              <a:shade val="50000"/>
+            </a:schemeClr>
+          </a:lnRef>
+          <a:fillRef idx="1">
+            <a:schemeClr val="accent1"/>
+          </a:fillRef>
+          <a:effectRef idx="0">
+            <a:schemeClr val="accent1"/>
+          </a:effectRef>
+          <a:fontRef idx="minor">
+            <a:schemeClr val="lt1"/>
+          </a:fontRef>
+        </p:style>
+        <p:txBody>
+          <a:bodyPr rtlCol="0" anchor="ctr"/>
+          <a:lstStyle/>
+          <a:p>
+            <a:pPr algn="ctr"/>
+            <a:r>
+              <a:rPr lang="en-ID" dirty="0">
+                <a:solidFill>
+                  <a:schemeClr val="tx1"/>
+                </a:solidFill>
+              </a:rPr>
+              <a:t>getData digital with debouncing mechanism</a:t>
+            </a:r>
+            <a:endParaRPr lang="en-US" dirty="0"/>
+          </a:p>
+        </p:txBody>
+      </p:sp>
     </p:spTree>
     <p:extLst>
       <p:ext uri="{BB962C8B-B14F-4D97-AF65-F5344CB8AC3E}">
-        <p14:creationId xmlns:p14="http://schemas.microsoft.com/office/powerpoint/2010/main" val="3903903621"/>
+        <p14:creationId xmlns:p14="http://schemas.microsoft.com/office/powerpoint/2010/main" val="56327785"/>
       </p:ext>
     </p:extLst>
   </p:cSld>

--- a/resources/WFPS.pptx
+++ b/resources/WFPS.pptx
@@ -5,10 +5,10 @@
     <p:sldMasterId id="2147483648" r:id="rId1"/>
   </p:sldMasterIdLst>
   <p:notesMasterIdLst>
-    <p:notesMasterId r:id="rId15"/>
+    <p:notesMasterId r:id="rId16"/>
   </p:notesMasterIdLst>
   <p:handoutMasterIdLst>
-    <p:handoutMasterId r:id="rId16"/>
+    <p:handoutMasterId r:id="rId17"/>
   </p:handoutMasterIdLst>
   <p:sldIdLst>
     <p:sldId id="281" r:id="rId2"/>
@@ -24,6 +24,7 @@
     <p:sldId id="293" r:id="rId12"/>
     <p:sldId id="295" r:id="rId13"/>
     <p:sldId id="294" r:id="rId14"/>
+    <p:sldId id="297" r:id="rId15"/>
   </p:sldIdLst>
   <p:sldSz cx="9144000" cy="6858000" type="screen4x3"/>
   <p:notesSz cx="6858000" cy="9144000"/>
@@ -124,7 +125,7 @@
   </p:defaultTextStyle>
   <p:extLst>
     <p:ext uri="{EFAFB233-063F-42B5-8137-9DF3F51BA10A}">
-      <p15:sldGuideLst xmlns:p15="http://schemas.microsoft.com/office/powerpoint/2012/main" xmlns="">
+      <p15:sldGuideLst xmlns="" xmlns:p15="http://schemas.microsoft.com/office/powerpoint/2012/main">
         <p15:guide id="1" orient="horz" pos="2160">
           <p15:clr>
             <a:srgbClr val="A4A3A4"/>
@@ -138,7 +139,7 @@
       </p15:sldGuideLst>
     </p:ext>
     <p:ext uri="{2D200454-40CA-4A62-9FC3-DE9A4176ACB9}">
-      <p15:notesGuideLst xmlns:p15="http://schemas.microsoft.com/office/powerpoint/2012/main" xmlns="">
+      <p15:notesGuideLst xmlns="" xmlns:p15="http://schemas.microsoft.com/office/powerpoint/2012/main">
         <p15:guide id="1" orient="horz" pos="2880">
           <p15:clr>
             <a:srgbClr val="A4A3A4"/>
@@ -238,7 +239,7 @@
             <a:fld id="{D83FDC75-7F73-4A4A-A77C-09AADF00E0EA}" type="datetimeFigureOut">
               <a:rPr lang="en-US" smtClean="0"/>
               <a:pPr/>
-              <a:t>5/4/2021</a:t>
+              <a:t>5/5/2021</a:t>
             </a:fld>
             <a:endParaRPr lang="en-US" dirty="0"/>
           </a:p>
@@ -405,7 +406,7 @@
             <a:fld id="{48AEF76B-3757-4A0B-AF93-28494465C1DD}" type="datetimeFigureOut">
               <a:rPr lang="en-US" smtClean="0"/>
               <a:pPr/>
-              <a:t>5/4/2021</a:t>
+              <a:t>5/5/2021</a:t>
             </a:fld>
             <a:endParaRPr lang="en-US" dirty="0"/>
           </a:p>
@@ -1557,7 +1558,7 @@
             <a:fld id="{757B281C-5159-4971-8228-52B9A72E9ED2}" type="datetimeFigureOut">
               <a:rPr lang="en-US" smtClean="0"/>
               <a:pPr/>
-              <a:t>5/4/2021</a:t>
+              <a:t>5/5/2021</a:t>
             </a:fld>
             <a:endParaRPr lang="en-US" dirty="0"/>
           </a:p>
@@ -1652,7 +1653,7 @@
             <a:fld id="{757B281C-5159-4971-8228-52B9A72E9ED2}" type="datetimeFigureOut">
               <a:rPr lang="en-US" smtClean="0"/>
               <a:pPr/>
-              <a:t>5/4/2021</a:t>
+              <a:t>5/5/2021</a:t>
             </a:fld>
             <a:endParaRPr lang="en-US" dirty="0"/>
           </a:p>
@@ -1781,7 +1782,7 @@
             <a:fld id="{757B281C-5159-4971-8228-52B9A72E9ED2}" type="datetimeFigureOut">
               <a:rPr lang="en-US" smtClean="0"/>
               <a:pPr/>
-              <a:t>5/4/2021</a:t>
+              <a:t>5/5/2021</a:t>
             </a:fld>
             <a:endParaRPr lang="en-US" dirty="0"/>
           </a:p>
@@ -2030,7 +2031,7 @@
           <a:p>
             <a:fld id="{A66B6A46-6EC4-4AF5-AD2F-F27F5AD039E0}" type="datetimeFigureOut">
               <a:rPr lang="en-US" smtClean="0"/>
-              <a:t>5/4/2021</a:t>
+              <a:t>5/5/2021</a:t>
             </a:fld>
             <a:endParaRPr lang="en-US"/>
           </a:p>
@@ -2219,7 +2220,7 @@
             <a:fld id="{757B281C-5159-4971-8228-52B9A72E9ED2}" type="datetimeFigureOut">
               <a:rPr lang="en-US" smtClean="0"/>
               <a:pPr/>
-              <a:t>5/4/2021</a:t>
+              <a:t>5/5/2021</a:t>
             </a:fld>
             <a:endParaRPr lang="en-US" dirty="0"/>
           </a:p>
@@ -2597,7 +2598,7 @@
             <a:fld id="{757B281C-5159-4971-8228-52B9A72E9ED2}" type="datetimeFigureOut">
               <a:rPr lang="en-US" smtClean="0"/>
               <a:pPr/>
-              <a:t>5/4/2021</a:t>
+              <a:t>5/5/2021</a:t>
             </a:fld>
             <a:endParaRPr lang="en-US" dirty="0"/>
           </a:p>
@@ -2887,7 +2888,7 @@
             <a:fld id="{757B281C-5159-4971-8228-52B9A72E9ED2}" type="datetimeFigureOut">
               <a:rPr lang="en-US" smtClean="0"/>
               <a:pPr/>
-              <a:t>5/4/2021</a:t>
+              <a:t>5/5/2021</a:t>
             </a:fld>
             <a:endParaRPr lang="en-US" dirty="0"/>
           </a:p>
@@ -3306,7 +3307,7 @@
             <a:fld id="{757B281C-5159-4971-8228-52B9A72E9ED2}" type="datetimeFigureOut">
               <a:rPr lang="en-US" smtClean="0"/>
               <a:pPr/>
-              <a:t>5/4/2021</a:t>
+              <a:t>5/5/2021</a:t>
             </a:fld>
             <a:endParaRPr lang="en-US" dirty="0"/>
           </a:p>
@@ -3581,7 +3582,7 @@
             <a:fld id="{757B281C-5159-4971-8228-52B9A72E9ED2}" type="datetimeFigureOut">
               <a:rPr lang="en-US" smtClean="0"/>
               <a:pPr/>
-              <a:t>5/4/2021</a:t>
+              <a:t>5/5/2021</a:t>
             </a:fld>
             <a:endParaRPr lang="en-US" dirty="0"/>
           </a:p>
@@ -3837,7 +3838,7 @@
             <a:fld id="{757B281C-5159-4971-8228-52B9A72E9ED2}" type="datetimeFigureOut">
               <a:rPr lang="en-US" smtClean="0"/>
               <a:pPr/>
-              <a:t>5/4/2021</a:t>
+              <a:t>5/5/2021</a:t>
             </a:fld>
             <a:endParaRPr lang="en-US" dirty="0"/>
           </a:p>
@@ -4005,7 +4006,7 @@
             <a:fld id="{757B281C-5159-4971-8228-52B9A72E9ED2}" type="datetimeFigureOut">
               <a:rPr lang="en-US" smtClean="0"/>
               <a:pPr/>
-              <a:t>5/4/2021</a:t>
+              <a:t>5/5/2021</a:t>
             </a:fld>
             <a:endParaRPr lang="en-US" dirty="0"/>
           </a:p>
@@ -4183,7 +4184,7 @@
             <a:fld id="{757B281C-5159-4971-8228-52B9A72E9ED2}" type="datetimeFigureOut">
               <a:rPr lang="en-US" smtClean="0"/>
               <a:pPr/>
-              <a:t>5/4/2021</a:t>
+              <a:t>5/5/2021</a:t>
             </a:fld>
             <a:endParaRPr lang="en-US" dirty="0"/>
           </a:p>
@@ -4425,7 +4426,7 @@
             <a:fld id="{757B281C-5159-4971-8228-52B9A72E9ED2}" type="datetimeFigureOut">
               <a:rPr lang="en-US" smtClean="0"/>
               <a:pPr/>
-              <a:t>5/4/2021</a:t>
+              <a:t>5/5/2021</a:t>
             </a:fld>
             <a:endParaRPr lang="en-US" dirty="0"/>
           </a:p>
@@ -4835,7 +4836,7 @@
           <p:cNvPr id="91" name="Picture 90" descr="Free Icon | Wifi">
             <a:extLst>
               <a:ext uri="{FF2B5EF4-FFF2-40B4-BE49-F238E27FC236}">
-                <a16:creationId xmlns:a16="http://schemas.microsoft.com/office/drawing/2014/main" xmlns="" id="{8C0D1CC1-0F99-45F8-B30B-F5786D94F875}"/>
+                <a16:creationId xmlns="" xmlns:a16="http://schemas.microsoft.com/office/drawing/2014/main" id="{8C0D1CC1-0F99-45F8-B30B-F5786D94F875}"/>
               </a:ext>
             </a:extLst>
           </p:cNvPr>
@@ -4874,7 +4875,7 @@
           <p:cNvPr id="80" name="Picture 79" descr="Free Icon | Wifi">
             <a:extLst>
               <a:ext uri="{FF2B5EF4-FFF2-40B4-BE49-F238E27FC236}">
-                <a16:creationId xmlns:a16="http://schemas.microsoft.com/office/drawing/2014/main" xmlns="" id="{35E36CD3-6B5D-4E30-B897-685D3D72453D}"/>
+                <a16:creationId xmlns="" xmlns:a16="http://schemas.microsoft.com/office/drawing/2014/main" id="{35E36CD3-6B5D-4E30-B897-685D3D72453D}"/>
               </a:ext>
             </a:extLst>
           </p:cNvPr>
@@ -5416,7 +5417,7 @@
           <p:cNvPr id="93" name="Picture 92">
             <a:extLst>
               <a:ext uri="{FF2B5EF4-FFF2-40B4-BE49-F238E27FC236}">
-                <a16:creationId xmlns:a16="http://schemas.microsoft.com/office/drawing/2014/main" xmlns="" id="{D7ED08F4-31B4-432D-A1A0-BE825490F18D}"/>
+                <a16:creationId xmlns="" xmlns:a16="http://schemas.microsoft.com/office/drawing/2014/main" id="{D7ED08F4-31B4-432D-A1A0-BE825490F18D}"/>
               </a:ext>
             </a:extLst>
           </p:cNvPr>
@@ -5444,7 +5445,7 @@
           <p:cNvPr id="96" name="Picture 95" descr="Free Icon | Wifi">
             <a:extLst>
               <a:ext uri="{FF2B5EF4-FFF2-40B4-BE49-F238E27FC236}">
-                <a16:creationId xmlns:a16="http://schemas.microsoft.com/office/drawing/2014/main" xmlns="" id="{331FC1AA-CB08-45A4-9369-2997329D73F4}"/>
+                <a16:creationId xmlns="" xmlns:a16="http://schemas.microsoft.com/office/drawing/2014/main" id="{331FC1AA-CB08-45A4-9369-2997329D73F4}"/>
               </a:ext>
             </a:extLst>
           </p:cNvPr>
@@ -5483,7 +5484,7 @@
           <p:cNvPr id="97" name="Picture 96">
             <a:extLst>
               <a:ext uri="{FF2B5EF4-FFF2-40B4-BE49-F238E27FC236}">
-                <a16:creationId xmlns:a16="http://schemas.microsoft.com/office/drawing/2014/main" xmlns="" id="{D4CA772F-A72C-4314-A82A-E884D10E777D}"/>
+                <a16:creationId xmlns="" xmlns:a16="http://schemas.microsoft.com/office/drawing/2014/main" id="{D4CA772F-A72C-4314-A82A-E884D10E777D}"/>
               </a:ext>
             </a:extLst>
           </p:cNvPr>
@@ -5511,7 +5512,7 @@
           <p:cNvPr id="98" name="Picture 97">
             <a:extLst>
               <a:ext uri="{FF2B5EF4-FFF2-40B4-BE49-F238E27FC236}">
-                <a16:creationId xmlns:a16="http://schemas.microsoft.com/office/drawing/2014/main" xmlns="" id="{9E085E1D-93F9-4E72-B98F-FB8F7028960D}"/>
+                <a16:creationId xmlns="" xmlns:a16="http://schemas.microsoft.com/office/drawing/2014/main" id="{9E085E1D-93F9-4E72-B98F-FB8F7028960D}"/>
               </a:ext>
             </a:extLst>
           </p:cNvPr>
@@ -5539,7 +5540,7 @@
           <p:cNvPr id="99" name="TextBox 98">
             <a:extLst>
               <a:ext uri="{FF2B5EF4-FFF2-40B4-BE49-F238E27FC236}">
-                <a16:creationId xmlns:a16="http://schemas.microsoft.com/office/drawing/2014/main" xmlns="" id="{642A6712-05AC-4A63-87F7-14430CE8A993}"/>
+                <a16:creationId xmlns="" xmlns:a16="http://schemas.microsoft.com/office/drawing/2014/main" id="{642A6712-05AC-4A63-87F7-14430CE8A993}"/>
               </a:ext>
             </a:extLst>
           </p:cNvPr>
@@ -5591,7 +5592,7 @@
           <p:cNvPr id="101" name="TextBox 100">
             <a:extLst>
               <a:ext uri="{FF2B5EF4-FFF2-40B4-BE49-F238E27FC236}">
-                <a16:creationId xmlns:a16="http://schemas.microsoft.com/office/drawing/2014/main" xmlns="" id="{7FF2AF45-1BBB-4306-ABAF-8689BC85C815}"/>
+                <a16:creationId xmlns="" xmlns:a16="http://schemas.microsoft.com/office/drawing/2014/main" id="{7FF2AF45-1BBB-4306-ABAF-8689BC85C815}"/>
               </a:ext>
             </a:extLst>
           </p:cNvPr>
@@ -5630,7 +5631,7 @@
           <p:cNvPr id="103" name="Straight Connector 102">
             <a:extLst>
               <a:ext uri="{FF2B5EF4-FFF2-40B4-BE49-F238E27FC236}">
-                <a16:creationId xmlns:a16="http://schemas.microsoft.com/office/drawing/2014/main" xmlns="" id="{E865F506-39E6-412E-A252-A31428B8E040}"/>
+                <a16:creationId xmlns="" xmlns:a16="http://schemas.microsoft.com/office/drawing/2014/main" id="{E865F506-39E6-412E-A252-A31428B8E040}"/>
               </a:ext>
             </a:extLst>
           </p:cNvPr>
@@ -5673,7 +5674,7 @@
           <p:cNvPr id="110" name="Straight Arrow Connector 109">
             <a:extLst>
               <a:ext uri="{FF2B5EF4-FFF2-40B4-BE49-F238E27FC236}">
-                <a16:creationId xmlns:a16="http://schemas.microsoft.com/office/drawing/2014/main" xmlns="" id="{E8B958EE-5EE0-4808-BB5D-8AF84300BFB3}"/>
+                <a16:creationId xmlns="" xmlns:a16="http://schemas.microsoft.com/office/drawing/2014/main" id="{E8B958EE-5EE0-4808-BB5D-8AF84300BFB3}"/>
               </a:ext>
             </a:extLst>
           </p:cNvPr>
@@ -5717,7 +5718,7 @@
           <p:cNvPr id="111" name="Straight Arrow Connector 110">
             <a:extLst>
               <a:ext uri="{FF2B5EF4-FFF2-40B4-BE49-F238E27FC236}">
-                <a16:creationId xmlns:a16="http://schemas.microsoft.com/office/drawing/2014/main" xmlns="" id="{701FA5EF-0179-41F2-B22D-FCC175001A48}"/>
+                <a16:creationId xmlns="" xmlns:a16="http://schemas.microsoft.com/office/drawing/2014/main" id="{701FA5EF-0179-41F2-B22D-FCC175001A48}"/>
               </a:ext>
             </a:extLst>
           </p:cNvPr>
@@ -5761,7 +5762,7 @@
           <p:cNvPr id="112" name="Straight Arrow Connector 111">
             <a:extLst>
               <a:ext uri="{FF2B5EF4-FFF2-40B4-BE49-F238E27FC236}">
-                <a16:creationId xmlns:a16="http://schemas.microsoft.com/office/drawing/2014/main" xmlns="" id="{AF569078-F334-430B-8950-9BEB338AB6EA}"/>
+                <a16:creationId xmlns="" xmlns:a16="http://schemas.microsoft.com/office/drawing/2014/main" id="{AF569078-F334-430B-8950-9BEB338AB6EA}"/>
               </a:ext>
             </a:extLst>
           </p:cNvPr>
@@ -5805,7 +5806,7 @@
           <p:cNvPr id="113" name="Straight Arrow Connector 112">
             <a:extLst>
               <a:ext uri="{FF2B5EF4-FFF2-40B4-BE49-F238E27FC236}">
-                <a16:creationId xmlns:a16="http://schemas.microsoft.com/office/drawing/2014/main" xmlns="" id="{9894B322-EF50-40E0-8415-FD1EB8F34947}"/>
+                <a16:creationId xmlns="" xmlns:a16="http://schemas.microsoft.com/office/drawing/2014/main" id="{9894B322-EF50-40E0-8415-FD1EB8F34947}"/>
               </a:ext>
             </a:extLst>
           </p:cNvPr>
@@ -5849,7 +5850,7 @@
           <p:cNvPr id="114" name="TextBox 113">
             <a:extLst>
               <a:ext uri="{FF2B5EF4-FFF2-40B4-BE49-F238E27FC236}">
-                <a16:creationId xmlns:a16="http://schemas.microsoft.com/office/drawing/2014/main" xmlns="" id="{E9064D73-DA84-45E4-878F-355289241361}"/>
+                <a16:creationId xmlns="" xmlns:a16="http://schemas.microsoft.com/office/drawing/2014/main" id="{E9064D73-DA84-45E4-878F-355289241361}"/>
               </a:ext>
             </a:extLst>
           </p:cNvPr>
@@ -5888,7 +5889,7 @@
           <p:cNvPr id="115" name="Arrow: Down 114">
             <a:extLst>
               <a:ext uri="{FF2B5EF4-FFF2-40B4-BE49-F238E27FC236}">
-                <a16:creationId xmlns:a16="http://schemas.microsoft.com/office/drawing/2014/main" xmlns="" id="{8CFCE75F-7AA7-4BF3-B044-4770D3A70008}"/>
+                <a16:creationId xmlns="" xmlns:a16="http://schemas.microsoft.com/office/drawing/2014/main" id="{8CFCE75F-7AA7-4BF3-B044-4770D3A70008}"/>
               </a:ext>
             </a:extLst>
           </p:cNvPr>
@@ -5940,7 +5941,7 @@
           <p:cNvPr id="116" name="Straight Arrow Connector 115">
             <a:extLst>
               <a:ext uri="{FF2B5EF4-FFF2-40B4-BE49-F238E27FC236}">
-                <a16:creationId xmlns:a16="http://schemas.microsoft.com/office/drawing/2014/main" xmlns="" id="{8E0EBC89-8ED8-4F07-B552-FDDF03B2E41D}"/>
+                <a16:creationId xmlns="" xmlns:a16="http://schemas.microsoft.com/office/drawing/2014/main" id="{8E0EBC89-8ED8-4F07-B552-FDDF03B2E41D}"/>
               </a:ext>
             </a:extLst>
           </p:cNvPr>
@@ -5986,7 +5987,7 @@
           <p:cNvPr id="117" name="TextBox 116">
             <a:extLst>
               <a:ext uri="{FF2B5EF4-FFF2-40B4-BE49-F238E27FC236}">
-                <a16:creationId xmlns:a16="http://schemas.microsoft.com/office/drawing/2014/main" xmlns="" id="{DC4F584F-869A-4EC5-BD3F-B43D6F04B109}"/>
+                <a16:creationId xmlns="" xmlns:a16="http://schemas.microsoft.com/office/drawing/2014/main" id="{DC4F584F-869A-4EC5-BD3F-B43D6F04B109}"/>
               </a:ext>
             </a:extLst>
           </p:cNvPr>
@@ -6036,7 +6037,7 @@
           <p:cNvPr id="118" name="Picture 2">
             <a:extLst>
               <a:ext uri="{FF2B5EF4-FFF2-40B4-BE49-F238E27FC236}">
-                <a16:creationId xmlns:a16="http://schemas.microsoft.com/office/drawing/2014/main" xmlns="" id="{7EAFE767-B908-419E-B4E7-05DAB402B5BB}"/>
+                <a16:creationId xmlns="" xmlns:a16="http://schemas.microsoft.com/office/drawing/2014/main" id="{7EAFE767-B908-419E-B4E7-05DAB402B5BB}"/>
               </a:ext>
             </a:extLst>
           </p:cNvPr>
@@ -6106,7 +6107,7 @@
           <p:cNvPr id="13" name="Group 12">
             <a:extLst>
               <a:ext uri="{FF2B5EF4-FFF2-40B4-BE49-F238E27FC236}">
-                <a16:creationId xmlns:a16="http://schemas.microsoft.com/office/drawing/2014/main" xmlns="" id="{DD9AE47D-D12F-4154-BB04-4D3D34BE33AE}"/>
+                <a16:creationId xmlns="" xmlns:a16="http://schemas.microsoft.com/office/drawing/2014/main" id="{DD9AE47D-D12F-4154-BB04-4D3D34BE33AE}"/>
               </a:ext>
             </a:extLst>
           </p:cNvPr>
@@ -6126,7 +6127,7 @@
             <p:cNvPr id="119" name="Picture 118">
               <a:extLst>
                 <a:ext uri="{FF2B5EF4-FFF2-40B4-BE49-F238E27FC236}">
-                  <a16:creationId xmlns:a16="http://schemas.microsoft.com/office/drawing/2014/main" xmlns="" id="{8569128C-0619-4279-963D-AE7C028B50F8}"/>
+                  <a16:creationId xmlns="" xmlns:a16="http://schemas.microsoft.com/office/drawing/2014/main" id="{8569128C-0619-4279-963D-AE7C028B50F8}"/>
                 </a:ext>
               </a:extLst>
             </p:cNvPr>
@@ -6154,7 +6155,7 @@
             <p:cNvPr id="120" name="Picture 119">
               <a:extLst>
                 <a:ext uri="{FF2B5EF4-FFF2-40B4-BE49-F238E27FC236}">
-                  <a16:creationId xmlns:a16="http://schemas.microsoft.com/office/drawing/2014/main" xmlns="" id="{8B747FC8-E2F4-4A4F-A22C-CE38FE1C73EE}"/>
+                  <a16:creationId xmlns="" xmlns:a16="http://schemas.microsoft.com/office/drawing/2014/main" id="{8B747FC8-E2F4-4A4F-A22C-CE38FE1C73EE}"/>
                 </a:ext>
               </a:extLst>
             </p:cNvPr>
@@ -6182,7 +6183,7 @@
             <p:cNvPr id="121" name="Picture 120">
               <a:extLst>
                 <a:ext uri="{FF2B5EF4-FFF2-40B4-BE49-F238E27FC236}">
-                  <a16:creationId xmlns:a16="http://schemas.microsoft.com/office/drawing/2014/main" xmlns="" id="{C5D34CA6-4297-482B-89D7-F88D49D89624}"/>
+                  <a16:creationId xmlns="" xmlns:a16="http://schemas.microsoft.com/office/drawing/2014/main" id="{C5D34CA6-4297-482B-89D7-F88D49D89624}"/>
                 </a:ext>
               </a:extLst>
             </p:cNvPr>
@@ -6211,7 +6212,7 @@
           <p:cNvPr id="122" name="Picture 121">
             <a:extLst>
               <a:ext uri="{FF2B5EF4-FFF2-40B4-BE49-F238E27FC236}">
-                <a16:creationId xmlns:a16="http://schemas.microsoft.com/office/drawing/2014/main" xmlns="" id="{B162C919-E530-41D0-B8DE-285A262718DC}"/>
+                <a16:creationId xmlns="" xmlns:a16="http://schemas.microsoft.com/office/drawing/2014/main" id="{B162C919-E530-41D0-B8DE-285A262718DC}"/>
               </a:ext>
             </a:extLst>
           </p:cNvPr>
@@ -6239,7 +6240,7 @@
           <p:cNvPr id="124" name="Picture 123" descr="Free Icon | Wifi">
             <a:extLst>
               <a:ext uri="{FF2B5EF4-FFF2-40B4-BE49-F238E27FC236}">
-                <a16:creationId xmlns:a16="http://schemas.microsoft.com/office/drawing/2014/main" xmlns="" id="{53DEC4AC-7083-4137-853A-196172679253}"/>
+                <a16:creationId xmlns="" xmlns:a16="http://schemas.microsoft.com/office/drawing/2014/main" id="{53DEC4AC-7083-4137-853A-196172679253}"/>
               </a:ext>
             </a:extLst>
           </p:cNvPr>
@@ -6278,7 +6279,7 @@
           <p:cNvPr id="125" name="Picture 124">
             <a:extLst>
               <a:ext uri="{FF2B5EF4-FFF2-40B4-BE49-F238E27FC236}">
-                <a16:creationId xmlns:a16="http://schemas.microsoft.com/office/drawing/2014/main" xmlns="" id="{4A694F61-56DD-44EC-9C94-5B51CD55A6AD}"/>
+                <a16:creationId xmlns="" xmlns:a16="http://schemas.microsoft.com/office/drawing/2014/main" id="{4A694F61-56DD-44EC-9C94-5B51CD55A6AD}"/>
               </a:ext>
             </a:extLst>
           </p:cNvPr>
@@ -6306,7 +6307,7 @@
           <p:cNvPr id="126" name="Picture 125">
             <a:extLst>
               <a:ext uri="{FF2B5EF4-FFF2-40B4-BE49-F238E27FC236}">
-                <a16:creationId xmlns:a16="http://schemas.microsoft.com/office/drawing/2014/main" xmlns="" id="{1070B515-8811-4DB0-B73F-A655CDA1F65D}"/>
+                <a16:creationId xmlns="" xmlns:a16="http://schemas.microsoft.com/office/drawing/2014/main" id="{1070B515-8811-4DB0-B73F-A655CDA1F65D}"/>
               </a:ext>
             </a:extLst>
           </p:cNvPr>
@@ -6334,7 +6335,7 @@
           <p:cNvPr id="127" name="TextBox 126">
             <a:extLst>
               <a:ext uri="{FF2B5EF4-FFF2-40B4-BE49-F238E27FC236}">
-                <a16:creationId xmlns:a16="http://schemas.microsoft.com/office/drawing/2014/main" xmlns="" id="{A95CCAB4-6FC7-49A6-8666-4575A0CA9B0B}"/>
+                <a16:creationId xmlns="" xmlns:a16="http://schemas.microsoft.com/office/drawing/2014/main" id="{A95CCAB4-6FC7-49A6-8666-4575A0CA9B0B}"/>
               </a:ext>
             </a:extLst>
           </p:cNvPr>
@@ -6386,7 +6387,7 @@
           <p:cNvPr id="129" name="TextBox 128">
             <a:extLst>
               <a:ext uri="{FF2B5EF4-FFF2-40B4-BE49-F238E27FC236}">
-                <a16:creationId xmlns:a16="http://schemas.microsoft.com/office/drawing/2014/main" xmlns="" id="{E39A3AB8-C796-4956-8252-D950C226E4A3}"/>
+                <a16:creationId xmlns="" xmlns:a16="http://schemas.microsoft.com/office/drawing/2014/main" id="{E39A3AB8-C796-4956-8252-D950C226E4A3}"/>
               </a:ext>
             </a:extLst>
           </p:cNvPr>
@@ -6425,7 +6426,7 @@
           <p:cNvPr id="130" name="Straight Connector 129">
             <a:extLst>
               <a:ext uri="{FF2B5EF4-FFF2-40B4-BE49-F238E27FC236}">
-                <a16:creationId xmlns:a16="http://schemas.microsoft.com/office/drawing/2014/main" xmlns="" id="{9DF291A7-41F4-4DE6-AE15-E1C86F573651}"/>
+                <a16:creationId xmlns="" xmlns:a16="http://schemas.microsoft.com/office/drawing/2014/main" id="{9DF291A7-41F4-4DE6-AE15-E1C86F573651}"/>
               </a:ext>
             </a:extLst>
           </p:cNvPr>
@@ -6468,7 +6469,7 @@
           <p:cNvPr id="131" name="Straight Arrow Connector 130">
             <a:extLst>
               <a:ext uri="{FF2B5EF4-FFF2-40B4-BE49-F238E27FC236}">
-                <a16:creationId xmlns:a16="http://schemas.microsoft.com/office/drawing/2014/main" xmlns="" id="{C1FCFB29-B377-49B7-AE4A-C6D22253A121}"/>
+                <a16:creationId xmlns="" xmlns:a16="http://schemas.microsoft.com/office/drawing/2014/main" id="{C1FCFB29-B377-49B7-AE4A-C6D22253A121}"/>
               </a:ext>
             </a:extLst>
           </p:cNvPr>
@@ -6512,7 +6513,7 @@
           <p:cNvPr id="132" name="Straight Arrow Connector 131">
             <a:extLst>
               <a:ext uri="{FF2B5EF4-FFF2-40B4-BE49-F238E27FC236}">
-                <a16:creationId xmlns:a16="http://schemas.microsoft.com/office/drawing/2014/main" xmlns="" id="{437E4990-C17A-4FBD-B288-E7FEE10A8B47}"/>
+                <a16:creationId xmlns="" xmlns:a16="http://schemas.microsoft.com/office/drawing/2014/main" id="{437E4990-C17A-4FBD-B288-E7FEE10A8B47}"/>
               </a:ext>
             </a:extLst>
           </p:cNvPr>
@@ -6556,7 +6557,7 @@
           <p:cNvPr id="133" name="Straight Arrow Connector 132">
             <a:extLst>
               <a:ext uri="{FF2B5EF4-FFF2-40B4-BE49-F238E27FC236}">
-                <a16:creationId xmlns:a16="http://schemas.microsoft.com/office/drawing/2014/main" xmlns="" id="{3C070CA1-7CB4-4E4C-8996-587C0DF6380E}"/>
+                <a16:creationId xmlns="" xmlns:a16="http://schemas.microsoft.com/office/drawing/2014/main" id="{3C070CA1-7CB4-4E4C-8996-587C0DF6380E}"/>
               </a:ext>
             </a:extLst>
           </p:cNvPr>
@@ -6600,7 +6601,7 @@
           <p:cNvPr id="134" name="Straight Arrow Connector 133">
             <a:extLst>
               <a:ext uri="{FF2B5EF4-FFF2-40B4-BE49-F238E27FC236}">
-                <a16:creationId xmlns:a16="http://schemas.microsoft.com/office/drawing/2014/main" xmlns="" id="{FC701DDD-2159-4659-A0CA-3419EE1C595C}"/>
+                <a16:creationId xmlns="" xmlns:a16="http://schemas.microsoft.com/office/drawing/2014/main" id="{FC701DDD-2159-4659-A0CA-3419EE1C595C}"/>
               </a:ext>
             </a:extLst>
           </p:cNvPr>
@@ -6644,7 +6645,7 @@
           <p:cNvPr id="135" name="TextBox 134">
             <a:extLst>
               <a:ext uri="{FF2B5EF4-FFF2-40B4-BE49-F238E27FC236}">
-                <a16:creationId xmlns:a16="http://schemas.microsoft.com/office/drawing/2014/main" xmlns="" id="{CCB08C6A-B88F-466B-9016-90EEB67A179B}"/>
+                <a16:creationId xmlns="" xmlns:a16="http://schemas.microsoft.com/office/drawing/2014/main" id="{CCB08C6A-B88F-466B-9016-90EEB67A179B}"/>
               </a:ext>
             </a:extLst>
           </p:cNvPr>
@@ -6683,7 +6684,7 @@
           <p:cNvPr id="136" name="Arrow: Down 135">
             <a:extLst>
               <a:ext uri="{FF2B5EF4-FFF2-40B4-BE49-F238E27FC236}">
-                <a16:creationId xmlns:a16="http://schemas.microsoft.com/office/drawing/2014/main" xmlns="" id="{DFF46CD1-F7A1-44D1-A40D-EB507AC19AB7}"/>
+                <a16:creationId xmlns="" xmlns:a16="http://schemas.microsoft.com/office/drawing/2014/main" id="{DFF46CD1-F7A1-44D1-A40D-EB507AC19AB7}"/>
               </a:ext>
             </a:extLst>
           </p:cNvPr>
@@ -6735,7 +6736,7 @@
           <p:cNvPr id="137" name="Straight Arrow Connector 136">
             <a:extLst>
               <a:ext uri="{FF2B5EF4-FFF2-40B4-BE49-F238E27FC236}">
-                <a16:creationId xmlns:a16="http://schemas.microsoft.com/office/drawing/2014/main" xmlns="" id="{8F992FA7-D08C-438C-A43F-47DBDCC12409}"/>
+                <a16:creationId xmlns="" xmlns:a16="http://schemas.microsoft.com/office/drawing/2014/main" id="{8F992FA7-D08C-438C-A43F-47DBDCC12409}"/>
               </a:ext>
             </a:extLst>
           </p:cNvPr>
@@ -6781,7 +6782,7 @@
           <p:cNvPr id="138" name="TextBox 137">
             <a:extLst>
               <a:ext uri="{FF2B5EF4-FFF2-40B4-BE49-F238E27FC236}">
-                <a16:creationId xmlns:a16="http://schemas.microsoft.com/office/drawing/2014/main" xmlns="" id="{759D9C9A-697F-41AF-B4E7-ED889C2499F2}"/>
+                <a16:creationId xmlns="" xmlns:a16="http://schemas.microsoft.com/office/drawing/2014/main" id="{759D9C9A-697F-41AF-B4E7-ED889C2499F2}"/>
               </a:ext>
             </a:extLst>
           </p:cNvPr>
@@ -6831,7 +6832,7 @@
           <p:cNvPr id="139" name="Picture 2">
             <a:extLst>
               <a:ext uri="{FF2B5EF4-FFF2-40B4-BE49-F238E27FC236}">
-                <a16:creationId xmlns:a16="http://schemas.microsoft.com/office/drawing/2014/main" xmlns="" id="{44B1DE2B-5459-4559-8528-F531AB2F47CC}"/>
+                <a16:creationId xmlns="" xmlns:a16="http://schemas.microsoft.com/office/drawing/2014/main" id="{44B1DE2B-5459-4559-8528-F531AB2F47CC}"/>
               </a:ext>
             </a:extLst>
           </p:cNvPr>
@@ -6901,7 +6902,7 @@
           <p:cNvPr id="140" name="Group 139">
             <a:extLst>
               <a:ext uri="{FF2B5EF4-FFF2-40B4-BE49-F238E27FC236}">
-                <a16:creationId xmlns:a16="http://schemas.microsoft.com/office/drawing/2014/main" xmlns="" id="{4AC26AC4-8582-4AF1-9662-4C653C054F44}"/>
+                <a16:creationId xmlns="" xmlns:a16="http://schemas.microsoft.com/office/drawing/2014/main" id="{4AC26AC4-8582-4AF1-9662-4C653C054F44}"/>
               </a:ext>
             </a:extLst>
           </p:cNvPr>
@@ -6921,7 +6922,7 @@
             <p:cNvPr id="142" name="Picture 141">
               <a:extLst>
                 <a:ext uri="{FF2B5EF4-FFF2-40B4-BE49-F238E27FC236}">
-                  <a16:creationId xmlns:a16="http://schemas.microsoft.com/office/drawing/2014/main" xmlns="" id="{F766DA8B-BC49-49A9-BF21-6C3D92420AE5}"/>
+                  <a16:creationId xmlns="" xmlns:a16="http://schemas.microsoft.com/office/drawing/2014/main" id="{F766DA8B-BC49-49A9-BF21-6C3D92420AE5}"/>
                 </a:ext>
               </a:extLst>
             </p:cNvPr>
@@ -6949,7 +6950,7 @@
             <p:cNvPr id="143" name="Picture 142">
               <a:extLst>
                 <a:ext uri="{FF2B5EF4-FFF2-40B4-BE49-F238E27FC236}">
-                  <a16:creationId xmlns:a16="http://schemas.microsoft.com/office/drawing/2014/main" xmlns="" id="{60A87426-69E1-4E00-A79F-BE673237C80D}"/>
+                  <a16:creationId xmlns="" xmlns:a16="http://schemas.microsoft.com/office/drawing/2014/main" id="{60A87426-69E1-4E00-A79F-BE673237C80D}"/>
                 </a:ext>
               </a:extLst>
             </p:cNvPr>
@@ -6977,7 +6978,7 @@
             <p:cNvPr id="144" name="Picture 143">
               <a:extLst>
                 <a:ext uri="{FF2B5EF4-FFF2-40B4-BE49-F238E27FC236}">
-                  <a16:creationId xmlns:a16="http://schemas.microsoft.com/office/drawing/2014/main" xmlns="" id="{BA800670-4E89-4822-9FE3-B81C5A84579E}"/>
+                  <a16:creationId xmlns="" xmlns:a16="http://schemas.microsoft.com/office/drawing/2014/main" id="{BA800670-4E89-4822-9FE3-B81C5A84579E}"/>
                 </a:ext>
               </a:extLst>
             </p:cNvPr>
@@ -7006,7 +7007,7 @@
           <p:cNvPr id="141" name="Picture 140">
             <a:extLst>
               <a:ext uri="{FF2B5EF4-FFF2-40B4-BE49-F238E27FC236}">
-                <a16:creationId xmlns:a16="http://schemas.microsoft.com/office/drawing/2014/main" xmlns="" id="{E8497B39-C585-4FA1-A77E-6295925A3A10}"/>
+                <a16:creationId xmlns="" xmlns:a16="http://schemas.microsoft.com/office/drawing/2014/main" id="{E8497B39-C585-4FA1-A77E-6295925A3A10}"/>
               </a:ext>
             </a:extLst>
           </p:cNvPr>
@@ -7034,7 +7035,7 @@
           <p:cNvPr id="146" name="Picture 145" descr="Free Icon | Wifi">
             <a:extLst>
               <a:ext uri="{FF2B5EF4-FFF2-40B4-BE49-F238E27FC236}">
-                <a16:creationId xmlns:a16="http://schemas.microsoft.com/office/drawing/2014/main" xmlns="" id="{400471C8-AF8F-4F03-9F7F-E4AF9D009651}"/>
+                <a16:creationId xmlns="" xmlns:a16="http://schemas.microsoft.com/office/drawing/2014/main" id="{400471C8-AF8F-4F03-9F7F-E4AF9D009651}"/>
               </a:ext>
             </a:extLst>
           </p:cNvPr>
@@ -7073,7 +7074,7 @@
           <p:cNvPr id="147" name="Picture 146">
             <a:extLst>
               <a:ext uri="{FF2B5EF4-FFF2-40B4-BE49-F238E27FC236}">
-                <a16:creationId xmlns:a16="http://schemas.microsoft.com/office/drawing/2014/main" xmlns="" id="{A87A795B-6EF4-4302-BE56-81D3EB784528}"/>
+                <a16:creationId xmlns="" xmlns:a16="http://schemas.microsoft.com/office/drawing/2014/main" id="{A87A795B-6EF4-4302-BE56-81D3EB784528}"/>
               </a:ext>
             </a:extLst>
           </p:cNvPr>
@@ -7101,7 +7102,7 @@
           <p:cNvPr id="148" name="Picture 147">
             <a:extLst>
               <a:ext uri="{FF2B5EF4-FFF2-40B4-BE49-F238E27FC236}">
-                <a16:creationId xmlns:a16="http://schemas.microsoft.com/office/drawing/2014/main" xmlns="" id="{B9BA4EBB-7917-478F-9609-5EB5FFA55FC3}"/>
+                <a16:creationId xmlns="" xmlns:a16="http://schemas.microsoft.com/office/drawing/2014/main" id="{B9BA4EBB-7917-478F-9609-5EB5FFA55FC3}"/>
               </a:ext>
             </a:extLst>
           </p:cNvPr>
@@ -7129,7 +7130,7 @@
           <p:cNvPr id="149" name="TextBox 148">
             <a:extLst>
               <a:ext uri="{FF2B5EF4-FFF2-40B4-BE49-F238E27FC236}">
-                <a16:creationId xmlns:a16="http://schemas.microsoft.com/office/drawing/2014/main" xmlns="" id="{F30C4C3C-680C-41D5-9C69-0BE265B22526}"/>
+                <a16:creationId xmlns="" xmlns:a16="http://schemas.microsoft.com/office/drawing/2014/main" id="{F30C4C3C-680C-41D5-9C69-0BE265B22526}"/>
               </a:ext>
             </a:extLst>
           </p:cNvPr>
@@ -7181,7 +7182,7 @@
           <p:cNvPr id="151" name="TextBox 150">
             <a:extLst>
               <a:ext uri="{FF2B5EF4-FFF2-40B4-BE49-F238E27FC236}">
-                <a16:creationId xmlns:a16="http://schemas.microsoft.com/office/drawing/2014/main" xmlns="" id="{59608F00-0360-4995-AE2C-04C7DA329F16}"/>
+                <a16:creationId xmlns="" xmlns:a16="http://schemas.microsoft.com/office/drawing/2014/main" id="{59608F00-0360-4995-AE2C-04C7DA329F16}"/>
               </a:ext>
             </a:extLst>
           </p:cNvPr>
@@ -7220,7 +7221,7 @@
           <p:cNvPr id="152" name="Straight Connector 151">
             <a:extLst>
               <a:ext uri="{FF2B5EF4-FFF2-40B4-BE49-F238E27FC236}">
-                <a16:creationId xmlns:a16="http://schemas.microsoft.com/office/drawing/2014/main" xmlns="" id="{A1D3B135-9E1F-4715-BBDB-B743EB32E933}"/>
+                <a16:creationId xmlns="" xmlns:a16="http://schemas.microsoft.com/office/drawing/2014/main" id="{A1D3B135-9E1F-4715-BBDB-B743EB32E933}"/>
               </a:ext>
             </a:extLst>
           </p:cNvPr>
@@ -7263,7 +7264,7 @@
           <p:cNvPr id="153" name="Straight Arrow Connector 152">
             <a:extLst>
               <a:ext uri="{FF2B5EF4-FFF2-40B4-BE49-F238E27FC236}">
-                <a16:creationId xmlns:a16="http://schemas.microsoft.com/office/drawing/2014/main" xmlns="" id="{D1770F5E-EA21-4850-8494-C4C2D80A1B20}"/>
+                <a16:creationId xmlns="" xmlns:a16="http://schemas.microsoft.com/office/drawing/2014/main" id="{D1770F5E-EA21-4850-8494-C4C2D80A1B20}"/>
               </a:ext>
             </a:extLst>
           </p:cNvPr>
@@ -7307,7 +7308,7 @@
           <p:cNvPr id="154" name="Straight Arrow Connector 153">
             <a:extLst>
               <a:ext uri="{FF2B5EF4-FFF2-40B4-BE49-F238E27FC236}">
-                <a16:creationId xmlns:a16="http://schemas.microsoft.com/office/drawing/2014/main" xmlns="" id="{C8E3FE0E-5E92-477B-BACE-E898B0C12B07}"/>
+                <a16:creationId xmlns="" xmlns:a16="http://schemas.microsoft.com/office/drawing/2014/main" id="{C8E3FE0E-5E92-477B-BACE-E898B0C12B07}"/>
               </a:ext>
             </a:extLst>
           </p:cNvPr>
@@ -7351,7 +7352,7 @@
           <p:cNvPr id="155" name="Straight Arrow Connector 154">
             <a:extLst>
               <a:ext uri="{FF2B5EF4-FFF2-40B4-BE49-F238E27FC236}">
-                <a16:creationId xmlns:a16="http://schemas.microsoft.com/office/drawing/2014/main" xmlns="" id="{DBF37D8A-2F61-4869-A6C6-524233FA9B12}"/>
+                <a16:creationId xmlns="" xmlns:a16="http://schemas.microsoft.com/office/drawing/2014/main" id="{DBF37D8A-2F61-4869-A6C6-524233FA9B12}"/>
               </a:ext>
             </a:extLst>
           </p:cNvPr>
@@ -7395,7 +7396,7 @@
           <p:cNvPr id="156" name="Straight Arrow Connector 155">
             <a:extLst>
               <a:ext uri="{FF2B5EF4-FFF2-40B4-BE49-F238E27FC236}">
-                <a16:creationId xmlns:a16="http://schemas.microsoft.com/office/drawing/2014/main" xmlns="" id="{A625D55F-5F09-486D-9A2E-2D267A148440}"/>
+                <a16:creationId xmlns="" xmlns:a16="http://schemas.microsoft.com/office/drawing/2014/main" id="{A625D55F-5F09-486D-9A2E-2D267A148440}"/>
               </a:ext>
             </a:extLst>
           </p:cNvPr>
@@ -7439,7 +7440,7 @@
           <p:cNvPr id="157" name="TextBox 156">
             <a:extLst>
               <a:ext uri="{FF2B5EF4-FFF2-40B4-BE49-F238E27FC236}">
-                <a16:creationId xmlns:a16="http://schemas.microsoft.com/office/drawing/2014/main" xmlns="" id="{3B1C1B6A-2C75-43CC-A447-4B561C1C2B06}"/>
+                <a16:creationId xmlns="" xmlns:a16="http://schemas.microsoft.com/office/drawing/2014/main" id="{3B1C1B6A-2C75-43CC-A447-4B561C1C2B06}"/>
               </a:ext>
             </a:extLst>
           </p:cNvPr>
@@ -7478,7 +7479,7 @@
           <p:cNvPr id="158" name="Arrow: Down 157">
             <a:extLst>
               <a:ext uri="{FF2B5EF4-FFF2-40B4-BE49-F238E27FC236}">
-                <a16:creationId xmlns:a16="http://schemas.microsoft.com/office/drawing/2014/main" xmlns="" id="{E3FB393C-BE89-42B7-8E61-C434739C9007}"/>
+                <a16:creationId xmlns="" xmlns:a16="http://schemas.microsoft.com/office/drawing/2014/main" id="{E3FB393C-BE89-42B7-8E61-C434739C9007}"/>
               </a:ext>
             </a:extLst>
           </p:cNvPr>
@@ -7530,7 +7531,7 @@
           <p:cNvPr id="159" name="Straight Arrow Connector 158">
             <a:extLst>
               <a:ext uri="{FF2B5EF4-FFF2-40B4-BE49-F238E27FC236}">
-                <a16:creationId xmlns:a16="http://schemas.microsoft.com/office/drawing/2014/main" xmlns="" id="{4736D311-FC35-4A01-A271-0230817C9E28}"/>
+                <a16:creationId xmlns="" xmlns:a16="http://schemas.microsoft.com/office/drawing/2014/main" id="{4736D311-FC35-4A01-A271-0230817C9E28}"/>
               </a:ext>
             </a:extLst>
           </p:cNvPr>
@@ -7576,7 +7577,7 @@
           <p:cNvPr id="160" name="TextBox 159">
             <a:extLst>
               <a:ext uri="{FF2B5EF4-FFF2-40B4-BE49-F238E27FC236}">
-                <a16:creationId xmlns:a16="http://schemas.microsoft.com/office/drawing/2014/main" xmlns="" id="{E9234FC1-B780-485A-BC1D-27D488028FF2}"/>
+                <a16:creationId xmlns="" xmlns:a16="http://schemas.microsoft.com/office/drawing/2014/main" id="{E9234FC1-B780-485A-BC1D-27D488028FF2}"/>
               </a:ext>
             </a:extLst>
           </p:cNvPr>
@@ -7626,7 +7627,7 @@
           <p:cNvPr id="161" name="Picture 2">
             <a:extLst>
               <a:ext uri="{FF2B5EF4-FFF2-40B4-BE49-F238E27FC236}">
-                <a16:creationId xmlns:a16="http://schemas.microsoft.com/office/drawing/2014/main" xmlns="" id="{6FA8644C-4157-4C29-A9AB-7895426E89EE}"/>
+                <a16:creationId xmlns="" xmlns:a16="http://schemas.microsoft.com/office/drawing/2014/main" id="{6FA8644C-4157-4C29-A9AB-7895426E89EE}"/>
               </a:ext>
             </a:extLst>
           </p:cNvPr>
@@ -7696,7 +7697,7 @@
           <p:cNvPr id="162" name="Group 161">
             <a:extLst>
               <a:ext uri="{FF2B5EF4-FFF2-40B4-BE49-F238E27FC236}">
-                <a16:creationId xmlns:a16="http://schemas.microsoft.com/office/drawing/2014/main" xmlns="" id="{8AA417C8-2A5F-4DB9-A327-478DEFA0F1FE}"/>
+                <a16:creationId xmlns="" xmlns:a16="http://schemas.microsoft.com/office/drawing/2014/main" id="{8AA417C8-2A5F-4DB9-A327-478DEFA0F1FE}"/>
               </a:ext>
             </a:extLst>
           </p:cNvPr>
@@ -7716,7 +7717,7 @@
             <p:cNvPr id="164" name="Picture 163">
               <a:extLst>
                 <a:ext uri="{FF2B5EF4-FFF2-40B4-BE49-F238E27FC236}">
-                  <a16:creationId xmlns:a16="http://schemas.microsoft.com/office/drawing/2014/main" xmlns="" id="{7AB6C7DC-8C4D-480E-8465-19855F19BB49}"/>
+                  <a16:creationId xmlns="" xmlns:a16="http://schemas.microsoft.com/office/drawing/2014/main" id="{7AB6C7DC-8C4D-480E-8465-19855F19BB49}"/>
                 </a:ext>
               </a:extLst>
             </p:cNvPr>
@@ -7744,7 +7745,7 @@
             <p:cNvPr id="165" name="Picture 164">
               <a:extLst>
                 <a:ext uri="{FF2B5EF4-FFF2-40B4-BE49-F238E27FC236}">
-                  <a16:creationId xmlns:a16="http://schemas.microsoft.com/office/drawing/2014/main" xmlns="" id="{8D424CF8-98CA-4442-9CBB-1C6B6677CA03}"/>
+                  <a16:creationId xmlns="" xmlns:a16="http://schemas.microsoft.com/office/drawing/2014/main" id="{8D424CF8-98CA-4442-9CBB-1C6B6677CA03}"/>
                 </a:ext>
               </a:extLst>
             </p:cNvPr>
@@ -7772,7 +7773,7 @@
             <p:cNvPr id="166" name="Picture 165">
               <a:extLst>
                 <a:ext uri="{FF2B5EF4-FFF2-40B4-BE49-F238E27FC236}">
-                  <a16:creationId xmlns:a16="http://schemas.microsoft.com/office/drawing/2014/main" xmlns="" id="{A0F38DD2-225D-4228-9076-B8596901A09B}"/>
+                  <a16:creationId xmlns="" xmlns:a16="http://schemas.microsoft.com/office/drawing/2014/main" id="{A0F38DD2-225D-4228-9076-B8596901A09B}"/>
                 </a:ext>
               </a:extLst>
             </p:cNvPr>
@@ -7801,7 +7802,7 @@
           <p:cNvPr id="163" name="Picture 162">
             <a:extLst>
               <a:ext uri="{FF2B5EF4-FFF2-40B4-BE49-F238E27FC236}">
-                <a16:creationId xmlns:a16="http://schemas.microsoft.com/office/drawing/2014/main" xmlns="" id="{548E5F0E-DC66-41FE-810E-8A55BE941A57}"/>
+                <a16:creationId xmlns="" xmlns:a16="http://schemas.microsoft.com/office/drawing/2014/main" id="{548E5F0E-DC66-41FE-810E-8A55BE941A57}"/>
               </a:ext>
             </a:extLst>
           </p:cNvPr>
@@ -7829,7 +7830,7 @@
           <p:cNvPr id="167" name="TextBox 166">
             <a:extLst>
               <a:ext uri="{FF2B5EF4-FFF2-40B4-BE49-F238E27FC236}">
-                <a16:creationId xmlns:a16="http://schemas.microsoft.com/office/drawing/2014/main" xmlns="" id="{844FFFA2-95FD-44EC-81E9-4E773A5EFF75}"/>
+                <a16:creationId xmlns="" xmlns:a16="http://schemas.microsoft.com/office/drawing/2014/main" id="{844FFFA2-95FD-44EC-81E9-4E773A5EFF75}"/>
               </a:ext>
             </a:extLst>
           </p:cNvPr>
@@ -7873,7 +7874,7 @@
           <p:cNvPr id="168" name="TextBox 167">
             <a:extLst>
               <a:ext uri="{FF2B5EF4-FFF2-40B4-BE49-F238E27FC236}">
-                <a16:creationId xmlns:a16="http://schemas.microsoft.com/office/drawing/2014/main" xmlns="" id="{0C242035-3919-48F6-B3E7-DF24DD4E2B78}"/>
+                <a16:creationId xmlns="" xmlns:a16="http://schemas.microsoft.com/office/drawing/2014/main" id="{0C242035-3919-48F6-B3E7-DF24DD4E2B78}"/>
               </a:ext>
             </a:extLst>
           </p:cNvPr>
@@ -7917,7 +7918,7 @@
           <p:cNvPr id="171" name="TextBox 170">
             <a:extLst>
               <a:ext uri="{FF2B5EF4-FFF2-40B4-BE49-F238E27FC236}">
-                <a16:creationId xmlns:a16="http://schemas.microsoft.com/office/drawing/2014/main" xmlns="" id="{D3D2C1E7-A24B-4E4F-9338-4E3CC945B96E}"/>
+                <a16:creationId xmlns="" xmlns:a16="http://schemas.microsoft.com/office/drawing/2014/main" id="{D3D2C1E7-A24B-4E4F-9338-4E3CC945B96E}"/>
               </a:ext>
             </a:extLst>
           </p:cNvPr>
@@ -9488,7 +9489,7 @@
           <p:cNvPr id="26" name="Flowchart: Predefined Process 25">
             <a:extLst>
               <a:ext uri="{FF2B5EF4-FFF2-40B4-BE49-F238E27FC236}">
-                <a16:creationId xmlns:a16="http://schemas.microsoft.com/office/drawing/2014/main" xmlns="" id="{4261BD12-2217-4EDB-87C6-EE30E26F9B8D}"/>
+                <a16:creationId xmlns="" xmlns:a16="http://schemas.microsoft.com/office/drawing/2014/main" id="{4261BD12-2217-4EDB-87C6-EE30E26F9B8D}"/>
               </a:ext>
             </a:extLst>
           </p:cNvPr>
@@ -9558,7 +9559,7 @@
           <p:cNvPr id="3" name="Connector: Elbow 2">
             <a:extLst>
               <a:ext uri="{FF2B5EF4-FFF2-40B4-BE49-F238E27FC236}">
-                <a16:creationId xmlns:a16="http://schemas.microsoft.com/office/drawing/2014/main" xmlns="" id="{F2621A12-D6C6-45BE-B908-1C2D6AFE4391}"/>
+                <a16:creationId xmlns="" xmlns:a16="http://schemas.microsoft.com/office/drawing/2014/main" id="{F2621A12-D6C6-45BE-B908-1C2D6AFE4391}"/>
               </a:ext>
             </a:extLst>
           </p:cNvPr>
@@ -9604,7 +9605,7 @@
           <p:cNvPr id="43" name="Flowchart: Decision 42">
             <a:extLst>
               <a:ext uri="{FF2B5EF4-FFF2-40B4-BE49-F238E27FC236}">
-                <a16:creationId xmlns:a16="http://schemas.microsoft.com/office/drawing/2014/main" xmlns="" id="{F10B347E-033C-4910-9071-CDA92304C379}"/>
+                <a16:creationId xmlns="" xmlns:a16="http://schemas.microsoft.com/office/drawing/2014/main" id="{F10B347E-033C-4910-9071-CDA92304C379}"/>
               </a:ext>
             </a:extLst>
           </p:cNvPr>
@@ -9681,7 +9682,7 @@
           <p:cNvPr id="45" name="Flowchart: Decision 44">
             <a:extLst>
               <a:ext uri="{FF2B5EF4-FFF2-40B4-BE49-F238E27FC236}">
-                <a16:creationId xmlns:a16="http://schemas.microsoft.com/office/drawing/2014/main" xmlns="" id="{F1633C9C-0024-4E63-8717-225A7A9FF001}"/>
+                <a16:creationId xmlns="" xmlns:a16="http://schemas.microsoft.com/office/drawing/2014/main" id="{F1633C9C-0024-4E63-8717-225A7A9FF001}"/>
               </a:ext>
             </a:extLst>
           </p:cNvPr>
@@ -9758,7 +9759,7 @@
           <p:cNvPr id="46" name="Flowchart: Decision 45">
             <a:extLst>
               <a:ext uri="{FF2B5EF4-FFF2-40B4-BE49-F238E27FC236}">
-                <a16:creationId xmlns:a16="http://schemas.microsoft.com/office/drawing/2014/main" xmlns="" id="{7A2C44B0-43D5-48C5-89A2-758F4F74B13C}"/>
+                <a16:creationId xmlns="" xmlns:a16="http://schemas.microsoft.com/office/drawing/2014/main" id="{7A2C44B0-43D5-48C5-89A2-758F4F74B13C}"/>
               </a:ext>
             </a:extLst>
           </p:cNvPr>
@@ -9835,7 +9836,7 @@
           <p:cNvPr id="47" name="TextBox 46">
             <a:extLst>
               <a:ext uri="{FF2B5EF4-FFF2-40B4-BE49-F238E27FC236}">
-                <a16:creationId xmlns:a16="http://schemas.microsoft.com/office/drawing/2014/main" xmlns="" id="{7B22EE62-9AF5-4A4B-AC76-788C39C4244E}"/>
+                <a16:creationId xmlns="" xmlns:a16="http://schemas.microsoft.com/office/drawing/2014/main" id="{7B22EE62-9AF5-4A4B-AC76-788C39C4244E}"/>
               </a:ext>
             </a:extLst>
           </p:cNvPr>
@@ -9899,7 +9900,7 @@
           <p:cNvPr id="50" name="Straight Arrow Connector 49">
             <a:extLst>
               <a:ext uri="{FF2B5EF4-FFF2-40B4-BE49-F238E27FC236}">
-                <a16:creationId xmlns:a16="http://schemas.microsoft.com/office/drawing/2014/main" xmlns="" id="{4FF3FB3B-045C-494E-92F0-0E579FB56F01}"/>
+                <a16:creationId xmlns="" xmlns:a16="http://schemas.microsoft.com/office/drawing/2014/main" id="{4FF3FB3B-045C-494E-92F0-0E579FB56F01}"/>
               </a:ext>
             </a:extLst>
           </p:cNvPr>
@@ -9944,7 +9945,7 @@
           <p:cNvPr id="51" name="TextBox 50">
             <a:extLst>
               <a:ext uri="{FF2B5EF4-FFF2-40B4-BE49-F238E27FC236}">
-                <a16:creationId xmlns:a16="http://schemas.microsoft.com/office/drawing/2014/main" xmlns="" id="{441EB55E-331E-4C37-B0D0-9C48200BD28B}"/>
+                <a16:creationId xmlns="" xmlns:a16="http://schemas.microsoft.com/office/drawing/2014/main" id="{441EB55E-331E-4C37-B0D0-9C48200BD28B}"/>
               </a:ext>
             </a:extLst>
           </p:cNvPr>
@@ -10008,7 +10009,7 @@
           <p:cNvPr id="52" name="Straight Arrow Connector 51">
             <a:extLst>
               <a:ext uri="{FF2B5EF4-FFF2-40B4-BE49-F238E27FC236}">
-                <a16:creationId xmlns:a16="http://schemas.microsoft.com/office/drawing/2014/main" xmlns="" id="{152B8692-72F5-4741-8B38-C3103394F5D5}"/>
+                <a16:creationId xmlns="" xmlns:a16="http://schemas.microsoft.com/office/drawing/2014/main" id="{152B8692-72F5-4741-8B38-C3103394F5D5}"/>
               </a:ext>
             </a:extLst>
           </p:cNvPr>
@@ -10053,7 +10054,7 @@
           <p:cNvPr id="53" name="TextBox 52">
             <a:extLst>
               <a:ext uri="{FF2B5EF4-FFF2-40B4-BE49-F238E27FC236}">
-                <a16:creationId xmlns:a16="http://schemas.microsoft.com/office/drawing/2014/main" xmlns="" id="{92B6985B-E3A7-4FA0-92FF-33D24010ECA0}"/>
+                <a16:creationId xmlns="" xmlns:a16="http://schemas.microsoft.com/office/drawing/2014/main" id="{92B6985B-E3A7-4FA0-92FF-33D24010ECA0}"/>
               </a:ext>
             </a:extLst>
           </p:cNvPr>
@@ -10117,7 +10118,7 @@
           <p:cNvPr id="54" name="Straight Arrow Connector 53">
             <a:extLst>
               <a:ext uri="{FF2B5EF4-FFF2-40B4-BE49-F238E27FC236}">
-                <a16:creationId xmlns:a16="http://schemas.microsoft.com/office/drawing/2014/main" xmlns="" id="{DCB0E4FD-9044-428B-9B51-BB81F55A1C6C}"/>
+                <a16:creationId xmlns="" xmlns:a16="http://schemas.microsoft.com/office/drawing/2014/main" id="{DCB0E4FD-9044-428B-9B51-BB81F55A1C6C}"/>
               </a:ext>
             </a:extLst>
           </p:cNvPr>
@@ -10162,7 +10163,7 @@
           <p:cNvPr id="37" name="Straight Arrow Connector 36">
             <a:extLst>
               <a:ext uri="{FF2B5EF4-FFF2-40B4-BE49-F238E27FC236}">
-                <a16:creationId xmlns:a16="http://schemas.microsoft.com/office/drawing/2014/main" xmlns="" id="{2F4DEB80-823C-41E1-9539-305C65D98C55}"/>
+                <a16:creationId xmlns="" xmlns:a16="http://schemas.microsoft.com/office/drawing/2014/main" id="{2F4DEB80-823C-41E1-9539-305C65D98C55}"/>
               </a:ext>
             </a:extLst>
           </p:cNvPr>
@@ -10204,7 +10205,7 @@
           <p:cNvPr id="55" name="Straight Arrow Connector 54">
             <a:extLst>
               <a:ext uri="{FF2B5EF4-FFF2-40B4-BE49-F238E27FC236}">
-                <a16:creationId xmlns:a16="http://schemas.microsoft.com/office/drawing/2014/main" xmlns="" id="{D631F2B4-4E23-4BBD-873B-4A400520213C}"/>
+                <a16:creationId xmlns="" xmlns:a16="http://schemas.microsoft.com/office/drawing/2014/main" id="{D631F2B4-4E23-4BBD-873B-4A400520213C}"/>
               </a:ext>
             </a:extLst>
           </p:cNvPr>
@@ -10247,7 +10248,7 @@
           <p:cNvPr id="60" name="Straight Arrow Connector 59">
             <a:extLst>
               <a:ext uri="{FF2B5EF4-FFF2-40B4-BE49-F238E27FC236}">
-                <a16:creationId xmlns:a16="http://schemas.microsoft.com/office/drawing/2014/main" xmlns="" id="{4BA16A16-17D9-4D7F-A49B-BAD8B7BFD6DD}"/>
+                <a16:creationId xmlns="" xmlns:a16="http://schemas.microsoft.com/office/drawing/2014/main" id="{4BA16A16-17D9-4D7F-A49B-BAD8B7BFD6DD}"/>
               </a:ext>
             </a:extLst>
           </p:cNvPr>
@@ -10290,7 +10291,7 @@
           <p:cNvPr id="63" name="Flowchart: Decision 62">
             <a:extLst>
               <a:ext uri="{FF2B5EF4-FFF2-40B4-BE49-F238E27FC236}">
-                <a16:creationId xmlns:a16="http://schemas.microsoft.com/office/drawing/2014/main" xmlns="" id="{ED21FFFD-9530-4386-B5C0-A8545322A12F}"/>
+                <a16:creationId xmlns="" xmlns:a16="http://schemas.microsoft.com/office/drawing/2014/main" id="{ED21FFFD-9530-4386-B5C0-A8545322A12F}"/>
               </a:ext>
             </a:extLst>
           </p:cNvPr>
@@ -10367,7 +10368,7 @@
           <p:cNvPr id="64" name="TextBox 63">
             <a:extLst>
               <a:ext uri="{FF2B5EF4-FFF2-40B4-BE49-F238E27FC236}">
-                <a16:creationId xmlns:a16="http://schemas.microsoft.com/office/drawing/2014/main" xmlns="" id="{F3734BFA-0D69-420C-8FA2-A549F2FFF82D}"/>
+                <a16:creationId xmlns="" xmlns:a16="http://schemas.microsoft.com/office/drawing/2014/main" id="{F3734BFA-0D69-420C-8FA2-A549F2FFF82D}"/>
               </a:ext>
             </a:extLst>
           </p:cNvPr>
@@ -10431,7 +10432,7 @@
           <p:cNvPr id="65" name="Straight Arrow Connector 64">
             <a:extLst>
               <a:ext uri="{FF2B5EF4-FFF2-40B4-BE49-F238E27FC236}">
-                <a16:creationId xmlns:a16="http://schemas.microsoft.com/office/drawing/2014/main" xmlns="" id="{BAFFECD8-89A2-45A0-BB6C-43FD6D96482C}"/>
+                <a16:creationId xmlns="" xmlns:a16="http://schemas.microsoft.com/office/drawing/2014/main" id="{BAFFECD8-89A2-45A0-BB6C-43FD6D96482C}"/>
               </a:ext>
             </a:extLst>
           </p:cNvPr>
@@ -10476,7 +10477,7 @@
           <p:cNvPr id="66" name="Flowchart: Decision 65">
             <a:extLst>
               <a:ext uri="{FF2B5EF4-FFF2-40B4-BE49-F238E27FC236}">
-                <a16:creationId xmlns:a16="http://schemas.microsoft.com/office/drawing/2014/main" xmlns="" id="{F65F2797-01CA-4040-A232-0D0BEC47111E}"/>
+                <a16:creationId xmlns="" xmlns:a16="http://schemas.microsoft.com/office/drawing/2014/main" id="{F65F2797-01CA-4040-A232-0D0BEC47111E}"/>
               </a:ext>
             </a:extLst>
           </p:cNvPr>
@@ -10553,7 +10554,7 @@
           <p:cNvPr id="67" name="TextBox 66">
             <a:extLst>
               <a:ext uri="{FF2B5EF4-FFF2-40B4-BE49-F238E27FC236}">
-                <a16:creationId xmlns:a16="http://schemas.microsoft.com/office/drawing/2014/main" xmlns="" id="{6B0F4331-CCA6-4C62-9B25-496B1B86EF45}"/>
+                <a16:creationId xmlns="" xmlns:a16="http://schemas.microsoft.com/office/drawing/2014/main" id="{6B0F4331-CCA6-4C62-9B25-496B1B86EF45}"/>
               </a:ext>
             </a:extLst>
           </p:cNvPr>
@@ -10617,7 +10618,7 @@
           <p:cNvPr id="69" name="Flowchart: Decision 68">
             <a:extLst>
               <a:ext uri="{FF2B5EF4-FFF2-40B4-BE49-F238E27FC236}">
-                <a16:creationId xmlns:a16="http://schemas.microsoft.com/office/drawing/2014/main" xmlns="" id="{D2F95C7F-0DC4-47C2-B711-F07F05F0EED2}"/>
+                <a16:creationId xmlns="" xmlns:a16="http://schemas.microsoft.com/office/drawing/2014/main" id="{D2F95C7F-0DC4-47C2-B711-F07F05F0EED2}"/>
               </a:ext>
             </a:extLst>
           </p:cNvPr>
@@ -10694,7 +10695,7 @@
           <p:cNvPr id="70" name="TextBox 69">
             <a:extLst>
               <a:ext uri="{FF2B5EF4-FFF2-40B4-BE49-F238E27FC236}">
-                <a16:creationId xmlns:a16="http://schemas.microsoft.com/office/drawing/2014/main" xmlns="" id="{5550BEDA-0699-43BE-8D94-CB951C3101B0}"/>
+                <a16:creationId xmlns="" xmlns:a16="http://schemas.microsoft.com/office/drawing/2014/main" id="{5550BEDA-0699-43BE-8D94-CB951C3101B0}"/>
               </a:ext>
             </a:extLst>
           </p:cNvPr>
@@ -10758,7 +10759,7 @@
           <p:cNvPr id="72" name="Connector: Elbow 71">
             <a:extLst>
               <a:ext uri="{FF2B5EF4-FFF2-40B4-BE49-F238E27FC236}">
-                <a16:creationId xmlns:a16="http://schemas.microsoft.com/office/drawing/2014/main" xmlns="" id="{3D78028B-2FD5-4A9A-AE4B-411BEE6808C8}"/>
+                <a16:creationId xmlns="" xmlns:a16="http://schemas.microsoft.com/office/drawing/2014/main" id="{3D78028B-2FD5-4A9A-AE4B-411BEE6808C8}"/>
               </a:ext>
             </a:extLst>
           </p:cNvPr>
@@ -10805,7 +10806,7 @@
           <p:cNvPr id="75" name="Straight Arrow Connector 74">
             <a:extLst>
               <a:ext uri="{FF2B5EF4-FFF2-40B4-BE49-F238E27FC236}">
-                <a16:creationId xmlns:a16="http://schemas.microsoft.com/office/drawing/2014/main" xmlns="" id="{D0247221-F0B4-4BD4-B79F-229AA27F2727}"/>
+                <a16:creationId xmlns="" xmlns:a16="http://schemas.microsoft.com/office/drawing/2014/main" id="{D0247221-F0B4-4BD4-B79F-229AA27F2727}"/>
               </a:ext>
             </a:extLst>
           </p:cNvPr>
@@ -10848,7 +10849,7 @@
           <p:cNvPr id="79" name="Connector: Elbow 78">
             <a:extLst>
               <a:ext uri="{FF2B5EF4-FFF2-40B4-BE49-F238E27FC236}">
-                <a16:creationId xmlns:a16="http://schemas.microsoft.com/office/drawing/2014/main" xmlns="" id="{D3DEDF2B-9ADF-4666-8DDA-040C164A1C9F}"/>
+                <a16:creationId xmlns="" xmlns:a16="http://schemas.microsoft.com/office/drawing/2014/main" id="{D3DEDF2B-9ADF-4666-8DDA-040C164A1C9F}"/>
               </a:ext>
             </a:extLst>
           </p:cNvPr>
@@ -10894,7 +10895,7 @@
           <p:cNvPr id="81" name="Connector: Elbow 80">
             <a:extLst>
               <a:ext uri="{FF2B5EF4-FFF2-40B4-BE49-F238E27FC236}">
-                <a16:creationId xmlns:a16="http://schemas.microsoft.com/office/drawing/2014/main" xmlns="" id="{8A446044-0623-4A71-B014-B43A5CE83132}"/>
+                <a16:creationId xmlns="" xmlns:a16="http://schemas.microsoft.com/office/drawing/2014/main" id="{8A446044-0623-4A71-B014-B43A5CE83132}"/>
               </a:ext>
             </a:extLst>
           </p:cNvPr>
@@ -10940,7 +10941,7 @@
           <p:cNvPr id="87" name="Straight Arrow Connector 86">
             <a:extLst>
               <a:ext uri="{FF2B5EF4-FFF2-40B4-BE49-F238E27FC236}">
-                <a16:creationId xmlns:a16="http://schemas.microsoft.com/office/drawing/2014/main" xmlns="" id="{28527620-6755-4E04-86F1-4ABFA39DFCEC}"/>
+                <a16:creationId xmlns="" xmlns:a16="http://schemas.microsoft.com/office/drawing/2014/main" id="{28527620-6755-4E04-86F1-4ABFA39DFCEC}"/>
               </a:ext>
             </a:extLst>
           </p:cNvPr>
@@ -11238,7 +11239,7 @@
           <p:cNvPr id="3" name="Connector: Elbow 2">
             <a:extLst>
               <a:ext uri="{FF2B5EF4-FFF2-40B4-BE49-F238E27FC236}">
-                <a16:creationId xmlns:a16="http://schemas.microsoft.com/office/drawing/2014/main" xmlns="" id="{F2621A12-D6C6-45BE-B908-1C2D6AFE4391}"/>
+                <a16:creationId xmlns="" xmlns:a16="http://schemas.microsoft.com/office/drawing/2014/main" id="{F2621A12-D6C6-45BE-B908-1C2D6AFE4391}"/>
               </a:ext>
             </a:extLst>
           </p:cNvPr>
@@ -11283,7 +11284,7 @@
           <p:cNvPr id="43" name="Flowchart: Decision 42">
             <a:extLst>
               <a:ext uri="{FF2B5EF4-FFF2-40B4-BE49-F238E27FC236}">
-                <a16:creationId xmlns:a16="http://schemas.microsoft.com/office/drawing/2014/main" xmlns="" id="{F10B347E-033C-4910-9071-CDA92304C379}"/>
+                <a16:creationId xmlns="" xmlns:a16="http://schemas.microsoft.com/office/drawing/2014/main" id="{F10B347E-033C-4910-9071-CDA92304C379}"/>
               </a:ext>
             </a:extLst>
           </p:cNvPr>
@@ -11360,7 +11361,7 @@
           <p:cNvPr id="46" name="Flowchart: Decision 45">
             <a:extLst>
               <a:ext uri="{FF2B5EF4-FFF2-40B4-BE49-F238E27FC236}">
-                <a16:creationId xmlns:a16="http://schemas.microsoft.com/office/drawing/2014/main" xmlns="" id="{7A2C44B0-43D5-48C5-89A2-758F4F74B13C}"/>
+                <a16:creationId xmlns="" xmlns:a16="http://schemas.microsoft.com/office/drawing/2014/main" id="{7A2C44B0-43D5-48C5-89A2-758F4F74B13C}"/>
               </a:ext>
             </a:extLst>
           </p:cNvPr>
@@ -11437,7 +11438,7 @@
           <p:cNvPr id="50" name="Straight Arrow Connector 49">
             <a:extLst>
               <a:ext uri="{FF2B5EF4-FFF2-40B4-BE49-F238E27FC236}">
-                <a16:creationId xmlns:a16="http://schemas.microsoft.com/office/drawing/2014/main" xmlns="" id="{4FF3FB3B-045C-494E-92F0-0E579FB56F01}"/>
+                <a16:creationId xmlns="" xmlns:a16="http://schemas.microsoft.com/office/drawing/2014/main" id="{4FF3FB3B-045C-494E-92F0-0E579FB56F01}"/>
               </a:ext>
             </a:extLst>
           </p:cNvPr>
@@ -11481,7 +11482,7 @@
           <p:cNvPr id="53" name="TextBox 52">
             <a:extLst>
               <a:ext uri="{FF2B5EF4-FFF2-40B4-BE49-F238E27FC236}">
-                <a16:creationId xmlns:a16="http://schemas.microsoft.com/office/drawing/2014/main" xmlns="" id="{92B6985B-E3A7-4FA0-92FF-33D24010ECA0}"/>
+                <a16:creationId xmlns="" xmlns:a16="http://schemas.microsoft.com/office/drawing/2014/main" id="{92B6985B-E3A7-4FA0-92FF-33D24010ECA0}"/>
               </a:ext>
             </a:extLst>
           </p:cNvPr>
@@ -11525,7 +11526,7 @@
           <p:cNvPr id="54" name="Straight Arrow Connector 53">
             <a:extLst>
               <a:ext uri="{FF2B5EF4-FFF2-40B4-BE49-F238E27FC236}">
-                <a16:creationId xmlns:a16="http://schemas.microsoft.com/office/drawing/2014/main" xmlns="" id="{DCB0E4FD-9044-428B-9B51-BB81F55A1C6C}"/>
+                <a16:creationId xmlns="" xmlns:a16="http://schemas.microsoft.com/office/drawing/2014/main" id="{DCB0E4FD-9044-428B-9B51-BB81F55A1C6C}"/>
               </a:ext>
             </a:extLst>
           </p:cNvPr>
@@ -11571,7 +11572,7 @@
           <p:cNvPr id="37" name="Straight Arrow Connector 36">
             <a:extLst>
               <a:ext uri="{FF2B5EF4-FFF2-40B4-BE49-F238E27FC236}">
-                <a16:creationId xmlns:a16="http://schemas.microsoft.com/office/drawing/2014/main" xmlns="" id="{2F4DEB80-823C-41E1-9539-305C65D98C55}"/>
+                <a16:creationId xmlns="" xmlns:a16="http://schemas.microsoft.com/office/drawing/2014/main" id="{2F4DEB80-823C-41E1-9539-305C65D98C55}"/>
               </a:ext>
             </a:extLst>
           </p:cNvPr>
@@ -11613,7 +11614,7 @@
           <p:cNvPr id="55" name="Straight Arrow Connector 54">
             <a:extLst>
               <a:ext uri="{FF2B5EF4-FFF2-40B4-BE49-F238E27FC236}">
-                <a16:creationId xmlns:a16="http://schemas.microsoft.com/office/drawing/2014/main" xmlns="" id="{D631F2B4-4E23-4BBD-873B-4A400520213C}"/>
+                <a16:creationId xmlns="" xmlns:a16="http://schemas.microsoft.com/office/drawing/2014/main" id="{D631F2B4-4E23-4BBD-873B-4A400520213C}"/>
               </a:ext>
             </a:extLst>
           </p:cNvPr>
@@ -11656,7 +11657,7 @@
           <p:cNvPr id="87" name="Straight Arrow Connector 86">
             <a:extLst>
               <a:ext uri="{FF2B5EF4-FFF2-40B4-BE49-F238E27FC236}">
-                <a16:creationId xmlns:a16="http://schemas.microsoft.com/office/drawing/2014/main" xmlns="" id="{28527620-6755-4E04-86F1-4ABFA39DFCEC}"/>
+                <a16:creationId xmlns="" xmlns:a16="http://schemas.microsoft.com/office/drawing/2014/main" id="{28527620-6755-4E04-86F1-4ABFA39DFCEC}"/>
               </a:ext>
             </a:extLst>
           </p:cNvPr>
@@ -11699,7 +11700,7 @@
           <p:cNvPr id="38" name="Flowchart: Decision 37">
             <a:extLst>
               <a:ext uri="{FF2B5EF4-FFF2-40B4-BE49-F238E27FC236}">
-                <a16:creationId xmlns:a16="http://schemas.microsoft.com/office/drawing/2014/main" xmlns="" id="{10274031-E3A6-4439-870A-5F921CFE8430}"/>
+                <a16:creationId xmlns="" xmlns:a16="http://schemas.microsoft.com/office/drawing/2014/main" id="{10274031-E3A6-4439-870A-5F921CFE8430}"/>
               </a:ext>
             </a:extLst>
           </p:cNvPr>
@@ -11784,7 +11785,7 @@
           <p:cNvPr id="39" name="TextBox 38">
             <a:extLst>
               <a:ext uri="{FF2B5EF4-FFF2-40B4-BE49-F238E27FC236}">
-                <a16:creationId xmlns:a16="http://schemas.microsoft.com/office/drawing/2014/main" xmlns="" id="{A3DBBD2A-612E-4F10-B838-1E5362BF3CF9}"/>
+                <a16:creationId xmlns="" xmlns:a16="http://schemas.microsoft.com/office/drawing/2014/main" id="{A3DBBD2A-612E-4F10-B838-1E5362BF3CF9}"/>
               </a:ext>
             </a:extLst>
           </p:cNvPr>
@@ -11828,7 +11829,7 @@
           <p:cNvPr id="40" name="Straight Arrow Connector 39">
             <a:extLst>
               <a:ext uri="{FF2B5EF4-FFF2-40B4-BE49-F238E27FC236}">
-                <a16:creationId xmlns:a16="http://schemas.microsoft.com/office/drawing/2014/main" xmlns="" id="{FC99EFDC-CB75-4F6E-BD31-9E758BD280D0}"/>
+                <a16:creationId xmlns="" xmlns:a16="http://schemas.microsoft.com/office/drawing/2014/main" id="{FC99EFDC-CB75-4F6E-BD31-9E758BD280D0}"/>
               </a:ext>
             </a:extLst>
           </p:cNvPr>
@@ -11874,7 +11875,7 @@
           <p:cNvPr id="48" name="TextBox 47">
             <a:extLst>
               <a:ext uri="{FF2B5EF4-FFF2-40B4-BE49-F238E27FC236}">
-                <a16:creationId xmlns:a16="http://schemas.microsoft.com/office/drawing/2014/main" xmlns="" id="{93517E20-A695-495E-A440-0D6441063470}"/>
+                <a16:creationId xmlns="" xmlns:a16="http://schemas.microsoft.com/office/drawing/2014/main" id="{93517E20-A695-495E-A440-0D6441063470}"/>
               </a:ext>
             </a:extLst>
           </p:cNvPr>
@@ -11918,7 +11919,7 @@
           <p:cNvPr id="18" name="Connector: Elbow 17">
             <a:extLst>
               <a:ext uri="{FF2B5EF4-FFF2-40B4-BE49-F238E27FC236}">
-                <a16:creationId xmlns:a16="http://schemas.microsoft.com/office/drawing/2014/main" xmlns="" id="{787D2855-E224-467F-A713-83EA72659A24}"/>
+                <a16:creationId xmlns="" xmlns:a16="http://schemas.microsoft.com/office/drawing/2014/main" id="{787D2855-E224-467F-A713-83EA72659A24}"/>
               </a:ext>
             </a:extLst>
           </p:cNvPr>
@@ -11960,7 +11961,7 @@
           <p:cNvPr id="59" name="Flowchart: Off-page Connector 58">
             <a:extLst>
               <a:ext uri="{FF2B5EF4-FFF2-40B4-BE49-F238E27FC236}">
-                <a16:creationId xmlns:a16="http://schemas.microsoft.com/office/drawing/2014/main" xmlns="" id="{6B4925C3-C91F-4C13-9EE8-CA6BE8136D8A}"/>
+                <a16:creationId xmlns="" xmlns:a16="http://schemas.microsoft.com/office/drawing/2014/main" id="{6B4925C3-C91F-4C13-9EE8-CA6BE8136D8A}"/>
               </a:ext>
             </a:extLst>
           </p:cNvPr>
@@ -12024,7 +12025,7 @@
           <p:cNvPr id="31" name="Flowchart: Predefined Process 30">
             <a:extLst>
               <a:ext uri="{FF2B5EF4-FFF2-40B4-BE49-F238E27FC236}">
-                <a16:creationId xmlns:a16="http://schemas.microsoft.com/office/drawing/2014/main" xmlns="" id="{45A00864-4430-46FB-9A24-807D47C7B406}"/>
+                <a16:creationId xmlns="" xmlns:a16="http://schemas.microsoft.com/office/drawing/2014/main" id="{45A00864-4430-46FB-9A24-807D47C7B406}"/>
               </a:ext>
             </a:extLst>
           </p:cNvPr>
@@ -12327,7 +12328,7 @@
           <p:cNvPr id="43" name="Flowchart: Decision 42">
             <a:extLst>
               <a:ext uri="{FF2B5EF4-FFF2-40B4-BE49-F238E27FC236}">
-                <a16:creationId xmlns:a16="http://schemas.microsoft.com/office/drawing/2014/main" xmlns="" id="{F10B347E-033C-4910-9071-CDA92304C379}"/>
+                <a16:creationId xmlns="" xmlns:a16="http://schemas.microsoft.com/office/drawing/2014/main" id="{F10B347E-033C-4910-9071-CDA92304C379}"/>
               </a:ext>
             </a:extLst>
           </p:cNvPr>
@@ -12420,7 +12421,7 @@
           <p:cNvPr id="50" name="Straight Arrow Connector 49">
             <a:extLst>
               <a:ext uri="{FF2B5EF4-FFF2-40B4-BE49-F238E27FC236}">
-                <a16:creationId xmlns:a16="http://schemas.microsoft.com/office/drawing/2014/main" xmlns="" id="{4FF3FB3B-045C-494E-92F0-0E579FB56F01}"/>
+                <a16:creationId xmlns="" xmlns:a16="http://schemas.microsoft.com/office/drawing/2014/main" id="{4FF3FB3B-045C-494E-92F0-0E579FB56F01}"/>
               </a:ext>
             </a:extLst>
           </p:cNvPr>
@@ -12466,7 +12467,7 @@
           <p:cNvPr id="37" name="Straight Arrow Connector 36">
             <a:extLst>
               <a:ext uri="{FF2B5EF4-FFF2-40B4-BE49-F238E27FC236}">
-                <a16:creationId xmlns:a16="http://schemas.microsoft.com/office/drawing/2014/main" xmlns="" id="{2F4DEB80-823C-41E1-9539-305C65D98C55}"/>
+                <a16:creationId xmlns="" xmlns:a16="http://schemas.microsoft.com/office/drawing/2014/main" id="{2F4DEB80-823C-41E1-9539-305C65D98C55}"/>
               </a:ext>
             </a:extLst>
           </p:cNvPr>
@@ -12508,7 +12509,7 @@
           <p:cNvPr id="55" name="Straight Arrow Connector 54">
             <a:extLst>
               <a:ext uri="{FF2B5EF4-FFF2-40B4-BE49-F238E27FC236}">
-                <a16:creationId xmlns:a16="http://schemas.microsoft.com/office/drawing/2014/main" xmlns="" id="{D631F2B4-4E23-4BBD-873B-4A400520213C}"/>
+                <a16:creationId xmlns="" xmlns:a16="http://schemas.microsoft.com/office/drawing/2014/main" id="{D631F2B4-4E23-4BBD-873B-4A400520213C}"/>
               </a:ext>
             </a:extLst>
           </p:cNvPr>
@@ -12551,7 +12552,7 @@
           <p:cNvPr id="39" name="TextBox 38">
             <a:extLst>
               <a:ext uri="{FF2B5EF4-FFF2-40B4-BE49-F238E27FC236}">
-                <a16:creationId xmlns:a16="http://schemas.microsoft.com/office/drawing/2014/main" xmlns="" id="{A3DBBD2A-612E-4F10-B838-1E5362BF3CF9}"/>
+                <a16:creationId xmlns="" xmlns:a16="http://schemas.microsoft.com/office/drawing/2014/main" id="{A3DBBD2A-612E-4F10-B838-1E5362BF3CF9}"/>
               </a:ext>
             </a:extLst>
           </p:cNvPr>
@@ -12595,7 +12596,7 @@
           <p:cNvPr id="71" name="Flowchart: Off-page Connector 70">
             <a:extLst>
               <a:ext uri="{FF2B5EF4-FFF2-40B4-BE49-F238E27FC236}">
-                <a16:creationId xmlns:a16="http://schemas.microsoft.com/office/drawing/2014/main" xmlns="" id="{BB484122-89E0-4B7D-9818-D8FDEDD18489}"/>
+                <a16:creationId xmlns="" xmlns:a16="http://schemas.microsoft.com/office/drawing/2014/main" id="{BB484122-89E0-4B7D-9818-D8FDEDD18489}"/>
               </a:ext>
             </a:extLst>
           </p:cNvPr>
@@ -12659,7 +12660,7 @@
           <p:cNvPr id="73" name="TextBox 72">
             <a:extLst>
               <a:ext uri="{FF2B5EF4-FFF2-40B4-BE49-F238E27FC236}">
-                <a16:creationId xmlns:a16="http://schemas.microsoft.com/office/drawing/2014/main" xmlns="" id="{5F2B9C67-F65F-46FC-BFBA-5D4C5482F482}"/>
+                <a16:creationId xmlns="" xmlns:a16="http://schemas.microsoft.com/office/drawing/2014/main" id="{5F2B9C67-F65F-46FC-BFBA-5D4C5482F482}"/>
               </a:ext>
             </a:extLst>
           </p:cNvPr>
@@ -12703,7 +12704,7 @@
           <p:cNvPr id="74" name="TextBox 73">
             <a:extLst>
               <a:ext uri="{FF2B5EF4-FFF2-40B4-BE49-F238E27FC236}">
-                <a16:creationId xmlns:a16="http://schemas.microsoft.com/office/drawing/2014/main" xmlns="" id="{419D8471-85C8-493E-BD1B-D41ED5B87B47}"/>
+                <a16:creationId xmlns="" xmlns:a16="http://schemas.microsoft.com/office/drawing/2014/main" id="{419D8471-85C8-493E-BD1B-D41ED5B87B47}"/>
               </a:ext>
             </a:extLst>
           </p:cNvPr>
@@ -12747,7 +12748,7 @@
           <p:cNvPr id="84" name="Flowchart: Decision 83">
             <a:extLst>
               <a:ext uri="{FF2B5EF4-FFF2-40B4-BE49-F238E27FC236}">
-                <a16:creationId xmlns:a16="http://schemas.microsoft.com/office/drawing/2014/main" xmlns="" id="{1E32E4E6-7CBB-4B16-A851-2C84F576DC19}"/>
+                <a16:creationId xmlns="" xmlns:a16="http://schemas.microsoft.com/office/drawing/2014/main" id="{1E32E4E6-7CBB-4B16-A851-2C84F576DC19}"/>
               </a:ext>
             </a:extLst>
           </p:cNvPr>
@@ -12824,7 +12825,7 @@
           <p:cNvPr id="85" name="Straight Arrow Connector 84">
             <a:extLst>
               <a:ext uri="{FF2B5EF4-FFF2-40B4-BE49-F238E27FC236}">
-                <a16:creationId xmlns:a16="http://schemas.microsoft.com/office/drawing/2014/main" xmlns="" id="{9DA6D301-49E9-4BDA-9ADF-E67A1B9C374D}"/>
+                <a16:creationId xmlns="" xmlns:a16="http://schemas.microsoft.com/office/drawing/2014/main" id="{9DA6D301-49E9-4BDA-9ADF-E67A1B9C374D}"/>
               </a:ext>
             </a:extLst>
           </p:cNvPr>
@@ -12870,7 +12871,7 @@
           <p:cNvPr id="86" name="TextBox 85">
             <a:extLst>
               <a:ext uri="{FF2B5EF4-FFF2-40B4-BE49-F238E27FC236}">
-                <a16:creationId xmlns:a16="http://schemas.microsoft.com/office/drawing/2014/main" xmlns="" id="{2E30AD1B-92C5-489D-B7AA-A0B8B6B0EC60}"/>
+                <a16:creationId xmlns="" xmlns:a16="http://schemas.microsoft.com/office/drawing/2014/main" id="{2E30AD1B-92C5-489D-B7AA-A0B8B6B0EC60}"/>
               </a:ext>
             </a:extLst>
           </p:cNvPr>
@@ -12914,7 +12915,7 @@
           <p:cNvPr id="88" name="Straight Arrow Connector 87">
             <a:extLst>
               <a:ext uri="{FF2B5EF4-FFF2-40B4-BE49-F238E27FC236}">
-                <a16:creationId xmlns:a16="http://schemas.microsoft.com/office/drawing/2014/main" xmlns="" id="{D2F7C0C9-2882-41D9-9027-CF70B88C603D}"/>
+                <a16:creationId xmlns="" xmlns:a16="http://schemas.microsoft.com/office/drawing/2014/main" id="{D2F7C0C9-2882-41D9-9027-CF70B88C603D}"/>
               </a:ext>
             </a:extLst>
           </p:cNvPr>
@@ -12957,7 +12958,7 @@
           <p:cNvPr id="90" name="Straight Arrow Connector 89">
             <a:extLst>
               <a:ext uri="{FF2B5EF4-FFF2-40B4-BE49-F238E27FC236}">
-                <a16:creationId xmlns:a16="http://schemas.microsoft.com/office/drawing/2014/main" xmlns="" id="{24D7EEEB-9582-4E3E-AE7F-BF4A1493CD2C}"/>
+                <a16:creationId xmlns="" xmlns:a16="http://schemas.microsoft.com/office/drawing/2014/main" id="{24D7EEEB-9582-4E3E-AE7F-BF4A1493CD2C}"/>
               </a:ext>
             </a:extLst>
           </p:cNvPr>
@@ -13005,6 +13006,1095 @@
   <p:clrMapOvr>
     <a:masterClrMapping/>
   </p:clrMapOvr>
+  <p:timing>
+    <p:tnLst>
+      <p:par>
+        <p:cTn id="1" dur="indefinite" restart="never" nodeType="tmRoot"/>
+      </p:par>
+    </p:tnLst>
+  </p:timing>
+</p:sld>
+</file>
+
+<file path=ppt/slides/slide14.xml><?xml version="1.0" encoding="utf-8"?>
+<p:sld xmlns:a="http://schemas.openxmlformats.org/drawingml/2006/main" xmlns:r="http://schemas.openxmlformats.org/officeDocument/2006/relationships" xmlns:p="http://schemas.openxmlformats.org/presentationml/2006/main">
+  <p:cSld>
+    <p:spTree>
+      <p:nvGrpSpPr>
+        <p:cNvPr id="1" name=""/>
+        <p:cNvGrpSpPr/>
+        <p:nvPr/>
+      </p:nvGrpSpPr>
+      <p:grpSpPr>
+        <a:xfrm>
+          <a:off x="0" y="0"/>
+          <a:ext cx="0" cy="0"/>
+          <a:chOff x="0" y="0"/>
+          <a:chExt cx="0" cy="0"/>
+        </a:xfrm>
+      </p:grpSpPr>
+      <p:sp>
+        <p:nvSpPr>
+          <p:cNvPr id="84" name="Flowchart: Decision 83">
+            <a:extLst>
+              <a:ext uri="{FF2B5EF4-FFF2-40B4-BE49-F238E27FC236}">
+                <a16:creationId xmlns="" xmlns:a16="http://schemas.microsoft.com/office/drawing/2014/main" id="{1E32E4E6-7CBB-4B16-A851-2C84F576DC19}"/>
+              </a:ext>
+            </a:extLst>
+          </p:cNvPr>
+          <p:cNvSpPr/>
+          <p:nvPr/>
+        </p:nvSpPr>
+        <p:spPr>
+          <a:xfrm>
+            <a:off x="1115616" y="2010846"/>
+            <a:ext cx="2793294" cy="839830"/>
+          </a:xfrm>
+          <a:prstGeom prst="flowChartDecision">
+            <a:avLst/>
+          </a:prstGeom>
+          <a:noFill/>
+          <a:ln w="19050">
+            <a:solidFill>
+              <a:schemeClr val="tx1"/>
+            </a:solidFill>
+          </a:ln>
+        </p:spPr>
+        <p:style>
+          <a:lnRef idx="2">
+            <a:schemeClr val="accent1">
+              <a:shade val="50000"/>
+            </a:schemeClr>
+          </a:lnRef>
+          <a:fillRef idx="1">
+            <a:schemeClr val="accent1"/>
+          </a:fillRef>
+          <a:effectRef idx="0">
+            <a:schemeClr val="accent1"/>
+          </a:effectRef>
+          <a:fontRef idx="minor">
+            <a:schemeClr val="lt1"/>
+          </a:fontRef>
+        </p:style>
+        <p:txBody>
+          <a:bodyPr rtlCol="0" anchor="ctr"/>
+          <a:lstStyle/>
+          <a:p>
+            <a:pPr algn="ctr"/>
+            <a:r>
+              <a:rPr lang="en-US" sz="1400" dirty="0" smtClean="0">
+                <a:solidFill>
+                  <a:schemeClr val="tx1"/>
+                </a:solidFill>
+              </a:rPr>
+              <a:t>_modeMenu</a:t>
+            </a:r>
+            <a:r>
+              <a:rPr lang="en-ID" sz="1400" dirty="0" smtClean="0">
+                <a:solidFill>
+                  <a:schemeClr val="tx1"/>
+                </a:solidFill>
+              </a:rPr>
+              <a:t> </a:t>
+            </a:r>
+            <a:r>
+              <a:rPr lang="en-ID" sz="1400" dirty="0">
+                <a:solidFill>
+                  <a:schemeClr val="tx1"/>
+                </a:solidFill>
+              </a:rPr>
+              <a:t>= </a:t>
+            </a:r>
+            <a:r>
+              <a:rPr lang="en-ID" sz="1400" b="0" dirty="0" smtClean="0">
+                <a:solidFill>
+                  <a:schemeClr val="tx1"/>
+                </a:solidFill>
+                <a:effectLst/>
+                <a:latin typeface="Consolas" panose="020B0609020204030204" pitchFamily="49" charset="0"/>
+              </a:rPr>
+              <a:t>MODE_MENU_MAIN</a:t>
+            </a:r>
+            <a:endParaRPr lang="en-ID" sz="1400" b="0" dirty="0">
+              <a:solidFill>
+                <a:schemeClr val="tx1"/>
+              </a:solidFill>
+              <a:effectLst/>
+              <a:latin typeface="Consolas" panose="020B0609020204030204" pitchFamily="49" charset="0"/>
+            </a:endParaRPr>
+          </a:p>
+        </p:txBody>
+      </p:sp>
+      <p:cxnSp>
+        <p:nvCxnSpPr>
+          <p:cNvPr id="85" name="Straight Arrow Connector 84">
+            <a:extLst>
+              <a:ext uri="{FF2B5EF4-FFF2-40B4-BE49-F238E27FC236}">
+                <a16:creationId xmlns="" xmlns:a16="http://schemas.microsoft.com/office/drawing/2014/main" id="{9DA6D301-49E9-4BDA-9ADF-E67A1B9C374D}"/>
+              </a:ext>
+            </a:extLst>
+          </p:cNvPr>
+          <p:cNvCxnSpPr>
+            <a:cxnSpLocks/>
+            <a:stCxn id="84" idx="3"/>
+            <a:endCxn id="26" idx="1"/>
+          </p:cNvCxnSpPr>
+          <p:nvPr/>
+        </p:nvCxnSpPr>
+        <p:spPr>
+          <a:xfrm>
+            <a:off x="3908910" y="2430761"/>
+            <a:ext cx="311192" cy="0"/>
+          </a:xfrm>
+          <a:prstGeom prst="straightConnector1">
+            <a:avLst/>
+          </a:prstGeom>
+          <a:ln w="19050">
+            <a:solidFill>
+              <a:srgbClr val="003300"/>
+            </a:solidFill>
+            <a:tailEnd type="arrow"/>
+          </a:ln>
+        </p:spPr>
+        <p:style>
+          <a:lnRef idx="1">
+            <a:schemeClr val="accent1"/>
+          </a:lnRef>
+          <a:fillRef idx="0">
+            <a:schemeClr val="accent1"/>
+          </a:fillRef>
+          <a:effectRef idx="0">
+            <a:schemeClr val="accent1"/>
+          </a:effectRef>
+          <a:fontRef idx="minor">
+            <a:schemeClr val="tx1"/>
+          </a:fontRef>
+        </p:style>
+      </p:cxnSp>
+      <p:sp>
+        <p:nvSpPr>
+          <p:cNvPr id="19" name="TextBox 18">
+            <a:hlinkClick r:id="rId2" action="ppaction://hlinksldjump"/>
+          </p:cNvPr>
+          <p:cNvSpPr txBox="1"/>
+          <p:nvPr/>
+        </p:nvSpPr>
+        <p:spPr>
+          <a:xfrm>
+            <a:off x="2571259" y="216933"/>
+            <a:ext cx="2814553" cy="553998"/>
+          </a:xfrm>
+          <a:prstGeom prst="rect">
+            <a:avLst/>
+          </a:prstGeom>
+          <a:noFill/>
+        </p:spPr>
+        <p:txBody>
+          <a:bodyPr wrap="none" rtlCol="0">
+            <a:spAutoFit/>
+          </a:bodyPr>
+          <a:lstStyle/>
+          <a:p>
+            <a:r>
+              <a:rPr lang="en-ID" b="1" dirty="0"/>
+              <a:t>Flowchart </a:t>
+            </a:r>
+            <a:r>
+              <a:rPr lang="en-ID" b="1" dirty="0" smtClean="0"/>
+              <a:t>_</a:t>
+            </a:r>
+            <a:r>
+              <a:rPr lang="en-ID" b="1" dirty="0" smtClean="0"/>
+              <a:t>locPan</a:t>
+            </a:r>
+            <a:r>
+              <a:rPr lang="en-ID" b="1" dirty="0" smtClean="0"/>
+              <a:t>-&gt;menu()</a:t>
+            </a:r>
+            <a:endParaRPr lang="en-ID" b="1" dirty="0"/>
+          </a:p>
+          <a:p>
+            <a:pPr algn="ctr"/>
+            <a:r>
+              <a:rPr lang="en-ID" sz="1200" dirty="0"/>
+              <a:t>File : </a:t>
+            </a:r>
+            <a:r>
+              <a:rPr lang="en-ID" sz="1200" dirty="0" smtClean="0"/>
+              <a:t>locPan</a:t>
+            </a:r>
+            <a:r>
+              <a:rPr lang="en-ID" sz="1200" dirty="0" smtClean="0"/>
+              <a:t>.cpp</a:t>
+            </a:r>
+            <a:endParaRPr lang="en-US" sz="1200" dirty="0"/>
+          </a:p>
+        </p:txBody>
+      </p:sp>
+      <p:sp>
+        <p:nvSpPr>
+          <p:cNvPr id="20" name="Flowchart: Predefined Process 19">
+            <a:extLst>
+              <a:ext uri="{FF2B5EF4-FFF2-40B4-BE49-F238E27FC236}">
+                <a16:creationId xmlns="" xmlns:a16="http://schemas.microsoft.com/office/drawing/2014/main" id="{45A00864-4430-46FB-9A24-807D47C7B406}"/>
+              </a:ext>
+            </a:extLst>
+          </p:cNvPr>
+          <p:cNvSpPr/>
+          <p:nvPr/>
+        </p:nvSpPr>
+        <p:spPr>
+          <a:xfrm>
+            <a:off x="947364" y="976750"/>
+            <a:ext cx="2629190" cy="415140"/>
+          </a:xfrm>
+          <a:prstGeom prst="flowChartPredefinedProcess">
+            <a:avLst/>
+          </a:prstGeom>
+          <a:noFill/>
+          <a:ln>
+            <a:solidFill>
+              <a:schemeClr val="tx1"/>
+            </a:solidFill>
+          </a:ln>
+        </p:spPr>
+        <p:style>
+          <a:lnRef idx="2">
+            <a:schemeClr val="accent1">
+              <a:shade val="50000"/>
+            </a:schemeClr>
+          </a:lnRef>
+          <a:fillRef idx="1">
+            <a:schemeClr val="accent1"/>
+          </a:fillRef>
+          <a:effectRef idx="0">
+            <a:schemeClr val="accent1"/>
+          </a:effectRef>
+          <a:fontRef idx="minor">
+            <a:schemeClr val="lt1"/>
+          </a:fontRef>
+        </p:style>
+        <p:txBody>
+          <a:bodyPr rtlCol="0" anchor="ctr"/>
+          <a:lstStyle/>
+          <a:p>
+            <a:pPr algn="ctr"/>
+            <a:r>
+              <a:rPr lang="en-ID" sz="1200" dirty="0" smtClean="0">
+                <a:solidFill>
+                  <a:schemeClr val="tx1"/>
+                </a:solidFill>
+              </a:rPr>
+              <a:t>Key =  this-&gt;_getCommand()</a:t>
+            </a:r>
+            <a:endParaRPr lang="en-US" sz="1200" dirty="0"/>
+          </a:p>
+        </p:txBody>
+      </p:sp>
+      <p:cxnSp>
+        <p:nvCxnSpPr>
+          <p:cNvPr id="3" name="Elbow Connector 2"/>
+          <p:cNvCxnSpPr>
+            <a:stCxn id="20" idx="2"/>
+            <a:endCxn id="84" idx="0"/>
+          </p:cNvCxnSpPr>
+          <p:nvPr/>
+        </p:nvCxnSpPr>
+        <p:spPr>
+          <a:xfrm rot="16200000" flipH="1">
+            <a:off x="2077633" y="1576216"/>
+            <a:ext cx="618956" cy="250304"/>
+          </a:xfrm>
+          <a:prstGeom prst="bentConnector3">
+            <a:avLst/>
+          </a:prstGeom>
+          <a:ln w="19050">
+            <a:solidFill>
+              <a:schemeClr val="tx1"/>
+            </a:solidFill>
+            <a:tailEnd type="arrow"/>
+          </a:ln>
+        </p:spPr>
+        <p:style>
+          <a:lnRef idx="1">
+            <a:schemeClr val="accent1"/>
+          </a:lnRef>
+          <a:fillRef idx="0">
+            <a:schemeClr val="accent1"/>
+          </a:fillRef>
+          <a:effectRef idx="0">
+            <a:schemeClr val="accent1"/>
+          </a:effectRef>
+          <a:fontRef idx="minor">
+            <a:schemeClr val="tx1"/>
+          </a:fontRef>
+        </p:style>
+      </p:cxnSp>
+      <p:sp>
+        <p:nvSpPr>
+          <p:cNvPr id="26" name="Flowchart: Predefined Process 25">
+            <a:extLst>
+              <a:ext uri="{FF2B5EF4-FFF2-40B4-BE49-F238E27FC236}">
+                <a16:creationId xmlns="" xmlns:a16="http://schemas.microsoft.com/office/drawing/2014/main" id="{45A00864-4430-46FB-9A24-807D47C7B406}"/>
+              </a:ext>
+            </a:extLst>
+          </p:cNvPr>
+          <p:cNvSpPr/>
+          <p:nvPr/>
+        </p:nvSpPr>
+        <p:spPr>
+          <a:xfrm>
+            <a:off x="4220102" y="2223191"/>
+            <a:ext cx="2944186" cy="415140"/>
+          </a:xfrm>
+          <a:prstGeom prst="flowChartPredefinedProcess">
+            <a:avLst/>
+          </a:prstGeom>
+          <a:noFill/>
+          <a:ln>
+            <a:solidFill>
+              <a:schemeClr val="tx1"/>
+            </a:solidFill>
+          </a:ln>
+        </p:spPr>
+        <p:style>
+          <a:lnRef idx="2">
+            <a:schemeClr val="accent1">
+              <a:shade val="50000"/>
+            </a:schemeClr>
+          </a:lnRef>
+          <a:fillRef idx="1">
+            <a:schemeClr val="accent1"/>
+          </a:fillRef>
+          <a:effectRef idx="0">
+            <a:schemeClr val="accent1"/>
+          </a:effectRef>
+          <a:fontRef idx="minor">
+            <a:schemeClr val="lt1"/>
+          </a:fontRef>
+        </p:style>
+        <p:txBody>
+          <a:bodyPr rtlCol="0" anchor="ctr"/>
+          <a:lstStyle/>
+          <a:p>
+            <a:pPr algn="ctr"/>
+            <a:r>
+              <a:rPr lang="en-ID" sz="1200" dirty="0" smtClean="0">
+                <a:solidFill>
+                  <a:schemeClr val="tx1"/>
+                </a:solidFill>
+              </a:rPr>
+              <a:t>Key =  this-&gt;_menuMain(key)</a:t>
+            </a:r>
+            <a:endParaRPr lang="en-US" sz="1200" dirty="0"/>
+          </a:p>
+        </p:txBody>
+      </p:sp>
+      <p:cxnSp>
+        <p:nvCxnSpPr>
+          <p:cNvPr id="30" name="Straight Arrow Connector 29">
+            <a:extLst>
+              <a:ext uri="{FF2B5EF4-FFF2-40B4-BE49-F238E27FC236}">
+                <a16:creationId xmlns="" xmlns:a16="http://schemas.microsoft.com/office/drawing/2014/main" id="{9DA6D301-49E9-4BDA-9ADF-E67A1B9C374D}"/>
+              </a:ext>
+            </a:extLst>
+          </p:cNvPr>
+          <p:cNvCxnSpPr>
+            <a:cxnSpLocks/>
+            <a:endCxn id="31" idx="1"/>
+          </p:cNvCxnSpPr>
+          <p:nvPr/>
+        </p:nvCxnSpPr>
+        <p:spPr>
+          <a:xfrm>
+            <a:off x="3779912" y="3632891"/>
+            <a:ext cx="440190" cy="0"/>
+          </a:xfrm>
+          <a:prstGeom prst="straightConnector1">
+            <a:avLst/>
+          </a:prstGeom>
+          <a:ln w="19050">
+            <a:solidFill>
+              <a:srgbClr val="003300"/>
+            </a:solidFill>
+            <a:tailEnd type="arrow"/>
+          </a:ln>
+        </p:spPr>
+        <p:style>
+          <a:lnRef idx="1">
+            <a:schemeClr val="accent1"/>
+          </a:lnRef>
+          <a:fillRef idx="0">
+            <a:schemeClr val="accent1"/>
+          </a:fillRef>
+          <a:effectRef idx="0">
+            <a:schemeClr val="accent1"/>
+          </a:effectRef>
+          <a:fontRef idx="minor">
+            <a:schemeClr val="tx1"/>
+          </a:fontRef>
+        </p:style>
+      </p:cxnSp>
+      <p:sp>
+        <p:nvSpPr>
+          <p:cNvPr id="31" name="Flowchart: Predefined Process 30">
+            <a:extLst>
+              <a:ext uri="{FF2B5EF4-FFF2-40B4-BE49-F238E27FC236}">
+                <a16:creationId xmlns="" xmlns:a16="http://schemas.microsoft.com/office/drawing/2014/main" id="{45A00864-4430-46FB-9A24-807D47C7B406}"/>
+              </a:ext>
+            </a:extLst>
+          </p:cNvPr>
+          <p:cNvSpPr/>
+          <p:nvPr/>
+        </p:nvSpPr>
+        <p:spPr>
+          <a:xfrm>
+            <a:off x="4220102" y="3425321"/>
+            <a:ext cx="3448242" cy="415140"/>
+          </a:xfrm>
+          <a:prstGeom prst="flowChartPredefinedProcess">
+            <a:avLst/>
+          </a:prstGeom>
+          <a:noFill/>
+          <a:ln>
+            <a:solidFill>
+              <a:schemeClr val="tx1"/>
+            </a:solidFill>
+          </a:ln>
+        </p:spPr>
+        <p:style>
+          <a:lnRef idx="2">
+            <a:schemeClr val="accent1">
+              <a:shade val="50000"/>
+            </a:schemeClr>
+          </a:lnRef>
+          <a:fillRef idx="1">
+            <a:schemeClr val="accent1"/>
+          </a:fillRef>
+          <a:effectRef idx="0">
+            <a:schemeClr val="accent1"/>
+          </a:effectRef>
+          <a:fontRef idx="minor">
+            <a:schemeClr val="lt1"/>
+          </a:fontRef>
+        </p:style>
+        <p:txBody>
+          <a:bodyPr rtlCol="0" anchor="ctr"/>
+          <a:lstStyle/>
+          <a:p>
+            <a:pPr algn="ctr"/>
+            <a:r>
+              <a:rPr lang="en-ID" sz="1200" dirty="0" smtClean="0">
+                <a:solidFill>
+                  <a:schemeClr val="tx1"/>
+                </a:solidFill>
+              </a:rPr>
+              <a:t>Key =  this-&gt;_menuParameter(key)</a:t>
+            </a:r>
+            <a:endParaRPr lang="en-US" sz="1200" dirty="0"/>
+          </a:p>
+        </p:txBody>
+      </p:sp>
+      <p:sp>
+        <p:nvSpPr>
+          <p:cNvPr id="38" name="Flowchart: Decision 37">
+            <a:extLst>
+              <a:ext uri="{FF2B5EF4-FFF2-40B4-BE49-F238E27FC236}">
+                <a16:creationId xmlns="" xmlns:a16="http://schemas.microsoft.com/office/drawing/2014/main" id="{1E32E4E6-7CBB-4B16-A851-2C84F576DC19}"/>
+              </a:ext>
+            </a:extLst>
+          </p:cNvPr>
+          <p:cNvSpPr/>
+          <p:nvPr/>
+        </p:nvSpPr>
+        <p:spPr>
+          <a:xfrm>
+            <a:off x="683568" y="3212976"/>
+            <a:ext cx="3225342" cy="839830"/>
+          </a:xfrm>
+          <a:prstGeom prst="flowChartDecision">
+            <a:avLst/>
+          </a:prstGeom>
+          <a:noFill/>
+          <a:ln w="19050">
+            <a:solidFill>
+              <a:schemeClr val="tx1"/>
+            </a:solidFill>
+          </a:ln>
+        </p:spPr>
+        <p:style>
+          <a:lnRef idx="2">
+            <a:schemeClr val="accent1">
+              <a:shade val="50000"/>
+            </a:schemeClr>
+          </a:lnRef>
+          <a:fillRef idx="1">
+            <a:schemeClr val="accent1"/>
+          </a:fillRef>
+          <a:effectRef idx="0">
+            <a:schemeClr val="accent1"/>
+          </a:effectRef>
+          <a:fontRef idx="minor">
+            <a:schemeClr val="lt1"/>
+          </a:fontRef>
+        </p:style>
+        <p:txBody>
+          <a:bodyPr rtlCol="0" anchor="ctr"/>
+          <a:lstStyle/>
+          <a:p>
+            <a:pPr algn="ctr"/>
+            <a:r>
+              <a:rPr lang="en-US" sz="1400" dirty="0" smtClean="0">
+                <a:solidFill>
+                  <a:schemeClr val="tx1"/>
+                </a:solidFill>
+              </a:rPr>
+              <a:t>_modeMenu</a:t>
+            </a:r>
+            <a:r>
+              <a:rPr lang="en-ID" sz="1400" dirty="0" smtClean="0">
+                <a:solidFill>
+                  <a:schemeClr val="tx1"/>
+                </a:solidFill>
+              </a:rPr>
+              <a:t> </a:t>
+            </a:r>
+            <a:r>
+              <a:rPr lang="en-ID" sz="1400" dirty="0">
+                <a:solidFill>
+                  <a:schemeClr val="tx1"/>
+                </a:solidFill>
+              </a:rPr>
+              <a:t>= </a:t>
+            </a:r>
+            <a:r>
+              <a:rPr lang="en-ID" sz="1400" b="0" dirty="0" smtClean="0">
+                <a:solidFill>
+                  <a:schemeClr val="tx1"/>
+                </a:solidFill>
+                <a:effectLst/>
+                <a:latin typeface="Consolas" panose="020B0609020204030204" pitchFamily="49" charset="0"/>
+              </a:rPr>
+              <a:t>MODE_MENU_PARAMETER</a:t>
+            </a:r>
+            <a:endParaRPr lang="en-ID" sz="1400" b="0" dirty="0">
+              <a:solidFill>
+                <a:schemeClr val="tx1"/>
+              </a:solidFill>
+              <a:effectLst/>
+              <a:latin typeface="Consolas" panose="020B0609020204030204" pitchFamily="49" charset="0"/>
+            </a:endParaRPr>
+          </a:p>
+        </p:txBody>
+      </p:sp>
+      <p:cxnSp>
+        <p:nvCxnSpPr>
+          <p:cNvPr id="21" name="Elbow Connector 20"/>
+          <p:cNvCxnSpPr>
+            <a:stCxn id="84" idx="2"/>
+            <a:endCxn id="38" idx="0"/>
+          </p:cNvCxnSpPr>
+          <p:nvPr/>
+        </p:nvCxnSpPr>
+        <p:spPr>
+          <a:xfrm rot="5400000">
+            <a:off x="2223101" y="2923814"/>
+            <a:ext cx="362300" cy="216024"/>
+          </a:xfrm>
+          <a:prstGeom prst="bentConnector3">
+            <a:avLst/>
+          </a:prstGeom>
+          <a:ln w="19050">
+            <a:solidFill>
+              <a:srgbClr val="003300"/>
+            </a:solidFill>
+            <a:tailEnd type="arrow"/>
+          </a:ln>
+        </p:spPr>
+        <p:style>
+          <a:lnRef idx="1">
+            <a:schemeClr val="accent1"/>
+          </a:lnRef>
+          <a:fillRef idx="0">
+            <a:schemeClr val="accent1"/>
+          </a:fillRef>
+          <a:effectRef idx="0">
+            <a:schemeClr val="accent1"/>
+          </a:effectRef>
+          <a:fontRef idx="minor">
+            <a:schemeClr val="tx1"/>
+          </a:fontRef>
+        </p:style>
+      </p:cxnSp>
+      <p:cxnSp>
+        <p:nvCxnSpPr>
+          <p:cNvPr id="44" name="Straight Arrow Connector 43">
+            <a:extLst>
+              <a:ext uri="{FF2B5EF4-FFF2-40B4-BE49-F238E27FC236}">
+                <a16:creationId xmlns="" xmlns:a16="http://schemas.microsoft.com/office/drawing/2014/main" id="{9DA6D301-49E9-4BDA-9ADF-E67A1B9C374D}"/>
+              </a:ext>
+            </a:extLst>
+          </p:cNvPr>
+          <p:cNvCxnSpPr>
+            <a:cxnSpLocks/>
+            <a:endCxn id="45" idx="1"/>
+          </p:cNvCxnSpPr>
+          <p:nvPr/>
+        </p:nvCxnSpPr>
+        <p:spPr>
+          <a:xfrm>
+            <a:off x="3779912" y="4929035"/>
+            <a:ext cx="440190" cy="0"/>
+          </a:xfrm>
+          <a:prstGeom prst="straightConnector1">
+            <a:avLst/>
+          </a:prstGeom>
+          <a:ln w="19050">
+            <a:solidFill>
+              <a:srgbClr val="003300"/>
+            </a:solidFill>
+            <a:tailEnd type="arrow"/>
+          </a:ln>
+        </p:spPr>
+        <p:style>
+          <a:lnRef idx="1">
+            <a:schemeClr val="accent1"/>
+          </a:lnRef>
+          <a:fillRef idx="0">
+            <a:schemeClr val="accent1"/>
+          </a:fillRef>
+          <a:effectRef idx="0">
+            <a:schemeClr val="accent1"/>
+          </a:effectRef>
+          <a:fontRef idx="minor">
+            <a:schemeClr val="tx1"/>
+          </a:fontRef>
+        </p:style>
+      </p:cxnSp>
+      <p:sp>
+        <p:nvSpPr>
+          <p:cNvPr id="45" name="Flowchart: Predefined Process 44">
+            <a:extLst>
+              <a:ext uri="{FF2B5EF4-FFF2-40B4-BE49-F238E27FC236}">
+                <a16:creationId xmlns="" xmlns:a16="http://schemas.microsoft.com/office/drawing/2014/main" id="{45A00864-4430-46FB-9A24-807D47C7B406}"/>
+              </a:ext>
+            </a:extLst>
+          </p:cNvPr>
+          <p:cNvSpPr/>
+          <p:nvPr/>
+        </p:nvSpPr>
+        <p:spPr>
+          <a:xfrm>
+            <a:off x="4220102" y="4721465"/>
+            <a:ext cx="3736274" cy="415140"/>
+          </a:xfrm>
+          <a:prstGeom prst="flowChartPredefinedProcess">
+            <a:avLst/>
+          </a:prstGeom>
+          <a:noFill/>
+          <a:ln>
+            <a:solidFill>
+              <a:schemeClr val="tx1"/>
+            </a:solidFill>
+          </a:ln>
+        </p:spPr>
+        <p:style>
+          <a:lnRef idx="2">
+            <a:schemeClr val="accent1">
+              <a:shade val="50000"/>
+            </a:schemeClr>
+          </a:lnRef>
+          <a:fillRef idx="1">
+            <a:schemeClr val="accent1"/>
+          </a:fillRef>
+          <a:effectRef idx="0">
+            <a:schemeClr val="accent1"/>
+          </a:effectRef>
+          <a:fontRef idx="minor">
+            <a:schemeClr val="lt1"/>
+          </a:fontRef>
+        </p:style>
+        <p:txBody>
+          <a:bodyPr rtlCol="0" anchor="ctr"/>
+          <a:lstStyle/>
+          <a:p>
+            <a:pPr algn="ctr"/>
+            <a:r>
+              <a:rPr lang="en-ID" sz="1200" dirty="0" smtClean="0">
+                <a:solidFill>
+                  <a:schemeClr val="tx1"/>
+                </a:solidFill>
+              </a:rPr>
+              <a:t>Key =  this-&gt;_menuChangeParameter(key)</a:t>
+            </a:r>
+            <a:endParaRPr lang="en-US" sz="1200" dirty="0"/>
+          </a:p>
+        </p:txBody>
+      </p:sp>
+      <p:sp>
+        <p:nvSpPr>
+          <p:cNvPr id="46" name="Flowchart: Decision 45">
+            <a:extLst>
+              <a:ext uri="{FF2B5EF4-FFF2-40B4-BE49-F238E27FC236}">
+                <a16:creationId xmlns="" xmlns:a16="http://schemas.microsoft.com/office/drawing/2014/main" id="{1E32E4E6-7CBB-4B16-A851-2C84F576DC19}"/>
+              </a:ext>
+            </a:extLst>
+          </p:cNvPr>
+          <p:cNvSpPr/>
+          <p:nvPr/>
+        </p:nvSpPr>
+        <p:spPr>
+          <a:xfrm>
+            <a:off x="683568" y="4509120"/>
+            <a:ext cx="3225342" cy="839830"/>
+          </a:xfrm>
+          <a:prstGeom prst="flowChartDecision">
+            <a:avLst/>
+          </a:prstGeom>
+          <a:noFill/>
+          <a:ln w="19050">
+            <a:solidFill>
+              <a:schemeClr val="tx1"/>
+            </a:solidFill>
+          </a:ln>
+        </p:spPr>
+        <p:style>
+          <a:lnRef idx="2">
+            <a:schemeClr val="accent1">
+              <a:shade val="50000"/>
+            </a:schemeClr>
+          </a:lnRef>
+          <a:fillRef idx="1">
+            <a:schemeClr val="accent1"/>
+          </a:fillRef>
+          <a:effectRef idx="0">
+            <a:schemeClr val="accent1"/>
+          </a:effectRef>
+          <a:fontRef idx="minor">
+            <a:schemeClr val="lt1"/>
+          </a:fontRef>
+        </p:style>
+        <p:txBody>
+          <a:bodyPr rtlCol="0" anchor="ctr"/>
+          <a:lstStyle/>
+          <a:p>
+            <a:pPr algn="ctr"/>
+            <a:r>
+              <a:rPr lang="en-US" sz="1400" dirty="0" smtClean="0">
+                <a:solidFill>
+                  <a:schemeClr val="tx1"/>
+                </a:solidFill>
+              </a:rPr>
+              <a:t>_modeMenu</a:t>
+            </a:r>
+            <a:r>
+              <a:rPr lang="en-ID" sz="1400" dirty="0" smtClean="0">
+                <a:solidFill>
+                  <a:schemeClr val="tx1"/>
+                </a:solidFill>
+              </a:rPr>
+              <a:t> </a:t>
+            </a:r>
+            <a:r>
+              <a:rPr lang="en-ID" sz="1400" dirty="0">
+                <a:solidFill>
+                  <a:schemeClr val="tx1"/>
+                </a:solidFill>
+              </a:rPr>
+              <a:t>= </a:t>
+            </a:r>
+            <a:r>
+              <a:rPr lang="en-ID" sz="1400" b="0" dirty="0" smtClean="0">
+                <a:solidFill>
+                  <a:schemeClr val="tx1"/>
+                </a:solidFill>
+                <a:effectLst/>
+                <a:latin typeface="Consolas" panose="020B0609020204030204" pitchFamily="49" charset="0"/>
+              </a:rPr>
+              <a:t>MODE_CHANGE_PARAMETER</a:t>
+            </a:r>
+            <a:endParaRPr lang="en-ID" sz="1400" b="0" dirty="0">
+              <a:solidFill>
+                <a:schemeClr val="tx1"/>
+              </a:solidFill>
+              <a:effectLst/>
+              <a:latin typeface="Consolas" panose="020B0609020204030204" pitchFamily="49" charset="0"/>
+            </a:endParaRPr>
+          </a:p>
+        </p:txBody>
+      </p:sp>
+      <p:cxnSp>
+        <p:nvCxnSpPr>
+          <p:cNvPr id="25" name="Elbow Connector 24"/>
+          <p:cNvCxnSpPr>
+            <a:stCxn id="38" idx="2"/>
+            <a:endCxn id="46" idx="0"/>
+          </p:cNvCxnSpPr>
+          <p:nvPr/>
+        </p:nvCxnSpPr>
+        <p:spPr>
+          <a:xfrm rot="5400000">
+            <a:off x="2068082" y="4280963"/>
+            <a:ext cx="456314" cy="12700"/>
+          </a:xfrm>
+          <a:prstGeom prst="bentConnector3">
+            <a:avLst/>
+          </a:prstGeom>
+          <a:ln w="19050">
+            <a:solidFill>
+              <a:schemeClr val="tx1"/>
+            </a:solidFill>
+            <a:tailEnd type="arrow"/>
+          </a:ln>
+        </p:spPr>
+        <p:style>
+          <a:lnRef idx="1">
+            <a:schemeClr val="accent1"/>
+          </a:lnRef>
+          <a:fillRef idx="0">
+            <a:schemeClr val="accent1"/>
+          </a:fillRef>
+          <a:effectRef idx="0">
+            <a:schemeClr val="accent1"/>
+          </a:effectRef>
+          <a:fontRef idx="minor">
+            <a:schemeClr val="tx1"/>
+          </a:fontRef>
+        </p:style>
+      </p:cxnSp>
+      <p:sp>
+        <p:nvSpPr>
+          <p:cNvPr id="49" name="Flowchart: Off-page Connector 48">
+            <a:hlinkClick r:id="rId2" action="ppaction://hlinksldjump"/>
+          </p:cNvPr>
+          <p:cNvSpPr/>
+          <p:nvPr/>
+        </p:nvSpPr>
+        <p:spPr>
+          <a:xfrm>
+            <a:off x="2016511" y="5857688"/>
+            <a:ext cx="490893" cy="360040"/>
+          </a:xfrm>
+          <a:prstGeom prst="flowChartOffpageConnector">
+            <a:avLst/>
+          </a:prstGeom>
+          <a:noFill/>
+          <a:ln>
+            <a:solidFill>
+              <a:schemeClr val="tx1"/>
+            </a:solidFill>
+          </a:ln>
+        </p:spPr>
+        <p:style>
+          <a:lnRef idx="2">
+            <a:schemeClr val="accent1">
+              <a:shade val="50000"/>
+            </a:schemeClr>
+          </a:lnRef>
+          <a:fillRef idx="1">
+            <a:schemeClr val="accent1"/>
+          </a:fillRef>
+          <a:effectRef idx="0">
+            <a:schemeClr val="accent1"/>
+          </a:effectRef>
+          <a:fontRef idx="minor">
+            <a:schemeClr val="lt1"/>
+          </a:fontRef>
+        </p:style>
+        <p:txBody>
+          <a:bodyPr rtlCol="0" anchor="ctr"/>
+          <a:lstStyle/>
+          <a:p>
+            <a:pPr algn="ctr"/>
+            <a:r>
+              <a:rPr lang="en-ID" b="1" dirty="0">
+                <a:solidFill>
+                  <a:schemeClr val="tx1"/>
+                </a:solidFill>
+              </a:rPr>
+              <a:t>0</a:t>
+            </a:r>
+            <a:endParaRPr lang="en-US" b="1" dirty="0">
+              <a:solidFill>
+                <a:schemeClr val="tx1"/>
+              </a:solidFill>
+            </a:endParaRPr>
+          </a:p>
+        </p:txBody>
+      </p:sp>
+      <p:cxnSp>
+        <p:nvCxnSpPr>
+          <p:cNvPr id="47" name="Elbow Connector 46"/>
+          <p:cNvCxnSpPr>
+            <a:stCxn id="46" idx="2"/>
+            <a:endCxn id="49" idx="0"/>
+          </p:cNvCxnSpPr>
+          <p:nvPr/>
+        </p:nvCxnSpPr>
+        <p:spPr>
+          <a:xfrm rot="5400000">
+            <a:off x="2024730" y="5586179"/>
+            <a:ext cx="508738" cy="34281"/>
+          </a:xfrm>
+          <a:prstGeom prst="bentConnector3">
+            <a:avLst/>
+          </a:prstGeom>
+          <a:ln w="19050">
+            <a:solidFill>
+              <a:schemeClr val="tx1"/>
+            </a:solidFill>
+            <a:tailEnd type="arrow"/>
+          </a:ln>
+        </p:spPr>
+        <p:style>
+          <a:lnRef idx="1">
+            <a:schemeClr val="accent1"/>
+          </a:lnRef>
+          <a:fillRef idx="0">
+            <a:schemeClr val="accent1"/>
+          </a:fillRef>
+          <a:effectRef idx="0">
+            <a:schemeClr val="accent1"/>
+          </a:effectRef>
+          <a:fontRef idx="minor">
+            <a:schemeClr val="tx1"/>
+          </a:fontRef>
+        </p:style>
+      </p:cxnSp>
+      <p:cxnSp>
+        <p:nvCxnSpPr>
+          <p:cNvPr id="51" name="Elbow Connector 50"/>
+          <p:cNvCxnSpPr>
+            <a:stCxn id="26" idx="3"/>
+            <a:endCxn id="49" idx="3"/>
+          </p:cNvCxnSpPr>
+          <p:nvPr/>
+        </p:nvCxnSpPr>
+        <p:spPr>
+          <a:xfrm flipH="1">
+            <a:off x="2507404" y="2430761"/>
+            <a:ext cx="4656884" cy="3606947"/>
+          </a:xfrm>
+          <a:prstGeom prst="bentConnector3">
+            <a:avLst>
+              <a:gd name="adj1" fmla="val -28538"/>
+            </a:avLst>
+          </a:prstGeom>
+          <a:ln w="19050">
+            <a:solidFill>
+              <a:srgbClr val="003300"/>
+            </a:solidFill>
+            <a:tailEnd type="arrow"/>
+          </a:ln>
+        </p:spPr>
+        <p:style>
+          <a:lnRef idx="1">
+            <a:schemeClr val="accent1"/>
+          </a:lnRef>
+          <a:fillRef idx="0">
+            <a:schemeClr val="accent1"/>
+          </a:fillRef>
+          <a:effectRef idx="0">
+            <a:schemeClr val="accent1"/>
+          </a:effectRef>
+          <a:fontRef idx="minor">
+            <a:schemeClr val="tx1"/>
+          </a:fontRef>
+        </p:style>
+      </p:cxnSp>
+      <p:cxnSp>
+        <p:nvCxnSpPr>
+          <p:cNvPr id="54" name="Straight Arrow Connector 53"/>
+          <p:cNvCxnSpPr>
+            <a:stCxn id="31" idx="3"/>
+          </p:cNvCxnSpPr>
+          <p:nvPr/>
+        </p:nvCxnSpPr>
+        <p:spPr>
+          <a:xfrm>
+            <a:off x="7668344" y="3632891"/>
+            <a:ext cx="792088" cy="0"/>
+          </a:xfrm>
+          <a:prstGeom prst="straightConnector1">
+            <a:avLst/>
+          </a:prstGeom>
+          <a:ln w="19050">
+            <a:solidFill>
+              <a:srgbClr val="003300"/>
+            </a:solidFill>
+            <a:tailEnd type="arrow"/>
+          </a:ln>
+        </p:spPr>
+        <p:style>
+          <a:lnRef idx="1">
+            <a:schemeClr val="accent1"/>
+          </a:lnRef>
+          <a:fillRef idx="0">
+            <a:schemeClr val="accent1"/>
+          </a:fillRef>
+          <a:effectRef idx="0">
+            <a:schemeClr val="accent1"/>
+          </a:effectRef>
+          <a:fontRef idx="minor">
+            <a:schemeClr val="tx1"/>
+          </a:fontRef>
+        </p:style>
+      </p:cxnSp>
+      <p:cxnSp>
+        <p:nvCxnSpPr>
+          <p:cNvPr id="57" name="Straight Arrow Connector 56"/>
+          <p:cNvCxnSpPr>
+            <a:stCxn id="45" idx="3"/>
+          </p:cNvCxnSpPr>
+          <p:nvPr/>
+        </p:nvCxnSpPr>
+        <p:spPr>
+          <a:xfrm>
+            <a:off x="7956376" y="4929035"/>
+            <a:ext cx="504056" cy="0"/>
+          </a:xfrm>
+          <a:prstGeom prst="straightConnector1">
+            <a:avLst/>
+          </a:prstGeom>
+          <a:ln w="19050">
+            <a:solidFill>
+              <a:srgbClr val="003300"/>
+            </a:solidFill>
+            <a:tailEnd type="arrow"/>
+          </a:ln>
+        </p:spPr>
+        <p:style>
+          <a:lnRef idx="1">
+            <a:schemeClr val="accent1"/>
+          </a:lnRef>
+          <a:fillRef idx="0">
+            <a:schemeClr val="accent1"/>
+          </a:fillRef>
+          <a:effectRef idx="0">
+            <a:schemeClr val="accent1"/>
+          </a:effectRef>
+          <a:fontRef idx="minor">
+            <a:schemeClr val="tx1"/>
+          </a:fontRef>
+        </p:style>
+      </p:cxnSp>
+    </p:spTree>
+    <p:extLst>
+      <p:ext uri="{BB962C8B-B14F-4D97-AF65-F5344CB8AC3E}">
+        <p14:creationId xmlns:p14="http://schemas.microsoft.com/office/powerpoint/2010/main" val="4006242567"/>
+      </p:ext>
+    </p:extLst>
+  </p:cSld>
+  <p:clrMapOvr>
+    <a:masterClrMapping/>
+  </p:clrMapOvr>
+  <p:timing>
+    <p:tnLst>
+      <p:par>
+        <p:cTn id="1" dur="indefinite" restart="never" nodeType="tmRoot"/>
+      </p:par>
+    </p:tnLst>
+  </p:timing>
 </p:sld>
 </file>
 
@@ -13030,7 +14120,7 @@
           <p:cNvPr id="10" name="Picture 9" descr="Free Icon | Wifi">
             <a:extLst>
               <a:ext uri="{FF2B5EF4-FFF2-40B4-BE49-F238E27FC236}">
-                <a16:creationId xmlns:a16="http://schemas.microsoft.com/office/drawing/2014/main" xmlns="" id="{35E36CD3-6B5D-4E30-B897-685D3D72453D}"/>
+                <a16:creationId xmlns="" xmlns:a16="http://schemas.microsoft.com/office/drawing/2014/main" id="{35E36CD3-6B5D-4E30-B897-685D3D72453D}"/>
               </a:ext>
             </a:extLst>
           </p:cNvPr>
@@ -13371,7 +14461,7 @@
           <p:cNvPr id="20" name="Picture 19">
             <a:extLst>
               <a:ext uri="{FF2B5EF4-FFF2-40B4-BE49-F238E27FC236}">
-                <a16:creationId xmlns:a16="http://schemas.microsoft.com/office/drawing/2014/main" xmlns="" id="{A18A2DB5-C272-4EEC-BEDE-9D55A675C21C}"/>
+                <a16:creationId xmlns="" xmlns:a16="http://schemas.microsoft.com/office/drawing/2014/main" id="{A18A2DB5-C272-4EEC-BEDE-9D55A675C21C}"/>
               </a:ext>
             </a:extLst>
           </p:cNvPr>
@@ -13399,7 +14489,7 @@
           <p:cNvPr id="21" name="TextBox 20">
             <a:extLst>
               <a:ext uri="{FF2B5EF4-FFF2-40B4-BE49-F238E27FC236}">
-                <a16:creationId xmlns:a16="http://schemas.microsoft.com/office/drawing/2014/main" xmlns="" id="{C7B62148-C36A-4EC0-B756-BE9DE8CD3AB3}"/>
+                <a16:creationId xmlns="" xmlns:a16="http://schemas.microsoft.com/office/drawing/2014/main" id="{C7B62148-C36A-4EC0-B756-BE9DE8CD3AB3}"/>
               </a:ext>
             </a:extLst>
           </p:cNvPr>
@@ -13463,7 +14553,7 @@
           <p:cNvPr id="23" name="TextBox 22">
             <a:extLst>
               <a:ext uri="{FF2B5EF4-FFF2-40B4-BE49-F238E27FC236}">
-                <a16:creationId xmlns:a16="http://schemas.microsoft.com/office/drawing/2014/main" xmlns="" id="{E93A7901-2628-4F53-9A7E-1B2F218C5805}"/>
+                <a16:creationId xmlns="" xmlns:a16="http://schemas.microsoft.com/office/drawing/2014/main" id="{E93A7901-2628-4F53-9A7E-1B2F218C5805}"/>
               </a:ext>
             </a:extLst>
           </p:cNvPr>
@@ -13637,7 +14727,7 @@
           <p:cNvPr id="96" name="Picture 95" descr="Free Icon | Wifi">
             <a:extLst>
               <a:ext uri="{FF2B5EF4-FFF2-40B4-BE49-F238E27FC236}">
-                <a16:creationId xmlns:a16="http://schemas.microsoft.com/office/drawing/2014/main" xmlns="" id="{331FC1AA-CB08-45A4-9369-2997329D73F4}"/>
+                <a16:creationId xmlns="" xmlns:a16="http://schemas.microsoft.com/office/drawing/2014/main" id="{331FC1AA-CB08-45A4-9369-2997329D73F4}"/>
               </a:ext>
             </a:extLst>
           </p:cNvPr>
@@ -13676,7 +14766,7 @@
           <p:cNvPr id="97" name="Picture 96">
             <a:extLst>
               <a:ext uri="{FF2B5EF4-FFF2-40B4-BE49-F238E27FC236}">
-                <a16:creationId xmlns:a16="http://schemas.microsoft.com/office/drawing/2014/main" xmlns="" id="{D4CA772F-A72C-4314-A82A-E884D10E777D}"/>
+                <a16:creationId xmlns="" xmlns:a16="http://schemas.microsoft.com/office/drawing/2014/main" id="{D4CA772F-A72C-4314-A82A-E884D10E777D}"/>
               </a:ext>
             </a:extLst>
           </p:cNvPr>
@@ -13704,7 +14794,7 @@
           <p:cNvPr id="98" name="Picture 97">
             <a:extLst>
               <a:ext uri="{FF2B5EF4-FFF2-40B4-BE49-F238E27FC236}">
-                <a16:creationId xmlns:a16="http://schemas.microsoft.com/office/drawing/2014/main" xmlns="" id="{9E085E1D-93F9-4E72-B98F-FB8F7028960D}"/>
+                <a16:creationId xmlns="" xmlns:a16="http://schemas.microsoft.com/office/drawing/2014/main" id="{9E085E1D-93F9-4E72-B98F-FB8F7028960D}"/>
               </a:ext>
             </a:extLst>
           </p:cNvPr>
@@ -13732,7 +14822,7 @@
           <p:cNvPr id="101" name="TextBox 100">
             <a:extLst>
               <a:ext uri="{FF2B5EF4-FFF2-40B4-BE49-F238E27FC236}">
-                <a16:creationId xmlns:a16="http://schemas.microsoft.com/office/drawing/2014/main" xmlns="" id="{7FF2AF45-1BBB-4306-ABAF-8689BC85C815}"/>
+                <a16:creationId xmlns="" xmlns:a16="http://schemas.microsoft.com/office/drawing/2014/main" id="{7FF2AF45-1BBB-4306-ABAF-8689BC85C815}"/>
               </a:ext>
             </a:extLst>
           </p:cNvPr>
@@ -13771,7 +14861,7 @@
           <p:cNvPr id="103" name="Straight Connector 102">
             <a:extLst>
               <a:ext uri="{FF2B5EF4-FFF2-40B4-BE49-F238E27FC236}">
-                <a16:creationId xmlns:a16="http://schemas.microsoft.com/office/drawing/2014/main" xmlns="" id="{E865F506-39E6-412E-A252-A31428B8E040}"/>
+                <a16:creationId xmlns="" xmlns:a16="http://schemas.microsoft.com/office/drawing/2014/main" id="{E865F506-39E6-412E-A252-A31428B8E040}"/>
               </a:ext>
             </a:extLst>
           </p:cNvPr>
@@ -13814,7 +14904,7 @@
           <p:cNvPr id="110" name="Straight Arrow Connector 109">
             <a:extLst>
               <a:ext uri="{FF2B5EF4-FFF2-40B4-BE49-F238E27FC236}">
-                <a16:creationId xmlns:a16="http://schemas.microsoft.com/office/drawing/2014/main" xmlns="" id="{E8B958EE-5EE0-4808-BB5D-8AF84300BFB3}"/>
+                <a16:creationId xmlns="" xmlns:a16="http://schemas.microsoft.com/office/drawing/2014/main" id="{E8B958EE-5EE0-4808-BB5D-8AF84300BFB3}"/>
               </a:ext>
             </a:extLst>
           </p:cNvPr>
@@ -13858,7 +14948,7 @@
           <p:cNvPr id="111" name="Straight Arrow Connector 110">
             <a:extLst>
               <a:ext uri="{FF2B5EF4-FFF2-40B4-BE49-F238E27FC236}">
-                <a16:creationId xmlns:a16="http://schemas.microsoft.com/office/drawing/2014/main" xmlns="" id="{701FA5EF-0179-41F2-B22D-FCC175001A48}"/>
+                <a16:creationId xmlns="" xmlns:a16="http://schemas.microsoft.com/office/drawing/2014/main" id="{701FA5EF-0179-41F2-B22D-FCC175001A48}"/>
               </a:ext>
             </a:extLst>
           </p:cNvPr>
@@ -13902,7 +14992,7 @@
           <p:cNvPr id="112" name="Straight Arrow Connector 111">
             <a:extLst>
               <a:ext uri="{FF2B5EF4-FFF2-40B4-BE49-F238E27FC236}">
-                <a16:creationId xmlns:a16="http://schemas.microsoft.com/office/drawing/2014/main" xmlns="" id="{AF569078-F334-430B-8950-9BEB338AB6EA}"/>
+                <a16:creationId xmlns="" xmlns:a16="http://schemas.microsoft.com/office/drawing/2014/main" id="{AF569078-F334-430B-8950-9BEB338AB6EA}"/>
               </a:ext>
             </a:extLst>
           </p:cNvPr>
@@ -13946,7 +15036,7 @@
           <p:cNvPr id="113" name="Straight Arrow Connector 112">
             <a:extLst>
               <a:ext uri="{FF2B5EF4-FFF2-40B4-BE49-F238E27FC236}">
-                <a16:creationId xmlns:a16="http://schemas.microsoft.com/office/drawing/2014/main" xmlns="" id="{9894B322-EF50-40E0-8415-FD1EB8F34947}"/>
+                <a16:creationId xmlns="" xmlns:a16="http://schemas.microsoft.com/office/drawing/2014/main" id="{9894B322-EF50-40E0-8415-FD1EB8F34947}"/>
               </a:ext>
             </a:extLst>
           </p:cNvPr>
@@ -13990,7 +15080,7 @@
           <p:cNvPr id="114" name="TextBox 113">
             <a:extLst>
               <a:ext uri="{FF2B5EF4-FFF2-40B4-BE49-F238E27FC236}">
-                <a16:creationId xmlns:a16="http://schemas.microsoft.com/office/drawing/2014/main" xmlns="" id="{E9064D73-DA84-45E4-878F-355289241361}"/>
+                <a16:creationId xmlns="" xmlns:a16="http://schemas.microsoft.com/office/drawing/2014/main" id="{E9064D73-DA84-45E4-878F-355289241361}"/>
               </a:ext>
             </a:extLst>
           </p:cNvPr>
@@ -14029,7 +15119,7 @@
           <p:cNvPr id="115" name="Arrow: Down 114">
             <a:extLst>
               <a:ext uri="{FF2B5EF4-FFF2-40B4-BE49-F238E27FC236}">
-                <a16:creationId xmlns:a16="http://schemas.microsoft.com/office/drawing/2014/main" xmlns="" id="{8CFCE75F-7AA7-4BF3-B044-4770D3A70008}"/>
+                <a16:creationId xmlns="" xmlns:a16="http://schemas.microsoft.com/office/drawing/2014/main" id="{8CFCE75F-7AA7-4BF3-B044-4770D3A70008}"/>
               </a:ext>
             </a:extLst>
           </p:cNvPr>
@@ -14081,7 +15171,7 @@
           <p:cNvPr id="116" name="Straight Arrow Connector 115">
             <a:extLst>
               <a:ext uri="{FF2B5EF4-FFF2-40B4-BE49-F238E27FC236}">
-                <a16:creationId xmlns:a16="http://schemas.microsoft.com/office/drawing/2014/main" xmlns="" id="{8E0EBC89-8ED8-4F07-B552-FDDF03B2E41D}"/>
+                <a16:creationId xmlns="" xmlns:a16="http://schemas.microsoft.com/office/drawing/2014/main" id="{8E0EBC89-8ED8-4F07-B552-FDDF03B2E41D}"/>
               </a:ext>
             </a:extLst>
           </p:cNvPr>
@@ -14127,7 +15217,7 @@
           <p:cNvPr id="117" name="TextBox 116">
             <a:extLst>
               <a:ext uri="{FF2B5EF4-FFF2-40B4-BE49-F238E27FC236}">
-                <a16:creationId xmlns:a16="http://schemas.microsoft.com/office/drawing/2014/main" xmlns="" id="{DC4F584F-869A-4EC5-BD3F-B43D6F04B109}"/>
+                <a16:creationId xmlns="" xmlns:a16="http://schemas.microsoft.com/office/drawing/2014/main" id="{DC4F584F-869A-4EC5-BD3F-B43D6F04B109}"/>
               </a:ext>
             </a:extLst>
           </p:cNvPr>
@@ -14177,7 +15267,7 @@
           <p:cNvPr id="118" name="Picture 2">
             <a:extLst>
               <a:ext uri="{FF2B5EF4-FFF2-40B4-BE49-F238E27FC236}">
-                <a16:creationId xmlns:a16="http://schemas.microsoft.com/office/drawing/2014/main" xmlns="" id="{7EAFE767-B908-419E-B4E7-05DAB402B5BB}"/>
+                <a16:creationId xmlns="" xmlns:a16="http://schemas.microsoft.com/office/drawing/2014/main" id="{7EAFE767-B908-419E-B4E7-05DAB402B5BB}"/>
               </a:ext>
             </a:extLst>
           </p:cNvPr>
@@ -14247,7 +15337,7 @@
           <p:cNvPr id="13" name="Group 12">
             <a:extLst>
               <a:ext uri="{FF2B5EF4-FFF2-40B4-BE49-F238E27FC236}">
-                <a16:creationId xmlns:a16="http://schemas.microsoft.com/office/drawing/2014/main" xmlns="" id="{DD9AE47D-D12F-4154-BB04-4D3D34BE33AE}"/>
+                <a16:creationId xmlns="" xmlns:a16="http://schemas.microsoft.com/office/drawing/2014/main" id="{DD9AE47D-D12F-4154-BB04-4D3D34BE33AE}"/>
               </a:ext>
             </a:extLst>
           </p:cNvPr>
@@ -14267,7 +15357,7 @@
             <p:cNvPr id="119" name="Picture 118">
               <a:extLst>
                 <a:ext uri="{FF2B5EF4-FFF2-40B4-BE49-F238E27FC236}">
-                  <a16:creationId xmlns:a16="http://schemas.microsoft.com/office/drawing/2014/main" xmlns="" id="{8569128C-0619-4279-963D-AE7C028B50F8}"/>
+                  <a16:creationId xmlns="" xmlns:a16="http://schemas.microsoft.com/office/drawing/2014/main" id="{8569128C-0619-4279-963D-AE7C028B50F8}"/>
                 </a:ext>
               </a:extLst>
             </p:cNvPr>
@@ -14295,7 +15385,7 @@
             <p:cNvPr id="120" name="Picture 119">
               <a:extLst>
                 <a:ext uri="{FF2B5EF4-FFF2-40B4-BE49-F238E27FC236}">
-                  <a16:creationId xmlns:a16="http://schemas.microsoft.com/office/drawing/2014/main" xmlns="" id="{8B747FC8-E2F4-4A4F-A22C-CE38FE1C73EE}"/>
+                  <a16:creationId xmlns="" xmlns:a16="http://schemas.microsoft.com/office/drawing/2014/main" id="{8B747FC8-E2F4-4A4F-A22C-CE38FE1C73EE}"/>
                 </a:ext>
               </a:extLst>
             </p:cNvPr>
@@ -14323,7 +15413,7 @@
             <p:cNvPr id="121" name="Picture 120">
               <a:extLst>
                 <a:ext uri="{FF2B5EF4-FFF2-40B4-BE49-F238E27FC236}">
-                  <a16:creationId xmlns:a16="http://schemas.microsoft.com/office/drawing/2014/main" xmlns="" id="{C5D34CA6-4297-482B-89D7-F88D49D89624}"/>
+                  <a16:creationId xmlns="" xmlns:a16="http://schemas.microsoft.com/office/drawing/2014/main" id="{C5D34CA6-4297-482B-89D7-F88D49D89624}"/>
                 </a:ext>
               </a:extLst>
             </p:cNvPr>
@@ -14352,7 +15442,7 @@
           <p:cNvPr id="122" name="Picture 121">
             <a:extLst>
               <a:ext uri="{FF2B5EF4-FFF2-40B4-BE49-F238E27FC236}">
-                <a16:creationId xmlns:a16="http://schemas.microsoft.com/office/drawing/2014/main" xmlns="" id="{B162C919-E530-41D0-B8DE-285A262718DC}"/>
+                <a16:creationId xmlns="" xmlns:a16="http://schemas.microsoft.com/office/drawing/2014/main" id="{B162C919-E530-41D0-B8DE-285A262718DC}"/>
               </a:ext>
             </a:extLst>
           </p:cNvPr>
@@ -14380,7 +15470,7 @@
           <p:cNvPr id="171" name="TextBox 170">
             <a:extLst>
               <a:ext uri="{FF2B5EF4-FFF2-40B4-BE49-F238E27FC236}">
-                <a16:creationId xmlns:a16="http://schemas.microsoft.com/office/drawing/2014/main" xmlns="" id="{D3D2C1E7-A24B-4E4F-9338-4E3CC945B96E}"/>
+                <a16:creationId xmlns="" xmlns:a16="http://schemas.microsoft.com/office/drawing/2014/main" id="{D3D2C1E7-A24B-4E4F-9338-4E3CC945B96E}"/>
               </a:ext>
             </a:extLst>
           </p:cNvPr>
@@ -14427,7 +15517,7 @@
           <p:cNvPr id="89" name="TextBox 88">
             <a:extLst>
               <a:ext uri="{FF2B5EF4-FFF2-40B4-BE49-F238E27FC236}">
-                <a16:creationId xmlns:a16="http://schemas.microsoft.com/office/drawing/2014/main" xmlns="" id="{FD499B9D-6F6A-48F3-A26C-7095543087F4}"/>
+                <a16:creationId xmlns="" xmlns:a16="http://schemas.microsoft.com/office/drawing/2014/main" id="{FD499B9D-6F6A-48F3-A26C-7095543087F4}"/>
               </a:ext>
             </a:extLst>
           </p:cNvPr>
@@ -14510,7 +15600,7 @@
           <p:cNvPr id="27" name="TextBox 26">
             <a:extLst>
               <a:ext uri="{FF2B5EF4-FFF2-40B4-BE49-F238E27FC236}">
-                <a16:creationId xmlns:a16="http://schemas.microsoft.com/office/drawing/2014/main" xmlns="" id="{B250D357-4F1F-4D5E-88FD-1C5A02A91117}"/>
+                <a16:creationId xmlns="" xmlns:a16="http://schemas.microsoft.com/office/drawing/2014/main" id="{B250D357-4F1F-4D5E-88FD-1C5A02A91117}"/>
               </a:ext>
             </a:extLst>
           </p:cNvPr>
@@ -14768,7 +15858,7 @@
           <p:cNvPr id="96" name="Picture 95" descr="Free Icon | Wifi">
             <a:extLst>
               <a:ext uri="{FF2B5EF4-FFF2-40B4-BE49-F238E27FC236}">
-                <a16:creationId xmlns:a16="http://schemas.microsoft.com/office/drawing/2014/main" xmlns="" id="{331FC1AA-CB08-45A4-9369-2997329D73F4}"/>
+                <a16:creationId xmlns="" xmlns:a16="http://schemas.microsoft.com/office/drawing/2014/main" id="{331FC1AA-CB08-45A4-9369-2997329D73F4}"/>
               </a:ext>
             </a:extLst>
           </p:cNvPr>
@@ -14807,7 +15897,7 @@
           <p:cNvPr id="97" name="Picture 96">
             <a:extLst>
               <a:ext uri="{FF2B5EF4-FFF2-40B4-BE49-F238E27FC236}">
-                <a16:creationId xmlns:a16="http://schemas.microsoft.com/office/drawing/2014/main" xmlns="" id="{D4CA772F-A72C-4314-A82A-E884D10E777D}"/>
+                <a16:creationId xmlns="" xmlns:a16="http://schemas.microsoft.com/office/drawing/2014/main" id="{D4CA772F-A72C-4314-A82A-E884D10E777D}"/>
               </a:ext>
             </a:extLst>
           </p:cNvPr>
@@ -14835,7 +15925,7 @@
           <p:cNvPr id="98" name="Picture 97">
             <a:extLst>
               <a:ext uri="{FF2B5EF4-FFF2-40B4-BE49-F238E27FC236}">
-                <a16:creationId xmlns:a16="http://schemas.microsoft.com/office/drawing/2014/main" xmlns="" id="{9E085E1D-93F9-4E72-B98F-FB8F7028960D}"/>
+                <a16:creationId xmlns="" xmlns:a16="http://schemas.microsoft.com/office/drawing/2014/main" id="{9E085E1D-93F9-4E72-B98F-FB8F7028960D}"/>
               </a:ext>
             </a:extLst>
           </p:cNvPr>
@@ -14863,7 +15953,7 @@
           <p:cNvPr id="101" name="TextBox 100">
             <a:extLst>
               <a:ext uri="{FF2B5EF4-FFF2-40B4-BE49-F238E27FC236}">
-                <a16:creationId xmlns:a16="http://schemas.microsoft.com/office/drawing/2014/main" xmlns="" id="{7FF2AF45-1BBB-4306-ABAF-8689BC85C815}"/>
+                <a16:creationId xmlns="" xmlns:a16="http://schemas.microsoft.com/office/drawing/2014/main" id="{7FF2AF45-1BBB-4306-ABAF-8689BC85C815}"/>
               </a:ext>
             </a:extLst>
           </p:cNvPr>
@@ -14902,7 +15992,7 @@
           <p:cNvPr id="103" name="Straight Connector 102">
             <a:extLst>
               <a:ext uri="{FF2B5EF4-FFF2-40B4-BE49-F238E27FC236}">
-                <a16:creationId xmlns:a16="http://schemas.microsoft.com/office/drawing/2014/main" xmlns="" id="{E865F506-39E6-412E-A252-A31428B8E040}"/>
+                <a16:creationId xmlns="" xmlns:a16="http://schemas.microsoft.com/office/drawing/2014/main" id="{E865F506-39E6-412E-A252-A31428B8E040}"/>
               </a:ext>
             </a:extLst>
           </p:cNvPr>
@@ -14945,7 +16035,7 @@
           <p:cNvPr id="110" name="Straight Arrow Connector 109">
             <a:extLst>
               <a:ext uri="{FF2B5EF4-FFF2-40B4-BE49-F238E27FC236}">
-                <a16:creationId xmlns:a16="http://schemas.microsoft.com/office/drawing/2014/main" xmlns="" id="{E8B958EE-5EE0-4808-BB5D-8AF84300BFB3}"/>
+                <a16:creationId xmlns="" xmlns:a16="http://schemas.microsoft.com/office/drawing/2014/main" id="{E8B958EE-5EE0-4808-BB5D-8AF84300BFB3}"/>
               </a:ext>
             </a:extLst>
           </p:cNvPr>
@@ -14989,7 +16079,7 @@
           <p:cNvPr id="111" name="Straight Arrow Connector 110">
             <a:extLst>
               <a:ext uri="{FF2B5EF4-FFF2-40B4-BE49-F238E27FC236}">
-                <a16:creationId xmlns:a16="http://schemas.microsoft.com/office/drawing/2014/main" xmlns="" id="{701FA5EF-0179-41F2-B22D-FCC175001A48}"/>
+                <a16:creationId xmlns="" xmlns:a16="http://schemas.microsoft.com/office/drawing/2014/main" id="{701FA5EF-0179-41F2-B22D-FCC175001A48}"/>
               </a:ext>
             </a:extLst>
           </p:cNvPr>
@@ -15033,7 +16123,7 @@
           <p:cNvPr id="112" name="Straight Arrow Connector 111">
             <a:extLst>
               <a:ext uri="{FF2B5EF4-FFF2-40B4-BE49-F238E27FC236}">
-                <a16:creationId xmlns:a16="http://schemas.microsoft.com/office/drawing/2014/main" xmlns="" id="{AF569078-F334-430B-8950-9BEB338AB6EA}"/>
+                <a16:creationId xmlns="" xmlns:a16="http://schemas.microsoft.com/office/drawing/2014/main" id="{AF569078-F334-430B-8950-9BEB338AB6EA}"/>
               </a:ext>
             </a:extLst>
           </p:cNvPr>
@@ -15077,7 +16167,7 @@
           <p:cNvPr id="113" name="Straight Arrow Connector 112">
             <a:extLst>
               <a:ext uri="{FF2B5EF4-FFF2-40B4-BE49-F238E27FC236}">
-                <a16:creationId xmlns:a16="http://schemas.microsoft.com/office/drawing/2014/main" xmlns="" id="{9894B322-EF50-40E0-8415-FD1EB8F34947}"/>
+                <a16:creationId xmlns="" xmlns:a16="http://schemas.microsoft.com/office/drawing/2014/main" id="{9894B322-EF50-40E0-8415-FD1EB8F34947}"/>
               </a:ext>
             </a:extLst>
           </p:cNvPr>
@@ -15121,7 +16211,7 @@
           <p:cNvPr id="114" name="TextBox 113">
             <a:extLst>
               <a:ext uri="{FF2B5EF4-FFF2-40B4-BE49-F238E27FC236}">
-                <a16:creationId xmlns:a16="http://schemas.microsoft.com/office/drawing/2014/main" xmlns="" id="{E9064D73-DA84-45E4-878F-355289241361}"/>
+                <a16:creationId xmlns="" xmlns:a16="http://schemas.microsoft.com/office/drawing/2014/main" id="{E9064D73-DA84-45E4-878F-355289241361}"/>
               </a:ext>
             </a:extLst>
           </p:cNvPr>
@@ -15160,7 +16250,7 @@
           <p:cNvPr id="115" name="Arrow: Down 114">
             <a:extLst>
               <a:ext uri="{FF2B5EF4-FFF2-40B4-BE49-F238E27FC236}">
-                <a16:creationId xmlns:a16="http://schemas.microsoft.com/office/drawing/2014/main" xmlns="" id="{8CFCE75F-7AA7-4BF3-B044-4770D3A70008}"/>
+                <a16:creationId xmlns="" xmlns:a16="http://schemas.microsoft.com/office/drawing/2014/main" id="{8CFCE75F-7AA7-4BF3-B044-4770D3A70008}"/>
               </a:ext>
             </a:extLst>
           </p:cNvPr>
@@ -15212,7 +16302,7 @@
           <p:cNvPr id="116" name="Straight Arrow Connector 115">
             <a:extLst>
               <a:ext uri="{FF2B5EF4-FFF2-40B4-BE49-F238E27FC236}">
-                <a16:creationId xmlns:a16="http://schemas.microsoft.com/office/drawing/2014/main" xmlns="" id="{8E0EBC89-8ED8-4F07-B552-FDDF03B2E41D}"/>
+                <a16:creationId xmlns="" xmlns:a16="http://schemas.microsoft.com/office/drawing/2014/main" id="{8E0EBC89-8ED8-4F07-B552-FDDF03B2E41D}"/>
               </a:ext>
             </a:extLst>
           </p:cNvPr>
@@ -15258,7 +16348,7 @@
           <p:cNvPr id="117" name="TextBox 116">
             <a:extLst>
               <a:ext uri="{FF2B5EF4-FFF2-40B4-BE49-F238E27FC236}">
-                <a16:creationId xmlns:a16="http://schemas.microsoft.com/office/drawing/2014/main" xmlns="" id="{DC4F584F-869A-4EC5-BD3F-B43D6F04B109}"/>
+                <a16:creationId xmlns="" xmlns:a16="http://schemas.microsoft.com/office/drawing/2014/main" id="{DC4F584F-869A-4EC5-BD3F-B43D6F04B109}"/>
               </a:ext>
             </a:extLst>
           </p:cNvPr>
@@ -15308,7 +16398,7 @@
           <p:cNvPr id="118" name="Picture 2">
             <a:extLst>
               <a:ext uri="{FF2B5EF4-FFF2-40B4-BE49-F238E27FC236}">
-                <a16:creationId xmlns:a16="http://schemas.microsoft.com/office/drawing/2014/main" xmlns="" id="{7EAFE767-B908-419E-B4E7-05DAB402B5BB}"/>
+                <a16:creationId xmlns="" xmlns:a16="http://schemas.microsoft.com/office/drawing/2014/main" id="{7EAFE767-B908-419E-B4E7-05DAB402B5BB}"/>
               </a:ext>
             </a:extLst>
           </p:cNvPr>
@@ -15378,7 +16468,7 @@
           <p:cNvPr id="13" name="Group 12">
             <a:extLst>
               <a:ext uri="{FF2B5EF4-FFF2-40B4-BE49-F238E27FC236}">
-                <a16:creationId xmlns:a16="http://schemas.microsoft.com/office/drawing/2014/main" xmlns="" id="{DD9AE47D-D12F-4154-BB04-4D3D34BE33AE}"/>
+                <a16:creationId xmlns="" xmlns:a16="http://schemas.microsoft.com/office/drawing/2014/main" id="{DD9AE47D-D12F-4154-BB04-4D3D34BE33AE}"/>
               </a:ext>
             </a:extLst>
           </p:cNvPr>
@@ -15398,7 +16488,7 @@
             <p:cNvPr id="119" name="Picture 118">
               <a:extLst>
                 <a:ext uri="{FF2B5EF4-FFF2-40B4-BE49-F238E27FC236}">
-                  <a16:creationId xmlns:a16="http://schemas.microsoft.com/office/drawing/2014/main" xmlns="" id="{8569128C-0619-4279-963D-AE7C028B50F8}"/>
+                  <a16:creationId xmlns="" xmlns:a16="http://schemas.microsoft.com/office/drawing/2014/main" id="{8569128C-0619-4279-963D-AE7C028B50F8}"/>
                 </a:ext>
               </a:extLst>
             </p:cNvPr>
@@ -15426,7 +16516,7 @@
             <p:cNvPr id="120" name="Picture 119">
               <a:extLst>
                 <a:ext uri="{FF2B5EF4-FFF2-40B4-BE49-F238E27FC236}">
-                  <a16:creationId xmlns:a16="http://schemas.microsoft.com/office/drawing/2014/main" xmlns="" id="{8B747FC8-E2F4-4A4F-A22C-CE38FE1C73EE}"/>
+                  <a16:creationId xmlns="" xmlns:a16="http://schemas.microsoft.com/office/drawing/2014/main" id="{8B747FC8-E2F4-4A4F-A22C-CE38FE1C73EE}"/>
                 </a:ext>
               </a:extLst>
             </p:cNvPr>
@@ -15454,7 +16544,7 @@
             <p:cNvPr id="121" name="Picture 120">
               <a:extLst>
                 <a:ext uri="{FF2B5EF4-FFF2-40B4-BE49-F238E27FC236}">
-                  <a16:creationId xmlns:a16="http://schemas.microsoft.com/office/drawing/2014/main" xmlns="" id="{C5D34CA6-4297-482B-89D7-F88D49D89624}"/>
+                  <a16:creationId xmlns="" xmlns:a16="http://schemas.microsoft.com/office/drawing/2014/main" id="{C5D34CA6-4297-482B-89D7-F88D49D89624}"/>
                 </a:ext>
               </a:extLst>
             </p:cNvPr>
@@ -15483,7 +16573,7 @@
           <p:cNvPr id="122" name="Picture 121">
             <a:extLst>
               <a:ext uri="{FF2B5EF4-FFF2-40B4-BE49-F238E27FC236}">
-                <a16:creationId xmlns:a16="http://schemas.microsoft.com/office/drawing/2014/main" xmlns="" id="{B162C919-E530-41D0-B8DE-285A262718DC}"/>
+                <a16:creationId xmlns="" xmlns:a16="http://schemas.microsoft.com/office/drawing/2014/main" id="{B162C919-E530-41D0-B8DE-285A262718DC}"/>
               </a:ext>
             </a:extLst>
           </p:cNvPr>
@@ -15511,7 +16601,7 @@
           <p:cNvPr id="171" name="TextBox 170">
             <a:extLst>
               <a:ext uri="{FF2B5EF4-FFF2-40B4-BE49-F238E27FC236}">
-                <a16:creationId xmlns:a16="http://schemas.microsoft.com/office/drawing/2014/main" xmlns="" id="{D3D2C1E7-A24B-4E4F-9338-4E3CC945B96E}"/>
+                <a16:creationId xmlns="" xmlns:a16="http://schemas.microsoft.com/office/drawing/2014/main" id="{D3D2C1E7-A24B-4E4F-9338-4E3CC945B96E}"/>
               </a:ext>
             </a:extLst>
           </p:cNvPr>
@@ -15574,7 +16664,7 @@
           <p:cNvPr id="89" name="TextBox 88">
             <a:extLst>
               <a:ext uri="{FF2B5EF4-FFF2-40B4-BE49-F238E27FC236}">
-                <a16:creationId xmlns:a16="http://schemas.microsoft.com/office/drawing/2014/main" xmlns="" id="{FD499B9D-6F6A-48F3-A26C-7095543087F4}"/>
+                <a16:creationId xmlns="" xmlns:a16="http://schemas.microsoft.com/office/drawing/2014/main" id="{FD499B9D-6F6A-48F3-A26C-7095543087F4}"/>
               </a:ext>
             </a:extLst>
           </p:cNvPr>
@@ -15657,7 +16747,7 @@
           <p:cNvPr id="27" name="TextBox 26">
             <a:extLst>
               <a:ext uri="{FF2B5EF4-FFF2-40B4-BE49-F238E27FC236}">
-                <a16:creationId xmlns:a16="http://schemas.microsoft.com/office/drawing/2014/main" xmlns="" id="{B250D357-4F1F-4D5E-88FD-1C5A02A91117}"/>
+                <a16:creationId xmlns="" xmlns:a16="http://schemas.microsoft.com/office/drawing/2014/main" id="{B250D357-4F1F-4D5E-88FD-1C5A02A91117}"/>
               </a:ext>
             </a:extLst>
           </p:cNvPr>
@@ -15801,6 +16891,13 @@
   <p:transition spd="slow">
     <p:fade/>
   </p:transition>
+  <p:timing>
+    <p:tnLst>
+      <p:par>
+        <p:cTn id="1" dur="indefinite" restart="never" nodeType="tmRoot"/>
+      </p:par>
+    </p:tnLst>
+  </p:timing>
 </p:sld>
 </file>
 
@@ -15934,11 +17031,8 @@
                 <a:effectLst/>
                 <a:latin typeface="Consolas" panose="020B0609020204030204" pitchFamily="49" charset="0"/>
               </a:rPr>
-              <a:t>  locPan.menu();</a:t>
-            </a:r>
-          </a:p>
-          <a:p>
-            <a:pPr algn="ctr"/>
+              <a:t> </a:t>
+            </a:r>
             <a:r>
               <a:rPr lang="en-ID" sz="1200" b="0" dirty="0">
                 <a:solidFill>
@@ -15946,9 +17040,48 @@
                 </a:solidFill>
                 <a:effectLst/>
                 <a:latin typeface="Consolas" panose="020B0609020204030204" pitchFamily="49" charset="0"/>
-              </a:rPr>
-              <a:t>  fpSys.execute();</a:t>
-            </a:r>
+                <a:hlinkClick r:id="rId2" action="ppaction://hlinksldjump"/>
+              </a:rPr>
+              <a:t> locPan.menu();</a:t>
+            </a:r>
+            <a:endParaRPr lang="en-ID" sz="1200" b="0" dirty="0">
+              <a:solidFill>
+                <a:schemeClr val="tx1"/>
+              </a:solidFill>
+              <a:effectLst/>
+              <a:latin typeface="Consolas" panose="020B0609020204030204" pitchFamily="49" charset="0"/>
+            </a:endParaRPr>
+          </a:p>
+          <a:p>
+            <a:pPr algn="ctr"/>
+            <a:r>
+              <a:rPr lang="en-ID" sz="1200" b="0" dirty="0">
+                <a:solidFill>
+                  <a:schemeClr val="tx1"/>
+                </a:solidFill>
+                <a:effectLst/>
+                <a:latin typeface="Consolas" panose="020B0609020204030204" pitchFamily="49" charset="0"/>
+              </a:rPr>
+              <a:t>  </a:t>
+            </a:r>
+            <a:r>
+              <a:rPr lang="en-ID" sz="1200" b="0" dirty="0">
+                <a:solidFill>
+                  <a:schemeClr val="tx1"/>
+                </a:solidFill>
+                <a:effectLst/>
+                <a:latin typeface="Consolas" panose="020B0609020204030204" pitchFamily="49" charset="0"/>
+                <a:hlinkClick r:id="rId3" action="ppaction://hlinksldjump"/>
+              </a:rPr>
+              <a:t>fpSys.execute();</a:t>
+            </a:r>
+            <a:endParaRPr lang="en-ID" sz="1200" b="0" dirty="0">
+              <a:solidFill>
+                <a:schemeClr val="tx1"/>
+              </a:solidFill>
+              <a:effectLst/>
+              <a:latin typeface="Consolas" panose="020B0609020204030204" pitchFamily="49" charset="0"/>
+            </a:endParaRPr>
           </a:p>
           <a:p>
             <a:pPr algn="ctr"/>
@@ -15977,7 +17110,7 @@
           <p:cNvPr id="24" name="Flowchart: Decision 23">
             <a:extLst>
               <a:ext uri="{FF2B5EF4-FFF2-40B4-BE49-F238E27FC236}">
-                <a16:creationId xmlns:a16="http://schemas.microsoft.com/office/drawing/2014/main" xmlns="" id="{438861FE-32EA-4ADA-89B2-7C2BD38A1870}"/>
+                <a16:creationId xmlns="" xmlns:a16="http://schemas.microsoft.com/office/drawing/2014/main" id="{438861FE-32EA-4ADA-89B2-7C2BD38A1870}"/>
               </a:ext>
             </a:extLst>
           </p:cNvPr>
@@ -16038,7 +17171,7 @@
           <p:cNvPr id="25" name="Flowchart: Decision 24">
             <a:extLst>
               <a:ext uri="{FF2B5EF4-FFF2-40B4-BE49-F238E27FC236}">
-                <a16:creationId xmlns:a16="http://schemas.microsoft.com/office/drawing/2014/main" xmlns="" id="{C25A8701-D911-4120-9094-C8B654B9B8D7}"/>
+                <a16:creationId xmlns="" xmlns:a16="http://schemas.microsoft.com/office/drawing/2014/main" id="{C25A8701-D911-4120-9094-C8B654B9B8D7}"/>
               </a:ext>
             </a:extLst>
           </p:cNvPr>
@@ -16104,7 +17237,7 @@
           <p:cNvPr id="19" name="Connector: Elbow 18">
             <a:extLst>
               <a:ext uri="{FF2B5EF4-FFF2-40B4-BE49-F238E27FC236}">
-                <a16:creationId xmlns:a16="http://schemas.microsoft.com/office/drawing/2014/main" xmlns="" id="{3A13BD7C-D8E9-405D-8EF8-5143BE7D072B}"/>
+                <a16:creationId xmlns="" xmlns:a16="http://schemas.microsoft.com/office/drawing/2014/main" id="{3A13BD7C-D8E9-405D-8EF8-5143BE7D072B}"/>
               </a:ext>
             </a:extLst>
           </p:cNvPr>
@@ -16146,7 +17279,7 @@
           <p:cNvPr id="21" name="Connector: Elbow 20">
             <a:extLst>
               <a:ext uri="{FF2B5EF4-FFF2-40B4-BE49-F238E27FC236}">
-                <a16:creationId xmlns:a16="http://schemas.microsoft.com/office/drawing/2014/main" xmlns="" id="{32B9837D-1ED6-49ED-AB93-2949C77F4F51}"/>
+                <a16:creationId xmlns="" xmlns:a16="http://schemas.microsoft.com/office/drawing/2014/main" id="{32B9837D-1ED6-49ED-AB93-2949C77F4F51}"/>
               </a:ext>
             </a:extLst>
           </p:cNvPr>
@@ -16191,7 +17324,7 @@
           <p:cNvPr id="40" name="Flowchart: Predefined Process 39">
             <a:extLst>
               <a:ext uri="{FF2B5EF4-FFF2-40B4-BE49-F238E27FC236}">
-                <a16:creationId xmlns:a16="http://schemas.microsoft.com/office/drawing/2014/main" xmlns="" id="{7CF1C237-E4A8-4ED5-A58F-ECD1C5196D24}"/>
+                <a16:creationId xmlns="" xmlns:a16="http://schemas.microsoft.com/office/drawing/2014/main" id="{7CF1C237-E4A8-4ED5-A58F-ECD1C5196D24}"/>
               </a:ext>
             </a:extLst>
           </p:cNvPr>
@@ -16252,7 +17385,7 @@
           <p:cNvPr id="34" name="Connector: Elbow 33">
             <a:extLst>
               <a:ext uri="{FF2B5EF4-FFF2-40B4-BE49-F238E27FC236}">
-                <a16:creationId xmlns:a16="http://schemas.microsoft.com/office/drawing/2014/main" xmlns="" id="{9FAF7F38-3CB0-47A7-A16D-C91231A9011C}"/>
+                <a16:creationId xmlns="" xmlns:a16="http://schemas.microsoft.com/office/drawing/2014/main" id="{9FAF7F38-3CB0-47A7-A16D-C91231A9011C}"/>
               </a:ext>
             </a:extLst>
           </p:cNvPr>
@@ -16298,7 +17431,7 @@
           <p:cNvPr id="42" name="Flowchart: Predefined Process 41">
             <a:extLst>
               <a:ext uri="{FF2B5EF4-FFF2-40B4-BE49-F238E27FC236}">
-                <a16:creationId xmlns:a16="http://schemas.microsoft.com/office/drawing/2014/main" xmlns="" id="{5E416383-85DB-4670-A37C-18739958CDB1}"/>
+                <a16:creationId xmlns="" xmlns:a16="http://schemas.microsoft.com/office/drawing/2014/main" id="{5E416383-85DB-4670-A37C-18739958CDB1}"/>
               </a:ext>
             </a:extLst>
           </p:cNvPr>
@@ -16385,7 +17518,7 @@
           <p:cNvPr id="43" name="Connector: Elbow 42">
             <a:extLst>
               <a:ext uri="{FF2B5EF4-FFF2-40B4-BE49-F238E27FC236}">
-                <a16:creationId xmlns:a16="http://schemas.microsoft.com/office/drawing/2014/main" xmlns="" id="{EE9CA3D1-5E5C-4AB6-806D-F584C1A64D1E}"/>
+                <a16:creationId xmlns="" xmlns:a16="http://schemas.microsoft.com/office/drawing/2014/main" id="{EE9CA3D1-5E5C-4AB6-806D-F584C1A64D1E}"/>
               </a:ext>
             </a:extLst>
           </p:cNvPr>
@@ -16638,6 +17771,103 @@
           <a:xfrm rot="10800000" flipV="1">
             <a:off x="3340435" y="1417239"/>
             <a:ext cx="2118710" cy="432019"/>
+          </a:xfrm>
+          <a:prstGeom prst="bentConnector2">
+            <a:avLst/>
+          </a:prstGeom>
+          <a:ln w="19050">
+            <a:solidFill>
+              <a:schemeClr val="tx1"/>
+            </a:solidFill>
+            <a:tailEnd type="arrow"/>
+          </a:ln>
+        </p:spPr>
+        <p:style>
+          <a:lnRef idx="1">
+            <a:schemeClr val="accent1"/>
+          </a:lnRef>
+          <a:fillRef idx="0">
+            <a:schemeClr val="accent1"/>
+          </a:fillRef>
+          <a:effectRef idx="0">
+            <a:schemeClr val="accent1"/>
+          </a:effectRef>
+          <a:fontRef idx="minor">
+            <a:schemeClr val="tx1"/>
+          </a:fontRef>
+        </p:style>
+      </p:cxnSp>
+      <p:sp>
+        <p:nvSpPr>
+          <p:cNvPr id="17" name="Flowchart: Off-page Connector 16"/>
+          <p:cNvSpPr/>
+          <p:nvPr/>
+        </p:nvSpPr>
+        <p:spPr>
+          <a:xfrm rot="10800000">
+            <a:off x="658414" y="3933056"/>
+            <a:ext cx="490893" cy="360040"/>
+          </a:xfrm>
+          <a:prstGeom prst="flowChartOffpageConnector">
+            <a:avLst/>
+          </a:prstGeom>
+          <a:noFill/>
+          <a:ln>
+            <a:solidFill>
+              <a:schemeClr val="tx1"/>
+            </a:solidFill>
+          </a:ln>
+        </p:spPr>
+        <p:style>
+          <a:lnRef idx="2">
+            <a:schemeClr val="accent1">
+              <a:shade val="50000"/>
+            </a:schemeClr>
+          </a:lnRef>
+          <a:fillRef idx="1">
+            <a:schemeClr val="accent1"/>
+          </a:fillRef>
+          <a:effectRef idx="0">
+            <a:schemeClr val="accent1"/>
+          </a:effectRef>
+          <a:fontRef idx="minor">
+            <a:schemeClr val="lt1"/>
+          </a:fontRef>
+        </p:style>
+        <p:txBody>
+          <a:bodyPr rtlCol="0" anchor="ctr"/>
+          <a:lstStyle/>
+          <a:p>
+            <a:pPr algn="ctr"/>
+            <a:r>
+              <a:rPr lang="en-ID" b="1" dirty="0" smtClean="0">
+                <a:solidFill>
+                  <a:schemeClr val="tx1"/>
+                </a:solidFill>
+              </a:rPr>
+              <a:t>0</a:t>
+            </a:r>
+            <a:endParaRPr lang="en-US" b="1" dirty="0">
+              <a:solidFill>
+                <a:schemeClr val="tx1"/>
+              </a:solidFill>
+            </a:endParaRPr>
+          </a:p>
+        </p:txBody>
+      </p:sp>
+      <p:cxnSp>
+        <p:nvCxnSpPr>
+          <p:cNvPr id="5" name="Elbow Connector 4"/>
+          <p:cNvCxnSpPr>
+            <a:stCxn id="17" idx="2"/>
+            <a:endCxn id="2" idx="1"/>
+          </p:cNvCxnSpPr>
+          <p:nvPr/>
+        </p:nvCxnSpPr>
+        <p:spPr>
+          <a:xfrm rot="5400000" flipH="1" flipV="1">
+            <a:off x="411369" y="2840629"/>
+            <a:ext cx="1584918" cy="599937"/>
           </a:xfrm>
           <a:prstGeom prst="bentConnector2">
             <a:avLst/>
@@ -16674,6 +17904,13 @@
   <p:clrMapOvr>
     <a:masterClrMapping/>
   </p:clrMapOvr>
+  <p:timing>
+    <p:tnLst>
+      <p:par>
+        <p:cTn id="1" dur="indefinite" restart="never" nodeType="tmRoot"/>
+      </p:par>
+    </p:tnLst>
+  </p:timing>
 </p:sld>
 </file>
 
@@ -16736,7 +17973,7 @@
           <p:cNvPr id="26" name="Flowchart: Decision 25">
             <a:extLst>
               <a:ext uri="{FF2B5EF4-FFF2-40B4-BE49-F238E27FC236}">
-                <a16:creationId xmlns:a16="http://schemas.microsoft.com/office/drawing/2014/main" xmlns="" id="{82CB2EB6-A5E6-4219-99DA-321DD71861C9}"/>
+                <a16:creationId xmlns="" xmlns:a16="http://schemas.microsoft.com/office/drawing/2014/main" id="{82CB2EB6-A5E6-4219-99DA-321DD71861C9}"/>
               </a:ext>
             </a:extLst>
           </p:cNvPr>
@@ -16797,7 +18034,7 @@
           <p:cNvPr id="27" name="Flowchart: Decision 26">
             <a:extLst>
               <a:ext uri="{FF2B5EF4-FFF2-40B4-BE49-F238E27FC236}">
-                <a16:creationId xmlns:a16="http://schemas.microsoft.com/office/drawing/2014/main" xmlns="" id="{AB7989BC-CB48-4899-95E0-499E74545C71}"/>
+                <a16:creationId xmlns="" xmlns:a16="http://schemas.microsoft.com/office/drawing/2014/main" id="{AB7989BC-CB48-4899-95E0-499E74545C71}"/>
               </a:ext>
             </a:extLst>
           </p:cNvPr>
@@ -16858,7 +18095,7 @@
           <p:cNvPr id="32" name="Connector: Elbow 31">
             <a:extLst>
               <a:ext uri="{FF2B5EF4-FFF2-40B4-BE49-F238E27FC236}">
-                <a16:creationId xmlns:a16="http://schemas.microsoft.com/office/drawing/2014/main" xmlns="" id="{93E53294-C028-48A3-BED2-65DA86F0BA71}"/>
+                <a16:creationId xmlns="" xmlns:a16="http://schemas.microsoft.com/office/drawing/2014/main" id="{93E53294-C028-48A3-BED2-65DA86F0BA71}"/>
               </a:ext>
             </a:extLst>
           </p:cNvPr>
@@ -16902,7 +18139,7 @@
           <p:cNvPr id="47" name="Flowchart: Predefined Process 46">
             <a:extLst>
               <a:ext uri="{FF2B5EF4-FFF2-40B4-BE49-F238E27FC236}">
-                <a16:creationId xmlns:a16="http://schemas.microsoft.com/office/drawing/2014/main" xmlns="" id="{88E91C1B-9915-49F4-B54F-272D16191B75}"/>
+                <a16:creationId xmlns="" xmlns:a16="http://schemas.microsoft.com/office/drawing/2014/main" id="{88E91C1B-9915-49F4-B54F-272D16191B75}"/>
               </a:ext>
             </a:extLst>
           </p:cNvPr>
@@ -16963,7 +18200,7 @@
           <p:cNvPr id="48" name="Connector: Elbow 47">
             <a:extLst>
               <a:ext uri="{FF2B5EF4-FFF2-40B4-BE49-F238E27FC236}">
-                <a16:creationId xmlns:a16="http://schemas.microsoft.com/office/drawing/2014/main" xmlns="" id="{F70C21E4-AA56-416E-B606-92C921D20269}"/>
+                <a16:creationId xmlns="" xmlns:a16="http://schemas.microsoft.com/office/drawing/2014/main" id="{F70C21E4-AA56-416E-B606-92C921D20269}"/>
               </a:ext>
             </a:extLst>
           </p:cNvPr>
@@ -17011,7 +18248,7 @@
           <p:cNvPr id="51" name="Flowchart: Predefined Process 50">
             <a:extLst>
               <a:ext uri="{FF2B5EF4-FFF2-40B4-BE49-F238E27FC236}">
-                <a16:creationId xmlns:a16="http://schemas.microsoft.com/office/drawing/2014/main" xmlns="" id="{92FBE751-632B-4561-858E-55903FB43DD7}"/>
+                <a16:creationId xmlns="" xmlns:a16="http://schemas.microsoft.com/office/drawing/2014/main" id="{92FBE751-632B-4561-858E-55903FB43DD7}"/>
               </a:ext>
             </a:extLst>
           </p:cNvPr>
@@ -17098,7 +18335,7 @@
           <p:cNvPr id="53" name="Connector: Elbow 52">
             <a:extLst>
               <a:ext uri="{FF2B5EF4-FFF2-40B4-BE49-F238E27FC236}">
-                <a16:creationId xmlns:a16="http://schemas.microsoft.com/office/drawing/2014/main" xmlns="" id="{0DCB30C1-1B7D-4286-95B3-80965F45DD72}"/>
+                <a16:creationId xmlns="" xmlns:a16="http://schemas.microsoft.com/office/drawing/2014/main" id="{0DCB30C1-1B7D-4286-95B3-80965F45DD72}"/>
               </a:ext>
             </a:extLst>
           </p:cNvPr>
@@ -17343,6 +18580,13 @@
   <p:clrMapOvr>
     <a:masterClrMapping/>
   </p:clrMapOvr>
+  <p:timing>
+    <p:tnLst>
+      <p:par>
+        <p:cTn id="1" dur="indefinite" restart="never" nodeType="tmRoot"/>
+      </p:par>
+    </p:tnLst>
+  </p:timing>
 </p:sld>
 </file>
 
@@ -17723,7 +18967,7 @@
           <p:cNvPr id="39" name="Connector: Elbow 38">
             <a:extLst>
               <a:ext uri="{FF2B5EF4-FFF2-40B4-BE49-F238E27FC236}">
-                <a16:creationId xmlns:a16="http://schemas.microsoft.com/office/drawing/2014/main" xmlns="" id="{AB0C52CB-BFBC-45E9-A4BD-DBEBBA48C947}"/>
+                <a16:creationId xmlns="" xmlns:a16="http://schemas.microsoft.com/office/drawing/2014/main" id="{AB0C52CB-BFBC-45E9-A4BD-DBEBBA48C947}"/>
               </a:ext>
             </a:extLst>
           </p:cNvPr>
@@ -17769,7 +19013,7 @@
           <p:cNvPr id="46" name="Flowchart: Predefined Process 45">
             <a:extLst>
               <a:ext uri="{FF2B5EF4-FFF2-40B4-BE49-F238E27FC236}">
-                <a16:creationId xmlns:a16="http://schemas.microsoft.com/office/drawing/2014/main" xmlns="" id="{60B6889A-AFEC-4BFE-BA6C-A66524781ADE}"/>
+                <a16:creationId xmlns="" xmlns:a16="http://schemas.microsoft.com/office/drawing/2014/main" id="{60B6889A-AFEC-4BFE-BA6C-A66524781ADE}"/>
               </a:ext>
             </a:extLst>
           </p:cNvPr>
@@ -17879,7 +19123,7 @@
           <p:cNvPr id="50" name="Flowchart: Connector 49">
             <a:extLst>
               <a:ext uri="{FF2B5EF4-FFF2-40B4-BE49-F238E27FC236}">
-                <a16:creationId xmlns:a16="http://schemas.microsoft.com/office/drawing/2014/main" xmlns="" id="{85A5DEDA-7D14-4FE6-AE24-3848449208B7}"/>
+                <a16:creationId xmlns="" xmlns:a16="http://schemas.microsoft.com/office/drawing/2014/main" id="{85A5DEDA-7D14-4FE6-AE24-3848449208B7}"/>
               </a:ext>
             </a:extLst>
           </p:cNvPr>
@@ -17931,7 +19175,7 @@
           <p:cNvPr id="52" name="Connector: Elbow 51">
             <a:extLst>
               <a:ext uri="{FF2B5EF4-FFF2-40B4-BE49-F238E27FC236}">
-                <a16:creationId xmlns:a16="http://schemas.microsoft.com/office/drawing/2014/main" xmlns="" id="{34D277E0-BF56-42D2-A7D2-54099E8C4A70}"/>
+                <a16:creationId xmlns="" xmlns:a16="http://schemas.microsoft.com/office/drawing/2014/main" id="{34D277E0-BF56-42D2-A7D2-54099E8C4A70}"/>
               </a:ext>
             </a:extLst>
           </p:cNvPr>
@@ -17977,7 +19221,7 @@
           <p:cNvPr id="54" name="Connector: Elbow 53">
             <a:extLst>
               <a:ext uri="{FF2B5EF4-FFF2-40B4-BE49-F238E27FC236}">
-                <a16:creationId xmlns:a16="http://schemas.microsoft.com/office/drawing/2014/main" xmlns="" id="{25DB5EC8-72C6-486F-B231-530ED590DF59}"/>
+                <a16:creationId xmlns="" xmlns:a16="http://schemas.microsoft.com/office/drawing/2014/main" id="{25DB5EC8-72C6-486F-B231-530ED590DF59}"/>
               </a:ext>
             </a:extLst>
           </p:cNvPr>
@@ -18020,7 +19264,7 @@
           <p:cNvPr id="59" name="Straight Arrow Connector 58">
             <a:extLst>
               <a:ext uri="{FF2B5EF4-FFF2-40B4-BE49-F238E27FC236}">
-                <a16:creationId xmlns:a16="http://schemas.microsoft.com/office/drawing/2014/main" xmlns="" id="{446244A4-2DB1-4FBF-8535-D27CB03FB67A}"/>
+                <a16:creationId xmlns="" xmlns:a16="http://schemas.microsoft.com/office/drawing/2014/main" id="{446244A4-2DB1-4FBF-8535-D27CB03FB67A}"/>
               </a:ext>
             </a:extLst>
           </p:cNvPr>
@@ -18051,6 +19295,105 @@
           </a:fillRef>
           <a:effectRef idx="0">
             <a:schemeClr val="dk1"/>
+          </a:effectRef>
+          <a:fontRef idx="minor">
+            <a:schemeClr val="tx1"/>
+          </a:fontRef>
+        </p:style>
+      </p:cxnSp>
+      <p:sp>
+        <p:nvSpPr>
+          <p:cNvPr id="15" name="Flowchart: Off-page Connector 14">
+            <a:hlinkClick r:id="rId2" action="ppaction://hlinksldjump"/>
+          </p:cNvPr>
+          <p:cNvSpPr/>
+          <p:nvPr/>
+        </p:nvSpPr>
+        <p:spPr>
+          <a:xfrm>
+            <a:off x="4320484" y="6244291"/>
+            <a:ext cx="490893" cy="360040"/>
+          </a:xfrm>
+          <a:prstGeom prst="flowChartOffpageConnector">
+            <a:avLst/>
+          </a:prstGeom>
+          <a:noFill/>
+          <a:ln>
+            <a:solidFill>
+              <a:schemeClr val="tx1"/>
+            </a:solidFill>
+          </a:ln>
+        </p:spPr>
+        <p:style>
+          <a:lnRef idx="2">
+            <a:schemeClr val="accent1">
+              <a:shade val="50000"/>
+            </a:schemeClr>
+          </a:lnRef>
+          <a:fillRef idx="1">
+            <a:schemeClr val="accent1"/>
+          </a:fillRef>
+          <a:effectRef idx="0">
+            <a:schemeClr val="accent1"/>
+          </a:effectRef>
+          <a:fontRef idx="minor">
+            <a:schemeClr val="lt1"/>
+          </a:fontRef>
+        </p:style>
+        <p:txBody>
+          <a:bodyPr rtlCol="0" anchor="ctr"/>
+          <a:lstStyle/>
+          <a:p>
+            <a:pPr algn="ctr"/>
+            <a:r>
+              <a:rPr lang="en-ID" b="1" dirty="0">
+                <a:solidFill>
+                  <a:schemeClr val="tx1"/>
+                </a:solidFill>
+              </a:rPr>
+              <a:t>0</a:t>
+            </a:r>
+            <a:endParaRPr lang="en-US" b="1" dirty="0">
+              <a:solidFill>
+                <a:schemeClr val="tx1"/>
+              </a:solidFill>
+            </a:endParaRPr>
+          </a:p>
+        </p:txBody>
+      </p:sp>
+      <p:cxnSp>
+        <p:nvCxnSpPr>
+          <p:cNvPr id="4" name="Elbow Connector 3"/>
+          <p:cNvCxnSpPr>
+            <a:stCxn id="46" idx="2"/>
+            <a:endCxn id="15" idx="0"/>
+          </p:cNvCxnSpPr>
+          <p:nvPr/>
+        </p:nvCxnSpPr>
+        <p:spPr>
+          <a:xfrm rot="16200000" flipH="1">
+            <a:off x="4348578" y="6026938"/>
+            <a:ext cx="224750" cy="209955"/>
+          </a:xfrm>
+          <a:prstGeom prst="bentConnector3">
+            <a:avLst/>
+          </a:prstGeom>
+          <a:ln w="19050">
+            <a:solidFill>
+              <a:srgbClr val="003300"/>
+            </a:solidFill>
+            <a:tailEnd type="arrow"/>
+          </a:ln>
+        </p:spPr>
+        <p:style>
+          <a:lnRef idx="1">
+            <a:schemeClr val="accent1"/>
+          </a:lnRef>
+          <a:fillRef idx="0">
+            <a:schemeClr val="accent1"/>
+          </a:fillRef>
+          <a:effectRef idx="0">
+            <a:schemeClr val="accent1"/>
           </a:effectRef>
           <a:fontRef idx="minor">
             <a:schemeClr val="tx1"/>
@@ -18067,6 +19410,13 @@
   <p:clrMapOvr>
     <a:masterClrMapping/>
   </p:clrMapOvr>
+  <p:timing>
+    <p:tnLst>
+      <p:par>
+        <p:cTn id="1" dur="indefinite" restart="never" nodeType="tmRoot"/>
+      </p:par>
+    </p:tnLst>
+  </p:timing>
 </p:sld>
 </file>
 
@@ -18680,6 +20030,13 @@
   <p:clrMapOvr>
     <a:masterClrMapping/>
   </p:clrMapOvr>
+  <p:timing>
+    <p:tnLst>
+      <p:par>
+        <p:cTn id="1" dur="indefinite" restart="never" nodeType="tmRoot"/>
+      </p:par>
+    </p:tnLst>
+  </p:timing>
 </p:sld>
 </file>
 
@@ -20230,6 +21587,13 @@
   <p:clrMapOvr>
     <a:masterClrMapping/>
   </p:clrMapOvr>
+  <p:timing>
+    <p:tnLst>
+      <p:par>
+        <p:cTn id="1" dur="indefinite" restart="never" nodeType="tmRoot"/>
+      </p:par>
+    </p:tnLst>
+  </p:timing>
 </p:sld>
 </file>
 

--- a/resources/WFPS.pptx
+++ b/resources/WFPS.pptx
@@ -5,10 +5,10 @@
     <p:sldMasterId id="2147483648" r:id="rId1"/>
   </p:sldMasterIdLst>
   <p:notesMasterIdLst>
-    <p:notesMasterId r:id="rId16"/>
+    <p:notesMasterId r:id="rId18"/>
   </p:notesMasterIdLst>
   <p:handoutMasterIdLst>
-    <p:handoutMasterId r:id="rId17"/>
+    <p:handoutMasterId r:id="rId19"/>
   </p:handoutMasterIdLst>
   <p:sldIdLst>
     <p:sldId id="281" r:id="rId2"/>
@@ -25,6 +25,8 @@
     <p:sldId id="295" r:id="rId13"/>
     <p:sldId id="294" r:id="rId14"/>
     <p:sldId id="297" r:id="rId15"/>
+    <p:sldId id="298" r:id="rId16"/>
+    <p:sldId id="299" r:id="rId17"/>
   </p:sldIdLst>
   <p:sldSz cx="9144000" cy="6858000" type="screen4x3"/>
   <p:notesSz cx="6858000" cy="9144000"/>
@@ -125,7 +127,7 @@
   </p:defaultTextStyle>
   <p:extLst>
     <p:ext uri="{EFAFB233-063F-42B5-8137-9DF3F51BA10A}">
-      <p15:sldGuideLst xmlns="" xmlns:p15="http://schemas.microsoft.com/office/powerpoint/2012/main">
+      <p15:sldGuideLst xmlns:p15="http://schemas.microsoft.com/office/powerpoint/2012/main">
         <p15:guide id="1" orient="horz" pos="2160">
           <p15:clr>
             <a:srgbClr val="A4A3A4"/>
@@ -139,7 +141,7 @@
       </p15:sldGuideLst>
     </p:ext>
     <p:ext uri="{2D200454-40CA-4A62-9FC3-DE9A4176ACB9}">
-      <p15:notesGuideLst xmlns="" xmlns:p15="http://schemas.microsoft.com/office/powerpoint/2012/main">
+      <p15:notesGuideLst xmlns:p15="http://schemas.microsoft.com/office/powerpoint/2012/main">
         <p15:guide id="1" orient="horz" pos="2880">
           <p15:clr>
             <a:srgbClr val="A4A3A4"/>
@@ -1084,6 +1086,261 @@
     <p:extLst>
       <p:ext uri="{BB962C8B-B14F-4D97-AF65-F5344CB8AC3E}">
         <p14:creationId xmlns:p14="http://schemas.microsoft.com/office/powerpoint/2010/main" val="2808649506"/>
+      </p:ext>
+    </p:extLst>
+  </p:cSld>
+  <p:clrMapOvr>
+    <a:masterClrMapping/>
+  </p:clrMapOvr>
+</p:notes>
+</file>
+
+<file path=ppt/notesSlides/notesSlide5.xml><?xml version="1.0" encoding="utf-8"?>
+<p:notes xmlns:a="http://schemas.openxmlformats.org/drawingml/2006/main" xmlns:r="http://schemas.openxmlformats.org/officeDocument/2006/relationships" xmlns:p="http://schemas.openxmlformats.org/presentationml/2006/main">
+  <p:cSld>
+    <p:spTree>
+      <p:nvGrpSpPr>
+        <p:cNvPr id="1" name=""/>
+        <p:cNvGrpSpPr/>
+        <p:nvPr/>
+      </p:nvGrpSpPr>
+      <p:grpSpPr>
+        <a:xfrm>
+          <a:off x="0" y="0"/>
+          <a:ext cx="0" cy="0"/>
+          <a:chOff x="0" y="0"/>
+          <a:chExt cx="0" cy="0"/>
+        </a:xfrm>
+      </p:grpSpPr>
+      <p:sp>
+        <p:nvSpPr>
+          <p:cNvPr id="2" name="Slide Image Placeholder 1"/>
+          <p:cNvSpPr>
+            <a:spLocks noGrp="1" noRot="1" noChangeAspect="1"/>
+          </p:cNvSpPr>
+          <p:nvPr>
+            <p:ph type="sldImg"/>
+          </p:nvPr>
+        </p:nvSpPr>
+        <p:spPr/>
+      </p:sp>
+      <p:sp>
+        <p:nvSpPr>
+          <p:cNvPr id="3" name="Notes Placeholder 2"/>
+          <p:cNvSpPr>
+            <a:spLocks noGrp="1"/>
+          </p:cNvSpPr>
+          <p:nvPr>
+            <p:ph type="body" idx="1"/>
+          </p:nvPr>
+        </p:nvSpPr>
+        <p:spPr/>
+        <p:txBody>
+          <a:bodyPr/>
+          <a:lstStyle/>
+          <a:p>
+            <a:endParaRPr lang="en-ID" dirty="0"/>
+          </a:p>
+        </p:txBody>
+      </p:sp>
+      <p:sp>
+        <p:nvSpPr>
+          <p:cNvPr id="4" name="Slide Number Placeholder 3"/>
+          <p:cNvSpPr>
+            <a:spLocks noGrp="1"/>
+          </p:cNvSpPr>
+          <p:nvPr>
+            <p:ph type="sldNum" sz="quarter" idx="5"/>
+          </p:nvPr>
+        </p:nvSpPr>
+        <p:spPr/>
+        <p:txBody>
+          <a:bodyPr/>
+          <a:lstStyle/>
+          <a:p>
+            <a:fld id="{75693FD4-8F83-4EF7-AC3F-0DC0388986B0}" type="slidenum">
+              <a:rPr lang="en-US" smtClean="0"/>
+              <a:pPr/>
+              <a:t>14</a:t>
+            </a:fld>
+            <a:endParaRPr lang="en-US" dirty="0"/>
+          </a:p>
+        </p:txBody>
+      </p:sp>
+    </p:spTree>
+    <p:extLst>
+      <p:ext uri="{BB962C8B-B14F-4D97-AF65-F5344CB8AC3E}">
+        <p14:creationId xmlns:p14="http://schemas.microsoft.com/office/powerpoint/2010/main" val="3221830907"/>
+      </p:ext>
+    </p:extLst>
+  </p:cSld>
+  <p:clrMapOvr>
+    <a:masterClrMapping/>
+  </p:clrMapOvr>
+</p:notes>
+</file>
+
+<file path=ppt/notesSlides/notesSlide6.xml><?xml version="1.0" encoding="utf-8"?>
+<p:notes xmlns:a="http://schemas.openxmlformats.org/drawingml/2006/main" xmlns:r="http://schemas.openxmlformats.org/officeDocument/2006/relationships" xmlns:p="http://schemas.openxmlformats.org/presentationml/2006/main">
+  <p:cSld>
+    <p:spTree>
+      <p:nvGrpSpPr>
+        <p:cNvPr id="1" name=""/>
+        <p:cNvGrpSpPr/>
+        <p:nvPr/>
+      </p:nvGrpSpPr>
+      <p:grpSpPr>
+        <a:xfrm>
+          <a:off x="0" y="0"/>
+          <a:ext cx="0" cy="0"/>
+          <a:chOff x="0" y="0"/>
+          <a:chExt cx="0" cy="0"/>
+        </a:xfrm>
+      </p:grpSpPr>
+      <p:sp>
+        <p:nvSpPr>
+          <p:cNvPr id="2" name="Slide Image Placeholder 1"/>
+          <p:cNvSpPr>
+            <a:spLocks noGrp="1" noRot="1" noChangeAspect="1"/>
+          </p:cNvSpPr>
+          <p:nvPr>
+            <p:ph type="sldImg"/>
+          </p:nvPr>
+        </p:nvSpPr>
+        <p:spPr/>
+      </p:sp>
+      <p:sp>
+        <p:nvSpPr>
+          <p:cNvPr id="3" name="Notes Placeholder 2"/>
+          <p:cNvSpPr>
+            <a:spLocks noGrp="1"/>
+          </p:cNvSpPr>
+          <p:nvPr>
+            <p:ph type="body" idx="1"/>
+          </p:nvPr>
+        </p:nvSpPr>
+        <p:spPr/>
+        <p:txBody>
+          <a:bodyPr/>
+          <a:lstStyle/>
+          <a:p>
+            <a:endParaRPr lang="en-ID" dirty="0"/>
+          </a:p>
+        </p:txBody>
+      </p:sp>
+      <p:sp>
+        <p:nvSpPr>
+          <p:cNvPr id="4" name="Slide Number Placeholder 3"/>
+          <p:cNvSpPr>
+            <a:spLocks noGrp="1"/>
+          </p:cNvSpPr>
+          <p:nvPr>
+            <p:ph type="sldNum" sz="quarter" idx="5"/>
+          </p:nvPr>
+        </p:nvSpPr>
+        <p:spPr/>
+        <p:txBody>
+          <a:bodyPr/>
+          <a:lstStyle/>
+          <a:p>
+            <a:fld id="{75693FD4-8F83-4EF7-AC3F-0DC0388986B0}" type="slidenum">
+              <a:rPr lang="en-US" smtClean="0"/>
+              <a:pPr/>
+              <a:t>15</a:t>
+            </a:fld>
+            <a:endParaRPr lang="en-US" dirty="0"/>
+          </a:p>
+        </p:txBody>
+      </p:sp>
+    </p:spTree>
+    <p:extLst>
+      <p:ext uri="{BB962C8B-B14F-4D97-AF65-F5344CB8AC3E}">
+        <p14:creationId xmlns:p14="http://schemas.microsoft.com/office/powerpoint/2010/main" val="2138882783"/>
+      </p:ext>
+    </p:extLst>
+  </p:cSld>
+  <p:clrMapOvr>
+    <a:masterClrMapping/>
+  </p:clrMapOvr>
+</p:notes>
+</file>
+
+<file path=ppt/notesSlides/notesSlide7.xml><?xml version="1.0" encoding="utf-8"?>
+<p:notes xmlns:a="http://schemas.openxmlformats.org/drawingml/2006/main" xmlns:r="http://schemas.openxmlformats.org/officeDocument/2006/relationships" xmlns:p="http://schemas.openxmlformats.org/presentationml/2006/main">
+  <p:cSld>
+    <p:spTree>
+      <p:nvGrpSpPr>
+        <p:cNvPr id="1" name=""/>
+        <p:cNvGrpSpPr/>
+        <p:nvPr/>
+      </p:nvGrpSpPr>
+      <p:grpSpPr>
+        <a:xfrm>
+          <a:off x="0" y="0"/>
+          <a:ext cx="0" cy="0"/>
+          <a:chOff x="0" y="0"/>
+          <a:chExt cx="0" cy="0"/>
+        </a:xfrm>
+      </p:grpSpPr>
+      <p:sp>
+        <p:nvSpPr>
+          <p:cNvPr id="2" name="Slide Image Placeholder 1"/>
+          <p:cNvSpPr>
+            <a:spLocks noGrp="1" noRot="1" noChangeAspect="1"/>
+          </p:cNvSpPr>
+          <p:nvPr>
+            <p:ph type="sldImg"/>
+          </p:nvPr>
+        </p:nvSpPr>
+        <p:spPr/>
+      </p:sp>
+      <p:sp>
+        <p:nvSpPr>
+          <p:cNvPr id="3" name="Notes Placeholder 2"/>
+          <p:cNvSpPr>
+            <a:spLocks noGrp="1"/>
+          </p:cNvSpPr>
+          <p:nvPr>
+            <p:ph type="body" idx="1"/>
+          </p:nvPr>
+        </p:nvSpPr>
+        <p:spPr/>
+        <p:txBody>
+          <a:bodyPr/>
+          <a:lstStyle/>
+          <a:p>
+            <a:endParaRPr lang="en-ID" dirty="0"/>
+          </a:p>
+        </p:txBody>
+      </p:sp>
+      <p:sp>
+        <p:nvSpPr>
+          <p:cNvPr id="4" name="Slide Number Placeholder 3"/>
+          <p:cNvSpPr>
+            <a:spLocks noGrp="1"/>
+          </p:cNvSpPr>
+          <p:nvPr>
+            <p:ph type="sldNum" sz="quarter" idx="5"/>
+          </p:nvPr>
+        </p:nvSpPr>
+        <p:spPr/>
+        <p:txBody>
+          <a:bodyPr/>
+          <a:lstStyle/>
+          <a:p>
+            <a:fld id="{75693FD4-8F83-4EF7-AC3F-0DC0388986B0}" type="slidenum">
+              <a:rPr lang="en-US" smtClean="0"/>
+              <a:pPr/>
+              <a:t>16</a:t>
+            </a:fld>
+            <a:endParaRPr lang="en-US" dirty="0"/>
+          </a:p>
+        </p:txBody>
+      </p:sp>
+    </p:spTree>
+    <p:extLst>
+      <p:ext uri="{BB962C8B-B14F-4D97-AF65-F5344CB8AC3E}">
+        <p14:creationId xmlns:p14="http://schemas.microsoft.com/office/powerpoint/2010/main" val="3481325586"/>
       </p:ext>
     </p:extLst>
   </p:cSld>
@@ -4836,7 +5093,7 @@
           <p:cNvPr id="91" name="Picture 90" descr="Free Icon | Wifi">
             <a:extLst>
               <a:ext uri="{FF2B5EF4-FFF2-40B4-BE49-F238E27FC236}">
-                <a16:creationId xmlns="" xmlns:a16="http://schemas.microsoft.com/office/drawing/2014/main" id="{8C0D1CC1-0F99-45F8-B30B-F5786D94F875}"/>
+                <a16:creationId xmlns:a16="http://schemas.microsoft.com/office/drawing/2014/main" id="{8C0D1CC1-0F99-45F8-B30B-F5786D94F875}"/>
               </a:ext>
             </a:extLst>
           </p:cNvPr>
@@ -4875,7 +5132,7 @@
           <p:cNvPr id="80" name="Picture 79" descr="Free Icon | Wifi">
             <a:extLst>
               <a:ext uri="{FF2B5EF4-FFF2-40B4-BE49-F238E27FC236}">
-                <a16:creationId xmlns="" xmlns:a16="http://schemas.microsoft.com/office/drawing/2014/main" id="{35E36CD3-6B5D-4E30-B897-685D3D72453D}"/>
+                <a16:creationId xmlns:a16="http://schemas.microsoft.com/office/drawing/2014/main" id="{35E36CD3-6B5D-4E30-B897-685D3D72453D}"/>
               </a:ext>
             </a:extLst>
           </p:cNvPr>
@@ -5328,15 +5585,7 @@
                   <a:srgbClr val="0000FF"/>
                 </a:solidFill>
               </a:rPr>
-              <a:t>I-</a:t>
-            </a:r>
-            <a:r>
-              <a:rPr lang="en-ID" b="1" dirty="0" err="1">
-                <a:solidFill>
-                  <a:srgbClr val="0000FF"/>
-                </a:solidFill>
-              </a:rPr>
-              <a:t>Dev’s</a:t>
+              <a:t>I-Dev’s</a:t>
             </a:r>
             <a:endParaRPr lang="en-US" b="1" dirty="0">
               <a:solidFill>
@@ -5417,7 +5666,7 @@
           <p:cNvPr id="93" name="Picture 92">
             <a:extLst>
               <a:ext uri="{FF2B5EF4-FFF2-40B4-BE49-F238E27FC236}">
-                <a16:creationId xmlns="" xmlns:a16="http://schemas.microsoft.com/office/drawing/2014/main" id="{D7ED08F4-31B4-432D-A1A0-BE825490F18D}"/>
+                <a16:creationId xmlns:a16="http://schemas.microsoft.com/office/drawing/2014/main" id="{D7ED08F4-31B4-432D-A1A0-BE825490F18D}"/>
               </a:ext>
             </a:extLst>
           </p:cNvPr>
@@ -5445,7 +5694,7 @@
           <p:cNvPr id="96" name="Picture 95" descr="Free Icon | Wifi">
             <a:extLst>
               <a:ext uri="{FF2B5EF4-FFF2-40B4-BE49-F238E27FC236}">
-                <a16:creationId xmlns="" xmlns:a16="http://schemas.microsoft.com/office/drawing/2014/main" id="{331FC1AA-CB08-45A4-9369-2997329D73F4}"/>
+                <a16:creationId xmlns:a16="http://schemas.microsoft.com/office/drawing/2014/main" id="{331FC1AA-CB08-45A4-9369-2997329D73F4}"/>
               </a:ext>
             </a:extLst>
           </p:cNvPr>
@@ -5484,7 +5733,7 @@
           <p:cNvPr id="97" name="Picture 96">
             <a:extLst>
               <a:ext uri="{FF2B5EF4-FFF2-40B4-BE49-F238E27FC236}">
-                <a16:creationId xmlns="" xmlns:a16="http://schemas.microsoft.com/office/drawing/2014/main" id="{D4CA772F-A72C-4314-A82A-E884D10E777D}"/>
+                <a16:creationId xmlns:a16="http://schemas.microsoft.com/office/drawing/2014/main" id="{D4CA772F-A72C-4314-A82A-E884D10E777D}"/>
               </a:ext>
             </a:extLst>
           </p:cNvPr>
@@ -5512,7 +5761,7 @@
           <p:cNvPr id="98" name="Picture 97">
             <a:extLst>
               <a:ext uri="{FF2B5EF4-FFF2-40B4-BE49-F238E27FC236}">
-                <a16:creationId xmlns="" xmlns:a16="http://schemas.microsoft.com/office/drawing/2014/main" id="{9E085E1D-93F9-4E72-B98F-FB8F7028960D}"/>
+                <a16:creationId xmlns:a16="http://schemas.microsoft.com/office/drawing/2014/main" id="{9E085E1D-93F9-4E72-B98F-FB8F7028960D}"/>
               </a:ext>
             </a:extLst>
           </p:cNvPr>
@@ -5540,7 +5789,7 @@
           <p:cNvPr id="99" name="TextBox 98">
             <a:extLst>
               <a:ext uri="{FF2B5EF4-FFF2-40B4-BE49-F238E27FC236}">
-                <a16:creationId xmlns="" xmlns:a16="http://schemas.microsoft.com/office/drawing/2014/main" id="{642A6712-05AC-4A63-87F7-14430CE8A993}"/>
+                <a16:creationId xmlns:a16="http://schemas.microsoft.com/office/drawing/2014/main" id="{642A6712-05AC-4A63-87F7-14430CE8A993}"/>
               </a:ext>
             </a:extLst>
           </p:cNvPr>
@@ -5572,7 +5821,7 @@
               <a:t>E</a:t>
             </a:r>
             <a:r>
-              <a:rPr lang="en-ID" b="1" dirty="0" err="1">
+              <a:rPr lang="en-ID" b="1" dirty="0">
                 <a:solidFill>
                   <a:srgbClr val="0000FF"/>
                 </a:solidFill>
@@ -5592,7 +5841,7 @@
           <p:cNvPr id="101" name="TextBox 100">
             <a:extLst>
               <a:ext uri="{FF2B5EF4-FFF2-40B4-BE49-F238E27FC236}">
-                <a16:creationId xmlns="" xmlns:a16="http://schemas.microsoft.com/office/drawing/2014/main" id="{7FF2AF45-1BBB-4306-ABAF-8689BC85C815}"/>
+                <a16:creationId xmlns:a16="http://schemas.microsoft.com/office/drawing/2014/main" id="{7FF2AF45-1BBB-4306-ABAF-8689BC85C815}"/>
               </a:ext>
             </a:extLst>
           </p:cNvPr>
@@ -5631,7 +5880,7 @@
           <p:cNvPr id="103" name="Straight Connector 102">
             <a:extLst>
               <a:ext uri="{FF2B5EF4-FFF2-40B4-BE49-F238E27FC236}">
-                <a16:creationId xmlns="" xmlns:a16="http://schemas.microsoft.com/office/drawing/2014/main" id="{E865F506-39E6-412E-A252-A31428B8E040}"/>
+                <a16:creationId xmlns:a16="http://schemas.microsoft.com/office/drawing/2014/main" id="{E865F506-39E6-412E-A252-A31428B8E040}"/>
               </a:ext>
             </a:extLst>
           </p:cNvPr>
@@ -5674,7 +5923,7 @@
           <p:cNvPr id="110" name="Straight Arrow Connector 109">
             <a:extLst>
               <a:ext uri="{FF2B5EF4-FFF2-40B4-BE49-F238E27FC236}">
-                <a16:creationId xmlns="" xmlns:a16="http://schemas.microsoft.com/office/drawing/2014/main" id="{E8B958EE-5EE0-4808-BB5D-8AF84300BFB3}"/>
+                <a16:creationId xmlns:a16="http://schemas.microsoft.com/office/drawing/2014/main" id="{E8B958EE-5EE0-4808-BB5D-8AF84300BFB3}"/>
               </a:ext>
             </a:extLst>
           </p:cNvPr>
@@ -5718,7 +5967,7 @@
           <p:cNvPr id="111" name="Straight Arrow Connector 110">
             <a:extLst>
               <a:ext uri="{FF2B5EF4-FFF2-40B4-BE49-F238E27FC236}">
-                <a16:creationId xmlns="" xmlns:a16="http://schemas.microsoft.com/office/drawing/2014/main" id="{701FA5EF-0179-41F2-B22D-FCC175001A48}"/>
+                <a16:creationId xmlns:a16="http://schemas.microsoft.com/office/drawing/2014/main" id="{701FA5EF-0179-41F2-B22D-FCC175001A48}"/>
               </a:ext>
             </a:extLst>
           </p:cNvPr>
@@ -5762,7 +6011,7 @@
           <p:cNvPr id="112" name="Straight Arrow Connector 111">
             <a:extLst>
               <a:ext uri="{FF2B5EF4-FFF2-40B4-BE49-F238E27FC236}">
-                <a16:creationId xmlns="" xmlns:a16="http://schemas.microsoft.com/office/drawing/2014/main" id="{AF569078-F334-430B-8950-9BEB338AB6EA}"/>
+                <a16:creationId xmlns:a16="http://schemas.microsoft.com/office/drawing/2014/main" id="{AF569078-F334-430B-8950-9BEB338AB6EA}"/>
               </a:ext>
             </a:extLst>
           </p:cNvPr>
@@ -5806,7 +6055,7 @@
           <p:cNvPr id="113" name="Straight Arrow Connector 112">
             <a:extLst>
               <a:ext uri="{FF2B5EF4-FFF2-40B4-BE49-F238E27FC236}">
-                <a16:creationId xmlns="" xmlns:a16="http://schemas.microsoft.com/office/drawing/2014/main" id="{9894B322-EF50-40E0-8415-FD1EB8F34947}"/>
+                <a16:creationId xmlns:a16="http://schemas.microsoft.com/office/drawing/2014/main" id="{9894B322-EF50-40E0-8415-FD1EB8F34947}"/>
               </a:ext>
             </a:extLst>
           </p:cNvPr>
@@ -5850,7 +6099,7 @@
           <p:cNvPr id="114" name="TextBox 113">
             <a:extLst>
               <a:ext uri="{FF2B5EF4-FFF2-40B4-BE49-F238E27FC236}">
-                <a16:creationId xmlns="" xmlns:a16="http://schemas.microsoft.com/office/drawing/2014/main" id="{E9064D73-DA84-45E4-878F-355289241361}"/>
+                <a16:creationId xmlns:a16="http://schemas.microsoft.com/office/drawing/2014/main" id="{E9064D73-DA84-45E4-878F-355289241361}"/>
               </a:ext>
             </a:extLst>
           </p:cNvPr>
@@ -5889,7 +6138,7 @@
           <p:cNvPr id="115" name="Arrow: Down 114">
             <a:extLst>
               <a:ext uri="{FF2B5EF4-FFF2-40B4-BE49-F238E27FC236}">
-                <a16:creationId xmlns="" xmlns:a16="http://schemas.microsoft.com/office/drawing/2014/main" id="{8CFCE75F-7AA7-4BF3-B044-4770D3A70008}"/>
+                <a16:creationId xmlns:a16="http://schemas.microsoft.com/office/drawing/2014/main" id="{8CFCE75F-7AA7-4BF3-B044-4770D3A70008}"/>
               </a:ext>
             </a:extLst>
           </p:cNvPr>
@@ -5941,7 +6190,7 @@
           <p:cNvPr id="116" name="Straight Arrow Connector 115">
             <a:extLst>
               <a:ext uri="{FF2B5EF4-FFF2-40B4-BE49-F238E27FC236}">
-                <a16:creationId xmlns="" xmlns:a16="http://schemas.microsoft.com/office/drawing/2014/main" id="{8E0EBC89-8ED8-4F07-B552-FDDF03B2E41D}"/>
+                <a16:creationId xmlns:a16="http://schemas.microsoft.com/office/drawing/2014/main" id="{8E0EBC89-8ED8-4F07-B552-FDDF03B2E41D}"/>
               </a:ext>
             </a:extLst>
           </p:cNvPr>
@@ -5987,7 +6236,7 @@
           <p:cNvPr id="117" name="TextBox 116">
             <a:extLst>
               <a:ext uri="{FF2B5EF4-FFF2-40B4-BE49-F238E27FC236}">
-                <a16:creationId xmlns="" xmlns:a16="http://schemas.microsoft.com/office/drawing/2014/main" id="{DC4F584F-869A-4EC5-BD3F-B43D6F04B109}"/>
+                <a16:creationId xmlns:a16="http://schemas.microsoft.com/office/drawing/2014/main" id="{DC4F584F-869A-4EC5-BD3F-B43D6F04B109}"/>
               </a:ext>
             </a:extLst>
           </p:cNvPr>
@@ -6037,7 +6286,7 @@
           <p:cNvPr id="118" name="Picture 2">
             <a:extLst>
               <a:ext uri="{FF2B5EF4-FFF2-40B4-BE49-F238E27FC236}">
-                <a16:creationId xmlns="" xmlns:a16="http://schemas.microsoft.com/office/drawing/2014/main" id="{7EAFE767-B908-419E-B4E7-05DAB402B5BB}"/>
+                <a16:creationId xmlns:a16="http://schemas.microsoft.com/office/drawing/2014/main" id="{7EAFE767-B908-419E-B4E7-05DAB402B5BB}"/>
               </a:ext>
             </a:extLst>
           </p:cNvPr>
@@ -6107,7 +6356,7 @@
           <p:cNvPr id="13" name="Group 12">
             <a:extLst>
               <a:ext uri="{FF2B5EF4-FFF2-40B4-BE49-F238E27FC236}">
-                <a16:creationId xmlns="" xmlns:a16="http://schemas.microsoft.com/office/drawing/2014/main" id="{DD9AE47D-D12F-4154-BB04-4D3D34BE33AE}"/>
+                <a16:creationId xmlns:a16="http://schemas.microsoft.com/office/drawing/2014/main" id="{DD9AE47D-D12F-4154-BB04-4D3D34BE33AE}"/>
               </a:ext>
             </a:extLst>
           </p:cNvPr>
@@ -6127,7 +6376,7 @@
             <p:cNvPr id="119" name="Picture 118">
               <a:extLst>
                 <a:ext uri="{FF2B5EF4-FFF2-40B4-BE49-F238E27FC236}">
-                  <a16:creationId xmlns="" xmlns:a16="http://schemas.microsoft.com/office/drawing/2014/main" id="{8569128C-0619-4279-963D-AE7C028B50F8}"/>
+                  <a16:creationId xmlns:a16="http://schemas.microsoft.com/office/drawing/2014/main" id="{8569128C-0619-4279-963D-AE7C028B50F8}"/>
                 </a:ext>
               </a:extLst>
             </p:cNvPr>
@@ -6155,7 +6404,7 @@
             <p:cNvPr id="120" name="Picture 119">
               <a:extLst>
                 <a:ext uri="{FF2B5EF4-FFF2-40B4-BE49-F238E27FC236}">
-                  <a16:creationId xmlns="" xmlns:a16="http://schemas.microsoft.com/office/drawing/2014/main" id="{8B747FC8-E2F4-4A4F-A22C-CE38FE1C73EE}"/>
+                  <a16:creationId xmlns:a16="http://schemas.microsoft.com/office/drawing/2014/main" id="{8B747FC8-E2F4-4A4F-A22C-CE38FE1C73EE}"/>
                 </a:ext>
               </a:extLst>
             </p:cNvPr>
@@ -6183,7 +6432,7 @@
             <p:cNvPr id="121" name="Picture 120">
               <a:extLst>
                 <a:ext uri="{FF2B5EF4-FFF2-40B4-BE49-F238E27FC236}">
-                  <a16:creationId xmlns="" xmlns:a16="http://schemas.microsoft.com/office/drawing/2014/main" id="{C5D34CA6-4297-482B-89D7-F88D49D89624}"/>
+                  <a16:creationId xmlns:a16="http://schemas.microsoft.com/office/drawing/2014/main" id="{C5D34CA6-4297-482B-89D7-F88D49D89624}"/>
                 </a:ext>
               </a:extLst>
             </p:cNvPr>
@@ -6212,7 +6461,7 @@
           <p:cNvPr id="122" name="Picture 121">
             <a:extLst>
               <a:ext uri="{FF2B5EF4-FFF2-40B4-BE49-F238E27FC236}">
-                <a16:creationId xmlns="" xmlns:a16="http://schemas.microsoft.com/office/drawing/2014/main" id="{B162C919-E530-41D0-B8DE-285A262718DC}"/>
+                <a16:creationId xmlns:a16="http://schemas.microsoft.com/office/drawing/2014/main" id="{B162C919-E530-41D0-B8DE-285A262718DC}"/>
               </a:ext>
             </a:extLst>
           </p:cNvPr>
@@ -6240,7 +6489,7 @@
           <p:cNvPr id="124" name="Picture 123" descr="Free Icon | Wifi">
             <a:extLst>
               <a:ext uri="{FF2B5EF4-FFF2-40B4-BE49-F238E27FC236}">
-                <a16:creationId xmlns="" xmlns:a16="http://schemas.microsoft.com/office/drawing/2014/main" id="{53DEC4AC-7083-4137-853A-196172679253}"/>
+                <a16:creationId xmlns:a16="http://schemas.microsoft.com/office/drawing/2014/main" id="{53DEC4AC-7083-4137-853A-196172679253}"/>
               </a:ext>
             </a:extLst>
           </p:cNvPr>
@@ -6279,7 +6528,7 @@
           <p:cNvPr id="125" name="Picture 124">
             <a:extLst>
               <a:ext uri="{FF2B5EF4-FFF2-40B4-BE49-F238E27FC236}">
-                <a16:creationId xmlns="" xmlns:a16="http://schemas.microsoft.com/office/drawing/2014/main" id="{4A694F61-56DD-44EC-9C94-5B51CD55A6AD}"/>
+                <a16:creationId xmlns:a16="http://schemas.microsoft.com/office/drawing/2014/main" id="{4A694F61-56DD-44EC-9C94-5B51CD55A6AD}"/>
               </a:ext>
             </a:extLst>
           </p:cNvPr>
@@ -6307,7 +6556,7 @@
           <p:cNvPr id="126" name="Picture 125">
             <a:extLst>
               <a:ext uri="{FF2B5EF4-FFF2-40B4-BE49-F238E27FC236}">
-                <a16:creationId xmlns="" xmlns:a16="http://schemas.microsoft.com/office/drawing/2014/main" id="{1070B515-8811-4DB0-B73F-A655CDA1F65D}"/>
+                <a16:creationId xmlns:a16="http://schemas.microsoft.com/office/drawing/2014/main" id="{1070B515-8811-4DB0-B73F-A655CDA1F65D}"/>
               </a:ext>
             </a:extLst>
           </p:cNvPr>
@@ -6335,7 +6584,7 @@
           <p:cNvPr id="127" name="TextBox 126">
             <a:extLst>
               <a:ext uri="{FF2B5EF4-FFF2-40B4-BE49-F238E27FC236}">
-                <a16:creationId xmlns="" xmlns:a16="http://schemas.microsoft.com/office/drawing/2014/main" id="{A95CCAB4-6FC7-49A6-8666-4575A0CA9B0B}"/>
+                <a16:creationId xmlns:a16="http://schemas.microsoft.com/office/drawing/2014/main" id="{A95CCAB4-6FC7-49A6-8666-4575A0CA9B0B}"/>
               </a:ext>
             </a:extLst>
           </p:cNvPr>
@@ -6367,7 +6616,7 @@
               <a:t>E</a:t>
             </a:r>
             <a:r>
-              <a:rPr lang="en-ID" b="1" dirty="0" err="1">
+              <a:rPr lang="en-ID" b="1" dirty="0">
                 <a:solidFill>
                   <a:srgbClr val="0000FF"/>
                 </a:solidFill>
@@ -6387,7 +6636,7 @@
           <p:cNvPr id="129" name="TextBox 128">
             <a:extLst>
               <a:ext uri="{FF2B5EF4-FFF2-40B4-BE49-F238E27FC236}">
-                <a16:creationId xmlns="" xmlns:a16="http://schemas.microsoft.com/office/drawing/2014/main" id="{E39A3AB8-C796-4956-8252-D950C226E4A3}"/>
+                <a16:creationId xmlns:a16="http://schemas.microsoft.com/office/drawing/2014/main" id="{E39A3AB8-C796-4956-8252-D950C226E4A3}"/>
               </a:ext>
             </a:extLst>
           </p:cNvPr>
@@ -6426,7 +6675,7 @@
           <p:cNvPr id="130" name="Straight Connector 129">
             <a:extLst>
               <a:ext uri="{FF2B5EF4-FFF2-40B4-BE49-F238E27FC236}">
-                <a16:creationId xmlns="" xmlns:a16="http://schemas.microsoft.com/office/drawing/2014/main" id="{9DF291A7-41F4-4DE6-AE15-E1C86F573651}"/>
+                <a16:creationId xmlns:a16="http://schemas.microsoft.com/office/drawing/2014/main" id="{9DF291A7-41F4-4DE6-AE15-E1C86F573651}"/>
               </a:ext>
             </a:extLst>
           </p:cNvPr>
@@ -6469,7 +6718,7 @@
           <p:cNvPr id="131" name="Straight Arrow Connector 130">
             <a:extLst>
               <a:ext uri="{FF2B5EF4-FFF2-40B4-BE49-F238E27FC236}">
-                <a16:creationId xmlns="" xmlns:a16="http://schemas.microsoft.com/office/drawing/2014/main" id="{C1FCFB29-B377-49B7-AE4A-C6D22253A121}"/>
+                <a16:creationId xmlns:a16="http://schemas.microsoft.com/office/drawing/2014/main" id="{C1FCFB29-B377-49B7-AE4A-C6D22253A121}"/>
               </a:ext>
             </a:extLst>
           </p:cNvPr>
@@ -6513,7 +6762,7 @@
           <p:cNvPr id="132" name="Straight Arrow Connector 131">
             <a:extLst>
               <a:ext uri="{FF2B5EF4-FFF2-40B4-BE49-F238E27FC236}">
-                <a16:creationId xmlns="" xmlns:a16="http://schemas.microsoft.com/office/drawing/2014/main" id="{437E4990-C17A-4FBD-B288-E7FEE10A8B47}"/>
+                <a16:creationId xmlns:a16="http://schemas.microsoft.com/office/drawing/2014/main" id="{437E4990-C17A-4FBD-B288-E7FEE10A8B47}"/>
               </a:ext>
             </a:extLst>
           </p:cNvPr>
@@ -6557,7 +6806,7 @@
           <p:cNvPr id="133" name="Straight Arrow Connector 132">
             <a:extLst>
               <a:ext uri="{FF2B5EF4-FFF2-40B4-BE49-F238E27FC236}">
-                <a16:creationId xmlns="" xmlns:a16="http://schemas.microsoft.com/office/drawing/2014/main" id="{3C070CA1-7CB4-4E4C-8996-587C0DF6380E}"/>
+                <a16:creationId xmlns:a16="http://schemas.microsoft.com/office/drawing/2014/main" id="{3C070CA1-7CB4-4E4C-8996-587C0DF6380E}"/>
               </a:ext>
             </a:extLst>
           </p:cNvPr>
@@ -6601,7 +6850,7 @@
           <p:cNvPr id="134" name="Straight Arrow Connector 133">
             <a:extLst>
               <a:ext uri="{FF2B5EF4-FFF2-40B4-BE49-F238E27FC236}">
-                <a16:creationId xmlns="" xmlns:a16="http://schemas.microsoft.com/office/drawing/2014/main" id="{FC701DDD-2159-4659-A0CA-3419EE1C595C}"/>
+                <a16:creationId xmlns:a16="http://schemas.microsoft.com/office/drawing/2014/main" id="{FC701DDD-2159-4659-A0CA-3419EE1C595C}"/>
               </a:ext>
             </a:extLst>
           </p:cNvPr>
@@ -6645,7 +6894,7 @@
           <p:cNvPr id="135" name="TextBox 134">
             <a:extLst>
               <a:ext uri="{FF2B5EF4-FFF2-40B4-BE49-F238E27FC236}">
-                <a16:creationId xmlns="" xmlns:a16="http://schemas.microsoft.com/office/drawing/2014/main" id="{CCB08C6A-B88F-466B-9016-90EEB67A179B}"/>
+                <a16:creationId xmlns:a16="http://schemas.microsoft.com/office/drawing/2014/main" id="{CCB08C6A-B88F-466B-9016-90EEB67A179B}"/>
               </a:ext>
             </a:extLst>
           </p:cNvPr>
@@ -6684,7 +6933,7 @@
           <p:cNvPr id="136" name="Arrow: Down 135">
             <a:extLst>
               <a:ext uri="{FF2B5EF4-FFF2-40B4-BE49-F238E27FC236}">
-                <a16:creationId xmlns="" xmlns:a16="http://schemas.microsoft.com/office/drawing/2014/main" id="{DFF46CD1-F7A1-44D1-A40D-EB507AC19AB7}"/>
+                <a16:creationId xmlns:a16="http://schemas.microsoft.com/office/drawing/2014/main" id="{DFF46CD1-F7A1-44D1-A40D-EB507AC19AB7}"/>
               </a:ext>
             </a:extLst>
           </p:cNvPr>
@@ -6736,7 +6985,7 @@
           <p:cNvPr id="137" name="Straight Arrow Connector 136">
             <a:extLst>
               <a:ext uri="{FF2B5EF4-FFF2-40B4-BE49-F238E27FC236}">
-                <a16:creationId xmlns="" xmlns:a16="http://schemas.microsoft.com/office/drawing/2014/main" id="{8F992FA7-D08C-438C-A43F-47DBDCC12409}"/>
+                <a16:creationId xmlns:a16="http://schemas.microsoft.com/office/drawing/2014/main" id="{8F992FA7-D08C-438C-A43F-47DBDCC12409}"/>
               </a:ext>
             </a:extLst>
           </p:cNvPr>
@@ -6782,7 +7031,7 @@
           <p:cNvPr id="138" name="TextBox 137">
             <a:extLst>
               <a:ext uri="{FF2B5EF4-FFF2-40B4-BE49-F238E27FC236}">
-                <a16:creationId xmlns="" xmlns:a16="http://schemas.microsoft.com/office/drawing/2014/main" id="{759D9C9A-697F-41AF-B4E7-ED889C2499F2}"/>
+                <a16:creationId xmlns:a16="http://schemas.microsoft.com/office/drawing/2014/main" id="{759D9C9A-697F-41AF-B4E7-ED889C2499F2}"/>
               </a:ext>
             </a:extLst>
           </p:cNvPr>
@@ -6832,7 +7081,7 @@
           <p:cNvPr id="139" name="Picture 2">
             <a:extLst>
               <a:ext uri="{FF2B5EF4-FFF2-40B4-BE49-F238E27FC236}">
-                <a16:creationId xmlns="" xmlns:a16="http://schemas.microsoft.com/office/drawing/2014/main" id="{44B1DE2B-5459-4559-8528-F531AB2F47CC}"/>
+                <a16:creationId xmlns:a16="http://schemas.microsoft.com/office/drawing/2014/main" id="{44B1DE2B-5459-4559-8528-F531AB2F47CC}"/>
               </a:ext>
             </a:extLst>
           </p:cNvPr>
@@ -6902,7 +7151,7 @@
           <p:cNvPr id="140" name="Group 139">
             <a:extLst>
               <a:ext uri="{FF2B5EF4-FFF2-40B4-BE49-F238E27FC236}">
-                <a16:creationId xmlns="" xmlns:a16="http://schemas.microsoft.com/office/drawing/2014/main" id="{4AC26AC4-8582-4AF1-9662-4C653C054F44}"/>
+                <a16:creationId xmlns:a16="http://schemas.microsoft.com/office/drawing/2014/main" id="{4AC26AC4-8582-4AF1-9662-4C653C054F44}"/>
               </a:ext>
             </a:extLst>
           </p:cNvPr>
@@ -6922,7 +7171,7 @@
             <p:cNvPr id="142" name="Picture 141">
               <a:extLst>
                 <a:ext uri="{FF2B5EF4-FFF2-40B4-BE49-F238E27FC236}">
-                  <a16:creationId xmlns="" xmlns:a16="http://schemas.microsoft.com/office/drawing/2014/main" id="{F766DA8B-BC49-49A9-BF21-6C3D92420AE5}"/>
+                  <a16:creationId xmlns:a16="http://schemas.microsoft.com/office/drawing/2014/main" id="{F766DA8B-BC49-49A9-BF21-6C3D92420AE5}"/>
                 </a:ext>
               </a:extLst>
             </p:cNvPr>
@@ -6950,7 +7199,7 @@
             <p:cNvPr id="143" name="Picture 142">
               <a:extLst>
                 <a:ext uri="{FF2B5EF4-FFF2-40B4-BE49-F238E27FC236}">
-                  <a16:creationId xmlns="" xmlns:a16="http://schemas.microsoft.com/office/drawing/2014/main" id="{60A87426-69E1-4E00-A79F-BE673237C80D}"/>
+                  <a16:creationId xmlns:a16="http://schemas.microsoft.com/office/drawing/2014/main" id="{60A87426-69E1-4E00-A79F-BE673237C80D}"/>
                 </a:ext>
               </a:extLst>
             </p:cNvPr>
@@ -6978,7 +7227,7 @@
             <p:cNvPr id="144" name="Picture 143">
               <a:extLst>
                 <a:ext uri="{FF2B5EF4-FFF2-40B4-BE49-F238E27FC236}">
-                  <a16:creationId xmlns="" xmlns:a16="http://schemas.microsoft.com/office/drawing/2014/main" id="{BA800670-4E89-4822-9FE3-B81C5A84579E}"/>
+                  <a16:creationId xmlns:a16="http://schemas.microsoft.com/office/drawing/2014/main" id="{BA800670-4E89-4822-9FE3-B81C5A84579E}"/>
                 </a:ext>
               </a:extLst>
             </p:cNvPr>
@@ -7007,7 +7256,7 @@
           <p:cNvPr id="141" name="Picture 140">
             <a:extLst>
               <a:ext uri="{FF2B5EF4-FFF2-40B4-BE49-F238E27FC236}">
-                <a16:creationId xmlns="" xmlns:a16="http://schemas.microsoft.com/office/drawing/2014/main" id="{E8497B39-C585-4FA1-A77E-6295925A3A10}"/>
+                <a16:creationId xmlns:a16="http://schemas.microsoft.com/office/drawing/2014/main" id="{E8497B39-C585-4FA1-A77E-6295925A3A10}"/>
               </a:ext>
             </a:extLst>
           </p:cNvPr>
@@ -7035,7 +7284,7 @@
           <p:cNvPr id="146" name="Picture 145" descr="Free Icon | Wifi">
             <a:extLst>
               <a:ext uri="{FF2B5EF4-FFF2-40B4-BE49-F238E27FC236}">
-                <a16:creationId xmlns="" xmlns:a16="http://schemas.microsoft.com/office/drawing/2014/main" id="{400471C8-AF8F-4F03-9F7F-E4AF9D009651}"/>
+                <a16:creationId xmlns:a16="http://schemas.microsoft.com/office/drawing/2014/main" id="{400471C8-AF8F-4F03-9F7F-E4AF9D009651}"/>
               </a:ext>
             </a:extLst>
           </p:cNvPr>
@@ -7074,7 +7323,7 @@
           <p:cNvPr id="147" name="Picture 146">
             <a:extLst>
               <a:ext uri="{FF2B5EF4-FFF2-40B4-BE49-F238E27FC236}">
-                <a16:creationId xmlns="" xmlns:a16="http://schemas.microsoft.com/office/drawing/2014/main" id="{A87A795B-6EF4-4302-BE56-81D3EB784528}"/>
+                <a16:creationId xmlns:a16="http://schemas.microsoft.com/office/drawing/2014/main" id="{A87A795B-6EF4-4302-BE56-81D3EB784528}"/>
               </a:ext>
             </a:extLst>
           </p:cNvPr>
@@ -7102,7 +7351,7 @@
           <p:cNvPr id="148" name="Picture 147">
             <a:extLst>
               <a:ext uri="{FF2B5EF4-FFF2-40B4-BE49-F238E27FC236}">
-                <a16:creationId xmlns="" xmlns:a16="http://schemas.microsoft.com/office/drawing/2014/main" id="{B9BA4EBB-7917-478F-9609-5EB5FFA55FC3}"/>
+                <a16:creationId xmlns:a16="http://schemas.microsoft.com/office/drawing/2014/main" id="{B9BA4EBB-7917-478F-9609-5EB5FFA55FC3}"/>
               </a:ext>
             </a:extLst>
           </p:cNvPr>
@@ -7130,7 +7379,7 @@
           <p:cNvPr id="149" name="TextBox 148">
             <a:extLst>
               <a:ext uri="{FF2B5EF4-FFF2-40B4-BE49-F238E27FC236}">
-                <a16:creationId xmlns="" xmlns:a16="http://schemas.microsoft.com/office/drawing/2014/main" id="{F30C4C3C-680C-41D5-9C69-0BE265B22526}"/>
+                <a16:creationId xmlns:a16="http://schemas.microsoft.com/office/drawing/2014/main" id="{F30C4C3C-680C-41D5-9C69-0BE265B22526}"/>
               </a:ext>
             </a:extLst>
           </p:cNvPr>
@@ -7162,7 +7411,7 @@
               <a:t>E</a:t>
             </a:r>
             <a:r>
-              <a:rPr lang="en-ID" b="1" dirty="0" err="1">
+              <a:rPr lang="en-ID" b="1" dirty="0">
                 <a:solidFill>
                   <a:srgbClr val="0000FF"/>
                 </a:solidFill>
@@ -7182,7 +7431,7 @@
           <p:cNvPr id="151" name="TextBox 150">
             <a:extLst>
               <a:ext uri="{FF2B5EF4-FFF2-40B4-BE49-F238E27FC236}">
-                <a16:creationId xmlns="" xmlns:a16="http://schemas.microsoft.com/office/drawing/2014/main" id="{59608F00-0360-4995-AE2C-04C7DA329F16}"/>
+                <a16:creationId xmlns:a16="http://schemas.microsoft.com/office/drawing/2014/main" id="{59608F00-0360-4995-AE2C-04C7DA329F16}"/>
               </a:ext>
             </a:extLst>
           </p:cNvPr>
@@ -7221,7 +7470,7 @@
           <p:cNvPr id="152" name="Straight Connector 151">
             <a:extLst>
               <a:ext uri="{FF2B5EF4-FFF2-40B4-BE49-F238E27FC236}">
-                <a16:creationId xmlns="" xmlns:a16="http://schemas.microsoft.com/office/drawing/2014/main" id="{A1D3B135-9E1F-4715-BBDB-B743EB32E933}"/>
+                <a16:creationId xmlns:a16="http://schemas.microsoft.com/office/drawing/2014/main" id="{A1D3B135-9E1F-4715-BBDB-B743EB32E933}"/>
               </a:ext>
             </a:extLst>
           </p:cNvPr>
@@ -7264,7 +7513,7 @@
           <p:cNvPr id="153" name="Straight Arrow Connector 152">
             <a:extLst>
               <a:ext uri="{FF2B5EF4-FFF2-40B4-BE49-F238E27FC236}">
-                <a16:creationId xmlns="" xmlns:a16="http://schemas.microsoft.com/office/drawing/2014/main" id="{D1770F5E-EA21-4850-8494-C4C2D80A1B20}"/>
+                <a16:creationId xmlns:a16="http://schemas.microsoft.com/office/drawing/2014/main" id="{D1770F5E-EA21-4850-8494-C4C2D80A1B20}"/>
               </a:ext>
             </a:extLst>
           </p:cNvPr>
@@ -7308,7 +7557,7 @@
           <p:cNvPr id="154" name="Straight Arrow Connector 153">
             <a:extLst>
               <a:ext uri="{FF2B5EF4-FFF2-40B4-BE49-F238E27FC236}">
-                <a16:creationId xmlns="" xmlns:a16="http://schemas.microsoft.com/office/drawing/2014/main" id="{C8E3FE0E-5E92-477B-BACE-E898B0C12B07}"/>
+                <a16:creationId xmlns:a16="http://schemas.microsoft.com/office/drawing/2014/main" id="{C8E3FE0E-5E92-477B-BACE-E898B0C12B07}"/>
               </a:ext>
             </a:extLst>
           </p:cNvPr>
@@ -7352,7 +7601,7 @@
           <p:cNvPr id="155" name="Straight Arrow Connector 154">
             <a:extLst>
               <a:ext uri="{FF2B5EF4-FFF2-40B4-BE49-F238E27FC236}">
-                <a16:creationId xmlns="" xmlns:a16="http://schemas.microsoft.com/office/drawing/2014/main" id="{DBF37D8A-2F61-4869-A6C6-524233FA9B12}"/>
+                <a16:creationId xmlns:a16="http://schemas.microsoft.com/office/drawing/2014/main" id="{DBF37D8A-2F61-4869-A6C6-524233FA9B12}"/>
               </a:ext>
             </a:extLst>
           </p:cNvPr>
@@ -7396,7 +7645,7 @@
           <p:cNvPr id="156" name="Straight Arrow Connector 155">
             <a:extLst>
               <a:ext uri="{FF2B5EF4-FFF2-40B4-BE49-F238E27FC236}">
-                <a16:creationId xmlns="" xmlns:a16="http://schemas.microsoft.com/office/drawing/2014/main" id="{A625D55F-5F09-486D-9A2E-2D267A148440}"/>
+                <a16:creationId xmlns:a16="http://schemas.microsoft.com/office/drawing/2014/main" id="{A625D55F-5F09-486D-9A2E-2D267A148440}"/>
               </a:ext>
             </a:extLst>
           </p:cNvPr>
@@ -7440,7 +7689,7 @@
           <p:cNvPr id="157" name="TextBox 156">
             <a:extLst>
               <a:ext uri="{FF2B5EF4-FFF2-40B4-BE49-F238E27FC236}">
-                <a16:creationId xmlns="" xmlns:a16="http://schemas.microsoft.com/office/drawing/2014/main" id="{3B1C1B6A-2C75-43CC-A447-4B561C1C2B06}"/>
+                <a16:creationId xmlns:a16="http://schemas.microsoft.com/office/drawing/2014/main" id="{3B1C1B6A-2C75-43CC-A447-4B561C1C2B06}"/>
               </a:ext>
             </a:extLst>
           </p:cNvPr>
@@ -7479,7 +7728,7 @@
           <p:cNvPr id="158" name="Arrow: Down 157">
             <a:extLst>
               <a:ext uri="{FF2B5EF4-FFF2-40B4-BE49-F238E27FC236}">
-                <a16:creationId xmlns="" xmlns:a16="http://schemas.microsoft.com/office/drawing/2014/main" id="{E3FB393C-BE89-42B7-8E61-C434739C9007}"/>
+                <a16:creationId xmlns:a16="http://schemas.microsoft.com/office/drawing/2014/main" id="{E3FB393C-BE89-42B7-8E61-C434739C9007}"/>
               </a:ext>
             </a:extLst>
           </p:cNvPr>
@@ -7531,7 +7780,7 @@
           <p:cNvPr id="159" name="Straight Arrow Connector 158">
             <a:extLst>
               <a:ext uri="{FF2B5EF4-FFF2-40B4-BE49-F238E27FC236}">
-                <a16:creationId xmlns="" xmlns:a16="http://schemas.microsoft.com/office/drawing/2014/main" id="{4736D311-FC35-4A01-A271-0230817C9E28}"/>
+                <a16:creationId xmlns:a16="http://schemas.microsoft.com/office/drawing/2014/main" id="{4736D311-FC35-4A01-A271-0230817C9E28}"/>
               </a:ext>
             </a:extLst>
           </p:cNvPr>
@@ -7577,7 +7826,7 @@
           <p:cNvPr id="160" name="TextBox 159">
             <a:extLst>
               <a:ext uri="{FF2B5EF4-FFF2-40B4-BE49-F238E27FC236}">
-                <a16:creationId xmlns="" xmlns:a16="http://schemas.microsoft.com/office/drawing/2014/main" id="{E9234FC1-B780-485A-BC1D-27D488028FF2}"/>
+                <a16:creationId xmlns:a16="http://schemas.microsoft.com/office/drawing/2014/main" id="{E9234FC1-B780-485A-BC1D-27D488028FF2}"/>
               </a:ext>
             </a:extLst>
           </p:cNvPr>
@@ -7627,7 +7876,7 @@
           <p:cNvPr id="161" name="Picture 2">
             <a:extLst>
               <a:ext uri="{FF2B5EF4-FFF2-40B4-BE49-F238E27FC236}">
-                <a16:creationId xmlns="" xmlns:a16="http://schemas.microsoft.com/office/drawing/2014/main" id="{6FA8644C-4157-4C29-A9AB-7895426E89EE}"/>
+                <a16:creationId xmlns:a16="http://schemas.microsoft.com/office/drawing/2014/main" id="{6FA8644C-4157-4C29-A9AB-7895426E89EE}"/>
               </a:ext>
             </a:extLst>
           </p:cNvPr>
@@ -7697,7 +7946,7 @@
           <p:cNvPr id="162" name="Group 161">
             <a:extLst>
               <a:ext uri="{FF2B5EF4-FFF2-40B4-BE49-F238E27FC236}">
-                <a16:creationId xmlns="" xmlns:a16="http://schemas.microsoft.com/office/drawing/2014/main" id="{8AA417C8-2A5F-4DB9-A327-478DEFA0F1FE}"/>
+                <a16:creationId xmlns:a16="http://schemas.microsoft.com/office/drawing/2014/main" id="{8AA417C8-2A5F-4DB9-A327-478DEFA0F1FE}"/>
               </a:ext>
             </a:extLst>
           </p:cNvPr>
@@ -7717,7 +7966,7 @@
             <p:cNvPr id="164" name="Picture 163">
               <a:extLst>
                 <a:ext uri="{FF2B5EF4-FFF2-40B4-BE49-F238E27FC236}">
-                  <a16:creationId xmlns="" xmlns:a16="http://schemas.microsoft.com/office/drawing/2014/main" id="{7AB6C7DC-8C4D-480E-8465-19855F19BB49}"/>
+                  <a16:creationId xmlns:a16="http://schemas.microsoft.com/office/drawing/2014/main" id="{7AB6C7DC-8C4D-480E-8465-19855F19BB49}"/>
                 </a:ext>
               </a:extLst>
             </p:cNvPr>
@@ -7745,7 +7994,7 @@
             <p:cNvPr id="165" name="Picture 164">
               <a:extLst>
                 <a:ext uri="{FF2B5EF4-FFF2-40B4-BE49-F238E27FC236}">
-                  <a16:creationId xmlns="" xmlns:a16="http://schemas.microsoft.com/office/drawing/2014/main" id="{8D424CF8-98CA-4442-9CBB-1C6B6677CA03}"/>
+                  <a16:creationId xmlns:a16="http://schemas.microsoft.com/office/drawing/2014/main" id="{8D424CF8-98CA-4442-9CBB-1C6B6677CA03}"/>
                 </a:ext>
               </a:extLst>
             </p:cNvPr>
@@ -7773,7 +8022,7 @@
             <p:cNvPr id="166" name="Picture 165">
               <a:extLst>
                 <a:ext uri="{FF2B5EF4-FFF2-40B4-BE49-F238E27FC236}">
-                  <a16:creationId xmlns="" xmlns:a16="http://schemas.microsoft.com/office/drawing/2014/main" id="{A0F38DD2-225D-4228-9076-B8596901A09B}"/>
+                  <a16:creationId xmlns:a16="http://schemas.microsoft.com/office/drawing/2014/main" id="{A0F38DD2-225D-4228-9076-B8596901A09B}"/>
                 </a:ext>
               </a:extLst>
             </p:cNvPr>
@@ -7802,7 +8051,7 @@
           <p:cNvPr id="163" name="Picture 162">
             <a:extLst>
               <a:ext uri="{FF2B5EF4-FFF2-40B4-BE49-F238E27FC236}">
-                <a16:creationId xmlns="" xmlns:a16="http://schemas.microsoft.com/office/drawing/2014/main" id="{548E5F0E-DC66-41FE-810E-8A55BE941A57}"/>
+                <a16:creationId xmlns:a16="http://schemas.microsoft.com/office/drawing/2014/main" id="{548E5F0E-DC66-41FE-810E-8A55BE941A57}"/>
               </a:ext>
             </a:extLst>
           </p:cNvPr>
@@ -7830,7 +8079,7 @@
           <p:cNvPr id="167" name="TextBox 166">
             <a:extLst>
               <a:ext uri="{FF2B5EF4-FFF2-40B4-BE49-F238E27FC236}">
-                <a16:creationId xmlns="" xmlns:a16="http://schemas.microsoft.com/office/drawing/2014/main" id="{844FFFA2-95FD-44EC-81E9-4E773A5EFF75}"/>
+                <a16:creationId xmlns:a16="http://schemas.microsoft.com/office/drawing/2014/main" id="{844FFFA2-95FD-44EC-81E9-4E773A5EFF75}"/>
               </a:ext>
             </a:extLst>
           </p:cNvPr>
@@ -7874,7 +8123,7 @@
           <p:cNvPr id="168" name="TextBox 167">
             <a:extLst>
               <a:ext uri="{FF2B5EF4-FFF2-40B4-BE49-F238E27FC236}">
-                <a16:creationId xmlns="" xmlns:a16="http://schemas.microsoft.com/office/drawing/2014/main" id="{0C242035-3919-48F6-B3E7-DF24DD4E2B78}"/>
+                <a16:creationId xmlns:a16="http://schemas.microsoft.com/office/drawing/2014/main" id="{0C242035-3919-48F6-B3E7-DF24DD4E2B78}"/>
               </a:ext>
             </a:extLst>
           </p:cNvPr>
@@ -7913,68 +8162,18 @@
           </a:p>
         </p:txBody>
       </p:sp>
-      <p:sp>
-        <p:nvSpPr>
-          <p:cNvPr id="171" name="TextBox 170">
-            <a:extLst>
-              <a:ext uri="{FF2B5EF4-FFF2-40B4-BE49-F238E27FC236}">
-                <a16:creationId xmlns="" xmlns:a16="http://schemas.microsoft.com/office/drawing/2014/main" id="{D3D2C1E7-A24B-4E4F-9338-4E3CC945B96E}"/>
-              </a:ext>
-            </a:extLst>
-          </p:cNvPr>
-          <p:cNvSpPr txBox="1"/>
-          <p:nvPr/>
-        </p:nvSpPr>
-        <p:spPr>
-          <a:xfrm>
-            <a:off x="2151087" y="212821"/>
-            <a:ext cx="4020588" cy="369332"/>
-          </a:xfrm>
-          <a:prstGeom prst="rect">
-            <a:avLst/>
-          </a:prstGeom>
-          <a:noFill/>
-        </p:spPr>
-        <p:txBody>
-          <a:bodyPr wrap="none" rtlCol="0">
-            <a:spAutoFit/>
-          </a:bodyPr>
-          <a:lstStyle/>
-          <a:p>
-            <a:r>
-              <a:rPr lang="en-US" b="1" dirty="0">
-                <a:solidFill>
-                  <a:srgbClr val="0000FF"/>
-                </a:solidFill>
-              </a:rPr>
-              <a:t>W</a:t>
-            </a:r>
-            <a:r>
-              <a:rPr lang="en-ID" b="1" dirty="0">
-                <a:solidFill>
-                  <a:srgbClr val="0000FF"/>
-                </a:solidFill>
-              </a:rPr>
-              <a:t>FPS – Wireless Fire Protection System</a:t>
-            </a:r>
-            <a:endParaRPr lang="en-US" b="1" dirty="0">
-              <a:solidFill>
-                <a:srgbClr val="0000FF"/>
-              </a:solidFill>
-            </a:endParaRPr>
-          </a:p>
-        </p:txBody>
-      </p:sp>
       <p:pic>
         <p:nvPicPr>
-          <p:cNvPr id="89" name="Picture 2"/>
+          <p:cNvPr id="89" name="Picture 2">
+            <a:hlinkClick r:id="rId11" action="ppaction://hlinksldjump"/>
+          </p:cNvPr>
           <p:cNvPicPr>
             <a:picLocks noChangeAspect="1" noChangeArrowheads="1"/>
           </p:cNvPicPr>
           <p:nvPr/>
         </p:nvPicPr>
         <p:blipFill>
-          <a:blip r:embed="rId11" cstate="email">
+          <a:blip r:embed="rId12" cstate="email">
             <a:extLst>
               <a:ext uri="{28A0092B-C50C-407E-A947-70E740481C1C}">
                 <a14:useLocalDpi xmlns:a14="http://schemas.microsoft.com/office/drawing/2010/main" val="0"/>
@@ -8031,14 +8230,16 @@
       </p:pic>
       <p:pic>
         <p:nvPicPr>
-          <p:cNvPr id="90" name="Picture 2"/>
+          <p:cNvPr id="90" name="Picture 2">
+            <a:hlinkClick r:id="rId11" action="ppaction://hlinksldjump"/>
+          </p:cNvPr>
           <p:cNvPicPr>
             <a:picLocks noChangeAspect="1" noChangeArrowheads="1"/>
           </p:cNvPicPr>
           <p:nvPr/>
         </p:nvPicPr>
         <p:blipFill>
-          <a:blip r:embed="rId11" cstate="email">
+          <a:blip r:embed="rId12" cstate="email">
             <a:extLst>
               <a:ext uri="{28A0092B-C50C-407E-A947-70E740481C1C}">
                 <a14:useLocalDpi xmlns:a14="http://schemas.microsoft.com/office/drawing/2010/main" val="0"/>
@@ -8095,14 +8296,16 @@
       </p:pic>
       <p:pic>
         <p:nvPicPr>
-          <p:cNvPr id="92" name="Picture 2"/>
+          <p:cNvPr id="92" name="Picture 2">
+            <a:hlinkClick r:id="rId11" action="ppaction://hlinksldjump"/>
+          </p:cNvPr>
           <p:cNvPicPr>
             <a:picLocks noChangeAspect="1" noChangeArrowheads="1"/>
           </p:cNvPicPr>
           <p:nvPr/>
         </p:nvPicPr>
         <p:blipFill>
-          <a:blip r:embed="rId11" cstate="email">
+          <a:blip r:embed="rId12" cstate="email">
             <a:extLst>
               <a:ext uri="{28A0092B-C50C-407E-A947-70E740481C1C}">
                 <a14:useLocalDpi xmlns:a14="http://schemas.microsoft.com/office/drawing/2010/main" val="0"/>
@@ -8157,6 +8360,61 @@
           </a:extLst>
         </p:spPr>
       </p:pic>
+      <p:sp>
+        <p:nvSpPr>
+          <p:cNvPr id="2" name="Title 1">
+            <a:extLst>
+              <a:ext uri="{FF2B5EF4-FFF2-40B4-BE49-F238E27FC236}">
+                <a16:creationId xmlns:a16="http://schemas.microsoft.com/office/drawing/2014/main" id="{31195E77-1C7B-483F-8200-B70D0B520655}"/>
+              </a:ext>
+            </a:extLst>
+          </p:cNvPr>
+          <p:cNvSpPr>
+            <a:spLocks noGrp="1"/>
+          </p:cNvSpPr>
+          <p:nvPr>
+            <p:ph type="title" idx="4294967295"/>
+          </p:nvPr>
+        </p:nvSpPr>
+        <p:spPr>
+          <a:xfrm>
+            <a:off x="503830" y="176046"/>
+            <a:ext cx="8077200" cy="420031"/>
+          </a:xfrm>
+        </p:spPr>
+        <p:txBody>
+          <a:bodyPr/>
+          <a:lstStyle/>
+          <a:p>
+            <a:pPr algn="ctr"/>
+            <a:r>
+              <a:rPr lang="en-US" sz="1800" b="1" kern="1200" dirty="0">
+                <a:solidFill>
+                  <a:srgbClr val="0000FF"/>
+                </a:solidFill>
+                <a:effectLst/>
+                <a:latin typeface="Calibri" panose="020F0502020204030204" pitchFamily="34" charset="0"/>
+                <a:ea typeface="+mn-ea"/>
+                <a:cs typeface="+mn-cs"/>
+              </a:rPr>
+              <a:t>W</a:t>
+            </a:r>
+            <a:r>
+              <a:rPr lang="en-ID" sz="1800" b="1" kern="1200" dirty="0">
+                <a:solidFill>
+                  <a:srgbClr val="0000FF"/>
+                </a:solidFill>
+                <a:effectLst/>
+                <a:latin typeface="Calibri" panose="020F0502020204030204" pitchFamily="34" charset="0"/>
+                <a:ea typeface="+mn-ea"/>
+                <a:cs typeface="+mn-cs"/>
+              </a:rPr>
+              <a:t>FPS – Wireless Fire Protection System</a:t>
+            </a:r>
+            <a:endParaRPr lang="en-ID" dirty="0"/>
+          </a:p>
+        </p:txBody>
+      </p:sp>
     </p:spTree>
   </p:cSld>
   <p:clrMapOvr>
@@ -9243,8 +9501,8 @@
         </p:nvSpPr>
         <p:spPr>
           <a:xfrm>
-            <a:off x="2555776" y="188640"/>
-            <a:ext cx="5065874" cy="584775"/>
+            <a:off x="3657857" y="600943"/>
+            <a:ext cx="2767809" cy="307777"/>
           </a:xfrm>
           <a:prstGeom prst="rect">
             <a:avLst/>
@@ -9255,23 +9513,6 @@
             <a:spAutoFit/>
           </a:bodyPr>
           <a:lstStyle/>
-          <a:p>
-            <a:pPr algn="ctr"/>
-            <a:r>
-              <a:rPr lang="en-ID" b="1" dirty="0"/>
-              <a:t>Flowchart </a:t>
-            </a:r>
-            <a:r>
-              <a:rPr lang="en-ID" sz="1800" b="0" dirty="0">
-                <a:solidFill>
-                  <a:schemeClr val="tx1"/>
-                </a:solidFill>
-                <a:effectLst/>
-                <a:latin typeface="Consolas" panose="020B0609020204030204" pitchFamily="49" charset="0"/>
-              </a:rPr>
-              <a:t>_ledAMR-&gt;status(operationMode)</a:t>
-            </a:r>
-          </a:p>
           <a:p>
             <a:pPr algn="ctr"/>
             <a:r>
@@ -9489,7 +9730,7 @@
           <p:cNvPr id="26" name="Flowchart: Predefined Process 25">
             <a:extLst>
               <a:ext uri="{FF2B5EF4-FFF2-40B4-BE49-F238E27FC236}">
-                <a16:creationId xmlns="" xmlns:a16="http://schemas.microsoft.com/office/drawing/2014/main" id="{4261BD12-2217-4EDB-87C6-EE30E26F9B8D}"/>
+                <a16:creationId xmlns:a16="http://schemas.microsoft.com/office/drawing/2014/main" id="{4261BD12-2217-4EDB-87C6-EE30E26F9B8D}"/>
               </a:ext>
             </a:extLst>
           </p:cNvPr>
@@ -9559,7 +9800,7 @@
           <p:cNvPr id="3" name="Connector: Elbow 2">
             <a:extLst>
               <a:ext uri="{FF2B5EF4-FFF2-40B4-BE49-F238E27FC236}">
-                <a16:creationId xmlns="" xmlns:a16="http://schemas.microsoft.com/office/drawing/2014/main" id="{F2621A12-D6C6-45BE-B908-1C2D6AFE4391}"/>
+                <a16:creationId xmlns:a16="http://schemas.microsoft.com/office/drawing/2014/main" id="{F2621A12-D6C6-45BE-B908-1C2D6AFE4391}"/>
               </a:ext>
             </a:extLst>
           </p:cNvPr>
@@ -9605,7 +9846,7 @@
           <p:cNvPr id="43" name="Flowchart: Decision 42">
             <a:extLst>
               <a:ext uri="{FF2B5EF4-FFF2-40B4-BE49-F238E27FC236}">
-                <a16:creationId xmlns="" xmlns:a16="http://schemas.microsoft.com/office/drawing/2014/main" id="{F10B347E-033C-4910-9071-CDA92304C379}"/>
+                <a16:creationId xmlns:a16="http://schemas.microsoft.com/office/drawing/2014/main" id="{F10B347E-033C-4910-9071-CDA92304C379}"/>
               </a:ext>
             </a:extLst>
           </p:cNvPr>
@@ -9682,7 +9923,7 @@
           <p:cNvPr id="45" name="Flowchart: Decision 44">
             <a:extLst>
               <a:ext uri="{FF2B5EF4-FFF2-40B4-BE49-F238E27FC236}">
-                <a16:creationId xmlns="" xmlns:a16="http://schemas.microsoft.com/office/drawing/2014/main" id="{F1633C9C-0024-4E63-8717-225A7A9FF001}"/>
+                <a16:creationId xmlns:a16="http://schemas.microsoft.com/office/drawing/2014/main" id="{F1633C9C-0024-4E63-8717-225A7A9FF001}"/>
               </a:ext>
             </a:extLst>
           </p:cNvPr>
@@ -9759,7 +10000,7 @@
           <p:cNvPr id="46" name="Flowchart: Decision 45">
             <a:extLst>
               <a:ext uri="{FF2B5EF4-FFF2-40B4-BE49-F238E27FC236}">
-                <a16:creationId xmlns="" xmlns:a16="http://schemas.microsoft.com/office/drawing/2014/main" id="{7A2C44B0-43D5-48C5-89A2-758F4F74B13C}"/>
+                <a16:creationId xmlns:a16="http://schemas.microsoft.com/office/drawing/2014/main" id="{7A2C44B0-43D5-48C5-89A2-758F4F74B13C}"/>
               </a:ext>
             </a:extLst>
           </p:cNvPr>
@@ -9836,7 +10077,7 @@
           <p:cNvPr id="47" name="TextBox 46">
             <a:extLst>
               <a:ext uri="{FF2B5EF4-FFF2-40B4-BE49-F238E27FC236}">
-                <a16:creationId xmlns="" xmlns:a16="http://schemas.microsoft.com/office/drawing/2014/main" id="{7B22EE62-9AF5-4A4B-AC76-788C39C4244E}"/>
+                <a16:creationId xmlns:a16="http://schemas.microsoft.com/office/drawing/2014/main" id="{7B22EE62-9AF5-4A4B-AC76-788C39C4244E}"/>
               </a:ext>
             </a:extLst>
           </p:cNvPr>
@@ -9900,7 +10141,7 @@
           <p:cNvPr id="50" name="Straight Arrow Connector 49">
             <a:extLst>
               <a:ext uri="{FF2B5EF4-FFF2-40B4-BE49-F238E27FC236}">
-                <a16:creationId xmlns="" xmlns:a16="http://schemas.microsoft.com/office/drawing/2014/main" id="{4FF3FB3B-045C-494E-92F0-0E579FB56F01}"/>
+                <a16:creationId xmlns:a16="http://schemas.microsoft.com/office/drawing/2014/main" id="{4FF3FB3B-045C-494E-92F0-0E579FB56F01}"/>
               </a:ext>
             </a:extLst>
           </p:cNvPr>
@@ -9945,7 +10186,7 @@
           <p:cNvPr id="51" name="TextBox 50">
             <a:extLst>
               <a:ext uri="{FF2B5EF4-FFF2-40B4-BE49-F238E27FC236}">
-                <a16:creationId xmlns="" xmlns:a16="http://schemas.microsoft.com/office/drawing/2014/main" id="{441EB55E-331E-4C37-B0D0-9C48200BD28B}"/>
+                <a16:creationId xmlns:a16="http://schemas.microsoft.com/office/drawing/2014/main" id="{441EB55E-331E-4C37-B0D0-9C48200BD28B}"/>
               </a:ext>
             </a:extLst>
           </p:cNvPr>
@@ -10009,7 +10250,7 @@
           <p:cNvPr id="52" name="Straight Arrow Connector 51">
             <a:extLst>
               <a:ext uri="{FF2B5EF4-FFF2-40B4-BE49-F238E27FC236}">
-                <a16:creationId xmlns="" xmlns:a16="http://schemas.microsoft.com/office/drawing/2014/main" id="{152B8692-72F5-4741-8B38-C3103394F5D5}"/>
+                <a16:creationId xmlns:a16="http://schemas.microsoft.com/office/drawing/2014/main" id="{152B8692-72F5-4741-8B38-C3103394F5D5}"/>
               </a:ext>
             </a:extLst>
           </p:cNvPr>
@@ -10054,7 +10295,7 @@
           <p:cNvPr id="53" name="TextBox 52">
             <a:extLst>
               <a:ext uri="{FF2B5EF4-FFF2-40B4-BE49-F238E27FC236}">
-                <a16:creationId xmlns="" xmlns:a16="http://schemas.microsoft.com/office/drawing/2014/main" id="{92B6985B-E3A7-4FA0-92FF-33D24010ECA0}"/>
+                <a16:creationId xmlns:a16="http://schemas.microsoft.com/office/drawing/2014/main" id="{92B6985B-E3A7-4FA0-92FF-33D24010ECA0}"/>
               </a:ext>
             </a:extLst>
           </p:cNvPr>
@@ -10118,7 +10359,7 @@
           <p:cNvPr id="54" name="Straight Arrow Connector 53">
             <a:extLst>
               <a:ext uri="{FF2B5EF4-FFF2-40B4-BE49-F238E27FC236}">
-                <a16:creationId xmlns="" xmlns:a16="http://schemas.microsoft.com/office/drawing/2014/main" id="{DCB0E4FD-9044-428B-9B51-BB81F55A1C6C}"/>
+                <a16:creationId xmlns:a16="http://schemas.microsoft.com/office/drawing/2014/main" id="{DCB0E4FD-9044-428B-9B51-BB81F55A1C6C}"/>
               </a:ext>
             </a:extLst>
           </p:cNvPr>
@@ -10163,7 +10404,7 @@
           <p:cNvPr id="37" name="Straight Arrow Connector 36">
             <a:extLst>
               <a:ext uri="{FF2B5EF4-FFF2-40B4-BE49-F238E27FC236}">
-                <a16:creationId xmlns="" xmlns:a16="http://schemas.microsoft.com/office/drawing/2014/main" id="{2F4DEB80-823C-41E1-9539-305C65D98C55}"/>
+                <a16:creationId xmlns:a16="http://schemas.microsoft.com/office/drawing/2014/main" id="{2F4DEB80-823C-41E1-9539-305C65D98C55}"/>
               </a:ext>
             </a:extLst>
           </p:cNvPr>
@@ -10205,7 +10446,7 @@
           <p:cNvPr id="55" name="Straight Arrow Connector 54">
             <a:extLst>
               <a:ext uri="{FF2B5EF4-FFF2-40B4-BE49-F238E27FC236}">
-                <a16:creationId xmlns="" xmlns:a16="http://schemas.microsoft.com/office/drawing/2014/main" id="{D631F2B4-4E23-4BBD-873B-4A400520213C}"/>
+                <a16:creationId xmlns:a16="http://schemas.microsoft.com/office/drawing/2014/main" id="{D631F2B4-4E23-4BBD-873B-4A400520213C}"/>
               </a:ext>
             </a:extLst>
           </p:cNvPr>
@@ -10248,7 +10489,7 @@
           <p:cNvPr id="60" name="Straight Arrow Connector 59">
             <a:extLst>
               <a:ext uri="{FF2B5EF4-FFF2-40B4-BE49-F238E27FC236}">
-                <a16:creationId xmlns="" xmlns:a16="http://schemas.microsoft.com/office/drawing/2014/main" id="{4BA16A16-17D9-4D7F-A49B-BAD8B7BFD6DD}"/>
+                <a16:creationId xmlns:a16="http://schemas.microsoft.com/office/drawing/2014/main" id="{4BA16A16-17D9-4D7F-A49B-BAD8B7BFD6DD}"/>
               </a:ext>
             </a:extLst>
           </p:cNvPr>
@@ -10291,7 +10532,7 @@
           <p:cNvPr id="63" name="Flowchart: Decision 62">
             <a:extLst>
               <a:ext uri="{FF2B5EF4-FFF2-40B4-BE49-F238E27FC236}">
-                <a16:creationId xmlns="" xmlns:a16="http://schemas.microsoft.com/office/drawing/2014/main" id="{ED21FFFD-9530-4386-B5C0-A8545322A12F}"/>
+                <a16:creationId xmlns:a16="http://schemas.microsoft.com/office/drawing/2014/main" id="{ED21FFFD-9530-4386-B5C0-A8545322A12F}"/>
               </a:ext>
             </a:extLst>
           </p:cNvPr>
@@ -10368,7 +10609,7 @@
           <p:cNvPr id="64" name="TextBox 63">
             <a:extLst>
               <a:ext uri="{FF2B5EF4-FFF2-40B4-BE49-F238E27FC236}">
-                <a16:creationId xmlns="" xmlns:a16="http://schemas.microsoft.com/office/drawing/2014/main" id="{F3734BFA-0D69-420C-8FA2-A549F2FFF82D}"/>
+                <a16:creationId xmlns:a16="http://schemas.microsoft.com/office/drawing/2014/main" id="{F3734BFA-0D69-420C-8FA2-A549F2FFF82D}"/>
               </a:ext>
             </a:extLst>
           </p:cNvPr>
@@ -10432,7 +10673,7 @@
           <p:cNvPr id="65" name="Straight Arrow Connector 64">
             <a:extLst>
               <a:ext uri="{FF2B5EF4-FFF2-40B4-BE49-F238E27FC236}">
-                <a16:creationId xmlns="" xmlns:a16="http://schemas.microsoft.com/office/drawing/2014/main" id="{BAFFECD8-89A2-45A0-BB6C-43FD6D96482C}"/>
+                <a16:creationId xmlns:a16="http://schemas.microsoft.com/office/drawing/2014/main" id="{BAFFECD8-89A2-45A0-BB6C-43FD6D96482C}"/>
               </a:ext>
             </a:extLst>
           </p:cNvPr>
@@ -10477,7 +10718,7 @@
           <p:cNvPr id="66" name="Flowchart: Decision 65">
             <a:extLst>
               <a:ext uri="{FF2B5EF4-FFF2-40B4-BE49-F238E27FC236}">
-                <a16:creationId xmlns="" xmlns:a16="http://schemas.microsoft.com/office/drawing/2014/main" id="{F65F2797-01CA-4040-A232-0D0BEC47111E}"/>
+                <a16:creationId xmlns:a16="http://schemas.microsoft.com/office/drawing/2014/main" id="{F65F2797-01CA-4040-A232-0D0BEC47111E}"/>
               </a:ext>
             </a:extLst>
           </p:cNvPr>
@@ -10554,7 +10795,7 @@
           <p:cNvPr id="67" name="TextBox 66">
             <a:extLst>
               <a:ext uri="{FF2B5EF4-FFF2-40B4-BE49-F238E27FC236}">
-                <a16:creationId xmlns="" xmlns:a16="http://schemas.microsoft.com/office/drawing/2014/main" id="{6B0F4331-CCA6-4C62-9B25-496B1B86EF45}"/>
+                <a16:creationId xmlns:a16="http://schemas.microsoft.com/office/drawing/2014/main" id="{6B0F4331-CCA6-4C62-9B25-496B1B86EF45}"/>
               </a:ext>
             </a:extLst>
           </p:cNvPr>
@@ -10618,7 +10859,7 @@
           <p:cNvPr id="69" name="Flowchart: Decision 68">
             <a:extLst>
               <a:ext uri="{FF2B5EF4-FFF2-40B4-BE49-F238E27FC236}">
-                <a16:creationId xmlns="" xmlns:a16="http://schemas.microsoft.com/office/drawing/2014/main" id="{D2F95C7F-0DC4-47C2-B711-F07F05F0EED2}"/>
+                <a16:creationId xmlns:a16="http://schemas.microsoft.com/office/drawing/2014/main" id="{D2F95C7F-0DC4-47C2-B711-F07F05F0EED2}"/>
               </a:ext>
             </a:extLst>
           </p:cNvPr>
@@ -10695,7 +10936,7 @@
           <p:cNvPr id="70" name="TextBox 69">
             <a:extLst>
               <a:ext uri="{FF2B5EF4-FFF2-40B4-BE49-F238E27FC236}">
-                <a16:creationId xmlns="" xmlns:a16="http://schemas.microsoft.com/office/drawing/2014/main" id="{5550BEDA-0699-43BE-8D94-CB951C3101B0}"/>
+                <a16:creationId xmlns:a16="http://schemas.microsoft.com/office/drawing/2014/main" id="{5550BEDA-0699-43BE-8D94-CB951C3101B0}"/>
               </a:ext>
             </a:extLst>
           </p:cNvPr>
@@ -10759,7 +11000,7 @@
           <p:cNvPr id="72" name="Connector: Elbow 71">
             <a:extLst>
               <a:ext uri="{FF2B5EF4-FFF2-40B4-BE49-F238E27FC236}">
-                <a16:creationId xmlns="" xmlns:a16="http://schemas.microsoft.com/office/drawing/2014/main" id="{3D78028B-2FD5-4A9A-AE4B-411BEE6808C8}"/>
+                <a16:creationId xmlns:a16="http://schemas.microsoft.com/office/drawing/2014/main" id="{3D78028B-2FD5-4A9A-AE4B-411BEE6808C8}"/>
               </a:ext>
             </a:extLst>
           </p:cNvPr>
@@ -10806,7 +11047,7 @@
           <p:cNvPr id="75" name="Straight Arrow Connector 74">
             <a:extLst>
               <a:ext uri="{FF2B5EF4-FFF2-40B4-BE49-F238E27FC236}">
-                <a16:creationId xmlns="" xmlns:a16="http://schemas.microsoft.com/office/drawing/2014/main" id="{D0247221-F0B4-4BD4-B79F-229AA27F2727}"/>
+                <a16:creationId xmlns:a16="http://schemas.microsoft.com/office/drawing/2014/main" id="{D0247221-F0B4-4BD4-B79F-229AA27F2727}"/>
               </a:ext>
             </a:extLst>
           </p:cNvPr>
@@ -10849,7 +11090,7 @@
           <p:cNvPr id="79" name="Connector: Elbow 78">
             <a:extLst>
               <a:ext uri="{FF2B5EF4-FFF2-40B4-BE49-F238E27FC236}">
-                <a16:creationId xmlns="" xmlns:a16="http://schemas.microsoft.com/office/drawing/2014/main" id="{D3DEDF2B-9ADF-4666-8DDA-040C164A1C9F}"/>
+                <a16:creationId xmlns:a16="http://schemas.microsoft.com/office/drawing/2014/main" id="{D3DEDF2B-9ADF-4666-8DDA-040C164A1C9F}"/>
               </a:ext>
             </a:extLst>
           </p:cNvPr>
@@ -10895,7 +11136,7 @@
           <p:cNvPr id="81" name="Connector: Elbow 80">
             <a:extLst>
               <a:ext uri="{FF2B5EF4-FFF2-40B4-BE49-F238E27FC236}">
-                <a16:creationId xmlns="" xmlns:a16="http://schemas.microsoft.com/office/drawing/2014/main" id="{8A446044-0623-4A71-B014-B43A5CE83132}"/>
+                <a16:creationId xmlns:a16="http://schemas.microsoft.com/office/drawing/2014/main" id="{8A446044-0623-4A71-B014-B43A5CE83132}"/>
               </a:ext>
             </a:extLst>
           </p:cNvPr>
@@ -10941,7 +11182,7 @@
           <p:cNvPr id="87" name="Straight Arrow Connector 86">
             <a:extLst>
               <a:ext uri="{FF2B5EF4-FFF2-40B4-BE49-F238E27FC236}">
-                <a16:creationId xmlns="" xmlns:a16="http://schemas.microsoft.com/office/drawing/2014/main" id="{28527620-6755-4E04-86F1-4ABFA39DFCEC}"/>
+                <a16:creationId xmlns:a16="http://schemas.microsoft.com/office/drawing/2014/main" id="{28527620-6755-4E04-86F1-4ABFA39DFCEC}"/>
               </a:ext>
             </a:extLst>
           </p:cNvPr>
@@ -10979,6 +11220,61 @@
           </a:fontRef>
         </p:style>
       </p:cxnSp>
+      <p:sp>
+        <p:nvSpPr>
+          <p:cNvPr id="2" name="Title 1">
+            <a:extLst>
+              <a:ext uri="{FF2B5EF4-FFF2-40B4-BE49-F238E27FC236}">
+                <a16:creationId xmlns:a16="http://schemas.microsoft.com/office/drawing/2014/main" id="{B978AF4F-562B-48A9-B3FB-67A3A0CA01F0}"/>
+              </a:ext>
+            </a:extLst>
+          </p:cNvPr>
+          <p:cNvSpPr>
+            <a:spLocks noGrp="1"/>
+          </p:cNvSpPr>
+          <p:nvPr>
+            <p:ph type="ctrTitle"/>
+          </p:nvPr>
+        </p:nvSpPr>
+        <p:spPr>
+          <a:xfrm>
+            <a:off x="1143162" y="252464"/>
+            <a:ext cx="7772400" cy="439791"/>
+          </a:xfrm>
+        </p:spPr>
+        <p:txBody>
+          <a:bodyPr/>
+          <a:lstStyle/>
+          <a:p>
+            <a:pPr algn="ctr" rtl="0" eaLnBrk="1" latinLnBrk="0" hangingPunct="1"/>
+            <a:r>
+              <a:rPr lang="en-ID" sz="1800" b="1" kern="1200" dirty="0">
+                <a:solidFill>
+                  <a:srgbClr val="000000"/>
+                </a:solidFill>
+                <a:effectLst/>
+                <a:latin typeface="Calibri" panose="020F0502020204030204" pitchFamily="34" charset="0"/>
+                <a:ea typeface="+mn-ea"/>
+                <a:cs typeface="+mn-cs"/>
+              </a:rPr>
+              <a:t>Flowchart </a:t>
+            </a:r>
+            <a:r>
+              <a:rPr lang="en-ID" sz="1800" b="0" kern="1200" dirty="0">
+                <a:solidFill>
+                  <a:srgbClr val="000000"/>
+                </a:solidFill>
+                <a:effectLst/>
+                <a:latin typeface="Consolas" panose="020B0609020204030204" pitchFamily="49" charset="0"/>
+                <a:ea typeface="+mn-ea"/>
+                <a:cs typeface="+mn-cs"/>
+              </a:rPr>
+              <a:t>_ledAMR-&gt;status(operationMode)</a:t>
+            </a:r>
+            <a:endParaRPr lang="en-ID" dirty="0"/>
+          </a:p>
+        </p:txBody>
+      </p:sp>
     </p:spTree>
     <p:extLst>
       <p:ext uri="{BB962C8B-B14F-4D97-AF65-F5344CB8AC3E}">
@@ -11017,8 +11313,8 @@
         </p:nvSpPr>
         <p:spPr>
           <a:xfrm>
-            <a:off x="1115616" y="162866"/>
-            <a:ext cx="7519046" cy="584775"/>
+            <a:off x="3952060" y="683534"/>
+            <a:ext cx="1703800" cy="307777"/>
           </a:xfrm>
           <a:prstGeom prst="rect">
             <a:avLst/>
@@ -11029,19 +11325,6 @@
             <a:spAutoFit/>
           </a:bodyPr>
           <a:lstStyle/>
-          <a:p>
-            <a:r>
-              <a:rPr lang="en-ID" b="1" dirty="0"/>
-              <a:t>Flowchart </a:t>
-            </a:r>
-            <a:r>
-              <a:rPr lang="en-ID" b="0" dirty="0">
-                <a:effectLst/>
-                <a:latin typeface="Consolas" panose="020B0609020204030204" pitchFamily="49" charset="0"/>
-              </a:rPr>
-              <a:t>this-&gt;_logicOperation(operationMode, sensorStatus)</a:t>
-            </a:r>
-          </a:p>
           <a:p>
             <a:pPr algn="ctr"/>
             <a:r>
@@ -11239,7 +11522,7 @@
           <p:cNvPr id="3" name="Connector: Elbow 2">
             <a:extLst>
               <a:ext uri="{FF2B5EF4-FFF2-40B4-BE49-F238E27FC236}">
-                <a16:creationId xmlns="" xmlns:a16="http://schemas.microsoft.com/office/drawing/2014/main" id="{F2621A12-D6C6-45BE-B908-1C2D6AFE4391}"/>
+                <a16:creationId xmlns:a16="http://schemas.microsoft.com/office/drawing/2014/main" id="{F2621A12-D6C6-45BE-B908-1C2D6AFE4391}"/>
               </a:ext>
             </a:extLst>
           </p:cNvPr>
@@ -11284,7 +11567,7 @@
           <p:cNvPr id="43" name="Flowchart: Decision 42">
             <a:extLst>
               <a:ext uri="{FF2B5EF4-FFF2-40B4-BE49-F238E27FC236}">
-                <a16:creationId xmlns="" xmlns:a16="http://schemas.microsoft.com/office/drawing/2014/main" id="{F10B347E-033C-4910-9071-CDA92304C379}"/>
+                <a16:creationId xmlns:a16="http://schemas.microsoft.com/office/drawing/2014/main" id="{F10B347E-033C-4910-9071-CDA92304C379}"/>
               </a:ext>
             </a:extLst>
           </p:cNvPr>
@@ -11361,7 +11644,7 @@
           <p:cNvPr id="46" name="Flowchart: Decision 45">
             <a:extLst>
               <a:ext uri="{FF2B5EF4-FFF2-40B4-BE49-F238E27FC236}">
-                <a16:creationId xmlns="" xmlns:a16="http://schemas.microsoft.com/office/drawing/2014/main" id="{7A2C44B0-43D5-48C5-89A2-758F4F74B13C}"/>
+                <a16:creationId xmlns:a16="http://schemas.microsoft.com/office/drawing/2014/main" id="{7A2C44B0-43D5-48C5-89A2-758F4F74B13C}"/>
               </a:ext>
             </a:extLst>
           </p:cNvPr>
@@ -11438,7 +11721,7 @@
           <p:cNvPr id="50" name="Straight Arrow Connector 49">
             <a:extLst>
               <a:ext uri="{FF2B5EF4-FFF2-40B4-BE49-F238E27FC236}">
-                <a16:creationId xmlns="" xmlns:a16="http://schemas.microsoft.com/office/drawing/2014/main" id="{4FF3FB3B-045C-494E-92F0-0E579FB56F01}"/>
+                <a16:creationId xmlns:a16="http://schemas.microsoft.com/office/drawing/2014/main" id="{4FF3FB3B-045C-494E-92F0-0E579FB56F01}"/>
               </a:ext>
             </a:extLst>
           </p:cNvPr>
@@ -11482,7 +11765,7 @@
           <p:cNvPr id="53" name="TextBox 52">
             <a:extLst>
               <a:ext uri="{FF2B5EF4-FFF2-40B4-BE49-F238E27FC236}">
-                <a16:creationId xmlns="" xmlns:a16="http://schemas.microsoft.com/office/drawing/2014/main" id="{92B6985B-E3A7-4FA0-92FF-33D24010ECA0}"/>
+                <a16:creationId xmlns:a16="http://schemas.microsoft.com/office/drawing/2014/main" id="{92B6985B-E3A7-4FA0-92FF-33D24010ECA0}"/>
               </a:ext>
             </a:extLst>
           </p:cNvPr>
@@ -11526,7 +11809,7 @@
           <p:cNvPr id="54" name="Straight Arrow Connector 53">
             <a:extLst>
               <a:ext uri="{FF2B5EF4-FFF2-40B4-BE49-F238E27FC236}">
-                <a16:creationId xmlns="" xmlns:a16="http://schemas.microsoft.com/office/drawing/2014/main" id="{DCB0E4FD-9044-428B-9B51-BB81F55A1C6C}"/>
+                <a16:creationId xmlns:a16="http://schemas.microsoft.com/office/drawing/2014/main" id="{DCB0E4FD-9044-428B-9B51-BB81F55A1C6C}"/>
               </a:ext>
             </a:extLst>
           </p:cNvPr>
@@ -11572,7 +11855,7 @@
           <p:cNvPr id="37" name="Straight Arrow Connector 36">
             <a:extLst>
               <a:ext uri="{FF2B5EF4-FFF2-40B4-BE49-F238E27FC236}">
-                <a16:creationId xmlns="" xmlns:a16="http://schemas.microsoft.com/office/drawing/2014/main" id="{2F4DEB80-823C-41E1-9539-305C65D98C55}"/>
+                <a16:creationId xmlns:a16="http://schemas.microsoft.com/office/drawing/2014/main" id="{2F4DEB80-823C-41E1-9539-305C65D98C55}"/>
               </a:ext>
             </a:extLst>
           </p:cNvPr>
@@ -11614,7 +11897,7 @@
           <p:cNvPr id="55" name="Straight Arrow Connector 54">
             <a:extLst>
               <a:ext uri="{FF2B5EF4-FFF2-40B4-BE49-F238E27FC236}">
-                <a16:creationId xmlns="" xmlns:a16="http://schemas.microsoft.com/office/drawing/2014/main" id="{D631F2B4-4E23-4BBD-873B-4A400520213C}"/>
+                <a16:creationId xmlns:a16="http://schemas.microsoft.com/office/drawing/2014/main" id="{D631F2B4-4E23-4BBD-873B-4A400520213C}"/>
               </a:ext>
             </a:extLst>
           </p:cNvPr>
@@ -11657,7 +11940,7 @@
           <p:cNvPr id="87" name="Straight Arrow Connector 86">
             <a:extLst>
               <a:ext uri="{FF2B5EF4-FFF2-40B4-BE49-F238E27FC236}">
-                <a16:creationId xmlns="" xmlns:a16="http://schemas.microsoft.com/office/drawing/2014/main" id="{28527620-6755-4E04-86F1-4ABFA39DFCEC}"/>
+                <a16:creationId xmlns:a16="http://schemas.microsoft.com/office/drawing/2014/main" id="{28527620-6755-4E04-86F1-4ABFA39DFCEC}"/>
               </a:ext>
             </a:extLst>
           </p:cNvPr>
@@ -11700,7 +11983,7 @@
           <p:cNvPr id="38" name="Flowchart: Decision 37">
             <a:extLst>
               <a:ext uri="{FF2B5EF4-FFF2-40B4-BE49-F238E27FC236}">
-                <a16:creationId xmlns="" xmlns:a16="http://schemas.microsoft.com/office/drawing/2014/main" id="{10274031-E3A6-4439-870A-5F921CFE8430}"/>
+                <a16:creationId xmlns:a16="http://schemas.microsoft.com/office/drawing/2014/main" id="{10274031-E3A6-4439-870A-5F921CFE8430}"/>
               </a:ext>
             </a:extLst>
           </p:cNvPr>
@@ -11785,7 +12068,7 @@
           <p:cNvPr id="39" name="TextBox 38">
             <a:extLst>
               <a:ext uri="{FF2B5EF4-FFF2-40B4-BE49-F238E27FC236}">
-                <a16:creationId xmlns="" xmlns:a16="http://schemas.microsoft.com/office/drawing/2014/main" id="{A3DBBD2A-612E-4F10-B838-1E5362BF3CF9}"/>
+                <a16:creationId xmlns:a16="http://schemas.microsoft.com/office/drawing/2014/main" id="{A3DBBD2A-612E-4F10-B838-1E5362BF3CF9}"/>
               </a:ext>
             </a:extLst>
           </p:cNvPr>
@@ -11829,7 +12112,7 @@
           <p:cNvPr id="40" name="Straight Arrow Connector 39">
             <a:extLst>
               <a:ext uri="{FF2B5EF4-FFF2-40B4-BE49-F238E27FC236}">
-                <a16:creationId xmlns="" xmlns:a16="http://schemas.microsoft.com/office/drawing/2014/main" id="{FC99EFDC-CB75-4F6E-BD31-9E758BD280D0}"/>
+                <a16:creationId xmlns:a16="http://schemas.microsoft.com/office/drawing/2014/main" id="{FC99EFDC-CB75-4F6E-BD31-9E758BD280D0}"/>
               </a:ext>
             </a:extLst>
           </p:cNvPr>
@@ -11875,7 +12158,7 @@
           <p:cNvPr id="48" name="TextBox 47">
             <a:extLst>
               <a:ext uri="{FF2B5EF4-FFF2-40B4-BE49-F238E27FC236}">
-                <a16:creationId xmlns="" xmlns:a16="http://schemas.microsoft.com/office/drawing/2014/main" id="{93517E20-A695-495E-A440-0D6441063470}"/>
+                <a16:creationId xmlns:a16="http://schemas.microsoft.com/office/drawing/2014/main" id="{93517E20-A695-495E-A440-0D6441063470}"/>
               </a:ext>
             </a:extLst>
           </p:cNvPr>
@@ -11919,7 +12202,7 @@
           <p:cNvPr id="18" name="Connector: Elbow 17">
             <a:extLst>
               <a:ext uri="{FF2B5EF4-FFF2-40B4-BE49-F238E27FC236}">
-                <a16:creationId xmlns="" xmlns:a16="http://schemas.microsoft.com/office/drawing/2014/main" id="{787D2855-E224-467F-A713-83EA72659A24}"/>
+                <a16:creationId xmlns:a16="http://schemas.microsoft.com/office/drawing/2014/main" id="{787D2855-E224-467F-A713-83EA72659A24}"/>
               </a:ext>
             </a:extLst>
           </p:cNvPr>
@@ -11961,7 +12244,7 @@
           <p:cNvPr id="59" name="Flowchart: Off-page Connector 58">
             <a:extLst>
               <a:ext uri="{FF2B5EF4-FFF2-40B4-BE49-F238E27FC236}">
-                <a16:creationId xmlns="" xmlns:a16="http://schemas.microsoft.com/office/drawing/2014/main" id="{6B4925C3-C91F-4C13-9EE8-CA6BE8136D8A}"/>
+                <a16:creationId xmlns:a16="http://schemas.microsoft.com/office/drawing/2014/main" id="{6B4925C3-C91F-4C13-9EE8-CA6BE8136D8A}"/>
               </a:ext>
             </a:extLst>
           </p:cNvPr>
@@ -12025,7 +12308,7 @@
           <p:cNvPr id="31" name="Flowchart: Predefined Process 30">
             <a:extLst>
               <a:ext uri="{FF2B5EF4-FFF2-40B4-BE49-F238E27FC236}">
-                <a16:creationId xmlns="" xmlns:a16="http://schemas.microsoft.com/office/drawing/2014/main" id="{45A00864-4430-46FB-9A24-807D47C7B406}"/>
+                <a16:creationId xmlns:a16="http://schemas.microsoft.com/office/drawing/2014/main" id="{45A00864-4430-46FB-9A24-807D47C7B406}"/>
               </a:ext>
             </a:extLst>
           </p:cNvPr>
@@ -12087,6 +12370,61 @@
               <a:t>operationMode</a:t>
             </a:r>
             <a:endParaRPr lang="en-US" sz="1200" dirty="0"/>
+          </a:p>
+        </p:txBody>
+      </p:sp>
+      <p:sp>
+        <p:nvSpPr>
+          <p:cNvPr id="2" name="Title 1">
+            <a:extLst>
+              <a:ext uri="{FF2B5EF4-FFF2-40B4-BE49-F238E27FC236}">
+                <a16:creationId xmlns:a16="http://schemas.microsoft.com/office/drawing/2014/main" id="{6D93478D-ADB4-4FA6-9ECA-AEF58BD3CE8B}"/>
+              </a:ext>
+            </a:extLst>
+          </p:cNvPr>
+          <p:cNvSpPr>
+            <a:spLocks noGrp="1"/>
+          </p:cNvSpPr>
+          <p:nvPr>
+            <p:ph type="ctrTitle"/>
+          </p:nvPr>
+        </p:nvSpPr>
+        <p:spPr>
+          <a:xfrm>
+            <a:off x="781068" y="227951"/>
+            <a:ext cx="7772400" cy="577488"/>
+          </a:xfrm>
+        </p:spPr>
+        <p:txBody>
+          <a:bodyPr/>
+          <a:lstStyle/>
+          <a:p>
+            <a:pPr algn="ctr"/>
+            <a:r>
+              <a:rPr lang="en-ID" sz="1800" b="1" kern="1200" dirty="0">
+                <a:solidFill>
+                  <a:srgbClr val="000000"/>
+                </a:solidFill>
+                <a:effectLst/>
+                <a:latin typeface="Calibri" panose="020F0502020204030204" pitchFamily="34" charset="0"/>
+                <a:ea typeface="+mn-ea"/>
+                <a:cs typeface="+mn-cs"/>
+              </a:rPr>
+              <a:t>Flowchart </a:t>
+            </a:r>
+            <a:r>
+              <a:rPr lang="en-ID" sz="1800" b="0" kern="1200" dirty="0">
+                <a:solidFill>
+                  <a:srgbClr val="000000"/>
+                </a:solidFill>
+                <a:effectLst/>
+                <a:latin typeface="Consolas" panose="020B0609020204030204" pitchFamily="49" charset="0"/>
+                <a:ea typeface="+mn-ea"/>
+                <a:cs typeface="+mn-cs"/>
+              </a:rPr>
+              <a:t>this-&gt;_logicOperation(operationMode, sensorStatus)</a:t>
+            </a:r>
+            <a:endParaRPr lang="en-ID" dirty="0"/>
           </a:p>
         </p:txBody>
       </p:sp>
@@ -12328,7 +12666,7 @@
           <p:cNvPr id="43" name="Flowchart: Decision 42">
             <a:extLst>
               <a:ext uri="{FF2B5EF4-FFF2-40B4-BE49-F238E27FC236}">
-                <a16:creationId xmlns="" xmlns:a16="http://schemas.microsoft.com/office/drawing/2014/main" id="{F10B347E-033C-4910-9071-CDA92304C379}"/>
+                <a16:creationId xmlns:a16="http://schemas.microsoft.com/office/drawing/2014/main" id="{F10B347E-033C-4910-9071-CDA92304C379}"/>
               </a:ext>
             </a:extLst>
           </p:cNvPr>
@@ -12421,7 +12759,7 @@
           <p:cNvPr id="50" name="Straight Arrow Connector 49">
             <a:extLst>
               <a:ext uri="{FF2B5EF4-FFF2-40B4-BE49-F238E27FC236}">
-                <a16:creationId xmlns="" xmlns:a16="http://schemas.microsoft.com/office/drawing/2014/main" id="{4FF3FB3B-045C-494E-92F0-0E579FB56F01}"/>
+                <a16:creationId xmlns:a16="http://schemas.microsoft.com/office/drawing/2014/main" id="{4FF3FB3B-045C-494E-92F0-0E579FB56F01}"/>
               </a:ext>
             </a:extLst>
           </p:cNvPr>
@@ -12467,7 +12805,7 @@
           <p:cNvPr id="37" name="Straight Arrow Connector 36">
             <a:extLst>
               <a:ext uri="{FF2B5EF4-FFF2-40B4-BE49-F238E27FC236}">
-                <a16:creationId xmlns="" xmlns:a16="http://schemas.microsoft.com/office/drawing/2014/main" id="{2F4DEB80-823C-41E1-9539-305C65D98C55}"/>
+                <a16:creationId xmlns:a16="http://schemas.microsoft.com/office/drawing/2014/main" id="{2F4DEB80-823C-41E1-9539-305C65D98C55}"/>
               </a:ext>
             </a:extLst>
           </p:cNvPr>
@@ -12509,7 +12847,7 @@
           <p:cNvPr id="55" name="Straight Arrow Connector 54">
             <a:extLst>
               <a:ext uri="{FF2B5EF4-FFF2-40B4-BE49-F238E27FC236}">
-                <a16:creationId xmlns="" xmlns:a16="http://schemas.microsoft.com/office/drawing/2014/main" id="{D631F2B4-4E23-4BBD-873B-4A400520213C}"/>
+                <a16:creationId xmlns:a16="http://schemas.microsoft.com/office/drawing/2014/main" id="{D631F2B4-4E23-4BBD-873B-4A400520213C}"/>
               </a:ext>
             </a:extLst>
           </p:cNvPr>
@@ -12552,7 +12890,7 @@
           <p:cNvPr id="39" name="TextBox 38">
             <a:extLst>
               <a:ext uri="{FF2B5EF4-FFF2-40B4-BE49-F238E27FC236}">
-                <a16:creationId xmlns="" xmlns:a16="http://schemas.microsoft.com/office/drawing/2014/main" id="{A3DBBD2A-612E-4F10-B838-1E5362BF3CF9}"/>
+                <a16:creationId xmlns:a16="http://schemas.microsoft.com/office/drawing/2014/main" id="{A3DBBD2A-612E-4F10-B838-1E5362BF3CF9}"/>
               </a:ext>
             </a:extLst>
           </p:cNvPr>
@@ -12596,7 +12934,7 @@
           <p:cNvPr id="71" name="Flowchart: Off-page Connector 70">
             <a:extLst>
               <a:ext uri="{FF2B5EF4-FFF2-40B4-BE49-F238E27FC236}">
-                <a16:creationId xmlns="" xmlns:a16="http://schemas.microsoft.com/office/drawing/2014/main" id="{BB484122-89E0-4B7D-9818-D8FDEDD18489}"/>
+                <a16:creationId xmlns:a16="http://schemas.microsoft.com/office/drawing/2014/main" id="{BB484122-89E0-4B7D-9818-D8FDEDD18489}"/>
               </a:ext>
             </a:extLst>
           </p:cNvPr>
@@ -12660,7 +12998,7 @@
           <p:cNvPr id="73" name="TextBox 72">
             <a:extLst>
               <a:ext uri="{FF2B5EF4-FFF2-40B4-BE49-F238E27FC236}">
-                <a16:creationId xmlns="" xmlns:a16="http://schemas.microsoft.com/office/drawing/2014/main" id="{5F2B9C67-F65F-46FC-BFBA-5D4C5482F482}"/>
+                <a16:creationId xmlns:a16="http://schemas.microsoft.com/office/drawing/2014/main" id="{5F2B9C67-F65F-46FC-BFBA-5D4C5482F482}"/>
               </a:ext>
             </a:extLst>
           </p:cNvPr>
@@ -12704,7 +13042,7 @@
           <p:cNvPr id="74" name="TextBox 73">
             <a:extLst>
               <a:ext uri="{FF2B5EF4-FFF2-40B4-BE49-F238E27FC236}">
-                <a16:creationId xmlns="" xmlns:a16="http://schemas.microsoft.com/office/drawing/2014/main" id="{419D8471-85C8-493E-BD1B-D41ED5B87B47}"/>
+                <a16:creationId xmlns:a16="http://schemas.microsoft.com/office/drawing/2014/main" id="{419D8471-85C8-493E-BD1B-D41ED5B87B47}"/>
               </a:ext>
             </a:extLst>
           </p:cNvPr>
@@ -12748,7 +13086,7 @@
           <p:cNvPr id="84" name="Flowchart: Decision 83">
             <a:extLst>
               <a:ext uri="{FF2B5EF4-FFF2-40B4-BE49-F238E27FC236}">
-                <a16:creationId xmlns="" xmlns:a16="http://schemas.microsoft.com/office/drawing/2014/main" id="{1E32E4E6-7CBB-4B16-A851-2C84F576DC19}"/>
+                <a16:creationId xmlns:a16="http://schemas.microsoft.com/office/drawing/2014/main" id="{1E32E4E6-7CBB-4B16-A851-2C84F576DC19}"/>
               </a:ext>
             </a:extLst>
           </p:cNvPr>
@@ -12825,7 +13163,7 @@
           <p:cNvPr id="85" name="Straight Arrow Connector 84">
             <a:extLst>
               <a:ext uri="{FF2B5EF4-FFF2-40B4-BE49-F238E27FC236}">
-                <a16:creationId xmlns="" xmlns:a16="http://schemas.microsoft.com/office/drawing/2014/main" id="{9DA6D301-49E9-4BDA-9ADF-E67A1B9C374D}"/>
+                <a16:creationId xmlns:a16="http://schemas.microsoft.com/office/drawing/2014/main" id="{9DA6D301-49E9-4BDA-9ADF-E67A1B9C374D}"/>
               </a:ext>
             </a:extLst>
           </p:cNvPr>
@@ -12871,7 +13209,7 @@
           <p:cNvPr id="86" name="TextBox 85">
             <a:extLst>
               <a:ext uri="{FF2B5EF4-FFF2-40B4-BE49-F238E27FC236}">
-                <a16:creationId xmlns="" xmlns:a16="http://schemas.microsoft.com/office/drawing/2014/main" id="{2E30AD1B-92C5-489D-B7AA-A0B8B6B0EC60}"/>
+                <a16:creationId xmlns:a16="http://schemas.microsoft.com/office/drawing/2014/main" id="{2E30AD1B-92C5-489D-B7AA-A0B8B6B0EC60}"/>
               </a:ext>
             </a:extLst>
           </p:cNvPr>
@@ -12915,7 +13253,7 @@
           <p:cNvPr id="88" name="Straight Arrow Connector 87">
             <a:extLst>
               <a:ext uri="{FF2B5EF4-FFF2-40B4-BE49-F238E27FC236}">
-                <a16:creationId xmlns="" xmlns:a16="http://schemas.microsoft.com/office/drawing/2014/main" id="{D2F7C0C9-2882-41D9-9027-CF70B88C603D}"/>
+                <a16:creationId xmlns:a16="http://schemas.microsoft.com/office/drawing/2014/main" id="{D2F7C0C9-2882-41D9-9027-CF70B88C603D}"/>
               </a:ext>
             </a:extLst>
           </p:cNvPr>
@@ -12958,7 +13296,7 @@
           <p:cNvPr id="90" name="Straight Arrow Connector 89">
             <a:extLst>
               <a:ext uri="{FF2B5EF4-FFF2-40B4-BE49-F238E27FC236}">
-                <a16:creationId xmlns="" xmlns:a16="http://schemas.microsoft.com/office/drawing/2014/main" id="{24D7EEEB-9582-4E3E-AE7F-BF4A1493CD2C}"/>
+                <a16:creationId xmlns:a16="http://schemas.microsoft.com/office/drawing/2014/main" id="{24D7EEEB-9582-4E3E-AE7F-BF4A1493CD2C}"/>
               </a:ext>
             </a:extLst>
           </p:cNvPr>
@@ -13006,13 +13344,6 @@
   <p:clrMapOvr>
     <a:masterClrMapping/>
   </p:clrMapOvr>
-  <p:timing>
-    <p:tnLst>
-      <p:par>
-        <p:cTn id="1" dur="indefinite" restart="never" nodeType="tmRoot"/>
-      </p:par>
-    </p:tnLst>
-  </p:timing>
 </p:sld>
 </file>
 
@@ -13038,7 +13369,7 @@
           <p:cNvPr id="84" name="Flowchart: Decision 83">
             <a:extLst>
               <a:ext uri="{FF2B5EF4-FFF2-40B4-BE49-F238E27FC236}">
-                <a16:creationId xmlns="" xmlns:a16="http://schemas.microsoft.com/office/drawing/2014/main" id="{1E32E4E6-7CBB-4B16-A851-2C84F576DC19}"/>
+                <a16:creationId xmlns:a16="http://schemas.microsoft.com/office/drawing/2014/main" id="{1E32E4E6-7CBB-4B16-A851-2C84F576DC19}"/>
               </a:ext>
             </a:extLst>
           </p:cNvPr>
@@ -13082,7 +13413,7 @@
           <a:p>
             <a:pPr algn="ctr"/>
             <a:r>
-              <a:rPr lang="en-US" sz="1400" dirty="0" smtClean="0">
+              <a:rPr lang="en-US" sz="1400" dirty="0">
                 <a:solidFill>
                   <a:schemeClr val="tx1"/>
                 </a:solidFill>
@@ -13090,23 +13421,15 @@
               <a:t>_modeMenu</a:t>
             </a:r>
             <a:r>
-              <a:rPr lang="en-ID" sz="1400" dirty="0" smtClean="0">
+              <a:rPr lang="en-ID" sz="1400" dirty="0">
                 <a:solidFill>
                   <a:schemeClr val="tx1"/>
                 </a:solidFill>
               </a:rPr>
-              <a:t> </a:t>
-            </a:r>
-            <a:r>
-              <a:rPr lang="en-ID" sz="1400" dirty="0">
-                <a:solidFill>
-                  <a:schemeClr val="tx1"/>
-                </a:solidFill>
-              </a:rPr>
-              <a:t>= </a:t>
-            </a:r>
-            <a:r>
-              <a:rPr lang="en-ID" sz="1400" b="0" dirty="0" smtClean="0">
+              <a:t> = </a:t>
+            </a:r>
+            <a:r>
+              <a:rPr lang="en-ID" sz="1400" b="0" dirty="0">
                 <a:solidFill>
                   <a:schemeClr val="tx1"/>
                 </a:solidFill>
@@ -13115,13 +13438,6 @@
               </a:rPr>
               <a:t>MODE_MENU_MAIN</a:t>
             </a:r>
-            <a:endParaRPr lang="en-ID" sz="1400" b="0" dirty="0">
-              <a:solidFill>
-                <a:schemeClr val="tx1"/>
-              </a:solidFill>
-              <a:effectLst/>
-              <a:latin typeface="Consolas" panose="020B0609020204030204" pitchFamily="49" charset="0"/>
-            </a:endParaRPr>
           </a:p>
         </p:txBody>
       </p:sp>
@@ -13130,7 +13446,7 @@
           <p:cNvPr id="85" name="Straight Arrow Connector 84">
             <a:extLst>
               <a:ext uri="{FF2B5EF4-FFF2-40B4-BE49-F238E27FC236}">
-                <a16:creationId xmlns="" xmlns:a16="http://schemas.microsoft.com/office/drawing/2014/main" id="{9DA6D301-49E9-4BDA-9ADF-E67A1B9C374D}"/>
+                <a16:creationId xmlns:a16="http://schemas.microsoft.com/office/drawing/2014/main" id="{9DA6D301-49E9-4BDA-9ADF-E67A1B9C374D}"/>
               </a:ext>
             </a:extLst>
           </p:cNvPr>
@@ -13174,15 +13490,15 @@
       <p:sp>
         <p:nvSpPr>
           <p:cNvPr id="19" name="TextBox 18">
-            <a:hlinkClick r:id="rId2" action="ppaction://hlinksldjump"/>
+            <a:hlinkClick r:id="rId3" action="ppaction://hlinksldjump"/>
           </p:cNvPr>
           <p:cNvSpPr txBox="1"/>
           <p:nvPr/>
         </p:nvSpPr>
         <p:spPr>
           <a:xfrm>
-            <a:off x="2571259" y="216933"/>
-            <a:ext cx="2814553" cy="553998"/>
+            <a:off x="3908910" y="658649"/>
+            <a:ext cx="1192826" cy="276999"/>
           </a:xfrm>
           <a:prstGeom prst="rect">
             <a:avLst/>
@@ -13195,37 +13511,10 @@
           </a:bodyPr>
           <a:lstStyle/>
           <a:p>
-            <a:r>
-              <a:rPr lang="en-ID" b="1" dirty="0"/>
-              <a:t>Flowchart </a:t>
-            </a:r>
-            <a:r>
-              <a:rPr lang="en-ID" b="1" dirty="0" smtClean="0"/>
-              <a:t>_</a:t>
-            </a:r>
-            <a:r>
-              <a:rPr lang="en-ID" b="1" dirty="0" smtClean="0"/>
-              <a:t>locPan</a:t>
-            </a:r>
-            <a:r>
-              <a:rPr lang="en-ID" b="1" dirty="0" smtClean="0"/>
-              <a:t>-&gt;menu()</a:t>
-            </a:r>
-            <a:endParaRPr lang="en-ID" b="1" dirty="0"/>
-          </a:p>
-          <a:p>
             <a:pPr algn="ctr"/>
             <a:r>
               <a:rPr lang="en-ID" sz="1200" dirty="0"/>
-              <a:t>File : </a:t>
-            </a:r>
-            <a:r>
-              <a:rPr lang="en-ID" sz="1200" dirty="0" smtClean="0"/>
-              <a:t>locPan</a:t>
-            </a:r>
-            <a:r>
-              <a:rPr lang="en-ID" sz="1200" dirty="0" smtClean="0"/>
-              <a:t>.cpp</a:t>
+              <a:t>File : locPan.cpp</a:t>
             </a:r>
             <a:endParaRPr lang="en-US" sz="1200" dirty="0"/>
           </a:p>
@@ -13236,7 +13525,7 @@
           <p:cNvPr id="20" name="Flowchart: Predefined Process 19">
             <a:extLst>
               <a:ext uri="{FF2B5EF4-FFF2-40B4-BE49-F238E27FC236}">
-                <a16:creationId xmlns="" xmlns:a16="http://schemas.microsoft.com/office/drawing/2014/main" id="{45A00864-4430-46FB-9A24-807D47C7B406}"/>
+                <a16:creationId xmlns:a16="http://schemas.microsoft.com/office/drawing/2014/main" id="{45A00864-4430-46FB-9A24-807D47C7B406}"/>
               </a:ext>
             </a:extLst>
           </p:cNvPr>
@@ -13280,7 +13569,7 @@
           <a:p>
             <a:pPr algn="ctr"/>
             <a:r>
-              <a:rPr lang="en-ID" sz="1200" dirty="0" smtClean="0">
+              <a:rPr lang="en-ID" sz="1200" dirty="0">
                 <a:solidFill>
                   <a:schemeClr val="tx1"/>
                 </a:solidFill>
@@ -13335,7 +13624,7 @@
           <p:cNvPr id="26" name="Flowchart: Predefined Process 25">
             <a:extLst>
               <a:ext uri="{FF2B5EF4-FFF2-40B4-BE49-F238E27FC236}">
-                <a16:creationId xmlns="" xmlns:a16="http://schemas.microsoft.com/office/drawing/2014/main" id="{45A00864-4430-46FB-9A24-807D47C7B406}"/>
+                <a16:creationId xmlns:a16="http://schemas.microsoft.com/office/drawing/2014/main" id="{45A00864-4430-46FB-9A24-807D47C7B406}"/>
               </a:ext>
             </a:extLst>
           </p:cNvPr>
@@ -13379,7 +13668,7 @@
           <a:p>
             <a:pPr algn="ctr"/>
             <a:r>
-              <a:rPr lang="en-ID" sz="1200" dirty="0" smtClean="0">
+              <a:rPr lang="en-ID" sz="1200" dirty="0">
                 <a:solidFill>
                   <a:schemeClr val="tx1"/>
                 </a:solidFill>
@@ -13395,7 +13684,7 @@
           <p:cNvPr id="30" name="Straight Arrow Connector 29">
             <a:extLst>
               <a:ext uri="{FF2B5EF4-FFF2-40B4-BE49-F238E27FC236}">
-                <a16:creationId xmlns="" xmlns:a16="http://schemas.microsoft.com/office/drawing/2014/main" id="{9DA6D301-49E9-4BDA-9ADF-E67A1B9C374D}"/>
+                <a16:creationId xmlns:a16="http://schemas.microsoft.com/office/drawing/2014/main" id="{9DA6D301-49E9-4BDA-9ADF-E67A1B9C374D}"/>
               </a:ext>
             </a:extLst>
           </p:cNvPr>
@@ -13440,7 +13729,7 @@
           <p:cNvPr id="31" name="Flowchart: Predefined Process 30">
             <a:extLst>
               <a:ext uri="{FF2B5EF4-FFF2-40B4-BE49-F238E27FC236}">
-                <a16:creationId xmlns="" xmlns:a16="http://schemas.microsoft.com/office/drawing/2014/main" id="{45A00864-4430-46FB-9A24-807D47C7B406}"/>
+                <a16:creationId xmlns:a16="http://schemas.microsoft.com/office/drawing/2014/main" id="{45A00864-4430-46FB-9A24-807D47C7B406}"/>
               </a:ext>
             </a:extLst>
           </p:cNvPr>
@@ -13484,7 +13773,7 @@
           <a:p>
             <a:pPr algn="ctr"/>
             <a:r>
-              <a:rPr lang="en-ID" sz="1200" dirty="0" smtClean="0">
+              <a:rPr lang="en-ID" sz="1200" dirty="0">
                 <a:solidFill>
                   <a:schemeClr val="tx1"/>
                 </a:solidFill>
@@ -13500,7 +13789,7 @@
           <p:cNvPr id="38" name="Flowchart: Decision 37">
             <a:extLst>
               <a:ext uri="{FF2B5EF4-FFF2-40B4-BE49-F238E27FC236}">
-                <a16:creationId xmlns="" xmlns:a16="http://schemas.microsoft.com/office/drawing/2014/main" id="{1E32E4E6-7CBB-4B16-A851-2C84F576DC19}"/>
+                <a16:creationId xmlns:a16="http://schemas.microsoft.com/office/drawing/2014/main" id="{1E32E4E6-7CBB-4B16-A851-2C84F576DC19}"/>
               </a:ext>
             </a:extLst>
           </p:cNvPr>
@@ -13544,7 +13833,7 @@
           <a:p>
             <a:pPr algn="ctr"/>
             <a:r>
-              <a:rPr lang="en-US" sz="1400" dirty="0" smtClean="0">
+              <a:rPr lang="en-US" sz="1400" dirty="0">
                 <a:solidFill>
                   <a:schemeClr val="tx1"/>
                 </a:solidFill>
@@ -13552,23 +13841,15 @@
               <a:t>_modeMenu</a:t>
             </a:r>
             <a:r>
-              <a:rPr lang="en-ID" sz="1400" dirty="0" smtClean="0">
+              <a:rPr lang="en-ID" sz="1400" dirty="0">
                 <a:solidFill>
                   <a:schemeClr val="tx1"/>
                 </a:solidFill>
               </a:rPr>
-              <a:t> </a:t>
-            </a:r>
-            <a:r>
-              <a:rPr lang="en-ID" sz="1400" dirty="0">
-                <a:solidFill>
-                  <a:schemeClr val="tx1"/>
-                </a:solidFill>
-              </a:rPr>
-              <a:t>= </a:t>
-            </a:r>
-            <a:r>
-              <a:rPr lang="en-ID" sz="1400" b="0" dirty="0" smtClean="0">
+              <a:t> = </a:t>
+            </a:r>
+            <a:r>
+              <a:rPr lang="en-ID" sz="1400" b="0" dirty="0">
                 <a:solidFill>
                   <a:schemeClr val="tx1"/>
                 </a:solidFill>
@@ -13577,13 +13858,6 @@
               </a:rPr>
               <a:t>MODE_MENU_PARAMETER</a:t>
             </a:r>
-            <a:endParaRPr lang="en-ID" sz="1400" b="0" dirty="0">
-              <a:solidFill>
-                <a:schemeClr val="tx1"/>
-              </a:solidFill>
-              <a:effectLst/>
-              <a:latin typeface="Consolas" panose="020B0609020204030204" pitchFamily="49" charset="0"/>
-            </a:endParaRPr>
           </a:p>
         </p:txBody>
       </p:sp>
@@ -13631,7 +13905,7 @@
           <p:cNvPr id="44" name="Straight Arrow Connector 43">
             <a:extLst>
               <a:ext uri="{FF2B5EF4-FFF2-40B4-BE49-F238E27FC236}">
-                <a16:creationId xmlns="" xmlns:a16="http://schemas.microsoft.com/office/drawing/2014/main" id="{9DA6D301-49E9-4BDA-9ADF-E67A1B9C374D}"/>
+                <a16:creationId xmlns:a16="http://schemas.microsoft.com/office/drawing/2014/main" id="{9DA6D301-49E9-4BDA-9ADF-E67A1B9C374D}"/>
               </a:ext>
             </a:extLst>
           </p:cNvPr>
@@ -13676,7 +13950,7 @@
           <p:cNvPr id="45" name="Flowchart: Predefined Process 44">
             <a:extLst>
               <a:ext uri="{FF2B5EF4-FFF2-40B4-BE49-F238E27FC236}">
-                <a16:creationId xmlns="" xmlns:a16="http://schemas.microsoft.com/office/drawing/2014/main" id="{45A00864-4430-46FB-9A24-807D47C7B406}"/>
+                <a16:creationId xmlns:a16="http://schemas.microsoft.com/office/drawing/2014/main" id="{45A00864-4430-46FB-9A24-807D47C7B406}"/>
               </a:ext>
             </a:extLst>
           </p:cNvPr>
@@ -13720,7 +13994,7 @@
           <a:p>
             <a:pPr algn="ctr"/>
             <a:r>
-              <a:rPr lang="en-ID" sz="1200" dirty="0" smtClean="0">
+              <a:rPr lang="en-ID" sz="1200" dirty="0">
                 <a:solidFill>
                   <a:schemeClr val="tx1"/>
                 </a:solidFill>
@@ -13736,7 +14010,7 @@
           <p:cNvPr id="46" name="Flowchart: Decision 45">
             <a:extLst>
               <a:ext uri="{FF2B5EF4-FFF2-40B4-BE49-F238E27FC236}">
-                <a16:creationId xmlns="" xmlns:a16="http://schemas.microsoft.com/office/drawing/2014/main" id="{1E32E4E6-7CBB-4B16-A851-2C84F576DC19}"/>
+                <a16:creationId xmlns:a16="http://schemas.microsoft.com/office/drawing/2014/main" id="{1E32E4E6-7CBB-4B16-A851-2C84F576DC19}"/>
               </a:ext>
             </a:extLst>
           </p:cNvPr>
@@ -13780,7 +14054,7 @@
           <a:p>
             <a:pPr algn="ctr"/>
             <a:r>
-              <a:rPr lang="en-US" sz="1400" dirty="0" smtClean="0">
+              <a:rPr lang="en-US" sz="1400" dirty="0">
                 <a:solidFill>
                   <a:schemeClr val="tx1"/>
                 </a:solidFill>
@@ -13788,23 +14062,15 @@
               <a:t>_modeMenu</a:t>
             </a:r>
             <a:r>
-              <a:rPr lang="en-ID" sz="1400" dirty="0" smtClean="0">
+              <a:rPr lang="en-ID" sz="1400" dirty="0">
                 <a:solidFill>
                   <a:schemeClr val="tx1"/>
                 </a:solidFill>
               </a:rPr>
-              <a:t> </a:t>
-            </a:r>
-            <a:r>
-              <a:rPr lang="en-ID" sz="1400" dirty="0">
-                <a:solidFill>
-                  <a:schemeClr val="tx1"/>
-                </a:solidFill>
-              </a:rPr>
-              <a:t>= </a:t>
-            </a:r>
-            <a:r>
-              <a:rPr lang="en-ID" sz="1400" b="0" dirty="0" smtClean="0">
+              <a:t> = </a:t>
+            </a:r>
+            <a:r>
+              <a:rPr lang="en-ID" sz="1400" b="0" dirty="0">
                 <a:solidFill>
                   <a:schemeClr val="tx1"/>
                 </a:solidFill>
@@ -13813,13 +14079,6 @@
               </a:rPr>
               <a:t>MODE_CHANGE_PARAMETER</a:t>
             </a:r>
-            <a:endParaRPr lang="en-ID" sz="1400" b="0" dirty="0">
-              <a:solidFill>
-                <a:schemeClr val="tx1"/>
-              </a:solidFill>
-              <a:effectLst/>
-              <a:latin typeface="Consolas" panose="020B0609020204030204" pitchFamily="49" charset="0"/>
-            </a:endParaRPr>
           </a:p>
         </p:txBody>
       </p:sp>
@@ -13865,7 +14124,7 @@
       <p:sp>
         <p:nvSpPr>
           <p:cNvPr id="49" name="Flowchart: Off-page Connector 48">
-            <a:hlinkClick r:id="rId2" action="ppaction://hlinksldjump"/>
+            <a:hlinkClick r:id="rId3" action="ppaction://hlinksldjump"/>
           </p:cNvPr>
           <p:cNvSpPr/>
           <p:nvPr/>
@@ -14078,6 +14337,49 @@
           </a:fontRef>
         </p:style>
       </p:cxnSp>
+      <p:sp>
+        <p:nvSpPr>
+          <p:cNvPr id="2" name="Title 1">
+            <a:extLst>
+              <a:ext uri="{FF2B5EF4-FFF2-40B4-BE49-F238E27FC236}">
+                <a16:creationId xmlns:a16="http://schemas.microsoft.com/office/drawing/2014/main" id="{0DB934AE-063D-4F69-A4BD-4E87414288DE}"/>
+              </a:ext>
+            </a:extLst>
+          </p:cNvPr>
+          <p:cNvSpPr>
+            <a:spLocks noGrp="1"/>
+          </p:cNvSpPr>
+          <p:nvPr>
+            <p:ph type="ctrTitle"/>
+          </p:nvPr>
+        </p:nvSpPr>
+        <p:spPr>
+          <a:xfrm>
+            <a:off x="688032" y="227139"/>
+            <a:ext cx="7772400" cy="498553"/>
+          </a:xfrm>
+        </p:spPr>
+        <p:txBody>
+          <a:bodyPr/>
+          <a:lstStyle/>
+          <a:p>
+            <a:pPr algn="ctr" rtl="0" eaLnBrk="1" latinLnBrk="0" hangingPunct="1"/>
+            <a:r>
+              <a:rPr lang="en-ID" sz="1800" b="1" kern="1200" dirty="0">
+                <a:solidFill>
+                  <a:srgbClr val="000000"/>
+                </a:solidFill>
+                <a:effectLst/>
+                <a:latin typeface="Calibri" panose="020F0502020204030204" pitchFamily="34" charset="0"/>
+                <a:ea typeface="+mn-ea"/>
+                <a:cs typeface="+mn-cs"/>
+              </a:rPr>
+              <a:t>Flowchart _locPan-&gt;menu()</a:t>
+            </a:r>
+            <a:endParaRPr lang="en-ID" dirty="0"/>
+          </a:p>
+        </p:txBody>
+      </p:sp>
     </p:spTree>
     <p:extLst>
       <p:ext uri="{BB962C8B-B14F-4D97-AF65-F5344CB8AC3E}">
@@ -14088,13 +14390,2059 @@
   <p:clrMapOvr>
     <a:masterClrMapping/>
   </p:clrMapOvr>
-  <p:timing>
-    <p:tnLst>
-      <p:par>
-        <p:cTn id="1" dur="indefinite" restart="never" nodeType="tmRoot"/>
-      </p:par>
-    </p:tnLst>
-  </p:timing>
+</p:sld>
+</file>
+
+<file path=ppt/slides/slide15.xml><?xml version="1.0" encoding="utf-8"?>
+<p:sld xmlns:a="http://schemas.openxmlformats.org/drawingml/2006/main" xmlns:r="http://schemas.openxmlformats.org/officeDocument/2006/relationships" xmlns:p="http://schemas.openxmlformats.org/presentationml/2006/main">
+  <p:cSld>
+    <p:spTree>
+      <p:nvGrpSpPr>
+        <p:cNvPr id="1" name=""/>
+        <p:cNvGrpSpPr/>
+        <p:nvPr/>
+      </p:nvGrpSpPr>
+      <p:grpSpPr>
+        <a:xfrm>
+          <a:off x="0" y="0"/>
+          <a:ext cx="0" cy="0"/>
+          <a:chOff x="0" y="0"/>
+          <a:chExt cx="0" cy="0"/>
+        </a:xfrm>
+      </p:grpSpPr>
+      <p:sp>
+        <p:nvSpPr>
+          <p:cNvPr id="84" name="Flowchart: Decision 83">
+            <a:extLst>
+              <a:ext uri="{FF2B5EF4-FFF2-40B4-BE49-F238E27FC236}">
+                <a16:creationId xmlns:a16="http://schemas.microsoft.com/office/drawing/2014/main" id="{1E32E4E6-7CBB-4B16-A851-2C84F576DC19}"/>
+              </a:ext>
+            </a:extLst>
+          </p:cNvPr>
+          <p:cNvSpPr/>
+          <p:nvPr/>
+        </p:nvSpPr>
+        <p:spPr>
+          <a:xfrm>
+            <a:off x="1043608" y="2010846"/>
+            <a:ext cx="2865302" cy="839830"/>
+          </a:xfrm>
+          <a:prstGeom prst="flowChartDecision">
+            <a:avLst/>
+          </a:prstGeom>
+          <a:noFill/>
+          <a:ln w="19050">
+            <a:solidFill>
+              <a:schemeClr val="tx1"/>
+            </a:solidFill>
+          </a:ln>
+        </p:spPr>
+        <p:style>
+          <a:lnRef idx="2">
+            <a:schemeClr val="accent1">
+              <a:shade val="50000"/>
+            </a:schemeClr>
+          </a:lnRef>
+          <a:fillRef idx="1">
+            <a:schemeClr val="accent1"/>
+          </a:fillRef>
+          <a:effectRef idx="0">
+            <a:schemeClr val="accent1"/>
+          </a:effectRef>
+          <a:fontRef idx="minor">
+            <a:schemeClr val="lt1"/>
+          </a:fontRef>
+        </p:style>
+        <p:txBody>
+          <a:bodyPr rtlCol="0" anchor="ctr"/>
+          <a:lstStyle/>
+          <a:p>
+            <a:pPr algn="ctr"/>
+            <a:r>
+              <a:rPr lang="en-ID" dirty="0">
+                <a:solidFill>
+                  <a:schemeClr val="tx1"/>
+                </a:solidFill>
+              </a:rPr>
+              <a:t>_menuIndex = 0</a:t>
+            </a:r>
+            <a:endParaRPr lang="en-ID" sz="1400" b="0" dirty="0">
+              <a:solidFill>
+                <a:schemeClr val="tx1"/>
+              </a:solidFill>
+              <a:effectLst/>
+              <a:latin typeface="Consolas" panose="020B0609020204030204" pitchFamily="49" charset="0"/>
+            </a:endParaRPr>
+          </a:p>
+        </p:txBody>
+      </p:sp>
+      <p:cxnSp>
+        <p:nvCxnSpPr>
+          <p:cNvPr id="85" name="Straight Arrow Connector 84">
+            <a:extLst>
+              <a:ext uri="{FF2B5EF4-FFF2-40B4-BE49-F238E27FC236}">
+                <a16:creationId xmlns:a16="http://schemas.microsoft.com/office/drawing/2014/main" id="{9DA6D301-49E9-4BDA-9ADF-E67A1B9C374D}"/>
+              </a:ext>
+            </a:extLst>
+          </p:cNvPr>
+          <p:cNvCxnSpPr>
+            <a:cxnSpLocks/>
+            <a:stCxn id="84" idx="3"/>
+            <a:endCxn id="26" idx="1"/>
+          </p:cNvCxnSpPr>
+          <p:nvPr/>
+        </p:nvCxnSpPr>
+        <p:spPr>
+          <a:xfrm>
+            <a:off x="3908910" y="2430761"/>
+            <a:ext cx="311192" cy="4300"/>
+          </a:xfrm>
+          <a:prstGeom prst="straightConnector1">
+            <a:avLst/>
+          </a:prstGeom>
+          <a:ln w="19050">
+            <a:solidFill>
+              <a:srgbClr val="003300"/>
+            </a:solidFill>
+            <a:tailEnd type="arrow"/>
+          </a:ln>
+        </p:spPr>
+        <p:style>
+          <a:lnRef idx="1">
+            <a:schemeClr val="accent1"/>
+          </a:lnRef>
+          <a:fillRef idx="0">
+            <a:schemeClr val="accent1"/>
+          </a:fillRef>
+          <a:effectRef idx="0">
+            <a:schemeClr val="accent1"/>
+          </a:effectRef>
+          <a:fontRef idx="minor">
+            <a:schemeClr val="tx1"/>
+          </a:fontRef>
+        </p:style>
+      </p:cxnSp>
+      <p:sp>
+        <p:nvSpPr>
+          <p:cNvPr id="19" name="TextBox 18">
+            <a:hlinkClick r:id="rId3" action="ppaction://hlinksldjump"/>
+          </p:cNvPr>
+          <p:cNvSpPr txBox="1"/>
+          <p:nvPr/>
+        </p:nvSpPr>
+        <p:spPr>
+          <a:xfrm>
+            <a:off x="3908910" y="658649"/>
+            <a:ext cx="1192826" cy="276999"/>
+          </a:xfrm>
+          <a:prstGeom prst="rect">
+            <a:avLst/>
+          </a:prstGeom>
+          <a:noFill/>
+        </p:spPr>
+        <p:txBody>
+          <a:bodyPr wrap="none" rtlCol="0">
+            <a:spAutoFit/>
+          </a:bodyPr>
+          <a:lstStyle/>
+          <a:p>
+            <a:pPr algn="ctr"/>
+            <a:r>
+              <a:rPr lang="en-ID" sz="1200" dirty="0"/>
+              <a:t>File : locPan.cpp</a:t>
+            </a:r>
+            <a:endParaRPr lang="en-US" sz="1200" dirty="0"/>
+          </a:p>
+        </p:txBody>
+      </p:sp>
+      <p:sp>
+        <p:nvSpPr>
+          <p:cNvPr id="20" name="Flowchart: Predefined Process 19">
+            <a:extLst>
+              <a:ext uri="{FF2B5EF4-FFF2-40B4-BE49-F238E27FC236}">
+                <a16:creationId xmlns:a16="http://schemas.microsoft.com/office/drawing/2014/main" id="{45A00864-4430-46FB-9A24-807D47C7B406}"/>
+              </a:ext>
+            </a:extLst>
+          </p:cNvPr>
+          <p:cNvSpPr/>
+          <p:nvPr/>
+        </p:nvSpPr>
+        <p:spPr>
+          <a:xfrm>
+            <a:off x="947364" y="976750"/>
+            <a:ext cx="2629190" cy="415140"/>
+          </a:xfrm>
+          <a:prstGeom prst="flowChartPredefinedProcess">
+            <a:avLst/>
+          </a:prstGeom>
+          <a:noFill/>
+          <a:ln>
+            <a:solidFill>
+              <a:schemeClr val="tx1"/>
+            </a:solidFill>
+          </a:ln>
+        </p:spPr>
+        <p:style>
+          <a:lnRef idx="2">
+            <a:schemeClr val="accent1">
+              <a:shade val="50000"/>
+            </a:schemeClr>
+          </a:lnRef>
+          <a:fillRef idx="1">
+            <a:schemeClr val="accent1"/>
+          </a:fillRef>
+          <a:effectRef idx="0">
+            <a:schemeClr val="accent1"/>
+          </a:effectRef>
+          <a:fontRef idx="minor">
+            <a:schemeClr val="lt1"/>
+          </a:fontRef>
+        </p:style>
+        <p:txBody>
+          <a:bodyPr rtlCol="0" anchor="ctr"/>
+          <a:lstStyle/>
+          <a:p>
+            <a:pPr algn="ctr"/>
+            <a:r>
+              <a:rPr lang="en-ID" sz="1200" dirty="0">
+                <a:solidFill>
+                  <a:schemeClr val="tx1"/>
+                </a:solidFill>
+              </a:rPr>
+              <a:t>Key =  this-&gt;_getCommand()</a:t>
+            </a:r>
+            <a:endParaRPr lang="en-US" sz="1200" dirty="0"/>
+          </a:p>
+        </p:txBody>
+      </p:sp>
+      <p:cxnSp>
+        <p:nvCxnSpPr>
+          <p:cNvPr id="3" name="Elbow Connector 2"/>
+          <p:cNvCxnSpPr>
+            <a:stCxn id="20" idx="2"/>
+            <a:endCxn id="84" idx="0"/>
+          </p:cNvCxnSpPr>
+          <p:nvPr/>
+        </p:nvCxnSpPr>
+        <p:spPr>
+          <a:xfrm rot="16200000" flipH="1">
+            <a:off x="2059631" y="1594218"/>
+            <a:ext cx="618956" cy="214300"/>
+          </a:xfrm>
+          <a:prstGeom prst="bentConnector3">
+            <a:avLst/>
+          </a:prstGeom>
+          <a:ln w="19050">
+            <a:solidFill>
+              <a:schemeClr val="tx1"/>
+            </a:solidFill>
+            <a:tailEnd type="arrow"/>
+          </a:ln>
+        </p:spPr>
+        <p:style>
+          <a:lnRef idx="1">
+            <a:schemeClr val="accent1"/>
+          </a:lnRef>
+          <a:fillRef idx="0">
+            <a:schemeClr val="accent1"/>
+          </a:fillRef>
+          <a:effectRef idx="0">
+            <a:schemeClr val="accent1"/>
+          </a:effectRef>
+          <a:fontRef idx="minor">
+            <a:schemeClr val="tx1"/>
+          </a:fontRef>
+        </p:style>
+      </p:cxnSp>
+      <p:sp>
+        <p:nvSpPr>
+          <p:cNvPr id="26" name="Flowchart: Predefined Process 25">
+            <a:extLst>
+              <a:ext uri="{FF2B5EF4-FFF2-40B4-BE49-F238E27FC236}">
+                <a16:creationId xmlns:a16="http://schemas.microsoft.com/office/drawing/2014/main" id="{45A00864-4430-46FB-9A24-807D47C7B406}"/>
+              </a:ext>
+            </a:extLst>
+          </p:cNvPr>
+          <p:cNvSpPr/>
+          <p:nvPr/>
+        </p:nvSpPr>
+        <p:spPr>
+          <a:xfrm>
+            <a:off x="4220102" y="2231791"/>
+            <a:ext cx="4024306" cy="406540"/>
+          </a:xfrm>
+          <a:prstGeom prst="flowChartPredefinedProcess">
+            <a:avLst/>
+          </a:prstGeom>
+          <a:noFill/>
+          <a:ln>
+            <a:solidFill>
+              <a:schemeClr val="tx1"/>
+            </a:solidFill>
+          </a:ln>
+        </p:spPr>
+        <p:style>
+          <a:lnRef idx="2">
+            <a:schemeClr val="accent1">
+              <a:shade val="50000"/>
+            </a:schemeClr>
+          </a:lnRef>
+          <a:fillRef idx="1">
+            <a:schemeClr val="accent1"/>
+          </a:fillRef>
+          <a:effectRef idx="0">
+            <a:schemeClr val="accent1"/>
+          </a:effectRef>
+          <a:fontRef idx="minor">
+            <a:schemeClr val="lt1"/>
+          </a:fontRef>
+        </p:style>
+        <p:txBody>
+          <a:bodyPr rtlCol="0" anchor="ctr"/>
+          <a:lstStyle/>
+          <a:p>
+            <a:r>
+              <a:rPr lang="en-ID" sz="1200" dirty="0">
+                <a:solidFill>
+                  <a:schemeClr val="tx1"/>
+                </a:solidFill>
+              </a:rPr>
+              <a:t>    this-&gt;_sendMenu(this-&gt;_menuIndex);</a:t>
+            </a:r>
+          </a:p>
+          <a:p>
+            <a:r>
+              <a:rPr lang="en-ID" sz="1200" dirty="0">
+                <a:solidFill>
+                  <a:schemeClr val="tx1"/>
+                </a:solidFill>
+              </a:rPr>
+              <a:t>    this-&gt;_viewMenu(this-&gt;_menuIndex);</a:t>
+            </a:r>
+          </a:p>
+        </p:txBody>
+      </p:sp>
+      <p:cxnSp>
+        <p:nvCxnSpPr>
+          <p:cNvPr id="30" name="Straight Arrow Connector 29">
+            <a:extLst>
+              <a:ext uri="{FF2B5EF4-FFF2-40B4-BE49-F238E27FC236}">
+                <a16:creationId xmlns:a16="http://schemas.microsoft.com/office/drawing/2014/main" id="{9DA6D301-49E9-4BDA-9ADF-E67A1B9C374D}"/>
+              </a:ext>
+            </a:extLst>
+          </p:cNvPr>
+          <p:cNvCxnSpPr>
+            <a:cxnSpLocks/>
+            <a:stCxn id="38" idx="3"/>
+            <a:endCxn id="31" idx="1"/>
+          </p:cNvCxnSpPr>
+          <p:nvPr/>
+        </p:nvCxnSpPr>
+        <p:spPr>
+          <a:xfrm>
+            <a:off x="2699792" y="3632891"/>
+            <a:ext cx="1520310" cy="0"/>
+          </a:xfrm>
+          <a:prstGeom prst="straightConnector1">
+            <a:avLst/>
+          </a:prstGeom>
+          <a:ln w="19050">
+            <a:solidFill>
+              <a:srgbClr val="003300"/>
+            </a:solidFill>
+            <a:tailEnd type="arrow"/>
+          </a:ln>
+        </p:spPr>
+        <p:style>
+          <a:lnRef idx="1">
+            <a:schemeClr val="accent1"/>
+          </a:lnRef>
+          <a:fillRef idx="0">
+            <a:schemeClr val="accent1"/>
+          </a:fillRef>
+          <a:effectRef idx="0">
+            <a:schemeClr val="accent1"/>
+          </a:effectRef>
+          <a:fontRef idx="minor">
+            <a:schemeClr val="tx1"/>
+          </a:fontRef>
+        </p:style>
+      </p:cxnSp>
+      <p:sp>
+        <p:nvSpPr>
+          <p:cNvPr id="31" name="Flowchart: Predefined Process 30">
+            <a:extLst>
+              <a:ext uri="{FF2B5EF4-FFF2-40B4-BE49-F238E27FC236}">
+                <a16:creationId xmlns:a16="http://schemas.microsoft.com/office/drawing/2014/main" id="{45A00864-4430-46FB-9A24-807D47C7B406}"/>
+              </a:ext>
+            </a:extLst>
+          </p:cNvPr>
+          <p:cNvSpPr/>
+          <p:nvPr/>
+        </p:nvSpPr>
+        <p:spPr>
+          <a:xfrm>
+            <a:off x="4220102" y="3212976"/>
+            <a:ext cx="3448242" cy="839830"/>
+          </a:xfrm>
+          <a:prstGeom prst="flowChartPredefinedProcess">
+            <a:avLst/>
+          </a:prstGeom>
+          <a:noFill/>
+          <a:ln>
+            <a:solidFill>
+              <a:schemeClr val="tx1"/>
+            </a:solidFill>
+          </a:ln>
+        </p:spPr>
+        <p:style>
+          <a:lnRef idx="2">
+            <a:schemeClr val="accent1">
+              <a:shade val="50000"/>
+            </a:schemeClr>
+          </a:lnRef>
+          <a:fillRef idx="1">
+            <a:schemeClr val="accent1"/>
+          </a:fillRef>
+          <a:effectRef idx="0">
+            <a:schemeClr val="accent1"/>
+          </a:effectRef>
+          <a:fontRef idx="minor">
+            <a:schemeClr val="lt1"/>
+          </a:fontRef>
+        </p:style>
+        <p:txBody>
+          <a:bodyPr rtlCol="0" anchor="ctr"/>
+          <a:lstStyle/>
+          <a:p>
+            <a:r>
+              <a:rPr lang="en-ID" sz="1200" dirty="0">
+                <a:solidFill>
+                  <a:schemeClr val="tx1"/>
+                </a:solidFill>
+              </a:rPr>
+              <a:t>          idx = this-&gt;_increaseIndex();</a:t>
+            </a:r>
+          </a:p>
+          <a:p>
+            <a:r>
+              <a:rPr lang="en-ID" sz="1200" dirty="0">
+                <a:solidFill>
+                  <a:schemeClr val="tx1"/>
+                </a:solidFill>
+              </a:rPr>
+              <a:t>          this-&gt;_sendMenu(idx);</a:t>
+            </a:r>
+          </a:p>
+          <a:p>
+            <a:r>
+              <a:rPr lang="en-ID" sz="1200" dirty="0">
+                <a:solidFill>
+                  <a:schemeClr val="tx1"/>
+                </a:solidFill>
+              </a:rPr>
+              <a:t>          this-&gt;_viewMenu(idx);</a:t>
+            </a:r>
+          </a:p>
+        </p:txBody>
+      </p:sp>
+      <p:sp>
+        <p:nvSpPr>
+          <p:cNvPr id="38" name="Flowchart: Decision 37">
+            <a:extLst>
+              <a:ext uri="{FF2B5EF4-FFF2-40B4-BE49-F238E27FC236}">
+                <a16:creationId xmlns:a16="http://schemas.microsoft.com/office/drawing/2014/main" id="{1E32E4E6-7CBB-4B16-A851-2C84F576DC19}"/>
+              </a:ext>
+            </a:extLst>
+          </p:cNvPr>
+          <p:cNvSpPr/>
+          <p:nvPr/>
+        </p:nvSpPr>
+        <p:spPr>
+          <a:xfrm>
+            <a:off x="1043608" y="3212976"/>
+            <a:ext cx="1656184" cy="839830"/>
+          </a:xfrm>
+          <a:prstGeom prst="flowChartDecision">
+            <a:avLst/>
+          </a:prstGeom>
+          <a:noFill/>
+          <a:ln w="19050">
+            <a:solidFill>
+              <a:schemeClr val="tx1"/>
+            </a:solidFill>
+          </a:ln>
+        </p:spPr>
+        <p:style>
+          <a:lnRef idx="2">
+            <a:schemeClr val="accent1">
+              <a:shade val="50000"/>
+            </a:schemeClr>
+          </a:lnRef>
+          <a:fillRef idx="1">
+            <a:schemeClr val="accent1"/>
+          </a:fillRef>
+          <a:effectRef idx="0">
+            <a:schemeClr val="accent1"/>
+          </a:effectRef>
+          <a:fontRef idx="minor">
+            <a:schemeClr val="lt1"/>
+          </a:fontRef>
+        </p:style>
+        <p:txBody>
+          <a:bodyPr rtlCol="0" anchor="ctr"/>
+          <a:lstStyle/>
+          <a:p>
+            <a:pPr algn="ctr"/>
+            <a:r>
+              <a:rPr lang="en-US" sz="1400" dirty="0">
+                <a:solidFill>
+                  <a:schemeClr val="tx1"/>
+                </a:solidFill>
+              </a:rPr>
+              <a:t>key</a:t>
+            </a:r>
+            <a:r>
+              <a:rPr lang="en-ID" sz="1400" dirty="0">
+                <a:solidFill>
+                  <a:schemeClr val="tx1"/>
+                </a:solidFill>
+              </a:rPr>
+              <a:t> = </a:t>
+            </a:r>
+            <a:r>
+              <a:rPr lang="en-ID" sz="1400" b="0" dirty="0">
+                <a:solidFill>
+                  <a:schemeClr val="tx1"/>
+                </a:solidFill>
+                <a:effectLst/>
+                <a:latin typeface="Consolas" panose="020B0609020204030204" pitchFamily="49" charset="0"/>
+              </a:rPr>
+              <a:t>UP</a:t>
+            </a:r>
+          </a:p>
+        </p:txBody>
+      </p:sp>
+      <p:cxnSp>
+        <p:nvCxnSpPr>
+          <p:cNvPr id="21" name="Elbow Connector 20"/>
+          <p:cNvCxnSpPr>
+            <a:stCxn id="84" idx="2"/>
+            <a:endCxn id="38" idx="0"/>
+          </p:cNvCxnSpPr>
+          <p:nvPr/>
+        </p:nvCxnSpPr>
+        <p:spPr>
+          <a:xfrm rot="5400000">
+            <a:off x="1992830" y="2729547"/>
+            <a:ext cx="362300" cy="604559"/>
+          </a:xfrm>
+          <a:prstGeom prst="bentConnector3">
+            <a:avLst/>
+          </a:prstGeom>
+          <a:ln w="19050">
+            <a:solidFill>
+              <a:srgbClr val="003300"/>
+            </a:solidFill>
+            <a:tailEnd type="arrow"/>
+          </a:ln>
+        </p:spPr>
+        <p:style>
+          <a:lnRef idx="1">
+            <a:schemeClr val="accent1"/>
+          </a:lnRef>
+          <a:fillRef idx="0">
+            <a:schemeClr val="accent1"/>
+          </a:fillRef>
+          <a:effectRef idx="0">
+            <a:schemeClr val="accent1"/>
+          </a:effectRef>
+          <a:fontRef idx="minor">
+            <a:schemeClr val="tx1"/>
+          </a:fontRef>
+        </p:style>
+      </p:cxnSp>
+      <p:cxnSp>
+        <p:nvCxnSpPr>
+          <p:cNvPr id="44" name="Straight Arrow Connector 43">
+            <a:extLst>
+              <a:ext uri="{FF2B5EF4-FFF2-40B4-BE49-F238E27FC236}">
+                <a16:creationId xmlns:a16="http://schemas.microsoft.com/office/drawing/2014/main" id="{9DA6D301-49E9-4BDA-9ADF-E67A1B9C374D}"/>
+              </a:ext>
+            </a:extLst>
+          </p:cNvPr>
+          <p:cNvCxnSpPr>
+            <a:cxnSpLocks/>
+            <a:stCxn id="46" idx="3"/>
+            <a:endCxn id="50" idx="1"/>
+          </p:cNvCxnSpPr>
+          <p:nvPr/>
+        </p:nvCxnSpPr>
+        <p:spPr>
+          <a:xfrm flipV="1">
+            <a:off x="2699792" y="4929034"/>
+            <a:ext cx="1520310" cy="1"/>
+          </a:xfrm>
+          <a:prstGeom prst="straightConnector1">
+            <a:avLst/>
+          </a:prstGeom>
+          <a:ln w="19050">
+            <a:solidFill>
+              <a:srgbClr val="003300"/>
+            </a:solidFill>
+            <a:tailEnd type="arrow"/>
+          </a:ln>
+        </p:spPr>
+        <p:style>
+          <a:lnRef idx="1">
+            <a:schemeClr val="accent1"/>
+          </a:lnRef>
+          <a:fillRef idx="0">
+            <a:schemeClr val="accent1"/>
+          </a:fillRef>
+          <a:effectRef idx="0">
+            <a:schemeClr val="accent1"/>
+          </a:effectRef>
+          <a:fontRef idx="minor">
+            <a:schemeClr val="tx1"/>
+          </a:fontRef>
+        </p:style>
+      </p:cxnSp>
+      <p:sp>
+        <p:nvSpPr>
+          <p:cNvPr id="46" name="Flowchart: Decision 45">
+            <a:extLst>
+              <a:ext uri="{FF2B5EF4-FFF2-40B4-BE49-F238E27FC236}">
+                <a16:creationId xmlns:a16="http://schemas.microsoft.com/office/drawing/2014/main" id="{1E32E4E6-7CBB-4B16-A851-2C84F576DC19}"/>
+              </a:ext>
+            </a:extLst>
+          </p:cNvPr>
+          <p:cNvSpPr/>
+          <p:nvPr/>
+        </p:nvSpPr>
+        <p:spPr>
+          <a:xfrm>
+            <a:off x="683568" y="4509120"/>
+            <a:ext cx="2016224" cy="839830"/>
+          </a:xfrm>
+          <a:prstGeom prst="flowChartDecision">
+            <a:avLst/>
+          </a:prstGeom>
+          <a:noFill/>
+          <a:ln w="19050">
+            <a:solidFill>
+              <a:schemeClr val="tx1"/>
+            </a:solidFill>
+          </a:ln>
+        </p:spPr>
+        <p:style>
+          <a:lnRef idx="2">
+            <a:schemeClr val="accent1">
+              <a:shade val="50000"/>
+            </a:schemeClr>
+          </a:lnRef>
+          <a:fillRef idx="1">
+            <a:schemeClr val="accent1"/>
+          </a:fillRef>
+          <a:effectRef idx="0">
+            <a:schemeClr val="accent1"/>
+          </a:effectRef>
+          <a:fontRef idx="minor">
+            <a:schemeClr val="lt1"/>
+          </a:fontRef>
+        </p:style>
+        <p:txBody>
+          <a:bodyPr rtlCol="0" anchor="ctr"/>
+          <a:lstStyle/>
+          <a:p>
+            <a:pPr algn="ctr"/>
+            <a:r>
+              <a:rPr lang="en-US" sz="1400" dirty="0">
+                <a:solidFill>
+                  <a:schemeClr val="tx1"/>
+                </a:solidFill>
+              </a:rPr>
+              <a:t>key</a:t>
+            </a:r>
+            <a:r>
+              <a:rPr lang="en-ID" sz="1400" dirty="0">
+                <a:solidFill>
+                  <a:schemeClr val="tx1"/>
+                </a:solidFill>
+              </a:rPr>
+              <a:t> = </a:t>
+            </a:r>
+            <a:r>
+              <a:rPr lang="en-ID" sz="1400" b="0" dirty="0">
+                <a:solidFill>
+                  <a:schemeClr val="tx1"/>
+                </a:solidFill>
+                <a:effectLst/>
+                <a:latin typeface="Consolas" panose="020B0609020204030204" pitchFamily="49" charset="0"/>
+              </a:rPr>
+              <a:t>DOWN</a:t>
+            </a:r>
+          </a:p>
+        </p:txBody>
+      </p:sp>
+      <p:cxnSp>
+        <p:nvCxnSpPr>
+          <p:cNvPr id="25" name="Elbow Connector 24"/>
+          <p:cNvCxnSpPr>
+            <a:stCxn id="38" idx="2"/>
+            <a:endCxn id="46" idx="0"/>
+          </p:cNvCxnSpPr>
+          <p:nvPr/>
+        </p:nvCxnSpPr>
+        <p:spPr>
+          <a:xfrm rot="5400000">
+            <a:off x="1553533" y="4190953"/>
+            <a:ext cx="456314" cy="180020"/>
+          </a:xfrm>
+          <a:prstGeom prst="bentConnector3">
+            <a:avLst/>
+          </a:prstGeom>
+          <a:ln w="19050">
+            <a:solidFill>
+              <a:schemeClr val="tx1"/>
+            </a:solidFill>
+            <a:tailEnd type="arrow"/>
+          </a:ln>
+        </p:spPr>
+        <p:style>
+          <a:lnRef idx="1">
+            <a:schemeClr val="accent1"/>
+          </a:lnRef>
+          <a:fillRef idx="0">
+            <a:schemeClr val="accent1"/>
+          </a:fillRef>
+          <a:effectRef idx="0">
+            <a:schemeClr val="accent1"/>
+          </a:effectRef>
+          <a:fontRef idx="minor">
+            <a:schemeClr val="tx1"/>
+          </a:fontRef>
+        </p:style>
+      </p:cxnSp>
+      <p:cxnSp>
+        <p:nvCxnSpPr>
+          <p:cNvPr id="47" name="Elbow Connector 46"/>
+          <p:cNvCxnSpPr>
+            <a:stCxn id="46" idx="2"/>
+            <a:endCxn id="56" idx="0"/>
+          </p:cNvCxnSpPr>
+          <p:nvPr/>
+        </p:nvCxnSpPr>
+        <p:spPr>
+          <a:xfrm rot="16200000" flipH="1">
+            <a:off x="2079056" y="4961574"/>
+            <a:ext cx="742954" cy="1517706"/>
+          </a:xfrm>
+          <a:prstGeom prst="bentConnector3">
+            <a:avLst/>
+          </a:prstGeom>
+          <a:ln w="19050">
+            <a:solidFill>
+              <a:schemeClr val="tx1"/>
+            </a:solidFill>
+            <a:tailEnd type="arrow"/>
+          </a:ln>
+        </p:spPr>
+        <p:style>
+          <a:lnRef idx="1">
+            <a:schemeClr val="accent1"/>
+          </a:lnRef>
+          <a:fillRef idx="0">
+            <a:schemeClr val="accent1"/>
+          </a:fillRef>
+          <a:effectRef idx="0">
+            <a:schemeClr val="accent1"/>
+          </a:effectRef>
+          <a:fontRef idx="minor">
+            <a:schemeClr val="tx1"/>
+          </a:fontRef>
+        </p:style>
+      </p:cxnSp>
+      <p:cxnSp>
+        <p:nvCxnSpPr>
+          <p:cNvPr id="51" name="Elbow Connector 50"/>
+          <p:cNvCxnSpPr>
+            <a:stCxn id="26" idx="3"/>
+            <a:endCxn id="56" idx="3"/>
+          </p:cNvCxnSpPr>
+          <p:nvPr/>
+        </p:nvCxnSpPr>
+        <p:spPr>
+          <a:xfrm flipH="1">
+            <a:off x="3452202" y="2435061"/>
+            <a:ext cx="4792206" cy="3890715"/>
+          </a:xfrm>
+          <a:prstGeom prst="bentConnector3">
+            <a:avLst>
+              <a:gd name="adj1" fmla="val -4770"/>
+            </a:avLst>
+          </a:prstGeom>
+          <a:ln w="19050">
+            <a:solidFill>
+              <a:srgbClr val="003300"/>
+            </a:solidFill>
+            <a:tailEnd type="arrow"/>
+          </a:ln>
+        </p:spPr>
+        <p:style>
+          <a:lnRef idx="1">
+            <a:schemeClr val="accent1"/>
+          </a:lnRef>
+          <a:fillRef idx="0">
+            <a:schemeClr val="accent1"/>
+          </a:fillRef>
+          <a:effectRef idx="0">
+            <a:schemeClr val="accent1"/>
+          </a:effectRef>
+          <a:fontRef idx="minor">
+            <a:schemeClr val="tx1"/>
+          </a:fontRef>
+        </p:style>
+      </p:cxnSp>
+      <p:cxnSp>
+        <p:nvCxnSpPr>
+          <p:cNvPr id="54" name="Straight Arrow Connector 53"/>
+          <p:cNvCxnSpPr>
+            <a:stCxn id="31" idx="3"/>
+          </p:cNvCxnSpPr>
+          <p:nvPr/>
+        </p:nvCxnSpPr>
+        <p:spPr>
+          <a:xfrm>
+            <a:off x="7668344" y="3632891"/>
+            <a:ext cx="792088" cy="0"/>
+          </a:xfrm>
+          <a:prstGeom prst="straightConnector1">
+            <a:avLst/>
+          </a:prstGeom>
+          <a:ln w="19050">
+            <a:solidFill>
+              <a:srgbClr val="003300"/>
+            </a:solidFill>
+            <a:tailEnd type="arrow"/>
+          </a:ln>
+        </p:spPr>
+        <p:style>
+          <a:lnRef idx="1">
+            <a:schemeClr val="accent1"/>
+          </a:lnRef>
+          <a:fillRef idx="0">
+            <a:schemeClr val="accent1"/>
+          </a:fillRef>
+          <a:effectRef idx="0">
+            <a:schemeClr val="accent1"/>
+          </a:effectRef>
+          <a:fontRef idx="minor">
+            <a:schemeClr val="tx1"/>
+          </a:fontRef>
+        </p:style>
+      </p:cxnSp>
+      <p:cxnSp>
+        <p:nvCxnSpPr>
+          <p:cNvPr id="57" name="Straight Arrow Connector 56"/>
+          <p:cNvCxnSpPr>
+            <a:stCxn id="50" idx="3"/>
+          </p:cNvCxnSpPr>
+          <p:nvPr/>
+        </p:nvCxnSpPr>
+        <p:spPr>
+          <a:xfrm>
+            <a:off x="7668344" y="4929034"/>
+            <a:ext cx="787883" cy="0"/>
+          </a:xfrm>
+          <a:prstGeom prst="straightConnector1">
+            <a:avLst/>
+          </a:prstGeom>
+          <a:ln w="19050">
+            <a:solidFill>
+              <a:srgbClr val="003300"/>
+            </a:solidFill>
+            <a:tailEnd type="arrow"/>
+          </a:ln>
+        </p:spPr>
+        <p:style>
+          <a:lnRef idx="1">
+            <a:schemeClr val="accent1"/>
+          </a:lnRef>
+          <a:fillRef idx="0">
+            <a:schemeClr val="accent1"/>
+          </a:fillRef>
+          <a:effectRef idx="0">
+            <a:schemeClr val="accent1"/>
+          </a:effectRef>
+          <a:fontRef idx="minor">
+            <a:schemeClr val="tx1"/>
+          </a:fontRef>
+        </p:style>
+      </p:cxnSp>
+      <p:sp>
+        <p:nvSpPr>
+          <p:cNvPr id="2" name="Title 1">
+            <a:extLst>
+              <a:ext uri="{FF2B5EF4-FFF2-40B4-BE49-F238E27FC236}">
+                <a16:creationId xmlns:a16="http://schemas.microsoft.com/office/drawing/2014/main" id="{0DB934AE-063D-4F69-A4BD-4E87414288DE}"/>
+              </a:ext>
+            </a:extLst>
+          </p:cNvPr>
+          <p:cNvSpPr>
+            <a:spLocks noGrp="1"/>
+          </p:cNvSpPr>
+          <p:nvPr>
+            <p:ph type="ctrTitle"/>
+          </p:nvPr>
+        </p:nvSpPr>
+        <p:spPr>
+          <a:xfrm>
+            <a:off x="688032" y="227139"/>
+            <a:ext cx="7772400" cy="498553"/>
+          </a:xfrm>
+        </p:spPr>
+        <p:txBody>
+          <a:bodyPr/>
+          <a:lstStyle/>
+          <a:p>
+            <a:pPr algn="ctr"/>
+            <a:r>
+              <a:rPr lang="en-ID" sz="1800" b="1" kern="1200" dirty="0">
+                <a:solidFill>
+                  <a:srgbClr val="000000"/>
+                </a:solidFill>
+                <a:effectLst/>
+                <a:latin typeface="Calibri" panose="020F0502020204030204" pitchFamily="34" charset="0"/>
+                <a:ea typeface="+mn-ea"/>
+                <a:cs typeface="+mn-cs"/>
+              </a:rPr>
+              <a:t>Flowchart </a:t>
+            </a:r>
+            <a:r>
+              <a:rPr lang="en-ID" sz="1800" dirty="0"/>
+              <a:t>this-&gt;_menuMain(key)</a:t>
+            </a:r>
+            <a:endParaRPr lang="en-ID" dirty="0"/>
+          </a:p>
+        </p:txBody>
+      </p:sp>
+      <p:sp>
+        <p:nvSpPr>
+          <p:cNvPr id="50" name="Flowchart: Predefined Process 49">
+            <a:extLst>
+              <a:ext uri="{FF2B5EF4-FFF2-40B4-BE49-F238E27FC236}">
+                <a16:creationId xmlns:a16="http://schemas.microsoft.com/office/drawing/2014/main" id="{A072B542-5787-42E3-8E39-7032CEC393EF}"/>
+              </a:ext>
+            </a:extLst>
+          </p:cNvPr>
+          <p:cNvSpPr/>
+          <p:nvPr/>
+        </p:nvSpPr>
+        <p:spPr>
+          <a:xfrm>
+            <a:off x="4220102" y="4509119"/>
+            <a:ext cx="3448242" cy="839830"/>
+          </a:xfrm>
+          <a:prstGeom prst="flowChartPredefinedProcess">
+            <a:avLst/>
+          </a:prstGeom>
+          <a:noFill/>
+          <a:ln>
+            <a:solidFill>
+              <a:schemeClr val="tx1"/>
+            </a:solidFill>
+          </a:ln>
+        </p:spPr>
+        <p:style>
+          <a:lnRef idx="2">
+            <a:schemeClr val="accent1">
+              <a:shade val="50000"/>
+            </a:schemeClr>
+          </a:lnRef>
+          <a:fillRef idx="1">
+            <a:schemeClr val="accent1"/>
+          </a:fillRef>
+          <a:effectRef idx="0">
+            <a:schemeClr val="accent1"/>
+          </a:effectRef>
+          <a:fontRef idx="minor">
+            <a:schemeClr val="lt1"/>
+          </a:fontRef>
+        </p:style>
+        <p:txBody>
+          <a:bodyPr rtlCol="0" anchor="ctr"/>
+          <a:lstStyle/>
+          <a:p>
+            <a:r>
+              <a:rPr lang="en-ID" sz="1200" dirty="0">
+                <a:solidFill>
+                  <a:schemeClr val="tx1"/>
+                </a:solidFill>
+              </a:rPr>
+              <a:t>          idx = this-&gt;_decreaseIndex();</a:t>
+            </a:r>
+          </a:p>
+          <a:p>
+            <a:r>
+              <a:rPr lang="en-ID" sz="1200" dirty="0">
+                <a:solidFill>
+                  <a:schemeClr val="tx1"/>
+                </a:solidFill>
+              </a:rPr>
+              <a:t>          this-&gt;_sendMenu(idx);</a:t>
+            </a:r>
+          </a:p>
+          <a:p>
+            <a:r>
+              <a:rPr lang="en-ID" sz="1200" dirty="0">
+                <a:solidFill>
+                  <a:schemeClr val="tx1"/>
+                </a:solidFill>
+              </a:rPr>
+              <a:t>          this-&gt;_viewMenu(idx);</a:t>
+            </a:r>
+          </a:p>
+        </p:txBody>
+      </p:sp>
+      <p:sp>
+        <p:nvSpPr>
+          <p:cNvPr id="56" name="Flowchart: Off-page Connector 55">
+            <a:extLst>
+              <a:ext uri="{FF2B5EF4-FFF2-40B4-BE49-F238E27FC236}">
+                <a16:creationId xmlns:a16="http://schemas.microsoft.com/office/drawing/2014/main" id="{6B04F943-B8F0-4045-882E-05B2CA117E1E}"/>
+              </a:ext>
+            </a:extLst>
+          </p:cNvPr>
+          <p:cNvSpPr/>
+          <p:nvPr/>
+        </p:nvSpPr>
+        <p:spPr>
+          <a:xfrm>
+            <a:off x="2966569" y="6091904"/>
+            <a:ext cx="485633" cy="467744"/>
+          </a:xfrm>
+          <a:prstGeom prst="flowChartOffpageConnector">
+            <a:avLst/>
+          </a:prstGeom>
+          <a:noFill/>
+          <a:ln>
+            <a:solidFill>
+              <a:schemeClr val="tx1"/>
+            </a:solidFill>
+          </a:ln>
+        </p:spPr>
+        <p:style>
+          <a:lnRef idx="2">
+            <a:schemeClr val="accent1">
+              <a:shade val="50000"/>
+            </a:schemeClr>
+          </a:lnRef>
+          <a:fillRef idx="1">
+            <a:schemeClr val="accent1"/>
+          </a:fillRef>
+          <a:effectRef idx="0">
+            <a:schemeClr val="accent1"/>
+          </a:effectRef>
+          <a:fontRef idx="minor">
+            <a:schemeClr val="lt1"/>
+          </a:fontRef>
+        </p:style>
+        <p:txBody>
+          <a:bodyPr rtlCol="0" anchor="ctr"/>
+          <a:lstStyle/>
+          <a:p>
+            <a:pPr algn="ctr"/>
+            <a:r>
+              <a:rPr lang="en-US" b="1" dirty="0">
+                <a:solidFill>
+                  <a:schemeClr val="tx1"/>
+                </a:solidFill>
+              </a:rPr>
+              <a:t>21</a:t>
+            </a:r>
+          </a:p>
+        </p:txBody>
+      </p:sp>
+    </p:spTree>
+    <p:extLst>
+      <p:ext uri="{BB962C8B-B14F-4D97-AF65-F5344CB8AC3E}">
+        <p14:creationId xmlns:p14="http://schemas.microsoft.com/office/powerpoint/2010/main" val="2854028340"/>
+      </p:ext>
+    </p:extLst>
+  </p:cSld>
+  <p:clrMapOvr>
+    <a:masterClrMapping/>
+  </p:clrMapOvr>
+</p:sld>
+</file>
+
+<file path=ppt/slides/slide16.xml><?xml version="1.0" encoding="utf-8"?>
+<p:sld xmlns:a="http://schemas.openxmlformats.org/drawingml/2006/main" xmlns:r="http://schemas.openxmlformats.org/officeDocument/2006/relationships" xmlns:p="http://schemas.openxmlformats.org/presentationml/2006/main">
+  <p:cSld>
+    <p:spTree>
+      <p:nvGrpSpPr>
+        <p:cNvPr id="1" name=""/>
+        <p:cNvGrpSpPr/>
+        <p:nvPr/>
+      </p:nvGrpSpPr>
+      <p:grpSpPr>
+        <a:xfrm>
+          <a:off x="0" y="0"/>
+          <a:ext cx="0" cy="0"/>
+          <a:chOff x="0" y="0"/>
+          <a:chExt cx="0" cy="0"/>
+        </a:xfrm>
+      </p:grpSpPr>
+      <p:sp>
+        <p:nvSpPr>
+          <p:cNvPr id="19" name="TextBox 18">
+            <a:hlinkClick r:id="rId3" action="ppaction://hlinksldjump"/>
+          </p:cNvPr>
+          <p:cNvSpPr txBox="1"/>
+          <p:nvPr/>
+        </p:nvSpPr>
+        <p:spPr>
+          <a:xfrm>
+            <a:off x="3908910" y="658649"/>
+            <a:ext cx="1192826" cy="276999"/>
+          </a:xfrm>
+          <a:prstGeom prst="rect">
+            <a:avLst/>
+          </a:prstGeom>
+          <a:noFill/>
+        </p:spPr>
+        <p:txBody>
+          <a:bodyPr wrap="none" rtlCol="0">
+            <a:spAutoFit/>
+          </a:bodyPr>
+          <a:lstStyle/>
+          <a:p>
+            <a:pPr algn="ctr"/>
+            <a:r>
+              <a:rPr lang="en-ID" sz="1200" dirty="0"/>
+              <a:t>File : locPan.cpp</a:t>
+            </a:r>
+            <a:endParaRPr lang="en-US" sz="1200" dirty="0"/>
+          </a:p>
+        </p:txBody>
+      </p:sp>
+      <p:cxnSp>
+        <p:nvCxnSpPr>
+          <p:cNvPr id="3" name="Elbow Connector 2"/>
+          <p:cNvCxnSpPr>
+            <a:stCxn id="22" idx="2"/>
+            <a:endCxn id="38" idx="0"/>
+          </p:cNvCxnSpPr>
+          <p:nvPr/>
+        </p:nvCxnSpPr>
+        <p:spPr>
+          <a:xfrm rot="16200000" flipH="1">
+            <a:off x="1172336" y="1256756"/>
+            <a:ext cx="543099" cy="242816"/>
+          </a:xfrm>
+          <a:prstGeom prst="bentConnector3">
+            <a:avLst/>
+          </a:prstGeom>
+          <a:ln w="19050">
+            <a:solidFill>
+              <a:schemeClr val="tx1"/>
+            </a:solidFill>
+            <a:tailEnd type="arrow"/>
+          </a:ln>
+        </p:spPr>
+        <p:style>
+          <a:lnRef idx="1">
+            <a:schemeClr val="accent1"/>
+          </a:lnRef>
+          <a:fillRef idx="0">
+            <a:schemeClr val="accent1"/>
+          </a:fillRef>
+          <a:effectRef idx="0">
+            <a:schemeClr val="accent1"/>
+          </a:effectRef>
+          <a:fontRef idx="minor">
+            <a:schemeClr val="tx1"/>
+          </a:fontRef>
+        </p:style>
+      </p:cxnSp>
+      <p:sp>
+        <p:nvSpPr>
+          <p:cNvPr id="31" name="Flowchart: Predefined Process 30">
+            <a:extLst>
+              <a:ext uri="{FF2B5EF4-FFF2-40B4-BE49-F238E27FC236}">
+                <a16:creationId xmlns:a16="http://schemas.microsoft.com/office/drawing/2014/main" id="{45A00864-4430-46FB-9A24-807D47C7B406}"/>
+              </a:ext>
+            </a:extLst>
+          </p:cNvPr>
+          <p:cNvSpPr/>
+          <p:nvPr/>
+        </p:nvSpPr>
+        <p:spPr>
+          <a:xfrm>
+            <a:off x="4118696" y="3067944"/>
+            <a:ext cx="4053704" cy="1246398"/>
+          </a:xfrm>
+          <a:prstGeom prst="flowChartPredefinedProcess">
+            <a:avLst/>
+          </a:prstGeom>
+          <a:noFill/>
+          <a:ln>
+            <a:solidFill>
+              <a:schemeClr val="tx1"/>
+            </a:solidFill>
+          </a:ln>
+        </p:spPr>
+        <p:style>
+          <a:lnRef idx="2">
+            <a:schemeClr val="accent1">
+              <a:shade val="50000"/>
+            </a:schemeClr>
+          </a:lnRef>
+          <a:fillRef idx="1">
+            <a:schemeClr val="accent1"/>
+          </a:fillRef>
+          <a:effectRef idx="0">
+            <a:schemeClr val="accent1"/>
+          </a:effectRef>
+          <a:fontRef idx="minor">
+            <a:schemeClr val="lt1"/>
+          </a:fontRef>
+        </p:style>
+        <p:txBody>
+          <a:bodyPr rtlCol="0" anchor="ctr"/>
+          <a:lstStyle/>
+          <a:p>
+            <a:r>
+              <a:rPr lang="en-ID" sz="1200" dirty="0">
+                <a:solidFill>
+                  <a:schemeClr val="tx1"/>
+                </a:solidFill>
+              </a:rPr>
+              <a:t>_modeMenu = MODE_MENU_PARAMETER;</a:t>
+            </a:r>
+          </a:p>
+          <a:p>
+            <a:r>
+              <a:rPr lang="en-ID" sz="1200" dirty="0">
+                <a:solidFill>
+                  <a:schemeClr val="tx1"/>
+                </a:solidFill>
+              </a:rPr>
+              <a:t>this-&gt;updateParameter();</a:t>
+            </a:r>
+          </a:p>
+          <a:p>
+            <a:r>
+              <a:rPr lang="en-ID" sz="1200" dirty="0">
+                <a:solidFill>
+                  <a:schemeClr val="tx1"/>
+                </a:solidFill>
+              </a:rPr>
+              <a:t>this-&gt;_initPrevIndex();</a:t>
+            </a:r>
+          </a:p>
+          <a:p>
+            <a:r>
+              <a:rPr lang="en-ID" sz="1200" dirty="0">
+                <a:solidFill>
+                  <a:schemeClr val="tx1"/>
+                </a:solidFill>
+              </a:rPr>
+              <a:t>this-&gt;_paramIndex = PARAMETER_VALUE;</a:t>
+            </a:r>
+          </a:p>
+          <a:p>
+            <a:r>
+              <a:rPr lang="en-ID" sz="1200" dirty="0">
+                <a:solidFill>
+                  <a:schemeClr val="tx1"/>
+                </a:solidFill>
+              </a:rPr>
+              <a:t>            this-&gt;menu();</a:t>
+            </a:r>
+          </a:p>
+        </p:txBody>
+      </p:sp>
+      <p:sp>
+        <p:nvSpPr>
+          <p:cNvPr id="38" name="Flowchart: Decision 37">
+            <a:extLst>
+              <a:ext uri="{FF2B5EF4-FFF2-40B4-BE49-F238E27FC236}">
+                <a16:creationId xmlns:a16="http://schemas.microsoft.com/office/drawing/2014/main" id="{1E32E4E6-7CBB-4B16-A851-2C84F576DC19}"/>
+              </a:ext>
+            </a:extLst>
+          </p:cNvPr>
+          <p:cNvSpPr/>
+          <p:nvPr/>
+        </p:nvSpPr>
+        <p:spPr>
+          <a:xfrm>
+            <a:off x="737201" y="1649714"/>
+            <a:ext cx="1656184" cy="839830"/>
+          </a:xfrm>
+          <a:prstGeom prst="flowChartDecision">
+            <a:avLst/>
+          </a:prstGeom>
+          <a:noFill/>
+          <a:ln w="19050">
+            <a:solidFill>
+              <a:schemeClr val="tx1"/>
+            </a:solidFill>
+          </a:ln>
+        </p:spPr>
+        <p:style>
+          <a:lnRef idx="2">
+            <a:schemeClr val="accent1">
+              <a:shade val="50000"/>
+            </a:schemeClr>
+          </a:lnRef>
+          <a:fillRef idx="1">
+            <a:schemeClr val="accent1"/>
+          </a:fillRef>
+          <a:effectRef idx="0">
+            <a:schemeClr val="accent1"/>
+          </a:effectRef>
+          <a:fontRef idx="minor">
+            <a:schemeClr val="lt1"/>
+          </a:fontRef>
+        </p:style>
+        <p:txBody>
+          <a:bodyPr rtlCol="0" anchor="ctr"/>
+          <a:lstStyle/>
+          <a:p>
+            <a:pPr algn="ctr"/>
+            <a:r>
+              <a:rPr lang="en-US" sz="1400" dirty="0">
+                <a:solidFill>
+                  <a:schemeClr val="tx1"/>
+                </a:solidFill>
+              </a:rPr>
+              <a:t>key</a:t>
+            </a:r>
+            <a:r>
+              <a:rPr lang="en-ID" sz="1400" dirty="0">
+                <a:solidFill>
+                  <a:schemeClr val="tx1"/>
+                </a:solidFill>
+              </a:rPr>
+              <a:t> = </a:t>
+            </a:r>
+            <a:r>
+              <a:rPr lang="en-ID" sz="1400" dirty="0">
+                <a:solidFill>
+                  <a:schemeClr val="tx1"/>
+                </a:solidFill>
+                <a:latin typeface="Consolas" panose="020B0609020204030204" pitchFamily="49" charset="0"/>
+              </a:rPr>
+              <a:t>RIGHT</a:t>
+            </a:r>
+            <a:endParaRPr lang="en-ID" sz="1400" b="0" dirty="0">
+              <a:solidFill>
+                <a:schemeClr val="tx1"/>
+              </a:solidFill>
+              <a:effectLst/>
+              <a:latin typeface="Consolas" panose="020B0609020204030204" pitchFamily="49" charset="0"/>
+            </a:endParaRPr>
+          </a:p>
+        </p:txBody>
+      </p:sp>
+      <p:cxnSp>
+        <p:nvCxnSpPr>
+          <p:cNvPr id="51" name="Elbow Connector 50"/>
+          <p:cNvCxnSpPr>
+            <a:stCxn id="31" idx="3"/>
+            <a:endCxn id="41" idx="3"/>
+          </p:cNvCxnSpPr>
+          <p:nvPr/>
+        </p:nvCxnSpPr>
+        <p:spPr>
+          <a:xfrm flipH="1">
+            <a:off x="5101735" y="3691143"/>
+            <a:ext cx="3070665" cy="2450350"/>
+          </a:xfrm>
+          <a:prstGeom prst="bentConnector3">
+            <a:avLst>
+              <a:gd name="adj1" fmla="val -7445"/>
+            </a:avLst>
+          </a:prstGeom>
+          <a:ln w="19050">
+            <a:solidFill>
+              <a:srgbClr val="003300"/>
+            </a:solidFill>
+            <a:tailEnd type="arrow"/>
+          </a:ln>
+        </p:spPr>
+        <p:style>
+          <a:lnRef idx="1">
+            <a:schemeClr val="accent1"/>
+          </a:lnRef>
+          <a:fillRef idx="0">
+            <a:schemeClr val="accent1"/>
+          </a:fillRef>
+          <a:effectRef idx="0">
+            <a:schemeClr val="accent1"/>
+          </a:effectRef>
+          <a:fontRef idx="minor">
+            <a:schemeClr val="tx1"/>
+          </a:fontRef>
+        </p:style>
+      </p:cxnSp>
+      <p:sp>
+        <p:nvSpPr>
+          <p:cNvPr id="2" name="Title 1">
+            <a:extLst>
+              <a:ext uri="{FF2B5EF4-FFF2-40B4-BE49-F238E27FC236}">
+                <a16:creationId xmlns:a16="http://schemas.microsoft.com/office/drawing/2014/main" id="{0DB934AE-063D-4F69-A4BD-4E87414288DE}"/>
+              </a:ext>
+            </a:extLst>
+          </p:cNvPr>
+          <p:cNvSpPr>
+            <a:spLocks noGrp="1"/>
+          </p:cNvSpPr>
+          <p:nvPr>
+            <p:ph type="ctrTitle"/>
+          </p:nvPr>
+        </p:nvSpPr>
+        <p:spPr>
+          <a:xfrm>
+            <a:off x="688032" y="227139"/>
+            <a:ext cx="7772400" cy="498553"/>
+          </a:xfrm>
+        </p:spPr>
+        <p:txBody>
+          <a:bodyPr/>
+          <a:lstStyle/>
+          <a:p>
+            <a:pPr algn="ctr"/>
+            <a:r>
+              <a:rPr lang="en-ID" sz="1800" b="1" kern="1200" dirty="0">
+                <a:solidFill>
+                  <a:srgbClr val="000000"/>
+                </a:solidFill>
+                <a:effectLst/>
+                <a:latin typeface="Calibri" panose="020F0502020204030204" pitchFamily="34" charset="0"/>
+                <a:ea typeface="+mn-ea"/>
+                <a:cs typeface="+mn-cs"/>
+              </a:rPr>
+              <a:t>Flowchart </a:t>
+            </a:r>
+            <a:r>
+              <a:rPr lang="en-ID" sz="1800" dirty="0"/>
+              <a:t>this-&gt;_menuMain(key)</a:t>
+            </a:r>
+            <a:endParaRPr lang="en-ID" dirty="0"/>
+          </a:p>
+        </p:txBody>
+      </p:sp>
+      <p:sp>
+        <p:nvSpPr>
+          <p:cNvPr id="41" name="Flowchart: Predefined Process 40">
+            <a:hlinkClick r:id="rId4" action="ppaction://hlinksldjump"/>
+            <a:extLst>
+              <a:ext uri="{FF2B5EF4-FFF2-40B4-BE49-F238E27FC236}">
+                <a16:creationId xmlns:a16="http://schemas.microsoft.com/office/drawing/2014/main" id="{96F0C876-AD1A-4AC1-85D3-FC98030E0B4A}"/>
+              </a:ext>
+            </a:extLst>
+          </p:cNvPr>
+          <p:cNvSpPr/>
+          <p:nvPr/>
+        </p:nvSpPr>
+        <p:spPr>
+          <a:xfrm>
+            <a:off x="831400" y="5933923"/>
+            <a:ext cx="4270335" cy="415140"/>
+          </a:xfrm>
+          <a:prstGeom prst="flowChartPredefinedProcess">
+            <a:avLst/>
+          </a:prstGeom>
+          <a:noFill/>
+          <a:ln>
+            <a:solidFill>
+              <a:schemeClr val="tx1"/>
+            </a:solidFill>
+          </a:ln>
+        </p:spPr>
+        <p:style>
+          <a:lnRef idx="2">
+            <a:schemeClr val="accent1">
+              <a:shade val="50000"/>
+            </a:schemeClr>
+          </a:lnRef>
+          <a:fillRef idx="1">
+            <a:schemeClr val="accent1"/>
+          </a:fillRef>
+          <a:effectRef idx="0">
+            <a:schemeClr val="accent1"/>
+          </a:effectRef>
+          <a:fontRef idx="minor">
+            <a:schemeClr val="lt1"/>
+          </a:fontRef>
+        </p:style>
+        <p:txBody>
+          <a:bodyPr rtlCol="0" anchor="ctr"/>
+          <a:lstStyle/>
+          <a:p>
+            <a:pPr algn="ctr"/>
+            <a:r>
+              <a:rPr lang="en-ID" sz="1200" b="1" dirty="0">
+                <a:solidFill>
+                  <a:srgbClr val="000000"/>
+                </a:solidFill>
+                <a:latin typeface="Calibri" panose="020F0502020204030204" pitchFamily="34" charset="0"/>
+              </a:rPr>
+              <a:t>_locPan-&gt;menu() =&gt; </a:t>
+            </a:r>
+            <a:r>
+              <a:rPr lang="en-ID" sz="1200" dirty="0">
+                <a:solidFill>
+                  <a:schemeClr val="tx1"/>
+                </a:solidFill>
+              </a:rPr>
+              <a:t>this-&gt;_menuMain(key)</a:t>
+            </a:r>
+            <a:r>
+              <a:rPr lang="en-ID" sz="1200" b="1" dirty="0">
+                <a:solidFill>
+                  <a:srgbClr val="000000"/>
+                </a:solidFill>
+                <a:latin typeface="Calibri" panose="020F0502020204030204" pitchFamily="34" charset="0"/>
+              </a:rPr>
+              <a:t> </a:t>
+            </a:r>
+            <a:endParaRPr lang="en-US" sz="1200" dirty="0"/>
+          </a:p>
+        </p:txBody>
+      </p:sp>
+      <p:sp>
+        <p:nvSpPr>
+          <p:cNvPr id="22" name="Flowchart: Off-page Connector 21">
+            <a:extLst>
+              <a:ext uri="{FF2B5EF4-FFF2-40B4-BE49-F238E27FC236}">
+                <a16:creationId xmlns:a16="http://schemas.microsoft.com/office/drawing/2014/main" id="{B8D6A6F9-4123-472B-9716-70EADD87870A}"/>
+              </a:ext>
+            </a:extLst>
+          </p:cNvPr>
+          <p:cNvSpPr/>
+          <p:nvPr/>
+        </p:nvSpPr>
+        <p:spPr>
+          <a:xfrm>
+            <a:off x="1079660" y="638871"/>
+            <a:ext cx="485633" cy="467744"/>
+          </a:xfrm>
+          <a:prstGeom prst="flowChartOffpageConnector">
+            <a:avLst/>
+          </a:prstGeom>
+          <a:noFill/>
+          <a:ln>
+            <a:solidFill>
+              <a:schemeClr val="tx1"/>
+            </a:solidFill>
+          </a:ln>
+        </p:spPr>
+        <p:style>
+          <a:lnRef idx="2">
+            <a:schemeClr val="accent1">
+              <a:shade val="50000"/>
+            </a:schemeClr>
+          </a:lnRef>
+          <a:fillRef idx="1">
+            <a:schemeClr val="accent1"/>
+          </a:fillRef>
+          <a:effectRef idx="0">
+            <a:schemeClr val="accent1"/>
+          </a:effectRef>
+          <a:fontRef idx="minor">
+            <a:schemeClr val="lt1"/>
+          </a:fontRef>
+        </p:style>
+        <p:txBody>
+          <a:bodyPr rtlCol="0" anchor="ctr"/>
+          <a:lstStyle/>
+          <a:p>
+            <a:pPr algn="ctr"/>
+            <a:r>
+              <a:rPr lang="en-US" b="1" dirty="0">
+                <a:solidFill>
+                  <a:schemeClr val="tx1"/>
+                </a:solidFill>
+              </a:rPr>
+              <a:t>21</a:t>
+            </a:r>
+          </a:p>
+        </p:txBody>
+      </p:sp>
+      <p:cxnSp>
+        <p:nvCxnSpPr>
+          <p:cNvPr id="32" name="Elbow Connector 2">
+            <a:extLst>
+              <a:ext uri="{FF2B5EF4-FFF2-40B4-BE49-F238E27FC236}">
+                <a16:creationId xmlns:a16="http://schemas.microsoft.com/office/drawing/2014/main" id="{67657E21-0916-4A9D-8FD5-86E0AAC9843E}"/>
+              </a:ext>
+            </a:extLst>
+          </p:cNvPr>
+          <p:cNvCxnSpPr>
+            <a:stCxn id="38" idx="2"/>
+            <a:endCxn id="49" idx="2"/>
+          </p:cNvCxnSpPr>
+          <p:nvPr/>
+        </p:nvCxnSpPr>
+        <p:spPr>
+          <a:xfrm rot="16200000" flipH="1">
+            <a:off x="953362" y="3101474"/>
+            <a:ext cx="2214790" cy="990929"/>
+          </a:xfrm>
+          <a:prstGeom prst="bentConnector2">
+            <a:avLst/>
+          </a:prstGeom>
+          <a:ln w="19050">
+            <a:solidFill>
+              <a:schemeClr val="tx1"/>
+            </a:solidFill>
+            <a:tailEnd type="arrow"/>
+          </a:ln>
+        </p:spPr>
+        <p:style>
+          <a:lnRef idx="1">
+            <a:schemeClr val="accent1"/>
+          </a:lnRef>
+          <a:fillRef idx="0">
+            <a:schemeClr val="accent1"/>
+          </a:fillRef>
+          <a:effectRef idx="0">
+            <a:schemeClr val="accent1"/>
+          </a:effectRef>
+          <a:fontRef idx="minor">
+            <a:schemeClr val="tx1"/>
+          </a:fontRef>
+        </p:style>
+      </p:cxnSp>
+      <p:sp>
+        <p:nvSpPr>
+          <p:cNvPr id="37" name="Flowchart: Decision 36">
+            <a:extLst>
+              <a:ext uri="{FF2B5EF4-FFF2-40B4-BE49-F238E27FC236}">
+                <a16:creationId xmlns:a16="http://schemas.microsoft.com/office/drawing/2014/main" id="{97628374-BCF7-4610-ABE8-32C8E8E72D3D}"/>
+              </a:ext>
+            </a:extLst>
+          </p:cNvPr>
+          <p:cNvSpPr/>
+          <p:nvPr/>
+        </p:nvSpPr>
+        <p:spPr>
+          <a:xfrm>
+            <a:off x="1883077" y="2993651"/>
+            <a:ext cx="1656184" cy="839830"/>
+          </a:xfrm>
+          <a:prstGeom prst="flowChartDecision">
+            <a:avLst/>
+          </a:prstGeom>
+          <a:noFill/>
+          <a:ln w="19050">
+            <a:solidFill>
+              <a:schemeClr val="tx1"/>
+            </a:solidFill>
+          </a:ln>
+        </p:spPr>
+        <p:style>
+          <a:lnRef idx="2">
+            <a:schemeClr val="accent1">
+              <a:shade val="50000"/>
+            </a:schemeClr>
+          </a:lnRef>
+          <a:fillRef idx="1">
+            <a:schemeClr val="accent1"/>
+          </a:fillRef>
+          <a:effectRef idx="0">
+            <a:schemeClr val="accent1"/>
+          </a:effectRef>
+          <a:fontRef idx="minor">
+            <a:schemeClr val="lt1"/>
+          </a:fontRef>
+        </p:style>
+        <p:txBody>
+          <a:bodyPr rtlCol="0" anchor="ctr"/>
+          <a:lstStyle/>
+          <a:p>
+            <a:pPr algn="ctr"/>
+            <a:r>
+              <a:rPr lang="en-ID" sz="1200" dirty="0">
+                <a:solidFill>
+                  <a:schemeClr val="tx1"/>
+                </a:solidFill>
+              </a:rPr>
+              <a:t>menuData.isHasParam</a:t>
+            </a:r>
+          </a:p>
+        </p:txBody>
+      </p:sp>
+      <p:cxnSp>
+        <p:nvCxnSpPr>
+          <p:cNvPr id="24" name="Connector: Elbow 23">
+            <a:extLst>
+              <a:ext uri="{FF2B5EF4-FFF2-40B4-BE49-F238E27FC236}">
+                <a16:creationId xmlns:a16="http://schemas.microsoft.com/office/drawing/2014/main" id="{32504B37-D593-44E4-BBDA-4D4835F98342}"/>
+              </a:ext>
+            </a:extLst>
+          </p:cNvPr>
+          <p:cNvCxnSpPr>
+            <a:stCxn id="37" idx="3"/>
+            <a:endCxn id="31" idx="1"/>
+          </p:cNvCxnSpPr>
+          <p:nvPr/>
+        </p:nvCxnSpPr>
+        <p:spPr>
+          <a:xfrm>
+            <a:off x="3539261" y="3413566"/>
+            <a:ext cx="579435" cy="277577"/>
+          </a:xfrm>
+          <a:prstGeom prst="bentConnector3">
+            <a:avLst/>
+          </a:prstGeom>
+          <a:ln w="19050">
+            <a:solidFill>
+              <a:schemeClr val="tx1"/>
+            </a:solidFill>
+            <a:tailEnd type="triangle"/>
+          </a:ln>
+        </p:spPr>
+        <p:style>
+          <a:lnRef idx="1">
+            <a:schemeClr val="accent1"/>
+          </a:lnRef>
+          <a:fillRef idx="0">
+            <a:schemeClr val="accent1"/>
+          </a:fillRef>
+          <a:effectRef idx="0">
+            <a:schemeClr val="accent1"/>
+          </a:effectRef>
+          <a:fontRef idx="minor">
+            <a:schemeClr val="tx1"/>
+          </a:fontRef>
+        </p:style>
+      </p:cxnSp>
+      <p:sp>
+        <p:nvSpPr>
+          <p:cNvPr id="45" name="Flowchart: Predefined Process 44">
+            <a:hlinkClick r:id="rId4" action="ppaction://hlinksldjump"/>
+            <a:extLst>
+              <a:ext uri="{FF2B5EF4-FFF2-40B4-BE49-F238E27FC236}">
+                <a16:creationId xmlns:a16="http://schemas.microsoft.com/office/drawing/2014/main" id="{A3C66BBB-6244-4FF6-B980-D5B96BF7B905}"/>
+              </a:ext>
+            </a:extLst>
+          </p:cNvPr>
+          <p:cNvSpPr/>
+          <p:nvPr/>
+        </p:nvSpPr>
+        <p:spPr>
+          <a:xfrm>
+            <a:off x="3347864" y="1815062"/>
+            <a:ext cx="4752528" cy="415140"/>
+          </a:xfrm>
+          <a:prstGeom prst="flowChartPredefinedProcess">
+            <a:avLst/>
+          </a:prstGeom>
+          <a:noFill/>
+          <a:ln>
+            <a:solidFill>
+              <a:schemeClr val="tx1"/>
+            </a:solidFill>
+          </a:ln>
+        </p:spPr>
+        <p:style>
+          <a:lnRef idx="2">
+            <a:schemeClr val="accent1">
+              <a:shade val="50000"/>
+            </a:schemeClr>
+          </a:lnRef>
+          <a:fillRef idx="1">
+            <a:schemeClr val="accent1"/>
+          </a:fillRef>
+          <a:effectRef idx="0">
+            <a:schemeClr val="accent1"/>
+          </a:effectRef>
+          <a:fontRef idx="minor">
+            <a:schemeClr val="lt1"/>
+          </a:fontRef>
+        </p:style>
+        <p:txBody>
+          <a:bodyPr rtlCol="0" anchor="ctr"/>
+          <a:lstStyle/>
+          <a:p>
+            <a:pPr algn="ctr"/>
+            <a:r>
+              <a:rPr lang="en-US" sz="1200" dirty="0">
+                <a:solidFill>
+                  <a:schemeClr val="tx1"/>
+                </a:solidFill>
+              </a:rPr>
+              <a:t>menuData = _accessMenu-&gt;read(this-&gt;_menuIndex);</a:t>
+            </a:r>
+            <a:r>
+              <a:rPr lang="en-ID" sz="1200" b="1" dirty="0">
+                <a:solidFill>
+                  <a:schemeClr val="tx1"/>
+                </a:solidFill>
+                <a:latin typeface="Calibri" panose="020F0502020204030204" pitchFamily="34" charset="0"/>
+              </a:rPr>
+              <a:t> </a:t>
+            </a:r>
+            <a:endParaRPr lang="en-US" sz="1200" dirty="0">
+              <a:solidFill>
+                <a:schemeClr val="tx1"/>
+              </a:solidFill>
+            </a:endParaRPr>
+          </a:p>
+        </p:txBody>
+      </p:sp>
+      <p:cxnSp>
+        <p:nvCxnSpPr>
+          <p:cNvPr id="35" name="Connector: Elbow 34">
+            <a:extLst>
+              <a:ext uri="{FF2B5EF4-FFF2-40B4-BE49-F238E27FC236}">
+                <a16:creationId xmlns:a16="http://schemas.microsoft.com/office/drawing/2014/main" id="{47C8185B-0566-408F-982A-5606EAA43CA2}"/>
+              </a:ext>
+            </a:extLst>
+          </p:cNvPr>
+          <p:cNvCxnSpPr>
+            <a:stCxn id="38" idx="3"/>
+            <a:endCxn id="45" idx="1"/>
+          </p:cNvCxnSpPr>
+          <p:nvPr/>
+        </p:nvCxnSpPr>
+        <p:spPr>
+          <a:xfrm flipV="1">
+            <a:off x="2393385" y="2022632"/>
+            <a:ext cx="954479" cy="46997"/>
+          </a:xfrm>
+          <a:prstGeom prst="bentConnector3">
+            <a:avLst/>
+          </a:prstGeom>
+          <a:ln w="19050">
+            <a:solidFill>
+              <a:schemeClr val="tx1"/>
+            </a:solidFill>
+            <a:tailEnd type="triangle"/>
+          </a:ln>
+        </p:spPr>
+        <p:style>
+          <a:lnRef idx="1">
+            <a:schemeClr val="accent1"/>
+          </a:lnRef>
+          <a:fillRef idx="0">
+            <a:schemeClr val="accent1"/>
+          </a:fillRef>
+          <a:effectRef idx="0">
+            <a:schemeClr val="accent1"/>
+          </a:effectRef>
+          <a:fontRef idx="minor">
+            <a:schemeClr val="tx1"/>
+          </a:fontRef>
+        </p:style>
+      </p:cxnSp>
+      <p:cxnSp>
+        <p:nvCxnSpPr>
+          <p:cNvPr id="39" name="Connector: Elbow 38">
+            <a:extLst>
+              <a:ext uri="{FF2B5EF4-FFF2-40B4-BE49-F238E27FC236}">
+                <a16:creationId xmlns:a16="http://schemas.microsoft.com/office/drawing/2014/main" id="{1E78E4DE-992B-4108-8748-B09F255C469B}"/>
+              </a:ext>
+            </a:extLst>
+          </p:cNvPr>
+          <p:cNvCxnSpPr>
+            <a:stCxn id="45" idx="2"/>
+            <a:endCxn id="37" idx="0"/>
+          </p:cNvCxnSpPr>
+          <p:nvPr/>
+        </p:nvCxnSpPr>
+        <p:spPr>
+          <a:xfrm rot="5400000">
+            <a:off x="3835925" y="1105447"/>
+            <a:ext cx="763449" cy="3012959"/>
+          </a:xfrm>
+          <a:prstGeom prst="bentConnector3">
+            <a:avLst/>
+          </a:prstGeom>
+          <a:ln w="19050">
+            <a:solidFill>
+              <a:schemeClr val="tx1"/>
+            </a:solidFill>
+            <a:tailEnd type="triangle"/>
+          </a:ln>
+        </p:spPr>
+        <p:style>
+          <a:lnRef idx="1">
+            <a:schemeClr val="accent1"/>
+          </a:lnRef>
+          <a:fillRef idx="0">
+            <a:schemeClr val="accent1"/>
+          </a:fillRef>
+          <a:effectRef idx="0">
+            <a:schemeClr val="accent1"/>
+          </a:effectRef>
+          <a:fontRef idx="minor">
+            <a:schemeClr val="tx1"/>
+          </a:fontRef>
+        </p:style>
+      </p:cxnSp>
+      <p:sp>
+        <p:nvSpPr>
+          <p:cNvPr id="49" name="Oval 48">
+            <a:extLst>
+              <a:ext uri="{FF2B5EF4-FFF2-40B4-BE49-F238E27FC236}">
+                <a16:creationId xmlns:a16="http://schemas.microsoft.com/office/drawing/2014/main" id="{24758EE5-FCA2-42C1-9272-C3CE420093E8}"/>
+              </a:ext>
+            </a:extLst>
+          </p:cNvPr>
+          <p:cNvSpPr/>
+          <p:nvPr/>
+        </p:nvSpPr>
+        <p:spPr>
+          <a:xfrm>
+            <a:off x="2556222" y="4502578"/>
+            <a:ext cx="410345" cy="403512"/>
+          </a:xfrm>
+          <a:prstGeom prst="ellipse">
+            <a:avLst/>
+          </a:prstGeom>
+          <a:noFill/>
+          <a:ln>
+            <a:solidFill>
+              <a:srgbClr val="003300"/>
+            </a:solidFill>
+          </a:ln>
+        </p:spPr>
+        <p:style>
+          <a:lnRef idx="2">
+            <a:schemeClr val="accent1">
+              <a:shade val="50000"/>
+            </a:schemeClr>
+          </a:lnRef>
+          <a:fillRef idx="1">
+            <a:schemeClr val="accent1"/>
+          </a:fillRef>
+          <a:effectRef idx="0">
+            <a:schemeClr val="accent1"/>
+          </a:effectRef>
+          <a:fontRef idx="minor">
+            <a:schemeClr val="lt1"/>
+          </a:fontRef>
+        </p:style>
+        <p:txBody>
+          <a:bodyPr rtlCol="0" anchor="ctr"/>
+          <a:lstStyle/>
+          <a:p>
+            <a:pPr algn="ctr"/>
+            <a:endParaRPr lang="en-ID"/>
+          </a:p>
+        </p:txBody>
+      </p:sp>
+      <p:cxnSp>
+        <p:nvCxnSpPr>
+          <p:cNvPr id="58" name="Elbow Connector 2">
+            <a:extLst>
+              <a:ext uri="{FF2B5EF4-FFF2-40B4-BE49-F238E27FC236}">
+                <a16:creationId xmlns:a16="http://schemas.microsoft.com/office/drawing/2014/main" id="{2C769881-94FD-4E40-9462-FA297C995B44}"/>
+              </a:ext>
+            </a:extLst>
+          </p:cNvPr>
+          <p:cNvCxnSpPr>
+            <a:stCxn id="37" idx="2"/>
+            <a:endCxn id="49" idx="6"/>
+          </p:cNvCxnSpPr>
+          <p:nvPr/>
+        </p:nvCxnSpPr>
+        <p:spPr>
+          <a:xfrm rot="16200000" flipH="1">
+            <a:off x="2403442" y="4141208"/>
+            <a:ext cx="870853" cy="255398"/>
+          </a:xfrm>
+          <a:prstGeom prst="bentConnector4">
+            <a:avLst>
+              <a:gd name="adj1" fmla="val 38416"/>
+              <a:gd name="adj2" fmla="val 413743"/>
+            </a:avLst>
+          </a:prstGeom>
+          <a:ln w="19050">
+            <a:solidFill>
+              <a:schemeClr val="tx1"/>
+            </a:solidFill>
+            <a:tailEnd type="arrow"/>
+          </a:ln>
+        </p:spPr>
+        <p:style>
+          <a:lnRef idx="1">
+            <a:schemeClr val="accent1"/>
+          </a:lnRef>
+          <a:fillRef idx="0">
+            <a:schemeClr val="accent1"/>
+          </a:fillRef>
+          <a:effectRef idx="0">
+            <a:schemeClr val="accent1"/>
+          </a:effectRef>
+          <a:fontRef idx="minor">
+            <a:schemeClr val="tx1"/>
+          </a:fontRef>
+        </p:style>
+      </p:cxnSp>
+      <p:cxnSp>
+        <p:nvCxnSpPr>
+          <p:cNvPr id="60" name="Elbow Connector 2">
+            <a:extLst>
+              <a:ext uri="{FF2B5EF4-FFF2-40B4-BE49-F238E27FC236}">
+                <a16:creationId xmlns:a16="http://schemas.microsoft.com/office/drawing/2014/main" id="{660B4173-3B25-4383-9FD2-C9E12452F413}"/>
+              </a:ext>
+            </a:extLst>
+          </p:cNvPr>
+          <p:cNvCxnSpPr>
+            <a:stCxn id="49" idx="4"/>
+            <a:endCxn id="41" idx="0"/>
+          </p:cNvCxnSpPr>
+          <p:nvPr/>
+        </p:nvCxnSpPr>
+        <p:spPr>
+          <a:xfrm rot="16200000" flipH="1">
+            <a:off x="2350065" y="5317419"/>
+            <a:ext cx="1027833" cy="205173"/>
+          </a:xfrm>
+          <a:prstGeom prst="bentConnector3">
+            <a:avLst>
+              <a:gd name="adj1" fmla="val 50000"/>
+            </a:avLst>
+          </a:prstGeom>
+          <a:ln w="19050">
+            <a:solidFill>
+              <a:schemeClr val="tx1"/>
+            </a:solidFill>
+            <a:tailEnd type="arrow"/>
+          </a:ln>
+        </p:spPr>
+        <p:style>
+          <a:lnRef idx="1">
+            <a:schemeClr val="accent1"/>
+          </a:lnRef>
+          <a:fillRef idx="0">
+            <a:schemeClr val="accent1"/>
+          </a:fillRef>
+          <a:effectRef idx="0">
+            <a:schemeClr val="accent1"/>
+          </a:effectRef>
+          <a:fontRef idx="minor">
+            <a:schemeClr val="tx1"/>
+          </a:fontRef>
+        </p:style>
+      </p:cxnSp>
+    </p:spTree>
+    <p:extLst>
+      <p:ext uri="{BB962C8B-B14F-4D97-AF65-F5344CB8AC3E}">
+        <p14:creationId xmlns:p14="http://schemas.microsoft.com/office/powerpoint/2010/main" val="388817581"/>
+      </p:ext>
+    </p:extLst>
+  </p:cSld>
+  <p:clrMapOvr>
+    <a:masterClrMapping/>
+  </p:clrMapOvr>
 </p:sld>
 </file>
 
@@ -14120,7 +16468,7 @@
           <p:cNvPr id="10" name="Picture 9" descr="Free Icon | Wifi">
             <a:extLst>
               <a:ext uri="{FF2B5EF4-FFF2-40B4-BE49-F238E27FC236}">
-                <a16:creationId xmlns="" xmlns:a16="http://schemas.microsoft.com/office/drawing/2014/main" id="{35E36CD3-6B5D-4E30-B897-685D3D72453D}"/>
+                <a16:creationId xmlns:a16="http://schemas.microsoft.com/office/drawing/2014/main" id="{35E36CD3-6B5D-4E30-B897-685D3D72453D}"/>
               </a:ext>
             </a:extLst>
           </p:cNvPr>
@@ -14257,7 +16605,7 @@
           <a:p>
             <a:pPr algn="ctr"/>
             <a:r>
-              <a:rPr lang="en-ID" b="1" dirty="0" err="1">
+              <a:rPr lang="en-ID" b="1" dirty="0">
                 <a:solidFill>
                   <a:srgbClr val="FF0000"/>
                 </a:solidFill>
@@ -14461,7 +16809,7 @@
           <p:cNvPr id="20" name="Picture 19">
             <a:extLst>
               <a:ext uri="{FF2B5EF4-FFF2-40B4-BE49-F238E27FC236}">
-                <a16:creationId xmlns="" xmlns:a16="http://schemas.microsoft.com/office/drawing/2014/main" id="{A18A2DB5-C272-4EEC-BEDE-9D55A675C21C}"/>
+                <a16:creationId xmlns:a16="http://schemas.microsoft.com/office/drawing/2014/main" id="{A18A2DB5-C272-4EEC-BEDE-9D55A675C21C}"/>
               </a:ext>
             </a:extLst>
           </p:cNvPr>
@@ -14489,7 +16837,7 @@
           <p:cNvPr id="21" name="TextBox 20">
             <a:extLst>
               <a:ext uri="{FF2B5EF4-FFF2-40B4-BE49-F238E27FC236}">
-                <a16:creationId xmlns="" xmlns:a16="http://schemas.microsoft.com/office/drawing/2014/main" id="{C7B62148-C36A-4EC0-B756-BE9DE8CD3AB3}"/>
+                <a16:creationId xmlns:a16="http://schemas.microsoft.com/office/drawing/2014/main" id="{C7B62148-C36A-4EC0-B756-BE9DE8CD3AB3}"/>
               </a:ext>
             </a:extLst>
           </p:cNvPr>
@@ -14525,20 +16873,12 @@
           <a:p>
             <a:pPr algn="ctr"/>
             <a:r>
-              <a:rPr lang="en-ID" b="1" dirty="0" err="1">
+              <a:rPr lang="en-ID" b="1" dirty="0">
                 <a:solidFill>
                   <a:srgbClr val="0000FF"/>
                 </a:solidFill>
               </a:rPr>
-              <a:t>Wemos</a:t>
-            </a:r>
-            <a:r>
-              <a:rPr lang="en-ID" b="1" dirty="0">
-                <a:solidFill>
-                  <a:srgbClr val="0000FF"/>
-                </a:solidFill>
-              </a:rPr>
-              <a:t> D1</a:t>
+              <a:t>Wemos D1</a:t>
             </a:r>
             <a:endParaRPr lang="en-US" b="1" dirty="0">
               <a:solidFill>
@@ -14553,7 +16893,7 @@
           <p:cNvPr id="23" name="TextBox 22">
             <a:extLst>
               <a:ext uri="{FF2B5EF4-FFF2-40B4-BE49-F238E27FC236}">
-                <a16:creationId xmlns="" xmlns:a16="http://schemas.microsoft.com/office/drawing/2014/main" id="{E93A7901-2628-4F53-9A7E-1B2F218C5805}"/>
+                <a16:creationId xmlns:a16="http://schemas.microsoft.com/office/drawing/2014/main" id="{E93A7901-2628-4F53-9A7E-1B2F218C5805}"/>
               </a:ext>
             </a:extLst>
           </p:cNvPr>
@@ -14582,15 +16922,7 @@
                   <a:srgbClr val="0000FF"/>
                 </a:solidFill>
               </a:rPr>
-              <a:t>I-</a:t>
-            </a:r>
-            <a:r>
-              <a:rPr lang="en-ID" b="1" dirty="0" err="1">
-                <a:solidFill>
-                  <a:srgbClr val="0000FF"/>
-                </a:solidFill>
-              </a:rPr>
-              <a:t>Dev’s</a:t>
+              <a:t>I-Dev’s</a:t>
             </a:r>
             <a:endParaRPr lang="en-US" b="1" dirty="0">
               <a:solidFill>
@@ -14727,7 +17059,7 @@
           <p:cNvPr id="96" name="Picture 95" descr="Free Icon | Wifi">
             <a:extLst>
               <a:ext uri="{FF2B5EF4-FFF2-40B4-BE49-F238E27FC236}">
-                <a16:creationId xmlns="" xmlns:a16="http://schemas.microsoft.com/office/drawing/2014/main" id="{331FC1AA-CB08-45A4-9369-2997329D73F4}"/>
+                <a16:creationId xmlns:a16="http://schemas.microsoft.com/office/drawing/2014/main" id="{331FC1AA-CB08-45A4-9369-2997329D73F4}"/>
               </a:ext>
             </a:extLst>
           </p:cNvPr>
@@ -14766,7 +17098,7 @@
           <p:cNvPr id="97" name="Picture 96">
             <a:extLst>
               <a:ext uri="{FF2B5EF4-FFF2-40B4-BE49-F238E27FC236}">
-                <a16:creationId xmlns="" xmlns:a16="http://schemas.microsoft.com/office/drawing/2014/main" id="{D4CA772F-A72C-4314-A82A-E884D10E777D}"/>
+                <a16:creationId xmlns:a16="http://schemas.microsoft.com/office/drawing/2014/main" id="{D4CA772F-A72C-4314-A82A-E884D10E777D}"/>
               </a:ext>
             </a:extLst>
           </p:cNvPr>
@@ -14794,7 +17126,7 @@
           <p:cNvPr id="98" name="Picture 97">
             <a:extLst>
               <a:ext uri="{FF2B5EF4-FFF2-40B4-BE49-F238E27FC236}">
-                <a16:creationId xmlns="" xmlns:a16="http://schemas.microsoft.com/office/drawing/2014/main" id="{9E085E1D-93F9-4E72-B98F-FB8F7028960D}"/>
+                <a16:creationId xmlns:a16="http://schemas.microsoft.com/office/drawing/2014/main" id="{9E085E1D-93F9-4E72-B98F-FB8F7028960D}"/>
               </a:ext>
             </a:extLst>
           </p:cNvPr>
@@ -14822,7 +17154,7 @@
           <p:cNvPr id="101" name="TextBox 100">
             <a:extLst>
               <a:ext uri="{FF2B5EF4-FFF2-40B4-BE49-F238E27FC236}">
-                <a16:creationId xmlns="" xmlns:a16="http://schemas.microsoft.com/office/drawing/2014/main" id="{7FF2AF45-1BBB-4306-ABAF-8689BC85C815}"/>
+                <a16:creationId xmlns:a16="http://schemas.microsoft.com/office/drawing/2014/main" id="{7FF2AF45-1BBB-4306-ABAF-8689BC85C815}"/>
               </a:ext>
             </a:extLst>
           </p:cNvPr>
@@ -14861,7 +17193,7 @@
           <p:cNvPr id="103" name="Straight Connector 102">
             <a:extLst>
               <a:ext uri="{FF2B5EF4-FFF2-40B4-BE49-F238E27FC236}">
-                <a16:creationId xmlns="" xmlns:a16="http://schemas.microsoft.com/office/drawing/2014/main" id="{E865F506-39E6-412E-A252-A31428B8E040}"/>
+                <a16:creationId xmlns:a16="http://schemas.microsoft.com/office/drawing/2014/main" id="{E865F506-39E6-412E-A252-A31428B8E040}"/>
               </a:ext>
             </a:extLst>
           </p:cNvPr>
@@ -14904,7 +17236,7 @@
           <p:cNvPr id="110" name="Straight Arrow Connector 109">
             <a:extLst>
               <a:ext uri="{FF2B5EF4-FFF2-40B4-BE49-F238E27FC236}">
-                <a16:creationId xmlns="" xmlns:a16="http://schemas.microsoft.com/office/drawing/2014/main" id="{E8B958EE-5EE0-4808-BB5D-8AF84300BFB3}"/>
+                <a16:creationId xmlns:a16="http://schemas.microsoft.com/office/drawing/2014/main" id="{E8B958EE-5EE0-4808-BB5D-8AF84300BFB3}"/>
               </a:ext>
             </a:extLst>
           </p:cNvPr>
@@ -14948,7 +17280,7 @@
           <p:cNvPr id="111" name="Straight Arrow Connector 110">
             <a:extLst>
               <a:ext uri="{FF2B5EF4-FFF2-40B4-BE49-F238E27FC236}">
-                <a16:creationId xmlns="" xmlns:a16="http://schemas.microsoft.com/office/drawing/2014/main" id="{701FA5EF-0179-41F2-B22D-FCC175001A48}"/>
+                <a16:creationId xmlns:a16="http://schemas.microsoft.com/office/drawing/2014/main" id="{701FA5EF-0179-41F2-B22D-FCC175001A48}"/>
               </a:ext>
             </a:extLst>
           </p:cNvPr>
@@ -14992,7 +17324,7 @@
           <p:cNvPr id="112" name="Straight Arrow Connector 111">
             <a:extLst>
               <a:ext uri="{FF2B5EF4-FFF2-40B4-BE49-F238E27FC236}">
-                <a16:creationId xmlns="" xmlns:a16="http://schemas.microsoft.com/office/drawing/2014/main" id="{AF569078-F334-430B-8950-9BEB338AB6EA}"/>
+                <a16:creationId xmlns:a16="http://schemas.microsoft.com/office/drawing/2014/main" id="{AF569078-F334-430B-8950-9BEB338AB6EA}"/>
               </a:ext>
             </a:extLst>
           </p:cNvPr>
@@ -15036,7 +17368,7 @@
           <p:cNvPr id="113" name="Straight Arrow Connector 112">
             <a:extLst>
               <a:ext uri="{FF2B5EF4-FFF2-40B4-BE49-F238E27FC236}">
-                <a16:creationId xmlns="" xmlns:a16="http://schemas.microsoft.com/office/drawing/2014/main" id="{9894B322-EF50-40E0-8415-FD1EB8F34947}"/>
+                <a16:creationId xmlns:a16="http://schemas.microsoft.com/office/drawing/2014/main" id="{9894B322-EF50-40E0-8415-FD1EB8F34947}"/>
               </a:ext>
             </a:extLst>
           </p:cNvPr>
@@ -15080,7 +17412,7 @@
           <p:cNvPr id="114" name="TextBox 113">
             <a:extLst>
               <a:ext uri="{FF2B5EF4-FFF2-40B4-BE49-F238E27FC236}">
-                <a16:creationId xmlns="" xmlns:a16="http://schemas.microsoft.com/office/drawing/2014/main" id="{E9064D73-DA84-45E4-878F-355289241361}"/>
+                <a16:creationId xmlns:a16="http://schemas.microsoft.com/office/drawing/2014/main" id="{E9064D73-DA84-45E4-878F-355289241361}"/>
               </a:ext>
             </a:extLst>
           </p:cNvPr>
@@ -15119,7 +17451,7 @@
           <p:cNvPr id="115" name="Arrow: Down 114">
             <a:extLst>
               <a:ext uri="{FF2B5EF4-FFF2-40B4-BE49-F238E27FC236}">
-                <a16:creationId xmlns="" xmlns:a16="http://schemas.microsoft.com/office/drawing/2014/main" id="{8CFCE75F-7AA7-4BF3-B044-4770D3A70008}"/>
+                <a16:creationId xmlns:a16="http://schemas.microsoft.com/office/drawing/2014/main" id="{8CFCE75F-7AA7-4BF3-B044-4770D3A70008}"/>
               </a:ext>
             </a:extLst>
           </p:cNvPr>
@@ -15171,7 +17503,7 @@
           <p:cNvPr id="116" name="Straight Arrow Connector 115">
             <a:extLst>
               <a:ext uri="{FF2B5EF4-FFF2-40B4-BE49-F238E27FC236}">
-                <a16:creationId xmlns="" xmlns:a16="http://schemas.microsoft.com/office/drawing/2014/main" id="{8E0EBC89-8ED8-4F07-B552-FDDF03B2E41D}"/>
+                <a16:creationId xmlns:a16="http://schemas.microsoft.com/office/drawing/2014/main" id="{8E0EBC89-8ED8-4F07-B552-FDDF03B2E41D}"/>
               </a:ext>
             </a:extLst>
           </p:cNvPr>
@@ -15217,7 +17549,7 @@
           <p:cNvPr id="117" name="TextBox 116">
             <a:extLst>
               <a:ext uri="{FF2B5EF4-FFF2-40B4-BE49-F238E27FC236}">
-                <a16:creationId xmlns="" xmlns:a16="http://schemas.microsoft.com/office/drawing/2014/main" id="{DC4F584F-869A-4EC5-BD3F-B43D6F04B109}"/>
+                <a16:creationId xmlns:a16="http://schemas.microsoft.com/office/drawing/2014/main" id="{DC4F584F-869A-4EC5-BD3F-B43D6F04B109}"/>
               </a:ext>
             </a:extLst>
           </p:cNvPr>
@@ -15267,7 +17599,7 @@
           <p:cNvPr id="118" name="Picture 2">
             <a:extLst>
               <a:ext uri="{FF2B5EF4-FFF2-40B4-BE49-F238E27FC236}">
-                <a16:creationId xmlns="" xmlns:a16="http://schemas.microsoft.com/office/drawing/2014/main" id="{7EAFE767-B908-419E-B4E7-05DAB402B5BB}"/>
+                <a16:creationId xmlns:a16="http://schemas.microsoft.com/office/drawing/2014/main" id="{7EAFE767-B908-419E-B4E7-05DAB402B5BB}"/>
               </a:ext>
             </a:extLst>
           </p:cNvPr>
@@ -15337,7 +17669,7 @@
           <p:cNvPr id="13" name="Group 12">
             <a:extLst>
               <a:ext uri="{FF2B5EF4-FFF2-40B4-BE49-F238E27FC236}">
-                <a16:creationId xmlns="" xmlns:a16="http://schemas.microsoft.com/office/drawing/2014/main" id="{DD9AE47D-D12F-4154-BB04-4D3D34BE33AE}"/>
+                <a16:creationId xmlns:a16="http://schemas.microsoft.com/office/drawing/2014/main" id="{DD9AE47D-D12F-4154-BB04-4D3D34BE33AE}"/>
               </a:ext>
             </a:extLst>
           </p:cNvPr>
@@ -15357,7 +17689,7 @@
             <p:cNvPr id="119" name="Picture 118">
               <a:extLst>
                 <a:ext uri="{FF2B5EF4-FFF2-40B4-BE49-F238E27FC236}">
-                  <a16:creationId xmlns="" xmlns:a16="http://schemas.microsoft.com/office/drawing/2014/main" id="{8569128C-0619-4279-963D-AE7C028B50F8}"/>
+                  <a16:creationId xmlns:a16="http://schemas.microsoft.com/office/drawing/2014/main" id="{8569128C-0619-4279-963D-AE7C028B50F8}"/>
                 </a:ext>
               </a:extLst>
             </p:cNvPr>
@@ -15385,7 +17717,7 @@
             <p:cNvPr id="120" name="Picture 119">
               <a:extLst>
                 <a:ext uri="{FF2B5EF4-FFF2-40B4-BE49-F238E27FC236}">
-                  <a16:creationId xmlns="" xmlns:a16="http://schemas.microsoft.com/office/drawing/2014/main" id="{8B747FC8-E2F4-4A4F-A22C-CE38FE1C73EE}"/>
+                  <a16:creationId xmlns:a16="http://schemas.microsoft.com/office/drawing/2014/main" id="{8B747FC8-E2F4-4A4F-A22C-CE38FE1C73EE}"/>
                 </a:ext>
               </a:extLst>
             </p:cNvPr>
@@ -15413,7 +17745,7 @@
             <p:cNvPr id="121" name="Picture 120">
               <a:extLst>
                 <a:ext uri="{FF2B5EF4-FFF2-40B4-BE49-F238E27FC236}">
-                  <a16:creationId xmlns="" xmlns:a16="http://schemas.microsoft.com/office/drawing/2014/main" id="{C5D34CA6-4297-482B-89D7-F88D49D89624}"/>
+                  <a16:creationId xmlns:a16="http://schemas.microsoft.com/office/drawing/2014/main" id="{C5D34CA6-4297-482B-89D7-F88D49D89624}"/>
                 </a:ext>
               </a:extLst>
             </p:cNvPr>
@@ -15442,7 +17774,7 @@
           <p:cNvPr id="122" name="Picture 121">
             <a:extLst>
               <a:ext uri="{FF2B5EF4-FFF2-40B4-BE49-F238E27FC236}">
-                <a16:creationId xmlns="" xmlns:a16="http://schemas.microsoft.com/office/drawing/2014/main" id="{B162C919-E530-41D0-B8DE-285A262718DC}"/>
+                <a16:creationId xmlns:a16="http://schemas.microsoft.com/office/drawing/2014/main" id="{B162C919-E530-41D0-B8DE-285A262718DC}"/>
               </a:ext>
             </a:extLst>
           </p:cNvPr>
@@ -15467,10 +17799,10 @@
       </p:pic>
       <p:sp>
         <p:nvSpPr>
-          <p:cNvPr id="171" name="TextBox 170">
+          <p:cNvPr id="89" name="TextBox 88">
             <a:extLst>
               <a:ext uri="{FF2B5EF4-FFF2-40B4-BE49-F238E27FC236}">
-                <a16:creationId xmlns="" xmlns:a16="http://schemas.microsoft.com/office/drawing/2014/main" id="{D3D2C1E7-A24B-4E4F-9338-4E3CC945B96E}"/>
+                <a16:creationId xmlns:a16="http://schemas.microsoft.com/office/drawing/2014/main" id="{FD499B9D-6F6A-48F3-A26C-7095543087F4}"/>
               </a:ext>
             </a:extLst>
           </p:cNvPr>
@@ -15479,8 +17811,8 @@
         </p:nvSpPr>
         <p:spPr>
           <a:xfrm>
-            <a:off x="2305167" y="551315"/>
-            <a:ext cx="3110147" cy="461665"/>
+            <a:off x="3922966" y="2366513"/>
+            <a:ext cx="1220014" cy="1200329"/>
           </a:xfrm>
           <a:prstGeom prst="rect">
             <a:avLst/>
@@ -15493,86 +17825,31 @@
           </a:bodyPr>
           <a:lstStyle/>
           <a:p>
-            <a:r>
-              <a:rPr lang="en-US" sz="2400" b="1" dirty="0" err="1">
+            <a:pPr algn="ctr"/>
+            <a:r>
+              <a:rPr lang="en-ID" b="1" dirty="0">
                 <a:solidFill>
                   <a:srgbClr val="0000FF"/>
                 </a:solidFill>
               </a:rPr>
-              <a:t>EoN</a:t>
-            </a:r>
-            <a:r>
-              <a:rPr lang="en-US" sz="2400" b="1" dirty="0">
+              <a:t>ZONE-2</a:t>
+            </a:r>
+          </a:p>
+          <a:p>
+            <a:pPr algn="ctr"/>
+            <a:r>
+              <a:rPr lang="en-ID" b="1" dirty="0">
                 <a:solidFill>
                   <a:srgbClr val="0000FF"/>
                 </a:solidFill>
               </a:rPr>
-              <a:t> – Edge of Network</a:t>
-            </a:r>
-          </a:p>
-        </p:txBody>
-      </p:sp>
-      <p:sp>
-        <p:nvSpPr>
-          <p:cNvPr id="89" name="TextBox 88">
-            <a:extLst>
-              <a:ext uri="{FF2B5EF4-FFF2-40B4-BE49-F238E27FC236}">
-                <a16:creationId xmlns="" xmlns:a16="http://schemas.microsoft.com/office/drawing/2014/main" id="{FD499B9D-6F6A-48F3-A26C-7095543087F4}"/>
-              </a:ext>
-            </a:extLst>
-          </p:cNvPr>
-          <p:cNvSpPr txBox="1"/>
-          <p:nvPr/>
-        </p:nvSpPr>
-        <p:spPr>
-          <a:xfrm>
-            <a:off x="3922966" y="2366513"/>
-            <a:ext cx="1220014" cy="1200329"/>
-          </a:xfrm>
-          <a:prstGeom prst="rect">
-            <a:avLst/>
-          </a:prstGeom>
-          <a:noFill/>
-        </p:spPr>
-        <p:txBody>
-          <a:bodyPr wrap="none" rtlCol="0">
-            <a:spAutoFit/>
-          </a:bodyPr>
-          <a:lstStyle/>
+              <a:t>Wemos D1</a:t>
+            </a:r>
+          </a:p>
           <a:p>
             <a:pPr algn="ctr"/>
             <a:r>
               <a:rPr lang="en-ID" b="1" dirty="0">
-                <a:solidFill>
-                  <a:srgbClr val="0000FF"/>
-                </a:solidFill>
-              </a:rPr>
-              <a:t>ZONE-2</a:t>
-            </a:r>
-          </a:p>
-          <a:p>
-            <a:pPr algn="ctr"/>
-            <a:r>
-              <a:rPr lang="en-ID" b="1" dirty="0" err="1">
-                <a:solidFill>
-                  <a:srgbClr val="0000FF"/>
-                </a:solidFill>
-              </a:rPr>
-              <a:t>Wemos</a:t>
-            </a:r>
-            <a:r>
-              <a:rPr lang="en-ID" b="1" dirty="0">
-                <a:solidFill>
-                  <a:srgbClr val="0000FF"/>
-                </a:solidFill>
-              </a:rPr>
-              <a:t> D1</a:t>
-            </a:r>
-          </a:p>
-          <a:p>
-            <a:pPr algn="ctr"/>
-            <a:r>
-              <a:rPr lang="en-ID" b="1" dirty="0" err="1">
                 <a:solidFill>
                   <a:srgbClr val="0000FF"/>
                 </a:solidFill>
@@ -15600,7 +17877,7 @@
           <p:cNvPr id="27" name="TextBox 26">
             <a:extLst>
               <a:ext uri="{FF2B5EF4-FFF2-40B4-BE49-F238E27FC236}">
-                <a16:creationId xmlns="" xmlns:a16="http://schemas.microsoft.com/office/drawing/2014/main" id="{B250D357-4F1F-4D5E-88FD-1C5A02A91117}"/>
+                <a16:creationId xmlns:a16="http://schemas.microsoft.com/office/drawing/2014/main" id="{B250D357-4F1F-4D5E-88FD-1C5A02A91117}"/>
               </a:ext>
             </a:extLst>
           </p:cNvPr>
@@ -15625,39 +17902,23 @@
           <a:p>
             <a:pPr algn="ctr"/>
             <a:r>
-              <a:rPr lang="en-US" sz="1200" b="1" dirty="0" err="1">
+              <a:rPr lang="en-US" sz="1200" b="1" dirty="0">
                 <a:solidFill>
                   <a:srgbClr val="0000FF"/>
                 </a:solidFill>
               </a:rPr>
-              <a:t>Arduino</a:t>
-            </a:r>
-            <a:r>
-              <a:rPr lang="en-US" sz="1200" b="1" dirty="0">
+              <a:t>Arduino Mega</a:t>
+            </a:r>
+          </a:p>
+          <a:p>
+            <a:pPr algn="ctr"/>
+            <a:r>
+              <a:rPr lang="en-ID" sz="1200" b="1" dirty="0">
                 <a:solidFill>
                   <a:srgbClr val="0000FF"/>
                 </a:solidFill>
               </a:rPr>
-              <a:t> Mega</a:t>
-            </a:r>
-          </a:p>
-          <a:p>
-            <a:pPr algn="ctr"/>
-            <a:r>
-              <a:rPr lang="en-ID" sz="1200" b="1" dirty="0" err="1">
-                <a:solidFill>
-                  <a:srgbClr val="0000FF"/>
-                </a:solidFill>
-              </a:rPr>
-              <a:t>Lcd</a:t>
-            </a:r>
-            <a:r>
-              <a:rPr lang="en-ID" sz="1200" b="1" dirty="0">
-                <a:solidFill>
-                  <a:srgbClr val="0000FF"/>
-                </a:solidFill>
-              </a:rPr>
-              <a:t> Keypad</a:t>
+              <a:t>Lcd Keypad</a:t>
             </a:r>
             <a:endParaRPr lang="en-US" sz="1200" b="1" dirty="0">
               <a:solidFill>
@@ -15731,6 +17992,51 @@
           </a:extLst>
         </p:spPr>
       </p:pic>
+      <p:sp>
+        <p:nvSpPr>
+          <p:cNvPr id="2" name="Title 1">
+            <a:extLst>
+              <a:ext uri="{FF2B5EF4-FFF2-40B4-BE49-F238E27FC236}">
+                <a16:creationId xmlns:a16="http://schemas.microsoft.com/office/drawing/2014/main" id="{C14560B4-DB4C-466E-A540-618985FE51EB}"/>
+              </a:ext>
+            </a:extLst>
+          </p:cNvPr>
+          <p:cNvSpPr>
+            <a:spLocks noGrp="1"/>
+          </p:cNvSpPr>
+          <p:nvPr>
+            <p:ph type="title" idx="4294967295"/>
+          </p:nvPr>
+        </p:nvSpPr>
+        <p:spPr>
+          <a:xfrm>
+            <a:off x="600324" y="551415"/>
+            <a:ext cx="8077200" cy="768295"/>
+          </a:xfrm>
+        </p:spPr>
+        <p:txBody>
+          <a:bodyPr/>
+          <a:lstStyle/>
+          <a:p>
+            <a:pPr algn="ctr" rtl="0" eaLnBrk="1" latinLnBrk="0" hangingPunct="1"/>
+            <a:r>
+              <a:rPr lang="en-US" sz="2400" b="1" kern="1200" dirty="0">
+                <a:solidFill>
+                  <a:srgbClr val="0000FF"/>
+                </a:solidFill>
+                <a:effectLst/>
+                <a:latin typeface="Calibri" panose="020F0502020204030204" pitchFamily="34" charset="0"/>
+                <a:ea typeface="+mn-ea"/>
+                <a:cs typeface="+mn-cs"/>
+              </a:rPr>
+              <a:t>EoN – Edge of Network</a:t>
+            </a:r>
+            <a:endParaRPr lang="en-ID" dirty="0">
+              <a:effectLst/>
+            </a:endParaRPr>
+          </a:p>
+        </p:txBody>
+      </p:sp>
     </p:spTree>
     <p:extLst>
       <p:ext uri="{BB962C8B-B14F-4D97-AF65-F5344CB8AC3E}">
@@ -15858,7 +18164,7 @@
           <p:cNvPr id="96" name="Picture 95" descr="Free Icon | Wifi">
             <a:extLst>
               <a:ext uri="{FF2B5EF4-FFF2-40B4-BE49-F238E27FC236}">
-                <a16:creationId xmlns="" xmlns:a16="http://schemas.microsoft.com/office/drawing/2014/main" id="{331FC1AA-CB08-45A4-9369-2997329D73F4}"/>
+                <a16:creationId xmlns:a16="http://schemas.microsoft.com/office/drawing/2014/main" id="{331FC1AA-CB08-45A4-9369-2997329D73F4}"/>
               </a:ext>
             </a:extLst>
           </p:cNvPr>
@@ -15897,7 +18203,7 @@
           <p:cNvPr id="97" name="Picture 96">
             <a:extLst>
               <a:ext uri="{FF2B5EF4-FFF2-40B4-BE49-F238E27FC236}">
-                <a16:creationId xmlns="" xmlns:a16="http://schemas.microsoft.com/office/drawing/2014/main" id="{D4CA772F-A72C-4314-A82A-E884D10E777D}"/>
+                <a16:creationId xmlns:a16="http://schemas.microsoft.com/office/drawing/2014/main" id="{D4CA772F-A72C-4314-A82A-E884D10E777D}"/>
               </a:ext>
             </a:extLst>
           </p:cNvPr>
@@ -15925,7 +18231,7 @@
           <p:cNvPr id="98" name="Picture 97">
             <a:extLst>
               <a:ext uri="{FF2B5EF4-FFF2-40B4-BE49-F238E27FC236}">
-                <a16:creationId xmlns="" xmlns:a16="http://schemas.microsoft.com/office/drawing/2014/main" id="{9E085E1D-93F9-4E72-B98F-FB8F7028960D}"/>
+                <a16:creationId xmlns:a16="http://schemas.microsoft.com/office/drawing/2014/main" id="{9E085E1D-93F9-4E72-B98F-FB8F7028960D}"/>
               </a:ext>
             </a:extLst>
           </p:cNvPr>
@@ -15953,7 +18259,7 @@
           <p:cNvPr id="101" name="TextBox 100">
             <a:extLst>
               <a:ext uri="{FF2B5EF4-FFF2-40B4-BE49-F238E27FC236}">
-                <a16:creationId xmlns="" xmlns:a16="http://schemas.microsoft.com/office/drawing/2014/main" id="{7FF2AF45-1BBB-4306-ABAF-8689BC85C815}"/>
+                <a16:creationId xmlns:a16="http://schemas.microsoft.com/office/drawing/2014/main" id="{7FF2AF45-1BBB-4306-ABAF-8689BC85C815}"/>
               </a:ext>
             </a:extLst>
           </p:cNvPr>
@@ -15992,7 +18298,7 @@
           <p:cNvPr id="103" name="Straight Connector 102">
             <a:extLst>
               <a:ext uri="{FF2B5EF4-FFF2-40B4-BE49-F238E27FC236}">
-                <a16:creationId xmlns="" xmlns:a16="http://schemas.microsoft.com/office/drawing/2014/main" id="{E865F506-39E6-412E-A252-A31428B8E040}"/>
+                <a16:creationId xmlns:a16="http://schemas.microsoft.com/office/drawing/2014/main" id="{E865F506-39E6-412E-A252-A31428B8E040}"/>
               </a:ext>
             </a:extLst>
           </p:cNvPr>
@@ -16035,7 +18341,7 @@
           <p:cNvPr id="110" name="Straight Arrow Connector 109">
             <a:extLst>
               <a:ext uri="{FF2B5EF4-FFF2-40B4-BE49-F238E27FC236}">
-                <a16:creationId xmlns="" xmlns:a16="http://schemas.microsoft.com/office/drawing/2014/main" id="{E8B958EE-5EE0-4808-BB5D-8AF84300BFB3}"/>
+                <a16:creationId xmlns:a16="http://schemas.microsoft.com/office/drawing/2014/main" id="{E8B958EE-5EE0-4808-BB5D-8AF84300BFB3}"/>
               </a:ext>
             </a:extLst>
           </p:cNvPr>
@@ -16079,7 +18385,7 @@
           <p:cNvPr id="111" name="Straight Arrow Connector 110">
             <a:extLst>
               <a:ext uri="{FF2B5EF4-FFF2-40B4-BE49-F238E27FC236}">
-                <a16:creationId xmlns="" xmlns:a16="http://schemas.microsoft.com/office/drawing/2014/main" id="{701FA5EF-0179-41F2-B22D-FCC175001A48}"/>
+                <a16:creationId xmlns:a16="http://schemas.microsoft.com/office/drawing/2014/main" id="{701FA5EF-0179-41F2-B22D-FCC175001A48}"/>
               </a:ext>
             </a:extLst>
           </p:cNvPr>
@@ -16123,7 +18429,7 @@
           <p:cNvPr id="112" name="Straight Arrow Connector 111">
             <a:extLst>
               <a:ext uri="{FF2B5EF4-FFF2-40B4-BE49-F238E27FC236}">
-                <a16:creationId xmlns="" xmlns:a16="http://schemas.microsoft.com/office/drawing/2014/main" id="{AF569078-F334-430B-8950-9BEB338AB6EA}"/>
+                <a16:creationId xmlns:a16="http://schemas.microsoft.com/office/drawing/2014/main" id="{AF569078-F334-430B-8950-9BEB338AB6EA}"/>
               </a:ext>
             </a:extLst>
           </p:cNvPr>
@@ -16167,7 +18473,7 @@
           <p:cNvPr id="113" name="Straight Arrow Connector 112">
             <a:extLst>
               <a:ext uri="{FF2B5EF4-FFF2-40B4-BE49-F238E27FC236}">
-                <a16:creationId xmlns="" xmlns:a16="http://schemas.microsoft.com/office/drawing/2014/main" id="{9894B322-EF50-40E0-8415-FD1EB8F34947}"/>
+                <a16:creationId xmlns:a16="http://schemas.microsoft.com/office/drawing/2014/main" id="{9894B322-EF50-40E0-8415-FD1EB8F34947}"/>
               </a:ext>
             </a:extLst>
           </p:cNvPr>
@@ -16211,7 +18517,7 @@
           <p:cNvPr id="114" name="TextBox 113">
             <a:extLst>
               <a:ext uri="{FF2B5EF4-FFF2-40B4-BE49-F238E27FC236}">
-                <a16:creationId xmlns="" xmlns:a16="http://schemas.microsoft.com/office/drawing/2014/main" id="{E9064D73-DA84-45E4-878F-355289241361}"/>
+                <a16:creationId xmlns:a16="http://schemas.microsoft.com/office/drawing/2014/main" id="{E9064D73-DA84-45E4-878F-355289241361}"/>
               </a:ext>
             </a:extLst>
           </p:cNvPr>
@@ -16250,7 +18556,7 @@
           <p:cNvPr id="115" name="Arrow: Down 114">
             <a:extLst>
               <a:ext uri="{FF2B5EF4-FFF2-40B4-BE49-F238E27FC236}">
-                <a16:creationId xmlns="" xmlns:a16="http://schemas.microsoft.com/office/drawing/2014/main" id="{8CFCE75F-7AA7-4BF3-B044-4770D3A70008}"/>
+                <a16:creationId xmlns:a16="http://schemas.microsoft.com/office/drawing/2014/main" id="{8CFCE75F-7AA7-4BF3-B044-4770D3A70008}"/>
               </a:ext>
             </a:extLst>
           </p:cNvPr>
@@ -16302,7 +18608,7 @@
           <p:cNvPr id="116" name="Straight Arrow Connector 115">
             <a:extLst>
               <a:ext uri="{FF2B5EF4-FFF2-40B4-BE49-F238E27FC236}">
-                <a16:creationId xmlns="" xmlns:a16="http://schemas.microsoft.com/office/drawing/2014/main" id="{8E0EBC89-8ED8-4F07-B552-FDDF03B2E41D}"/>
+                <a16:creationId xmlns:a16="http://schemas.microsoft.com/office/drawing/2014/main" id="{8E0EBC89-8ED8-4F07-B552-FDDF03B2E41D}"/>
               </a:ext>
             </a:extLst>
           </p:cNvPr>
@@ -16348,7 +18654,7 @@
           <p:cNvPr id="117" name="TextBox 116">
             <a:extLst>
               <a:ext uri="{FF2B5EF4-FFF2-40B4-BE49-F238E27FC236}">
-                <a16:creationId xmlns="" xmlns:a16="http://schemas.microsoft.com/office/drawing/2014/main" id="{DC4F584F-869A-4EC5-BD3F-B43D6F04B109}"/>
+                <a16:creationId xmlns:a16="http://schemas.microsoft.com/office/drawing/2014/main" id="{DC4F584F-869A-4EC5-BD3F-B43D6F04B109}"/>
               </a:ext>
             </a:extLst>
           </p:cNvPr>
@@ -16398,7 +18704,7 @@
           <p:cNvPr id="118" name="Picture 2">
             <a:extLst>
               <a:ext uri="{FF2B5EF4-FFF2-40B4-BE49-F238E27FC236}">
-                <a16:creationId xmlns="" xmlns:a16="http://schemas.microsoft.com/office/drawing/2014/main" id="{7EAFE767-B908-419E-B4E7-05DAB402B5BB}"/>
+                <a16:creationId xmlns:a16="http://schemas.microsoft.com/office/drawing/2014/main" id="{7EAFE767-B908-419E-B4E7-05DAB402B5BB}"/>
               </a:ext>
             </a:extLst>
           </p:cNvPr>
@@ -16468,7 +18774,7 @@
           <p:cNvPr id="13" name="Group 12">
             <a:extLst>
               <a:ext uri="{FF2B5EF4-FFF2-40B4-BE49-F238E27FC236}">
-                <a16:creationId xmlns="" xmlns:a16="http://schemas.microsoft.com/office/drawing/2014/main" id="{DD9AE47D-D12F-4154-BB04-4D3D34BE33AE}"/>
+                <a16:creationId xmlns:a16="http://schemas.microsoft.com/office/drawing/2014/main" id="{DD9AE47D-D12F-4154-BB04-4D3D34BE33AE}"/>
               </a:ext>
             </a:extLst>
           </p:cNvPr>
@@ -16488,7 +18794,7 @@
             <p:cNvPr id="119" name="Picture 118">
               <a:extLst>
                 <a:ext uri="{FF2B5EF4-FFF2-40B4-BE49-F238E27FC236}">
-                  <a16:creationId xmlns="" xmlns:a16="http://schemas.microsoft.com/office/drawing/2014/main" id="{8569128C-0619-4279-963D-AE7C028B50F8}"/>
+                  <a16:creationId xmlns:a16="http://schemas.microsoft.com/office/drawing/2014/main" id="{8569128C-0619-4279-963D-AE7C028B50F8}"/>
                 </a:ext>
               </a:extLst>
             </p:cNvPr>
@@ -16516,7 +18822,7 @@
             <p:cNvPr id="120" name="Picture 119">
               <a:extLst>
                 <a:ext uri="{FF2B5EF4-FFF2-40B4-BE49-F238E27FC236}">
-                  <a16:creationId xmlns="" xmlns:a16="http://schemas.microsoft.com/office/drawing/2014/main" id="{8B747FC8-E2F4-4A4F-A22C-CE38FE1C73EE}"/>
+                  <a16:creationId xmlns:a16="http://schemas.microsoft.com/office/drawing/2014/main" id="{8B747FC8-E2F4-4A4F-A22C-CE38FE1C73EE}"/>
                 </a:ext>
               </a:extLst>
             </p:cNvPr>
@@ -16544,7 +18850,7 @@
             <p:cNvPr id="121" name="Picture 120">
               <a:extLst>
                 <a:ext uri="{FF2B5EF4-FFF2-40B4-BE49-F238E27FC236}">
-                  <a16:creationId xmlns="" xmlns:a16="http://schemas.microsoft.com/office/drawing/2014/main" id="{C5D34CA6-4297-482B-89D7-F88D49D89624}"/>
+                  <a16:creationId xmlns:a16="http://schemas.microsoft.com/office/drawing/2014/main" id="{C5D34CA6-4297-482B-89D7-F88D49D89624}"/>
                 </a:ext>
               </a:extLst>
             </p:cNvPr>
@@ -16573,7 +18879,7 @@
           <p:cNvPr id="122" name="Picture 121">
             <a:extLst>
               <a:ext uri="{FF2B5EF4-FFF2-40B4-BE49-F238E27FC236}">
-                <a16:creationId xmlns="" xmlns:a16="http://schemas.microsoft.com/office/drawing/2014/main" id="{B162C919-E530-41D0-B8DE-285A262718DC}"/>
+                <a16:creationId xmlns:a16="http://schemas.microsoft.com/office/drawing/2014/main" id="{B162C919-E530-41D0-B8DE-285A262718DC}"/>
               </a:ext>
             </a:extLst>
           </p:cNvPr>
@@ -16601,7 +18907,7 @@
           <p:cNvPr id="171" name="TextBox 170">
             <a:extLst>
               <a:ext uri="{FF2B5EF4-FFF2-40B4-BE49-F238E27FC236}">
-                <a16:creationId xmlns="" xmlns:a16="http://schemas.microsoft.com/office/drawing/2014/main" id="{D3D2C1E7-A24B-4E4F-9338-4E3CC945B96E}"/>
+                <a16:creationId xmlns:a16="http://schemas.microsoft.com/office/drawing/2014/main" id="{D3D2C1E7-A24B-4E4F-9338-4E3CC945B96E}"/>
               </a:ext>
             </a:extLst>
           </p:cNvPr>
@@ -16625,20 +18931,12 @@
           <a:lstStyle/>
           <a:p>
             <a:r>
-              <a:rPr lang="en-US" sz="2400" b="1" dirty="0" err="1">
+              <a:rPr lang="en-US" sz="2400" b="1" dirty="0">
                 <a:solidFill>
                   <a:srgbClr val="0000FF"/>
                 </a:solidFill>
               </a:rPr>
-              <a:t>EoN</a:t>
-            </a:r>
-            <a:r>
-              <a:rPr lang="en-US" sz="2400" b="1" dirty="0">
-                <a:solidFill>
-                  <a:srgbClr val="0000FF"/>
-                </a:solidFill>
-              </a:rPr>
-              <a:t> – Edge of Network</a:t>
+              <a:t>EoN – Edge of Network</a:t>
             </a:r>
           </a:p>
           <a:p>
@@ -16664,7 +18962,7 @@
           <p:cNvPr id="89" name="TextBox 88">
             <a:extLst>
               <a:ext uri="{FF2B5EF4-FFF2-40B4-BE49-F238E27FC236}">
-                <a16:creationId xmlns="" xmlns:a16="http://schemas.microsoft.com/office/drawing/2014/main" id="{FD499B9D-6F6A-48F3-A26C-7095543087F4}"/>
+                <a16:creationId xmlns:a16="http://schemas.microsoft.com/office/drawing/2014/main" id="{FD499B9D-6F6A-48F3-A26C-7095543087F4}"/>
               </a:ext>
             </a:extLst>
           </p:cNvPr>
@@ -16700,26 +18998,18 @@
           <a:p>
             <a:pPr algn="ctr"/>
             <a:r>
-              <a:rPr lang="en-ID" b="1" dirty="0" err="1">
+              <a:rPr lang="en-ID" b="1" dirty="0">
                 <a:solidFill>
                   <a:srgbClr val="0000FF"/>
                 </a:solidFill>
               </a:rPr>
-              <a:t>Wemos</a:t>
-            </a:r>
+              <a:t>Wemos D1</a:t>
+            </a:r>
+          </a:p>
+          <a:p>
+            <a:pPr algn="ctr"/>
             <a:r>
               <a:rPr lang="en-ID" b="1" dirty="0">
-                <a:solidFill>
-                  <a:srgbClr val="0000FF"/>
-                </a:solidFill>
-              </a:rPr>
-              <a:t> D1</a:t>
-            </a:r>
-          </a:p>
-          <a:p>
-            <a:pPr algn="ctr"/>
-            <a:r>
-              <a:rPr lang="en-ID" b="1" dirty="0" err="1">
                 <a:solidFill>
                   <a:srgbClr val="0000FF"/>
                 </a:solidFill>
@@ -16747,7 +19037,7 @@
           <p:cNvPr id="27" name="TextBox 26">
             <a:extLst>
               <a:ext uri="{FF2B5EF4-FFF2-40B4-BE49-F238E27FC236}">
-                <a16:creationId xmlns="" xmlns:a16="http://schemas.microsoft.com/office/drawing/2014/main" id="{B250D357-4F1F-4D5E-88FD-1C5A02A91117}"/>
+                <a16:creationId xmlns:a16="http://schemas.microsoft.com/office/drawing/2014/main" id="{B250D357-4F1F-4D5E-88FD-1C5A02A91117}"/>
               </a:ext>
             </a:extLst>
           </p:cNvPr>
@@ -16772,39 +19062,23 @@
           <a:p>
             <a:pPr algn="ctr"/>
             <a:r>
-              <a:rPr lang="en-US" sz="1200" b="1" dirty="0" err="1">
+              <a:rPr lang="en-US" sz="1200" b="1" dirty="0">
                 <a:solidFill>
                   <a:srgbClr val="0000FF"/>
                 </a:solidFill>
               </a:rPr>
-              <a:t>Arduino</a:t>
-            </a:r>
-            <a:r>
-              <a:rPr lang="en-US" sz="1200" b="1" dirty="0">
+              <a:t>Arduino Mega</a:t>
+            </a:r>
+          </a:p>
+          <a:p>
+            <a:pPr algn="ctr"/>
+            <a:r>
+              <a:rPr lang="en-ID" sz="1200" b="1" dirty="0">
                 <a:solidFill>
                   <a:srgbClr val="0000FF"/>
                 </a:solidFill>
               </a:rPr>
-              <a:t> Mega</a:t>
-            </a:r>
-          </a:p>
-          <a:p>
-            <a:pPr algn="ctr"/>
-            <a:r>
-              <a:rPr lang="en-ID" sz="1200" b="1" dirty="0" err="1">
-                <a:solidFill>
-                  <a:srgbClr val="0000FF"/>
-                </a:solidFill>
-              </a:rPr>
-              <a:t>Lcd</a:t>
-            </a:r>
-            <a:r>
-              <a:rPr lang="en-ID" sz="1200" b="1" dirty="0">
-                <a:solidFill>
-                  <a:srgbClr val="0000FF"/>
-                </a:solidFill>
-              </a:rPr>
-              <a:t> Keypad</a:t>
+              <a:t>Lcd Keypad</a:t>
             </a:r>
             <a:endParaRPr lang="en-US" sz="1200" b="1" dirty="0">
               <a:solidFill>
@@ -16891,13 +19165,6 @@
   <p:transition spd="slow">
     <p:fade/>
   </p:transition>
-  <p:timing>
-    <p:tnLst>
-      <p:par>
-        <p:cTn id="1" dur="indefinite" restart="never" nodeType="tmRoot"/>
-      </p:par>
-    </p:tnLst>
-  </p:timing>
 </p:sld>
 </file>
 
@@ -16926,8 +19193,8 @@
         </p:nvSpPr>
         <p:spPr>
           <a:xfrm>
-            <a:off x="2943243" y="282601"/>
-            <a:ext cx="2200859" cy="553998"/>
+            <a:off x="3646188" y="833878"/>
+            <a:ext cx="1486497" cy="276999"/>
           </a:xfrm>
           <a:prstGeom prst="rect">
             <a:avLst/>
@@ -16939,12 +19206,6 @@
             <a:spAutoFit/>
           </a:bodyPr>
           <a:lstStyle/>
-          <a:p>
-            <a:r>
-              <a:rPr lang="en-ID" b="1" dirty="0"/>
-              <a:t>Flowchart LocalPanel</a:t>
-            </a:r>
-          </a:p>
           <a:p>
             <a:pPr algn="ctr"/>
             <a:r>
@@ -17110,7 +19371,7 @@
           <p:cNvPr id="24" name="Flowchart: Decision 23">
             <a:extLst>
               <a:ext uri="{FF2B5EF4-FFF2-40B4-BE49-F238E27FC236}">
-                <a16:creationId xmlns="" xmlns:a16="http://schemas.microsoft.com/office/drawing/2014/main" id="{438861FE-32EA-4ADA-89B2-7C2BD38A1870}"/>
+                <a16:creationId xmlns:a16="http://schemas.microsoft.com/office/drawing/2014/main" id="{438861FE-32EA-4ADA-89B2-7C2BD38A1870}"/>
               </a:ext>
             </a:extLst>
           </p:cNvPr>
@@ -17171,7 +19432,7 @@
           <p:cNvPr id="25" name="Flowchart: Decision 24">
             <a:extLst>
               <a:ext uri="{FF2B5EF4-FFF2-40B4-BE49-F238E27FC236}">
-                <a16:creationId xmlns="" xmlns:a16="http://schemas.microsoft.com/office/drawing/2014/main" id="{C25A8701-D911-4120-9094-C8B654B9B8D7}"/>
+                <a16:creationId xmlns:a16="http://schemas.microsoft.com/office/drawing/2014/main" id="{C25A8701-D911-4120-9094-C8B654B9B8D7}"/>
               </a:ext>
             </a:extLst>
           </p:cNvPr>
@@ -17237,7 +19498,7 @@
           <p:cNvPr id="19" name="Connector: Elbow 18">
             <a:extLst>
               <a:ext uri="{FF2B5EF4-FFF2-40B4-BE49-F238E27FC236}">
-                <a16:creationId xmlns="" xmlns:a16="http://schemas.microsoft.com/office/drawing/2014/main" id="{3A13BD7C-D8E9-405D-8EF8-5143BE7D072B}"/>
+                <a16:creationId xmlns:a16="http://schemas.microsoft.com/office/drawing/2014/main" id="{3A13BD7C-D8E9-405D-8EF8-5143BE7D072B}"/>
               </a:ext>
             </a:extLst>
           </p:cNvPr>
@@ -17279,7 +19540,7 @@
           <p:cNvPr id="21" name="Connector: Elbow 20">
             <a:extLst>
               <a:ext uri="{FF2B5EF4-FFF2-40B4-BE49-F238E27FC236}">
-                <a16:creationId xmlns="" xmlns:a16="http://schemas.microsoft.com/office/drawing/2014/main" id="{32B9837D-1ED6-49ED-AB93-2949C77F4F51}"/>
+                <a16:creationId xmlns:a16="http://schemas.microsoft.com/office/drawing/2014/main" id="{32B9837D-1ED6-49ED-AB93-2949C77F4F51}"/>
               </a:ext>
             </a:extLst>
           </p:cNvPr>
@@ -17324,7 +19585,7 @@
           <p:cNvPr id="40" name="Flowchart: Predefined Process 39">
             <a:extLst>
               <a:ext uri="{FF2B5EF4-FFF2-40B4-BE49-F238E27FC236}">
-                <a16:creationId xmlns="" xmlns:a16="http://schemas.microsoft.com/office/drawing/2014/main" id="{7CF1C237-E4A8-4ED5-A58F-ECD1C5196D24}"/>
+                <a16:creationId xmlns:a16="http://schemas.microsoft.com/office/drawing/2014/main" id="{7CF1C237-E4A8-4ED5-A58F-ECD1C5196D24}"/>
               </a:ext>
             </a:extLst>
           </p:cNvPr>
@@ -17385,7 +19646,7 @@
           <p:cNvPr id="34" name="Connector: Elbow 33">
             <a:extLst>
               <a:ext uri="{FF2B5EF4-FFF2-40B4-BE49-F238E27FC236}">
-                <a16:creationId xmlns="" xmlns:a16="http://schemas.microsoft.com/office/drawing/2014/main" id="{9FAF7F38-3CB0-47A7-A16D-C91231A9011C}"/>
+                <a16:creationId xmlns:a16="http://schemas.microsoft.com/office/drawing/2014/main" id="{9FAF7F38-3CB0-47A7-A16D-C91231A9011C}"/>
               </a:ext>
             </a:extLst>
           </p:cNvPr>
@@ -17431,7 +19692,7 @@
           <p:cNvPr id="42" name="Flowchart: Predefined Process 41">
             <a:extLst>
               <a:ext uri="{FF2B5EF4-FFF2-40B4-BE49-F238E27FC236}">
-                <a16:creationId xmlns="" xmlns:a16="http://schemas.microsoft.com/office/drawing/2014/main" id="{5E416383-85DB-4670-A37C-18739958CDB1}"/>
+                <a16:creationId xmlns:a16="http://schemas.microsoft.com/office/drawing/2014/main" id="{5E416383-85DB-4670-A37C-18739958CDB1}"/>
               </a:ext>
             </a:extLst>
           </p:cNvPr>
@@ -17518,7 +19779,7 @@
           <p:cNvPr id="43" name="Connector: Elbow 42">
             <a:extLst>
               <a:ext uri="{FF2B5EF4-FFF2-40B4-BE49-F238E27FC236}">
-                <a16:creationId xmlns="" xmlns:a16="http://schemas.microsoft.com/office/drawing/2014/main" id="{EE9CA3D1-5E5C-4AB6-806D-F584C1A64D1E}"/>
+                <a16:creationId xmlns:a16="http://schemas.microsoft.com/office/drawing/2014/main" id="{EE9CA3D1-5E5C-4AB6-806D-F584C1A64D1E}"/>
               </a:ext>
             </a:extLst>
           </p:cNvPr>
@@ -17699,7 +19960,7 @@
           <a:p>
             <a:pPr algn="ctr"/>
             <a:r>
-              <a:rPr lang="en-ID" sz="1400" dirty="0" smtClean="0">
+              <a:rPr lang="en-ID" sz="1400" dirty="0">
                 <a:solidFill>
                   <a:schemeClr val="tx1"/>
                 </a:solidFill>
@@ -17710,7 +19971,7 @@
           <a:p>
             <a:pPr algn="ctr"/>
             <a:r>
-              <a:rPr lang="en-ID" sz="1400" dirty="0" smtClean="0">
+              <a:rPr lang="en-ID" sz="1400" dirty="0">
                 <a:solidFill>
                   <a:schemeClr val="tx1"/>
                 </a:solidFill>
@@ -17721,7 +19982,7 @@
           <a:p>
             <a:pPr algn="ctr"/>
             <a:r>
-              <a:rPr lang="en-ID" sz="1400" dirty="0" smtClean="0">
+              <a:rPr lang="en-ID" sz="1400" dirty="0">
                 <a:solidFill>
                   <a:schemeClr val="tx1"/>
                 </a:solidFill>
@@ -17732,7 +19993,7 @@
           <a:p>
             <a:pPr algn="ctr"/>
             <a:r>
-              <a:rPr lang="en-ID" sz="1400" dirty="0" smtClean="0">
+              <a:rPr lang="en-ID" sz="1400" dirty="0">
                 <a:solidFill>
                   <a:schemeClr val="tx1"/>
                 </a:solidFill>
@@ -17743,7 +20004,7 @@
           <a:p>
             <a:pPr algn="ctr"/>
             <a:r>
-              <a:rPr lang="en-ID" sz="1400" dirty="0" smtClean="0">
+              <a:rPr lang="en-ID" sz="1400" dirty="0">
                 <a:solidFill>
                   <a:schemeClr val="tx1"/>
                 </a:solidFill>
@@ -17840,7 +20101,7 @@
           <a:p>
             <a:pPr algn="ctr"/>
             <a:r>
-              <a:rPr lang="en-ID" b="1" dirty="0" smtClean="0">
+              <a:rPr lang="en-ID" b="1" dirty="0">
                 <a:solidFill>
                   <a:schemeClr val="tx1"/>
                 </a:solidFill>
@@ -17894,6 +20155,51 @@
           </a:fontRef>
         </p:style>
       </p:cxnSp>
+      <p:sp>
+        <p:nvSpPr>
+          <p:cNvPr id="3" name="Title 2">
+            <a:extLst>
+              <a:ext uri="{FF2B5EF4-FFF2-40B4-BE49-F238E27FC236}">
+                <a16:creationId xmlns:a16="http://schemas.microsoft.com/office/drawing/2014/main" id="{855B8A16-745B-4DBA-81C2-3FD5A295F766}"/>
+              </a:ext>
+            </a:extLst>
+          </p:cNvPr>
+          <p:cNvSpPr>
+            <a:spLocks noGrp="1"/>
+          </p:cNvSpPr>
+          <p:nvPr>
+            <p:ph type="ctrTitle"/>
+          </p:nvPr>
+        </p:nvSpPr>
+        <p:spPr>
+          <a:xfrm>
+            <a:off x="832286" y="343914"/>
+            <a:ext cx="7772400" cy="660839"/>
+          </a:xfrm>
+        </p:spPr>
+        <p:txBody>
+          <a:bodyPr/>
+          <a:lstStyle/>
+          <a:p>
+            <a:pPr algn="ctr" rtl="0" eaLnBrk="1" latinLnBrk="0" hangingPunct="1"/>
+            <a:r>
+              <a:rPr lang="en-ID" sz="1800" b="1" kern="1200" dirty="0">
+                <a:solidFill>
+                  <a:srgbClr val="000000"/>
+                </a:solidFill>
+                <a:effectLst/>
+                <a:latin typeface="Calibri" panose="020F0502020204030204" pitchFamily="34" charset="0"/>
+                <a:ea typeface="+mn-ea"/>
+                <a:cs typeface="+mn-cs"/>
+              </a:rPr>
+              <a:t>Flowchart LocalPanel</a:t>
+            </a:r>
+            <a:endParaRPr lang="en-ID" dirty="0">
+              <a:effectLst/>
+            </a:endParaRPr>
+          </a:p>
+        </p:txBody>
+      </p:sp>
     </p:spTree>
     <p:extLst>
       <p:ext uri="{BB962C8B-B14F-4D97-AF65-F5344CB8AC3E}">
@@ -17904,13 +20210,6 @@
   <p:clrMapOvr>
     <a:masterClrMapping/>
   </p:clrMapOvr>
-  <p:timing>
-    <p:tnLst>
-      <p:par>
-        <p:cTn id="1" dur="indefinite" restart="never" nodeType="tmRoot"/>
-      </p:par>
-    </p:tnLst>
-  </p:timing>
 </p:sld>
 </file>
 
@@ -17973,7 +20272,7 @@
           <p:cNvPr id="26" name="Flowchart: Decision 25">
             <a:extLst>
               <a:ext uri="{FF2B5EF4-FFF2-40B4-BE49-F238E27FC236}">
-                <a16:creationId xmlns="" xmlns:a16="http://schemas.microsoft.com/office/drawing/2014/main" id="{82CB2EB6-A5E6-4219-99DA-321DD71861C9}"/>
+                <a16:creationId xmlns:a16="http://schemas.microsoft.com/office/drawing/2014/main" id="{82CB2EB6-A5E6-4219-99DA-321DD71861C9}"/>
               </a:ext>
             </a:extLst>
           </p:cNvPr>
@@ -18034,7 +20333,7 @@
           <p:cNvPr id="27" name="Flowchart: Decision 26">
             <a:extLst>
               <a:ext uri="{FF2B5EF4-FFF2-40B4-BE49-F238E27FC236}">
-                <a16:creationId xmlns="" xmlns:a16="http://schemas.microsoft.com/office/drawing/2014/main" id="{AB7989BC-CB48-4899-95E0-499E74545C71}"/>
+                <a16:creationId xmlns:a16="http://schemas.microsoft.com/office/drawing/2014/main" id="{AB7989BC-CB48-4899-95E0-499E74545C71}"/>
               </a:ext>
             </a:extLst>
           </p:cNvPr>
@@ -18095,7 +20394,7 @@
           <p:cNvPr id="32" name="Connector: Elbow 31">
             <a:extLst>
               <a:ext uri="{FF2B5EF4-FFF2-40B4-BE49-F238E27FC236}">
-                <a16:creationId xmlns="" xmlns:a16="http://schemas.microsoft.com/office/drawing/2014/main" id="{93E53294-C028-48A3-BED2-65DA86F0BA71}"/>
+                <a16:creationId xmlns:a16="http://schemas.microsoft.com/office/drawing/2014/main" id="{93E53294-C028-48A3-BED2-65DA86F0BA71}"/>
               </a:ext>
             </a:extLst>
           </p:cNvPr>
@@ -18139,7 +20438,7 @@
           <p:cNvPr id="47" name="Flowchart: Predefined Process 46">
             <a:extLst>
               <a:ext uri="{FF2B5EF4-FFF2-40B4-BE49-F238E27FC236}">
-                <a16:creationId xmlns="" xmlns:a16="http://schemas.microsoft.com/office/drawing/2014/main" id="{88E91C1B-9915-49F4-B54F-272D16191B75}"/>
+                <a16:creationId xmlns:a16="http://schemas.microsoft.com/office/drawing/2014/main" id="{88E91C1B-9915-49F4-B54F-272D16191B75}"/>
               </a:ext>
             </a:extLst>
           </p:cNvPr>
@@ -18200,7 +20499,7 @@
           <p:cNvPr id="48" name="Connector: Elbow 47">
             <a:extLst>
               <a:ext uri="{FF2B5EF4-FFF2-40B4-BE49-F238E27FC236}">
-                <a16:creationId xmlns="" xmlns:a16="http://schemas.microsoft.com/office/drawing/2014/main" id="{F70C21E4-AA56-416E-B606-92C921D20269}"/>
+                <a16:creationId xmlns:a16="http://schemas.microsoft.com/office/drawing/2014/main" id="{F70C21E4-AA56-416E-B606-92C921D20269}"/>
               </a:ext>
             </a:extLst>
           </p:cNvPr>
@@ -18248,7 +20547,7 @@
           <p:cNvPr id="51" name="Flowchart: Predefined Process 50">
             <a:extLst>
               <a:ext uri="{FF2B5EF4-FFF2-40B4-BE49-F238E27FC236}">
-                <a16:creationId xmlns="" xmlns:a16="http://schemas.microsoft.com/office/drawing/2014/main" id="{92FBE751-632B-4561-858E-55903FB43DD7}"/>
+                <a16:creationId xmlns:a16="http://schemas.microsoft.com/office/drawing/2014/main" id="{92FBE751-632B-4561-858E-55903FB43DD7}"/>
               </a:ext>
             </a:extLst>
           </p:cNvPr>
@@ -18335,7 +20634,7 @@
           <p:cNvPr id="53" name="Connector: Elbow 52">
             <a:extLst>
               <a:ext uri="{FF2B5EF4-FFF2-40B4-BE49-F238E27FC236}">
-                <a16:creationId xmlns="" xmlns:a16="http://schemas.microsoft.com/office/drawing/2014/main" id="{0DCB30C1-1B7D-4286-95B3-80965F45DD72}"/>
+                <a16:creationId xmlns:a16="http://schemas.microsoft.com/office/drawing/2014/main" id="{0DCB30C1-1B7D-4286-95B3-80965F45DD72}"/>
               </a:ext>
             </a:extLst>
           </p:cNvPr>
@@ -18516,7 +20815,7 @@
           <a:p>
             <a:pPr algn="ctr"/>
             <a:r>
-              <a:rPr lang="en-ID" dirty="0" smtClean="0">
+              <a:rPr lang="en-ID" dirty="0">
                 <a:solidFill>
                   <a:schemeClr val="tx1"/>
                 </a:solidFill>
@@ -18580,13 +20879,6 @@
   <p:clrMapOvr>
     <a:masterClrMapping/>
   </p:clrMapOvr>
-  <p:timing>
-    <p:tnLst>
-      <p:par>
-        <p:cTn id="1" dur="indefinite" restart="never" nodeType="tmRoot"/>
-      </p:par>
-    </p:tnLst>
-  </p:timing>
 </p:sld>
 </file>
 
@@ -18847,8 +21139,8 @@
         </p:nvSpPr>
         <p:spPr>
           <a:xfrm>
-            <a:off x="2571259" y="216933"/>
-            <a:ext cx="2874505" cy="553998"/>
+            <a:off x="3868719" y="679317"/>
+            <a:ext cx="1103122" cy="276999"/>
           </a:xfrm>
           <a:prstGeom prst="rect">
             <a:avLst/>
@@ -18860,12 +21152,6 @@
             <a:spAutoFit/>
           </a:bodyPr>
           <a:lstStyle/>
-          <a:p>
-            <a:r>
-              <a:rPr lang="en-ID" b="1" dirty="0"/>
-              <a:t>Flowchart _fpSys-&gt;execute()</a:t>
-            </a:r>
-          </a:p>
           <a:p>
             <a:pPr algn="ctr"/>
             <a:r>
@@ -18967,7 +21253,7 @@
           <p:cNvPr id="39" name="Connector: Elbow 38">
             <a:extLst>
               <a:ext uri="{FF2B5EF4-FFF2-40B4-BE49-F238E27FC236}">
-                <a16:creationId xmlns="" xmlns:a16="http://schemas.microsoft.com/office/drawing/2014/main" id="{AB0C52CB-BFBC-45E9-A4BD-DBEBBA48C947}"/>
+                <a16:creationId xmlns:a16="http://schemas.microsoft.com/office/drawing/2014/main" id="{AB0C52CB-BFBC-45E9-A4BD-DBEBBA48C947}"/>
               </a:ext>
             </a:extLst>
           </p:cNvPr>
@@ -19013,7 +21299,7 @@
           <p:cNvPr id="46" name="Flowchart: Predefined Process 45">
             <a:extLst>
               <a:ext uri="{FF2B5EF4-FFF2-40B4-BE49-F238E27FC236}">
-                <a16:creationId xmlns="" xmlns:a16="http://schemas.microsoft.com/office/drawing/2014/main" id="{60B6889A-AFEC-4BFE-BA6C-A66524781ADE}"/>
+                <a16:creationId xmlns:a16="http://schemas.microsoft.com/office/drawing/2014/main" id="{60B6889A-AFEC-4BFE-BA6C-A66524781ADE}"/>
               </a:ext>
             </a:extLst>
           </p:cNvPr>
@@ -19123,7 +21409,7 @@
           <p:cNvPr id="50" name="Flowchart: Connector 49">
             <a:extLst>
               <a:ext uri="{FF2B5EF4-FFF2-40B4-BE49-F238E27FC236}">
-                <a16:creationId xmlns="" xmlns:a16="http://schemas.microsoft.com/office/drawing/2014/main" id="{85A5DEDA-7D14-4FE6-AE24-3848449208B7}"/>
+                <a16:creationId xmlns:a16="http://schemas.microsoft.com/office/drawing/2014/main" id="{85A5DEDA-7D14-4FE6-AE24-3848449208B7}"/>
               </a:ext>
             </a:extLst>
           </p:cNvPr>
@@ -19175,7 +21461,7 @@
           <p:cNvPr id="52" name="Connector: Elbow 51">
             <a:extLst>
               <a:ext uri="{FF2B5EF4-FFF2-40B4-BE49-F238E27FC236}">
-                <a16:creationId xmlns="" xmlns:a16="http://schemas.microsoft.com/office/drawing/2014/main" id="{34D277E0-BF56-42D2-A7D2-54099E8C4A70}"/>
+                <a16:creationId xmlns:a16="http://schemas.microsoft.com/office/drawing/2014/main" id="{34D277E0-BF56-42D2-A7D2-54099E8C4A70}"/>
               </a:ext>
             </a:extLst>
           </p:cNvPr>
@@ -19221,7 +21507,7 @@
           <p:cNvPr id="54" name="Connector: Elbow 53">
             <a:extLst>
               <a:ext uri="{FF2B5EF4-FFF2-40B4-BE49-F238E27FC236}">
-                <a16:creationId xmlns="" xmlns:a16="http://schemas.microsoft.com/office/drawing/2014/main" id="{25DB5EC8-72C6-486F-B231-530ED590DF59}"/>
+                <a16:creationId xmlns:a16="http://schemas.microsoft.com/office/drawing/2014/main" id="{25DB5EC8-72C6-486F-B231-530ED590DF59}"/>
               </a:ext>
             </a:extLst>
           </p:cNvPr>
@@ -19264,7 +21550,7 @@
           <p:cNvPr id="59" name="Straight Arrow Connector 58">
             <a:extLst>
               <a:ext uri="{FF2B5EF4-FFF2-40B4-BE49-F238E27FC236}">
-                <a16:creationId xmlns="" xmlns:a16="http://schemas.microsoft.com/office/drawing/2014/main" id="{446244A4-2DB1-4FBF-8535-D27CB03FB67A}"/>
+                <a16:creationId xmlns:a16="http://schemas.microsoft.com/office/drawing/2014/main" id="{446244A4-2DB1-4FBF-8535-D27CB03FB67A}"/>
               </a:ext>
             </a:extLst>
           </p:cNvPr>
@@ -19400,6 +21686,49 @@
           </a:fontRef>
         </p:style>
       </p:cxnSp>
+      <p:sp>
+        <p:nvSpPr>
+          <p:cNvPr id="3" name="Title 2">
+            <a:extLst>
+              <a:ext uri="{FF2B5EF4-FFF2-40B4-BE49-F238E27FC236}">
+                <a16:creationId xmlns:a16="http://schemas.microsoft.com/office/drawing/2014/main" id="{95C9D21F-243A-4C0F-A843-000DBB750B37}"/>
+              </a:ext>
+            </a:extLst>
+          </p:cNvPr>
+          <p:cNvSpPr>
+            <a:spLocks noGrp="1"/>
+          </p:cNvSpPr>
+          <p:nvPr>
+            <p:ph type="ctrTitle"/>
+          </p:nvPr>
+        </p:nvSpPr>
+        <p:spPr>
+          <a:xfrm>
+            <a:off x="693316" y="308014"/>
+            <a:ext cx="7772400" cy="528698"/>
+          </a:xfrm>
+        </p:spPr>
+        <p:txBody>
+          <a:bodyPr/>
+          <a:lstStyle/>
+          <a:p>
+            <a:pPr algn="ctr" rtl="0" eaLnBrk="1" latinLnBrk="0" hangingPunct="1"/>
+            <a:r>
+              <a:rPr lang="en-ID" sz="1800" b="1" kern="1200" dirty="0">
+                <a:solidFill>
+                  <a:srgbClr val="000000"/>
+                </a:solidFill>
+                <a:effectLst/>
+                <a:latin typeface="Calibri" panose="020F0502020204030204" pitchFamily="34" charset="0"/>
+                <a:ea typeface="+mn-ea"/>
+                <a:cs typeface="+mn-cs"/>
+              </a:rPr>
+              <a:t>Flowchart _fpSys-&gt;execute()</a:t>
+            </a:r>
+            <a:endParaRPr lang="en-ID" dirty="0"/>
+          </a:p>
+        </p:txBody>
+      </p:sp>
     </p:spTree>
     <p:extLst>
       <p:ext uri="{BB962C8B-B14F-4D97-AF65-F5344CB8AC3E}">
@@ -19410,13 +21739,6 @@
   <p:clrMapOvr>
     <a:masterClrMapping/>
   </p:clrMapOvr>
-  <p:timing>
-    <p:tnLst>
-      <p:par>
-        <p:cTn id="1" dur="indefinite" restart="never" nodeType="tmRoot"/>
-      </p:par>
-    </p:tnLst>
-  </p:timing>
 </p:sld>
 </file>
 
@@ -19710,36 +22032,6 @@
       </p:sp>
       <p:sp>
         <p:nvSpPr>
-          <p:cNvPr id="16" name="TextBox 15"/>
-          <p:cNvSpPr txBox="1"/>
-          <p:nvPr/>
-        </p:nvSpPr>
-        <p:spPr>
-          <a:xfrm>
-            <a:off x="2457033" y="332656"/>
-            <a:ext cx="3495701" cy="369332"/>
-          </a:xfrm>
-          <a:prstGeom prst="rect">
-            <a:avLst/>
-          </a:prstGeom>
-          <a:noFill/>
-        </p:spPr>
-        <p:txBody>
-          <a:bodyPr wrap="none" rtlCol="0">
-            <a:spAutoFit/>
-          </a:bodyPr>
-          <a:lstStyle/>
-          <a:p>
-            <a:r>
-              <a:rPr lang="en-ID" b="1" dirty="0"/>
-              <a:t>Flowchart _fireSensor-&gt;getStatus()</a:t>
-            </a:r>
-            <a:endParaRPr lang="en-US" b="1" dirty="0"/>
-          </a:p>
-        </p:txBody>
-      </p:sp>
-      <p:sp>
-        <p:nvSpPr>
           <p:cNvPr id="2" name="Flowchart: Predefined Process 1"/>
           <p:cNvSpPr/>
           <p:nvPr/>
@@ -20020,6 +22312,49 @@
           </a:p>
         </p:txBody>
       </p:sp>
+      <p:sp>
+        <p:nvSpPr>
+          <p:cNvPr id="3" name="Title 2">
+            <a:extLst>
+              <a:ext uri="{FF2B5EF4-FFF2-40B4-BE49-F238E27FC236}">
+                <a16:creationId xmlns:a16="http://schemas.microsoft.com/office/drawing/2014/main" id="{655C0F81-D486-4295-AD6D-2384EE0F4B88}"/>
+              </a:ext>
+            </a:extLst>
+          </p:cNvPr>
+          <p:cNvSpPr>
+            <a:spLocks noGrp="1"/>
+          </p:cNvSpPr>
+          <p:nvPr>
+            <p:ph type="ctrTitle"/>
+          </p:nvPr>
+        </p:nvSpPr>
+        <p:spPr>
+          <a:xfrm>
+            <a:off x="793812" y="258669"/>
+            <a:ext cx="7772400" cy="507648"/>
+          </a:xfrm>
+        </p:spPr>
+        <p:txBody>
+          <a:bodyPr/>
+          <a:lstStyle/>
+          <a:p>
+            <a:pPr algn="ctr" rtl="0" eaLnBrk="1" latinLnBrk="0" hangingPunct="1"/>
+            <a:r>
+              <a:rPr lang="en-ID" sz="1800" b="1" kern="1200" dirty="0">
+                <a:solidFill>
+                  <a:srgbClr val="000000"/>
+                </a:solidFill>
+                <a:effectLst/>
+                <a:latin typeface="Calibri" panose="020F0502020204030204" pitchFamily="34" charset="0"/>
+                <a:ea typeface="+mn-ea"/>
+                <a:cs typeface="+mn-cs"/>
+              </a:rPr>
+              <a:t>Flowchart _fireSensor-&gt;getStatus()</a:t>
+            </a:r>
+            <a:endParaRPr lang="en-ID" dirty="0"/>
+          </a:p>
+        </p:txBody>
+      </p:sp>
     </p:spTree>
     <p:extLst>
       <p:ext uri="{BB962C8B-B14F-4D97-AF65-F5344CB8AC3E}">
@@ -20030,13 +22365,6 @@
   <p:clrMapOvr>
     <a:masterClrMapping/>
   </p:clrMapOvr>
-  <p:timing>
-    <p:tnLst>
-      <p:par>
-        <p:cTn id="1" dur="indefinite" restart="never" nodeType="tmRoot"/>
-      </p:par>
-    </p:tnLst>
-  </p:timing>
 </p:sld>
 </file>
 
@@ -20065,8 +22393,8 @@
         </p:nvSpPr>
         <p:spPr>
           <a:xfrm>
-            <a:off x="3479223" y="188639"/>
-            <a:ext cx="5065874" cy="584775"/>
+            <a:off x="4572000" y="645861"/>
+            <a:ext cx="2798651" cy="307777"/>
           </a:xfrm>
           <a:prstGeom prst="rect">
             <a:avLst/>
@@ -20077,16 +22405,6 @@
             <a:spAutoFit/>
           </a:bodyPr>
           <a:lstStyle/>
-          <a:p>
-            <a:r>
-              <a:rPr lang="en-ID" b="1" dirty="0"/>
-              <a:t>Flowchart </a:t>
-            </a:r>
-            <a:r>
-              <a:rPr lang="en-US" dirty="0"/>
-              <a:t>_pbAMRT-&gt;getCmd(DEBOUNCING_TIME)</a:t>
-            </a:r>
-          </a:p>
           <a:p>
             <a:pPr algn="ctr"/>
             <a:r>
@@ -21577,6 +23895,61 @@
           </a:p>
         </p:txBody>
       </p:sp>
+      <p:sp>
+        <p:nvSpPr>
+          <p:cNvPr id="2" name="Title 1">
+            <a:extLst>
+              <a:ext uri="{FF2B5EF4-FFF2-40B4-BE49-F238E27FC236}">
+                <a16:creationId xmlns:a16="http://schemas.microsoft.com/office/drawing/2014/main" id="{249105D3-1723-403A-9054-695516ECFA79}"/>
+              </a:ext>
+            </a:extLst>
+          </p:cNvPr>
+          <p:cNvSpPr>
+            <a:spLocks noGrp="1"/>
+          </p:cNvSpPr>
+          <p:nvPr>
+            <p:ph type="ctrTitle"/>
+          </p:nvPr>
+        </p:nvSpPr>
+        <p:spPr>
+          <a:xfrm>
+            <a:off x="3563887" y="139752"/>
+            <a:ext cx="5286513" cy="525003"/>
+          </a:xfrm>
+        </p:spPr>
+        <p:txBody>
+          <a:bodyPr/>
+          <a:lstStyle/>
+          <a:p>
+            <a:pPr algn="ctr" rtl="0" eaLnBrk="1" latinLnBrk="0" hangingPunct="1"/>
+            <a:r>
+              <a:rPr lang="en-ID" sz="1800" b="1" kern="1200" dirty="0">
+                <a:solidFill>
+                  <a:srgbClr val="000000"/>
+                </a:solidFill>
+                <a:effectLst/>
+                <a:latin typeface="Calibri" panose="020F0502020204030204" pitchFamily="34" charset="0"/>
+                <a:ea typeface="+mn-ea"/>
+                <a:cs typeface="+mn-cs"/>
+              </a:rPr>
+              <a:t>Flowchart </a:t>
+            </a:r>
+            <a:r>
+              <a:rPr lang="en-US" sz="1800" kern="1200" dirty="0">
+                <a:solidFill>
+                  <a:srgbClr val="000000"/>
+                </a:solidFill>
+                <a:effectLst/>
+                <a:latin typeface="Calibri" panose="020F0502020204030204" pitchFamily="34" charset="0"/>
+                <a:ea typeface="+mn-ea"/>
+                <a:cs typeface="+mn-cs"/>
+              </a:rPr>
+              <a:t>_pbAMRT-&gt;getCmd(DEBOUNCING_TIME)</a:t>
+            </a:r>
+            <a:endParaRPr lang="en-ID" dirty="0"/>
+          </a:p>
+        </p:txBody>
+      </p:sp>
     </p:spTree>
     <p:extLst>
       <p:ext uri="{BB962C8B-B14F-4D97-AF65-F5344CB8AC3E}">
@@ -21587,13 +23960,6 @@
   <p:clrMapOvr>
     <a:masterClrMapping/>
   </p:clrMapOvr>
-  <p:timing>
-    <p:tnLst>
-      <p:par>
-        <p:cTn id="1" dur="indefinite" restart="never" nodeType="tmRoot"/>
-      </p:par>
-    </p:tnLst>
-  </p:timing>
 </p:sld>
 </file>
 

--- a/resources/WFPS.pptx
+++ b/resources/WFPS.pptx
@@ -5,10 +5,10 @@
     <p:sldMasterId id="2147483648" r:id="rId1"/>
   </p:sldMasterIdLst>
   <p:notesMasterIdLst>
-    <p:notesMasterId r:id="rId18"/>
+    <p:notesMasterId r:id="rId19"/>
   </p:notesMasterIdLst>
   <p:handoutMasterIdLst>
-    <p:handoutMasterId r:id="rId19"/>
+    <p:handoutMasterId r:id="rId20"/>
   </p:handoutMasterIdLst>
   <p:sldIdLst>
     <p:sldId id="281" r:id="rId2"/>
@@ -22,11 +22,12 @@
     <p:sldId id="288" r:id="rId10"/>
     <p:sldId id="289" r:id="rId11"/>
     <p:sldId id="293" r:id="rId12"/>
-    <p:sldId id="295" r:id="rId13"/>
-    <p:sldId id="294" r:id="rId14"/>
-    <p:sldId id="297" r:id="rId15"/>
-    <p:sldId id="298" r:id="rId16"/>
-    <p:sldId id="299" r:id="rId17"/>
+    <p:sldId id="300" r:id="rId13"/>
+    <p:sldId id="295" r:id="rId14"/>
+    <p:sldId id="294" r:id="rId15"/>
+    <p:sldId id="297" r:id="rId16"/>
+    <p:sldId id="298" r:id="rId17"/>
+    <p:sldId id="299" r:id="rId18"/>
   </p:sldIdLst>
   <p:sldSz cx="9144000" cy="6858000" type="screen4x3"/>
   <p:notesSz cx="6858000" cy="9144000"/>
@@ -1161,7 +1162,7 @@
             <a:fld id="{75693FD4-8F83-4EF7-AC3F-0DC0388986B0}" type="slidenum">
               <a:rPr lang="en-US" smtClean="0"/>
               <a:pPr/>
-              <a:t>14</a:t>
+              <a:t>15</a:t>
             </a:fld>
             <a:endParaRPr lang="en-US" dirty="0"/>
           </a:p>
@@ -1246,7 +1247,7 @@
             <a:fld id="{75693FD4-8F83-4EF7-AC3F-0DC0388986B0}" type="slidenum">
               <a:rPr lang="en-US" smtClean="0"/>
               <a:pPr/>
-              <a:t>15</a:t>
+              <a:t>16</a:t>
             </a:fld>
             <a:endParaRPr lang="en-US" dirty="0"/>
           </a:p>
@@ -1331,7 +1332,7 @@
             <a:fld id="{75693FD4-8F83-4EF7-AC3F-0DC0388986B0}" type="slidenum">
               <a:rPr lang="en-US" smtClean="0"/>
               <a:pPr/>
-              <a:t>16</a:t>
+              <a:t>17</a:t>
             </a:fld>
             <a:endParaRPr lang="en-US" dirty="0"/>
           </a:p>
@@ -9531,7 +9532,7 @@
         </p:nvSpPr>
         <p:spPr>
           <a:xfrm>
-            <a:off x="586067" y="1592518"/>
+            <a:off x="1954219" y="2039222"/>
             <a:ext cx="2232248" cy="839830"/>
           </a:xfrm>
           <a:prstGeom prst="flowChartDecision">
@@ -9596,71 +9597,13 @@
       </p:sp>
       <p:sp>
         <p:nvSpPr>
-          <p:cNvPr id="6" name="TextBox 5"/>
-          <p:cNvSpPr txBox="1"/>
-          <p:nvPr/>
-        </p:nvSpPr>
-        <p:spPr>
-          <a:xfrm>
-            <a:off x="3131840" y="1643101"/>
-            <a:ext cx="1897522" cy="738664"/>
-          </a:xfrm>
-          <a:prstGeom prst="rect">
-            <a:avLst/>
-          </a:prstGeom>
-          <a:noFill/>
-          <a:ln w="19050">
-            <a:solidFill>
-              <a:schemeClr val="tx1"/>
-            </a:solidFill>
-          </a:ln>
-        </p:spPr>
-        <p:txBody>
-          <a:bodyPr wrap="square" rtlCol="0">
-            <a:spAutoFit/>
-          </a:bodyPr>
-          <a:lstStyle/>
-          <a:p>
-            <a:pPr algn="ctr"/>
-            <a:r>
-              <a:rPr lang="en-ID" sz="1400" b="0" dirty="0">
-                <a:effectLst/>
-                <a:latin typeface="Consolas" panose="020B0609020204030204" pitchFamily="49" charset="0"/>
-              </a:rPr>
-              <a:t>_ledAuto-&gt;on();</a:t>
-            </a:r>
-          </a:p>
-          <a:p>
-            <a:pPr algn="ctr"/>
-            <a:r>
-              <a:rPr lang="en-ID" sz="1400" b="0" dirty="0">
-                <a:effectLst/>
-                <a:latin typeface="Consolas" panose="020B0609020204030204" pitchFamily="49" charset="0"/>
-              </a:rPr>
-              <a:t>_ledManual-&gt;on();</a:t>
-            </a:r>
-          </a:p>
-          <a:p>
-            <a:pPr algn="ctr"/>
-            <a:r>
-              <a:rPr lang="en-ID" sz="1400" b="0" dirty="0">
-                <a:effectLst/>
-                <a:latin typeface="Consolas" panose="020B0609020204030204" pitchFamily="49" charset="0"/>
-              </a:rPr>
-              <a:t>_ledReset-&gt;on();</a:t>
-            </a:r>
-          </a:p>
-        </p:txBody>
-      </p:sp>
-      <p:sp>
-        <p:nvSpPr>
           <p:cNvPr id="7" name="TextBox 6"/>
           <p:cNvSpPr txBox="1"/>
           <p:nvPr/>
         </p:nvSpPr>
         <p:spPr>
           <a:xfrm>
-            <a:off x="2762956" y="1677855"/>
+            <a:off x="4131108" y="2124559"/>
             <a:ext cx="296876" cy="369332"/>
           </a:xfrm>
           <a:prstGeom prst="rect">
@@ -9691,13 +9634,12 @@
           <p:cNvCxnSpPr>
             <a:cxnSpLocks/>
             <a:stCxn id="5" idx="3"/>
-            <a:endCxn id="6" idx="1"/>
           </p:cNvCxnSpPr>
           <p:nvPr/>
         </p:nvCxnSpPr>
         <p:spPr>
           <a:xfrm>
-            <a:off x="2818315" y="2012433"/>
+            <a:off x="4186467" y="2459137"/>
             <a:ext cx="313525" cy="0"/>
           </a:xfrm>
           <a:prstGeom prst="straightConnector1">
@@ -9739,7 +9681,7 @@
         </p:nvSpPr>
         <p:spPr>
           <a:xfrm>
-            <a:off x="827584" y="810495"/>
+            <a:off x="2195736" y="1257199"/>
             <a:ext cx="2629190" cy="415140"/>
           </a:xfrm>
           <a:prstGeom prst="flowChartPredefinedProcess">
@@ -9813,7 +9755,7 @@
         </p:nvCxnSpPr>
         <p:spPr>
           <a:xfrm rot="5400000">
-            <a:off x="1738744" y="1189082"/>
+            <a:off x="3106896" y="1635786"/>
             <a:ext cx="366883" cy="439988"/>
           </a:xfrm>
           <a:prstGeom prst="bentConnector3">
@@ -9855,7 +9797,7 @@
         </p:nvSpPr>
         <p:spPr>
           <a:xfrm>
-            <a:off x="586067" y="2564904"/>
+            <a:off x="1954219" y="3011608"/>
             <a:ext cx="2232248" cy="839830"/>
           </a:xfrm>
           <a:prstGeom prst="flowChartDecision">
@@ -9932,7 +9874,7 @@
         </p:nvSpPr>
         <p:spPr>
           <a:xfrm>
-            <a:off x="613811" y="3573016"/>
+            <a:off x="1981963" y="4019720"/>
             <a:ext cx="2232248" cy="839830"/>
           </a:xfrm>
           <a:prstGeom prst="flowChartDecision">
@@ -10009,7 +9951,7 @@
         </p:nvSpPr>
         <p:spPr>
           <a:xfrm>
-            <a:off x="613811" y="4560316"/>
+            <a:off x="1981963" y="5007020"/>
             <a:ext cx="2232248" cy="839830"/>
           </a:xfrm>
           <a:prstGeom prst="flowChartDecision">
@@ -10068,70 +10010,6 @@
                 <a:latin typeface="Consolas" panose="020B0609020204030204" pitchFamily="49" charset="0"/>
               </a:rPr>
               <a:t>MODE_MANUAL</a:t>
-            </a:r>
-          </a:p>
-        </p:txBody>
-      </p:sp>
-      <p:sp>
-        <p:nvSpPr>
-          <p:cNvPr id="47" name="TextBox 46">
-            <a:extLst>
-              <a:ext uri="{FF2B5EF4-FFF2-40B4-BE49-F238E27FC236}">
-                <a16:creationId xmlns:a16="http://schemas.microsoft.com/office/drawing/2014/main" id="{7B22EE62-9AF5-4A4B-AC76-788C39C4244E}"/>
-              </a:ext>
-            </a:extLst>
-          </p:cNvPr>
-          <p:cNvSpPr txBox="1"/>
-          <p:nvPr/>
-        </p:nvSpPr>
-        <p:spPr>
-          <a:xfrm>
-            <a:off x="3140136" y="2619748"/>
-            <a:ext cx="2439976" cy="738664"/>
-          </a:xfrm>
-          <a:prstGeom prst="rect">
-            <a:avLst/>
-          </a:prstGeom>
-          <a:noFill/>
-          <a:ln w="19050">
-            <a:solidFill>
-              <a:schemeClr val="tx1"/>
-            </a:solidFill>
-          </a:ln>
-        </p:spPr>
-        <p:txBody>
-          <a:bodyPr wrap="square" rtlCol="0">
-            <a:spAutoFit/>
-          </a:bodyPr>
-          <a:lstStyle/>
-          <a:p>
-            <a:pPr algn="ctr"/>
-            <a:r>
-              <a:rPr lang="en-ID" sz="1400" b="0" dirty="0">
-                <a:effectLst/>
-                <a:latin typeface="Consolas" panose="020B0609020204030204" pitchFamily="49" charset="0"/>
-              </a:rPr>
-              <a:t>_ledAuto-&gt;on();</a:t>
-            </a:r>
-          </a:p>
-          <a:p>
-            <a:pPr algn="ctr"/>
-            <a:r>
-              <a:rPr lang="en-ID" sz="1400" b="0" dirty="0">
-                <a:effectLst/>
-                <a:latin typeface="Consolas" panose="020B0609020204030204" pitchFamily="49" charset="0"/>
-              </a:rPr>
-              <a:t>_ledManual-&gt;off();</a:t>
-            </a:r>
-          </a:p>
-          <a:p>
-            <a:pPr algn="ctr"/>
-            <a:r>
-              <a:rPr lang="en-ID" sz="1400" b="0" dirty="0">
-                <a:effectLst/>
-                <a:latin typeface="Consolas" panose="020B0609020204030204" pitchFamily="49" charset="0"/>
-              </a:rPr>
-              <a:t>_ledReset-&gt;off();</a:t>
             </a:r>
           </a:p>
         </p:txBody>
@@ -10147,13 +10025,12 @@
           </p:cNvPr>
           <p:cNvCxnSpPr>
             <a:cxnSpLocks/>
-            <a:endCxn id="47" idx="1"/>
           </p:cNvCxnSpPr>
           <p:nvPr/>
         </p:nvCxnSpPr>
         <p:spPr>
           <a:xfrm>
-            <a:off x="2826611" y="2989080"/>
+            <a:off x="4194763" y="3435784"/>
             <a:ext cx="313525" cy="0"/>
           </a:xfrm>
           <a:prstGeom prst="straightConnector1">
@@ -10181,70 +10058,6 @@
           </a:fontRef>
         </p:style>
       </p:cxnSp>
-      <p:sp>
-        <p:nvSpPr>
-          <p:cNvPr id="51" name="TextBox 50">
-            <a:extLst>
-              <a:ext uri="{FF2B5EF4-FFF2-40B4-BE49-F238E27FC236}">
-                <a16:creationId xmlns:a16="http://schemas.microsoft.com/office/drawing/2014/main" id="{441EB55E-331E-4C37-B0D0-9C48200BD28B}"/>
-              </a:ext>
-            </a:extLst>
-          </p:cNvPr>
-          <p:cNvSpPr txBox="1"/>
-          <p:nvPr/>
-        </p:nvSpPr>
-        <p:spPr>
-          <a:xfrm>
-            <a:off x="3140135" y="3602009"/>
-            <a:ext cx="2439975" cy="738664"/>
-          </a:xfrm>
-          <a:prstGeom prst="rect">
-            <a:avLst/>
-          </a:prstGeom>
-          <a:noFill/>
-          <a:ln w="19050">
-            <a:solidFill>
-              <a:schemeClr val="tx1"/>
-            </a:solidFill>
-          </a:ln>
-        </p:spPr>
-        <p:txBody>
-          <a:bodyPr wrap="square" rtlCol="0">
-            <a:spAutoFit/>
-          </a:bodyPr>
-          <a:lstStyle/>
-          <a:p>
-            <a:pPr algn="ctr"/>
-            <a:r>
-              <a:rPr lang="en-ID" sz="1400" b="0" dirty="0">
-                <a:effectLst/>
-                <a:latin typeface="Consolas" panose="020B0609020204030204" pitchFamily="49" charset="0"/>
-              </a:rPr>
-              <a:t>_ledAuto-&gt;blink();</a:t>
-            </a:r>
-          </a:p>
-          <a:p>
-            <a:pPr algn="ctr"/>
-            <a:r>
-              <a:rPr lang="en-ID" sz="1400" b="0" dirty="0">
-                <a:effectLst/>
-                <a:latin typeface="Consolas" panose="020B0609020204030204" pitchFamily="49" charset="0"/>
-              </a:rPr>
-              <a:t>_ledManual-&gt;off();</a:t>
-            </a:r>
-          </a:p>
-          <a:p>
-            <a:pPr algn="ctr"/>
-            <a:r>
-              <a:rPr lang="en-ID" sz="1400" b="0" dirty="0">
-                <a:effectLst/>
-                <a:latin typeface="Consolas" panose="020B0609020204030204" pitchFamily="49" charset="0"/>
-              </a:rPr>
-              <a:t>_ledReset-&gt;off();</a:t>
-            </a:r>
-          </a:p>
-        </p:txBody>
-      </p:sp>
       <p:cxnSp>
         <p:nvCxnSpPr>
           <p:cNvPr id="52" name="Straight Arrow Connector 51">
@@ -10256,14 +10069,15 @@
           </p:cNvPr>
           <p:cNvCxnSpPr>
             <a:cxnSpLocks/>
-            <a:endCxn id="51" idx="1"/>
+            <a:stCxn id="45" idx="3"/>
+            <a:endCxn id="39" idx="5"/>
           </p:cNvCxnSpPr>
           <p:nvPr/>
         </p:nvCxnSpPr>
         <p:spPr>
-          <a:xfrm>
-            <a:off x="2826611" y="3971341"/>
-            <a:ext cx="313524" cy="0"/>
+          <a:xfrm flipV="1">
+            <a:off x="4214211" y="4439612"/>
+            <a:ext cx="220508" cy="23"/>
           </a:xfrm>
           <a:prstGeom prst="straightConnector1">
             <a:avLst/>
@@ -10290,70 +10104,6 @@
           </a:fontRef>
         </p:style>
       </p:cxnSp>
-      <p:sp>
-        <p:nvSpPr>
-          <p:cNvPr id="53" name="TextBox 52">
-            <a:extLst>
-              <a:ext uri="{FF2B5EF4-FFF2-40B4-BE49-F238E27FC236}">
-                <a16:creationId xmlns:a16="http://schemas.microsoft.com/office/drawing/2014/main" id="{92B6985B-E3A7-4FA0-92FF-33D24010ECA0}"/>
-              </a:ext>
-            </a:extLst>
-          </p:cNvPr>
-          <p:cNvSpPr txBox="1"/>
-          <p:nvPr/>
-        </p:nvSpPr>
-        <p:spPr>
-          <a:xfrm>
-            <a:off x="3144240" y="4611950"/>
-            <a:ext cx="1897522" cy="738664"/>
-          </a:xfrm>
-          <a:prstGeom prst="rect">
-            <a:avLst/>
-          </a:prstGeom>
-          <a:noFill/>
-          <a:ln w="19050">
-            <a:solidFill>
-              <a:schemeClr val="tx1"/>
-            </a:solidFill>
-          </a:ln>
-        </p:spPr>
-        <p:txBody>
-          <a:bodyPr wrap="square" rtlCol="0">
-            <a:spAutoFit/>
-          </a:bodyPr>
-          <a:lstStyle/>
-          <a:p>
-            <a:pPr algn="ctr"/>
-            <a:r>
-              <a:rPr lang="en-ID" sz="1400" b="0" dirty="0">
-                <a:effectLst/>
-                <a:latin typeface="Consolas" panose="020B0609020204030204" pitchFamily="49" charset="0"/>
-              </a:rPr>
-              <a:t>_ledAuto-&gt;off();</a:t>
-            </a:r>
-          </a:p>
-          <a:p>
-            <a:pPr algn="ctr"/>
-            <a:r>
-              <a:rPr lang="en-ID" sz="1400" b="0" dirty="0">
-                <a:effectLst/>
-                <a:latin typeface="Consolas" panose="020B0609020204030204" pitchFamily="49" charset="0"/>
-              </a:rPr>
-              <a:t>_ledManual-&gt;on();</a:t>
-            </a:r>
-          </a:p>
-          <a:p>
-            <a:pPr algn="ctr"/>
-            <a:r>
-              <a:rPr lang="en-ID" sz="1400" b="0" dirty="0">
-                <a:effectLst/>
-                <a:latin typeface="Consolas" panose="020B0609020204030204" pitchFamily="49" charset="0"/>
-              </a:rPr>
-              <a:t>_ledReset-&gt;off();</a:t>
-            </a:r>
-          </a:p>
-        </p:txBody>
-      </p:sp>
       <p:cxnSp>
         <p:nvCxnSpPr>
           <p:cNvPr id="54" name="Straight Arrow Connector 53">
@@ -10365,13 +10115,12 @@
           </p:cNvPr>
           <p:cNvCxnSpPr>
             <a:cxnSpLocks/>
-            <a:endCxn id="53" idx="1"/>
           </p:cNvCxnSpPr>
           <p:nvPr/>
         </p:nvCxnSpPr>
         <p:spPr>
           <a:xfrm>
-            <a:off x="2830715" y="4981282"/>
+            <a:off x="4198867" y="5427986"/>
             <a:ext cx="313525" cy="0"/>
           </a:xfrm>
           <a:prstGeom prst="straightConnector1">
@@ -10416,7 +10165,7 @@
         </p:nvCxnSpPr>
         <p:spPr>
           <a:xfrm>
-            <a:off x="1702191" y="2432348"/>
+            <a:off x="3070343" y="2879052"/>
             <a:ext cx="0" cy="132556"/>
           </a:xfrm>
           <a:prstGeom prst="straightConnector1">
@@ -10459,7 +10208,7 @@
         </p:nvCxnSpPr>
         <p:spPr>
           <a:xfrm>
-            <a:off x="1702191" y="3404734"/>
+            <a:off x="3070343" y="3851438"/>
             <a:ext cx="27744" cy="168282"/>
           </a:xfrm>
           <a:prstGeom prst="straightConnector1">
@@ -10502,7 +10251,7 @@
         </p:nvCxnSpPr>
         <p:spPr>
           <a:xfrm>
-            <a:off x="1729935" y="4412846"/>
+            <a:off x="3098087" y="4859550"/>
             <a:ext cx="0" cy="147470"/>
           </a:xfrm>
           <a:prstGeom prst="straightConnector1">
@@ -10529,10 +10278,65 @@
       </p:cxnSp>
       <p:sp>
         <p:nvSpPr>
-          <p:cNvPr id="63" name="Flowchart: Decision 62">
+          <p:cNvPr id="2" name="Title 1">
             <a:extLst>
               <a:ext uri="{FF2B5EF4-FFF2-40B4-BE49-F238E27FC236}">
-                <a16:creationId xmlns:a16="http://schemas.microsoft.com/office/drawing/2014/main" id="{ED21FFFD-9530-4386-B5C0-A8545322A12F}"/>
+                <a16:creationId xmlns:a16="http://schemas.microsoft.com/office/drawing/2014/main" id="{B978AF4F-562B-48A9-B3FB-67A3A0CA01F0}"/>
+              </a:ext>
+            </a:extLst>
+          </p:cNvPr>
+          <p:cNvSpPr>
+            <a:spLocks noGrp="1"/>
+          </p:cNvSpPr>
+          <p:nvPr>
+            <p:ph type="ctrTitle"/>
+          </p:nvPr>
+        </p:nvSpPr>
+        <p:spPr>
+          <a:xfrm>
+            <a:off x="1143162" y="252464"/>
+            <a:ext cx="7772400" cy="439791"/>
+          </a:xfrm>
+        </p:spPr>
+        <p:txBody>
+          <a:bodyPr/>
+          <a:lstStyle/>
+          <a:p>
+            <a:pPr algn="ctr" rtl="0" eaLnBrk="1" latinLnBrk="0" hangingPunct="1"/>
+            <a:r>
+              <a:rPr lang="en-ID" sz="1800" b="1" kern="1200" dirty="0">
+                <a:solidFill>
+                  <a:srgbClr val="000000"/>
+                </a:solidFill>
+                <a:effectLst/>
+                <a:latin typeface="Calibri" panose="020F0502020204030204" pitchFamily="34" charset="0"/>
+                <a:ea typeface="+mn-ea"/>
+                <a:cs typeface="+mn-cs"/>
+              </a:rPr>
+              <a:t>Flowchart </a:t>
+            </a:r>
+            <a:r>
+              <a:rPr lang="en-ID" sz="1800" b="0" kern="1200" dirty="0">
+                <a:solidFill>
+                  <a:srgbClr val="000000"/>
+                </a:solidFill>
+                <a:effectLst/>
+                <a:latin typeface="Consolas" panose="020B0609020204030204" pitchFamily="49" charset="0"/>
+                <a:ea typeface="+mn-ea"/>
+                <a:cs typeface="+mn-cs"/>
+              </a:rPr>
+              <a:t>_ledAMR-&gt;status(operationMode)</a:t>
+            </a:r>
+            <a:endParaRPr lang="en-ID" dirty="0"/>
+          </a:p>
+        </p:txBody>
+      </p:sp>
+      <p:sp>
+        <p:nvSpPr>
+          <p:cNvPr id="9" name="Parallelogram 8">
+            <a:extLst>
+              <a:ext uri="{FF2B5EF4-FFF2-40B4-BE49-F238E27FC236}">
+                <a16:creationId xmlns:a16="http://schemas.microsoft.com/office/drawing/2014/main" id="{D3A0CFEC-88DE-424F-B270-892188765FDB}"/>
               </a:ext>
             </a:extLst>
           </p:cNvPr>
@@ -10541,14 +10345,14 @@
         </p:nvSpPr>
         <p:spPr>
           <a:xfrm>
-            <a:off x="601411" y="5547616"/>
-            <a:ext cx="2232248" cy="839830"/>
-          </a:xfrm>
-          <a:prstGeom prst="flowChartDecision">
+            <a:off x="4427984" y="2130995"/>
+            <a:ext cx="2195048" cy="665550"/>
+          </a:xfrm>
+          <a:prstGeom prst="parallelogram">
             <a:avLst/>
           </a:prstGeom>
           <a:noFill/>
-          <a:ln w="19050">
+          <a:ln>
             <a:solidFill>
               <a:schemeClr val="tx1"/>
             </a:solidFill>
@@ -10576,149 +10380,55 @@
           <a:p>
             <a:pPr algn="ctr"/>
             <a:r>
-              <a:rPr lang="en-US" sz="1400" dirty="0">
-                <a:solidFill>
-                  <a:schemeClr val="tx1"/>
-                </a:solidFill>
-              </a:rPr>
-              <a:t>S</a:t>
-            </a:r>
-            <a:r>
-              <a:rPr lang="en-ID" sz="1400" dirty="0">
-                <a:solidFill>
-                  <a:schemeClr val="tx1"/>
-                </a:solidFill>
-              </a:rPr>
-              <a:t>tate = </a:t>
-            </a:r>
-            <a:r>
-              <a:rPr lang="en-ID" sz="1400" b="0" dirty="0">
+              <a:rPr lang="en-ID" sz="1200" b="0" dirty="0">
                 <a:solidFill>
                   <a:schemeClr val="tx1"/>
                 </a:solidFill>
                 <a:effectLst/>
                 <a:latin typeface="Consolas" panose="020B0609020204030204" pitchFamily="49" charset="0"/>
               </a:rPr>
-              <a:t>MODE_MANUAL_ON</a:t>
-            </a:r>
-          </a:p>
-        </p:txBody>
-      </p:sp>
-      <p:sp>
-        <p:nvSpPr>
-          <p:cNvPr id="64" name="TextBox 63">
+              <a:t>_ledAuto-&gt;on();</a:t>
+            </a:r>
+          </a:p>
+          <a:p>
+            <a:pPr algn="ctr"/>
+            <a:r>
+              <a:rPr lang="en-ID" sz="1200" b="0" dirty="0">
+                <a:solidFill>
+                  <a:schemeClr val="tx1"/>
+                </a:solidFill>
+                <a:effectLst/>
+                <a:latin typeface="Consolas" panose="020B0609020204030204" pitchFamily="49" charset="0"/>
+              </a:rPr>
+              <a:t>_ledManual-&gt;on();</a:t>
+            </a:r>
+          </a:p>
+          <a:p>
+            <a:pPr algn="ctr"/>
+            <a:r>
+              <a:rPr lang="en-ID" sz="1200" b="0" dirty="0">
+                <a:solidFill>
+                  <a:schemeClr val="tx1"/>
+                </a:solidFill>
+                <a:effectLst/>
+                <a:latin typeface="Consolas" panose="020B0609020204030204" pitchFamily="49" charset="0"/>
+              </a:rPr>
+              <a:t>_ledReset-&gt;on();</a:t>
+            </a:r>
+            <a:endParaRPr lang="en-ID" sz="1200" dirty="0">
+              <a:solidFill>
+                <a:schemeClr val="tx1"/>
+              </a:solidFill>
+            </a:endParaRPr>
+          </a:p>
+        </p:txBody>
+      </p:sp>
+      <p:sp>
+        <p:nvSpPr>
+          <p:cNvPr id="38" name="Parallelogram 37">
             <a:extLst>
               <a:ext uri="{FF2B5EF4-FFF2-40B4-BE49-F238E27FC236}">
-                <a16:creationId xmlns:a16="http://schemas.microsoft.com/office/drawing/2014/main" id="{F3734BFA-0D69-420C-8FA2-A549F2FFF82D}"/>
-              </a:ext>
-            </a:extLst>
-          </p:cNvPr>
-          <p:cNvSpPr txBox="1"/>
-          <p:nvPr/>
-        </p:nvSpPr>
-        <p:spPr>
-          <a:xfrm>
-            <a:off x="3131839" y="5599250"/>
-            <a:ext cx="2439975" cy="738664"/>
-          </a:xfrm>
-          <a:prstGeom prst="rect">
-            <a:avLst/>
-          </a:prstGeom>
-          <a:noFill/>
-          <a:ln w="19050">
-            <a:solidFill>
-              <a:schemeClr val="tx1"/>
-            </a:solidFill>
-          </a:ln>
-        </p:spPr>
-        <p:txBody>
-          <a:bodyPr wrap="square" rtlCol="0">
-            <a:spAutoFit/>
-          </a:bodyPr>
-          <a:lstStyle/>
-          <a:p>
-            <a:pPr algn="ctr"/>
-            <a:r>
-              <a:rPr lang="en-ID" sz="1400" b="0" dirty="0">
-                <a:effectLst/>
-                <a:latin typeface="Consolas" panose="020B0609020204030204" pitchFamily="49" charset="0"/>
-              </a:rPr>
-              <a:t>_ledAuto-&gt;off();</a:t>
-            </a:r>
-          </a:p>
-          <a:p>
-            <a:pPr algn="ctr"/>
-            <a:r>
-              <a:rPr lang="en-ID" sz="1400" b="0" dirty="0">
-                <a:effectLst/>
-                <a:latin typeface="Consolas" panose="020B0609020204030204" pitchFamily="49" charset="0"/>
-              </a:rPr>
-              <a:t>_ledManual-&gt;blink();</a:t>
-            </a:r>
-          </a:p>
-          <a:p>
-            <a:pPr algn="ctr"/>
-            <a:r>
-              <a:rPr lang="en-ID" sz="1400" b="0" dirty="0">
-                <a:effectLst/>
-                <a:latin typeface="Consolas" panose="020B0609020204030204" pitchFamily="49" charset="0"/>
-              </a:rPr>
-              <a:t>_ledReset-&gt;off();</a:t>
-            </a:r>
-          </a:p>
-        </p:txBody>
-      </p:sp>
-      <p:cxnSp>
-        <p:nvCxnSpPr>
-          <p:cNvPr id="65" name="Straight Arrow Connector 64">
-            <a:extLst>
-              <a:ext uri="{FF2B5EF4-FFF2-40B4-BE49-F238E27FC236}">
-                <a16:creationId xmlns:a16="http://schemas.microsoft.com/office/drawing/2014/main" id="{BAFFECD8-89A2-45A0-BB6C-43FD6D96482C}"/>
-              </a:ext>
-            </a:extLst>
-          </p:cNvPr>
-          <p:cNvCxnSpPr>
-            <a:cxnSpLocks/>
-            <a:endCxn id="64" idx="1"/>
-          </p:cNvCxnSpPr>
-          <p:nvPr/>
-        </p:nvCxnSpPr>
-        <p:spPr>
-          <a:xfrm>
-            <a:off x="2818315" y="5968582"/>
-            <a:ext cx="313524" cy="0"/>
-          </a:xfrm>
-          <a:prstGeom prst="straightConnector1">
-            <a:avLst/>
-          </a:prstGeom>
-          <a:ln w="19050">
-            <a:solidFill>
-              <a:srgbClr val="003300"/>
-            </a:solidFill>
-            <a:tailEnd type="arrow"/>
-          </a:ln>
-        </p:spPr>
-        <p:style>
-          <a:lnRef idx="1">
-            <a:schemeClr val="accent1"/>
-          </a:lnRef>
-          <a:fillRef idx="0">
-            <a:schemeClr val="accent1"/>
-          </a:fillRef>
-          <a:effectRef idx="0">
-            <a:schemeClr val="accent1"/>
-          </a:effectRef>
-          <a:fontRef idx="minor">
-            <a:schemeClr val="tx1"/>
-          </a:fontRef>
-        </p:style>
-      </p:cxnSp>
-      <p:sp>
-        <p:nvSpPr>
-          <p:cNvPr id="66" name="Flowchart: Decision 65">
-            <a:extLst>
-              <a:ext uri="{FF2B5EF4-FFF2-40B4-BE49-F238E27FC236}">
-                <a16:creationId xmlns:a16="http://schemas.microsoft.com/office/drawing/2014/main" id="{F65F2797-01CA-4040-A232-0D0BEC47111E}"/>
+                <a16:creationId xmlns:a16="http://schemas.microsoft.com/office/drawing/2014/main" id="{0A42E41D-B499-4A9B-9E98-F2E1BF09EA31}"/>
               </a:ext>
             </a:extLst>
           </p:cNvPr>
@@ -10727,14 +10437,14 @@
         </p:nvSpPr>
         <p:spPr>
           <a:xfrm>
-            <a:off x="5724128" y="1541439"/>
-            <a:ext cx="2376264" cy="839830"/>
-          </a:xfrm>
-          <a:prstGeom prst="flowChartDecision">
+            <a:off x="4436279" y="3110737"/>
+            <a:ext cx="2376263" cy="665550"/>
+          </a:xfrm>
+          <a:prstGeom prst="parallelogram">
             <a:avLst/>
           </a:prstGeom>
           <a:noFill/>
-          <a:ln w="19050">
+          <a:ln>
             <a:solidFill>
               <a:schemeClr val="tx1"/>
             </a:solidFill>
@@ -10762,104 +10472,55 @@
           <a:p>
             <a:pPr algn="ctr"/>
             <a:r>
-              <a:rPr lang="en-US" sz="1400" dirty="0">
-                <a:solidFill>
-                  <a:schemeClr val="tx1"/>
-                </a:solidFill>
-              </a:rPr>
-              <a:t>S</a:t>
-            </a:r>
-            <a:r>
-              <a:rPr lang="en-ID" sz="1400" dirty="0">
-                <a:solidFill>
-                  <a:schemeClr val="tx1"/>
-                </a:solidFill>
-              </a:rPr>
-              <a:t>tate = </a:t>
-            </a:r>
-            <a:r>
-              <a:rPr lang="en-ID" sz="1400" b="0" dirty="0">
+              <a:rPr lang="en-ID" sz="1200" b="0" dirty="0">
                 <a:solidFill>
                   <a:schemeClr val="tx1"/>
                 </a:solidFill>
                 <a:effectLst/>
                 <a:latin typeface="Consolas" panose="020B0609020204030204" pitchFamily="49" charset="0"/>
               </a:rPr>
-              <a:t>MODE_RESET</a:t>
-            </a:r>
-          </a:p>
-        </p:txBody>
-      </p:sp>
-      <p:sp>
-        <p:nvSpPr>
-          <p:cNvPr id="67" name="TextBox 66">
+              <a:t>_ledAuto-&gt;on();</a:t>
+            </a:r>
+          </a:p>
+          <a:p>
+            <a:pPr algn="ctr"/>
+            <a:r>
+              <a:rPr lang="en-ID" sz="1200" b="0" dirty="0">
+                <a:solidFill>
+                  <a:schemeClr val="tx1"/>
+                </a:solidFill>
+                <a:effectLst/>
+                <a:latin typeface="Consolas" panose="020B0609020204030204" pitchFamily="49" charset="0"/>
+              </a:rPr>
+              <a:t>_ledManual-&gt;off();</a:t>
+            </a:r>
+          </a:p>
+          <a:p>
+            <a:pPr algn="ctr"/>
+            <a:r>
+              <a:rPr lang="en-ID" sz="1200" b="0" dirty="0">
+                <a:solidFill>
+                  <a:schemeClr val="tx1"/>
+                </a:solidFill>
+                <a:effectLst/>
+                <a:latin typeface="Consolas" panose="020B0609020204030204" pitchFamily="49" charset="0"/>
+              </a:rPr>
+              <a:t>_ledReset-&gt;off();</a:t>
+            </a:r>
+            <a:endParaRPr lang="en-ID" sz="1200" dirty="0">
+              <a:solidFill>
+                <a:schemeClr val="tx1"/>
+              </a:solidFill>
+            </a:endParaRPr>
+          </a:p>
+        </p:txBody>
+      </p:sp>
+      <p:sp>
+        <p:nvSpPr>
+          <p:cNvPr id="39" name="Parallelogram 38">
             <a:extLst>
               <a:ext uri="{FF2B5EF4-FFF2-40B4-BE49-F238E27FC236}">
-                <a16:creationId xmlns:a16="http://schemas.microsoft.com/office/drawing/2014/main" id="{6B0F4331-CCA6-4C62-9B25-496B1B86EF45}"/>
-              </a:ext>
-            </a:extLst>
-          </p:cNvPr>
-          <p:cNvSpPr txBox="1"/>
-          <p:nvPr/>
-        </p:nvSpPr>
-        <p:spPr>
-          <a:xfrm>
-            <a:off x="7020272" y="2492896"/>
-            <a:ext cx="2016224" cy="954107"/>
-          </a:xfrm>
-          <a:prstGeom prst="rect">
-            <a:avLst/>
-          </a:prstGeom>
-          <a:noFill/>
-          <a:ln w="19050">
-            <a:solidFill>
-              <a:schemeClr val="tx1"/>
-            </a:solidFill>
-          </a:ln>
-        </p:spPr>
-        <p:txBody>
-          <a:bodyPr wrap="square" rtlCol="0">
-            <a:spAutoFit/>
-          </a:bodyPr>
-          <a:lstStyle/>
-          <a:p>
-            <a:pPr algn="ctr"/>
-            <a:r>
-              <a:rPr lang="en-ID" sz="1400" b="0" dirty="0">
-                <a:effectLst/>
-                <a:latin typeface="Consolas" panose="020B0609020204030204" pitchFamily="49" charset="0"/>
-              </a:rPr>
-              <a:t>_ledAuto-&gt;off();</a:t>
-            </a:r>
-          </a:p>
-          <a:p>
-            <a:pPr algn="ctr"/>
-            <a:r>
-              <a:rPr lang="en-ID" sz="1400" b="0" dirty="0">
-                <a:effectLst/>
-                <a:latin typeface="Consolas" panose="020B0609020204030204" pitchFamily="49" charset="0"/>
-              </a:rPr>
-              <a:t>_ledManual-&gt;off();</a:t>
-            </a:r>
-          </a:p>
-          <a:p>
-            <a:pPr algn="ctr"/>
-            <a:r>
-              <a:rPr lang="en-ID" sz="1400" b="0" dirty="0">
-                <a:effectLst/>
-                <a:latin typeface="Consolas" panose="020B0609020204030204" pitchFamily="49" charset="0"/>
-              </a:rPr>
-              <a:t>_ledReset-&gt;blink();</a:t>
-            </a:r>
-          </a:p>
-        </p:txBody>
-      </p:sp>
-      <p:sp>
-        <p:nvSpPr>
-          <p:cNvPr id="69" name="Flowchart: Decision 68">
-            <a:extLst>
-              <a:ext uri="{FF2B5EF4-FFF2-40B4-BE49-F238E27FC236}">
-                <a16:creationId xmlns:a16="http://schemas.microsoft.com/office/drawing/2014/main" id="{D2F95C7F-0DC4-47C2-B711-F07F05F0EED2}"/>
+                <a16:creationId xmlns:a16="http://schemas.microsoft.com/office/drawing/2014/main" id="{37D4C3F0-B1ED-45F7-B2A7-4B7229720FD2}"/>
               </a:ext>
             </a:extLst>
           </p:cNvPr>
@@ -10868,14 +10529,14 @@
         </p:nvSpPr>
         <p:spPr>
           <a:xfrm>
-            <a:off x="5724128" y="3531672"/>
-            <a:ext cx="2376264" cy="839830"/>
-          </a:xfrm>
-          <a:prstGeom prst="flowChartDecision">
+            <a:off x="4351525" y="4106837"/>
+            <a:ext cx="2376263" cy="665550"/>
+          </a:xfrm>
+          <a:prstGeom prst="parallelogram">
             <a:avLst/>
           </a:prstGeom>
           <a:noFill/>
-          <a:ln w="19050">
+          <a:ln>
             <a:solidFill>
               <a:schemeClr val="tx1"/>
             </a:solidFill>
@@ -10903,125 +10564,228 @@
           <a:p>
             <a:pPr algn="ctr"/>
             <a:r>
-              <a:rPr lang="en-US" sz="1400" dirty="0">
-                <a:solidFill>
-                  <a:schemeClr val="tx1"/>
-                </a:solidFill>
-              </a:rPr>
-              <a:t>S</a:t>
-            </a:r>
-            <a:r>
-              <a:rPr lang="en-ID" sz="1400" dirty="0">
-                <a:solidFill>
-                  <a:schemeClr val="tx1"/>
-                </a:solidFill>
-              </a:rPr>
-              <a:t>tate = </a:t>
-            </a:r>
-            <a:r>
-              <a:rPr lang="en-ID" sz="1400" b="0" dirty="0">
+              <a:rPr lang="en-ID" sz="1200" b="0" dirty="0">
                 <a:solidFill>
                   <a:schemeClr val="tx1"/>
                 </a:solidFill>
                 <a:effectLst/>
                 <a:latin typeface="Consolas" panose="020B0609020204030204" pitchFamily="49" charset="0"/>
               </a:rPr>
-              <a:t>MODE_READY</a:t>
-            </a:r>
-          </a:p>
-        </p:txBody>
-      </p:sp>
-      <p:sp>
-        <p:nvSpPr>
-          <p:cNvPr id="70" name="TextBox 69">
+              <a:t>_ledAuto-&gt;blink();</a:t>
+            </a:r>
+          </a:p>
+          <a:p>
+            <a:pPr algn="ctr"/>
+            <a:r>
+              <a:rPr lang="en-ID" sz="1200" b="0" dirty="0">
+                <a:solidFill>
+                  <a:schemeClr val="tx1"/>
+                </a:solidFill>
+                <a:effectLst/>
+                <a:latin typeface="Consolas" panose="020B0609020204030204" pitchFamily="49" charset="0"/>
+              </a:rPr>
+              <a:t>_ledManual-&gt;off();</a:t>
+            </a:r>
+          </a:p>
+          <a:p>
+            <a:pPr algn="ctr"/>
+            <a:r>
+              <a:rPr lang="en-ID" sz="1200" b="0" dirty="0">
+                <a:solidFill>
+                  <a:schemeClr val="tx1"/>
+                </a:solidFill>
+                <a:effectLst/>
+                <a:latin typeface="Consolas" panose="020B0609020204030204" pitchFamily="49" charset="0"/>
+              </a:rPr>
+              <a:t>_ledReset-&gt;off();</a:t>
+            </a:r>
+            <a:endParaRPr lang="en-ID" sz="1200" dirty="0">
+              <a:solidFill>
+                <a:schemeClr val="tx1"/>
+              </a:solidFill>
+            </a:endParaRPr>
+          </a:p>
+        </p:txBody>
+      </p:sp>
+      <p:sp>
+        <p:nvSpPr>
+          <p:cNvPr id="44" name="Parallelogram 43">
             <a:extLst>
               <a:ext uri="{FF2B5EF4-FFF2-40B4-BE49-F238E27FC236}">
-                <a16:creationId xmlns:a16="http://schemas.microsoft.com/office/drawing/2014/main" id="{5550BEDA-0699-43BE-8D94-CB951C3101B0}"/>
+                <a16:creationId xmlns:a16="http://schemas.microsoft.com/office/drawing/2014/main" id="{47F9610C-5F83-4D05-8AB9-C9CEABDD463B}"/>
               </a:ext>
             </a:extLst>
           </p:cNvPr>
-          <p:cNvSpPr txBox="1"/>
-          <p:nvPr/>
-        </p:nvSpPr>
-        <p:spPr>
-          <a:xfrm>
-            <a:off x="6744641" y="4555137"/>
-            <a:ext cx="2219847" cy="738664"/>
-          </a:xfrm>
-          <a:prstGeom prst="rect">
+          <p:cNvSpPr/>
+          <p:nvPr/>
+        </p:nvSpPr>
+        <p:spPr>
+          <a:xfrm>
+            <a:off x="4422985" y="5141719"/>
+            <a:ext cx="2376263" cy="665550"/>
+          </a:xfrm>
+          <a:prstGeom prst="parallelogram">
             <a:avLst/>
           </a:prstGeom>
           <a:noFill/>
-          <a:ln w="19050">
+          <a:ln>
             <a:solidFill>
               <a:schemeClr val="tx1"/>
             </a:solidFill>
           </a:ln>
         </p:spPr>
-        <p:txBody>
-          <a:bodyPr wrap="square" rtlCol="0">
-            <a:spAutoFit/>
-          </a:bodyPr>
+        <p:style>
+          <a:lnRef idx="2">
+            <a:schemeClr val="accent1">
+              <a:shade val="50000"/>
+            </a:schemeClr>
+          </a:lnRef>
+          <a:fillRef idx="1">
+            <a:schemeClr val="accent1"/>
+          </a:fillRef>
+          <a:effectRef idx="0">
+            <a:schemeClr val="accent1"/>
+          </a:effectRef>
+          <a:fontRef idx="minor">
+            <a:schemeClr val="lt1"/>
+          </a:fontRef>
+        </p:style>
+        <p:txBody>
+          <a:bodyPr rtlCol="0" anchor="ctr"/>
           <a:lstStyle/>
           <a:p>
             <a:pPr algn="ctr"/>
             <a:r>
-              <a:rPr lang="en-ID" sz="1400" b="0" dirty="0">
+              <a:rPr lang="en-ID" sz="1200" b="0" dirty="0">
+                <a:solidFill>
+                  <a:schemeClr val="tx1"/>
+                </a:solidFill>
                 <a:effectLst/>
                 <a:latin typeface="Consolas" panose="020B0609020204030204" pitchFamily="49" charset="0"/>
               </a:rPr>
-              <a:t>_ledAuto-&gt;blink();</a:t>
+              <a:t>_ledAuto-&gt;off();</a:t>
             </a:r>
           </a:p>
           <a:p>
             <a:pPr algn="ctr"/>
             <a:r>
-              <a:rPr lang="en-ID" sz="1400" b="0" dirty="0">
+              <a:rPr lang="en-ID" sz="1200" b="0" dirty="0">
+                <a:solidFill>
+                  <a:schemeClr val="tx1"/>
+                </a:solidFill>
                 <a:effectLst/>
                 <a:latin typeface="Consolas" panose="020B0609020204030204" pitchFamily="49" charset="0"/>
               </a:rPr>
-              <a:t>_ledManual-&gt;blink();</a:t>
+              <a:t>_ledManual-&gt;on();</a:t>
             </a:r>
           </a:p>
           <a:p>
             <a:pPr algn="ctr"/>
             <a:r>
-              <a:rPr lang="en-ID" sz="1400" b="0" dirty="0">
+              <a:rPr lang="en-ID" sz="1200" b="0" dirty="0">
+                <a:solidFill>
+                  <a:schemeClr val="tx1"/>
+                </a:solidFill>
                 <a:effectLst/>
                 <a:latin typeface="Consolas" panose="020B0609020204030204" pitchFamily="49" charset="0"/>
               </a:rPr>
               <a:t>_ledReset-&gt;off();</a:t>
             </a:r>
+            <a:endParaRPr lang="en-ID" sz="1200" dirty="0">
+              <a:solidFill>
+                <a:schemeClr val="tx1"/>
+              </a:solidFill>
+            </a:endParaRPr>
+          </a:p>
+        </p:txBody>
+      </p:sp>
+      <p:sp>
+        <p:nvSpPr>
+          <p:cNvPr id="56" name="Flowchart: Off-page Connector 55">
+            <a:extLst>
+              <a:ext uri="{FF2B5EF4-FFF2-40B4-BE49-F238E27FC236}">
+                <a16:creationId xmlns:a16="http://schemas.microsoft.com/office/drawing/2014/main" id="{B49344D6-D38F-4BE4-A807-32C5B7E4D64C}"/>
+              </a:ext>
+            </a:extLst>
+          </p:cNvPr>
+          <p:cNvSpPr/>
+          <p:nvPr/>
+        </p:nvSpPr>
+        <p:spPr>
+          <a:xfrm>
+            <a:off x="2891274" y="6238102"/>
+            <a:ext cx="413625" cy="367434"/>
+          </a:xfrm>
+          <a:prstGeom prst="flowChartOffpageConnector">
+            <a:avLst/>
+          </a:prstGeom>
+          <a:noFill/>
+          <a:ln>
+            <a:solidFill>
+              <a:schemeClr val="tx1"/>
+            </a:solidFill>
+          </a:ln>
+        </p:spPr>
+        <p:style>
+          <a:lnRef idx="2">
+            <a:schemeClr val="accent1">
+              <a:shade val="50000"/>
+            </a:schemeClr>
+          </a:lnRef>
+          <a:fillRef idx="1">
+            <a:schemeClr val="accent1"/>
+          </a:fillRef>
+          <a:effectRef idx="0">
+            <a:schemeClr val="accent1"/>
+          </a:effectRef>
+          <a:fontRef idx="minor">
+            <a:schemeClr val="lt1"/>
+          </a:fontRef>
+        </p:style>
+        <p:txBody>
+          <a:bodyPr rtlCol="0" anchor="ctr"/>
+          <a:lstStyle/>
+          <a:p>
+            <a:pPr algn="ctr"/>
+            <a:r>
+              <a:rPr lang="en-ID" b="1" dirty="0">
+                <a:solidFill>
+                  <a:schemeClr val="tx1"/>
+                </a:solidFill>
+              </a:rPr>
+              <a:t>4</a:t>
+            </a:r>
+            <a:endParaRPr lang="en-US" b="1" dirty="0">
+              <a:solidFill>
+                <a:schemeClr val="tx1"/>
+              </a:solidFill>
+            </a:endParaRPr>
           </a:p>
         </p:txBody>
       </p:sp>
       <p:cxnSp>
         <p:nvCxnSpPr>
-          <p:cNvPr id="72" name="Connector: Elbow 71">
+          <p:cNvPr id="57" name="Straight Arrow Connector 56">
             <a:extLst>
               <a:ext uri="{FF2B5EF4-FFF2-40B4-BE49-F238E27FC236}">
-                <a16:creationId xmlns:a16="http://schemas.microsoft.com/office/drawing/2014/main" id="{3D78028B-2FD5-4A9A-AE4B-411BEE6808C8}"/>
+                <a16:creationId xmlns:a16="http://schemas.microsoft.com/office/drawing/2014/main" id="{2B9A3A03-C76A-46F8-B7FD-A585274F9AEE}"/>
               </a:ext>
             </a:extLst>
           </p:cNvPr>
           <p:cNvCxnSpPr>
             <a:cxnSpLocks/>
-            <a:stCxn id="63" idx="2"/>
-            <a:endCxn id="66" idx="0"/>
+            <a:stCxn id="46" idx="2"/>
+            <a:endCxn id="56" idx="0"/>
           </p:cNvCxnSpPr>
           <p:nvPr/>
         </p:nvCxnSpPr>
         <p:spPr>
-          <a:xfrm rot="5400000" flipH="1" flipV="1">
-            <a:off x="1891893" y="1367080"/>
-            <a:ext cx="4846007" cy="5194725"/>
-          </a:xfrm>
-          <a:prstGeom prst="bentConnector5">
-            <a:avLst>
-              <a:gd name="adj1" fmla="val -4717"/>
-              <a:gd name="adj2" fmla="val 76444"/>
-              <a:gd name="adj3" fmla="val 104717"/>
-            </a:avLst>
+          <a:xfrm>
+            <a:off x="3098087" y="5846850"/>
+            <a:ext cx="0" cy="391252"/>
+          </a:xfrm>
+          <a:prstGeom prst="straightConnector1">
+            <a:avLst/>
           </a:prstGeom>
           <a:ln w="19050">
             <a:tailEnd type="triangle"/>
@@ -11042,239 +10806,6 @@
           </a:fontRef>
         </p:style>
       </p:cxnSp>
-      <p:cxnSp>
-        <p:nvCxnSpPr>
-          <p:cNvPr id="75" name="Straight Arrow Connector 74">
-            <a:extLst>
-              <a:ext uri="{FF2B5EF4-FFF2-40B4-BE49-F238E27FC236}">
-                <a16:creationId xmlns:a16="http://schemas.microsoft.com/office/drawing/2014/main" id="{D0247221-F0B4-4BD4-B79F-229AA27F2727}"/>
-              </a:ext>
-            </a:extLst>
-          </p:cNvPr>
-          <p:cNvCxnSpPr>
-            <a:cxnSpLocks/>
-            <a:stCxn id="66" idx="2"/>
-            <a:endCxn id="69" idx="0"/>
-          </p:cNvCxnSpPr>
-          <p:nvPr/>
-        </p:nvCxnSpPr>
-        <p:spPr>
-          <a:xfrm>
-            <a:off x="6912260" y="2381269"/>
-            <a:ext cx="0" cy="1150403"/>
-          </a:xfrm>
-          <a:prstGeom prst="straightConnector1">
-            <a:avLst/>
-          </a:prstGeom>
-          <a:ln w="19050">
-            <a:tailEnd type="triangle"/>
-          </a:ln>
-        </p:spPr>
-        <p:style>
-          <a:lnRef idx="1">
-            <a:schemeClr val="dk1"/>
-          </a:lnRef>
-          <a:fillRef idx="0">
-            <a:schemeClr val="dk1"/>
-          </a:fillRef>
-          <a:effectRef idx="0">
-            <a:schemeClr val="dk1"/>
-          </a:effectRef>
-          <a:fontRef idx="minor">
-            <a:schemeClr val="tx1"/>
-          </a:fontRef>
-        </p:style>
-      </p:cxnSp>
-      <p:cxnSp>
-        <p:nvCxnSpPr>
-          <p:cNvPr id="79" name="Connector: Elbow 78">
-            <a:extLst>
-              <a:ext uri="{FF2B5EF4-FFF2-40B4-BE49-F238E27FC236}">
-                <a16:creationId xmlns:a16="http://schemas.microsoft.com/office/drawing/2014/main" id="{D3DEDF2B-9ADF-4666-8DDA-040C164A1C9F}"/>
-              </a:ext>
-            </a:extLst>
-          </p:cNvPr>
-          <p:cNvCxnSpPr>
-            <a:cxnSpLocks/>
-            <a:stCxn id="66" idx="3"/>
-            <a:endCxn id="67" idx="0"/>
-          </p:cNvCxnSpPr>
-          <p:nvPr/>
-        </p:nvCxnSpPr>
-        <p:spPr>
-          <a:xfrm flipH="1">
-            <a:off x="8028384" y="1961354"/>
-            <a:ext cx="72008" cy="531542"/>
-          </a:xfrm>
-          <a:prstGeom prst="bentConnector4">
-            <a:avLst>
-              <a:gd name="adj1" fmla="val -17637"/>
-              <a:gd name="adj2" fmla="val 53661"/>
-            </a:avLst>
-          </a:prstGeom>
-          <a:ln w="19050">
-            <a:tailEnd type="triangle"/>
-          </a:ln>
-        </p:spPr>
-        <p:style>
-          <a:lnRef idx="1">
-            <a:schemeClr val="dk1"/>
-          </a:lnRef>
-          <a:fillRef idx="0">
-            <a:schemeClr val="dk1"/>
-          </a:fillRef>
-          <a:effectRef idx="0">
-            <a:schemeClr val="dk1"/>
-          </a:effectRef>
-          <a:fontRef idx="minor">
-            <a:schemeClr val="tx1"/>
-          </a:fontRef>
-        </p:style>
-      </p:cxnSp>
-      <p:cxnSp>
-        <p:nvCxnSpPr>
-          <p:cNvPr id="81" name="Connector: Elbow 80">
-            <a:extLst>
-              <a:ext uri="{FF2B5EF4-FFF2-40B4-BE49-F238E27FC236}">
-                <a16:creationId xmlns:a16="http://schemas.microsoft.com/office/drawing/2014/main" id="{8A446044-0623-4A71-B014-B43A5CE83132}"/>
-              </a:ext>
-            </a:extLst>
-          </p:cNvPr>
-          <p:cNvCxnSpPr>
-            <a:cxnSpLocks/>
-            <a:stCxn id="69" idx="3"/>
-            <a:endCxn id="70" idx="0"/>
-          </p:cNvCxnSpPr>
-          <p:nvPr/>
-        </p:nvCxnSpPr>
-        <p:spPr>
-          <a:xfrm flipH="1">
-            <a:off x="7854565" y="3951587"/>
-            <a:ext cx="245827" cy="603550"/>
-          </a:xfrm>
-          <a:prstGeom prst="bentConnector4">
-            <a:avLst>
-              <a:gd name="adj1" fmla="val -10332"/>
-              <a:gd name="adj2" fmla="val 51120"/>
-            </a:avLst>
-          </a:prstGeom>
-          <a:ln w="19050">
-            <a:tailEnd type="triangle"/>
-          </a:ln>
-        </p:spPr>
-        <p:style>
-          <a:lnRef idx="1">
-            <a:schemeClr val="dk1"/>
-          </a:lnRef>
-          <a:fillRef idx="0">
-            <a:schemeClr val="dk1"/>
-          </a:fillRef>
-          <a:effectRef idx="0">
-            <a:schemeClr val="dk1"/>
-          </a:effectRef>
-          <a:fontRef idx="minor">
-            <a:schemeClr val="tx1"/>
-          </a:fontRef>
-        </p:style>
-      </p:cxnSp>
-      <p:cxnSp>
-        <p:nvCxnSpPr>
-          <p:cNvPr id="87" name="Straight Arrow Connector 86">
-            <a:extLst>
-              <a:ext uri="{FF2B5EF4-FFF2-40B4-BE49-F238E27FC236}">
-                <a16:creationId xmlns:a16="http://schemas.microsoft.com/office/drawing/2014/main" id="{28527620-6755-4E04-86F1-4ABFA39DFCEC}"/>
-              </a:ext>
-            </a:extLst>
-          </p:cNvPr>
-          <p:cNvCxnSpPr>
-            <a:cxnSpLocks/>
-            <a:stCxn id="46" idx="2"/>
-            <a:endCxn id="63" idx="0"/>
-          </p:cNvCxnSpPr>
-          <p:nvPr/>
-        </p:nvCxnSpPr>
-        <p:spPr>
-          <a:xfrm flipH="1">
-            <a:off x="1717535" y="5400146"/>
-            <a:ext cx="12400" cy="147470"/>
-          </a:xfrm>
-          <a:prstGeom prst="straightConnector1">
-            <a:avLst/>
-          </a:prstGeom>
-          <a:ln w="19050">
-            <a:tailEnd type="triangle"/>
-          </a:ln>
-        </p:spPr>
-        <p:style>
-          <a:lnRef idx="1">
-            <a:schemeClr val="dk1"/>
-          </a:lnRef>
-          <a:fillRef idx="0">
-            <a:schemeClr val="dk1"/>
-          </a:fillRef>
-          <a:effectRef idx="0">
-            <a:schemeClr val="dk1"/>
-          </a:effectRef>
-          <a:fontRef idx="minor">
-            <a:schemeClr val="tx1"/>
-          </a:fontRef>
-        </p:style>
-      </p:cxnSp>
-      <p:sp>
-        <p:nvSpPr>
-          <p:cNvPr id="2" name="Title 1">
-            <a:extLst>
-              <a:ext uri="{FF2B5EF4-FFF2-40B4-BE49-F238E27FC236}">
-                <a16:creationId xmlns:a16="http://schemas.microsoft.com/office/drawing/2014/main" id="{B978AF4F-562B-48A9-B3FB-67A3A0CA01F0}"/>
-              </a:ext>
-            </a:extLst>
-          </p:cNvPr>
-          <p:cNvSpPr>
-            <a:spLocks noGrp="1"/>
-          </p:cNvSpPr>
-          <p:nvPr>
-            <p:ph type="ctrTitle"/>
-          </p:nvPr>
-        </p:nvSpPr>
-        <p:spPr>
-          <a:xfrm>
-            <a:off x="1143162" y="252464"/>
-            <a:ext cx="7772400" cy="439791"/>
-          </a:xfrm>
-        </p:spPr>
-        <p:txBody>
-          <a:bodyPr/>
-          <a:lstStyle/>
-          <a:p>
-            <a:pPr algn="ctr" rtl="0" eaLnBrk="1" latinLnBrk="0" hangingPunct="1"/>
-            <a:r>
-              <a:rPr lang="en-ID" sz="1800" b="1" kern="1200" dirty="0">
-                <a:solidFill>
-                  <a:srgbClr val="000000"/>
-                </a:solidFill>
-                <a:effectLst/>
-                <a:latin typeface="Calibri" panose="020F0502020204030204" pitchFamily="34" charset="0"/>
-                <a:ea typeface="+mn-ea"/>
-                <a:cs typeface="+mn-cs"/>
-              </a:rPr>
-              <a:t>Flowchart </a:t>
-            </a:r>
-            <a:r>
-              <a:rPr lang="en-ID" sz="1800" b="0" kern="1200" dirty="0">
-                <a:solidFill>
-                  <a:srgbClr val="000000"/>
-                </a:solidFill>
-                <a:effectLst/>
-                <a:latin typeface="Consolas" panose="020B0609020204030204" pitchFamily="49" charset="0"/>
-                <a:ea typeface="+mn-ea"/>
-                <a:cs typeface="+mn-cs"/>
-              </a:rPr>
-              <a:t>_ledAMR-&gt;status(operationMode)</a:t>
-            </a:r>
-            <a:endParaRPr lang="en-ID" dirty="0"/>
-          </a:p>
-        </p:txBody>
-      </p:sp>
     </p:spTree>
     <p:extLst>
       <p:ext uri="{BB962C8B-B14F-4D97-AF65-F5344CB8AC3E}">
@@ -11313,8 +10844,8 @@
         </p:nvSpPr>
         <p:spPr>
           <a:xfrm>
-            <a:off x="3952060" y="683534"/>
-            <a:ext cx="1703800" cy="307777"/>
+            <a:off x="3657857" y="600943"/>
+            <a:ext cx="2767809" cy="307777"/>
           </a:xfrm>
           <a:prstGeom prst="rect">
             <a:avLst/>
@@ -11329,7 +10860,7 @@
             <a:pPr algn="ctr"/>
             <a:r>
               <a:rPr lang="en-ID" sz="1400" dirty="0"/>
-              <a:t>File : aLocalPanel.ino</a:t>
+              <a:t>File : src\compDevices\ledAMR.cpp</a:t>
             </a:r>
             <a:endParaRPr lang="en-US" sz="1400" dirty="0"/>
           </a:p>
@@ -11343,8 +10874,8 @@
         </p:nvSpPr>
         <p:spPr>
           <a:xfrm>
-            <a:off x="746569" y="1906767"/>
-            <a:ext cx="2232248" cy="839830"/>
+            <a:off x="2270223" y="3691445"/>
+            <a:ext cx="2376264" cy="839830"/>
           </a:xfrm>
           <a:prstGeom prst="flowChartDecision">
             <a:avLst/>
@@ -11401,46 +10932,24 @@
                 <a:effectLst/>
                 <a:latin typeface="Consolas" panose="020B0609020204030204" pitchFamily="49" charset="0"/>
               </a:rPr>
-              <a:t>MODE_TEST</a:t>
-            </a:r>
-          </a:p>
-        </p:txBody>
-      </p:sp>
-      <p:sp>
-        <p:nvSpPr>
-          <p:cNvPr id="6" name="TextBox 5"/>
-          <p:cNvSpPr txBox="1"/>
-          <p:nvPr/>
-        </p:nvSpPr>
-        <p:spPr>
-          <a:xfrm>
-            <a:off x="3292342" y="2172793"/>
-            <a:ext cx="2016224" cy="307777"/>
-          </a:xfrm>
-          <a:prstGeom prst="rect">
-            <a:avLst/>
-          </a:prstGeom>
-          <a:noFill/>
-          <a:ln w="19050">
-            <a:solidFill>
-              <a:schemeClr val="tx1"/>
-            </a:solidFill>
-          </a:ln>
-        </p:spPr>
-        <p:txBody>
-          <a:bodyPr wrap="square" rtlCol="0">
-            <a:spAutoFit/>
-          </a:bodyPr>
-          <a:lstStyle/>
-          <a:p>
-            <a:pPr algn="ctr"/>
-            <a:r>
-              <a:rPr lang="en-ID" sz="1400" b="0" dirty="0">
-                <a:effectLst/>
+              <a:t>MODE_</a:t>
+            </a:r>
+            <a:r>
+              <a:rPr lang="en-ID" sz="1400" dirty="0">
+                <a:solidFill>
+                  <a:schemeClr val="tx1"/>
+                </a:solidFill>
                 <a:latin typeface="Consolas" panose="020B0609020204030204" pitchFamily="49" charset="0"/>
               </a:rPr>
-              <a:t>_buzzer-&gt;on();</a:t>
-            </a:r>
+              <a:t>RESET</a:t>
+            </a:r>
+            <a:endParaRPr lang="en-ID" sz="1400" b="0" dirty="0">
+              <a:solidFill>
+                <a:schemeClr val="tx1"/>
+              </a:solidFill>
+              <a:effectLst/>
+              <a:latin typeface="Consolas" panose="020B0609020204030204" pitchFamily="49" charset="0"/>
+            </a:endParaRPr>
           </a:p>
         </p:txBody>
       </p:sp>
@@ -11452,7 +10961,7 @@
         </p:nvSpPr>
         <p:spPr>
           <a:xfrm>
-            <a:off x="2923458" y="1992104"/>
+            <a:off x="4781659" y="3776782"/>
             <a:ext cx="296876" cy="369332"/>
           </a:xfrm>
           <a:prstGeom prst="rect">
@@ -11483,14 +10992,1023 @@
           <p:cNvCxnSpPr>
             <a:cxnSpLocks/>
             <a:stCxn id="5" idx="3"/>
-            <a:endCxn id="6" idx="1"/>
+            <a:endCxn id="49" idx="5"/>
           </p:cNvCxnSpPr>
           <p:nvPr/>
         </p:nvCxnSpPr>
         <p:spPr>
-          <a:xfrm>
-            <a:off x="2978817" y="2326682"/>
-            <a:ext cx="313525" cy="0"/>
+          <a:xfrm flipV="1">
+            <a:off x="4646487" y="4109557"/>
+            <a:ext cx="578140" cy="1803"/>
+          </a:xfrm>
+          <a:prstGeom prst="straightConnector1">
+            <a:avLst/>
+          </a:prstGeom>
+          <a:ln w="19050">
+            <a:solidFill>
+              <a:srgbClr val="003300"/>
+            </a:solidFill>
+            <a:tailEnd type="arrow"/>
+          </a:ln>
+        </p:spPr>
+        <p:style>
+          <a:lnRef idx="1">
+            <a:schemeClr val="accent1"/>
+          </a:lnRef>
+          <a:fillRef idx="0">
+            <a:schemeClr val="accent1"/>
+          </a:fillRef>
+          <a:effectRef idx="0">
+            <a:schemeClr val="accent1"/>
+          </a:effectRef>
+          <a:fontRef idx="minor">
+            <a:schemeClr val="tx1"/>
+          </a:fontRef>
+        </p:style>
+      </p:cxnSp>
+      <p:sp>
+        <p:nvSpPr>
+          <p:cNvPr id="43" name="Flowchart: Decision 42">
+            <a:extLst>
+              <a:ext uri="{FF2B5EF4-FFF2-40B4-BE49-F238E27FC236}">
+                <a16:creationId xmlns:a16="http://schemas.microsoft.com/office/drawing/2014/main" id="{F10B347E-033C-4910-9071-CDA92304C379}"/>
+              </a:ext>
+            </a:extLst>
+          </p:cNvPr>
+          <p:cNvSpPr/>
+          <p:nvPr/>
+        </p:nvSpPr>
+        <p:spPr>
+          <a:xfrm>
+            <a:off x="2270223" y="5003623"/>
+            <a:ext cx="2376263" cy="839830"/>
+          </a:xfrm>
+          <a:prstGeom prst="flowChartDecision">
+            <a:avLst/>
+          </a:prstGeom>
+          <a:noFill/>
+          <a:ln w="19050">
+            <a:solidFill>
+              <a:schemeClr val="tx1"/>
+            </a:solidFill>
+          </a:ln>
+        </p:spPr>
+        <p:style>
+          <a:lnRef idx="2">
+            <a:schemeClr val="accent1">
+              <a:shade val="50000"/>
+            </a:schemeClr>
+          </a:lnRef>
+          <a:fillRef idx="1">
+            <a:schemeClr val="accent1"/>
+          </a:fillRef>
+          <a:effectRef idx="0">
+            <a:schemeClr val="accent1"/>
+          </a:effectRef>
+          <a:fontRef idx="minor">
+            <a:schemeClr val="lt1"/>
+          </a:fontRef>
+        </p:style>
+        <p:txBody>
+          <a:bodyPr rtlCol="0" anchor="ctr"/>
+          <a:lstStyle/>
+          <a:p>
+            <a:pPr algn="ctr"/>
+            <a:r>
+              <a:rPr lang="en-US" sz="1400" dirty="0">
+                <a:solidFill>
+                  <a:schemeClr val="tx1"/>
+                </a:solidFill>
+              </a:rPr>
+              <a:t>S</a:t>
+            </a:r>
+            <a:r>
+              <a:rPr lang="en-ID" sz="1400" dirty="0">
+                <a:solidFill>
+                  <a:schemeClr val="tx1"/>
+                </a:solidFill>
+              </a:rPr>
+              <a:t>tate = </a:t>
+            </a:r>
+            <a:r>
+              <a:rPr lang="en-ID" sz="1400" b="0" dirty="0">
+                <a:solidFill>
+                  <a:schemeClr val="tx1"/>
+                </a:solidFill>
+                <a:effectLst/>
+                <a:latin typeface="Consolas" panose="020B0609020204030204" pitchFamily="49" charset="0"/>
+              </a:rPr>
+              <a:t>MODE_</a:t>
+            </a:r>
+            <a:r>
+              <a:rPr lang="en-ID" sz="1400" dirty="0">
+                <a:solidFill>
+                  <a:schemeClr val="tx1"/>
+                </a:solidFill>
+                <a:latin typeface="Consolas" panose="020B0609020204030204" pitchFamily="49" charset="0"/>
+              </a:rPr>
+              <a:t>READY</a:t>
+            </a:r>
+            <a:endParaRPr lang="en-ID" sz="1400" b="0" dirty="0">
+              <a:solidFill>
+                <a:schemeClr val="tx1"/>
+              </a:solidFill>
+              <a:effectLst/>
+              <a:latin typeface="Consolas" panose="020B0609020204030204" pitchFamily="49" charset="0"/>
+            </a:endParaRPr>
+          </a:p>
+        </p:txBody>
+      </p:sp>
+      <p:cxnSp>
+        <p:nvCxnSpPr>
+          <p:cNvPr id="50" name="Straight Arrow Connector 49">
+            <a:extLst>
+              <a:ext uri="{FF2B5EF4-FFF2-40B4-BE49-F238E27FC236}">
+                <a16:creationId xmlns:a16="http://schemas.microsoft.com/office/drawing/2014/main" id="{4FF3FB3B-045C-494E-92F0-0E579FB56F01}"/>
+              </a:ext>
+            </a:extLst>
+          </p:cNvPr>
+          <p:cNvCxnSpPr>
+            <a:cxnSpLocks/>
+            <a:stCxn id="43" idx="3"/>
+            <a:endCxn id="38" idx="5"/>
+          </p:cNvCxnSpPr>
+          <p:nvPr/>
+        </p:nvCxnSpPr>
+        <p:spPr>
+          <a:xfrm>
+            <a:off x="4646486" y="5423538"/>
+            <a:ext cx="578141" cy="0"/>
+          </a:xfrm>
+          <a:prstGeom prst="straightConnector1">
+            <a:avLst/>
+          </a:prstGeom>
+          <a:ln w="19050">
+            <a:solidFill>
+              <a:srgbClr val="003300"/>
+            </a:solidFill>
+            <a:tailEnd type="arrow"/>
+          </a:ln>
+        </p:spPr>
+        <p:style>
+          <a:lnRef idx="1">
+            <a:schemeClr val="accent1"/>
+          </a:lnRef>
+          <a:fillRef idx="0">
+            <a:schemeClr val="accent1"/>
+          </a:fillRef>
+          <a:effectRef idx="0">
+            <a:schemeClr val="accent1"/>
+          </a:effectRef>
+          <a:fontRef idx="minor">
+            <a:schemeClr val="tx1"/>
+          </a:fontRef>
+        </p:style>
+      </p:cxnSp>
+      <p:cxnSp>
+        <p:nvCxnSpPr>
+          <p:cNvPr id="37" name="Straight Arrow Connector 36">
+            <a:extLst>
+              <a:ext uri="{FF2B5EF4-FFF2-40B4-BE49-F238E27FC236}">
+                <a16:creationId xmlns:a16="http://schemas.microsoft.com/office/drawing/2014/main" id="{2F4DEB80-823C-41E1-9539-305C65D98C55}"/>
+              </a:ext>
+            </a:extLst>
+          </p:cNvPr>
+          <p:cNvCxnSpPr>
+            <a:cxnSpLocks/>
+            <a:stCxn id="5" idx="2"/>
+            <a:endCxn id="43" idx="0"/>
+          </p:cNvCxnSpPr>
+          <p:nvPr/>
+        </p:nvCxnSpPr>
+        <p:spPr>
+          <a:xfrm>
+            <a:off x="3458355" y="4531275"/>
+            <a:ext cx="0" cy="472348"/>
+          </a:xfrm>
+          <a:prstGeom prst="straightConnector1">
+            <a:avLst/>
+          </a:prstGeom>
+          <a:ln w="19050">
+            <a:tailEnd type="triangle"/>
+          </a:ln>
+        </p:spPr>
+        <p:style>
+          <a:lnRef idx="1">
+            <a:schemeClr val="dk1"/>
+          </a:lnRef>
+          <a:fillRef idx="0">
+            <a:schemeClr val="dk1"/>
+          </a:fillRef>
+          <a:effectRef idx="0">
+            <a:schemeClr val="dk1"/>
+          </a:effectRef>
+          <a:fontRef idx="minor">
+            <a:schemeClr val="tx1"/>
+          </a:fontRef>
+        </p:style>
+      </p:cxnSp>
+      <p:sp>
+        <p:nvSpPr>
+          <p:cNvPr id="2" name="Title 1">
+            <a:extLst>
+              <a:ext uri="{FF2B5EF4-FFF2-40B4-BE49-F238E27FC236}">
+                <a16:creationId xmlns:a16="http://schemas.microsoft.com/office/drawing/2014/main" id="{B978AF4F-562B-48A9-B3FB-67A3A0CA01F0}"/>
+              </a:ext>
+            </a:extLst>
+          </p:cNvPr>
+          <p:cNvSpPr>
+            <a:spLocks noGrp="1"/>
+          </p:cNvSpPr>
+          <p:nvPr>
+            <p:ph type="ctrTitle"/>
+          </p:nvPr>
+        </p:nvSpPr>
+        <p:spPr>
+          <a:xfrm>
+            <a:off x="1143162" y="252464"/>
+            <a:ext cx="7772400" cy="439791"/>
+          </a:xfrm>
+        </p:spPr>
+        <p:txBody>
+          <a:bodyPr/>
+          <a:lstStyle/>
+          <a:p>
+            <a:pPr algn="ctr" rtl="0" eaLnBrk="1" latinLnBrk="0" hangingPunct="1"/>
+            <a:r>
+              <a:rPr lang="en-ID" sz="1800" b="1" kern="1200" dirty="0">
+                <a:solidFill>
+                  <a:srgbClr val="000000"/>
+                </a:solidFill>
+                <a:effectLst/>
+                <a:latin typeface="Calibri" panose="020F0502020204030204" pitchFamily="34" charset="0"/>
+                <a:ea typeface="+mn-ea"/>
+                <a:cs typeface="+mn-cs"/>
+              </a:rPr>
+              <a:t>Flowchart </a:t>
+            </a:r>
+            <a:r>
+              <a:rPr lang="en-ID" sz="1800" b="0" kern="1200" dirty="0">
+                <a:solidFill>
+                  <a:srgbClr val="000000"/>
+                </a:solidFill>
+                <a:effectLst/>
+                <a:latin typeface="Consolas" panose="020B0609020204030204" pitchFamily="49" charset="0"/>
+                <a:ea typeface="+mn-ea"/>
+                <a:cs typeface="+mn-cs"/>
+              </a:rPr>
+              <a:t>_ledAMR-&gt;status(operationMode)</a:t>
+            </a:r>
+            <a:endParaRPr lang="en-ID" dirty="0"/>
+          </a:p>
+        </p:txBody>
+      </p:sp>
+      <p:sp>
+        <p:nvSpPr>
+          <p:cNvPr id="38" name="Parallelogram 37">
+            <a:extLst>
+              <a:ext uri="{FF2B5EF4-FFF2-40B4-BE49-F238E27FC236}">
+                <a16:creationId xmlns:a16="http://schemas.microsoft.com/office/drawing/2014/main" id="{0A42E41D-B499-4A9B-9E98-F2E1BF09EA31}"/>
+              </a:ext>
+            </a:extLst>
+          </p:cNvPr>
+          <p:cNvSpPr/>
+          <p:nvPr/>
+        </p:nvSpPr>
+        <p:spPr>
+          <a:xfrm>
+            <a:off x="5141433" y="5090763"/>
+            <a:ext cx="2455319" cy="665550"/>
+          </a:xfrm>
+          <a:prstGeom prst="parallelogram">
+            <a:avLst/>
+          </a:prstGeom>
+          <a:noFill/>
+          <a:ln>
+            <a:solidFill>
+              <a:schemeClr val="tx1"/>
+            </a:solidFill>
+          </a:ln>
+        </p:spPr>
+        <p:style>
+          <a:lnRef idx="2">
+            <a:schemeClr val="accent1">
+              <a:shade val="50000"/>
+            </a:schemeClr>
+          </a:lnRef>
+          <a:fillRef idx="1">
+            <a:schemeClr val="accent1"/>
+          </a:fillRef>
+          <a:effectRef idx="0">
+            <a:schemeClr val="accent1"/>
+          </a:effectRef>
+          <a:fontRef idx="minor">
+            <a:schemeClr val="lt1"/>
+          </a:fontRef>
+        </p:style>
+        <p:txBody>
+          <a:bodyPr rtlCol="0" anchor="ctr"/>
+          <a:lstStyle/>
+          <a:p>
+            <a:pPr algn="ctr"/>
+            <a:r>
+              <a:rPr lang="en-ID" sz="1200" b="0" dirty="0">
+                <a:solidFill>
+                  <a:schemeClr val="tx1"/>
+                </a:solidFill>
+                <a:effectLst/>
+                <a:latin typeface="Consolas" panose="020B0609020204030204" pitchFamily="49" charset="0"/>
+              </a:rPr>
+              <a:t>_ledAuto-&gt;blink();</a:t>
+            </a:r>
+          </a:p>
+          <a:p>
+            <a:pPr algn="ctr"/>
+            <a:r>
+              <a:rPr lang="en-ID" sz="1200" b="0" dirty="0">
+                <a:solidFill>
+                  <a:schemeClr val="tx1"/>
+                </a:solidFill>
+                <a:effectLst/>
+                <a:latin typeface="Consolas" panose="020B0609020204030204" pitchFamily="49" charset="0"/>
+              </a:rPr>
+              <a:t>_ledManual-&gt;</a:t>
+            </a:r>
+            <a:r>
+              <a:rPr lang="en-ID" sz="1200" dirty="0">
+                <a:solidFill>
+                  <a:schemeClr val="tx1"/>
+                </a:solidFill>
+                <a:latin typeface="Consolas" panose="020B0609020204030204" pitchFamily="49" charset="0"/>
+              </a:rPr>
+              <a:t>blink</a:t>
+            </a:r>
+            <a:r>
+              <a:rPr lang="en-ID" sz="1200" b="0" dirty="0">
+                <a:solidFill>
+                  <a:schemeClr val="tx1"/>
+                </a:solidFill>
+                <a:effectLst/>
+                <a:latin typeface="Consolas" panose="020B0609020204030204" pitchFamily="49" charset="0"/>
+              </a:rPr>
+              <a:t>();</a:t>
+            </a:r>
+          </a:p>
+          <a:p>
+            <a:pPr algn="ctr"/>
+            <a:r>
+              <a:rPr lang="en-ID" sz="1200" b="0" dirty="0">
+                <a:solidFill>
+                  <a:schemeClr val="tx1"/>
+                </a:solidFill>
+                <a:effectLst/>
+                <a:latin typeface="Consolas" panose="020B0609020204030204" pitchFamily="49" charset="0"/>
+              </a:rPr>
+              <a:t>_ledReset-&gt;off();</a:t>
+            </a:r>
+            <a:endParaRPr lang="en-ID" sz="1200" dirty="0">
+              <a:solidFill>
+                <a:schemeClr val="tx1"/>
+              </a:solidFill>
+            </a:endParaRPr>
+          </a:p>
+        </p:txBody>
+      </p:sp>
+      <p:sp>
+        <p:nvSpPr>
+          <p:cNvPr id="49" name="Parallelogram 48">
+            <a:extLst>
+              <a:ext uri="{FF2B5EF4-FFF2-40B4-BE49-F238E27FC236}">
+                <a16:creationId xmlns:a16="http://schemas.microsoft.com/office/drawing/2014/main" id="{1587084F-B9B9-44A3-BC40-3CE42E1EC286}"/>
+              </a:ext>
+            </a:extLst>
+          </p:cNvPr>
+          <p:cNvSpPr/>
+          <p:nvPr/>
+        </p:nvSpPr>
+        <p:spPr>
+          <a:xfrm>
+            <a:off x="5141433" y="3776782"/>
+            <a:ext cx="2376263" cy="665550"/>
+          </a:xfrm>
+          <a:prstGeom prst="parallelogram">
+            <a:avLst/>
+          </a:prstGeom>
+          <a:noFill/>
+          <a:ln>
+            <a:solidFill>
+              <a:schemeClr val="tx1"/>
+            </a:solidFill>
+          </a:ln>
+        </p:spPr>
+        <p:style>
+          <a:lnRef idx="2">
+            <a:schemeClr val="accent1">
+              <a:shade val="50000"/>
+            </a:schemeClr>
+          </a:lnRef>
+          <a:fillRef idx="1">
+            <a:schemeClr val="accent1"/>
+          </a:fillRef>
+          <a:effectRef idx="0">
+            <a:schemeClr val="accent1"/>
+          </a:effectRef>
+          <a:fontRef idx="minor">
+            <a:schemeClr val="lt1"/>
+          </a:fontRef>
+        </p:style>
+        <p:txBody>
+          <a:bodyPr rtlCol="0" anchor="ctr"/>
+          <a:lstStyle/>
+          <a:p>
+            <a:pPr algn="ctr"/>
+            <a:r>
+              <a:rPr lang="en-ID" sz="1200" b="0" dirty="0">
+                <a:solidFill>
+                  <a:schemeClr val="tx1"/>
+                </a:solidFill>
+                <a:effectLst/>
+                <a:latin typeface="Consolas" panose="020B0609020204030204" pitchFamily="49" charset="0"/>
+              </a:rPr>
+              <a:t>_ledAuto-&gt;off();</a:t>
+            </a:r>
+          </a:p>
+          <a:p>
+            <a:pPr algn="ctr"/>
+            <a:r>
+              <a:rPr lang="en-ID" sz="1200" b="0" dirty="0">
+                <a:solidFill>
+                  <a:schemeClr val="tx1"/>
+                </a:solidFill>
+                <a:effectLst/>
+                <a:latin typeface="Consolas" panose="020B0609020204030204" pitchFamily="49" charset="0"/>
+              </a:rPr>
+              <a:t>_ledManual-&gt;off();</a:t>
+            </a:r>
+          </a:p>
+          <a:p>
+            <a:pPr algn="ctr"/>
+            <a:r>
+              <a:rPr lang="en-ID" sz="1200" b="0" dirty="0">
+                <a:solidFill>
+                  <a:schemeClr val="tx1"/>
+                </a:solidFill>
+                <a:effectLst/>
+                <a:latin typeface="Consolas" panose="020B0609020204030204" pitchFamily="49" charset="0"/>
+              </a:rPr>
+              <a:t>_ledReset-&gt;blink();</a:t>
+            </a:r>
+            <a:endParaRPr lang="en-ID" sz="1200" dirty="0">
+              <a:solidFill>
+                <a:schemeClr val="tx1"/>
+              </a:solidFill>
+            </a:endParaRPr>
+          </a:p>
+        </p:txBody>
+      </p:sp>
+      <p:sp>
+        <p:nvSpPr>
+          <p:cNvPr id="51" name="Flowchart: Decision 50">
+            <a:extLst>
+              <a:ext uri="{FF2B5EF4-FFF2-40B4-BE49-F238E27FC236}">
+                <a16:creationId xmlns:a16="http://schemas.microsoft.com/office/drawing/2014/main" id="{B9F0B513-1753-4C6E-83FC-923D7287FD68}"/>
+              </a:ext>
+            </a:extLst>
+          </p:cNvPr>
+          <p:cNvSpPr/>
+          <p:nvPr/>
+        </p:nvSpPr>
+        <p:spPr>
+          <a:xfrm>
+            <a:off x="2339751" y="2438041"/>
+            <a:ext cx="2232248" cy="839830"/>
+          </a:xfrm>
+          <a:prstGeom prst="flowChartDecision">
+            <a:avLst/>
+          </a:prstGeom>
+          <a:noFill/>
+          <a:ln w="19050">
+            <a:solidFill>
+              <a:schemeClr val="tx1"/>
+            </a:solidFill>
+          </a:ln>
+        </p:spPr>
+        <p:style>
+          <a:lnRef idx="2">
+            <a:schemeClr val="accent1">
+              <a:shade val="50000"/>
+            </a:schemeClr>
+          </a:lnRef>
+          <a:fillRef idx="1">
+            <a:schemeClr val="accent1"/>
+          </a:fillRef>
+          <a:effectRef idx="0">
+            <a:schemeClr val="accent1"/>
+          </a:effectRef>
+          <a:fontRef idx="minor">
+            <a:schemeClr val="lt1"/>
+          </a:fontRef>
+        </p:style>
+        <p:txBody>
+          <a:bodyPr rtlCol="0" anchor="ctr"/>
+          <a:lstStyle/>
+          <a:p>
+            <a:pPr algn="ctr"/>
+            <a:r>
+              <a:rPr lang="en-US" sz="1400" dirty="0">
+                <a:solidFill>
+                  <a:schemeClr val="tx1"/>
+                </a:solidFill>
+              </a:rPr>
+              <a:t>S</a:t>
+            </a:r>
+            <a:r>
+              <a:rPr lang="en-ID" sz="1400" dirty="0">
+                <a:solidFill>
+                  <a:schemeClr val="tx1"/>
+                </a:solidFill>
+              </a:rPr>
+              <a:t>tate = </a:t>
+            </a:r>
+            <a:r>
+              <a:rPr lang="en-ID" sz="1400" b="0" dirty="0">
+                <a:solidFill>
+                  <a:schemeClr val="tx1"/>
+                </a:solidFill>
+                <a:effectLst/>
+                <a:latin typeface="Consolas" panose="020B0609020204030204" pitchFamily="49" charset="0"/>
+              </a:rPr>
+              <a:t>MODE_MANUAL_ON</a:t>
+            </a:r>
+          </a:p>
+        </p:txBody>
+      </p:sp>
+      <p:cxnSp>
+        <p:nvCxnSpPr>
+          <p:cNvPr id="53" name="Straight Arrow Connector 52">
+            <a:extLst>
+              <a:ext uri="{FF2B5EF4-FFF2-40B4-BE49-F238E27FC236}">
+                <a16:creationId xmlns:a16="http://schemas.microsoft.com/office/drawing/2014/main" id="{61DEFA58-0C74-437E-8E40-73DFC9335141}"/>
+              </a:ext>
+            </a:extLst>
+          </p:cNvPr>
+          <p:cNvCxnSpPr>
+            <a:cxnSpLocks/>
+            <a:stCxn id="51" idx="3"/>
+            <a:endCxn id="56" idx="5"/>
+          </p:cNvCxnSpPr>
+          <p:nvPr/>
+        </p:nvCxnSpPr>
+        <p:spPr>
+          <a:xfrm flipV="1">
+            <a:off x="4571999" y="2856515"/>
+            <a:ext cx="735822" cy="1441"/>
+          </a:xfrm>
+          <a:prstGeom prst="straightConnector1">
+            <a:avLst/>
+          </a:prstGeom>
+          <a:ln w="19050">
+            <a:solidFill>
+              <a:srgbClr val="003300"/>
+            </a:solidFill>
+            <a:tailEnd type="arrow"/>
+          </a:ln>
+        </p:spPr>
+        <p:style>
+          <a:lnRef idx="1">
+            <a:schemeClr val="accent1"/>
+          </a:lnRef>
+          <a:fillRef idx="0">
+            <a:schemeClr val="accent1"/>
+          </a:fillRef>
+          <a:effectRef idx="0">
+            <a:schemeClr val="accent1"/>
+          </a:effectRef>
+          <a:fontRef idx="minor">
+            <a:schemeClr val="tx1"/>
+          </a:fontRef>
+        </p:style>
+      </p:cxnSp>
+      <p:sp>
+        <p:nvSpPr>
+          <p:cNvPr id="56" name="Parallelogram 55">
+            <a:extLst>
+              <a:ext uri="{FF2B5EF4-FFF2-40B4-BE49-F238E27FC236}">
+                <a16:creationId xmlns:a16="http://schemas.microsoft.com/office/drawing/2014/main" id="{41E451C8-3471-431C-B94A-810699905F41}"/>
+              </a:ext>
+            </a:extLst>
+          </p:cNvPr>
+          <p:cNvSpPr/>
+          <p:nvPr/>
+        </p:nvSpPr>
+        <p:spPr>
+          <a:xfrm>
+            <a:off x="5224627" y="2523740"/>
+            <a:ext cx="2439974" cy="665550"/>
+          </a:xfrm>
+          <a:prstGeom prst="parallelogram">
+            <a:avLst/>
+          </a:prstGeom>
+          <a:noFill/>
+          <a:ln>
+            <a:solidFill>
+              <a:schemeClr val="tx1"/>
+            </a:solidFill>
+          </a:ln>
+        </p:spPr>
+        <p:style>
+          <a:lnRef idx="2">
+            <a:schemeClr val="accent1">
+              <a:shade val="50000"/>
+            </a:schemeClr>
+          </a:lnRef>
+          <a:fillRef idx="1">
+            <a:schemeClr val="accent1"/>
+          </a:fillRef>
+          <a:effectRef idx="0">
+            <a:schemeClr val="accent1"/>
+          </a:effectRef>
+          <a:fontRef idx="minor">
+            <a:schemeClr val="lt1"/>
+          </a:fontRef>
+        </p:style>
+        <p:txBody>
+          <a:bodyPr rtlCol="0" anchor="ctr"/>
+          <a:lstStyle/>
+          <a:p>
+            <a:pPr algn="ctr"/>
+            <a:r>
+              <a:rPr lang="en-ID" sz="1200" b="0" dirty="0">
+                <a:solidFill>
+                  <a:schemeClr val="tx1"/>
+                </a:solidFill>
+                <a:effectLst/>
+                <a:latin typeface="Consolas" panose="020B0609020204030204" pitchFamily="49" charset="0"/>
+              </a:rPr>
+              <a:t>_ledAuto-&gt;off();</a:t>
+            </a:r>
+          </a:p>
+          <a:p>
+            <a:pPr algn="ctr"/>
+            <a:r>
+              <a:rPr lang="en-ID" sz="1200" b="0" dirty="0">
+                <a:solidFill>
+                  <a:schemeClr val="tx1"/>
+                </a:solidFill>
+                <a:effectLst/>
+                <a:latin typeface="Consolas" panose="020B0609020204030204" pitchFamily="49" charset="0"/>
+              </a:rPr>
+              <a:t>_ledManual-&gt;blink();</a:t>
+            </a:r>
+          </a:p>
+          <a:p>
+            <a:pPr algn="ctr"/>
+            <a:r>
+              <a:rPr lang="en-ID" sz="1200" b="0" dirty="0">
+                <a:solidFill>
+                  <a:schemeClr val="tx1"/>
+                </a:solidFill>
+                <a:effectLst/>
+                <a:latin typeface="Consolas" panose="020B0609020204030204" pitchFamily="49" charset="0"/>
+              </a:rPr>
+              <a:t>_ledReset-&gt;off();</a:t>
+            </a:r>
+            <a:endParaRPr lang="en-ID" sz="1200" dirty="0">
+              <a:solidFill>
+                <a:schemeClr val="tx1"/>
+              </a:solidFill>
+            </a:endParaRPr>
+          </a:p>
+        </p:txBody>
+      </p:sp>
+      <p:cxnSp>
+        <p:nvCxnSpPr>
+          <p:cNvPr id="57" name="Straight Arrow Connector 56">
+            <a:extLst>
+              <a:ext uri="{FF2B5EF4-FFF2-40B4-BE49-F238E27FC236}">
+                <a16:creationId xmlns:a16="http://schemas.microsoft.com/office/drawing/2014/main" id="{75F0014E-924B-400F-8102-43219F932A6A}"/>
+              </a:ext>
+            </a:extLst>
+          </p:cNvPr>
+          <p:cNvCxnSpPr>
+            <a:cxnSpLocks/>
+            <a:stCxn id="51" idx="2"/>
+            <a:endCxn id="5" idx="0"/>
+          </p:cNvCxnSpPr>
+          <p:nvPr/>
+        </p:nvCxnSpPr>
+        <p:spPr>
+          <a:xfrm>
+            <a:off x="3455875" y="3277871"/>
+            <a:ext cx="2480" cy="413574"/>
+          </a:xfrm>
+          <a:prstGeom prst="straightConnector1">
+            <a:avLst/>
+          </a:prstGeom>
+          <a:ln w="19050">
+            <a:tailEnd type="triangle"/>
+          </a:ln>
+        </p:spPr>
+        <p:style>
+          <a:lnRef idx="1">
+            <a:schemeClr val="dk1"/>
+          </a:lnRef>
+          <a:fillRef idx="0">
+            <a:schemeClr val="dk1"/>
+          </a:fillRef>
+          <a:effectRef idx="0">
+            <a:schemeClr val="dk1"/>
+          </a:effectRef>
+          <a:fontRef idx="minor">
+            <a:schemeClr val="tx1"/>
+          </a:fontRef>
+        </p:style>
+      </p:cxnSp>
+      <p:sp>
+        <p:nvSpPr>
+          <p:cNvPr id="58" name="Flowchart: Off-page Connector 57">
+            <a:extLst>
+              <a:ext uri="{FF2B5EF4-FFF2-40B4-BE49-F238E27FC236}">
+                <a16:creationId xmlns:a16="http://schemas.microsoft.com/office/drawing/2014/main" id="{C46016D0-01FF-4B78-BF4E-71C72D9CFD43}"/>
+              </a:ext>
+            </a:extLst>
+          </p:cNvPr>
+          <p:cNvSpPr/>
+          <p:nvPr/>
+        </p:nvSpPr>
+        <p:spPr>
+          <a:xfrm>
+            <a:off x="3249063" y="1495513"/>
+            <a:ext cx="413625" cy="367434"/>
+          </a:xfrm>
+          <a:prstGeom prst="flowChartOffpageConnector">
+            <a:avLst/>
+          </a:prstGeom>
+          <a:noFill/>
+          <a:ln>
+            <a:solidFill>
+              <a:schemeClr val="tx1"/>
+            </a:solidFill>
+          </a:ln>
+        </p:spPr>
+        <p:style>
+          <a:lnRef idx="2">
+            <a:schemeClr val="accent1">
+              <a:shade val="50000"/>
+            </a:schemeClr>
+          </a:lnRef>
+          <a:fillRef idx="1">
+            <a:schemeClr val="accent1"/>
+          </a:fillRef>
+          <a:effectRef idx="0">
+            <a:schemeClr val="accent1"/>
+          </a:effectRef>
+          <a:fontRef idx="minor">
+            <a:schemeClr val="lt1"/>
+          </a:fontRef>
+        </p:style>
+        <p:txBody>
+          <a:bodyPr rtlCol="0" anchor="ctr"/>
+          <a:lstStyle/>
+          <a:p>
+            <a:pPr algn="ctr"/>
+            <a:r>
+              <a:rPr lang="en-ID" b="1" dirty="0">
+                <a:solidFill>
+                  <a:schemeClr val="tx1"/>
+                </a:solidFill>
+              </a:rPr>
+              <a:t>4</a:t>
+            </a:r>
+            <a:endParaRPr lang="en-US" b="1" dirty="0">
+              <a:solidFill>
+                <a:schemeClr val="tx1"/>
+              </a:solidFill>
+            </a:endParaRPr>
+          </a:p>
+        </p:txBody>
+      </p:sp>
+      <p:cxnSp>
+        <p:nvCxnSpPr>
+          <p:cNvPr id="59" name="Straight Arrow Connector 58">
+            <a:extLst>
+              <a:ext uri="{FF2B5EF4-FFF2-40B4-BE49-F238E27FC236}">
+                <a16:creationId xmlns:a16="http://schemas.microsoft.com/office/drawing/2014/main" id="{D7DD151F-5BC4-489D-9A92-9C4358D3B938}"/>
+              </a:ext>
+            </a:extLst>
+          </p:cNvPr>
+          <p:cNvCxnSpPr>
+            <a:cxnSpLocks/>
+            <a:stCxn id="58" idx="2"/>
+            <a:endCxn id="51" idx="0"/>
+          </p:cNvCxnSpPr>
+          <p:nvPr/>
+        </p:nvCxnSpPr>
+        <p:spPr>
+          <a:xfrm flipH="1">
+            <a:off x="3455875" y="1862947"/>
+            <a:ext cx="1" cy="575094"/>
+          </a:xfrm>
+          <a:prstGeom prst="straightConnector1">
+            <a:avLst/>
+          </a:prstGeom>
+          <a:ln w="19050">
+            <a:tailEnd type="triangle"/>
+          </a:ln>
+        </p:spPr>
+        <p:style>
+          <a:lnRef idx="1">
+            <a:schemeClr val="dk1"/>
+          </a:lnRef>
+          <a:fillRef idx="0">
+            <a:schemeClr val="dk1"/>
+          </a:fillRef>
+          <a:effectRef idx="0">
+            <a:schemeClr val="dk1"/>
+          </a:effectRef>
+          <a:fontRef idx="minor">
+            <a:schemeClr val="tx1"/>
+          </a:fontRef>
+        </p:style>
+      </p:cxnSp>
+    </p:spTree>
+    <p:extLst>
+      <p:ext uri="{BB962C8B-B14F-4D97-AF65-F5344CB8AC3E}">
+        <p14:creationId xmlns:p14="http://schemas.microsoft.com/office/powerpoint/2010/main" val="4185988706"/>
+      </p:ext>
+    </p:extLst>
+  </p:cSld>
+  <p:clrMapOvr>
+    <a:masterClrMapping/>
+  </p:clrMapOvr>
+</p:sld>
+</file>
+
+<file path=ppt/slides/slide13.xml><?xml version="1.0" encoding="utf-8"?>
+<p:sld xmlns:a="http://schemas.openxmlformats.org/drawingml/2006/main" xmlns:r="http://schemas.openxmlformats.org/officeDocument/2006/relationships" xmlns:p="http://schemas.openxmlformats.org/presentationml/2006/main">
+  <p:cSld>
+    <p:spTree>
+      <p:nvGrpSpPr>
+        <p:cNvPr id="1" name=""/>
+        <p:cNvGrpSpPr/>
+        <p:nvPr/>
+      </p:nvGrpSpPr>
+      <p:grpSpPr>
+        <a:xfrm>
+          <a:off x="0" y="0"/>
+          <a:ext cx="0" cy="0"/>
+          <a:chOff x="0" y="0"/>
+          <a:chExt cx="0" cy="0"/>
+        </a:xfrm>
+      </p:grpSpPr>
+      <p:sp>
+        <p:nvSpPr>
+          <p:cNvPr id="4" name="Rectangle 3"/>
+          <p:cNvSpPr/>
+          <p:nvPr/>
+        </p:nvSpPr>
+        <p:spPr>
+          <a:xfrm>
+            <a:off x="3952060" y="683534"/>
+            <a:ext cx="1703800" cy="307777"/>
+          </a:xfrm>
+          <a:prstGeom prst="rect">
+            <a:avLst/>
+          </a:prstGeom>
+        </p:spPr>
+        <p:txBody>
+          <a:bodyPr wrap="none">
+            <a:spAutoFit/>
+          </a:bodyPr>
+          <a:lstStyle/>
+          <a:p>
+            <a:pPr algn="ctr"/>
+            <a:r>
+              <a:rPr lang="en-ID" sz="1400" dirty="0"/>
+              <a:t>File : aLocalPanel.ino</a:t>
+            </a:r>
+            <a:endParaRPr lang="en-US" sz="1400" dirty="0"/>
+          </a:p>
+        </p:txBody>
+      </p:sp>
+      <p:sp>
+        <p:nvSpPr>
+          <p:cNvPr id="5" name="Flowchart: Decision 4"/>
+          <p:cNvSpPr/>
+          <p:nvPr/>
+        </p:nvSpPr>
+        <p:spPr>
+          <a:xfrm>
+            <a:off x="746569" y="1906767"/>
+            <a:ext cx="2232248" cy="839830"/>
+          </a:xfrm>
+          <a:prstGeom prst="flowChartDecision">
+            <a:avLst/>
+          </a:prstGeom>
+          <a:noFill/>
+          <a:ln w="19050">
+            <a:solidFill>
+              <a:schemeClr val="tx1"/>
+            </a:solidFill>
+          </a:ln>
+        </p:spPr>
+        <p:style>
+          <a:lnRef idx="2">
+            <a:schemeClr val="accent1">
+              <a:shade val="50000"/>
+            </a:schemeClr>
+          </a:lnRef>
+          <a:fillRef idx="1">
+            <a:schemeClr val="accent1"/>
+          </a:fillRef>
+          <a:effectRef idx="0">
+            <a:schemeClr val="accent1"/>
+          </a:effectRef>
+          <a:fontRef idx="minor">
+            <a:schemeClr val="lt1"/>
+          </a:fontRef>
+        </p:style>
+        <p:txBody>
+          <a:bodyPr rtlCol="0" anchor="ctr"/>
+          <a:lstStyle/>
+          <a:p>
+            <a:pPr algn="ctr"/>
+            <a:r>
+              <a:rPr lang="en-US" sz="1400" dirty="0">
+                <a:solidFill>
+                  <a:schemeClr val="tx1"/>
+                </a:solidFill>
+              </a:rPr>
+              <a:t>S</a:t>
+            </a:r>
+            <a:r>
+              <a:rPr lang="en-ID" sz="1400" dirty="0">
+                <a:solidFill>
+                  <a:schemeClr val="tx1"/>
+                </a:solidFill>
+              </a:rPr>
+              <a:t>tate = </a:t>
+            </a:r>
+            <a:r>
+              <a:rPr lang="en-ID" sz="1400" b="0" dirty="0">
+                <a:solidFill>
+                  <a:schemeClr val="tx1"/>
+                </a:solidFill>
+                <a:effectLst/>
+                <a:latin typeface="Consolas" panose="020B0609020204030204" pitchFamily="49" charset="0"/>
+              </a:rPr>
+              <a:t>MODE_TEST</a:t>
+            </a:r>
+          </a:p>
+        </p:txBody>
+      </p:sp>
+      <p:sp>
+        <p:nvSpPr>
+          <p:cNvPr id="7" name="TextBox 6"/>
+          <p:cNvSpPr txBox="1"/>
+          <p:nvPr/>
+        </p:nvSpPr>
+        <p:spPr>
+          <a:xfrm>
+            <a:off x="2923458" y="1992104"/>
+            <a:ext cx="296876" cy="369332"/>
+          </a:xfrm>
+          <a:prstGeom prst="rect">
+            <a:avLst/>
+          </a:prstGeom>
+          <a:noFill/>
+          <a:ln w="19050">
+            <a:noFill/>
+          </a:ln>
+        </p:spPr>
+        <p:txBody>
+          <a:bodyPr wrap="none" rtlCol="0">
+            <a:spAutoFit/>
+          </a:bodyPr>
+          <a:lstStyle/>
+          <a:p>
+            <a:r>
+              <a:rPr lang="en-ID" dirty="0"/>
+              <a:t>Y</a:t>
+            </a:r>
+            <a:endParaRPr lang="en-US" dirty="0"/>
+          </a:p>
+        </p:txBody>
+      </p:sp>
+      <p:cxnSp>
+        <p:nvCxnSpPr>
+          <p:cNvPr id="42" name="Straight Arrow Connector 41"/>
+          <p:cNvCxnSpPr>
+            <a:cxnSpLocks/>
+            <a:stCxn id="5" idx="3"/>
+            <a:endCxn id="26" idx="5"/>
+          </p:cNvCxnSpPr>
+          <p:nvPr/>
+        </p:nvCxnSpPr>
+        <p:spPr>
+          <a:xfrm flipV="1">
+            <a:off x="2978817" y="2324105"/>
+            <a:ext cx="571868" cy="2577"/>
           </a:xfrm>
           <a:prstGeom prst="straightConnector1">
             <a:avLst/>
@@ -11760,50 +12278,6 @@
           </a:fontRef>
         </p:style>
       </p:cxnSp>
-      <p:sp>
-        <p:nvSpPr>
-          <p:cNvPr id="53" name="TextBox 52">
-            <a:extLst>
-              <a:ext uri="{FF2B5EF4-FFF2-40B4-BE49-F238E27FC236}">
-                <a16:creationId xmlns:a16="http://schemas.microsoft.com/office/drawing/2014/main" id="{92B6985B-E3A7-4FA0-92FF-33D24010ECA0}"/>
-              </a:ext>
-            </a:extLst>
-          </p:cNvPr>
-          <p:cNvSpPr txBox="1"/>
-          <p:nvPr/>
-        </p:nvSpPr>
-        <p:spPr>
-          <a:xfrm>
-            <a:off x="3292168" y="4730121"/>
-            <a:ext cx="2647445" cy="307777"/>
-          </a:xfrm>
-          <a:prstGeom prst="rect">
-            <a:avLst/>
-          </a:prstGeom>
-          <a:noFill/>
-          <a:ln w="19050">
-            <a:solidFill>
-              <a:schemeClr val="tx1"/>
-            </a:solidFill>
-          </a:ln>
-        </p:spPr>
-        <p:txBody>
-          <a:bodyPr wrap="square" rtlCol="0">
-            <a:spAutoFit/>
-          </a:bodyPr>
-          <a:lstStyle/>
-          <a:p>
-            <a:pPr algn="ctr"/>
-            <a:r>
-              <a:rPr lang="en-ID" sz="1400" b="0" dirty="0">
-                <a:effectLst/>
-                <a:latin typeface="Consolas" panose="020B0609020204030204" pitchFamily="49" charset="0"/>
-              </a:rPr>
-              <a:t>_solenoidValve-&gt;off();</a:t>
-            </a:r>
-          </a:p>
-        </p:txBody>
-      </p:sp>
       <p:cxnSp>
         <p:nvCxnSpPr>
           <p:cNvPr id="54" name="Straight Arrow Connector 53">
@@ -11816,7 +12290,6 @@
           <p:cNvCxnSpPr>
             <a:cxnSpLocks/>
             <a:stCxn id="46" idx="3"/>
-            <a:endCxn id="53" idx="1"/>
           </p:cNvCxnSpPr>
           <p:nvPr/>
         </p:nvCxnSpPr>
@@ -11954,7 +12427,7 @@
         <p:spPr>
           <a:xfrm>
             <a:off x="1870989" y="5303159"/>
-            <a:ext cx="0" cy="445947"/>
+            <a:ext cx="0" cy="488145"/>
           </a:xfrm>
           <a:prstGeom prst="straightConnector1">
             <a:avLst/>
@@ -12063,50 +12536,6 @@
           </a:p>
         </p:txBody>
       </p:sp>
-      <p:sp>
-        <p:nvSpPr>
-          <p:cNvPr id="39" name="TextBox 38">
-            <a:extLst>
-              <a:ext uri="{FF2B5EF4-FFF2-40B4-BE49-F238E27FC236}">
-                <a16:creationId xmlns:a16="http://schemas.microsoft.com/office/drawing/2014/main" id="{A3DBBD2A-612E-4F10-B838-1E5362BF3CF9}"/>
-              </a:ext>
-            </a:extLst>
-          </p:cNvPr>
-          <p:cNvSpPr txBox="1"/>
-          <p:nvPr/>
-        </p:nvSpPr>
-        <p:spPr>
-          <a:xfrm>
-            <a:off x="5956639" y="3217187"/>
-            <a:ext cx="2672591" cy="307777"/>
-          </a:xfrm>
-          <a:prstGeom prst="rect">
-            <a:avLst/>
-          </a:prstGeom>
-          <a:noFill/>
-          <a:ln w="19050">
-            <a:solidFill>
-              <a:schemeClr val="tx1"/>
-            </a:solidFill>
-          </a:ln>
-        </p:spPr>
-        <p:txBody>
-          <a:bodyPr wrap="square" rtlCol="0">
-            <a:spAutoFit/>
-          </a:bodyPr>
-          <a:lstStyle/>
-          <a:p>
-            <a:pPr algn="ctr"/>
-            <a:r>
-              <a:rPr lang="en-ID" sz="1400" b="0" dirty="0">
-                <a:effectLst/>
-                <a:latin typeface="Consolas" panose="020B0609020204030204" pitchFamily="49" charset="0"/>
-              </a:rPr>
-              <a:t>_solenoidValve-&gt;on();</a:t>
-            </a:r>
-          </a:p>
-        </p:txBody>
-      </p:sp>
       <p:cxnSp>
         <p:nvCxnSpPr>
           <p:cNvPr id="40" name="Straight Arrow Connector 39">
@@ -12119,14 +12548,14 @@
           <p:cNvCxnSpPr>
             <a:cxnSpLocks/>
             <a:stCxn id="38" idx="3"/>
-            <a:endCxn id="39" idx="1"/>
+            <a:endCxn id="29" idx="5"/>
           </p:cNvCxnSpPr>
           <p:nvPr/>
         </p:nvCxnSpPr>
         <p:spPr>
           <a:xfrm>
             <a:off x="5655860" y="3371076"/>
-            <a:ext cx="300779" cy="0"/>
+            <a:ext cx="360895" cy="0"/>
           </a:xfrm>
           <a:prstGeom prst="straightConnector1">
             <a:avLst/>
@@ -12153,50 +12582,6 @@
           </a:fontRef>
         </p:style>
       </p:cxnSp>
-      <p:sp>
-        <p:nvSpPr>
-          <p:cNvPr id="48" name="TextBox 47">
-            <a:extLst>
-              <a:ext uri="{FF2B5EF4-FFF2-40B4-BE49-F238E27FC236}">
-                <a16:creationId xmlns:a16="http://schemas.microsoft.com/office/drawing/2014/main" id="{93517E20-A695-495E-A440-0D6441063470}"/>
-              </a:ext>
-            </a:extLst>
-          </p:cNvPr>
-          <p:cNvSpPr txBox="1"/>
-          <p:nvPr/>
-        </p:nvSpPr>
-        <p:spPr>
-          <a:xfrm>
-            <a:off x="3279596" y="4050599"/>
-            <a:ext cx="2672591" cy="307777"/>
-          </a:xfrm>
-          <a:prstGeom prst="rect">
-            <a:avLst/>
-          </a:prstGeom>
-          <a:noFill/>
-          <a:ln w="19050">
-            <a:solidFill>
-              <a:schemeClr val="tx1"/>
-            </a:solidFill>
-          </a:ln>
-        </p:spPr>
-        <p:txBody>
-          <a:bodyPr wrap="square" rtlCol="0">
-            <a:spAutoFit/>
-          </a:bodyPr>
-          <a:lstStyle/>
-          <a:p>
-            <a:pPr algn="ctr"/>
-            <a:r>
-              <a:rPr lang="en-ID" sz="1400" b="0" dirty="0">
-                <a:effectLst/>
-                <a:latin typeface="Consolas" panose="020B0609020204030204" pitchFamily="49" charset="0"/>
-              </a:rPr>
-              <a:t>_solenoidValve-&gt;off();</a:t>
-            </a:r>
-          </a:p>
-        </p:txBody>
-      </p:sp>
       <p:cxnSp>
         <p:nvCxnSpPr>
           <p:cNvPr id="18" name="Connector: Elbow 17">
@@ -12207,15 +12592,16 @@
             </a:extLst>
           </p:cNvPr>
           <p:cNvCxnSpPr>
+            <a:cxnSpLocks/>
             <a:stCxn id="38" idx="2"/>
-            <a:endCxn id="48" idx="0"/>
+            <a:endCxn id="32" idx="0"/>
           </p:cNvCxnSpPr>
           <p:nvPr/>
         </p:nvCxnSpPr>
         <p:spPr>
           <a:xfrm rot="16200000" flipH="1">
-            <a:off x="4412006" y="3846713"/>
-            <a:ext cx="259608" cy="148164"/>
+            <a:off x="4439725" y="3818994"/>
+            <a:ext cx="392238" cy="336232"/>
           </a:xfrm>
           <a:prstGeom prst="bentConnector3">
             <a:avLst/>
@@ -12253,8 +12639,8 @@
         </p:nvSpPr>
         <p:spPr>
           <a:xfrm>
-            <a:off x="1564665" y="5749106"/>
-            <a:ext cx="612648" cy="612648"/>
+            <a:off x="1664176" y="5791304"/>
+            <a:ext cx="413625" cy="344190"/>
           </a:xfrm>
           <a:prstGeom prst="flowChartOffpageConnector">
             <a:avLst/>
@@ -12288,18 +12674,13 @@
           <a:p>
             <a:pPr algn="ctr"/>
             <a:r>
-              <a:rPr lang="en-ID" b="1" dirty="0">
+              <a:rPr lang="en-US" b="1" dirty="0">
                 <a:solidFill>
                   <a:schemeClr val="tx1"/>
                 </a:solidFill>
               </a:rPr>
-              <a:t>4</a:t>
-            </a:r>
-            <a:endParaRPr lang="en-US" b="1" dirty="0">
-              <a:solidFill>
-                <a:schemeClr val="tx1"/>
-              </a:solidFill>
-            </a:endParaRPr>
+              <a:t>5</a:t>
+            </a:r>
           </a:p>
         </p:txBody>
       </p:sp>
@@ -12428,6 +12809,250 @@
           </a:p>
         </p:txBody>
       </p:sp>
+      <p:sp>
+        <p:nvSpPr>
+          <p:cNvPr id="26" name="Parallelogram 25">
+            <a:extLst>
+              <a:ext uri="{FF2B5EF4-FFF2-40B4-BE49-F238E27FC236}">
+                <a16:creationId xmlns:a16="http://schemas.microsoft.com/office/drawing/2014/main" id="{6CDC44F3-DDF2-4530-9DE4-A1C4A4C58672}"/>
+              </a:ext>
+            </a:extLst>
+          </p:cNvPr>
+          <p:cNvSpPr/>
+          <p:nvPr/>
+        </p:nvSpPr>
+        <p:spPr>
+          <a:xfrm>
+            <a:off x="3512213" y="2170216"/>
+            <a:ext cx="2232248" cy="307777"/>
+          </a:xfrm>
+          <a:prstGeom prst="parallelogram">
+            <a:avLst/>
+          </a:prstGeom>
+          <a:noFill/>
+          <a:ln>
+            <a:solidFill>
+              <a:schemeClr val="tx1"/>
+            </a:solidFill>
+          </a:ln>
+        </p:spPr>
+        <p:style>
+          <a:lnRef idx="2">
+            <a:schemeClr val="accent1">
+              <a:shade val="50000"/>
+            </a:schemeClr>
+          </a:lnRef>
+          <a:fillRef idx="1">
+            <a:schemeClr val="accent1"/>
+          </a:fillRef>
+          <a:effectRef idx="0">
+            <a:schemeClr val="accent1"/>
+          </a:effectRef>
+          <a:fontRef idx="minor">
+            <a:schemeClr val="lt1"/>
+          </a:fontRef>
+        </p:style>
+        <p:txBody>
+          <a:bodyPr rtlCol="0" anchor="ctr"/>
+          <a:lstStyle/>
+          <a:p>
+            <a:pPr algn="ctr"/>
+            <a:r>
+              <a:rPr lang="en-ID" sz="1200" b="0" dirty="0">
+                <a:solidFill>
+                  <a:schemeClr val="tx1"/>
+                </a:solidFill>
+                <a:effectLst/>
+                <a:latin typeface="Consolas" panose="020B0609020204030204" pitchFamily="49" charset="0"/>
+              </a:rPr>
+              <a:t>_buzzer-&gt;on();</a:t>
+            </a:r>
+          </a:p>
+        </p:txBody>
+      </p:sp>
+      <p:sp>
+        <p:nvSpPr>
+          <p:cNvPr id="29" name="Parallelogram 28">
+            <a:extLst>
+              <a:ext uri="{FF2B5EF4-FFF2-40B4-BE49-F238E27FC236}">
+                <a16:creationId xmlns:a16="http://schemas.microsoft.com/office/drawing/2014/main" id="{38A89CF7-CB7E-48FC-AD38-22E2B7962516}"/>
+              </a:ext>
+            </a:extLst>
+          </p:cNvPr>
+          <p:cNvSpPr/>
+          <p:nvPr/>
+        </p:nvSpPr>
+        <p:spPr>
+          <a:xfrm>
+            <a:off x="5978283" y="3217187"/>
+            <a:ext cx="2672591" cy="307777"/>
+          </a:xfrm>
+          <a:prstGeom prst="parallelogram">
+            <a:avLst/>
+          </a:prstGeom>
+          <a:noFill/>
+          <a:ln>
+            <a:solidFill>
+              <a:schemeClr val="tx1"/>
+            </a:solidFill>
+          </a:ln>
+        </p:spPr>
+        <p:style>
+          <a:lnRef idx="2">
+            <a:schemeClr val="accent1">
+              <a:shade val="50000"/>
+            </a:schemeClr>
+          </a:lnRef>
+          <a:fillRef idx="1">
+            <a:schemeClr val="accent1"/>
+          </a:fillRef>
+          <a:effectRef idx="0">
+            <a:schemeClr val="accent1"/>
+          </a:effectRef>
+          <a:fontRef idx="minor">
+            <a:schemeClr val="lt1"/>
+          </a:fontRef>
+        </p:style>
+        <p:txBody>
+          <a:bodyPr rtlCol="0" anchor="ctr"/>
+          <a:lstStyle/>
+          <a:p>
+            <a:pPr algn="ctr"/>
+            <a:r>
+              <a:rPr lang="en-ID" sz="1200" b="0" dirty="0">
+                <a:solidFill>
+                  <a:schemeClr val="tx1"/>
+                </a:solidFill>
+                <a:effectLst/>
+                <a:latin typeface="Consolas" panose="020B0609020204030204" pitchFamily="49" charset="0"/>
+              </a:rPr>
+              <a:t>_ solenoidValve- &gt;on();</a:t>
+            </a:r>
+          </a:p>
+        </p:txBody>
+      </p:sp>
+      <p:sp>
+        <p:nvSpPr>
+          <p:cNvPr id="32" name="Parallelogram 31">
+            <a:extLst>
+              <a:ext uri="{FF2B5EF4-FFF2-40B4-BE49-F238E27FC236}">
+                <a16:creationId xmlns:a16="http://schemas.microsoft.com/office/drawing/2014/main" id="{BEE49778-D32F-4A9B-85FD-1D2556E56C2F}"/>
+              </a:ext>
+            </a:extLst>
+          </p:cNvPr>
+          <p:cNvSpPr/>
+          <p:nvPr/>
+        </p:nvSpPr>
+        <p:spPr>
+          <a:xfrm>
+            <a:off x="3432408" y="4183229"/>
+            <a:ext cx="2743104" cy="307777"/>
+          </a:xfrm>
+          <a:prstGeom prst="parallelogram">
+            <a:avLst/>
+          </a:prstGeom>
+          <a:noFill/>
+          <a:ln>
+            <a:solidFill>
+              <a:schemeClr val="tx1"/>
+            </a:solidFill>
+          </a:ln>
+        </p:spPr>
+        <p:style>
+          <a:lnRef idx="2">
+            <a:schemeClr val="accent1">
+              <a:shade val="50000"/>
+            </a:schemeClr>
+          </a:lnRef>
+          <a:fillRef idx="1">
+            <a:schemeClr val="accent1"/>
+          </a:fillRef>
+          <a:effectRef idx="0">
+            <a:schemeClr val="accent1"/>
+          </a:effectRef>
+          <a:fontRef idx="minor">
+            <a:schemeClr val="lt1"/>
+          </a:fontRef>
+        </p:style>
+        <p:txBody>
+          <a:bodyPr rtlCol="0" anchor="ctr"/>
+          <a:lstStyle/>
+          <a:p>
+            <a:pPr algn="ctr"/>
+            <a:r>
+              <a:rPr lang="en-ID" sz="1200" b="0" dirty="0">
+                <a:solidFill>
+                  <a:schemeClr val="tx1"/>
+                </a:solidFill>
+                <a:effectLst/>
+                <a:latin typeface="Consolas" panose="020B0609020204030204" pitchFamily="49" charset="0"/>
+              </a:rPr>
+              <a:t>_ solenoidValve- &gt;off();</a:t>
+            </a:r>
+          </a:p>
+        </p:txBody>
+      </p:sp>
+      <p:sp>
+        <p:nvSpPr>
+          <p:cNvPr id="34" name="Parallelogram 33">
+            <a:extLst>
+              <a:ext uri="{FF2B5EF4-FFF2-40B4-BE49-F238E27FC236}">
+                <a16:creationId xmlns:a16="http://schemas.microsoft.com/office/drawing/2014/main" id="{694703D2-DC08-4F80-BD99-CC5984E5F128}"/>
+              </a:ext>
+            </a:extLst>
+          </p:cNvPr>
+          <p:cNvSpPr/>
+          <p:nvPr/>
+        </p:nvSpPr>
+        <p:spPr>
+          <a:xfrm>
+            <a:off x="3256353" y="4738430"/>
+            <a:ext cx="2743104" cy="307777"/>
+          </a:xfrm>
+          <a:prstGeom prst="parallelogram">
+            <a:avLst/>
+          </a:prstGeom>
+          <a:noFill/>
+          <a:ln>
+            <a:solidFill>
+              <a:schemeClr val="tx1"/>
+            </a:solidFill>
+          </a:ln>
+        </p:spPr>
+        <p:style>
+          <a:lnRef idx="2">
+            <a:schemeClr val="accent1">
+              <a:shade val="50000"/>
+            </a:schemeClr>
+          </a:lnRef>
+          <a:fillRef idx="1">
+            <a:schemeClr val="accent1"/>
+          </a:fillRef>
+          <a:effectRef idx="0">
+            <a:schemeClr val="accent1"/>
+          </a:effectRef>
+          <a:fontRef idx="minor">
+            <a:schemeClr val="lt1"/>
+          </a:fontRef>
+        </p:style>
+        <p:txBody>
+          <a:bodyPr rtlCol="0" anchor="ctr"/>
+          <a:lstStyle/>
+          <a:p>
+            <a:pPr algn="ctr"/>
+            <a:r>
+              <a:rPr lang="en-ID" sz="1200" b="0" dirty="0">
+                <a:solidFill>
+                  <a:schemeClr val="tx1"/>
+                </a:solidFill>
+                <a:effectLst/>
+                <a:latin typeface="Consolas" panose="020B0609020204030204" pitchFamily="49" charset="0"/>
+              </a:rPr>
+              <a:t>_ solenoidValve- &gt;off();</a:t>
+            </a:r>
+          </a:p>
+        </p:txBody>
+      </p:sp>
     </p:spTree>
     <p:extLst>
       <p:ext uri="{BB962C8B-B14F-4D97-AF65-F5344CB8AC3E}">
@@ -12441,7 +13066,7 @@
 </p:sld>
 </file>
 
-<file path=ppt/slides/slide13.xml><?xml version="1.0" encoding="utf-8"?>
+<file path=ppt/slides/slide14.xml><?xml version="1.0" encoding="utf-8"?>
 <p:sld xmlns:a="http://schemas.openxmlformats.org/drawingml/2006/main" xmlns:r="http://schemas.openxmlformats.org/officeDocument/2006/relationships" xmlns:p="http://schemas.openxmlformats.org/presentationml/2006/main">
   <p:cSld>
     <p:spTree>
@@ -12627,7 +13252,6 @@
           <p:cNvCxnSpPr>
             <a:cxnSpLocks/>
             <a:stCxn id="5" idx="3"/>
-            <a:endCxn id="73" idx="1"/>
           </p:cNvCxnSpPr>
           <p:nvPr/>
         </p:nvCxnSpPr>
@@ -12766,7 +13390,6 @@
           <p:cNvCxnSpPr>
             <a:cxnSpLocks/>
             <a:stCxn id="43" idx="3"/>
-            <a:endCxn id="39" idx="1"/>
           </p:cNvCxnSpPr>
           <p:nvPr/>
         </p:nvCxnSpPr>
@@ -12810,6 +13433,7 @@
             </a:extLst>
           </p:cNvPr>
           <p:cNvCxnSpPr>
+            <a:cxnSpLocks/>
             <a:stCxn id="5" idx="2"/>
             <a:endCxn id="43" idx="0"/>
           </p:cNvCxnSpPr>
@@ -12854,7 +13478,6 @@
           <p:cNvCxnSpPr>
             <a:cxnSpLocks/>
             <a:stCxn id="43" idx="2"/>
-            <a:endCxn id="74" idx="0"/>
           </p:cNvCxnSpPr>
           <p:nvPr/>
         </p:nvCxnSpPr>
@@ -12887,50 +13510,6 @@
       </p:cxnSp>
       <p:sp>
         <p:nvSpPr>
-          <p:cNvPr id="39" name="TextBox 38">
-            <a:extLst>
-              <a:ext uri="{FF2B5EF4-FFF2-40B4-BE49-F238E27FC236}">
-                <a16:creationId xmlns:a16="http://schemas.microsoft.com/office/drawing/2014/main" id="{A3DBBD2A-612E-4F10-B838-1E5362BF3CF9}"/>
-              </a:ext>
-            </a:extLst>
-          </p:cNvPr>
-          <p:cNvSpPr txBox="1"/>
-          <p:nvPr/>
-        </p:nvSpPr>
-        <p:spPr>
-          <a:xfrm>
-            <a:off x="5085951" y="4523708"/>
-            <a:ext cx="2634260" cy="307777"/>
-          </a:xfrm>
-          <a:prstGeom prst="rect">
-            <a:avLst/>
-          </a:prstGeom>
-          <a:noFill/>
-          <a:ln w="19050">
-            <a:solidFill>
-              <a:schemeClr val="tx1"/>
-            </a:solidFill>
-          </a:ln>
-        </p:spPr>
-        <p:txBody>
-          <a:bodyPr wrap="square" rtlCol="0">
-            <a:spAutoFit/>
-          </a:bodyPr>
-          <a:lstStyle/>
-          <a:p>
-            <a:pPr algn="ctr"/>
-            <a:r>
-              <a:rPr lang="en-ID" sz="1400" b="0" dirty="0">
-                <a:effectLst/>
-                <a:latin typeface="Consolas" panose="020B0609020204030204" pitchFamily="49" charset="0"/>
-              </a:rPr>
-              <a:t>_solenoidValve-&gt;off();</a:t>
-            </a:r>
-          </a:p>
-        </p:txBody>
-      </p:sp>
-      <p:sp>
-        <p:nvSpPr>
           <p:cNvPr id="71" name="Flowchart: Off-page Connector 70">
             <a:extLst>
               <a:ext uri="{FF2B5EF4-FFF2-40B4-BE49-F238E27FC236}">
@@ -12943,8 +13522,8 @@
         </p:nvSpPr>
         <p:spPr>
           <a:xfrm>
-            <a:off x="3198400" y="1075408"/>
-            <a:ext cx="612648" cy="612648"/>
+            <a:off x="3341788" y="1283600"/>
+            <a:ext cx="325871" cy="336554"/>
           </a:xfrm>
           <a:prstGeom prst="flowChartOffpageConnector">
             <a:avLst/>
@@ -12978,105 +13557,12 @@
           <a:p>
             <a:pPr algn="ctr"/>
             <a:r>
-              <a:rPr lang="en-ID" b="1" dirty="0">
+              <a:rPr lang="en-US" b="1" dirty="0">
                 <a:solidFill>
                   <a:schemeClr val="tx1"/>
                 </a:solidFill>
               </a:rPr>
-              <a:t>4</a:t>
-            </a:r>
-            <a:endParaRPr lang="en-US" b="1" dirty="0">
-              <a:solidFill>
-                <a:schemeClr val="tx1"/>
-              </a:solidFill>
-            </a:endParaRPr>
-          </a:p>
-        </p:txBody>
-      </p:sp>
-      <p:sp>
-        <p:nvSpPr>
-          <p:cNvPr id="73" name="TextBox 72">
-            <a:extLst>
-              <a:ext uri="{FF2B5EF4-FFF2-40B4-BE49-F238E27FC236}">
-                <a16:creationId xmlns:a16="http://schemas.microsoft.com/office/drawing/2014/main" id="{5F2B9C67-F65F-46FC-BFBA-5D4C5482F482}"/>
-              </a:ext>
-            </a:extLst>
-          </p:cNvPr>
-          <p:cNvSpPr txBox="1"/>
-          <p:nvPr/>
-        </p:nvSpPr>
-        <p:spPr>
-          <a:xfrm>
-            <a:off x="5089895" y="3376547"/>
-            <a:ext cx="2634260" cy="307777"/>
-          </a:xfrm>
-          <a:prstGeom prst="rect">
-            <a:avLst/>
-          </a:prstGeom>
-          <a:noFill/>
-          <a:ln w="19050">
-            <a:solidFill>
-              <a:schemeClr val="tx1"/>
-            </a:solidFill>
-          </a:ln>
-        </p:spPr>
-        <p:txBody>
-          <a:bodyPr wrap="square" rtlCol="0">
-            <a:spAutoFit/>
-          </a:bodyPr>
-          <a:lstStyle/>
-          <a:p>
-            <a:pPr algn="ctr"/>
-            <a:r>
-              <a:rPr lang="en-ID" sz="1400" b="0" dirty="0">
-                <a:effectLst/>
-                <a:latin typeface="Consolas" panose="020B0609020204030204" pitchFamily="49" charset="0"/>
-              </a:rPr>
-              <a:t>_solenoidValve-&gt;off();</a:t>
-            </a:r>
-          </a:p>
-        </p:txBody>
-      </p:sp>
-      <p:sp>
-        <p:nvSpPr>
-          <p:cNvPr id="74" name="TextBox 73">
-            <a:extLst>
-              <a:ext uri="{FF2B5EF4-FFF2-40B4-BE49-F238E27FC236}">
-                <a16:creationId xmlns:a16="http://schemas.microsoft.com/office/drawing/2014/main" id="{419D8471-85C8-493E-BD1B-D41ED5B87B47}"/>
-              </a:ext>
-            </a:extLst>
-          </p:cNvPr>
-          <p:cNvSpPr txBox="1"/>
-          <p:nvPr/>
-        </p:nvSpPr>
-        <p:spPr>
-          <a:xfrm>
-            <a:off x="2187594" y="5451924"/>
-            <a:ext cx="2634260" cy="307777"/>
-          </a:xfrm>
-          <a:prstGeom prst="rect">
-            <a:avLst/>
-          </a:prstGeom>
-          <a:noFill/>
-          <a:ln w="19050">
-            <a:solidFill>
-              <a:schemeClr val="tx1"/>
-            </a:solidFill>
-          </a:ln>
-        </p:spPr>
-        <p:txBody>
-          <a:bodyPr wrap="square" rtlCol="0">
-            <a:spAutoFit/>
-          </a:bodyPr>
-          <a:lstStyle/>
-          <a:p>
-            <a:pPr algn="ctr"/>
-            <a:r>
-              <a:rPr lang="en-ID" sz="1400" b="0" dirty="0">
-                <a:effectLst/>
-                <a:latin typeface="Consolas" panose="020B0609020204030204" pitchFamily="49" charset="0"/>
-              </a:rPr>
-              <a:t>_solenoidValve-&gt;off();</a:t>
+              <a:t>5</a:t>
             </a:r>
           </a:p>
         </p:txBody>
@@ -13170,7 +13656,6 @@
           <p:cNvCxnSpPr>
             <a:cxnSpLocks/>
             <a:stCxn id="84" idx="3"/>
-            <a:endCxn id="86" idx="1"/>
           </p:cNvCxnSpPr>
           <p:nvPr/>
         </p:nvCxnSpPr>
@@ -13204,50 +13689,6 @@
           </a:fontRef>
         </p:style>
       </p:cxnSp>
-      <p:sp>
-        <p:nvSpPr>
-          <p:cNvPr id="86" name="TextBox 85">
-            <a:extLst>
-              <a:ext uri="{FF2B5EF4-FFF2-40B4-BE49-F238E27FC236}">
-                <a16:creationId xmlns:a16="http://schemas.microsoft.com/office/drawing/2014/main" id="{2E30AD1B-92C5-489D-B7AA-A0B8B6B0EC60}"/>
-              </a:ext>
-            </a:extLst>
-          </p:cNvPr>
-          <p:cNvSpPr txBox="1"/>
-          <p:nvPr/>
-        </p:nvSpPr>
-        <p:spPr>
-          <a:xfrm>
-            <a:off x="4932040" y="2276872"/>
-            <a:ext cx="2647445" cy="307777"/>
-          </a:xfrm>
-          <a:prstGeom prst="rect">
-            <a:avLst/>
-          </a:prstGeom>
-          <a:noFill/>
-          <a:ln w="19050">
-            <a:solidFill>
-              <a:schemeClr val="tx1"/>
-            </a:solidFill>
-          </a:ln>
-        </p:spPr>
-        <p:txBody>
-          <a:bodyPr wrap="square" rtlCol="0">
-            <a:spAutoFit/>
-          </a:bodyPr>
-          <a:lstStyle/>
-          <a:p>
-            <a:pPr algn="ctr"/>
-            <a:r>
-              <a:rPr lang="en-ID" sz="1400" b="0" dirty="0">
-                <a:effectLst/>
-                <a:latin typeface="Consolas" panose="020B0609020204030204" pitchFamily="49" charset="0"/>
-              </a:rPr>
-              <a:t>_solenoidValve-&gt;on();</a:t>
-            </a:r>
-          </a:p>
-        </p:txBody>
-      </p:sp>
       <p:cxnSp>
         <p:nvCxnSpPr>
           <p:cNvPr id="88" name="Straight Arrow Connector 87">
@@ -13309,8 +13750,8 @@
         </p:nvCxnSpPr>
         <p:spPr>
           <a:xfrm>
-            <a:off x="3504724" y="1688056"/>
-            <a:ext cx="0" cy="322790"/>
+            <a:off x="3504724" y="1620154"/>
+            <a:ext cx="0" cy="390692"/>
           </a:xfrm>
           <a:prstGeom prst="straightConnector1">
             <a:avLst/>
@@ -13334,42 +13775,12 @@
           </a:fontRef>
         </p:style>
       </p:cxnSp>
-    </p:spTree>
-    <p:extLst>
-      <p:ext uri="{BB962C8B-B14F-4D97-AF65-F5344CB8AC3E}">
-        <p14:creationId xmlns:p14="http://schemas.microsoft.com/office/powerpoint/2010/main" val="586396323"/>
-      </p:ext>
-    </p:extLst>
-  </p:cSld>
-  <p:clrMapOvr>
-    <a:masterClrMapping/>
-  </p:clrMapOvr>
-</p:sld>
-</file>
-
-<file path=ppt/slides/slide14.xml><?xml version="1.0" encoding="utf-8"?>
-<p:sld xmlns:a="http://schemas.openxmlformats.org/drawingml/2006/main" xmlns:r="http://schemas.openxmlformats.org/officeDocument/2006/relationships" xmlns:p="http://schemas.openxmlformats.org/presentationml/2006/main">
-  <p:cSld>
-    <p:spTree>
-      <p:nvGrpSpPr>
-        <p:cNvPr id="1" name=""/>
-        <p:cNvGrpSpPr/>
-        <p:nvPr/>
-      </p:nvGrpSpPr>
-      <p:grpSpPr>
-        <a:xfrm>
-          <a:off x="0" y="0"/>
-          <a:ext cx="0" cy="0"/>
-          <a:chOff x="0" y="0"/>
-          <a:chExt cx="0" cy="0"/>
-        </a:xfrm>
-      </p:grpSpPr>
-      <p:sp>
-        <p:nvSpPr>
-          <p:cNvPr id="84" name="Flowchart: Decision 83">
+      <p:sp>
+        <p:nvSpPr>
+          <p:cNvPr id="23" name="Parallelogram 22">
             <a:extLst>
               <a:ext uri="{FF2B5EF4-FFF2-40B4-BE49-F238E27FC236}">
-                <a16:creationId xmlns:a16="http://schemas.microsoft.com/office/drawing/2014/main" id="{1E32E4E6-7CBB-4B16-A851-2C84F576DC19}"/>
+                <a16:creationId xmlns:a16="http://schemas.microsoft.com/office/drawing/2014/main" id="{41535F65-312F-4922-A665-2A09B6D97B19}"/>
               </a:ext>
             </a:extLst>
           </p:cNvPr>
@@ -13378,14 +13789,14 @@
         </p:nvSpPr>
         <p:spPr>
           <a:xfrm>
-            <a:off x="1115616" y="2010846"/>
-            <a:ext cx="2793294" cy="839830"/>
-          </a:xfrm>
-          <a:prstGeom prst="flowChartDecision">
+            <a:off x="5035473" y="4523708"/>
+            <a:ext cx="2743104" cy="307777"/>
+          </a:xfrm>
+          <a:prstGeom prst="parallelogram">
             <a:avLst/>
           </a:prstGeom>
           <a:noFill/>
-          <a:ln w="19050">
+          <a:ln>
             <a:solidFill>
               <a:schemeClr val="tx1"/>
             </a:solidFill>
@@ -13413,119 +13824,24 @@
           <a:p>
             <a:pPr algn="ctr"/>
             <a:r>
-              <a:rPr lang="en-US" sz="1400" dirty="0">
-                <a:solidFill>
-                  <a:schemeClr val="tx1"/>
-                </a:solidFill>
-              </a:rPr>
-              <a:t>_modeMenu</a:t>
-            </a:r>
-            <a:r>
-              <a:rPr lang="en-ID" sz="1400" dirty="0">
-                <a:solidFill>
-                  <a:schemeClr val="tx1"/>
-                </a:solidFill>
-              </a:rPr>
-              <a:t> = </a:t>
-            </a:r>
-            <a:r>
-              <a:rPr lang="en-ID" sz="1400" b="0" dirty="0">
+              <a:rPr lang="en-ID" sz="1200" b="0" dirty="0">
                 <a:solidFill>
                   <a:schemeClr val="tx1"/>
                 </a:solidFill>
                 <a:effectLst/>
                 <a:latin typeface="Consolas" panose="020B0609020204030204" pitchFamily="49" charset="0"/>
               </a:rPr>
-              <a:t>MODE_MENU_MAIN</a:t>
-            </a:r>
-          </a:p>
-        </p:txBody>
-      </p:sp>
-      <p:cxnSp>
-        <p:nvCxnSpPr>
-          <p:cNvPr id="85" name="Straight Arrow Connector 84">
+              <a:t>_ solenoidValve- &gt;off();</a:t>
+            </a:r>
+          </a:p>
+        </p:txBody>
+      </p:sp>
+      <p:sp>
+        <p:nvSpPr>
+          <p:cNvPr id="24" name="Parallelogram 23">
             <a:extLst>
               <a:ext uri="{FF2B5EF4-FFF2-40B4-BE49-F238E27FC236}">
-                <a16:creationId xmlns:a16="http://schemas.microsoft.com/office/drawing/2014/main" id="{9DA6D301-49E9-4BDA-9ADF-E67A1B9C374D}"/>
-              </a:ext>
-            </a:extLst>
-          </p:cNvPr>
-          <p:cNvCxnSpPr>
-            <a:cxnSpLocks/>
-            <a:stCxn id="84" idx="3"/>
-            <a:endCxn id="26" idx="1"/>
-          </p:cNvCxnSpPr>
-          <p:nvPr/>
-        </p:nvCxnSpPr>
-        <p:spPr>
-          <a:xfrm>
-            <a:off x="3908910" y="2430761"/>
-            <a:ext cx="311192" cy="0"/>
-          </a:xfrm>
-          <a:prstGeom prst="straightConnector1">
-            <a:avLst/>
-          </a:prstGeom>
-          <a:ln w="19050">
-            <a:solidFill>
-              <a:srgbClr val="003300"/>
-            </a:solidFill>
-            <a:tailEnd type="arrow"/>
-          </a:ln>
-        </p:spPr>
-        <p:style>
-          <a:lnRef idx="1">
-            <a:schemeClr val="accent1"/>
-          </a:lnRef>
-          <a:fillRef idx="0">
-            <a:schemeClr val="accent1"/>
-          </a:fillRef>
-          <a:effectRef idx="0">
-            <a:schemeClr val="accent1"/>
-          </a:effectRef>
-          <a:fontRef idx="minor">
-            <a:schemeClr val="tx1"/>
-          </a:fontRef>
-        </p:style>
-      </p:cxnSp>
-      <p:sp>
-        <p:nvSpPr>
-          <p:cNvPr id="19" name="TextBox 18">
-            <a:hlinkClick r:id="rId3" action="ppaction://hlinksldjump"/>
-          </p:cNvPr>
-          <p:cNvSpPr txBox="1"/>
-          <p:nvPr/>
-        </p:nvSpPr>
-        <p:spPr>
-          <a:xfrm>
-            <a:off x="3908910" y="658649"/>
-            <a:ext cx="1192826" cy="276999"/>
-          </a:xfrm>
-          <a:prstGeom prst="rect">
-            <a:avLst/>
-          </a:prstGeom>
-          <a:noFill/>
-        </p:spPr>
-        <p:txBody>
-          <a:bodyPr wrap="none" rtlCol="0">
-            <a:spAutoFit/>
-          </a:bodyPr>
-          <a:lstStyle/>
-          <a:p>
-            <a:pPr algn="ctr"/>
-            <a:r>
-              <a:rPr lang="en-ID" sz="1200" dirty="0"/>
-              <a:t>File : locPan.cpp</a:t>
-            </a:r>
-            <a:endParaRPr lang="en-US" sz="1200" dirty="0"/>
-          </a:p>
-        </p:txBody>
-      </p:sp>
-      <p:sp>
-        <p:nvSpPr>
-          <p:cNvPr id="20" name="Flowchart: Predefined Process 19">
-            <a:extLst>
-              <a:ext uri="{FF2B5EF4-FFF2-40B4-BE49-F238E27FC236}">
-                <a16:creationId xmlns:a16="http://schemas.microsoft.com/office/drawing/2014/main" id="{45A00864-4430-46FB-9A24-807D47C7B406}"/>
+                <a16:creationId xmlns:a16="http://schemas.microsoft.com/office/drawing/2014/main" id="{F88EE7FD-E271-480C-9BB8-FE8C03A080D2}"/>
               </a:ext>
             </a:extLst>
           </p:cNvPr>
@@ -13534,10 +13850,10 @@
         </p:nvSpPr>
         <p:spPr>
           <a:xfrm>
-            <a:off x="947364" y="976750"/>
-            <a:ext cx="2629190" cy="415140"/>
-          </a:xfrm>
-          <a:prstGeom prst="flowChartPredefinedProcess">
+            <a:off x="5085951" y="3376547"/>
+            <a:ext cx="2743104" cy="307777"/>
+          </a:xfrm>
+          <a:prstGeom prst="parallelogram">
             <a:avLst/>
           </a:prstGeom>
           <a:noFill/>
@@ -13569,62 +13885,24 @@
           <a:p>
             <a:pPr algn="ctr"/>
             <a:r>
-              <a:rPr lang="en-ID" sz="1200" dirty="0">
+              <a:rPr lang="en-ID" sz="1200" b="0" dirty="0">
                 <a:solidFill>
                   <a:schemeClr val="tx1"/>
                 </a:solidFill>
-              </a:rPr>
-              <a:t>Key =  this-&gt;_getCommand()</a:t>
-            </a:r>
-            <a:endParaRPr lang="en-US" sz="1200" dirty="0"/>
-          </a:p>
-        </p:txBody>
-      </p:sp>
-      <p:cxnSp>
-        <p:nvCxnSpPr>
-          <p:cNvPr id="3" name="Elbow Connector 2"/>
-          <p:cNvCxnSpPr>
-            <a:stCxn id="20" idx="2"/>
-            <a:endCxn id="84" idx="0"/>
-          </p:cNvCxnSpPr>
-          <p:nvPr/>
-        </p:nvCxnSpPr>
-        <p:spPr>
-          <a:xfrm rot="16200000" flipH="1">
-            <a:off x="2077633" y="1576216"/>
-            <a:ext cx="618956" cy="250304"/>
-          </a:xfrm>
-          <a:prstGeom prst="bentConnector3">
-            <a:avLst/>
-          </a:prstGeom>
-          <a:ln w="19050">
-            <a:solidFill>
-              <a:schemeClr val="tx1"/>
-            </a:solidFill>
-            <a:tailEnd type="arrow"/>
-          </a:ln>
-        </p:spPr>
-        <p:style>
-          <a:lnRef idx="1">
-            <a:schemeClr val="accent1"/>
-          </a:lnRef>
-          <a:fillRef idx="0">
-            <a:schemeClr val="accent1"/>
-          </a:fillRef>
-          <a:effectRef idx="0">
-            <a:schemeClr val="accent1"/>
-          </a:effectRef>
-          <a:fontRef idx="minor">
-            <a:schemeClr val="tx1"/>
-          </a:fontRef>
-        </p:style>
-      </p:cxnSp>
-      <p:sp>
-        <p:nvSpPr>
-          <p:cNvPr id="26" name="Flowchart: Predefined Process 25">
+                <a:effectLst/>
+                <a:latin typeface="Consolas" panose="020B0609020204030204" pitchFamily="49" charset="0"/>
+              </a:rPr>
+              <a:t>_ solenoidValve- &gt;off();</a:t>
+            </a:r>
+          </a:p>
+        </p:txBody>
+      </p:sp>
+      <p:sp>
+        <p:nvSpPr>
+          <p:cNvPr id="25" name="Parallelogram 24">
             <a:extLst>
               <a:ext uri="{FF2B5EF4-FFF2-40B4-BE49-F238E27FC236}">
-                <a16:creationId xmlns:a16="http://schemas.microsoft.com/office/drawing/2014/main" id="{45A00864-4430-46FB-9A24-807D47C7B406}"/>
+                <a16:creationId xmlns:a16="http://schemas.microsoft.com/office/drawing/2014/main" id="{9EF86428-89D2-4E3D-B340-6A0EDD22A755}"/>
               </a:ext>
             </a:extLst>
           </p:cNvPr>
@@ -13633,10 +13911,10 @@
         </p:nvSpPr>
         <p:spPr>
           <a:xfrm>
-            <a:off x="4220102" y="2223191"/>
-            <a:ext cx="2944186" cy="415140"/>
-          </a:xfrm>
-          <a:prstGeom prst="flowChartPredefinedProcess">
+            <a:off x="4932040" y="2276872"/>
+            <a:ext cx="2743104" cy="307777"/>
+          </a:xfrm>
+          <a:prstGeom prst="parallelogram">
             <a:avLst/>
           </a:prstGeom>
           <a:noFill/>
@@ -13668,68 +13946,24 @@
           <a:p>
             <a:pPr algn="ctr"/>
             <a:r>
-              <a:rPr lang="en-ID" sz="1200" dirty="0">
+              <a:rPr lang="en-ID" sz="1200" b="0" dirty="0">
                 <a:solidFill>
                   <a:schemeClr val="tx1"/>
                 </a:solidFill>
-              </a:rPr>
-              <a:t>Key =  this-&gt;_menuMain(key)</a:t>
-            </a:r>
-            <a:endParaRPr lang="en-US" sz="1200" dirty="0"/>
-          </a:p>
-        </p:txBody>
-      </p:sp>
-      <p:cxnSp>
-        <p:nvCxnSpPr>
-          <p:cNvPr id="30" name="Straight Arrow Connector 29">
+                <a:effectLst/>
+                <a:latin typeface="Consolas" panose="020B0609020204030204" pitchFamily="49" charset="0"/>
+              </a:rPr>
+              <a:t>_ solenoidValve- &gt;on();</a:t>
+            </a:r>
+          </a:p>
+        </p:txBody>
+      </p:sp>
+      <p:sp>
+        <p:nvSpPr>
+          <p:cNvPr id="26" name="Parallelogram 25">
             <a:extLst>
               <a:ext uri="{FF2B5EF4-FFF2-40B4-BE49-F238E27FC236}">
-                <a16:creationId xmlns:a16="http://schemas.microsoft.com/office/drawing/2014/main" id="{9DA6D301-49E9-4BDA-9ADF-E67A1B9C374D}"/>
-              </a:ext>
-            </a:extLst>
-          </p:cNvPr>
-          <p:cNvCxnSpPr>
-            <a:cxnSpLocks/>
-            <a:endCxn id="31" idx="1"/>
-          </p:cNvCxnSpPr>
-          <p:nvPr/>
-        </p:nvCxnSpPr>
-        <p:spPr>
-          <a:xfrm>
-            <a:off x="3779912" y="3632891"/>
-            <a:ext cx="440190" cy="0"/>
-          </a:xfrm>
-          <a:prstGeom prst="straightConnector1">
-            <a:avLst/>
-          </a:prstGeom>
-          <a:ln w="19050">
-            <a:solidFill>
-              <a:srgbClr val="003300"/>
-            </a:solidFill>
-            <a:tailEnd type="arrow"/>
-          </a:ln>
-        </p:spPr>
-        <p:style>
-          <a:lnRef idx="1">
-            <a:schemeClr val="accent1"/>
-          </a:lnRef>
-          <a:fillRef idx="0">
-            <a:schemeClr val="accent1"/>
-          </a:fillRef>
-          <a:effectRef idx="0">
-            <a:schemeClr val="accent1"/>
-          </a:effectRef>
-          <a:fontRef idx="minor">
-            <a:schemeClr val="tx1"/>
-          </a:fontRef>
-        </p:style>
-      </p:cxnSp>
-      <p:sp>
-        <p:nvSpPr>
-          <p:cNvPr id="31" name="Flowchart: Predefined Process 30">
-            <a:extLst>
-              <a:ext uri="{FF2B5EF4-FFF2-40B4-BE49-F238E27FC236}">
-                <a16:creationId xmlns:a16="http://schemas.microsoft.com/office/drawing/2014/main" id="{45A00864-4430-46FB-9A24-807D47C7B406}"/>
+                <a16:creationId xmlns:a16="http://schemas.microsoft.com/office/drawing/2014/main" id="{557E335D-0558-4211-AEFE-904F38E67332}"/>
               </a:ext>
             </a:extLst>
           </p:cNvPr>
@@ -13738,10 +13972,10 @@
         </p:nvSpPr>
         <p:spPr>
           <a:xfrm>
-            <a:off x="4220102" y="3425321"/>
-            <a:ext cx="3448242" cy="415140"/>
-          </a:xfrm>
-          <a:prstGeom prst="flowChartPredefinedProcess">
+            <a:off x="2371101" y="5458569"/>
+            <a:ext cx="2743104" cy="307777"/>
+          </a:xfrm>
+          <a:prstGeom prst="parallelogram">
             <a:avLst/>
           </a:prstGeom>
           <a:noFill/>
@@ -13773,617 +14007,22 @@
           <a:p>
             <a:pPr algn="ctr"/>
             <a:r>
-              <a:rPr lang="en-ID" sz="1200" dirty="0">
-                <a:solidFill>
-                  <a:schemeClr val="tx1"/>
-                </a:solidFill>
-              </a:rPr>
-              <a:t>Key =  this-&gt;_menuParameter(key)</a:t>
-            </a:r>
-            <a:endParaRPr lang="en-US" sz="1200" dirty="0"/>
-          </a:p>
-        </p:txBody>
-      </p:sp>
-      <p:sp>
-        <p:nvSpPr>
-          <p:cNvPr id="38" name="Flowchart: Decision 37">
-            <a:extLst>
-              <a:ext uri="{FF2B5EF4-FFF2-40B4-BE49-F238E27FC236}">
-                <a16:creationId xmlns:a16="http://schemas.microsoft.com/office/drawing/2014/main" id="{1E32E4E6-7CBB-4B16-A851-2C84F576DC19}"/>
-              </a:ext>
-            </a:extLst>
-          </p:cNvPr>
-          <p:cNvSpPr/>
-          <p:nvPr/>
-        </p:nvSpPr>
-        <p:spPr>
-          <a:xfrm>
-            <a:off x="683568" y="3212976"/>
-            <a:ext cx="3225342" cy="839830"/>
-          </a:xfrm>
-          <a:prstGeom prst="flowChartDecision">
-            <a:avLst/>
-          </a:prstGeom>
-          <a:noFill/>
-          <a:ln w="19050">
-            <a:solidFill>
-              <a:schemeClr val="tx1"/>
-            </a:solidFill>
-          </a:ln>
-        </p:spPr>
-        <p:style>
-          <a:lnRef idx="2">
-            <a:schemeClr val="accent1">
-              <a:shade val="50000"/>
-            </a:schemeClr>
-          </a:lnRef>
-          <a:fillRef idx="1">
-            <a:schemeClr val="accent1"/>
-          </a:fillRef>
-          <a:effectRef idx="0">
-            <a:schemeClr val="accent1"/>
-          </a:effectRef>
-          <a:fontRef idx="minor">
-            <a:schemeClr val="lt1"/>
-          </a:fontRef>
-        </p:style>
-        <p:txBody>
-          <a:bodyPr rtlCol="0" anchor="ctr"/>
-          <a:lstStyle/>
-          <a:p>
-            <a:pPr algn="ctr"/>
-            <a:r>
-              <a:rPr lang="en-US" sz="1400" dirty="0">
-                <a:solidFill>
-                  <a:schemeClr val="tx1"/>
-                </a:solidFill>
-              </a:rPr>
-              <a:t>_modeMenu</a:t>
-            </a:r>
-            <a:r>
-              <a:rPr lang="en-ID" sz="1400" dirty="0">
-                <a:solidFill>
-                  <a:schemeClr val="tx1"/>
-                </a:solidFill>
-              </a:rPr>
-              <a:t> = </a:t>
-            </a:r>
-            <a:r>
-              <a:rPr lang="en-ID" sz="1400" b="0" dirty="0">
+              <a:rPr lang="en-ID" sz="1200" b="0" dirty="0">
                 <a:solidFill>
                   <a:schemeClr val="tx1"/>
                 </a:solidFill>
                 <a:effectLst/>
                 <a:latin typeface="Consolas" panose="020B0609020204030204" pitchFamily="49" charset="0"/>
               </a:rPr>
-              <a:t>MODE_MENU_PARAMETER</a:t>
-            </a:r>
-          </a:p>
-        </p:txBody>
-      </p:sp>
-      <p:cxnSp>
-        <p:nvCxnSpPr>
-          <p:cNvPr id="21" name="Elbow Connector 20"/>
-          <p:cNvCxnSpPr>
-            <a:stCxn id="84" idx="2"/>
-            <a:endCxn id="38" idx="0"/>
-          </p:cNvCxnSpPr>
-          <p:nvPr/>
-        </p:nvCxnSpPr>
-        <p:spPr>
-          <a:xfrm rot="5400000">
-            <a:off x="2223101" y="2923814"/>
-            <a:ext cx="362300" cy="216024"/>
-          </a:xfrm>
-          <a:prstGeom prst="bentConnector3">
-            <a:avLst/>
-          </a:prstGeom>
-          <a:ln w="19050">
-            <a:solidFill>
-              <a:srgbClr val="003300"/>
-            </a:solidFill>
-            <a:tailEnd type="arrow"/>
-          </a:ln>
-        </p:spPr>
-        <p:style>
-          <a:lnRef idx="1">
-            <a:schemeClr val="accent1"/>
-          </a:lnRef>
-          <a:fillRef idx="0">
-            <a:schemeClr val="accent1"/>
-          </a:fillRef>
-          <a:effectRef idx="0">
-            <a:schemeClr val="accent1"/>
-          </a:effectRef>
-          <a:fontRef idx="minor">
-            <a:schemeClr val="tx1"/>
-          </a:fontRef>
-        </p:style>
-      </p:cxnSp>
-      <p:cxnSp>
-        <p:nvCxnSpPr>
-          <p:cNvPr id="44" name="Straight Arrow Connector 43">
-            <a:extLst>
-              <a:ext uri="{FF2B5EF4-FFF2-40B4-BE49-F238E27FC236}">
-                <a16:creationId xmlns:a16="http://schemas.microsoft.com/office/drawing/2014/main" id="{9DA6D301-49E9-4BDA-9ADF-E67A1B9C374D}"/>
-              </a:ext>
-            </a:extLst>
-          </p:cNvPr>
-          <p:cNvCxnSpPr>
-            <a:cxnSpLocks/>
-            <a:endCxn id="45" idx="1"/>
-          </p:cNvCxnSpPr>
-          <p:nvPr/>
-        </p:nvCxnSpPr>
-        <p:spPr>
-          <a:xfrm>
-            <a:off x="3779912" y="4929035"/>
-            <a:ext cx="440190" cy="0"/>
-          </a:xfrm>
-          <a:prstGeom prst="straightConnector1">
-            <a:avLst/>
-          </a:prstGeom>
-          <a:ln w="19050">
-            <a:solidFill>
-              <a:srgbClr val="003300"/>
-            </a:solidFill>
-            <a:tailEnd type="arrow"/>
-          </a:ln>
-        </p:spPr>
-        <p:style>
-          <a:lnRef idx="1">
-            <a:schemeClr val="accent1"/>
-          </a:lnRef>
-          <a:fillRef idx="0">
-            <a:schemeClr val="accent1"/>
-          </a:fillRef>
-          <a:effectRef idx="0">
-            <a:schemeClr val="accent1"/>
-          </a:effectRef>
-          <a:fontRef idx="minor">
-            <a:schemeClr val="tx1"/>
-          </a:fontRef>
-        </p:style>
-      </p:cxnSp>
-      <p:sp>
-        <p:nvSpPr>
-          <p:cNvPr id="45" name="Flowchart: Predefined Process 44">
-            <a:extLst>
-              <a:ext uri="{FF2B5EF4-FFF2-40B4-BE49-F238E27FC236}">
-                <a16:creationId xmlns:a16="http://schemas.microsoft.com/office/drawing/2014/main" id="{45A00864-4430-46FB-9A24-807D47C7B406}"/>
-              </a:ext>
-            </a:extLst>
-          </p:cNvPr>
-          <p:cNvSpPr/>
-          <p:nvPr/>
-        </p:nvSpPr>
-        <p:spPr>
-          <a:xfrm>
-            <a:off x="4220102" y="4721465"/>
-            <a:ext cx="3736274" cy="415140"/>
-          </a:xfrm>
-          <a:prstGeom prst="flowChartPredefinedProcess">
-            <a:avLst/>
-          </a:prstGeom>
-          <a:noFill/>
-          <a:ln>
-            <a:solidFill>
-              <a:schemeClr val="tx1"/>
-            </a:solidFill>
-          </a:ln>
-        </p:spPr>
-        <p:style>
-          <a:lnRef idx="2">
-            <a:schemeClr val="accent1">
-              <a:shade val="50000"/>
-            </a:schemeClr>
-          </a:lnRef>
-          <a:fillRef idx="1">
-            <a:schemeClr val="accent1"/>
-          </a:fillRef>
-          <a:effectRef idx="0">
-            <a:schemeClr val="accent1"/>
-          </a:effectRef>
-          <a:fontRef idx="minor">
-            <a:schemeClr val="lt1"/>
-          </a:fontRef>
-        </p:style>
-        <p:txBody>
-          <a:bodyPr rtlCol="0" anchor="ctr"/>
-          <a:lstStyle/>
-          <a:p>
-            <a:pPr algn="ctr"/>
-            <a:r>
-              <a:rPr lang="en-ID" sz="1200" dirty="0">
-                <a:solidFill>
-                  <a:schemeClr val="tx1"/>
-                </a:solidFill>
-              </a:rPr>
-              <a:t>Key =  this-&gt;_menuChangeParameter(key)</a:t>
-            </a:r>
-            <a:endParaRPr lang="en-US" sz="1200" dirty="0"/>
-          </a:p>
-        </p:txBody>
-      </p:sp>
-      <p:sp>
-        <p:nvSpPr>
-          <p:cNvPr id="46" name="Flowchart: Decision 45">
-            <a:extLst>
-              <a:ext uri="{FF2B5EF4-FFF2-40B4-BE49-F238E27FC236}">
-                <a16:creationId xmlns:a16="http://schemas.microsoft.com/office/drawing/2014/main" id="{1E32E4E6-7CBB-4B16-A851-2C84F576DC19}"/>
-              </a:ext>
-            </a:extLst>
-          </p:cNvPr>
-          <p:cNvSpPr/>
-          <p:nvPr/>
-        </p:nvSpPr>
-        <p:spPr>
-          <a:xfrm>
-            <a:off x="683568" y="4509120"/>
-            <a:ext cx="3225342" cy="839830"/>
-          </a:xfrm>
-          <a:prstGeom prst="flowChartDecision">
-            <a:avLst/>
-          </a:prstGeom>
-          <a:noFill/>
-          <a:ln w="19050">
-            <a:solidFill>
-              <a:schemeClr val="tx1"/>
-            </a:solidFill>
-          </a:ln>
-        </p:spPr>
-        <p:style>
-          <a:lnRef idx="2">
-            <a:schemeClr val="accent1">
-              <a:shade val="50000"/>
-            </a:schemeClr>
-          </a:lnRef>
-          <a:fillRef idx="1">
-            <a:schemeClr val="accent1"/>
-          </a:fillRef>
-          <a:effectRef idx="0">
-            <a:schemeClr val="accent1"/>
-          </a:effectRef>
-          <a:fontRef idx="minor">
-            <a:schemeClr val="lt1"/>
-          </a:fontRef>
-        </p:style>
-        <p:txBody>
-          <a:bodyPr rtlCol="0" anchor="ctr"/>
-          <a:lstStyle/>
-          <a:p>
-            <a:pPr algn="ctr"/>
-            <a:r>
-              <a:rPr lang="en-US" sz="1400" dirty="0">
-                <a:solidFill>
-                  <a:schemeClr val="tx1"/>
-                </a:solidFill>
-              </a:rPr>
-              <a:t>_modeMenu</a:t>
-            </a:r>
-            <a:r>
-              <a:rPr lang="en-ID" sz="1400" dirty="0">
-                <a:solidFill>
-                  <a:schemeClr val="tx1"/>
-                </a:solidFill>
-              </a:rPr>
-              <a:t> = </a:t>
-            </a:r>
-            <a:r>
-              <a:rPr lang="en-ID" sz="1400" b="0" dirty="0">
-                <a:solidFill>
-                  <a:schemeClr val="tx1"/>
-                </a:solidFill>
-                <a:effectLst/>
-                <a:latin typeface="Consolas" panose="020B0609020204030204" pitchFamily="49" charset="0"/>
-              </a:rPr>
-              <a:t>MODE_CHANGE_PARAMETER</a:t>
-            </a:r>
-          </a:p>
-        </p:txBody>
-      </p:sp>
-      <p:cxnSp>
-        <p:nvCxnSpPr>
-          <p:cNvPr id="25" name="Elbow Connector 24"/>
-          <p:cNvCxnSpPr>
-            <a:stCxn id="38" idx="2"/>
-            <a:endCxn id="46" idx="0"/>
-          </p:cNvCxnSpPr>
-          <p:nvPr/>
-        </p:nvCxnSpPr>
-        <p:spPr>
-          <a:xfrm rot="5400000">
-            <a:off x="2068082" y="4280963"/>
-            <a:ext cx="456314" cy="12700"/>
-          </a:xfrm>
-          <a:prstGeom prst="bentConnector3">
-            <a:avLst/>
-          </a:prstGeom>
-          <a:ln w="19050">
-            <a:solidFill>
-              <a:schemeClr val="tx1"/>
-            </a:solidFill>
-            <a:tailEnd type="arrow"/>
-          </a:ln>
-        </p:spPr>
-        <p:style>
-          <a:lnRef idx="1">
-            <a:schemeClr val="accent1"/>
-          </a:lnRef>
-          <a:fillRef idx="0">
-            <a:schemeClr val="accent1"/>
-          </a:fillRef>
-          <a:effectRef idx="0">
-            <a:schemeClr val="accent1"/>
-          </a:effectRef>
-          <a:fontRef idx="minor">
-            <a:schemeClr val="tx1"/>
-          </a:fontRef>
-        </p:style>
-      </p:cxnSp>
-      <p:sp>
-        <p:nvSpPr>
-          <p:cNvPr id="49" name="Flowchart: Off-page Connector 48">
-            <a:hlinkClick r:id="rId3" action="ppaction://hlinksldjump"/>
-          </p:cNvPr>
-          <p:cNvSpPr/>
-          <p:nvPr/>
-        </p:nvSpPr>
-        <p:spPr>
-          <a:xfrm>
-            <a:off x="2016511" y="5857688"/>
-            <a:ext cx="490893" cy="360040"/>
-          </a:xfrm>
-          <a:prstGeom prst="flowChartOffpageConnector">
-            <a:avLst/>
-          </a:prstGeom>
-          <a:noFill/>
-          <a:ln>
-            <a:solidFill>
-              <a:schemeClr val="tx1"/>
-            </a:solidFill>
-          </a:ln>
-        </p:spPr>
-        <p:style>
-          <a:lnRef idx="2">
-            <a:schemeClr val="accent1">
-              <a:shade val="50000"/>
-            </a:schemeClr>
-          </a:lnRef>
-          <a:fillRef idx="1">
-            <a:schemeClr val="accent1"/>
-          </a:fillRef>
-          <a:effectRef idx="0">
-            <a:schemeClr val="accent1"/>
-          </a:effectRef>
-          <a:fontRef idx="minor">
-            <a:schemeClr val="lt1"/>
-          </a:fontRef>
-        </p:style>
-        <p:txBody>
-          <a:bodyPr rtlCol="0" anchor="ctr"/>
-          <a:lstStyle/>
-          <a:p>
-            <a:pPr algn="ctr"/>
-            <a:r>
-              <a:rPr lang="en-ID" b="1" dirty="0">
-                <a:solidFill>
-                  <a:schemeClr val="tx1"/>
-                </a:solidFill>
-              </a:rPr>
-              <a:t>0</a:t>
-            </a:r>
-            <a:endParaRPr lang="en-US" b="1" dirty="0">
-              <a:solidFill>
-                <a:schemeClr val="tx1"/>
-              </a:solidFill>
-            </a:endParaRPr>
-          </a:p>
-        </p:txBody>
-      </p:sp>
-      <p:cxnSp>
-        <p:nvCxnSpPr>
-          <p:cNvPr id="47" name="Elbow Connector 46"/>
-          <p:cNvCxnSpPr>
-            <a:stCxn id="46" idx="2"/>
-            <a:endCxn id="49" idx="0"/>
-          </p:cNvCxnSpPr>
-          <p:nvPr/>
-        </p:nvCxnSpPr>
-        <p:spPr>
-          <a:xfrm rot="5400000">
-            <a:off x="2024730" y="5586179"/>
-            <a:ext cx="508738" cy="34281"/>
-          </a:xfrm>
-          <a:prstGeom prst="bentConnector3">
-            <a:avLst/>
-          </a:prstGeom>
-          <a:ln w="19050">
-            <a:solidFill>
-              <a:schemeClr val="tx1"/>
-            </a:solidFill>
-            <a:tailEnd type="arrow"/>
-          </a:ln>
-        </p:spPr>
-        <p:style>
-          <a:lnRef idx="1">
-            <a:schemeClr val="accent1"/>
-          </a:lnRef>
-          <a:fillRef idx="0">
-            <a:schemeClr val="accent1"/>
-          </a:fillRef>
-          <a:effectRef idx="0">
-            <a:schemeClr val="accent1"/>
-          </a:effectRef>
-          <a:fontRef idx="minor">
-            <a:schemeClr val="tx1"/>
-          </a:fontRef>
-        </p:style>
-      </p:cxnSp>
-      <p:cxnSp>
-        <p:nvCxnSpPr>
-          <p:cNvPr id="51" name="Elbow Connector 50"/>
-          <p:cNvCxnSpPr>
-            <a:stCxn id="26" idx="3"/>
-            <a:endCxn id="49" idx="3"/>
-          </p:cNvCxnSpPr>
-          <p:nvPr/>
-        </p:nvCxnSpPr>
-        <p:spPr>
-          <a:xfrm flipH="1">
-            <a:off x="2507404" y="2430761"/>
-            <a:ext cx="4656884" cy="3606947"/>
-          </a:xfrm>
-          <a:prstGeom prst="bentConnector3">
-            <a:avLst>
-              <a:gd name="adj1" fmla="val -28538"/>
-            </a:avLst>
-          </a:prstGeom>
-          <a:ln w="19050">
-            <a:solidFill>
-              <a:srgbClr val="003300"/>
-            </a:solidFill>
-            <a:tailEnd type="arrow"/>
-          </a:ln>
-        </p:spPr>
-        <p:style>
-          <a:lnRef idx="1">
-            <a:schemeClr val="accent1"/>
-          </a:lnRef>
-          <a:fillRef idx="0">
-            <a:schemeClr val="accent1"/>
-          </a:fillRef>
-          <a:effectRef idx="0">
-            <a:schemeClr val="accent1"/>
-          </a:effectRef>
-          <a:fontRef idx="minor">
-            <a:schemeClr val="tx1"/>
-          </a:fontRef>
-        </p:style>
-      </p:cxnSp>
-      <p:cxnSp>
-        <p:nvCxnSpPr>
-          <p:cNvPr id="54" name="Straight Arrow Connector 53"/>
-          <p:cNvCxnSpPr>
-            <a:stCxn id="31" idx="3"/>
-          </p:cNvCxnSpPr>
-          <p:nvPr/>
-        </p:nvCxnSpPr>
-        <p:spPr>
-          <a:xfrm>
-            <a:off x="7668344" y="3632891"/>
-            <a:ext cx="792088" cy="0"/>
-          </a:xfrm>
-          <a:prstGeom prst="straightConnector1">
-            <a:avLst/>
-          </a:prstGeom>
-          <a:ln w="19050">
-            <a:solidFill>
-              <a:srgbClr val="003300"/>
-            </a:solidFill>
-            <a:tailEnd type="arrow"/>
-          </a:ln>
-        </p:spPr>
-        <p:style>
-          <a:lnRef idx="1">
-            <a:schemeClr val="accent1"/>
-          </a:lnRef>
-          <a:fillRef idx="0">
-            <a:schemeClr val="accent1"/>
-          </a:fillRef>
-          <a:effectRef idx="0">
-            <a:schemeClr val="accent1"/>
-          </a:effectRef>
-          <a:fontRef idx="minor">
-            <a:schemeClr val="tx1"/>
-          </a:fontRef>
-        </p:style>
-      </p:cxnSp>
-      <p:cxnSp>
-        <p:nvCxnSpPr>
-          <p:cNvPr id="57" name="Straight Arrow Connector 56"/>
-          <p:cNvCxnSpPr>
-            <a:stCxn id="45" idx="3"/>
-          </p:cNvCxnSpPr>
-          <p:nvPr/>
-        </p:nvCxnSpPr>
-        <p:spPr>
-          <a:xfrm>
-            <a:off x="7956376" y="4929035"/>
-            <a:ext cx="504056" cy="0"/>
-          </a:xfrm>
-          <a:prstGeom prst="straightConnector1">
-            <a:avLst/>
-          </a:prstGeom>
-          <a:ln w="19050">
-            <a:solidFill>
-              <a:srgbClr val="003300"/>
-            </a:solidFill>
-            <a:tailEnd type="arrow"/>
-          </a:ln>
-        </p:spPr>
-        <p:style>
-          <a:lnRef idx="1">
-            <a:schemeClr val="accent1"/>
-          </a:lnRef>
-          <a:fillRef idx="0">
-            <a:schemeClr val="accent1"/>
-          </a:fillRef>
-          <a:effectRef idx="0">
-            <a:schemeClr val="accent1"/>
-          </a:effectRef>
-          <a:fontRef idx="minor">
-            <a:schemeClr val="tx1"/>
-          </a:fontRef>
-        </p:style>
-      </p:cxnSp>
-      <p:sp>
-        <p:nvSpPr>
-          <p:cNvPr id="2" name="Title 1">
-            <a:extLst>
-              <a:ext uri="{FF2B5EF4-FFF2-40B4-BE49-F238E27FC236}">
-                <a16:creationId xmlns:a16="http://schemas.microsoft.com/office/drawing/2014/main" id="{0DB934AE-063D-4F69-A4BD-4E87414288DE}"/>
-              </a:ext>
-            </a:extLst>
-          </p:cNvPr>
-          <p:cNvSpPr>
-            <a:spLocks noGrp="1"/>
-          </p:cNvSpPr>
-          <p:nvPr>
-            <p:ph type="ctrTitle"/>
-          </p:nvPr>
-        </p:nvSpPr>
-        <p:spPr>
-          <a:xfrm>
-            <a:off x="688032" y="227139"/>
-            <a:ext cx="7772400" cy="498553"/>
-          </a:xfrm>
-        </p:spPr>
-        <p:txBody>
-          <a:bodyPr/>
-          <a:lstStyle/>
-          <a:p>
-            <a:pPr algn="ctr" rtl="0" eaLnBrk="1" latinLnBrk="0" hangingPunct="1"/>
-            <a:r>
-              <a:rPr lang="en-ID" sz="1800" b="1" kern="1200" dirty="0">
-                <a:solidFill>
-                  <a:srgbClr val="000000"/>
-                </a:solidFill>
-                <a:effectLst/>
-                <a:latin typeface="Calibri" panose="020F0502020204030204" pitchFamily="34" charset="0"/>
-                <a:ea typeface="+mn-ea"/>
-                <a:cs typeface="+mn-cs"/>
-              </a:rPr>
-              <a:t>Flowchart _locPan-&gt;menu()</a:t>
-            </a:r>
-            <a:endParaRPr lang="en-ID" dirty="0"/>
+              <a:t>_ solenoidValve- &gt;off();</a:t>
+            </a:r>
           </a:p>
         </p:txBody>
       </p:sp>
     </p:spTree>
     <p:extLst>
       <p:ext uri="{BB962C8B-B14F-4D97-AF65-F5344CB8AC3E}">
-        <p14:creationId xmlns:p14="http://schemas.microsoft.com/office/powerpoint/2010/main" val="4006242567"/>
+        <p14:creationId xmlns:p14="http://schemas.microsoft.com/office/powerpoint/2010/main" val="586396323"/>
       </p:ext>
     </p:extLst>
   </p:cSld>
@@ -14424,8 +14063,8 @@
         </p:nvSpPr>
         <p:spPr>
           <a:xfrm>
-            <a:off x="1043608" y="2010846"/>
-            <a:ext cx="2865302" cy="839830"/>
+            <a:off x="1115616" y="2010846"/>
+            <a:ext cx="2793294" cy="839830"/>
           </a:xfrm>
           <a:prstGeom prst="flowChartDecision">
             <a:avLst/>
@@ -14459,20 +14098,31 @@
           <a:p>
             <a:pPr algn="ctr"/>
             <a:r>
-              <a:rPr lang="en-ID" dirty="0">
+              <a:rPr lang="en-US" sz="1400" dirty="0">
                 <a:solidFill>
                   <a:schemeClr val="tx1"/>
                 </a:solidFill>
               </a:rPr>
-              <a:t>_menuIndex = 0</a:t>
-            </a:r>
-            <a:endParaRPr lang="en-ID" sz="1400" b="0" dirty="0">
-              <a:solidFill>
-                <a:schemeClr val="tx1"/>
-              </a:solidFill>
-              <a:effectLst/>
-              <a:latin typeface="Consolas" panose="020B0609020204030204" pitchFamily="49" charset="0"/>
-            </a:endParaRPr>
+              <a:t>_modeMenu</a:t>
+            </a:r>
+            <a:r>
+              <a:rPr lang="en-ID" sz="1400" dirty="0">
+                <a:solidFill>
+                  <a:schemeClr val="tx1"/>
+                </a:solidFill>
+              </a:rPr>
+              <a:t> = </a:t>
+            </a:r>
+            <a:r>
+              <a:rPr lang="en-ID" sz="1400" b="0" dirty="0">
+                <a:solidFill>
+                  <a:schemeClr val="tx1"/>
+                </a:solidFill>
+                <a:effectLst/>
+                <a:latin typeface="Consolas" panose="020B0609020204030204" pitchFamily="49" charset="0"/>
+              </a:rPr>
+              <a:t>MODE_MENU_MAIN</a:t>
+            </a:r>
           </a:p>
         </p:txBody>
       </p:sp>
@@ -14495,7 +14145,7 @@
         <p:spPr>
           <a:xfrm>
             <a:off x="3908910" y="2430761"/>
-            <a:ext cx="311192" cy="4300"/>
+            <a:ext cx="311192" cy="0"/>
           </a:xfrm>
           <a:prstGeom prst="straightConnector1">
             <a:avLst/>
@@ -14522,6 +14172,996 @@
           </a:fontRef>
         </p:style>
       </p:cxnSp>
+      <p:sp>
+        <p:nvSpPr>
+          <p:cNvPr id="19" name="TextBox 18">
+            <a:hlinkClick r:id="rId3" action="ppaction://hlinksldjump"/>
+          </p:cNvPr>
+          <p:cNvSpPr txBox="1"/>
+          <p:nvPr/>
+        </p:nvSpPr>
+        <p:spPr>
+          <a:xfrm>
+            <a:off x="3908910" y="658649"/>
+            <a:ext cx="1192826" cy="276999"/>
+          </a:xfrm>
+          <a:prstGeom prst="rect">
+            <a:avLst/>
+          </a:prstGeom>
+          <a:noFill/>
+        </p:spPr>
+        <p:txBody>
+          <a:bodyPr wrap="none" rtlCol="0">
+            <a:spAutoFit/>
+          </a:bodyPr>
+          <a:lstStyle/>
+          <a:p>
+            <a:pPr algn="ctr"/>
+            <a:r>
+              <a:rPr lang="en-ID" sz="1200" dirty="0"/>
+              <a:t>File : locPan.cpp</a:t>
+            </a:r>
+            <a:endParaRPr lang="en-US" sz="1200" dirty="0"/>
+          </a:p>
+        </p:txBody>
+      </p:sp>
+      <p:cxnSp>
+        <p:nvCxnSpPr>
+          <p:cNvPr id="3" name="Elbow Connector 2"/>
+          <p:cNvCxnSpPr>
+            <a:cxnSpLocks/>
+            <a:stCxn id="4" idx="2"/>
+            <a:endCxn id="84" idx="0"/>
+          </p:cNvCxnSpPr>
+          <p:nvPr/>
+        </p:nvCxnSpPr>
+        <p:spPr>
+          <a:xfrm rot="16200000" flipH="1">
+            <a:off x="2201445" y="1700028"/>
+            <a:ext cx="490612" cy="131024"/>
+          </a:xfrm>
+          <a:prstGeom prst="bentConnector3">
+            <a:avLst/>
+          </a:prstGeom>
+          <a:ln w="19050">
+            <a:solidFill>
+              <a:schemeClr val="tx1"/>
+            </a:solidFill>
+            <a:tailEnd type="arrow"/>
+          </a:ln>
+        </p:spPr>
+        <p:style>
+          <a:lnRef idx="1">
+            <a:schemeClr val="accent1"/>
+          </a:lnRef>
+          <a:fillRef idx="0">
+            <a:schemeClr val="accent1"/>
+          </a:fillRef>
+          <a:effectRef idx="0">
+            <a:schemeClr val="accent1"/>
+          </a:effectRef>
+          <a:fontRef idx="minor">
+            <a:schemeClr val="tx1"/>
+          </a:fontRef>
+        </p:style>
+      </p:cxnSp>
+      <p:sp>
+        <p:nvSpPr>
+          <p:cNvPr id="26" name="Flowchart: Predefined Process 25">
+            <a:extLst>
+              <a:ext uri="{FF2B5EF4-FFF2-40B4-BE49-F238E27FC236}">
+                <a16:creationId xmlns:a16="http://schemas.microsoft.com/office/drawing/2014/main" id="{45A00864-4430-46FB-9A24-807D47C7B406}"/>
+              </a:ext>
+            </a:extLst>
+          </p:cNvPr>
+          <p:cNvSpPr/>
+          <p:nvPr/>
+        </p:nvSpPr>
+        <p:spPr>
+          <a:xfrm>
+            <a:off x="4220102" y="2223191"/>
+            <a:ext cx="2944186" cy="415140"/>
+          </a:xfrm>
+          <a:prstGeom prst="flowChartPredefinedProcess">
+            <a:avLst/>
+          </a:prstGeom>
+          <a:noFill/>
+          <a:ln>
+            <a:solidFill>
+              <a:schemeClr val="tx1"/>
+            </a:solidFill>
+          </a:ln>
+        </p:spPr>
+        <p:style>
+          <a:lnRef idx="2">
+            <a:schemeClr val="accent1">
+              <a:shade val="50000"/>
+            </a:schemeClr>
+          </a:lnRef>
+          <a:fillRef idx="1">
+            <a:schemeClr val="accent1"/>
+          </a:fillRef>
+          <a:effectRef idx="0">
+            <a:schemeClr val="accent1"/>
+          </a:effectRef>
+          <a:fontRef idx="minor">
+            <a:schemeClr val="lt1"/>
+          </a:fontRef>
+        </p:style>
+        <p:txBody>
+          <a:bodyPr rtlCol="0" anchor="ctr"/>
+          <a:lstStyle/>
+          <a:p>
+            <a:pPr algn="ctr"/>
+            <a:r>
+              <a:rPr lang="en-ID" sz="1200" dirty="0">
+                <a:solidFill>
+                  <a:schemeClr val="tx1"/>
+                </a:solidFill>
+              </a:rPr>
+              <a:t>Key =  this-&gt;_menuMain(key)</a:t>
+            </a:r>
+            <a:endParaRPr lang="en-US" sz="1200" dirty="0"/>
+          </a:p>
+        </p:txBody>
+      </p:sp>
+      <p:cxnSp>
+        <p:nvCxnSpPr>
+          <p:cNvPr id="30" name="Straight Arrow Connector 29">
+            <a:extLst>
+              <a:ext uri="{FF2B5EF4-FFF2-40B4-BE49-F238E27FC236}">
+                <a16:creationId xmlns:a16="http://schemas.microsoft.com/office/drawing/2014/main" id="{9DA6D301-49E9-4BDA-9ADF-E67A1B9C374D}"/>
+              </a:ext>
+            </a:extLst>
+          </p:cNvPr>
+          <p:cNvCxnSpPr>
+            <a:cxnSpLocks/>
+            <a:endCxn id="31" idx="1"/>
+          </p:cNvCxnSpPr>
+          <p:nvPr/>
+        </p:nvCxnSpPr>
+        <p:spPr>
+          <a:xfrm>
+            <a:off x="3779912" y="3632891"/>
+            <a:ext cx="440190" cy="0"/>
+          </a:xfrm>
+          <a:prstGeom prst="straightConnector1">
+            <a:avLst/>
+          </a:prstGeom>
+          <a:ln w="19050">
+            <a:solidFill>
+              <a:srgbClr val="003300"/>
+            </a:solidFill>
+            <a:tailEnd type="arrow"/>
+          </a:ln>
+        </p:spPr>
+        <p:style>
+          <a:lnRef idx="1">
+            <a:schemeClr val="accent1"/>
+          </a:lnRef>
+          <a:fillRef idx="0">
+            <a:schemeClr val="accent1"/>
+          </a:fillRef>
+          <a:effectRef idx="0">
+            <a:schemeClr val="accent1"/>
+          </a:effectRef>
+          <a:fontRef idx="minor">
+            <a:schemeClr val="tx1"/>
+          </a:fontRef>
+        </p:style>
+      </p:cxnSp>
+      <p:sp>
+        <p:nvSpPr>
+          <p:cNvPr id="31" name="Flowchart: Predefined Process 30">
+            <a:extLst>
+              <a:ext uri="{FF2B5EF4-FFF2-40B4-BE49-F238E27FC236}">
+                <a16:creationId xmlns:a16="http://schemas.microsoft.com/office/drawing/2014/main" id="{45A00864-4430-46FB-9A24-807D47C7B406}"/>
+              </a:ext>
+            </a:extLst>
+          </p:cNvPr>
+          <p:cNvSpPr/>
+          <p:nvPr/>
+        </p:nvSpPr>
+        <p:spPr>
+          <a:xfrm>
+            <a:off x="4220102" y="3425321"/>
+            <a:ext cx="3448242" cy="415140"/>
+          </a:xfrm>
+          <a:prstGeom prst="flowChartPredefinedProcess">
+            <a:avLst/>
+          </a:prstGeom>
+          <a:noFill/>
+          <a:ln>
+            <a:solidFill>
+              <a:schemeClr val="tx1"/>
+            </a:solidFill>
+          </a:ln>
+        </p:spPr>
+        <p:style>
+          <a:lnRef idx="2">
+            <a:schemeClr val="accent1">
+              <a:shade val="50000"/>
+            </a:schemeClr>
+          </a:lnRef>
+          <a:fillRef idx="1">
+            <a:schemeClr val="accent1"/>
+          </a:fillRef>
+          <a:effectRef idx="0">
+            <a:schemeClr val="accent1"/>
+          </a:effectRef>
+          <a:fontRef idx="minor">
+            <a:schemeClr val="lt1"/>
+          </a:fontRef>
+        </p:style>
+        <p:txBody>
+          <a:bodyPr rtlCol="0" anchor="ctr"/>
+          <a:lstStyle/>
+          <a:p>
+            <a:pPr algn="ctr"/>
+            <a:r>
+              <a:rPr lang="en-ID" sz="1200" dirty="0">
+                <a:solidFill>
+                  <a:schemeClr val="tx1"/>
+                </a:solidFill>
+              </a:rPr>
+              <a:t>Key =  this-&gt;_menuParameter(key)</a:t>
+            </a:r>
+            <a:endParaRPr lang="en-US" sz="1200" dirty="0"/>
+          </a:p>
+        </p:txBody>
+      </p:sp>
+      <p:sp>
+        <p:nvSpPr>
+          <p:cNvPr id="38" name="Flowchart: Decision 37">
+            <a:extLst>
+              <a:ext uri="{FF2B5EF4-FFF2-40B4-BE49-F238E27FC236}">
+                <a16:creationId xmlns:a16="http://schemas.microsoft.com/office/drawing/2014/main" id="{1E32E4E6-7CBB-4B16-A851-2C84F576DC19}"/>
+              </a:ext>
+            </a:extLst>
+          </p:cNvPr>
+          <p:cNvSpPr/>
+          <p:nvPr/>
+        </p:nvSpPr>
+        <p:spPr>
+          <a:xfrm>
+            <a:off x="683568" y="3212976"/>
+            <a:ext cx="3225342" cy="839830"/>
+          </a:xfrm>
+          <a:prstGeom prst="flowChartDecision">
+            <a:avLst/>
+          </a:prstGeom>
+          <a:noFill/>
+          <a:ln w="19050">
+            <a:solidFill>
+              <a:schemeClr val="tx1"/>
+            </a:solidFill>
+          </a:ln>
+        </p:spPr>
+        <p:style>
+          <a:lnRef idx="2">
+            <a:schemeClr val="accent1">
+              <a:shade val="50000"/>
+            </a:schemeClr>
+          </a:lnRef>
+          <a:fillRef idx="1">
+            <a:schemeClr val="accent1"/>
+          </a:fillRef>
+          <a:effectRef idx="0">
+            <a:schemeClr val="accent1"/>
+          </a:effectRef>
+          <a:fontRef idx="minor">
+            <a:schemeClr val="lt1"/>
+          </a:fontRef>
+        </p:style>
+        <p:txBody>
+          <a:bodyPr rtlCol="0" anchor="ctr"/>
+          <a:lstStyle/>
+          <a:p>
+            <a:pPr algn="ctr"/>
+            <a:r>
+              <a:rPr lang="en-US" sz="1400" dirty="0">
+                <a:solidFill>
+                  <a:schemeClr val="tx1"/>
+                </a:solidFill>
+              </a:rPr>
+              <a:t>_modeMenu</a:t>
+            </a:r>
+            <a:r>
+              <a:rPr lang="en-ID" sz="1400" dirty="0">
+                <a:solidFill>
+                  <a:schemeClr val="tx1"/>
+                </a:solidFill>
+              </a:rPr>
+              <a:t> = </a:t>
+            </a:r>
+            <a:r>
+              <a:rPr lang="en-ID" sz="1400" b="0" dirty="0">
+                <a:solidFill>
+                  <a:schemeClr val="tx1"/>
+                </a:solidFill>
+                <a:effectLst/>
+                <a:latin typeface="Consolas" panose="020B0609020204030204" pitchFamily="49" charset="0"/>
+              </a:rPr>
+              <a:t>MODE_MENU_PARAMETER</a:t>
+            </a:r>
+          </a:p>
+        </p:txBody>
+      </p:sp>
+      <p:cxnSp>
+        <p:nvCxnSpPr>
+          <p:cNvPr id="21" name="Elbow Connector 20"/>
+          <p:cNvCxnSpPr>
+            <a:stCxn id="84" idx="2"/>
+            <a:endCxn id="38" idx="0"/>
+          </p:cNvCxnSpPr>
+          <p:nvPr/>
+        </p:nvCxnSpPr>
+        <p:spPr>
+          <a:xfrm rot="5400000">
+            <a:off x="2223101" y="2923814"/>
+            <a:ext cx="362300" cy="216024"/>
+          </a:xfrm>
+          <a:prstGeom prst="bentConnector3">
+            <a:avLst/>
+          </a:prstGeom>
+          <a:ln w="19050">
+            <a:solidFill>
+              <a:srgbClr val="003300"/>
+            </a:solidFill>
+            <a:tailEnd type="arrow"/>
+          </a:ln>
+        </p:spPr>
+        <p:style>
+          <a:lnRef idx="1">
+            <a:schemeClr val="accent1"/>
+          </a:lnRef>
+          <a:fillRef idx="0">
+            <a:schemeClr val="accent1"/>
+          </a:fillRef>
+          <a:effectRef idx="0">
+            <a:schemeClr val="accent1"/>
+          </a:effectRef>
+          <a:fontRef idx="minor">
+            <a:schemeClr val="tx1"/>
+          </a:fontRef>
+        </p:style>
+      </p:cxnSp>
+      <p:cxnSp>
+        <p:nvCxnSpPr>
+          <p:cNvPr id="44" name="Straight Arrow Connector 43">
+            <a:extLst>
+              <a:ext uri="{FF2B5EF4-FFF2-40B4-BE49-F238E27FC236}">
+                <a16:creationId xmlns:a16="http://schemas.microsoft.com/office/drawing/2014/main" id="{9DA6D301-49E9-4BDA-9ADF-E67A1B9C374D}"/>
+              </a:ext>
+            </a:extLst>
+          </p:cNvPr>
+          <p:cNvCxnSpPr>
+            <a:cxnSpLocks/>
+            <a:endCxn id="45" idx="1"/>
+          </p:cNvCxnSpPr>
+          <p:nvPr/>
+        </p:nvCxnSpPr>
+        <p:spPr>
+          <a:xfrm>
+            <a:off x="3779912" y="4929035"/>
+            <a:ext cx="440190" cy="0"/>
+          </a:xfrm>
+          <a:prstGeom prst="straightConnector1">
+            <a:avLst/>
+          </a:prstGeom>
+          <a:ln w="19050">
+            <a:solidFill>
+              <a:srgbClr val="003300"/>
+            </a:solidFill>
+            <a:tailEnd type="arrow"/>
+          </a:ln>
+        </p:spPr>
+        <p:style>
+          <a:lnRef idx="1">
+            <a:schemeClr val="accent1"/>
+          </a:lnRef>
+          <a:fillRef idx="0">
+            <a:schemeClr val="accent1"/>
+          </a:fillRef>
+          <a:effectRef idx="0">
+            <a:schemeClr val="accent1"/>
+          </a:effectRef>
+          <a:fontRef idx="minor">
+            <a:schemeClr val="tx1"/>
+          </a:fontRef>
+        </p:style>
+      </p:cxnSp>
+      <p:sp>
+        <p:nvSpPr>
+          <p:cNvPr id="45" name="Flowchart: Predefined Process 44">
+            <a:extLst>
+              <a:ext uri="{FF2B5EF4-FFF2-40B4-BE49-F238E27FC236}">
+                <a16:creationId xmlns:a16="http://schemas.microsoft.com/office/drawing/2014/main" id="{45A00864-4430-46FB-9A24-807D47C7B406}"/>
+              </a:ext>
+            </a:extLst>
+          </p:cNvPr>
+          <p:cNvSpPr/>
+          <p:nvPr/>
+        </p:nvSpPr>
+        <p:spPr>
+          <a:xfrm>
+            <a:off x="4220102" y="4721465"/>
+            <a:ext cx="3736274" cy="415140"/>
+          </a:xfrm>
+          <a:prstGeom prst="flowChartPredefinedProcess">
+            <a:avLst/>
+          </a:prstGeom>
+          <a:noFill/>
+          <a:ln>
+            <a:solidFill>
+              <a:schemeClr val="tx1"/>
+            </a:solidFill>
+          </a:ln>
+        </p:spPr>
+        <p:style>
+          <a:lnRef idx="2">
+            <a:schemeClr val="accent1">
+              <a:shade val="50000"/>
+            </a:schemeClr>
+          </a:lnRef>
+          <a:fillRef idx="1">
+            <a:schemeClr val="accent1"/>
+          </a:fillRef>
+          <a:effectRef idx="0">
+            <a:schemeClr val="accent1"/>
+          </a:effectRef>
+          <a:fontRef idx="minor">
+            <a:schemeClr val="lt1"/>
+          </a:fontRef>
+        </p:style>
+        <p:txBody>
+          <a:bodyPr rtlCol="0" anchor="ctr"/>
+          <a:lstStyle/>
+          <a:p>
+            <a:pPr algn="ctr"/>
+            <a:r>
+              <a:rPr lang="en-ID" sz="1200" dirty="0">
+                <a:solidFill>
+                  <a:schemeClr val="tx1"/>
+                </a:solidFill>
+              </a:rPr>
+              <a:t>Key =  this-&gt;_menuChangeParameter(key)</a:t>
+            </a:r>
+            <a:endParaRPr lang="en-US" sz="1200" dirty="0"/>
+          </a:p>
+        </p:txBody>
+      </p:sp>
+      <p:sp>
+        <p:nvSpPr>
+          <p:cNvPr id="46" name="Flowchart: Decision 45">
+            <a:extLst>
+              <a:ext uri="{FF2B5EF4-FFF2-40B4-BE49-F238E27FC236}">
+                <a16:creationId xmlns:a16="http://schemas.microsoft.com/office/drawing/2014/main" id="{1E32E4E6-7CBB-4B16-A851-2C84F576DC19}"/>
+              </a:ext>
+            </a:extLst>
+          </p:cNvPr>
+          <p:cNvSpPr/>
+          <p:nvPr/>
+        </p:nvSpPr>
+        <p:spPr>
+          <a:xfrm>
+            <a:off x="683568" y="4509120"/>
+            <a:ext cx="3225342" cy="839830"/>
+          </a:xfrm>
+          <a:prstGeom prst="flowChartDecision">
+            <a:avLst/>
+          </a:prstGeom>
+          <a:noFill/>
+          <a:ln w="19050">
+            <a:solidFill>
+              <a:schemeClr val="tx1"/>
+            </a:solidFill>
+          </a:ln>
+        </p:spPr>
+        <p:style>
+          <a:lnRef idx="2">
+            <a:schemeClr val="accent1">
+              <a:shade val="50000"/>
+            </a:schemeClr>
+          </a:lnRef>
+          <a:fillRef idx="1">
+            <a:schemeClr val="accent1"/>
+          </a:fillRef>
+          <a:effectRef idx="0">
+            <a:schemeClr val="accent1"/>
+          </a:effectRef>
+          <a:fontRef idx="minor">
+            <a:schemeClr val="lt1"/>
+          </a:fontRef>
+        </p:style>
+        <p:txBody>
+          <a:bodyPr rtlCol="0" anchor="ctr"/>
+          <a:lstStyle/>
+          <a:p>
+            <a:pPr algn="ctr"/>
+            <a:r>
+              <a:rPr lang="en-US" sz="1400" dirty="0">
+                <a:solidFill>
+                  <a:schemeClr val="tx1"/>
+                </a:solidFill>
+              </a:rPr>
+              <a:t>_modeMenu</a:t>
+            </a:r>
+            <a:r>
+              <a:rPr lang="en-ID" sz="1400" dirty="0">
+                <a:solidFill>
+                  <a:schemeClr val="tx1"/>
+                </a:solidFill>
+              </a:rPr>
+              <a:t> = </a:t>
+            </a:r>
+            <a:r>
+              <a:rPr lang="en-ID" sz="1400" b="0" dirty="0">
+                <a:solidFill>
+                  <a:schemeClr val="tx1"/>
+                </a:solidFill>
+                <a:effectLst/>
+                <a:latin typeface="Consolas" panose="020B0609020204030204" pitchFamily="49" charset="0"/>
+              </a:rPr>
+              <a:t>MODE_CHANGE_PARAMETER</a:t>
+            </a:r>
+          </a:p>
+        </p:txBody>
+      </p:sp>
+      <p:cxnSp>
+        <p:nvCxnSpPr>
+          <p:cNvPr id="25" name="Elbow Connector 24"/>
+          <p:cNvCxnSpPr>
+            <a:stCxn id="38" idx="2"/>
+            <a:endCxn id="46" idx="0"/>
+          </p:cNvCxnSpPr>
+          <p:nvPr/>
+        </p:nvCxnSpPr>
+        <p:spPr>
+          <a:xfrm rot="5400000">
+            <a:off x="2068082" y="4280963"/>
+            <a:ext cx="456314" cy="12700"/>
+          </a:xfrm>
+          <a:prstGeom prst="bentConnector3">
+            <a:avLst/>
+          </a:prstGeom>
+          <a:ln w="19050">
+            <a:solidFill>
+              <a:schemeClr val="tx1"/>
+            </a:solidFill>
+            <a:tailEnd type="arrow"/>
+          </a:ln>
+        </p:spPr>
+        <p:style>
+          <a:lnRef idx="1">
+            <a:schemeClr val="accent1"/>
+          </a:lnRef>
+          <a:fillRef idx="0">
+            <a:schemeClr val="accent1"/>
+          </a:fillRef>
+          <a:effectRef idx="0">
+            <a:schemeClr val="accent1"/>
+          </a:effectRef>
+          <a:fontRef idx="minor">
+            <a:schemeClr val="tx1"/>
+          </a:fontRef>
+        </p:style>
+      </p:cxnSp>
+      <p:sp>
+        <p:nvSpPr>
+          <p:cNvPr id="49" name="Flowchart: Off-page Connector 48">
+            <a:hlinkClick r:id="rId3" action="ppaction://hlinksldjump"/>
+          </p:cNvPr>
+          <p:cNvSpPr/>
+          <p:nvPr/>
+        </p:nvSpPr>
+        <p:spPr>
+          <a:xfrm>
+            <a:off x="2016511" y="5857688"/>
+            <a:ext cx="490893" cy="360040"/>
+          </a:xfrm>
+          <a:prstGeom prst="flowChartOffpageConnector">
+            <a:avLst/>
+          </a:prstGeom>
+          <a:noFill/>
+          <a:ln>
+            <a:solidFill>
+              <a:schemeClr val="tx1"/>
+            </a:solidFill>
+          </a:ln>
+        </p:spPr>
+        <p:style>
+          <a:lnRef idx="2">
+            <a:schemeClr val="accent1">
+              <a:shade val="50000"/>
+            </a:schemeClr>
+          </a:lnRef>
+          <a:fillRef idx="1">
+            <a:schemeClr val="accent1"/>
+          </a:fillRef>
+          <a:effectRef idx="0">
+            <a:schemeClr val="accent1"/>
+          </a:effectRef>
+          <a:fontRef idx="minor">
+            <a:schemeClr val="lt1"/>
+          </a:fontRef>
+        </p:style>
+        <p:txBody>
+          <a:bodyPr rtlCol="0" anchor="ctr"/>
+          <a:lstStyle/>
+          <a:p>
+            <a:pPr algn="ctr"/>
+            <a:r>
+              <a:rPr lang="en-ID" b="1" dirty="0">
+                <a:solidFill>
+                  <a:schemeClr val="tx1"/>
+                </a:solidFill>
+              </a:rPr>
+              <a:t>0</a:t>
+            </a:r>
+            <a:endParaRPr lang="en-US" b="1" dirty="0">
+              <a:solidFill>
+                <a:schemeClr val="tx1"/>
+              </a:solidFill>
+            </a:endParaRPr>
+          </a:p>
+        </p:txBody>
+      </p:sp>
+      <p:cxnSp>
+        <p:nvCxnSpPr>
+          <p:cNvPr id="47" name="Elbow Connector 46"/>
+          <p:cNvCxnSpPr>
+            <a:stCxn id="46" idx="2"/>
+            <a:endCxn id="49" idx="0"/>
+          </p:cNvCxnSpPr>
+          <p:nvPr/>
+        </p:nvCxnSpPr>
+        <p:spPr>
+          <a:xfrm rot="5400000">
+            <a:off x="2024730" y="5586179"/>
+            <a:ext cx="508738" cy="34281"/>
+          </a:xfrm>
+          <a:prstGeom prst="bentConnector3">
+            <a:avLst/>
+          </a:prstGeom>
+          <a:ln w="19050">
+            <a:solidFill>
+              <a:schemeClr val="tx1"/>
+            </a:solidFill>
+            <a:tailEnd type="arrow"/>
+          </a:ln>
+        </p:spPr>
+        <p:style>
+          <a:lnRef idx="1">
+            <a:schemeClr val="accent1"/>
+          </a:lnRef>
+          <a:fillRef idx="0">
+            <a:schemeClr val="accent1"/>
+          </a:fillRef>
+          <a:effectRef idx="0">
+            <a:schemeClr val="accent1"/>
+          </a:effectRef>
+          <a:fontRef idx="minor">
+            <a:schemeClr val="tx1"/>
+          </a:fontRef>
+        </p:style>
+      </p:cxnSp>
+      <p:cxnSp>
+        <p:nvCxnSpPr>
+          <p:cNvPr id="51" name="Elbow Connector 50"/>
+          <p:cNvCxnSpPr>
+            <a:stCxn id="26" idx="3"/>
+            <a:endCxn id="49" idx="3"/>
+          </p:cNvCxnSpPr>
+          <p:nvPr/>
+        </p:nvCxnSpPr>
+        <p:spPr>
+          <a:xfrm flipH="1">
+            <a:off x="2507404" y="2430761"/>
+            <a:ext cx="4656884" cy="3606947"/>
+          </a:xfrm>
+          <a:prstGeom prst="bentConnector3">
+            <a:avLst>
+              <a:gd name="adj1" fmla="val -28538"/>
+            </a:avLst>
+          </a:prstGeom>
+          <a:ln w="19050">
+            <a:solidFill>
+              <a:srgbClr val="003300"/>
+            </a:solidFill>
+            <a:tailEnd type="arrow"/>
+          </a:ln>
+        </p:spPr>
+        <p:style>
+          <a:lnRef idx="1">
+            <a:schemeClr val="accent1"/>
+          </a:lnRef>
+          <a:fillRef idx="0">
+            <a:schemeClr val="accent1"/>
+          </a:fillRef>
+          <a:effectRef idx="0">
+            <a:schemeClr val="accent1"/>
+          </a:effectRef>
+          <a:fontRef idx="minor">
+            <a:schemeClr val="tx1"/>
+          </a:fontRef>
+        </p:style>
+      </p:cxnSp>
+      <p:cxnSp>
+        <p:nvCxnSpPr>
+          <p:cNvPr id="54" name="Straight Arrow Connector 53"/>
+          <p:cNvCxnSpPr>
+            <a:stCxn id="31" idx="3"/>
+          </p:cNvCxnSpPr>
+          <p:nvPr/>
+        </p:nvCxnSpPr>
+        <p:spPr>
+          <a:xfrm>
+            <a:off x="7668344" y="3632891"/>
+            <a:ext cx="792088" cy="0"/>
+          </a:xfrm>
+          <a:prstGeom prst="straightConnector1">
+            <a:avLst/>
+          </a:prstGeom>
+          <a:ln w="19050">
+            <a:solidFill>
+              <a:srgbClr val="003300"/>
+            </a:solidFill>
+            <a:tailEnd type="arrow"/>
+          </a:ln>
+        </p:spPr>
+        <p:style>
+          <a:lnRef idx="1">
+            <a:schemeClr val="accent1"/>
+          </a:lnRef>
+          <a:fillRef idx="0">
+            <a:schemeClr val="accent1"/>
+          </a:fillRef>
+          <a:effectRef idx="0">
+            <a:schemeClr val="accent1"/>
+          </a:effectRef>
+          <a:fontRef idx="minor">
+            <a:schemeClr val="tx1"/>
+          </a:fontRef>
+        </p:style>
+      </p:cxnSp>
+      <p:cxnSp>
+        <p:nvCxnSpPr>
+          <p:cNvPr id="57" name="Straight Arrow Connector 56"/>
+          <p:cNvCxnSpPr>
+            <a:stCxn id="45" idx="3"/>
+          </p:cNvCxnSpPr>
+          <p:nvPr/>
+        </p:nvCxnSpPr>
+        <p:spPr>
+          <a:xfrm>
+            <a:off x="7956376" y="4929035"/>
+            <a:ext cx="504056" cy="0"/>
+          </a:xfrm>
+          <a:prstGeom prst="straightConnector1">
+            <a:avLst/>
+          </a:prstGeom>
+          <a:ln w="19050">
+            <a:solidFill>
+              <a:srgbClr val="003300"/>
+            </a:solidFill>
+            <a:tailEnd type="arrow"/>
+          </a:ln>
+        </p:spPr>
+        <p:style>
+          <a:lnRef idx="1">
+            <a:schemeClr val="accent1"/>
+          </a:lnRef>
+          <a:fillRef idx="0">
+            <a:schemeClr val="accent1"/>
+          </a:fillRef>
+          <a:effectRef idx="0">
+            <a:schemeClr val="accent1"/>
+          </a:effectRef>
+          <a:fontRef idx="minor">
+            <a:schemeClr val="tx1"/>
+          </a:fontRef>
+        </p:style>
+      </p:cxnSp>
+      <p:sp>
+        <p:nvSpPr>
+          <p:cNvPr id="2" name="Title 1">
+            <a:extLst>
+              <a:ext uri="{FF2B5EF4-FFF2-40B4-BE49-F238E27FC236}">
+                <a16:creationId xmlns:a16="http://schemas.microsoft.com/office/drawing/2014/main" id="{0DB934AE-063D-4F69-A4BD-4E87414288DE}"/>
+              </a:ext>
+            </a:extLst>
+          </p:cNvPr>
+          <p:cNvSpPr>
+            <a:spLocks noGrp="1"/>
+          </p:cNvSpPr>
+          <p:nvPr>
+            <p:ph type="ctrTitle"/>
+          </p:nvPr>
+        </p:nvSpPr>
+        <p:spPr>
+          <a:xfrm>
+            <a:off x="688032" y="227139"/>
+            <a:ext cx="7772400" cy="498553"/>
+          </a:xfrm>
+        </p:spPr>
+        <p:txBody>
+          <a:bodyPr/>
+          <a:lstStyle/>
+          <a:p>
+            <a:pPr algn="ctr" rtl="0" eaLnBrk="1" latinLnBrk="0" hangingPunct="1"/>
+            <a:r>
+              <a:rPr lang="en-ID" sz="1800" b="1" kern="1200" dirty="0">
+                <a:solidFill>
+                  <a:srgbClr val="000000"/>
+                </a:solidFill>
+                <a:effectLst/>
+                <a:latin typeface="Calibri" panose="020F0502020204030204" pitchFamily="34" charset="0"/>
+                <a:ea typeface="+mn-ea"/>
+                <a:cs typeface="+mn-cs"/>
+              </a:rPr>
+              <a:t>Flowchart _locPan-&gt;menu()</a:t>
+            </a:r>
+            <a:endParaRPr lang="en-ID" dirty="0"/>
+          </a:p>
+        </p:txBody>
+      </p:sp>
+      <p:sp>
+        <p:nvSpPr>
+          <p:cNvPr id="4" name="Flowchart: Manual Input 3">
+            <a:extLst>
+              <a:ext uri="{FF2B5EF4-FFF2-40B4-BE49-F238E27FC236}">
+                <a16:creationId xmlns:a16="http://schemas.microsoft.com/office/drawing/2014/main" id="{8472D1EC-F1F6-4D63-AD4F-987C617FEBFB}"/>
+              </a:ext>
+            </a:extLst>
+          </p:cNvPr>
+          <p:cNvSpPr/>
+          <p:nvPr/>
+        </p:nvSpPr>
+        <p:spPr>
+          <a:xfrm>
+            <a:off x="1403648" y="933261"/>
+            <a:ext cx="1955182" cy="586973"/>
+          </a:xfrm>
+          <a:prstGeom prst="flowChartManualInput">
+            <a:avLst/>
+          </a:prstGeom>
+          <a:noFill/>
+          <a:ln>
+            <a:solidFill>
+              <a:srgbClr val="003300"/>
+            </a:solidFill>
+          </a:ln>
+        </p:spPr>
+        <p:style>
+          <a:lnRef idx="2">
+            <a:schemeClr val="accent1">
+              <a:shade val="50000"/>
+            </a:schemeClr>
+          </a:lnRef>
+          <a:fillRef idx="1">
+            <a:schemeClr val="accent1"/>
+          </a:fillRef>
+          <a:effectRef idx="0">
+            <a:schemeClr val="accent1"/>
+          </a:effectRef>
+          <a:fontRef idx="minor">
+            <a:schemeClr val="lt1"/>
+          </a:fontRef>
+        </p:style>
+        <p:txBody>
+          <a:bodyPr rtlCol="0" anchor="ctr"/>
+          <a:lstStyle/>
+          <a:p>
+            <a:pPr algn="ctr"/>
+            <a:r>
+              <a:rPr lang="en-ID" sz="1200" dirty="0">
+                <a:solidFill>
+                  <a:schemeClr val="tx1"/>
+                </a:solidFill>
+              </a:rPr>
+              <a:t>Key =  this-&gt;_getCommand()</a:t>
+            </a:r>
+            <a:endParaRPr lang="en-ID" sz="1200" dirty="0"/>
+          </a:p>
+        </p:txBody>
+      </p:sp>
+    </p:spTree>
+    <p:extLst>
+      <p:ext uri="{BB962C8B-B14F-4D97-AF65-F5344CB8AC3E}">
+        <p14:creationId xmlns:p14="http://schemas.microsoft.com/office/powerpoint/2010/main" val="4006242567"/>
+      </p:ext>
+    </p:extLst>
+  </p:cSld>
+  <p:clrMapOvr>
+    <a:masterClrMapping/>
+  </p:clrMapOvr>
+</p:sld>
+</file>
+
+<file path=ppt/slides/slide16.xml><?xml version="1.0" encoding="utf-8"?>
+<p:sld xmlns:a="http://schemas.openxmlformats.org/drawingml/2006/main" xmlns:r="http://schemas.openxmlformats.org/officeDocument/2006/relationships" xmlns:p="http://schemas.openxmlformats.org/presentationml/2006/main">
+  <p:cSld>
+    <p:spTree>
+      <p:nvGrpSpPr>
+        <p:cNvPr id="1" name=""/>
+        <p:cNvGrpSpPr/>
+        <p:nvPr/>
+      </p:nvGrpSpPr>
+      <p:grpSpPr>
+        <a:xfrm>
+          <a:off x="0" y="0"/>
+          <a:ext cx="0" cy="0"/>
+          <a:chOff x="0" y="0"/>
+          <a:chExt cx="0" cy="0"/>
+        </a:xfrm>
+      </p:grpSpPr>
+      <p:sp>
+        <p:nvSpPr>
+          <p:cNvPr id="84" name="Flowchart: Decision 83">
+            <a:extLst>
+              <a:ext uri="{FF2B5EF4-FFF2-40B4-BE49-F238E27FC236}">
+                <a16:creationId xmlns:a16="http://schemas.microsoft.com/office/drawing/2014/main" id="{1E32E4E6-7CBB-4B16-A851-2C84F576DC19}"/>
+              </a:ext>
+            </a:extLst>
+          </p:cNvPr>
+          <p:cNvSpPr/>
+          <p:nvPr/>
+        </p:nvSpPr>
+        <p:spPr>
+          <a:xfrm>
+            <a:off x="1043608" y="2010846"/>
+            <a:ext cx="2865302" cy="839830"/>
+          </a:xfrm>
+          <a:prstGeom prst="flowChartDecision">
+            <a:avLst/>
+          </a:prstGeom>
+          <a:noFill/>
+          <a:ln w="19050">
+            <a:solidFill>
+              <a:schemeClr val="tx1"/>
+            </a:solidFill>
+          </a:ln>
+        </p:spPr>
+        <p:style>
+          <a:lnRef idx="2">
+            <a:schemeClr val="accent1">
+              <a:shade val="50000"/>
+            </a:schemeClr>
+          </a:lnRef>
+          <a:fillRef idx="1">
+            <a:schemeClr val="accent1"/>
+          </a:fillRef>
+          <a:effectRef idx="0">
+            <a:schemeClr val="accent1"/>
+          </a:effectRef>
+          <a:fontRef idx="minor">
+            <a:schemeClr val="lt1"/>
+          </a:fontRef>
+        </p:style>
+        <p:txBody>
+          <a:bodyPr rtlCol="0" anchor="ctr"/>
+          <a:lstStyle/>
+          <a:p>
+            <a:pPr algn="ctr"/>
+            <a:r>
+              <a:rPr lang="en-ID" dirty="0">
+                <a:solidFill>
+                  <a:schemeClr val="tx1"/>
+                </a:solidFill>
+              </a:rPr>
+              <a:t>_menuIndex = 0</a:t>
+            </a:r>
+            <a:endParaRPr lang="en-ID" sz="1400" b="0" dirty="0">
+              <a:solidFill>
+                <a:schemeClr val="tx1"/>
+              </a:solidFill>
+              <a:effectLst/>
+              <a:latin typeface="Consolas" panose="020B0609020204030204" pitchFamily="49" charset="0"/>
+            </a:endParaRPr>
+          </a:p>
+        </p:txBody>
+      </p:sp>
       <p:sp>
         <p:nvSpPr>
           <p:cNvPr id="19" name="TextBox 18">
@@ -14654,74 +15294,6 @@
           </a:fontRef>
         </p:style>
       </p:cxnSp>
-      <p:sp>
-        <p:nvSpPr>
-          <p:cNvPr id="26" name="Flowchart: Predefined Process 25">
-            <a:extLst>
-              <a:ext uri="{FF2B5EF4-FFF2-40B4-BE49-F238E27FC236}">
-                <a16:creationId xmlns:a16="http://schemas.microsoft.com/office/drawing/2014/main" id="{45A00864-4430-46FB-9A24-807D47C7B406}"/>
-              </a:ext>
-            </a:extLst>
-          </p:cNvPr>
-          <p:cNvSpPr/>
-          <p:nvPr/>
-        </p:nvSpPr>
-        <p:spPr>
-          <a:xfrm>
-            <a:off x="4220102" y="2231791"/>
-            <a:ext cx="4024306" cy="406540"/>
-          </a:xfrm>
-          <a:prstGeom prst="flowChartPredefinedProcess">
-            <a:avLst/>
-          </a:prstGeom>
-          <a:noFill/>
-          <a:ln>
-            <a:solidFill>
-              <a:schemeClr val="tx1"/>
-            </a:solidFill>
-          </a:ln>
-        </p:spPr>
-        <p:style>
-          <a:lnRef idx="2">
-            <a:schemeClr val="accent1">
-              <a:shade val="50000"/>
-            </a:schemeClr>
-          </a:lnRef>
-          <a:fillRef idx="1">
-            <a:schemeClr val="accent1"/>
-          </a:fillRef>
-          <a:effectRef idx="0">
-            <a:schemeClr val="accent1"/>
-          </a:effectRef>
-          <a:fontRef idx="minor">
-            <a:schemeClr val="lt1"/>
-          </a:fontRef>
-        </p:style>
-        <p:txBody>
-          <a:bodyPr rtlCol="0" anchor="ctr"/>
-          <a:lstStyle/>
-          <a:p>
-            <a:r>
-              <a:rPr lang="en-ID" sz="1200" dirty="0">
-                <a:solidFill>
-                  <a:schemeClr val="tx1"/>
-                </a:solidFill>
-              </a:rPr>
-              <a:t>    this-&gt;_sendMenu(this-&gt;_menuIndex);</a:t>
-            </a:r>
-          </a:p>
-          <a:p>
-            <a:r>
-              <a:rPr lang="en-ID" sz="1200" dirty="0">
-                <a:solidFill>
-                  <a:schemeClr val="tx1"/>
-                </a:solidFill>
-              </a:rPr>
-              <a:t>    this-&gt;_viewMenu(this-&gt;_menuIndex);</a:t>
-            </a:r>
-          </a:p>
-        </p:txBody>
-      </p:sp>
       <p:cxnSp>
         <p:nvCxnSpPr>
           <p:cNvPr id="30" name="Straight Arrow Connector 29">
@@ -14815,33 +15387,14 @@
           <a:bodyPr rtlCol="0" anchor="ctr"/>
           <a:lstStyle/>
           <a:p>
+            <a:pPr algn="ctr"/>
             <a:r>
               <a:rPr lang="en-ID" sz="1200" dirty="0">
                 <a:solidFill>
                   <a:schemeClr val="tx1"/>
                 </a:solidFill>
               </a:rPr>
-              <a:t>          idx = this-&gt;_increaseIndex();</a:t>
-            </a:r>
-          </a:p>
-          <a:p>
-            <a:r>
-              <a:rPr lang="en-ID" sz="1200" dirty="0">
-                <a:solidFill>
-                  <a:schemeClr val="tx1"/>
-                </a:solidFill>
-              </a:rPr>
-              <a:t>          this-&gt;_sendMenu(idx);</a:t>
-            </a:r>
-          </a:p>
-          <a:p>
-            <a:r>
-              <a:rPr lang="en-ID" sz="1200" dirty="0">
-                <a:solidFill>
-                  <a:schemeClr val="tx1"/>
-                </a:solidFill>
-              </a:rPr>
-              <a:t>          this-&gt;_viewMenu(idx);</a:t>
+              <a:t>idx = this-&gt;_increaseIndex();</a:t>
             </a:r>
           </a:p>
         </p:txBody>
@@ -15167,19 +15720,20 @@
         <p:nvCxnSpPr>
           <p:cNvPr id="51" name="Elbow Connector 50"/>
           <p:cNvCxnSpPr>
-            <a:stCxn id="26" idx="3"/>
-            <a:endCxn id="56" idx="3"/>
+            <a:cxnSpLocks/>
+            <a:stCxn id="84" idx="3"/>
+            <a:endCxn id="27" idx="2"/>
           </p:cNvCxnSpPr>
           <p:nvPr/>
         </p:nvCxnSpPr>
         <p:spPr>
-          <a:xfrm flipH="1">
-            <a:off x="3452202" y="2435061"/>
-            <a:ext cx="4792206" cy="3890715"/>
+          <a:xfrm>
+            <a:off x="3908910" y="2430761"/>
+            <a:ext cx="2751245" cy="3768648"/>
           </a:xfrm>
           <a:prstGeom prst="bentConnector3">
             <a:avLst>
-              <a:gd name="adj1" fmla="val -4770"/>
+              <a:gd name="adj1" fmla="val 165915"/>
             </a:avLst>
           </a:prstGeom>
           <a:ln w="19050">
@@ -15374,33 +15928,14 @@
           <a:bodyPr rtlCol="0" anchor="ctr"/>
           <a:lstStyle/>
           <a:p>
+            <a:pPr algn="ctr"/>
             <a:r>
               <a:rPr lang="en-ID" sz="1200" dirty="0">
                 <a:solidFill>
                   <a:schemeClr val="tx1"/>
                 </a:solidFill>
               </a:rPr>
-              <a:t>          idx = this-&gt;_decreaseIndex();</a:t>
-            </a:r>
-          </a:p>
-          <a:p>
-            <a:r>
-              <a:rPr lang="en-ID" sz="1200" dirty="0">
-                <a:solidFill>
-                  <a:schemeClr val="tx1"/>
-                </a:solidFill>
-              </a:rPr>
-              <a:t>          this-&gt;_sendMenu(idx);</a:t>
-            </a:r>
-          </a:p>
-          <a:p>
-            <a:r>
-              <a:rPr lang="en-ID" sz="1200" dirty="0">
-                <a:solidFill>
-                  <a:schemeClr val="tx1"/>
-                </a:solidFill>
-              </a:rPr>
-              <a:t>          this-&gt;_viewMenu(idx);</a:t>
+              <a:t>idx = this-&gt;_decreaseIndex();</a:t>
             </a:r>
           </a:p>
         </p:txBody>
@@ -15464,6 +15999,122 @@
           </a:p>
         </p:txBody>
       </p:sp>
+      <p:sp>
+        <p:nvSpPr>
+          <p:cNvPr id="27" name="Parallelogram 26">
+            <a:extLst>
+              <a:ext uri="{FF2B5EF4-FFF2-40B4-BE49-F238E27FC236}">
+                <a16:creationId xmlns:a16="http://schemas.microsoft.com/office/drawing/2014/main" id="{2DEB2690-745F-43C7-AD19-75DD323CFA52}"/>
+              </a:ext>
+            </a:extLst>
+          </p:cNvPr>
+          <p:cNvSpPr/>
+          <p:nvPr/>
+        </p:nvSpPr>
+        <p:spPr>
+          <a:xfrm>
+            <a:off x="4563442" y="5889930"/>
+            <a:ext cx="2174083" cy="618957"/>
+          </a:xfrm>
+          <a:prstGeom prst="parallelogram">
+            <a:avLst/>
+          </a:prstGeom>
+          <a:noFill/>
+          <a:ln>
+            <a:solidFill>
+              <a:srgbClr val="003300"/>
+            </a:solidFill>
+          </a:ln>
+        </p:spPr>
+        <p:style>
+          <a:lnRef idx="2">
+            <a:schemeClr val="accent1">
+              <a:shade val="50000"/>
+            </a:schemeClr>
+          </a:lnRef>
+          <a:fillRef idx="1">
+            <a:schemeClr val="accent1"/>
+          </a:fillRef>
+          <a:effectRef idx="0">
+            <a:schemeClr val="accent1"/>
+          </a:effectRef>
+          <a:fontRef idx="minor">
+            <a:schemeClr val="lt1"/>
+          </a:fontRef>
+        </p:style>
+        <p:txBody>
+          <a:bodyPr rtlCol="0" anchor="ctr"/>
+          <a:lstStyle/>
+          <a:p>
+            <a:pPr algn="ctr"/>
+            <a:r>
+              <a:rPr lang="en-ID" sz="1200" dirty="0">
+                <a:solidFill>
+                  <a:schemeClr val="tx1"/>
+                </a:solidFill>
+              </a:rPr>
+              <a:t>this-&gt;_sendMenu(idx);</a:t>
+            </a:r>
+          </a:p>
+          <a:p>
+            <a:pPr algn="ctr"/>
+            <a:r>
+              <a:rPr lang="en-ID" sz="1200" dirty="0">
+                <a:solidFill>
+                  <a:schemeClr val="tx1"/>
+                </a:solidFill>
+              </a:rPr>
+              <a:t>this-&gt;_viewMenu(idx);</a:t>
+            </a:r>
+            <a:endParaRPr lang="en-ID" sz="1200" dirty="0"/>
+          </a:p>
+        </p:txBody>
+      </p:sp>
+      <p:cxnSp>
+        <p:nvCxnSpPr>
+          <p:cNvPr id="13" name="Connector: Elbow 12">
+            <a:extLst>
+              <a:ext uri="{FF2B5EF4-FFF2-40B4-BE49-F238E27FC236}">
+                <a16:creationId xmlns:a16="http://schemas.microsoft.com/office/drawing/2014/main" id="{242B493A-65C9-43D0-B323-A64305327478}"/>
+              </a:ext>
+            </a:extLst>
+          </p:cNvPr>
+          <p:cNvCxnSpPr>
+            <a:stCxn id="27" idx="5"/>
+            <a:endCxn id="56" idx="3"/>
+          </p:cNvCxnSpPr>
+          <p:nvPr/>
+        </p:nvCxnSpPr>
+        <p:spPr>
+          <a:xfrm rot="10800000" flipV="1">
+            <a:off x="3452202" y="6199408"/>
+            <a:ext cx="1188610" cy="126367"/>
+          </a:xfrm>
+          <a:prstGeom prst="bentConnector3">
+            <a:avLst/>
+          </a:prstGeom>
+          <a:ln w="19050">
+            <a:solidFill>
+              <a:schemeClr val="tx1"/>
+            </a:solidFill>
+            <a:tailEnd type="triangle"/>
+          </a:ln>
+        </p:spPr>
+        <p:style>
+          <a:lnRef idx="1">
+            <a:schemeClr val="accent1"/>
+          </a:lnRef>
+          <a:fillRef idx="0">
+            <a:schemeClr val="accent1"/>
+          </a:fillRef>
+          <a:effectRef idx="0">
+            <a:schemeClr val="accent1"/>
+          </a:effectRef>
+          <a:fontRef idx="minor">
+            <a:schemeClr val="tx1"/>
+          </a:fontRef>
+        </p:style>
+      </p:cxnSp>
     </p:spTree>
     <p:extLst>
       <p:ext uri="{BB962C8B-B14F-4D97-AF65-F5344CB8AC3E}">
@@ -15477,7 +16128,7 @@
 </p:sld>
 </file>
 
-<file path=ppt/slides/slide16.xml><?xml version="1.0" encoding="utf-8"?>
+<file path=ppt/slides/slide17.xml><?xml version="1.0" encoding="utf-8"?>
 <p:sld xmlns:a="http://schemas.openxmlformats.org/drawingml/2006/main" xmlns:r="http://schemas.openxmlformats.org/officeDocument/2006/relationships" xmlns:p="http://schemas.openxmlformats.org/presentationml/2006/main">
   <p:cSld>
     <p:spTree>

--- a/resources/WFPS.pptx
+++ b/resources/WFPS.pptx
@@ -8694,7 +8694,9 @@
       </p:cxnSp>
       <p:sp>
         <p:nvSpPr>
-          <p:cNvPr id="12" name="TextBox 11"/>
+          <p:cNvPr id="12" name="TextBox 11">
+            <a:hlinkClick r:id="rId2" action="ppaction://hlinksldjump"/>
+          </p:cNvPr>
           <p:cNvSpPr txBox="1"/>
           <p:nvPr/>
         </p:nvSpPr>
@@ -8737,7 +8739,9 @@
       </p:sp>
       <p:sp>
         <p:nvSpPr>
-          <p:cNvPr id="13" name="Flowchart: Off-page Connector 12"/>
+          <p:cNvPr id="13" name="Flowchart: Off-page Connector 12">
+            <a:hlinkClick r:id="rId3" action="ppaction://hlinksldjump"/>
+          </p:cNvPr>
           <p:cNvSpPr/>
           <p:nvPr/>
         </p:nvSpPr>
@@ -9006,7 +9010,9 @@
       </p:sp>
       <p:sp>
         <p:nvSpPr>
-          <p:cNvPr id="31" name="Flowchart: Off-page Connector 30"/>
+          <p:cNvPr id="31" name="Flowchart: Off-page Connector 30">
+            <a:hlinkClick r:id="rId3" action="ppaction://hlinksldjump"/>
+          </p:cNvPr>
           <p:cNvSpPr/>
           <p:nvPr/>
         </p:nvSpPr>
@@ -12628,6 +12634,7 @@
       <p:sp>
         <p:nvSpPr>
           <p:cNvPr id="59" name="Flowchart: Off-page Connector 58">
+            <a:hlinkClick r:id="rId2" action="ppaction://hlinksldjump"/>
             <a:extLst>
               <a:ext uri="{FF2B5EF4-FFF2-40B4-BE49-F238E27FC236}">
                 <a16:creationId xmlns:a16="http://schemas.microsoft.com/office/drawing/2014/main" id="{6B4925C3-C91F-4C13-9EE8-CA6BE8136D8A}"/>
@@ -13511,6 +13518,7 @@
       <p:sp>
         <p:nvSpPr>
           <p:cNvPr id="71" name="Flowchart: Off-page Connector 70">
+            <a:hlinkClick r:id="rId2" action="ppaction://hlinksldjump"/>
             <a:extLst>
               <a:ext uri="{FF2B5EF4-FFF2-40B4-BE49-F238E27FC236}">
                 <a16:creationId xmlns:a16="http://schemas.microsoft.com/office/drawing/2014/main" id="{BB484122-89E0-4B7D-9818-D8FDEDD18489}"/>
@@ -13960,10 +13968,11 @@
       </p:sp>
       <p:sp>
         <p:nvSpPr>
-          <p:cNvPr id="26" name="Parallelogram 25">
+          <p:cNvPr id="2" name="Rectangle 1">
+            <a:hlinkClick r:id="rId3" action="ppaction://hlinksldjump"/>
             <a:extLst>
               <a:ext uri="{FF2B5EF4-FFF2-40B4-BE49-F238E27FC236}">
-                <a16:creationId xmlns:a16="http://schemas.microsoft.com/office/drawing/2014/main" id="{557E335D-0558-4211-AEFE-904F38E67332}"/>
+                <a16:creationId xmlns:a16="http://schemas.microsoft.com/office/drawing/2014/main" id="{5E110B70-1668-4EC7-B532-4A513D679008}"/>
               </a:ext>
             </a:extLst>
           </p:cNvPr>
@@ -13972,16 +13981,16 @@
         </p:nvSpPr>
         <p:spPr>
           <a:xfrm>
-            <a:off x="2371101" y="5458569"/>
-            <a:ext cx="2743104" cy="307777"/>
-          </a:xfrm>
-          <a:prstGeom prst="parallelogram">
+            <a:off x="2719760" y="5452107"/>
+            <a:ext cx="1633024" cy="463116"/>
+          </a:xfrm>
+          <a:prstGeom prst="rect">
             <a:avLst/>
           </a:prstGeom>
           <a:noFill/>
           <a:ln>
             <a:solidFill>
-              <a:schemeClr val="tx1"/>
+              <a:srgbClr val="003300"/>
             </a:solidFill>
           </a:ln>
         </p:spPr>
@@ -14007,15 +14016,18 @@
           <a:p>
             <a:pPr algn="ctr"/>
             <a:r>
-              <a:rPr lang="en-ID" sz="1200" b="0" dirty="0">
-                <a:solidFill>
-                  <a:schemeClr val="tx1"/>
-                </a:solidFill>
-                <a:effectLst/>
-                <a:latin typeface="Consolas" panose="020B0609020204030204" pitchFamily="49" charset="0"/>
-              </a:rPr>
-              <a:t>_ solenoidValve- &gt;off();</a:t>
-            </a:r>
+              <a:rPr lang="en-US" dirty="0">
+                <a:solidFill>
+                  <a:srgbClr val="003300"/>
+                </a:solidFill>
+              </a:rPr>
+              <a:t>return</a:t>
+            </a:r>
+            <a:endParaRPr lang="en-ID" dirty="0">
+              <a:solidFill>
+                <a:srgbClr val="003300"/>
+              </a:solidFill>
+            </a:endParaRPr>
           </a:p>
         </p:txBody>
       </p:sp>
@@ -14248,6 +14260,7 @@
       <p:sp>
         <p:nvSpPr>
           <p:cNvPr id="26" name="Flowchart: Predefined Process 25">
+            <a:hlinkClick r:id="rId4" action="ppaction://hlinksldjump"/>
             <a:extLst>
               <a:ext uri="{FF2B5EF4-FFF2-40B4-BE49-F238E27FC236}">
                 <a16:creationId xmlns:a16="http://schemas.microsoft.com/office/drawing/2014/main" id="{45A00864-4430-46FB-9A24-807D47C7B406}"/>
@@ -14299,7 +14312,7 @@
                   <a:schemeClr val="tx1"/>
                 </a:solidFill>
               </a:rPr>
-              <a:t>Key =  this-&gt;_menuMain(key)</a:t>
+              <a:t>this-&gt;_menuMain(key)</a:t>
             </a:r>
             <a:endParaRPr lang="en-US" sz="1200" dirty="0"/>
           </a:p>
@@ -14404,7 +14417,7 @@
                   <a:schemeClr val="tx1"/>
                 </a:solidFill>
               </a:rPr>
-              <a:t>Key =  this-&gt;_menuParameter(key)</a:t>
+              <a:t>this-&gt;_menuParameter(key)</a:t>
             </a:r>
             <a:endParaRPr lang="en-US" sz="1200" dirty="0"/>
           </a:p>
@@ -14625,7 +14638,7 @@
                   <a:schemeClr val="tx1"/>
                 </a:solidFill>
               </a:rPr>
-              <a:t>Key =  this-&gt;_menuChangeParameter(key)</a:t>
+              <a:t>this-&gt;_menuChangeParameter(key)</a:t>
             </a:r>
             <a:endParaRPr lang="en-US" sz="1200" dirty="0"/>
           </a:p>
@@ -14747,79 +14760,20 @@
           </a:fontRef>
         </p:style>
       </p:cxnSp>
-      <p:sp>
-        <p:nvSpPr>
-          <p:cNvPr id="49" name="Flowchart: Off-page Connector 48">
-            <a:hlinkClick r:id="rId3" action="ppaction://hlinksldjump"/>
-          </p:cNvPr>
-          <p:cNvSpPr/>
-          <p:nvPr/>
-        </p:nvSpPr>
-        <p:spPr>
-          <a:xfrm>
-            <a:off x="2016511" y="5857688"/>
-            <a:ext cx="490893" cy="360040"/>
-          </a:xfrm>
-          <a:prstGeom prst="flowChartOffpageConnector">
-            <a:avLst/>
-          </a:prstGeom>
-          <a:noFill/>
-          <a:ln>
-            <a:solidFill>
-              <a:schemeClr val="tx1"/>
-            </a:solidFill>
-          </a:ln>
-        </p:spPr>
-        <p:style>
-          <a:lnRef idx="2">
-            <a:schemeClr val="accent1">
-              <a:shade val="50000"/>
-            </a:schemeClr>
-          </a:lnRef>
-          <a:fillRef idx="1">
-            <a:schemeClr val="accent1"/>
-          </a:fillRef>
-          <a:effectRef idx="0">
-            <a:schemeClr val="accent1"/>
-          </a:effectRef>
-          <a:fontRef idx="minor">
-            <a:schemeClr val="lt1"/>
-          </a:fontRef>
-        </p:style>
-        <p:txBody>
-          <a:bodyPr rtlCol="0" anchor="ctr"/>
-          <a:lstStyle/>
-          <a:p>
-            <a:pPr algn="ctr"/>
-            <a:r>
-              <a:rPr lang="en-ID" b="1" dirty="0">
-                <a:solidFill>
-                  <a:schemeClr val="tx1"/>
-                </a:solidFill>
-              </a:rPr>
-              <a:t>0</a:t>
-            </a:r>
-            <a:endParaRPr lang="en-US" b="1" dirty="0">
-              <a:solidFill>
-                <a:schemeClr val="tx1"/>
-              </a:solidFill>
-            </a:endParaRPr>
-          </a:p>
-        </p:txBody>
-      </p:sp>
       <p:cxnSp>
         <p:nvCxnSpPr>
           <p:cNvPr id="47" name="Elbow Connector 46"/>
           <p:cNvCxnSpPr>
+            <a:cxnSpLocks/>
             <a:stCxn id="46" idx="2"/>
-            <a:endCxn id="49" idx="0"/>
+            <a:endCxn id="22" idx="0"/>
           </p:cNvCxnSpPr>
           <p:nvPr/>
         </p:nvCxnSpPr>
         <p:spPr>
-          <a:xfrm rot="5400000">
-            <a:off x="2024730" y="5586179"/>
-            <a:ext cx="508738" cy="34281"/>
+          <a:xfrm rot="16200000" flipH="1">
+            <a:off x="2022488" y="5622701"/>
+            <a:ext cx="553853" cy="6350"/>
           </a:xfrm>
           <a:prstGeom prst="bentConnector3">
             <a:avLst/>
@@ -14850,19 +14804,20 @@
         <p:nvCxnSpPr>
           <p:cNvPr id="51" name="Elbow Connector 50"/>
           <p:cNvCxnSpPr>
+            <a:cxnSpLocks/>
             <a:stCxn id="26" idx="3"/>
-            <a:endCxn id="49" idx="3"/>
+            <a:endCxn id="22" idx="3"/>
           </p:cNvCxnSpPr>
           <p:nvPr/>
         </p:nvCxnSpPr>
         <p:spPr>
           <a:xfrm flipH="1">
-            <a:off x="2507404" y="2430761"/>
-            <a:ext cx="4656884" cy="3606947"/>
+            <a:off x="3119101" y="2430761"/>
+            <a:ext cx="4045187" cy="3703600"/>
           </a:xfrm>
           <a:prstGeom prst="bentConnector3">
             <a:avLst>
-              <a:gd name="adj1" fmla="val -28538"/>
+              <a:gd name="adj1" fmla="val -32227"/>
             </a:avLst>
           </a:prstGeom>
           <a:ln w="19050">
@@ -15063,6 +15018,71 @@
               <a:t>Key =  this-&gt;_getCommand()</a:t>
             </a:r>
             <a:endParaRPr lang="en-ID" sz="1200" dirty="0"/>
+          </a:p>
+        </p:txBody>
+      </p:sp>
+      <p:sp>
+        <p:nvSpPr>
+          <p:cNvPr id="22" name="Rectangle 21">
+            <a:hlinkClick r:id="rId3" action="ppaction://hlinksldjump"/>
+            <a:extLst>
+              <a:ext uri="{FF2B5EF4-FFF2-40B4-BE49-F238E27FC236}">
+                <a16:creationId xmlns:a16="http://schemas.microsoft.com/office/drawing/2014/main" id="{F9AE7D47-C6DC-46C3-B67F-F6896DABC499}"/>
+              </a:ext>
+            </a:extLst>
+          </p:cNvPr>
+          <p:cNvSpPr/>
+          <p:nvPr/>
+        </p:nvSpPr>
+        <p:spPr>
+          <a:xfrm>
+            <a:off x="1486077" y="5902803"/>
+            <a:ext cx="1633024" cy="463116"/>
+          </a:xfrm>
+          <a:prstGeom prst="rect">
+            <a:avLst/>
+          </a:prstGeom>
+          <a:noFill/>
+          <a:ln>
+            <a:solidFill>
+              <a:srgbClr val="003300"/>
+            </a:solidFill>
+          </a:ln>
+        </p:spPr>
+        <p:style>
+          <a:lnRef idx="2">
+            <a:schemeClr val="accent1">
+              <a:shade val="50000"/>
+            </a:schemeClr>
+          </a:lnRef>
+          <a:fillRef idx="1">
+            <a:schemeClr val="accent1"/>
+          </a:fillRef>
+          <a:effectRef idx="0">
+            <a:schemeClr val="accent1"/>
+          </a:effectRef>
+          <a:fontRef idx="minor">
+            <a:schemeClr val="lt1"/>
+          </a:fontRef>
+        </p:style>
+        <p:txBody>
+          <a:bodyPr rtlCol="0" anchor="ctr"/>
+          <a:lstStyle/>
+          <a:p>
+            <a:pPr algn="ctr"/>
+            <a:r>
+              <a:rPr lang="en-US" dirty="0">
+                <a:solidFill>
+                  <a:srgbClr val="003300"/>
+                </a:solidFill>
+              </a:rPr>
+              <a:t>return</a:t>
+            </a:r>
+            <a:endParaRPr lang="en-ID" dirty="0">
+              <a:solidFill>
+                <a:srgbClr val="003300"/>
+              </a:solidFill>
+            </a:endParaRPr>
           </a:p>
         </p:txBody>
       </p:sp>
@@ -15195,79 +15215,20 @@
           </a:p>
         </p:txBody>
       </p:sp>
-      <p:sp>
-        <p:nvSpPr>
-          <p:cNvPr id="20" name="Flowchart: Predefined Process 19">
-            <a:extLst>
-              <a:ext uri="{FF2B5EF4-FFF2-40B4-BE49-F238E27FC236}">
-                <a16:creationId xmlns:a16="http://schemas.microsoft.com/office/drawing/2014/main" id="{45A00864-4430-46FB-9A24-807D47C7B406}"/>
-              </a:ext>
-            </a:extLst>
-          </p:cNvPr>
-          <p:cNvSpPr/>
-          <p:nvPr/>
-        </p:nvSpPr>
-        <p:spPr>
-          <a:xfrm>
-            <a:off x="947364" y="976750"/>
-            <a:ext cx="2629190" cy="415140"/>
-          </a:xfrm>
-          <a:prstGeom prst="flowChartPredefinedProcess">
-            <a:avLst/>
-          </a:prstGeom>
-          <a:noFill/>
-          <a:ln>
-            <a:solidFill>
-              <a:schemeClr val="tx1"/>
-            </a:solidFill>
-          </a:ln>
-        </p:spPr>
-        <p:style>
-          <a:lnRef idx="2">
-            <a:schemeClr val="accent1">
-              <a:shade val="50000"/>
-            </a:schemeClr>
-          </a:lnRef>
-          <a:fillRef idx="1">
-            <a:schemeClr val="accent1"/>
-          </a:fillRef>
-          <a:effectRef idx="0">
-            <a:schemeClr val="accent1"/>
-          </a:effectRef>
-          <a:fontRef idx="minor">
-            <a:schemeClr val="lt1"/>
-          </a:fontRef>
-        </p:style>
-        <p:txBody>
-          <a:bodyPr rtlCol="0" anchor="ctr"/>
-          <a:lstStyle/>
-          <a:p>
-            <a:pPr algn="ctr"/>
-            <a:r>
-              <a:rPr lang="en-ID" sz="1200" dirty="0">
-                <a:solidFill>
-                  <a:schemeClr val="tx1"/>
-                </a:solidFill>
-              </a:rPr>
-              <a:t>Key =  this-&gt;_getCommand()</a:t>
-            </a:r>
-            <a:endParaRPr lang="en-US" sz="1200" dirty="0"/>
-          </a:p>
-        </p:txBody>
-      </p:sp>
       <p:cxnSp>
         <p:nvCxnSpPr>
           <p:cNvPr id="3" name="Elbow Connector 2"/>
           <p:cNvCxnSpPr>
-            <a:stCxn id="20" idx="2"/>
+            <a:cxnSpLocks/>
+            <a:stCxn id="22" idx="2"/>
             <a:endCxn id="84" idx="0"/>
           </p:cNvCxnSpPr>
           <p:nvPr/>
         </p:nvCxnSpPr>
         <p:spPr>
           <a:xfrm rot="16200000" flipH="1">
-            <a:off x="2059631" y="1594218"/>
-            <a:ext cx="618956" cy="214300"/>
+            <a:off x="2105408" y="1639995"/>
+            <a:ext cx="563914" cy="177788"/>
           </a:xfrm>
           <a:prstGeom prst="bentConnector3">
             <a:avLst/>
@@ -15943,6 +15904,7 @@
       <p:sp>
         <p:nvSpPr>
           <p:cNvPr id="56" name="Flowchart: Off-page Connector 55">
+            <a:hlinkClick r:id="rId4" action="ppaction://hlinksldjump"/>
             <a:extLst>
               <a:ext uri="{FF2B5EF4-FFF2-40B4-BE49-F238E27FC236}">
                 <a16:creationId xmlns:a16="http://schemas.microsoft.com/office/drawing/2014/main" id="{6B04F943-B8F0-4045-882E-05B2CA117E1E}"/>
@@ -16115,6 +16077,66 @@
           </a:fontRef>
         </p:style>
       </p:cxnSp>
+      <p:sp>
+        <p:nvSpPr>
+          <p:cNvPr id="22" name="Flowchart: Manual Input 21">
+            <a:extLst>
+              <a:ext uri="{FF2B5EF4-FFF2-40B4-BE49-F238E27FC236}">
+                <a16:creationId xmlns:a16="http://schemas.microsoft.com/office/drawing/2014/main" id="{B357ACD1-7BEC-42B8-9A52-F50F89285B09}"/>
+              </a:ext>
+            </a:extLst>
+          </p:cNvPr>
+          <p:cNvSpPr/>
+          <p:nvPr/>
+        </p:nvSpPr>
+        <p:spPr>
+          <a:xfrm>
+            <a:off x="1320880" y="859959"/>
+            <a:ext cx="1955182" cy="586973"/>
+          </a:xfrm>
+          <a:prstGeom prst="flowChartManualInput">
+            <a:avLst/>
+          </a:prstGeom>
+          <a:noFill/>
+          <a:ln>
+            <a:solidFill>
+              <a:srgbClr val="003300"/>
+            </a:solidFill>
+          </a:ln>
+        </p:spPr>
+        <p:style>
+          <a:lnRef idx="2">
+            <a:schemeClr val="accent1">
+              <a:shade val="50000"/>
+            </a:schemeClr>
+          </a:lnRef>
+          <a:fillRef idx="1">
+            <a:schemeClr val="accent1"/>
+          </a:fillRef>
+          <a:effectRef idx="0">
+            <a:schemeClr val="accent1"/>
+          </a:effectRef>
+          <a:fontRef idx="minor">
+            <a:schemeClr val="lt1"/>
+          </a:fontRef>
+        </p:style>
+        <p:txBody>
+          <a:bodyPr rtlCol="0" anchor="ctr"/>
+          <a:lstStyle/>
+          <a:p>
+            <a:pPr algn="ctr"/>
+            <a:r>
+              <a:rPr lang="en-ID" sz="1200" dirty="0">
+                <a:solidFill>
+                  <a:schemeClr val="tx1"/>
+                </a:solidFill>
+              </a:rPr>
+              <a:t>Key =  this-&gt;_getCommand()</a:t>
+            </a:r>
+            <a:endParaRPr lang="en-ID" sz="1200" dirty="0"/>
+          </a:p>
+        </p:txBody>
+      </p:sp>
     </p:spTree>
     <p:extLst>
       <p:ext uri="{BB962C8B-B14F-4D97-AF65-F5344CB8AC3E}">
@@ -16568,6 +16590,7 @@
       <p:sp>
         <p:nvSpPr>
           <p:cNvPr id="22" name="Flowchart: Off-page Connector 21">
+            <a:hlinkClick r:id="rId5" action="ppaction://hlinksldjump"/>
             <a:extLst>
               <a:ext uri="{FF2B5EF4-FFF2-40B4-BE49-F238E27FC236}">
                 <a16:creationId xmlns:a16="http://schemas.microsoft.com/office/drawing/2014/main" id="{B8D6A6F9-4123-472B-9716-70EADD87870A}"/>
@@ -20473,7 +20496,9 @@
       </p:cxnSp>
       <p:sp>
         <p:nvSpPr>
-          <p:cNvPr id="29" name="Flowchart: Off-page Connector 28"/>
+          <p:cNvPr id="29" name="Flowchart: Off-page Connector 28">
+            <a:hlinkClick r:id="rId4" action="ppaction://hlinksldjump"/>
+          </p:cNvPr>
           <p:cNvSpPr/>
           <p:nvPr/>
         </p:nvSpPr>
@@ -20683,103 +20708,6 @@
           <a:xfrm rot="10800000" flipV="1">
             <a:off x="3340435" y="1417239"/>
             <a:ext cx="2118710" cy="432019"/>
-          </a:xfrm>
-          <a:prstGeom prst="bentConnector2">
-            <a:avLst/>
-          </a:prstGeom>
-          <a:ln w="19050">
-            <a:solidFill>
-              <a:schemeClr val="tx1"/>
-            </a:solidFill>
-            <a:tailEnd type="arrow"/>
-          </a:ln>
-        </p:spPr>
-        <p:style>
-          <a:lnRef idx="1">
-            <a:schemeClr val="accent1"/>
-          </a:lnRef>
-          <a:fillRef idx="0">
-            <a:schemeClr val="accent1"/>
-          </a:fillRef>
-          <a:effectRef idx="0">
-            <a:schemeClr val="accent1"/>
-          </a:effectRef>
-          <a:fontRef idx="minor">
-            <a:schemeClr val="tx1"/>
-          </a:fontRef>
-        </p:style>
-      </p:cxnSp>
-      <p:sp>
-        <p:nvSpPr>
-          <p:cNvPr id="17" name="Flowchart: Off-page Connector 16"/>
-          <p:cNvSpPr/>
-          <p:nvPr/>
-        </p:nvSpPr>
-        <p:spPr>
-          <a:xfrm rot="10800000">
-            <a:off x="658414" y="3933056"/>
-            <a:ext cx="490893" cy="360040"/>
-          </a:xfrm>
-          <a:prstGeom prst="flowChartOffpageConnector">
-            <a:avLst/>
-          </a:prstGeom>
-          <a:noFill/>
-          <a:ln>
-            <a:solidFill>
-              <a:schemeClr val="tx1"/>
-            </a:solidFill>
-          </a:ln>
-        </p:spPr>
-        <p:style>
-          <a:lnRef idx="2">
-            <a:schemeClr val="accent1">
-              <a:shade val="50000"/>
-            </a:schemeClr>
-          </a:lnRef>
-          <a:fillRef idx="1">
-            <a:schemeClr val="accent1"/>
-          </a:fillRef>
-          <a:effectRef idx="0">
-            <a:schemeClr val="accent1"/>
-          </a:effectRef>
-          <a:fontRef idx="minor">
-            <a:schemeClr val="lt1"/>
-          </a:fontRef>
-        </p:style>
-        <p:txBody>
-          <a:bodyPr rtlCol="0" anchor="ctr"/>
-          <a:lstStyle/>
-          <a:p>
-            <a:pPr algn="ctr"/>
-            <a:r>
-              <a:rPr lang="en-ID" b="1" dirty="0">
-                <a:solidFill>
-                  <a:schemeClr val="tx1"/>
-                </a:solidFill>
-              </a:rPr>
-              <a:t>0</a:t>
-            </a:r>
-            <a:endParaRPr lang="en-US" b="1" dirty="0">
-              <a:solidFill>
-                <a:schemeClr val="tx1"/>
-              </a:solidFill>
-            </a:endParaRPr>
-          </a:p>
-        </p:txBody>
-      </p:sp>
-      <p:cxnSp>
-        <p:nvCxnSpPr>
-          <p:cNvPr id="5" name="Elbow Connector 4"/>
-          <p:cNvCxnSpPr>
-            <a:stCxn id="17" idx="2"/>
-            <a:endCxn id="2" idx="1"/>
-          </p:cNvCxnSpPr>
-          <p:nvPr/>
-        </p:nvCxnSpPr>
-        <p:spPr>
-          <a:xfrm rot="5400000" flipH="1" flipV="1">
-            <a:off x="411369" y="2840629"/>
-            <a:ext cx="1584918" cy="599937"/>
           </a:xfrm>
           <a:prstGeom prst="bentConnector2">
             <a:avLst/>
@@ -21328,7 +21256,9 @@
       </p:cxnSp>
       <p:sp>
         <p:nvSpPr>
-          <p:cNvPr id="28" name="Flowchart: Off-page Connector 27"/>
+          <p:cNvPr id="28" name="Flowchart: Off-page Connector 27">
+            <a:hlinkClick r:id="rId2" action="ppaction://hlinksldjump"/>
+          </p:cNvPr>
           <p:cNvSpPr/>
           <p:nvPr/>
         </p:nvSpPr>
@@ -21863,31 +21793,68 @@
                 <a:effectLst/>
                 <a:latin typeface="Consolas" panose="020B0609020204030204" pitchFamily="49" charset="0"/>
               </a:rPr>
-              <a:t>sensorStatus = _fireSensor-&gt;getStatus()</a:t>
-            </a:r>
-          </a:p>
-          <a:p>
-            <a:pPr algn="ctr"/>
-            <a:r>
-              <a:rPr lang="en-US" sz="1200" b="0" dirty="0">
+              <a:t>sensorStatus = </a:t>
+            </a:r>
+            <a:r>
+              <a:rPr lang="en-ID" sz="1200" b="0" dirty="0">
                 <a:solidFill>
                   <a:schemeClr val="tx1"/>
                 </a:solidFill>
                 <a:effectLst/>
                 <a:latin typeface="Consolas" panose="020B0609020204030204" pitchFamily="49" charset="0"/>
-              </a:rPr>
-              <a:t>operationMode = _pbAMRT-&gt;getCmd(DEBOUNCING_TIME)</a:t>
-            </a:r>
+                <a:hlinkClick r:id="rId2" action="ppaction://hlinksldjump"/>
+              </a:rPr>
+              <a:t>_fireSensor-&gt;getStatus()</a:t>
+            </a:r>
+            <a:endParaRPr lang="en-ID" sz="1200" b="0" dirty="0">
+              <a:solidFill>
+                <a:schemeClr val="tx1"/>
+              </a:solidFill>
+              <a:effectLst/>
+              <a:latin typeface="Consolas" panose="020B0609020204030204" pitchFamily="49" charset="0"/>
+            </a:endParaRPr>
           </a:p>
           <a:p>
             <a:pPr algn="ctr"/>
             <a:r>
-              <a:rPr lang="en-ID" sz="1200" b="0" dirty="0">
+              <a:rPr lang="en-US" sz="1200" b="0" dirty="0">
                 <a:solidFill>
                   <a:schemeClr val="tx1"/>
                 </a:solidFill>
                 <a:effectLst/>
                 <a:latin typeface="Consolas" panose="020B0609020204030204" pitchFamily="49" charset="0"/>
+              </a:rPr>
+              <a:t>operationMode = </a:t>
+            </a:r>
+            <a:r>
+              <a:rPr lang="en-US" sz="1200" b="0" dirty="0">
+                <a:solidFill>
+                  <a:schemeClr val="tx1"/>
+                </a:solidFill>
+                <a:effectLst/>
+                <a:latin typeface="Consolas" panose="020B0609020204030204" pitchFamily="49" charset="0"/>
+                <a:hlinkClick r:id="rId3" action="ppaction://hlinksldjump"/>
+              </a:rPr>
+              <a:t>_pbAMRT-&gt;getCmd(DEBOUNCING_TIME)</a:t>
+            </a:r>
+            <a:endParaRPr lang="en-US" sz="1200" b="0" dirty="0">
+              <a:solidFill>
+                <a:schemeClr val="tx1"/>
+              </a:solidFill>
+              <a:effectLst/>
+              <a:latin typeface="Consolas" panose="020B0609020204030204" pitchFamily="49" charset="0"/>
+            </a:endParaRPr>
+          </a:p>
+          <a:p>
+            <a:pPr algn="ctr"/>
+            <a:r>
+              <a:rPr lang="en-ID" sz="1200" b="0" dirty="0">
+                <a:solidFill>
+                  <a:schemeClr val="tx1"/>
+                </a:solidFill>
+                <a:effectLst/>
+                <a:latin typeface="Consolas" panose="020B0609020204030204" pitchFamily="49" charset="0"/>
+                <a:hlinkClick r:id="rId4" action="ppaction://hlinksldjump"/>
               </a:rPr>
               <a:t>this-&gt;_logicOperation(operationMode, sensorStatus)</a:t>
             </a:r>
@@ -21959,7 +21926,7 @@
         </p:nvSpPr>
         <p:spPr>
           <a:xfrm>
-            <a:off x="1259632" y="5373216"/>
+            <a:off x="1259632" y="5118089"/>
             <a:ext cx="6192688" cy="646325"/>
           </a:xfrm>
           <a:prstGeom prst="flowChartPredefinedProcess">
@@ -22069,7 +22036,7 @@
         </p:nvSpPr>
         <p:spPr>
           <a:xfrm>
-            <a:off x="4122316" y="4476215"/>
+            <a:off x="4122316" y="4221088"/>
             <a:ext cx="457200" cy="457200"/>
           </a:xfrm>
           <a:prstGeom prst="flowChartConnector">
@@ -22125,8 +22092,8 @@
         </p:nvCxnSpPr>
         <p:spPr>
           <a:xfrm rot="5400000">
-            <a:off x="4264112" y="3536682"/>
-            <a:ext cx="1483537" cy="852728"/>
+            <a:off x="4391675" y="3409119"/>
+            <a:ext cx="1228410" cy="852728"/>
           </a:xfrm>
           <a:prstGeom prst="bentConnector2">
             <a:avLst/>
@@ -22171,8 +22138,8 @@
         </p:nvCxnSpPr>
         <p:spPr>
           <a:xfrm rot="16200000" flipH="1">
-            <a:off x="2987549" y="3570047"/>
-            <a:ext cx="796677" cy="1472857"/>
+            <a:off x="3115112" y="3442484"/>
+            <a:ext cx="541550" cy="1472857"/>
           </a:xfrm>
           <a:prstGeom prst="bentConnector2">
             <a:avLst/>
@@ -22213,7 +22180,7 @@
         </p:nvCxnSpPr>
         <p:spPr>
           <a:xfrm>
-            <a:off x="4350916" y="4933415"/>
+            <a:off x="4350916" y="4678288"/>
             <a:ext cx="5060" cy="439801"/>
           </a:xfrm>
           <a:prstGeom prst="straightConnector1">
@@ -22238,26 +22205,114 @@
           </a:fontRef>
         </p:style>
       </p:cxnSp>
-      <p:sp>
-        <p:nvSpPr>
-          <p:cNvPr id="15" name="Flowchart: Off-page Connector 14">
-            <a:hlinkClick r:id="rId2" action="ppaction://hlinksldjump"/>
+      <p:cxnSp>
+        <p:nvCxnSpPr>
+          <p:cNvPr id="4" name="Elbow Connector 3"/>
+          <p:cNvCxnSpPr>
+            <a:cxnSpLocks/>
+            <a:stCxn id="46" idx="2"/>
+            <a:endCxn id="18" idx="0"/>
+          </p:cNvCxnSpPr>
+          <p:nvPr/>
+        </p:nvCxnSpPr>
+        <p:spPr>
+          <a:xfrm rot="16200000" flipH="1">
+            <a:off x="4208019" y="5912370"/>
+            <a:ext cx="400890" cy="104977"/>
+          </a:xfrm>
+          <a:prstGeom prst="bentConnector3">
+            <a:avLst/>
+          </a:prstGeom>
+          <a:ln w="19050">
+            <a:solidFill>
+              <a:srgbClr val="003300"/>
+            </a:solidFill>
+            <a:tailEnd type="arrow"/>
+          </a:ln>
+        </p:spPr>
+        <p:style>
+          <a:lnRef idx="1">
+            <a:schemeClr val="accent1"/>
+          </a:lnRef>
+          <a:fillRef idx="0">
+            <a:schemeClr val="accent1"/>
+          </a:fillRef>
+          <a:effectRef idx="0">
+            <a:schemeClr val="accent1"/>
+          </a:effectRef>
+          <a:fontRef idx="minor">
+            <a:schemeClr val="tx1"/>
+          </a:fontRef>
+        </p:style>
+      </p:cxnSp>
+      <p:sp>
+        <p:nvSpPr>
+          <p:cNvPr id="3" name="Title 2">
+            <a:extLst>
+              <a:ext uri="{FF2B5EF4-FFF2-40B4-BE49-F238E27FC236}">
+                <a16:creationId xmlns:a16="http://schemas.microsoft.com/office/drawing/2014/main" id="{95C9D21F-243A-4C0F-A843-000DBB750B37}"/>
+              </a:ext>
+            </a:extLst>
+          </p:cNvPr>
+          <p:cNvSpPr>
+            <a:spLocks noGrp="1"/>
+          </p:cNvSpPr>
+          <p:nvPr>
+            <p:ph type="ctrTitle"/>
+          </p:nvPr>
+        </p:nvSpPr>
+        <p:spPr>
+          <a:xfrm>
+            <a:off x="693316" y="308014"/>
+            <a:ext cx="7772400" cy="528698"/>
+          </a:xfrm>
+        </p:spPr>
+        <p:txBody>
+          <a:bodyPr/>
+          <a:lstStyle/>
+          <a:p>
+            <a:pPr algn="ctr" rtl="0" eaLnBrk="1" latinLnBrk="0" hangingPunct="1"/>
+            <a:r>
+              <a:rPr lang="en-ID" sz="1800" b="1" kern="1200" dirty="0">
+                <a:solidFill>
+                  <a:srgbClr val="000000"/>
+                </a:solidFill>
+                <a:effectLst/>
+                <a:latin typeface="Calibri" panose="020F0502020204030204" pitchFamily="34" charset="0"/>
+                <a:ea typeface="+mn-ea"/>
+                <a:cs typeface="+mn-cs"/>
+              </a:rPr>
+              <a:t>Flowchart _fpSys-&gt;execute()</a:t>
+            </a:r>
+            <a:endParaRPr lang="en-ID" dirty="0"/>
+          </a:p>
+        </p:txBody>
+      </p:sp>
+      <p:sp>
+        <p:nvSpPr>
+          <p:cNvPr id="18" name="Rectangle 17">
+            <a:hlinkClick r:id="rId5" action="ppaction://hlinksldjump"/>
+            <a:extLst>
+              <a:ext uri="{FF2B5EF4-FFF2-40B4-BE49-F238E27FC236}">
+                <a16:creationId xmlns:a16="http://schemas.microsoft.com/office/drawing/2014/main" id="{63C9BD45-AC12-4523-B56C-C12AF41718D1}"/>
+              </a:ext>
+            </a:extLst>
           </p:cNvPr>
           <p:cNvSpPr/>
           <p:nvPr/>
         </p:nvSpPr>
         <p:spPr>
           <a:xfrm>
-            <a:off x="4320484" y="6244291"/>
-            <a:ext cx="490893" cy="360040"/>
-          </a:xfrm>
-          <a:prstGeom prst="flowChartOffpageConnector">
+            <a:off x="3644441" y="6165304"/>
+            <a:ext cx="1633024" cy="384682"/>
+          </a:xfrm>
+          <a:prstGeom prst="rect">
             <a:avLst/>
           </a:prstGeom>
           <a:noFill/>
           <a:ln>
             <a:solidFill>
-              <a:schemeClr val="tx1"/>
+              <a:srgbClr val="003300"/>
             </a:solidFill>
           </a:ln>
         </p:spPr>
@@ -22283,100 +22338,18 @@
           <a:p>
             <a:pPr algn="ctr"/>
             <a:r>
-              <a:rPr lang="en-ID" b="1" dirty="0">
-                <a:solidFill>
-                  <a:schemeClr val="tx1"/>
-                </a:solidFill>
-              </a:rPr>
-              <a:t>0</a:t>
-            </a:r>
-            <a:endParaRPr lang="en-US" b="1" dirty="0">
+              <a:rPr lang="en-US" dirty="0">
+                <a:solidFill>
+                  <a:srgbClr val="003300"/>
+                </a:solidFill>
+              </a:rPr>
+              <a:t>return</a:t>
+            </a:r>
+            <a:endParaRPr lang="en-ID" dirty="0">
               <a:solidFill>
-                <a:schemeClr val="tx1"/>
+                <a:srgbClr val="003300"/>
               </a:solidFill>
             </a:endParaRPr>
-          </a:p>
-        </p:txBody>
-      </p:sp>
-      <p:cxnSp>
-        <p:nvCxnSpPr>
-          <p:cNvPr id="4" name="Elbow Connector 3"/>
-          <p:cNvCxnSpPr>
-            <a:stCxn id="46" idx="2"/>
-            <a:endCxn id="15" idx="0"/>
-          </p:cNvCxnSpPr>
-          <p:nvPr/>
-        </p:nvCxnSpPr>
-        <p:spPr>
-          <a:xfrm rot="16200000" flipH="1">
-            <a:off x="4348578" y="6026938"/>
-            <a:ext cx="224750" cy="209955"/>
-          </a:xfrm>
-          <a:prstGeom prst="bentConnector3">
-            <a:avLst/>
-          </a:prstGeom>
-          <a:ln w="19050">
-            <a:solidFill>
-              <a:srgbClr val="003300"/>
-            </a:solidFill>
-            <a:tailEnd type="arrow"/>
-          </a:ln>
-        </p:spPr>
-        <p:style>
-          <a:lnRef idx="1">
-            <a:schemeClr val="accent1"/>
-          </a:lnRef>
-          <a:fillRef idx="0">
-            <a:schemeClr val="accent1"/>
-          </a:fillRef>
-          <a:effectRef idx="0">
-            <a:schemeClr val="accent1"/>
-          </a:effectRef>
-          <a:fontRef idx="minor">
-            <a:schemeClr val="tx1"/>
-          </a:fontRef>
-        </p:style>
-      </p:cxnSp>
-      <p:sp>
-        <p:nvSpPr>
-          <p:cNvPr id="3" name="Title 2">
-            <a:extLst>
-              <a:ext uri="{FF2B5EF4-FFF2-40B4-BE49-F238E27FC236}">
-                <a16:creationId xmlns:a16="http://schemas.microsoft.com/office/drawing/2014/main" id="{95C9D21F-243A-4C0F-A843-000DBB750B37}"/>
-              </a:ext>
-            </a:extLst>
-          </p:cNvPr>
-          <p:cNvSpPr>
-            <a:spLocks noGrp="1"/>
-          </p:cNvSpPr>
-          <p:nvPr>
-            <p:ph type="ctrTitle"/>
-          </p:nvPr>
-        </p:nvSpPr>
-        <p:spPr>
-          <a:xfrm>
-            <a:off x="693316" y="308014"/>
-            <a:ext cx="7772400" cy="528698"/>
-          </a:xfrm>
-        </p:spPr>
-        <p:txBody>
-          <a:bodyPr/>
-          <a:lstStyle/>
-          <a:p>
-            <a:pPr algn="ctr" rtl="0" eaLnBrk="1" latinLnBrk="0" hangingPunct="1"/>
-            <a:r>
-              <a:rPr lang="en-ID" sz="1800" b="1" kern="1200" dirty="0">
-                <a:solidFill>
-                  <a:srgbClr val="000000"/>
-                </a:solidFill>
-                <a:effectLst/>
-                <a:latin typeface="Calibri" panose="020F0502020204030204" pitchFamily="34" charset="0"/>
-                <a:ea typeface="+mn-ea"/>
-                <a:cs typeface="+mn-cs"/>
-              </a:rPr>
-              <a:t>Flowchart _fpSys-&gt;execute()</a:t>
-            </a:r>
-            <a:endParaRPr lang="en-ID" dirty="0"/>
           </a:p>
         </p:txBody>
       </p:sp>
@@ -22418,7 +22391,7 @@
         </p:nvSpPr>
         <p:spPr>
           <a:xfrm>
-            <a:off x="2879812" y="2551485"/>
+            <a:off x="2951820" y="2900954"/>
             <a:ext cx="1800200" cy="1224136"/>
           </a:xfrm>
           <a:prstGeom prst="flowChartDecision">
@@ -22472,14 +22445,14 @@
         <p:nvCxnSpPr>
           <p:cNvPr id="7" name="Straight Arrow Connector 6"/>
           <p:cNvCxnSpPr>
-            <a:stCxn id="2" idx="2"/>
+            <a:cxnSpLocks/>
             <a:endCxn id="5" idx="0"/>
           </p:cNvCxnSpPr>
           <p:nvPr/>
         </p:nvCxnSpPr>
         <p:spPr>
           <a:xfrm>
-            <a:off x="3779912" y="1844824"/>
+            <a:off x="3851920" y="2194293"/>
             <a:ext cx="0" cy="706661"/>
           </a:xfrm>
           <a:prstGeom prst="straightConnector1">
@@ -22518,7 +22491,7 @@
         </p:nvCxnSpPr>
         <p:spPr>
           <a:xfrm>
-            <a:off x="4680012" y="3163553"/>
+            <a:off x="4752020" y="3513022"/>
             <a:ext cx="828092" cy="0"/>
           </a:xfrm>
           <a:prstGeom prst="straightConnector1">
@@ -22557,7 +22530,7 @@
         </p:nvCxnSpPr>
         <p:spPr>
           <a:xfrm>
-            <a:off x="3779912" y="3775621"/>
+            <a:off x="3851920" y="4125090"/>
             <a:ext cx="0" cy="620045"/>
           </a:xfrm>
           <a:prstGeom prst="straightConnector1">
@@ -22593,7 +22566,7 @@
         </p:nvSpPr>
         <p:spPr>
           <a:xfrm>
-            <a:off x="4890478" y="2758746"/>
+            <a:off x="4962486" y="3108215"/>
             <a:ext cx="485518" cy="369332"/>
           </a:xfrm>
           <a:prstGeom prst="rect">
@@ -22623,7 +22596,7 @@
         </p:nvSpPr>
         <p:spPr>
           <a:xfrm>
-            <a:off x="3851920" y="3851756"/>
+            <a:off x="3923928" y="4201225"/>
             <a:ext cx="455574" cy="369332"/>
           </a:xfrm>
           <a:prstGeom prst="rect">
@@ -22653,7 +22626,7 @@
         </p:nvSpPr>
         <p:spPr>
           <a:xfrm>
-            <a:off x="5508104" y="2840387"/>
+            <a:off x="5580112" y="3189856"/>
             <a:ext cx="1656184" cy="646331"/>
           </a:xfrm>
           <a:prstGeom prst="rect">
@@ -22683,105 +22656,15 @@
       </p:sp>
       <p:sp>
         <p:nvSpPr>
-          <p:cNvPr id="2" name="Flowchart: Predefined Process 1"/>
-          <p:cNvSpPr/>
-          <p:nvPr/>
-        </p:nvSpPr>
-        <p:spPr>
-          <a:xfrm>
-            <a:off x="1619672" y="836712"/>
-            <a:ext cx="4320480" cy="1008112"/>
-          </a:xfrm>
-          <a:prstGeom prst="flowChartPredefinedProcess">
-            <a:avLst/>
-          </a:prstGeom>
-          <a:noFill/>
-          <a:ln>
-            <a:solidFill>
-              <a:schemeClr val="tx1"/>
-            </a:solidFill>
-          </a:ln>
-        </p:spPr>
-        <p:style>
-          <a:lnRef idx="2">
-            <a:schemeClr val="accent1">
-              <a:shade val="50000"/>
-            </a:schemeClr>
-          </a:lnRef>
-          <a:fillRef idx="1">
-            <a:schemeClr val="accent1"/>
-          </a:fillRef>
-          <a:effectRef idx="0">
-            <a:schemeClr val="accent1"/>
-          </a:effectRef>
-          <a:fontRef idx="minor">
-            <a:schemeClr val="lt1"/>
-          </a:fontRef>
-        </p:style>
-        <p:txBody>
-          <a:bodyPr rtlCol="0" anchor="ctr"/>
-          <a:lstStyle/>
-          <a:p>
-            <a:pPr algn="ctr"/>
-            <a:endParaRPr lang="en-ID" dirty="0">
-              <a:solidFill>
-                <a:schemeClr val="tx1"/>
-              </a:solidFill>
-            </a:endParaRPr>
-          </a:p>
-          <a:p>
-            <a:pPr algn="ctr"/>
-            <a:r>
-              <a:rPr lang="en-ID" dirty="0">
-                <a:solidFill>
-                  <a:schemeClr val="tx1"/>
-                </a:solidFill>
-              </a:rPr>
-              <a:t>getValue from sensor</a:t>
-            </a:r>
-          </a:p>
-          <a:p>
-            <a:pPr algn="ctr"/>
-            <a:r>
-              <a:rPr lang="en-ID" dirty="0">
-                <a:solidFill>
-                  <a:schemeClr val="tx1"/>
-                </a:solidFill>
-              </a:rPr>
-              <a:t>(with AlfaEMA filter)</a:t>
-            </a:r>
-          </a:p>
-          <a:p>
-            <a:pPr algn="ctr"/>
-            <a:r>
-              <a:rPr lang="en-ID" dirty="0">
-                <a:solidFill>
-                  <a:schemeClr val="tx1"/>
-                </a:solidFill>
-              </a:rPr>
-              <a:t>statusAi = NO_ALARM</a:t>
-            </a:r>
-            <a:endParaRPr lang="en-US" dirty="0">
-              <a:solidFill>
-                <a:schemeClr val="tx1"/>
-              </a:solidFill>
-            </a:endParaRPr>
-          </a:p>
-          <a:p>
-            <a:pPr algn="ctr"/>
-            <a:endParaRPr lang="en-US" dirty="0"/>
-          </a:p>
-        </p:txBody>
-      </p:sp>
-      <p:sp>
-        <p:nvSpPr>
-          <p:cNvPr id="18" name="TextBox 17"/>
+          <p:cNvPr id="18" name="TextBox 17">
+            <a:hlinkClick r:id="rId2" action="ppaction://hlinksldjump"/>
+          </p:cNvPr>
           <p:cNvSpPr txBox="1"/>
           <p:nvPr/>
         </p:nvSpPr>
         <p:spPr>
           <a:xfrm>
-            <a:off x="2945291" y="5517232"/>
+            <a:off x="3017299" y="5866701"/>
             <a:ext cx="1656184" cy="646331"/>
           </a:xfrm>
           <a:prstGeom prst="rect">
@@ -22820,7 +22703,7 @@
         </p:nvCxnSpPr>
         <p:spPr>
           <a:xfrm flipH="1">
-            <a:off x="3773383" y="4852866"/>
+            <a:off x="3845391" y="5202335"/>
             <a:ext cx="6529" cy="664366"/>
           </a:xfrm>
           <a:prstGeom prst="straightConnector1">
@@ -22859,7 +22742,7 @@
         </p:nvCxnSpPr>
         <p:spPr>
           <a:xfrm rot="5400000">
-            <a:off x="4603580" y="2891650"/>
+            <a:off x="4675588" y="3241119"/>
             <a:ext cx="1137548" cy="2327684"/>
           </a:xfrm>
           <a:prstGeom prst="bentConnector2">
@@ -22895,8 +22778,8 @@
         </p:nvSpPr>
         <p:spPr>
           <a:xfrm>
-            <a:off x="5422877" y="6163563"/>
-            <a:ext cx="3541611" cy="369332"/>
+            <a:off x="3363079" y="609100"/>
+            <a:ext cx="2417841" cy="276999"/>
           </a:xfrm>
           <a:prstGeom prst="rect">
             <a:avLst/>
@@ -22910,10 +22793,10 @@
           <a:lstStyle/>
           <a:p>
             <a:r>
-              <a:rPr lang="en-ID" dirty="0"/>
+              <a:rPr lang="en-ID" sz="1200" dirty="0"/>
               <a:t>File : src\ioDevices\analogInput.cpp</a:t>
             </a:r>
-            <a:endParaRPr lang="en-US" dirty="0"/>
+            <a:endParaRPr lang="en-US" sz="1200" dirty="0"/>
           </a:p>
         </p:txBody>
       </p:sp>
@@ -22925,7 +22808,7 @@
         </p:nvSpPr>
         <p:spPr>
           <a:xfrm>
-            <a:off x="3551312" y="4395666"/>
+            <a:off x="3623320" y="4745135"/>
             <a:ext cx="457200" cy="457200"/>
           </a:xfrm>
           <a:prstGeom prst="flowChartConnector">
@@ -23003,6 +22886,92 @@
               <a:t>Flowchart _fireSensor-&gt;getStatus()</a:t>
             </a:r>
             <a:endParaRPr lang="en-ID" dirty="0"/>
+          </a:p>
+        </p:txBody>
+      </p:sp>
+      <p:sp>
+        <p:nvSpPr>
+          <p:cNvPr id="16" name="Flowchart: Manual Input 15">
+            <a:extLst>
+              <a:ext uri="{FF2B5EF4-FFF2-40B4-BE49-F238E27FC236}">
+                <a16:creationId xmlns:a16="http://schemas.microsoft.com/office/drawing/2014/main" id="{27091FF2-1A72-4930-A4DC-5C181B6FE0F9}"/>
+              </a:ext>
+            </a:extLst>
+          </p:cNvPr>
+          <p:cNvSpPr/>
+          <p:nvPr/>
+        </p:nvSpPr>
+        <p:spPr>
+          <a:xfrm>
+            <a:off x="2807121" y="1273757"/>
+            <a:ext cx="2129715" cy="912543"/>
+          </a:xfrm>
+          <a:prstGeom prst="flowChartManualInput">
+            <a:avLst/>
+          </a:prstGeom>
+          <a:noFill/>
+          <a:ln>
+            <a:solidFill>
+              <a:srgbClr val="003300"/>
+            </a:solidFill>
+          </a:ln>
+        </p:spPr>
+        <p:style>
+          <a:lnRef idx="2">
+            <a:schemeClr val="accent1">
+              <a:shade val="50000"/>
+            </a:schemeClr>
+          </a:lnRef>
+          <a:fillRef idx="1">
+            <a:schemeClr val="accent1"/>
+          </a:fillRef>
+          <a:effectRef idx="0">
+            <a:schemeClr val="accent1"/>
+          </a:effectRef>
+          <a:fontRef idx="minor">
+            <a:schemeClr val="lt1"/>
+          </a:fontRef>
+        </p:style>
+        <p:txBody>
+          <a:bodyPr rtlCol="0" anchor="ctr"/>
+          <a:lstStyle/>
+          <a:p>
+            <a:pPr algn="ctr"/>
+            <a:r>
+              <a:rPr lang="en-ID" sz="1400" dirty="0">
+                <a:solidFill>
+                  <a:schemeClr val="tx1"/>
+                </a:solidFill>
+              </a:rPr>
+              <a:t>getValue from sensor</a:t>
+            </a:r>
+          </a:p>
+          <a:p>
+            <a:pPr algn="ctr"/>
+            <a:r>
+              <a:rPr lang="en-ID" sz="1400" dirty="0">
+                <a:solidFill>
+                  <a:schemeClr val="tx1"/>
+                </a:solidFill>
+              </a:rPr>
+              <a:t>(with AlfaEMA filter)</a:t>
+            </a:r>
+          </a:p>
+          <a:p>
+            <a:pPr algn="ctr"/>
+            <a:r>
+              <a:rPr lang="en-ID" sz="1400" dirty="0">
+                <a:solidFill>
+                  <a:schemeClr val="tx1"/>
+                </a:solidFill>
+              </a:rPr>
+              <a:t>statusAi = NO_ALARM</a:t>
+            </a:r>
+            <a:endParaRPr lang="en-US" sz="1400" dirty="0">
+              <a:solidFill>
+                <a:schemeClr val="tx1"/>
+              </a:solidFill>
+            </a:endParaRPr>
           </a:p>
         </p:txBody>
       </p:sp>
@@ -23128,7 +23097,7 @@
         <p:nvCxnSpPr>
           <p:cNvPr id="9" name="Straight Arrow Connector 8"/>
           <p:cNvCxnSpPr>
-            <a:stCxn id="112" idx="2"/>
+            <a:cxnSpLocks/>
             <a:endCxn id="7" idx="0"/>
           </p:cNvCxnSpPr>
           <p:nvPr/>
@@ -24378,7 +24347,9 @@
       </p:cxnSp>
       <p:sp>
         <p:nvSpPr>
-          <p:cNvPr id="106" name="Flowchart: Off-page Connector 105"/>
+          <p:cNvPr id="106" name="Flowchart: Off-page Connector 105">
+            <a:hlinkClick r:id="rId3" action="ppaction://hlinksldjump"/>
+          </p:cNvPr>
           <p:cNvSpPr/>
           <p:nvPr/>
         </p:nvSpPr>
@@ -24436,7 +24407,9 @@
       </p:sp>
       <p:sp>
         <p:nvSpPr>
-          <p:cNvPr id="110" name="Flowchart: Off-page Connector 109"/>
+          <p:cNvPr id="110" name="Flowchart: Off-page Connector 109">
+            <a:hlinkClick r:id="rId3" action="ppaction://hlinksldjump"/>
+          </p:cNvPr>
           <p:cNvSpPr/>
           <p:nvPr/>
         </p:nvSpPr>
@@ -24494,22 +24467,83 @@
       </p:sp>
       <p:sp>
         <p:nvSpPr>
-          <p:cNvPr id="112" name="Flowchart: Predefined Process 111"/>
+          <p:cNvPr id="2" name="Title 1">
+            <a:extLst>
+              <a:ext uri="{FF2B5EF4-FFF2-40B4-BE49-F238E27FC236}">
+                <a16:creationId xmlns:a16="http://schemas.microsoft.com/office/drawing/2014/main" id="{249105D3-1723-403A-9054-695516ECFA79}"/>
+              </a:ext>
+            </a:extLst>
+          </p:cNvPr>
+          <p:cNvSpPr>
+            <a:spLocks noGrp="1"/>
+          </p:cNvSpPr>
+          <p:nvPr>
+            <p:ph type="ctrTitle"/>
+          </p:nvPr>
+        </p:nvSpPr>
+        <p:spPr>
+          <a:xfrm>
+            <a:off x="3563887" y="139752"/>
+            <a:ext cx="5286513" cy="525003"/>
+          </a:xfrm>
+        </p:spPr>
+        <p:txBody>
+          <a:bodyPr/>
+          <a:lstStyle/>
+          <a:p>
+            <a:pPr algn="ctr" rtl="0" eaLnBrk="1" latinLnBrk="0" hangingPunct="1"/>
+            <a:r>
+              <a:rPr lang="en-ID" sz="1800" b="1" kern="1200" dirty="0">
+                <a:solidFill>
+                  <a:srgbClr val="000000"/>
+                </a:solidFill>
+                <a:effectLst/>
+                <a:latin typeface="Calibri" panose="020F0502020204030204" pitchFamily="34" charset="0"/>
+                <a:ea typeface="+mn-ea"/>
+                <a:cs typeface="+mn-cs"/>
+              </a:rPr>
+              <a:t>Flowchart </a:t>
+            </a:r>
+            <a:r>
+              <a:rPr lang="en-US" sz="1800" kern="1200" dirty="0">
+                <a:solidFill>
+                  <a:srgbClr val="000000"/>
+                </a:solidFill>
+                <a:effectLst/>
+                <a:latin typeface="Calibri" panose="020F0502020204030204" pitchFamily="34" charset="0"/>
+                <a:ea typeface="+mn-ea"/>
+                <a:cs typeface="+mn-cs"/>
+              </a:rPr>
+              <a:t>_pbAMRT-&gt;getCmd(DEBOUNCING_TIME)</a:t>
+            </a:r>
+            <a:endParaRPr lang="en-ID" dirty="0"/>
+          </a:p>
+        </p:txBody>
+      </p:sp>
+      <p:sp>
+        <p:nvSpPr>
+          <p:cNvPr id="39" name="Flowchart: Manual Input 38">
+            <a:extLst>
+              <a:ext uri="{FF2B5EF4-FFF2-40B4-BE49-F238E27FC236}">
+                <a16:creationId xmlns:a16="http://schemas.microsoft.com/office/drawing/2014/main" id="{04569C9F-5FC2-46F5-9630-28276C1580D1}"/>
+              </a:ext>
+            </a:extLst>
+          </p:cNvPr>
           <p:cNvSpPr/>
           <p:nvPr/>
         </p:nvSpPr>
         <p:spPr>
           <a:xfrm>
-            <a:off x="179512" y="654503"/>
-            <a:ext cx="3532814" cy="830281"/>
-          </a:xfrm>
-          <a:prstGeom prst="flowChartPredefinedProcess">
+            <a:off x="1077247" y="896423"/>
+            <a:ext cx="1955182" cy="586973"/>
+          </a:xfrm>
+          <a:prstGeom prst="flowChartManualInput">
             <a:avLst/>
           </a:prstGeom>
           <a:noFill/>
           <a:ln>
             <a:solidFill>
-              <a:schemeClr val="tx1"/>
+              <a:srgbClr val="003300"/>
             </a:solidFill>
           </a:ln>
         </p:spPr>
@@ -24535,69 +24569,14 @@
           <a:p>
             <a:pPr algn="ctr"/>
             <a:r>
-              <a:rPr lang="en-ID" dirty="0">
+              <a:rPr lang="en-ID" sz="1200" dirty="0">
                 <a:solidFill>
                   <a:schemeClr val="tx1"/>
                 </a:solidFill>
               </a:rPr>
-              <a:t>getData digital with debouncing mechanism</a:t>
-            </a:r>
-            <a:endParaRPr lang="en-US" dirty="0"/>
-          </a:p>
-        </p:txBody>
-      </p:sp>
-      <p:sp>
-        <p:nvSpPr>
-          <p:cNvPr id="2" name="Title 1">
-            <a:extLst>
-              <a:ext uri="{FF2B5EF4-FFF2-40B4-BE49-F238E27FC236}">
-                <a16:creationId xmlns:a16="http://schemas.microsoft.com/office/drawing/2014/main" id="{249105D3-1723-403A-9054-695516ECFA79}"/>
-              </a:ext>
-            </a:extLst>
-          </p:cNvPr>
-          <p:cNvSpPr>
-            <a:spLocks noGrp="1"/>
-          </p:cNvSpPr>
-          <p:nvPr>
-            <p:ph type="ctrTitle"/>
-          </p:nvPr>
-        </p:nvSpPr>
-        <p:spPr>
-          <a:xfrm>
-            <a:off x="3563887" y="139752"/>
-            <a:ext cx="5286513" cy="525003"/>
-          </a:xfrm>
-        </p:spPr>
-        <p:txBody>
-          <a:bodyPr/>
-          <a:lstStyle/>
-          <a:p>
-            <a:pPr algn="ctr" rtl="0" eaLnBrk="1" latinLnBrk="0" hangingPunct="1"/>
-            <a:r>
-              <a:rPr lang="en-ID" sz="1800" b="1" kern="1200" dirty="0">
-                <a:solidFill>
-                  <a:srgbClr val="000000"/>
-                </a:solidFill>
-                <a:effectLst/>
-                <a:latin typeface="Calibri" panose="020F0502020204030204" pitchFamily="34" charset="0"/>
-                <a:ea typeface="+mn-ea"/>
-                <a:cs typeface="+mn-cs"/>
-              </a:rPr>
-              <a:t>Flowchart </a:t>
-            </a:r>
-            <a:r>
-              <a:rPr lang="en-US" sz="1800" kern="1200" dirty="0">
-                <a:solidFill>
-                  <a:srgbClr val="000000"/>
-                </a:solidFill>
-                <a:effectLst/>
-                <a:latin typeface="Calibri" panose="020F0502020204030204" pitchFamily="34" charset="0"/>
-                <a:ea typeface="+mn-ea"/>
-                <a:cs typeface="+mn-cs"/>
-              </a:rPr>
-              <a:t>_pbAMRT-&gt;getCmd(DEBOUNCING_TIME)</a:t>
-            </a:r>
-            <a:endParaRPr lang="en-ID" dirty="0"/>
+              <a:t>getData from P/B with debouncing mechanism</a:t>
+            </a:r>
+            <a:endParaRPr lang="en-US" sz="1200" dirty="0"/>
           </a:p>
         </p:txBody>
       </p:sp>

--- a/resources/WFPS.pptx
+++ b/resources/WFPS.pptx
@@ -16253,8 +16253,8 @@
         </p:nvSpPr>
         <p:spPr>
           <a:xfrm>
-            <a:off x="4118696" y="3067944"/>
-            <a:ext cx="4053704" cy="1246398"/>
+            <a:off x="3908910" y="3067944"/>
+            <a:ext cx="4551522" cy="1246398"/>
           </a:xfrm>
           <a:prstGeom prst="flowChartPredefinedProcess">
             <a:avLst/>
@@ -16424,19 +16424,20 @@
         <p:nvCxnSpPr>
           <p:cNvPr id="51" name="Elbow Connector 50"/>
           <p:cNvCxnSpPr>
+            <a:cxnSpLocks/>
             <a:stCxn id="31" idx="3"/>
-            <a:endCxn id="41" idx="3"/>
+            <a:endCxn id="20" idx="3"/>
           </p:cNvCxnSpPr>
           <p:nvPr/>
         </p:nvCxnSpPr>
         <p:spPr>
           <a:xfrm flipH="1">
-            <a:off x="5101735" y="3691143"/>
-            <a:ext cx="3070665" cy="2450350"/>
+            <a:off x="3783079" y="3691143"/>
+            <a:ext cx="4677353" cy="2474337"/>
           </a:xfrm>
           <a:prstGeom prst="bentConnector3">
             <a:avLst>
-              <a:gd name="adj1" fmla="val -7445"/>
+              <a:gd name="adj1" fmla="val -4887"/>
             </a:avLst>
           </a:prstGeom>
           <a:ln w="19050">
@@ -16510,11 +16511,11 @@
       </p:sp>
       <p:sp>
         <p:nvSpPr>
-          <p:cNvPr id="41" name="Flowchart: Predefined Process 40">
+          <p:cNvPr id="22" name="Flowchart: Off-page Connector 21">
             <a:hlinkClick r:id="rId4" action="ppaction://hlinksldjump"/>
             <a:extLst>
               <a:ext uri="{FF2B5EF4-FFF2-40B4-BE49-F238E27FC236}">
-                <a16:creationId xmlns:a16="http://schemas.microsoft.com/office/drawing/2014/main" id="{96F0C876-AD1A-4AC1-85D3-FC98030E0B4A}"/>
+                <a16:creationId xmlns:a16="http://schemas.microsoft.com/office/drawing/2014/main" id="{B8D6A6F9-4123-472B-9716-70EADD87870A}"/>
               </a:ext>
             </a:extLst>
           </p:cNvPr>
@@ -16523,10 +16524,10 @@
         </p:nvSpPr>
         <p:spPr>
           <a:xfrm>
-            <a:off x="831400" y="5933923"/>
-            <a:ext cx="4270335" cy="415140"/>
-          </a:xfrm>
-          <a:prstGeom prst="flowChartPredefinedProcess">
+            <a:off x="1079660" y="638871"/>
+            <a:ext cx="485633" cy="467744"/>
+          </a:xfrm>
+          <a:prstGeom prst="flowChartOffpageConnector">
             <a:avLst/>
           </a:prstGeom>
           <a:noFill/>
@@ -16558,42 +16559,67 @@
           <a:p>
             <a:pPr algn="ctr"/>
             <a:r>
-              <a:rPr lang="en-ID" sz="1200" b="1" dirty="0">
-                <a:solidFill>
-                  <a:srgbClr val="000000"/>
-                </a:solidFill>
-                <a:latin typeface="Calibri" panose="020F0502020204030204" pitchFamily="34" charset="0"/>
-              </a:rPr>
-              <a:t>_locPan-&gt;menu() =&gt; </a:t>
-            </a:r>
-            <a:r>
-              <a:rPr lang="en-ID" sz="1200" dirty="0">
+              <a:rPr lang="en-US" b="1" dirty="0">
                 <a:solidFill>
                   <a:schemeClr val="tx1"/>
                 </a:solidFill>
               </a:rPr>
-              <a:t>this-&gt;_menuMain(key)</a:t>
-            </a:r>
-            <a:r>
-              <a:rPr lang="en-ID" sz="1200" b="1" dirty="0">
-                <a:solidFill>
-                  <a:srgbClr val="000000"/>
-                </a:solidFill>
-                <a:latin typeface="Calibri" panose="020F0502020204030204" pitchFamily="34" charset="0"/>
-              </a:rPr>
-              <a:t> </a:t>
-            </a:r>
-            <a:endParaRPr lang="en-US" sz="1200" dirty="0"/>
-          </a:p>
-        </p:txBody>
-      </p:sp>
-      <p:sp>
-        <p:nvSpPr>
-          <p:cNvPr id="22" name="Flowchart: Off-page Connector 21">
-            <a:hlinkClick r:id="rId5" action="ppaction://hlinksldjump"/>
+              <a:t>21</a:t>
+            </a:r>
+          </a:p>
+        </p:txBody>
+      </p:sp>
+      <p:cxnSp>
+        <p:nvCxnSpPr>
+          <p:cNvPr id="32" name="Elbow Connector 2">
             <a:extLst>
               <a:ext uri="{FF2B5EF4-FFF2-40B4-BE49-F238E27FC236}">
-                <a16:creationId xmlns:a16="http://schemas.microsoft.com/office/drawing/2014/main" id="{B8D6A6F9-4123-472B-9716-70EADD87870A}"/>
+                <a16:creationId xmlns:a16="http://schemas.microsoft.com/office/drawing/2014/main" id="{67657E21-0916-4A9D-8FD5-86E0AAC9843E}"/>
+              </a:ext>
+            </a:extLst>
+          </p:cNvPr>
+          <p:cNvCxnSpPr>
+            <a:stCxn id="38" idx="2"/>
+            <a:endCxn id="49" idx="2"/>
+          </p:cNvCxnSpPr>
+          <p:nvPr/>
+        </p:nvCxnSpPr>
+        <p:spPr>
+          <a:xfrm rot="16200000" flipH="1">
+            <a:off x="953362" y="3101474"/>
+            <a:ext cx="2214790" cy="990929"/>
+          </a:xfrm>
+          <a:prstGeom prst="bentConnector2">
+            <a:avLst/>
+          </a:prstGeom>
+          <a:ln w="19050">
+            <a:solidFill>
+              <a:schemeClr val="tx1"/>
+            </a:solidFill>
+            <a:tailEnd type="arrow"/>
+          </a:ln>
+        </p:spPr>
+        <p:style>
+          <a:lnRef idx="1">
+            <a:schemeClr val="accent1"/>
+          </a:lnRef>
+          <a:fillRef idx="0">
+            <a:schemeClr val="accent1"/>
+          </a:fillRef>
+          <a:effectRef idx="0">
+            <a:schemeClr val="accent1"/>
+          </a:effectRef>
+          <a:fontRef idx="minor">
+            <a:schemeClr val="tx1"/>
+          </a:fontRef>
+        </p:style>
+      </p:cxnSp>
+      <p:sp>
+        <p:nvSpPr>
+          <p:cNvPr id="37" name="Flowchart: Decision 36">
+            <a:extLst>
+              <a:ext uri="{FF2B5EF4-FFF2-40B4-BE49-F238E27FC236}">
+                <a16:creationId xmlns:a16="http://schemas.microsoft.com/office/drawing/2014/main" id="{97628374-BCF7-4610-ABE8-32C8E8E72D3D}"/>
               </a:ext>
             </a:extLst>
           </p:cNvPr>
@@ -16602,14 +16628,14 @@
         </p:nvSpPr>
         <p:spPr>
           <a:xfrm>
-            <a:off x="1079660" y="638871"/>
-            <a:ext cx="485633" cy="467744"/>
-          </a:xfrm>
-          <a:prstGeom prst="flowChartOffpageConnector">
+            <a:off x="1883077" y="2993651"/>
+            <a:ext cx="1656184" cy="839830"/>
+          </a:xfrm>
+          <a:prstGeom prst="flowChartDecision">
             <a:avLst/>
           </a:prstGeom>
           <a:noFill/>
-          <a:ln>
+          <a:ln w="19050">
             <a:solidFill>
               <a:schemeClr val="tx1"/>
             </a:solidFill>
@@ -16637,44 +16663,45 @@
           <a:p>
             <a:pPr algn="ctr"/>
             <a:r>
-              <a:rPr lang="en-US" b="1" dirty="0">
+              <a:rPr lang="en-ID" sz="1200" dirty="0">
                 <a:solidFill>
                   <a:schemeClr val="tx1"/>
                 </a:solidFill>
               </a:rPr>
-              <a:t>21</a:t>
+              <a:t>menuData.isHasParam</a:t>
             </a:r>
           </a:p>
         </p:txBody>
       </p:sp>
       <p:cxnSp>
         <p:nvCxnSpPr>
-          <p:cNvPr id="32" name="Elbow Connector 2">
+          <p:cNvPr id="24" name="Connector: Elbow 23">
             <a:extLst>
               <a:ext uri="{FF2B5EF4-FFF2-40B4-BE49-F238E27FC236}">
-                <a16:creationId xmlns:a16="http://schemas.microsoft.com/office/drawing/2014/main" id="{67657E21-0916-4A9D-8FD5-86E0AAC9843E}"/>
+                <a16:creationId xmlns:a16="http://schemas.microsoft.com/office/drawing/2014/main" id="{32504B37-D593-44E4-BBDA-4D4835F98342}"/>
               </a:ext>
             </a:extLst>
           </p:cNvPr>
           <p:cNvCxnSpPr>
-            <a:stCxn id="38" idx="2"/>
-            <a:endCxn id="49" idx="2"/>
+            <a:cxnSpLocks/>
+            <a:stCxn id="37" idx="3"/>
+            <a:endCxn id="31" idx="1"/>
           </p:cNvCxnSpPr>
           <p:nvPr/>
         </p:nvCxnSpPr>
         <p:spPr>
-          <a:xfrm rot="16200000" flipH="1">
-            <a:off x="953362" y="3101474"/>
-            <a:ext cx="2214790" cy="990929"/>
-          </a:xfrm>
-          <a:prstGeom prst="bentConnector2">
+          <a:xfrm>
+            <a:off x="3539261" y="3413566"/>
+            <a:ext cx="369649" cy="277577"/>
+          </a:xfrm>
+          <a:prstGeom prst="bentConnector3">
             <a:avLst/>
           </a:prstGeom>
           <a:ln w="19050">
             <a:solidFill>
               <a:schemeClr val="tx1"/>
             </a:solidFill>
-            <a:tailEnd type="arrow"/>
+            <a:tailEnd type="triangle"/>
           </a:ln>
         </p:spPr>
         <p:style>
@@ -16694,112 +16721,8 @@
       </p:cxnSp>
       <p:sp>
         <p:nvSpPr>
-          <p:cNvPr id="37" name="Flowchart: Decision 36">
-            <a:extLst>
-              <a:ext uri="{FF2B5EF4-FFF2-40B4-BE49-F238E27FC236}">
-                <a16:creationId xmlns:a16="http://schemas.microsoft.com/office/drawing/2014/main" id="{97628374-BCF7-4610-ABE8-32C8E8E72D3D}"/>
-              </a:ext>
-            </a:extLst>
-          </p:cNvPr>
-          <p:cNvSpPr/>
-          <p:nvPr/>
-        </p:nvSpPr>
-        <p:spPr>
-          <a:xfrm>
-            <a:off x="1883077" y="2993651"/>
-            <a:ext cx="1656184" cy="839830"/>
-          </a:xfrm>
-          <a:prstGeom prst="flowChartDecision">
-            <a:avLst/>
-          </a:prstGeom>
-          <a:noFill/>
-          <a:ln w="19050">
-            <a:solidFill>
-              <a:schemeClr val="tx1"/>
-            </a:solidFill>
-          </a:ln>
-        </p:spPr>
-        <p:style>
-          <a:lnRef idx="2">
-            <a:schemeClr val="accent1">
-              <a:shade val="50000"/>
-            </a:schemeClr>
-          </a:lnRef>
-          <a:fillRef idx="1">
-            <a:schemeClr val="accent1"/>
-          </a:fillRef>
-          <a:effectRef idx="0">
-            <a:schemeClr val="accent1"/>
-          </a:effectRef>
-          <a:fontRef idx="minor">
-            <a:schemeClr val="lt1"/>
-          </a:fontRef>
-        </p:style>
-        <p:txBody>
-          <a:bodyPr rtlCol="0" anchor="ctr"/>
-          <a:lstStyle/>
-          <a:p>
-            <a:pPr algn="ctr"/>
-            <a:r>
-              <a:rPr lang="en-ID" sz="1200" dirty="0">
-                <a:solidFill>
-                  <a:schemeClr val="tx1"/>
-                </a:solidFill>
-              </a:rPr>
-              <a:t>menuData.isHasParam</a:t>
-            </a:r>
-          </a:p>
-        </p:txBody>
-      </p:sp>
-      <p:cxnSp>
-        <p:nvCxnSpPr>
-          <p:cNvPr id="24" name="Connector: Elbow 23">
-            <a:extLst>
-              <a:ext uri="{FF2B5EF4-FFF2-40B4-BE49-F238E27FC236}">
-                <a16:creationId xmlns:a16="http://schemas.microsoft.com/office/drawing/2014/main" id="{32504B37-D593-44E4-BBDA-4D4835F98342}"/>
-              </a:ext>
-            </a:extLst>
-          </p:cNvPr>
-          <p:cNvCxnSpPr>
-            <a:stCxn id="37" idx="3"/>
-            <a:endCxn id="31" idx="1"/>
-          </p:cNvCxnSpPr>
-          <p:nvPr/>
-        </p:nvCxnSpPr>
-        <p:spPr>
-          <a:xfrm>
-            <a:off x="3539261" y="3413566"/>
-            <a:ext cx="579435" cy="277577"/>
-          </a:xfrm>
-          <a:prstGeom prst="bentConnector3">
-            <a:avLst/>
-          </a:prstGeom>
-          <a:ln w="19050">
-            <a:solidFill>
-              <a:schemeClr val="tx1"/>
-            </a:solidFill>
-            <a:tailEnd type="triangle"/>
-          </a:ln>
-        </p:spPr>
-        <p:style>
-          <a:lnRef idx="1">
-            <a:schemeClr val="accent1"/>
-          </a:lnRef>
-          <a:fillRef idx="0">
-            <a:schemeClr val="accent1"/>
-          </a:fillRef>
-          <a:effectRef idx="0">
-            <a:schemeClr val="accent1"/>
-          </a:effectRef>
-          <a:fontRef idx="minor">
-            <a:schemeClr val="tx1"/>
-          </a:fontRef>
-        </p:style>
-      </p:cxnSp>
-      <p:sp>
-        <p:nvSpPr>
           <p:cNvPr id="45" name="Flowchart: Predefined Process 44">
-            <a:hlinkClick r:id="rId4" action="ppaction://hlinksldjump"/>
+            <a:hlinkClick r:id="rId5" action="ppaction://hlinksldjump"/>
             <a:extLst>
               <a:ext uri="{FF2B5EF4-FFF2-40B4-BE49-F238E27FC236}">
                 <a16:creationId xmlns:a16="http://schemas.microsoft.com/office/drawing/2014/main" id="{A3C66BBB-6244-4FF6-B980-D5B96BF7B905}"/>
@@ -17035,7 +16958,7 @@
           <a:prstGeom prst="bentConnector4">
             <a:avLst>
               <a:gd name="adj1" fmla="val 38416"/>
-              <a:gd name="adj2" fmla="val 413743"/>
+              <a:gd name="adj2" fmla="val 229890"/>
             </a:avLst>
           </a:prstGeom>
           <a:ln w="19050">
@@ -17070,15 +16993,16 @@
             </a:extLst>
           </p:cNvPr>
           <p:cNvCxnSpPr>
+            <a:cxnSpLocks/>
             <a:stCxn id="49" idx="4"/>
-            <a:endCxn id="41" idx="0"/>
+            <a:endCxn id="20" idx="0"/>
           </p:cNvCxnSpPr>
           <p:nvPr/>
         </p:nvCxnSpPr>
         <p:spPr>
           <a:xfrm rot="16200000" flipH="1">
-            <a:off x="2350065" y="5317419"/>
-            <a:ext cx="1027833" cy="205173"/>
+            <a:off x="2350065" y="5317420"/>
+            <a:ext cx="1027832" cy="205172"/>
           </a:xfrm>
           <a:prstGeom prst="bentConnector3">
             <a:avLst>
@@ -17107,6 +17031,71 @@
           </a:fontRef>
         </p:style>
       </p:cxnSp>
+      <p:sp>
+        <p:nvSpPr>
+          <p:cNvPr id="20" name="Rectangle 19">
+            <a:hlinkClick r:id="rId5" action="ppaction://hlinksldjump"/>
+            <a:extLst>
+              <a:ext uri="{FF2B5EF4-FFF2-40B4-BE49-F238E27FC236}">
+                <a16:creationId xmlns:a16="http://schemas.microsoft.com/office/drawing/2014/main" id="{FA50A0EF-3F17-48C6-8A79-5E1568FBF7D5}"/>
+              </a:ext>
+            </a:extLst>
+          </p:cNvPr>
+          <p:cNvSpPr/>
+          <p:nvPr/>
+        </p:nvSpPr>
+        <p:spPr>
+          <a:xfrm>
+            <a:off x="2150055" y="5933922"/>
+            <a:ext cx="1633024" cy="463116"/>
+          </a:xfrm>
+          <a:prstGeom prst="rect">
+            <a:avLst/>
+          </a:prstGeom>
+          <a:noFill/>
+          <a:ln>
+            <a:solidFill>
+              <a:srgbClr val="003300"/>
+            </a:solidFill>
+          </a:ln>
+        </p:spPr>
+        <p:style>
+          <a:lnRef idx="2">
+            <a:schemeClr val="accent1">
+              <a:shade val="50000"/>
+            </a:schemeClr>
+          </a:lnRef>
+          <a:fillRef idx="1">
+            <a:schemeClr val="accent1"/>
+          </a:fillRef>
+          <a:effectRef idx="0">
+            <a:schemeClr val="accent1"/>
+          </a:effectRef>
+          <a:fontRef idx="minor">
+            <a:schemeClr val="lt1"/>
+          </a:fontRef>
+        </p:style>
+        <p:txBody>
+          <a:bodyPr rtlCol="0" anchor="ctr"/>
+          <a:lstStyle/>
+          <a:p>
+            <a:pPr algn="ctr"/>
+            <a:r>
+              <a:rPr lang="en-US" dirty="0">
+                <a:solidFill>
+                  <a:srgbClr val="003300"/>
+                </a:solidFill>
+              </a:rPr>
+              <a:t>return</a:t>
+            </a:r>
+            <a:endParaRPr lang="en-ID" dirty="0">
+              <a:solidFill>
+                <a:srgbClr val="003300"/>
+              </a:solidFill>
+            </a:endParaRPr>
+          </a:p>
+        </p:txBody>
+      </p:sp>
     </p:spTree>
     <p:extLst>
       <p:ext uri="{BB962C8B-B14F-4D97-AF65-F5344CB8AC3E}">
@@ -19898,7 +19887,7 @@
         </p:nvSpPr>
         <p:spPr>
           <a:xfrm>
-            <a:off x="1503797" y="1849259"/>
+            <a:off x="3182083" y="1976543"/>
             <a:ext cx="3673275" cy="997758"/>
           </a:xfrm>
           <a:prstGeom prst="flowChartPredefinedProcess">
@@ -19940,7 +19929,7 @@
                 <a:effectLst/>
                 <a:latin typeface="Consolas" panose="020B0609020204030204" pitchFamily="49" charset="0"/>
               </a:rPr>
-              <a:t>exp = NO_EXCEPTION</a:t>
+              <a:t>exp = NO_EXCEPTION;</a:t>
             </a:r>
           </a:p>
           <a:p>
@@ -19953,7 +19942,7 @@
                 <a:effectLst/>
                 <a:latin typeface="Consolas" panose="020B0609020204030204" pitchFamily="49" charset="0"/>
               </a:rPr>
-              <a:t>lifeLed.blink(BLINK_NORMAL)</a:t>
+              <a:t>lifeLed.blink(BLINK_NORMAL);</a:t>
             </a:r>
           </a:p>
           <a:p>
@@ -20054,7 +20043,7 @@
         </p:nvSpPr>
         <p:spPr>
           <a:xfrm>
-            <a:off x="2183331" y="3207158"/>
+            <a:off x="2978874" y="3284984"/>
             <a:ext cx="1728192" cy="1277732"/>
           </a:xfrm>
           <a:prstGeom prst="flowChartDecision">
@@ -20115,7 +20104,7 @@
         </p:nvSpPr>
         <p:spPr>
           <a:xfrm>
-            <a:off x="1503797" y="4720131"/>
+            <a:off x="3313984" y="4859712"/>
             <a:ext cx="1728192" cy="1277732"/>
           </a:xfrm>
           <a:prstGeom prst="flowChartDecision">
@@ -20184,8 +20173,8 @@
         </p:nvCxnSpPr>
         <p:spPr>
           <a:xfrm rot="5400000">
-            <a:off x="3013861" y="2880583"/>
-            <a:ext cx="360141" cy="293008"/>
+            <a:off x="4275505" y="2541767"/>
+            <a:ext cx="310683" cy="1175751"/>
           </a:xfrm>
           <a:prstGeom prst="bentConnector3">
             <a:avLst/>
@@ -20226,9 +20215,9 @@
           <p:nvPr/>
         </p:nvCxnSpPr>
         <p:spPr>
-          <a:xfrm rot="5400000">
-            <a:off x="2590040" y="4262743"/>
-            <a:ext cx="235241" cy="679534"/>
+          <a:xfrm rot="16200000" flipH="1">
+            <a:off x="3862027" y="4543659"/>
+            <a:ext cx="296996" cy="335110"/>
           </a:xfrm>
           <a:prstGeom prst="bentConnector3">
             <a:avLst>
@@ -20268,7 +20257,7 @@
         </p:nvSpPr>
         <p:spPr>
           <a:xfrm>
-            <a:off x="4867352" y="3207158"/>
+            <a:off x="5654287" y="3537185"/>
             <a:ext cx="2880320" cy="458331"/>
           </a:xfrm>
           <a:prstGeom prst="flowChartPredefinedProcess">
@@ -20333,8 +20322,8 @@
         </p:nvCxnSpPr>
         <p:spPr>
           <a:xfrm flipV="1">
-            <a:off x="3911523" y="3436324"/>
-            <a:ext cx="955829" cy="409700"/>
+            <a:off x="4707066" y="3766351"/>
+            <a:ext cx="947221" cy="157499"/>
           </a:xfrm>
           <a:prstGeom prst="bentConnector3">
             <a:avLst/>
@@ -20375,7 +20364,7 @@
         </p:nvSpPr>
         <p:spPr>
           <a:xfrm>
-            <a:off x="4431342" y="4687545"/>
+            <a:off x="5360126" y="5016732"/>
             <a:ext cx="3316330" cy="671452"/>
           </a:xfrm>
           <a:prstGeom prst="flowChartPredefinedProcess">
@@ -20430,7 +20419,7 @@
                 <a:effectLst/>
                 <a:latin typeface="Consolas" panose="020B0609020204030204" pitchFamily="49" charset="0"/>
               </a:rPr>
-              <a:t>locPan.updateParameter()</a:t>
+              <a:t>locPan.updateParameter();</a:t>
             </a:r>
           </a:p>
           <a:p>
@@ -20466,8 +20455,8 @@
         </p:nvCxnSpPr>
         <p:spPr>
           <a:xfrm flipV="1">
-            <a:off x="3231989" y="5023271"/>
-            <a:ext cx="1199353" cy="335726"/>
+            <a:off x="5042176" y="5352458"/>
+            <a:ext cx="317950" cy="146120"/>
           </a:xfrm>
           <a:prstGeom prst="bentConnector3">
             <a:avLst/>
@@ -20504,7 +20493,7 @@
         </p:nvSpPr>
         <p:spPr>
           <a:xfrm>
-            <a:off x="2110527" y="6244291"/>
+            <a:off x="3920714" y="6383872"/>
             <a:ext cx="490893" cy="360040"/>
           </a:xfrm>
           <a:prstGeom prst="flowChartOffpageConnector">
@@ -20565,7 +20554,7 @@
         </p:nvCxnSpPr>
         <p:spPr>
           <a:xfrm flipH="1">
-            <a:off x="2355974" y="5997863"/>
+            <a:off x="4166161" y="6137444"/>
             <a:ext cx="11919" cy="246428"/>
           </a:xfrm>
           <a:prstGeom prst="straightConnector1">
@@ -20601,7 +20590,7 @@
         </p:nvSpPr>
         <p:spPr>
           <a:xfrm>
-            <a:off x="5459145" y="825903"/>
+            <a:off x="733811" y="965011"/>
             <a:ext cx="2448272" cy="1182674"/>
           </a:xfrm>
           <a:prstGeom prst="hexagon">
@@ -20699,15 +20688,16 @@
         <p:nvCxnSpPr>
           <p:cNvPr id="35" name="Elbow Connector 34"/>
           <p:cNvCxnSpPr>
-            <a:stCxn id="31" idx="3"/>
+            <a:cxnSpLocks/>
+            <a:stCxn id="31" idx="0"/>
             <a:endCxn id="2" idx="0"/>
           </p:cNvCxnSpPr>
           <p:nvPr/>
         </p:nvCxnSpPr>
         <p:spPr>
-          <a:xfrm rot="10800000" flipV="1">
-            <a:off x="3340435" y="1417239"/>
-            <a:ext cx="2118710" cy="432019"/>
+          <a:xfrm>
+            <a:off x="3182083" y="1556348"/>
+            <a:ext cx="1836638" cy="420195"/>
           </a:xfrm>
           <a:prstGeom prst="bentConnector2">
             <a:avLst/>
@@ -20779,6 +20769,119 @@
           </a:p>
         </p:txBody>
       </p:sp>
+      <p:sp>
+        <p:nvSpPr>
+          <p:cNvPr id="36" name="Flowchart: Terminator 35">
+            <a:extLst>
+              <a:ext uri="{FF2B5EF4-FFF2-40B4-BE49-F238E27FC236}">
+                <a16:creationId xmlns:a16="http://schemas.microsoft.com/office/drawing/2014/main" id="{D564CDA4-1C30-4DBC-84C6-15CD643AFDAD}"/>
+              </a:ext>
+            </a:extLst>
+          </p:cNvPr>
+          <p:cNvSpPr/>
+          <p:nvPr/>
+        </p:nvSpPr>
+        <p:spPr>
+          <a:xfrm>
+            <a:off x="1500747" y="330373"/>
+            <a:ext cx="914400" cy="301752"/>
+          </a:xfrm>
+          <a:prstGeom prst="flowChartTerminator">
+            <a:avLst/>
+          </a:prstGeom>
+          <a:noFill/>
+          <a:ln>
+            <a:solidFill>
+              <a:schemeClr val="tx1"/>
+            </a:solidFill>
+          </a:ln>
+        </p:spPr>
+        <p:style>
+          <a:lnRef idx="2">
+            <a:schemeClr val="accent1">
+              <a:shade val="50000"/>
+            </a:schemeClr>
+          </a:lnRef>
+          <a:fillRef idx="1">
+            <a:schemeClr val="accent1"/>
+          </a:fillRef>
+          <a:effectRef idx="0">
+            <a:schemeClr val="accent1"/>
+          </a:effectRef>
+          <a:fontRef idx="minor">
+            <a:schemeClr val="lt1"/>
+          </a:fontRef>
+        </p:style>
+        <p:txBody>
+          <a:bodyPr rtlCol="0" anchor="ctr"/>
+          <a:lstStyle/>
+          <a:p>
+            <a:pPr algn="ctr"/>
+            <a:r>
+              <a:rPr lang="en-US" dirty="0">
+                <a:solidFill>
+                  <a:schemeClr val="tx1"/>
+                </a:solidFill>
+              </a:rPr>
+              <a:t>S</a:t>
+            </a:r>
+            <a:r>
+              <a:rPr lang="en-ID" dirty="0">
+                <a:solidFill>
+                  <a:schemeClr val="tx1"/>
+                </a:solidFill>
+              </a:rPr>
+              <a:t>tart</a:t>
+            </a:r>
+            <a:endParaRPr lang="en-US" dirty="0">
+              <a:solidFill>
+                <a:schemeClr val="tx1"/>
+              </a:solidFill>
+            </a:endParaRPr>
+          </a:p>
+        </p:txBody>
+      </p:sp>
+      <p:cxnSp>
+        <p:nvCxnSpPr>
+          <p:cNvPr id="32" name="Straight Arrow Connector 31">
+            <a:extLst>
+              <a:ext uri="{FF2B5EF4-FFF2-40B4-BE49-F238E27FC236}">
+                <a16:creationId xmlns:a16="http://schemas.microsoft.com/office/drawing/2014/main" id="{CAF7FBD3-A974-49E0-A89D-B4D2839939EE}"/>
+              </a:ext>
+            </a:extLst>
+          </p:cNvPr>
+          <p:cNvCxnSpPr>
+            <a:stCxn id="36" idx="2"/>
+          </p:cNvCxnSpPr>
+          <p:nvPr/>
+        </p:nvCxnSpPr>
+        <p:spPr>
+          <a:xfrm>
+            <a:off x="1957947" y="632125"/>
+            <a:ext cx="0" cy="332886"/>
+          </a:xfrm>
+          <a:prstGeom prst="straightConnector1">
+            <a:avLst/>
+          </a:prstGeom>
+          <a:ln w="19050">
+            <a:tailEnd type="triangle"/>
+          </a:ln>
+        </p:spPr>
+        <p:style>
+          <a:lnRef idx="1">
+            <a:schemeClr val="dk1"/>
+          </a:lnRef>
+          <a:fillRef idx="0">
+            <a:schemeClr val="dk1"/>
+          </a:fillRef>
+          <a:effectRef idx="0">
+            <a:schemeClr val="dk1"/>
+          </a:effectRef>
+          <a:fontRef idx="minor">
+            <a:schemeClr val="tx1"/>
+          </a:fontRef>
+        </p:style>
+      </p:cxnSp>
     </p:spTree>
     <p:extLst>
       <p:ext uri="{BB962C8B-B14F-4D97-AF65-F5344CB8AC3E}">
@@ -22446,14 +22549,15 @@
           <p:cNvPr id="7" name="Straight Arrow Connector 6"/>
           <p:cNvCxnSpPr>
             <a:cxnSpLocks/>
+            <a:stCxn id="17" idx="4"/>
             <a:endCxn id="5" idx="0"/>
           </p:cNvCxnSpPr>
           <p:nvPr/>
         </p:nvCxnSpPr>
         <p:spPr>
           <a:xfrm>
-            <a:off x="3851920" y="2194293"/>
-            <a:ext cx="0" cy="706661"/>
+            <a:off x="3851920" y="2089308"/>
+            <a:ext cx="0" cy="811646"/>
           </a:xfrm>
           <a:prstGeom prst="straightConnector1">
             <a:avLst/>
@@ -22891,10 +22995,10 @@
       </p:sp>
       <p:sp>
         <p:nvSpPr>
-          <p:cNvPr id="16" name="Flowchart: Manual Input 15">
+          <p:cNvPr id="17" name="Parallelogram 16">
             <a:extLst>
               <a:ext uri="{FF2B5EF4-FFF2-40B4-BE49-F238E27FC236}">
-                <a16:creationId xmlns:a16="http://schemas.microsoft.com/office/drawing/2014/main" id="{27091FF2-1A72-4930-A4DC-5C181B6FE0F9}"/>
+                <a16:creationId xmlns:a16="http://schemas.microsoft.com/office/drawing/2014/main" id="{88BE3CD0-3DB3-4FE3-823F-3A26B377F26B}"/>
               </a:ext>
             </a:extLst>
           </p:cNvPr>
@@ -22903,16 +23007,16 @@
         </p:nvSpPr>
         <p:spPr>
           <a:xfrm>
-            <a:off x="2807121" y="1273757"/>
-            <a:ext cx="2129715" cy="912543"/>
-          </a:xfrm>
-          <a:prstGeom prst="flowChartManualInput">
+            <a:off x="2735796" y="1406313"/>
+            <a:ext cx="2232248" cy="682995"/>
+          </a:xfrm>
+          <a:prstGeom prst="parallelogram">
             <a:avLst/>
           </a:prstGeom>
           <a:noFill/>
           <a:ln>
             <a:solidFill>
-              <a:srgbClr val="003300"/>
+              <a:schemeClr val="tx1"/>
             </a:solidFill>
           </a:ln>
         </p:spPr>
@@ -22938,7 +23042,7 @@
           <a:p>
             <a:pPr algn="ctr"/>
             <a:r>
-              <a:rPr lang="en-ID" sz="1400" dirty="0">
+              <a:rPr lang="en-ID" sz="1200" dirty="0">
                 <a:solidFill>
                   <a:schemeClr val="tx1"/>
                 </a:solidFill>
@@ -22949,7 +23053,7 @@
           <a:p>
             <a:pPr algn="ctr"/>
             <a:r>
-              <a:rPr lang="en-ID" sz="1400" dirty="0">
+              <a:rPr lang="en-ID" sz="1200" dirty="0">
                 <a:solidFill>
                   <a:schemeClr val="tx1"/>
                 </a:solidFill>
@@ -22960,14 +23064,14 @@
           <a:p>
             <a:pPr algn="ctr"/>
             <a:r>
-              <a:rPr lang="en-ID" sz="1400" dirty="0">
+              <a:rPr lang="en-ID" sz="1200" dirty="0">
                 <a:solidFill>
                   <a:schemeClr val="tx1"/>
                 </a:solidFill>
               </a:rPr>
               <a:t>statusAi = NO_ALARM</a:t>
             </a:r>
-            <a:endParaRPr lang="en-US" sz="1400" dirty="0">
+            <a:endParaRPr lang="en-US" sz="1200" dirty="0">
               <a:solidFill>
                 <a:schemeClr val="tx1"/>
               </a:solidFill>

--- a/resources/WFPS.pptx
+++ b/resources/WFPS.pptx
@@ -5,10 +5,10 @@
     <p:sldMasterId id="2147483648" r:id="rId1"/>
   </p:sldMasterIdLst>
   <p:notesMasterIdLst>
-    <p:notesMasterId r:id="rId19"/>
+    <p:notesMasterId r:id="rId22"/>
   </p:notesMasterIdLst>
   <p:handoutMasterIdLst>
-    <p:handoutMasterId r:id="rId20"/>
+    <p:handoutMasterId r:id="rId23"/>
   </p:handoutMasterIdLst>
   <p:sldIdLst>
     <p:sldId id="281" r:id="rId2"/>
@@ -28,6 +28,9 @@
     <p:sldId id="297" r:id="rId16"/>
     <p:sldId id="298" r:id="rId17"/>
     <p:sldId id="299" r:id="rId18"/>
+    <p:sldId id="301" r:id="rId19"/>
+    <p:sldId id="302" r:id="rId20"/>
+    <p:sldId id="303" r:id="rId21"/>
   </p:sldIdLst>
   <p:sldSz cx="9144000" cy="6858000" type="screen4x3"/>
   <p:notesSz cx="6858000" cy="9144000"/>
@@ -128,7 +131,7 @@
   </p:defaultTextStyle>
   <p:extLst>
     <p:ext uri="{EFAFB233-063F-42B5-8137-9DF3F51BA10A}">
-      <p15:sldGuideLst xmlns:p15="http://schemas.microsoft.com/office/powerpoint/2012/main">
+      <p15:sldGuideLst xmlns:p15="http://schemas.microsoft.com/office/powerpoint/2012/main" xmlns="">
         <p15:guide id="1" orient="horz" pos="2160">
           <p15:clr>
             <a:srgbClr val="A4A3A4"/>
@@ -142,7 +145,7 @@
       </p15:sldGuideLst>
     </p:ext>
     <p:ext uri="{2D200454-40CA-4A62-9FC3-DE9A4176ACB9}">
-      <p15:notesGuideLst xmlns:p15="http://schemas.microsoft.com/office/powerpoint/2012/main">
+      <p15:notesGuideLst xmlns:p15="http://schemas.microsoft.com/office/powerpoint/2012/main" xmlns="">
         <p15:guide id="1" orient="horz" pos="2880">
           <p15:clr>
             <a:srgbClr val="A4A3A4"/>
@@ -242,7 +245,7 @@
             <a:fld id="{D83FDC75-7F73-4A4A-A77C-09AADF00E0EA}" type="datetimeFigureOut">
               <a:rPr lang="en-US" smtClean="0"/>
               <a:pPr/>
-              <a:t>5/5/2021</a:t>
+              <a:t>5/6/2021</a:t>
             </a:fld>
             <a:endParaRPr lang="en-US" dirty="0"/>
           </a:p>
@@ -409,7 +412,7 @@
             <a:fld id="{48AEF76B-3757-4A0B-AF93-28494465C1DD}" type="datetimeFigureOut">
               <a:rPr lang="en-US" smtClean="0"/>
               <a:pPr/>
-              <a:t>5/5/2021</a:t>
+              <a:t>5/6/2021</a:t>
             </a:fld>
             <a:endParaRPr lang="en-US" dirty="0"/>
           </a:p>
@@ -785,6 +788,91 @@
 </p:notes>
 </file>
 
+<file path=ppt/notesSlides/notesSlide10.xml><?xml version="1.0" encoding="utf-8"?>
+<p:notes xmlns:a="http://schemas.openxmlformats.org/drawingml/2006/main" xmlns:r="http://schemas.openxmlformats.org/officeDocument/2006/relationships" xmlns:p="http://schemas.openxmlformats.org/presentationml/2006/main">
+  <p:cSld>
+    <p:spTree>
+      <p:nvGrpSpPr>
+        <p:cNvPr id="1" name=""/>
+        <p:cNvGrpSpPr/>
+        <p:nvPr/>
+      </p:nvGrpSpPr>
+      <p:grpSpPr>
+        <a:xfrm>
+          <a:off x="0" y="0"/>
+          <a:ext cx="0" cy="0"/>
+          <a:chOff x="0" y="0"/>
+          <a:chExt cx="0" cy="0"/>
+        </a:xfrm>
+      </p:grpSpPr>
+      <p:sp>
+        <p:nvSpPr>
+          <p:cNvPr id="2" name="Slide Image Placeholder 1"/>
+          <p:cNvSpPr>
+            <a:spLocks noGrp="1" noRot="1" noChangeAspect="1"/>
+          </p:cNvSpPr>
+          <p:nvPr>
+            <p:ph type="sldImg"/>
+          </p:nvPr>
+        </p:nvSpPr>
+        <p:spPr/>
+      </p:sp>
+      <p:sp>
+        <p:nvSpPr>
+          <p:cNvPr id="3" name="Notes Placeholder 2"/>
+          <p:cNvSpPr>
+            <a:spLocks noGrp="1"/>
+          </p:cNvSpPr>
+          <p:nvPr>
+            <p:ph type="body" idx="1"/>
+          </p:nvPr>
+        </p:nvSpPr>
+        <p:spPr/>
+        <p:txBody>
+          <a:bodyPr/>
+          <a:lstStyle/>
+          <a:p>
+            <a:endParaRPr lang="en-ID" dirty="0"/>
+          </a:p>
+        </p:txBody>
+      </p:sp>
+      <p:sp>
+        <p:nvSpPr>
+          <p:cNvPr id="4" name="Slide Number Placeholder 3"/>
+          <p:cNvSpPr>
+            <a:spLocks noGrp="1"/>
+          </p:cNvSpPr>
+          <p:nvPr>
+            <p:ph type="sldNum" sz="quarter" idx="5"/>
+          </p:nvPr>
+        </p:nvSpPr>
+        <p:spPr/>
+        <p:txBody>
+          <a:bodyPr/>
+          <a:lstStyle/>
+          <a:p>
+            <a:fld id="{75693FD4-8F83-4EF7-AC3F-0DC0388986B0}" type="slidenum">
+              <a:rPr lang="en-US" smtClean="0"/>
+              <a:pPr/>
+              <a:t>20</a:t>
+            </a:fld>
+            <a:endParaRPr lang="en-US" dirty="0"/>
+          </a:p>
+        </p:txBody>
+      </p:sp>
+    </p:spTree>
+    <p:extLst>
+      <p:ext uri="{BB962C8B-B14F-4D97-AF65-F5344CB8AC3E}">
+        <p14:creationId xmlns:p14="http://schemas.microsoft.com/office/powerpoint/2010/main" val="3481325586"/>
+      </p:ext>
+    </p:extLst>
+  </p:cSld>
+  <p:clrMapOvr>
+    <a:masterClrMapping/>
+  </p:clrMapOvr>
+</p:notes>
+</file>
+
 <file path=ppt/notesSlides/notesSlide2.xml><?xml version="1.0" encoding="utf-8"?>
 <p:notes xmlns:a="http://schemas.openxmlformats.org/drawingml/2006/main" xmlns:r="http://schemas.openxmlformats.org/officeDocument/2006/relationships" xmlns:p="http://schemas.openxmlformats.org/presentationml/2006/main">
   <p:cSld>
@@ -1333,6 +1421,176 @@
               <a:rPr lang="en-US" smtClean="0"/>
               <a:pPr/>
               <a:t>17</a:t>
+            </a:fld>
+            <a:endParaRPr lang="en-US" dirty="0"/>
+          </a:p>
+        </p:txBody>
+      </p:sp>
+    </p:spTree>
+    <p:extLst>
+      <p:ext uri="{BB962C8B-B14F-4D97-AF65-F5344CB8AC3E}">
+        <p14:creationId xmlns:p14="http://schemas.microsoft.com/office/powerpoint/2010/main" val="3481325586"/>
+      </p:ext>
+    </p:extLst>
+  </p:cSld>
+  <p:clrMapOvr>
+    <a:masterClrMapping/>
+  </p:clrMapOvr>
+</p:notes>
+</file>
+
+<file path=ppt/notesSlides/notesSlide8.xml><?xml version="1.0" encoding="utf-8"?>
+<p:notes xmlns:a="http://schemas.openxmlformats.org/drawingml/2006/main" xmlns:r="http://schemas.openxmlformats.org/officeDocument/2006/relationships" xmlns:p="http://schemas.openxmlformats.org/presentationml/2006/main">
+  <p:cSld>
+    <p:spTree>
+      <p:nvGrpSpPr>
+        <p:cNvPr id="1" name=""/>
+        <p:cNvGrpSpPr/>
+        <p:nvPr/>
+      </p:nvGrpSpPr>
+      <p:grpSpPr>
+        <a:xfrm>
+          <a:off x="0" y="0"/>
+          <a:ext cx="0" cy="0"/>
+          <a:chOff x="0" y="0"/>
+          <a:chExt cx="0" cy="0"/>
+        </a:xfrm>
+      </p:grpSpPr>
+      <p:sp>
+        <p:nvSpPr>
+          <p:cNvPr id="2" name="Slide Image Placeholder 1"/>
+          <p:cNvSpPr>
+            <a:spLocks noGrp="1" noRot="1" noChangeAspect="1"/>
+          </p:cNvSpPr>
+          <p:nvPr>
+            <p:ph type="sldImg"/>
+          </p:nvPr>
+        </p:nvSpPr>
+        <p:spPr/>
+      </p:sp>
+      <p:sp>
+        <p:nvSpPr>
+          <p:cNvPr id="3" name="Notes Placeholder 2"/>
+          <p:cNvSpPr>
+            <a:spLocks noGrp="1"/>
+          </p:cNvSpPr>
+          <p:nvPr>
+            <p:ph type="body" idx="1"/>
+          </p:nvPr>
+        </p:nvSpPr>
+        <p:spPr/>
+        <p:txBody>
+          <a:bodyPr/>
+          <a:lstStyle/>
+          <a:p>
+            <a:endParaRPr lang="en-ID" dirty="0"/>
+          </a:p>
+        </p:txBody>
+      </p:sp>
+      <p:sp>
+        <p:nvSpPr>
+          <p:cNvPr id="4" name="Slide Number Placeholder 3"/>
+          <p:cNvSpPr>
+            <a:spLocks noGrp="1"/>
+          </p:cNvSpPr>
+          <p:nvPr>
+            <p:ph type="sldNum" sz="quarter" idx="5"/>
+          </p:nvPr>
+        </p:nvSpPr>
+        <p:spPr/>
+        <p:txBody>
+          <a:bodyPr/>
+          <a:lstStyle/>
+          <a:p>
+            <a:fld id="{75693FD4-8F83-4EF7-AC3F-0DC0388986B0}" type="slidenum">
+              <a:rPr lang="en-US" smtClean="0"/>
+              <a:pPr/>
+              <a:t>18</a:t>
+            </a:fld>
+            <a:endParaRPr lang="en-US" dirty="0"/>
+          </a:p>
+        </p:txBody>
+      </p:sp>
+    </p:spTree>
+    <p:extLst>
+      <p:ext uri="{BB962C8B-B14F-4D97-AF65-F5344CB8AC3E}">
+        <p14:creationId xmlns:p14="http://schemas.microsoft.com/office/powerpoint/2010/main" val="2138882783"/>
+      </p:ext>
+    </p:extLst>
+  </p:cSld>
+  <p:clrMapOvr>
+    <a:masterClrMapping/>
+  </p:clrMapOvr>
+</p:notes>
+</file>
+
+<file path=ppt/notesSlides/notesSlide9.xml><?xml version="1.0" encoding="utf-8"?>
+<p:notes xmlns:a="http://schemas.openxmlformats.org/drawingml/2006/main" xmlns:r="http://schemas.openxmlformats.org/officeDocument/2006/relationships" xmlns:p="http://schemas.openxmlformats.org/presentationml/2006/main">
+  <p:cSld>
+    <p:spTree>
+      <p:nvGrpSpPr>
+        <p:cNvPr id="1" name=""/>
+        <p:cNvGrpSpPr/>
+        <p:nvPr/>
+      </p:nvGrpSpPr>
+      <p:grpSpPr>
+        <a:xfrm>
+          <a:off x="0" y="0"/>
+          <a:ext cx="0" cy="0"/>
+          <a:chOff x="0" y="0"/>
+          <a:chExt cx="0" cy="0"/>
+        </a:xfrm>
+      </p:grpSpPr>
+      <p:sp>
+        <p:nvSpPr>
+          <p:cNvPr id="2" name="Slide Image Placeholder 1"/>
+          <p:cNvSpPr>
+            <a:spLocks noGrp="1" noRot="1" noChangeAspect="1"/>
+          </p:cNvSpPr>
+          <p:nvPr>
+            <p:ph type="sldImg"/>
+          </p:nvPr>
+        </p:nvSpPr>
+        <p:spPr/>
+      </p:sp>
+      <p:sp>
+        <p:nvSpPr>
+          <p:cNvPr id="3" name="Notes Placeholder 2"/>
+          <p:cNvSpPr>
+            <a:spLocks noGrp="1"/>
+          </p:cNvSpPr>
+          <p:nvPr>
+            <p:ph type="body" idx="1"/>
+          </p:nvPr>
+        </p:nvSpPr>
+        <p:spPr/>
+        <p:txBody>
+          <a:bodyPr/>
+          <a:lstStyle/>
+          <a:p>
+            <a:endParaRPr lang="en-ID" dirty="0"/>
+          </a:p>
+        </p:txBody>
+      </p:sp>
+      <p:sp>
+        <p:nvSpPr>
+          <p:cNvPr id="4" name="Slide Number Placeholder 3"/>
+          <p:cNvSpPr>
+            <a:spLocks noGrp="1"/>
+          </p:cNvSpPr>
+          <p:nvPr>
+            <p:ph type="sldNum" sz="quarter" idx="5"/>
+          </p:nvPr>
+        </p:nvSpPr>
+        <p:spPr/>
+        <p:txBody>
+          <a:bodyPr/>
+          <a:lstStyle/>
+          <a:p>
+            <a:fld id="{75693FD4-8F83-4EF7-AC3F-0DC0388986B0}" type="slidenum">
+              <a:rPr lang="en-US" smtClean="0"/>
+              <a:pPr/>
+              <a:t>19</a:t>
             </a:fld>
             <a:endParaRPr lang="en-US" dirty="0"/>
           </a:p>
@@ -1816,7 +2074,7 @@
             <a:fld id="{757B281C-5159-4971-8228-52B9A72E9ED2}" type="datetimeFigureOut">
               <a:rPr lang="en-US" smtClean="0"/>
               <a:pPr/>
-              <a:t>5/5/2021</a:t>
+              <a:t>5/6/2021</a:t>
             </a:fld>
             <a:endParaRPr lang="en-US" dirty="0"/>
           </a:p>
@@ -1911,7 +2169,7 @@
             <a:fld id="{757B281C-5159-4971-8228-52B9A72E9ED2}" type="datetimeFigureOut">
               <a:rPr lang="en-US" smtClean="0"/>
               <a:pPr/>
-              <a:t>5/5/2021</a:t>
+              <a:t>5/6/2021</a:t>
             </a:fld>
             <a:endParaRPr lang="en-US" dirty="0"/>
           </a:p>
@@ -2040,7 +2298,7 @@
             <a:fld id="{757B281C-5159-4971-8228-52B9A72E9ED2}" type="datetimeFigureOut">
               <a:rPr lang="en-US" smtClean="0"/>
               <a:pPr/>
-              <a:t>5/5/2021</a:t>
+              <a:t>5/6/2021</a:t>
             </a:fld>
             <a:endParaRPr lang="en-US" dirty="0"/>
           </a:p>
@@ -2289,7 +2547,7 @@
           <a:p>
             <a:fld id="{A66B6A46-6EC4-4AF5-AD2F-F27F5AD039E0}" type="datetimeFigureOut">
               <a:rPr lang="en-US" smtClean="0"/>
-              <a:t>5/5/2021</a:t>
+              <a:t>5/6/2021</a:t>
             </a:fld>
             <a:endParaRPr lang="en-US"/>
           </a:p>
@@ -2478,7 +2736,7 @@
             <a:fld id="{757B281C-5159-4971-8228-52B9A72E9ED2}" type="datetimeFigureOut">
               <a:rPr lang="en-US" smtClean="0"/>
               <a:pPr/>
-              <a:t>5/5/2021</a:t>
+              <a:t>5/6/2021</a:t>
             </a:fld>
             <a:endParaRPr lang="en-US" dirty="0"/>
           </a:p>
@@ -2856,7 +3114,7 @@
             <a:fld id="{757B281C-5159-4971-8228-52B9A72E9ED2}" type="datetimeFigureOut">
               <a:rPr lang="en-US" smtClean="0"/>
               <a:pPr/>
-              <a:t>5/5/2021</a:t>
+              <a:t>5/6/2021</a:t>
             </a:fld>
             <a:endParaRPr lang="en-US" dirty="0"/>
           </a:p>
@@ -3146,7 +3404,7 @@
             <a:fld id="{757B281C-5159-4971-8228-52B9A72E9ED2}" type="datetimeFigureOut">
               <a:rPr lang="en-US" smtClean="0"/>
               <a:pPr/>
-              <a:t>5/5/2021</a:t>
+              <a:t>5/6/2021</a:t>
             </a:fld>
             <a:endParaRPr lang="en-US" dirty="0"/>
           </a:p>
@@ -3565,7 +3823,7 @@
             <a:fld id="{757B281C-5159-4971-8228-52B9A72E9ED2}" type="datetimeFigureOut">
               <a:rPr lang="en-US" smtClean="0"/>
               <a:pPr/>
-              <a:t>5/5/2021</a:t>
+              <a:t>5/6/2021</a:t>
             </a:fld>
             <a:endParaRPr lang="en-US" dirty="0"/>
           </a:p>
@@ -3840,7 +4098,7 @@
             <a:fld id="{757B281C-5159-4971-8228-52B9A72E9ED2}" type="datetimeFigureOut">
               <a:rPr lang="en-US" smtClean="0"/>
               <a:pPr/>
-              <a:t>5/5/2021</a:t>
+              <a:t>5/6/2021</a:t>
             </a:fld>
             <a:endParaRPr lang="en-US" dirty="0"/>
           </a:p>
@@ -4096,7 +4354,7 @@
             <a:fld id="{757B281C-5159-4971-8228-52B9A72E9ED2}" type="datetimeFigureOut">
               <a:rPr lang="en-US" smtClean="0"/>
               <a:pPr/>
-              <a:t>5/5/2021</a:t>
+              <a:t>5/6/2021</a:t>
             </a:fld>
             <a:endParaRPr lang="en-US" dirty="0"/>
           </a:p>
@@ -4264,7 +4522,7 @@
             <a:fld id="{757B281C-5159-4971-8228-52B9A72E9ED2}" type="datetimeFigureOut">
               <a:rPr lang="en-US" smtClean="0"/>
               <a:pPr/>
-              <a:t>5/5/2021</a:t>
+              <a:t>5/6/2021</a:t>
             </a:fld>
             <a:endParaRPr lang="en-US" dirty="0"/>
           </a:p>
@@ -4442,7 +4700,7 @@
             <a:fld id="{757B281C-5159-4971-8228-52B9A72E9ED2}" type="datetimeFigureOut">
               <a:rPr lang="en-US" smtClean="0"/>
               <a:pPr/>
-              <a:t>5/5/2021</a:t>
+              <a:t>5/6/2021</a:t>
             </a:fld>
             <a:endParaRPr lang="en-US" dirty="0"/>
           </a:p>
@@ -4684,7 +4942,7 @@
             <a:fld id="{757B281C-5159-4971-8228-52B9A72E9ED2}" type="datetimeFigureOut">
               <a:rPr lang="en-US" smtClean="0"/>
               <a:pPr/>
-              <a:t>5/5/2021</a:t>
+              <a:t>5/6/2021</a:t>
             </a:fld>
             <a:endParaRPr lang="en-US" dirty="0"/>
           </a:p>
@@ -5094,7 +5352,7 @@
           <p:cNvPr id="91" name="Picture 90" descr="Free Icon | Wifi">
             <a:extLst>
               <a:ext uri="{FF2B5EF4-FFF2-40B4-BE49-F238E27FC236}">
-                <a16:creationId xmlns:a16="http://schemas.microsoft.com/office/drawing/2014/main" id="{8C0D1CC1-0F99-45F8-B30B-F5786D94F875}"/>
+                <a16:creationId xmlns:a16="http://schemas.microsoft.com/office/drawing/2014/main" xmlns="" id="{8C0D1CC1-0F99-45F8-B30B-F5786D94F875}"/>
               </a:ext>
             </a:extLst>
           </p:cNvPr>
@@ -5133,7 +5391,7 @@
           <p:cNvPr id="80" name="Picture 79" descr="Free Icon | Wifi">
             <a:extLst>
               <a:ext uri="{FF2B5EF4-FFF2-40B4-BE49-F238E27FC236}">
-                <a16:creationId xmlns:a16="http://schemas.microsoft.com/office/drawing/2014/main" id="{35E36CD3-6B5D-4E30-B897-685D3D72453D}"/>
+                <a16:creationId xmlns:a16="http://schemas.microsoft.com/office/drawing/2014/main" xmlns="" id="{35E36CD3-6B5D-4E30-B897-685D3D72453D}"/>
               </a:ext>
             </a:extLst>
           </p:cNvPr>
@@ -5667,7 +5925,7 @@
           <p:cNvPr id="93" name="Picture 92">
             <a:extLst>
               <a:ext uri="{FF2B5EF4-FFF2-40B4-BE49-F238E27FC236}">
-                <a16:creationId xmlns:a16="http://schemas.microsoft.com/office/drawing/2014/main" id="{D7ED08F4-31B4-432D-A1A0-BE825490F18D}"/>
+                <a16:creationId xmlns:a16="http://schemas.microsoft.com/office/drawing/2014/main" xmlns="" id="{D7ED08F4-31B4-432D-A1A0-BE825490F18D}"/>
               </a:ext>
             </a:extLst>
           </p:cNvPr>
@@ -5695,7 +5953,7 @@
           <p:cNvPr id="96" name="Picture 95" descr="Free Icon | Wifi">
             <a:extLst>
               <a:ext uri="{FF2B5EF4-FFF2-40B4-BE49-F238E27FC236}">
-                <a16:creationId xmlns:a16="http://schemas.microsoft.com/office/drawing/2014/main" id="{331FC1AA-CB08-45A4-9369-2997329D73F4}"/>
+                <a16:creationId xmlns:a16="http://schemas.microsoft.com/office/drawing/2014/main" xmlns="" id="{331FC1AA-CB08-45A4-9369-2997329D73F4}"/>
               </a:ext>
             </a:extLst>
           </p:cNvPr>
@@ -5734,7 +5992,7 @@
           <p:cNvPr id="97" name="Picture 96">
             <a:extLst>
               <a:ext uri="{FF2B5EF4-FFF2-40B4-BE49-F238E27FC236}">
-                <a16:creationId xmlns:a16="http://schemas.microsoft.com/office/drawing/2014/main" id="{D4CA772F-A72C-4314-A82A-E884D10E777D}"/>
+                <a16:creationId xmlns:a16="http://schemas.microsoft.com/office/drawing/2014/main" xmlns="" id="{D4CA772F-A72C-4314-A82A-E884D10E777D}"/>
               </a:ext>
             </a:extLst>
           </p:cNvPr>
@@ -5762,7 +6020,7 @@
           <p:cNvPr id="98" name="Picture 97">
             <a:extLst>
               <a:ext uri="{FF2B5EF4-FFF2-40B4-BE49-F238E27FC236}">
-                <a16:creationId xmlns:a16="http://schemas.microsoft.com/office/drawing/2014/main" id="{9E085E1D-93F9-4E72-B98F-FB8F7028960D}"/>
+                <a16:creationId xmlns:a16="http://schemas.microsoft.com/office/drawing/2014/main" xmlns="" id="{9E085E1D-93F9-4E72-B98F-FB8F7028960D}"/>
               </a:ext>
             </a:extLst>
           </p:cNvPr>
@@ -5790,7 +6048,7 @@
           <p:cNvPr id="99" name="TextBox 98">
             <a:extLst>
               <a:ext uri="{FF2B5EF4-FFF2-40B4-BE49-F238E27FC236}">
-                <a16:creationId xmlns:a16="http://schemas.microsoft.com/office/drawing/2014/main" id="{642A6712-05AC-4A63-87F7-14430CE8A993}"/>
+                <a16:creationId xmlns:a16="http://schemas.microsoft.com/office/drawing/2014/main" xmlns="" id="{642A6712-05AC-4A63-87F7-14430CE8A993}"/>
               </a:ext>
             </a:extLst>
           </p:cNvPr>
@@ -5842,7 +6100,7 @@
           <p:cNvPr id="101" name="TextBox 100">
             <a:extLst>
               <a:ext uri="{FF2B5EF4-FFF2-40B4-BE49-F238E27FC236}">
-                <a16:creationId xmlns:a16="http://schemas.microsoft.com/office/drawing/2014/main" id="{7FF2AF45-1BBB-4306-ABAF-8689BC85C815}"/>
+                <a16:creationId xmlns:a16="http://schemas.microsoft.com/office/drawing/2014/main" xmlns="" id="{7FF2AF45-1BBB-4306-ABAF-8689BC85C815}"/>
               </a:ext>
             </a:extLst>
           </p:cNvPr>
@@ -5881,7 +6139,7 @@
           <p:cNvPr id="103" name="Straight Connector 102">
             <a:extLst>
               <a:ext uri="{FF2B5EF4-FFF2-40B4-BE49-F238E27FC236}">
-                <a16:creationId xmlns:a16="http://schemas.microsoft.com/office/drawing/2014/main" id="{E865F506-39E6-412E-A252-A31428B8E040}"/>
+                <a16:creationId xmlns:a16="http://schemas.microsoft.com/office/drawing/2014/main" xmlns="" id="{E865F506-39E6-412E-A252-A31428B8E040}"/>
               </a:ext>
             </a:extLst>
           </p:cNvPr>
@@ -5924,7 +6182,7 @@
           <p:cNvPr id="110" name="Straight Arrow Connector 109">
             <a:extLst>
               <a:ext uri="{FF2B5EF4-FFF2-40B4-BE49-F238E27FC236}">
-                <a16:creationId xmlns:a16="http://schemas.microsoft.com/office/drawing/2014/main" id="{E8B958EE-5EE0-4808-BB5D-8AF84300BFB3}"/>
+                <a16:creationId xmlns:a16="http://schemas.microsoft.com/office/drawing/2014/main" xmlns="" id="{E8B958EE-5EE0-4808-BB5D-8AF84300BFB3}"/>
               </a:ext>
             </a:extLst>
           </p:cNvPr>
@@ -5968,7 +6226,7 @@
           <p:cNvPr id="111" name="Straight Arrow Connector 110">
             <a:extLst>
               <a:ext uri="{FF2B5EF4-FFF2-40B4-BE49-F238E27FC236}">
-                <a16:creationId xmlns:a16="http://schemas.microsoft.com/office/drawing/2014/main" id="{701FA5EF-0179-41F2-B22D-FCC175001A48}"/>
+                <a16:creationId xmlns:a16="http://schemas.microsoft.com/office/drawing/2014/main" xmlns="" id="{701FA5EF-0179-41F2-B22D-FCC175001A48}"/>
               </a:ext>
             </a:extLst>
           </p:cNvPr>
@@ -6012,7 +6270,7 @@
           <p:cNvPr id="112" name="Straight Arrow Connector 111">
             <a:extLst>
               <a:ext uri="{FF2B5EF4-FFF2-40B4-BE49-F238E27FC236}">
-                <a16:creationId xmlns:a16="http://schemas.microsoft.com/office/drawing/2014/main" id="{AF569078-F334-430B-8950-9BEB338AB6EA}"/>
+                <a16:creationId xmlns:a16="http://schemas.microsoft.com/office/drawing/2014/main" xmlns="" id="{AF569078-F334-430B-8950-9BEB338AB6EA}"/>
               </a:ext>
             </a:extLst>
           </p:cNvPr>
@@ -6056,7 +6314,7 @@
           <p:cNvPr id="113" name="Straight Arrow Connector 112">
             <a:extLst>
               <a:ext uri="{FF2B5EF4-FFF2-40B4-BE49-F238E27FC236}">
-                <a16:creationId xmlns:a16="http://schemas.microsoft.com/office/drawing/2014/main" id="{9894B322-EF50-40E0-8415-FD1EB8F34947}"/>
+                <a16:creationId xmlns:a16="http://schemas.microsoft.com/office/drawing/2014/main" xmlns="" id="{9894B322-EF50-40E0-8415-FD1EB8F34947}"/>
               </a:ext>
             </a:extLst>
           </p:cNvPr>
@@ -6100,7 +6358,7 @@
           <p:cNvPr id="114" name="TextBox 113">
             <a:extLst>
               <a:ext uri="{FF2B5EF4-FFF2-40B4-BE49-F238E27FC236}">
-                <a16:creationId xmlns:a16="http://schemas.microsoft.com/office/drawing/2014/main" id="{E9064D73-DA84-45E4-878F-355289241361}"/>
+                <a16:creationId xmlns:a16="http://schemas.microsoft.com/office/drawing/2014/main" xmlns="" id="{E9064D73-DA84-45E4-878F-355289241361}"/>
               </a:ext>
             </a:extLst>
           </p:cNvPr>
@@ -6139,7 +6397,7 @@
           <p:cNvPr id="115" name="Arrow: Down 114">
             <a:extLst>
               <a:ext uri="{FF2B5EF4-FFF2-40B4-BE49-F238E27FC236}">
-                <a16:creationId xmlns:a16="http://schemas.microsoft.com/office/drawing/2014/main" id="{8CFCE75F-7AA7-4BF3-B044-4770D3A70008}"/>
+                <a16:creationId xmlns:a16="http://schemas.microsoft.com/office/drawing/2014/main" xmlns="" id="{8CFCE75F-7AA7-4BF3-B044-4770D3A70008}"/>
               </a:ext>
             </a:extLst>
           </p:cNvPr>
@@ -6191,7 +6449,7 @@
           <p:cNvPr id="116" name="Straight Arrow Connector 115">
             <a:extLst>
               <a:ext uri="{FF2B5EF4-FFF2-40B4-BE49-F238E27FC236}">
-                <a16:creationId xmlns:a16="http://schemas.microsoft.com/office/drawing/2014/main" id="{8E0EBC89-8ED8-4F07-B552-FDDF03B2E41D}"/>
+                <a16:creationId xmlns:a16="http://schemas.microsoft.com/office/drawing/2014/main" xmlns="" id="{8E0EBC89-8ED8-4F07-B552-FDDF03B2E41D}"/>
               </a:ext>
             </a:extLst>
           </p:cNvPr>
@@ -6237,7 +6495,7 @@
           <p:cNvPr id="117" name="TextBox 116">
             <a:extLst>
               <a:ext uri="{FF2B5EF4-FFF2-40B4-BE49-F238E27FC236}">
-                <a16:creationId xmlns:a16="http://schemas.microsoft.com/office/drawing/2014/main" id="{DC4F584F-869A-4EC5-BD3F-B43D6F04B109}"/>
+                <a16:creationId xmlns:a16="http://schemas.microsoft.com/office/drawing/2014/main" xmlns="" id="{DC4F584F-869A-4EC5-BD3F-B43D6F04B109}"/>
               </a:ext>
             </a:extLst>
           </p:cNvPr>
@@ -6287,7 +6545,7 @@
           <p:cNvPr id="118" name="Picture 2">
             <a:extLst>
               <a:ext uri="{FF2B5EF4-FFF2-40B4-BE49-F238E27FC236}">
-                <a16:creationId xmlns:a16="http://schemas.microsoft.com/office/drawing/2014/main" id="{7EAFE767-B908-419E-B4E7-05DAB402B5BB}"/>
+                <a16:creationId xmlns:a16="http://schemas.microsoft.com/office/drawing/2014/main" xmlns="" id="{7EAFE767-B908-419E-B4E7-05DAB402B5BB}"/>
               </a:ext>
             </a:extLst>
           </p:cNvPr>
@@ -6357,7 +6615,7 @@
           <p:cNvPr id="13" name="Group 12">
             <a:extLst>
               <a:ext uri="{FF2B5EF4-FFF2-40B4-BE49-F238E27FC236}">
-                <a16:creationId xmlns:a16="http://schemas.microsoft.com/office/drawing/2014/main" id="{DD9AE47D-D12F-4154-BB04-4D3D34BE33AE}"/>
+                <a16:creationId xmlns:a16="http://schemas.microsoft.com/office/drawing/2014/main" xmlns="" id="{DD9AE47D-D12F-4154-BB04-4D3D34BE33AE}"/>
               </a:ext>
             </a:extLst>
           </p:cNvPr>
@@ -6377,7 +6635,7 @@
             <p:cNvPr id="119" name="Picture 118">
               <a:extLst>
                 <a:ext uri="{FF2B5EF4-FFF2-40B4-BE49-F238E27FC236}">
-                  <a16:creationId xmlns:a16="http://schemas.microsoft.com/office/drawing/2014/main" id="{8569128C-0619-4279-963D-AE7C028B50F8}"/>
+                  <a16:creationId xmlns:a16="http://schemas.microsoft.com/office/drawing/2014/main" xmlns="" id="{8569128C-0619-4279-963D-AE7C028B50F8}"/>
                 </a:ext>
               </a:extLst>
             </p:cNvPr>
@@ -6405,7 +6663,7 @@
             <p:cNvPr id="120" name="Picture 119">
               <a:extLst>
                 <a:ext uri="{FF2B5EF4-FFF2-40B4-BE49-F238E27FC236}">
-                  <a16:creationId xmlns:a16="http://schemas.microsoft.com/office/drawing/2014/main" id="{8B747FC8-E2F4-4A4F-A22C-CE38FE1C73EE}"/>
+                  <a16:creationId xmlns:a16="http://schemas.microsoft.com/office/drawing/2014/main" xmlns="" id="{8B747FC8-E2F4-4A4F-A22C-CE38FE1C73EE}"/>
                 </a:ext>
               </a:extLst>
             </p:cNvPr>
@@ -6433,7 +6691,7 @@
             <p:cNvPr id="121" name="Picture 120">
               <a:extLst>
                 <a:ext uri="{FF2B5EF4-FFF2-40B4-BE49-F238E27FC236}">
-                  <a16:creationId xmlns:a16="http://schemas.microsoft.com/office/drawing/2014/main" id="{C5D34CA6-4297-482B-89D7-F88D49D89624}"/>
+                  <a16:creationId xmlns:a16="http://schemas.microsoft.com/office/drawing/2014/main" xmlns="" id="{C5D34CA6-4297-482B-89D7-F88D49D89624}"/>
                 </a:ext>
               </a:extLst>
             </p:cNvPr>
@@ -6462,7 +6720,7 @@
           <p:cNvPr id="122" name="Picture 121">
             <a:extLst>
               <a:ext uri="{FF2B5EF4-FFF2-40B4-BE49-F238E27FC236}">
-                <a16:creationId xmlns:a16="http://schemas.microsoft.com/office/drawing/2014/main" id="{B162C919-E530-41D0-B8DE-285A262718DC}"/>
+                <a16:creationId xmlns:a16="http://schemas.microsoft.com/office/drawing/2014/main" xmlns="" id="{B162C919-E530-41D0-B8DE-285A262718DC}"/>
               </a:ext>
             </a:extLst>
           </p:cNvPr>
@@ -6490,7 +6748,7 @@
           <p:cNvPr id="124" name="Picture 123" descr="Free Icon | Wifi">
             <a:extLst>
               <a:ext uri="{FF2B5EF4-FFF2-40B4-BE49-F238E27FC236}">
-                <a16:creationId xmlns:a16="http://schemas.microsoft.com/office/drawing/2014/main" id="{53DEC4AC-7083-4137-853A-196172679253}"/>
+                <a16:creationId xmlns:a16="http://schemas.microsoft.com/office/drawing/2014/main" xmlns="" id="{53DEC4AC-7083-4137-853A-196172679253}"/>
               </a:ext>
             </a:extLst>
           </p:cNvPr>
@@ -6529,7 +6787,7 @@
           <p:cNvPr id="125" name="Picture 124">
             <a:extLst>
               <a:ext uri="{FF2B5EF4-FFF2-40B4-BE49-F238E27FC236}">
-                <a16:creationId xmlns:a16="http://schemas.microsoft.com/office/drawing/2014/main" id="{4A694F61-56DD-44EC-9C94-5B51CD55A6AD}"/>
+                <a16:creationId xmlns:a16="http://schemas.microsoft.com/office/drawing/2014/main" xmlns="" id="{4A694F61-56DD-44EC-9C94-5B51CD55A6AD}"/>
               </a:ext>
             </a:extLst>
           </p:cNvPr>
@@ -6557,7 +6815,7 @@
           <p:cNvPr id="126" name="Picture 125">
             <a:extLst>
               <a:ext uri="{FF2B5EF4-FFF2-40B4-BE49-F238E27FC236}">
-                <a16:creationId xmlns:a16="http://schemas.microsoft.com/office/drawing/2014/main" id="{1070B515-8811-4DB0-B73F-A655CDA1F65D}"/>
+                <a16:creationId xmlns:a16="http://schemas.microsoft.com/office/drawing/2014/main" xmlns="" id="{1070B515-8811-4DB0-B73F-A655CDA1F65D}"/>
               </a:ext>
             </a:extLst>
           </p:cNvPr>
@@ -6585,7 +6843,7 @@
           <p:cNvPr id="127" name="TextBox 126">
             <a:extLst>
               <a:ext uri="{FF2B5EF4-FFF2-40B4-BE49-F238E27FC236}">
-                <a16:creationId xmlns:a16="http://schemas.microsoft.com/office/drawing/2014/main" id="{A95CCAB4-6FC7-49A6-8666-4575A0CA9B0B}"/>
+                <a16:creationId xmlns:a16="http://schemas.microsoft.com/office/drawing/2014/main" xmlns="" id="{A95CCAB4-6FC7-49A6-8666-4575A0CA9B0B}"/>
               </a:ext>
             </a:extLst>
           </p:cNvPr>
@@ -6637,7 +6895,7 @@
           <p:cNvPr id="129" name="TextBox 128">
             <a:extLst>
               <a:ext uri="{FF2B5EF4-FFF2-40B4-BE49-F238E27FC236}">
-                <a16:creationId xmlns:a16="http://schemas.microsoft.com/office/drawing/2014/main" id="{E39A3AB8-C796-4956-8252-D950C226E4A3}"/>
+                <a16:creationId xmlns:a16="http://schemas.microsoft.com/office/drawing/2014/main" xmlns="" id="{E39A3AB8-C796-4956-8252-D950C226E4A3}"/>
               </a:ext>
             </a:extLst>
           </p:cNvPr>
@@ -6676,7 +6934,7 @@
           <p:cNvPr id="130" name="Straight Connector 129">
             <a:extLst>
               <a:ext uri="{FF2B5EF4-FFF2-40B4-BE49-F238E27FC236}">
-                <a16:creationId xmlns:a16="http://schemas.microsoft.com/office/drawing/2014/main" id="{9DF291A7-41F4-4DE6-AE15-E1C86F573651}"/>
+                <a16:creationId xmlns:a16="http://schemas.microsoft.com/office/drawing/2014/main" xmlns="" id="{9DF291A7-41F4-4DE6-AE15-E1C86F573651}"/>
               </a:ext>
             </a:extLst>
           </p:cNvPr>
@@ -6719,7 +6977,7 @@
           <p:cNvPr id="131" name="Straight Arrow Connector 130">
             <a:extLst>
               <a:ext uri="{FF2B5EF4-FFF2-40B4-BE49-F238E27FC236}">
-                <a16:creationId xmlns:a16="http://schemas.microsoft.com/office/drawing/2014/main" id="{C1FCFB29-B377-49B7-AE4A-C6D22253A121}"/>
+                <a16:creationId xmlns:a16="http://schemas.microsoft.com/office/drawing/2014/main" xmlns="" id="{C1FCFB29-B377-49B7-AE4A-C6D22253A121}"/>
               </a:ext>
             </a:extLst>
           </p:cNvPr>
@@ -6763,7 +7021,7 @@
           <p:cNvPr id="132" name="Straight Arrow Connector 131">
             <a:extLst>
               <a:ext uri="{FF2B5EF4-FFF2-40B4-BE49-F238E27FC236}">
-                <a16:creationId xmlns:a16="http://schemas.microsoft.com/office/drawing/2014/main" id="{437E4990-C17A-4FBD-B288-E7FEE10A8B47}"/>
+                <a16:creationId xmlns:a16="http://schemas.microsoft.com/office/drawing/2014/main" xmlns="" id="{437E4990-C17A-4FBD-B288-E7FEE10A8B47}"/>
               </a:ext>
             </a:extLst>
           </p:cNvPr>
@@ -6807,7 +7065,7 @@
           <p:cNvPr id="133" name="Straight Arrow Connector 132">
             <a:extLst>
               <a:ext uri="{FF2B5EF4-FFF2-40B4-BE49-F238E27FC236}">
-                <a16:creationId xmlns:a16="http://schemas.microsoft.com/office/drawing/2014/main" id="{3C070CA1-7CB4-4E4C-8996-587C0DF6380E}"/>
+                <a16:creationId xmlns:a16="http://schemas.microsoft.com/office/drawing/2014/main" xmlns="" id="{3C070CA1-7CB4-4E4C-8996-587C0DF6380E}"/>
               </a:ext>
             </a:extLst>
           </p:cNvPr>
@@ -6851,7 +7109,7 @@
           <p:cNvPr id="134" name="Straight Arrow Connector 133">
             <a:extLst>
               <a:ext uri="{FF2B5EF4-FFF2-40B4-BE49-F238E27FC236}">
-                <a16:creationId xmlns:a16="http://schemas.microsoft.com/office/drawing/2014/main" id="{FC701DDD-2159-4659-A0CA-3419EE1C595C}"/>
+                <a16:creationId xmlns:a16="http://schemas.microsoft.com/office/drawing/2014/main" xmlns="" id="{FC701DDD-2159-4659-A0CA-3419EE1C595C}"/>
               </a:ext>
             </a:extLst>
           </p:cNvPr>
@@ -6895,7 +7153,7 @@
           <p:cNvPr id="135" name="TextBox 134">
             <a:extLst>
               <a:ext uri="{FF2B5EF4-FFF2-40B4-BE49-F238E27FC236}">
-                <a16:creationId xmlns:a16="http://schemas.microsoft.com/office/drawing/2014/main" id="{CCB08C6A-B88F-466B-9016-90EEB67A179B}"/>
+                <a16:creationId xmlns:a16="http://schemas.microsoft.com/office/drawing/2014/main" xmlns="" id="{CCB08C6A-B88F-466B-9016-90EEB67A179B}"/>
               </a:ext>
             </a:extLst>
           </p:cNvPr>
@@ -6934,7 +7192,7 @@
           <p:cNvPr id="136" name="Arrow: Down 135">
             <a:extLst>
               <a:ext uri="{FF2B5EF4-FFF2-40B4-BE49-F238E27FC236}">
-                <a16:creationId xmlns:a16="http://schemas.microsoft.com/office/drawing/2014/main" id="{DFF46CD1-F7A1-44D1-A40D-EB507AC19AB7}"/>
+                <a16:creationId xmlns:a16="http://schemas.microsoft.com/office/drawing/2014/main" xmlns="" id="{DFF46CD1-F7A1-44D1-A40D-EB507AC19AB7}"/>
               </a:ext>
             </a:extLst>
           </p:cNvPr>
@@ -6986,7 +7244,7 @@
           <p:cNvPr id="137" name="Straight Arrow Connector 136">
             <a:extLst>
               <a:ext uri="{FF2B5EF4-FFF2-40B4-BE49-F238E27FC236}">
-                <a16:creationId xmlns:a16="http://schemas.microsoft.com/office/drawing/2014/main" id="{8F992FA7-D08C-438C-A43F-47DBDCC12409}"/>
+                <a16:creationId xmlns:a16="http://schemas.microsoft.com/office/drawing/2014/main" xmlns="" id="{8F992FA7-D08C-438C-A43F-47DBDCC12409}"/>
               </a:ext>
             </a:extLst>
           </p:cNvPr>
@@ -7032,7 +7290,7 @@
           <p:cNvPr id="138" name="TextBox 137">
             <a:extLst>
               <a:ext uri="{FF2B5EF4-FFF2-40B4-BE49-F238E27FC236}">
-                <a16:creationId xmlns:a16="http://schemas.microsoft.com/office/drawing/2014/main" id="{759D9C9A-697F-41AF-B4E7-ED889C2499F2}"/>
+                <a16:creationId xmlns:a16="http://schemas.microsoft.com/office/drawing/2014/main" xmlns="" id="{759D9C9A-697F-41AF-B4E7-ED889C2499F2}"/>
               </a:ext>
             </a:extLst>
           </p:cNvPr>
@@ -7082,7 +7340,7 @@
           <p:cNvPr id="139" name="Picture 2">
             <a:extLst>
               <a:ext uri="{FF2B5EF4-FFF2-40B4-BE49-F238E27FC236}">
-                <a16:creationId xmlns:a16="http://schemas.microsoft.com/office/drawing/2014/main" id="{44B1DE2B-5459-4559-8528-F531AB2F47CC}"/>
+                <a16:creationId xmlns:a16="http://schemas.microsoft.com/office/drawing/2014/main" xmlns="" id="{44B1DE2B-5459-4559-8528-F531AB2F47CC}"/>
               </a:ext>
             </a:extLst>
           </p:cNvPr>
@@ -7152,7 +7410,7 @@
           <p:cNvPr id="140" name="Group 139">
             <a:extLst>
               <a:ext uri="{FF2B5EF4-FFF2-40B4-BE49-F238E27FC236}">
-                <a16:creationId xmlns:a16="http://schemas.microsoft.com/office/drawing/2014/main" id="{4AC26AC4-8582-4AF1-9662-4C653C054F44}"/>
+                <a16:creationId xmlns:a16="http://schemas.microsoft.com/office/drawing/2014/main" xmlns="" id="{4AC26AC4-8582-4AF1-9662-4C653C054F44}"/>
               </a:ext>
             </a:extLst>
           </p:cNvPr>
@@ -7172,7 +7430,7 @@
             <p:cNvPr id="142" name="Picture 141">
               <a:extLst>
                 <a:ext uri="{FF2B5EF4-FFF2-40B4-BE49-F238E27FC236}">
-                  <a16:creationId xmlns:a16="http://schemas.microsoft.com/office/drawing/2014/main" id="{F766DA8B-BC49-49A9-BF21-6C3D92420AE5}"/>
+                  <a16:creationId xmlns:a16="http://schemas.microsoft.com/office/drawing/2014/main" xmlns="" id="{F766DA8B-BC49-49A9-BF21-6C3D92420AE5}"/>
                 </a:ext>
               </a:extLst>
             </p:cNvPr>
@@ -7200,7 +7458,7 @@
             <p:cNvPr id="143" name="Picture 142">
               <a:extLst>
                 <a:ext uri="{FF2B5EF4-FFF2-40B4-BE49-F238E27FC236}">
-                  <a16:creationId xmlns:a16="http://schemas.microsoft.com/office/drawing/2014/main" id="{60A87426-69E1-4E00-A79F-BE673237C80D}"/>
+                  <a16:creationId xmlns:a16="http://schemas.microsoft.com/office/drawing/2014/main" xmlns="" id="{60A87426-69E1-4E00-A79F-BE673237C80D}"/>
                 </a:ext>
               </a:extLst>
             </p:cNvPr>
@@ -7228,7 +7486,7 @@
             <p:cNvPr id="144" name="Picture 143">
               <a:extLst>
                 <a:ext uri="{FF2B5EF4-FFF2-40B4-BE49-F238E27FC236}">
-                  <a16:creationId xmlns:a16="http://schemas.microsoft.com/office/drawing/2014/main" id="{BA800670-4E89-4822-9FE3-B81C5A84579E}"/>
+                  <a16:creationId xmlns:a16="http://schemas.microsoft.com/office/drawing/2014/main" xmlns="" id="{BA800670-4E89-4822-9FE3-B81C5A84579E}"/>
                 </a:ext>
               </a:extLst>
             </p:cNvPr>
@@ -7257,7 +7515,7 @@
           <p:cNvPr id="141" name="Picture 140">
             <a:extLst>
               <a:ext uri="{FF2B5EF4-FFF2-40B4-BE49-F238E27FC236}">
-                <a16:creationId xmlns:a16="http://schemas.microsoft.com/office/drawing/2014/main" id="{E8497B39-C585-4FA1-A77E-6295925A3A10}"/>
+                <a16:creationId xmlns:a16="http://schemas.microsoft.com/office/drawing/2014/main" xmlns="" id="{E8497B39-C585-4FA1-A77E-6295925A3A10}"/>
               </a:ext>
             </a:extLst>
           </p:cNvPr>
@@ -7285,7 +7543,7 @@
           <p:cNvPr id="146" name="Picture 145" descr="Free Icon | Wifi">
             <a:extLst>
               <a:ext uri="{FF2B5EF4-FFF2-40B4-BE49-F238E27FC236}">
-                <a16:creationId xmlns:a16="http://schemas.microsoft.com/office/drawing/2014/main" id="{400471C8-AF8F-4F03-9F7F-E4AF9D009651}"/>
+                <a16:creationId xmlns:a16="http://schemas.microsoft.com/office/drawing/2014/main" xmlns="" id="{400471C8-AF8F-4F03-9F7F-E4AF9D009651}"/>
               </a:ext>
             </a:extLst>
           </p:cNvPr>
@@ -7324,7 +7582,7 @@
           <p:cNvPr id="147" name="Picture 146">
             <a:extLst>
               <a:ext uri="{FF2B5EF4-FFF2-40B4-BE49-F238E27FC236}">
-                <a16:creationId xmlns:a16="http://schemas.microsoft.com/office/drawing/2014/main" id="{A87A795B-6EF4-4302-BE56-81D3EB784528}"/>
+                <a16:creationId xmlns:a16="http://schemas.microsoft.com/office/drawing/2014/main" xmlns="" id="{A87A795B-6EF4-4302-BE56-81D3EB784528}"/>
               </a:ext>
             </a:extLst>
           </p:cNvPr>
@@ -7352,7 +7610,7 @@
           <p:cNvPr id="148" name="Picture 147">
             <a:extLst>
               <a:ext uri="{FF2B5EF4-FFF2-40B4-BE49-F238E27FC236}">
-                <a16:creationId xmlns:a16="http://schemas.microsoft.com/office/drawing/2014/main" id="{B9BA4EBB-7917-478F-9609-5EB5FFA55FC3}"/>
+                <a16:creationId xmlns:a16="http://schemas.microsoft.com/office/drawing/2014/main" xmlns="" id="{B9BA4EBB-7917-478F-9609-5EB5FFA55FC3}"/>
               </a:ext>
             </a:extLst>
           </p:cNvPr>
@@ -7380,7 +7638,7 @@
           <p:cNvPr id="149" name="TextBox 148">
             <a:extLst>
               <a:ext uri="{FF2B5EF4-FFF2-40B4-BE49-F238E27FC236}">
-                <a16:creationId xmlns:a16="http://schemas.microsoft.com/office/drawing/2014/main" id="{F30C4C3C-680C-41D5-9C69-0BE265B22526}"/>
+                <a16:creationId xmlns:a16="http://schemas.microsoft.com/office/drawing/2014/main" xmlns="" id="{F30C4C3C-680C-41D5-9C69-0BE265B22526}"/>
               </a:ext>
             </a:extLst>
           </p:cNvPr>
@@ -7432,7 +7690,7 @@
           <p:cNvPr id="151" name="TextBox 150">
             <a:extLst>
               <a:ext uri="{FF2B5EF4-FFF2-40B4-BE49-F238E27FC236}">
-                <a16:creationId xmlns:a16="http://schemas.microsoft.com/office/drawing/2014/main" id="{59608F00-0360-4995-AE2C-04C7DA329F16}"/>
+                <a16:creationId xmlns:a16="http://schemas.microsoft.com/office/drawing/2014/main" xmlns="" id="{59608F00-0360-4995-AE2C-04C7DA329F16}"/>
               </a:ext>
             </a:extLst>
           </p:cNvPr>
@@ -7471,7 +7729,7 @@
           <p:cNvPr id="152" name="Straight Connector 151">
             <a:extLst>
               <a:ext uri="{FF2B5EF4-FFF2-40B4-BE49-F238E27FC236}">
-                <a16:creationId xmlns:a16="http://schemas.microsoft.com/office/drawing/2014/main" id="{A1D3B135-9E1F-4715-BBDB-B743EB32E933}"/>
+                <a16:creationId xmlns:a16="http://schemas.microsoft.com/office/drawing/2014/main" xmlns="" id="{A1D3B135-9E1F-4715-BBDB-B743EB32E933}"/>
               </a:ext>
             </a:extLst>
           </p:cNvPr>
@@ -7514,7 +7772,7 @@
           <p:cNvPr id="153" name="Straight Arrow Connector 152">
             <a:extLst>
               <a:ext uri="{FF2B5EF4-FFF2-40B4-BE49-F238E27FC236}">
-                <a16:creationId xmlns:a16="http://schemas.microsoft.com/office/drawing/2014/main" id="{D1770F5E-EA21-4850-8494-C4C2D80A1B20}"/>
+                <a16:creationId xmlns:a16="http://schemas.microsoft.com/office/drawing/2014/main" xmlns="" id="{D1770F5E-EA21-4850-8494-C4C2D80A1B20}"/>
               </a:ext>
             </a:extLst>
           </p:cNvPr>
@@ -7558,7 +7816,7 @@
           <p:cNvPr id="154" name="Straight Arrow Connector 153">
             <a:extLst>
               <a:ext uri="{FF2B5EF4-FFF2-40B4-BE49-F238E27FC236}">
-                <a16:creationId xmlns:a16="http://schemas.microsoft.com/office/drawing/2014/main" id="{C8E3FE0E-5E92-477B-BACE-E898B0C12B07}"/>
+                <a16:creationId xmlns:a16="http://schemas.microsoft.com/office/drawing/2014/main" xmlns="" id="{C8E3FE0E-5E92-477B-BACE-E898B0C12B07}"/>
               </a:ext>
             </a:extLst>
           </p:cNvPr>
@@ -7602,7 +7860,7 @@
           <p:cNvPr id="155" name="Straight Arrow Connector 154">
             <a:extLst>
               <a:ext uri="{FF2B5EF4-FFF2-40B4-BE49-F238E27FC236}">
-                <a16:creationId xmlns:a16="http://schemas.microsoft.com/office/drawing/2014/main" id="{DBF37D8A-2F61-4869-A6C6-524233FA9B12}"/>
+                <a16:creationId xmlns:a16="http://schemas.microsoft.com/office/drawing/2014/main" xmlns="" id="{DBF37D8A-2F61-4869-A6C6-524233FA9B12}"/>
               </a:ext>
             </a:extLst>
           </p:cNvPr>
@@ -7646,7 +7904,7 @@
           <p:cNvPr id="156" name="Straight Arrow Connector 155">
             <a:extLst>
               <a:ext uri="{FF2B5EF4-FFF2-40B4-BE49-F238E27FC236}">
-                <a16:creationId xmlns:a16="http://schemas.microsoft.com/office/drawing/2014/main" id="{A625D55F-5F09-486D-9A2E-2D267A148440}"/>
+                <a16:creationId xmlns:a16="http://schemas.microsoft.com/office/drawing/2014/main" xmlns="" id="{A625D55F-5F09-486D-9A2E-2D267A148440}"/>
               </a:ext>
             </a:extLst>
           </p:cNvPr>
@@ -7690,7 +7948,7 @@
           <p:cNvPr id="157" name="TextBox 156">
             <a:extLst>
               <a:ext uri="{FF2B5EF4-FFF2-40B4-BE49-F238E27FC236}">
-                <a16:creationId xmlns:a16="http://schemas.microsoft.com/office/drawing/2014/main" id="{3B1C1B6A-2C75-43CC-A447-4B561C1C2B06}"/>
+                <a16:creationId xmlns:a16="http://schemas.microsoft.com/office/drawing/2014/main" xmlns="" id="{3B1C1B6A-2C75-43CC-A447-4B561C1C2B06}"/>
               </a:ext>
             </a:extLst>
           </p:cNvPr>
@@ -7729,7 +7987,7 @@
           <p:cNvPr id="158" name="Arrow: Down 157">
             <a:extLst>
               <a:ext uri="{FF2B5EF4-FFF2-40B4-BE49-F238E27FC236}">
-                <a16:creationId xmlns:a16="http://schemas.microsoft.com/office/drawing/2014/main" id="{E3FB393C-BE89-42B7-8E61-C434739C9007}"/>
+                <a16:creationId xmlns:a16="http://schemas.microsoft.com/office/drawing/2014/main" xmlns="" id="{E3FB393C-BE89-42B7-8E61-C434739C9007}"/>
               </a:ext>
             </a:extLst>
           </p:cNvPr>
@@ -7781,7 +8039,7 @@
           <p:cNvPr id="159" name="Straight Arrow Connector 158">
             <a:extLst>
               <a:ext uri="{FF2B5EF4-FFF2-40B4-BE49-F238E27FC236}">
-                <a16:creationId xmlns:a16="http://schemas.microsoft.com/office/drawing/2014/main" id="{4736D311-FC35-4A01-A271-0230817C9E28}"/>
+                <a16:creationId xmlns:a16="http://schemas.microsoft.com/office/drawing/2014/main" xmlns="" id="{4736D311-FC35-4A01-A271-0230817C9E28}"/>
               </a:ext>
             </a:extLst>
           </p:cNvPr>
@@ -7827,7 +8085,7 @@
           <p:cNvPr id="160" name="TextBox 159">
             <a:extLst>
               <a:ext uri="{FF2B5EF4-FFF2-40B4-BE49-F238E27FC236}">
-                <a16:creationId xmlns:a16="http://schemas.microsoft.com/office/drawing/2014/main" id="{E9234FC1-B780-485A-BC1D-27D488028FF2}"/>
+                <a16:creationId xmlns:a16="http://schemas.microsoft.com/office/drawing/2014/main" xmlns="" id="{E9234FC1-B780-485A-BC1D-27D488028FF2}"/>
               </a:ext>
             </a:extLst>
           </p:cNvPr>
@@ -7877,7 +8135,7 @@
           <p:cNvPr id="161" name="Picture 2">
             <a:extLst>
               <a:ext uri="{FF2B5EF4-FFF2-40B4-BE49-F238E27FC236}">
-                <a16:creationId xmlns:a16="http://schemas.microsoft.com/office/drawing/2014/main" id="{6FA8644C-4157-4C29-A9AB-7895426E89EE}"/>
+                <a16:creationId xmlns:a16="http://schemas.microsoft.com/office/drawing/2014/main" xmlns="" id="{6FA8644C-4157-4C29-A9AB-7895426E89EE}"/>
               </a:ext>
             </a:extLst>
           </p:cNvPr>
@@ -7947,7 +8205,7 @@
           <p:cNvPr id="162" name="Group 161">
             <a:extLst>
               <a:ext uri="{FF2B5EF4-FFF2-40B4-BE49-F238E27FC236}">
-                <a16:creationId xmlns:a16="http://schemas.microsoft.com/office/drawing/2014/main" id="{8AA417C8-2A5F-4DB9-A327-478DEFA0F1FE}"/>
+                <a16:creationId xmlns:a16="http://schemas.microsoft.com/office/drawing/2014/main" xmlns="" id="{8AA417C8-2A5F-4DB9-A327-478DEFA0F1FE}"/>
               </a:ext>
             </a:extLst>
           </p:cNvPr>
@@ -7967,7 +8225,7 @@
             <p:cNvPr id="164" name="Picture 163">
               <a:extLst>
                 <a:ext uri="{FF2B5EF4-FFF2-40B4-BE49-F238E27FC236}">
-                  <a16:creationId xmlns:a16="http://schemas.microsoft.com/office/drawing/2014/main" id="{7AB6C7DC-8C4D-480E-8465-19855F19BB49}"/>
+                  <a16:creationId xmlns:a16="http://schemas.microsoft.com/office/drawing/2014/main" xmlns="" id="{7AB6C7DC-8C4D-480E-8465-19855F19BB49}"/>
                 </a:ext>
               </a:extLst>
             </p:cNvPr>
@@ -7995,7 +8253,7 @@
             <p:cNvPr id="165" name="Picture 164">
               <a:extLst>
                 <a:ext uri="{FF2B5EF4-FFF2-40B4-BE49-F238E27FC236}">
-                  <a16:creationId xmlns:a16="http://schemas.microsoft.com/office/drawing/2014/main" id="{8D424CF8-98CA-4442-9CBB-1C6B6677CA03}"/>
+                  <a16:creationId xmlns:a16="http://schemas.microsoft.com/office/drawing/2014/main" xmlns="" id="{8D424CF8-98CA-4442-9CBB-1C6B6677CA03}"/>
                 </a:ext>
               </a:extLst>
             </p:cNvPr>
@@ -8023,7 +8281,7 @@
             <p:cNvPr id="166" name="Picture 165">
               <a:extLst>
                 <a:ext uri="{FF2B5EF4-FFF2-40B4-BE49-F238E27FC236}">
-                  <a16:creationId xmlns:a16="http://schemas.microsoft.com/office/drawing/2014/main" id="{A0F38DD2-225D-4228-9076-B8596901A09B}"/>
+                  <a16:creationId xmlns:a16="http://schemas.microsoft.com/office/drawing/2014/main" xmlns="" id="{A0F38DD2-225D-4228-9076-B8596901A09B}"/>
                 </a:ext>
               </a:extLst>
             </p:cNvPr>
@@ -8052,7 +8310,7 @@
           <p:cNvPr id="163" name="Picture 162">
             <a:extLst>
               <a:ext uri="{FF2B5EF4-FFF2-40B4-BE49-F238E27FC236}">
-                <a16:creationId xmlns:a16="http://schemas.microsoft.com/office/drawing/2014/main" id="{548E5F0E-DC66-41FE-810E-8A55BE941A57}"/>
+                <a16:creationId xmlns:a16="http://schemas.microsoft.com/office/drawing/2014/main" xmlns="" id="{548E5F0E-DC66-41FE-810E-8A55BE941A57}"/>
               </a:ext>
             </a:extLst>
           </p:cNvPr>
@@ -8080,7 +8338,7 @@
           <p:cNvPr id="167" name="TextBox 166">
             <a:extLst>
               <a:ext uri="{FF2B5EF4-FFF2-40B4-BE49-F238E27FC236}">
-                <a16:creationId xmlns:a16="http://schemas.microsoft.com/office/drawing/2014/main" id="{844FFFA2-95FD-44EC-81E9-4E773A5EFF75}"/>
+                <a16:creationId xmlns:a16="http://schemas.microsoft.com/office/drawing/2014/main" xmlns="" id="{844FFFA2-95FD-44EC-81E9-4E773A5EFF75}"/>
               </a:ext>
             </a:extLst>
           </p:cNvPr>
@@ -8124,7 +8382,7 @@
           <p:cNvPr id="168" name="TextBox 167">
             <a:extLst>
               <a:ext uri="{FF2B5EF4-FFF2-40B4-BE49-F238E27FC236}">
-                <a16:creationId xmlns:a16="http://schemas.microsoft.com/office/drawing/2014/main" id="{0C242035-3919-48F6-B3E7-DF24DD4E2B78}"/>
+                <a16:creationId xmlns:a16="http://schemas.microsoft.com/office/drawing/2014/main" xmlns="" id="{0C242035-3919-48F6-B3E7-DF24DD4E2B78}"/>
               </a:ext>
             </a:extLst>
           </p:cNvPr>
@@ -8366,7 +8624,7 @@
           <p:cNvPr id="2" name="Title 1">
             <a:extLst>
               <a:ext uri="{FF2B5EF4-FFF2-40B4-BE49-F238E27FC236}">
-                <a16:creationId xmlns:a16="http://schemas.microsoft.com/office/drawing/2014/main" id="{31195E77-1C7B-483F-8200-B70D0B520655}"/>
+                <a16:creationId xmlns:a16="http://schemas.microsoft.com/office/drawing/2014/main" xmlns="" id="{31195E77-1C7B-483F-8200-B70D0B520655}"/>
               </a:ext>
             </a:extLst>
           </p:cNvPr>
@@ -8446,46 +8704,6 @@
       </p:grpSpPr>
       <p:sp>
         <p:nvSpPr>
-          <p:cNvPr id="4" name="Rectangle 3"/>
-          <p:cNvSpPr/>
-          <p:nvPr/>
-        </p:nvSpPr>
-        <p:spPr>
-          <a:xfrm>
-            <a:off x="2555776" y="188640"/>
-            <a:ext cx="5065874" cy="584775"/>
-          </a:xfrm>
-          <a:prstGeom prst="rect">
-            <a:avLst/>
-          </a:prstGeom>
-        </p:spPr>
-        <p:txBody>
-          <a:bodyPr wrap="none">
-            <a:spAutoFit/>
-          </a:bodyPr>
-          <a:lstStyle/>
-          <a:p>
-            <a:r>
-              <a:rPr lang="en-ID" b="1" dirty="0"/>
-              <a:t>Flowchart </a:t>
-            </a:r>
-            <a:r>
-              <a:rPr lang="en-US" dirty="0"/>
-              <a:t>_pbAMRT-&gt;getCmd(DEBOUNCING_TIME)</a:t>
-            </a:r>
-          </a:p>
-          <a:p>
-            <a:pPr algn="ctr"/>
-            <a:r>
-              <a:rPr lang="en-ID" sz="1400" dirty="0"/>
-              <a:t>File : src\compDevices\pbAMRT.cpp</a:t>
-            </a:r>
-            <a:endParaRPr lang="en-US" sz="1400" dirty="0"/>
-          </a:p>
-        </p:txBody>
-      </p:sp>
-      <p:sp>
-        <p:nvSpPr>
           <p:cNvPr id="5" name="Flowchart: Decision 4"/>
           <p:cNvSpPr/>
           <p:nvPr/>
@@ -9470,6 +9688,97 @@
           </a:fontRef>
         </p:style>
       </p:cxnSp>
+      <p:sp>
+        <p:nvSpPr>
+          <p:cNvPr id="2" name="Title 1"/>
+          <p:cNvSpPr>
+            <a:spLocks noGrp="1"/>
+          </p:cNvSpPr>
+          <p:nvPr>
+            <p:ph type="ctrTitle"/>
+          </p:nvPr>
+        </p:nvSpPr>
+        <p:spPr>
+          <a:xfrm>
+            <a:off x="786608" y="332656"/>
+            <a:ext cx="7772400" cy="594311"/>
+          </a:xfrm>
+        </p:spPr>
+        <p:txBody>
+          <a:bodyPr/>
+          <a:lstStyle/>
+          <a:p>
+            <a:pPr algn="ctr"/>
+            <a:r>
+              <a:rPr lang="en-US" sz="1800" kern="1200" dirty="0" smtClean="0">
+                <a:solidFill>
+                  <a:srgbClr val="000000"/>
+                </a:solidFill>
+                <a:effectLst/>
+                <a:latin typeface="Calibri"/>
+                <a:ea typeface="+mj-ea"/>
+                <a:cs typeface="+mj-cs"/>
+              </a:rPr>
+              <a:t>_pbAMRT-&gt;</a:t>
+            </a:r>
+            <a:r>
+              <a:rPr lang="en-US" sz="1800" kern="1200" dirty="0" err="1" smtClean="0">
+                <a:solidFill>
+                  <a:srgbClr val="000000"/>
+                </a:solidFill>
+                <a:effectLst/>
+                <a:latin typeface="Calibri"/>
+                <a:ea typeface="+mj-ea"/>
+                <a:cs typeface="+mj-cs"/>
+              </a:rPr>
+              <a:t>getCmd</a:t>
+            </a:r>
+            <a:r>
+              <a:rPr lang="en-US" sz="1800" kern="1200" dirty="0" smtClean="0">
+                <a:solidFill>
+                  <a:srgbClr val="000000"/>
+                </a:solidFill>
+                <a:effectLst/>
+                <a:latin typeface="Calibri"/>
+                <a:ea typeface="+mj-ea"/>
+                <a:cs typeface="+mj-cs"/>
+              </a:rPr>
+              <a:t>(DEBOUNCING_TIME)</a:t>
+            </a:r>
+            <a:endParaRPr lang="en-US" dirty="0"/>
+          </a:p>
+        </p:txBody>
+      </p:sp>
+      <p:sp>
+        <p:nvSpPr>
+          <p:cNvPr id="27" name="Rectangle 26"/>
+          <p:cNvSpPr/>
+          <p:nvPr/>
+        </p:nvSpPr>
+        <p:spPr>
+          <a:xfrm>
+            <a:off x="3172674" y="836010"/>
+            <a:ext cx="2798651" cy="307777"/>
+          </a:xfrm>
+          <a:prstGeom prst="rect">
+            <a:avLst/>
+          </a:prstGeom>
+        </p:spPr>
+        <p:txBody>
+          <a:bodyPr wrap="none">
+            <a:spAutoFit/>
+          </a:bodyPr>
+          <a:lstStyle/>
+          <a:p>
+            <a:pPr algn="ctr"/>
+            <a:r>
+              <a:rPr lang="en-ID" sz="1400" dirty="0"/>
+              <a:t>File : src\compDevices\pbAMRT.cpp</a:t>
+            </a:r>
+            <a:endParaRPr lang="en-US" sz="1400" dirty="0"/>
+          </a:p>
+        </p:txBody>
+      </p:sp>
     </p:spTree>
     <p:extLst>
       <p:ext uri="{BB962C8B-B14F-4D97-AF65-F5344CB8AC3E}">
@@ -9678,7 +9987,7 @@
           <p:cNvPr id="26" name="Flowchart: Predefined Process 25">
             <a:extLst>
               <a:ext uri="{FF2B5EF4-FFF2-40B4-BE49-F238E27FC236}">
-                <a16:creationId xmlns:a16="http://schemas.microsoft.com/office/drawing/2014/main" id="{4261BD12-2217-4EDB-87C6-EE30E26F9B8D}"/>
+                <a16:creationId xmlns:a16="http://schemas.microsoft.com/office/drawing/2014/main" xmlns="" id="{4261BD12-2217-4EDB-87C6-EE30E26F9B8D}"/>
               </a:ext>
             </a:extLst>
           </p:cNvPr>
@@ -9748,7 +10057,7 @@
           <p:cNvPr id="3" name="Connector: Elbow 2">
             <a:extLst>
               <a:ext uri="{FF2B5EF4-FFF2-40B4-BE49-F238E27FC236}">
-                <a16:creationId xmlns:a16="http://schemas.microsoft.com/office/drawing/2014/main" id="{F2621A12-D6C6-45BE-B908-1C2D6AFE4391}"/>
+                <a16:creationId xmlns:a16="http://schemas.microsoft.com/office/drawing/2014/main" xmlns="" id="{F2621A12-D6C6-45BE-B908-1C2D6AFE4391}"/>
               </a:ext>
             </a:extLst>
           </p:cNvPr>
@@ -9794,7 +10103,7 @@
           <p:cNvPr id="43" name="Flowchart: Decision 42">
             <a:extLst>
               <a:ext uri="{FF2B5EF4-FFF2-40B4-BE49-F238E27FC236}">
-                <a16:creationId xmlns:a16="http://schemas.microsoft.com/office/drawing/2014/main" id="{F10B347E-033C-4910-9071-CDA92304C379}"/>
+                <a16:creationId xmlns:a16="http://schemas.microsoft.com/office/drawing/2014/main" xmlns="" id="{F10B347E-033C-4910-9071-CDA92304C379}"/>
               </a:ext>
             </a:extLst>
           </p:cNvPr>
@@ -9871,7 +10180,7 @@
           <p:cNvPr id="45" name="Flowchart: Decision 44">
             <a:extLst>
               <a:ext uri="{FF2B5EF4-FFF2-40B4-BE49-F238E27FC236}">
-                <a16:creationId xmlns:a16="http://schemas.microsoft.com/office/drawing/2014/main" id="{F1633C9C-0024-4E63-8717-225A7A9FF001}"/>
+                <a16:creationId xmlns:a16="http://schemas.microsoft.com/office/drawing/2014/main" xmlns="" id="{F1633C9C-0024-4E63-8717-225A7A9FF001}"/>
               </a:ext>
             </a:extLst>
           </p:cNvPr>
@@ -9948,7 +10257,7 @@
           <p:cNvPr id="46" name="Flowchart: Decision 45">
             <a:extLst>
               <a:ext uri="{FF2B5EF4-FFF2-40B4-BE49-F238E27FC236}">
-                <a16:creationId xmlns:a16="http://schemas.microsoft.com/office/drawing/2014/main" id="{7A2C44B0-43D5-48C5-89A2-758F4F74B13C}"/>
+                <a16:creationId xmlns:a16="http://schemas.microsoft.com/office/drawing/2014/main" xmlns="" id="{7A2C44B0-43D5-48C5-89A2-758F4F74B13C}"/>
               </a:ext>
             </a:extLst>
           </p:cNvPr>
@@ -10025,7 +10334,7 @@
           <p:cNvPr id="50" name="Straight Arrow Connector 49">
             <a:extLst>
               <a:ext uri="{FF2B5EF4-FFF2-40B4-BE49-F238E27FC236}">
-                <a16:creationId xmlns:a16="http://schemas.microsoft.com/office/drawing/2014/main" id="{4FF3FB3B-045C-494E-92F0-0E579FB56F01}"/>
+                <a16:creationId xmlns:a16="http://schemas.microsoft.com/office/drawing/2014/main" xmlns="" id="{4FF3FB3B-045C-494E-92F0-0E579FB56F01}"/>
               </a:ext>
             </a:extLst>
           </p:cNvPr>
@@ -10069,7 +10378,7 @@
           <p:cNvPr id="52" name="Straight Arrow Connector 51">
             <a:extLst>
               <a:ext uri="{FF2B5EF4-FFF2-40B4-BE49-F238E27FC236}">
-                <a16:creationId xmlns:a16="http://schemas.microsoft.com/office/drawing/2014/main" id="{152B8692-72F5-4741-8B38-C3103394F5D5}"/>
+                <a16:creationId xmlns:a16="http://schemas.microsoft.com/office/drawing/2014/main" xmlns="" id="{152B8692-72F5-4741-8B38-C3103394F5D5}"/>
               </a:ext>
             </a:extLst>
           </p:cNvPr>
@@ -10115,7 +10424,7 @@
           <p:cNvPr id="54" name="Straight Arrow Connector 53">
             <a:extLst>
               <a:ext uri="{FF2B5EF4-FFF2-40B4-BE49-F238E27FC236}">
-                <a16:creationId xmlns:a16="http://schemas.microsoft.com/office/drawing/2014/main" id="{DCB0E4FD-9044-428B-9B51-BB81F55A1C6C}"/>
+                <a16:creationId xmlns:a16="http://schemas.microsoft.com/office/drawing/2014/main" xmlns="" id="{DCB0E4FD-9044-428B-9B51-BB81F55A1C6C}"/>
               </a:ext>
             </a:extLst>
           </p:cNvPr>
@@ -10159,7 +10468,7 @@
           <p:cNvPr id="37" name="Straight Arrow Connector 36">
             <a:extLst>
               <a:ext uri="{FF2B5EF4-FFF2-40B4-BE49-F238E27FC236}">
-                <a16:creationId xmlns:a16="http://schemas.microsoft.com/office/drawing/2014/main" id="{2F4DEB80-823C-41E1-9539-305C65D98C55}"/>
+                <a16:creationId xmlns:a16="http://schemas.microsoft.com/office/drawing/2014/main" xmlns="" id="{2F4DEB80-823C-41E1-9539-305C65D98C55}"/>
               </a:ext>
             </a:extLst>
           </p:cNvPr>
@@ -10201,7 +10510,7 @@
           <p:cNvPr id="55" name="Straight Arrow Connector 54">
             <a:extLst>
               <a:ext uri="{FF2B5EF4-FFF2-40B4-BE49-F238E27FC236}">
-                <a16:creationId xmlns:a16="http://schemas.microsoft.com/office/drawing/2014/main" id="{D631F2B4-4E23-4BBD-873B-4A400520213C}"/>
+                <a16:creationId xmlns:a16="http://schemas.microsoft.com/office/drawing/2014/main" xmlns="" id="{D631F2B4-4E23-4BBD-873B-4A400520213C}"/>
               </a:ext>
             </a:extLst>
           </p:cNvPr>
@@ -10244,7 +10553,7 @@
           <p:cNvPr id="60" name="Straight Arrow Connector 59">
             <a:extLst>
               <a:ext uri="{FF2B5EF4-FFF2-40B4-BE49-F238E27FC236}">
-                <a16:creationId xmlns:a16="http://schemas.microsoft.com/office/drawing/2014/main" id="{4BA16A16-17D9-4D7F-A49B-BAD8B7BFD6DD}"/>
+                <a16:creationId xmlns:a16="http://schemas.microsoft.com/office/drawing/2014/main" xmlns="" id="{4BA16A16-17D9-4D7F-A49B-BAD8B7BFD6DD}"/>
               </a:ext>
             </a:extLst>
           </p:cNvPr>
@@ -10287,7 +10596,7 @@
           <p:cNvPr id="2" name="Title 1">
             <a:extLst>
               <a:ext uri="{FF2B5EF4-FFF2-40B4-BE49-F238E27FC236}">
-                <a16:creationId xmlns:a16="http://schemas.microsoft.com/office/drawing/2014/main" id="{B978AF4F-562B-48A9-B3FB-67A3A0CA01F0}"/>
+                <a16:creationId xmlns:a16="http://schemas.microsoft.com/office/drawing/2014/main" xmlns="" id="{B978AF4F-562B-48A9-B3FB-67A3A0CA01F0}"/>
               </a:ext>
             </a:extLst>
           </p:cNvPr>
@@ -10310,19 +10619,7 @@
           <a:p>
             <a:pPr algn="ctr" rtl="0" eaLnBrk="1" latinLnBrk="0" hangingPunct="1"/>
             <a:r>
-              <a:rPr lang="en-ID" sz="1800" b="1" kern="1200" dirty="0">
-                <a:solidFill>
-                  <a:srgbClr val="000000"/>
-                </a:solidFill>
-                <a:effectLst/>
-                <a:latin typeface="Calibri" panose="020F0502020204030204" pitchFamily="34" charset="0"/>
-                <a:ea typeface="+mn-ea"/>
-                <a:cs typeface="+mn-cs"/>
-              </a:rPr>
-              <a:t>Flowchart </a:t>
-            </a:r>
-            <a:r>
-              <a:rPr lang="en-ID" sz="1800" b="0" kern="1200" dirty="0">
+              <a:rPr lang="en-ID" sz="1800" b="0" kern="1200" dirty="0" smtClean="0">
                 <a:solidFill>
                   <a:srgbClr val="000000"/>
                 </a:solidFill>
@@ -10331,7 +10628,19 @@
                 <a:ea typeface="+mn-ea"/>
                 <a:cs typeface="+mn-cs"/>
               </a:rPr>
-              <a:t>_ledAMR-&gt;status(operationMode)</a:t>
+              <a:t>_</a:t>
+            </a:r>
+            <a:r>
+              <a:rPr lang="en-ID" sz="1800" b="0" kern="1200" dirty="0">
+                <a:solidFill>
+                  <a:srgbClr val="000000"/>
+                </a:solidFill>
+                <a:effectLst/>
+                <a:latin typeface="Consolas" panose="020B0609020204030204" pitchFamily="49" charset="0"/>
+                <a:ea typeface="+mn-ea"/>
+                <a:cs typeface="+mn-cs"/>
+              </a:rPr>
+              <a:t>ledAMR-&gt;status(operationMode)</a:t>
             </a:r>
             <a:endParaRPr lang="en-ID" dirty="0"/>
           </a:p>
@@ -10342,7 +10651,7 @@
           <p:cNvPr id="9" name="Parallelogram 8">
             <a:extLst>
               <a:ext uri="{FF2B5EF4-FFF2-40B4-BE49-F238E27FC236}">
-                <a16:creationId xmlns:a16="http://schemas.microsoft.com/office/drawing/2014/main" id="{D3A0CFEC-88DE-424F-B270-892188765FDB}"/>
+                <a16:creationId xmlns:a16="http://schemas.microsoft.com/office/drawing/2014/main" xmlns="" id="{D3A0CFEC-88DE-424F-B270-892188765FDB}"/>
               </a:ext>
             </a:extLst>
           </p:cNvPr>
@@ -10434,7 +10743,7 @@
           <p:cNvPr id="38" name="Parallelogram 37">
             <a:extLst>
               <a:ext uri="{FF2B5EF4-FFF2-40B4-BE49-F238E27FC236}">
-                <a16:creationId xmlns:a16="http://schemas.microsoft.com/office/drawing/2014/main" id="{0A42E41D-B499-4A9B-9E98-F2E1BF09EA31}"/>
+                <a16:creationId xmlns:a16="http://schemas.microsoft.com/office/drawing/2014/main" xmlns="" id="{0A42E41D-B499-4A9B-9E98-F2E1BF09EA31}"/>
               </a:ext>
             </a:extLst>
           </p:cNvPr>
@@ -10526,7 +10835,7 @@
           <p:cNvPr id="39" name="Parallelogram 38">
             <a:extLst>
               <a:ext uri="{FF2B5EF4-FFF2-40B4-BE49-F238E27FC236}">
-                <a16:creationId xmlns:a16="http://schemas.microsoft.com/office/drawing/2014/main" id="{37D4C3F0-B1ED-45F7-B2A7-4B7229720FD2}"/>
+                <a16:creationId xmlns:a16="http://schemas.microsoft.com/office/drawing/2014/main" xmlns="" id="{37D4C3F0-B1ED-45F7-B2A7-4B7229720FD2}"/>
               </a:ext>
             </a:extLst>
           </p:cNvPr>
@@ -10618,7 +10927,7 @@
           <p:cNvPr id="44" name="Parallelogram 43">
             <a:extLst>
               <a:ext uri="{FF2B5EF4-FFF2-40B4-BE49-F238E27FC236}">
-                <a16:creationId xmlns:a16="http://schemas.microsoft.com/office/drawing/2014/main" id="{47F9610C-5F83-4D05-8AB9-C9CEABDD463B}"/>
+                <a16:creationId xmlns:a16="http://schemas.microsoft.com/office/drawing/2014/main" xmlns="" id="{47F9610C-5F83-4D05-8AB9-C9CEABDD463B}"/>
               </a:ext>
             </a:extLst>
           </p:cNvPr>
@@ -10710,7 +11019,7 @@
           <p:cNvPr id="56" name="Flowchart: Off-page Connector 55">
             <a:extLst>
               <a:ext uri="{FF2B5EF4-FFF2-40B4-BE49-F238E27FC236}">
-                <a16:creationId xmlns:a16="http://schemas.microsoft.com/office/drawing/2014/main" id="{B49344D6-D38F-4BE4-A807-32C5B7E4D64C}"/>
+                <a16:creationId xmlns:a16="http://schemas.microsoft.com/office/drawing/2014/main" xmlns="" id="{B49344D6-D38F-4BE4-A807-32C5B7E4D64C}"/>
               </a:ext>
             </a:extLst>
           </p:cNvPr>
@@ -10774,7 +11083,7 @@
           <p:cNvPr id="57" name="Straight Arrow Connector 56">
             <a:extLst>
               <a:ext uri="{FF2B5EF4-FFF2-40B4-BE49-F238E27FC236}">
-                <a16:creationId xmlns:a16="http://schemas.microsoft.com/office/drawing/2014/main" id="{2B9A3A03-C76A-46F8-B7FD-A585274F9AEE}"/>
+                <a16:creationId xmlns:a16="http://schemas.microsoft.com/office/drawing/2014/main" xmlns="" id="{2B9A3A03-C76A-46F8-B7FD-A585274F9AEE}"/>
               </a:ext>
             </a:extLst>
           </p:cNvPr>
@@ -11037,7 +11346,7 @@
           <p:cNvPr id="43" name="Flowchart: Decision 42">
             <a:extLst>
               <a:ext uri="{FF2B5EF4-FFF2-40B4-BE49-F238E27FC236}">
-                <a16:creationId xmlns:a16="http://schemas.microsoft.com/office/drawing/2014/main" id="{F10B347E-033C-4910-9071-CDA92304C379}"/>
+                <a16:creationId xmlns:a16="http://schemas.microsoft.com/office/drawing/2014/main" xmlns="" id="{F10B347E-033C-4910-9071-CDA92304C379}"/>
               </a:ext>
             </a:extLst>
           </p:cNvPr>
@@ -11130,7 +11439,7 @@
           <p:cNvPr id="50" name="Straight Arrow Connector 49">
             <a:extLst>
               <a:ext uri="{FF2B5EF4-FFF2-40B4-BE49-F238E27FC236}">
-                <a16:creationId xmlns:a16="http://schemas.microsoft.com/office/drawing/2014/main" id="{4FF3FB3B-045C-494E-92F0-0E579FB56F01}"/>
+                <a16:creationId xmlns:a16="http://schemas.microsoft.com/office/drawing/2014/main" xmlns="" id="{4FF3FB3B-045C-494E-92F0-0E579FB56F01}"/>
               </a:ext>
             </a:extLst>
           </p:cNvPr>
@@ -11176,7 +11485,7 @@
           <p:cNvPr id="37" name="Straight Arrow Connector 36">
             <a:extLst>
               <a:ext uri="{FF2B5EF4-FFF2-40B4-BE49-F238E27FC236}">
-                <a16:creationId xmlns:a16="http://schemas.microsoft.com/office/drawing/2014/main" id="{2F4DEB80-823C-41E1-9539-305C65D98C55}"/>
+                <a16:creationId xmlns:a16="http://schemas.microsoft.com/office/drawing/2014/main" xmlns="" id="{2F4DEB80-823C-41E1-9539-305C65D98C55}"/>
               </a:ext>
             </a:extLst>
           </p:cNvPr>
@@ -11219,7 +11528,7 @@
           <p:cNvPr id="2" name="Title 1">
             <a:extLst>
               <a:ext uri="{FF2B5EF4-FFF2-40B4-BE49-F238E27FC236}">
-                <a16:creationId xmlns:a16="http://schemas.microsoft.com/office/drawing/2014/main" id="{B978AF4F-562B-48A9-B3FB-67A3A0CA01F0}"/>
+                <a16:creationId xmlns:a16="http://schemas.microsoft.com/office/drawing/2014/main" xmlns="" id="{B978AF4F-562B-48A9-B3FB-67A3A0CA01F0}"/>
               </a:ext>
             </a:extLst>
           </p:cNvPr>
@@ -11242,19 +11551,7 @@
           <a:p>
             <a:pPr algn="ctr" rtl="0" eaLnBrk="1" latinLnBrk="0" hangingPunct="1"/>
             <a:r>
-              <a:rPr lang="en-ID" sz="1800" b="1" kern="1200" dirty="0">
-                <a:solidFill>
-                  <a:srgbClr val="000000"/>
-                </a:solidFill>
-                <a:effectLst/>
-                <a:latin typeface="Calibri" panose="020F0502020204030204" pitchFamily="34" charset="0"/>
-                <a:ea typeface="+mn-ea"/>
-                <a:cs typeface="+mn-cs"/>
-              </a:rPr>
-              <a:t>Flowchart </a:t>
-            </a:r>
-            <a:r>
-              <a:rPr lang="en-ID" sz="1800" b="0" kern="1200" dirty="0">
+              <a:rPr lang="en-ID" sz="1800" b="0" kern="1200" dirty="0" smtClean="0">
                 <a:solidFill>
                   <a:srgbClr val="000000"/>
                 </a:solidFill>
@@ -11263,7 +11560,19 @@
                 <a:ea typeface="+mn-ea"/>
                 <a:cs typeface="+mn-cs"/>
               </a:rPr>
-              <a:t>_ledAMR-&gt;status(operationMode)</a:t>
+              <a:t>_ledAMR-</a:t>
+            </a:r>
+            <a:r>
+              <a:rPr lang="en-ID" sz="1800" b="0" kern="1200" dirty="0">
+                <a:solidFill>
+                  <a:srgbClr val="000000"/>
+                </a:solidFill>
+                <a:effectLst/>
+                <a:latin typeface="Consolas" panose="020B0609020204030204" pitchFamily="49" charset="0"/>
+                <a:ea typeface="+mn-ea"/>
+                <a:cs typeface="+mn-cs"/>
+              </a:rPr>
+              <a:t>&gt;status(operationMode)</a:t>
             </a:r>
             <a:endParaRPr lang="en-ID" dirty="0"/>
           </a:p>
@@ -11274,7 +11583,7 @@
           <p:cNvPr id="38" name="Parallelogram 37">
             <a:extLst>
               <a:ext uri="{FF2B5EF4-FFF2-40B4-BE49-F238E27FC236}">
-                <a16:creationId xmlns:a16="http://schemas.microsoft.com/office/drawing/2014/main" id="{0A42E41D-B499-4A9B-9E98-F2E1BF09EA31}"/>
+                <a16:creationId xmlns:a16="http://schemas.microsoft.com/office/drawing/2014/main" xmlns="" id="{0A42E41D-B499-4A9B-9E98-F2E1BF09EA31}"/>
               </a:ext>
             </a:extLst>
           </p:cNvPr>
@@ -11385,7 +11694,7 @@
           <p:cNvPr id="49" name="Parallelogram 48">
             <a:extLst>
               <a:ext uri="{FF2B5EF4-FFF2-40B4-BE49-F238E27FC236}">
-                <a16:creationId xmlns:a16="http://schemas.microsoft.com/office/drawing/2014/main" id="{1587084F-B9B9-44A3-BC40-3CE42E1EC286}"/>
+                <a16:creationId xmlns:a16="http://schemas.microsoft.com/office/drawing/2014/main" xmlns="" id="{1587084F-B9B9-44A3-BC40-3CE42E1EC286}"/>
               </a:ext>
             </a:extLst>
           </p:cNvPr>
@@ -11477,7 +11786,7 @@
           <p:cNvPr id="51" name="Flowchart: Decision 50">
             <a:extLst>
               <a:ext uri="{FF2B5EF4-FFF2-40B4-BE49-F238E27FC236}">
-                <a16:creationId xmlns:a16="http://schemas.microsoft.com/office/drawing/2014/main" id="{B9F0B513-1753-4C6E-83FC-923D7287FD68}"/>
+                <a16:creationId xmlns:a16="http://schemas.microsoft.com/office/drawing/2014/main" xmlns="" id="{B9F0B513-1753-4C6E-83FC-923D7287FD68}"/>
               </a:ext>
             </a:extLst>
           </p:cNvPr>
@@ -11554,7 +11863,7 @@
           <p:cNvPr id="53" name="Straight Arrow Connector 52">
             <a:extLst>
               <a:ext uri="{FF2B5EF4-FFF2-40B4-BE49-F238E27FC236}">
-                <a16:creationId xmlns:a16="http://schemas.microsoft.com/office/drawing/2014/main" id="{61DEFA58-0C74-437E-8E40-73DFC9335141}"/>
+                <a16:creationId xmlns:a16="http://schemas.microsoft.com/office/drawing/2014/main" xmlns="" id="{61DEFA58-0C74-437E-8E40-73DFC9335141}"/>
               </a:ext>
             </a:extLst>
           </p:cNvPr>
@@ -11600,7 +11909,7 @@
           <p:cNvPr id="56" name="Parallelogram 55">
             <a:extLst>
               <a:ext uri="{FF2B5EF4-FFF2-40B4-BE49-F238E27FC236}">
-                <a16:creationId xmlns:a16="http://schemas.microsoft.com/office/drawing/2014/main" id="{41E451C8-3471-431C-B94A-810699905F41}"/>
+                <a16:creationId xmlns:a16="http://schemas.microsoft.com/office/drawing/2014/main" xmlns="" id="{41E451C8-3471-431C-B94A-810699905F41}"/>
               </a:ext>
             </a:extLst>
           </p:cNvPr>
@@ -11692,7 +12001,7 @@
           <p:cNvPr id="57" name="Straight Arrow Connector 56">
             <a:extLst>
               <a:ext uri="{FF2B5EF4-FFF2-40B4-BE49-F238E27FC236}">
-                <a16:creationId xmlns:a16="http://schemas.microsoft.com/office/drawing/2014/main" id="{75F0014E-924B-400F-8102-43219F932A6A}"/>
+                <a16:creationId xmlns:a16="http://schemas.microsoft.com/office/drawing/2014/main" xmlns="" id="{75F0014E-924B-400F-8102-43219F932A6A}"/>
               </a:ext>
             </a:extLst>
           </p:cNvPr>
@@ -11735,7 +12044,7 @@
           <p:cNvPr id="58" name="Flowchart: Off-page Connector 57">
             <a:extLst>
               <a:ext uri="{FF2B5EF4-FFF2-40B4-BE49-F238E27FC236}">
-                <a16:creationId xmlns:a16="http://schemas.microsoft.com/office/drawing/2014/main" id="{C46016D0-01FF-4B78-BF4E-71C72D9CFD43}"/>
+                <a16:creationId xmlns:a16="http://schemas.microsoft.com/office/drawing/2014/main" xmlns="" id="{C46016D0-01FF-4B78-BF4E-71C72D9CFD43}"/>
               </a:ext>
             </a:extLst>
           </p:cNvPr>
@@ -11799,7 +12108,7 @@
           <p:cNvPr id="59" name="Straight Arrow Connector 58">
             <a:extLst>
               <a:ext uri="{FF2B5EF4-FFF2-40B4-BE49-F238E27FC236}">
-                <a16:creationId xmlns:a16="http://schemas.microsoft.com/office/drawing/2014/main" id="{D7DD151F-5BC4-489D-9A92-9C4358D3B938}"/>
+                <a16:creationId xmlns:a16="http://schemas.microsoft.com/office/drawing/2014/main" xmlns="" id="{D7DD151F-5BC4-489D-9A92-9C4358D3B938}"/>
               </a:ext>
             </a:extLst>
           </p:cNvPr>
@@ -12046,7 +12355,7 @@
           <p:cNvPr id="3" name="Connector: Elbow 2">
             <a:extLst>
               <a:ext uri="{FF2B5EF4-FFF2-40B4-BE49-F238E27FC236}">
-                <a16:creationId xmlns:a16="http://schemas.microsoft.com/office/drawing/2014/main" id="{F2621A12-D6C6-45BE-B908-1C2D6AFE4391}"/>
+                <a16:creationId xmlns:a16="http://schemas.microsoft.com/office/drawing/2014/main" xmlns="" id="{F2621A12-D6C6-45BE-B908-1C2D6AFE4391}"/>
               </a:ext>
             </a:extLst>
           </p:cNvPr>
@@ -12091,7 +12400,7 @@
           <p:cNvPr id="43" name="Flowchart: Decision 42">
             <a:extLst>
               <a:ext uri="{FF2B5EF4-FFF2-40B4-BE49-F238E27FC236}">
-                <a16:creationId xmlns:a16="http://schemas.microsoft.com/office/drawing/2014/main" id="{F10B347E-033C-4910-9071-CDA92304C379}"/>
+                <a16:creationId xmlns:a16="http://schemas.microsoft.com/office/drawing/2014/main" xmlns="" id="{F10B347E-033C-4910-9071-CDA92304C379}"/>
               </a:ext>
             </a:extLst>
           </p:cNvPr>
@@ -12168,7 +12477,7 @@
           <p:cNvPr id="46" name="Flowchart: Decision 45">
             <a:extLst>
               <a:ext uri="{FF2B5EF4-FFF2-40B4-BE49-F238E27FC236}">
-                <a16:creationId xmlns:a16="http://schemas.microsoft.com/office/drawing/2014/main" id="{7A2C44B0-43D5-48C5-89A2-758F4F74B13C}"/>
+                <a16:creationId xmlns:a16="http://schemas.microsoft.com/office/drawing/2014/main" xmlns="" id="{7A2C44B0-43D5-48C5-89A2-758F4F74B13C}"/>
               </a:ext>
             </a:extLst>
           </p:cNvPr>
@@ -12245,7 +12554,7 @@
           <p:cNvPr id="50" name="Straight Arrow Connector 49">
             <a:extLst>
               <a:ext uri="{FF2B5EF4-FFF2-40B4-BE49-F238E27FC236}">
-                <a16:creationId xmlns:a16="http://schemas.microsoft.com/office/drawing/2014/main" id="{4FF3FB3B-045C-494E-92F0-0E579FB56F01}"/>
+                <a16:creationId xmlns:a16="http://schemas.microsoft.com/office/drawing/2014/main" xmlns="" id="{4FF3FB3B-045C-494E-92F0-0E579FB56F01}"/>
               </a:ext>
             </a:extLst>
           </p:cNvPr>
@@ -12289,7 +12598,7 @@
           <p:cNvPr id="54" name="Straight Arrow Connector 53">
             <a:extLst>
               <a:ext uri="{FF2B5EF4-FFF2-40B4-BE49-F238E27FC236}">
-                <a16:creationId xmlns:a16="http://schemas.microsoft.com/office/drawing/2014/main" id="{DCB0E4FD-9044-428B-9B51-BB81F55A1C6C}"/>
+                <a16:creationId xmlns:a16="http://schemas.microsoft.com/office/drawing/2014/main" xmlns="" id="{DCB0E4FD-9044-428B-9B51-BB81F55A1C6C}"/>
               </a:ext>
             </a:extLst>
           </p:cNvPr>
@@ -12334,7 +12643,7 @@
           <p:cNvPr id="37" name="Straight Arrow Connector 36">
             <a:extLst>
               <a:ext uri="{FF2B5EF4-FFF2-40B4-BE49-F238E27FC236}">
-                <a16:creationId xmlns:a16="http://schemas.microsoft.com/office/drawing/2014/main" id="{2F4DEB80-823C-41E1-9539-305C65D98C55}"/>
+                <a16:creationId xmlns:a16="http://schemas.microsoft.com/office/drawing/2014/main" xmlns="" id="{2F4DEB80-823C-41E1-9539-305C65D98C55}"/>
               </a:ext>
             </a:extLst>
           </p:cNvPr>
@@ -12376,7 +12685,7 @@
           <p:cNvPr id="55" name="Straight Arrow Connector 54">
             <a:extLst>
               <a:ext uri="{FF2B5EF4-FFF2-40B4-BE49-F238E27FC236}">
-                <a16:creationId xmlns:a16="http://schemas.microsoft.com/office/drawing/2014/main" id="{D631F2B4-4E23-4BBD-873B-4A400520213C}"/>
+                <a16:creationId xmlns:a16="http://schemas.microsoft.com/office/drawing/2014/main" xmlns="" id="{D631F2B4-4E23-4BBD-873B-4A400520213C}"/>
               </a:ext>
             </a:extLst>
           </p:cNvPr>
@@ -12419,7 +12728,7 @@
           <p:cNvPr id="87" name="Straight Arrow Connector 86">
             <a:extLst>
               <a:ext uri="{FF2B5EF4-FFF2-40B4-BE49-F238E27FC236}">
-                <a16:creationId xmlns:a16="http://schemas.microsoft.com/office/drawing/2014/main" id="{28527620-6755-4E04-86F1-4ABFA39DFCEC}"/>
+                <a16:creationId xmlns:a16="http://schemas.microsoft.com/office/drawing/2014/main" xmlns="" id="{28527620-6755-4E04-86F1-4ABFA39DFCEC}"/>
               </a:ext>
             </a:extLst>
           </p:cNvPr>
@@ -12462,7 +12771,7 @@
           <p:cNvPr id="38" name="Flowchart: Decision 37">
             <a:extLst>
               <a:ext uri="{FF2B5EF4-FFF2-40B4-BE49-F238E27FC236}">
-                <a16:creationId xmlns:a16="http://schemas.microsoft.com/office/drawing/2014/main" id="{10274031-E3A6-4439-870A-5F921CFE8430}"/>
+                <a16:creationId xmlns:a16="http://schemas.microsoft.com/office/drawing/2014/main" xmlns="" id="{10274031-E3A6-4439-870A-5F921CFE8430}"/>
               </a:ext>
             </a:extLst>
           </p:cNvPr>
@@ -12547,7 +12856,7 @@
           <p:cNvPr id="40" name="Straight Arrow Connector 39">
             <a:extLst>
               <a:ext uri="{FF2B5EF4-FFF2-40B4-BE49-F238E27FC236}">
-                <a16:creationId xmlns:a16="http://schemas.microsoft.com/office/drawing/2014/main" id="{FC99EFDC-CB75-4F6E-BD31-9E758BD280D0}"/>
+                <a16:creationId xmlns:a16="http://schemas.microsoft.com/office/drawing/2014/main" xmlns="" id="{FC99EFDC-CB75-4F6E-BD31-9E758BD280D0}"/>
               </a:ext>
             </a:extLst>
           </p:cNvPr>
@@ -12593,7 +12902,7 @@
           <p:cNvPr id="18" name="Connector: Elbow 17">
             <a:extLst>
               <a:ext uri="{FF2B5EF4-FFF2-40B4-BE49-F238E27FC236}">
-                <a16:creationId xmlns:a16="http://schemas.microsoft.com/office/drawing/2014/main" id="{787D2855-E224-467F-A713-83EA72659A24}"/>
+                <a16:creationId xmlns:a16="http://schemas.microsoft.com/office/drawing/2014/main" xmlns="" id="{787D2855-E224-467F-A713-83EA72659A24}"/>
               </a:ext>
             </a:extLst>
           </p:cNvPr>
@@ -12637,7 +12946,7 @@
             <a:hlinkClick r:id="rId2" action="ppaction://hlinksldjump"/>
             <a:extLst>
               <a:ext uri="{FF2B5EF4-FFF2-40B4-BE49-F238E27FC236}">
-                <a16:creationId xmlns:a16="http://schemas.microsoft.com/office/drawing/2014/main" id="{6B4925C3-C91F-4C13-9EE8-CA6BE8136D8A}"/>
+                <a16:creationId xmlns:a16="http://schemas.microsoft.com/office/drawing/2014/main" xmlns="" id="{6B4925C3-C91F-4C13-9EE8-CA6BE8136D8A}"/>
               </a:ext>
             </a:extLst>
           </p:cNvPr>
@@ -12696,7 +13005,7 @@
           <p:cNvPr id="31" name="Flowchart: Predefined Process 30">
             <a:extLst>
               <a:ext uri="{FF2B5EF4-FFF2-40B4-BE49-F238E27FC236}">
-                <a16:creationId xmlns:a16="http://schemas.microsoft.com/office/drawing/2014/main" id="{45A00864-4430-46FB-9A24-807D47C7B406}"/>
+                <a16:creationId xmlns:a16="http://schemas.microsoft.com/office/drawing/2014/main" xmlns="" id="{45A00864-4430-46FB-9A24-807D47C7B406}"/>
               </a:ext>
             </a:extLst>
           </p:cNvPr>
@@ -12766,7 +13075,7 @@
           <p:cNvPr id="2" name="Title 1">
             <a:extLst>
               <a:ext uri="{FF2B5EF4-FFF2-40B4-BE49-F238E27FC236}">
-                <a16:creationId xmlns:a16="http://schemas.microsoft.com/office/drawing/2014/main" id="{6D93478D-ADB4-4FA6-9ECA-AEF58BD3CE8B}"/>
+                <a16:creationId xmlns:a16="http://schemas.microsoft.com/office/drawing/2014/main" xmlns="" id="{6D93478D-ADB4-4FA6-9ECA-AEF58BD3CE8B}"/>
               </a:ext>
             </a:extLst>
           </p:cNvPr>
@@ -12789,19 +13098,7 @@
           <a:p>
             <a:pPr algn="ctr"/>
             <a:r>
-              <a:rPr lang="en-ID" sz="1800" b="1" kern="1200" dirty="0">
-                <a:solidFill>
-                  <a:srgbClr val="000000"/>
-                </a:solidFill>
-                <a:effectLst/>
-                <a:latin typeface="Calibri" panose="020F0502020204030204" pitchFamily="34" charset="0"/>
-                <a:ea typeface="+mn-ea"/>
-                <a:cs typeface="+mn-cs"/>
-              </a:rPr>
-              <a:t>Flowchart </a:t>
-            </a:r>
-            <a:r>
-              <a:rPr lang="en-ID" sz="1800" b="0" kern="1200" dirty="0">
+              <a:rPr lang="en-ID" sz="1800" b="0" kern="1200" dirty="0" smtClean="0">
                 <a:solidFill>
                   <a:srgbClr val="000000"/>
                 </a:solidFill>
@@ -12810,7 +13107,19 @@
                 <a:ea typeface="+mn-ea"/>
                 <a:cs typeface="+mn-cs"/>
               </a:rPr>
-              <a:t>this-&gt;_logicOperation(operationMode, sensorStatus)</a:t>
+              <a:t>this-</a:t>
+            </a:r>
+            <a:r>
+              <a:rPr lang="en-ID" sz="1800" b="0" kern="1200" dirty="0">
+                <a:solidFill>
+                  <a:srgbClr val="000000"/>
+                </a:solidFill>
+                <a:effectLst/>
+                <a:latin typeface="Consolas" panose="020B0609020204030204" pitchFamily="49" charset="0"/>
+                <a:ea typeface="+mn-ea"/>
+                <a:cs typeface="+mn-cs"/>
+              </a:rPr>
+              <a:t>&gt;_logicOperation(operationMode, sensorStatus)</a:t>
             </a:r>
             <a:endParaRPr lang="en-ID" dirty="0"/>
           </a:p>
@@ -12821,7 +13130,7 @@
           <p:cNvPr id="26" name="Parallelogram 25">
             <a:extLst>
               <a:ext uri="{FF2B5EF4-FFF2-40B4-BE49-F238E27FC236}">
-                <a16:creationId xmlns:a16="http://schemas.microsoft.com/office/drawing/2014/main" id="{6CDC44F3-DDF2-4530-9DE4-A1C4A4C58672}"/>
+                <a16:creationId xmlns:a16="http://schemas.microsoft.com/office/drawing/2014/main" xmlns="" id="{6CDC44F3-DDF2-4530-9DE4-A1C4A4C58672}"/>
               </a:ext>
             </a:extLst>
           </p:cNvPr>
@@ -12882,7 +13191,7 @@
           <p:cNvPr id="29" name="Parallelogram 28">
             <a:extLst>
               <a:ext uri="{FF2B5EF4-FFF2-40B4-BE49-F238E27FC236}">
-                <a16:creationId xmlns:a16="http://schemas.microsoft.com/office/drawing/2014/main" id="{38A89CF7-CB7E-48FC-AD38-22E2B7962516}"/>
+                <a16:creationId xmlns:a16="http://schemas.microsoft.com/office/drawing/2014/main" xmlns="" id="{38A89CF7-CB7E-48FC-AD38-22E2B7962516}"/>
               </a:ext>
             </a:extLst>
           </p:cNvPr>
@@ -12943,7 +13252,7 @@
           <p:cNvPr id="32" name="Parallelogram 31">
             <a:extLst>
               <a:ext uri="{FF2B5EF4-FFF2-40B4-BE49-F238E27FC236}">
-                <a16:creationId xmlns:a16="http://schemas.microsoft.com/office/drawing/2014/main" id="{BEE49778-D32F-4A9B-85FD-1D2556E56C2F}"/>
+                <a16:creationId xmlns:a16="http://schemas.microsoft.com/office/drawing/2014/main" xmlns="" id="{BEE49778-D32F-4A9B-85FD-1D2556E56C2F}"/>
               </a:ext>
             </a:extLst>
           </p:cNvPr>
@@ -13004,7 +13313,7 @@
           <p:cNvPr id="34" name="Parallelogram 33">
             <a:extLst>
               <a:ext uri="{FF2B5EF4-FFF2-40B4-BE49-F238E27FC236}">
-                <a16:creationId xmlns:a16="http://schemas.microsoft.com/office/drawing/2014/main" id="{694703D2-DC08-4F80-BD99-CC5984E5F128}"/>
+                <a16:creationId xmlns:a16="http://schemas.microsoft.com/office/drawing/2014/main" xmlns="" id="{694703D2-DC08-4F80-BD99-CC5984E5F128}"/>
               </a:ext>
             </a:extLst>
           </p:cNvPr>
@@ -13092,49 +13401,6 @@
       </p:grpSpPr>
       <p:sp>
         <p:nvSpPr>
-          <p:cNvPr id="4" name="Rectangle 3"/>
-          <p:cNvSpPr/>
-          <p:nvPr/>
-        </p:nvSpPr>
-        <p:spPr>
-          <a:xfrm>
-            <a:off x="1115616" y="162866"/>
-            <a:ext cx="7519046" cy="584775"/>
-          </a:xfrm>
-          <a:prstGeom prst="rect">
-            <a:avLst/>
-          </a:prstGeom>
-        </p:spPr>
-        <p:txBody>
-          <a:bodyPr wrap="none">
-            <a:spAutoFit/>
-          </a:bodyPr>
-          <a:lstStyle/>
-          <a:p>
-            <a:r>
-              <a:rPr lang="en-ID" b="1" dirty="0"/>
-              <a:t>Flowchart </a:t>
-            </a:r>
-            <a:r>
-              <a:rPr lang="en-ID" b="0" dirty="0">
-                <a:effectLst/>
-                <a:latin typeface="Consolas" panose="020B0609020204030204" pitchFamily="49" charset="0"/>
-              </a:rPr>
-              <a:t>this-&gt;_logicOperation(operationMode, sensorStatus)</a:t>
-            </a:r>
-          </a:p>
-          <a:p>
-            <a:pPr algn="ctr"/>
-            <a:r>
-              <a:rPr lang="en-ID" sz="1400" dirty="0"/>
-              <a:t>File : aLocalPanel.ino</a:t>
-            </a:r>
-            <a:endParaRPr lang="en-US" sz="1400" dirty="0"/>
-          </a:p>
-        </p:txBody>
-      </p:sp>
-      <p:sp>
-        <p:nvSpPr>
           <p:cNvPr id="5" name="Flowchart: Decision 4"/>
           <p:cNvSpPr/>
           <p:nvPr/>
@@ -13297,7 +13563,7 @@
           <p:cNvPr id="43" name="Flowchart: Decision 42">
             <a:extLst>
               <a:ext uri="{FF2B5EF4-FFF2-40B4-BE49-F238E27FC236}">
-                <a16:creationId xmlns:a16="http://schemas.microsoft.com/office/drawing/2014/main" id="{F10B347E-033C-4910-9071-CDA92304C379}"/>
+                <a16:creationId xmlns:a16="http://schemas.microsoft.com/office/drawing/2014/main" xmlns="" id="{F10B347E-033C-4910-9071-CDA92304C379}"/>
               </a:ext>
             </a:extLst>
           </p:cNvPr>
@@ -13390,7 +13656,7 @@
           <p:cNvPr id="50" name="Straight Arrow Connector 49">
             <a:extLst>
               <a:ext uri="{FF2B5EF4-FFF2-40B4-BE49-F238E27FC236}">
-                <a16:creationId xmlns:a16="http://schemas.microsoft.com/office/drawing/2014/main" id="{4FF3FB3B-045C-494E-92F0-0E579FB56F01}"/>
+                <a16:creationId xmlns:a16="http://schemas.microsoft.com/office/drawing/2014/main" xmlns="" id="{4FF3FB3B-045C-494E-92F0-0E579FB56F01}"/>
               </a:ext>
             </a:extLst>
           </p:cNvPr>
@@ -13435,7 +13701,7 @@
           <p:cNvPr id="37" name="Straight Arrow Connector 36">
             <a:extLst>
               <a:ext uri="{FF2B5EF4-FFF2-40B4-BE49-F238E27FC236}">
-                <a16:creationId xmlns:a16="http://schemas.microsoft.com/office/drawing/2014/main" id="{2F4DEB80-823C-41E1-9539-305C65D98C55}"/>
+                <a16:creationId xmlns:a16="http://schemas.microsoft.com/office/drawing/2014/main" xmlns="" id="{2F4DEB80-823C-41E1-9539-305C65D98C55}"/>
               </a:ext>
             </a:extLst>
           </p:cNvPr>
@@ -13478,7 +13744,7 @@
           <p:cNvPr id="55" name="Straight Arrow Connector 54">
             <a:extLst>
               <a:ext uri="{FF2B5EF4-FFF2-40B4-BE49-F238E27FC236}">
-                <a16:creationId xmlns:a16="http://schemas.microsoft.com/office/drawing/2014/main" id="{D631F2B4-4E23-4BBD-873B-4A400520213C}"/>
+                <a16:creationId xmlns:a16="http://schemas.microsoft.com/office/drawing/2014/main" xmlns="" id="{D631F2B4-4E23-4BBD-873B-4A400520213C}"/>
               </a:ext>
             </a:extLst>
           </p:cNvPr>
@@ -13521,7 +13787,7 @@
             <a:hlinkClick r:id="rId2" action="ppaction://hlinksldjump"/>
             <a:extLst>
               <a:ext uri="{FF2B5EF4-FFF2-40B4-BE49-F238E27FC236}">
-                <a16:creationId xmlns:a16="http://schemas.microsoft.com/office/drawing/2014/main" id="{BB484122-89E0-4B7D-9818-D8FDEDD18489}"/>
+                <a16:creationId xmlns:a16="http://schemas.microsoft.com/office/drawing/2014/main" xmlns="" id="{BB484122-89E0-4B7D-9818-D8FDEDD18489}"/>
               </a:ext>
             </a:extLst>
           </p:cNvPr>
@@ -13580,7 +13846,7 @@
           <p:cNvPr id="84" name="Flowchart: Decision 83">
             <a:extLst>
               <a:ext uri="{FF2B5EF4-FFF2-40B4-BE49-F238E27FC236}">
-                <a16:creationId xmlns:a16="http://schemas.microsoft.com/office/drawing/2014/main" id="{1E32E4E6-7CBB-4B16-A851-2C84F576DC19}"/>
+                <a16:creationId xmlns:a16="http://schemas.microsoft.com/office/drawing/2014/main" xmlns="" id="{1E32E4E6-7CBB-4B16-A851-2C84F576DC19}"/>
               </a:ext>
             </a:extLst>
           </p:cNvPr>
@@ -13657,7 +13923,7 @@
           <p:cNvPr id="85" name="Straight Arrow Connector 84">
             <a:extLst>
               <a:ext uri="{FF2B5EF4-FFF2-40B4-BE49-F238E27FC236}">
-                <a16:creationId xmlns:a16="http://schemas.microsoft.com/office/drawing/2014/main" id="{9DA6D301-49E9-4BDA-9ADF-E67A1B9C374D}"/>
+                <a16:creationId xmlns:a16="http://schemas.microsoft.com/office/drawing/2014/main" xmlns="" id="{9DA6D301-49E9-4BDA-9ADF-E67A1B9C374D}"/>
               </a:ext>
             </a:extLst>
           </p:cNvPr>
@@ -13702,7 +13968,7 @@
           <p:cNvPr id="88" name="Straight Arrow Connector 87">
             <a:extLst>
               <a:ext uri="{FF2B5EF4-FFF2-40B4-BE49-F238E27FC236}">
-                <a16:creationId xmlns:a16="http://schemas.microsoft.com/office/drawing/2014/main" id="{D2F7C0C9-2882-41D9-9027-CF70B88C603D}"/>
+                <a16:creationId xmlns:a16="http://schemas.microsoft.com/office/drawing/2014/main" xmlns="" id="{D2F7C0C9-2882-41D9-9027-CF70B88C603D}"/>
               </a:ext>
             </a:extLst>
           </p:cNvPr>
@@ -13745,7 +14011,7 @@
           <p:cNvPr id="90" name="Straight Arrow Connector 89">
             <a:extLst>
               <a:ext uri="{FF2B5EF4-FFF2-40B4-BE49-F238E27FC236}">
-                <a16:creationId xmlns:a16="http://schemas.microsoft.com/office/drawing/2014/main" id="{24D7EEEB-9582-4E3E-AE7F-BF4A1493CD2C}"/>
+                <a16:creationId xmlns:a16="http://schemas.microsoft.com/office/drawing/2014/main" xmlns="" id="{24D7EEEB-9582-4E3E-AE7F-BF4A1493CD2C}"/>
               </a:ext>
             </a:extLst>
           </p:cNvPr>
@@ -13788,7 +14054,7 @@
           <p:cNvPr id="23" name="Parallelogram 22">
             <a:extLst>
               <a:ext uri="{FF2B5EF4-FFF2-40B4-BE49-F238E27FC236}">
-                <a16:creationId xmlns:a16="http://schemas.microsoft.com/office/drawing/2014/main" id="{41535F65-312F-4922-A665-2A09B6D97B19}"/>
+                <a16:creationId xmlns:a16="http://schemas.microsoft.com/office/drawing/2014/main" xmlns="" id="{41535F65-312F-4922-A665-2A09B6D97B19}"/>
               </a:ext>
             </a:extLst>
           </p:cNvPr>
@@ -13849,7 +14115,7 @@
           <p:cNvPr id="24" name="Parallelogram 23">
             <a:extLst>
               <a:ext uri="{FF2B5EF4-FFF2-40B4-BE49-F238E27FC236}">
-                <a16:creationId xmlns:a16="http://schemas.microsoft.com/office/drawing/2014/main" id="{F88EE7FD-E271-480C-9BB8-FE8C03A080D2}"/>
+                <a16:creationId xmlns:a16="http://schemas.microsoft.com/office/drawing/2014/main" xmlns="" id="{F88EE7FD-E271-480C-9BB8-FE8C03A080D2}"/>
               </a:ext>
             </a:extLst>
           </p:cNvPr>
@@ -13910,7 +14176,7 @@
           <p:cNvPr id="25" name="Parallelogram 24">
             <a:extLst>
               <a:ext uri="{FF2B5EF4-FFF2-40B4-BE49-F238E27FC236}">
-                <a16:creationId xmlns:a16="http://schemas.microsoft.com/office/drawing/2014/main" id="{9EF86428-89D2-4E3D-B340-6A0EDD22A755}"/>
+                <a16:creationId xmlns:a16="http://schemas.microsoft.com/office/drawing/2014/main" xmlns="" id="{9EF86428-89D2-4E3D-B340-6A0EDD22A755}"/>
               </a:ext>
             </a:extLst>
           </p:cNvPr>
@@ -13972,7 +14238,7 @@
             <a:hlinkClick r:id="rId3" action="ppaction://hlinksldjump"/>
             <a:extLst>
               <a:ext uri="{FF2B5EF4-FFF2-40B4-BE49-F238E27FC236}">
-                <a16:creationId xmlns:a16="http://schemas.microsoft.com/office/drawing/2014/main" id="{5E110B70-1668-4EC7-B532-4A513D679008}"/>
+                <a16:creationId xmlns:a16="http://schemas.microsoft.com/office/drawing/2014/main" xmlns="" id="{5E110B70-1668-4EC7-B532-4A513D679008}"/>
               </a:ext>
             </a:extLst>
           </p:cNvPr>
@@ -14028,6 +14294,97 @@
                 <a:srgbClr val="003300"/>
               </a:solidFill>
             </a:endParaRPr>
+          </a:p>
+        </p:txBody>
+      </p:sp>
+      <p:sp>
+        <p:nvSpPr>
+          <p:cNvPr id="3" name="Title 2"/>
+          <p:cNvSpPr>
+            <a:spLocks noGrp="1"/>
+          </p:cNvSpPr>
+          <p:nvPr>
+            <p:ph type="ctrTitle"/>
+          </p:nvPr>
+        </p:nvSpPr>
+        <p:spPr>
+          <a:xfrm>
+            <a:off x="831671" y="260648"/>
+            <a:ext cx="7772400" cy="578495"/>
+          </a:xfrm>
+        </p:spPr>
+        <p:txBody>
+          <a:bodyPr/>
+          <a:lstStyle/>
+          <a:p>
+            <a:pPr algn="ctr"/>
+            <a:r>
+              <a:rPr lang="en-ID" sz="1800" b="0" kern="1200" dirty="0" smtClean="0">
+                <a:solidFill>
+                  <a:srgbClr val="000000"/>
+                </a:solidFill>
+                <a:effectLst/>
+                <a:latin typeface="Consolas"/>
+                <a:ea typeface="+mj-ea"/>
+                <a:cs typeface="+mj-cs"/>
+              </a:rPr>
+              <a:t>this-&gt;_logicOperation(</a:t>
+            </a:r>
+            <a:r>
+              <a:rPr lang="en-ID" sz="1800" b="0" kern="1200" dirty="0" err="1" smtClean="0">
+                <a:solidFill>
+                  <a:srgbClr val="000000"/>
+                </a:solidFill>
+                <a:effectLst/>
+                <a:latin typeface="Consolas"/>
+                <a:ea typeface="+mj-ea"/>
+                <a:cs typeface="+mj-cs"/>
+              </a:rPr>
+              <a:t>operationMode</a:t>
+            </a:r>
+            <a:r>
+              <a:rPr lang="en-ID" sz="1800" b="0" kern="1200" dirty="0" smtClean="0">
+                <a:solidFill>
+                  <a:srgbClr val="000000"/>
+                </a:solidFill>
+                <a:effectLst/>
+                <a:latin typeface="Consolas"/>
+                <a:ea typeface="+mj-ea"/>
+                <a:cs typeface="+mj-cs"/>
+              </a:rPr>
+              <a:t>, sensorStatus)</a:t>
+            </a:r>
+            <a:endParaRPr lang="en-US" dirty="0"/>
+          </a:p>
+        </p:txBody>
+      </p:sp>
+      <p:sp>
+        <p:nvSpPr>
+          <p:cNvPr id="20" name="Rectangle 19"/>
+          <p:cNvSpPr/>
+          <p:nvPr/>
+        </p:nvSpPr>
+        <p:spPr>
+          <a:xfrm>
+            <a:off x="3952060" y="683534"/>
+            <a:ext cx="1703800" cy="307777"/>
+          </a:xfrm>
+          <a:prstGeom prst="rect">
+            <a:avLst/>
+          </a:prstGeom>
+        </p:spPr>
+        <p:txBody>
+          <a:bodyPr wrap="none">
+            <a:spAutoFit/>
+          </a:bodyPr>
+          <a:lstStyle/>
+          <a:p>
+            <a:pPr algn="ctr"/>
+            <a:r>
+              <a:rPr lang="en-ID" sz="1400" dirty="0"/>
+              <a:t>File : aLocalPanel.ino</a:t>
+            </a:r>
+            <a:endParaRPr lang="en-US" sz="1400" dirty="0"/>
           </a:p>
         </p:txBody>
       </p:sp>
@@ -14066,7 +14423,7 @@
           <p:cNvPr id="84" name="Flowchart: Decision 83">
             <a:extLst>
               <a:ext uri="{FF2B5EF4-FFF2-40B4-BE49-F238E27FC236}">
-                <a16:creationId xmlns:a16="http://schemas.microsoft.com/office/drawing/2014/main" id="{1E32E4E6-7CBB-4B16-A851-2C84F576DC19}"/>
+                <a16:creationId xmlns:a16="http://schemas.microsoft.com/office/drawing/2014/main" xmlns="" id="{1E32E4E6-7CBB-4B16-A851-2C84F576DC19}"/>
               </a:ext>
             </a:extLst>
           </p:cNvPr>
@@ -14143,7 +14500,7 @@
           <p:cNvPr id="85" name="Straight Arrow Connector 84">
             <a:extLst>
               <a:ext uri="{FF2B5EF4-FFF2-40B4-BE49-F238E27FC236}">
-                <a16:creationId xmlns:a16="http://schemas.microsoft.com/office/drawing/2014/main" id="{9DA6D301-49E9-4BDA-9ADF-E67A1B9C374D}"/>
+                <a16:creationId xmlns:a16="http://schemas.microsoft.com/office/drawing/2014/main" xmlns="" id="{9DA6D301-49E9-4BDA-9ADF-E67A1B9C374D}"/>
               </a:ext>
             </a:extLst>
           </p:cNvPr>
@@ -14263,7 +14620,7 @@
             <a:hlinkClick r:id="rId4" action="ppaction://hlinksldjump"/>
             <a:extLst>
               <a:ext uri="{FF2B5EF4-FFF2-40B4-BE49-F238E27FC236}">
-                <a16:creationId xmlns:a16="http://schemas.microsoft.com/office/drawing/2014/main" id="{45A00864-4430-46FB-9A24-807D47C7B406}"/>
+                <a16:creationId xmlns:a16="http://schemas.microsoft.com/office/drawing/2014/main" xmlns="" id="{45A00864-4430-46FB-9A24-807D47C7B406}"/>
               </a:ext>
             </a:extLst>
           </p:cNvPr>
@@ -14323,7 +14680,7 @@
           <p:cNvPr id="30" name="Straight Arrow Connector 29">
             <a:extLst>
               <a:ext uri="{FF2B5EF4-FFF2-40B4-BE49-F238E27FC236}">
-                <a16:creationId xmlns:a16="http://schemas.microsoft.com/office/drawing/2014/main" id="{9DA6D301-49E9-4BDA-9ADF-E67A1B9C374D}"/>
+                <a16:creationId xmlns:a16="http://schemas.microsoft.com/office/drawing/2014/main" xmlns="" id="{9DA6D301-49E9-4BDA-9ADF-E67A1B9C374D}"/>
               </a:ext>
             </a:extLst>
           </p:cNvPr>
@@ -14368,7 +14725,7 @@
           <p:cNvPr id="31" name="Flowchart: Predefined Process 30">
             <a:extLst>
               <a:ext uri="{FF2B5EF4-FFF2-40B4-BE49-F238E27FC236}">
-                <a16:creationId xmlns:a16="http://schemas.microsoft.com/office/drawing/2014/main" id="{45A00864-4430-46FB-9A24-807D47C7B406}"/>
+                <a16:creationId xmlns:a16="http://schemas.microsoft.com/office/drawing/2014/main" xmlns="" id="{45A00864-4430-46FB-9A24-807D47C7B406}"/>
               </a:ext>
             </a:extLst>
           </p:cNvPr>
@@ -14428,7 +14785,7 @@
           <p:cNvPr id="38" name="Flowchart: Decision 37">
             <a:extLst>
               <a:ext uri="{FF2B5EF4-FFF2-40B4-BE49-F238E27FC236}">
-                <a16:creationId xmlns:a16="http://schemas.microsoft.com/office/drawing/2014/main" id="{1E32E4E6-7CBB-4B16-A851-2C84F576DC19}"/>
+                <a16:creationId xmlns:a16="http://schemas.microsoft.com/office/drawing/2014/main" xmlns="" id="{1E32E4E6-7CBB-4B16-A851-2C84F576DC19}"/>
               </a:ext>
             </a:extLst>
           </p:cNvPr>
@@ -14544,7 +14901,7 @@
           <p:cNvPr id="44" name="Straight Arrow Connector 43">
             <a:extLst>
               <a:ext uri="{FF2B5EF4-FFF2-40B4-BE49-F238E27FC236}">
-                <a16:creationId xmlns:a16="http://schemas.microsoft.com/office/drawing/2014/main" id="{9DA6D301-49E9-4BDA-9ADF-E67A1B9C374D}"/>
+                <a16:creationId xmlns:a16="http://schemas.microsoft.com/office/drawing/2014/main" xmlns="" id="{9DA6D301-49E9-4BDA-9ADF-E67A1B9C374D}"/>
               </a:ext>
             </a:extLst>
           </p:cNvPr>
@@ -14589,7 +14946,7 @@
           <p:cNvPr id="45" name="Flowchart: Predefined Process 44">
             <a:extLst>
               <a:ext uri="{FF2B5EF4-FFF2-40B4-BE49-F238E27FC236}">
-                <a16:creationId xmlns:a16="http://schemas.microsoft.com/office/drawing/2014/main" id="{45A00864-4430-46FB-9A24-807D47C7B406}"/>
+                <a16:creationId xmlns:a16="http://schemas.microsoft.com/office/drawing/2014/main" xmlns="" id="{45A00864-4430-46FB-9A24-807D47C7B406}"/>
               </a:ext>
             </a:extLst>
           </p:cNvPr>
@@ -14649,7 +15006,7 @@
           <p:cNvPr id="46" name="Flowchart: Decision 45">
             <a:extLst>
               <a:ext uri="{FF2B5EF4-FFF2-40B4-BE49-F238E27FC236}">
-                <a16:creationId xmlns:a16="http://schemas.microsoft.com/office/drawing/2014/main" id="{1E32E4E6-7CBB-4B16-A851-2C84F576DC19}"/>
+                <a16:creationId xmlns:a16="http://schemas.microsoft.com/office/drawing/2014/main" xmlns="" id="{1E32E4E6-7CBB-4B16-A851-2C84F576DC19}"/>
               </a:ext>
             </a:extLst>
           </p:cNvPr>
@@ -14923,7 +15280,7 @@
           <p:cNvPr id="2" name="Title 1">
             <a:extLst>
               <a:ext uri="{FF2B5EF4-FFF2-40B4-BE49-F238E27FC236}">
-                <a16:creationId xmlns:a16="http://schemas.microsoft.com/office/drawing/2014/main" id="{0DB934AE-063D-4F69-A4BD-4E87414288DE}"/>
+                <a16:creationId xmlns:a16="http://schemas.microsoft.com/office/drawing/2014/main" xmlns="" id="{0DB934AE-063D-4F69-A4BD-4E87414288DE}"/>
               </a:ext>
             </a:extLst>
           </p:cNvPr>
@@ -14946,7 +15303,7 @@
           <a:p>
             <a:pPr algn="ctr" rtl="0" eaLnBrk="1" latinLnBrk="0" hangingPunct="1"/>
             <a:r>
-              <a:rPr lang="en-ID" sz="1800" b="1" kern="1200" dirty="0">
+              <a:rPr lang="en-ID" sz="1800" b="1" kern="1200" dirty="0" smtClean="0">
                 <a:solidFill>
                   <a:srgbClr val="000000"/>
                 </a:solidFill>
@@ -14955,7 +15312,19 @@
                 <a:ea typeface="+mn-ea"/>
                 <a:cs typeface="+mn-cs"/>
               </a:rPr>
-              <a:t>Flowchart _locPan-&gt;menu()</a:t>
+              <a:t>_locPan-</a:t>
+            </a:r>
+            <a:r>
+              <a:rPr lang="en-ID" sz="1800" b="1" kern="1200" dirty="0">
+                <a:solidFill>
+                  <a:srgbClr val="000000"/>
+                </a:solidFill>
+                <a:effectLst/>
+                <a:latin typeface="Calibri" panose="020F0502020204030204" pitchFamily="34" charset="0"/>
+                <a:ea typeface="+mn-ea"/>
+                <a:cs typeface="+mn-cs"/>
+              </a:rPr>
+              <a:t>&gt;menu()</a:t>
             </a:r>
             <a:endParaRPr lang="en-ID" dirty="0"/>
           </a:p>
@@ -14966,7 +15335,7 @@
           <p:cNvPr id="4" name="Flowchart: Manual Input 3">
             <a:extLst>
               <a:ext uri="{FF2B5EF4-FFF2-40B4-BE49-F238E27FC236}">
-                <a16:creationId xmlns:a16="http://schemas.microsoft.com/office/drawing/2014/main" id="{8472D1EC-F1F6-4D63-AD4F-987C617FEBFB}"/>
+                <a16:creationId xmlns:a16="http://schemas.microsoft.com/office/drawing/2014/main" xmlns="" id="{8472D1EC-F1F6-4D63-AD4F-987C617FEBFB}"/>
               </a:ext>
             </a:extLst>
           </p:cNvPr>
@@ -15027,7 +15396,7 @@
             <a:hlinkClick r:id="rId3" action="ppaction://hlinksldjump"/>
             <a:extLst>
               <a:ext uri="{FF2B5EF4-FFF2-40B4-BE49-F238E27FC236}">
-                <a16:creationId xmlns:a16="http://schemas.microsoft.com/office/drawing/2014/main" id="{F9AE7D47-C6DC-46C3-B67F-F6896DABC499}"/>
+                <a16:creationId xmlns:a16="http://schemas.microsoft.com/office/drawing/2014/main" xmlns="" id="{F9AE7D47-C6DC-46C3-B67F-F6896DABC499}"/>
               </a:ext>
             </a:extLst>
           </p:cNvPr>
@@ -15121,7 +15490,7 @@
           <p:cNvPr id="84" name="Flowchart: Decision 83">
             <a:extLst>
               <a:ext uri="{FF2B5EF4-FFF2-40B4-BE49-F238E27FC236}">
-                <a16:creationId xmlns:a16="http://schemas.microsoft.com/office/drawing/2014/main" id="{1E32E4E6-7CBB-4B16-A851-2C84F576DC19}"/>
+                <a16:creationId xmlns:a16="http://schemas.microsoft.com/office/drawing/2014/main" xmlns="" id="{1E32E4E6-7CBB-4B16-A851-2C84F576DC19}"/>
               </a:ext>
             </a:extLst>
           </p:cNvPr>
@@ -15220,15 +15589,15 @@
           <p:cNvPr id="3" name="Elbow Connector 2"/>
           <p:cNvCxnSpPr>
             <a:cxnSpLocks/>
-            <a:stCxn id="22" idx="2"/>
+            <a:stCxn id="4" idx="2"/>
             <a:endCxn id="84" idx="0"/>
           </p:cNvCxnSpPr>
           <p:nvPr/>
         </p:nvCxnSpPr>
         <p:spPr>
           <a:xfrm rot="16200000" flipH="1">
-            <a:off x="2105408" y="1639995"/>
-            <a:ext cx="563914" cy="177788"/>
+            <a:off x="1972702" y="1507289"/>
+            <a:ext cx="773446" cy="233667"/>
           </a:xfrm>
           <a:prstGeom prst="bentConnector3">
             <a:avLst/>
@@ -15260,7 +15629,7 @@
           <p:cNvPr id="30" name="Straight Arrow Connector 29">
             <a:extLst>
               <a:ext uri="{FF2B5EF4-FFF2-40B4-BE49-F238E27FC236}">
-                <a16:creationId xmlns:a16="http://schemas.microsoft.com/office/drawing/2014/main" id="{9DA6D301-49E9-4BDA-9ADF-E67A1B9C374D}"/>
+                <a16:creationId xmlns:a16="http://schemas.microsoft.com/office/drawing/2014/main" xmlns="" id="{9DA6D301-49E9-4BDA-9ADF-E67A1B9C374D}"/>
               </a:ext>
             </a:extLst>
           </p:cNvPr>
@@ -15306,7 +15675,7 @@
           <p:cNvPr id="31" name="Flowchart: Predefined Process 30">
             <a:extLst>
               <a:ext uri="{FF2B5EF4-FFF2-40B4-BE49-F238E27FC236}">
-                <a16:creationId xmlns:a16="http://schemas.microsoft.com/office/drawing/2014/main" id="{45A00864-4430-46FB-9A24-807D47C7B406}"/>
+                <a16:creationId xmlns:a16="http://schemas.microsoft.com/office/drawing/2014/main" xmlns="" id="{45A00864-4430-46FB-9A24-807D47C7B406}"/>
               </a:ext>
             </a:extLst>
           </p:cNvPr>
@@ -15365,7 +15734,7 @@
           <p:cNvPr id="38" name="Flowchart: Decision 37">
             <a:extLst>
               <a:ext uri="{FF2B5EF4-FFF2-40B4-BE49-F238E27FC236}">
-                <a16:creationId xmlns:a16="http://schemas.microsoft.com/office/drawing/2014/main" id="{1E32E4E6-7CBB-4B16-A851-2C84F576DC19}"/>
+                <a16:creationId xmlns:a16="http://schemas.microsoft.com/office/drawing/2014/main" xmlns="" id="{1E32E4E6-7CBB-4B16-A851-2C84F576DC19}"/>
               </a:ext>
             </a:extLst>
           </p:cNvPr>
@@ -15481,7 +15850,7 @@
           <p:cNvPr id="44" name="Straight Arrow Connector 43">
             <a:extLst>
               <a:ext uri="{FF2B5EF4-FFF2-40B4-BE49-F238E27FC236}">
-                <a16:creationId xmlns:a16="http://schemas.microsoft.com/office/drawing/2014/main" id="{9DA6D301-49E9-4BDA-9ADF-E67A1B9C374D}"/>
+                <a16:creationId xmlns:a16="http://schemas.microsoft.com/office/drawing/2014/main" xmlns="" id="{9DA6D301-49E9-4BDA-9ADF-E67A1B9C374D}"/>
               </a:ext>
             </a:extLst>
           </p:cNvPr>
@@ -15527,7 +15896,7 @@
           <p:cNvPr id="46" name="Flowchart: Decision 45">
             <a:extLst>
               <a:ext uri="{FF2B5EF4-FFF2-40B4-BE49-F238E27FC236}">
-                <a16:creationId xmlns:a16="http://schemas.microsoft.com/office/drawing/2014/main" id="{1E32E4E6-7CBB-4B16-A851-2C84F576DC19}"/>
+                <a16:creationId xmlns:a16="http://schemas.microsoft.com/office/drawing/2014/main" xmlns="" id="{1E32E4E6-7CBB-4B16-A851-2C84F576DC19}"/>
               </a:ext>
             </a:extLst>
           </p:cNvPr>
@@ -15800,7 +16169,7 @@
           <p:cNvPr id="2" name="Title 1">
             <a:extLst>
               <a:ext uri="{FF2B5EF4-FFF2-40B4-BE49-F238E27FC236}">
-                <a16:creationId xmlns:a16="http://schemas.microsoft.com/office/drawing/2014/main" id="{0DB934AE-063D-4F69-A4BD-4E87414288DE}"/>
+                <a16:creationId xmlns:a16="http://schemas.microsoft.com/office/drawing/2014/main" xmlns="" id="{0DB934AE-063D-4F69-A4BD-4E87414288DE}"/>
               </a:ext>
             </a:extLst>
           </p:cNvPr>
@@ -15823,20 +16192,12 @@
           <a:p>
             <a:pPr algn="ctr"/>
             <a:r>
-              <a:rPr lang="en-ID" sz="1800" b="1" kern="1200" dirty="0">
-                <a:solidFill>
-                  <a:srgbClr val="000000"/>
-                </a:solidFill>
-                <a:effectLst/>
-                <a:latin typeface="Calibri" panose="020F0502020204030204" pitchFamily="34" charset="0"/>
-                <a:ea typeface="+mn-ea"/>
-                <a:cs typeface="+mn-cs"/>
-              </a:rPr>
-              <a:t>Flowchart </a:t>
+              <a:rPr lang="en-ID" sz="1800" dirty="0" smtClean="0"/>
+              <a:t>this-</a:t>
             </a:r>
             <a:r>
               <a:rPr lang="en-ID" sz="1800" dirty="0"/>
-              <a:t>this-&gt;_menuMain(key)</a:t>
+              <a:t>&gt;_menuMain(key)</a:t>
             </a:r>
             <a:endParaRPr lang="en-ID" dirty="0"/>
           </a:p>
@@ -15847,7 +16208,7 @@
           <p:cNvPr id="50" name="Flowchart: Predefined Process 49">
             <a:extLst>
               <a:ext uri="{FF2B5EF4-FFF2-40B4-BE49-F238E27FC236}">
-                <a16:creationId xmlns:a16="http://schemas.microsoft.com/office/drawing/2014/main" id="{A072B542-5787-42E3-8E39-7032CEC393EF}"/>
+                <a16:creationId xmlns:a16="http://schemas.microsoft.com/office/drawing/2014/main" xmlns="" id="{A072B542-5787-42E3-8E39-7032CEC393EF}"/>
               </a:ext>
             </a:extLst>
           </p:cNvPr>
@@ -15907,7 +16268,7 @@
             <a:hlinkClick r:id="rId4" action="ppaction://hlinksldjump"/>
             <a:extLst>
               <a:ext uri="{FF2B5EF4-FFF2-40B4-BE49-F238E27FC236}">
-                <a16:creationId xmlns:a16="http://schemas.microsoft.com/office/drawing/2014/main" id="{6B04F943-B8F0-4045-882E-05B2CA117E1E}"/>
+                <a16:creationId xmlns:a16="http://schemas.microsoft.com/office/drawing/2014/main" xmlns="" id="{6B04F943-B8F0-4045-882E-05B2CA117E1E}"/>
               </a:ext>
             </a:extLst>
           </p:cNvPr>
@@ -15966,7 +16327,7 @@
           <p:cNvPr id="27" name="Parallelogram 26">
             <a:extLst>
               <a:ext uri="{FF2B5EF4-FFF2-40B4-BE49-F238E27FC236}">
-                <a16:creationId xmlns:a16="http://schemas.microsoft.com/office/drawing/2014/main" id="{2DEB2690-745F-43C7-AD19-75DD323CFA52}"/>
+                <a16:creationId xmlns:a16="http://schemas.microsoft.com/office/drawing/2014/main" xmlns="" id="{2DEB2690-745F-43C7-AD19-75DD323CFA52}"/>
               </a:ext>
             </a:extLst>
           </p:cNvPr>
@@ -16037,7 +16398,7 @@
           <p:cNvPr id="13" name="Connector: Elbow 12">
             <a:extLst>
               <a:ext uri="{FF2B5EF4-FFF2-40B4-BE49-F238E27FC236}">
-                <a16:creationId xmlns:a16="http://schemas.microsoft.com/office/drawing/2014/main" id="{242B493A-65C9-43D0-B323-A64305327478}"/>
+                <a16:creationId xmlns:a16="http://schemas.microsoft.com/office/drawing/2014/main" xmlns="" id="{242B493A-65C9-43D0-B323-A64305327478}"/>
               </a:ext>
             </a:extLst>
           </p:cNvPr>
@@ -16079,28 +16440,22 @@
       </p:cxnSp>
       <p:sp>
         <p:nvSpPr>
-          <p:cNvPr id="22" name="Flowchart: Manual Input 21">
-            <a:extLst>
-              <a:ext uri="{FF2B5EF4-FFF2-40B4-BE49-F238E27FC236}">
-                <a16:creationId xmlns:a16="http://schemas.microsoft.com/office/drawing/2014/main" id="{B357ACD1-7BEC-42B8-9A52-F50F89285B09}"/>
-              </a:ext>
-            </a:extLst>
-          </p:cNvPr>
+          <p:cNvPr id="4" name="Flowchart: Terminator 3"/>
           <p:cNvSpPr/>
           <p:nvPr/>
         </p:nvSpPr>
         <p:spPr>
           <a:xfrm>
-            <a:off x="1320880" y="859959"/>
-            <a:ext cx="1955182" cy="586973"/>
-          </a:xfrm>
-          <a:prstGeom prst="flowChartManualInput">
+            <a:off x="1785392" y="935648"/>
+            <a:ext cx="914400" cy="301752"/>
+          </a:xfrm>
+          <a:prstGeom prst="flowChartTerminator">
             <a:avLst/>
           </a:prstGeom>
           <a:noFill/>
-          <a:ln>
+          <a:ln w="19050">
             <a:solidFill>
-              <a:srgbClr val="003300"/>
+              <a:schemeClr val="tx1"/>
             </a:solidFill>
           </a:ln>
         </p:spPr>
@@ -16126,14 +16481,18 @@
           <a:p>
             <a:pPr algn="ctr"/>
             <a:r>
-              <a:rPr lang="en-ID" sz="1200" dirty="0">
+              <a:rPr lang="en-ID" dirty="0" smtClean="0">
                 <a:solidFill>
                   <a:schemeClr val="tx1"/>
                 </a:solidFill>
               </a:rPr>
-              <a:t>Key =  this-&gt;_getCommand()</a:t>
-            </a:r>
-            <a:endParaRPr lang="en-ID" sz="1200" dirty="0"/>
+              <a:t>Start</a:t>
+            </a:r>
+            <a:endParaRPr lang="en-US" dirty="0">
+              <a:solidFill>
+                <a:schemeClr val="tx1"/>
+              </a:solidFill>
+            </a:endParaRPr>
           </a:p>
         </p:txBody>
       </p:sp>
@@ -16244,7 +16603,7 @@
           <p:cNvPr id="31" name="Flowchart: Predefined Process 30">
             <a:extLst>
               <a:ext uri="{FF2B5EF4-FFF2-40B4-BE49-F238E27FC236}">
-                <a16:creationId xmlns:a16="http://schemas.microsoft.com/office/drawing/2014/main" id="{45A00864-4430-46FB-9A24-807D47C7B406}"/>
+                <a16:creationId xmlns:a16="http://schemas.microsoft.com/office/drawing/2014/main" xmlns="" id="{45A00864-4430-46FB-9A24-807D47C7B406}"/>
               </a:ext>
             </a:extLst>
           </p:cNvPr>
@@ -16342,7 +16701,7 @@
           <p:cNvPr id="38" name="Flowchart: Decision 37">
             <a:extLst>
               <a:ext uri="{FF2B5EF4-FFF2-40B4-BE49-F238E27FC236}">
-                <a16:creationId xmlns:a16="http://schemas.microsoft.com/office/drawing/2014/main" id="{1E32E4E6-7CBB-4B16-A851-2C84F576DC19}"/>
+                <a16:creationId xmlns:a16="http://schemas.microsoft.com/office/drawing/2014/main" xmlns="" id="{1E32E4E6-7CBB-4B16-A851-2C84F576DC19}"/>
               </a:ext>
             </a:extLst>
           </p:cNvPr>
@@ -16467,7 +16826,7 @@
           <p:cNvPr id="2" name="Title 1">
             <a:extLst>
               <a:ext uri="{FF2B5EF4-FFF2-40B4-BE49-F238E27FC236}">
-                <a16:creationId xmlns:a16="http://schemas.microsoft.com/office/drawing/2014/main" id="{0DB934AE-063D-4F69-A4BD-4E87414288DE}"/>
+                <a16:creationId xmlns:a16="http://schemas.microsoft.com/office/drawing/2014/main" xmlns="" id="{0DB934AE-063D-4F69-A4BD-4E87414288DE}"/>
               </a:ext>
             </a:extLst>
           </p:cNvPr>
@@ -16490,20 +16849,12 @@
           <a:p>
             <a:pPr algn="ctr"/>
             <a:r>
-              <a:rPr lang="en-ID" sz="1800" b="1" kern="1200" dirty="0">
-                <a:solidFill>
-                  <a:srgbClr val="000000"/>
-                </a:solidFill>
-                <a:effectLst/>
-                <a:latin typeface="Calibri" panose="020F0502020204030204" pitchFamily="34" charset="0"/>
-                <a:ea typeface="+mn-ea"/>
-                <a:cs typeface="+mn-cs"/>
-              </a:rPr>
-              <a:t>Flowchart </a:t>
+              <a:rPr lang="en-ID" sz="1800" dirty="0" smtClean="0"/>
+              <a:t>this-</a:t>
             </a:r>
             <a:r>
               <a:rPr lang="en-ID" sz="1800" dirty="0"/>
-              <a:t>this-&gt;_menuMain(key)</a:t>
+              <a:t>&gt;_menuMain(key)</a:t>
             </a:r>
             <a:endParaRPr lang="en-ID" dirty="0"/>
           </a:p>
@@ -16515,7 +16866,7 @@
             <a:hlinkClick r:id="rId4" action="ppaction://hlinksldjump"/>
             <a:extLst>
               <a:ext uri="{FF2B5EF4-FFF2-40B4-BE49-F238E27FC236}">
-                <a16:creationId xmlns:a16="http://schemas.microsoft.com/office/drawing/2014/main" id="{B8D6A6F9-4123-472B-9716-70EADD87870A}"/>
+                <a16:creationId xmlns:a16="http://schemas.microsoft.com/office/drawing/2014/main" xmlns="" id="{B8D6A6F9-4123-472B-9716-70EADD87870A}"/>
               </a:ext>
             </a:extLst>
           </p:cNvPr>
@@ -16574,7 +16925,7 @@
           <p:cNvPr id="32" name="Elbow Connector 2">
             <a:extLst>
               <a:ext uri="{FF2B5EF4-FFF2-40B4-BE49-F238E27FC236}">
-                <a16:creationId xmlns:a16="http://schemas.microsoft.com/office/drawing/2014/main" id="{67657E21-0916-4A9D-8FD5-86E0AAC9843E}"/>
+                <a16:creationId xmlns:a16="http://schemas.microsoft.com/office/drawing/2014/main" xmlns="" id="{67657E21-0916-4A9D-8FD5-86E0AAC9843E}"/>
               </a:ext>
             </a:extLst>
           </p:cNvPr>
@@ -16619,7 +16970,7 @@
           <p:cNvPr id="37" name="Flowchart: Decision 36">
             <a:extLst>
               <a:ext uri="{FF2B5EF4-FFF2-40B4-BE49-F238E27FC236}">
-                <a16:creationId xmlns:a16="http://schemas.microsoft.com/office/drawing/2014/main" id="{97628374-BCF7-4610-ABE8-32C8E8E72D3D}"/>
+                <a16:creationId xmlns:a16="http://schemas.microsoft.com/office/drawing/2014/main" xmlns="" id="{97628374-BCF7-4610-ABE8-32C8E8E72D3D}"/>
               </a:ext>
             </a:extLst>
           </p:cNvPr>
@@ -16678,7 +17029,7 @@
           <p:cNvPr id="24" name="Connector: Elbow 23">
             <a:extLst>
               <a:ext uri="{FF2B5EF4-FFF2-40B4-BE49-F238E27FC236}">
-                <a16:creationId xmlns:a16="http://schemas.microsoft.com/office/drawing/2014/main" id="{32504B37-D593-44E4-BBDA-4D4835F98342}"/>
+                <a16:creationId xmlns:a16="http://schemas.microsoft.com/office/drawing/2014/main" xmlns="" id="{32504B37-D593-44E4-BBDA-4D4835F98342}"/>
               </a:ext>
             </a:extLst>
           </p:cNvPr>
@@ -16725,7 +17076,7 @@
             <a:hlinkClick r:id="rId5" action="ppaction://hlinksldjump"/>
             <a:extLst>
               <a:ext uri="{FF2B5EF4-FFF2-40B4-BE49-F238E27FC236}">
-                <a16:creationId xmlns:a16="http://schemas.microsoft.com/office/drawing/2014/main" id="{A3C66BBB-6244-4FF6-B980-D5B96BF7B905}"/>
+                <a16:creationId xmlns:a16="http://schemas.microsoft.com/office/drawing/2014/main" xmlns="" id="{A3C66BBB-6244-4FF6-B980-D5B96BF7B905}"/>
               </a:ext>
             </a:extLst>
           </p:cNvPr>
@@ -16798,7 +17149,7 @@
           <p:cNvPr id="35" name="Connector: Elbow 34">
             <a:extLst>
               <a:ext uri="{FF2B5EF4-FFF2-40B4-BE49-F238E27FC236}">
-                <a16:creationId xmlns:a16="http://schemas.microsoft.com/office/drawing/2014/main" id="{47C8185B-0566-408F-982A-5606EAA43CA2}"/>
+                <a16:creationId xmlns:a16="http://schemas.microsoft.com/office/drawing/2014/main" xmlns="" id="{47C8185B-0566-408F-982A-5606EAA43CA2}"/>
               </a:ext>
             </a:extLst>
           </p:cNvPr>
@@ -16843,7 +17194,7 @@
           <p:cNvPr id="39" name="Connector: Elbow 38">
             <a:extLst>
               <a:ext uri="{FF2B5EF4-FFF2-40B4-BE49-F238E27FC236}">
-                <a16:creationId xmlns:a16="http://schemas.microsoft.com/office/drawing/2014/main" id="{1E78E4DE-992B-4108-8748-B09F255C469B}"/>
+                <a16:creationId xmlns:a16="http://schemas.microsoft.com/office/drawing/2014/main" xmlns="" id="{1E78E4DE-992B-4108-8748-B09F255C469B}"/>
               </a:ext>
             </a:extLst>
           </p:cNvPr>
@@ -16888,7 +17239,7 @@
           <p:cNvPr id="49" name="Oval 48">
             <a:extLst>
               <a:ext uri="{FF2B5EF4-FFF2-40B4-BE49-F238E27FC236}">
-                <a16:creationId xmlns:a16="http://schemas.microsoft.com/office/drawing/2014/main" id="{24758EE5-FCA2-42C1-9272-C3CE420093E8}"/>
+                <a16:creationId xmlns:a16="http://schemas.microsoft.com/office/drawing/2014/main" xmlns="" id="{24758EE5-FCA2-42C1-9272-C3CE420093E8}"/>
               </a:ext>
             </a:extLst>
           </p:cNvPr>
@@ -16940,7 +17291,7 @@
           <p:cNvPr id="58" name="Elbow Connector 2">
             <a:extLst>
               <a:ext uri="{FF2B5EF4-FFF2-40B4-BE49-F238E27FC236}">
-                <a16:creationId xmlns:a16="http://schemas.microsoft.com/office/drawing/2014/main" id="{2C769881-94FD-4E40-9462-FA297C995B44}"/>
+                <a16:creationId xmlns:a16="http://schemas.microsoft.com/office/drawing/2014/main" xmlns="" id="{2C769881-94FD-4E40-9462-FA297C995B44}"/>
               </a:ext>
             </a:extLst>
           </p:cNvPr>
@@ -16988,7 +17339,7 @@
           <p:cNvPr id="60" name="Elbow Connector 2">
             <a:extLst>
               <a:ext uri="{FF2B5EF4-FFF2-40B4-BE49-F238E27FC236}">
-                <a16:creationId xmlns:a16="http://schemas.microsoft.com/office/drawing/2014/main" id="{660B4173-3B25-4383-9FD2-C9E12452F413}"/>
+                <a16:creationId xmlns:a16="http://schemas.microsoft.com/office/drawing/2014/main" xmlns="" id="{660B4173-3B25-4383-9FD2-C9E12452F413}"/>
               </a:ext>
             </a:extLst>
           </p:cNvPr>
@@ -17037,7 +17388,7 @@
             <a:hlinkClick r:id="rId5" action="ppaction://hlinksldjump"/>
             <a:extLst>
               <a:ext uri="{FF2B5EF4-FFF2-40B4-BE49-F238E27FC236}">
-                <a16:creationId xmlns:a16="http://schemas.microsoft.com/office/drawing/2014/main" id="{FA50A0EF-3F17-48C6-8A79-5E1568FBF7D5}"/>
+                <a16:creationId xmlns:a16="http://schemas.microsoft.com/office/drawing/2014/main" xmlns="" id="{FA50A0EF-3F17-48C6-8A79-5E1568FBF7D5}"/>
               </a:ext>
             </a:extLst>
           </p:cNvPr>
@@ -17100,6 +17451,1742 @@
     <p:extLst>
       <p:ext uri="{BB962C8B-B14F-4D97-AF65-F5344CB8AC3E}">
         <p14:creationId xmlns:p14="http://schemas.microsoft.com/office/powerpoint/2010/main" val="388817581"/>
+      </p:ext>
+    </p:extLst>
+  </p:cSld>
+  <p:clrMapOvr>
+    <a:masterClrMapping/>
+  </p:clrMapOvr>
+</p:sld>
+</file>
+
+<file path=ppt/slides/slide18.xml><?xml version="1.0" encoding="utf-8"?>
+<p:sld xmlns:a="http://schemas.openxmlformats.org/drawingml/2006/main" xmlns:r="http://schemas.openxmlformats.org/officeDocument/2006/relationships" xmlns:p="http://schemas.openxmlformats.org/presentationml/2006/main">
+  <p:cSld>
+    <p:spTree>
+      <p:nvGrpSpPr>
+        <p:cNvPr id="1" name=""/>
+        <p:cNvGrpSpPr/>
+        <p:nvPr/>
+      </p:nvGrpSpPr>
+      <p:grpSpPr>
+        <a:xfrm>
+          <a:off x="0" y="0"/>
+          <a:ext cx="0" cy="0"/>
+          <a:chOff x="0" y="0"/>
+          <a:chExt cx="0" cy="0"/>
+        </a:xfrm>
+      </p:grpSpPr>
+      <p:sp>
+        <p:nvSpPr>
+          <p:cNvPr id="84" name="Flowchart: Decision 83">
+            <a:extLst>
+              <a:ext uri="{FF2B5EF4-FFF2-40B4-BE49-F238E27FC236}">
+                <a16:creationId xmlns:a16="http://schemas.microsoft.com/office/drawing/2014/main" xmlns="" id="{1E32E4E6-7CBB-4B16-A851-2C84F576DC19}"/>
+              </a:ext>
+            </a:extLst>
+          </p:cNvPr>
+          <p:cNvSpPr/>
+          <p:nvPr/>
+        </p:nvSpPr>
+        <p:spPr>
+          <a:xfrm>
+            <a:off x="683568" y="1556792"/>
+            <a:ext cx="3362939" cy="1440160"/>
+          </a:xfrm>
+          <a:prstGeom prst="flowChartDecision">
+            <a:avLst/>
+          </a:prstGeom>
+          <a:noFill/>
+          <a:ln w="19050">
+            <a:solidFill>
+              <a:schemeClr val="tx1"/>
+            </a:solidFill>
+          </a:ln>
+        </p:spPr>
+        <p:style>
+          <a:lnRef idx="2">
+            <a:schemeClr val="accent1">
+              <a:shade val="50000"/>
+            </a:schemeClr>
+          </a:lnRef>
+          <a:fillRef idx="1">
+            <a:schemeClr val="accent1"/>
+          </a:fillRef>
+          <a:effectRef idx="0">
+            <a:schemeClr val="accent1"/>
+          </a:effectRef>
+          <a:fontRef idx="minor">
+            <a:schemeClr val="lt1"/>
+          </a:fontRef>
+        </p:style>
+        <p:txBody>
+          <a:bodyPr rtlCol="0" anchor="ctr"/>
+          <a:lstStyle/>
+          <a:p>
+            <a:pPr algn="ctr"/>
+            <a:r>
+              <a:rPr lang="en-US" dirty="0" smtClean="0">
+                <a:solidFill>
+                  <a:schemeClr val="tx1"/>
+                </a:solidFill>
+              </a:rPr>
+              <a:t>_paramIndex</a:t>
+            </a:r>
+            <a:r>
+              <a:rPr lang="en-US" dirty="0">
+                <a:solidFill>
+                  <a:schemeClr val="tx1"/>
+                </a:solidFill>
+              </a:rPr>
+              <a:t> </a:t>
+            </a:r>
+            <a:r>
+              <a:rPr lang="en-US" dirty="0" smtClean="0">
+                <a:solidFill>
+                  <a:schemeClr val="tx1"/>
+                </a:solidFill>
+              </a:rPr>
+              <a:t>=</a:t>
+            </a:r>
+            <a:r>
+              <a:rPr lang="en-US" dirty="0">
+                <a:solidFill>
+                  <a:schemeClr val="tx1"/>
+                </a:solidFill>
+              </a:rPr>
+              <a:t> </a:t>
+            </a:r>
+            <a:r>
+              <a:rPr lang="en-US" dirty="0" smtClean="0">
+                <a:solidFill>
+                  <a:schemeClr val="tx1"/>
+                </a:solidFill>
+              </a:rPr>
+              <a:t>PARAMETER_VALUE</a:t>
+            </a:r>
+            <a:endParaRPr lang="en-US" dirty="0">
+              <a:solidFill>
+                <a:schemeClr val="tx1"/>
+              </a:solidFill>
+            </a:endParaRPr>
+          </a:p>
+        </p:txBody>
+      </p:sp>
+      <p:sp>
+        <p:nvSpPr>
+          <p:cNvPr id="19" name="TextBox 18">
+            <a:hlinkClick r:id="rId3" action="ppaction://hlinksldjump"/>
+          </p:cNvPr>
+          <p:cNvSpPr txBox="1"/>
+          <p:nvPr/>
+        </p:nvSpPr>
+        <p:spPr>
+          <a:xfrm>
+            <a:off x="3908910" y="658649"/>
+            <a:ext cx="1192826" cy="276999"/>
+          </a:xfrm>
+          <a:prstGeom prst="rect">
+            <a:avLst/>
+          </a:prstGeom>
+          <a:noFill/>
+        </p:spPr>
+        <p:txBody>
+          <a:bodyPr wrap="none" rtlCol="0">
+            <a:spAutoFit/>
+          </a:bodyPr>
+          <a:lstStyle/>
+          <a:p>
+            <a:pPr algn="ctr"/>
+            <a:r>
+              <a:rPr lang="en-ID" sz="1200" dirty="0"/>
+              <a:t>File : locPan.cpp</a:t>
+            </a:r>
+            <a:endParaRPr lang="en-US" sz="1200" dirty="0"/>
+          </a:p>
+        </p:txBody>
+      </p:sp>
+      <p:cxnSp>
+        <p:nvCxnSpPr>
+          <p:cNvPr id="3" name="Elbow Connector 2"/>
+          <p:cNvCxnSpPr>
+            <a:cxnSpLocks/>
+            <a:stCxn id="4" idx="2"/>
+            <a:endCxn id="84" idx="0"/>
+          </p:cNvCxnSpPr>
+          <p:nvPr/>
+        </p:nvCxnSpPr>
+        <p:spPr>
+          <a:xfrm rot="16200000" flipH="1">
+            <a:off x="2144119" y="1335873"/>
+            <a:ext cx="319392" cy="122446"/>
+          </a:xfrm>
+          <a:prstGeom prst="bentConnector3">
+            <a:avLst/>
+          </a:prstGeom>
+          <a:ln w="19050">
+            <a:solidFill>
+              <a:schemeClr val="tx1"/>
+            </a:solidFill>
+            <a:tailEnd type="arrow"/>
+          </a:ln>
+        </p:spPr>
+        <p:style>
+          <a:lnRef idx="1">
+            <a:schemeClr val="accent1"/>
+          </a:lnRef>
+          <a:fillRef idx="0">
+            <a:schemeClr val="accent1"/>
+          </a:fillRef>
+          <a:effectRef idx="0">
+            <a:schemeClr val="accent1"/>
+          </a:effectRef>
+          <a:fontRef idx="minor">
+            <a:schemeClr val="tx1"/>
+          </a:fontRef>
+        </p:style>
+      </p:cxnSp>
+      <p:cxnSp>
+        <p:nvCxnSpPr>
+          <p:cNvPr id="30" name="Straight Arrow Connector 29">
+            <a:extLst>
+              <a:ext uri="{FF2B5EF4-FFF2-40B4-BE49-F238E27FC236}">
+                <a16:creationId xmlns:a16="http://schemas.microsoft.com/office/drawing/2014/main" xmlns="" id="{9DA6D301-49E9-4BDA-9ADF-E67A1B9C374D}"/>
+              </a:ext>
+            </a:extLst>
+          </p:cNvPr>
+          <p:cNvCxnSpPr>
+            <a:cxnSpLocks/>
+            <a:stCxn id="38" idx="3"/>
+            <a:endCxn id="31" idx="1"/>
+          </p:cNvCxnSpPr>
+          <p:nvPr/>
+        </p:nvCxnSpPr>
+        <p:spPr>
+          <a:xfrm>
+            <a:off x="2699792" y="3632891"/>
+            <a:ext cx="1520310" cy="0"/>
+          </a:xfrm>
+          <a:prstGeom prst="straightConnector1">
+            <a:avLst/>
+          </a:prstGeom>
+          <a:ln w="19050">
+            <a:solidFill>
+              <a:srgbClr val="003300"/>
+            </a:solidFill>
+            <a:tailEnd type="arrow"/>
+          </a:ln>
+        </p:spPr>
+        <p:style>
+          <a:lnRef idx="1">
+            <a:schemeClr val="accent1"/>
+          </a:lnRef>
+          <a:fillRef idx="0">
+            <a:schemeClr val="accent1"/>
+          </a:fillRef>
+          <a:effectRef idx="0">
+            <a:schemeClr val="accent1"/>
+          </a:effectRef>
+          <a:fontRef idx="minor">
+            <a:schemeClr val="tx1"/>
+          </a:fontRef>
+        </p:style>
+      </p:cxnSp>
+      <p:sp>
+        <p:nvSpPr>
+          <p:cNvPr id="31" name="Flowchart: Predefined Process 30">
+            <a:extLst>
+              <a:ext uri="{FF2B5EF4-FFF2-40B4-BE49-F238E27FC236}">
+                <a16:creationId xmlns:a16="http://schemas.microsoft.com/office/drawing/2014/main" xmlns="" id="{45A00864-4430-46FB-9A24-807D47C7B406}"/>
+              </a:ext>
+            </a:extLst>
+          </p:cNvPr>
+          <p:cNvSpPr/>
+          <p:nvPr/>
+        </p:nvSpPr>
+        <p:spPr>
+          <a:xfrm>
+            <a:off x="4220102" y="3212976"/>
+            <a:ext cx="3448242" cy="839830"/>
+          </a:xfrm>
+          <a:prstGeom prst="flowChartPredefinedProcess">
+            <a:avLst/>
+          </a:prstGeom>
+          <a:noFill/>
+          <a:ln>
+            <a:solidFill>
+              <a:schemeClr val="tx1"/>
+            </a:solidFill>
+          </a:ln>
+        </p:spPr>
+        <p:style>
+          <a:lnRef idx="2">
+            <a:schemeClr val="accent1">
+              <a:shade val="50000"/>
+            </a:schemeClr>
+          </a:lnRef>
+          <a:fillRef idx="1">
+            <a:schemeClr val="accent1"/>
+          </a:fillRef>
+          <a:effectRef idx="0">
+            <a:schemeClr val="accent1"/>
+          </a:effectRef>
+          <a:fontRef idx="minor">
+            <a:schemeClr val="lt1"/>
+          </a:fontRef>
+        </p:style>
+        <p:txBody>
+          <a:bodyPr rtlCol="0" anchor="ctr"/>
+          <a:lstStyle/>
+          <a:p>
+            <a:pPr algn="ctr"/>
+            <a:r>
+              <a:rPr lang="en-ID" sz="1200" dirty="0">
+                <a:solidFill>
+                  <a:schemeClr val="tx1"/>
+                </a:solidFill>
+              </a:rPr>
+              <a:t>idx = this-&gt;_increaseIndex();</a:t>
+            </a:r>
+          </a:p>
+        </p:txBody>
+      </p:sp>
+      <p:sp>
+        <p:nvSpPr>
+          <p:cNvPr id="38" name="Flowchart: Decision 37">
+            <a:extLst>
+              <a:ext uri="{FF2B5EF4-FFF2-40B4-BE49-F238E27FC236}">
+                <a16:creationId xmlns:a16="http://schemas.microsoft.com/office/drawing/2014/main" xmlns="" id="{1E32E4E6-7CBB-4B16-A851-2C84F576DC19}"/>
+              </a:ext>
+            </a:extLst>
+          </p:cNvPr>
+          <p:cNvSpPr/>
+          <p:nvPr/>
+        </p:nvSpPr>
+        <p:spPr>
+          <a:xfrm>
+            <a:off x="1043608" y="3212976"/>
+            <a:ext cx="1656184" cy="839830"/>
+          </a:xfrm>
+          <a:prstGeom prst="flowChartDecision">
+            <a:avLst/>
+          </a:prstGeom>
+          <a:noFill/>
+          <a:ln w="19050">
+            <a:solidFill>
+              <a:schemeClr val="tx1"/>
+            </a:solidFill>
+          </a:ln>
+        </p:spPr>
+        <p:style>
+          <a:lnRef idx="2">
+            <a:schemeClr val="accent1">
+              <a:shade val="50000"/>
+            </a:schemeClr>
+          </a:lnRef>
+          <a:fillRef idx="1">
+            <a:schemeClr val="accent1"/>
+          </a:fillRef>
+          <a:effectRef idx="0">
+            <a:schemeClr val="accent1"/>
+          </a:effectRef>
+          <a:fontRef idx="minor">
+            <a:schemeClr val="lt1"/>
+          </a:fontRef>
+        </p:style>
+        <p:txBody>
+          <a:bodyPr rtlCol="0" anchor="ctr"/>
+          <a:lstStyle/>
+          <a:p>
+            <a:pPr algn="ctr"/>
+            <a:r>
+              <a:rPr lang="en-US" sz="1400" dirty="0">
+                <a:solidFill>
+                  <a:schemeClr val="tx1"/>
+                </a:solidFill>
+              </a:rPr>
+              <a:t>key</a:t>
+            </a:r>
+            <a:r>
+              <a:rPr lang="en-ID" sz="1400" dirty="0">
+                <a:solidFill>
+                  <a:schemeClr val="tx1"/>
+                </a:solidFill>
+              </a:rPr>
+              <a:t> = </a:t>
+            </a:r>
+            <a:r>
+              <a:rPr lang="en-ID" sz="1400" b="0" dirty="0">
+                <a:solidFill>
+                  <a:schemeClr val="tx1"/>
+                </a:solidFill>
+                <a:effectLst/>
+                <a:latin typeface="Consolas" panose="020B0609020204030204" pitchFamily="49" charset="0"/>
+              </a:rPr>
+              <a:t>UP</a:t>
+            </a:r>
+          </a:p>
+        </p:txBody>
+      </p:sp>
+      <p:cxnSp>
+        <p:nvCxnSpPr>
+          <p:cNvPr id="21" name="Elbow Connector 20"/>
+          <p:cNvCxnSpPr>
+            <a:stCxn id="84" idx="2"/>
+            <a:endCxn id="38" idx="0"/>
+          </p:cNvCxnSpPr>
+          <p:nvPr/>
+        </p:nvCxnSpPr>
+        <p:spPr>
+          <a:xfrm rot="5400000">
+            <a:off x="2010357" y="2858295"/>
+            <a:ext cx="216024" cy="493338"/>
+          </a:xfrm>
+          <a:prstGeom prst="bentConnector3">
+            <a:avLst/>
+          </a:prstGeom>
+          <a:ln w="19050">
+            <a:solidFill>
+              <a:srgbClr val="003300"/>
+            </a:solidFill>
+            <a:tailEnd type="arrow"/>
+          </a:ln>
+        </p:spPr>
+        <p:style>
+          <a:lnRef idx="1">
+            <a:schemeClr val="accent1"/>
+          </a:lnRef>
+          <a:fillRef idx="0">
+            <a:schemeClr val="accent1"/>
+          </a:fillRef>
+          <a:effectRef idx="0">
+            <a:schemeClr val="accent1"/>
+          </a:effectRef>
+          <a:fontRef idx="minor">
+            <a:schemeClr val="tx1"/>
+          </a:fontRef>
+        </p:style>
+      </p:cxnSp>
+      <p:cxnSp>
+        <p:nvCxnSpPr>
+          <p:cNvPr id="44" name="Straight Arrow Connector 43">
+            <a:extLst>
+              <a:ext uri="{FF2B5EF4-FFF2-40B4-BE49-F238E27FC236}">
+                <a16:creationId xmlns:a16="http://schemas.microsoft.com/office/drawing/2014/main" xmlns="" id="{9DA6D301-49E9-4BDA-9ADF-E67A1B9C374D}"/>
+              </a:ext>
+            </a:extLst>
+          </p:cNvPr>
+          <p:cNvCxnSpPr>
+            <a:cxnSpLocks/>
+            <a:stCxn id="46" idx="3"/>
+            <a:endCxn id="50" idx="1"/>
+          </p:cNvCxnSpPr>
+          <p:nvPr/>
+        </p:nvCxnSpPr>
+        <p:spPr>
+          <a:xfrm flipV="1">
+            <a:off x="2699792" y="4929034"/>
+            <a:ext cx="1520310" cy="1"/>
+          </a:xfrm>
+          <a:prstGeom prst="straightConnector1">
+            <a:avLst/>
+          </a:prstGeom>
+          <a:ln w="19050">
+            <a:solidFill>
+              <a:srgbClr val="003300"/>
+            </a:solidFill>
+            <a:tailEnd type="arrow"/>
+          </a:ln>
+        </p:spPr>
+        <p:style>
+          <a:lnRef idx="1">
+            <a:schemeClr val="accent1"/>
+          </a:lnRef>
+          <a:fillRef idx="0">
+            <a:schemeClr val="accent1"/>
+          </a:fillRef>
+          <a:effectRef idx="0">
+            <a:schemeClr val="accent1"/>
+          </a:effectRef>
+          <a:fontRef idx="minor">
+            <a:schemeClr val="tx1"/>
+          </a:fontRef>
+        </p:style>
+      </p:cxnSp>
+      <p:sp>
+        <p:nvSpPr>
+          <p:cNvPr id="46" name="Flowchart: Decision 45">
+            <a:extLst>
+              <a:ext uri="{FF2B5EF4-FFF2-40B4-BE49-F238E27FC236}">
+                <a16:creationId xmlns:a16="http://schemas.microsoft.com/office/drawing/2014/main" xmlns="" id="{1E32E4E6-7CBB-4B16-A851-2C84F576DC19}"/>
+              </a:ext>
+            </a:extLst>
+          </p:cNvPr>
+          <p:cNvSpPr/>
+          <p:nvPr/>
+        </p:nvSpPr>
+        <p:spPr>
+          <a:xfrm>
+            <a:off x="683568" y="4509120"/>
+            <a:ext cx="2016224" cy="839830"/>
+          </a:xfrm>
+          <a:prstGeom prst="flowChartDecision">
+            <a:avLst/>
+          </a:prstGeom>
+          <a:noFill/>
+          <a:ln w="19050">
+            <a:solidFill>
+              <a:schemeClr val="tx1"/>
+            </a:solidFill>
+          </a:ln>
+        </p:spPr>
+        <p:style>
+          <a:lnRef idx="2">
+            <a:schemeClr val="accent1">
+              <a:shade val="50000"/>
+            </a:schemeClr>
+          </a:lnRef>
+          <a:fillRef idx="1">
+            <a:schemeClr val="accent1"/>
+          </a:fillRef>
+          <a:effectRef idx="0">
+            <a:schemeClr val="accent1"/>
+          </a:effectRef>
+          <a:fontRef idx="minor">
+            <a:schemeClr val="lt1"/>
+          </a:fontRef>
+        </p:style>
+        <p:txBody>
+          <a:bodyPr rtlCol="0" anchor="ctr"/>
+          <a:lstStyle/>
+          <a:p>
+            <a:pPr algn="ctr"/>
+            <a:r>
+              <a:rPr lang="en-US" sz="1400" dirty="0">
+                <a:solidFill>
+                  <a:schemeClr val="tx1"/>
+                </a:solidFill>
+              </a:rPr>
+              <a:t>key</a:t>
+            </a:r>
+            <a:r>
+              <a:rPr lang="en-ID" sz="1400" dirty="0">
+                <a:solidFill>
+                  <a:schemeClr val="tx1"/>
+                </a:solidFill>
+              </a:rPr>
+              <a:t> = </a:t>
+            </a:r>
+            <a:r>
+              <a:rPr lang="en-ID" sz="1400" b="0" dirty="0">
+                <a:solidFill>
+                  <a:schemeClr val="tx1"/>
+                </a:solidFill>
+                <a:effectLst/>
+                <a:latin typeface="Consolas" panose="020B0609020204030204" pitchFamily="49" charset="0"/>
+              </a:rPr>
+              <a:t>DOWN</a:t>
+            </a:r>
+          </a:p>
+        </p:txBody>
+      </p:sp>
+      <p:cxnSp>
+        <p:nvCxnSpPr>
+          <p:cNvPr id="25" name="Elbow Connector 24"/>
+          <p:cNvCxnSpPr>
+            <a:stCxn id="38" idx="2"/>
+            <a:endCxn id="46" idx="0"/>
+          </p:cNvCxnSpPr>
+          <p:nvPr/>
+        </p:nvCxnSpPr>
+        <p:spPr>
+          <a:xfrm rot="5400000">
+            <a:off x="1553533" y="4190953"/>
+            <a:ext cx="456314" cy="180020"/>
+          </a:xfrm>
+          <a:prstGeom prst="bentConnector3">
+            <a:avLst/>
+          </a:prstGeom>
+          <a:ln w="19050">
+            <a:solidFill>
+              <a:schemeClr val="tx1"/>
+            </a:solidFill>
+            <a:tailEnd type="arrow"/>
+          </a:ln>
+        </p:spPr>
+        <p:style>
+          <a:lnRef idx="1">
+            <a:schemeClr val="accent1"/>
+          </a:lnRef>
+          <a:fillRef idx="0">
+            <a:schemeClr val="accent1"/>
+          </a:fillRef>
+          <a:effectRef idx="0">
+            <a:schemeClr val="accent1"/>
+          </a:effectRef>
+          <a:fontRef idx="minor">
+            <a:schemeClr val="tx1"/>
+          </a:fontRef>
+        </p:style>
+      </p:cxnSp>
+      <p:cxnSp>
+        <p:nvCxnSpPr>
+          <p:cNvPr id="47" name="Elbow Connector 46"/>
+          <p:cNvCxnSpPr>
+            <a:stCxn id="46" idx="2"/>
+            <a:endCxn id="56" idx="0"/>
+          </p:cNvCxnSpPr>
+          <p:nvPr/>
+        </p:nvCxnSpPr>
+        <p:spPr>
+          <a:xfrm rot="16200000" flipH="1">
+            <a:off x="2079056" y="4961574"/>
+            <a:ext cx="742954" cy="1517706"/>
+          </a:xfrm>
+          <a:prstGeom prst="bentConnector3">
+            <a:avLst/>
+          </a:prstGeom>
+          <a:ln w="19050">
+            <a:solidFill>
+              <a:schemeClr val="tx1"/>
+            </a:solidFill>
+            <a:tailEnd type="arrow"/>
+          </a:ln>
+        </p:spPr>
+        <p:style>
+          <a:lnRef idx="1">
+            <a:schemeClr val="accent1"/>
+          </a:lnRef>
+          <a:fillRef idx="0">
+            <a:schemeClr val="accent1"/>
+          </a:fillRef>
+          <a:effectRef idx="0">
+            <a:schemeClr val="accent1"/>
+          </a:effectRef>
+          <a:fontRef idx="minor">
+            <a:schemeClr val="tx1"/>
+          </a:fontRef>
+        </p:style>
+      </p:cxnSp>
+      <p:cxnSp>
+        <p:nvCxnSpPr>
+          <p:cNvPr id="51" name="Elbow Connector 50"/>
+          <p:cNvCxnSpPr>
+            <a:cxnSpLocks/>
+            <a:stCxn id="84" idx="3"/>
+            <a:endCxn id="27" idx="2"/>
+          </p:cNvCxnSpPr>
+          <p:nvPr/>
+        </p:nvCxnSpPr>
+        <p:spPr>
+          <a:xfrm>
+            <a:off x="4046507" y="2276872"/>
+            <a:ext cx="3045907" cy="3738319"/>
+          </a:xfrm>
+          <a:prstGeom prst="bentConnector3">
+            <a:avLst>
+              <a:gd name="adj1" fmla="val 144569"/>
+            </a:avLst>
+          </a:prstGeom>
+          <a:ln w="19050">
+            <a:solidFill>
+              <a:srgbClr val="003300"/>
+            </a:solidFill>
+            <a:tailEnd type="arrow"/>
+          </a:ln>
+        </p:spPr>
+        <p:style>
+          <a:lnRef idx="1">
+            <a:schemeClr val="accent1"/>
+          </a:lnRef>
+          <a:fillRef idx="0">
+            <a:schemeClr val="accent1"/>
+          </a:fillRef>
+          <a:effectRef idx="0">
+            <a:schemeClr val="accent1"/>
+          </a:effectRef>
+          <a:fontRef idx="minor">
+            <a:schemeClr val="tx1"/>
+          </a:fontRef>
+        </p:style>
+      </p:cxnSp>
+      <p:cxnSp>
+        <p:nvCxnSpPr>
+          <p:cNvPr id="54" name="Straight Arrow Connector 53"/>
+          <p:cNvCxnSpPr>
+            <a:stCxn id="31" idx="3"/>
+          </p:cNvCxnSpPr>
+          <p:nvPr/>
+        </p:nvCxnSpPr>
+        <p:spPr>
+          <a:xfrm>
+            <a:off x="7668344" y="3632891"/>
+            <a:ext cx="792088" cy="0"/>
+          </a:xfrm>
+          <a:prstGeom prst="straightConnector1">
+            <a:avLst/>
+          </a:prstGeom>
+          <a:ln w="19050">
+            <a:solidFill>
+              <a:srgbClr val="003300"/>
+            </a:solidFill>
+            <a:tailEnd type="arrow"/>
+          </a:ln>
+        </p:spPr>
+        <p:style>
+          <a:lnRef idx="1">
+            <a:schemeClr val="accent1"/>
+          </a:lnRef>
+          <a:fillRef idx="0">
+            <a:schemeClr val="accent1"/>
+          </a:fillRef>
+          <a:effectRef idx="0">
+            <a:schemeClr val="accent1"/>
+          </a:effectRef>
+          <a:fontRef idx="minor">
+            <a:schemeClr val="tx1"/>
+          </a:fontRef>
+        </p:style>
+      </p:cxnSp>
+      <p:cxnSp>
+        <p:nvCxnSpPr>
+          <p:cNvPr id="57" name="Straight Arrow Connector 56"/>
+          <p:cNvCxnSpPr>
+            <a:stCxn id="50" idx="3"/>
+          </p:cNvCxnSpPr>
+          <p:nvPr/>
+        </p:nvCxnSpPr>
+        <p:spPr>
+          <a:xfrm>
+            <a:off x="7668344" y="4929034"/>
+            <a:ext cx="787883" cy="0"/>
+          </a:xfrm>
+          <a:prstGeom prst="straightConnector1">
+            <a:avLst/>
+          </a:prstGeom>
+          <a:ln w="19050">
+            <a:solidFill>
+              <a:srgbClr val="003300"/>
+            </a:solidFill>
+            <a:tailEnd type="arrow"/>
+          </a:ln>
+        </p:spPr>
+        <p:style>
+          <a:lnRef idx="1">
+            <a:schemeClr val="accent1"/>
+          </a:lnRef>
+          <a:fillRef idx="0">
+            <a:schemeClr val="accent1"/>
+          </a:fillRef>
+          <a:effectRef idx="0">
+            <a:schemeClr val="accent1"/>
+          </a:effectRef>
+          <a:fontRef idx="minor">
+            <a:schemeClr val="tx1"/>
+          </a:fontRef>
+        </p:style>
+      </p:cxnSp>
+      <p:sp>
+        <p:nvSpPr>
+          <p:cNvPr id="2" name="Title 1">
+            <a:extLst>
+              <a:ext uri="{FF2B5EF4-FFF2-40B4-BE49-F238E27FC236}">
+                <a16:creationId xmlns:a16="http://schemas.microsoft.com/office/drawing/2014/main" xmlns="" id="{0DB934AE-063D-4F69-A4BD-4E87414288DE}"/>
+              </a:ext>
+            </a:extLst>
+          </p:cNvPr>
+          <p:cNvSpPr>
+            <a:spLocks noGrp="1"/>
+          </p:cNvSpPr>
+          <p:nvPr>
+            <p:ph type="ctrTitle"/>
+          </p:nvPr>
+        </p:nvSpPr>
+        <p:spPr>
+          <a:xfrm>
+            <a:off x="688032" y="227139"/>
+            <a:ext cx="7772400" cy="498553"/>
+          </a:xfrm>
+        </p:spPr>
+        <p:txBody>
+          <a:bodyPr>
+            <a:normAutofit/>
+          </a:bodyPr>
+          <a:lstStyle/>
+          <a:p>
+            <a:pPr algn="ctr"/>
+            <a:r>
+              <a:rPr lang="en-ID" sz="1800" dirty="0" smtClean="0"/>
+              <a:t>this-</a:t>
+            </a:r>
+            <a:r>
+              <a:rPr lang="en-ID" sz="1800" dirty="0"/>
+              <a:t>&gt;_menuParameter(key</a:t>
+            </a:r>
+            <a:r>
+              <a:rPr lang="en-ID" sz="1800" dirty="0" smtClean="0"/>
+              <a:t>)</a:t>
+            </a:r>
+            <a:endParaRPr lang="en-ID" dirty="0"/>
+          </a:p>
+        </p:txBody>
+      </p:sp>
+      <p:sp>
+        <p:nvSpPr>
+          <p:cNvPr id="50" name="Flowchart: Predefined Process 49">
+            <a:extLst>
+              <a:ext uri="{FF2B5EF4-FFF2-40B4-BE49-F238E27FC236}">
+                <a16:creationId xmlns:a16="http://schemas.microsoft.com/office/drawing/2014/main" xmlns="" id="{A072B542-5787-42E3-8E39-7032CEC393EF}"/>
+              </a:ext>
+            </a:extLst>
+          </p:cNvPr>
+          <p:cNvSpPr/>
+          <p:nvPr/>
+        </p:nvSpPr>
+        <p:spPr>
+          <a:xfrm>
+            <a:off x="4220102" y="4509119"/>
+            <a:ext cx="3448242" cy="839830"/>
+          </a:xfrm>
+          <a:prstGeom prst="flowChartPredefinedProcess">
+            <a:avLst/>
+          </a:prstGeom>
+          <a:noFill/>
+          <a:ln>
+            <a:solidFill>
+              <a:schemeClr val="tx1"/>
+            </a:solidFill>
+          </a:ln>
+        </p:spPr>
+        <p:style>
+          <a:lnRef idx="2">
+            <a:schemeClr val="accent1">
+              <a:shade val="50000"/>
+            </a:schemeClr>
+          </a:lnRef>
+          <a:fillRef idx="1">
+            <a:schemeClr val="accent1"/>
+          </a:fillRef>
+          <a:effectRef idx="0">
+            <a:schemeClr val="accent1"/>
+          </a:effectRef>
+          <a:fontRef idx="minor">
+            <a:schemeClr val="lt1"/>
+          </a:fontRef>
+        </p:style>
+        <p:txBody>
+          <a:bodyPr rtlCol="0" anchor="ctr"/>
+          <a:lstStyle/>
+          <a:p>
+            <a:pPr algn="ctr"/>
+            <a:r>
+              <a:rPr lang="en-ID" sz="1200" dirty="0">
+                <a:solidFill>
+                  <a:schemeClr val="tx1"/>
+                </a:solidFill>
+              </a:rPr>
+              <a:t>idx = this-&gt;_decreaseIndex();</a:t>
+            </a:r>
+          </a:p>
+        </p:txBody>
+      </p:sp>
+      <p:sp>
+        <p:nvSpPr>
+          <p:cNvPr id="56" name="Flowchart: Off-page Connector 55">
+            <a:hlinkClick r:id="rId4" action="ppaction://hlinksldjump"/>
+            <a:extLst>
+              <a:ext uri="{FF2B5EF4-FFF2-40B4-BE49-F238E27FC236}">
+                <a16:creationId xmlns:a16="http://schemas.microsoft.com/office/drawing/2014/main" xmlns="" id="{6B04F943-B8F0-4045-882E-05B2CA117E1E}"/>
+              </a:ext>
+            </a:extLst>
+          </p:cNvPr>
+          <p:cNvSpPr/>
+          <p:nvPr/>
+        </p:nvSpPr>
+        <p:spPr>
+          <a:xfrm>
+            <a:off x="2966569" y="6091904"/>
+            <a:ext cx="485633" cy="467744"/>
+          </a:xfrm>
+          <a:prstGeom prst="flowChartOffpageConnector">
+            <a:avLst/>
+          </a:prstGeom>
+          <a:noFill/>
+          <a:ln>
+            <a:solidFill>
+              <a:schemeClr val="tx1"/>
+            </a:solidFill>
+          </a:ln>
+        </p:spPr>
+        <p:style>
+          <a:lnRef idx="2">
+            <a:schemeClr val="accent1">
+              <a:shade val="50000"/>
+            </a:schemeClr>
+          </a:lnRef>
+          <a:fillRef idx="1">
+            <a:schemeClr val="accent1"/>
+          </a:fillRef>
+          <a:effectRef idx="0">
+            <a:schemeClr val="accent1"/>
+          </a:effectRef>
+          <a:fontRef idx="minor">
+            <a:schemeClr val="lt1"/>
+          </a:fontRef>
+        </p:style>
+        <p:txBody>
+          <a:bodyPr rtlCol="0" anchor="ctr"/>
+          <a:lstStyle/>
+          <a:p>
+            <a:pPr algn="ctr"/>
+            <a:r>
+              <a:rPr lang="en-US" b="1" dirty="0" smtClean="0">
+                <a:solidFill>
+                  <a:schemeClr val="tx1"/>
+                </a:solidFill>
+              </a:rPr>
+              <a:t>22</a:t>
+            </a:r>
+            <a:endParaRPr lang="en-US" b="1" dirty="0">
+              <a:solidFill>
+                <a:schemeClr val="tx1"/>
+              </a:solidFill>
+            </a:endParaRPr>
+          </a:p>
+        </p:txBody>
+      </p:sp>
+      <p:sp>
+        <p:nvSpPr>
+          <p:cNvPr id="27" name="Parallelogram 26">
+            <a:extLst>
+              <a:ext uri="{FF2B5EF4-FFF2-40B4-BE49-F238E27FC236}">
+                <a16:creationId xmlns:a16="http://schemas.microsoft.com/office/drawing/2014/main" xmlns="" id="{2DEB2690-745F-43C7-AD19-75DD323CFA52}"/>
+              </a:ext>
+            </a:extLst>
+          </p:cNvPr>
+          <p:cNvSpPr/>
+          <p:nvPr/>
+        </p:nvSpPr>
+        <p:spPr>
+          <a:xfrm>
+            <a:off x="4718661" y="5705712"/>
+            <a:ext cx="2451123" cy="618957"/>
+          </a:xfrm>
+          <a:prstGeom prst="parallelogram">
+            <a:avLst/>
+          </a:prstGeom>
+          <a:noFill/>
+          <a:ln>
+            <a:solidFill>
+              <a:srgbClr val="003300"/>
+            </a:solidFill>
+          </a:ln>
+        </p:spPr>
+        <p:style>
+          <a:lnRef idx="2">
+            <a:schemeClr val="accent1">
+              <a:shade val="50000"/>
+            </a:schemeClr>
+          </a:lnRef>
+          <a:fillRef idx="1">
+            <a:schemeClr val="accent1"/>
+          </a:fillRef>
+          <a:effectRef idx="0">
+            <a:schemeClr val="accent1"/>
+          </a:effectRef>
+          <a:fontRef idx="minor">
+            <a:schemeClr val="lt1"/>
+          </a:fontRef>
+        </p:style>
+        <p:txBody>
+          <a:bodyPr rtlCol="0" anchor="ctr"/>
+          <a:lstStyle/>
+          <a:p>
+            <a:pPr algn="ctr"/>
+            <a:r>
+              <a:rPr lang="en-ID" sz="1200" dirty="0">
+                <a:solidFill>
+                  <a:schemeClr val="tx1"/>
+                </a:solidFill>
+              </a:rPr>
+              <a:t>this-&gt;_</a:t>
+            </a:r>
+            <a:r>
+              <a:rPr lang="en-ID" sz="1200" dirty="0" smtClean="0">
+                <a:solidFill>
+                  <a:schemeClr val="tx1"/>
+                </a:solidFill>
+              </a:rPr>
+              <a:t>sendParameter(idx</a:t>
+            </a:r>
+            <a:r>
+              <a:rPr lang="en-ID" sz="1200" dirty="0">
+                <a:solidFill>
+                  <a:schemeClr val="tx1"/>
+                </a:solidFill>
+              </a:rPr>
+              <a:t>);</a:t>
+            </a:r>
+          </a:p>
+          <a:p>
+            <a:pPr algn="ctr"/>
+            <a:r>
+              <a:rPr lang="en-ID" sz="1200" dirty="0">
+                <a:solidFill>
+                  <a:schemeClr val="tx1"/>
+                </a:solidFill>
+              </a:rPr>
+              <a:t>this-&gt;_</a:t>
+            </a:r>
+            <a:r>
+              <a:rPr lang="en-ID" sz="1200" dirty="0" smtClean="0">
+                <a:solidFill>
+                  <a:schemeClr val="tx1"/>
+                </a:solidFill>
+              </a:rPr>
+              <a:t>viewParameter(idx</a:t>
+            </a:r>
+            <a:r>
+              <a:rPr lang="en-ID" sz="1200" dirty="0">
+                <a:solidFill>
+                  <a:schemeClr val="tx1"/>
+                </a:solidFill>
+              </a:rPr>
+              <a:t>);</a:t>
+            </a:r>
+            <a:endParaRPr lang="en-ID" sz="1200" dirty="0"/>
+          </a:p>
+        </p:txBody>
+      </p:sp>
+      <p:sp>
+        <p:nvSpPr>
+          <p:cNvPr id="4" name="Flowchart: Terminator 3"/>
+          <p:cNvSpPr/>
+          <p:nvPr/>
+        </p:nvSpPr>
+        <p:spPr>
+          <a:xfrm>
+            <a:off x="1785392" y="935648"/>
+            <a:ext cx="914400" cy="301752"/>
+          </a:xfrm>
+          <a:prstGeom prst="flowChartTerminator">
+            <a:avLst/>
+          </a:prstGeom>
+          <a:noFill/>
+          <a:ln w="19050">
+            <a:solidFill>
+              <a:schemeClr val="tx1"/>
+            </a:solidFill>
+          </a:ln>
+        </p:spPr>
+        <p:style>
+          <a:lnRef idx="2">
+            <a:schemeClr val="accent1">
+              <a:shade val="50000"/>
+            </a:schemeClr>
+          </a:lnRef>
+          <a:fillRef idx="1">
+            <a:schemeClr val="accent1"/>
+          </a:fillRef>
+          <a:effectRef idx="0">
+            <a:schemeClr val="accent1"/>
+          </a:effectRef>
+          <a:fontRef idx="minor">
+            <a:schemeClr val="lt1"/>
+          </a:fontRef>
+        </p:style>
+        <p:txBody>
+          <a:bodyPr rtlCol="0" anchor="ctr"/>
+          <a:lstStyle/>
+          <a:p>
+            <a:pPr algn="ctr"/>
+            <a:r>
+              <a:rPr lang="en-ID" dirty="0" smtClean="0">
+                <a:solidFill>
+                  <a:schemeClr val="tx1"/>
+                </a:solidFill>
+              </a:rPr>
+              <a:t>Start</a:t>
+            </a:r>
+            <a:endParaRPr lang="en-US" dirty="0">
+              <a:solidFill>
+                <a:schemeClr val="tx1"/>
+              </a:solidFill>
+            </a:endParaRPr>
+          </a:p>
+        </p:txBody>
+      </p:sp>
+      <p:cxnSp>
+        <p:nvCxnSpPr>
+          <p:cNvPr id="53" name="Elbow Connector 52"/>
+          <p:cNvCxnSpPr>
+            <a:stCxn id="27" idx="5"/>
+            <a:endCxn id="56" idx="3"/>
+          </p:cNvCxnSpPr>
+          <p:nvPr/>
+        </p:nvCxnSpPr>
+        <p:spPr>
+          <a:xfrm rot="10800000" flipV="1">
+            <a:off x="3452203" y="6015190"/>
+            <a:ext cx="1343829" cy="310585"/>
+          </a:xfrm>
+          <a:prstGeom prst="bentConnector3">
+            <a:avLst/>
+          </a:prstGeom>
+          <a:ln w="19050">
+            <a:solidFill>
+              <a:schemeClr val="tx1"/>
+            </a:solidFill>
+            <a:tailEnd type="arrow"/>
+          </a:ln>
+        </p:spPr>
+        <p:style>
+          <a:lnRef idx="1">
+            <a:schemeClr val="accent1"/>
+          </a:lnRef>
+          <a:fillRef idx="0">
+            <a:schemeClr val="accent1"/>
+          </a:fillRef>
+          <a:effectRef idx="0">
+            <a:schemeClr val="accent1"/>
+          </a:effectRef>
+          <a:fontRef idx="minor">
+            <a:schemeClr val="tx1"/>
+          </a:fontRef>
+        </p:style>
+      </p:cxnSp>
+    </p:spTree>
+    <p:extLst>
+      <p:ext uri="{BB962C8B-B14F-4D97-AF65-F5344CB8AC3E}">
+        <p14:creationId xmlns:p14="http://schemas.microsoft.com/office/powerpoint/2010/main" val="2256533854"/>
+      </p:ext>
+    </p:extLst>
+  </p:cSld>
+  <p:clrMapOvr>
+    <a:masterClrMapping/>
+  </p:clrMapOvr>
+</p:sld>
+</file>
+
+<file path=ppt/slides/slide19.xml><?xml version="1.0" encoding="utf-8"?>
+<p:sld xmlns:a="http://schemas.openxmlformats.org/drawingml/2006/main" xmlns:r="http://schemas.openxmlformats.org/officeDocument/2006/relationships" xmlns:p="http://schemas.openxmlformats.org/presentationml/2006/main">
+  <p:cSld>
+    <p:spTree>
+      <p:nvGrpSpPr>
+        <p:cNvPr id="1" name=""/>
+        <p:cNvGrpSpPr/>
+        <p:nvPr/>
+      </p:nvGrpSpPr>
+      <p:grpSpPr>
+        <a:xfrm>
+          <a:off x="0" y="0"/>
+          <a:ext cx="0" cy="0"/>
+          <a:chOff x="0" y="0"/>
+          <a:chExt cx="0" cy="0"/>
+        </a:xfrm>
+      </p:grpSpPr>
+      <p:sp>
+        <p:nvSpPr>
+          <p:cNvPr id="19" name="TextBox 18">
+            <a:hlinkClick r:id="rId3" action="ppaction://hlinksldjump"/>
+          </p:cNvPr>
+          <p:cNvSpPr txBox="1"/>
+          <p:nvPr/>
+        </p:nvSpPr>
+        <p:spPr>
+          <a:xfrm>
+            <a:off x="3908910" y="658649"/>
+            <a:ext cx="1192826" cy="276999"/>
+          </a:xfrm>
+          <a:prstGeom prst="rect">
+            <a:avLst/>
+          </a:prstGeom>
+          <a:noFill/>
+        </p:spPr>
+        <p:txBody>
+          <a:bodyPr wrap="none" rtlCol="0">
+            <a:spAutoFit/>
+          </a:bodyPr>
+          <a:lstStyle/>
+          <a:p>
+            <a:pPr algn="ctr"/>
+            <a:r>
+              <a:rPr lang="en-ID" sz="1200" dirty="0"/>
+              <a:t>File : locPan.cpp</a:t>
+            </a:r>
+            <a:endParaRPr lang="en-US" sz="1200" dirty="0"/>
+          </a:p>
+        </p:txBody>
+      </p:sp>
+      <p:cxnSp>
+        <p:nvCxnSpPr>
+          <p:cNvPr id="3" name="Elbow Connector 2"/>
+          <p:cNvCxnSpPr>
+            <a:stCxn id="22" idx="2"/>
+            <a:endCxn id="38" idx="0"/>
+          </p:cNvCxnSpPr>
+          <p:nvPr/>
+        </p:nvCxnSpPr>
+        <p:spPr>
+          <a:xfrm rot="16200000" flipH="1">
+            <a:off x="2337118" y="2155713"/>
+            <a:ext cx="543099" cy="242816"/>
+          </a:xfrm>
+          <a:prstGeom prst="bentConnector3">
+            <a:avLst/>
+          </a:prstGeom>
+          <a:ln w="19050">
+            <a:solidFill>
+              <a:schemeClr val="tx1"/>
+            </a:solidFill>
+            <a:tailEnd type="arrow"/>
+          </a:ln>
+        </p:spPr>
+        <p:style>
+          <a:lnRef idx="1">
+            <a:schemeClr val="accent1"/>
+          </a:lnRef>
+          <a:fillRef idx="0">
+            <a:schemeClr val="accent1"/>
+          </a:fillRef>
+          <a:effectRef idx="0">
+            <a:schemeClr val="accent1"/>
+          </a:effectRef>
+          <a:fontRef idx="minor">
+            <a:schemeClr val="tx1"/>
+          </a:fontRef>
+        </p:style>
+      </p:cxnSp>
+      <p:sp>
+        <p:nvSpPr>
+          <p:cNvPr id="38" name="Flowchart: Decision 37">
+            <a:extLst>
+              <a:ext uri="{FF2B5EF4-FFF2-40B4-BE49-F238E27FC236}">
+                <a16:creationId xmlns:a16="http://schemas.microsoft.com/office/drawing/2014/main" xmlns="" id="{1E32E4E6-7CBB-4B16-A851-2C84F576DC19}"/>
+              </a:ext>
+            </a:extLst>
+          </p:cNvPr>
+          <p:cNvSpPr/>
+          <p:nvPr/>
+        </p:nvSpPr>
+        <p:spPr>
+          <a:xfrm>
+            <a:off x="1901983" y="2548671"/>
+            <a:ext cx="1656184" cy="839830"/>
+          </a:xfrm>
+          <a:prstGeom prst="flowChartDecision">
+            <a:avLst/>
+          </a:prstGeom>
+          <a:noFill/>
+          <a:ln w="19050">
+            <a:solidFill>
+              <a:schemeClr val="tx1"/>
+            </a:solidFill>
+          </a:ln>
+        </p:spPr>
+        <p:style>
+          <a:lnRef idx="2">
+            <a:schemeClr val="accent1">
+              <a:shade val="50000"/>
+            </a:schemeClr>
+          </a:lnRef>
+          <a:fillRef idx="1">
+            <a:schemeClr val="accent1"/>
+          </a:fillRef>
+          <a:effectRef idx="0">
+            <a:schemeClr val="accent1"/>
+          </a:effectRef>
+          <a:fontRef idx="minor">
+            <a:schemeClr val="lt1"/>
+          </a:fontRef>
+        </p:style>
+        <p:txBody>
+          <a:bodyPr rtlCol="0" anchor="ctr"/>
+          <a:lstStyle/>
+          <a:p>
+            <a:pPr algn="ctr"/>
+            <a:r>
+              <a:rPr lang="en-US" sz="1400" dirty="0">
+                <a:solidFill>
+                  <a:schemeClr val="tx1"/>
+                </a:solidFill>
+              </a:rPr>
+              <a:t>key</a:t>
+            </a:r>
+            <a:r>
+              <a:rPr lang="en-ID" sz="1400" dirty="0">
+                <a:solidFill>
+                  <a:schemeClr val="tx1"/>
+                </a:solidFill>
+              </a:rPr>
+              <a:t> = </a:t>
+            </a:r>
+            <a:r>
+              <a:rPr lang="en-ID" sz="1400" dirty="0" smtClean="0">
+                <a:solidFill>
+                  <a:schemeClr val="tx1"/>
+                </a:solidFill>
+                <a:latin typeface="Consolas" panose="020B0609020204030204" pitchFamily="49" charset="0"/>
+              </a:rPr>
+              <a:t>LEFT</a:t>
+            </a:r>
+            <a:endParaRPr lang="en-ID" sz="1400" b="0" dirty="0">
+              <a:solidFill>
+                <a:schemeClr val="tx1"/>
+              </a:solidFill>
+              <a:effectLst/>
+              <a:latin typeface="Consolas" panose="020B0609020204030204" pitchFamily="49" charset="0"/>
+            </a:endParaRPr>
+          </a:p>
+        </p:txBody>
+      </p:sp>
+      <p:sp>
+        <p:nvSpPr>
+          <p:cNvPr id="22" name="Flowchart: Off-page Connector 21">
+            <a:hlinkClick r:id="rId4" action="ppaction://hlinksldjump"/>
+            <a:extLst>
+              <a:ext uri="{FF2B5EF4-FFF2-40B4-BE49-F238E27FC236}">
+                <a16:creationId xmlns:a16="http://schemas.microsoft.com/office/drawing/2014/main" xmlns="" id="{B8D6A6F9-4123-472B-9716-70EADD87870A}"/>
+              </a:ext>
+            </a:extLst>
+          </p:cNvPr>
+          <p:cNvSpPr/>
+          <p:nvPr/>
+        </p:nvSpPr>
+        <p:spPr>
+          <a:xfrm>
+            <a:off x="2244442" y="1537828"/>
+            <a:ext cx="485633" cy="467744"/>
+          </a:xfrm>
+          <a:prstGeom prst="flowChartOffpageConnector">
+            <a:avLst/>
+          </a:prstGeom>
+          <a:noFill/>
+          <a:ln>
+            <a:solidFill>
+              <a:schemeClr val="tx1"/>
+            </a:solidFill>
+          </a:ln>
+        </p:spPr>
+        <p:style>
+          <a:lnRef idx="2">
+            <a:schemeClr val="accent1">
+              <a:shade val="50000"/>
+            </a:schemeClr>
+          </a:lnRef>
+          <a:fillRef idx="1">
+            <a:schemeClr val="accent1"/>
+          </a:fillRef>
+          <a:effectRef idx="0">
+            <a:schemeClr val="accent1"/>
+          </a:effectRef>
+          <a:fontRef idx="minor">
+            <a:schemeClr val="lt1"/>
+          </a:fontRef>
+        </p:style>
+        <p:txBody>
+          <a:bodyPr rtlCol="0" anchor="ctr"/>
+          <a:lstStyle/>
+          <a:p>
+            <a:pPr algn="ctr"/>
+            <a:r>
+              <a:rPr lang="en-US" b="1" dirty="0" smtClean="0">
+                <a:solidFill>
+                  <a:schemeClr val="tx1"/>
+                </a:solidFill>
+              </a:rPr>
+              <a:t>22</a:t>
+            </a:r>
+            <a:endParaRPr lang="en-US" b="1" dirty="0">
+              <a:solidFill>
+                <a:schemeClr val="tx1"/>
+              </a:solidFill>
+            </a:endParaRPr>
+          </a:p>
+        </p:txBody>
+      </p:sp>
+      <p:cxnSp>
+        <p:nvCxnSpPr>
+          <p:cNvPr id="32" name="Elbow Connector 2">
+            <a:extLst>
+              <a:ext uri="{FF2B5EF4-FFF2-40B4-BE49-F238E27FC236}">
+                <a16:creationId xmlns:a16="http://schemas.microsoft.com/office/drawing/2014/main" xmlns="" id="{67657E21-0916-4A9D-8FD5-86E0AAC9843E}"/>
+              </a:ext>
+            </a:extLst>
+          </p:cNvPr>
+          <p:cNvCxnSpPr>
+            <a:stCxn id="38" idx="2"/>
+            <a:endCxn id="36" idx="0"/>
+          </p:cNvCxnSpPr>
+          <p:nvPr/>
+        </p:nvCxnSpPr>
+        <p:spPr>
+          <a:xfrm rot="16200000" flipH="1">
+            <a:off x="2317166" y="3801409"/>
+            <a:ext cx="2030255" cy="1204437"/>
+          </a:xfrm>
+          <a:prstGeom prst="bentConnector3">
+            <a:avLst>
+              <a:gd name="adj1" fmla="val 50000"/>
+            </a:avLst>
+          </a:prstGeom>
+          <a:ln w="19050">
+            <a:solidFill>
+              <a:schemeClr val="tx1"/>
+            </a:solidFill>
+            <a:tailEnd type="arrow"/>
+          </a:ln>
+        </p:spPr>
+        <p:style>
+          <a:lnRef idx="1">
+            <a:schemeClr val="accent1"/>
+          </a:lnRef>
+          <a:fillRef idx="0">
+            <a:schemeClr val="accent1"/>
+          </a:fillRef>
+          <a:effectRef idx="0">
+            <a:schemeClr val="accent1"/>
+          </a:effectRef>
+          <a:fontRef idx="minor">
+            <a:schemeClr val="tx1"/>
+          </a:fontRef>
+        </p:style>
+      </p:cxnSp>
+      <p:sp>
+        <p:nvSpPr>
+          <p:cNvPr id="45" name="Flowchart: Predefined Process 44">
+            <a:hlinkClick r:id="rId5" action="ppaction://hlinksldjump"/>
+            <a:extLst>
+              <a:ext uri="{FF2B5EF4-FFF2-40B4-BE49-F238E27FC236}">
+                <a16:creationId xmlns:a16="http://schemas.microsoft.com/office/drawing/2014/main" xmlns="" id="{A3C66BBB-6244-4FF6-B980-D5B96BF7B905}"/>
+              </a:ext>
+            </a:extLst>
+          </p:cNvPr>
+          <p:cNvSpPr/>
+          <p:nvPr/>
+        </p:nvSpPr>
+        <p:spPr>
+          <a:xfrm>
+            <a:off x="4206240" y="2884445"/>
+            <a:ext cx="3528392" cy="821850"/>
+          </a:xfrm>
+          <a:prstGeom prst="flowChartPredefinedProcess">
+            <a:avLst/>
+          </a:prstGeom>
+          <a:noFill/>
+          <a:ln>
+            <a:solidFill>
+              <a:schemeClr val="tx1"/>
+            </a:solidFill>
+          </a:ln>
+        </p:spPr>
+        <p:style>
+          <a:lnRef idx="2">
+            <a:schemeClr val="accent1">
+              <a:shade val="50000"/>
+            </a:schemeClr>
+          </a:lnRef>
+          <a:fillRef idx="1">
+            <a:schemeClr val="accent1"/>
+          </a:fillRef>
+          <a:effectRef idx="0">
+            <a:schemeClr val="accent1"/>
+          </a:effectRef>
+          <a:fontRef idx="minor">
+            <a:schemeClr val="lt1"/>
+          </a:fontRef>
+        </p:style>
+        <p:txBody>
+          <a:bodyPr rtlCol="0" anchor="ctr"/>
+          <a:lstStyle/>
+          <a:p>
+            <a:pPr algn="ctr"/>
+            <a:r>
+              <a:rPr lang="fr-FR" sz="1200" dirty="0" smtClean="0">
+                <a:solidFill>
+                  <a:schemeClr val="tx1"/>
+                </a:solidFill>
+              </a:rPr>
+              <a:t>_</a:t>
+            </a:r>
+            <a:r>
+              <a:rPr lang="fr-FR" sz="1200" dirty="0">
+                <a:solidFill>
+                  <a:schemeClr val="tx1"/>
+                </a:solidFill>
+              </a:rPr>
+              <a:t>modeMenu = MODE_MENU_MAIN;</a:t>
+            </a:r>
+          </a:p>
+          <a:p>
+            <a:pPr algn="ctr"/>
+            <a:r>
+              <a:rPr lang="fr-FR" sz="1200" dirty="0" smtClean="0">
+                <a:solidFill>
+                  <a:schemeClr val="tx1"/>
+                </a:solidFill>
+              </a:rPr>
+              <a:t>this-</a:t>
+            </a:r>
+            <a:r>
+              <a:rPr lang="fr-FR" sz="1200" dirty="0">
+                <a:solidFill>
+                  <a:schemeClr val="tx1"/>
+                </a:solidFill>
+              </a:rPr>
+              <a:t>&gt;_menuIndex = </a:t>
+            </a:r>
+            <a:r>
+              <a:rPr lang="fr-FR" sz="1200" dirty="0" smtClean="0">
+                <a:solidFill>
+                  <a:schemeClr val="tx1"/>
+                </a:solidFill>
+              </a:rPr>
+              <a:t>0;</a:t>
+            </a:r>
+          </a:p>
+          <a:p>
+            <a:pPr algn="ctr"/>
+            <a:r>
+              <a:rPr lang="fr-FR" sz="1200" dirty="0" smtClean="0">
+                <a:solidFill>
+                  <a:schemeClr val="tx1"/>
+                </a:solidFill>
+                <a:hlinkClick r:id="rId5" action="ppaction://hlinksldjump"/>
+              </a:rPr>
+              <a:t>this-</a:t>
+            </a:r>
+            <a:r>
+              <a:rPr lang="fr-FR" sz="1200" dirty="0">
+                <a:solidFill>
+                  <a:schemeClr val="tx1"/>
+                </a:solidFill>
+                <a:hlinkClick r:id="rId5" action="ppaction://hlinksldjump"/>
+              </a:rPr>
+              <a:t>&gt;menu</a:t>
+            </a:r>
+            <a:r>
+              <a:rPr lang="fr-FR" sz="1200" dirty="0" smtClean="0">
+                <a:solidFill>
+                  <a:schemeClr val="tx1"/>
+                </a:solidFill>
+                <a:hlinkClick r:id="rId5" action="ppaction://hlinksldjump"/>
+              </a:rPr>
+              <a:t>();</a:t>
+            </a:r>
+            <a:r>
+              <a:rPr lang="en-ID" sz="1200" b="1" dirty="0" smtClean="0">
+                <a:solidFill>
+                  <a:schemeClr val="tx1"/>
+                </a:solidFill>
+                <a:latin typeface="Calibri" panose="020F0502020204030204" pitchFamily="34" charset="0"/>
+              </a:rPr>
+              <a:t> </a:t>
+            </a:r>
+            <a:endParaRPr lang="en-US" sz="1200" dirty="0">
+              <a:solidFill>
+                <a:schemeClr val="tx1"/>
+              </a:solidFill>
+            </a:endParaRPr>
+          </a:p>
+        </p:txBody>
+      </p:sp>
+      <p:cxnSp>
+        <p:nvCxnSpPr>
+          <p:cNvPr id="35" name="Connector: Elbow 34">
+            <a:extLst>
+              <a:ext uri="{FF2B5EF4-FFF2-40B4-BE49-F238E27FC236}">
+                <a16:creationId xmlns:a16="http://schemas.microsoft.com/office/drawing/2014/main" xmlns="" id="{47C8185B-0566-408F-982A-5606EAA43CA2}"/>
+              </a:ext>
+            </a:extLst>
+          </p:cNvPr>
+          <p:cNvCxnSpPr>
+            <a:stCxn id="38" idx="3"/>
+            <a:endCxn id="45" idx="1"/>
+          </p:cNvCxnSpPr>
+          <p:nvPr/>
+        </p:nvCxnSpPr>
+        <p:spPr>
+          <a:xfrm>
+            <a:off x="3558167" y="2968586"/>
+            <a:ext cx="648073" cy="326784"/>
+          </a:xfrm>
+          <a:prstGeom prst="bentConnector3">
+            <a:avLst/>
+          </a:prstGeom>
+          <a:ln w="19050">
+            <a:solidFill>
+              <a:schemeClr val="tx1"/>
+            </a:solidFill>
+            <a:tailEnd type="triangle"/>
+          </a:ln>
+        </p:spPr>
+        <p:style>
+          <a:lnRef idx="1">
+            <a:schemeClr val="accent1"/>
+          </a:lnRef>
+          <a:fillRef idx="0">
+            <a:schemeClr val="accent1"/>
+          </a:fillRef>
+          <a:effectRef idx="0">
+            <a:schemeClr val="accent1"/>
+          </a:effectRef>
+          <a:fontRef idx="minor">
+            <a:schemeClr val="tx1"/>
+          </a:fontRef>
+        </p:style>
+      </p:cxnSp>
+      <p:cxnSp>
+        <p:nvCxnSpPr>
+          <p:cNvPr id="39" name="Connector: Elbow 38">
+            <a:extLst>
+              <a:ext uri="{FF2B5EF4-FFF2-40B4-BE49-F238E27FC236}">
+                <a16:creationId xmlns:a16="http://schemas.microsoft.com/office/drawing/2014/main" xmlns="" id="{1E78E4DE-992B-4108-8748-B09F255C469B}"/>
+              </a:ext>
+            </a:extLst>
+          </p:cNvPr>
+          <p:cNvCxnSpPr>
+            <a:stCxn id="45" idx="2"/>
+            <a:endCxn id="36" idx="3"/>
+          </p:cNvCxnSpPr>
+          <p:nvPr/>
+        </p:nvCxnSpPr>
+        <p:spPr>
+          <a:xfrm rot="5400000">
+            <a:off x="4100716" y="3782907"/>
+            <a:ext cx="1946333" cy="1793108"/>
+          </a:xfrm>
+          <a:prstGeom prst="bentConnector2">
+            <a:avLst/>
+          </a:prstGeom>
+          <a:ln w="19050">
+            <a:solidFill>
+              <a:schemeClr val="tx1"/>
+            </a:solidFill>
+            <a:tailEnd type="triangle"/>
+          </a:ln>
+        </p:spPr>
+        <p:style>
+          <a:lnRef idx="1">
+            <a:schemeClr val="accent1"/>
+          </a:lnRef>
+          <a:fillRef idx="0">
+            <a:schemeClr val="accent1"/>
+          </a:fillRef>
+          <a:effectRef idx="0">
+            <a:schemeClr val="accent1"/>
+          </a:effectRef>
+          <a:fontRef idx="minor">
+            <a:schemeClr val="tx1"/>
+          </a:fontRef>
+        </p:style>
+      </p:cxnSp>
+      <p:sp>
+        <p:nvSpPr>
+          <p:cNvPr id="36" name="Flowchart: Off-page Connector 35">
+            <a:hlinkClick r:id="rId6" action="ppaction://hlinksldjump"/>
+            <a:extLst>
+              <a:ext uri="{FF2B5EF4-FFF2-40B4-BE49-F238E27FC236}">
+                <a16:creationId xmlns:a16="http://schemas.microsoft.com/office/drawing/2014/main" xmlns="" id="{B8D6A6F9-4123-472B-9716-70EADD87870A}"/>
+              </a:ext>
+            </a:extLst>
+          </p:cNvPr>
+          <p:cNvSpPr/>
+          <p:nvPr/>
+        </p:nvSpPr>
+        <p:spPr>
+          <a:xfrm>
+            <a:off x="3691695" y="5418756"/>
+            <a:ext cx="485633" cy="467744"/>
+          </a:xfrm>
+          <a:prstGeom prst="flowChartOffpageConnector">
+            <a:avLst/>
+          </a:prstGeom>
+          <a:noFill/>
+          <a:ln>
+            <a:solidFill>
+              <a:schemeClr val="tx1"/>
+            </a:solidFill>
+          </a:ln>
+        </p:spPr>
+        <p:style>
+          <a:lnRef idx="2">
+            <a:schemeClr val="accent1">
+              <a:shade val="50000"/>
+            </a:schemeClr>
+          </a:lnRef>
+          <a:fillRef idx="1">
+            <a:schemeClr val="accent1"/>
+          </a:fillRef>
+          <a:effectRef idx="0">
+            <a:schemeClr val="accent1"/>
+          </a:effectRef>
+          <a:fontRef idx="minor">
+            <a:schemeClr val="lt1"/>
+          </a:fontRef>
+        </p:style>
+        <p:txBody>
+          <a:bodyPr rtlCol="0" anchor="ctr"/>
+          <a:lstStyle/>
+          <a:p>
+            <a:pPr algn="ctr"/>
+            <a:r>
+              <a:rPr lang="en-US" b="1" dirty="0" smtClean="0">
+                <a:solidFill>
+                  <a:schemeClr val="tx1"/>
+                </a:solidFill>
+              </a:rPr>
+              <a:t>23</a:t>
+            </a:r>
+            <a:endParaRPr lang="en-US" b="1" dirty="0">
+              <a:solidFill>
+                <a:schemeClr val="tx1"/>
+              </a:solidFill>
+            </a:endParaRPr>
+          </a:p>
+        </p:txBody>
+      </p:sp>
+      <p:sp>
+        <p:nvSpPr>
+          <p:cNvPr id="26" name="Title 25"/>
+          <p:cNvSpPr>
+            <a:spLocks noGrp="1"/>
+          </p:cNvSpPr>
+          <p:nvPr>
+            <p:ph type="ctrTitle"/>
+          </p:nvPr>
+        </p:nvSpPr>
+        <p:spPr>
+          <a:xfrm>
+            <a:off x="755576" y="254899"/>
+            <a:ext cx="7772400" cy="418246"/>
+          </a:xfrm>
+        </p:spPr>
+        <p:txBody>
+          <a:bodyPr/>
+          <a:lstStyle/>
+          <a:p>
+            <a:pPr algn="ctr"/>
+            <a:r>
+              <a:rPr lang="en-ID" sz="1800" kern="1200" dirty="0" smtClean="0">
+                <a:solidFill>
+                  <a:srgbClr val="000000"/>
+                </a:solidFill>
+                <a:effectLst/>
+                <a:latin typeface="Calibri"/>
+                <a:ea typeface="+mj-ea"/>
+                <a:cs typeface="+mj-cs"/>
+              </a:rPr>
+              <a:t>this-&gt;_menuParameter(key)</a:t>
+            </a:r>
+            <a:endParaRPr lang="en-US" dirty="0"/>
+          </a:p>
+        </p:txBody>
+      </p:sp>
+    </p:spTree>
+    <p:extLst>
+      <p:ext uri="{BB962C8B-B14F-4D97-AF65-F5344CB8AC3E}">
+        <p14:creationId xmlns:p14="http://schemas.microsoft.com/office/powerpoint/2010/main" val="3821916367"/>
       </p:ext>
     </p:extLst>
   </p:cSld>
@@ -17131,7 +19218,7 @@
           <p:cNvPr id="10" name="Picture 9" descr="Free Icon | Wifi">
             <a:extLst>
               <a:ext uri="{FF2B5EF4-FFF2-40B4-BE49-F238E27FC236}">
-                <a16:creationId xmlns:a16="http://schemas.microsoft.com/office/drawing/2014/main" id="{35E36CD3-6B5D-4E30-B897-685D3D72453D}"/>
+                <a16:creationId xmlns:a16="http://schemas.microsoft.com/office/drawing/2014/main" xmlns="" id="{35E36CD3-6B5D-4E30-B897-685D3D72453D}"/>
               </a:ext>
             </a:extLst>
           </p:cNvPr>
@@ -17472,7 +19559,7 @@
           <p:cNvPr id="20" name="Picture 19">
             <a:extLst>
               <a:ext uri="{FF2B5EF4-FFF2-40B4-BE49-F238E27FC236}">
-                <a16:creationId xmlns:a16="http://schemas.microsoft.com/office/drawing/2014/main" id="{A18A2DB5-C272-4EEC-BEDE-9D55A675C21C}"/>
+                <a16:creationId xmlns:a16="http://schemas.microsoft.com/office/drawing/2014/main" xmlns="" id="{A18A2DB5-C272-4EEC-BEDE-9D55A675C21C}"/>
               </a:ext>
             </a:extLst>
           </p:cNvPr>
@@ -17500,7 +19587,7 @@
           <p:cNvPr id="21" name="TextBox 20">
             <a:extLst>
               <a:ext uri="{FF2B5EF4-FFF2-40B4-BE49-F238E27FC236}">
-                <a16:creationId xmlns:a16="http://schemas.microsoft.com/office/drawing/2014/main" id="{C7B62148-C36A-4EC0-B756-BE9DE8CD3AB3}"/>
+                <a16:creationId xmlns:a16="http://schemas.microsoft.com/office/drawing/2014/main" xmlns="" id="{C7B62148-C36A-4EC0-B756-BE9DE8CD3AB3}"/>
               </a:ext>
             </a:extLst>
           </p:cNvPr>
@@ -17556,7 +19643,7 @@
           <p:cNvPr id="23" name="TextBox 22">
             <a:extLst>
               <a:ext uri="{FF2B5EF4-FFF2-40B4-BE49-F238E27FC236}">
-                <a16:creationId xmlns:a16="http://schemas.microsoft.com/office/drawing/2014/main" id="{E93A7901-2628-4F53-9A7E-1B2F218C5805}"/>
+                <a16:creationId xmlns:a16="http://schemas.microsoft.com/office/drawing/2014/main" xmlns="" id="{E93A7901-2628-4F53-9A7E-1B2F218C5805}"/>
               </a:ext>
             </a:extLst>
           </p:cNvPr>
@@ -17608,6 +19695,771 @@
   <p:transition spd="slow">
     <p:wipe dir="d"/>
   </p:transition>
+</p:sld>
+</file>
+
+<file path=ppt/slides/slide20.xml><?xml version="1.0" encoding="utf-8"?>
+<p:sld xmlns:a="http://schemas.openxmlformats.org/drawingml/2006/main" xmlns:r="http://schemas.openxmlformats.org/officeDocument/2006/relationships" xmlns:p="http://schemas.openxmlformats.org/presentationml/2006/main">
+  <p:cSld>
+    <p:spTree>
+      <p:nvGrpSpPr>
+        <p:cNvPr id="1" name=""/>
+        <p:cNvGrpSpPr/>
+        <p:nvPr/>
+      </p:nvGrpSpPr>
+      <p:grpSpPr>
+        <a:xfrm>
+          <a:off x="0" y="0"/>
+          <a:ext cx="0" cy="0"/>
+          <a:chOff x="0" y="0"/>
+          <a:chExt cx="0" cy="0"/>
+        </a:xfrm>
+      </p:grpSpPr>
+      <p:sp>
+        <p:nvSpPr>
+          <p:cNvPr id="19" name="TextBox 18">
+            <a:hlinkClick r:id="rId3" action="ppaction://hlinksldjump"/>
+          </p:cNvPr>
+          <p:cNvSpPr txBox="1"/>
+          <p:nvPr/>
+        </p:nvSpPr>
+        <p:spPr>
+          <a:xfrm>
+            <a:off x="3908910" y="658649"/>
+            <a:ext cx="1192826" cy="276999"/>
+          </a:xfrm>
+          <a:prstGeom prst="rect">
+            <a:avLst/>
+          </a:prstGeom>
+          <a:noFill/>
+        </p:spPr>
+        <p:txBody>
+          <a:bodyPr wrap="none" rtlCol="0">
+            <a:spAutoFit/>
+          </a:bodyPr>
+          <a:lstStyle/>
+          <a:p>
+            <a:pPr algn="ctr"/>
+            <a:r>
+              <a:rPr lang="en-ID" sz="1200" dirty="0"/>
+              <a:t>File : locPan.cpp</a:t>
+            </a:r>
+            <a:endParaRPr lang="en-US" sz="1200" dirty="0"/>
+          </a:p>
+        </p:txBody>
+      </p:sp>
+      <p:cxnSp>
+        <p:nvCxnSpPr>
+          <p:cNvPr id="3" name="Elbow Connector 2"/>
+          <p:cNvCxnSpPr>
+            <a:stCxn id="22" idx="2"/>
+            <a:endCxn id="38" idx="0"/>
+          </p:cNvCxnSpPr>
+          <p:nvPr/>
+        </p:nvCxnSpPr>
+        <p:spPr>
+          <a:xfrm rot="16200000" flipH="1">
+            <a:off x="1172336" y="1256756"/>
+            <a:ext cx="543099" cy="242816"/>
+          </a:xfrm>
+          <a:prstGeom prst="bentConnector3">
+            <a:avLst/>
+          </a:prstGeom>
+          <a:ln w="19050">
+            <a:solidFill>
+              <a:schemeClr val="tx1"/>
+            </a:solidFill>
+            <a:tailEnd type="arrow"/>
+          </a:ln>
+        </p:spPr>
+        <p:style>
+          <a:lnRef idx="1">
+            <a:schemeClr val="accent1"/>
+          </a:lnRef>
+          <a:fillRef idx="0">
+            <a:schemeClr val="accent1"/>
+          </a:fillRef>
+          <a:effectRef idx="0">
+            <a:schemeClr val="accent1"/>
+          </a:effectRef>
+          <a:fontRef idx="minor">
+            <a:schemeClr val="tx1"/>
+          </a:fontRef>
+        </p:style>
+      </p:cxnSp>
+      <p:sp>
+        <p:nvSpPr>
+          <p:cNvPr id="31" name="Flowchart: Predefined Process 30">
+            <a:extLst>
+              <a:ext uri="{FF2B5EF4-FFF2-40B4-BE49-F238E27FC236}">
+                <a16:creationId xmlns:a16="http://schemas.microsoft.com/office/drawing/2014/main" xmlns="" id="{45A00864-4430-46FB-9A24-807D47C7B406}"/>
+              </a:ext>
+            </a:extLst>
+          </p:cNvPr>
+          <p:cNvSpPr/>
+          <p:nvPr/>
+        </p:nvSpPr>
+        <p:spPr>
+          <a:xfrm>
+            <a:off x="3275856" y="3861047"/>
+            <a:ext cx="4608512" cy="889855"/>
+          </a:xfrm>
+          <a:prstGeom prst="flowChartPredefinedProcess">
+            <a:avLst/>
+          </a:prstGeom>
+          <a:noFill/>
+          <a:ln>
+            <a:solidFill>
+              <a:schemeClr val="tx1"/>
+            </a:solidFill>
+          </a:ln>
+        </p:spPr>
+        <p:style>
+          <a:lnRef idx="2">
+            <a:schemeClr val="accent1">
+              <a:shade val="50000"/>
+            </a:schemeClr>
+          </a:lnRef>
+          <a:fillRef idx="1">
+            <a:schemeClr val="accent1"/>
+          </a:fillRef>
+          <a:effectRef idx="0">
+            <a:schemeClr val="accent1"/>
+          </a:effectRef>
+          <a:fontRef idx="minor">
+            <a:schemeClr val="lt1"/>
+          </a:fontRef>
+        </p:style>
+        <p:txBody>
+          <a:bodyPr rtlCol="0" anchor="ctr"/>
+          <a:lstStyle/>
+          <a:p>
+            <a:pPr algn="ctr"/>
+            <a:r>
+              <a:rPr lang="en-US" sz="1200" dirty="0">
+                <a:solidFill>
+                  <a:schemeClr val="tx1"/>
+                </a:solidFill>
+              </a:rPr>
+              <a:t> _modeMenu = MODE_CHANGE_PARAMETER;</a:t>
+            </a:r>
+          </a:p>
+          <a:p>
+            <a:pPr algn="ctr"/>
+            <a:r>
+              <a:rPr lang="en-US" sz="1200" dirty="0" smtClean="0">
+                <a:solidFill>
+                  <a:schemeClr val="tx1"/>
+                </a:solidFill>
+              </a:rPr>
+              <a:t>this-</a:t>
+            </a:r>
+            <a:r>
+              <a:rPr lang="en-US" sz="1200" dirty="0">
+                <a:solidFill>
+                  <a:schemeClr val="tx1"/>
+                </a:solidFill>
+              </a:rPr>
+              <a:t>&gt;_isParamChanged = true</a:t>
+            </a:r>
+            <a:r>
+              <a:rPr lang="en-US" sz="1200" dirty="0" smtClean="0">
+                <a:solidFill>
+                  <a:schemeClr val="tx1"/>
+                </a:solidFill>
+              </a:rPr>
+              <a:t>;</a:t>
+            </a:r>
+          </a:p>
+          <a:p>
+            <a:pPr algn="ctr"/>
+            <a:r>
+              <a:rPr lang="en-US" sz="1200" dirty="0">
+                <a:solidFill>
+                  <a:schemeClr val="tx1"/>
+                </a:solidFill>
+              </a:rPr>
+              <a:t> </a:t>
+            </a:r>
+            <a:r>
+              <a:rPr lang="en-US" sz="1200" dirty="0">
+                <a:solidFill>
+                  <a:schemeClr val="tx1"/>
+                </a:solidFill>
+                <a:hlinkClick r:id="rId4" action="ppaction://hlinksldjump"/>
+              </a:rPr>
+              <a:t>this-&gt;menu</a:t>
+            </a:r>
+            <a:r>
+              <a:rPr lang="en-US" sz="1200" dirty="0" smtClean="0">
+                <a:solidFill>
+                  <a:schemeClr val="tx1"/>
+                </a:solidFill>
+                <a:hlinkClick r:id="rId4" action="ppaction://hlinksldjump"/>
+              </a:rPr>
+              <a:t>();</a:t>
+            </a:r>
+            <a:endParaRPr lang="en-US" sz="1200" dirty="0">
+              <a:solidFill>
+                <a:schemeClr val="tx1"/>
+              </a:solidFill>
+            </a:endParaRPr>
+          </a:p>
+        </p:txBody>
+      </p:sp>
+      <p:sp>
+        <p:nvSpPr>
+          <p:cNvPr id="38" name="Flowchart: Decision 37">
+            <a:extLst>
+              <a:ext uri="{FF2B5EF4-FFF2-40B4-BE49-F238E27FC236}">
+                <a16:creationId xmlns:a16="http://schemas.microsoft.com/office/drawing/2014/main" xmlns="" id="{1E32E4E6-7CBB-4B16-A851-2C84F576DC19}"/>
+              </a:ext>
+            </a:extLst>
+          </p:cNvPr>
+          <p:cNvSpPr/>
+          <p:nvPr/>
+        </p:nvSpPr>
+        <p:spPr>
+          <a:xfrm>
+            <a:off x="737201" y="1649714"/>
+            <a:ext cx="1656184" cy="839830"/>
+          </a:xfrm>
+          <a:prstGeom prst="flowChartDecision">
+            <a:avLst/>
+          </a:prstGeom>
+          <a:noFill/>
+          <a:ln w="19050">
+            <a:solidFill>
+              <a:schemeClr val="tx1"/>
+            </a:solidFill>
+          </a:ln>
+        </p:spPr>
+        <p:style>
+          <a:lnRef idx="2">
+            <a:schemeClr val="accent1">
+              <a:shade val="50000"/>
+            </a:schemeClr>
+          </a:lnRef>
+          <a:fillRef idx="1">
+            <a:schemeClr val="accent1"/>
+          </a:fillRef>
+          <a:effectRef idx="0">
+            <a:schemeClr val="accent1"/>
+          </a:effectRef>
+          <a:fontRef idx="minor">
+            <a:schemeClr val="lt1"/>
+          </a:fontRef>
+        </p:style>
+        <p:txBody>
+          <a:bodyPr rtlCol="0" anchor="ctr"/>
+          <a:lstStyle/>
+          <a:p>
+            <a:pPr algn="ctr"/>
+            <a:r>
+              <a:rPr lang="en-US" sz="1400" dirty="0">
+                <a:solidFill>
+                  <a:schemeClr val="tx1"/>
+                </a:solidFill>
+              </a:rPr>
+              <a:t>key</a:t>
+            </a:r>
+            <a:r>
+              <a:rPr lang="en-ID" sz="1400" dirty="0">
+                <a:solidFill>
+                  <a:schemeClr val="tx1"/>
+                </a:solidFill>
+              </a:rPr>
+              <a:t> = </a:t>
+            </a:r>
+            <a:r>
+              <a:rPr lang="en-ID" sz="1400" dirty="0">
+                <a:solidFill>
+                  <a:schemeClr val="tx1"/>
+                </a:solidFill>
+                <a:latin typeface="Consolas" panose="020B0609020204030204" pitchFamily="49" charset="0"/>
+              </a:rPr>
+              <a:t>RIGHT</a:t>
+            </a:r>
+            <a:endParaRPr lang="en-ID" sz="1400" b="0" dirty="0">
+              <a:solidFill>
+                <a:schemeClr val="tx1"/>
+              </a:solidFill>
+              <a:effectLst/>
+              <a:latin typeface="Consolas" panose="020B0609020204030204" pitchFamily="49" charset="0"/>
+            </a:endParaRPr>
+          </a:p>
+        </p:txBody>
+      </p:sp>
+      <p:cxnSp>
+        <p:nvCxnSpPr>
+          <p:cNvPr id="51" name="Elbow Connector 50"/>
+          <p:cNvCxnSpPr>
+            <a:cxnSpLocks/>
+            <a:stCxn id="37" idx="3"/>
+            <a:endCxn id="20" idx="3"/>
+          </p:cNvCxnSpPr>
+          <p:nvPr/>
+        </p:nvCxnSpPr>
+        <p:spPr>
+          <a:xfrm flipH="1">
+            <a:off x="3783079" y="1982538"/>
+            <a:ext cx="2949161" cy="4182942"/>
+          </a:xfrm>
+          <a:prstGeom prst="bentConnector3">
+            <a:avLst>
+              <a:gd name="adj1" fmla="val -47025"/>
+            </a:avLst>
+          </a:prstGeom>
+          <a:ln w="19050">
+            <a:solidFill>
+              <a:srgbClr val="003300"/>
+            </a:solidFill>
+            <a:tailEnd type="arrow"/>
+          </a:ln>
+        </p:spPr>
+        <p:style>
+          <a:lnRef idx="1">
+            <a:schemeClr val="accent1"/>
+          </a:lnRef>
+          <a:fillRef idx="0">
+            <a:schemeClr val="accent1"/>
+          </a:fillRef>
+          <a:effectRef idx="0">
+            <a:schemeClr val="accent1"/>
+          </a:effectRef>
+          <a:fontRef idx="minor">
+            <a:schemeClr val="tx1"/>
+          </a:fontRef>
+        </p:style>
+      </p:cxnSp>
+      <p:sp>
+        <p:nvSpPr>
+          <p:cNvPr id="22" name="Flowchart: Off-page Connector 21">
+            <a:hlinkClick r:id="rId5" action="ppaction://hlinksldjump"/>
+            <a:extLst>
+              <a:ext uri="{FF2B5EF4-FFF2-40B4-BE49-F238E27FC236}">
+                <a16:creationId xmlns:a16="http://schemas.microsoft.com/office/drawing/2014/main" xmlns="" id="{B8D6A6F9-4123-472B-9716-70EADD87870A}"/>
+              </a:ext>
+            </a:extLst>
+          </p:cNvPr>
+          <p:cNvSpPr/>
+          <p:nvPr/>
+        </p:nvSpPr>
+        <p:spPr>
+          <a:xfrm>
+            <a:off x="1079660" y="638871"/>
+            <a:ext cx="485633" cy="467744"/>
+          </a:xfrm>
+          <a:prstGeom prst="flowChartOffpageConnector">
+            <a:avLst/>
+          </a:prstGeom>
+          <a:noFill/>
+          <a:ln>
+            <a:solidFill>
+              <a:schemeClr val="tx1"/>
+            </a:solidFill>
+          </a:ln>
+        </p:spPr>
+        <p:style>
+          <a:lnRef idx="2">
+            <a:schemeClr val="accent1">
+              <a:shade val="50000"/>
+            </a:schemeClr>
+          </a:lnRef>
+          <a:fillRef idx="1">
+            <a:schemeClr val="accent1"/>
+          </a:fillRef>
+          <a:effectRef idx="0">
+            <a:schemeClr val="accent1"/>
+          </a:effectRef>
+          <a:fontRef idx="minor">
+            <a:schemeClr val="lt1"/>
+          </a:fontRef>
+        </p:style>
+        <p:txBody>
+          <a:bodyPr rtlCol="0" anchor="ctr"/>
+          <a:lstStyle/>
+          <a:p>
+            <a:pPr algn="ctr"/>
+            <a:r>
+              <a:rPr lang="en-US" b="1" dirty="0" smtClean="0">
+                <a:solidFill>
+                  <a:schemeClr val="tx1"/>
+                </a:solidFill>
+              </a:rPr>
+              <a:t>23</a:t>
+            </a:r>
+            <a:endParaRPr lang="en-US" b="1" dirty="0">
+              <a:solidFill>
+                <a:schemeClr val="tx1"/>
+              </a:solidFill>
+            </a:endParaRPr>
+          </a:p>
+        </p:txBody>
+      </p:sp>
+      <p:cxnSp>
+        <p:nvCxnSpPr>
+          <p:cNvPr id="32" name="Elbow Connector 2">
+            <a:extLst>
+              <a:ext uri="{FF2B5EF4-FFF2-40B4-BE49-F238E27FC236}">
+                <a16:creationId xmlns:a16="http://schemas.microsoft.com/office/drawing/2014/main" xmlns="" id="{67657E21-0916-4A9D-8FD5-86E0AAC9843E}"/>
+              </a:ext>
+            </a:extLst>
+          </p:cNvPr>
+          <p:cNvCxnSpPr>
+            <a:stCxn id="38" idx="2"/>
+            <a:endCxn id="20" idx="0"/>
+          </p:cNvCxnSpPr>
+          <p:nvPr/>
+        </p:nvCxnSpPr>
+        <p:spPr>
+          <a:xfrm rot="16200000" flipH="1">
+            <a:off x="543741" y="3511096"/>
+            <a:ext cx="3444378" cy="1401274"/>
+          </a:xfrm>
+          <a:prstGeom prst="bentConnector3">
+            <a:avLst>
+              <a:gd name="adj1" fmla="val 50000"/>
+            </a:avLst>
+          </a:prstGeom>
+          <a:ln w="19050">
+            <a:solidFill>
+              <a:schemeClr val="tx1"/>
+            </a:solidFill>
+            <a:tailEnd type="arrow"/>
+          </a:ln>
+        </p:spPr>
+        <p:style>
+          <a:lnRef idx="1">
+            <a:schemeClr val="accent1"/>
+          </a:lnRef>
+          <a:fillRef idx="0">
+            <a:schemeClr val="accent1"/>
+          </a:fillRef>
+          <a:effectRef idx="0">
+            <a:schemeClr val="accent1"/>
+          </a:effectRef>
+          <a:fontRef idx="minor">
+            <a:schemeClr val="tx1"/>
+          </a:fontRef>
+        </p:style>
+      </p:cxnSp>
+      <p:sp>
+        <p:nvSpPr>
+          <p:cNvPr id="37" name="Flowchart: Decision 36">
+            <a:extLst>
+              <a:ext uri="{FF2B5EF4-FFF2-40B4-BE49-F238E27FC236}">
+                <a16:creationId xmlns:a16="http://schemas.microsoft.com/office/drawing/2014/main" xmlns="" id="{97628374-BCF7-4610-ABE8-32C8E8E72D3D}"/>
+              </a:ext>
+            </a:extLst>
+          </p:cNvPr>
+          <p:cNvSpPr/>
+          <p:nvPr/>
+        </p:nvSpPr>
+        <p:spPr>
+          <a:xfrm>
+            <a:off x="3491880" y="1190450"/>
+            <a:ext cx="3240360" cy="1584176"/>
+          </a:xfrm>
+          <a:prstGeom prst="flowChartDecision">
+            <a:avLst/>
+          </a:prstGeom>
+          <a:noFill/>
+          <a:ln w="19050">
+            <a:solidFill>
+              <a:schemeClr val="tx1"/>
+            </a:solidFill>
+          </a:ln>
+        </p:spPr>
+        <p:style>
+          <a:lnRef idx="2">
+            <a:schemeClr val="accent1">
+              <a:shade val="50000"/>
+            </a:schemeClr>
+          </a:lnRef>
+          <a:fillRef idx="1">
+            <a:schemeClr val="accent1"/>
+          </a:fillRef>
+          <a:effectRef idx="0">
+            <a:schemeClr val="accent1"/>
+          </a:effectRef>
+          <a:fontRef idx="minor">
+            <a:schemeClr val="lt1"/>
+          </a:fontRef>
+        </p:style>
+        <p:txBody>
+          <a:bodyPr rtlCol="0" anchor="ctr"/>
+          <a:lstStyle/>
+          <a:p>
+            <a:pPr algn="ctr"/>
+            <a:r>
+              <a:rPr lang="en-US" sz="1200" dirty="0">
+                <a:solidFill>
+                  <a:schemeClr val="tx1"/>
+                </a:solidFill>
+              </a:rPr>
+              <a:t>_accessParameter-&gt;isChangeAble(this-&gt;_paramIndex</a:t>
+            </a:r>
+            <a:r>
+              <a:rPr lang="en-US" sz="1200" dirty="0" smtClean="0">
+                <a:solidFill>
+                  <a:schemeClr val="tx1"/>
+                </a:solidFill>
+              </a:rPr>
+              <a:t>)</a:t>
+            </a:r>
+            <a:endParaRPr lang="en-ID" sz="1200" dirty="0">
+              <a:solidFill>
+                <a:schemeClr val="tx1"/>
+              </a:solidFill>
+            </a:endParaRPr>
+          </a:p>
+        </p:txBody>
+      </p:sp>
+      <p:cxnSp>
+        <p:nvCxnSpPr>
+          <p:cNvPr id="35" name="Connector: Elbow 34">
+            <a:extLst>
+              <a:ext uri="{FF2B5EF4-FFF2-40B4-BE49-F238E27FC236}">
+                <a16:creationId xmlns:a16="http://schemas.microsoft.com/office/drawing/2014/main" xmlns="" id="{47C8185B-0566-408F-982A-5606EAA43CA2}"/>
+              </a:ext>
+            </a:extLst>
+          </p:cNvPr>
+          <p:cNvCxnSpPr>
+            <a:stCxn id="38" idx="3"/>
+            <a:endCxn id="37" idx="1"/>
+          </p:cNvCxnSpPr>
+          <p:nvPr/>
+        </p:nvCxnSpPr>
+        <p:spPr>
+          <a:xfrm flipV="1">
+            <a:off x="2393385" y="1982538"/>
+            <a:ext cx="1098495" cy="87091"/>
+          </a:xfrm>
+          <a:prstGeom prst="bentConnector3">
+            <a:avLst>
+              <a:gd name="adj1" fmla="val 50000"/>
+            </a:avLst>
+          </a:prstGeom>
+          <a:ln w="19050">
+            <a:solidFill>
+              <a:schemeClr val="tx1"/>
+            </a:solidFill>
+            <a:tailEnd type="triangle"/>
+          </a:ln>
+        </p:spPr>
+        <p:style>
+          <a:lnRef idx="1">
+            <a:schemeClr val="accent1"/>
+          </a:lnRef>
+          <a:fillRef idx="0">
+            <a:schemeClr val="accent1"/>
+          </a:fillRef>
+          <a:effectRef idx="0">
+            <a:schemeClr val="accent1"/>
+          </a:effectRef>
+          <a:fontRef idx="minor">
+            <a:schemeClr val="tx1"/>
+          </a:fontRef>
+        </p:style>
+      </p:cxnSp>
+      <p:cxnSp>
+        <p:nvCxnSpPr>
+          <p:cNvPr id="58" name="Elbow Connector 2">
+            <a:extLst>
+              <a:ext uri="{FF2B5EF4-FFF2-40B4-BE49-F238E27FC236}">
+                <a16:creationId xmlns:a16="http://schemas.microsoft.com/office/drawing/2014/main" xmlns="" id="{2C769881-94FD-4E40-9462-FA297C995B44}"/>
+              </a:ext>
+            </a:extLst>
+          </p:cNvPr>
+          <p:cNvCxnSpPr>
+            <a:stCxn id="37" idx="2"/>
+            <a:endCxn id="31" idx="0"/>
+          </p:cNvCxnSpPr>
+          <p:nvPr/>
+        </p:nvCxnSpPr>
+        <p:spPr>
+          <a:xfrm rot="16200000" flipH="1">
+            <a:off x="4802876" y="3083810"/>
+            <a:ext cx="1086421" cy="468052"/>
+          </a:xfrm>
+          <a:prstGeom prst="bentConnector3">
+            <a:avLst>
+              <a:gd name="adj1" fmla="val 50000"/>
+            </a:avLst>
+          </a:prstGeom>
+          <a:ln w="19050">
+            <a:solidFill>
+              <a:schemeClr val="tx1"/>
+            </a:solidFill>
+            <a:tailEnd type="arrow"/>
+          </a:ln>
+        </p:spPr>
+        <p:style>
+          <a:lnRef idx="1">
+            <a:schemeClr val="accent1"/>
+          </a:lnRef>
+          <a:fillRef idx="0">
+            <a:schemeClr val="accent1"/>
+          </a:fillRef>
+          <a:effectRef idx="0">
+            <a:schemeClr val="accent1"/>
+          </a:effectRef>
+          <a:fontRef idx="minor">
+            <a:schemeClr val="tx1"/>
+          </a:fontRef>
+        </p:style>
+      </p:cxnSp>
+      <p:sp>
+        <p:nvSpPr>
+          <p:cNvPr id="20" name="Rectangle 19">
+            <a:hlinkClick r:id="rId4" action="ppaction://hlinksldjump"/>
+            <a:extLst>
+              <a:ext uri="{FF2B5EF4-FFF2-40B4-BE49-F238E27FC236}">
+                <a16:creationId xmlns:a16="http://schemas.microsoft.com/office/drawing/2014/main" xmlns="" id="{FA50A0EF-3F17-48C6-8A79-5E1568FBF7D5}"/>
+              </a:ext>
+            </a:extLst>
+          </p:cNvPr>
+          <p:cNvSpPr/>
+          <p:nvPr/>
+        </p:nvSpPr>
+        <p:spPr>
+          <a:xfrm>
+            <a:off x="2150055" y="5933922"/>
+            <a:ext cx="1633024" cy="463116"/>
+          </a:xfrm>
+          <a:prstGeom prst="rect">
+            <a:avLst/>
+          </a:prstGeom>
+          <a:noFill/>
+          <a:ln>
+            <a:solidFill>
+              <a:srgbClr val="003300"/>
+            </a:solidFill>
+          </a:ln>
+        </p:spPr>
+        <p:style>
+          <a:lnRef idx="2">
+            <a:schemeClr val="accent1">
+              <a:shade val="50000"/>
+            </a:schemeClr>
+          </a:lnRef>
+          <a:fillRef idx="1">
+            <a:schemeClr val="accent1"/>
+          </a:fillRef>
+          <a:effectRef idx="0">
+            <a:schemeClr val="accent1"/>
+          </a:effectRef>
+          <a:fontRef idx="minor">
+            <a:schemeClr val="lt1"/>
+          </a:fontRef>
+        </p:style>
+        <p:txBody>
+          <a:bodyPr rtlCol="0" anchor="ctr"/>
+          <a:lstStyle/>
+          <a:p>
+            <a:pPr algn="ctr"/>
+            <a:r>
+              <a:rPr lang="en-US" dirty="0">
+                <a:solidFill>
+                  <a:srgbClr val="003300"/>
+                </a:solidFill>
+              </a:rPr>
+              <a:t>return</a:t>
+            </a:r>
+            <a:endParaRPr lang="en-ID" dirty="0">
+              <a:solidFill>
+                <a:srgbClr val="003300"/>
+              </a:solidFill>
+            </a:endParaRPr>
+          </a:p>
+        </p:txBody>
+      </p:sp>
+      <p:sp>
+        <p:nvSpPr>
+          <p:cNvPr id="2" name="Title 1"/>
+          <p:cNvSpPr>
+            <a:spLocks noGrp="1"/>
+          </p:cNvSpPr>
+          <p:nvPr>
+            <p:ph type="ctrTitle"/>
+          </p:nvPr>
+        </p:nvSpPr>
+        <p:spPr>
+          <a:xfrm>
+            <a:off x="827584" y="283204"/>
+            <a:ext cx="7772400" cy="481500"/>
+          </a:xfrm>
+        </p:spPr>
+        <p:txBody>
+          <a:bodyPr/>
+          <a:lstStyle/>
+          <a:p>
+            <a:pPr algn="ctr"/>
+            <a:r>
+              <a:rPr lang="en-ID" sz="1800" kern="1200" dirty="0" smtClean="0">
+                <a:solidFill>
+                  <a:srgbClr val="000000"/>
+                </a:solidFill>
+                <a:effectLst/>
+                <a:latin typeface="Calibri"/>
+                <a:ea typeface="+mj-ea"/>
+                <a:cs typeface="+mj-cs"/>
+              </a:rPr>
+              <a:t>this-&gt;_menuParameter(key)</a:t>
+            </a:r>
+            <a:endParaRPr lang="en-US" dirty="0"/>
+          </a:p>
+        </p:txBody>
+      </p:sp>
+      <p:cxnSp>
+        <p:nvCxnSpPr>
+          <p:cNvPr id="63" name="Straight Arrow Connector 62"/>
+          <p:cNvCxnSpPr>
+            <a:stCxn id="31" idx="2"/>
+          </p:cNvCxnSpPr>
+          <p:nvPr/>
+        </p:nvCxnSpPr>
+        <p:spPr>
+          <a:xfrm>
+            <a:off x="5580112" y="4750902"/>
+            <a:ext cx="26715" cy="1414578"/>
+          </a:xfrm>
+          <a:prstGeom prst="straightConnector1">
+            <a:avLst/>
+          </a:prstGeom>
+          <a:ln w="19050">
+            <a:solidFill>
+              <a:schemeClr val="tx1"/>
+            </a:solidFill>
+            <a:tailEnd type="arrow"/>
+          </a:ln>
+        </p:spPr>
+        <p:style>
+          <a:lnRef idx="1">
+            <a:schemeClr val="accent1"/>
+          </a:lnRef>
+          <a:fillRef idx="0">
+            <a:schemeClr val="accent1"/>
+          </a:fillRef>
+          <a:effectRef idx="0">
+            <a:schemeClr val="accent1"/>
+          </a:effectRef>
+          <a:fontRef idx="minor">
+            <a:schemeClr val="tx1"/>
+          </a:fontRef>
+        </p:style>
+      </p:cxnSp>
+    </p:spTree>
+    <p:extLst>
+      <p:ext uri="{BB962C8B-B14F-4D97-AF65-F5344CB8AC3E}">
+        <p14:creationId xmlns:p14="http://schemas.microsoft.com/office/powerpoint/2010/main" val="784971535"/>
+      </p:ext>
+    </p:extLst>
+  </p:cSld>
+  <p:clrMapOvr>
+    <a:masterClrMapping/>
+  </p:clrMapOvr>
 </p:sld>
 </file>
 
@@ -17722,7 +20574,7 @@
           <p:cNvPr id="96" name="Picture 95" descr="Free Icon | Wifi">
             <a:extLst>
               <a:ext uri="{FF2B5EF4-FFF2-40B4-BE49-F238E27FC236}">
-                <a16:creationId xmlns:a16="http://schemas.microsoft.com/office/drawing/2014/main" id="{331FC1AA-CB08-45A4-9369-2997329D73F4}"/>
+                <a16:creationId xmlns:a16="http://schemas.microsoft.com/office/drawing/2014/main" xmlns="" id="{331FC1AA-CB08-45A4-9369-2997329D73F4}"/>
               </a:ext>
             </a:extLst>
           </p:cNvPr>
@@ -17761,7 +20613,7 @@
           <p:cNvPr id="97" name="Picture 96">
             <a:extLst>
               <a:ext uri="{FF2B5EF4-FFF2-40B4-BE49-F238E27FC236}">
-                <a16:creationId xmlns:a16="http://schemas.microsoft.com/office/drawing/2014/main" id="{D4CA772F-A72C-4314-A82A-E884D10E777D}"/>
+                <a16:creationId xmlns:a16="http://schemas.microsoft.com/office/drawing/2014/main" xmlns="" id="{D4CA772F-A72C-4314-A82A-E884D10E777D}"/>
               </a:ext>
             </a:extLst>
           </p:cNvPr>
@@ -17789,7 +20641,7 @@
           <p:cNvPr id="98" name="Picture 97">
             <a:extLst>
               <a:ext uri="{FF2B5EF4-FFF2-40B4-BE49-F238E27FC236}">
-                <a16:creationId xmlns:a16="http://schemas.microsoft.com/office/drawing/2014/main" id="{9E085E1D-93F9-4E72-B98F-FB8F7028960D}"/>
+                <a16:creationId xmlns:a16="http://schemas.microsoft.com/office/drawing/2014/main" xmlns="" id="{9E085E1D-93F9-4E72-B98F-FB8F7028960D}"/>
               </a:ext>
             </a:extLst>
           </p:cNvPr>
@@ -17817,7 +20669,7 @@
           <p:cNvPr id="101" name="TextBox 100">
             <a:extLst>
               <a:ext uri="{FF2B5EF4-FFF2-40B4-BE49-F238E27FC236}">
-                <a16:creationId xmlns:a16="http://schemas.microsoft.com/office/drawing/2014/main" id="{7FF2AF45-1BBB-4306-ABAF-8689BC85C815}"/>
+                <a16:creationId xmlns:a16="http://schemas.microsoft.com/office/drawing/2014/main" xmlns="" id="{7FF2AF45-1BBB-4306-ABAF-8689BC85C815}"/>
               </a:ext>
             </a:extLst>
           </p:cNvPr>
@@ -17856,7 +20708,7 @@
           <p:cNvPr id="103" name="Straight Connector 102">
             <a:extLst>
               <a:ext uri="{FF2B5EF4-FFF2-40B4-BE49-F238E27FC236}">
-                <a16:creationId xmlns:a16="http://schemas.microsoft.com/office/drawing/2014/main" id="{E865F506-39E6-412E-A252-A31428B8E040}"/>
+                <a16:creationId xmlns:a16="http://schemas.microsoft.com/office/drawing/2014/main" xmlns="" id="{E865F506-39E6-412E-A252-A31428B8E040}"/>
               </a:ext>
             </a:extLst>
           </p:cNvPr>
@@ -17899,7 +20751,7 @@
           <p:cNvPr id="110" name="Straight Arrow Connector 109">
             <a:extLst>
               <a:ext uri="{FF2B5EF4-FFF2-40B4-BE49-F238E27FC236}">
-                <a16:creationId xmlns:a16="http://schemas.microsoft.com/office/drawing/2014/main" id="{E8B958EE-5EE0-4808-BB5D-8AF84300BFB3}"/>
+                <a16:creationId xmlns:a16="http://schemas.microsoft.com/office/drawing/2014/main" xmlns="" id="{E8B958EE-5EE0-4808-BB5D-8AF84300BFB3}"/>
               </a:ext>
             </a:extLst>
           </p:cNvPr>
@@ -17943,7 +20795,7 @@
           <p:cNvPr id="111" name="Straight Arrow Connector 110">
             <a:extLst>
               <a:ext uri="{FF2B5EF4-FFF2-40B4-BE49-F238E27FC236}">
-                <a16:creationId xmlns:a16="http://schemas.microsoft.com/office/drawing/2014/main" id="{701FA5EF-0179-41F2-B22D-FCC175001A48}"/>
+                <a16:creationId xmlns:a16="http://schemas.microsoft.com/office/drawing/2014/main" xmlns="" id="{701FA5EF-0179-41F2-B22D-FCC175001A48}"/>
               </a:ext>
             </a:extLst>
           </p:cNvPr>
@@ -17987,7 +20839,7 @@
           <p:cNvPr id="112" name="Straight Arrow Connector 111">
             <a:extLst>
               <a:ext uri="{FF2B5EF4-FFF2-40B4-BE49-F238E27FC236}">
-                <a16:creationId xmlns:a16="http://schemas.microsoft.com/office/drawing/2014/main" id="{AF569078-F334-430B-8950-9BEB338AB6EA}"/>
+                <a16:creationId xmlns:a16="http://schemas.microsoft.com/office/drawing/2014/main" xmlns="" id="{AF569078-F334-430B-8950-9BEB338AB6EA}"/>
               </a:ext>
             </a:extLst>
           </p:cNvPr>
@@ -18031,7 +20883,7 @@
           <p:cNvPr id="113" name="Straight Arrow Connector 112">
             <a:extLst>
               <a:ext uri="{FF2B5EF4-FFF2-40B4-BE49-F238E27FC236}">
-                <a16:creationId xmlns:a16="http://schemas.microsoft.com/office/drawing/2014/main" id="{9894B322-EF50-40E0-8415-FD1EB8F34947}"/>
+                <a16:creationId xmlns:a16="http://schemas.microsoft.com/office/drawing/2014/main" xmlns="" id="{9894B322-EF50-40E0-8415-FD1EB8F34947}"/>
               </a:ext>
             </a:extLst>
           </p:cNvPr>
@@ -18075,7 +20927,7 @@
           <p:cNvPr id="114" name="TextBox 113">
             <a:extLst>
               <a:ext uri="{FF2B5EF4-FFF2-40B4-BE49-F238E27FC236}">
-                <a16:creationId xmlns:a16="http://schemas.microsoft.com/office/drawing/2014/main" id="{E9064D73-DA84-45E4-878F-355289241361}"/>
+                <a16:creationId xmlns:a16="http://schemas.microsoft.com/office/drawing/2014/main" xmlns="" id="{E9064D73-DA84-45E4-878F-355289241361}"/>
               </a:ext>
             </a:extLst>
           </p:cNvPr>
@@ -18114,7 +20966,7 @@
           <p:cNvPr id="115" name="Arrow: Down 114">
             <a:extLst>
               <a:ext uri="{FF2B5EF4-FFF2-40B4-BE49-F238E27FC236}">
-                <a16:creationId xmlns:a16="http://schemas.microsoft.com/office/drawing/2014/main" id="{8CFCE75F-7AA7-4BF3-B044-4770D3A70008}"/>
+                <a16:creationId xmlns:a16="http://schemas.microsoft.com/office/drawing/2014/main" xmlns="" id="{8CFCE75F-7AA7-4BF3-B044-4770D3A70008}"/>
               </a:ext>
             </a:extLst>
           </p:cNvPr>
@@ -18166,7 +21018,7 @@
           <p:cNvPr id="116" name="Straight Arrow Connector 115">
             <a:extLst>
               <a:ext uri="{FF2B5EF4-FFF2-40B4-BE49-F238E27FC236}">
-                <a16:creationId xmlns:a16="http://schemas.microsoft.com/office/drawing/2014/main" id="{8E0EBC89-8ED8-4F07-B552-FDDF03B2E41D}"/>
+                <a16:creationId xmlns:a16="http://schemas.microsoft.com/office/drawing/2014/main" xmlns="" id="{8E0EBC89-8ED8-4F07-B552-FDDF03B2E41D}"/>
               </a:ext>
             </a:extLst>
           </p:cNvPr>
@@ -18212,7 +21064,7 @@
           <p:cNvPr id="117" name="TextBox 116">
             <a:extLst>
               <a:ext uri="{FF2B5EF4-FFF2-40B4-BE49-F238E27FC236}">
-                <a16:creationId xmlns:a16="http://schemas.microsoft.com/office/drawing/2014/main" id="{DC4F584F-869A-4EC5-BD3F-B43D6F04B109}"/>
+                <a16:creationId xmlns:a16="http://schemas.microsoft.com/office/drawing/2014/main" xmlns="" id="{DC4F584F-869A-4EC5-BD3F-B43D6F04B109}"/>
               </a:ext>
             </a:extLst>
           </p:cNvPr>
@@ -18262,7 +21114,7 @@
           <p:cNvPr id="118" name="Picture 2">
             <a:extLst>
               <a:ext uri="{FF2B5EF4-FFF2-40B4-BE49-F238E27FC236}">
-                <a16:creationId xmlns:a16="http://schemas.microsoft.com/office/drawing/2014/main" id="{7EAFE767-B908-419E-B4E7-05DAB402B5BB}"/>
+                <a16:creationId xmlns:a16="http://schemas.microsoft.com/office/drawing/2014/main" xmlns="" id="{7EAFE767-B908-419E-B4E7-05DAB402B5BB}"/>
               </a:ext>
             </a:extLst>
           </p:cNvPr>
@@ -18332,7 +21184,7 @@
           <p:cNvPr id="13" name="Group 12">
             <a:extLst>
               <a:ext uri="{FF2B5EF4-FFF2-40B4-BE49-F238E27FC236}">
-                <a16:creationId xmlns:a16="http://schemas.microsoft.com/office/drawing/2014/main" id="{DD9AE47D-D12F-4154-BB04-4D3D34BE33AE}"/>
+                <a16:creationId xmlns:a16="http://schemas.microsoft.com/office/drawing/2014/main" xmlns="" id="{DD9AE47D-D12F-4154-BB04-4D3D34BE33AE}"/>
               </a:ext>
             </a:extLst>
           </p:cNvPr>
@@ -18352,7 +21204,7 @@
             <p:cNvPr id="119" name="Picture 118">
               <a:extLst>
                 <a:ext uri="{FF2B5EF4-FFF2-40B4-BE49-F238E27FC236}">
-                  <a16:creationId xmlns:a16="http://schemas.microsoft.com/office/drawing/2014/main" id="{8569128C-0619-4279-963D-AE7C028B50F8}"/>
+                  <a16:creationId xmlns:a16="http://schemas.microsoft.com/office/drawing/2014/main" xmlns="" id="{8569128C-0619-4279-963D-AE7C028B50F8}"/>
                 </a:ext>
               </a:extLst>
             </p:cNvPr>
@@ -18380,7 +21232,7 @@
             <p:cNvPr id="120" name="Picture 119">
               <a:extLst>
                 <a:ext uri="{FF2B5EF4-FFF2-40B4-BE49-F238E27FC236}">
-                  <a16:creationId xmlns:a16="http://schemas.microsoft.com/office/drawing/2014/main" id="{8B747FC8-E2F4-4A4F-A22C-CE38FE1C73EE}"/>
+                  <a16:creationId xmlns:a16="http://schemas.microsoft.com/office/drawing/2014/main" xmlns="" id="{8B747FC8-E2F4-4A4F-A22C-CE38FE1C73EE}"/>
                 </a:ext>
               </a:extLst>
             </p:cNvPr>
@@ -18408,7 +21260,7 @@
             <p:cNvPr id="121" name="Picture 120">
               <a:extLst>
                 <a:ext uri="{FF2B5EF4-FFF2-40B4-BE49-F238E27FC236}">
-                  <a16:creationId xmlns:a16="http://schemas.microsoft.com/office/drawing/2014/main" id="{C5D34CA6-4297-482B-89D7-F88D49D89624}"/>
+                  <a16:creationId xmlns:a16="http://schemas.microsoft.com/office/drawing/2014/main" xmlns="" id="{C5D34CA6-4297-482B-89D7-F88D49D89624}"/>
                 </a:ext>
               </a:extLst>
             </p:cNvPr>
@@ -18437,7 +21289,7 @@
           <p:cNvPr id="122" name="Picture 121">
             <a:extLst>
               <a:ext uri="{FF2B5EF4-FFF2-40B4-BE49-F238E27FC236}">
-                <a16:creationId xmlns:a16="http://schemas.microsoft.com/office/drawing/2014/main" id="{B162C919-E530-41D0-B8DE-285A262718DC}"/>
+                <a16:creationId xmlns:a16="http://schemas.microsoft.com/office/drawing/2014/main" xmlns="" id="{B162C919-E530-41D0-B8DE-285A262718DC}"/>
               </a:ext>
             </a:extLst>
           </p:cNvPr>
@@ -18465,7 +21317,7 @@
           <p:cNvPr id="89" name="TextBox 88">
             <a:extLst>
               <a:ext uri="{FF2B5EF4-FFF2-40B4-BE49-F238E27FC236}">
-                <a16:creationId xmlns:a16="http://schemas.microsoft.com/office/drawing/2014/main" id="{FD499B9D-6F6A-48F3-A26C-7095543087F4}"/>
+                <a16:creationId xmlns:a16="http://schemas.microsoft.com/office/drawing/2014/main" xmlns="" id="{FD499B9D-6F6A-48F3-A26C-7095543087F4}"/>
               </a:ext>
             </a:extLst>
           </p:cNvPr>
@@ -18540,7 +21392,7 @@
           <p:cNvPr id="27" name="TextBox 26">
             <a:extLst>
               <a:ext uri="{FF2B5EF4-FFF2-40B4-BE49-F238E27FC236}">
-                <a16:creationId xmlns:a16="http://schemas.microsoft.com/office/drawing/2014/main" id="{B250D357-4F1F-4D5E-88FD-1C5A02A91117}"/>
+                <a16:creationId xmlns:a16="http://schemas.microsoft.com/office/drawing/2014/main" xmlns="" id="{B250D357-4F1F-4D5E-88FD-1C5A02A91117}"/>
               </a:ext>
             </a:extLst>
           </p:cNvPr>
@@ -18660,7 +21512,7 @@
           <p:cNvPr id="2" name="Title 1">
             <a:extLst>
               <a:ext uri="{FF2B5EF4-FFF2-40B4-BE49-F238E27FC236}">
-                <a16:creationId xmlns:a16="http://schemas.microsoft.com/office/drawing/2014/main" id="{C14560B4-DB4C-466E-A540-618985FE51EB}"/>
+                <a16:creationId xmlns:a16="http://schemas.microsoft.com/office/drawing/2014/main" xmlns="" id="{C14560B4-DB4C-466E-A540-618985FE51EB}"/>
               </a:ext>
             </a:extLst>
           </p:cNvPr>
@@ -18827,7 +21679,7 @@
           <p:cNvPr id="96" name="Picture 95" descr="Free Icon | Wifi">
             <a:extLst>
               <a:ext uri="{FF2B5EF4-FFF2-40B4-BE49-F238E27FC236}">
-                <a16:creationId xmlns:a16="http://schemas.microsoft.com/office/drawing/2014/main" id="{331FC1AA-CB08-45A4-9369-2997329D73F4}"/>
+                <a16:creationId xmlns:a16="http://schemas.microsoft.com/office/drawing/2014/main" xmlns="" id="{331FC1AA-CB08-45A4-9369-2997329D73F4}"/>
               </a:ext>
             </a:extLst>
           </p:cNvPr>
@@ -18866,7 +21718,7 @@
           <p:cNvPr id="97" name="Picture 96">
             <a:extLst>
               <a:ext uri="{FF2B5EF4-FFF2-40B4-BE49-F238E27FC236}">
-                <a16:creationId xmlns:a16="http://schemas.microsoft.com/office/drawing/2014/main" id="{D4CA772F-A72C-4314-A82A-E884D10E777D}"/>
+                <a16:creationId xmlns:a16="http://schemas.microsoft.com/office/drawing/2014/main" xmlns="" id="{D4CA772F-A72C-4314-A82A-E884D10E777D}"/>
               </a:ext>
             </a:extLst>
           </p:cNvPr>
@@ -18894,7 +21746,7 @@
           <p:cNvPr id="98" name="Picture 97">
             <a:extLst>
               <a:ext uri="{FF2B5EF4-FFF2-40B4-BE49-F238E27FC236}">
-                <a16:creationId xmlns:a16="http://schemas.microsoft.com/office/drawing/2014/main" id="{9E085E1D-93F9-4E72-B98F-FB8F7028960D}"/>
+                <a16:creationId xmlns:a16="http://schemas.microsoft.com/office/drawing/2014/main" xmlns="" id="{9E085E1D-93F9-4E72-B98F-FB8F7028960D}"/>
               </a:ext>
             </a:extLst>
           </p:cNvPr>
@@ -18922,7 +21774,7 @@
           <p:cNvPr id="101" name="TextBox 100">
             <a:extLst>
               <a:ext uri="{FF2B5EF4-FFF2-40B4-BE49-F238E27FC236}">
-                <a16:creationId xmlns:a16="http://schemas.microsoft.com/office/drawing/2014/main" id="{7FF2AF45-1BBB-4306-ABAF-8689BC85C815}"/>
+                <a16:creationId xmlns:a16="http://schemas.microsoft.com/office/drawing/2014/main" xmlns="" id="{7FF2AF45-1BBB-4306-ABAF-8689BC85C815}"/>
               </a:ext>
             </a:extLst>
           </p:cNvPr>
@@ -18961,7 +21813,7 @@
           <p:cNvPr id="103" name="Straight Connector 102">
             <a:extLst>
               <a:ext uri="{FF2B5EF4-FFF2-40B4-BE49-F238E27FC236}">
-                <a16:creationId xmlns:a16="http://schemas.microsoft.com/office/drawing/2014/main" id="{E865F506-39E6-412E-A252-A31428B8E040}"/>
+                <a16:creationId xmlns:a16="http://schemas.microsoft.com/office/drawing/2014/main" xmlns="" id="{E865F506-39E6-412E-A252-A31428B8E040}"/>
               </a:ext>
             </a:extLst>
           </p:cNvPr>
@@ -19004,7 +21856,7 @@
           <p:cNvPr id="110" name="Straight Arrow Connector 109">
             <a:extLst>
               <a:ext uri="{FF2B5EF4-FFF2-40B4-BE49-F238E27FC236}">
-                <a16:creationId xmlns:a16="http://schemas.microsoft.com/office/drawing/2014/main" id="{E8B958EE-5EE0-4808-BB5D-8AF84300BFB3}"/>
+                <a16:creationId xmlns:a16="http://schemas.microsoft.com/office/drawing/2014/main" xmlns="" id="{E8B958EE-5EE0-4808-BB5D-8AF84300BFB3}"/>
               </a:ext>
             </a:extLst>
           </p:cNvPr>
@@ -19048,7 +21900,7 @@
           <p:cNvPr id="111" name="Straight Arrow Connector 110">
             <a:extLst>
               <a:ext uri="{FF2B5EF4-FFF2-40B4-BE49-F238E27FC236}">
-                <a16:creationId xmlns:a16="http://schemas.microsoft.com/office/drawing/2014/main" id="{701FA5EF-0179-41F2-B22D-FCC175001A48}"/>
+                <a16:creationId xmlns:a16="http://schemas.microsoft.com/office/drawing/2014/main" xmlns="" id="{701FA5EF-0179-41F2-B22D-FCC175001A48}"/>
               </a:ext>
             </a:extLst>
           </p:cNvPr>
@@ -19092,7 +21944,7 @@
           <p:cNvPr id="112" name="Straight Arrow Connector 111">
             <a:extLst>
               <a:ext uri="{FF2B5EF4-FFF2-40B4-BE49-F238E27FC236}">
-                <a16:creationId xmlns:a16="http://schemas.microsoft.com/office/drawing/2014/main" id="{AF569078-F334-430B-8950-9BEB338AB6EA}"/>
+                <a16:creationId xmlns:a16="http://schemas.microsoft.com/office/drawing/2014/main" xmlns="" id="{AF569078-F334-430B-8950-9BEB338AB6EA}"/>
               </a:ext>
             </a:extLst>
           </p:cNvPr>
@@ -19136,7 +21988,7 @@
           <p:cNvPr id="113" name="Straight Arrow Connector 112">
             <a:extLst>
               <a:ext uri="{FF2B5EF4-FFF2-40B4-BE49-F238E27FC236}">
-                <a16:creationId xmlns:a16="http://schemas.microsoft.com/office/drawing/2014/main" id="{9894B322-EF50-40E0-8415-FD1EB8F34947}"/>
+                <a16:creationId xmlns:a16="http://schemas.microsoft.com/office/drawing/2014/main" xmlns="" id="{9894B322-EF50-40E0-8415-FD1EB8F34947}"/>
               </a:ext>
             </a:extLst>
           </p:cNvPr>
@@ -19180,7 +22032,7 @@
           <p:cNvPr id="114" name="TextBox 113">
             <a:extLst>
               <a:ext uri="{FF2B5EF4-FFF2-40B4-BE49-F238E27FC236}">
-                <a16:creationId xmlns:a16="http://schemas.microsoft.com/office/drawing/2014/main" id="{E9064D73-DA84-45E4-878F-355289241361}"/>
+                <a16:creationId xmlns:a16="http://schemas.microsoft.com/office/drawing/2014/main" xmlns="" id="{E9064D73-DA84-45E4-878F-355289241361}"/>
               </a:ext>
             </a:extLst>
           </p:cNvPr>
@@ -19219,7 +22071,7 @@
           <p:cNvPr id="115" name="Arrow: Down 114">
             <a:extLst>
               <a:ext uri="{FF2B5EF4-FFF2-40B4-BE49-F238E27FC236}">
-                <a16:creationId xmlns:a16="http://schemas.microsoft.com/office/drawing/2014/main" id="{8CFCE75F-7AA7-4BF3-B044-4770D3A70008}"/>
+                <a16:creationId xmlns:a16="http://schemas.microsoft.com/office/drawing/2014/main" xmlns="" id="{8CFCE75F-7AA7-4BF3-B044-4770D3A70008}"/>
               </a:ext>
             </a:extLst>
           </p:cNvPr>
@@ -19271,7 +22123,7 @@
           <p:cNvPr id="116" name="Straight Arrow Connector 115">
             <a:extLst>
               <a:ext uri="{FF2B5EF4-FFF2-40B4-BE49-F238E27FC236}">
-                <a16:creationId xmlns:a16="http://schemas.microsoft.com/office/drawing/2014/main" id="{8E0EBC89-8ED8-4F07-B552-FDDF03B2E41D}"/>
+                <a16:creationId xmlns:a16="http://schemas.microsoft.com/office/drawing/2014/main" xmlns="" id="{8E0EBC89-8ED8-4F07-B552-FDDF03B2E41D}"/>
               </a:ext>
             </a:extLst>
           </p:cNvPr>
@@ -19317,7 +22169,7 @@
           <p:cNvPr id="117" name="TextBox 116">
             <a:extLst>
               <a:ext uri="{FF2B5EF4-FFF2-40B4-BE49-F238E27FC236}">
-                <a16:creationId xmlns:a16="http://schemas.microsoft.com/office/drawing/2014/main" id="{DC4F584F-869A-4EC5-BD3F-B43D6F04B109}"/>
+                <a16:creationId xmlns:a16="http://schemas.microsoft.com/office/drawing/2014/main" xmlns="" id="{DC4F584F-869A-4EC5-BD3F-B43D6F04B109}"/>
               </a:ext>
             </a:extLst>
           </p:cNvPr>
@@ -19367,7 +22219,7 @@
           <p:cNvPr id="118" name="Picture 2">
             <a:extLst>
               <a:ext uri="{FF2B5EF4-FFF2-40B4-BE49-F238E27FC236}">
-                <a16:creationId xmlns:a16="http://schemas.microsoft.com/office/drawing/2014/main" id="{7EAFE767-B908-419E-B4E7-05DAB402B5BB}"/>
+                <a16:creationId xmlns:a16="http://schemas.microsoft.com/office/drawing/2014/main" xmlns="" id="{7EAFE767-B908-419E-B4E7-05DAB402B5BB}"/>
               </a:ext>
             </a:extLst>
           </p:cNvPr>
@@ -19437,7 +22289,7 @@
           <p:cNvPr id="13" name="Group 12">
             <a:extLst>
               <a:ext uri="{FF2B5EF4-FFF2-40B4-BE49-F238E27FC236}">
-                <a16:creationId xmlns:a16="http://schemas.microsoft.com/office/drawing/2014/main" id="{DD9AE47D-D12F-4154-BB04-4D3D34BE33AE}"/>
+                <a16:creationId xmlns:a16="http://schemas.microsoft.com/office/drawing/2014/main" xmlns="" id="{DD9AE47D-D12F-4154-BB04-4D3D34BE33AE}"/>
               </a:ext>
             </a:extLst>
           </p:cNvPr>
@@ -19457,7 +22309,7 @@
             <p:cNvPr id="119" name="Picture 118">
               <a:extLst>
                 <a:ext uri="{FF2B5EF4-FFF2-40B4-BE49-F238E27FC236}">
-                  <a16:creationId xmlns:a16="http://schemas.microsoft.com/office/drawing/2014/main" id="{8569128C-0619-4279-963D-AE7C028B50F8}"/>
+                  <a16:creationId xmlns:a16="http://schemas.microsoft.com/office/drawing/2014/main" xmlns="" id="{8569128C-0619-4279-963D-AE7C028B50F8}"/>
                 </a:ext>
               </a:extLst>
             </p:cNvPr>
@@ -19485,7 +22337,7 @@
             <p:cNvPr id="120" name="Picture 119">
               <a:extLst>
                 <a:ext uri="{FF2B5EF4-FFF2-40B4-BE49-F238E27FC236}">
-                  <a16:creationId xmlns:a16="http://schemas.microsoft.com/office/drawing/2014/main" id="{8B747FC8-E2F4-4A4F-A22C-CE38FE1C73EE}"/>
+                  <a16:creationId xmlns:a16="http://schemas.microsoft.com/office/drawing/2014/main" xmlns="" id="{8B747FC8-E2F4-4A4F-A22C-CE38FE1C73EE}"/>
                 </a:ext>
               </a:extLst>
             </p:cNvPr>
@@ -19513,7 +22365,7 @@
             <p:cNvPr id="121" name="Picture 120">
               <a:extLst>
                 <a:ext uri="{FF2B5EF4-FFF2-40B4-BE49-F238E27FC236}">
-                  <a16:creationId xmlns:a16="http://schemas.microsoft.com/office/drawing/2014/main" id="{C5D34CA6-4297-482B-89D7-F88D49D89624}"/>
+                  <a16:creationId xmlns:a16="http://schemas.microsoft.com/office/drawing/2014/main" xmlns="" id="{C5D34CA6-4297-482B-89D7-F88D49D89624}"/>
                 </a:ext>
               </a:extLst>
             </p:cNvPr>
@@ -19542,7 +22394,7 @@
           <p:cNvPr id="122" name="Picture 121">
             <a:extLst>
               <a:ext uri="{FF2B5EF4-FFF2-40B4-BE49-F238E27FC236}">
-                <a16:creationId xmlns:a16="http://schemas.microsoft.com/office/drawing/2014/main" id="{B162C919-E530-41D0-B8DE-285A262718DC}"/>
+                <a16:creationId xmlns:a16="http://schemas.microsoft.com/office/drawing/2014/main" xmlns="" id="{B162C919-E530-41D0-B8DE-285A262718DC}"/>
               </a:ext>
             </a:extLst>
           </p:cNvPr>
@@ -19570,7 +22422,7 @@
           <p:cNvPr id="171" name="TextBox 170">
             <a:extLst>
               <a:ext uri="{FF2B5EF4-FFF2-40B4-BE49-F238E27FC236}">
-                <a16:creationId xmlns:a16="http://schemas.microsoft.com/office/drawing/2014/main" id="{D3D2C1E7-A24B-4E4F-9338-4E3CC945B96E}"/>
+                <a16:creationId xmlns:a16="http://schemas.microsoft.com/office/drawing/2014/main" xmlns="" id="{D3D2C1E7-A24B-4E4F-9338-4E3CC945B96E}"/>
               </a:ext>
             </a:extLst>
           </p:cNvPr>
@@ -19625,7 +22477,7 @@
           <p:cNvPr id="89" name="TextBox 88">
             <a:extLst>
               <a:ext uri="{FF2B5EF4-FFF2-40B4-BE49-F238E27FC236}">
-                <a16:creationId xmlns:a16="http://schemas.microsoft.com/office/drawing/2014/main" id="{FD499B9D-6F6A-48F3-A26C-7095543087F4}"/>
+                <a16:creationId xmlns:a16="http://schemas.microsoft.com/office/drawing/2014/main" xmlns="" id="{FD499B9D-6F6A-48F3-A26C-7095543087F4}"/>
               </a:ext>
             </a:extLst>
           </p:cNvPr>
@@ -19700,7 +22552,7 @@
           <p:cNvPr id="27" name="TextBox 26">
             <a:extLst>
               <a:ext uri="{FF2B5EF4-FFF2-40B4-BE49-F238E27FC236}">
-                <a16:creationId xmlns:a16="http://schemas.microsoft.com/office/drawing/2014/main" id="{B250D357-4F1F-4D5E-88FD-1C5A02A91117}"/>
+                <a16:creationId xmlns:a16="http://schemas.microsoft.com/office/drawing/2014/main" xmlns="" id="{B250D357-4F1F-4D5E-88FD-1C5A02A91117}"/>
               </a:ext>
             </a:extLst>
           </p:cNvPr>
@@ -19856,7 +22708,7 @@
         </p:nvSpPr>
         <p:spPr>
           <a:xfrm>
-            <a:off x="3646188" y="833878"/>
+            <a:off x="3873629" y="839966"/>
             <a:ext cx="1486497" cy="276999"/>
           </a:xfrm>
           <a:prstGeom prst="rect">
@@ -20034,7 +22886,7 @@
           <p:cNvPr id="24" name="Flowchart: Decision 23">
             <a:extLst>
               <a:ext uri="{FF2B5EF4-FFF2-40B4-BE49-F238E27FC236}">
-                <a16:creationId xmlns:a16="http://schemas.microsoft.com/office/drawing/2014/main" id="{438861FE-32EA-4ADA-89B2-7C2BD38A1870}"/>
+                <a16:creationId xmlns:a16="http://schemas.microsoft.com/office/drawing/2014/main" xmlns="" id="{438861FE-32EA-4ADA-89B2-7C2BD38A1870}"/>
               </a:ext>
             </a:extLst>
           </p:cNvPr>
@@ -20095,7 +22947,7 @@
           <p:cNvPr id="25" name="Flowchart: Decision 24">
             <a:extLst>
               <a:ext uri="{FF2B5EF4-FFF2-40B4-BE49-F238E27FC236}">
-                <a16:creationId xmlns:a16="http://schemas.microsoft.com/office/drawing/2014/main" id="{C25A8701-D911-4120-9094-C8B654B9B8D7}"/>
+                <a16:creationId xmlns:a16="http://schemas.microsoft.com/office/drawing/2014/main" xmlns="" id="{C25A8701-D911-4120-9094-C8B654B9B8D7}"/>
               </a:ext>
             </a:extLst>
           </p:cNvPr>
@@ -20161,7 +23013,7 @@
           <p:cNvPr id="19" name="Connector: Elbow 18">
             <a:extLst>
               <a:ext uri="{FF2B5EF4-FFF2-40B4-BE49-F238E27FC236}">
-                <a16:creationId xmlns:a16="http://schemas.microsoft.com/office/drawing/2014/main" id="{3A13BD7C-D8E9-405D-8EF8-5143BE7D072B}"/>
+                <a16:creationId xmlns:a16="http://schemas.microsoft.com/office/drawing/2014/main" xmlns="" id="{3A13BD7C-D8E9-405D-8EF8-5143BE7D072B}"/>
               </a:ext>
             </a:extLst>
           </p:cNvPr>
@@ -20203,7 +23055,7 @@
           <p:cNvPr id="21" name="Connector: Elbow 20">
             <a:extLst>
               <a:ext uri="{FF2B5EF4-FFF2-40B4-BE49-F238E27FC236}">
-                <a16:creationId xmlns:a16="http://schemas.microsoft.com/office/drawing/2014/main" id="{32B9837D-1ED6-49ED-AB93-2949C77F4F51}"/>
+                <a16:creationId xmlns:a16="http://schemas.microsoft.com/office/drawing/2014/main" xmlns="" id="{32B9837D-1ED6-49ED-AB93-2949C77F4F51}"/>
               </a:ext>
             </a:extLst>
           </p:cNvPr>
@@ -20248,7 +23100,7 @@
           <p:cNvPr id="40" name="Flowchart: Predefined Process 39">
             <a:extLst>
               <a:ext uri="{FF2B5EF4-FFF2-40B4-BE49-F238E27FC236}">
-                <a16:creationId xmlns:a16="http://schemas.microsoft.com/office/drawing/2014/main" id="{7CF1C237-E4A8-4ED5-A58F-ECD1C5196D24}"/>
+                <a16:creationId xmlns:a16="http://schemas.microsoft.com/office/drawing/2014/main" xmlns="" id="{7CF1C237-E4A8-4ED5-A58F-ECD1C5196D24}"/>
               </a:ext>
             </a:extLst>
           </p:cNvPr>
@@ -20309,7 +23161,7 @@
           <p:cNvPr id="34" name="Connector: Elbow 33">
             <a:extLst>
               <a:ext uri="{FF2B5EF4-FFF2-40B4-BE49-F238E27FC236}">
-                <a16:creationId xmlns:a16="http://schemas.microsoft.com/office/drawing/2014/main" id="{9FAF7F38-3CB0-47A7-A16D-C91231A9011C}"/>
+                <a16:creationId xmlns:a16="http://schemas.microsoft.com/office/drawing/2014/main" xmlns="" id="{9FAF7F38-3CB0-47A7-A16D-C91231A9011C}"/>
               </a:ext>
             </a:extLst>
           </p:cNvPr>
@@ -20355,7 +23207,7 @@
           <p:cNvPr id="42" name="Flowchart: Predefined Process 41">
             <a:extLst>
               <a:ext uri="{FF2B5EF4-FFF2-40B4-BE49-F238E27FC236}">
-                <a16:creationId xmlns:a16="http://schemas.microsoft.com/office/drawing/2014/main" id="{5E416383-85DB-4670-A37C-18739958CDB1}"/>
+                <a16:creationId xmlns:a16="http://schemas.microsoft.com/office/drawing/2014/main" xmlns="" id="{5E416383-85DB-4670-A37C-18739958CDB1}"/>
               </a:ext>
             </a:extLst>
           </p:cNvPr>
@@ -20442,7 +23294,7 @@
           <p:cNvPr id="43" name="Connector: Elbow 42">
             <a:extLst>
               <a:ext uri="{FF2B5EF4-FFF2-40B4-BE49-F238E27FC236}">
-                <a16:creationId xmlns:a16="http://schemas.microsoft.com/office/drawing/2014/main" id="{EE9CA3D1-5E5C-4AB6-806D-F584C1A64D1E}"/>
+                <a16:creationId xmlns:a16="http://schemas.microsoft.com/office/drawing/2014/main" xmlns="" id="{EE9CA3D1-5E5C-4AB6-806D-F584C1A64D1E}"/>
               </a:ext>
             </a:extLst>
           </p:cNvPr>
@@ -20729,7 +23581,7 @@
           <p:cNvPr id="3" name="Title 2">
             <a:extLst>
               <a:ext uri="{FF2B5EF4-FFF2-40B4-BE49-F238E27FC236}">
-                <a16:creationId xmlns:a16="http://schemas.microsoft.com/office/drawing/2014/main" id="{855B8A16-745B-4DBA-81C2-3FD5A295F766}"/>
+                <a16:creationId xmlns:a16="http://schemas.microsoft.com/office/drawing/2014/main" xmlns="" id="{855B8A16-745B-4DBA-81C2-3FD5A295F766}"/>
               </a:ext>
             </a:extLst>
           </p:cNvPr>
@@ -20752,7 +23604,7 @@
           <a:p>
             <a:pPr algn="ctr" rtl="0" eaLnBrk="1" latinLnBrk="0" hangingPunct="1"/>
             <a:r>
-              <a:rPr lang="en-ID" sz="1800" b="1" kern="1200" dirty="0">
+              <a:rPr lang="en-ID" sz="1800" b="1" kern="1200" dirty="0" smtClean="0">
                 <a:solidFill>
                   <a:srgbClr val="000000"/>
                 </a:solidFill>
@@ -20761,7 +23613,7 @@
                 <a:ea typeface="+mn-ea"/>
                 <a:cs typeface="+mn-cs"/>
               </a:rPr>
-              <a:t>Flowchart LocalPanel</a:t>
+              <a:t>LocalPanel</a:t>
             </a:r>
             <a:endParaRPr lang="en-ID" dirty="0">
               <a:effectLst/>
@@ -20774,7 +23626,7 @@
           <p:cNvPr id="36" name="Flowchart: Terminator 35">
             <a:extLst>
               <a:ext uri="{FF2B5EF4-FFF2-40B4-BE49-F238E27FC236}">
-                <a16:creationId xmlns:a16="http://schemas.microsoft.com/office/drawing/2014/main" id="{D564CDA4-1C30-4DBC-84C6-15CD643AFDAD}"/>
+                <a16:creationId xmlns:a16="http://schemas.microsoft.com/office/drawing/2014/main" xmlns="" id="{D564CDA4-1C30-4DBC-84C6-15CD643AFDAD}"/>
               </a:ext>
             </a:extLst>
           </p:cNvPr>
@@ -20846,7 +23698,7 @@
           <p:cNvPr id="32" name="Straight Arrow Connector 31">
             <a:extLst>
               <a:ext uri="{FF2B5EF4-FFF2-40B4-BE49-F238E27FC236}">
-                <a16:creationId xmlns:a16="http://schemas.microsoft.com/office/drawing/2014/main" id="{CAF7FBD3-A974-49E0-A89D-B4D2839939EE}"/>
+                <a16:creationId xmlns:a16="http://schemas.microsoft.com/office/drawing/2014/main" xmlns="" id="{CAF7FBD3-A974-49E0-A89D-B4D2839939EE}"/>
               </a:ext>
             </a:extLst>
           </p:cNvPr>
@@ -20914,47 +23766,10 @@
       </p:grpSpPr>
       <p:sp>
         <p:nvSpPr>
-          <p:cNvPr id="16" name="TextBox 15"/>
-          <p:cNvSpPr txBox="1"/>
-          <p:nvPr/>
-        </p:nvSpPr>
-        <p:spPr>
-          <a:xfrm>
-            <a:off x="2943243" y="282601"/>
-            <a:ext cx="2200859" cy="553998"/>
-          </a:xfrm>
-          <a:prstGeom prst="rect">
-            <a:avLst/>
-          </a:prstGeom>
-          <a:noFill/>
-        </p:spPr>
-        <p:txBody>
-          <a:bodyPr wrap="none" rtlCol="0">
-            <a:spAutoFit/>
-          </a:bodyPr>
-          <a:lstStyle/>
-          <a:p>
-            <a:r>
-              <a:rPr lang="en-ID" b="1" dirty="0"/>
-              <a:t>Flowchart LocalPanel</a:t>
-            </a:r>
-          </a:p>
-          <a:p>
-            <a:pPr algn="ctr"/>
-            <a:r>
-              <a:rPr lang="en-ID" sz="1200" dirty="0"/>
-              <a:t>File : aLocalPanel.ino</a:t>
-            </a:r>
-            <a:endParaRPr lang="en-US" sz="1200" dirty="0"/>
-          </a:p>
-        </p:txBody>
-      </p:sp>
-      <p:sp>
-        <p:nvSpPr>
           <p:cNvPr id="26" name="Flowchart: Decision 25">
             <a:extLst>
               <a:ext uri="{FF2B5EF4-FFF2-40B4-BE49-F238E27FC236}">
-                <a16:creationId xmlns:a16="http://schemas.microsoft.com/office/drawing/2014/main" id="{82CB2EB6-A5E6-4219-99DA-321DD71861C9}"/>
+                <a16:creationId xmlns:a16="http://schemas.microsoft.com/office/drawing/2014/main" xmlns="" id="{82CB2EB6-A5E6-4219-99DA-321DD71861C9}"/>
               </a:ext>
             </a:extLst>
           </p:cNvPr>
@@ -21015,7 +23830,7 @@
           <p:cNvPr id="27" name="Flowchart: Decision 26">
             <a:extLst>
               <a:ext uri="{FF2B5EF4-FFF2-40B4-BE49-F238E27FC236}">
-                <a16:creationId xmlns:a16="http://schemas.microsoft.com/office/drawing/2014/main" id="{AB7989BC-CB48-4899-95E0-499E74545C71}"/>
+                <a16:creationId xmlns:a16="http://schemas.microsoft.com/office/drawing/2014/main" xmlns="" id="{AB7989BC-CB48-4899-95E0-499E74545C71}"/>
               </a:ext>
             </a:extLst>
           </p:cNvPr>
@@ -21076,7 +23891,7 @@
           <p:cNvPr id="32" name="Connector: Elbow 31">
             <a:extLst>
               <a:ext uri="{FF2B5EF4-FFF2-40B4-BE49-F238E27FC236}">
-                <a16:creationId xmlns:a16="http://schemas.microsoft.com/office/drawing/2014/main" id="{93E53294-C028-48A3-BED2-65DA86F0BA71}"/>
+                <a16:creationId xmlns:a16="http://schemas.microsoft.com/office/drawing/2014/main" xmlns="" id="{93E53294-C028-48A3-BED2-65DA86F0BA71}"/>
               </a:ext>
             </a:extLst>
           </p:cNvPr>
@@ -21120,7 +23935,7 @@
           <p:cNvPr id="47" name="Flowchart: Predefined Process 46">
             <a:extLst>
               <a:ext uri="{FF2B5EF4-FFF2-40B4-BE49-F238E27FC236}">
-                <a16:creationId xmlns:a16="http://schemas.microsoft.com/office/drawing/2014/main" id="{88E91C1B-9915-49F4-B54F-272D16191B75}"/>
+                <a16:creationId xmlns:a16="http://schemas.microsoft.com/office/drawing/2014/main" xmlns="" id="{88E91C1B-9915-49F4-B54F-272D16191B75}"/>
               </a:ext>
             </a:extLst>
           </p:cNvPr>
@@ -21181,7 +23996,7 @@
           <p:cNvPr id="48" name="Connector: Elbow 47">
             <a:extLst>
               <a:ext uri="{FF2B5EF4-FFF2-40B4-BE49-F238E27FC236}">
-                <a16:creationId xmlns:a16="http://schemas.microsoft.com/office/drawing/2014/main" id="{F70C21E4-AA56-416E-B606-92C921D20269}"/>
+                <a16:creationId xmlns:a16="http://schemas.microsoft.com/office/drawing/2014/main" xmlns="" id="{F70C21E4-AA56-416E-B606-92C921D20269}"/>
               </a:ext>
             </a:extLst>
           </p:cNvPr>
@@ -21229,7 +24044,7 @@
           <p:cNvPr id="51" name="Flowchart: Predefined Process 50">
             <a:extLst>
               <a:ext uri="{FF2B5EF4-FFF2-40B4-BE49-F238E27FC236}">
-                <a16:creationId xmlns:a16="http://schemas.microsoft.com/office/drawing/2014/main" id="{92FBE751-632B-4561-858E-55903FB43DD7}"/>
+                <a16:creationId xmlns:a16="http://schemas.microsoft.com/office/drawing/2014/main" xmlns="" id="{92FBE751-632B-4561-858E-55903FB43DD7}"/>
               </a:ext>
             </a:extLst>
           </p:cNvPr>
@@ -21316,7 +24131,7 @@
           <p:cNvPr id="53" name="Connector: Elbow 52">
             <a:extLst>
               <a:ext uri="{FF2B5EF4-FFF2-40B4-BE49-F238E27FC236}">
-                <a16:creationId xmlns:a16="http://schemas.microsoft.com/office/drawing/2014/main" id="{0DCB30C1-1B7D-4286-95B3-80965F45DD72}"/>
+                <a16:creationId xmlns:a16="http://schemas.microsoft.com/office/drawing/2014/main" xmlns="" id="{0DCB30C1-1B7D-4286-95B3-80965F45DD72}"/>
               </a:ext>
             </a:extLst>
           </p:cNvPr>
@@ -21553,6 +24368,74 @@
           </a:fontRef>
         </p:style>
       </p:cxnSp>
+      <p:sp>
+        <p:nvSpPr>
+          <p:cNvPr id="2" name="Title 1"/>
+          <p:cNvSpPr>
+            <a:spLocks noGrp="1"/>
+          </p:cNvSpPr>
+          <p:nvPr>
+            <p:ph type="ctrTitle"/>
+          </p:nvPr>
+        </p:nvSpPr>
+        <p:spPr>
+          <a:xfrm>
+            <a:off x="683568" y="332656"/>
+            <a:ext cx="7772400" cy="506487"/>
+          </a:xfrm>
+        </p:spPr>
+        <p:txBody>
+          <a:bodyPr/>
+          <a:lstStyle/>
+          <a:p>
+            <a:pPr algn="ctr"/>
+            <a:r>
+              <a:rPr lang="en-ID" sz="1800" b="1" kern="1200" dirty="0" smtClean="0">
+                <a:solidFill>
+                  <a:srgbClr val="000000"/>
+                </a:solidFill>
+                <a:effectLst/>
+                <a:latin typeface="Calibri"/>
+                <a:ea typeface="+mj-ea"/>
+                <a:cs typeface="+mj-cs"/>
+              </a:rPr>
+              <a:t>LocalPanel</a:t>
+            </a:r>
+            <a:endParaRPr lang="en-US" dirty="0"/>
+          </a:p>
+        </p:txBody>
+      </p:sp>
+      <p:sp>
+        <p:nvSpPr>
+          <p:cNvPr id="15" name="TextBox 14"/>
+          <p:cNvSpPr txBox="1"/>
+          <p:nvPr/>
+        </p:nvSpPr>
+        <p:spPr>
+          <a:xfrm>
+            <a:off x="3873629" y="692696"/>
+            <a:ext cx="1486497" cy="276999"/>
+          </a:xfrm>
+          <a:prstGeom prst="rect">
+            <a:avLst/>
+          </a:prstGeom>
+          <a:noFill/>
+        </p:spPr>
+        <p:txBody>
+          <a:bodyPr wrap="none" rtlCol="0">
+            <a:spAutoFit/>
+          </a:bodyPr>
+          <a:lstStyle/>
+          <a:p>
+            <a:pPr algn="ctr"/>
+            <a:r>
+              <a:rPr lang="en-ID" sz="1200" dirty="0"/>
+              <a:t>File : aLocalPanel.ino</a:t>
+            </a:r>
+            <a:endParaRPr lang="en-US" sz="1200" dirty="0"/>
+          </a:p>
+        </p:txBody>
+      </p:sp>
     </p:spTree>
     <p:extLst>
       <p:ext uri="{BB962C8B-B14F-4D97-AF65-F5344CB8AC3E}">
@@ -21974,7 +24857,7 @@
           <p:cNvPr id="39" name="Connector: Elbow 38">
             <a:extLst>
               <a:ext uri="{FF2B5EF4-FFF2-40B4-BE49-F238E27FC236}">
-                <a16:creationId xmlns:a16="http://schemas.microsoft.com/office/drawing/2014/main" id="{AB0C52CB-BFBC-45E9-A4BD-DBEBBA48C947}"/>
+                <a16:creationId xmlns:a16="http://schemas.microsoft.com/office/drawing/2014/main" xmlns="" id="{AB0C52CB-BFBC-45E9-A4BD-DBEBBA48C947}"/>
               </a:ext>
             </a:extLst>
           </p:cNvPr>
@@ -22020,7 +24903,7 @@
           <p:cNvPr id="46" name="Flowchart: Predefined Process 45">
             <a:extLst>
               <a:ext uri="{FF2B5EF4-FFF2-40B4-BE49-F238E27FC236}">
-                <a16:creationId xmlns:a16="http://schemas.microsoft.com/office/drawing/2014/main" id="{60B6889A-AFEC-4BFE-BA6C-A66524781ADE}"/>
+                <a16:creationId xmlns:a16="http://schemas.microsoft.com/office/drawing/2014/main" xmlns="" id="{60B6889A-AFEC-4BFE-BA6C-A66524781ADE}"/>
               </a:ext>
             </a:extLst>
           </p:cNvPr>
@@ -22130,7 +25013,7 @@
           <p:cNvPr id="50" name="Flowchart: Connector 49">
             <a:extLst>
               <a:ext uri="{FF2B5EF4-FFF2-40B4-BE49-F238E27FC236}">
-                <a16:creationId xmlns:a16="http://schemas.microsoft.com/office/drawing/2014/main" id="{85A5DEDA-7D14-4FE6-AE24-3848449208B7}"/>
+                <a16:creationId xmlns:a16="http://schemas.microsoft.com/office/drawing/2014/main" xmlns="" id="{85A5DEDA-7D14-4FE6-AE24-3848449208B7}"/>
               </a:ext>
             </a:extLst>
           </p:cNvPr>
@@ -22182,7 +25065,7 @@
           <p:cNvPr id="52" name="Connector: Elbow 51">
             <a:extLst>
               <a:ext uri="{FF2B5EF4-FFF2-40B4-BE49-F238E27FC236}">
-                <a16:creationId xmlns:a16="http://schemas.microsoft.com/office/drawing/2014/main" id="{34D277E0-BF56-42D2-A7D2-54099E8C4A70}"/>
+                <a16:creationId xmlns:a16="http://schemas.microsoft.com/office/drawing/2014/main" xmlns="" id="{34D277E0-BF56-42D2-A7D2-54099E8C4A70}"/>
               </a:ext>
             </a:extLst>
           </p:cNvPr>
@@ -22228,7 +25111,7 @@
           <p:cNvPr id="54" name="Connector: Elbow 53">
             <a:extLst>
               <a:ext uri="{FF2B5EF4-FFF2-40B4-BE49-F238E27FC236}">
-                <a16:creationId xmlns:a16="http://schemas.microsoft.com/office/drawing/2014/main" id="{25DB5EC8-72C6-486F-B231-530ED590DF59}"/>
+                <a16:creationId xmlns:a16="http://schemas.microsoft.com/office/drawing/2014/main" xmlns="" id="{25DB5EC8-72C6-486F-B231-530ED590DF59}"/>
               </a:ext>
             </a:extLst>
           </p:cNvPr>
@@ -22271,7 +25154,7 @@
           <p:cNvPr id="59" name="Straight Arrow Connector 58">
             <a:extLst>
               <a:ext uri="{FF2B5EF4-FFF2-40B4-BE49-F238E27FC236}">
-                <a16:creationId xmlns:a16="http://schemas.microsoft.com/office/drawing/2014/main" id="{446244A4-2DB1-4FBF-8535-D27CB03FB67A}"/>
+                <a16:creationId xmlns:a16="http://schemas.microsoft.com/office/drawing/2014/main" xmlns="" id="{446244A4-2DB1-4FBF-8535-D27CB03FB67A}"/>
               </a:ext>
             </a:extLst>
           </p:cNvPr>
@@ -22353,7 +25236,7 @@
           <p:cNvPr id="3" name="Title 2">
             <a:extLst>
               <a:ext uri="{FF2B5EF4-FFF2-40B4-BE49-F238E27FC236}">
-                <a16:creationId xmlns:a16="http://schemas.microsoft.com/office/drawing/2014/main" id="{95C9D21F-243A-4C0F-A843-000DBB750B37}"/>
+                <a16:creationId xmlns:a16="http://schemas.microsoft.com/office/drawing/2014/main" xmlns="" id="{95C9D21F-243A-4C0F-A843-000DBB750B37}"/>
               </a:ext>
             </a:extLst>
           </p:cNvPr>
@@ -22376,7 +25259,7 @@
           <a:p>
             <a:pPr algn="ctr" rtl="0" eaLnBrk="1" latinLnBrk="0" hangingPunct="1"/>
             <a:r>
-              <a:rPr lang="en-ID" sz="1800" b="1" kern="1200" dirty="0">
+              <a:rPr lang="en-ID" sz="1800" b="1" kern="1200" dirty="0" smtClean="0">
                 <a:solidFill>
                   <a:srgbClr val="000000"/>
                 </a:solidFill>
@@ -22385,7 +25268,19 @@
                 <a:ea typeface="+mn-ea"/>
                 <a:cs typeface="+mn-cs"/>
               </a:rPr>
-              <a:t>Flowchart _fpSys-&gt;execute()</a:t>
+              <a:t>_</a:t>
+            </a:r>
+            <a:r>
+              <a:rPr lang="en-ID" sz="1800" b="1" kern="1200" dirty="0">
+                <a:solidFill>
+                  <a:srgbClr val="000000"/>
+                </a:solidFill>
+                <a:effectLst/>
+                <a:latin typeface="Calibri" panose="020F0502020204030204" pitchFamily="34" charset="0"/>
+                <a:ea typeface="+mn-ea"/>
+                <a:cs typeface="+mn-cs"/>
+              </a:rPr>
+              <a:t>fpSys-&gt;execute()</a:t>
             </a:r>
             <a:endParaRPr lang="en-ID" dirty="0"/>
           </a:p>
@@ -22397,7 +25292,7 @@
             <a:hlinkClick r:id="rId5" action="ppaction://hlinksldjump"/>
             <a:extLst>
               <a:ext uri="{FF2B5EF4-FFF2-40B4-BE49-F238E27FC236}">
-                <a16:creationId xmlns:a16="http://schemas.microsoft.com/office/drawing/2014/main" id="{63C9BD45-AC12-4523-B56C-C12AF41718D1}"/>
+                <a16:creationId xmlns:a16="http://schemas.microsoft.com/office/drawing/2014/main" xmlns="" id="{63C9BD45-AC12-4523-B56C-C12AF41718D1}"/>
               </a:ext>
             </a:extLst>
           </p:cNvPr>
@@ -22955,7 +25850,7 @@
           <p:cNvPr id="3" name="Title 2">
             <a:extLst>
               <a:ext uri="{FF2B5EF4-FFF2-40B4-BE49-F238E27FC236}">
-                <a16:creationId xmlns:a16="http://schemas.microsoft.com/office/drawing/2014/main" id="{655C0F81-D486-4295-AD6D-2384EE0F4B88}"/>
+                <a16:creationId xmlns:a16="http://schemas.microsoft.com/office/drawing/2014/main" xmlns="" id="{655C0F81-D486-4295-AD6D-2384EE0F4B88}"/>
               </a:ext>
             </a:extLst>
           </p:cNvPr>
@@ -22978,7 +25873,7 @@
           <a:p>
             <a:pPr algn="ctr" rtl="0" eaLnBrk="1" latinLnBrk="0" hangingPunct="1"/>
             <a:r>
-              <a:rPr lang="en-ID" sz="1800" b="1" kern="1200" dirty="0">
+              <a:rPr lang="en-ID" sz="1800" b="1" kern="1200" dirty="0" smtClean="0">
                 <a:solidFill>
                   <a:srgbClr val="000000"/>
                 </a:solidFill>
@@ -22987,7 +25882,19 @@
                 <a:ea typeface="+mn-ea"/>
                 <a:cs typeface="+mn-cs"/>
               </a:rPr>
-              <a:t>Flowchart _fireSensor-&gt;getStatus()</a:t>
+              <a:t>_</a:t>
+            </a:r>
+            <a:r>
+              <a:rPr lang="en-ID" sz="1800" b="1" kern="1200" dirty="0">
+                <a:solidFill>
+                  <a:srgbClr val="000000"/>
+                </a:solidFill>
+                <a:effectLst/>
+                <a:latin typeface="Calibri" panose="020F0502020204030204" pitchFamily="34" charset="0"/>
+                <a:ea typeface="+mn-ea"/>
+                <a:cs typeface="+mn-cs"/>
+              </a:rPr>
+              <a:t>fireSensor-&gt;getStatus()</a:t>
             </a:r>
             <a:endParaRPr lang="en-ID" dirty="0"/>
           </a:p>
@@ -22998,7 +25905,7 @@
           <p:cNvPr id="17" name="Parallelogram 16">
             <a:extLst>
               <a:ext uri="{FF2B5EF4-FFF2-40B4-BE49-F238E27FC236}">
-                <a16:creationId xmlns:a16="http://schemas.microsoft.com/office/drawing/2014/main" id="{88BE3CD0-3DB3-4FE3-823F-3A26B377F26B}"/>
+                <a16:creationId xmlns:a16="http://schemas.microsoft.com/office/drawing/2014/main" xmlns="" id="{88BE3CD0-3DB3-4FE3-823F-3A26B377F26B}"/>
               </a:ext>
             </a:extLst>
           </p:cNvPr>
@@ -24574,7 +27481,7 @@
           <p:cNvPr id="2" name="Title 1">
             <a:extLst>
               <a:ext uri="{FF2B5EF4-FFF2-40B4-BE49-F238E27FC236}">
-                <a16:creationId xmlns:a16="http://schemas.microsoft.com/office/drawing/2014/main" id="{249105D3-1723-403A-9054-695516ECFA79}"/>
+                <a16:creationId xmlns:a16="http://schemas.microsoft.com/office/drawing/2014/main" xmlns="" id="{249105D3-1723-403A-9054-695516ECFA79}"/>
               </a:ext>
             </a:extLst>
           </p:cNvPr>
@@ -24597,7 +27504,7 @@
           <a:p>
             <a:pPr algn="ctr" rtl="0" eaLnBrk="1" latinLnBrk="0" hangingPunct="1"/>
             <a:r>
-              <a:rPr lang="en-ID" sz="1800" b="1" kern="1200" dirty="0">
+              <a:rPr lang="en-US" sz="1800" kern="1200" dirty="0" smtClean="0">
                 <a:solidFill>
                   <a:srgbClr val="000000"/>
                 </a:solidFill>
@@ -24606,7 +27513,7 @@
                 <a:ea typeface="+mn-ea"/>
                 <a:cs typeface="+mn-cs"/>
               </a:rPr>
-              <a:t>Flowchart </a:t>
+              <a:t>_</a:t>
             </a:r>
             <a:r>
               <a:rPr lang="en-US" sz="1800" kern="1200" dirty="0">
@@ -24618,7 +27525,7 @@
                 <a:ea typeface="+mn-ea"/>
                 <a:cs typeface="+mn-cs"/>
               </a:rPr>
-              <a:t>_pbAMRT-&gt;getCmd(DEBOUNCING_TIME)</a:t>
+              <a:t>pbAMRT-&gt;getCmd(DEBOUNCING_TIME)</a:t>
             </a:r>
             <a:endParaRPr lang="en-ID" dirty="0"/>
           </a:p>
@@ -24629,7 +27536,7 @@
           <p:cNvPr id="39" name="Flowchart: Manual Input 38">
             <a:extLst>
               <a:ext uri="{FF2B5EF4-FFF2-40B4-BE49-F238E27FC236}">
-                <a16:creationId xmlns:a16="http://schemas.microsoft.com/office/drawing/2014/main" id="{04569C9F-5FC2-46F5-9630-28276C1580D1}"/>
+                <a16:creationId xmlns:a16="http://schemas.microsoft.com/office/drawing/2014/main" xmlns="" id="{04569C9F-5FC2-46F5-9630-28276C1580D1}"/>
               </a:ext>
             </a:extLst>
           </p:cNvPr>

--- a/resources/WFPS.pptx
+++ b/resources/WFPS.pptx
@@ -10042,6 +10042,7 @@
       <p:sp>
         <p:nvSpPr>
           <p:cNvPr id="56" name="Flowchart: Off-page Connector 55">
+            <a:hlinkClick r:id="rId2" action="ppaction://hlinksldjump"/>
             <a:extLst>
               <a:ext uri="{FF2B5EF4-FFF2-40B4-BE49-F238E27FC236}">
                 <a16:creationId xmlns:a16="http://schemas.microsoft.com/office/drawing/2014/main" id="{B49344D6-D38F-4BE4-A807-32C5B7E4D64C}"/>
@@ -10140,6 +10141,365 @@
           </a:fillRef>
           <a:effectRef idx="0">
             <a:schemeClr val="dk1"/>
+          </a:effectRef>
+          <a:fontRef idx="minor">
+            <a:schemeClr val="tx1"/>
+          </a:fontRef>
+        </p:style>
+      </p:cxnSp>
+      <p:sp>
+        <p:nvSpPr>
+          <p:cNvPr id="24" name="TextBox 23">
+            <a:extLst>
+              <a:ext uri="{FF2B5EF4-FFF2-40B4-BE49-F238E27FC236}">
+                <a16:creationId xmlns:a16="http://schemas.microsoft.com/office/drawing/2014/main" id="{EDABE45A-C1C2-4D51-A040-41F03CC00A06}"/>
+              </a:ext>
+            </a:extLst>
+          </p:cNvPr>
+          <p:cNvSpPr txBox="1"/>
+          <p:nvPr/>
+        </p:nvSpPr>
+        <p:spPr>
+          <a:xfrm>
+            <a:off x="4211960" y="3152001"/>
+            <a:ext cx="260008" cy="276999"/>
+          </a:xfrm>
+          <a:prstGeom prst="rect">
+            <a:avLst/>
+          </a:prstGeom>
+          <a:noFill/>
+          <a:ln w="19050">
+            <a:noFill/>
+          </a:ln>
+        </p:spPr>
+        <p:txBody>
+          <a:bodyPr wrap="none" rtlCol="0">
+            <a:spAutoFit/>
+          </a:bodyPr>
+          <a:lstStyle/>
+          <a:p>
+            <a:r>
+              <a:rPr lang="en-ID" sz="1200" dirty="0"/>
+              <a:t>Y</a:t>
+            </a:r>
+            <a:endParaRPr lang="en-US" sz="1200" dirty="0"/>
+          </a:p>
+        </p:txBody>
+      </p:sp>
+      <p:sp>
+        <p:nvSpPr>
+          <p:cNvPr id="25" name="TextBox 24">
+            <a:extLst>
+              <a:ext uri="{FF2B5EF4-FFF2-40B4-BE49-F238E27FC236}">
+                <a16:creationId xmlns:a16="http://schemas.microsoft.com/office/drawing/2014/main" id="{C23A79EF-71E8-4B23-8CC1-DAED34079734}"/>
+              </a:ext>
+            </a:extLst>
+          </p:cNvPr>
+          <p:cNvSpPr txBox="1"/>
+          <p:nvPr/>
+        </p:nvSpPr>
+        <p:spPr>
+          <a:xfrm>
+            <a:off x="4139952" y="4149080"/>
+            <a:ext cx="260008" cy="276999"/>
+          </a:xfrm>
+          <a:prstGeom prst="rect">
+            <a:avLst/>
+          </a:prstGeom>
+          <a:noFill/>
+          <a:ln w="19050">
+            <a:noFill/>
+          </a:ln>
+        </p:spPr>
+        <p:txBody>
+          <a:bodyPr wrap="none" rtlCol="0">
+            <a:spAutoFit/>
+          </a:bodyPr>
+          <a:lstStyle/>
+          <a:p>
+            <a:r>
+              <a:rPr lang="en-ID" sz="1200" dirty="0"/>
+              <a:t>Y</a:t>
+            </a:r>
+            <a:endParaRPr lang="en-US" sz="1200" dirty="0"/>
+          </a:p>
+        </p:txBody>
+      </p:sp>
+      <p:sp>
+        <p:nvSpPr>
+          <p:cNvPr id="27" name="TextBox 26">
+            <a:extLst>
+              <a:ext uri="{FF2B5EF4-FFF2-40B4-BE49-F238E27FC236}">
+                <a16:creationId xmlns:a16="http://schemas.microsoft.com/office/drawing/2014/main" id="{F5BD0571-9FAA-42A1-8C32-74BB0ABB469A}"/>
+              </a:ext>
+            </a:extLst>
+          </p:cNvPr>
+          <p:cNvSpPr txBox="1"/>
+          <p:nvPr/>
+        </p:nvSpPr>
+        <p:spPr>
+          <a:xfrm>
+            <a:off x="4211960" y="5168225"/>
+            <a:ext cx="260008" cy="276999"/>
+          </a:xfrm>
+          <a:prstGeom prst="rect">
+            <a:avLst/>
+          </a:prstGeom>
+          <a:noFill/>
+          <a:ln w="19050">
+            <a:noFill/>
+          </a:ln>
+        </p:spPr>
+        <p:txBody>
+          <a:bodyPr wrap="none" rtlCol="0">
+            <a:spAutoFit/>
+          </a:bodyPr>
+          <a:lstStyle/>
+          <a:p>
+            <a:r>
+              <a:rPr lang="en-ID" sz="1200" dirty="0"/>
+              <a:t>Y</a:t>
+            </a:r>
+            <a:endParaRPr lang="en-US" sz="1200" dirty="0"/>
+          </a:p>
+        </p:txBody>
+      </p:sp>
+      <p:sp>
+        <p:nvSpPr>
+          <p:cNvPr id="28" name="Flowchart: Off-page Connector 27">
+            <a:hlinkClick r:id="rId2" action="ppaction://hlinksldjump"/>
+            <a:extLst>
+              <a:ext uri="{FF2B5EF4-FFF2-40B4-BE49-F238E27FC236}">
+                <a16:creationId xmlns:a16="http://schemas.microsoft.com/office/drawing/2014/main" id="{64471D2E-FE71-4E41-B814-A1DE6CE490E8}"/>
+              </a:ext>
+            </a:extLst>
+          </p:cNvPr>
+          <p:cNvSpPr/>
+          <p:nvPr/>
+        </p:nvSpPr>
+        <p:spPr>
+          <a:xfrm>
+            <a:off x="7596336" y="6238102"/>
+            <a:ext cx="413625" cy="367434"/>
+          </a:xfrm>
+         